--- a/GAN_Understanding/GANunderstanding.pptx
+++ b/GAN_Understanding/GANunderstanding.pptx
@@ -24,7 +24,6 @@
     <p:sldId id="289" r:id="rId17"/>
     <p:sldId id="290" r:id="rId18"/>
     <p:sldId id="292" r:id="rId19"/>
-    <p:sldId id="291" r:id="rId20"/>
   </p:sldIdLst>
   <p:sldSz cx="12192000" cy="6858000"/>
   <p:notesSz cx="10234295" cy="7103745"/>
@@ -2826,7 +2825,7 @@
         <a:spcBef>
           <a:spcPts val="1000"/>
         </a:spcBef>
-        <a:buFont typeface="Arial" panose="020B0604020202090204" pitchFamily="34" charset="0"/>
+        <a:buFont typeface="Arial" panose="020B0604020202020204" pitchFamily="34" charset="0"/>
         <a:buChar char="•"/>
         <a:defRPr sz="2800" kern="1200">
           <a:solidFill>
@@ -2844,7 +2843,7 @@
         <a:spcBef>
           <a:spcPts val="500"/>
         </a:spcBef>
-        <a:buFont typeface="Arial" panose="020B0604020202090204" pitchFamily="34" charset="0"/>
+        <a:buFont typeface="Arial" panose="020B0604020202020204" pitchFamily="34" charset="0"/>
         <a:buChar char="•"/>
         <a:defRPr sz="2400" kern="1200">
           <a:solidFill>
@@ -2862,7 +2861,7 @@
         <a:spcBef>
           <a:spcPts val="500"/>
         </a:spcBef>
-        <a:buFont typeface="Arial" panose="020B0604020202090204" pitchFamily="34" charset="0"/>
+        <a:buFont typeface="Arial" panose="020B0604020202020204" pitchFamily="34" charset="0"/>
         <a:buChar char="•"/>
         <a:defRPr sz="2000" kern="1200">
           <a:solidFill>
@@ -2880,7 +2879,7 @@
         <a:spcBef>
           <a:spcPts val="500"/>
         </a:spcBef>
-        <a:buFont typeface="Arial" panose="020B0604020202090204" pitchFamily="34" charset="0"/>
+        <a:buFont typeface="Arial" panose="020B0604020202020204" pitchFamily="34" charset="0"/>
         <a:buChar char="•"/>
         <a:defRPr sz="1800" kern="1200">
           <a:solidFill>
@@ -2898,7 +2897,7 @@
         <a:spcBef>
           <a:spcPts val="500"/>
         </a:spcBef>
-        <a:buFont typeface="Arial" panose="020B0604020202090204" pitchFamily="34" charset="0"/>
+        <a:buFont typeface="Arial" panose="020B0604020202020204" pitchFamily="34" charset="0"/>
         <a:buChar char="•"/>
         <a:defRPr sz="1800" kern="1200">
           <a:solidFill>
@@ -2916,7 +2915,7 @@
         <a:spcBef>
           <a:spcPts val="500"/>
         </a:spcBef>
-        <a:buFont typeface="Arial" panose="020B0604020202090204" pitchFamily="34" charset="0"/>
+        <a:buFont typeface="Arial" panose="020B0604020202020204" pitchFamily="34" charset="0"/>
         <a:buChar char="•"/>
         <a:defRPr sz="1800" kern="1200">
           <a:solidFill>
@@ -2934,7 +2933,7 @@
         <a:spcBef>
           <a:spcPts val="500"/>
         </a:spcBef>
-        <a:buFont typeface="Arial" panose="020B0604020202090204" pitchFamily="34" charset="0"/>
+        <a:buFont typeface="Arial" panose="020B0604020202020204" pitchFamily="34" charset="0"/>
         <a:buChar char="•"/>
         <a:defRPr sz="1800" kern="1200">
           <a:solidFill>
@@ -2952,7 +2951,7 @@
         <a:spcBef>
           <a:spcPts val="500"/>
         </a:spcBef>
-        <a:buFont typeface="Arial" panose="020B0604020202090204" pitchFamily="34" charset="0"/>
+        <a:buFont typeface="Arial" panose="020B0604020202020204" pitchFamily="34" charset="0"/>
         <a:buChar char="•"/>
         <a:defRPr sz="1800" kern="1200">
           <a:solidFill>
@@ -2970,7 +2969,7 @@
         <a:spcBef>
           <a:spcPts val="500"/>
         </a:spcBef>
-        <a:buFont typeface="Arial" panose="020B0604020202090204" pitchFamily="34" charset="0"/>
+        <a:buFont typeface="Arial" panose="020B0604020202020204" pitchFamily="34" charset="0"/>
         <a:buChar char="•"/>
         <a:defRPr sz="1800" kern="1200">
           <a:solidFill>
@@ -6027,7 +6026,7 @@
             <a:p>
               <a:pPr algn="ctr"/>
               <a:endParaRPr lang="zh-CN" altLang="en-US">
-                <a:latin typeface="Arial" panose="020B0604020202090204" pitchFamily="34" charset="0"/>
+                <a:latin typeface="Arial" panose="020B0604020202020204" pitchFamily="34" charset="0"/>
               </a:endParaRPr>
             </a:p>
           </p:txBody>
@@ -6228,7 +6227,7 @@
             <a:p>
               <a:pPr algn="ctr"/>
               <a:endParaRPr lang="zh-CN" altLang="en-US">
-                <a:latin typeface="Arial" panose="020B0604020202090204" pitchFamily="34" charset="0"/>
+                <a:latin typeface="Arial" panose="020B0604020202020204" pitchFamily="34" charset="0"/>
               </a:endParaRPr>
             </a:p>
           </p:txBody>
@@ -6519,7 +6518,7 @@
             <a:p>
               <a:pPr algn="ctr"/>
               <a:endParaRPr lang="zh-CN" altLang="en-US">
-                <a:latin typeface="Arial" panose="020B0604020202090204" pitchFamily="34" charset="0"/>
+                <a:latin typeface="Arial" panose="020B0604020202020204" pitchFamily="34" charset="0"/>
               </a:endParaRPr>
             </a:p>
           </p:txBody>
@@ -12099,7 +12098,7 @@
           </a:bodyPr>
           <a:p>
             <a:pPr marL="171450" indent="-171450">
-              <a:buFont typeface="Arial" panose="020B0604020202090204" pitchFamily="34" charset="0"/>
+              <a:buFont typeface="Arial" panose="020B0604020202020204" pitchFamily="34" charset="0"/>
               <a:buChar char="•"/>
             </a:pPr>
             <a:r>
@@ -12126,7 +12125,7 @@
           </a:p>
           <a:p>
             <a:pPr lvl="0" indent="0">
-              <a:buFont typeface="Arial" panose="020B0604020202090204" pitchFamily="34" charset="0"/>
+              <a:buFont typeface="Arial" panose="020B0604020202020204" pitchFamily="34" charset="0"/>
               <a:buNone/>
             </a:pPr>
             <a:r>
@@ -12153,7 +12152,7 @@
           </a:p>
           <a:p>
             <a:pPr lvl="0" indent="0">
-              <a:buFont typeface="Arial" panose="020B0604020202090204" pitchFamily="34" charset="0"/>
+              <a:buFont typeface="Arial" panose="020B0604020202020204" pitchFamily="34" charset="0"/>
               <a:buNone/>
             </a:pPr>
             <a:r>
@@ -12180,7 +12179,7 @@
           </a:p>
           <a:p>
             <a:pPr marL="171450" indent="-171450">
-              <a:buFont typeface="Arial" panose="020B0604020202090204" pitchFamily="34" charset="0"/>
+              <a:buFont typeface="Arial" panose="020B0604020202020204" pitchFamily="34" charset="0"/>
               <a:buChar char="•"/>
             </a:pPr>
             <a:endParaRPr lang="zh-CN" altLang="en-US" sz="1200">
@@ -12195,7 +12194,7 @@
           </a:p>
           <a:p>
             <a:pPr marL="171450" indent="-171450">
-              <a:buFont typeface="Arial" panose="020B0604020202090204" pitchFamily="34" charset="0"/>
+              <a:buFont typeface="Arial" panose="020B0604020202020204" pitchFamily="34" charset="0"/>
               <a:buChar char="•"/>
             </a:pPr>
             <a:r>
@@ -12222,7 +12221,7 @@
           </a:p>
           <a:p>
             <a:pPr indent="0">
-              <a:buFont typeface="Arial" panose="020B0604020202090204" pitchFamily="34" charset="0"/>
+              <a:buFont typeface="Arial" panose="020B0604020202020204" pitchFamily="34" charset="0"/>
               <a:buNone/>
             </a:pPr>
             <a:r>
@@ -12387,7 +12386,7 @@
             <a:p>
               <a:pPr algn="ctr"/>
               <a:endParaRPr lang="zh-CN" altLang="en-US">
-                <a:latin typeface="Arial" panose="020B0604020202090204" pitchFamily="34" charset="0"/>
+                <a:latin typeface="Arial" panose="020B0604020202020204" pitchFamily="34" charset="0"/>
               </a:endParaRPr>
             </a:p>
           </p:txBody>
@@ -12718,101 +12717,6 @@
 </p:sld>
 </file>
 
-<file path=ppt/slides/slide17.xml><?xml version="1.0" encoding="utf-8"?>
-<p:sld xmlns:a="http://schemas.openxmlformats.org/drawingml/2006/main" xmlns:r="http://schemas.openxmlformats.org/officeDocument/2006/relationships" xmlns:p="http://schemas.openxmlformats.org/presentationml/2006/main">
-  <p:cSld>
-    <p:spTree>
-      <p:nvGrpSpPr>
-        <p:cNvPr id="1" name=""/>
-        <p:cNvGrpSpPr/>
-        <p:nvPr/>
-      </p:nvGrpSpPr>
-      <p:grpSpPr>
-        <a:xfrm>
-          <a:off x="0" y="0"/>
-          <a:ext cx="0" cy="0"/>
-          <a:chOff x="0" y="0"/>
-          <a:chExt cx="0" cy="0"/>
-        </a:xfrm>
-      </p:grpSpPr>
-      <p:sp>
-        <p:nvSpPr>
-          <p:cNvPr id="5" name="文本框 4"/>
-          <p:cNvSpPr txBox="1"/>
-          <p:nvPr/>
-        </p:nvSpPr>
-        <p:spPr>
-          <a:xfrm>
-            <a:off x="335280" y="574675"/>
-            <a:ext cx="3050540" cy="521970"/>
-          </a:xfrm>
-          <a:prstGeom prst="rect">
-            <a:avLst/>
-          </a:prstGeom>
-          <a:noFill/>
-        </p:spPr>
-        <p:txBody>
-          <a:bodyPr wrap="square" rtlCol="0">
-            <a:spAutoFit/>
-          </a:bodyPr>
-          <a:lstStyle/>
-          <a:p>
-            <a:r>
-              <a:rPr lang="en-US" altLang="zh-CN" sz="2800" b="1">
-                <a:latin typeface="微软雅黑" panose="020B0503020204020204" charset="-122"/>
-                <a:ea typeface="微软雅黑" panose="020B0503020204020204" charset="-122"/>
-              </a:rPr>
-              <a:t>EfficientNet</a:t>
-            </a:r>
-            <a:endParaRPr lang="en-US" altLang="zh-CN" sz="2800" b="1">
-              <a:latin typeface="微软雅黑" panose="020B0503020204020204" charset="-122"/>
-              <a:ea typeface="微软雅黑" panose="020B0503020204020204" charset="-122"/>
-            </a:endParaRPr>
-          </a:p>
-        </p:txBody>
-      </p:sp>
-      <p:sp>
-        <p:nvSpPr>
-          <p:cNvPr id="3" name="内容占位符 2"/>
-          <p:cNvSpPr>
-            <a:spLocks noGrp="1"/>
-          </p:cNvSpPr>
-          <p:nvPr>
-            <p:ph idx="1"/>
-          </p:nvPr>
-        </p:nvSpPr>
-        <p:spPr>
-          <a:xfrm>
-            <a:off x="436880" y="1284605"/>
-            <a:ext cx="9144000" cy="804545"/>
-          </a:xfrm>
-        </p:spPr>
-        <p:txBody>
-          <a:bodyPr/>
-          <a:p>
-            <a:pPr algn="l"/>
-            <a:r>
-              <a:rPr lang="zh-CN" altLang="en-US" sz="1800">
-                <a:latin typeface="微软雅黑" panose="020B0503020204020204" charset="-122"/>
-                <a:ea typeface="微软雅黑" panose="020B0503020204020204" charset="-122"/>
-              </a:rPr>
-              <a:t>目标：降低计算复杂度，确保一定的精度，能够在移动端或嵌入式设备上运行</a:t>
-            </a:r>
-            <a:endParaRPr lang="zh-CN" altLang="en-US" sz="1800">
-              <a:latin typeface="微软雅黑" panose="020B0503020204020204" charset="-122"/>
-              <a:ea typeface="微软雅黑" panose="020B0503020204020204" charset="-122"/>
-            </a:endParaRPr>
-          </a:p>
-        </p:txBody>
-      </p:sp>
-    </p:spTree>
-  </p:cSld>
-  <p:clrMapOvr>
-    <a:masterClrMapping/>
-  </p:clrMapOvr>
-</p:sld>
-</file>
-
 <file path=ppt/slides/slide2.xml><?xml version="1.0" encoding="utf-8"?>
 <p:sld xmlns:a="http://schemas.openxmlformats.org/drawingml/2006/main" xmlns:r="http://schemas.openxmlformats.org/officeDocument/2006/relationships" xmlns:p="http://schemas.openxmlformats.org/presentationml/2006/main">
   <p:cSld>
@@ -12988,6 +12892,145 @@
           </a:p>
         </p:txBody>
       </p:sp>
+      <p:pic>
+        <p:nvPicPr>
+          <p:cNvPr id="4" name="图片 3" descr="gen_models_diag_1"/>
+          <p:cNvPicPr>
+            <a:picLocks noChangeAspect="1"/>
+          </p:cNvPicPr>
+          <p:nvPr/>
+        </p:nvPicPr>
+        <p:blipFill>
+          <a:blip r:embed="rId1">
+            <a:extLst>
+              <a:ext uri="{96DAC541-7B7A-43D3-8B79-37D633B846F1}">
+                <asvg:svgBlip xmlns:asvg="http://schemas.microsoft.com/office/drawing/2016/SVG/main" r:embed="rId2"/>
+              </a:ext>
+            </a:extLst>
+          </a:blip>
+          <a:stretch>
+            <a:fillRect/>
+          </a:stretch>
+        </p:blipFill>
+        <p:spPr>
+          <a:xfrm>
+            <a:off x="1303020" y="1216660"/>
+            <a:ext cx="9144000" cy="3619500"/>
+          </a:xfrm>
+          <a:prstGeom prst="rect">
+            <a:avLst/>
+          </a:prstGeom>
+        </p:spPr>
+      </p:pic>
+      <p:sp>
+        <p:nvSpPr>
+          <p:cNvPr id="72" name="文本框 71"/>
+          <p:cNvSpPr txBox="1"/>
+          <p:nvPr/>
+        </p:nvSpPr>
+        <p:spPr>
+          <a:xfrm>
+            <a:off x="1303020" y="1726565"/>
+            <a:ext cx="1522095" cy="306705"/>
+          </a:xfrm>
+          <a:prstGeom prst="rect">
+            <a:avLst/>
+          </a:prstGeom>
+          <a:noFill/>
+        </p:spPr>
+        <p:txBody>
+          <a:bodyPr wrap="square" rtlCol="0">
+            <a:spAutoFit/>
+          </a:bodyPr>
+          <a:p>
+            <a:pPr algn="ctr"/>
+            <a:r>
+              <a:rPr lang="en-US" altLang="zh-CN" sz="1400" b="1">
+                <a:solidFill>
+                  <a:srgbClr val="0070C0"/>
+                </a:solidFill>
+                <a:latin typeface="微软雅黑" panose="020B0503020204020204" charset="-122"/>
+                <a:ea typeface="微软雅黑" panose="020B0503020204020204" charset="-122"/>
+              </a:rPr>
+              <a:t>Generator</a:t>
+            </a:r>
+            <a:endParaRPr lang="en-US" altLang="zh-CN" sz="1400" b="1">
+              <a:solidFill>
+                <a:srgbClr val="0070C0"/>
+              </a:solidFill>
+              <a:latin typeface="微软雅黑" panose="020B0503020204020204" charset="-122"/>
+              <a:ea typeface="微软雅黑" panose="020B0503020204020204" charset="-122"/>
+            </a:endParaRPr>
+          </a:p>
+        </p:txBody>
+      </p:sp>
+      <p:sp>
+        <p:nvSpPr>
+          <p:cNvPr id="54" name="矩形 53"/>
+          <p:cNvSpPr/>
+          <p:nvPr/>
+        </p:nvSpPr>
+        <p:spPr>
+          <a:xfrm>
+            <a:off x="579120" y="6280150"/>
+            <a:ext cx="2900680" cy="215900"/>
+          </a:xfrm>
+          <a:prstGeom prst="rect">
+            <a:avLst/>
+          </a:prstGeom>
+          <a:solidFill>
+            <a:schemeClr val="bg1"/>
+          </a:solidFill>
+          <a:ln>
+            <a:noFill/>
+          </a:ln>
+        </p:spPr>
+        <p:style>
+          <a:lnRef idx="2">
+            <a:schemeClr val="accent1">
+              <a:shade val="50000"/>
+            </a:schemeClr>
+          </a:lnRef>
+          <a:fillRef idx="1">
+            <a:schemeClr val="accent1"/>
+          </a:fillRef>
+          <a:effectRef idx="0">
+            <a:schemeClr val="accent1"/>
+          </a:effectRef>
+          <a:fontRef idx="minor">
+            <a:schemeClr val="lt1"/>
+          </a:fontRef>
+        </p:style>
+        <p:txBody>
+          <a:bodyPr rtlCol="0" anchor="ctr"/>
+          <a:p>
+            <a:pPr algn="l"/>
+            <a:r>
+              <a:rPr lang="en-US" altLang="zh-CN" sz="800">
+                <a:solidFill>
+                  <a:schemeClr val="tx1">
+                    <a:lumMod val="50000"/>
+                    <a:lumOff val="50000"/>
+                  </a:schemeClr>
+                </a:solidFill>
+                <a:latin typeface="微软雅黑" panose="020B0503020204020204" charset="-122"/>
+                <a:ea typeface="微软雅黑" panose="020B0503020204020204" charset="-122"/>
+              </a:rPr>
+              <a:t>source: https://openai.com/blog/generative-models/</a:t>
+            </a:r>
+            <a:endParaRPr lang="en-US" altLang="zh-CN" sz="800">
+              <a:solidFill>
+                <a:schemeClr val="tx1">
+                  <a:lumMod val="50000"/>
+                  <a:lumOff val="50000"/>
+                </a:schemeClr>
+              </a:solidFill>
+              <a:latin typeface="微软雅黑" panose="020B0503020204020204" charset="-122"/>
+              <a:ea typeface="微软雅黑" panose="020B0503020204020204" charset="-122"/>
+            </a:endParaRPr>
+          </a:p>
+        </p:txBody>
+      </p:sp>
     </p:spTree>
   </p:cSld>
   <p:clrMapOvr>
@@ -16809,7 +16852,7 @@
                     <a:lumOff val="50000"/>
                   </a:schemeClr>
                 </a:solidFill>
-                <a:latin typeface="Arial" panose="020B0604020202090204" pitchFamily="34" charset="0"/>
+                <a:latin typeface="Arial" panose="020B0604020202020204" pitchFamily="34" charset="0"/>
               </a:rPr>
               <a:t>221x221x96</a:t>
             </a:r>
@@ -16820,7 +16863,7 @@
                   <a:lumOff val="50000"/>
                 </a:schemeClr>
               </a:solidFill>
-              <a:latin typeface="Arial" panose="020B0604020202090204" pitchFamily="34" charset="0"/>
+              <a:latin typeface="Arial" panose="020B0604020202020204" pitchFamily="34" charset="0"/>
             </a:endParaRPr>
           </a:p>
         </p:txBody>
@@ -16874,7 +16917,7 @@
                     <a:lumOff val="50000"/>
                   </a:schemeClr>
                 </a:solidFill>
-                <a:latin typeface="Arial" panose="020B0604020202090204" pitchFamily="34" charset="0"/>
+                <a:latin typeface="Arial" panose="020B0604020202020204" pitchFamily="34" charset="0"/>
               </a:rPr>
               <a:t>36x36x256</a:t>
             </a:r>
@@ -16885,7 +16928,7 @@
                   <a:lumOff val="50000"/>
                 </a:schemeClr>
               </a:solidFill>
-              <a:latin typeface="Arial" panose="020B0604020202090204" pitchFamily="34" charset="0"/>
+              <a:latin typeface="Arial" panose="020B0604020202020204" pitchFamily="34" charset="0"/>
             </a:endParaRPr>
           </a:p>
         </p:txBody>
@@ -16939,7 +16982,7 @@
                     <a:lumOff val="50000"/>
                   </a:schemeClr>
                 </a:solidFill>
-                <a:latin typeface="Arial" panose="020B0604020202090204" pitchFamily="34" charset="0"/>
+                <a:latin typeface="Arial" panose="020B0604020202020204" pitchFamily="34" charset="0"/>
               </a:rPr>
               <a:t>15x15x512</a:t>
             </a:r>
@@ -16950,7 +16993,7 @@
                   <a:lumOff val="50000"/>
                 </a:schemeClr>
               </a:solidFill>
-              <a:latin typeface="Arial" panose="020B0604020202090204" pitchFamily="34" charset="0"/>
+              <a:latin typeface="Arial" panose="020B0604020202020204" pitchFamily="34" charset="0"/>
             </a:endParaRPr>
           </a:p>
         </p:txBody>
@@ -17004,7 +17047,7 @@
                     <a:lumOff val="50000"/>
                   </a:schemeClr>
                 </a:solidFill>
-                <a:latin typeface="Arial" panose="020B0604020202090204" pitchFamily="34" charset="0"/>
+                <a:latin typeface="Arial" panose="020B0604020202020204" pitchFamily="34" charset="0"/>
               </a:rPr>
               <a:t>15x15x512</a:t>
             </a:r>
@@ -17015,7 +17058,7 @@
                   <a:lumOff val="50000"/>
                 </a:schemeClr>
               </a:solidFill>
-              <a:latin typeface="Arial" panose="020B0604020202090204" pitchFamily="34" charset="0"/>
+              <a:latin typeface="Arial" panose="020B0604020202020204" pitchFamily="34" charset="0"/>
             </a:endParaRPr>
           </a:p>
         </p:txBody>
@@ -17069,7 +17112,7 @@
                     <a:lumOff val="50000"/>
                   </a:schemeClr>
                 </a:solidFill>
-                <a:latin typeface="Arial" panose="020B0604020202090204" pitchFamily="34" charset="0"/>
+                <a:latin typeface="Arial" panose="020B0604020202020204" pitchFamily="34" charset="0"/>
               </a:rPr>
               <a:t>15x15x1024</a:t>
             </a:r>
@@ -17080,7 +17123,7 @@
                   <a:lumOff val="50000"/>
                 </a:schemeClr>
               </a:solidFill>
-              <a:latin typeface="Arial" panose="020B0604020202090204" pitchFamily="34" charset="0"/>
+              <a:latin typeface="Arial" panose="020B0604020202020204" pitchFamily="34" charset="0"/>
             </a:endParaRPr>
           </a:p>
         </p:txBody>
@@ -18167,7 +18210,7 @@
               <a:lnSpc>
                 <a:spcPct val="90000"/>
               </a:lnSpc>
-              <a:buFont typeface="Arial" panose="020B0604020202090204" pitchFamily="34" charset="0"/>
+              <a:buFont typeface="Arial" panose="020B0604020202020204" pitchFamily="34" charset="0"/>
               <a:buChar char="•"/>
             </a:pPr>
             <a:r>
@@ -18225,7 +18268,7 @@
               <a:lnSpc>
                 <a:spcPct val="90000"/>
               </a:lnSpc>
-              <a:buFont typeface="Arial" panose="020B0604020202090204" pitchFamily="34" charset="0"/>
+              <a:buFont typeface="Arial" panose="020B0604020202020204" pitchFamily="34" charset="0"/>
               <a:buNone/>
             </a:pPr>
             <a:r>
@@ -18270,7 +18313,7 @@
               <a:lnSpc>
                 <a:spcPct val="90000"/>
               </a:lnSpc>
-              <a:buFont typeface="Arial" panose="020B0604020202090204" pitchFamily="34" charset="0"/>
+              <a:buFont typeface="Arial" panose="020B0604020202020204" pitchFamily="34" charset="0"/>
               <a:buChar char="•"/>
             </a:pPr>
             <a:endParaRPr lang="zh-CN" altLang="en-US" sz="1200">
@@ -18289,7 +18332,7 @@
               <a:lnSpc>
                 <a:spcPct val="90000"/>
               </a:lnSpc>
-              <a:buFont typeface="Arial" panose="020B0604020202090204" pitchFamily="34" charset="0"/>
+              <a:buFont typeface="Arial" panose="020B0604020202020204" pitchFamily="34" charset="0"/>
               <a:buChar char="•"/>
             </a:pPr>
             <a:r>
@@ -18347,7 +18390,7 @@
               <a:lnSpc>
                 <a:spcPct val="90000"/>
               </a:lnSpc>
-              <a:buFont typeface="Arial" panose="020B0604020202090204" pitchFamily="34" charset="0"/>
+              <a:buFont typeface="Arial" panose="020B0604020202020204" pitchFamily="34" charset="0"/>
               <a:buNone/>
             </a:pPr>
             <a:r>
@@ -18392,7 +18435,7 @@
               <a:lnSpc>
                 <a:spcPct val="90000"/>
               </a:lnSpc>
-              <a:buFont typeface="Arial" panose="020B0604020202090204" pitchFamily="34" charset="0"/>
+              <a:buFont typeface="Arial" panose="020B0604020202020204" pitchFamily="34" charset="0"/>
               <a:buChar char="•"/>
             </a:pPr>
             <a:endParaRPr lang="zh-CN" altLang="en-US" sz="1200">
@@ -18411,7 +18454,7 @@
               <a:lnSpc>
                 <a:spcPct val="90000"/>
               </a:lnSpc>
-              <a:buFont typeface="Arial" panose="020B0604020202090204" pitchFamily="34" charset="0"/>
+              <a:buFont typeface="Arial" panose="020B0604020202020204" pitchFamily="34" charset="0"/>
               <a:buChar char="•"/>
             </a:pPr>
             <a:r>
@@ -18472,7 +18515,7 @@
               <a:lnSpc>
                 <a:spcPct val="90000"/>
               </a:lnSpc>
-              <a:buFont typeface="Arial" panose="020B0604020202090204" pitchFamily="34" charset="0"/>
+              <a:buFont typeface="Arial" panose="020B0604020202020204" pitchFamily="34" charset="0"/>
               <a:buNone/>
             </a:pPr>
             <a:r>

--- a/GAN_Understanding/GANunderstanding.pptx
+++ b/GAN_Understanding/GANunderstanding.pptx
@@ -2825,7 +2825,7 @@
         <a:spcBef>
           <a:spcPts val="1000"/>
         </a:spcBef>
-        <a:buFont typeface="Arial" panose="020B0604020202020204" pitchFamily="34" charset="0"/>
+        <a:buFont typeface="Arial" panose="020B0604020202090204" pitchFamily="34" charset="0"/>
         <a:buChar char="•"/>
         <a:defRPr sz="2800" kern="1200">
           <a:solidFill>
@@ -2843,7 +2843,7 @@
         <a:spcBef>
           <a:spcPts val="500"/>
         </a:spcBef>
-        <a:buFont typeface="Arial" panose="020B0604020202020204" pitchFamily="34" charset="0"/>
+        <a:buFont typeface="Arial" panose="020B0604020202090204" pitchFamily="34" charset="0"/>
         <a:buChar char="•"/>
         <a:defRPr sz="2400" kern="1200">
           <a:solidFill>
@@ -2861,7 +2861,7 @@
         <a:spcBef>
           <a:spcPts val="500"/>
         </a:spcBef>
-        <a:buFont typeface="Arial" panose="020B0604020202020204" pitchFamily="34" charset="0"/>
+        <a:buFont typeface="Arial" panose="020B0604020202090204" pitchFamily="34" charset="0"/>
         <a:buChar char="•"/>
         <a:defRPr sz="2000" kern="1200">
           <a:solidFill>
@@ -2879,7 +2879,7 @@
         <a:spcBef>
           <a:spcPts val="500"/>
         </a:spcBef>
-        <a:buFont typeface="Arial" panose="020B0604020202020204" pitchFamily="34" charset="0"/>
+        <a:buFont typeface="Arial" panose="020B0604020202090204" pitchFamily="34" charset="0"/>
         <a:buChar char="•"/>
         <a:defRPr sz="1800" kern="1200">
           <a:solidFill>
@@ -2897,7 +2897,7 @@
         <a:spcBef>
           <a:spcPts val="500"/>
         </a:spcBef>
-        <a:buFont typeface="Arial" panose="020B0604020202020204" pitchFamily="34" charset="0"/>
+        <a:buFont typeface="Arial" panose="020B0604020202090204" pitchFamily="34" charset="0"/>
         <a:buChar char="•"/>
         <a:defRPr sz="1800" kern="1200">
           <a:solidFill>
@@ -2915,7 +2915,7 @@
         <a:spcBef>
           <a:spcPts val="500"/>
         </a:spcBef>
-        <a:buFont typeface="Arial" panose="020B0604020202020204" pitchFamily="34" charset="0"/>
+        <a:buFont typeface="Arial" panose="020B0604020202090204" pitchFamily="34" charset="0"/>
         <a:buChar char="•"/>
         <a:defRPr sz="1800" kern="1200">
           <a:solidFill>
@@ -2933,7 +2933,7 @@
         <a:spcBef>
           <a:spcPts val="500"/>
         </a:spcBef>
-        <a:buFont typeface="Arial" panose="020B0604020202020204" pitchFamily="34" charset="0"/>
+        <a:buFont typeface="Arial" panose="020B0604020202090204" pitchFamily="34" charset="0"/>
         <a:buChar char="•"/>
         <a:defRPr sz="1800" kern="1200">
           <a:solidFill>
@@ -2951,7 +2951,7 @@
         <a:spcBef>
           <a:spcPts val="500"/>
         </a:spcBef>
-        <a:buFont typeface="Arial" panose="020B0604020202020204" pitchFamily="34" charset="0"/>
+        <a:buFont typeface="Arial" panose="020B0604020202090204" pitchFamily="34" charset="0"/>
         <a:buChar char="•"/>
         <a:defRPr sz="1800" kern="1200">
           <a:solidFill>
@@ -2969,7 +2969,7 @@
         <a:spcBef>
           <a:spcPts val="500"/>
         </a:spcBef>
-        <a:buFont typeface="Arial" panose="020B0604020202020204" pitchFamily="34" charset="0"/>
+        <a:buFont typeface="Arial" panose="020B0604020202090204" pitchFamily="34" charset="0"/>
         <a:buChar char="•"/>
         <a:defRPr sz="1800" kern="1200">
           <a:solidFill>
@@ -6026,7 +6026,7 @@
             <a:p>
               <a:pPr algn="ctr"/>
               <a:endParaRPr lang="zh-CN" altLang="en-US">
-                <a:latin typeface="Arial" panose="020B0604020202020204" pitchFamily="34" charset="0"/>
+                <a:latin typeface="Arial" panose="020B0604020202090204" pitchFamily="34" charset="0"/>
               </a:endParaRPr>
             </a:p>
           </p:txBody>
@@ -6227,7 +6227,7 @@
             <a:p>
               <a:pPr algn="ctr"/>
               <a:endParaRPr lang="zh-CN" altLang="en-US">
-                <a:latin typeface="Arial" panose="020B0604020202020204" pitchFamily="34" charset="0"/>
+                <a:latin typeface="Arial" panose="020B0604020202090204" pitchFamily="34" charset="0"/>
               </a:endParaRPr>
             </a:p>
           </p:txBody>
@@ -6518,7 +6518,7 @@
             <a:p>
               <a:pPr algn="ctr"/>
               <a:endParaRPr lang="zh-CN" altLang="en-US">
-                <a:latin typeface="Arial" panose="020B0604020202020204" pitchFamily="34" charset="0"/>
+                <a:latin typeface="Arial" panose="020B0604020202090204" pitchFamily="34" charset="0"/>
               </a:endParaRPr>
             </a:p>
           </p:txBody>
@@ -12098,7 +12098,7 @@
           </a:bodyPr>
           <a:p>
             <a:pPr marL="171450" indent="-171450">
-              <a:buFont typeface="Arial" panose="020B0604020202020204" pitchFamily="34" charset="0"/>
+              <a:buFont typeface="Arial" panose="020B0604020202090204" pitchFamily="34" charset="0"/>
               <a:buChar char="•"/>
             </a:pPr>
             <a:r>
@@ -12125,7 +12125,7 @@
           </a:p>
           <a:p>
             <a:pPr lvl="0" indent="0">
-              <a:buFont typeface="Arial" panose="020B0604020202020204" pitchFamily="34" charset="0"/>
+              <a:buFont typeface="Arial" panose="020B0604020202090204" pitchFamily="34" charset="0"/>
               <a:buNone/>
             </a:pPr>
             <a:r>
@@ -12152,7 +12152,7 @@
           </a:p>
           <a:p>
             <a:pPr lvl="0" indent="0">
-              <a:buFont typeface="Arial" panose="020B0604020202020204" pitchFamily="34" charset="0"/>
+              <a:buFont typeface="Arial" panose="020B0604020202090204" pitchFamily="34" charset="0"/>
               <a:buNone/>
             </a:pPr>
             <a:r>
@@ -12179,7 +12179,7 @@
           </a:p>
           <a:p>
             <a:pPr marL="171450" indent="-171450">
-              <a:buFont typeface="Arial" panose="020B0604020202020204" pitchFamily="34" charset="0"/>
+              <a:buFont typeface="Arial" panose="020B0604020202090204" pitchFamily="34" charset="0"/>
               <a:buChar char="•"/>
             </a:pPr>
             <a:endParaRPr lang="zh-CN" altLang="en-US" sz="1200">
@@ -12194,7 +12194,7 @@
           </a:p>
           <a:p>
             <a:pPr marL="171450" indent="-171450">
-              <a:buFont typeface="Arial" panose="020B0604020202020204" pitchFamily="34" charset="0"/>
+              <a:buFont typeface="Arial" panose="020B0604020202090204" pitchFamily="34" charset="0"/>
               <a:buChar char="•"/>
             </a:pPr>
             <a:r>
@@ -12221,7 +12221,7 @@
           </a:p>
           <a:p>
             <a:pPr indent="0">
-              <a:buFont typeface="Arial" panose="020B0604020202020204" pitchFamily="34" charset="0"/>
+              <a:buFont typeface="Arial" panose="020B0604020202090204" pitchFamily="34" charset="0"/>
               <a:buNone/>
             </a:pPr>
             <a:r>
@@ -12386,7 +12386,7 @@
             <a:p>
               <a:pPr algn="ctr"/>
               <a:endParaRPr lang="zh-CN" altLang="en-US">
-                <a:latin typeface="Arial" panose="020B0604020202020204" pitchFamily="34" charset="0"/>
+                <a:latin typeface="Arial" panose="020B0604020202090204" pitchFamily="34" charset="0"/>
               </a:endParaRPr>
             </a:p>
           </p:txBody>
@@ -12901,21 +12901,15 @@
           <p:nvPr/>
         </p:nvPicPr>
         <p:blipFill>
-          <a:blip r:embed="rId1">
-            <a:extLst>
-              <a:ext uri="{96DAC541-7B7A-43D3-8B79-37D633B846F1}">
-                <asvg:svgBlip xmlns:asvg="http://schemas.microsoft.com/office/drawing/2016/SVG/main" r:embed="rId2"/>
-              </a:ext>
-            </a:extLst>
-          </a:blip>
+          <a:blip r:embed="rId1"/>
           <a:stretch>
             <a:fillRect/>
           </a:stretch>
         </p:blipFill>
         <p:spPr>
           <a:xfrm>
-            <a:off x="1303020" y="1216660"/>
-            <a:ext cx="9144000" cy="3619500"/>
+            <a:off x="1369695" y="484505"/>
+            <a:ext cx="6736715" cy="2666365"/>
           </a:xfrm>
           <a:prstGeom prst="rect">
             <a:avLst/>
@@ -12930,7 +12924,7 @@
         </p:nvSpPr>
         <p:spPr>
           <a:xfrm>
-            <a:off x="1303020" y="1726565"/>
+            <a:off x="476885" y="793750"/>
             <a:ext cx="1522095" cy="306705"/>
           </a:xfrm>
           <a:prstGeom prst="rect">
@@ -13028,6 +13022,60 @@
               <a:latin typeface="微软雅黑" panose="020B0503020204020204" charset="-122"/>
               <a:ea typeface="微软雅黑" panose="020B0503020204020204" charset="-122"/>
             </a:endParaRPr>
+          </a:p>
+        </p:txBody>
+      </p:sp>
+      <p:sp>
+        <p:nvSpPr>
+          <p:cNvPr id="28" name="立方体 27"/>
+          <p:cNvSpPr/>
+          <p:nvPr/>
+        </p:nvSpPr>
+        <p:spPr>
+          <a:xfrm>
+            <a:off x="1774190" y="3572510"/>
+            <a:ext cx="2372360" cy="563880"/>
+          </a:xfrm>
+          <a:prstGeom prst="cube">
+            <a:avLst>
+              <a:gd name="adj" fmla="val 36373"/>
+            </a:avLst>
+          </a:prstGeom>
+          <a:solidFill>
+            <a:schemeClr val="accent4">
+              <a:lumMod val="20000"/>
+              <a:lumOff val="80000"/>
+            </a:schemeClr>
+          </a:solidFill>
+          <a:ln w="3175">
+            <a:solidFill>
+              <a:schemeClr val="bg1">
+                <a:lumMod val="65000"/>
+              </a:schemeClr>
+            </a:solidFill>
+          </a:ln>
+        </p:spPr>
+        <p:style>
+          <a:lnRef idx="2">
+            <a:schemeClr val="accent1">
+              <a:shade val="50000"/>
+            </a:schemeClr>
+          </a:lnRef>
+          <a:fillRef idx="1">
+            <a:schemeClr val="accent1"/>
+          </a:fillRef>
+          <a:effectRef idx="0">
+            <a:schemeClr val="accent1"/>
+          </a:effectRef>
+          <a:fontRef idx="minor">
+            <a:schemeClr val="lt1"/>
+          </a:fontRef>
+        </p:style>
+        <p:txBody>
+          <a:bodyPr rtlCol="0" anchor="ctr"/>
+          <a:p>
+            <a:pPr algn="ctr"/>
+            <a:endParaRPr lang="zh-CN" altLang="en-US"/>
           </a:p>
         </p:txBody>
       </p:sp>
@@ -16852,7 +16900,7 @@
                     <a:lumOff val="50000"/>
                   </a:schemeClr>
                 </a:solidFill>
-                <a:latin typeface="Arial" panose="020B0604020202020204" pitchFamily="34" charset="0"/>
+                <a:latin typeface="Arial" panose="020B0604020202090204" pitchFamily="34" charset="0"/>
               </a:rPr>
               <a:t>221x221x96</a:t>
             </a:r>
@@ -16863,7 +16911,7 @@
                   <a:lumOff val="50000"/>
                 </a:schemeClr>
               </a:solidFill>
-              <a:latin typeface="Arial" panose="020B0604020202020204" pitchFamily="34" charset="0"/>
+              <a:latin typeface="Arial" panose="020B0604020202090204" pitchFamily="34" charset="0"/>
             </a:endParaRPr>
           </a:p>
         </p:txBody>
@@ -16917,7 +16965,7 @@
                     <a:lumOff val="50000"/>
                   </a:schemeClr>
                 </a:solidFill>
-                <a:latin typeface="Arial" panose="020B0604020202020204" pitchFamily="34" charset="0"/>
+                <a:latin typeface="Arial" panose="020B0604020202090204" pitchFamily="34" charset="0"/>
               </a:rPr>
               <a:t>36x36x256</a:t>
             </a:r>
@@ -16928,7 +16976,7 @@
                   <a:lumOff val="50000"/>
                 </a:schemeClr>
               </a:solidFill>
-              <a:latin typeface="Arial" panose="020B0604020202020204" pitchFamily="34" charset="0"/>
+              <a:latin typeface="Arial" panose="020B0604020202090204" pitchFamily="34" charset="0"/>
             </a:endParaRPr>
           </a:p>
         </p:txBody>
@@ -16982,7 +17030,7 @@
                     <a:lumOff val="50000"/>
                   </a:schemeClr>
                 </a:solidFill>
-                <a:latin typeface="Arial" panose="020B0604020202020204" pitchFamily="34" charset="0"/>
+                <a:latin typeface="Arial" panose="020B0604020202090204" pitchFamily="34" charset="0"/>
               </a:rPr>
               <a:t>15x15x512</a:t>
             </a:r>
@@ -16993,7 +17041,7 @@
                   <a:lumOff val="50000"/>
                 </a:schemeClr>
               </a:solidFill>
-              <a:latin typeface="Arial" panose="020B0604020202020204" pitchFamily="34" charset="0"/>
+              <a:latin typeface="Arial" panose="020B0604020202090204" pitchFamily="34" charset="0"/>
             </a:endParaRPr>
           </a:p>
         </p:txBody>
@@ -17047,7 +17095,7 @@
                     <a:lumOff val="50000"/>
                   </a:schemeClr>
                 </a:solidFill>
-                <a:latin typeface="Arial" panose="020B0604020202020204" pitchFamily="34" charset="0"/>
+                <a:latin typeface="Arial" panose="020B0604020202090204" pitchFamily="34" charset="0"/>
               </a:rPr>
               <a:t>15x15x512</a:t>
             </a:r>
@@ -17058,7 +17106,7 @@
                   <a:lumOff val="50000"/>
                 </a:schemeClr>
               </a:solidFill>
-              <a:latin typeface="Arial" panose="020B0604020202020204" pitchFamily="34" charset="0"/>
+              <a:latin typeface="Arial" panose="020B0604020202090204" pitchFamily="34" charset="0"/>
             </a:endParaRPr>
           </a:p>
         </p:txBody>
@@ -17112,7 +17160,7 @@
                     <a:lumOff val="50000"/>
                   </a:schemeClr>
                 </a:solidFill>
-                <a:latin typeface="Arial" panose="020B0604020202020204" pitchFamily="34" charset="0"/>
+                <a:latin typeface="Arial" panose="020B0604020202090204" pitchFamily="34" charset="0"/>
               </a:rPr>
               <a:t>15x15x1024</a:t>
             </a:r>
@@ -17123,7 +17171,7 @@
                   <a:lumOff val="50000"/>
                 </a:schemeClr>
               </a:solidFill>
-              <a:latin typeface="Arial" panose="020B0604020202020204" pitchFamily="34" charset="0"/>
+              <a:latin typeface="Arial" panose="020B0604020202090204" pitchFamily="34" charset="0"/>
             </a:endParaRPr>
           </a:p>
         </p:txBody>
@@ -18210,7 +18258,7 @@
               <a:lnSpc>
                 <a:spcPct val="90000"/>
               </a:lnSpc>
-              <a:buFont typeface="Arial" panose="020B0604020202020204" pitchFamily="34" charset="0"/>
+              <a:buFont typeface="Arial" panose="020B0604020202090204" pitchFamily="34" charset="0"/>
               <a:buChar char="•"/>
             </a:pPr>
             <a:r>
@@ -18268,7 +18316,7 @@
               <a:lnSpc>
                 <a:spcPct val="90000"/>
               </a:lnSpc>
-              <a:buFont typeface="Arial" panose="020B0604020202020204" pitchFamily="34" charset="0"/>
+              <a:buFont typeface="Arial" panose="020B0604020202090204" pitchFamily="34" charset="0"/>
               <a:buNone/>
             </a:pPr>
             <a:r>
@@ -18313,7 +18361,7 @@
               <a:lnSpc>
                 <a:spcPct val="90000"/>
               </a:lnSpc>
-              <a:buFont typeface="Arial" panose="020B0604020202020204" pitchFamily="34" charset="0"/>
+              <a:buFont typeface="Arial" panose="020B0604020202090204" pitchFamily="34" charset="0"/>
               <a:buChar char="•"/>
             </a:pPr>
             <a:endParaRPr lang="zh-CN" altLang="en-US" sz="1200">
@@ -18332,7 +18380,7 @@
               <a:lnSpc>
                 <a:spcPct val="90000"/>
               </a:lnSpc>
-              <a:buFont typeface="Arial" panose="020B0604020202020204" pitchFamily="34" charset="0"/>
+              <a:buFont typeface="Arial" panose="020B0604020202090204" pitchFamily="34" charset="0"/>
               <a:buChar char="•"/>
             </a:pPr>
             <a:r>
@@ -18390,7 +18438,7 @@
               <a:lnSpc>
                 <a:spcPct val="90000"/>
               </a:lnSpc>
-              <a:buFont typeface="Arial" panose="020B0604020202020204" pitchFamily="34" charset="0"/>
+              <a:buFont typeface="Arial" panose="020B0604020202090204" pitchFamily="34" charset="0"/>
               <a:buNone/>
             </a:pPr>
             <a:r>
@@ -18435,7 +18483,7 @@
               <a:lnSpc>
                 <a:spcPct val="90000"/>
               </a:lnSpc>
-              <a:buFont typeface="Arial" panose="020B0604020202020204" pitchFamily="34" charset="0"/>
+              <a:buFont typeface="Arial" panose="020B0604020202090204" pitchFamily="34" charset="0"/>
               <a:buChar char="•"/>
             </a:pPr>
             <a:endParaRPr lang="zh-CN" altLang="en-US" sz="1200">
@@ -18454,7 +18502,7 @@
               <a:lnSpc>
                 <a:spcPct val="90000"/>
               </a:lnSpc>
-              <a:buFont typeface="Arial" panose="020B0604020202020204" pitchFamily="34" charset="0"/>
+              <a:buFont typeface="Arial" panose="020B0604020202090204" pitchFamily="34" charset="0"/>
               <a:buChar char="•"/>
             </a:pPr>
             <a:r>
@@ -18515,7 +18563,7 @@
               <a:lnSpc>
                 <a:spcPct val="90000"/>
               </a:lnSpc>
-              <a:buFont typeface="Arial" panose="020B0604020202020204" pitchFamily="34" charset="0"/>
+              <a:buFont typeface="Arial" panose="020B0604020202090204" pitchFamily="34" charset="0"/>
               <a:buNone/>
             </a:pPr>
             <a:r>

--- a/GAN_Understanding/GANunderstanding.pptx
+++ b/GAN_Understanding/GANunderstanding.pptx
@@ -5,28 +5,28 @@
     <p:sldMasterId id="2147483648" r:id="rId1"/>
   </p:sldMasterIdLst>
   <p:notesMasterIdLst>
-    <p:notesMasterId r:id="rId9"/>
+    <p:notesMasterId r:id="rId18"/>
   </p:notesMasterIdLst>
   <p:sldIdLst>
-    <p:sldId id="267" r:id="rId3"/>
-    <p:sldId id="266" r:id="rId4"/>
-    <p:sldId id="279" r:id="rId5"/>
-    <p:sldId id="257" r:id="rId6"/>
-    <p:sldId id="280" r:id="rId7"/>
-    <p:sldId id="259" r:id="rId8"/>
-    <p:sldId id="258" r:id="rId10"/>
-    <p:sldId id="261" r:id="rId11"/>
-    <p:sldId id="260" r:id="rId12"/>
-    <p:sldId id="263" r:id="rId13"/>
-    <p:sldId id="264" r:id="rId14"/>
-    <p:sldId id="265" r:id="rId15"/>
-    <p:sldId id="288" r:id="rId16"/>
-    <p:sldId id="289" r:id="rId17"/>
-    <p:sldId id="290" r:id="rId18"/>
-    <p:sldId id="292" r:id="rId19"/>
+    <p:sldId id="267" r:id="rId2"/>
+    <p:sldId id="266" r:id="rId3"/>
+    <p:sldId id="279" r:id="rId4"/>
+    <p:sldId id="257" r:id="rId5"/>
+    <p:sldId id="280" r:id="rId6"/>
+    <p:sldId id="259" r:id="rId7"/>
+    <p:sldId id="258" r:id="rId8"/>
+    <p:sldId id="261" r:id="rId9"/>
+    <p:sldId id="260" r:id="rId10"/>
+    <p:sldId id="263" r:id="rId11"/>
+    <p:sldId id="264" r:id="rId12"/>
+    <p:sldId id="265" r:id="rId13"/>
+    <p:sldId id="288" r:id="rId14"/>
+    <p:sldId id="289" r:id="rId15"/>
+    <p:sldId id="290" r:id="rId16"/>
+    <p:sldId id="292" r:id="rId17"/>
   </p:sldIdLst>
   <p:sldSz cx="12192000" cy="6858000"/>
-  <p:notesSz cx="10234295" cy="7103745"/>
+  <p:notesSz cx="10234613" cy="7104063"/>
   <p:defaultTextStyle>
     <a:defPPr>
       <a:defRPr lang="zh-CN"/>
@@ -122,6 +122,22 @@
       </a:defRPr>
     </a:lvl9pPr>
   </p:defaultTextStyle>
+  <p:extLst>
+    <p:ext uri="{EFAFB233-063F-42B5-8137-9DF3F51BA10A}">
+      <p15:sldGuideLst xmlns:p15="http://schemas.microsoft.com/office/powerpoint/2012/main">
+        <p15:guide id="1" orient="horz" pos="2160">
+          <p15:clr>
+            <a:srgbClr val="A4A3A4"/>
+          </p15:clr>
+        </p15:guide>
+        <p15:guide id="2" pos="3840">
+          <p15:clr>
+            <a:srgbClr val="A4A3A4"/>
+          </p15:clr>
+        </p15:guide>
+      </p15:sldGuideLst>
+    </p:ext>
+  </p:extLst>
 </p:presentation>
 </file>
 
@@ -207,6 +223,7 @@
           <a:p>
             <a:fld id="{D2A48B96-639E-45A3-A0BA-2464DFDB1FAA}" type="datetimeFigureOut">
               <a:rPr lang="zh-CN" altLang="en-US" smtClean="0"/>
+              <a:t>2020/6/19</a:t>
             </a:fld>
             <a:endParaRPr lang="zh-CN" altLang="en-US"/>
           </a:p>
@@ -273,7 +290,6 @@
               <a:rPr lang="zh-CN" altLang="en-US"/>
               <a:t>单击此处编辑母版文本样式</a:t>
             </a:r>
-            <a:endParaRPr lang="zh-CN" altLang="en-US"/>
           </a:p>
           <a:p>
             <a:pPr lvl="1"/>
@@ -281,7 +297,6 @@
               <a:rPr lang="zh-CN" altLang="en-US"/>
               <a:t>第二级</a:t>
             </a:r>
-            <a:endParaRPr lang="zh-CN" altLang="en-US"/>
           </a:p>
           <a:p>
             <a:pPr lvl="2"/>
@@ -289,7 +304,6 @@
               <a:rPr lang="zh-CN" altLang="en-US"/>
               <a:t>第三级</a:t>
             </a:r>
-            <a:endParaRPr lang="zh-CN" altLang="en-US"/>
           </a:p>
           <a:p>
             <a:pPr lvl="3"/>
@@ -297,7 +311,6 @@
               <a:rPr lang="zh-CN" altLang="en-US"/>
               <a:t>第四级</a:t>
             </a:r>
-            <a:endParaRPr lang="zh-CN" altLang="en-US"/>
           </a:p>
           <a:p>
             <a:pPr lvl="4"/>
@@ -305,7 +318,6 @@
               <a:rPr lang="zh-CN" altLang="en-US"/>
               <a:t>第五级</a:t>
             </a:r>
-            <a:endParaRPr lang="zh-CN" altLang="en-US"/>
           </a:p>
         </p:txBody>
       </p:sp>
@@ -369,6 +381,7 @@
           <a:p>
             <a:fld id="{A6837353-30EB-4A48-80EB-173D804AEFBD}" type="slidenum">
               <a:rPr lang="zh-CN" altLang="en-US" smtClean="0"/>
+              <a:t>‹#›</a:t>
             </a:fld>
             <a:endParaRPr lang="zh-CN" altLang="en-US"/>
           </a:p>
@@ -481,11 +494,20 @@
         <p:cNvGrpSpPr/>
         <p:nvPr/>
       </p:nvGrpSpPr>
-      <p:grpSpPr/>
+      <p:grpSpPr>
+        <a:xfrm>
+          <a:off x="0" y="0"/>
+          <a:ext cx="0" cy="0"/>
+          <a:chOff x="0" y="0"/>
+          <a:chExt cx="0" cy="0"/>
+        </a:xfrm>
+      </p:grpSpPr>
       <p:sp>
         <p:nvSpPr>
           <p:cNvPr id="2" name="幻灯片图像占位符 1"/>
-          <p:cNvSpPr/>
+          <p:cNvSpPr>
+            <a:spLocks noGrp="1" noRot="1" noChangeAspect="1"/>
+          </p:cNvSpPr>
           <p:nvPr>
             <p:ph type="sldImg" idx="2"/>
           </p:nvPr>
@@ -495,7 +517,9 @@
       <p:sp>
         <p:nvSpPr>
           <p:cNvPr id="3" name="文本占位符 2"/>
-          <p:cNvSpPr/>
+          <p:cNvSpPr>
+            <a:spLocks noGrp="1"/>
+          </p:cNvSpPr>
           <p:nvPr>
             <p:ph type="body" idx="3"/>
           </p:nvPr>
@@ -503,6 +527,7 @@
         <p:spPr/>
         <p:txBody>
           <a:bodyPr/>
+          <a:lstStyle/>
           <a:p>
             <a:endParaRPr lang="zh-CN" altLang="en-US"/>
           </a:p>
@@ -622,7 +647,6 @@
               <a:rPr lang="zh-CN" altLang="en-US"/>
               <a:t>单击此处编辑母版标题样式</a:t>
             </a:r>
-            <a:endParaRPr lang="zh-CN" altLang="en-US"/>
           </a:p>
         </p:txBody>
       </p:sp>
@@ -687,7 +711,6 @@
               <a:rPr lang="zh-CN" altLang="en-US"/>
               <a:t>单击此处编辑母版副标题样式</a:t>
             </a:r>
-            <a:endParaRPr lang="zh-CN" altLang="en-US"/>
           </a:p>
         </p:txBody>
       </p:sp>
@@ -708,6 +731,7 @@
           <a:p>
             <a:fld id="{82F288E0-7875-42C4-84C8-98DBBD3BF4D2}" type="datetimeFigureOut">
               <a:rPr lang="zh-CN" altLang="en-US" smtClean="0"/>
+              <a:t>2020/6/19</a:t>
             </a:fld>
             <a:endParaRPr lang="zh-CN" altLang="en-US"/>
           </a:p>
@@ -749,6 +773,7 @@
           <a:p>
             <a:fld id="{7D9BB5D0-35E4-459D-AEF3-FE4D7C45CC19}" type="slidenum">
               <a:rPr lang="zh-CN" altLang="en-US" smtClean="0"/>
+              <a:t>‹#›</a:t>
             </a:fld>
             <a:endParaRPr lang="zh-CN" altLang="en-US"/>
           </a:p>
@@ -804,7 +829,6 @@
               <a:rPr lang="zh-CN" altLang="en-US"/>
               <a:t>单击此处编辑母版文本样式</a:t>
             </a:r>
-            <a:endParaRPr lang="zh-CN" altLang="en-US"/>
           </a:p>
           <a:p>
             <a:pPr lvl="1"/>
@@ -812,7 +836,6 @@
               <a:rPr lang="zh-CN" altLang="en-US"/>
               <a:t>第二级</a:t>
             </a:r>
-            <a:endParaRPr lang="zh-CN" altLang="en-US"/>
           </a:p>
           <a:p>
             <a:pPr lvl="2"/>
@@ -820,7 +843,6 @@
               <a:rPr lang="zh-CN" altLang="en-US"/>
               <a:t>第三级</a:t>
             </a:r>
-            <a:endParaRPr lang="zh-CN" altLang="en-US"/>
           </a:p>
           <a:p>
             <a:pPr lvl="3"/>
@@ -828,7 +850,6 @@
               <a:rPr lang="zh-CN" altLang="en-US"/>
               <a:t>第四级</a:t>
             </a:r>
-            <a:endParaRPr lang="zh-CN" altLang="en-US"/>
           </a:p>
           <a:p>
             <a:pPr lvl="4"/>
@@ -836,7 +857,6 @@
               <a:rPr lang="zh-CN" altLang="en-US"/>
               <a:t>第五级</a:t>
             </a:r>
-            <a:endParaRPr lang="zh-CN" altLang="en-US"/>
           </a:p>
         </p:txBody>
       </p:sp>
@@ -857,6 +877,7 @@
           <a:p>
             <a:fld id="{82F288E0-7875-42C4-84C8-98DBBD3BF4D2}" type="datetimeFigureOut">
               <a:rPr lang="zh-CN" altLang="en-US" smtClean="0"/>
+              <a:t>2020/6/19</a:t>
             </a:fld>
             <a:endParaRPr lang="zh-CN" altLang="en-US"/>
           </a:p>
@@ -898,6 +919,7 @@
           <a:p>
             <a:fld id="{7D9BB5D0-35E4-459D-AEF3-FE4D7C45CC19}" type="slidenum">
               <a:rPr lang="zh-CN" altLang="en-US" smtClean="0"/>
+              <a:t>‹#›</a:t>
             </a:fld>
             <a:endParaRPr lang="zh-CN" altLang="en-US"/>
           </a:p>
@@ -947,7 +969,6 @@
               <a:rPr lang="zh-CN" altLang="en-US"/>
               <a:t>单击此处编辑母版标题样式</a:t>
             </a:r>
-            <a:endParaRPr lang="zh-CN" altLang="en-US"/>
           </a:p>
         </p:txBody>
       </p:sp>
@@ -971,7 +992,6 @@
               <a:rPr lang="zh-CN" altLang="en-US"/>
               <a:t>单击此处编辑母版文本样式</a:t>
             </a:r>
-            <a:endParaRPr lang="zh-CN" altLang="en-US"/>
           </a:p>
           <a:p>
             <a:pPr lvl="1"/>
@@ -979,7 +999,6 @@
               <a:rPr lang="zh-CN" altLang="en-US"/>
               <a:t>第二级</a:t>
             </a:r>
-            <a:endParaRPr lang="zh-CN" altLang="en-US"/>
           </a:p>
           <a:p>
             <a:pPr lvl="2"/>
@@ -987,7 +1006,6 @@
               <a:rPr lang="zh-CN" altLang="en-US"/>
               <a:t>第三级</a:t>
             </a:r>
-            <a:endParaRPr lang="zh-CN" altLang="en-US"/>
           </a:p>
           <a:p>
             <a:pPr lvl="3"/>
@@ -995,7 +1013,6 @@
               <a:rPr lang="zh-CN" altLang="en-US"/>
               <a:t>第四级</a:t>
             </a:r>
-            <a:endParaRPr lang="zh-CN" altLang="en-US"/>
           </a:p>
           <a:p>
             <a:pPr lvl="4"/>
@@ -1003,7 +1020,6 @@
               <a:rPr lang="zh-CN" altLang="en-US"/>
               <a:t>第五级</a:t>
             </a:r>
-            <a:endParaRPr lang="zh-CN" altLang="en-US"/>
           </a:p>
         </p:txBody>
       </p:sp>
@@ -1024,6 +1040,7 @@
           <a:p>
             <a:fld id="{82F288E0-7875-42C4-84C8-98DBBD3BF4D2}" type="datetimeFigureOut">
               <a:rPr lang="zh-CN" altLang="en-US" smtClean="0"/>
+              <a:t>2020/6/19</a:t>
             </a:fld>
             <a:endParaRPr lang="zh-CN" altLang="en-US"/>
           </a:p>
@@ -1065,6 +1082,7 @@
           <a:p>
             <a:fld id="{7D9BB5D0-35E4-459D-AEF3-FE4D7C45CC19}" type="slidenum">
               <a:rPr lang="zh-CN" altLang="en-US" smtClean="0"/>
+              <a:t>‹#›</a:t>
             </a:fld>
             <a:endParaRPr lang="zh-CN" altLang="en-US"/>
           </a:p>
@@ -1123,7 +1141,6 @@
               <a:rPr lang="zh-CN" altLang="en-US"/>
               <a:t>单击此处编辑母版标题样式</a:t>
             </a:r>
-            <a:endParaRPr lang="zh-CN" altLang="en-US"/>
           </a:p>
         </p:txBody>
       </p:sp>
@@ -1243,7 +1260,6 @@
               <a:rPr lang="zh-CN" altLang="en-US"/>
               <a:t>单击此处编辑母版文本样式</a:t>
             </a:r>
-            <a:endParaRPr lang="zh-CN" altLang="en-US"/>
           </a:p>
         </p:txBody>
       </p:sp>
@@ -1264,6 +1280,7 @@
           <a:p>
             <a:fld id="{82F288E0-7875-42C4-84C8-98DBBD3BF4D2}" type="datetimeFigureOut">
               <a:rPr lang="zh-CN" altLang="en-US" smtClean="0"/>
+              <a:t>2020/6/19</a:t>
             </a:fld>
             <a:endParaRPr lang="zh-CN" altLang="en-US"/>
           </a:p>
@@ -1305,6 +1322,7 @@
           <a:p>
             <a:fld id="{7D9BB5D0-35E4-459D-AEF3-FE4D7C45CC19}" type="slidenum">
               <a:rPr lang="zh-CN" altLang="en-US" smtClean="0"/>
+              <a:t>‹#›</a:t>
             </a:fld>
             <a:endParaRPr lang="zh-CN" altLang="en-US"/>
           </a:p>
@@ -1354,7 +1372,6 @@
               <a:rPr lang="zh-CN" altLang="en-US"/>
               <a:t>单击此处编辑母版标题样式</a:t>
             </a:r>
-            <a:endParaRPr lang="zh-CN" altLang="en-US"/>
           </a:p>
         </p:txBody>
       </p:sp>
@@ -1383,7 +1400,6 @@
               <a:rPr lang="zh-CN" altLang="en-US"/>
               <a:t>单击此处编辑母版文本样式</a:t>
             </a:r>
-            <a:endParaRPr lang="zh-CN" altLang="en-US"/>
           </a:p>
           <a:p>
             <a:pPr lvl="1"/>
@@ -1391,7 +1407,6 @@
               <a:rPr lang="zh-CN" altLang="en-US"/>
               <a:t>第二级</a:t>
             </a:r>
-            <a:endParaRPr lang="zh-CN" altLang="en-US"/>
           </a:p>
           <a:p>
             <a:pPr lvl="2"/>
@@ -1399,7 +1414,6 @@
               <a:rPr lang="zh-CN" altLang="en-US"/>
               <a:t>第三级</a:t>
             </a:r>
-            <a:endParaRPr lang="zh-CN" altLang="en-US"/>
           </a:p>
           <a:p>
             <a:pPr lvl="3"/>
@@ -1407,7 +1421,6 @@
               <a:rPr lang="zh-CN" altLang="en-US"/>
               <a:t>第四级</a:t>
             </a:r>
-            <a:endParaRPr lang="zh-CN" altLang="en-US"/>
           </a:p>
           <a:p>
             <a:pPr lvl="4"/>
@@ -1415,7 +1428,6 @@
               <a:rPr lang="zh-CN" altLang="en-US"/>
               <a:t>第五级</a:t>
             </a:r>
-            <a:endParaRPr lang="zh-CN" altLang="en-US"/>
           </a:p>
         </p:txBody>
       </p:sp>
@@ -1444,7 +1456,6 @@
               <a:rPr lang="zh-CN" altLang="en-US"/>
               <a:t>单击此处编辑母版文本样式</a:t>
             </a:r>
-            <a:endParaRPr lang="zh-CN" altLang="en-US"/>
           </a:p>
           <a:p>
             <a:pPr lvl="1"/>
@@ -1452,7 +1463,6 @@
               <a:rPr lang="zh-CN" altLang="en-US"/>
               <a:t>第二级</a:t>
             </a:r>
-            <a:endParaRPr lang="zh-CN" altLang="en-US"/>
           </a:p>
           <a:p>
             <a:pPr lvl="2"/>
@@ -1460,7 +1470,6 @@
               <a:rPr lang="zh-CN" altLang="en-US"/>
               <a:t>第三级</a:t>
             </a:r>
-            <a:endParaRPr lang="zh-CN" altLang="en-US"/>
           </a:p>
           <a:p>
             <a:pPr lvl="3"/>
@@ -1468,7 +1477,6 @@
               <a:rPr lang="zh-CN" altLang="en-US"/>
               <a:t>第四级</a:t>
             </a:r>
-            <a:endParaRPr lang="zh-CN" altLang="en-US"/>
           </a:p>
           <a:p>
             <a:pPr lvl="4"/>
@@ -1476,7 +1484,6 @@
               <a:rPr lang="zh-CN" altLang="en-US"/>
               <a:t>第五级</a:t>
             </a:r>
-            <a:endParaRPr lang="zh-CN" altLang="en-US"/>
           </a:p>
         </p:txBody>
       </p:sp>
@@ -1497,6 +1504,7 @@
           <a:p>
             <a:fld id="{82F288E0-7875-42C4-84C8-98DBBD3BF4D2}" type="datetimeFigureOut">
               <a:rPr lang="zh-CN" altLang="en-US" smtClean="0"/>
+              <a:t>2020/6/19</a:t>
             </a:fld>
             <a:endParaRPr lang="zh-CN" altLang="en-US"/>
           </a:p>
@@ -1538,6 +1546,7 @@
           <a:p>
             <a:fld id="{7D9BB5D0-35E4-459D-AEF3-FE4D7C45CC19}" type="slidenum">
               <a:rPr lang="zh-CN" altLang="en-US" smtClean="0"/>
+              <a:t>‹#›</a:t>
             </a:fld>
             <a:endParaRPr lang="zh-CN" altLang="en-US"/>
           </a:p>
@@ -1592,7 +1601,6 @@
               <a:rPr lang="zh-CN" altLang="en-US"/>
               <a:t>单击此处编辑母版标题样式</a:t>
             </a:r>
-            <a:endParaRPr lang="zh-CN" altLang="en-US"/>
           </a:p>
         </p:txBody>
       </p:sp>
@@ -1658,7 +1666,6 @@
               <a:rPr lang="zh-CN" altLang="en-US"/>
               <a:t>单击此处编辑母版文本样式</a:t>
             </a:r>
-            <a:endParaRPr lang="zh-CN" altLang="en-US"/>
           </a:p>
         </p:txBody>
       </p:sp>
@@ -1687,7 +1694,6 @@
               <a:rPr lang="zh-CN" altLang="en-US"/>
               <a:t>单击此处编辑母版文本样式</a:t>
             </a:r>
-            <a:endParaRPr lang="zh-CN" altLang="en-US"/>
           </a:p>
           <a:p>
             <a:pPr lvl="1"/>
@@ -1695,7 +1701,6 @@
               <a:rPr lang="zh-CN" altLang="en-US"/>
               <a:t>第二级</a:t>
             </a:r>
-            <a:endParaRPr lang="zh-CN" altLang="en-US"/>
           </a:p>
           <a:p>
             <a:pPr lvl="2"/>
@@ -1703,7 +1708,6 @@
               <a:rPr lang="zh-CN" altLang="en-US"/>
               <a:t>第三级</a:t>
             </a:r>
-            <a:endParaRPr lang="zh-CN" altLang="en-US"/>
           </a:p>
           <a:p>
             <a:pPr lvl="3"/>
@@ -1711,7 +1715,6 @@
               <a:rPr lang="zh-CN" altLang="en-US"/>
               <a:t>第四级</a:t>
             </a:r>
-            <a:endParaRPr lang="zh-CN" altLang="en-US"/>
           </a:p>
           <a:p>
             <a:pPr lvl="4"/>
@@ -1719,7 +1722,6 @@
               <a:rPr lang="zh-CN" altLang="en-US"/>
               <a:t>第五级</a:t>
             </a:r>
-            <a:endParaRPr lang="zh-CN" altLang="en-US"/>
           </a:p>
         </p:txBody>
       </p:sp>
@@ -1785,7 +1787,6 @@
               <a:rPr lang="zh-CN" altLang="en-US"/>
               <a:t>单击此处编辑母版文本样式</a:t>
             </a:r>
-            <a:endParaRPr lang="zh-CN" altLang="en-US"/>
           </a:p>
         </p:txBody>
       </p:sp>
@@ -1814,7 +1815,6 @@
               <a:rPr lang="zh-CN" altLang="en-US"/>
               <a:t>单击此处编辑母版文本样式</a:t>
             </a:r>
-            <a:endParaRPr lang="zh-CN" altLang="en-US"/>
           </a:p>
           <a:p>
             <a:pPr lvl="1"/>
@@ -1822,7 +1822,6 @@
               <a:rPr lang="zh-CN" altLang="en-US"/>
               <a:t>第二级</a:t>
             </a:r>
-            <a:endParaRPr lang="zh-CN" altLang="en-US"/>
           </a:p>
           <a:p>
             <a:pPr lvl="2"/>
@@ -1830,7 +1829,6 @@
               <a:rPr lang="zh-CN" altLang="en-US"/>
               <a:t>第三级</a:t>
             </a:r>
-            <a:endParaRPr lang="zh-CN" altLang="en-US"/>
           </a:p>
           <a:p>
             <a:pPr lvl="3"/>
@@ -1838,7 +1836,6 @@
               <a:rPr lang="zh-CN" altLang="en-US"/>
               <a:t>第四级</a:t>
             </a:r>
-            <a:endParaRPr lang="zh-CN" altLang="en-US"/>
           </a:p>
           <a:p>
             <a:pPr lvl="4"/>
@@ -1846,7 +1843,6 @@
               <a:rPr lang="zh-CN" altLang="en-US"/>
               <a:t>第五级</a:t>
             </a:r>
-            <a:endParaRPr lang="zh-CN" altLang="en-US"/>
           </a:p>
         </p:txBody>
       </p:sp>
@@ -1867,6 +1863,7 @@
           <a:p>
             <a:fld id="{82F288E0-7875-42C4-84C8-98DBBD3BF4D2}" type="datetimeFigureOut">
               <a:rPr lang="zh-CN" altLang="en-US" smtClean="0"/>
+              <a:t>2020/6/19</a:t>
             </a:fld>
             <a:endParaRPr lang="zh-CN" altLang="en-US"/>
           </a:p>
@@ -1908,6 +1905,7 @@
           <a:p>
             <a:fld id="{7D9BB5D0-35E4-459D-AEF3-FE4D7C45CC19}" type="slidenum">
               <a:rPr lang="zh-CN" altLang="en-US" smtClean="0"/>
+              <a:t>‹#›</a:t>
             </a:fld>
             <a:endParaRPr lang="zh-CN" altLang="en-US"/>
           </a:p>
@@ -1957,7 +1955,6 @@
               <a:rPr lang="zh-CN" altLang="en-US"/>
               <a:t>单击此处编辑母版标题样式</a:t>
             </a:r>
-            <a:endParaRPr lang="zh-CN" altLang="en-US"/>
           </a:p>
         </p:txBody>
       </p:sp>
@@ -1978,6 +1975,7 @@
           <a:p>
             <a:fld id="{82F288E0-7875-42C4-84C8-98DBBD3BF4D2}" type="datetimeFigureOut">
               <a:rPr lang="zh-CN" altLang="en-US" smtClean="0"/>
+              <a:t>2020/6/19</a:t>
             </a:fld>
             <a:endParaRPr lang="zh-CN" altLang="en-US"/>
           </a:p>
@@ -2019,6 +2017,7 @@
           <a:p>
             <a:fld id="{7D9BB5D0-35E4-459D-AEF3-FE4D7C45CC19}" type="slidenum">
               <a:rPr lang="zh-CN" altLang="en-US" smtClean="0"/>
+              <a:t>‹#›</a:t>
             </a:fld>
             <a:endParaRPr lang="zh-CN" altLang="en-US"/>
           </a:p>
@@ -2066,6 +2065,7 @@
           <a:p>
             <a:fld id="{82F288E0-7875-42C4-84C8-98DBBD3BF4D2}" type="datetimeFigureOut">
               <a:rPr lang="zh-CN" altLang="en-US" smtClean="0"/>
+              <a:t>2020/6/19</a:t>
             </a:fld>
             <a:endParaRPr lang="zh-CN" altLang="en-US"/>
           </a:p>
@@ -2107,6 +2107,7 @@
           <a:p>
             <a:fld id="{7D9BB5D0-35E4-459D-AEF3-FE4D7C45CC19}" type="slidenum">
               <a:rPr lang="zh-CN" altLang="en-US" smtClean="0"/>
+              <a:t>‹#›</a:t>
             </a:fld>
             <a:endParaRPr lang="zh-CN" altLang="en-US"/>
           </a:p>
@@ -2165,7 +2166,6 @@
               <a:rPr lang="zh-CN" altLang="en-US"/>
               <a:t>单击此处编辑母版标题样式</a:t>
             </a:r>
-            <a:endParaRPr lang="zh-CN" altLang="en-US"/>
           </a:p>
         </p:txBody>
       </p:sp>
@@ -2292,7 +2292,6 @@
               <a:rPr lang="zh-CN" altLang="en-US"/>
               <a:t>单击此处编辑母版文本样式</a:t>
             </a:r>
-            <a:endParaRPr lang="zh-CN" altLang="en-US"/>
           </a:p>
         </p:txBody>
       </p:sp>
@@ -2313,6 +2312,7 @@
           <a:p>
             <a:fld id="{82F288E0-7875-42C4-84C8-98DBBD3BF4D2}" type="datetimeFigureOut">
               <a:rPr lang="zh-CN" altLang="en-US" smtClean="0"/>
+              <a:t>2020/6/19</a:t>
             </a:fld>
             <a:endParaRPr lang="zh-CN" altLang="en-US"/>
           </a:p>
@@ -2354,6 +2354,7 @@
           <a:p>
             <a:fld id="{7D9BB5D0-35E4-459D-AEF3-FE4D7C45CC19}" type="slidenum">
               <a:rPr lang="zh-CN" altLang="en-US" smtClean="0"/>
+              <a:t>‹#›</a:t>
             </a:fld>
             <a:endParaRPr lang="zh-CN" altLang="en-US"/>
           </a:p>
@@ -2408,7 +2409,6 @@
               <a:rPr lang="zh-CN" altLang="en-US"/>
               <a:t>单击此处编辑母版标题样式</a:t>
             </a:r>
-            <a:endParaRPr lang="zh-CN" altLang="en-US"/>
           </a:p>
         </p:txBody>
       </p:sp>
@@ -2437,7 +2437,6 @@
               <a:rPr lang="zh-CN" altLang="en-US"/>
               <a:t>单击此处编辑母版文本样式</a:t>
             </a:r>
-            <a:endParaRPr lang="zh-CN" altLang="en-US"/>
           </a:p>
           <a:p>
             <a:pPr lvl="1"/>
@@ -2445,7 +2444,6 @@
               <a:rPr lang="zh-CN" altLang="en-US"/>
               <a:t>第二级</a:t>
             </a:r>
-            <a:endParaRPr lang="zh-CN" altLang="en-US"/>
           </a:p>
           <a:p>
             <a:pPr lvl="2"/>
@@ -2453,7 +2451,6 @@
               <a:rPr lang="zh-CN" altLang="en-US"/>
               <a:t>第三级</a:t>
             </a:r>
-            <a:endParaRPr lang="zh-CN" altLang="en-US"/>
           </a:p>
           <a:p>
             <a:pPr lvl="3"/>
@@ -2461,7 +2458,6 @@
               <a:rPr lang="zh-CN" altLang="en-US"/>
               <a:t>第四级</a:t>
             </a:r>
-            <a:endParaRPr lang="zh-CN" altLang="en-US"/>
           </a:p>
           <a:p>
             <a:pPr lvl="4"/>
@@ -2469,7 +2465,6 @@
               <a:rPr lang="zh-CN" altLang="en-US"/>
               <a:t>第五级</a:t>
             </a:r>
-            <a:endParaRPr lang="zh-CN" altLang="en-US"/>
           </a:p>
         </p:txBody>
       </p:sp>
@@ -2490,6 +2485,7 @@
           <a:p>
             <a:fld id="{82F288E0-7875-42C4-84C8-98DBBD3BF4D2}" type="datetimeFigureOut">
               <a:rPr lang="zh-CN" altLang="en-US" smtClean="0"/>
+              <a:t>2020/6/19</a:t>
             </a:fld>
             <a:endParaRPr lang="zh-CN" altLang="en-US"/>
           </a:p>
@@ -2531,6 +2527,7 @@
           <a:p>
             <a:fld id="{7D9BB5D0-35E4-459D-AEF3-FE4D7C45CC19}" type="slidenum">
               <a:rPr lang="zh-CN" altLang="en-US" smtClean="0"/>
+              <a:t>‹#›</a:t>
             </a:fld>
             <a:endParaRPr lang="zh-CN" altLang="en-US"/>
           </a:p>
@@ -2595,7 +2592,6 @@
               <a:rPr lang="zh-CN" altLang="en-US"/>
               <a:t>单击此处编辑母版标题样式</a:t>
             </a:r>
-            <a:endParaRPr lang="zh-CN" altLang="en-US"/>
           </a:p>
         </p:txBody>
       </p:sp>
@@ -2629,7 +2625,6 @@
               <a:rPr lang="zh-CN" altLang="en-US"/>
               <a:t>单击此处编辑母版文本样式</a:t>
             </a:r>
-            <a:endParaRPr lang="zh-CN" altLang="en-US"/>
           </a:p>
           <a:p>
             <a:pPr lvl="1"/>
@@ -2637,7 +2632,6 @@
               <a:rPr lang="zh-CN" altLang="en-US"/>
               <a:t>第二级</a:t>
             </a:r>
-            <a:endParaRPr lang="zh-CN" altLang="en-US"/>
           </a:p>
           <a:p>
             <a:pPr lvl="2"/>
@@ -2645,7 +2639,6 @@
               <a:rPr lang="zh-CN" altLang="en-US"/>
               <a:t>第三级</a:t>
             </a:r>
-            <a:endParaRPr lang="zh-CN" altLang="en-US"/>
           </a:p>
           <a:p>
             <a:pPr lvl="3"/>
@@ -2653,7 +2646,6 @@
               <a:rPr lang="zh-CN" altLang="en-US"/>
               <a:t>第四级</a:t>
             </a:r>
-            <a:endParaRPr lang="zh-CN" altLang="en-US"/>
           </a:p>
           <a:p>
             <a:pPr lvl="4"/>
@@ -2661,7 +2653,6 @@
               <a:rPr lang="zh-CN" altLang="en-US"/>
               <a:t>第五级</a:t>
             </a:r>
-            <a:endParaRPr lang="zh-CN" altLang="en-US"/>
           </a:p>
         </p:txBody>
       </p:sp>
@@ -2700,6 +2691,7 @@
           <a:p>
             <a:fld id="{82F288E0-7875-42C4-84C8-98DBBD3BF4D2}" type="datetimeFigureOut">
               <a:rPr lang="zh-CN" altLang="en-US" smtClean="0"/>
+              <a:t>2020/6/19</a:t>
             </a:fld>
             <a:endParaRPr lang="zh-CN" altLang="en-US"/>
           </a:p>
@@ -2777,6 +2769,7 @@
           <a:p>
             <a:fld id="{7D9BB5D0-35E4-459D-AEF3-FE4D7C45CC19}" type="slidenum">
               <a:rPr lang="zh-CN" altLang="en-US" smtClean="0"/>
+              <a:t>‹#›</a:t>
             </a:fld>
             <a:endParaRPr lang="zh-CN" altLang="en-US"/>
           </a:p>
@@ -3110,6 +3103,7 @@
         <p:spPr/>
         <p:txBody>
           <a:bodyPr/>
+          <a:lstStyle/>
           <a:p>
             <a:pPr>
               <a:lnSpc>
@@ -3136,10 +3130,6 @@
               </a:rPr>
               <a:t>Understanding</a:t>
             </a:r>
-            <a:endParaRPr lang="en-US" altLang="zh-CN" sz="4000">
-              <a:latin typeface="微软雅黑" panose="020B0503020204020204" charset="-122"/>
-              <a:ea typeface="微软雅黑" panose="020B0503020204020204" charset="-122"/>
-            </a:endParaRPr>
           </a:p>
         </p:txBody>
       </p:sp>
@@ -3161,8 +3151,9 @@
         </p:spPr>
         <p:txBody>
           <a:bodyPr>
-            <a:normAutofit lnSpcReduction="20000"/>
+            <a:normAutofit fontScale="92500"/>
           </a:bodyPr>
+          <a:lstStyle/>
           <a:p>
             <a:pPr>
               <a:lnSpc>
@@ -3187,10 +3178,6 @@
               </a:rPr>
               <a:t>理解生成对抗网络</a:t>
             </a:r>
-            <a:endParaRPr lang="zh-CN" altLang="en-US" sz="3600">
-              <a:latin typeface="微软雅黑" panose="020B0503020204020204" charset="-122"/>
-              <a:ea typeface="微软雅黑" panose="020B0503020204020204" charset="-122"/>
-            </a:endParaRPr>
           </a:p>
         </p:txBody>
       </p:sp>
@@ -3258,10 +3245,6 @@
               </a:rPr>
               <a:t>全卷积网络</a:t>
             </a:r>
-            <a:endParaRPr lang="zh-CN" altLang="en-US" sz="2800" b="1">
-              <a:latin typeface="微软雅黑" panose="020B0503020204020204" charset="-122"/>
-              <a:ea typeface="微软雅黑" panose="020B0503020204020204" charset="-122"/>
-            </a:endParaRPr>
           </a:p>
         </p:txBody>
       </p:sp>
@@ -3471,15 +3454,6 @@
               </a:rPr>
               <a:t>, </a:t>
             </a:r>
-            <a:endParaRPr lang="en-US" altLang="zh-CN" sz="1000">
-              <a:solidFill>
-                <a:schemeClr val="bg1">
-                  <a:lumMod val="65000"/>
-                </a:schemeClr>
-              </a:solidFill>
-              <a:latin typeface="微软雅黑" panose="020B0503020204020204" charset="-122"/>
-              <a:ea typeface="微软雅黑" panose="020B0503020204020204" charset="-122"/>
-            </a:endParaRPr>
           </a:p>
           <a:p>
             <a:pPr algn="ctr">
@@ -3523,15 +3497,6 @@
               </a:rPr>
               <a:t>中心点</a:t>
             </a:r>
-            <a:endParaRPr lang="zh-CN" altLang="en-US" sz="1000">
-              <a:solidFill>
-                <a:schemeClr val="bg1">
-                  <a:lumMod val="65000"/>
-                </a:schemeClr>
-              </a:solidFill>
-              <a:latin typeface="微软雅黑" panose="020B0503020204020204" charset="-122"/>
-              <a:ea typeface="微软雅黑" panose="020B0503020204020204" charset="-122"/>
-            </a:endParaRPr>
           </a:p>
         </p:txBody>
       </p:sp>
@@ -3574,15 +3539,6 @@
               </a:rPr>
               <a:t>中心点</a:t>
             </a:r>
-            <a:endParaRPr lang="zh-CN" altLang="en-US" sz="1000">
-              <a:solidFill>
-                <a:schemeClr val="bg1">
-                  <a:lumMod val="65000"/>
-                </a:schemeClr>
-              </a:solidFill>
-              <a:latin typeface="微软雅黑" panose="020B0503020204020204" charset="-122"/>
-              <a:ea typeface="微软雅黑" panose="020B0503020204020204" charset="-122"/>
-            </a:endParaRPr>
           </a:p>
           <a:p>
             <a:pPr algn="ctr">
@@ -3662,13 +3618,6 @@
               </a:rPr>
               <a:t>3x3=9</a:t>
             </a:r>
-            <a:endParaRPr lang="en-US" altLang="zh-CN" sz="1000" b="1">
-              <a:solidFill>
-                <a:schemeClr val="tx1"/>
-              </a:solidFill>
-              <a:latin typeface="微软雅黑" panose="020B0503020204020204" charset="-122"/>
-              <a:ea typeface="微软雅黑" panose="020B0503020204020204" charset="-122"/>
-            </a:endParaRPr>
           </a:p>
         </p:txBody>
       </p:sp>
@@ -3711,15 +3660,6 @@
               </a:rPr>
               <a:t>Anchor Box</a:t>
             </a:r>
-            <a:endParaRPr lang="en-US" sz="1000">
-              <a:solidFill>
-                <a:schemeClr val="bg1">
-                  <a:lumMod val="65000"/>
-                </a:schemeClr>
-              </a:solidFill>
-              <a:latin typeface="微软雅黑" panose="020B0503020204020204" charset="-122"/>
-              <a:ea typeface="微软雅黑" panose="020B0503020204020204" charset="-122"/>
-            </a:endParaRPr>
           </a:p>
           <a:p>
             <a:pPr algn="ctr">
@@ -3739,15 +3679,6 @@
               </a:rPr>
               <a:t>在原图中的显示</a:t>
             </a:r>
-            <a:endParaRPr lang="zh-CN" altLang="en-US" sz="1000">
-              <a:solidFill>
-                <a:schemeClr val="bg1">
-                  <a:lumMod val="65000"/>
-                </a:schemeClr>
-              </a:solidFill>
-              <a:latin typeface="微软雅黑" panose="020B0503020204020204" charset="-122"/>
-              <a:ea typeface="微软雅黑" panose="020B0503020204020204" charset="-122"/>
-            </a:endParaRPr>
           </a:p>
         </p:txBody>
       </p:sp>
@@ -3790,15 +3721,6 @@
               </a:rPr>
               <a:t>原图中所有的</a:t>
             </a:r>
-            <a:endParaRPr lang="zh-CN" altLang="en-US" sz="1000" dirty="0">
-              <a:solidFill>
-                <a:schemeClr val="bg1">
-                  <a:lumMod val="65000"/>
-                </a:schemeClr>
-              </a:solidFill>
-              <a:latin typeface="微软雅黑" panose="020B0503020204020204" charset="-122"/>
-              <a:ea typeface="微软雅黑" panose="020B0503020204020204" charset="-122"/>
-            </a:endParaRPr>
           </a:p>
           <a:p>
             <a:pPr algn="ctr">
@@ -3819,16 +3741,6 @@
               </a:rPr>
               <a:t>Anchor Box</a:t>
             </a:r>
-            <a:endParaRPr lang="en-US" sz="1000" dirty="0">
-              <a:solidFill>
-                <a:schemeClr val="bg1">
-                  <a:lumMod val="65000"/>
-                </a:schemeClr>
-              </a:solidFill>
-              <a:latin typeface="微软雅黑" panose="020B0503020204020204" charset="-122"/>
-              <a:ea typeface="微软雅黑" panose="020B0503020204020204" charset="-122"/>
-              <a:sym typeface="+mn-ea"/>
-            </a:endParaRPr>
           </a:p>
           <a:p>
             <a:pPr algn="ctr">
@@ -3932,15 +3844,6 @@
               </a:rPr>
               <a:t>比例，</a:t>
             </a:r>
-            <a:endParaRPr lang="zh-CN" altLang="en-US" sz="1000">
-              <a:solidFill>
-                <a:schemeClr val="bg1">
-                  <a:lumMod val="65000"/>
-                </a:schemeClr>
-              </a:solidFill>
-              <a:latin typeface="微软雅黑" panose="020B0503020204020204" charset="-122"/>
-              <a:ea typeface="微软雅黑" panose="020B0503020204020204" charset="-122"/>
-            </a:endParaRPr>
           </a:p>
           <a:p>
             <a:pPr algn="ctr">
@@ -3984,15 +3887,6 @@
               </a:rPr>
               <a:t>原图像中</a:t>
             </a:r>
-            <a:endParaRPr lang="zh-CN" altLang="en-US" sz="1000">
-              <a:solidFill>
-                <a:schemeClr val="bg1">
-                  <a:lumMod val="65000"/>
-                </a:schemeClr>
-              </a:solidFill>
-              <a:latin typeface="微软雅黑" panose="020B0503020204020204" charset="-122"/>
-              <a:ea typeface="微软雅黑" panose="020B0503020204020204" charset="-122"/>
-            </a:endParaRPr>
           </a:p>
           <a:p>
             <a:pPr algn="ctr">
@@ -4012,15 +3906,6 @@
               </a:rPr>
               <a:t>几乎所有物体外框</a:t>
             </a:r>
-            <a:endParaRPr lang="zh-CN" altLang="en-US" sz="1000">
-              <a:solidFill>
-                <a:schemeClr val="bg1">
-                  <a:lumMod val="65000"/>
-                </a:schemeClr>
-              </a:solidFill>
-              <a:latin typeface="微软雅黑" panose="020B0503020204020204" charset="-122"/>
-              <a:ea typeface="微软雅黑" panose="020B0503020204020204" charset="-122"/>
-            </a:endParaRPr>
           </a:p>
         </p:txBody>
       </p:sp>
@@ -4106,10 +3991,6 @@
               </a:rPr>
               <a:t>Faster-RCNN</a:t>
             </a:r>
-            <a:endParaRPr lang="en-US" altLang="zh-CN" sz="2800" b="1">
-              <a:latin typeface="微软雅黑" panose="020B0503020204020204" charset="-122"/>
-              <a:ea typeface="微软雅黑" panose="020B0503020204020204" charset="-122"/>
-            </a:endParaRPr>
           </a:p>
         </p:txBody>
       </p:sp>
@@ -4174,10 +4055,6 @@
               </a:rPr>
               <a:t>特征金字塔网络</a:t>
             </a:r>
-            <a:endParaRPr lang="zh-CN" altLang="en-US" sz="2800" b="1">
-              <a:latin typeface="微软雅黑" panose="020B0503020204020204" charset="-122"/>
-              <a:ea typeface="微软雅黑" panose="020B0503020204020204" charset="-122"/>
-            </a:endParaRPr>
           </a:p>
         </p:txBody>
       </p:sp>
@@ -4224,13 +4101,6 @@
               </a:rPr>
               <a:t>作为特征提取器</a:t>
             </a:r>
-            <a:endParaRPr lang="zh-CN" altLang="en-US" sz="1200" b="1">
-              <a:solidFill>
-                <a:srgbClr val="0070C0"/>
-              </a:solidFill>
-              <a:latin typeface="微软雅黑" panose="020B0503020204020204" charset="-122"/>
-              <a:ea typeface="微软雅黑" panose="020B0503020204020204" charset="-122"/>
-            </a:endParaRPr>
           </a:p>
         </p:txBody>
       </p:sp>
@@ -4287,13 +4157,6 @@
               </a:rPr>
               <a:t>ROIs</a:t>
             </a:r>
-            <a:endParaRPr lang="en-US" altLang="zh-CN" sz="1200" b="1">
-              <a:solidFill>
-                <a:srgbClr val="0070C0"/>
-              </a:solidFill>
-              <a:latin typeface="微软雅黑" panose="020B0503020204020204" charset="-122"/>
-              <a:ea typeface="微软雅黑" panose="020B0503020204020204" charset="-122"/>
-            </a:endParaRPr>
           </a:p>
         </p:txBody>
       </p:sp>
@@ -4334,13 +4197,6 @@
               </a:rPr>
               <a:t>元素相加</a:t>
             </a:r>
-            <a:endParaRPr lang="zh-CN" altLang="en-US" sz="1200" b="1">
-              <a:solidFill>
-                <a:srgbClr val="C00000"/>
-              </a:solidFill>
-              <a:latin typeface="微软雅黑" panose="020B0503020204020204" charset="-122"/>
-              <a:ea typeface="微软雅黑" panose="020B0503020204020204" charset="-122"/>
-            </a:endParaRPr>
           </a:p>
         </p:txBody>
       </p:sp>
@@ -4391,13 +4247,6 @@
               </a:rPr>
               <a:t>卷积将两张特征图合并，防止失真</a:t>
             </a:r>
-            <a:endParaRPr lang="zh-CN" altLang="en-US" sz="1200" b="1">
-              <a:solidFill>
-                <a:srgbClr val="FC0280"/>
-              </a:solidFill>
-              <a:latin typeface="微软雅黑" panose="020B0503020204020204" charset="-122"/>
-              <a:ea typeface="微软雅黑" panose="020B0503020204020204" charset="-122"/>
-            </a:endParaRPr>
           </a:p>
         </p:txBody>
       </p:sp>
@@ -4448,13 +4297,6 @@
               </a:rPr>
               <a:t>卷积改变通道大小</a:t>
             </a:r>
-            <a:endParaRPr lang="zh-CN" altLang="en-US" sz="1200" b="1">
-              <a:solidFill>
-                <a:srgbClr val="C00000"/>
-              </a:solidFill>
-              <a:latin typeface="微软雅黑" panose="020B0503020204020204" charset="-122"/>
-              <a:ea typeface="微软雅黑" panose="020B0503020204020204" charset="-122"/>
-            </a:endParaRPr>
           </a:p>
         </p:txBody>
       </p:sp>
@@ -4511,13 +4353,6 @@
               </a:rPr>
               <a:t>的宽和高选择特征图</a:t>
             </a:r>
-            <a:endParaRPr lang="zh-CN" altLang="en-US" sz="1200" b="1">
-              <a:solidFill>
-                <a:srgbClr val="0070C0"/>
-              </a:solidFill>
-              <a:latin typeface="微软雅黑" panose="020B0503020204020204" charset="-122"/>
-              <a:ea typeface="微软雅黑" panose="020B0503020204020204" charset="-122"/>
-            </a:endParaRPr>
           </a:p>
         </p:txBody>
       </p:sp>
@@ -4567,6 +4402,7 @@
         </p:style>
         <p:txBody>
           <a:bodyPr rtlCol="0" anchor="ctr"/>
+          <a:lstStyle/>
           <a:p>
             <a:pPr algn="ctr"/>
             <a:endParaRPr lang="zh-CN" altLang="en-US"/>
@@ -4641,6 +4477,7 @@
           <a:bodyPr vertOverflow="overflow" horzOverflow="overflow" vert="horz" wrap="square" numCol="1" spcCol="0" rtlCol="0" fromWordArt="0" anchor="ctr" anchorCtr="0" forceAA="0" compatLnSpc="1">
             <a:noAutofit/>
           </a:bodyPr>
+          <a:lstStyle/>
           <a:p>
             <a:pPr lvl="0" algn="ctr"/>
             <a:endParaRPr lang="zh-CN" altLang="en-US">
@@ -4692,6 +4529,7 @@
           <a:bodyPr vertOverflow="overflow" horzOverflow="overflow" vert="horz" wrap="square" numCol="1" spcCol="0" rtlCol="0" fromWordArt="0" anchor="ctr" anchorCtr="0" forceAA="0" compatLnSpc="1">
             <a:noAutofit/>
           </a:bodyPr>
+          <a:lstStyle/>
           <a:p>
             <a:pPr lvl="0" algn="ctr"/>
             <a:endParaRPr lang="zh-CN" altLang="en-US">
@@ -4743,6 +4581,7 @@
           <a:bodyPr vertOverflow="overflow" horzOverflow="overflow" vert="horz" wrap="square" numCol="1" spcCol="0" rtlCol="0" fromWordArt="0" anchor="ctr" anchorCtr="0" forceAA="0" compatLnSpc="1">
             <a:noAutofit/>
           </a:bodyPr>
+          <a:lstStyle/>
           <a:p>
             <a:pPr lvl="0" algn="ctr"/>
             <a:endParaRPr lang="zh-CN" altLang="en-US">
@@ -4794,6 +4633,7 @@
           <a:bodyPr vertOverflow="overflow" horzOverflow="overflow" vert="horz" wrap="square" numCol="1" spcCol="0" rtlCol="0" fromWordArt="0" anchor="ctr" anchorCtr="0" forceAA="0" compatLnSpc="1">
             <a:noAutofit/>
           </a:bodyPr>
+          <a:lstStyle/>
           <a:p>
             <a:pPr lvl="0" algn="ctr"/>
             <a:endParaRPr lang="zh-CN" altLang="en-US">
@@ -4845,6 +4685,7 @@
           <a:bodyPr vertOverflow="overflow" horzOverflow="overflow" vert="horz" wrap="square" numCol="1" spcCol="0" rtlCol="0" fromWordArt="0" anchor="ctr" anchorCtr="0" forceAA="0" compatLnSpc="1">
             <a:noAutofit/>
           </a:bodyPr>
+          <a:lstStyle/>
           <a:p>
             <a:pPr lvl="0" algn="ctr"/>
             <a:endParaRPr lang="zh-CN" altLang="en-US">
@@ -4896,6 +4737,7 @@
           <a:bodyPr vertOverflow="overflow" horzOverflow="overflow" vert="horz" wrap="square" numCol="1" spcCol="0" rtlCol="0" fromWordArt="0" anchor="ctr" anchorCtr="0" forceAA="0" compatLnSpc="1">
             <a:noAutofit/>
           </a:bodyPr>
+          <a:lstStyle/>
           <a:p>
             <a:pPr lvl="0" algn="ctr"/>
             <a:endParaRPr lang="zh-CN" altLang="en-US">
@@ -4947,6 +4789,7 @@
           <a:bodyPr vertOverflow="overflow" horzOverflow="overflow" vert="horz" wrap="square" numCol="1" spcCol="0" rtlCol="0" fromWordArt="0" anchor="ctr" anchorCtr="0" forceAA="0" compatLnSpc="1">
             <a:noAutofit/>
           </a:bodyPr>
+          <a:lstStyle/>
           <a:p>
             <a:pPr lvl="0" algn="ctr"/>
             <a:endParaRPr lang="zh-CN" altLang="en-US">
@@ -4998,6 +4841,7 @@
           <a:bodyPr vertOverflow="overflow" horzOverflow="overflow" vert="horz" wrap="square" numCol="1" spcCol="0" rtlCol="0" fromWordArt="0" anchor="ctr" anchorCtr="0" forceAA="0" compatLnSpc="1">
             <a:noAutofit/>
           </a:bodyPr>
+          <a:lstStyle/>
           <a:p>
             <a:pPr lvl="0" algn="ctr"/>
             <a:endParaRPr lang="zh-CN" altLang="en-US">
@@ -5049,6 +4893,7 @@
           <a:bodyPr vertOverflow="overflow" horzOverflow="overflow" vert="horz" wrap="square" numCol="1" spcCol="0" rtlCol="0" fromWordArt="0" anchor="ctr" anchorCtr="0" forceAA="0" compatLnSpc="1">
             <a:noAutofit/>
           </a:bodyPr>
+          <a:lstStyle/>
           <a:p>
             <a:pPr lvl="0" algn="ctr"/>
             <a:endParaRPr lang="zh-CN" altLang="en-US">
@@ -5098,6 +4943,7 @@
         </p:style>
         <p:txBody>
           <a:bodyPr rtlCol="0" anchor="ctr"/>
+          <a:lstStyle/>
           <a:p>
             <a:pPr algn="ctr"/>
             <a:endParaRPr lang="zh-CN" altLang="en-US"/>
@@ -5147,6 +4993,7 @@
         </p:style>
         <p:txBody>
           <a:bodyPr rtlCol="0" anchor="ctr"/>
+          <a:lstStyle/>
           <a:p>
             <a:pPr algn="ctr"/>
             <a:endParaRPr lang="zh-CN" altLang="en-US"/>
@@ -5195,6 +5042,7 @@
         </p:style>
         <p:txBody>
           <a:bodyPr rtlCol="0" anchor="ctr"/>
+          <a:lstStyle/>
           <a:p>
             <a:pPr algn="ctr"/>
             <a:endParaRPr lang="zh-CN" altLang="en-US"/>
@@ -5243,6 +5091,7 @@
         </p:style>
         <p:txBody>
           <a:bodyPr rtlCol="0" anchor="ctr"/>
+          <a:lstStyle/>
           <a:p>
             <a:pPr algn="ctr"/>
             <a:endParaRPr lang="zh-CN" altLang="en-US"/>
@@ -5278,10 +5127,6 @@
               </a:rPr>
               <a:t>MobileNet-v1</a:t>
             </a:r>
-            <a:endParaRPr lang="en-US" altLang="zh-CN" sz="2800" b="1">
-              <a:latin typeface="微软雅黑" panose="020B0503020204020204" charset="-122"/>
-              <a:ea typeface="微软雅黑" panose="020B0503020204020204" charset="-122"/>
-            </a:endParaRPr>
           </a:p>
         </p:txBody>
       </p:sp>
@@ -5303,6 +5148,7 @@
         </p:spPr>
         <p:txBody>
           <a:bodyPr/>
+          <a:lstStyle/>
           <a:p>
             <a:pPr algn="l"/>
             <a:r>
@@ -5324,10 +5170,6 @@
               </a:rPr>
               <a:t>：降低计算复杂度，确保一定的精度，能够在移动端或嵌入式设备上运行</a:t>
             </a:r>
-            <a:endParaRPr lang="zh-CN" altLang="en-US" sz="1200">
-              <a:latin typeface="微软雅黑" panose="020B0503020204020204" charset="-122"/>
-              <a:ea typeface="微软雅黑" panose="020B0503020204020204" charset="-122"/>
-            </a:endParaRPr>
           </a:p>
           <a:p>
             <a:pPr algn="l"/>
@@ -5350,10 +5192,6 @@
               </a:rPr>
               <a:t>：聚焦优化网络速度，减小计算量，分解网络参数或加速预训练模型</a:t>
             </a:r>
-            <a:endParaRPr lang="zh-CN" altLang="en-US" sz="1200">
-              <a:latin typeface="微软雅黑" panose="020B0503020204020204" charset="-122"/>
-              <a:ea typeface="微软雅黑" panose="020B0503020204020204" charset="-122"/>
-            </a:endParaRPr>
           </a:p>
           <a:p>
             <a:pPr algn="l"/>
@@ -5408,10 +5246,6 @@
               </a:rPr>
               <a:t>）</a:t>
             </a:r>
-            <a:endParaRPr lang="zh-CN" altLang="en-US" sz="1200">
-              <a:latin typeface="微软雅黑" panose="020B0503020204020204" charset="-122"/>
-              <a:ea typeface="微软雅黑" panose="020B0503020204020204" charset="-122"/>
-            </a:endParaRPr>
           </a:p>
         </p:txBody>
       </p:sp>
@@ -5448,6 +5282,7 @@
         </p:style>
         <p:txBody>
           <a:bodyPr rtlCol="0" anchor="ctr"/>
+          <a:lstStyle/>
           <a:p>
             <a:pPr algn="ctr"/>
             <a:endParaRPr lang="zh-CN" altLang="en-US"/>
@@ -5496,6 +5331,7 @@
         </p:style>
         <p:txBody>
           <a:bodyPr rtlCol="0" anchor="ctr"/>
+          <a:lstStyle/>
           <a:p>
             <a:pPr algn="ctr"/>
             <a:endParaRPr lang="zh-CN" altLang="en-US"/>
@@ -5544,6 +5380,7 @@
         </p:style>
         <p:txBody>
           <a:bodyPr rtlCol="0" anchor="ctr"/>
+          <a:lstStyle/>
           <a:p>
             <a:pPr algn="ctr"/>
             <a:endParaRPr lang="zh-CN" altLang="en-US"/>
@@ -5597,6 +5434,7 @@
         </p:style>
         <p:txBody>
           <a:bodyPr rtlCol="0" anchor="ctr"/>
+          <a:lstStyle/>
           <a:p>
             <a:pPr algn="ctr"/>
             <a:endParaRPr lang="zh-CN" altLang="en-US"/>
@@ -5642,6 +5480,7 @@
         </p:style>
         <p:txBody>
           <a:bodyPr rtlCol="0" anchor="ctr"/>
+          <a:lstStyle/>
           <a:p>
             <a:pPr algn="ctr"/>
             <a:endParaRPr lang="zh-CN" altLang="en-US"/>
@@ -5687,6 +5526,7 @@
         </p:style>
         <p:txBody>
           <a:bodyPr rtlCol="0" anchor="ctr"/>
+          <a:lstStyle/>
           <a:p>
             <a:pPr algn="ctr"/>
             <a:endParaRPr lang="zh-CN" altLang="en-US"/>
@@ -5732,6 +5572,7 @@
         </p:style>
         <p:txBody>
           <a:bodyPr rtlCol="0" anchor="ctr"/>
+          <a:lstStyle/>
           <a:p>
             <a:pPr algn="ctr"/>
             <a:endParaRPr lang="zh-CN" altLang="en-US"/>
@@ -5781,6 +5622,7 @@
           <a:bodyPr vertOverflow="overflow" horzOverflow="overflow" vert="horz" wrap="square" numCol="1" spcCol="0" rtlCol="0" fromWordArt="0" anchor="ctr" anchorCtr="0" forceAA="0" compatLnSpc="1">
             <a:noAutofit/>
           </a:bodyPr>
+          <a:lstStyle/>
           <a:p>
             <a:pPr lvl="0" algn="ctr"/>
             <a:endParaRPr lang="zh-CN" altLang="en-US">
@@ -5832,6 +5674,7 @@
           <a:bodyPr vertOverflow="overflow" horzOverflow="overflow" vert="horz" wrap="square" numCol="1" spcCol="0" rtlCol="0" fromWordArt="0" anchor="ctr" anchorCtr="0" forceAA="0" compatLnSpc="1">
             <a:noAutofit/>
           </a:bodyPr>
+          <a:lstStyle/>
           <a:p>
             <a:pPr lvl="0" algn="ctr"/>
             <a:endParaRPr lang="zh-CN" altLang="en-US">
@@ -5883,6 +5726,7 @@
           <a:bodyPr vertOverflow="overflow" horzOverflow="overflow" vert="horz" wrap="square" numCol="1" spcCol="0" rtlCol="0" fromWordArt="0" anchor="ctr" anchorCtr="0" forceAA="0" compatLnSpc="1">
             <a:noAutofit/>
           </a:bodyPr>
+          <a:lstStyle/>
           <a:p>
             <a:pPr lvl="0" algn="ctr"/>
             <a:endParaRPr lang="zh-CN" altLang="en-US">
@@ -5911,6 +5755,7 @@
           <a:bodyPr wrap="square" rtlCol="0">
             <a:spAutoFit/>
           </a:bodyPr>
+          <a:lstStyle/>
           <a:p>
             <a:r>
               <a:rPr lang="en-US" altLang="zh-CN" sz="1200">
@@ -5919,10 +5764,6 @@
               </a:rPr>
               <a:t>Feature Map            Filter / Kernel                                         Feature Map</a:t>
             </a:r>
-            <a:endParaRPr lang="en-US" altLang="zh-CN" sz="1200">
-              <a:latin typeface="微软雅黑" panose="020B0503020204020204" charset="-122"/>
-              <a:ea typeface="微软雅黑" panose="020B0503020204020204" charset="-122"/>
-            </a:endParaRPr>
           </a:p>
         </p:txBody>
       </p:sp>
@@ -5957,6 +5798,7 @@
         </p:style>
         <p:txBody>
           <a:bodyPr rtlCol="0" anchor="ctr"/>
+          <a:lstStyle/>
           <a:p>
             <a:pPr algn="ctr"/>
             <a:endParaRPr lang="zh-CN" altLang="en-US"/>
@@ -6023,6 +5865,7 @@
           </p:style>
           <p:txBody>
             <a:bodyPr rtlCol="0" anchor="ctr"/>
+            <a:lstStyle/>
             <a:p>
               <a:pPr algn="ctr"/>
               <a:endParaRPr lang="zh-CN" altLang="en-US">
@@ -6051,6 +5894,7 @@
             <a:bodyPr wrap="square" rtlCol="0">
               <a:spAutoFit/>
             </a:bodyPr>
+            <a:lstStyle/>
             <a:p>
               <a:r>
                 <a:rPr lang="en-US" altLang="zh-CN" sz="4000" b="1">
@@ -6059,10 +5903,6 @@
                 </a:rPr>
                 <a:t>.</a:t>
               </a:r>
-              <a:endParaRPr lang="en-US" altLang="zh-CN" sz="4000" b="1">
-                <a:latin typeface="微软雅黑" panose="020B0503020204020204" charset="-122"/>
-                <a:ea typeface="微软雅黑" panose="020B0503020204020204" charset="-122"/>
-              </a:endParaRPr>
             </a:p>
           </p:txBody>
         </p:sp>
@@ -6117,6 +5957,7 @@
         </p:style>
         <p:txBody>
           <a:bodyPr rtlCol="0" anchor="ctr"/>
+          <a:lstStyle/>
           <a:p>
             <a:pPr algn="ctr"/>
             <a:endParaRPr lang="zh-CN" altLang="en-US"/>
@@ -6156,6 +5997,7 @@
           <a:bodyPr vertOverflow="overflow" horzOverflow="overflow" vert="horz" wrap="square" numCol="1" spcCol="0" rtlCol="0" fromWordArt="0" anchor="ctr" anchorCtr="0" forceAA="0" compatLnSpc="1">
             <a:noAutofit/>
           </a:bodyPr>
+          <a:lstStyle/>
           <a:p>
             <a:pPr lvl="0" algn="ctr"/>
             <a:endParaRPr lang="zh-CN" altLang="en-US">
@@ -6224,6 +6066,7 @@
           </p:style>
           <p:txBody>
             <a:bodyPr rtlCol="0" anchor="ctr"/>
+            <a:lstStyle/>
             <a:p>
               <a:pPr algn="ctr"/>
               <a:endParaRPr lang="zh-CN" altLang="en-US">
@@ -6252,6 +6095,7 @@
             <a:bodyPr wrap="square" rtlCol="0">
               <a:spAutoFit/>
             </a:bodyPr>
+            <a:lstStyle/>
             <a:p>
               <a:r>
                 <a:rPr lang="en-US" altLang="zh-CN" sz="4000" b="1">
@@ -6260,10 +6104,6 @@
                 </a:rPr>
                 <a:t>.</a:t>
               </a:r>
-              <a:endParaRPr lang="en-US" altLang="zh-CN" sz="4000" b="1">
-                <a:latin typeface="微软雅黑" panose="020B0503020204020204" charset="-122"/>
-                <a:ea typeface="微软雅黑" panose="020B0503020204020204" charset="-122"/>
-              </a:endParaRPr>
             </a:p>
           </p:txBody>
         </p:sp>
@@ -6288,6 +6128,7 @@
           <a:bodyPr wrap="square" rtlCol="0">
             <a:spAutoFit/>
           </a:bodyPr>
+          <a:lstStyle/>
           <a:p>
             <a:pPr algn="ctr"/>
             <a:r>
@@ -6324,6 +6165,7 @@
           <a:bodyPr wrap="square" rtlCol="0">
             <a:spAutoFit/>
           </a:bodyPr>
+          <a:lstStyle/>
           <a:p>
             <a:pPr algn="ctr"/>
             <a:r>
@@ -6449,6 +6291,7 @@
         </p:style>
         <p:txBody>
           <a:bodyPr rtlCol="0" anchor="ctr"/>
+          <a:lstStyle/>
           <a:p>
             <a:pPr algn="ctr"/>
             <a:endParaRPr lang="zh-CN" altLang="en-US"/>
@@ -6515,6 +6358,7 @@
           </p:style>
           <p:txBody>
             <a:bodyPr rtlCol="0" anchor="ctr"/>
+            <a:lstStyle/>
             <a:p>
               <a:pPr algn="ctr"/>
               <a:endParaRPr lang="zh-CN" altLang="en-US">
@@ -6543,6 +6387,7 @@
             <a:bodyPr wrap="square" rtlCol="0">
               <a:spAutoFit/>
             </a:bodyPr>
+            <a:lstStyle/>
             <a:p>
               <a:r>
                 <a:rPr lang="en-US" altLang="zh-CN" sz="4000" b="1">
@@ -6551,10 +6396,6 @@
                 </a:rPr>
                 <a:t>.</a:t>
               </a:r>
-              <a:endParaRPr lang="en-US" altLang="zh-CN" sz="4000" b="1">
-                <a:latin typeface="微软雅黑" panose="020B0503020204020204" charset="-122"/>
-                <a:ea typeface="微软雅黑" panose="020B0503020204020204" charset="-122"/>
-              </a:endParaRPr>
             </a:p>
           </p:txBody>
         </p:sp>
@@ -6643,6 +6484,7 @@
         </p:style>
         <p:txBody>
           <a:bodyPr rtlCol="0" anchor="ctr"/>
+          <a:lstStyle/>
           <a:p>
             <a:pPr algn="ctr"/>
             <a:endParaRPr lang="zh-CN" altLang="en-US"/>
@@ -6691,6 +6533,7 @@
         </p:style>
         <p:txBody>
           <a:bodyPr rtlCol="0" anchor="ctr"/>
+          <a:lstStyle/>
           <a:p>
             <a:pPr algn="ctr"/>
             <a:endParaRPr lang="zh-CN" altLang="en-US"/>
@@ -6816,6 +6659,7 @@
           <a:bodyPr vertOverflow="overflow" horzOverflow="overflow" vert="horz" wrap="square" numCol="1" spcCol="0" rtlCol="0" fromWordArt="0" anchor="ctr" anchorCtr="0" forceAA="0" compatLnSpc="1">
             <a:noAutofit/>
           </a:bodyPr>
+          <a:lstStyle/>
           <a:p>
             <a:pPr lvl="0" algn="ctr"/>
             <a:endParaRPr lang="zh-CN" altLang="en-US">
@@ -6865,6 +6709,7 @@
           <a:bodyPr vertOverflow="overflow" horzOverflow="overflow" vert="horz" wrap="square" numCol="1" spcCol="0" rtlCol="0" fromWordArt="0" anchor="ctr" anchorCtr="0" forceAA="0" compatLnSpc="1">
             <a:noAutofit/>
           </a:bodyPr>
+          <a:lstStyle/>
           <a:p>
             <a:pPr lvl="0" algn="ctr"/>
             <a:endParaRPr lang="zh-CN" altLang="en-US">
@@ -6914,6 +6759,7 @@
           <a:bodyPr vertOverflow="overflow" horzOverflow="overflow" vert="horz" wrap="square" numCol="1" spcCol="0" rtlCol="0" fromWordArt="0" anchor="ctr" anchorCtr="0" forceAA="0" compatLnSpc="1">
             <a:noAutofit/>
           </a:bodyPr>
+          <a:lstStyle/>
           <a:p>
             <a:pPr lvl="0" algn="ctr"/>
             <a:endParaRPr lang="zh-CN" altLang="en-US">
@@ -6992,6 +6838,7 @@
         </p:style>
         <p:txBody>
           <a:bodyPr rtlCol="0" anchor="ctr"/>
+          <a:lstStyle/>
           <a:p>
             <a:pPr algn="ctr"/>
             <a:endParaRPr lang="zh-CN" altLang="en-US"/>
@@ -7151,6 +6998,7 @@
         </p:style>
         <p:txBody>
           <a:bodyPr rtlCol="0" anchor="ctr"/>
+          <a:lstStyle/>
           <a:p>
             <a:pPr algn="ctr"/>
             <a:endParaRPr lang="zh-CN" altLang="en-US"/>
@@ -7204,6 +7052,7 @@
         </p:style>
         <p:txBody>
           <a:bodyPr rtlCol="0" anchor="ctr"/>
+          <a:lstStyle/>
           <a:p>
             <a:pPr algn="ctr"/>
             <a:endParaRPr lang="zh-CN" altLang="en-US"/>
@@ -7260,6 +7109,7 @@
         </p:style>
         <p:txBody>
           <a:bodyPr rtlCol="0" anchor="ctr"/>
+          <a:lstStyle/>
           <a:p>
             <a:pPr algn="ctr"/>
             <a:endParaRPr lang="zh-CN" altLang="en-US"/>
@@ -7313,6 +7163,7 @@
         </p:style>
         <p:txBody>
           <a:bodyPr rtlCol="0" anchor="ctr"/>
+          <a:lstStyle/>
           <a:p>
             <a:pPr algn="ctr"/>
             <a:endParaRPr lang="zh-CN" altLang="en-US"/>
@@ -7361,6 +7212,7 @@
         </p:style>
         <p:txBody>
           <a:bodyPr rtlCol="0" anchor="ctr"/>
+          <a:lstStyle/>
           <a:p>
             <a:pPr algn="ctr"/>
             <a:endParaRPr lang="zh-CN" altLang="en-US"/>
@@ -7409,6 +7261,7 @@
         </p:style>
         <p:txBody>
           <a:bodyPr rtlCol="0" anchor="ctr"/>
+          <a:lstStyle/>
           <a:p>
             <a:pPr algn="ctr"/>
             <a:endParaRPr lang="zh-CN" altLang="en-US"/>
@@ -7457,6 +7310,7 @@
         </p:style>
         <p:txBody>
           <a:bodyPr rtlCol="0" anchor="ctr"/>
+          <a:lstStyle/>
           <a:p>
             <a:pPr algn="ctr"/>
             <a:endParaRPr lang="zh-CN" altLang="en-US"/>
@@ -7483,6 +7337,7 @@
           <a:bodyPr wrap="square" rtlCol="0">
             <a:spAutoFit/>
           </a:bodyPr>
+          <a:lstStyle/>
           <a:p>
             <a:pPr algn="r"/>
             <a:r>
@@ -7492,10 +7347,6 @@
               </a:rPr>
               <a:t>Filter / Kernel </a:t>
             </a:r>
-            <a:endParaRPr lang="en-US" altLang="zh-CN" sz="1200">
-              <a:latin typeface="微软雅黑" panose="020B0503020204020204" charset="-122"/>
-              <a:ea typeface="微软雅黑" panose="020B0503020204020204" charset="-122"/>
-            </a:endParaRPr>
           </a:p>
           <a:p>
             <a:pPr algn="r"/>
@@ -7506,10 +7357,6 @@
               </a:rPr>
               <a:t>           3x3      		     </a:t>
             </a:r>
-            <a:endParaRPr lang="en-US" altLang="zh-CN" sz="1200">
-              <a:latin typeface="微软雅黑" panose="020B0503020204020204" charset="-122"/>
-              <a:ea typeface="微软雅黑" panose="020B0503020204020204" charset="-122"/>
-            </a:endParaRPr>
           </a:p>
           <a:p>
             <a:pPr algn="r"/>
@@ -7520,10 +7367,6 @@
               </a:rPr>
               <a:t>DWC</a:t>
             </a:r>
-            <a:endParaRPr lang="en-US" altLang="zh-CN" sz="1200">
-              <a:latin typeface="微软雅黑" panose="020B0503020204020204" charset="-122"/>
-              <a:ea typeface="微软雅黑" panose="020B0503020204020204" charset="-122"/>
-            </a:endParaRPr>
           </a:p>
           <a:p>
             <a:pPr algn="r"/>
@@ -7534,10 +7377,6 @@
               </a:rPr>
               <a:t>Feature Map</a:t>
             </a:r>
-            <a:endParaRPr lang="en-US" altLang="zh-CN" sz="1200">
-              <a:latin typeface="微软雅黑" panose="020B0503020204020204" charset="-122"/>
-              <a:ea typeface="微软雅黑" panose="020B0503020204020204" charset="-122"/>
-            </a:endParaRPr>
           </a:p>
           <a:p>
             <a:pPr algn="r"/>
@@ -7562,10 +7401,6 @@
               </a:rPr>
               <a:t>BN</a:t>
             </a:r>
-            <a:endParaRPr lang="en-US" altLang="zh-CN" sz="1200">
-              <a:latin typeface="微软雅黑" panose="020B0503020204020204" charset="-122"/>
-              <a:ea typeface="微软雅黑" panose="020B0503020204020204" charset="-122"/>
-            </a:endParaRPr>
           </a:p>
           <a:p>
             <a:pPr algn="r"/>
@@ -7576,10 +7411,6 @@
               </a:rPr>
               <a:t>ReLU</a:t>
             </a:r>
-            <a:endParaRPr lang="en-US" altLang="zh-CN" sz="1200">
-              <a:latin typeface="微软雅黑" panose="020B0503020204020204" charset="-122"/>
-              <a:ea typeface="微软雅黑" panose="020B0503020204020204" charset="-122"/>
-            </a:endParaRPr>
           </a:p>
           <a:p>
             <a:pPr algn="r"/>
@@ -7626,10 +7457,6 @@
               </a:rPr>
               <a:t>PWC</a:t>
             </a:r>
-            <a:endParaRPr lang="en-US" altLang="zh-CN" sz="1200">
-              <a:latin typeface="微软雅黑" panose="020B0503020204020204" charset="-122"/>
-              <a:ea typeface="微软雅黑" panose="020B0503020204020204" charset="-122"/>
-            </a:endParaRPr>
           </a:p>
           <a:p>
             <a:pPr algn="r"/>
@@ -7640,10 +7467,6 @@
               </a:rPr>
               <a:t>Feature Map</a:t>
             </a:r>
-            <a:endParaRPr lang="en-US" altLang="zh-CN" sz="1200">
-              <a:latin typeface="微软雅黑" panose="020B0503020204020204" charset="-122"/>
-              <a:ea typeface="微软雅黑" panose="020B0503020204020204" charset="-122"/>
-            </a:endParaRPr>
           </a:p>
           <a:p>
             <a:pPr algn="r"/>
@@ -7682,10 +7505,6 @@
               </a:rPr>
               <a:t>BN</a:t>
             </a:r>
-            <a:endParaRPr lang="en-US" altLang="zh-CN" sz="1200">
-              <a:latin typeface="微软雅黑" panose="020B0503020204020204" charset="-122"/>
-              <a:ea typeface="微软雅黑" panose="020B0503020204020204" charset="-122"/>
-            </a:endParaRPr>
           </a:p>
           <a:p>
             <a:pPr algn="r"/>
@@ -7696,10 +7515,6 @@
               </a:rPr>
               <a:t>ReLU</a:t>
             </a:r>
-            <a:endParaRPr lang="en-US" altLang="zh-CN" sz="1200">
-              <a:latin typeface="微软雅黑" panose="020B0503020204020204" charset="-122"/>
-              <a:ea typeface="微软雅黑" panose="020B0503020204020204" charset="-122"/>
-            </a:endParaRPr>
           </a:p>
         </p:txBody>
       </p:sp>
@@ -7758,6 +7573,7 @@
           </p:style>
           <p:txBody>
             <a:bodyPr rtlCol="0" anchor="ctr"/>
+            <a:lstStyle/>
             <a:p>
               <a:pPr algn="ctr"/>
               <a:endParaRPr lang="zh-CN" altLang="en-US"/>
@@ -7807,6 +7623,7 @@
           </p:style>
           <p:txBody>
             <a:bodyPr rtlCol="0" anchor="ctr"/>
+            <a:lstStyle/>
             <a:p>
               <a:pPr algn="ctr"/>
               <a:endParaRPr lang="zh-CN" altLang="en-US"/>
@@ -7855,6 +7672,7 @@
           </p:style>
           <p:txBody>
             <a:bodyPr rtlCol="0" anchor="ctr"/>
+            <a:lstStyle/>
             <a:p>
               <a:pPr algn="ctr"/>
               <a:endParaRPr lang="zh-CN" altLang="en-US"/>
@@ -7903,6 +7721,7 @@
           </p:style>
           <p:txBody>
             <a:bodyPr rtlCol="0" anchor="ctr"/>
+            <a:lstStyle/>
             <a:p>
               <a:pPr algn="ctr"/>
               <a:endParaRPr lang="zh-CN" altLang="en-US"/>
@@ -7951,6 +7770,7 @@
           </p:style>
           <p:txBody>
             <a:bodyPr rtlCol="0" anchor="ctr"/>
+            <a:lstStyle/>
             <a:p>
               <a:pPr algn="ctr"/>
               <a:endParaRPr lang="zh-CN" altLang="en-US"/>
@@ -7999,6 +7819,7 @@
           </p:style>
           <p:txBody>
             <a:bodyPr rtlCol="0" anchor="ctr"/>
+            <a:lstStyle/>
             <a:p>
               <a:pPr algn="ctr"/>
               <a:endParaRPr lang="zh-CN" altLang="en-US"/>
@@ -8046,6 +7867,7 @@
           </p:style>
           <p:txBody>
             <a:bodyPr rtlCol="0" anchor="ctr"/>
+            <a:lstStyle/>
             <a:p>
               <a:pPr algn="ctr"/>
               <a:endParaRPr lang="zh-CN" altLang="en-US"/>
@@ -8095,6 +7917,7 @@
           </p:style>
           <p:txBody>
             <a:bodyPr rtlCol="0" anchor="ctr"/>
+            <a:lstStyle/>
             <a:p>
               <a:pPr algn="ctr"/>
               <a:endParaRPr lang="zh-CN" altLang="en-US"/>
@@ -8143,6 +7966,7 @@
           </p:style>
           <p:txBody>
             <a:bodyPr rtlCol="0" anchor="ctr"/>
+            <a:lstStyle/>
             <a:p>
               <a:pPr algn="ctr"/>
               <a:endParaRPr lang="zh-CN" altLang="en-US"/>
@@ -8191,6 +8015,7 @@
           </p:style>
           <p:txBody>
             <a:bodyPr rtlCol="0" anchor="ctr"/>
+            <a:lstStyle/>
             <a:p>
               <a:pPr algn="ctr"/>
               <a:endParaRPr lang="zh-CN" altLang="en-US"/>
@@ -8239,6 +8064,7 @@
           </p:style>
           <p:txBody>
             <a:bodyPr rtlCol="0" anchor="ctr"/>
+            <a:lstStyle/>
             <a:p>
               <a:pPr algn="ctr"/>
               <a:endParaRPr lang="zh-CN" altLang="en-US"/>
@@ -8287,6 +8113,7 @@
           </p:style>
           <p:txBody>
             <a:bodyPr rtlCol="0" anchor="ctr"/>
+            <a:lstStyle/>
             <a:p>
               <a:pPr algn="ctr"/>
               <a:endParaRPr lang="zh-CN" altLang="en-US"/>
@@ -8314,6 +8141,7 @@
           <a:bodyPr wrap="square" rtlCol="0">
             <a:spAutoFit/>
           </a:bodyPr>
+          <a:lstStyle/>
           <a:p>
             <a:pPr algn="ctr"/>
             <a:r>
@@ -8375,6 +8203,7 @@
         </p:style>
         <p:txBody>
           <a:bodyPr rtlCol="0" anchor="ctr"/>
+          <a:lstStyle/>
           <a:p>
             <a:pPr algn="ctr"/>
             <a:endParaRPr lang="zh-CN" altLang="en-US"/>
@@ -8401,6 +8230,7 @@
           <a:bodyPr wrap="square" rtlCol="0">
             <a:spAutoFit/>
           </a:bodyPr>
+          <a:lstStyle/>
           <a:p>
             <a:pPr algn="ctr"/>
             <a:r>
@@ -8460,6 +8290,7 @@
           <a:bodyPr vertOverflow="overflow" horzOverflow="overflow" vert="horz" wrap="square" numCol="1" spcCol="0" rtlCol="0" fromWordArt="0" anchor="ctr" anchorCtr="0" forceAA="0" compatLnSpc="1">
             <a:noAutofit/>
           </a:bodyPr>
+          <a:lstStyle/>
           <a:p>
             <a:pPr lvl="0" algn="ctr"/>
             <a:endParaRPr lang="zh-CN" altLang="en-US">
@@ -8511,6 +8342,7 @@
           <a:bodyPr vertOverflow="overflow" horzOverflow="overflow" vert="horz" wrap="square" numCol="1" spcCol="0" rtlCol="0" fromWordArt="0" anchor="ctr" anchorCtr="0" forceAA="0" compatLnSpc="1">
             <a:noAutofit/>
           </a:bodyPr>
+          <a:lstStyle/>
           <a:p>
             <a:pPr lvl="0" algn="ctr"/>
             <a:endParaRPr lang="zh-CN" altLang="en-US">
@@ -8562,6 +8394,7 @@
           <a:bodyPr vertOverflow="overflow" horzOverflow="overflow" vert="horz" wrap="square" numCol="1" spcCol="0" rtlCol="0" fromWordArt="0" anchor="ctr" anchorCtr="0" forceAA="0" compatLnSpc="1">
             <a:noAutofit/>
           </a:bodyPr>
+          <a:lstStyle/>
           <a:p>
             <a:pPr lvl="0" algn="ctr"/>
             <a:endParaRPr lang="zh-CN" altLang="en-US">
@@ -8663,10 +8496,6 @@
               </a:rPr>
               <a:t>MobileNet-v2</a:t>
             </a:r>
-            <a:endParaRPr lang="en-US" altLang="zh-CN" sz="2800" b="1">
-              <a:latin typeface="微软雅黑" panose="020B0503020204020204" charset="-122"/>
-              <a:ea typeface="微软雅黑" panose="020B0503020204020204" charset="-122"/>
-            </a:endParaRPr>
           </a:p>
         </p:txBody>
       </p:sp>
@@ -8690,6 +8519,7 @@
           <a:bodyPr>
             <a:normAutofit/>
           </a:bodyPr>
+          <a:lstStyle/>
           <a:p>
             <a:pPr algn="l"/>
             <a:r>
@@ -8732,13 +8562,6 @@
               </a:rPr>
               <a:t>0</a:t>
             </a:r>
-            <a:endParaRPr lang="en-US" altLang="zh-CN" sz="1800">
-              <a:solidFill>
-                <a:schemeClr val="tx1"/>
-              </a:solidFill>
-              <a:latin typeface="微软雅黑" panose="020B0503020204020204" charset="-122"/>
-              <a:ea typeface="微软雅黑" panose="020B0503020204020204" charset="-122"/>
-            </a:endParaRPr>
           </a:p>
           <a:p>
             <a:pPr algn="l"/>
@@ -8753,14 +8576,6 @@
               </a:rPr>
               <a:t>方法：线性瓶颈和逆残差：复用特征，缓解退化</a:t>
             </a:r>
-            <a:endParaRPr lang="zh-CN" altLang="en-US" sz="1800">
-              <a:solidFill>
-                <a:schemeClr val="tx1"/>
-              </a:solidFill>
-              <a:latin typeface="微软雅黑" panose="020B0503020204020204" charset="-122"/>
-              <a:ea typeface="微软雅黑" panose="020B0503020204020204" charset="-122"/>
-              <a:sym typeface="+mn-ea"/>
-            </a:endParaRPr>
           </a:p>
         </p:txBody>
       </p:sp>
@@ -8784,6 +8599,7 @@
           <a:bodyPr wrap="square" rtlCol="0">
             <a:spAutoFit/>
           </a:bodyPr>
+          <a:lstStyle/>
           <a:p>
             <a:pPr algn="ctr"/>
             <a:r>
@@ -8845,6 +8661,7 @@
         </p:style>
         <p:txBody>
           <a:bodyPr rtlCol="0" anchor="ctr"/>
+          <a:lstStyle/>
           <a:p>
             <a:pPr algn="ctr"/>
             <a:endParaRPr lang="zh-CN" altLang="en-US"/>
@@ -8945,6 +8762,7 @@
           </p:style>
           <p:txBody>
             <a:bodyPr rtlCol="0" anchor="ctr"/>
+            <a:lstStyle/>
             <a:p>
               <a:pPr algn="ctr"/>
               <a:endParaRPr lang="zh-CN" altLang="en-US"/>
@@ -8994,6 +8812,7 @@
           </p:style>
           <p:txBody>
             <a:bodyPr rtlCol="0" anchor="ctr"/>
+            <a:lstStyle/>
             <a:p>
               <a:pPr algn="ctr"/>
               <a:endParaRPr lang="zh-CN" altLang="en-US"/>
@@ -9042,6 +8861,7 @@
           </p:style>
           <p:txBody>
             <a:bodyPr rtlCol="0" anchor="ctr"/>
+            <a:lstStyle/>
             <a:p>
               <a:pPr algn="ctr"/>
               <a:endParaRPr lang="zh-CN" altLang="en-US"/>
@@ -9090,6 +8910,7 @@
           </p:style>
           <p:txBody>
             <a:bodyPr rtlCol="0" anchor="ctr"/>
+            <a:lstStyle/>
             <a:p>
               <a:pPr algn="ctr"/>
               <a:endParaRPr lang="zh-CN" altLang="en-US"/>
@@ -9138,6 +8959,7 @@
           </p:style>
           <p:txBody>
             <a:bodyPr rtlCol="0" anchor="ctr"/>
+            <a:lstStyle/>
             <a:p>
               <a:pPr algn="ctr"/>
               <a:endParaRPr lang="zh-CN" altLang="en-US"/>
@@ -9186,6 +9008,7 @@
           </p:style>
           <p:txBody>
             <a:bodyPr rtlCol="0" anchor="ctr"/>
+            <a:lstStyle/>
             <a:p>
               <a:pPr algn="ctr"/>
               <a:endParaRPr lang="zh-CN" altLang="en-US"/>
@@ -9233,6 +9056,7 @@
           </p:style>
           <p:txBody>
             <a:bodyPr rtlCol="0" anchor="ctr"/>
+            <a:lstStyle/>
             <a:p>
               <a:pPr algn="ctr"/>
               <a:endParaRPr lang="zh-CN" altLang="en-US"/>
@@ -9282,6 +9106,7 @@
           </p:style>
           <p:txBody>
             <a:bodyPr rtlCol="0" anchor="ctr"/>
+            <a:lstStyle/>
             <a:p>
               <a:pPr algn="ctr"/>
               <a:endParaRPr lang="zh-CN" altLang="en-US"/>
@@ -9330,6 +9155,7 @@
           </p:style>
           <p:txBody>
             <a:bodyPr rtlCol="0" anchor="ctr"/>
+            <a:lstStyle/>
             <a:p>
               <a:pPr algn="ctr"/>
               <a:endParaRPr lang="zh-CN" altLang="en-US"/>
@@ -9378,6 +9204,7 @@
           </p:style>
           <p:txBody>
             <a:bodyPr rtlCol="0" anchor="ctr"/>
+            <a:lstStyle/>
             <a:p>
               <a:pPr algn="ctr"/>
               <a:endParaRPr lang="zh-CN" altLang="en-US"/>
@@ -9426,6 +9253,7 @@
           </p:style>
           <p:txBody>
             <a:bodyPr rtlCol="0" anchor="ctr"/>
+            <a:lstStyle/>
             <a:p>
               <a:pPr algn="ctr"/>
               <a:endParaRPr lang="zh-CN" altLang="en-US"/>
@@ -9474,6 +9302,7 @@
           </p:style>
           <p:txBody>
             <a:bodyPr rtlCol="0" anchor="ctr"/>
+            <a:lstStyle/>
             <a:p>
               <a:pPr algn="ctr"/>
               <a:endParaRPr lang="zh-CN" altLang="en-US"/>
@@ -9524,6 +9353,7 @@
           <a:bodyPr vertOverflow="overflow" horzOverflow="overflow" vert="horz" wrap="square" numCol="1" spcCol="0" rtlCol="0" fromWordArt="0" anchor="ctr" anchorCtr="0" forceAA="0" compatLnSpc="1">
             <a:noAutofit/>
           </a:bodyPr>
+          <a:lstStyle/>
           <a:p>
             <a:pPr lvl="0" algn="ctr"/>
             <a:endParaRPr lang="zh-CN" altLang="en-US">
@@ -9575,6 +9405,7 @@
           <a:bodyPr vertOverflow="overflow" horzOverflow="overflow" vert="horz" wrap="square" numCol="1" spcCol="0" rtlCol="0" fromWordArt="0" anchor="ctr" anchorCtr="0" forceAA="0" compatLnSpc="1">
             <a:noAutofit/>
           </a:bodyPr>
+          <a:lstStyle/>
           <a:p>
             <a:pPr lvl="0" algn="ctr"/>
             <a:endParaRPr lang="zh-CN" altLang="en-US">
@@ -9626,6 +9457,7 @@
           <a:bodyPr vertOverflow="overflow" horzOverflow="overflow" vert="horz" wrap="square" numCol="1" spcCol="0" rtlCol="0" fromWordArt="0" anchor="ctr" anchorCtr="0" forceAA="0" compatLnSpc="1">
             <a:noAutofit/>
           </a:bodyPr>
+          <a:lstStyle/>
           <a:p>
             <a:pPr lvl="0" algn="ctr"/>
             <a:endParaRPr lang="zh-CN" altLang="en-US">
@@ -9677,6 +9509,7 @@
           <a:bodyPr vertOverflow="overflow" horzOverflow="overflow" vert="horz" wrap="square" numCol="1" spcCol="0" rtlCol="0" fromWordArt="0" anchor="ctr" anchorCtr="0" forceAA="0" compatLnSpc="1">
             <a:noAutofit/>
           </a:bodyPr>
+          <a:lstStyle/>
           <a:p>
             <a:pPr lvl="0" algn="ctr"/>
             <a:endParaRPr lang="zh-CN" altLang="en-US">
@@ -9728,6 +9561,7 @@
           <a:bodyPr vertOverflow="overflow" horzOverflow="overflow" vert="horz" wrap="square" numCol="1" spcCol="0" rtlCol="0" fromWordArt="0" anchor="ctr" anchorCtr="0" forceAA="0" compatLnSpc="1">
             <a:noAutofit/>
           </a:bodyPr>
+          <a:lstStyle/>
           <a:p>
             <a:pPr lvl="0" algn="ctr"/>
             <a:endParaRPr lang="zh-CN" altLang="en-US">
@@ -9779,6 +9613,7 @@
           <a:bodyPr vertOverflow="overflow" horzOverflow="overflow" vert="horz" wrap="square" numCol="1" spcCol="0" rtlCol="0" fromWordArt="0" anchor="ctr" anchorCtr="0" forceAA="0" compatLnSpc="1">
             <a:noAutofit/>
           </a:bodyPr>
+          <a:lstStyle/>
           <a:p>
             <a:pPr lvl="0" algn="ctr"/>
             <a:endParaRPr lang="zh-CN" altLang="en-US">
@@ -9807,6 +9642,7 @@
           <a:bodyPr wrap="square" rtlCol="0">
             <a:spAutoFit/>
           </a:bodyPr>
+          <a:lstStyle/>
           <a:p>
             <a:pPr algn="ctr"/>
             <a:r>
@@ -9843,6 +9679,7 @@
           <a:bodyPr wrap="square" rtlCol="0">
             <a:spAutoFit/>
           </a:bodyPr>
+          <a:lstStyle/>
           <a:p>
             <a:pPr algn="ctr"/>
             <a:r>
@@ -9971,6 +9808,7 @@
         </p:style>
         <p:txBody>
           <a:bodyPr rtlCol="0" anchor="ctr"/>
+          <a:lstStyle/>
           <a:p>
             <a:pPr algn="ctr"/>
             <a:endParaRPr lang="zh-CN" altLang="en-US"/>
@@ -10024,6 +9862,7 @@
         </p:style>
         <p:txBody>
           <a:bodyPr rtlCol="0" anchor="ctr"/>
+          <a:lstStyle/>
           <a:p>
             <a:pPr algn="ctr"/>
             <a:endParaRPr lang="zh-CN" altLang="en-US"/>
@@ -10080,6 +9919,7 @@
         </p:style>
         <p:txBody>
           <a:bodyPr rtlCol="0" anchor="ctr"/>
+          <a:lstStyle/>
           <a:p>
             <a:pPr algn="ctr"/>
             <a:endParaRPr lang="zh-CN" altLang="en-US"/>
@@ -10133,6 +9973,7 @@
         </p:style>
         <p:txBody>
           <a:bodyPr rtlCol="0" anchor="ctr"/>
+          <a:lstStyle/>
           <a:p>
             <a:pPr algn="ctr"/>
             <a:endParaRPr lang="zh-CN" altLang="en-US"/>
@@ -10181,6 +10022,7 @@
         </p:style>
         <p:txBody>
           <a:bodyPr rtlCol="0" anchor="ctr"/>
+          <a:lstStyle/>
           <a:p>
             <a:pPr algn="ctr"/>
             <a:endParaRPr lang="zh-CN" altLang="en-US"/>
@@ -10229,6 +10071,7 @@
         </p:style>
         <p:txBody>
           <a:bodyPr rtlCol="0" anchor="ctr"/>
+          <a:lstStyle/>
           <a:p>
             <a:pPr algn="ctr"/>
             <a:endParaRPr lang="zh-CN" altLang="en-US"/>
@@ -10277,6 +10120,7 @@
         </p:style>
         <p:txBody>
           <a:bodyPr rtlCol="0" anchor="ctr"/>
+          <a:lstStyle/>
           <a:p>
             <a:pPr algn="ctr"/>
             <a:endParaRPr lang="zh-CN" altLang="en-US"/>
@@ -10328,6 +10172,7 @@
         </p:style>
         <p:txBody>
           <a:bodyPr rtlCol="0" anchor="ctr"/>
+          <a:lstStyle/>
           <a:p>
             <a:pPr algn="ctr"/>
             <a:endParaRPr lang="zh-CN" altLang="en-US"/>
@@ -10428,6 +10273,7 @@
           </p:style>
           <p:txBody>
             <a:bodyPr rtlCol="0" anchor="ctr"/>
+            <a:lstStyle/>
             <a:p>
               <a:pPr algn="ctr"/>
               <a:endParaRPr lang="zh-CN" altLang="en-US"/>
@@ -10477,6 +10323,7 @@
           </p:style>
           <p:txBody>
             <a:bodyPr rtlCol="0" anchor="ctr"/>
+            <a:lstStyle/>
             <a:p>
               <a:pPr algn="ctr"/>
               <a:endParaRPr lang="zh-CN" altLang="en-US"/>
@@ -10525,6 +10372,7 @@
           </p:style>
           <p:txBody>
             <a:bodyPr rtlCol="0" anchor="ctr"/>
+            <a:lstStyle/>
             <a:p>
               <a:pPr algn="ctr"/>
               <a:endParaRPr lang="zh-CN" altLang="en-US"/>
@@ -10573,6 +10421,7 @@
           </p:style>
           <p:txBody>
             <a:bodyPr rtlCol="0" anchor="ctr"/>
+            <a:lstStyle/>
             <a:p>
               <a:pPr algn="ctr"/>
               <a:endParaRPr lang="zh-CN" altLang="en-US"/>
@@ -10621,6 +10470,7 @@
           </p:style>
           <p:txBody>
             <a:bodyPr rtlCol="0" anchor="ctr"/>
+            <a:lstStyle/>
             <a:p>
               <a:pPr algn="ctr"/>
               <a:endParaRPr lang="zh-CN" altLang="en-US"/>
@@ -10669,6 +10519,7 @@
           </p:style>
           <p:txBody>
             <a:bodyPr rtlCol="0" anchor="ctr"/>
+            <a:lstStyle/>
             <a:p>
               <a:pPr algn="ctr"/>
               <a:endParaRPr lang="zh-CN" altLang="en-US"/>
@@ -10716,6 +10567,7 @@
           </p:style>
           <p:txBody>
             <a:bodyPr rtlCol="0" anchor="ctr"/>
+            <a:lstStyle/>
             <a:p>
               <a:pPr algn="ctr"/>
               <a:endParaRPr lang="zh-CN" altLang="en-US"/>
@@ -10765,6 +10617,7 @@
           </p:style>
           <p:txBody>
             <a:bodyPr rtlCol="0" anchor="ctr"/>
+            <a:lstStyle/>
             <a:p>
               <a:pPr algn="ctr"/>
               <a:endParaRPr lang="zh-CN" altLang="en-US"/>
@@ -10813,6 +10666,7 @@
           </p:style>
           <p:txBody>
             <a:bodyPr rtlCol="0" anchor="ctr"/>
+            <a:lstStyle/>
             <a:p>
               <a:pPr algn="ctr"/>
               <a:endParaRPr lang="zh-CN" altLang="en-US"/>
@@ -10861,6 +10715,7 @@
           </p:style>
           <p:txBody>
             <a:bodyPr rtlCol="0" anchor="ctr"/>
+            <a:lstStyle/>
             <a:p>
               <a:pPr algn="ctr"/>
               <a:endParaRPr lang="zh-CN" altLang="en-US"/>
@@ -10909,6 +10764,7 @@
           </p:style>
           <p:txBody>
             <a:bodyPr rtlCol="0" anchor="ctr"/>
+            <a:lstStyle/>
             <a:p>
               <a:pPr algn="ctr"/>
               <a:endParaRPr lang="zh-CN" altLang="en-US"/>
@@ -10957,6 +10813,7 @@
           </p:style>
           <p:txBody>
             <a:bodyPr rtlCol="0" anchor="ctr"/>
+            <a:lstStyle/>
             <a:p>
               <a:pPr algn="ctr"/>
               <a:endParaRPr lang="zh-CN" altLang="en-US"/>
@@ -11007,6 +10864,7 @@
           <a:bodyPr vertOverflow="overflow" horzOverflow="overflow" vert="horz" wrap="square" numCol="1" spcCol="0" rtlCol="0" fromWordArt="0" anchor="ctr" anchorCtr="0" forceAA="0" compatLnSpc="1">
             <a:noAutofit/>
           </a:bodyPr>
+          <a:lstStyle/>
           <a:p>
             <a:pPr lvl="0" algn="ctr"/>
             <a:endParaRPr lang="zh-CN" altLang="en-US">
@@ -11058,6 +10916,7 @@
           <a:bodyPr vertOverflow="overflow" horzOverflow="overflow" vert="horz" wrap="square" numCol="1" spcCol="0" rtlCol="0" fromWordArt="0" anchor="ctr" anchorCtr="0" forceAA="0" compatLnSpc="1">
             <a:noAutofit/>
           </a:bodyPr>
+          <a:lstStyle/>
           <a:p>
             <a:pPr lvl="0" algn="ctr"/>
             <a:endParaRPr lang="zh-CN" altLang="en-US">
@@ -11109,6 +10968,7 @@
           <a:bodyPr vertOverflow="overflow" horzOverflow="overflow" vert="horz" wrap="square" numCol="1" spcCol="0" rtlCol="0" fromWordArt="0" anchor="ctr" anchorCtr="0" forceAA="0" compatLnSpc="1">
             <a:noAutofit/>
           </a:bodyPr>
+          <a:lstStyle/>
           <a:p>
             <a:pPr lvl="0" algn="ctr"/>
             <a:endParaRPr lang="zh-CN" altLang="en-US">
@@ -11160,6 +11020,7 @@
           <a:bodyPr vertOverflow="overflow" horzOverflow="overflow" vert="horz" wrap="square" numCol="1" spcCol="0" rtlCol="0" fromWordArt="0" anchor="ctr" anchorCtr="0" forceAA="0" compatLnSpc="1">
             <a:noAutofit/>
           </a:bodyPr>
+          <a:lstStyle/>
           <a:p>
             <a:pPr lvl="0" algn="ctr"/>
             <a:endParaRPr lang="zh-CN" altLang="en-US">
@@ -11211,6 +11072,7 @@
           <a:bodyPr vertOverflow="overflow" horzOverflow="overflow" vert="horz" wrap="square" numCol="1" spcCol="0" rtlCol="0" fromWordArt="0" anchor="ctr" anchorCtr="0" forceAA="0" compatLnSpc="1">
             <a:noAutofit/>
           </a:bodyPr>
+          <a:lstStyle/>
           <a:p>
             <a:pPr lvl="0" algn="ctr"/>
             <a:endParaRPr lang="zh-CN" altLang="en-US">
@@ -11262,6 +11124,7 @@
           <a:bodyPr vertOverflow="overflow" horzOverflow="overflow" vert="horz" wrap="square" numCol="1" spcCol="0" rtlCol="0" fromWordArt="0" anchor="ctr" anchorCtr="0" forceAA="0" compatLnSpc="1">
             <a:noAutofit/>
           </a:bodyPr>
+          <a:lstStyle/>
           <a:p>
             <a:pPr lvl="0" algn="ctr"/>
             <a:endParaRPr lang="zh-CN" altLang="en-US">
@@ -11311,6 +11174,7 @@
           <a:bodyPr vertOverflow="overflow" horzOverflow="overflow" vert="horz" wrap="square" numCol="1" spcCol="0" rtlCol="0" fromWordArt="0" anchor="ctr" anchorCtr="0" forceAA="0" compatLnSpc="1">
             <a:noAutofit/>
           </a:bodyPr>
+          <a:lstStyle/>
           <a:p>
             <a:pPr lvl="0" algn="ctr"/>
             <a:endParaRPr lang="zh-CN" altLang="en-US">
@@ -11360,6 +11224,7 @@
           <a:bodyPr vertOverflow="overflow" horzOverflow="overflow" vert="horz" wrap="square" numCol="1" spcCol="0" rtlCol="0" fromWordArt="0" anchor="ctr" anchorCtr="0" forceAA="0" compatLnSpc="1">
             <a:noAutofit/>
           </a:bodyPr>
+          <a:lstStyle/>
           <a:p>
             <a:pPr lvl="0" algn="ctr"/>
             <a:endParaRPr lang="zh-CN" altLang="en-US">
@@ -11409,6 +11274,7 @@
           <a:bodyPr vertOverflow="overflow" horzOverflow="overflow" vert="horz" wrap="square" numCol="1" spcCol="0" rtlCol="0" fromWordArt="0" anchor="ctr" anchorCtr="0" forceAA="0" compatLnSpc="1">
             <a:noAutofit/>
           </a:bodyPr>
+          <a:lstStyle/>
           <a:p>
             <a:pPr lvl="0" algn="ctr"/>
             <a:endParaRPr lang="zh-CN" altLang="en-US">
@@ -11456,6 +11322,7 @@
         </p:style>
         <p:txBody>
           <a:bodyPr rtlCol="0" anchor="ctr"/>
+          <a:lstStyle/>
           <a:p>
             <a:pPr algn="ctr"/>
             <a:endParaRPr lang="zh-CN" altLang="en-US"/>
@@ -11501,6 +11368,7 @@
         </p:style>
         <p:txBody>
           <a:bodyPr rtlCol="0" anchor="ctr"/>
+          <a:lstStyle/>
           <a:p>
             <a:pPr algn="ctr"/>
             <a:endParaRPr lang="zh-CN" altLang="en-US"/>
@@ -11546,6 +11414,7 @@
         </p:style>
         <p:txBody>
           <a:bodyPr rtlCol="0" anchor="ctr"/>
+          <a:lstStyle/>
           <a:p>
             <a:pPr algn="ctr"/>
             <a:endParaRPr lang="zh-CN" altLang="en-US"/>
@@ -11638,6 +11507,7 @@
           <a:bodyPr wrap="square" rtlCol="0">
             <a:spAutoFit/>
           </a:bodyPr>
+          <a:lstStyle/>
           <a:p>
             <a:r>
               <a:rPr lang="en-US" altLang="zh-CN" sz="1200">
@@ -11759,13 +11629,6 @@
               </a:rPr>
               <a:t>通道降维</a:t>
             </a:r>
-            <a:endParaRPr lang="zh-CN" altLang="en-US" sz="1200">
-              <a:solidFill>
-                <a:srgbClr val="0F80FF"/>
-              </a:solidFill>
-              <a:latin typeface="微软雅黑" panose="020B0503020204020204" charset="-122"/>
-              <a:ea typeface="微软雅黑" panose="020B0503020204020204" charset="-122"/>
-            </a:endParaRPr>
           </a:p>
         </p:txBody>
       </p:sp>
@@ -11850,6 +11713,7 @@
         </p:style>
         <p:txBody>
           <a:bodyPr rtlCol="0" anchor="ctr"/>
+          <a:lstStyle/>
           <a:p>
             <a:pPr algn="ctr"/>
             <a:r>
@@ -11862,13 +11726,6 @@
               </a:rPr>
               <a:t>输入</a:t>
             </a:r>
-            <a:endParaRPr lang="zh-CN" altLang="en-US">
-              <a:solidFill>
-                <a:schemeClr val="tx1"/>
-              </a:solidFill>
-              <a:latin typeface="微软雅黑" panose="020B0503020204020204" charset="-122"/>
-              <a:ea typeface="微软雅黑" panose="020B0503020204020204" charset="-122"/>
-            </a:endParaRPr>
           </a:p>
         </p:txBody>
       </p:sp>
@@ -11931,6 +11788,7 @@
           <a:bodyPr wrap="square" rtlCol="0">
             <a:spAutoFit/>
           </a:bodyPr>
+          <a:lstStyle/>
           <a:p>
             <a:pPr algn="ctr"/>
             <a:r>
@@ -11943,13 +11801,6 @@
               </a:rPr>
               <a:t>ReLU6</a:t>
             </a:r>
-            <a:endParaRPr lang="en-US" altLang="zh-CN" sz="1200">
-              <a:solidFill>
-                <a:srgbClr val="C00000"/>
-              </a:solidFill>
-              <a:latin typeface="微软雅黑" panose="020B0503020204020204" charset="-122"/>
-              <a:ea typeface="微软雅黑" panose="020B0503020204020204" charset="-122"/>
-            </a:endParaRPr>
           </a:p>
         </p:txBody>
       </p:sp>
@@ -11973,6 +11824,7 @@
           <a:bodyPr wrap="square" rtlCol="0">
             <a:spAutoFit/>
           </a:bodyPr>
+          <a:lstStyle/>
           <a:p>
             <a:pPr algn="ctr"/>
             <a:r>
@@ -11985,13 +11837,6 @@
               </a:rPr>
               <a:t>ReLU6</a:t>
             </a:r>
-            <a:endParaRPr lang="en-US" altLang="zh-CN" sz="1200">
-              <a:solidFill>
-                <a:srgbClr val="C00000"/>
-              </a:solidFill>
-              <a:latin typeface="微软雅黑" panose="020B0503020204020204" charset="-122"/>
-              <a:ea typeface="微软雅黑" panose="020B0503020204020204" charset="-122"/>
-            </a:endParaRPr>
           </a:p>
         </p:txBody>
       </p:sp>
@@ -12015,6 +11860,7 @@
           <a:bodyPr wrap="square" rtlCol="0">
             <a:spAutoFit/>
           </a:bodyPr>
+          <a:lstStyle/>
           <a:p>
             <a:pPr algn="ctr"/>
             <a:r>
@@ -12027,13 +11873,6 @@
               </a:rPr>
               <a:t>ReLU6</a:t>
             </a:r>
-            <a:endParaRPr lang="en-US" altLang="zh-CN" sz="1200">
-              <a:solidFill>
-                <a:srgbClr val="C00000"/>
-              </a:solidFill>
-              <a:latin typeface="微软雅黑" panose="020B0503020204020204" charset="-122"/>
-              <a:ea typeface="微软雅黑" panose="020B0503020204020204" charset="-122"/>
-            </a:endParaRPr>
           </a:p>
         </p:txBody>
       </p:sp>
@@ -12096,6 +11935,7 @@
           <a:bodyPr wrap="square" rtlCol="0" anchor="t">
             <a:spAutoFit/>
           </a:bodyPr>
+          <a:lstStyle/>
           <a:p>
             <a:pPr marL="171450" indent="-171450">
               <a:buFont typeface="Arial" panose="020B0604020202090204" pitchFamily="34" charset="0"/>
@@ -12113,15 +11953,6 @@
               </a:rPr>
               <a:t>ReLU6 非线性层</a:t>
             </a:r>
-            <a:endParaRPr lang="zh-CN" altLang="en-US" sz="1200">
-              <a:solidFill>
-                <a:schemeClr val="bg1">
-                  <a:lumMod val="65000"/>
-                </a:schemeClr>
-              </a:solidFill>
-              <a:latin typeface="微软雅黑" panose="020B0503020204020204" charset="-122"/>
-              <a:ea typeface="微软雅黑" panose="020B0503020204020204" charset="-122"/>
-            </a:endParaRPr>
           </a:p>
           <a:p>
             <a:pPr lvl="0" indent="0">
@@ -12140,15 +11971,6 @@
               </a:rPr>
               <a:t>    在低精度计算时能压缩动态范围，    </a:t>
             </a:r>
-            <a:endParaRPr lang="zh-CN" altLang="en-US" sz="1200">
-              <a:solidFill>
-                <a:schemeClr val="bg1">
-                  <a:lumMod val="65000"/>
-                </a:schemeClr>
-              </a:solidFill>
-              <a:latin typeface="微软雅黑" panose="020B0503020204020204" charset="-122"/>
-              <a:ea typeface="微软雅黑" panose="020B0503020204020204" charset="-122"/>
-            </a:endParaRPr>
           </a:p>
           <a:p>
             <a:pPr lvl="0" indent="0">
@@ -12167,15 +11989,6 @@
               </a:rPr>
               <a:t>    算法更稳健。</a:t>
             </a:r>
-            <a:endParaRPr lang="zh-CN" altLang="en-US" sz="1200">
-              <a:solidFill>
-                <a:schemeClr val="bg1">
-                  <a:lumMod val="65000"/>
-                </a:schemeClr>
-              </a:solidFill>
-              <a:latin typeface="微软雅黑" panose="020B0503020204020204" charset="-122"/>
-              <a:ea typeface="微软雅黑" panose="020B0503020204020204" charset="-122"/>
-            </a:endParaRPr>
           </a:p>
           <a:p>
             <a:pPr marL="171450" indent="-171450">
@@ -12209,15 +12022,6 @@
               </a:rPr>
               <a:t>ReLU6 定义为：</a:t>
             </a:r>
-            <a:endParaRPr lang="zh-CN" altLang="en-US" sz="1200">
-              <a:solidFill>
-                <a:schemeClr val="bg1">
-                  <a:lumMod val="65000"/>
-                </a:schemeClr>
-              </a:solidFill>
-              <a:latin typeface="微软雅黑" panose="020B0503020204020204" charset="-122"/>
-              <a:ea typeface="微软雅黑" panose="020B0503020204020204" charset="-122"/>
-            </a:endParaRPr>
           </a:p>
           <a:p>
             <a:pPr indent="0">
@@ -12236,15 +12040,6 @@
               </a:rPr>
               <a:t>    f(x) = min(max(x, 0), 6)</a:t>
             </a:r>
-            <a:endParaRPr lang="zh-CN" altLang="en-US" sz="1200">
-              <a:solidFill>
-                <a:schemeClr val="bg1">
-                  <a:lumMod val="65000"/>
-                </a:schemeClr>
-              </a:solidFill>
-              <a:latin typeface="微软雅黑" panose="020B0503020204020204" charset="-122"/>
-              <a:ea typeface="微软雅黑" panose="020B0503020204020204" charset="-122"/>
-            </a:endParaRPr>
           </a:p>
         </p:txBody>
       </p:sp>
@@ -12268,6 +12063,7 @@
           <a:bodyPr wrap="square" rtlCol="0">
             <a:spAutoFit/>
           </a:bodyPr>
+          <a:lstStyle/>
           <a:p>
             <a:pPr algn="ctr"/>
             <a:r>
@@ -12383,6 +12179,7 @@
           </p:style>
           <p:txBody>
             <a:bodyPr rtlCol="0" anchor="ctr"/>
+            <a:lstStyle/>
             <a:p>
               <a:pPr algn="ctr"/>
               <a:endParaRPr lang="zh-CN" altLang="en-US">
@@ -12411,6 +12208,7 @@
             <a:bodyPr wrap="square" rtlCol="0">
               <a:spAutoFit/>
             </a:bodyPr>
+            <a:lstStyle/>
             <a:p>
               <a:r>
                 <a:rPr lang="en-US" altLang="zh-CN" sz="4000" b="1">
@@ -12419,10 +12217,6 @@
                 </a:rPr>
                 <a:t>.</a:t>
               </a:r>
-              <a:endParaRPr lang="en-US" altLang="zh-CN" sz="4000" b="1">
-                <a:latin typeface="微软雅黑" panose="020B0503020204020204" charset="-122"/>
-                <a:ea typeface="微软雅黑" panose="020B0503020204020204" charset="-122"/>
-              </a:endParaRPr>
             </a:p>
           </p:txBody>
         </p:sp>
@@ -12447,6 +12241,7 @@
           <a:bodyPr wrap="square" rtlCol="0">
             <a:spAutoFit/>
           </a:bodyPr>
+          <a:lstStyle/>
           <a:p>
             <a:pPr algn="l"/>
             <a:r>
@@ -12459,13 +12254,6 @@
               </a:rPr>
               <a:t>Add</a:t>
             </a:r>
-            <a:endParaRPr lang="en-US" altLang="zh-CN" sz="1200">
-              <a:solidFill>
-                <a:srgbClr val="0F80FF"/>
-              </a:solidFill>
-              <a:latin typeface="微软雅黑" panose="020B0503020204020204" charset="-122"/>
-              <a:ea typeface="微软雅黑" panose="020B0503020204020204" charset="-122"/>
-            </a:endParaRPr>
           </a:p>
           <a:p>
             <a:pPr algn="l"/>
@@ -12479,13 +12267,6 @@
               </a:rPr>
               <a:t>按元素相加</a:t>
             </a:r>
-            <a:endParaRPr lang="zh-CN" altLang="en-US" sz="1200">
-              <a:solidFill>
-                <a:schemeClr val="tx1"/>
-              </a:solidFill>
-              <a:latin typeface="微软雅黑" panose="020B0503020204020204" charset="-122"/>
-              <a:ea typeface="微软雅黑" panose="020B0503020204020204" charset="-122"/>
-            </a:endParaRPr>
           </a:p>
         </p:txBody>
       </p:sp>
@@ -12573,10 +12354,6 @@
               </a:rPr>
               <a:t>MobileNet-v3</a:t>
             </a:r>
-            <a:endParaRPr lang="en-US" altLang="zh-CN" sz="2800" b="1">
-              <a:latin typeface="微软雅黑" panose="020B0503020204020204" charset="-122"/>
-              <a:ea typeface="微软雅黑" panose="020B0503020204020204" charset="-122"/>
-            </a:endParaRPr>
           </a:p>
         </p:txBody>
       </p:sp>
@@ -12598,6 +12375,7 @@
         </p:spPr>
         <p:txBody>
           <a:bodyPr/>
+          <a:lstStyle/>
           <a:p>
             <a:pPr algn="l"/>
             <a:r>
@@ -12607,10 +12385,6 @@
               </a:rPr>
               <a:t>目标：降低计算复杂度，确保一定的精度，能够在移动端或嵌入式设备上运行</a:t>
             </a:r>
-            <a:endParaRPr lang="zh-CN" altLang="en-US" sz="1800">
-              <a:latin typeface="微软雅黑" panose="020B0503020204020204" charset="-122"/>
-              <a:ea typeface="微软雅黑" panose="020B0503020204020204" charset="-122"/>
-            </a:endParaRPr>
           </a:p>
         </p:txBody>
       </p:sp>
@@ -12668,10 +12442,6 @@
               </a:rPr>
               <a:t>EfficientNet</a:t>
             </a:r>
-            <a:endParaRPr lang="en-US" altLang="zh-CN" sz="2800" b="1">
-              <a:latin typeface="微软雅黑" panose="020B0503020204020204" charset="-122"/>
-              <a:ea typeface="微软雅黑" panose="020B0503020204020204" charset="-122"/>
-            </a:endParaRPr>
           </a:p>
         </p:txBody>
       </p:sp>
@@ -12693,6 +12463,7 @@
         </p:spPr>
         <p:txBody>
           <a:bodyPr/>
+          <a:lstStyle/>
           <a:p>
             <a:pPr algn="l"/>
             <a:r>
@@ -12702,10 +12473,6 @@
               </a:rPr>
               <a:t>目标：降低计算复杂度，确保一定的精度，能够在移动端或嵌入式设备上运行</a:t>
             </a:r>
-            <a:endParaRPr lang="zh-CN" altLang="en-US" sz="1800">
-              <a:latin typeface="微软雅黑" panose="020B0503020204020204" charset="-122"/>
-              <a:ea typeface="微软雅黑" panose="020B0503020204020204" charset="-122"/>
-            </a:endParaRPr>
           </a:p>
         </p:txBody>
       </p:sp>
@@ -12763,13 +12530,413 @@
               </a:rPr>
               <a:t>GAN - 2014</a:t>
             </a:r>
-            <a:endParaRPr lang="en-US" altLang="zh-CN" sz="2800" b="1" dirty="0">
-              <a:latin typeface="微软雅黑" panose="020B0503020204020204" charset="-122"/>
-              <a:ea typeface="微软雅黑" panose="020B0503020204020204" charset="-122"/>
+          </a:p>
+        </p:txBody>
+      </p:sp>
+      <p:pic>
+        <p:nvPicPr>
+          <p:cNvPr id="3" name="图片 2">
+            <a:extLst>
+              <a:ext uri="{FF2B5EF4-FFF2-40B4-BE49-F238E27FC236}">
+                <a16:creationId xmlns:a16="http://schemas.microsoft.com/office/drawing/2014/main" id="{9EEFE736-737F-4503-821D-4393BF95FA91}"/>
+              </a:ext>
+            </a:extLst>
+          </p:cNvPr>
+          <p:cNvPicPr>
+            <a:picLocks noChangeAspect="1"/>
+          </p:cNvPicPr>
+          <p:nvPr/>
+        </p:nvPicPr>
+        <p:blipFill>
+          <a:blip r:embed="rId2"/>
+          <a:stretch>
+            <a:fillRect/>
+          </a:stretch>
+        </p:blipFill>
+        <p:spPr>
+          <a:xfrm>
+            <a:off x="5133935" y="3021071"/>
+            <a:ext cx="1476190" cy="314286"/>
+          </a:xfrm>
+          <a:prstGeom prst="rect">
+            <a:avLst/>
+          </a:prstGeom>
+        </p:spPr>
+      </p:pic>
+      <p:sp>
+        <p:nvSpPr>
+          <p:cNvPr id="4" name="文本框 2">
+            <a:extLst>
+              <a:ext uri="{FF2B5EF4-FFF2-40B4-BE49-F238E27FC236}">
+                <a16:creationId xmlns:a16="http://schemas.microsoft.com/office/drawing/2014/main" id="{851A45A5-DC7E-4900-9DB4-9EF099E0775E}"/>
+              </a:ext>
+            </a:extLst>
+          </p:cNvPr>
+          <p:cNvSpPr txBox="1"/>
+          <p:nvPr/>
+        </p:nvSpPr>
+        <p:spPr>
+          <a:xfrm>
+            <a:off x="6544485" y="3049646"/>
+            <a:ext cx="513581" cy="276999"/>
+          </a:xfrm>
+          <a:prstGeom prst="rect">
+            <a:avLst/>
+          </a:prstGeom>
+          <a:noFill/>
+        </p:spPr>
+        <p:txBody>
+          <a:bodyPr wrap="square" rtlCol="0">
+            <a:spAutoFit/>
+          </a:bodyPr>
+          <a:lstStyle>
+            <a:defPPr>
+              <a:defRPr lang="zh-CN"/>
+            </a:defPPr>
+            <a:lvl1pPr marL="0" algn="l" defTabSz="914400" rtl="0" eaLnBrk="1" latinLnBrk="0" hangingPunct="1">
+              <a:defRPr sz="1800" kern="1200">
+                <a:solidFill>
+                  <a:schemeClr val="tx1"/>
+                </a:solidFill>
+                <a:latin typeface="+mn-lt"/>
+                <a:ea typeface="+mn-ea"/>
+                <a:cs typeface="+mn-cs"/>
+              </a:defRPr>
+            </a:lvl1pPr>
+            <a:lvl2pPr marL="457200" algn="l" defTabSz="914400" rtl="0" eaLnBrk="1" latinLnBrk="0" hangingPunct="1">
+              <a:defRPr sz="1800" kern="1200">
+                <a:solidFill>
+                  <a:schemeClr val="tx1"/>
+                </a:solidFill>
+                <a:latin typeface="+mn-lt"/>
+                <a:ea typeface="+mn-ea"/>
+                <a:cs typeface="+mn-cs"/>
+              </a:defRPr>
+            </a:lvl2pPr>
+            <a:lvl3pPr marL="914400" algn="l" defTabSz="914400" rtl="0" eaLnBrk="1" latinLnBrk="0" hangingPunct="1">
+              <a:defRPr sz="1800" kern="1200">
+                <a:solidFill>
+                  <a:schemeClr val="tx1"/>
+                </a:solidFill>
+                <a:latin typeface="+mn-lt"/>
+                <a:ea typeface="+mn-ea"/>
+                <a:cs typeface="+mn-cs"/>
+              </a:defRPr>
+            </a:lvl3pPr>
+            <a:lvl4pPr marL="1371600" algn="l" defTabSz="914400" rtl="0" eaLnBrk="1" latinLnBrk="0" hangingPunct="1">
+              <a:defRPr sz="1800" kern="1200">
+                <a:solidFill>
+                  <a:schemeClr val="tx1"/>
+                </a:solidFill>
+                <a:latin typeface="+mn-lt"/>
+                <a:ea typeface="+mn-ea"/>
+                <a:cs typeface="+mn-cs"/>
+              </a:defRPr>
+            </a:lvl4pPr>
+            <a:lvl5pPr marL="1828800" algn="l" defTabSz="914400" rtl="0" eaLnBrk="1" latinLnBrk="0" hangingPunct="1">
+              <a:defRPr sz="1800" kern="1200">
+                <a:solidFill>
+                  <a:schemeClr val="tx1"/>
+                </a:solidFill>
+                <a:latin typeface="+mn-lt"/>
+                <a:ea typeface="+mn-ea"/>
+                <a:cs typeface="+mn-cs"/>
+              </a:defRPr>
+            </a:lvl5pPr>
+            <a:lvl6pPr marL="2286000" algn="l" defTabSz="914400" rtl="0" eaLnBrk="1" latinLnBrk="0" hangingPunct="1">
+              <a:defRPr sz="1800" kern="1200">
+                <a:solidFill>
+                  <a:schemeClr val="tx1"/>
+                </a:solidFill>
+                <a:latin typeface="+mn-lt"/>
+                <a:ea typeface="+mn-ea"/>
+                <a:cs typeface="+mn-cs"/>
+              </a:defRPr>
+            </a:lvl6pPr>
+            <a:lvl7pPr marL="2743200" algn="l" defTabSz="914400" rtl="0" eaLnBrk="1" latinLnBrk="0" hangingPunct="1">
+              <a:defRPr sz="1800" kern="1200">
+                <a:solidFill>
+                  <a:schemeClr val="tx1"/>
+                </a:solidFill>
+                <a:latin typeface="+mn-lt"/>
+                <a:ea typeface="+mn-ea"/>
+                <a:cs typeface="+mn-cs"/>
+              </a:defRPr>
+            </a:lvl7pPr>
+            <a:lvl8pPr marL="3200400" algn="l" defTabSz="914400" rtl="0" eaLnBrk="1" latinLnBrk="0" hangingPunct="1">
+              <a:defRPr sz="1800" kern="1200">
+                <a:solidFill>
+                  <a:schemeClr val="tx1"/>
+                </a:solidFill>
+                <a:latin typeface="+mn-lt"/>
+                <a:ea typeface="+mn-ea"/>
+                <a:cs typeface="+mn-cs"/>
+              </a:defRPr>
+            </a:lvl8pPr>
+            <a:lvl9pPr marL="3657600" algn="l" defTabSz="914400" rtl="0" eaLnBrk="1" latinLnBrk="0" hangingPunct="1">
+              <a:defRPr sz="1800" kern="1200">
+                <a:solidFill>
+                  <a:schemeClr val="tx1"/>
+                </a:solidFill>
+                <a:latin typeface="+mn-lt"/>
+                <a:ea typeface="+mn-ea"/>
+                <a:cs typeface="+mn-cs"/>
+              </a:defRPr>
+            </a:lvl9pPr>
+          </a:lstStyle>
+          <a:p>
+            <a:r>
+              <a:rPr lang="en-US" altLang="zh-CN" sz="1200" b="1" dirty="0">
+                <a:solidFill>
+                  <a:srgbClr val="455368"/>
+                </a:solidFill>
+                <a:latin typeface="Arial Narrow" panose="020B0606020202030204" pitchFamily="34" charset="0"/>
+                <a:cs typeface="Arial" panose="020B0604020202020204" pitchFamily="34" charset="0"/>
+              </a:rPr>
+              <a:t>1.x</a:t>
+            </a:r>
+            <a:endParaRPr lang="zh-CN" altLang="en-US" sz="1200" b="1" dirty="0">
+              <a:solidFill>
+                <a:srgbClr val="455368"/>
+              </a:solidFill>
+              <a:latin typeface="Arial Narrow" panose="020B0606020202030204" pitchFamily="34" charset="0"/>
+              <a:cs typeface="Arial" panose="020B0604020202020204" pitchFamily="34" charset="0"/>
             </a:endParaRPr>
           </a:p>
         </p:txBody>
       </p:sp>
+      <p:pic>
+        <p:nvPicPr>
+          <p:cNvPr id="6" name="图片 5">
+            <a:extLst>
+              <a:ext uri="{FF2B5EF4-FFF2-40B4-BE49-F238E27FC236}">
+                <a16:creationId xmlns:a16="http://schemas.microsoft.com/office/drawing/2014/main" id="{A4E04D53-9EEA-42A1-9FD7-AC7565C6955C}"/>
+              </a:ext>
+            </a:extLst>
+          </p:cNvPr>
+          <p:cNvPicPr>
+            <a:picLocks noChangeAspect="1"/>
+          </p:cNvPicPr>
+          <p:nvPr/>
+        </p:nvPicPr>
+        <p:blipFill>
+          <a:blip r:embed="rId2"/>
+          <a:stretch>
+            <a:fillRect/>
+          </a:stretch>
+        </p:blipFill>
+        <p:spPr>
+          <a:xfrm>
+            <a:off x="5133935" y="3466246"/>
+            <a:ext cx="1476190" cy="314286"/>
+          </a:xfrm>
+          <a:prstGeom prst="rect">
+            <a:avLst/>
+          </a:prstGeom>
+        </p:spPr>
+      </p:pic>
+      <p:sp>
+        <p:nvSpPr>
+          <p:cNvPr id="7" name="文本框 6">
+            <a:extLst>
+              <a:ext uri="{FF2B5EF4-FFF2-40B4-BE49-F238E27FC236}">
+                <a16:creationId xmlns:a16="http://schemas.microsoft.com/office/drawing/2014/main" id="{3DA319A4-56F5-42A0-8D41-469A0026BFFA}"/>
+              </a:ext>
+            </a:extLst>
+          </p:cNvPr>
+          <p:cNvSpPr txBox="1"/>
+          <p:nvPr/>
+        </p:nvSpPr>
+        <p:spPr>
+          <a:xfrm>
+            <a:off x="6544485" y="3494821"/>
+            <a:ext cx="513581" cy="276999"/>
+          </a:xfrm>
+          <a:prstGeom prst="rect">
+            <a:avLst/>
+          </a:prstGeom>
+          <a:noFill/>
+        </p:spPr>
+        <p:txBody>
+          <a:bodyPr wrap="square" rtlCol="0">
+            <a:spAutoFit/>
+          </a:bodyPr>
+          <a:lstStyle>
+            <a:defPPr>
+              <a:defRPr lang="zh-CN"/>
+            </a:defPPr>
+            <a:lvl1pPr marL="0" algn="l" defTabSz="914400" rtl="0" eaLnBrk="1" latinLnBrk="0" hangingPunct="1">
+              <a:defRPr sz="1800" kern="1200">
+                <a:solidFill>
+                  <a:schemeClr val="tx1"/>
+                </a:solidFill>
+                <a:latin typeface="+mn-lt"/>
+                <a:ea typeface="+mn-ea"/>
+                <a:cs typeface="+mn-cs"/>
+              </a:defRPr>
+            </a:lvl1pPr>
+            <a:lvl2pPr marL="457200" algn="l" defTabSz="914400" rtl="0" eaLnBrk="1" latinLnBrk="0" hangingPunct="1">
+              <a:defRPr sz="1800" kern="1200">
+                <a:solidFill>
+                  <a:schemeClr val="tx1"/>
+                </a:solidFill>
+                <a:latin typeface="+mn-lt"/>
+                <a:ea typeface="+mn-ea"/>
+                <a:cs typeface="+mn-cs"/>
+              </a:defRPr>
+            </a:lvl2pPr>
+            <a:lvl3pPr marL="914400" algn="l" defTabSz="914400" rtl="0" eaLnBrk="1" latinLnBrk="0" hangingPunct="1">
+              <a:defRPr sz="1800" kern="1200">
+                <a:solidFill>
+                  <a:schemeClr val="tx1"/>
+                </a:solidFill>
+                <a:latin typeface="+mn-lt"/>
+                <a:ea typeface="+mn-ea"/>
+                <a:cs typeface="+mn-cs"/>
+              </a:defRPr>
+            </a:lvl3pPr>
+            <a:lvl4pPr marL="1371600" algn="l" defTabSz="914400" rtl="0" eaLnBrk="1" latinLnBrk="0" hangingPunct="1">
+              <a:defRPr sz="1800" kern="1200">
+                <a:solidFill>
+                  <a:schemeClr val="tx1"/>
+                </a:solidFill>
+                <a:latin typeface="+mn-lt"/>
+                <a:ea typeface="+mn-ea"/>
+                <a:cs typeface="+mn-cs"/>
+              </a:defRPr>
+            </a:lvl4pPr>
+            <a:lvl5pPr marL="1828800" algn="l" defTabSz="914400" rtl="0" eaLnBrk="1" latinLnBrk="0" hangingPunct="1">
+              <a:defRPr sz="1800" kern="1200">
+                <a:solidFill>
+                  <a:schemeClr val="tx1"/>
+                </a:solidFill>
+                <a:latin typeface="+mn-lt"/>
+                <a:ea typeface="+mn-ea"/>
+                <a:cs typeface="+mn-cs"/>
+              </a:defRPr>
+            </a:lvl5pPr>
+            <a:lvl6pPr marL="2286000" algn="l" defTabSz="914400" rtl="0" eaLnBrk="1" latinLnBrk="0" hangingPunct="1">
+              <a:defRPr sz="1800" kern="1200">
+                <a:solidFill>
+                  <a:schemeClr val="tx1"/>
+                </a:solidFill>
+                <a:latin typeface="+mn-lt"/>
+                <a:ea typeface="+mn-ea"/>
+                <a:cs typeface="+mn-cs"/>
+              </a:defRPr>
+            </a:lvl6pPr>
+            <a:lvl7pPr marL="2743200" algn="l" defTabSz="914400" rtl="0" eaLnBrk="1" latinLnBrk="0" hangingPunct="1">
+              <a:defRPr sz="1800" kern="1200">
+                <a:solidFill>
+                  <a:schemeClr val="tx1"/>
+                </a:solidFill>
+                <a:latin typeface="+mn-lt"/>
+                <a:ea typeface="+mn-ea"/>
+                <a:cs typeface="+mn-cs"/>
+              </a:defRPr>
+            </a:lvl7pPr>
+            <a:lvl8pPr marL="3200400" algn="l" defTabSz="914400" rtl="0" eaLnBrk="1" latinLnBrk="0" hangingPunct="1">
+              <a:defRPr sz="1800" kern="1200">
+                <a:solidFill>
+                  <a:schemeClr val="tx1"/>
+                </a:solidFill>
+                <a:latin typeface="+mn-lt"/>
+                <a:ea typeface="+mn-ea"/>
+                <a:cs typeface="+mn-cs"/>
+              </a:defRPr>
+            </a:lvl8pPr>
+            <a:lvl9pPr marL="3657600" algn="l" defTabSz="914400" rtl="0" eaLnBrk="1" latinLnBrk="0" hangingPunct="1">
+              <a:defRPr sz="1800" kern="1200">
+                <a:solidFill>
+                  <a:schemeClr val="tx1"/>
+                </a:solidFill>
+                <a:latin typeface="+mn-lt"/>
+                <a:ea typeface="+mn-ea"/>
+                <a:cs typeface="+mn-cs"/>
+              </a:defRPr>
+            </a:lvl9pPr>
+          </a:lstStyle>
+          <a:p>
+            <a:r>
+              <a:rPr lang="en-US" altLang="zh-CN" sz="1200" b="1" dirty="0">
+                <a:solidFill>
+                  <a:srgbClr val="455368"/>
+                </a:solidFill>
+                <a:latin typeface="Arial Narrow" panose="020B0606020202030204" pitchFamily="34" charset="0"/>
+                <a:cs typeface="Arial" panose="020B0604020202020204" pitchFamily="34" charset="0"/>
+              </a:rPr>
+              <a:t>2.x</a:t>
+            </a:r>
+            <a:endParaRPr lang="zh-CN" altLang="en-US" sz="1200" b="1" dirty="0">
+              <a:solidFill>
+                <a:srgbClr val="455368"/>
+              </a:solidFill>
+              <a:latin typeface="Arial Narrow" panose="020B0606020202030204" pitchFamily="34" charset="0"/>
+              <a:cs typeface="Arial" panose="020B0604020202020204" pitchFamily="34" charset="0"/>
+            </a:endParaRPr>
+          </a:p>
+        </p:txBody>
+      </p:sp>
+      <p:pic>
+        <p:nvPicPr>
+          <p:cNvPr id="8" name="图片 7">
+            <a:extLst>
+              <a:ext uri="{FF2B5EF4-FFF2-40B4-BE49-F238E27FC236}">
+                <a16:creationId xmlns:a16="http://schemas.microsoft.com/office/drawing/2014/main" id="{0D76106B-E8ED-4BC2-B6B8-EDBE06203E79}"/>
+              </a:ext>
+            </a:extLst>
+          </p:cNvPr>
+          <p:cNvPicPr>
+            <a:picLocks noChangeAspect="1"/>
+          </p:cNvPicPr>
+          <p:nvPr/>
+        </p:nvPicPr>
+        <p:blipFill>
+          <a:blip r:embed="rId3"/>
+          <a:stretch>
+            <a:fillRect/>
+          </a:stretch>
+        </p:blipFill>
+        <p:spPr>
+          <a:xfrm>
+            <a:off x="5407428" y="2573497"/>
+            <a:ext cx="929204" cy="231139"/>
+          </a:xfrm>
+          <a:prstGeom prst="rect">
+            <a:avLst/>
+          </a:prstGeom>
+        </p:spPr>
+      </p:pic>
+      <p:pic>
+        <p:nvPicPr>
+          <p:cNvPr id="9" name="图片 8">
+            <a:extLst>
+              <a:ext uri="{FF2B5EF4-FFF2-40B4-BE49-F238E27FC236}">
+                <a16:creationId xmlns:a16="http://schemas.microsoft.com/office/drawing/2014/main" id="{B3D24F8E-806A-48E7-A8A7-1060B5DF274D}"/>
+              </a:ext>
+            </a:extLst>
+          </p:cNvPr>
+          <p:cNvPicPr>
+            <a:picLocks noChangeAspect="1"/>
+          </p:cNvPicPr>
+          <p:nvPr/>
+        </p:nvPicPr>
+        <p:blipFill>
+          <a:blip r:embed="rId4"/>
+          <a:stretch>
+            <a:fillRect/>
+          </a:stretch>
+        </p:blipFill>
+        <p:spPr>
+          <a:xfrm>
+            <a:off x="5545144" y="4042310"/>
+            <a:ext cx="791488" cy="242193"/>
+          </a:xfrm>
+          <a:prstGeom prst="rect">
+            <a:avLst/>
+          </a:prstGeom>
+        </p:spPr>
+      </p:pic>
     </p:spTree>
   </p:cSld>
   <p:clrMapOvr>
@@ -12824,10 +12991,6 @@
               </a:rPr>
               <a:t>CGAN - 2014</a:t>
             </a:r>
-            <a:endParaRPr lang="en-US" altLang="zh-CN" sz="2800" b="1">
-              <a:latin typeface="微软雅黑" panose="020B0503020204020204" charset="-122"/>
-              <a:ea typeface="微软雅黑" panose="020B0503020204020204" charset="-122"/>
-            </a:endParaRPr>
           </a:p>
         </p:txBody>
       </p:sp>
@@ -12885,10 +13048,6 @@
               </a:rPr>
               <a:t>DCGAN - 2015</a:t>
             </a:r>
-            <a:endParaRPr lang="en-US" altLang="zh-CN" sz="2800" b="1">
-              <a:latin typeface="微软雅黑" panose="020B0503020204020204" charset="-122"/>
-              <a:ea typeface="微软雅黑" panose="020B0503020204020204" charset="-122"/>
-            </a:endParaRPr>
           </a:p>
         </p:txBody>
       </p:sp>
@@ -12901,7 +13060,7 @@
           <p:nvPr/>
         </p:nvPicPr>
         <p:blipFill>
-          <a:blip r:embed="rId1"/>
+          <a:blip r:embed="rId2"/>
           <a:stretch>
             <a:fillRect/>
           </a:stretch>
@@ -12936,6 +13095,7 @@
           <a:bodyPr wrap="square" rtlCol="0">
             <a:spAutoFit/>
           </a:bodyPr>
+          <a:lstStyle/>
           <a:p>
             <a:pPr algn="ctr"/>
             <a:r>
@@ -12948,13 +13108,6 @@
               </a:rPr>
               <a:t>Generator</a:t>
             </a:r>
-            <a:endParaRPr lang="en-US" altLang="zh-CN" sz="1400" b="1">
-              <a:solidFill>
-                <a:srgbClr val="0070C0"/>
-              </a:solidFill>
-              <a:latin typeface="微软雅黑" panose="020B0503020204020204" charset="-122"/>
-              <a:ea typeface="微软雅黑" panose="020B0503020204020204" charset="-122"/>
-            </a:endParaRPr>
           </a:p>
         </p:txBody>
       </p:sp>
@@ -12997,6 +13150,7 @@
         </p:style>
         <p:txBody>
           <a:bodyPr rtlCol="0" anchor="ctr"/>
+          <a:lstStyle/>
           <a:p>
             <a:pPr algn="l"/>
             <a:r>
@@ -13012,16 +13166,6 @@
               </a:rPr>
               <a:t>source: https://openai.com/blog/generative-models/</a:t>
             </a:r>
-            <a:endParaRPr lang="en-US" altLang="zh-CN" sz="800">
-              <a:solidFill>
-                <a:schemeClr val="tx1">
-                  <a:lumMod val="50000"/>
-                  <a:lumOff val="50000"/>
-                </a:schemeClr>
-              </a:solidFill>
-              <a:latin typeface="微软雅黑" panose="020B0503020204020204" charset="-122"/>
-              <a:ea typeface="微软雅黑" panose="020B0503020204020204" charset="-122"/>
-            </a:endParaRPr>
           </a:p>
         </p:txBody>
       </p:sp>
@@ -13073,6 +13217,7 @@
         </p:style>
         <p:txBody>
           <a:bodyPr rtlCol="0" anchor="ctr"/>
+          <a:lstStyle/>
           <a:p>
             <a:pPr algn="ctr"/>
             <a:endParaRPr lang="zh-CN" altLang="en-US"/>
@@ -13132,6 +13277,7 @@
           <a:bodyPr wrap="square" rtlCol="0">
             <a:spAutoFit/>
           </a:bodyPr>
+          <a:lstStyle/>
           <a:p>
             <a:pPr algn="ctr"/>
             <a:r>
@@ -13147,16 +13293,6 @@
               </a:rPr>
               <a:t>aO+bP+cQ+fU+gV+hW+kX+lY+mZ</a:t>
             </a:r>
-            <a:endParaRPr lang="en-US" sz="800">
-              <a:solidFill>
-                <a:schemeClr val="accent2">
-                  <a:lumMod val="60000"/>
-                  <a:lumOff val="40000"/>
-                </a:schemeClr>
-              </a:solidFill>
-              <a:latin typeface="微软雅黑" panose="020B0503020204020204" charset="-122"/>
-              <a:ea typeface="微软雅黑" panose="020B0503020204020204" charset="-122"/>
-            </a:endParaRPr>
           </a:p>
         </p:txBody>
       </p:sp>
@@ -13188,6 +13324,7 @@
           <a:bodyPr wrap="square" rtlCol="0">
             <a:spAutoFit/>
           </a:bodyPr>
+          <a:lstStyle/>
           <a:p>
             <a:pPr algn="ctr"/>
             <a:r>
@@ -13203,16 +13340,6 @@
               </a:rPr>
               <a:t>bO+cP+dQ+gU+hV+iW+lX+mY+nZ</a:t>
             </a:r>
-            <a:endParaRPr lang="en-US" sz="800">
-              <a:solidFill>
-                <a:schemeClr val="accent2">
-                  <a:lumMod val="60000"/>
-                  <a:lumOff val="40000"/>
-                </a:schemeClr>
-              </a:solidFill>
-              <a:latin typeface="微软雅黑" panose="020B0503020204020204" charset="-122"/>
-              <a:ea typeface="微软雅黑" panose="020B0503020204020204" charset="-122"/>
-            </a:endParaRPr>
           </a:p>
         </p:txBody>
       </p:sp>
@@ -13244,6 +13371,7 @@
           <a:bodyPr wrap="square" rtlCol="0">
             <a:spAutoFit/>
           </a:bodyPr>
+          <a:lstStyle/>
           <a:p>
             <a:pPr algn="ctr"/>
             <a:r>
@@ -13259,16 +13387,6 @@
               </a:rPr>
               <a:t>cO+dP+eQ+hU+iV+jW+mX+nY+oZ</a:t>
             </a:r>
-            <a:endParaRPr lang="en-US" sz="800">
-              <a:solidFill>
-                <a:schemeClr val="accent2">
-                  <a:lumMod val="60000"/>
-                  <a:lumOff val="40000"/>
-                </a:schemeClr>
-              </a:solidFill>
-              <a:latin typeface="微软雅黑" panose="020B0503020204020204" charset="-122"/>
-              <a:ea typeface="微软雅黑" panose="020B0503020204020204" charset="-122"/>
-            </a:endParaRPr>
           </a:p>
         </p:txBody>
       </p:sp>
@@ -13311,6 +13429,7 @@
         </p:style>
         <p:txBody>
           <a:bodyPr rtlCol="0" anchor="ctr"/>
+          <a:lstStyle/>
           <a:p>
             <a:pPr algn="ctr"/>
             <a:endParaRPr lang="zh-CN" altLang="en-US"/>
@@ -13356,6 +13475,7 @@
         </p:style>
         <p:txBody>
           <a:bodyPr rtlCol="0" anchor="ctr"/>
+          <a:lstStyle/>
           <a:p>
             <a:pPr algn="ctr"/>
             <a:endParaRPr lang="zh-CN" altLang="en-US"/>
@@ -13401,6 +13521,7 @@
         </p:style>
         <p:txBody>
           <a:bodyPr rtlCol="0" anchor="ctr"/>
+          <a:lstStyle/>
           <a:p>
             <a:pPr algn="ctr"/>
             <a:endParaRPr lang="zh-CN" altLang="en-US"/>
@@ -13656,6 +13777,7 @@
         </p:style>
         <p:txBody>
           <a:bodyPr rtlCol="0" anchor="ctr"/>
+          <a:lstStyle/>
           <a:p>
             <a:pPr algn="ctr"/>
             <a:endParaRPr lang="zh-CN" altLang="en-US"/>
@@ -13704,6 +13826,7 @@
         </p:style>
         <p:txBody>
           <a:bodyPr rtlCol="0" anchor="ctr"/>
+          <a:lstStyle/>
           <a:p>
             <a:pPr algn="ctr"/>
             <a:endParaRPr lang="zh-CN" altLang="en-US"/>
@@ -13752,6 +13875,7 @@
         </p:style>
         <p:txBody>
           <a:bodyPr rtlCol="0" anchor="ctr"/>
+          <a:lstStyle/>
           <a:p>
             <a:pPr algn="ctr"/>
             <a:endParaRPr lang="zh-CN" altLang="en-US"/>
@@ -13800,6 +13924,7 @@
         </p:style>
         <p:txBody>
           <a:bodyPr rtlCol="0" anchor="ctr"/>
+          <a:lstStyle/>
           <a:p>
             <a:pPr algn="ctr"/>
             <a:endParaRPr lang="zh-CN" altLang="en-US"/>
@@ -13848,6 +13973,7 @@
         </p:style>
         <p:txBody>
           <a:bodyPr rtlCol="0" anchor="ctr"/>
+          <a:lstStyle/>
           <a:p>
             <a:pPr algn="ctr"/>
             <a:endParaRPr lang="zh-CN" altLang="en-US"/>
@@ -13896,6 +14022,7 @@
         </p:style>
         <p:txBody>
           <a:bodyPr rtlCol="0" anchor="ctr"/>
+          <a:lstStyle/>
           <a:p>
             <a:pPr algn="ctr"/>
             <a:endParaRPr lang="zh-CN" altLang="en-US"/>
@@ -13944,6 +14071,7 @@
         </p:style>
         <p:txBody>
           <a:bodyPr rtlCol="0" anchor="ctr"/>
+          <a:lstStyle/>
           <a:p>
             <a:pPr algn="ctr"/>
             <a:endParaRPr lang="zh-CN" altLang="en-US"/>
@@ -13992,6 +14120,7 @@
         </p:style>
         <p:txBody>
           <a:bodyPr rtlCol="0" anchor="ctr"/>
+          <a:lstStyle/>
           <a:p>
             <a:pPr algn="ctr"/>
             <a:endParaRPr lang="zh-CN" altLang="en-US"/>
@@ -14040,6 +14169,7 @@
         </p:style>
         <p:txBody>
           <a:bodyPr rtlCol="0" anchor="ctr"/>
+          <a:lstStyle/>
           <a:p>
             <a:pPr algn="ctr"/>
             <a:endParaRPr lang="zh-CN" altLang="en-US"/>
@@ -14088,6 +14218,7 @@
         </p:style>
         <p:txBody>
           <a:bodyPr rtlCol="0" anchor="ctr"/>
+          <a:lstStyle/>
           <a:p>
             <a:pPr algn="ctr"/>
             <a:endParaRPr lang="zh-CN" altLang="en-US"/>
@@ -14136,6 +14267,7 @@
         </p:style>
         <p:txBody>
           <a:bodyPr rtlCol="0" anchor="ctr"/>
+          <a:lstStyle/>
           <a:p>
             <a:pPr algn="ctr"/>
             <a:endParaRPr lang="zh-CN" altLang="en-US"/>
@@ -14184,6 +14316,7 @@
         </p:style>
         <p:txBody>
           <a:bodyPr rtlCol="0" anchor="ctr"/>
+          <a:lstStyle/>
           <a:p>
             <a:pPr algn="ctr"/>
             <a:endParaRPr lang="zh-CN" altLang="en-US"/>
@@ -14232,6 +14365,7 @@
         </p:style>
         <p:txBody>
           <a:bodyPr rtlCol="0" anchor="ctr"/>
+          <a:lstStyle/>
           <a:p>
             <a:pPr algn="ctr"/>
             <a:endParaRPr lang="zh-CN" altLang="en-US"/>
@@ -14280,6 +14414,7 @@
         </p:style>
         <p:txBody>
           <a:bodyPr rtlCol="0" anchor="ctr"/>
+          <a:lstStyle/>
           <a:p>
             <a:pPr algn="ctr"/>
             <a:endParaRPr lang="zh-CN" altLang="en-US"/>
@@ -14328,6 +14463,7 @@
         </p:style>
         <p:txBody>
           <a:bodyPr rtlCol="0" anchor="ctr"/>
+          <a:lstStyle/>
           <a:p>
             <a:pPr algn="ctr"/>
             <a:endParaRPr lang="zh-CN" altLang="en-US"/>
@@ -14376,6 +14512,7 @@
         </p:style>
         <p:txBody>
           <a:bodyPr rtlCol="0" anchor="ctr"/>
+          <a:lstStyle/>
           <a:p>
             <a:pPr algn="ctr"/>
             <a:endParaRPr lang="zh-CN" altLang="en-US"/>
@@ -14424,6 +14561,7 @@
         </p:style>
         <p:txBody>
           <a:bodyPr rtlCol="0" anchor="ctr"/>
+          <a:lstStyle/>
           <a:p>
             <a:pPr algn="ctr"/>
             <a:endParaRPr lang="zh-CN" altLang="en-US"/>
@@ -14472,6 +14610,7 @@
         </p:style>
         <p:txBody>
           <a:bodyPr rtlCol="0" anchor="ctr"/>
+          <a:lstStyle/>
           <a:p>
             <a:pPr algn="ctr"/>
             <a:endParaRPr lang="zh-CN" altLang="en-US"/>
@@ -14520,6 +14659,7 @@
         </p:style>
         <p:txBody>
           <a:bodyPr rtlCol="0" anchor="ctr"/>
+          <a:lstStyle/>
           <a:p>
             <a:pPr algn="ctr"/>
             <a:endParaRPr lang="zh-CN" altLang="en-US"/>
@@ -14568,6 +14708,7 @@
         </p:style>
         <p:txBody>
           <a:bodyPr rtlCol="0" anchor="ctr"/>
+          <a:lstStyle/>
           <a:p>
             <a:pPr algn="ctr"/>
             <a:endParaRPr lang="zh-CN" altLang="en-US"/>
@@ -14616,6 +14757,7 @@
         </p:style>
         <p:txBody>
           <a:bodyPr rtlCol="0" anchor="ctr"/>
+          <a:lstStyle/>
           <a:p>
             <a:pPr algn="ctr"/>
             <a:endParaRPr lang="zh-CN" altLang="en-US"/>
@@ -14664,6 +14806,7 @@
         </p:style>
         <p:txBody>
           <a:bodyPr rtlCol="0" anchor="ctr"/>
+          <a:lstStyle/>
           <a:p>
             <a:pPr algn="ctr"/>
             <a:endParaRPr lang="zh-CN" altLang="en-US"/>
@@ -14712,6 +14855,7 @@
         </p:style>
         <p:txBody>
           <a:bodyPr rtlCol="0" anchor="ctr"/>
+          <a:lstStyle/>
           <a:p>
             <a:pPr algn="ctr"/>
             <a:endParaRPr lang="zh-CN" altLang="en-US"/>
@@ -14760,6 +14904,7 @@
         </p:style>
         <p:txBody>
           <a:bodyPr rtlCol="0" anchor="ctr"/>
+          <a:lstStyle/>
           <a:p>
             <a:pPr algn="ctr"/>
             <a:endParaRPr lang="zh-CN" altLang="en-US"/>
@@ -14786,6 +14931,7 @@
           <a:bodyPr wrap="square" rtlCol="0">
             <a:spAutoFit/>
           </a:bodyPr>
+          <a:lstStyle/>
           <a:p>
             <a:pPr>
               <a:lnSpc>
@@ -14802,13 +14948,6 @@
               </a:rPr>
               <a:t>计算量大：</a:t>
             </a:r>
-            <a:endParaRPr lang="zh-CN" altLang="en-US" b="1">
-              <a:solidFill>
-                <a:srgbClr val="C00000"/>
-              </a:solidFill>
-              <a:latin typeface="微软雅黑" panose="020B0503020204020204" charset="-122"/>
-              <a:ea typeface="微软雅黑" panose="020B0503020204020204" charset="-122"/>
-            </a:endParaRPr>
           </a:p>
           <a:p>
             <a:pPr>
@@ -14826,13 +14965,6 @@
               </a:rPr>
               <a:t>逐点卷积</a:t>
             </a:r>
-            <a:endParaRPr lang="zh-CN" altLang="en-US" b="1">
-              <a:solidFill>
-                <a:srgbClr val="C00000"/>
-              </a:solidFill>
-              <a:latin typeface="微软雅黑" panose="020B0503020204020204" charset="-122"/>
-              <a:ea typeface="微软雅黑" panose="020B0503020204020204" charset="-122"/>
-            </a:endParaRPr>
           </a:p>
         </p:txBody>
       </p:sp>
@@ -14894,6 +15026,7 @@
           <a:bodyPr wrap="square" rtlCol="0">
             <a:spAutoFit/>
           </a:bodyPr>
+          <a:lstStyle/>
           <a:p>
             <a:pPr algn="ctr">
               <a:lnSpc>
@@ -14910,13 +15043,6 @@
               </a:rPr>
               <a:t>通道分组</a:t>
             </a:r>
-            <a:endParaRPr lang="zh-CN" altLang="en-US" sz="1400">
-              <a:solidFill>
-                <a:srgbClr val="0F80FF"/>
-              </a:solidFill>
-              <a:latin typeface="微软雅黑" panose="020B0503020204020204" charset="-122"/>
-              <a:ea typeface="微软雅黑" panose="020B0503020204020204" charset="-122"/>
-            </a:endParaRPr>
           </a:p>
           <a:p>
             <a:pPr algn="ctr">
@@ -14934,13 +15060,6 @@
               </a:rPr>
               <a:t>降低计算量</a:t>
             </a:r>
-            <a:endParaRPr lang="zh-CN" altLang="en-US" sz="1400">
-              <a:solidFill>
-                <a:srgbClr val="0F80FF"/>
-              </a:solidFill>
-              <a:latin typeface="微软雅黑" panose="020B0503020204020204" charset="-122"/>
-              <a:ea typeface="微软雅黑" panose="020B0503020204020204" charset="-122"/>
-            </a:endParaRPr>
           </a:p>
         </p:txBody>
       </p:sp>
@@ -14964,6 +15083,7 @@
           <a:bodyPr wrap="square" rtlCol="0">
             <a:spAutoFit/>
           </a:bodyPr>
+          <a:lstStyle/>
           <a:p>
             <a:pPr algn="ctr">
               <a:lnSpc>
@@ -14980,13 +15100,6 @@
               </a:rPr>
               <a:t>分组降低信息流通</a:t>
             </a:r>
-            <a:endParaRPr lang="zh-CN" altLang="en-US" sz="1400">
-              <a:solidFill>
-                <a:srgbClr val="C00000"/>
-              </a:solidFill>
-              <a:latin typeface="微软雅黑" panose="020B0503020204020204" charset="-122"/>
-              <a:ea typeface="微软雅黑" panose="020B0503020204020204" charset="-122"/>
-            </a:endParaRPr>
           </a:p>
           <a:p>
             <a:pPr algn="ctr">
@@ -15004,13 +15117,6 @@
               </a:rPr>
               <a:t>减弱信息表示</a:t>
             </a:r>
-            <a:endParaRPr lang="zh-CN" altLang="en-US" sz="1400">
-              <a:solidFill>
-                <a:srgbClr val="C00000"/>
-              </a:solidFill>
-              <a:latin typeface="微软雅黑" panose="020B0503020204020204" charset="-122"/>
-              <a:ea typeface="微软雅黑" panose="020B0503020204020204" charset="-122"/>
-            </a:endParaRPr>
           </a:p>
         </p:txBody>
       </p:sp>
@@ -15034,6 +15140,7 @@
           <a:bodyPr wrap="square" rtlCol="0">
             <a:spAutoFit/>
           </a:bodyPr>
+          <a:lstStyle/>
           <a:p>
             <a:pPr algn="ctr">
               <a:lnSpc>
@@ -15050,13 +15157,6 @@
               </a:rPr>
               <a:t>混合通道特征</a:t>
             </a:r>
-            <a:endParaRPr lang="zh-CN" altLang="en-US" sz="1400">
-              <a:solidFill>
-                <a:srgbClr val="0F80FF"/>
-              </a:solidFill>
-              <a:latin typeface="微软雅黑" panose="020B0503020204020204" charset="-122"/>
-              <a:ea typeface="微软雅黑" panose="020B0503020204020204" charset="-122"/>
-            </a:endParaRPr>
           </a:p>
         </p:txBody>
       </p:sp>
@@ -15080,6 +15180,7 @@
           <a:bodyPr wrap="square" rtlCol="0">
             <a:spAutoFit/>
           </a:bodyPr>
+          <a:lstStyle/>
           <a:p>
             <a:pPr indent="0">
               <a:lnSpc>
@@ -15235,16 +15336,6 @@
               </a:rPr>
               <a:t>）</a:t>
             </a:r>
-            <a:endParaRPr lang="zh-CN" altLang="en-US" sz="1000">
-              <a:solidFill>
-                <a:schemeClr val="tx1">
-                  <a:lumMod val="50000"/>
-                  <a:lumOff val="50000"/>
-                </a:schemeClr>
-              </a:solidFill>
-              <a:latin typeface="微软雅黑" panose="020B0503020204020204" charset="-122"/>
-              <a:ea typeface="微软雅黑" panose="020B0503020204020204" charset="-122"/>
-            </a:endParaRPr>
           </a:p>
           <a:p>
             <a:pPr marL="228600" indent="-228600">
@@ -15403,17 +15494,6 @@
               </a:rPr>
               <a:t>）</a:t>
             </a:r>
-            <a:endParaRPr lang="zh-CN" altLang="en-US" sz="1000">
-              <a:solidFill>
-                <a:schemeClr val="tx1">
-                  <a:lumMod val="50000"/>
-                  <a:lumOff val="50000"/>
-                </a:schemeClr>
-              </a:solidFill>
-              <a:latin typeface="微软雅黑" panose="020B0503020204020204" charset="-122"/>
-              <a:ea typeface="微软雅黑" panose="020B0503020204020204" charset="-122"/>
-              <a:sym typeface="+mn-ea"/>
-            </a:endParaRPr>
           </a:p>
           <a:p>
             <a:pPr marL="228600" indent="-228600">
@@ -15607,6 +15687,7 @@
           <a:bodyPr wrap="square" rtlCol="0">
             <a:spAutoFit/>
           </a:bodyPr>
+          <a:lstStyle/>
           <a:p>
             <a:pPr>
               <a:lnSpc>
@@ -15623,13 +15704,6 @@
               </a:rPr>
               <a:t>元素相加</a:t>
             </a:r>
-            <a:endParaRPr lang="zh-CN" altLang="en-US" sz="1400" b="1">
-              <a:solidFill>
-                <a:srgbClr val="CC66FF"/>
-              </a:solidFill>
-              <a:latin typeface="微软雅黑" panose="020B0503020204020204" charset="-122"/>
-              <a:ea typeface="微软雅黑" panose="020B0503020204020204" charset="-122"/>
-            </a:endParaRPr>
           </a:p>
         </p:txBody>
       </p:sp>
@@ -15653,6 +15727,7 @@
           <a:bodyPr wrap="square" rtlCol="0">
             <a:spAutoFit/>
           </a:bodyPr>
+          <a:lstStyle/>
           <a:p>
             <a:pPr>
               <a:lnSpc>
@@ -15669,13 +15744,6 @@
               </a:rPr>
               <a:t>通道级联</a:t>
             </a:r>
-            <a:endParaRPr lang="zh-CN" altLang="en-US" sz="1400" b="1">
-              <a:solidFill>
-                <a:srgbClr val="CC66FF"/>
-              </a:solidFill>
-              <a:latin typeface="微软雅黑" panose="020B0503020204020204" charset="-122"/>
-              <a:ea typeface="微软雅黑" panose="020B0503020204020204" charset="-122"/>
-            </a:endParaRPr>
           </a:p>
         </p:txBody>
       </p:sp>
@@ -15699,6 +15767,7 @@
           <a:bodyPr wrap="square" rtlCol="0">
             <a:spAutoFit/>
           </a:bodyPr>
+          <a:lstStyle/>
           <a:p>
             <a:r>
               <a:rPr lang="en-US" altLang="zh-CN" sz="2800" b="1">
@@ -15707,10 +15776,6 @@
               </a:rPr>
               <a:t>InfoGAN - 2016</a:t>
             </a:r>
-            <a:endParaRPr lang="en-US" altLang="zh-CN" sz="2800" b="1">
-              <a:latin typeface="微软雅黑" panose="020B0503020204020204" charset="-122"/>
-              <a:ea typeface="微软雅黑" panose="020B0503020204020204" charset="-122"/>
-            </a:endParaRPr>
           </a:p>
         </p:txBody>
       </p:sp>
@@ -15768,10 +15833,6 @@
               </a:rPr>
               <a:t>OverFeat</a:t>
             </a:r>
-            <a:endParaRPr lang="en-US" altLang="zh-CN" sz="2800" b="1">
-              <a:latin typeface="微软雅黑" panose="020B0503020204020204" charset="-122"/>
-              <a:ea typeface="微软雅黑" panose="020B0503020204020204" charset="-122"/>
-            </a:endParaRPr>
           </a:p>
         </p:txBody>
       </p:sp>
@@ -15809,6 +15870,7 @@
         </p:style>
         <p:txBody>
           <a:bodyPr rtlCol="0" anchor="ctr"/>
+          <a:lstStyle/>
           <a:p>
             <a:pPr algn="ctr"/>
             <a:endParaRPr lang="zh-CN" altLang="en-US"/>
@@ -15835,6 +15897,7 @@
           <a:bodyPr wrap="square" rtlCol="0">
             <a:spAutoFit/>
           </a:bodyPr>
+          <a:lstStyle/>
           <a:p>
             <a:pPr algn="ctr"/>
             <a:r>
@@ -15857,13 +15920,6 @@
               </a:rPr>
               <a:t>特征提取</a:t>
             </a:r>
-            <a:endParaRPr lang="zh-CN" altLang="en-US" sz="1400" b="1">
-              <a:solidFill>
-                <a:srgbClr val="0070C0"/>
-              </a:solidFill>
-              <a:latin typeface="微软雅黑" panose="020B0503020204020204" charset="-122"/>
-              <a:ea typeface="微软雅黑" panose="020B0503020204020204" charset="-122"/>
-            </a:endParaRPr>
           </a:p>
         </p:txBody>
       </p:sp>
@@ -15887,6 +15943,7 @@
           <a:bodyPr wrap="square" rtlCol="0">
             <a:spAutoFit/>
           </a:bodyPr>
+          <a:lstStyle/>
           <a:p>
             <a:pPr algn="ctr">
               <a:lnSpc>
@@ -15903,13 +15960,6 @@
               </a:rPr>
               <a:t>Offset Max Pooling</a:t>
             </a:r>
-            <a:endParaRPr lang="en-US" altLang="zh-CN" b="1">
-              <a:solidFill>
-                <a:srgbClr val="C00000"/>
-              </a:solidFill>
-              <a:latin typeface="微软雅黑" panose="020B0503020204020204" charset="-122"/>
-              <a:ea typeface="微软雅黑" panose="020B0503020204020204" charset="-122"/>
-            </a:endParaRPr>
           </a:p>
         </p:txBody>
       </p:sp>
@@ -15922,7 +15972,7 @@
           <p:nvPr/>
         </p:nvPicPr>
         <p:blipFill>
-          <a:blip r:embed="rId1"/>
+          <a:blip r:embed="rId3"/>
           <a:stretch>
             <a:fillRect/>
           </a:stretch>
@@ -15946,7 +15996,7 @@
           <p:nvPr/>
         </p:nvPicPr>
         <p:blipFill>
-          <a:blip r:embed="rId2"/>
+          <a:blip r:embed="rId4"/>
           <a:stretch>
             <a:fillRect/>
           </a:stretch>
@@ -15970,7 +16020,7 @@
           <p:nvPr/>
         </p:nvPicPr>
         <p:blipFill>
-          <a:blip r:embed="rId3"/>
+          <a:blip r:embed="rId5"/>
           <a:stretch>
             <a:fillRect/>
           </a:stretch>
@@ -16005,6 +16055,7 @@
           <a:bodyPr wrap="square" rtlCol="0">
             <a:spAutoFit/>
           </a:bodyPr>
+          <a:lstStyle/>
           <a:p>
             <a:pPr algn="ctr"/>
             <a:r>
@@ -16017,13 +16068,6 @@
               </a:rPr>
               <a:t>Classifier</a:t>
             </a:r>
-            <a:endParaRPr lang="en-US" altLang="zh-CN" b="1">
-              <a:solidFill>
-                <a:srgbClr val="0070C0"/>
-              </a:solidFill>
-              <a:latin typeface="微软雅黑" panose="020B0503020204020204" charset="-122"/>
-              <a:ea typeface="微软雅黑" panose="020B0503020204020204" charset="-122"/>
-            </a:endParaRPr>
           </a:p>
         </p:txBody>
       </p:sp>
@@ -16047,6 +16091,7 @@
           <a:bodyPr wrap="square" rtlCol="0">
             <a:spAutoFit/>
           </a:bodyPr>
+          <a:lstStyle/>
           <a:p>
             <a:pPr algn="ctr">
               <a:lnSpc>
@@ -16066,16 +16111,6 @@
               </a:rPr>
               <a:t>conv 5x5</a:t>
             </a:r>
-            <a:endParaRPr lang="en-US" altLang="zh-CN" sz="1200" b="1">
-              <a:solidFill>
-                <a:schemeClr val="tx1">
-                  <a:lumMod val="50000"/>
-                  <a:lumOff val="50000"/>
-                </a:schemeClr>
-              </a:solidFill>
-              <a:latin typeface="微软雅黑" panose="020B0503020204020204" charset="-122"/>
-              <a:ea typeface="微软雅黑" panose="020B0503020204020204" charset="-122"/>
-            </a:endParaRPr>
           </a:p>
         </p:txBody>
       </p:sp>
@@ -16088,7 +16123,7 @@
           <p:nvPr/>
         </p:nvPicPr>
         <p:blipFill>
-          <a:blip r:embed="rId1"/>
+          <a:blip r:embed="rId3"/>
           <a:stretch>
             <a:fillRect/>
           </a:stretch>
@@ -16112,7 +16147,7 @@
           <p:nvPr/>
         </p:nvPicPr>
         <p:blipFill>
-          <a:blip r:embed="rId2"/>
+          <a:blip r:embed="rId4"/>
           <a:stretch>
             <a:fillRect/>
           </a:stretch>
@@ -16136,7 +16171,7 @@
           <p:nvPr/>
         </p:nvPicPr>
         <p:blipFill>
-          <a:blip r:embed="rId3"/>
+          <a:blip r:embed="rId5"/>
           <a:stretch>
             <a:fillRect/>
           </a:stretch>
@@ -16171,6 +16206,7 @@
           <a:bodyPr wrap="square" rtlCol="0">
             <a:spAutoFit/>
           </a:bodyPr>
+          <a:lstStyle/>
           <a:p>
             <a:pPr algn="ctr"/>
             <a:r>
@@ -16186,16 +16222,6 @@
               </a:rPr>
               <a:t>fc6</a:t>
             </a:r>
-            <a:endParaRPr lang="en-US" altLang="zh-CN" sz="1400" b="1">
-              <a:solidFill>
-                <a:schemeClr val="tx1">
-                  <a:lumMod val="65000"/>
-                  <a:lumOff val="35000"/>
-                </a:schemeClr>
-              </a:solidFill>
-              <a:latin typeface="微软雅黑" panose="020B0503020204020204" charset="-122"/>
-              <a:ea typeface="微软雅黑" panose="020B0503020204020204" charset="-122"/>
-            </a:endParaRPr>
           </a:p>
         </p:txBody>
       </p:sp>
@@ -16208,7 +16234,7 @@
           <p:nvPr/>
         </p:nvPicPr>
         <p:blipFill>
-          <a:blip r:embed="rId4"/>
+          <a:blip r:embed="rId6"/>
           <a:stretch>
             <a:fillRect/>
           </a:stretch>
@@ -16232,7 +16258,7 @@
           <p:nvPr/>
         </p:nvPicPr>
         <p:blipFill>
-          <a:blip r:embed="rId4"/>
+          <a:blip r:embed="rId6"/>
           <a:stretch>
             <a:fillRect/>
           </a:stretch>
@@ -16256,7 +16282,7 @@
           <p:nvPr/>
         </p:nvPicPr>
         <p:blipFill>
-          <a:blip r:embed="rId4"/>
+          <a:blip r:embed="rId6"/>
           <a:stretch>
             <a:fillRect/>
           </a:stretch>
@@ -16280,7 +16306,7 @@
           <p:nvPr/>
         </p:nvPicPr>
         <p:blipFill>
-          <a:blip r:embed="rId5"/>
+          <a:blip r:embed="rId7"/>
           <a:stretch>
             <a:fillRect/>
           </a:stretch>
@@ -16304,7 +16330,7 @@
           <p:nvPr/>
         </p:nvPicPr>
         <p:blipFill>
-          <a:blip r:embed="rId6"/>
+          <a:blip r:embed="rId8"/>
           <a:stretch>
             <a:fillRect/>
           </a:stretch>
@@ -16328,7 +16354,7 @@
           <p:nvPr/>
         </p:nvPicPr>
         <p:blipFill>
-          <a:blip r:embed="rId7"/>
+          <a:blip r:embed="rId9"/>
           <a:stretch>
             <a:fillRect/>
           </a:stretch>
@@ -16352,7 +16378,7 @@
           <p:nvPr/>
         </p:nvPicPr>
         <p:blipFill>
-          <a:blip r:embed="rId8"/>
+          <a:blip r:embed="rId10"/>
           <a:stretch>
             <a:fillRect/>
           </a:stretch>
@@ -16376,7 +16402,7 @@
           <p:nvPr/>
         </p:nvPicPr>
         <p:blipFill>
-          <a:blip r:embed="rId8"/>
+          <a:blip r:embed="rId10"/>
           <a:stretch>
             <a:fillRect/>
           </a:stretch>
@@ -16400,7 +16426,7 @@
           <p:nvPr/>
         </p:nvPicPr>
         <p:blipFill>
-          <a:blip r:embed="rId8"/>
+          <a:blip r:embed="rId10"/>
           <a:stretch>
             <a:fillRect/>
           </a:stretch>
@@ -16424,7 +16450,7 @@
           <p:nvPr/>
         </p:nvPicPr>
         <p:blipFill>
-          <a:blip r:embed="rId5"/>
+          <a:blip r:embed="rId7"/>
           <a:stretch>
             <a:fillRect/>
           </a:stretch>
@@ -16448,7 +16474,7 @@
           <p:nvPr/>
         </p:nvPicPr>
         <p:blipFill>
-          <a:blip r:embed="rId6"/>
+          <a:blip r:embed="rId8"/>
           <a:stretch>
             <a:fillRect/>
           </a:stretch>
@@ -16472,7 +16498,7 @@
           <p:nvPr/>
         </p:nvPicPr>
         <p:blipFill>
-          <a:blip r:embed="rId7"/>
+          <a:blip r:embed="rId9"/>
           <a:stretch>
             <a:fillRect/>
           </a:stretch>
@@ -16496,7 +16522,7 @@
           <p:nvPr/>
         </p:nvPicPr>
         <p:blipFill>
-          <a:blip r:embed="rId8"/>
+          <a:blip r:embed="rId10"/>
           <a:stretch>
             <a:fillRect/>
           </a:stretch>
@@ -16520,7 +16546,7 @@
           <p:nvPr/>
         </p:nvPicPr>
         <p:blipFill>
-          <a:blip r:embed="rId8"/>
+          <a:blip r:embed="rId10"/>
           <a:stretch>
             <a:fillRect/>
           </a:stretch>
@@ -16544,7 +16570,7 @@
           <p:nvPr/>
         </p:nvPicPr>
         <p:blipFill>
-          <a:blip r:embed="rId8"/>
+          <a:blip r:embed="rId10"/>
           <a:stretch>
             <a:fillRect/>
           </a:stretch>
@@ -16579,6 +16605,7 @@
           <a:bodyPr wrap="square" rtlCol="0">
             <a:spAutoFit/>
           </a:bodyPr>
+          <a:lstStyle/>
           <a:p>
             <a:pPr algn="ctr">
               <a:lnSpc>
@@ -16598,16 +16625,6 @@
               </a:rPr>
               <a:t>conv 1x1</a:t>
             </a:r>
-            <a:endParaRPr lang="en-US" altLang="zh-CN" sz="1200" b="1">
-              <a:solidFill>
-                <a:schemeClr val="tx1">
-                  <a:lumMod val="50000"/>
-                  <a:lumOff val="50000"/>
-                </a:schemeClr>
-              </a:solidFill>
-              <a:latin typeface="微软雅黑" panose="020B0503020204020204" charset="-122"/>
-              <a:ea typeface="微软雅黑" panose="020B0503020204020204" charset="-122"/>
-            </a:endParaRPr>
           </a:p>
         </p:txBody>
       </p:sp>
@@ -16631,6 +16648,7 @@
           <a:bodyPr wrap="square" rtlCol="0">
             <a:spAutoFit/>
           </a:bodyPr>
+          <a:lstStyle/>
           <a:p>
             <a:pPr algn="ctr"/>
             <a:r>
@@ -16646,16 +16664,6 @@
               </a:rPr>
               <a:t>fc7</a:t>
             </a:r>
-            <a:endParaRPr lang="en-US" altLang="zh-CN" sz="1400" b="1">
-              <a:solidFill>
-                <a:schemeClr val="tx1">
-                  <a:lumMod val="65000"/>
-                  <a:lumOff val="35000"/>
-                </a:schemeClr>
-              </a:solidFill>
-              <a:latin typeface="微软雅黑" panose="020B0503020204020204" charset="-122"/>
-              <a:ea typeface="微软雅黑" panose="020B0503020204020204" charset="-122"/>
-            </a:endParaRPr>
           </a:p>
         </p:txBody>
       </p:sp>
@@ -16679,6 +16687,7 @@
           <a:bodyPr wrap="square" rtlCol="0">
             <a:spAutoFit/>
           </a:bodyPr>
+          <a:lstStyle/>
           <a:p>
             <a:pPr algn="ctr">
               <a:lnSpc>
@@ -16698,16 +16707,6 @@
               </a:rPr>
               <a:t>conv 1x1</a:t>
             </a:r>
-            <a:endParaRPr lang="en-US" altLang="zh-CN" sz="1200" b="1">
-              <a:solidFill>
-                <a:schemeClr val="tx1">
-                  <a:lumMod val="50000"/>
-                  <a:lumOff val="50000"/>
-                </a:schemeClr>
-              </a:solidFill>
-              <a:latin typeface="微软雅黑" panose="020B0503020204020204" charset="-122"/>
-              <a:ea typeface="微软雅黑" panose="020B0503020204020204" charset="-122"/>
-            </a:endParaRPr>
           </a:p>
         </p:txBody>
       </p:sp>
@@ -16731,6 +16730,7 @@
           <a:bodyPr wrap="square" rtlCol="0">
             <a:spAutoFit/>
           </a:bodyPr>
+          <a:lstStyle/>
           <a:p>
             <a:pPr algn="ctr"/>
             <a:r>
@@ -16746,16 +16746,6 @@
               </a:rPr>
               <a:t>fc8</a:t>
             </a:r>
-            <a:endParaRPr lang="en-US" altLang="zh-CN" sz="1400" b="1">
-              <a:solidFill>
-                <a:schemeClr val="tx1">
-                  <a:lumMod val="65000"/>
-                  <a:lumOff val="35000"/>
-                </a:schemeClr>
-              </a:solidFill>
-              <a:latin typeface="微软雅黑" panose="020B0503020204020204" charset="-122"/>
-              <a:ea typeface="微软雅黑" panose="020B0503020204020204" charset="-122"/>
-            </a:endParaRPr>
           </a:p>
         </p:txBody>
       </p:sp>
@@ -16805,6 +16795,7 @@
         </p:style>
         <p:txBody>
           <a:bodyPr rtlCol="0" anchor="ctr"/>
+          <a:lstStyle/>
           <a:p>
             <a:pPr algn="ctr"/>
             <a:endParaRPr lang="zh-CN" altLang="en-US"/>
@@ -16845,6 +16836,7 @@
         </p:style>
         <p:txBody>
           <a:bodyPr rtlCol="0" anchor="ctr"/>
+          <a:lstStyle/>
           <a:p>
             <a:pPr algn="ctr"/>
             <a:endParaRPr lang="zh-CN" altLang="en-US"/>
@@ -16890,6 +16882,7 @@
         </p:style>
         <p:txBody>
           <a:bodyPr rtlCol="0" anchor="ctr"/>
+          <a:lstStyle/>
           <a:p>
             <a:pPr algn="ctr"/>
             <a:r>
@@ -16904,15 +16897,6 @@
               </a:rPr>
               <a:t>221x221x96</a:t>
             </a:r>
-            <a:endParaRPr lang="en-US" altLang="zh-CN" sz="800">
-              <a:solidFill>
-                <a:schemeClr val="tx1">
-                  <a:lumMod val="50000"/>
-                  <a:lumOff val="50000"/>
-                </a:schemeClr>
-              </a:solidFill>
-              <a:latin typeface="Arial" panose="020B0604020202090204" pitchFamily="34" charset="0"/>
-            </a:endParaRPr>
           </a:p>
         </p:txBody>
       </p:sp>
@@ -16955,6 +16939,7 @@
         </p:style>
         <p:txBody>
           <a:bodyPr rtlCol="0" anchor="ctr"/>
+          <a:lstStyle/>
           <a:p>
             <a:pPr algn="ctr"/>
             <a:r>
@@ -16969,15 +16954,6 @@
               </a:rPr>
               <a:t>36x36x256</a:t>
             </a:r>
-            <a:endParaRPr lang="en-US" altLang="zh-CN" sz="800">
-              <a:solidFill>
-                <a:schemeClr val="tx1">
-                  <a:lumMod val="50000"/>
-                  <a:lumOff val="50000"/>
-                </a:schemeClr>
-              </a:solidFill>
-              <a:latin typeface="Arial" panose="020B0604020202090204" pitchFamily="34" charset="0"/>
-            </a:endParaRPr>
           </a:p>
         </p:txBody>
       </p:sp>
@@ -17020,6 +16996,7 @@
         </p:style>
         <p:txBody>
           <a:bodyPr rtlCol="0" anchor="ctr"/>
+          <a:lstStyle/>
           <a:p>
             <a:pPr algn="ctr"/>
             <a:r>
@@ -17034,15 +17011,6 @@
               </a:rPr>
               <a:t>15x15x512</a:t>
             </a:r>
-            <a:endParaRPr lang="en-US" altLang="zh-CN" sz="800">
-              <a:solidFill>
-                <a:schemeClr val="tx1">
-                  <a:lumMod val="50000"/>
-                  <a:lumOff val="50000"/>
-                </a:schemeClr>
-              </a:solidFill>
-              <a:latin typeface="Arial" panose="020B0604020202090204" pitchFamily="34" charset="0"/>
-            </a:endParaRPr>
           </a:p>
         </p:txBody>
       </p:sp>
@@ -17085,6 +17053,7 @@
         </p:style>
         <p:txBody>
           <a:bodyPr rtlCol="0" anchor="ctr"/>
+          <a:lstStyle/>
           <a:p>
             <a:pPr algn="ctr"/>
             <a:r>
@@ -17099,15 +17068,6 @@
               </a:rPr>
               <a:t>15x15x512</a:t>
             </a:r>
-            <a:endParaRPr lang="en-US" altLang="zh-CN" sz="800">
-              <a:solidFill>
-                <a:schemeClr val="tx1">
-                  <a:lumMod val="50000"/>
-                  <a:lumOff val="50000"/>
-                </a:schemeClr>
-              </a:solidFill>
-              <a:latin typeface="Arial" panose="020B0604020202090204" pitchFamily="34" charset="0"/>
-            </a:endParaRPr>
           </a:p>
         </p:txBody>
       </p:sp>
@@ -17150,6 +17110,7 @@
         </p:style>
         <p:txBody>
           <a:bodyPr rtlCol="0" anchor="ctr"/>
+          <a:lstStyle/>
           <a:p>
             <a:pPr algn="ctr"/>
             <a:r>
@@ -17164,15 +17125,6 @@
               </a:rPr>
               <a:t>15x15x1024</a:t>
             </a:r>
-            <a:endParaRPr lang="en-US" altLang="zh-CN" sz="800">
-              <a:solidFill>
-                <a:schemeClr val="tx1">
-                  <a:lumMod val="50000"/>
-                  <a:lumOff val="50000"/>
-                </a:schemeClr>
-              </a:solidFill>
-              <a:latin typeface="Arial" panose="020B0604020202090204" pitchFamily="34" charset="0"/>
-            </a:endParaRPr>
           </a:p>
         </p:txBody>
       </p:sp>
@@ -17196,6 +17148,7 @@
           <a:bodyPr wrap="square" rtlCol="0">
             <a:spAutoFit/>
           </a:bodyPr>
+          <a:lstStyle/>
           <a:p>
             <a:pPr algn="ctr"/>
             <a:r>
@@ -17208,13 +17161,6 @@
               </a:rPr>
               <a:t>Regressor</a:t>
             </a:r>
-            <a:endParaRPr lang="en-US" altLang="zh-CN" b="1">
-              <a:solidFill>
-                <a:srgbClr val="0070C0"/>
-              </a:solidFill>
-              <a:latin typeface="微软雅黑" panose="020B0503020204020204" charset="-122"/>
-              <a:ea typeface="微软雅黑" panose="020B0503020204020204" charset="-122"/>
-            </a:endParaRPr>
           </a:p>
         </p:txBody>
       </p:sp>
@@ -17238,6 +17184,7 @@
           <a:bodyPr wrap="square" rtlCol="0">
             <a:spAutoFit/>
           </a:bodyPr>
+          <a:lstStyle/>
           <a:p>
             <a:pPr algn="ctr"/>
             <a:r>
@@ -17253,16 +17200,6 @@
               </a:rPr>
               <a:t>fc6</a:t>
             </a:r>
-            <a:endParaRPr lang="en-US" altLang="zh-CN" sz="1400" b="1">
-              <a:solidFill>
-                <a:schemeClr val="tx1">
-                  <a:lumMod val="65000"/>
-                  <a:lumOff val="35000"/>
-                </a:schemeClr>
-              </a:solidFill>
-              <a:latin typeface="微软雅黑" panose="020B0503020204020204" charset="-122"/>
-              <a:ea typeface="微软雅黑" panose="020B0503020204020204" charset="-122"/>
-            </a:endParaRPr>
           </a:p>
           <a:p>
             <a:pPr algn="ctr"/>
@@ -17292,16 +17229,6 @@
               </a:rPr>
               <a:t>通道</a:t>
             </a:r>
-            <a:endParaRPr lang="zh-CN" altLang="en-US" sz="1000" b="1">
-              <a:solidFill>
-                <a:schemeClr val="tx1">
-                  <a:lumMod val="65000"/>
-                  <a:lumOff val="35000"/>
-                </a:schemeClr>
-              </a:solidFill>
-              <a:latin typeface="微软雅黑" panose="020B0503020204020204" charset="-122"/>
-              <a:ea typeface="微软雅黑" panose="020B0503020204020204" charset="-122"/>
-            </a:endParaRPr>
           </a:p>
         </p:txBody>
       </p:sp>
@@ -17325,6 +17252,7 @@
           <a:bodyPr wrap="square" rtlCol="0">
             <a:spAutoFit/>
           </a:bodyPr>
+          <a:lstStyle/>
           <a:p>
             <a:pPr algn="ctr"/>
             <a:r>
@@ -17340,16 +17268,6 @@
               </a:rPr>
               <a:t>fc7</a:t>
             </a:r>
-            <a:endParaRPr lang="en-US" altLang="zh-CN" sz="1400" b="1">
-              <a:solidFill>
-                <a:schemeClr val="tx1">
-                  <a:lumMod val="65000"/>
-                  <a:lumOff val="35000"/>
-                </a:schemeClr>
-              </a:solidFill>
-              <a:latin typeface="微软雅黑" panose="020B0503020204020204" charset="-122"/>
-              <a:ea typeface="微软雅黑" panose="020B0503020204020204" charset="-122"/>
-            </a:endParaRPr>
           </a:p>
           <a:p>
             <a:pPr algn="ctr"/>
@@ -17427,6 +17345,7 @@
           <a:bodyPr wrap="square" rtlCol="0">
             <a:spAutoFit/>
           </a:bodyPr>
+          <a:lstStyle/>
           <a:p>
             <a:pPr algn="ctr"/>
             <a:r>
@@ -17442,16 +17361,6 @@
               </a:rPr>
               <a:t>fc8</a:t>
             </a:r>
-            <a:endParaRPr lang="en-US" altLang="zh-CN" sz="1400" b="1">
-              <a:solidFill>
-                <a:schemeClr val="tx1">
-                  <a:lumMod val="65000"/>
-                  <a:lumOff val="35000"/>
-                </a:schemeClr>
-              </a:solidFill>
-              <a:latin typeface="微软雅黑" panose="020B0503020204020204" charset="-122"/>
-              <a:ea typeface="微软雅黑" panose="020B0503020204020204" charset="-122"/>
-            </a:endParaRPr>
           </a:p>
           <a:p>
             <a:pPr algn="ctr"/>
@@ -17481,16 +17390,6 @@
               </a:rPr>
               <a:t>通道</a:t>
             </a:r>
-            <a:endParaRPr lang="zh-CN" altLang="en-US" sz="1000" b="1">
-              <a:solidFill>
-                <a:schemeClr val="tx1">
-                  <a:lumMod val="65000"/>
-                  <a:lumOff val="35000"/>
-                </a:schemeClr>
-              </a:solidFill>
-              <a:latin typeface="微软雅黑" panose="020B0503020204020204" charset="-122"/>
-              <a:ea typeface="微软雅黑" panose="020B0503020204020204" charset="-122"/>
-            </a:endParaRPr>
           </a:p>
         </p:txBody>
       </p:sp>
@@ -17514,6 +17413,7 @@
           <a:bodyPr wrap="square" rtlCol="0">
             <a:spAutoFit/>
           </a:bodyPr>
+          <a:lstStyle/>
           <a:p>
             <a:pPr algn="ctr">
               <a:lnSpc>
@@ -17530,13 +17430,6 @@
               </a:rPr>
               <a:t>全卷积网络</a:t>
             </a:r>
-            <a:endParaRPr lang="zh-CN" altLang="en-US" b="1">
-              <a:solidFill>
-                <a:srgbClr val="C00000"/>
-              </a:solidFill>
-              <a:latin typeface="微软雅黑" panose="020B0503020204020204" charset="-122"/>
-              <a:ea typeface="微软雅黑" panose="020B0503020204020204" charset="-122"/>
-            </a:endParaRPr>
           </a:p>
         </p:txBody>
       </p:sp>
@@ -17560,6 +17453,7 @@
           <a:bodyPr wrap="square" rtlCol="0">
             <a:spAutoFit/>
           </a:bodyPr>
+          <a:lstStyle/>
           <a:p>
             <a:pPr algn="ctr"/>
             <a:endParaRPr lang="en-US" altLang="zh-CN" sz="1400" b="1">
@@ -17601,16 +17495,6 @@
               </a:rPr>
               <a:t>通道</a:t>
             </a:r>
-            <a:endParaRPr lang="zh-CN" altLang="en-US" sz="1000" b="1">
-              <a:solidFill>
-                <a:schemeClr val="tx1">
-                  <a:lumMod val="65000"/>
-                  <a:lumOff val="35000"/>
-                </a:schemeClr>
-              </a:solidFill>
-              <a:latin typeface="微软雅黑" panose="020B0503020204020204" charset="-122"/>
-              <a:ea typeface="微软雅黑" panose="020B0503020204020204" charset="-122"/>
-            </a:endParaRPr>
           </a:p>
         </p:txBody>
       </p:sp>
@@ -17656,6 +17540,7 @@
         </p:style>
         <p:txBody>
           <a:bodyPr rtlCol="0" anchor="ctr"/>
+          <a:lstStyle/>
           <a:p>
             <a:pPr algn="ctr"/>
             <a:endParaRPr lang="zh-CN" altLang="en-US"/>
@@ -17682,6 +17567,7 @@
           <a:bodyPr wrap="square" rtlCol="0">
             <a:spAutoFit/>
           </a:bodyPr>
+          <a:lstStyle/>
           <a:p>
             <a:pPr algn="ctr">
               <a:lnSpc>
@@ -17727,16 +17613,6 @@
               </a:rPr>
               <a:t>Sliding Windows</a:t>
             </a:r>
-            <a:endParaRPr lang="en-US" altLang="zh-CN" sz="1400" b="1">
-              <a:solidFill>
-                <a:schemeClr val="tx1">
-                  <a:lumMod val="50000"/>
-                  <a:lumOff val="50000"/>
-                </a:schemeClr>
-              </a:solidFill>
-              <a:latin typeface="微软雅黑" panose="020B0503020204020204" charset="-122"/>
-              <a:ea typeface="微软雅黑" panose="020B0503020204020204" charset="-122"/>
-            </a:endParaRPr>
           </a:p>
           <a:p>
             <a:pPr algn="ctr">
@@ -17757,16 +17633,6 @@
               </a:rPr>
               <a:t>产生的多个预测值被</a:t>
             </a:r>
-            <a:endParaRPr lang="zh-CN" altLang="en-US" sz="1400" b="1">
-              <a:solidFill>
-                <a:schemeClr val="tx1">
-                  <a:lumMod val="50000"/>
-                  <a:lumOff val="50000"/>
-                </a:schemeClr>
-              </a:solidFill>
-              <a:latin typeface="微软雅黑" panose="020B0503020204020204" charset="-122"/>
-              <a:ea typeface="微软雅黑" panose="020B0503020204020204" charset="-122"/>
-            </a:endParaRPr>
           </a:p>
           <a:p>
             <a:pPr algn="ctr">
@@ -17813,16 +17679,6 @@
               </a:rPr>
               <a:t>交叉验证丢弃</a:t>
             </a:r>
-            <a:endParaRPr lang="zh-CN" altLang="en-US" sz="1400" b="1">
-              <a:solidFill>
-                <a:schemeClr val="tx1">
-                  <a:lumMod val="50000"/>
-                  <a:lumOff val="50000"/>
-                </a:schemeClr>
-              </a:solidFill>
-              <a:latin typeface="微软雅黑" panose="020B0503020204020204" charset="-122"/>
-              <a:ea typeface="微软雅黑" panose="020B0503020204020204" charset="-122"/>
-            </a:endParaRPr>
           </a:p>
         </p:txBody>
       </p:sp>
@@ -17880,10 +17736,6 @@
               </a:rPr>
               <a:t>RCNN</a:t>
             </a:r>
-            <a:endParaRPr lang="en-US" altLang="zh-CN" sz="2800" b="1">
-              <a:latin typeface="微软雅黑" panose="020B0503020204020204" charset="-122"/>
-              <a:ea typeface="微软雅黑" panose="020B0503020204020204" charset="-122"/>
-            </a:endParaRPr>
           </a:p>
         </p:txBody>
       </p:sp>
@@ -17917,10 +17769,6 @@
               </a:rPr>
               <a:t>227x227x3</a:t>
             </a:r>
-            <a:endParaRPr lang="en-US" altLang="zh-CN" sz="1000">
-              <a:latin typeface="微软雅黑" panose="020B0503020204020204" charset="-122"/>
-              <a:ea typeface="微软雅黑" panose="020B0503020204020204" charset="-122"/>
-            </a:endParaRPr>
           </a:p>
         </p:txBody>
       </p:sp>
@@ -17967,13 +17815,6 @@
               </a:rPr>
               <a:t>输入图像</a:t>
             </a:r>
-            <a:endParaRPr lang="zh-CN" altLang="en-US" sz="1400" b="1">
-              <a:solidFill>
-                <a:srgbClr val="0070C0"/>
-              </a:solidFill>
-              <a:latin typeface="微软雅黑" panose="020B0503020204020204" charset="-122"/>
-              <a:ea typeface="微软雅黑" panose="020B0503020204020204" charset="-122"/>
-            </a:endParaRPr>
           </a:p>
         </p:txBody>
       </p:sp>
@@ -18040,13 +17881,6 @@
               </a:rPr>
               <a:t>）</a:t>
             </a:r>
-            <a:endParaRPr lang="zh-CN" altLang="en-US" sz="1400" b="1">
-              <a:solidFill>
-                <a:srgbClr val="0070C0"/>
-              </a:solidFill>
-              <a:latin typeface="微软雅黑" panose="020B0503020204020204" charset="-122"/>
-              <a:ea typeface="微软雅黑" panose="020B0503020204020204" charset="-122"/>
-            </a:endParaRPr>
           </a:p>
         </p:txBody>
       </p:sp>
@@ -18103,13 +17937,6 @@
               </a:rPr>
               <a:t>）</a:t>
             </a:r>
-            <a:endParaRPr lang="zh-CN" altLang="en-US" sz="1400" b="1">
-              <a:solidFill>
-                <a:srgbClr val="0070C0"/>
-              </a:solidFill>
-              <a:latin typeface="微软雅黑" panose="020B0503020204020204" charset="-122"/>
-              <a:ea typeface="微软雅黑" panose="020B0503020204020204" charset="-122"/>
-            </a:endParaRPr>
           </a:p>
         </p:txBody>
       </p:sp>
@@ -18222,13 +18049,6 @@
               </a:rPr>
               <a:t>图像仿射扭曲</a:t>
             </a:r>
-            <a:endParaRPr lang="zh-CN" altLang="en-US" sz="1400" b="1">
-              <a:solidFill>
-                <a:srgbClr val="0070C0"/>
-              </a:solidFill>
-              <a:latin typeface="微软雅黑" panose="020B0503020204020204" charset="-122"/>
-              <a:ea typeface="微软雅黑" panose="020B0503020204020204" charset="-122"/>
-            </a:endParaRPr>
           </a:p>
         </p:txBody>
       </p:sp>
@@ -18300,16 +18120,6 @@
               </a:rPr>
               <a:t>维</a:t>
             </a:r>
-            <a:endParaRPr lang="zh-CN" altLang="en-US" sz="1200">
-              <a:solidFill>
-                <a:schemeClr val="tx1">
-                  <a:lumMod val="50000"/>
-                  <a:lumOff val="50000"/>
-                </a:schemeClr>
-              </a:solidFill>
-              <a:latin typeface="微软雅黑" panose="020B0503020204020204" charset="-122"/>
-              <a:ea typeface="微软雅黑" panose="020B0503020204020204" charset="-122"/>
-            </a:endParaRPr>
           </a:p>
           <a:p>
             <a:pPr indent="0" algn="l">
@@ -18345,16 +18155,6 @@
               </a:rPr>
               <a:t>非零</a:t>
             </a:r>
-            <a:endParaRPr lang="zh-CN" altLang="en-US" sz="1200">
-              <a:solidFill>
-                <a:schemeClr val="tx1">
-                  <a:lumMod val="50000"/>
-                  <a:lumOff val="50000"/>
-                </a:schemeClr>
-              </a:solidFill>
-              <a:latin typeface="微软雅黑" panose="020B0503020204020204" charset="-122"/>
-              <a:ea typeface="微软雅黑" panose="020B0503020204020204" charset="-122"/>
-            </a:endParaRPr>
           </a:p>
           <a:p>
             <a:pPr marL="285750" indent="-285750" algn="l">
@@ -18422,16 +18222,6 @@
               </a:rPr>
               <a:t>维</a:t>
             </a:r>
-            <a:endParaRPr lang="zh-CN" altLang="en-US" sz="1200">
-              <a:solidFill>
-                <a:schemeClr val="tx1">
-                  <a:lumMod val="50000"/>
-                  <a:lumOff val="50000"/>
-                </a:schemeClr>
-              </a:solidFill>
-              <a:latin typeface="微软雅黑" panose="020B0503020204020204" charset="-122"/>
-              <a:ea typeface="微软雅黑" panose="020B0503020204020204" charset="-122"/>
-            </a:endParaRPr>
           </a:p>
           <a:p>
             <a:pPr indent="0" algn="l">
@@ -18467,16 +18257,6 @@
               </a:rPr>
               <a:t>非零</a:t>
             </a:r>
-            <a:endParaRPr lang="zh-CN" altLang="en-US" sz="1200">
-              <a:solidFill>
-                <a:schemeClr val="tx1">
-                  <a:lumMod val="50000"/>
-                  <a:lumOff val="50000"/>
-                </a:schemeClr>
-              </a:solidFill>
-              <a:latin typeface="微软雅黑" panose="020B0503020204020204" charset="-122"/>
-              <a:ea typeface="微软雅黑" panose="020B0503020204020204" charset="-122"/>
-            </a:endParaRPr>
           </a:p>
           <a:p>
             <a:pPr marL="285750" indent="-285750" algn="l">
@@ -18594,17 +18374,6 @@
               </a:rPr>
               <a:t>非零</a:t>
             </a:r>
-            <a:endParaRPr lang="zh-CN" altLang="en-US" sz="1200">
-              <a:solidFill>
-                <a:schemeClr val="tx1">
-                  <a:lumMod val="50000"/>
-                  <a:lumOff val="50000"/>
-                </a:schemeClr>
-              </a:solidFill>
-              <a:latin typeface="微软雅黑" panose="020B0503020204020204" charset="-122"/>
-              <a:ea typeface="微软雅黑" panose="020B0503020204020204" charset="-122"/>
-              <a:sym typeface="+mn-ea"/>
-            </a:endParaRPr>
           </a:p>
         </p:txBody>
       </p:sp>
@@ -18685,13 +18454,6 @@
               </a:rPr>
               <a:t>每一类都训练一个</a:t>
             </a:r>
-            <a:endParaRPr lang="zh-CN" altLang="en-US" sz="1400" b="1">
-              <a:solidFill>
-                <a:srgbClr val="0070C0"/>
-              </a:solidFill>
-              <a:latin typeface="微软雅黑" panose="020B0503020204020204" charset="-122"/>
-              <a:ea typeface="微软雅黑" panose="020B0503020204020204" charset="-122"/>
-            </a:endParaRPr>
           </a:p>
           <a:p>
             <a:pPr algn="ctr">
@@ -18749,13 +18511,6 @@
               </a:rPr>
               <a:t>背景）</a:t>
             </a:r>
-            <a:endParaRPr lang="zh-CN" altLang="en-US" sz="1400" b="1">
-              <a:solidFill>
-                <a:srgbClr val="0070C0"/>
-              </a:solidFill>
-              <a:latin typeface="微软雅黑" panose="020B0503020204020204" charset="-122"/>
-              <a:ea typeface="微软雅黑" panose="020B0503020204020204" charset="-122"/>
-            </a:endParaRPr>
           </a:p>
         </p:txBody>
       </p:sp>
@@ -18876,13 +18631,6 @@
               </a:rPr>
               <a:t>检测</a:t>
             </a:r>
-            <a:endParaRPr lang="zh-CN" altLang="en-US" sz="1600" b="1" u="sng">
-              <a:solidFill>
-                <a:srgbClr val="C00000"/>
-              </a:solidFill>
-              <a:latin typeface="微软雅黑" panose="020B0503020204020204" charset="-122"/>
-              <a:ea typeface="微软雅黑" panose="020B0503020204020204" charset="-122"/>
-            </a:endParaRPr>
           </a:p>
           <a:p>
             <a:pPr algn="ctr">
@@ -18968,16 +18716,6 @@
               </a:rPr>
               <a:t> 多个分类器 </a:t>
             </a:r>
-            <a:endParaRPr lang="zh-CN" altLang="en-US" sz="1200" b="1">
-              <a:solidFill>
-                <a:schemeClr val="tx1">
-                  <a:lumMod val="50000"/>
-                  <a:lumOff val="50000"/>
-                </a:schemeClr>
-              </a:solidFill>
-              <a:latin typeface="微软雅黑" panose="020B0503020204020204" charset="-122"/>
-              <a:ea typeface="微软雅黑" panose="020B0503020204020204" charset="-122"/>
-            </a:endParaRPr>
           </a:p>
         </p:txBody>
       </p:sp>
@@ -19024,13 +18762,6 @@
               </a:rPr>
               <a:t>提取特征向量</a:t>
             </a:r>
-            <a:endParaRPr lang="zh-CN" altLang="en-US" sz="1400" b="1">
-              <a:solidFill>
-                <a:srgbClr val="0070C0"/>
-              </a:solidFill>
-              <a:latin typeface="微软雅黑" panose="020B0503020204020204" charset="-122"/>
-              <a:ea typeface="微软雅黑" panose="020B0503020204020204" charset="-122"/>
-            </a:endParaRPr>
           </a:p>
         </p:txBody>
       </p:sp>
@@ -19087,13 +18818,6 @@
               </a:rPr>
               <a:t>定位问题微调</a:t>
             </a:r>
-            <a:endParaRPr lang="zh-CN" altLang="en-US" sz="1400" b="1">
-              <a:solidFill>
-                <a:srgbClr val="0070C0"/>
-              </a:solidFill>
-              <a:latin typeface="微软雅黑" panose="020B0503020204020204" charset="-122"/>
-              <a:ea typeface="微软雅黑" panose="020B0503020204020204" charset="-122"/>
-            </a:endParaRPr>
           </a:p>
         </p:txBody>
       </p:sp>
@@ -19451,10 +19175,6 @@
               </a:rPr>
               <a:t>SPPnet</a:t>
             </a:r>
-            <a:endParaRPr lang="en-US" altLang="zh-CN" sz="2800" b="1">
-              <a:latin typeface="微软雅黑" panose="020B0503020204020204" charset="-122"/>
-              <a:ea typeface="微软雅黑" panose="020B0503020204020204" charset="-122"/>
-            </a:endParaRPr>
           </a:p>
         </p:txBody>
       </p:sp>
@@ -19494,16 +19214,6 @@
               </a:rPr>
               <a:t>生成固定长度的特征向量，与输入图片的大小和尺度无关</a:t>
             </a:r>
-            <a:endParaRPr lang="zh-CN" altLang="en-US" sz="1400">
-              <a:solidFill>
-                <a:schemeClr val="tx1">
-                  <a:lumMod val="50000"/>
-                  <a:lumOff val="50000"/>
-                </a:schemeClr>
-              </a:solidFill>
-              <a:latin typeface="微软雅黑" panose="020B0503020204020204" charset="-122"/>
-              <a:ea typeface="微软雅黑" panose="020B0503020204020204" charset="-122"/>
-            </a:endParaRPr>
           </a:p>
         </p:txBody>
       </p:sp>
@@ -20520,10 +20230,6 @@
               </a:rPr>
               <a:t>...</a:t>
             </a:r>
-            <a:endParaRPr lang="en-US" altLang="zh-CN" b="1">
-              <a:latin typeface="微软雅黑" panose="020B0503020204020204" charset="-122"/>
-              <a:ea typeface="微软雅黑" panose="020B0503020204020204" charset="-122"/>
-            </a:endParaRPr>
           </a:p>
         </p:txBody>
       </p:sp>
@@ -20974,10 +20680,6 @@
                 </a:rPr>
                 <a:t>...</a:t>
               </a:r>
-              <a:endParaRPr lang="en-US" altLang="zh-CN" b="1">
-                <a:latin typeface="微软雅黑" panose="020B0503020204020204" charset="-122"/>
-                <a:ea typeface="微软雅黑" panose="020B0503020204020204" charset="-122"/>
-              </a:endParaRPr>
             </a:p>
           </p:txBody>
         </p:sp>
@@ -21354,7 +21056,7 @@
           <p:nvPr/>
         </p:nvPicPr>
         <p:blipFill>
-          <a:blip r:embed="rId1"/>
+          <a:blip r:embed="rId2"/>
           <a:srcRect l="80518"/>
           <a:stretch>
             <a:fillRect/>
@@ -21413,13 +21115,6 @@
               </a:rPr>
               <a:t>空间金字塔池化</a:t>
             </a:r>
-            <a:endParaRPr lang="zh-CN" altLang="en-US" sz="1400" b="1">
-              <a:solidFill>
-                <a:srgbClr val="0070C0"/>
-              </a:solidFill>
-              <a:latin typeface="微软雅黑" panose="020B0503020204020204" charset="-122"/>
-              <a:ea typeface="微软雅黑" panose="020B0503020204020204" charset="-122"/>
-            </a:endParaRPr>
           </a:p>
         </p:txBody>
       </p:sp>
@@ -21453,10 +21148,6 @@
               </a:rPr>
               <a:t>固定</a:t>
             </a:r>
-            <a:endParaRPr lang="zh-CN" altLang="en-US" sz="1400">
-              <a:latin typeface="微软雅黑" panose="020B0503020204020204" charset="-122"/>
-              <a:ea typeface="微软雅黑" panose="020B0503020204020204" charset="-122"/>
-            </a:endParaRPr>
           </a:p>
           <a:p>
             <a:pPr algn="ctr"/>
@@ -21467,10 +21158,6 @@
               </a:rPr>
               <a:t>长度</a:t>
             </a:r>
-            <a:endParaRPr lang="zh-CN" altLang="en-US" sz="1400">
-              <a:latin typeface="微软雅黑" panose="020B0503020204020204" charset="-122"/>
-              <a:ea typeface="微软雅黑" panose="020B0503020204020204" charset="-122"/>
-            </a:endParaRPr>
           </a:p>
         </p:txBody>
       </p:sp>
@@ -21507,13 +21194,6 @@
               </a:rPr>
               <a:t>Max Pooling @ 256 depth </a:t>
             </a:r>
-            <a:endParaRPr lang="en-US" altLang="zh-CN" sz="1400">
-              <a:solidFill>
-                <a:srgbClr val="C00000"/>
-              </a:solidFill>
-              <a:latin typeface="微软雅黑" panose="020B0503020204020204" charset="-122"/>
-              <a:ea typeface="微软雅黑" panose="020B0503020204020204" charset="-122"/>
-            </a:endParaRPr>
           </a:p>
         </p:txBody>
       </p:sp>
@@ -21570,13 +21250,6 @@
               </a:rPr>
               <a:t>4</a:t>
             </a:r>
-            <a:endParaRPr lang="en-US" sz="1200">
-              <a:solidFill>
-                <a:srgbClr val="C00000"/>
-              </a:solidFill>
-              <a:latin typeface="微软雅黑" panose="020B0503020204020204" charset="-122"/>
-              <a:ea typeface="微软雅黑" panose="020B0503020204020204" charset="-122"/>
-            </a:endParaRPr>
           </a:p>
         </p:txBody>
       </p:sp>
@@ -21634,13 +21307,6 @@
               </a:rPr>
               <a:t>6</a:t>
             </a:r>
-            <a:endParaRPr lang="en-US" sz="1200">
-              <a:solidFill>
-                <a:srgbClr val="C00000"/>
-              </a:solidFill>
-              <a:latin typeface="微软雅黑" panose="020B0503020204020204" charset="-122"/>
-              <a:ea typeface="微软雅黑" panose="020B0503020204020204" charset="-122"/>
-            </a:endParaRPr>
           </a:p>
         </p:txBody>
       </p:sp>
@@ -21698,13 +21364,6 @@
               </a:rPr>
               <a:t>13</a:t>
             </a:r>
-            <a:endParaRPr lang="en-US" sz="1200">
-              <a:solidFill>
-                <a:srgbClr val="C00000"/>
-              </a:solidFill>
-              <a:latin typeface="微软雅黑" panose="020B0503020204020204" charset="-122"/>
-              <a:ea typeface="微软雅黑" panose="020B0503020204020204" charset="-122"/>
-            </a:endParaRPr>
           </a:p>
         </p:txBody>
       </p:sp>
@@ -21876,13 +21535,6 @@
               </a:rPr>
               <a:t>将输入图片的区域小图 映射到</a:t>
             </a:r>
-            <a:endParaRPr lang="zh-CN" altLang="en-US" sz="1400">
-              <a:solidFill>
-                <a:srgbClr val="00B0F0"/>
-              </a:solidFill>
-              <a:latin typeface="微软雅黑" panose="020B0503020204020204" charset="-122"/>
-              <a:ea typeface="微软雅黑" panose="020B0503020204020204" charset="-122"/>
-            </a:endParaRPr>
           </a:p>
           <a:p>
             <a:pPr algn="l">
@@ -21910,13 +21562,6 @@
               </a:rPr>
               <a:t>的特征图对应的区域小图上</a:t>
             </a:r>
-            <a:endParaRPr lang="zh-CN" altLang="en-US" sz="1400">
-              <a:solidFill>
-                <a:srgbClr val="00B0F0"/>
-              </a:solidFill>
-              <a:latin typeface="微软雅黑" panose="020B0503020204020204" charset="-122"/>
-              <a:ea typeface="微软雅黑" panose="020B0503020204020204" charset="-122"/>
-            </a:endParaRPr>
           </a:p>
           <a:p>
             <a:pPr algn="l">
@@ -21963,16 +21608,6 @@
               </a:rPr>
               <a:t>右下 对应 特征图窗口的像素点</a:t>
             </a:r>
-            <a:endParaRPr lang="zh-CN" altLang="en-US" sz="1400">
-              <a:solidFill>
-                <a:schemeClr val="tx1">
-                  <a:lumMod val="50000"/>
-                  <a:lumOff val="50000"/>
-                </a:schemeClr>
-              </a:solidFill>
-              <a:latin typeface="微软雅黑" panose="020B0503020204020204" charset="-122"/>
-              <a:ea typeface="微软雅黑" panose="020B0503020204020204" charset="-122"/>
-            </a:endParaRPr>
           </a:p>
           <a:p>
             <a:pPr algn="l">
@@ -22003,13 +21638,6 @@
               </a:rPr>
               <a:t> </a:t>
             </a:r>
-            <a:endParaRPr lang="en-US" altLang="zh-CN" sz="1400">
-              <a:solidFill>
-                <a:srgbClr val="00B0F0"/>
-              </a:solidFill>
-              <a:latin typeface="微软雅黑" panose="020B0503020204020204" charset="-122"/>
-              <a:ea typeface="微软雅黑" panose="020B0503020204020204" charset="-122"/>
-            </a:endParaRPr>
           </a:p>
         </p:txBody>
       </p:sp>
@@ -22046,13 +21674,6 @@
               </a:rPr>
               <a:t>conv_5 </a:t>
             </a:r>
-            <a:endParaRPr lang="en-US" altLang="zh-CN" sz="1400">
-              <a:solidFill>
-                <a:srgbClr val="00B0F0"/>
-              </a:solidFill>
-              <a:latin typeface="微软雅黑" panose="020B0503020204020204" charset="-122"/>
-              <a:ea typeface="微软雅黑" panose="020B0503020204020204" charset="-122"/>
-            </a:endParaRPr>
           </a:p>
           <a:p>
             <a:pPr algn="ctr"/>
@@ -22066,13 +21687,6 @@
               </a:rPr>
               <a:t>特征图</a:t>
             </a:r>
-            <a:endParaRPr lang="zh-CN" altLang="en-US" sz="1400">
-              <a:solidFill>
-                <a:srgbClr val="00B0F0"/>
-              </a:solidFill>
-              <a:latin typeface="微软雅黑" panose="020B0503020204020204" charset="-122"/>
-              <a:ea typeface="微软雅黑" panose="020B0503020204020204" charset="-122"/>
-            </a:endParaRPr>
           </a:p>
           <a:p>
             <a:pPr algn="ctr"/>
@@ -22096,13 +21710,6 @@
               </a:rPr>
               <a:t>SPP </a:t>
             </a:r>
-            <a:endParaRPr lang="en-US" altLang="zh-CN" sz="1400">
-              <a:solidFill>
-                <a:srgbClr val="00B0F0"/>
-              </a:solidFill>
-              <a:latin typeface="微软雅黑" panose="020B0503020204020204" charset="-122"/>
-              <a:ea typeface="微软雅黑" panose="020B0503020204020204" charset="-122"/>
-            </a:endParaRPr>
           </a:p>
         </p:txBody>
       </p:sp>
@@ -22149,10 +21756,6 @@
               </a:rPr>
               <a:t>SVM</a:t>
             </a:r>
-            <a:endParaRPr lang="en-US" altLang="zh-CN" sz="1400" b="1">
-              <a:latin typeface="微软雅黑" panose="020B0503020204020204" charset="-122"/>
-              <a:ea typeface="微软雅黑" panose="020B0503020204020204" charset="-122"/>
-            </a:endParaRPr>
           </a:p>
         </p:txBody>
       </p:sp>
@@ -22210,10 +21813,6 @@
               </a:rPr>
               <a:t>Fast-RCNN</a:t>
             </a:r>
-            <a:endParaRPr lang="en-US" altLang="zh-CN" sz="2800" b="1">
-              <a:latin typeface="微软雅黑" panose="020B0503020204020204" charset="-122"/>
-              <a:ea typeface="微软雅黑" panose="020B0503020204020204" charset="-122"/>
-            </a:endParaRPr>
           </a:p>
         </p:txBody>
       </p:sp>
@@ -22257,16 +21856,6 @@
               </a:rPr>
               <a:t>ROI pooling </a:t>
             </a:r>
-            <a:endParaRPr lang="en-US" altLang="zh-CN" sz="1400" b="1">
-              <a:solidFill>
-                <a:schemeClr val="tx1">
-                  <a:lumMod val="50000"/>
-                  <a:lumOff val="50000"/>
-                </a:schemeClr>
-              </a:solidFill>
-              <a:latin typeface="微软雅黑" panose="020B0503020204020204" charset="-122"/>
-              <a:ea typeface="微软雅黑" panose="020B0503020204020204" charset="-122"/>
-            </a:endParaRPr>
           </a:p>
           <a:p>
             <a:pPr algn="ctr">
@@ -22313,16 +21902,6 @@
               </a:rPr>
               <a:t>的一个特例</a:t>
             </a:r>
-            <a:endParaRPr lang="zh-CN" altLang="en-US" sz="1400" b="1">
-              <a:solidFill>
-                <a:schemeClr val="tx1">
-                  <a:lumMod val="50000"/>
-                  <a:lumOff val="50000"/>
-                </a:schemeClr>
-              </a:solidFill>
-              <a:latin typeface="微软雅黑" panose="020B0503020204020204" charset="-122"/>
-              <a:ea typeface="微软雅黑" panose="020B0503020204020204" charset="-122"/>
-            </a:endParaRPr>
           </a:p>
         </p:txBody>
       </p:sp>
@@ -22369,13 +21948,6 @@
               </a:rPr>
               <a:t>特征图</a:t>
             </a:r>
-            <a:endParaRPr lang="zh-CN" altLang="en-US" sz="1400" b="1">
-              <a:solidFill>
-                <a:srgbClr val="0070C0"/>
-              </a:solidFill>
-              <a:latin typeface="微软雅黑" panose="020B0503020204020204" charset="-122"/>
-              <a:ea typeface="微软雅黑" panose="020B0503020204020204" charset="-122"/>
-            </a:endParaRPr>
           </a:p>
         </p:txBody>
       </p:sp>
@@ -22422,13 +21994,6 @@
               </a:rPr>
               <a:t>pooling layer</a:t>
             </a:r>
-            <a:endParaRPr lang="en-US" altLang="zh-CN" sz="1400" b="1">
-              <a:solidFill>
-                <a:srgbClr val="0070C0"/>
-              </a:solidFill>
-              <a:latin typeface="微软雅黑" panose="020B0503020204020204" charset="-122"/>
-              <a:ea typeface="微软雅黑" panose="020B0503020204020204" charset="-122"/>
-            </a:endParaRPr>
           </a:p>
         </p:txBody>
       </p:sp>
@@ -22516,13 +22081,6 @@
               </a:rPr>
               <a:t>池化层</a:t>
             </a:r>
-            <a:endParaRPr lang="zh-CN" altLang="en-US" sz="1400" b="1">
-              <a:solidFill>
-                <a:srgbClr val="0070C0"/>
-              </a:solidFill>
-              <a:latin typeface="微软雅黑" panose="020B0503020204020204" charset="-122"/>
-              <a:ea typeface="微软雅黑" panose="020B0503020204020204" charset="-122"/>
-            </a:endParaRPr>
           </a:p>
         </p:txBody>
       </p:sp>
@@ -22582,7 +22140,7 @@
 </file>
 
 <file path=ppt/tags/tag1.xml><?xml version="1.0" encoding="utf-8"?>
-<p:tagLst xmlns:p="http://schemas.openxmlformats.org/presentationml/2006/main">
+<p:tagLst xmlns:a="http://schemas.openxmlformats.org/drawingml/2006/main" xmlns:r="http://schemas.openxmlformats.org/officeDocument/2006/relationships" xmlns:p="http://schemas.openxmlformats.org/presentationml/2006/main">
   <p:tag name="KSO_WM_SLIDE_MODEL_TYPE" val="cover"/>
 </p:tagLst>
 </file>
@@ -22838,6 +22396,8 @@
       </a:bgFillStyleLst>
     </a:fmtScheme>
   </a:themeElements>
+  <a:objectDefaults/>
+  <a:extraClrSchemeLst/>
   <a:extLst>
     <a:ext uri="{05A4C25C-085E-4340-85A3-A5531E510DB2}">
       <thm15:themeFamily xmlns:thm15="http://schemas.microsoft.com/office/thememl/2012/main" name="Office Theme" id="{62F939B6-93AF-4DB8-9C6B-D6C7DFDC589F}" vid="{4A3C46E8-61CC-4603-A589-7422A47A8E4A}"/>
@@ -23097,6 +22657,8 @@
       </a:bgFillStyleLst>
     </a:fmtScheme>
   </a:themeElements>
+  <a:objectDefaults/>
+  <a:extraClrSchemeLst/>
   <a:extLst>
     <a:ext uri="{05A4C25C-085E-4340-85A3-A5531E510DB2}">
       <thm15:themeFamily xmlns:thm15="http://schemas.microsoft.com/office/thememl/2012/main" name="Office Theme" id="{62F939B6-93AF-4DB8-9C6B-D6C7DFDC589F}" vid="{4A3C46E8-61CC-4603-A589-7422A47A8E4A}"/>

--- a/GAN_Understanding/GANunderstanding.pptx
+++ b/GAN_Understanding/GANunderstanding.pptx
@@ -5,28 +5,28 @@
     <p:sldMasterId id="2147483648" r:id="rId1"/>
   </p:sldMasterIdLst>
   <p:notesMasterIdLst>
-    <p:notesMasterId r:id="rId18"/>
+    <p:notesMasterId r:id="rId9"/>
   </p:notesMasterIdLst>
   <p:sldIdLst>
-    <p:sldId id="267" r:id="rId2"/>
-    <p:sldId id="266" r:id="rId3"/>
-    <p:sldId id="279" r:id="rId4"/>
-    <p:sldId id="257" r:id="rId5"/>
-    <p:sldId id="280" r:id="rId6"/>
-    <p:sldId id="259" r:id="rId7"/>
-    <p:sldId id="258" r:id="rId8"/>
-    <p:sldId id="261" r:id="rId9"/>
-    <p:sldId id="260" r:id="rId10"/>
-    <p:sldId id="263" r:id="rId11"/>
-    <p:sldId id="264" r:id="rId12"/>
-    <p:sldId id="265" r:id="rId13"/>
-    <p:sldId id="288" r:id="rId14"/>
-    <p:sldId id="289" r:id="rId15"/>
-    <p:sldId id="290" r:id="rId16"/>
-    <p:sldId id="292" r:id="rId17"/>
+    <p:sldId id="267" r:id="rId3"/>
+    <p:sldId id="266" r:id="rId4"/>
+    <p:sldId id="279" r:id="rId5"/>
+    <p:sldId id="257" r:id="rId6"/>
+    <p:sldId id="280" r:id="rId7"/>
+    <p:sldId id="259" r:id="rId8"/>
+    <p:sldId id="258" r:id="rId10"/>
+    <p:sldId id="261" r:id="rId11"/>
+    <p:sldId id="260" r:id="rId12"/>
+    <p:sldId id="263" r:id="rId13"/>
+    <p:sldId id="264" r:id="rId14"/>
+    <p:sldId id="265" r:id="rId15"/>
+    <p:sldId id="288" r:id="rId16"/>
+    <p:sldId id="289" r:id="rId17"/>
+    <p:sldId id="290" r:id="rId18"/>
+    <p:sldId id="292" r:id="rId19"/>
   </p:sldIdLst>
   <p:sldSz cx="12192000" cy="6858000"/>
-  <p:notesSz cx="10234613" cy="7104063"/>
+  <p:notesSz cx="10234295" cy="7103745"/>
   <p:defaultTextStyle>
     <a:defPPr>
       <a:defRPr lang="zh-CN"/>
@@ -122,22 +122,6 @@
       </a:defRPr>
     </a:lvl9pPr>
   </p:defaultTextStyle>
-  <p:extLst>
-    <p:ext uri="{EFAFB233-063F-42B5-8137-9DF3F51BA10A}">
-      <p15:sldGuideLst xmlns:p15="http://schemas.microsoft.com/office/powerpoint/2012/main">
-        <p15:guide id="1" orient="horz" pos="2160">
-          <p15:clr>
-            <a:srgbClr val="A4A3A4"/>
-          </p15:clr>
-        </p15:guide>
-        <p15:guide id="2" pos="3840">
-          <p15:clr>
-            <a:srgbClr val="A4A3A4"/>
-          </p15:clr>
-        </p15:guide>
-      </p15:sldGuideLst>
-    </p:ext>
-  </p:extLst>
 </p:presentation>
 </file>
 
@@ -223,7 +207,6 @@
           <a:p>
             <a:fld id="{D2A48B96-639E-45A3-A0BA-2464DFDB1FAA}" type="datetimeFigureOut">
               <a:rPr lang="zh-CN" altLang="en-US" smtClean="0"/>
-              <a:t>2020/6/19</a:t>
             </a:fld>
             <a:endParaRPr lang="zh-CN" altLang="en-US"/>
           </a:p>
@@ -290,6 +273,7 @@
               <a:rPr lang="zh-CN" altLang="en-US"/>
               <a:t>单击此处编辑母版文本样式</a:t>
             </a:r>
+            <a:endParaRPr lang="zh-CN" altLang="en-US"/>
           </a:p>
           <a:p>
             <a:pPr lvl="1"/>
@@ -297,6 +281,7 @@
               <a:rPr lang="zh-CN" altLang="en-US"/>
               <a:t>第二级</a:t>
             </a:r>
+            <a:endParaRPr lang="zh-CN" altLang="en-US"/>
           </a:p>
           <a:p>
             <a:pPr lvl="2"/>
@@ -304,6 +289,7 @@
               <a:rPr lang="zh-CN" altLang="en-US"/>
               <a:t>第三级</a:t>
             </a:r>
+            <a:endParaRPr lang="zh-CN" altLang="en-US"/>
           </a:p>
           <a:p>
             <a:pPr lvl="3"/>
@@ -311,6 +297,7 @@
               <a:rPr lang="zh-CN" altLang="en-US"/>
               <a:t>第四级</a:t>
             </a:r>
+            <a:endParaRPr lang="zh-CN" altLang="en-US"/>
           </a:p>
           <a:p>
             <a:pPr lvl="4"/>
@@ -318,6 +305,7 @@
               <a:rPr lang="zh-CN" altLang="en-US"/>
               <a:t>第五级</a:t>
             </a:r>
+            <a:endParaRPr lang="zh-CN" altLang="en-US"/>
           </a:p>
         </p:txBody>
       </p:sp>
@@ -381,7 +369,6 @@
           <a:p>
             <a:fld id="{A6837353-30EB-4A48-80EB-173D804AEFBD}" type="slidenum">
               <a:rPr lang="zh-CN" altLang="en-US" smtClean="0"/>
-              <a:t>‹#›</a:t>
             </a:fld>
             <a:endParaRPr lang="zh-CN" altLang="en-US"/>
           </a:p>
@@ -647,6 +634,7 @@
               <a:rPr lang="zh-CN" altLang="en-US"/>
               <a:t>单击此处编辑母版标题样式</a:t>
             </a:r>
+            <a:endParaRPr lang="zh-CN" altLang="en-US"/>
           </a:p>
         </p:txBody>
       </p:sp>
@@ -711,6 +699,7 @@
               <a:rPr lang="zh-CN" altLang="en-US"/>
               <a:t>单击此处编辑母版副标题样式</a:t>
             </a:r>
+            <a:endParaRPr lang="zh-CN" altLang="en-US"/>
           </a:p>
         </p:txBody>
       </p:sp>
@@ -731,7 +720,6 @@
           <a:p>
             <a:fld id="{82F288E0-7875-42C4-84C8-98DBBD3BF4D2}" type="datetimeFigureOut">
               <a:rPr lang="zh-CN" altLang="en-US" smtClean="0"/>
-              <a:t>2020/6/19</a:t>
             </a:fld>
             <a:endParaRPr lang="zh-CN" altLang="en-US"/>
           </a:p>
@@ -773,7 +761,6 @@
           <a:p>
             <a:fld id="{7D9BB5D0-35E4-459D-AEF3-FE4D7C45CC19}" type="slidenum">
               <a:rPr lang="zh-CN" altLang="en-US" smtClean="0"/>
-              <a:t>‹#›</a:t>
             </a:fld>
             <a:endParaRPr lang="zh-CN" altLang="en-US"/>
           </a:p>
@@ -829,6 +816,7 @@
               <a:rPr lang="zh-CN" altLang="en-US"/>
               <a:t>单击此处编辑母版文本样式</a:t>
             </a:r>
+            <a:endParaRPr lang="zh-CN" altLang="en-US"/>
           </a:p>
           <a:p>
             <a:pPr lvl="1"/>
@@ -836,6 +824,7 @@
               <a:rPr lang="zh-CN" altLang="en-US"/>
               <a:t>第二级</a:t>
             </a:r>
+            <a:endParaRPr lang="zh-CN" altLang="en-US"/>
           </a:p>
           <a:p>
             <a:pPr lvl="2"/>
@@ -843,6 +832,7 @@
               <a:rPr lang="zh-CN" altLang="en-US"/>
               <a:t>第三级</a:t>
             </a:r>
+            <a:endParaRPr lang="zh-CN" altLang="en-US"/>
           </a:p>
           <a:p>
             <a:pPr lvl="3"/>
@@ -850,6 +840,7 @@
               <a:rPr lang="zh-CN" altLang="en-US"/>
               <a:t>第四级</a:t>
             </a:r>
+            <a:endParaRPr lang="zh-CN" altLang="en-US"/>
           </a:p>
           <a:p>
             <a:pPr lvl="4"/>
@@ -857,6 +848,7 @@
               <a:rPr lang="zh-CN" altLang="en-US"/>
               <a:t>第五级</a:t>
             </a:r>
+            <a:endParaRPr lang="zh-CN" altLang="en-US"/>
           </a:p>
         </p:txBody>
       </p:sp>
@@ -877,7 +869,6 @@
           <a:p>
             <a:fld id="{82F288E0-7875-42C4-84C8-98DBBD3BF4D2}" type="datetimeFigureOut">
               <a:rPr lang="zh-CN" altLang="en-US" smtClean="0"/>
-              <a:t>2020/6/19</a:t>
             </a:fld>
             <a:endParaRPr lang="zh-CN" altLang="en-US"/>
           </a:p>
@@ -919,7 +910,6 @@
           <a:p>
             <a:fld id="{7D9BB5D0-35E4-459D-AEF3-FE4D7C45CC19}" type="slidenum">
               <a:rPr lang="zh-CN" altLang="en-US" smtClean="0"/>
-              <a:t>‹#›</a:t>
             </a:fld>
             <a:endParaRPr lang="zh-CN" altLang="en-US"/>
           </a:p>
@@ -969,6 +959,7 @@
               <a:rPr lang="zh-CN" altLang="en-US"/>
               <a:t>单击此处编辑母版标题样式</a:t>
             </a:r>
+            <a:endParaRPr lang="zh-CN" altLang="en-US"/>
           </a:p>
         </p:txBody>
       </p:sp>
@@ -992,6 +983,7 @@
               <a:rPr lang="zh-CN" altLang="en-US"/>
               <a:t>单击此处编辑母版文本样式</a:t>
             </a:r>
+            <a:endParaRPr lang="zh-CN" altLang="en-US"/>
           </a:p>
           <a:p>
             <a:pPr lvl="1"/>
@@ -999,6 +991,7 @@
               <a:rPr lang="zh-CN" altLang="en-US"/>
               <a:t>第二级</a:t>
             </a:r>
+            <a:endParaRPr lang="zh-CN" altLang="en-US"/>
           </a:p>
           <a:p>
             <a:pPr lvl="2"/>
@@ -1006,6 +999,7 @@
               <a:rPr lang="zh-CN" altLang="en-US"/>
               <a:t>第三级</a:t>
             </a:r>
+            <a:endParaRPr lang="zh-CN" altLang="en-US"/>
           </a:p>
           <a:p>
             <a:pPr lvl="3"/>
@@ -1013,6 +1007,7 @@
               <a:rPr lang="zh-CN" altLang="en-US"/>
               <a:t>第四级</a:t>
             </a:r>
+            <a:endParaRPr lang="zh-CN" altLang="en-US"/>
           </a:p>
           <a:p>
             <a:pPr lvl="4"/>
@@ -1020,6 +1015,7 @@
               <a:rPr lang="zh-CN" altLang="en-US"/>
               <a:t>第五级</a:t>
             </a:r>
+            <a:endParaRPr lang="zh-CN" altLang="en-US"/>
           </a:p>
         </p:txBody>
       </p:sp>
@@ -1040,7 +1036,6 @@
           <a:p>
             <a:fld id="{82F288E0-7875-42C4-84C8-98DBBD3BF4D2}" type="datetimeFigureOut">
               <a:rPr lang="zh-CN" altLang="en-US" smtClean="0"/>
-              <a:t>2020/6/19</a:t>
             </a:fld>
             <a:endParaRPr lang="zh-CN" altLang="en-US"/>
           </a:p>
@@ -1082,7 +1077,6 @@
           <a:p>
             <a:fld id="{7D9BB5D0-35E4-459D-AEF3-FE4D7C45CC19}" type="slidenum">
               <a:rPr lang="zh-CN" altLang="en-US" smtClean="0"/>
-              <a:t>‹#›</a:t>
             </a:fld>
             <a:endParaRPr lang="zh-CN" altLang="en-US"/>
           </a:p>
@@ -1141,6 +1135,7 @@
               <a:rPr lang="zh-CN" altLang="en-US"/>
               <a:t>单击此处编辑母版标题样式</a:t>
             </a:r>
+            <a:endParaRPr lang="zh-CN" altLang="en-US"/>
           </a:p>
         </p:txBody>
       </p:sp>
@@ -1260,6 +1255,7 @@
               <a:rPr lang="zh-CN" altLang="en-US"/>
               <a:t>单击此处编辑母版文本样式</a:t>
             </a:r>
+            <a:endParaRPr lang="zh-CN" altLang="en-US"/>
           </a:p>
         </p:txBody>
       </p:sp>
@@ -1280,7 +1276,6 @@
           <a:p>
             <a:fld id="{82F288E0-7875-42C4-84C8-98DBBD3BF4D2}" type="datetimeFigureOut">
               <a:rPr lang="zh-CN" altLang="en-US" smtClean="0"/>
-              <a:t>2020/6/19</a:t>
             </a:fld>
             <a:endParaRPr lang="zh-CN" altLang="en-US"/>
           </a:p>
@@ -1322,7 +1317,6 @@
           <a:p>
             <a:fld id="{7D9BB5D0-35E4-459D-AEF3-FE4D7C45CC19}" type="slidenum">
               <a:rPr lang="zh-CN" altLang="en-US" smtClean="0"/>
-              <a:t>‹#›</a:t>
             </a:fld>
             <a:endParaRPr lang="zh-CN" altLang="en-US"/>
           </a:p>
@@ -1372,6 +1366,7 @@
               <a:rPr lang="zh-CN" altLang="en-US"/>
               <a:t>单击此处编辑母版标题样式</a:t>
             </a:r>
+            <a:endParaRPr lang="zh-CN" altLang="en-US"/>
           </a:p>
         </p:txBody>
       </p:sp>
@@ -1400,6 +1395,7 @@
               <a:rPr lang="zh-CN" altLang="en-US"/>
               <a:t>单击此处编辑母版文本样式</a:t>
             </a:r>
+            <a:endParaRPr lang="zh-CN" altLang="en-US"/>
           </a:p>
           <a:p>
             <a:pPr lvl="1"/>
@@ -1407,6 +1403,7 @@
               <a:rPr lang="zh-CN" altLang="en-US"/>
               <a:t>第二级</a:t>
             </a:r>
+            <a:endParaRPr lang="zh-CN" altLang="en-US"/>
           </a:p>
           <a:p>
             <a:pPr lvl="2"/>
@@ -1414,6 +1411,7 @@
               <a:rPr lang="zh-CN" altLang="en-US"/>
               <a:t>第三级</a:t>
             </a:r>
+            <a:endParaRPr lang="zh-CN" altLang="en-US"/>
           </a:p>
           <a:p>
             <a:pPr lvl="3"/>
@@ -1421,6 +1419,7 @@
               <a:rPr lang="zh-CN" altLang="en-US"/>
               <a:t>第四级</a:t>
             </a:r>
+            <a:endParaRPr lang="zh-CN" altLang="en-US"/>
           </a:p>
           <a:p>
             <a:pPr lvl="4"/>
@@ -1428,6 +1427,7 @@
               <a:rPr lang="zh-CN" altLang="en-US"/>
               <a:t>第五级</a:t>
             </a:r>
+            <a:endParaRPr lang="zh-CN" altLang="en-US"/>
           </a:p>
         </p:txBody>
       </p:sp>
@@ -1456,6 +1456,7 @@
               <a:rPr lang="zh-CN" altLang="en-US"/>
               <a:t>单击此处编辑母版文本样式</a:t>
             </a:r>
+            <a:endParaRPr lang="zh-CN" altLang="en-US"/>
           </a:p>
           <a:p>
             <a:pPr lvl="1"/>
@@ -1463,6 +1464,7 @@
               <a:rPr lang="zh-CN" altLang="en-US"/>
               <a:t>第二级</a:t>
             </a:r>
+            <a:endParaRPr lang="zh-CN" altLang="en-US"/>
           </a:p>
           <a:p>
             <a:pPr lvl="2"/>
@@ -1470,6 +1472,7 @@
               <a:rPr lang="zh-CN" altLang="en-US"/>
               <a:t>第三级</a:t>
             </a:r>
+            <a:endParaRPr lang="zh-CN" altLang="en-US"/>
           </a:p>
           <a:p>
             <a:pPr lvl="3"/>
@@ -1477,6 +1480,7 @@
               <a:rPr lang="zh-CN" altLang="en-US"/>
               <a:t>第四级</a:t>
             </a:r>
+            <a:endParaRPr lang="zh-CN" altLang="en-US"/>
           </a:p>
           <a:p>
             <a:pPr lvl="4"/>
@@ -1484,6 +1488,7 @@
               <a:rPr lang="zh-CN" altLang="en-US"/>
               <a:t>第五级</a:t>
             </a:r>
+            <a:endParaRPr lang="zh-CN" altLang="en-US"/>
           </a:p>
         </p:txBody>
       </p:sp>
@@ -1504,7 +1509,6 @@
           <a:p>
             <a:fld id="{82F288E0-7875-42C4-84C8-98DBBD3BF4D2}" type="datetimeFigureOut">
               <a:rPr lang="zh-CN" altLang="en-US" smtClean="0"/>
-              <a:t>2020/6/19</a:t>
             </a:fld>
             <a:endParaRPr lang="zh-CN" altLang="en-US"/>
           </a:p>
@@ -1546,7 +1550,6 @@
           <a:p>
             <a:fld id="{7D9BB5D0-35E4-459D-AEF3-FE4D7C45CC19}" type="slidenum">
               <a:rPr lang="zh-CN" altLang="en-US" smtClean="0"/>
-              <a:t>‹#›</a:t>
             </a:fld>
             <a:endParaRPr lang="zh-CN" altLang="en-US"/>
           </a:p>
@@ -1601,6 +1604,7 @@
               <a:rPr lang="zh-CN" altLang="en-US"/>
               <a:t>单击此处编辑母版标题样式</a:t>
             </a:r>
+            <a:endParaRPr lang="zh-CN" altLang="en-US"/>
           </a:p>
         </p:txBody>
       </p:sp>
@@ -1666,6 +1670,7 @@
               <a:rPr lang="zh-CN" altLang="en-US"/>
               <a:t>单击此处编辑母版文本样式</a:t>
             </a:r>
+            <a:endParaRPr lang="zh-CN" altLang="en-US"/>
           </a:p>
         </p:txBody>
       </p:sp>
@@ -1694,6 +1699,7 @@
               <a:rPr lang="zh-CN" altLang="en-US"/>
               <a:t>单击此处编辑母版文本样式</a:t>
             </a:r>
+            <a:endParaRPr lang="zh-CN" altLang="en-US"/>
           </a:p>
           <a:p>
             <a:pPr lvl="1"/>
@@ -1701,6 +1707,7 @@
               <a:rPr lang="zh-CN" altLang="en-US"/>
               <a:t>第二级</a:t>
             </a:r>
+            <a:endParaRPr lang="zh-CN" altLang="en-US"/>
           </a:p>
           <a:p>
             <a:pPr lvl="2"/>
@@ -1708,6 +1715,7 @@
               <a:rPr lang="zh-CN" altLang="en-US"/>
               <a:t>第三级</a:t>
             </a:r>
+            <a:endParaRPr lang="zh-CN" altLang="en-US"/>
           </a:p>
           <a:p>
             <a:pPr lvl="3"/>
@@ -1715,6 +1723,7 @@
               <a:rPr lang="zh-CN" altLang="en-US"/>
               <a:t>第四级</a:t>
             </a:r>
+            <a:endParaRPr lang="zh-CN" altLang="en-US"/>
           </a:p>
           <a:p>
             <a:pPr lvl="4"/>
@@ -1722,6 +1731,7 @@
               <a:rPr lang="zh-CN" altLang="en-US"/>
               <a:t>第五级</a:t>
             </a:r>
+            <a:endParaRPr lang="zh-CN" altLang="en-US"/>
           </a:p>
         </p:txBody>
       </p:sp>
@@ -1787,6 +1797,7 @@
               <a:rPr lang="zh-CN" altLang="en-US"/>
               <a:t>单击此处编辑母版文本样式</a:t>
             </a:r>
+            <a:endParaRPr lang="zh-CN" altLang="en-US"/>
           </a:p>
         </p:txBody>
       </p:sp>
@@ -1815,6 +1826,7 @@
               <a:rPr lang="zh-CN" altLang="en-US"/>
               <a:t>单击此处编辑母版文本样式</a:t>
             </a:r>
+            <a:endParaRPr lang="zh-CN" altLang="en-US"/>
           </a:p>
           <a:p>
             <a:pPr lvl="1"/>
@@ -1822,6 +1834,7 @@
               <a:rPr lang="zh-CN" altLang="en-US"/>
               <a:t>第二级</a:t>
             </a:r>
+            <a:endParaRPr lang="zh-CN" altLang="en-US"/>
           </a:p>
           <a:p>
             <a:pPr lvl="2"/>
@@ -1829,6 +1842,7 @@
               <a:rPr lang="zh-CN" altLang="en-US"/>
               <a:t>第三级</a:t>
             </a:r>
+            <a:endParaRPr lang="zh-CN" altLang="en-US"/>
           </a:p>
           <a:p>
             <a:pPr lvl="3"/>
@@ -1836,6 +1850,7 @@
               <a:rPr lang="zh-CN" altLang="en-US"/>
               <a:t>第四级</a:t>
             </a:r>
+            <a:endParaRPr lang="zh-CN" altLang="en-US"/>
           </a:p>
           <a:p>
             <a:pPr lvl="4"/>
@@ -1843,6 +1858,7 @@
               <a:rPr lang="zh-CN" altLang="en-US"/>
               <a:t>第五级</a:t>
             </a:r>
+            <a:endParaRPr lang="zh-CN" altLang="en-US"/>
           </a:p>
         </p:txBody>
       </p:sp>
@@ -1863,7 +1879,6 @@
           <a:p>
             <a:fld id="{82F288E0-7875-42C4-84C8-98DBBD3BF4D2}" type="datetimeFigureOut">
               <a:rPr lang="zh-CN" altLang="en-US" smtClean="0"/>
-              <a:t>2020/6/19</a:t>
             </a:fld>
             <a:endParaRPr lang="zh-CN" altLang="en-US"/>
           </a:p>
@@ -1905,7 +1920,6 @@
           <a:p>
             <a:fld id="{7D9BB5D0-35E4-459D-AEF3-FE4D7C45CC19}" type="slidenum">
               <a:rPr lang="zh-CN" altLang="en-US" smtClean="0"/>
-              <a:t>‹#›</a:t>
             </a:fld>
             <a:endParaRPr lang="zh-CN" altLang="en-US"/>
           </a:p>
@@ -1955,6 +1969,7 @@
               <a:rPr lang="zh-CN" altLang="en-US"/>
               <a:t>单击此处编辑母版标题样式</a:t>
             </a:r>
+            <a:endParaRPr lang="zh-CN" altLang="en-US"/>
           </a:p>
         </p:txBody>
       </p:sp>
@@ -1975,7 +1990,6 @@
           <a:p>
             <a:fld id="{82F288E0-7875-42C4-84C8-98DBBD3BF4D2}" type="datetimeFigureOut">
               <a:rPr lang="zh-CN" altLang="en-US" smtClean="0"/>
-              <a:t>2020/6/19</a:t>
             </a:fld>
             <a:endParaRPr lang="zh-CN" altLang="en-US"/>
           </a:p>
@@ -2017,7 +2031,6 @@
           <a:p>
             <a:fld id="{7D9BB5D0-35E4-459D-AEF3-FE4D7C45CC19}" type="slidenum">
               <a:rPr lang="zh-CN" altLang="en-US" smtClean="0"/>
-              <a:t>‹#›</a:t>
             </a:fld>
             <a:endParaRPr lang="zh-CN" altLang="en-US"/>
           </a:p>
@@ -2065,7 +2078,6 @@
           <a:p>
             <a:fld id="{82F288E0-7875-42C4-84C8-98DBBD3BF4D2}" type="datetimeFigureOut">
               <a:rPr lang="zh-CN" altLang="en-US" smtClean="0"/>
-              <a:t>2020/6/19</a:t>
             </a:fld>
             <a:endParaRPr lang="zh-CN" altLang="en-US"/>
           </a:p>
@@ -2107,7 +2119,6 @@
           <a:p>
             <a:fld id="{7D9BB5D0-35E4-459D-AEF3-FE4D7C45CC19}" type="slidenum">
               <a:rPr lang="zh-CN" altLang="en-US" smtClean="0"/>
-              <a:t>‹#›</a:t>
             </a:fld>
             <a:endParaRPr lang="zh-CN" altLang="en-US"/>
           </a:p>
@@ -2166,6 +2177,7 @@
               <a:rPr lang="zh-CN" altLang="en-US"/>
               <a:t>单击此处编辑母版标题样式</a:t>
             </a:r>
+            <a:endParaRPr lang="zh-CN" altLang="en-US"/>
           </a:p>
         </p:txBody>
       </p:sp>
@@ -2292,6 +2304,7 @@
               <a:rPr lang="zh-CN" altLang="en-US"/>
               <a:t>单击此处编辑母版文本样式</a:t>
             </a:r>
+            <a:endParaRPr lang="zh-CN" altLang="en-US"/>
           </a:p>
         </p:txBody>
       </p:sp>
@@ -2312,7 +2325,6 @@
           <a:p>
             <a:fld id="{82F288E0-7875-42C4-84C8-98DBBD3BF4D2}" type="datetimeFigureOut">
               <a:rPr lang="zh-CN" altLang="en-US" smtClean="0"/>
-              <a:t>2020/6/19</a:t>
             </a:fld>
             <a:endParaRPr lang="zh-CN" altLang="en-US"/>
           </a:p>
@@ -2354,7 +2366,6 @@
           <a:p>
             <a:fld id="{7D9BB5D0-35E4-459D-AEF3-FE4D7C45CC19}" type="slidenum">
               <a:rPr lang="zh-CN" altLang="en-US" smtClean="0"/>
-              <a:t>‹#›</a:t>
             </a:fld>
             <a:endParaRPr lang="zh-CN" altLang="en-US"/>
           </a:p>
@@ -2409,6 +2420,7 @@
               <a:rPr lang="zh-CN" altLang="en-US"/>
               <a:t>单击此处编辑母版标题样式</a:t>
             </a:r>
+            <a:endParaRPr lang="zh-CN" altLang="en-US"/>
           </a:p>
         </p:txBody>
       </p:sp>
@@ -2437,6 +2449,7 @@
               <a:rPr lang="zh-CN" altLang="en-US"/>
               <a:t>单击此处编辑母版文本样式</a:t>
             </a:r>
+            <a:endParaRPr lang="zh-CN" altLang="en-US"/>
           </a:p>
           <a:p>
             <a:pPr lvl="1"/>
@@ -2444,6 +2457,7 @@
               <a:rPr lang="zh-CN" altLang="en-US"/>
               <a:t>第二级</a:t>
             </a:r>
+            <a:endParaRPr lang="zh-CN" altLang="en-US"/>
           </a:p>
           <a:p>
             <a:pPr lvl="2"/>
@@ -2451,6 +2465,7 @@
               <a:rPr lang="zh-CN" altLang="en-US"/>
               <a:t>第三级</a:t>
             </a:r>
+            <a:endParaRPr lang="zh-CN" altLang="en-US"/>
           </a:p>
           <a:p>
             <a:pPr lvl="3"/>
@@ -2458,6 +2473,7 @@
               <a:rPr lang="zh-CN" altLang="en-US"/>
               <a:t>第四级</a:t>
             </a:r>
+            <a:endParaRPr lang="zh-CN" altLang="en-US"/>
           </a:p>
           <a:p>
             <a:pPr lvl="4"/>
@@ -2465,6 +2481,7 @@
               <a:rPr lang="zh-CN" altLang="en-US"/>
               <a:t>第五级</a:t>
             </a:r>
+            <a:endParaRPr lang="zh-CN" altLang="en-US"/>
           </a:p>
         </p:txBody>
       </p:sp>
@@ -2485,7 +2502,6 @@
           <a:p>
             <a:fld id="{82F288E0-7875-42C4-84C8-98DBBD3BF4D2}" type="datetimeFigureOut">
               <a:rPr lang="zh-CN" altLang="en-US" smtClean="0"/>
-              <a:t>2020/6/19</a:t>
             </a:fld>
             <a:endParaRPr lang="zh-CN" altLang="en-US"/>
           </a:p>
@@ -2527,7 +2543,6 @@
           <a:p>
             <a:fld id="{7D9BB5D0-35E4-459D-AEF3-FE4D7C45CC19}" type="slidenum">
               <a:rPr lang="zh-CN" altLang="en-US" smtClean="0"/>
-              <a:t>‹#›</a:t>
             </a:fld>
             <a:endParaRPr lang="zh-CN" altLang="en-US"/>
           </a:p>
@@ -2592,6 +2607,7 @@
               <a:rPr lang="zh-CN" altLang="en-US"/>
               <a:t>单击此处编辑母版标题样式</a:t>
             </a:r>
+            <a:endParaRPr lang="zh-CN" altLang="en-US"/>
           </a:p>
         </p:txBody>
       </p:sp>
@@ -2625,6 +2641,7 @@
               <a:rPr lang="zh-CN" altLang="en-US"/>
               <a:t>单击此处编辑母版文本样式</a:t>
             </a:r>
+            <a:endParaRPr lang="zh-CN" altLang="en-US"/>
           </a:p>
           <a:p>
             <a:pPr lvl="1"/>
@@ -2632,6 +2649,7 @@
               <a:rPr lang="zh-CN" altLang="en-US"/>
               <a:t>第二级</a:t>
             </a:r>
+            <a:endParaRPr lang="zh-CN" altLang="en-US"/>
           </a:p>
           <a:p>
             <a:pPr lvl="2"/>
@@ -2639,6 +2657,7 @@
               <a:rPr lang="zh-CN" altLang="en-US"/>
               <a:t>第三级</a:t>
             </a:r>
+            <a:endParaRPr lang="zh-CN" altLang="en-US"/>
           </a:p>
           <a:p>
             <a:pPr lvl="3"/>
@@ -2646,6 +2665,7 @@
               <a:rPr lang="zh-CN" altLang="en-US"/>
               <a:t>第四级</a:t>
             </a:r>
+            <a:endParaRPr lang="zh-CN" altLang="en-US"/>
           </a:p>
           <a:p>
             <a:pPr lvl="4"/>
@@ -2653,6 +2673,7 @@
               <a:rPr lang="zh-CN" altLang="en-US"/>
               <a:t>第五级</a:t>
             </a:r>
+            <a:endParaRPr lang="zh-CN" altLang="en-US"/>
           </a:p>
         </p:txBody>
       </p:sp>
@@ -2691,7 +2712,6 @@
           <a:p>
             <a:fld id="{82F288E0-7875-42C4-84C8-98DBBD3BF4D2}" type="datetimeFigureOut">
               <a:rPr lang="zh-CN" altLang="en-US" smtClean="0"/>
-              <a:t>2020/6/19</a:t>
             </a:fld>
             <a:endParaRPr lang="zh-CN" altLang="en-US"/>
           </a:p>
@@ -2769,7 +2789,6 @@
           <a:p>
             <a:fld id="{7D9BB5D0-35E4-459D-AEF3-FE4D7C45CC19}" type="slidenum">
               <a:rPr lang="zh-CN" altLang="en-US" smtClean="0"/>
-              <a:t>‹#›</a:t>
             </a:fld>
             <a:endParaRPr lang="zh-CN" altLang="en-US"/>
           </a:p>
@@ -3130,6 +3149,10 @@
               </a:rPr>
               <a:t>Understanding</a:t>
             </a:r>
+            <a:endParaRPr lang="en-US" altLang="zh-CN" sz="4000">
+              <a:latin typeface="微软雅黑" panose="020B0503020204020204" charset="-122"/>
+              <a:ea typeface="微软雅黑" panose="020B0503020204020204" charset="-122"/>
+            </a:endParaRPr>
           </a:p>
         </p:txBody>
       </p:sp>
@@ -3178,6 +3201,10 @@
               </a:rPr>
               <a:t>理解生成对抗网络</a:t>
             </a:r>
+            <a:endParaRPr lang="zh-CN" altLang="en-US" sz="3600">
+              <a:latin typeface="微软雅黑" panose="020B0503020204020204" charset="-122"/>
+              <a:ea typeface="微软雅黑" panose="020B0503020204020204" charset="-122"/>
+            </a:endParaRPr>
           </a:p>
         </p:txBody>
       </p:sp>
@@ -3245,6 +3272,10 @@
               </a:rPr>
               <a:t>全卷积网络</a:t>
             </a:r>
+            <a:endParaRPr lang="zh-CN" altLang="en-US" sz="2800" b="1">
+              <a:latin typeface="微软雅黑" panose="020B0503020204020204" charset="-122"/>
+              <a:ea typeface="微软雅黑" panose="020B0503020204020204" charset="-122"/>
+            </a:endParaRPr>
           </a:p>
         </p:txBody>
       </p:sp>
@@ -3454,6 +3485,15 @@
               </a:rPr>
               <a:t>, </a:t>
             </a:r>
+            <a:endParaRPr lang="en-US" altLang="zh-CN" sz="1000">
+              <a:solidFill>
+                <a:schemeClr val="bg1">
+                  <a:lumMod val="65000"/>
+                </a:schemeClr>
+              </a:solidFill>
+              <a:latin typeface="微软雅黑" panose="020B0503020204020204" charset="-122"/>
+              <a:ea typeface="微软雅黑" panose="020B0503020204020204" charset="-122"/>
+            </a:endParaRPr>
           </a:p>
           <a:p>
             <a:pPr algn="ctr">
@@ -3497,6 +3537,15 @@
               </a:rPr>
               <a:t>中心点</a:t>
             </a:r>
+            <a:endParaRPr lang="zh-CN" altLang="en-US" sz="1000">
+              <a:solidFill>
+                <a:schemeClr val="bg1">
+                  <a:lumMod val="65000"/>
+                </a:schemeClr>
+              </a:solidFill>
+              <a:latin typeface="微软雅黑" panose="020B0503020204020204" charset="-122"/>
+              <a:ea typeface="微软雅黑" panose="020B0503020204020204" charset="-122"/>
+            </a:endParaRPr>
           </a:p>
         </p:txBody>
       </p:sp>
@@ -3539,6 +3588,15 @@
               </a:rPr>
               <a:t>中心点</a:t>
             </a:r>
+            <a:endParaRPr lang="zh-CN" altLang="en-US" sz="1000">
+              <a:solidFill>
+                <a:schemeClr val="bg1">
+                  <a:lumMod val="65000"/>
+                </a:schemeClr>
+              </a:solidFill>
+              <a:latin typeface="微软雅黑" panose="020B0503020204020204" charset="-122"/>
+              <a:ea typeface="微软雅黑" panose="020B0503020204020204" charset="-122"/>
+            </a:endParaRPr>
           </a:p>
           <a:p>
             <a:pPr algn="ctr">
@@ -3618,6 +3676,13 @@
               </a:rPr>
               <a:t>3x3=9</a:t>
             </a:r>
+            <a:endParaRPr lang="en-US" altLang="zh-CN" sz="1000" b="1">
+              <a:solidFill>
+                <a:schemeClr val="tx1"/>
+              </a:solidFill>
+              <a:latin typeface="微软雅黑" panose="020B0503020204020204" charset="-122"/>
+              <a:ea typeface="微软雅黑" panose="020B0503020204020204" charset="-122"/>
+            </a:endParaRPr>
           </a:p>
         </p:txBody>
       </p:sp>
@@ -3660,6 +3725,15 @@
               </a:rPr>
               <a:t>Anchor Box</a:t>
             </a:r>
+            <a:endParaRPr lang="en-US" sz="1000">
+              <a:solidFill>
+                <a:schemeClr val="bg1">
+                  <a:lumMod val="65000"/>
+                </a:schemeClr>
+              </a:solidFill>
+              <a:latin typeface="微软雅黑" panose="020B0503020204020204" charset="-122"/>
+              <a:ea typeface="微软雅黑" panose="020B0503020204020204" charset="-122"/>
+            </a:endParaRPr>
           </a:p>
           <a:p>
             <a:pPr algn="ctr">
@@ -3679,6 +3753,15 @@
               </a:rPr>
               <a:t>在原图中的显示</a:t>
             </a:r>
+            <a:endParaRPr lang="zh-CN" altLang="en-US" sz="1000">
+              <a:solidFill>
+                <a:schemeClr val="bg1">
+                  <a:lumMod val="65000"/>
+                </a:schemeClr>
+              </a:solidFill>
+              <a:latin typeface="微软雅黑" panose="020B0503020204020204" charset="-122"/>
+              <a:ea typeface="微软雅黑" panose="020B0503020204020204" charset="-122"/>
+            </a:endParaRPr>
           </a:p>
         </p:txBody>
       </p:sp>
@@ -3721,6 +3804,15 @@
               </a:rPr>
               <a:t>原图中所有的</a:t>
             </a:r>
+            <a:endParaRPr lang="zh-CN" altLang="en-US" sz="1000" dirty="0">
+              <a:solidFill>
+                <a:schemeClr val="bg1">
+                  <a:lumMod val="65000"/>
+                </a:schemeClr>
+              </a:solidFill>
+              <a:latin typeface="微软雅黑" panose="020B0503020204020204" charset="-122"/>
+              <a:ea typeface="微软雅黑" panose="020B0503020204020204" charset="-122"/>
+            </a:endParaRPr>
           </a:p>
           <a:p>
             <a:pPr algn="ctr">
@@ -3741,6 +3833,16 @@
               </a:rPr>
               <a:t>Anchor Box</a:t>
             </a:r>
+            <a:endParaRPr lang="en-US" sz="1000" dirty="0">
+              <a:solidFill>
+                <a:schemeClr val="bg1">
+                  <a:lumMod val="65000"/>
+                </a:schemeClr>
+              </a:solidFill>
+              <a:latin typeface="微软雅黑" panose="020B0503020204020204" charset="-122"/>
+              <a:ea typeface="微软雅黑" panose="020B0503020204020204" charset="-122"/>
+              <a:sym typeface="+mn-ea"/>
+            </a:endParaRPr>
           </a:p>
           <a:p>
             <a:pPr algn="ctr">
@@ -3844,6 +3946,15 @@
               </a:rPr>
               <a:t>比例，</a:t>
             </a:r>
+            <a:endParaRPr lang="zh-CN" altLang="en-US" sz="1000">
+              <a:solidFill>
+                <a:schemeClr val="bg1">
+                  <a:lumMod val="65000"/>
+                </a:schemeClr>
+              </a:solidFill>
+              <a:latin typeface="微软雅黑" panose="020B0503020204020204" charset="-122"/>
+              <a:ea typeface="微软雅黑" panose="020B0503020204020204" charset="-122"/>
+            </a:endParaRPr>
           </a:p>
           <a:p>
             <a:pPr algn="ctr">
@@ -3887,6 +3998,15 @@
               </a:rPr>
               <a:t>原图像中</a:t>
             </a:r>
+            <a:endParaRPr lang="zh-CN" altLang="en-US" sz="1000">
+              <a:solidFill>
+                <a:schemeClr val="bg1">
+                  <a:lumMod val="65000"/>
+                </a:schemeClr>
+              </a:solidFill>
+              <a:latin typeface="微软雅黑" panose="020B0503020204020204" charset="-122"/>
+              <a:ea typeface="微软雅黑" panose="020B0503020204020204" charset="-122"/>
+            </a:endParaRPr>
           </a:p>
           <a:p>
             <a:pPr algn="ctr">
@@ -3906,6 +4026,15 @@
               </a:rPr>
               <a:t>几乎所有物体外框</a:t>
             </a:r>
+            <a:endParaRPr lang="zh-CN" altLang="en-US" sz="1000">
+              <a:solidFill>
+                <a:schemeClr val="bg1">
+                  <a:lumMod val="65000"/>
+                </a:schemeClr>
+              </a:solidFill>
+              <a:latin typeface="微软雅黑" panose="020B0503020204020204" charset="-122"/>
+              <a:ea typeface="微软雅黑" panose="020B0503020204020204" charset="-122"/>
+            </a:endParaRPr>
           </a:p>
         </p:txBody>
       </p:sp>
@@ -3991,6 +4120,10 @@
               </a:rPr>
               <a:t>Faster-RCNN</a:t>
             </a:r>
+            <a:endParaRPr lang="en-US" altLang="zh-CN" sz="2800" b="1">
+              <a:latin typeface="微软雅黑" panose="020B0503020204020204" charset="-122"/>
+              <a:ea typeface="微软雅黑" panose="020B0503020204020204" charset="-122"/>
+            </a:endParaRPr>
           </a:p>
         </p:txBody>
       </p:sp>
@@ -4055,6 +4188,10 @@
               </a:rPr>
               <a:t>特征金字塔网络</a:t>
             </a:r>
+            <a:endParaRPr lang="zh-CN" altLang="en-US" sz="2800" b="1">
+              <a:latin typeface="微软雅黑" panose="020B0503020204020204" charset="-122"/>
+              <a:ea typeface="微软雅黑" panose="020B0503020204020204" charset="-122"/>
+            </a:endParaRPr>
           </a:p>
         </p:txBody>
       </p:sp>
@@ -4101,6 +4238,13 @@
               </a:rPr>
               <a:t>作为特征提取器</a:t>
             </a:r>
+            <a:endParaRPr lang="zh-CN" altLang="en-US" sz="1200" b="1">
+              <a:solidFill>
+                <a:srgbClr val="0070C0"/>
+              </a:solidFill>
+              <a:latin typeface="微软雅黑" panose="020B0503020204020204" charset="-122"/>
+              <a:ea typeface="微软雅黑" panose="020B0503020204020204" charset="-122"/>
+            </a:endParaRPr>
           </a:p>
         </p:txBody>
       </p:sp>
@@ -4157,6 +4301,13 @@
               </a:rPr>
               <a:t>ROIs</a:t>
             </a:r>
+            <a:endParaRPr lang="en-US" altLang="zh-CN" sz="1200" b="1">
+              <a:solidFill>
+                <a:srgbClr val="0070C0"/>
+              </a:solidFill>
+              <a:latin typeface="微软雅黑" panose="020B0503020204020204" charset="-122"/>
+              <a:ea typeface="微软雅黑" panose="020B0503020204020204" charset="-122"/>
+            </a:endParaRPr>
           </a:p>
         </p:txBody>
       </p:sp>
@@ -4197,6 +4348,13 @@
               </a:rPr>
               <a:t>元素相加</a:t>
             </a:r>
+            <a:endParaRPr lang="zh-CN" altLang="en-US" sz="1200" b="1">
+              <a:solidFill>
+                <a:srgbClr val="C00000"/>
+              </a:solidFill>
+              <a:latin typeface="微软雅黑" panose="020B0503020204020204" charset="-122"/>
+              <a:ea typeface="微软雅黑" panose="020B0503020204020204" charset="-122"/>
+            </a:endParaRPr>
           </a:p>
         </p:txBody>
       </p:sp>
@@ -4247,6 +4405,13 @@
               </a:rPr>
               <a:t>卷积将两张特征图合并，防止失真</a:t>
             </a:r>
+            <a:endParaRPr lang="zh-CN" altLang="en-US" sz="1200" b="1">
+              <a:solidFill>
+                <a:srgbClr val="FC0280"/>
+              </a:solidFill>
+              <a:latin typeface="微软雅黑" panose="020B0503020204020204" charset="-122"/>
+              <a:ea typeface="微软雅黑" panose="020B0503020204020204" charset="-122"/>
+            </a:endParaRPr>
           </a:p>
         </p:txBody>
       </p:sp>
@@ -4297,6 +4462,13 @@
               </a:rPr>
               <a:t>卷积改变通道大小</a:t>
             </a:r>
+            <a:endParaRPr lang="zh-CN" altLang="en-US" sz="1200" b="1">
+              <a:solidFill>
+                <a:srgbClr val="C00000"/>
+              </a:solidFill>
+              <a:latin typeface="微软雅黑" panose="020B0503020204020204" charset="-122"/>
+              <a:ea typeface="微软雅黑" panose="020B0503020204020204" charset="-122"/>
+            </a:endParaRPr>
           </a:p>
         </p:txBody>
       </p:sp>
@@ -4353,6 +4525,13 @@
               </a:rPr>
               <a:t>的宽和高选择特征图</a:t>
             </a:r>
+            <a:endParaRPr lang="zh-CN" altLang="en-US" sz="1200" b="1">
+              <a:solidFill>
+                <a:srgbClr val="0070C0"/>
+              </a:solidFill>
+              <a:latin typeface="微软雅黑" panose="020B0503020204020204" charset="-122"/>
+              <a:ea typeface="微软雅黑" panose="020B0503020204020204" charset="-122"/>
+            </a:endParaRPr>
           </a:p>
         </p:txBody>
       </p:sp>
@@ -5127,6 +5306,10 @@
               </a:rPr>
               <a:t>MobileNet-v1</a:t>
             </a:r>
+            <a:endParaRPr lang="en-US" altLang="zh-CN" sz="2800" b="1">
+              <a:latin typeface="微软雅黑" panose="020B0503020204020204" charset="-122"/>
+              <a:ea typeface="微软雅黑" panose="020B0503020204020204" charset="-122"/>
+            </a:endParaRPr>
           </a:p>
         </p:txBody>
       </p:sp>
@@ -5170,6 +5353,10 @@
               </a:rPr>
               <a:t>：降低计算复杂度，确保一定的精度，能够在移动端或嵌入式设备上运行</a:t>
             </a:r>
+            <a:endParaRPr lang="zh-CN" altLang="en-US" sz="1200">
+              <a:latin typeface="微软雅黑" panose="020B0503020204020204" charset="-122"/>
+              <a:ea typeface="微软雅黑" panose="020B0503020204020204" charset="-122"/>
+            </a:endParaRPr>
           </a:p>
           <a:p>
             <a:pPr algn="l"/>
@@ -5192,6 +5379,10 @@
               </a:rPr>
               <a:t>：聚焦优化网络速度，减小计算量，分解网络参数或加速预训练模型</a:t>
             </a:r>
+            <a:endParaRPr lang="zh-CN" altLang="en-US" sz="1200">
+              <a:latin typeface="微软雅黑" panose="020B0503020204020204" charset="-122"/>
+              <a:ea typeface="微软雅黑" panose="020B0503020204020204" charset="-122"/>
+            </a:endParaRPr>
           </a:p>
           <a:p>
             <a:pPr algn="l"/>
@@ -5246,6 +5437,10 @@
               </a:rPr>
               <a:t>）</a:t>
             </a:r>
+            <a:endParaRPr lang="zh-CN" altLang="en-US" sz="1200">
+              <a:latin typeface="微软雅黑" panose="020B0503020204020204" charset="-122"/>
+              <a:ea typeface="微软雅黑" panose="020B0503020204020204" charset="-122"/>
+            </a:endParaRPr>
           </a:p>
         </p:txBody>
       </p:sp>
@@ -5764,6 +5959,10 @@
               </a:rPr>
               <a:t>Feature Map            Filter / Kernel                                         Feature Map</a:t>
             </a:r>
+            <a:endParaRPr lang="en-US" altLang="zh-CN" sz="1200">
+              <a:latin typeface="微软雅黑" panose="020B0503020204020204" charset="-122"/>
+              <a:ea typeface="微软雅黑" panose="020B0503020204020204" charset="-122"/>
+            </a:endParaRPr>
           </a:p>
         </p:txBody>
       </p:sp>
@@ -5903,6 +6102,10 @@
                 </a:rPr>
                 <a:t>.</a:t>
               </a:r>
+              <a:endParaRPr lang="en-US" altLang="zh-CN" sz="4000" b="1">
+                <a:latin typeface="微软雅黑" panose="020B0503020204020204" charset="-122"/>
+                <a:ea typeface="微软雅黑" panose="020B0503020204020204" charset="-122"/>
+              </a:endParaRPr>
             </a:p>
           </p:txBody>
         </p:sp>
@@ -6104,6 +6307,10 @@
                 </a:rPr>
                 <a:t>.</a:t>
               </a:r>
+              <a:endParaRPr lang="en-US" altLang="zh-CN" sz="4000" b="1">
+                <a:latin typeface="微软雅黑" panose="020B0503020204020204" charset="-122"/>
+                <a:ea typeface="微软雅黑" panose="020B0503020204020204" charset="-122"/>
+              </a:endParaRPr>
             </a:p>
           </p:txBody>
         </p:sp>
@@ -6396,6 +6603,10 @@
                 </a:rPr>
                 <a:t>.</a:t>
               </a:r>
+              <a:endParaRPr lang="en-US" altLang="zh-CN" sz="4000" b="1">
+                <a:latin typeface="微软雅黑" panose="020B0503020204020204" charset="-122"/>
+                <a:ea typeface="微软雅黑" panose="020B0503020204020204" charset="-122"/>
+              </a:endParaRPr>
             </a:p>
           </p:txBody>
         </p:sp>
@@ -7347,6 +7558,10 @@
               </a:rPr>
               <a:t>Filter / Kernel </a:t>
             </a:r>
+            <a:endParaRPr lang="en-US" altLang="zh-CN" sz="1200">
+              <a:latin typeface="微软雅黑" panose="020B0503020204020204" charset="-122"/>
+              <a:ea typeface="微软雅黑" panose="020B0503020204020204" charset="-122"/>
+            </a:endParaRPr>
           </a:p>
           <a:p>
             <a:pPr algn="r"/>
@@ -7357,6 +7572,10 @@
               </a:rPr>
               <a:t>           3x3      		     </a:t>
             </a:r>
+            <a:endParaRPr lang="en-US" altLang="zh-CN" sz="1200">
+              <a:latin typeface="微软雅黑" panose="020B0503020204020204" charset="-122"/>
+              <a:ea typeface="微软雅黑" panose="020B0503020204020204" charset="-122"/>
+            </a:endParaRPr>
           </a:p>
           <a:p>
             <a:pPr algn="r"/>
@@ -7367,6 +7586,10 @@
               </a:rPr>
               <a:t>DWC</a:t>
             </a:r>
+            <a:endParaRPr lang="en-US" altLang="zh-CN" sz="1200">
+              <a:latin typeface="微软雅黑" panose="020B0503020204020204" charset="-122"/>
+              <a:ea typeface="微软雅黑" panose="020B0503020204020204" charset="-122"/>
+            </a:endParaRPr>
           </a:p>
           <a:p>
             <a:pPr algn="r"/>
@@ -7377,6 +7600,10 @@
               </a:rPr>
               <a:t>Feature Map</a:t>
             </a:r>
+            <a:endParaRPr lang="en-US" altLang="zh-CN" sz="1200">
+              <a:latin typeface="微软雅黑" panose="020B0503020204020204" charset="-122"/>
+              <a:ea typeface="微软雅黑" panose="020B0503020204020204" charset="-122"/>
+            </a:endParaRPr>
           </a:p>
           <a:p>
             <a:pPr algn="r"/>
@@ -7401,6 +7628,10 @@
               </a:rPr>
               <a:t>BN</a:t>
             </a:r>
+            <a:endParaRPr lang="en-US" altLang="zh-CN" sz="1200">
+              <a:latin typeface="微软雅黑" panose="020B0503020204020204" charset="-122"/>
+              <a:ea typeface="微软雅黑" panose="020B0503020204020204" charset="-122"/>
+            </a:endParaRPr>
           </a:p>
           <a:p>
             <a:pPr algn="r"/>
@@ -7411,6 +7642,10 @@
               </a:rPr>
               <a:t>ReLU</a:t>
             </a:r>
+            <a:endParaRPr lang="en-US" altLang="zh-CN" sz="1200">
+              <a:latin typeface="微软雅黑" panose="020B0503020204020204" charset="-122"/>
+              <a:ea typeface="微软雅黑" panose="020B0503020204020204" charset="-122"/>
+            </a:endParaRPr>
           </a:p>
           <a:p>
             <a:pPr algn="r"/>
@@ -7457,6 +7692,10 @@
               </a:rPr>
               <a:t>PWC</a:t>
             </a:r>
+            <a:endParaRPr lang="en-US" altLang="zh-CN" sz="1200">
+              <a:latin typeface="微软雅黑" panose="020B0503020204020204" charset="-122"/>
+              <a:ea typeface="微软雅黑" panose="020B0503020204020204" charset="-122"/>
+            </a:endParaRPr>
           </a:p>
           <a:p>
             <a:pPr algn="r"/>
@@ -7467,6 +7706,10 @@
               </a:rPr>
               <a:t>Feature Map</a:t>
             </a:r>
+            <a:endParaRPr lang="en-US" altLang="zh-CN" sz="1200">
+              <a:latin typeface="微软雅黑" panose="020B0503020204020204" charset="-122"/>
+              <a:ea typeface="微软雅黑" panose="020B0503020204020204" charset="-122"/>
+            </a:endParaRPr>
           </a:p>
           <a:p>
             <a:pPr algn="r"/>
@@ -7505,6 +7748,10 @@
               </a:rPr>
               <a:t>BN</a:t>
             </a:r>
+            <a:endParaRPr lang="en-US" altLang="zh-CN" sz="1200">
+              <a:latin typeface="微软雅黑" panose="020B0503020204020204" charset="-122"/>
+              <a:ea typeface="微软雅黑" panose="020B0503020204020204" charset="-122"/>
+            </a:endParaRPr>
           </a:p>
           <a:p>
             <a:pPr algn="r"/>
@@ -7515,6 +7762,10 @@
               </a:rPr>
               <a:t>ReLU</a:t>
             </a:r>
+            <a:endParaRPr lang="en-US" altLang="zh-CN" sz="1200">
+              <a:latin typeface="微软雅黑" panose="020B0503020204020204" charset="-122"/>
+              <a:ea typeface="微软雅黑" panose="020B0503020204020204" charset="-122"/>
+            </a:endParaRPr>
           </a:p>
         </p:txBody>
       </p:sp>
@@ -8496,6 +8747,10 @@
               </a:rPr>
               <a:t>MobileNet-v2</a:t>
             </a:r>
+            <a:endParaRPr lang="en-US" altLang="zh-CN" sz="2800" b="1">
+              <a:latin typeface="微软雅黑" panose="020B0503020204020204" charset="-122"/>
+              <a:ea typeface="微软雅黑" panose="020B0503020204020204" charset="-122"/>
+            </a:endParaRPr>
           </a:p>
         </p:txBody>
       </p:sp>
@@ -8562,6 +8817,13 @@
               </a:rPr>
               <a:t>0</a:t>
             </a:r>
+            <a:endParaRPr lang="en-US" altLang="zh-CN" sz="1800">
+              <a:solidFill>
+                <a:schemeClr val="tx1"/>
+              </a:solidFill>
+              <a:latin typeface="微软雅黑" panose="020B0503020204020204" charset="-122"/>
+              <a:ea typeface="微软雅黑" panose="020B0503020204020204" charset="-122"/>
+            </a:endParaRPr>
           </a:p>
           <a:p>
             <a:pPr algn="l"/>
@@ -8576,6 +8838,14 @@
               </a:rPr>
               <a:t>方法：线性瓶颈和逆残差：复用特征，缓解退化</a:t>
             </a:r>
+            <a:endParaRPr lang="zh-CN" altLang="en-US" sz="1800">
+              <a:solidFill>
+                <a:schemeClr val="tx1"/>
+              </a:solidFill>
+              <a:latin typeface="微软雅黑" panose="020B0503020204020204" charset="-122"/>
+              <a:ea typeface="微软雅黑" panose="020B0503020204020204" charset="-122"/>
+              <a:sym typeface="+mn-ea"/>
+            </a:endParaRPr>
           </a:p>
         </p:txBody>
       </p:sp>
@@ -11629,6 +11899,13 @@
               </a:rPr>
               <a:t>通道降维</a:t>
             </a:r>
+            <a:endParaRPr lang="zh-CN" altLang="en-US" sz="1200">
+              <a:solidFill>
+                <a:srgbClr val="0F80FF"/>
+              </a:solidFill>
+              <a:latin typeface="微软雅黑" panose="020B0503020204020204" charset="-122"/>
+              <a:ea typeface="微软雅黑" panose="020B0503020204020204" charset="-122"/>
+            </a:endParaRPr>
           </a:p>
         </p:txBody>
       </p:sp>
@@ -11726,6 +12003,13 @@
               </a:rPr>
               <a:t>输入</a:t>
             </a:r>
+            <a:endParaRPr lang="zh-CN" altLang="en-US">
+              <a:solidFill>
+                <a:schemeClr val="tx1"/>
+              </a:solidFill>
+              <a:latin typeface="微软雅黑" panose="020B0503020204020204" charset="-122"/>
+              <a:ea typeface="微软雅黑" panose="020B0503020204020204" charset="-122"/>
+            </a:endParaRPr>
           </a:p>
         </p:txBody>
       </p:sp>
@@ -11801,6 +12085,13 @@
               </a:rPr>
               <a:t>ReLU6</a:t>
             </a:r>
+            <a:endParaRPr lang="en-US" altLang="zh-CN" sz="1200">
+              <a:solidFill>
+                <a:srgbClr val="C00000"/>
+              </a:solidFill>
+              <a:latin typeface="微软雅黑" panose="020B0503020204020204" charset="-122"/>
+              <a:ea typeface="微软雅黑" panose="020B0503020204020204" charset="-122"/>
+            </a:endParaRPr>
           </a:p>
         </p:txBody>
       </p:sp>
@@ -11837,6 +12128,13 @@
               </a:rPr>
               <a:t>ReLU6</a:t>
             </a:r>
+            <a:endParaRPr lang="en-US" altLang="zh-CN" sz="1200">
+              <a:solidFill>
+                <a:srgbClr val="C00000"/>
+              </a:solidFill>
+              <a:latin typeface="微软雅黑" panose="020B0503020204020204" charset="-122"/>
+              <a:ea typeface="微软雅黑" panose="020B0503020204020204" charset="-122"/>
+            </a:endParaRPr>
           </a:p>
         </p:txBody>
       </p:sp>
@@ -11873,6 +12171,13 @@
               </a:rPr>
               <a:t>ReLU6</a:t>
             </a:r>
+            <a:endParaRPr lang="en-US" altLang="zh-CN" sz="1200">
+              <a:solidFill>
+                <a:srgbClr val="C00000"/>
+              </a:solidFill>
+              <a:latin typeface="微软雅黑" panose="020B0503020204020204" charset="-122"/>
+              <a:ea typeface="微软雅黑" panose="020B0503020204020204" charset="-122"/>
+            </a:endParaRPr>
           </a:p>
         </p:txBody>
       </p:sp>
@@ -11953,6 +12258,15 @@
               </a:rPr>
               <a:t>ReLU6 非线性层</a:t>
             </a:r>
+            <a:endParaRPr lang="zh-CN" altLang="en-US" sz="1200">
+              <a:solidFill>
+                <a:schemeClr val="bg1">
+                  <a:lumMod val="65000"/>
+                </a:schemeClr>
+              </a:solidFill>
+              <a:latin typeface="微软雅黑" panose="020B0503020204020204" charset="-122"/>
+              <a:ea typeface="微软雅黑" panose="020B0503020204020204" charset="-122"/>
+            </a:endParaRPr>
           </a:p>
           <a:p>
             <a:pPr lvl="0" indent="0">
@@ -11971,6 +12285,15 @@
               </a:rPr>
               <a:t>    在低精度计算时能压缩动态范围，    </a:t>
             </a:r>
+            <a:endParaRPr lang="zh-CN" altLang="en-US" sz="1200">
+              <a:solidFill>
+                <a:schemeClr val="bg1">
+                  <a:lumMod val="65000"/>
+                </a:schemeClr>
+              </a:solidFill>
+              <a:latin typeface="微软雅黑" panose="020B0503020204020204" charset="-122"/>
+              <a:ea typeface="微软雅黑" panose="020B0503020204020204" charset="-122"/>
+            </a:endParaRPr>
           </a:p>
           <a:p>
             <a:pPr lvl="0" indent="0">
@@ -11989,6 +12312,15 @@
               </a:rPr>
               <a:t>    算法更稳健。</a:t>
             </a:r>
+            <a:endParaRPr lang="zh-CN" altLang="en-US" sz="1200">
+              <a:solidFill>
+                <a:schemeClr val="bg1">
+                  <a:lumMod val="65000"/>
+                </a:schemeClr>
+              </a:solidFill>
+              <a:latin typeface="微软雅黑" panose="020B0503020204020204" charset="-122"/>
+              <a:ea typeface="微软雅黑" panose="020B0503020204020204" charset="-122"/>
+            </a:endParaRPr>
           </a:p>
           <a:p>
             <a:pPr marL="171450" indent="-171450">
@@ -12022,6 +12354,15 @@
               </a:rPr>
               <a:t>ReLU6 定义为：</a:t>
             </a:r>
+            <a:endParaRPr lang="zh-CN" altLang="en-US" sz="1200">
+              <a:solidFill>
+                <a:schemeClr val="bg1">
+                  <a:lumMod val="65000"/>
+                </a:schemeClr>
+              </a:solidFill>
+              <a:latin typeface="微软雅黑" panose="020B0503020204020204" charset="-122"/>
+              <a:ea typeface="微软雅黑" panose="020B0503020204020204" charset="-122"/>
+            </a:endParaRPr>
           </a:p>
           <a:p>
             <a:pPr indent="0">
@@ -12040,6 +12381,15 @@
               </a:rPr>
               <a:t>    f(x) = min(max(x, 0), 6)</a:t>
             </a:r>
+            <a:endParaRPr lang="zh-CN" altLang="en-US" sz="1200">
+              <a:solidFill>
+                <a:schemeClr val="bg1">
+                  <a:lumMod val="65000"/>
+                </a:schemeClr>
+              </a:solidFill>
+              <a:latin typeface="微软雅黑" panose="020B0503020204020204" charset="-122"/>
+              <a:ea typeface="微软雅黑" panose="020B0503020204020204" charset="-122"/>
+            </a:endParaRPr>
           </a:p>
         </p:txBody>
       </p:sp>
@@ -12217,6 +12567,10 @@
                 </a:rPr>
                 <a:t>.</a:t>
               </a:r>
+              <a:endParaRPr lang="en-US" altLang="zh-CN" sz="4000" b="1">
+                <a:latin typeface="微软雅黑" panose="020B0503020204020204" charset="-122"/>
+                <a:ea typeface="微软雅黑" panose="020B0503020204020204" charset="-122"/>
+              </a:endParaRPr>
             </a:p>
           </p:txBody>
         </p:sp>
@@ -12254,6 +12608,13 @@
               </a:rPr>
               <a:t>Add</a:t>
             </a:r>
+            <a:endParaRPr lang="en-US" altLang="zh-CN" sz="1200">
+              <a:solidFill>
+                <a:srgbClr val="0F80FF"/>
+              </a:solidFill>
+              <a:latin typeface="微软雅黑" panose="020B0503020204020204" charset="-122"/>
+              <a:ea typeface="微软雅黑" panose="020B0503020204020204" charset="-122"/>
+            </a:endParaRPr>
           </a:p>
           <a:p>
             <a:pPr algn="l"/>
@@ -12267,6 +12628,13 @@
               </a:rPr>
               <a:t>按元素相加</a:t>
             </a:r>
+            <a:endParaRPr lang="zh-CN" altLang="en-US" sz="1200">
+              <a:solidFill>
+                <a:schemeClr val="tx1"/>
+              </a:solidFill>
+              <a:latin typeface="微软雅黑" panose="020B0503020204020204" charset="-122"/>
+              <a:ea typeface="微软雅黑" panose="020B0503020204020204" charset="-122"/>
+            </a:endParaRPr>
           </a:p>
         </p:txBody>
       </p:sp>
@@ -12354,6 +12722,10 @@
               </a:rPr>
               <a:t>MobileNet-v3</a:t>
             </a:r>
+            <a:endParaRPr lang="en-US" altLang="zh-CN" sz="2800" b="1">
+              <a:latin typeface="微软雅黑" panose="020B0503020204020204" charset="-122"/>
+              <a:ea typeface="微软雅黑" panose="020B0503020204020204" charset="-122"/>
+            </a:endParaRPr>
           </a:p>
         </p:txBody>
       </p:sp>
@@ -12385,6 +12757,10 @@
               </a:rPr>
               <a:t>目标：降低计算复杂度，确保一定的精度，能够在移动端或嵌入式设备上运行</a:t>
             </a:r>
+            <a:endParaRPr lang="zh-CN" altLang="en-US" sz="1800">
+              <a:latin typeface="微软雅黑" panose="020B0503020204020204" charset="-122"/>
+              <a:ea typeface="微软雅黑" panose="020B0503020204020204" charset="-122"/>
+            </a:endParaRPr>
           </a:p>
         </p:txBody>
       </p:sp>
@@ -12442,6 +12818,10 @@
               </a:rPr>
               <a:t>EfficientNet</a:t>
             </a:r>
+            <a:endParaRPr lang="en-US" altLang="zh-CN" sz="2800" b="1">
+              <a:latin typeface="微软雅黑" panose="020B0503020204020204" charset="-122"/>
+              <a:ea typeface="微软雅黑" panose="020B0503020204020204" charset="-122"/>
+            </a:endParaRPr>
           </a:p>
         </p:txBody>
       </p:sp>
@@ -12473,6 +12853,10 @@
               </a:rPr>
               <a:t>目标：降低计算复杂度，确保一定的精度，能够在移动端或嵌入式设备上运行</a:t>
             </a:r>
+            <a:endParaRPr lang="zh-CN" altLang="en-US" sz="1800">
+              <a:latin typeface="微软雅黑" panose="020B0503020204020204" charset="-122"/>
+              <a:ea typeface="微软雅黑" panose="020B0503020204020204" charset="-122"/>
+            </a:endParaRPr>
           </a:p>
         </p:txBody>
       </p:sp>
@@ -12530,25 +12914,23 @@
               </a:rPr>
               <a:t>GAN - 2014</a:t>
             </a:r>
+            <a:endParaRPr lang="en-US" altLang="zh-CN" sz="2800" b="1" dirty="0">
+              <a:latin typeface="微软雅黑" panose="020B0503020204020204" charset="-122"/>
+              <a:ea typeface="微软雅黑" panose="020B0503020204020204" charset="-122"/>
+            </a:endParaRPr>
           </a:p>
         </p:txBody>
       </p:sp>
       <p:pic>
         <p:nvPicPr>
-          <p:cNvPr id="3" name="图片 2">
-            <a:extLst>
-              <a:ext uri="{FF2B5EF4-FFF2-40B4-BE49-F238E27FC236}">
-                <a16:creationId xmlns:a16="http://schemas.microsoft.com/office/drawing/2014/main" id="{9EEFE736-737F-4503-821D-4393BF95FA91}"/>
-              </a:ext>
-            </a:extLst>
-          </p:cNvPr>
+          <p:cNvPr id="3" name="图片 2"/>
           <p:cNvPicPr>
             <a:picLocks noChangeAspect="1"/>
           </p:cNvPicPr>
           <p:nvPr/>
         </p:nvPicPr>
         <p:blipFill>
-          <a:blip r:embed="rId2"/>
+          <a:blip r:embed="rId1"/>
           <a:stretch>
             <a:fillRect/>
           </a:stretch>
@@ -12565,13 +12947,7 @@
       </p:pic>
       <p:sp>
         <p:nvSpPr>
-          <p:cNvPr id="4" name="文本框 2">
-            <a:extLst>
-              <a:ext uri="{FF2B5EF4-FFF2-40B4-BE49-F238E27FC236}">
-                <a16:creationId xmlns:a16="http://schemas.microsoft.com/office/drawing/2014/main" id="{851A45A5-DC7E-4900-9DB4-9EF099E0775E}"/>
-              </a:ext>
-            </a:extLst>
-          </p:cNvPr>
+          <p:cNvPr id="4" name="文本框 2"/>
           <p:cNvSpPr txBox="1"/>
           <p:nvPr/>
         </p:nvSpPr>
@@ -12691,7 +13067,7 @@
                   <a:srgbClr val="455368"/>
                 </a:solidFill>
                 <a:latin typeface="Arial Narrow" panose="020B0606020202030204" pitchFamily="34" charset="0"/>
-                <a:cs typeface="Arial" panose="020B0604020202020204" pitchFamily="34" charset="0"/>
+                <a:cs typeface="Arial" panose="020B0604020202090204" pitchFamily="34" charset="0"/>
               </a:rPr>
               <a:t>1.x</a:t>
             </a:r>
@@ -12700,27 +13076,21 @@
                 <a:srgbClr val="455368"/>
               </a:solidFill>
               <a:latin typeface="Arial Narrow" panose="020B0606020202030204" pitchFamily="34" charset="0"/>
-              <a:cs typeface="Arial" panose="020B0604020202020204" pitchFamily="34" charset="0"/>
+              <a:cs typeface="Arial" panose="020B0604020202090204" pitchFamily="34" charset="0"/>
             </a:endParaRPr>
           </a:p>
         </p:txBody>
       </p:sp>
       <p:pic>
         <p:nvPicPr>
-          <p:cNvPr id="6" name="图片 5">
-            <a:extLst>
-              <a:ext uri="{FF2B5EF4-FFF2-40B4-BE49-F238E27FC236}">
-                <a16:creationId xmlns:a16="http://schemas.microsoft.com/office/drawing/2014/main" id="{A4E04D53-9EEA-42A1-9FD7-AC7565C6955C}"/>
-              </a:ext>
-            </a:extLst>
-          </p:cNvPr>
+          <p:cNvPr id="6" name="图片 5"/>
           <p:cNvPicPr>
             <a:picLocks noChangeAspect="1"/>
           </p:cNvPicPr>
           <p:nvPr/>
         </p:nvPicPr>
         <p:blipFill>
-          <a:blip r:embed="rId2"/>
+          <a:blip r:embed="rId1"/>
           <a:stretch>
             <a:fillRect/>
           </a:stretch>
@@ -12737,13 +13107,7 @@
       </p:pic>
       <p:sp>
         <p:nvSpPr>
-          <p:cNvPr id="7" name="文本框 6">
-            <a:extLst>
-              <a:ext uri="{FF2B5EF4-FFF2-40B4-BE49-F238E27FC236}">
-                <a16:creationId xmlns:a16="http://schemas.microsoft.com/office/drawing/2014/main" id="{3DA319A4-56F5-42A0-8D41-469A0026BFFA}"/>
-              </a:ext>
-            </a:extLst>
-          </p:cNvPr>
+          <p:cNvPr id="7" name="文本框 6"/>
           <p:cNvSpPr txBox="1"/>
           <p:nvPr/>
         </p:nvSpPr>
@@ -12863,7 +13227,7 @@
                   <a:srgbClr val="455368"/>
                 </a:solidFill>
                 <a:latin typeface="Arial Narrow" panose="020B0606020202030204" pitchFamily="34" charset="0"/>
-                <a:cs typeface="Arial" panose="020B0604020202020204" pitchFamily="34" charset="0"/>
+                <a:cs typeface="Arial" panose="020B0604020202090204" pitchFamily="34" charset="0"/>
               </a:rPr>
               <a:t>2.x</a:t>
             </a:r>
@@ -12872,27 +13236,21 @@
                 <a:srgbClr val="455368"/>
               </a:solidFill>
               <a:latin typeface="Arial Narrow" panose="020B0606020202030204" pitchFamily="34" charset="0"/>
-              <a:cs typeface="Arial" panose="020B0604020202020204" pitchFamily="34" charset="0"/>
+              <a:cs typeface="Arial" panose="020B0604020202090204" pitchFamily="34" charset="0"/>
             </a:endParaRPr>
           </a:p>
         </p:txBody>
       </p:sp>
       <p:pic>
         <p:nvPicPr>
-          <p:cNvPr id="8" name="图片 7">
-            <a:extLst>
-              <a:ext uri="{FF2B5EF4-FFF2-40B4-BE49-F238E27FC236}">
-                <a16:creationId xmlns:a16="http://schemas.microsoft.com/office/drawing/2014/main" id="{0D76106B-E8ED-4BC2-B6B8-EDBE06203E79}"/>
-              </a:ext>
-            </a:extLst>
-          </p:cNvPr>
+          <p:cNvPr id="8" name="图片 7"/>
           <p:cNvPicPr>
             <a:picLocks noChangeAspect="1"/>
           </p:cNvPicPr>
           <p:nvPr/>
         </p:nvPicPr>
         <p:blipFill>
-          <a:blip r:embed="rId3"/>
+          <a:blip r:embed="rId2"/>
           <a:stretch>
             <a:fillRect/>
           </a:stretch>
@@ -12909,20 +13267,14 @@
       </p:pic>
       <p:pic>
         <p:nvPicPr>
-          <p:cNvPr id="9" name="图片 8">
-            <a:extLst>
-              <a:ext uri="{FF2B5EF4-FFF2-40B4-BE49-F238E27FC236}">
-                <a16:creationId xmlns:a16="http://schemas.microsoft.com/office/drawing/2014/main" id="{B3D24F8E-806A-48E7-A8A7-1060B5DF274D}"/>
-              </a:ext>
-            </a:extLst>
-          </p:cNvPr>
+          <p:cNvPr id="9" name="图片 8"/>
           <p:cNvPicPr>
             <a:picLocks noChangeAspect="1"/>
           </p:cNvPicPr>
           <p:nvPr/>
         </p:nvPicPr>
         <p:blipFill>
-          <a:blip r:embed="rId4"/>
+          <a:blip r:embed="rId3"/>
           <a:stretch>
             <a:fillRect/>
           </a:stretch>
@@ -12991,6 +13343,10 @@
               </a:rPr>
               <a:t>CGAN - 2014</a:t>
             </a:r>
+            <a:endParaRPr lang="en-US" altLang="zh-CN" sz="2800" b="1">
+              <a:latin typeface="微软雅黑" panose="020B0503020204020204" charset="-122"/>
+              <a:ea typeface="微软雅黑" panose="020B0503020204020204" charset="-122"/>
+            </a:endParaRPr>
           </a:p>
         </p:txBody>
       </p:sp>
@@ -13048,6 +13404,10 @@
               </a:rPr>
               <a:t>DCGAN - 2015</a:t>
             </a:r>
+            <a:endParaRPr lang="en-US" altLang="zh-CN" sz="2800" b="1">
+              <a:latin typeface="微软雅黑" panose="020B0503020204020204" charset="-122"/>
+              <a:ea typeface="微软雅黑" panose="020B0503020204020204" charset="-122"/>
+            </a:endParaRPr>
           </a:p>
         </p:txBody>
       </p:sp>
@@ -13060,7 +13420,7 @@
           <p:nvPr/>
         </p:nvPicPr>
         <p:blipFill>
-          <a:blip r:embed="rId2"/>
+          <a:blip r:embed="rId1"/>
           <a:stretch>
             <a:fillRect/>
           </a:stretch>
@@ -13108,6 +13468,13 @@
               </a:rPr>
               <a:t>Generator</a:t>
             </a:r>
+            <a:endParaRPr lang="en-US" altLang="zh-CN" sz="1400" b="1">
+              <a:solidFill>
+                <a:srgbClr val="0070C0"/>
+              </a:solidFill>
+              <a:latin typeface="微软雅黑" panose="020B0503020204020204" charset="-122"/>
+              <a:ea typeface="微软雅黑" panose="020B0503020204020204" charset="-122"/>
+            </a:endParaRPr>
           </a:p>
         </p:txBody>
       </p:sp>
@@ -13166,31 +13533,36 @@
               </a:rPr>
               <a:t>source: https://openai.com/blog/generative-models/</a:t>
             </a:r>
-          </a:p>
-        </p:txBody>
-      </p:sp>
-      <p:sp>
-        <p:nvSpPr>
-          <p:cNvPr id="28" name="立方体 27"/>
+            <a:endParaRPr lang="en-US" altLang="zh-CN" sz="800">
+              <a:solidFill>
+                <a:schemeClr val="tx1">
+                  <a:lumMod val="50000"/>
+                  <a:lumOff val="50000"/>
+                </a:schemeClr>
+              </a:solidFill>
+              <a:latin typeface="微软雅黑" panose="020B0503020204020204" charset="-122"/>
+              <a:ea typeface="微软雅黑" panose="020B0503020204020204" charset="-122"/>
+            </a:endParaRPr>
+          </a:p>
+        </p:txBody>
+      </p:sp>
+      <p:sp>
+        <p:nvSpPr>
+          <p:cNvPr id="2" name="立方体 1"/>
           <p:cNvSpPr/>
           <p:nvPr/>
         </p:nvSpPr>
         <p:spPr>
           <a:xfrm>
-            <a:off x="1774190" y="3572510"/>
-            <a:ext cx="2372360" cy="563880"/>
+            <a:off x="1769110" y="3572510"/>
+            <a:ext cx="1658620" cy="563880"/>
           </a:xfrm>
           <a:prstGeom prst="cube">
             <a:avLst>
               <a:gd name="adj" fmla="val 36373"/>
             </a:avLst>
           </a:prstGeom>
-          <a:solidFill>
-            <a:schemeClr val="accent4">
-              <a:lumMod val="20000"/>
-              <a:lumOff val="80000"/>
-            </a:schemeClr>
-          </a:solidFill>
+          <a:noFill/>
           <a:ln w="3175">
             <a:solidFill>
               <a:schemeClr val="bg1">
@@ -13198,6 +13570,15 @@
               </a:schemeClr>
             </a:solidFill>
           </a:ln>
+          <a:extLst>
+            <a:ext uri="{909E8E84-426E-40DD-AFC4-6F175D3DCCD1}">
+              <a14:hiddenFill xmlns:a14="http://schemas.microsoft.com/office/drawing/2010/main">
+                <a:solidFill>
+                  <a:schemeClr val="bg1"/>
+                </a:solidFill>
+              </a14:hiddenFill>
+            </a:ext>
+          </a:extLst>
         </p:spPr>
         <p:style>
           <a:lnRef idx="2">
@@ -13217,7 +13598,64 @@
         </p:style>
         <p:txBody>
           <a:bodyPr rtlCol="0" anchor="ctr"/>
-          <a:lstStyle/>
+          <a:p>
+            <a:pPr algn="ctr"/>
+            <a:endParaRPr lang="zh-CN" altLang="en-US"/>
+          </a:p>
+        </p:txBody>
+      </p:sp>
+      <p:sp>
+        <p:nvSpPr>
+          <p:cNvPr id="3" name="立方体 2"/>
+          <p:cNvSpPr/>
+          <p:nvPr/>
+        </p:nvSpPr>
+        <p:spPr>
+          <a:xfrm>
+            <a:off x="3223260" y="3572510"/>
+            <a:ext cx="257175" cy="563880"/>
+          </a:xfrm>
+          <a:prstGeom prst="cube">
+            <a:avLst>
+              <a:gd name="adj" fmla="val 79259"/>
+            </a:avLst>
+          </a:prstGeom>
+          <a:noFill/>
+          <a:ln w="3175">
+            <a:solidFill>
+              <a:schemeClr val="bg1">
+                <a:lumMod val="65000"/>
+              </a:schemeClr>
+            </a:solidFill>
+          </a:ln>
+          <a:extLst>
+            <a:ext uri="{909E8E84-426E-40DD-AFC4-6F175D3DCCD1}">
+              <a14:hiddenFill xmlns:a14="http://schemas.microsoft.com/office/drawing/2010/main">
+                <a:solidFill>
+                  <a:schemeClr val="bg1"/>
+                </a:solidFill>
+              </a14:hiddenFill>
+            </a:ext>
+          </a:extLst>
+        </p:spPr>
+        <p:style>
+          <a:lnRef idx="2">
+            <a:schemeClr val="accent1">
+              <a:shade val="50000"/>
+            </a:schemeClr>
+          </a:lnRef>
+          <a:fillRef idx="1">
+            <a:schemeClr val="accent1"/>
+          </a:fillRef>
+          <a:effectRef idx="0">
+            <a:schemeClr val="accent1"/>
+          </a:effectRef>
+          <a:fontRef idx="minor">
+            <a:schemeClr val="lt1"/>
+          </a:fontRef>
+        </p:style>
+        <p:txBody>
+          <a:bodyPr rtlCol="0" anchor="ctr"/>
           <a:p>
             <a:pPr algn="ctr"/>
             <a:endParaRPr lang="zh-CN" altLang="en-US"/>
@@ -13293,6 +13731,16 @@
               </a:rPr>
               <a:t>aO+bP+cQ+fU+gV+hW+kX+lY+mZ</a:t>
             </a:r>
+            <a:endParaRPr lang="en-US" sz="800">
+              <a:solidFill>
+                <a:schemeClr val="accent2">
+                  <a:lumMod val="60000"/>
+                  <a:lumOff val="40000"/>
+                </a:schemeClr>
+              </a:solidFill>
+              <a:latin typeface="微软雅黑" panose="020B0503020204020204" charset="-122"/>
+              <a:ea typeface="微软雅黑" panose="020B0503020204020204" charset="-122"/>
+            </a:endParaRPr>
           </a:p>
         </p:txBody>
       </p:sp>
@@ -13340,6 +13788,16 @@
               </a:rPr>
               <a:t>bO+cP+dQ+gU+hV+iW+lX+mY+nZ</a:t>
             </a:r>
+            <a:endParaRPr lang="en-US" sz="800">
+              <a:solidFill>
+                <a:schemeClr val="accent2">
+                  <a:lumMod val="60000"/>
+                  <a:lumOff val="40000"/>
+                </a:schemeClr>
+              </a:solidFill>
+              <a:latin typeface="微软雅黑" panose="020B0503020204020204" charset="-122"/>
+              <a:ea typeface="微软雅黑" panose="020B0503020204020204" charset="-122"/>
+            </a:endParaRPr>
           </a:p>
         </p:txBody>
       </p:sp>
@@ -13387,6 +13845,16 @@
               </a:rPr>
               <a:t>cO+dP+eQ+hU+iV+jW+mX+nY+oZ</a:t>
             </a:r>
+            <a:endParaRPr lang="en-US" sz="800">
+              <a:solidFill>
+                <a:schemeClr val="accent2">
+                  <a:lumMod val="60000"/>
+                  <a:lumOff val="40000"/>
+                </a:schemeClr>
+              </a:solidFill>
+              <a:latin typeface="微软雅黑" panose="020B0503020204020204" charset="-122"/>
+              <a:ea typeface="微软雅黑" panose="020B0503020204020204" charset="-122"/>
+            </a:endParaRPr>
           </a:p>
         </p:txBody>
       </p:sp>
@@ -14948,6 +15416,13 @@
               </a:rPr>
               <a:t>计算量大：</a:t>
             </a:r>
+            <a:endParaRPr lang="zh-CN" altLang="en-US" b="1">
+              <a:solidFill>
+                <a:srgbClr val="C00000"/>
+              </a:solidFill>
+              <a:latin typeface="微软雅黑" panose="020B0503020204020204" charset="-122"/>
+              <a:ea typeface="微软雅黑" panose="020B0503020204020204" charset="-122"/>
+            </a:endParaRPr>
           </a:p>
           <a:p>
             <a:pPr>
@@ -14965,6 +15440,13 @@
               </a:rPr>
               <a:t>逐点卷积</a:t>
             </a:r>
+            <a:endParaRPr lang="zh-CN" altLang="en-US" b="1">
+              <a:solidFill>
+                <a:srgbClr val="C00000"/>
+              </a:solidFill>
+              <a:latin typeface="微软雅黑" panose="020B0503020204020204" charset="-122"/>
+              <a:ea typeface="微软雅黑" panose="020B0503020204020204" charset="-122"/>
+            </a:endParaRPr>
           </a:p>
         </p:txBody>
       </p:sp>
@@ -15043,6 +15525,13 @@
               </a:rPr>
               <a:t>通道分组</a:t>
             </a:r>
+            <a:endParaRPr lang="zh-CN" altLang="en-US" sz="1400">
+              <a:solidFill>
+                <a:srgbClr val="0F80FF"/>
+              </a:solidFill>
+              <a:latin typeface="微软雅黑" panose="020B0503020204020204" charset="-122"/>
+              <a:ea typeface="微软雅黑" panose="020B0503020204020204" charset="-122"/>
+            </a:endParaRPr>
           </a:p>
           <a:p>
             <a:pPr algn="ctr">
@@ -15060,6 +15549,13 @@
               </a:rPr>
               <a:t>降低计算量</a:t>
             </a:r>
+            <a:endParaRPr lang="zh-CN" altLang="en-US" sz="1400">
+              <a:solidFill>
+                <a:srgbClr val="0F80FF"/>
+              </a:solidFill>
+              <a:latin typeface="微软雅黑" panose="020B0503020204020204" charset="-122"/>
+              <a:ea typeface="微软雅黑" panose="020B0503020204020204" charset="-122"/>
+            </a:endParaRPr>
           </a:p>
         </p:txBody>
       </p:sp>
@@ -15100,6 +15596,13 @@
               </a:rPr>
               <a:t>分组降低信息流通</a:t>
             </a:r>
+            <a:endParaRPr lang="zh-CN" altLang="en-US" sz="1400">
+              <a:solidFill>
+                <a:srgbClr val="C00000"/>
+              </a:solidFill>
+              <a:latin typeface="微软雅黑" panose="020B0503020204020204" charset="-122"/>
+              <a:ea typeface="微软雅黑" panose="020B0503020204020204" charset="-122"/>
+            </a:endParaRPr>
           </a:p>
           <a:p>
             <a:pPr algn="ctr">
@@ -15117,6 +15620,13 @@
               </a:rPr>
               <a:t>减弱信息表示</a:t>
             </a:r>
+            <a:endParaRPr lang="zh-CN" altLang="en-US" sz="1400">
+              <a:solidFill>
+                <a:srgbClr val="C00000"/>
+              </a:solidFill>
+              <a:latin typeface="微软雅黑" panose="020B0503020204020204" charset="-122"/>
+              <a:ea typeface="微软雅黑" panose="020B0503020204020204" charset="-122"/>
+            </a:endParaRPr>
           </a:p>
         </p:txBody>
       </p:sp>
@@ -15157,6 +15667,13 @@
               </a:rPr>
               <a:t>混合通道特征</a:t>
             </a:r>
+            <a:endParaRPr lang="zh-CN" altLang="en-US" sz="1400">
+              <a:solidFill>
+                <a:srgbClr val="0F80FF"/>
+              </a:solidFill>
+              <a:latin typeface="微软雅黑" panose="020B0503020204020204" charset="-122"/>
+              <a:ea typeface="微软雅黑" panose="020B0503020204020204" charset="-122"/>
+            </a:endParaRPr>
           </a:p>
         </p:txBody>
       </p:sp>
@@ -15336,6 +15853,16 @@
               </a:rPr>
               <a:t>）</a:t>
             </a:r>
+            <a:endParaRPr lang="zh-CN" altLang="en-US" sz="1000">
+              <a:solidFill>
+                <a:schemeClr val="tx1">
+                  <a:lumMod val="50000"/>
+                  <a:lumOff val="50000"/>
+                </a:schemeClr>
+              </a:solidFill>
+              <a:latin typeface="微软雅黑" panose="020B0503020204020204" charset="-122"/>
+              <a:ea typeface="微软雅黑" panose="020B0503020204020204" charset="-122"/>
+            </a:endParaRPr>
           </a:p>
           <a:p>
             <a:pPr marL="228600" indent="-228600">
@@ -15494,6 +16021,17 @@
               </a:rPr>
               <a:t>）</a:t>
             </a:r>
+            <a:endParaRPr lang="zh-CN" altLang="en-US" sz="1000">
+              <a:solidFill>
+                <a:schemeClr val="tx1">
+                  <a:lumMod val="50000"/>
+                  <a:lumOff val="50000"/>
+                </a:schemeClr>
+              </a:solidFill>
+              <a:latin typeface="微软雅黑" panose="020B0503020204020204" charset="-122"/>
+              <a:ea typeface="微软雅黑" panose="020B0503020204020204" charset="-122"/>
+              <a:sym typeface="+mn-ea"/>
+            </a:endParaRPr>
           </a:p>
           <a:p>
             <a:pPr marL="228600" indent="-228600">
@@ -15704,6 +16242,13 @@
               </a:rPr>
               <a:t>元素相加</a:t>
             </a:r>
+            <a:endParaRPr lang="zh-CN" altLang="en-US" sz="1400" b="1">
+              <a:solidFill>
+                <a:srgbClr val="CC66FF"/>
+              </a:solidFill>
+              <a:latin typeface="微软雅黑" panose="020B0503020204020204" charset="-122"/>
+              <a:ea typeface="微软雅黑" panose="020B0503020204020204" charset="-122"/>
+            </a:endParaRPr>
           </a:p>
         </p:txBody>
       </p:sp>
@@ -15744,6 +16289,13 @@
               </a:rPr>
               <a:t>通道级联</a:t>
             </a:r>
+            <a:endParaRPr lang="zh-CN" altLang="en-US" sz="1400" b="1">
+              <a:solidFill>
+                <a:srgbClr val="CC66FF"/>
+              </a:solidFill>
+              <a:latin typeface="微软雅黑" panose="020B0503020204020204" charset="-122"/>
+              <a:ea typeface="微软雅黑" panose="020B0503020204020204" charset="-122"/>
+            </a:endParaRPr>
           </a:p>
         </p:txBody>
       </p:sp>
@@ -15776,6 +16328,10 @@
               </a:rPr>
               <a:t>InfoGAN - 2016</a:t>
             </a:r>
+            <a:endParaRPr lang="en-US" altLang="zh-CN" sz="2800" b="1">
+              <a:latin typeface="微软雅黑" panose="020B0503020204020204" charset="-122"/>
+              <a:ea typeface="微软雅黑" panose="020B0503020204020204" charset="-122"/>
+            </a:endParaRPr>
           </a:p>
         </p:txBody>
       </p:sp>
@@ -15833,6 +16389,10 @@
               </a:rPr>
               <a:t>OverFeat</a:t>
             </a:r>
+            <a:endParaRPr lang="en-US" altLang="zh-CN" sz="2800" b="1">
+              <a:latin typeface="微软雅黑" panose="020B0503020204020204" charset="-122"/>
+              <a:ea typeface="微软雅黑" panose="020B0503020204020204" charset="-122"/>
+            </a:endParaRPr>
           </a:p>
         </p:txBody>
       </p:sp>
@@ -15920,6 +16480,13 @@
               </a:rPr>
               <a:t>特征提取</a:t>
             </a:r>
+            <a:endParaRPr lang="zh-CN" altLang="en-US" sz="1400" b="1">
+              <a:solidFill>
+                <a:srgbClr val="0070C0"/>
+              </a:solidFill>
+              <a:latin typeface="微软雅黑" panose="020B0503020204020204" charset="-122"/>
+              <a:ea typeface="微软雅黑" panose="020B0503020204020204" charset="-122"/>
+            </a:endParaRPr>
           </a:p>
         </p:txBody>
       </p:sp>
@@ -15960,12 +16527,67 @@
               </a:rPr>
               <a:t>Offset Max Pooling</a:t>
             </a:r>
+            <a:endParaRPr lang="en-US" altLang="zh-CN" b="1">
+              <a:solidFill>
+                <a:srgbClr val="C00000"/>
+              </a:solidFill>
+              <a:latin typeface="微软雅黑" panose="020B0503020204020204" charset="-122"/>
+              <a:ea typeface="微软雅黑" panose="020B0503020204020204" charset="-122"/>
+            </a:endParaRPr>
           </a:p>
         </p:txBody>
       </p:sp>
       <p:pic>
         <p:nvPicPr>
           <p:cNvPr id="4" name="图片 3"/>
+          <p:cNvPicPr>
+            <a:picLocks noChangeAspect="1"/>
+          </p:cNvPicPr>
+          <p:nvPr/>
+        </p:nvPicPr>
+        <p:blipFill>
+          <a:blip r:embed="rId1"/>
+          <a:stretch>
+            <a:fillRect/>
+          </a:stretch>
+        </p:blipFill>
+        <p:spPr>
+          <a:xfrm>
+            <a:off x="6064885" y="3369310"/>
+            <a:ext cx="431800" cy="405765"/>
+          </a:xfrm>
+          <a:prstGeom prst="rect">
+            <a:avLst/>
+          </a:prstGeom>
+        </p:spPr>
+      </p:pic>
+      <p:pic>
+        <p:nvPicPr>
+          <p:cNvPr id="6" name="图片 5"/>
+          <p:cNvPicPr>
+            <a:picLocks noChangeAspect="1"/>
+          </p:cNvPicPr>
+          <p:nvPr/>
+        </p:nvPicPr>
+        <p:blipFill>
+          <a:blip r:embed="rId2"/>
+          <a:stretch>
+            <a:fillRect/>
+          </a:stretch>
+        </p:blipFill>
+        <p:spPr>
+          <a:xfrm>
+            <a:off x="6564630" y="3369310"/>
+            <a:ext cx="431800" cy="405765"/>
+          </a:xfrm>
+          <a:prstGeom prst="rect">
+            <a:avLst/>
+          </a:prstGeom>
+        </p:spPr>
+      </p:pic>
+      <p:pic>
+        <p:nvPicPr>
+          <p:cNvPr id="9" name="图片 8"/>
           <p:cNvPicPr>
             <a:picLocks noChangeAspect="1"/>
           </p:cNvPicPr>
@@ -15979,7 +16601,127 @@
         </p:blipFill>
         <p:spPr>
           <a:xfrm>
-            <a:off x="6064885" y="3369310"/>
+            <a:off x="7084060" y="3369310"/>
+            <a:ext cx="433070" cy="403225"/>
+          </a:xfrm>
+          <a:prstGeom prst="rect">
+            <a:avLst/>
+          </a:prstGeom>
+        </p:spPr>
+      </p:pic>
+      <p:sp>
+        <p:nvSpPr>
+          <p:cNvPr id="13" name="文本框 12"/>
+          <p:cNvSpPr txBox="1"/>
+          <p:nvPr/>
+        </p:nvSpPr>
+        <p:spPr>
+          <a:xfrm>
+            <a:off x="8451215" y="2367280"/>
+            <a:ext cx="2226310" cy="368300"/>
+          </a:xfrm>
+          <a:prstGeom prst="rect">
+            <a:avLst/>
+          </a:prstGeom>
+          <a:noFill/>
+        </p:spPr>
+        <p:txBody>
+          <a:bodyPr wrap="square" rtlCol="0">
+            <a:spAutoFit/>
+          </a:bodyPr>
+          <a:lstStyle/>
+          <a:p>
+            <a:pPr algn="ctr"/>
+            <a:r>
+              <a:rPr lang="en-US" altLang="zh-CN" b="1">
+                <a:solidFill>
+                  <a:srgbClr val="0070C0"/>
+                </a:solidFill>
+                <a:latin typeface="微软雅黑" panose="020B0503020204020204" charset="-122"/>
+                <a:ea typeface="微软雅黑" panose="020B0503020204020204" charset="-122"/>
+              </a:rPr>
+              <a:t>Classifier</a:t>
+            </a:r>
+            <a:endParaRPr lang="en-US" altLang="zh-CN" b="1">
+              <a:solidFill>
+                <a:srgbClr val="0070C0"/>
+              </a:solidFill>
+              <a:latin typeface="微软雅黑" panose="020B0503020204020204" charset="-122"/>
+              <a:ea typeface="微软雅黑" panose="020B0503020204020204" charset="-122"/>
+            </a:endParaRPr>
+          </a:p>
+        </p:txBody>
+      </p:sp>
+      <p:sp>
+        <p:nvSpPr>
+          <p:cNvPr id="14" name="文本框 13"/>
+          <p:cNvSpPr txBox="1"/>
+          <p:nvPr/>
+        </p:nvSpPr>
+        <p:spPr>
+          <a:xfrm>
+            <a:off x="8279130" y="3097530"/>
+            <a:ext cx="917575" cy="257175"/>
+          </a:xfrm>
+          <a:prstGeom prst="rect">
+            <a:avLst/>
+          </a:prstGeom>
+          <a:noFill/>
+        </p:spPr>
+        <p:txBody>
+          <a:bodyPr wrap="square" rtlCol="0">
+            <a:spAutoFit/>
+          </a:bodyPr>
+          <a:lstStyle/>
+          <a:p>
+            <a:pPr algn="ctr">
+              <a:lnSpc>
+                <a:spcPct val="90000"/>
+              </a:lnSpc>
+            </a:pPr>
+            <a:r>
+              <a:rPr lang="en-US" altLang="zh-CN" sz="1200" b="1">
+                <a:solidFill>
+                  <a:schemeClr val="tx1">
+                    <a:lumMod val="50000"/>
+                    <a:lumOff val="50000"/>
+                  </a:schemeClr>
+                </a:solidFill>
+                <a:latin typeface="微软雅黑" panose="020B0503020204020204" charset="-122"/>
+                <a:ea typeface="微软雅黑" panose="020B0503020204020204" charset="-122"/>
+              </a:rPr>
+              <a:t>conv 5x5</a:t>
+            </a:r>
+            <a:endParaRPr lang="en-US" altLang="zh-CN" sz="1200" b="1">
+              <a:solidFill>
+                <a:schemeClr val="tx1">
+                  <a:lumMod val="50000"/>
+                  <a:lumOff val="50000"/>
+                </a:schemeClr>
+              </a:solidFill>
+              <a:latin typeface="微软雅黑" panose="020B0503020204020204" charset="-122"/>
+              <a:ea typeface="微软雅黑" panose="020B0503020204020204" charset="-122"/>
+            </a:endParaRPr>
+          </a:p>
+        </p:txBody>
+      </p:sp>
+      <p:pic>
+        <p:nvPicPr>
+          <p:cNvPr id="15" name="图片 14"/>
+          <p:cNvPicPr>
+            <a:picLocks noChangeAspect="1"/>
+          </p:cNvPicPr>
+          <p:nvPr/>
+        </p:nvPicPr>
+        <p:blipFill>
+          <a:blip r:embed="rId1"/>
+          <a:stretch>
+            <a:fillRect/>
+          </a:stretch>
+        </p:blipFill>
+        <p:spPr>
+          <a:xfrm>
+            <a:off x="8021955" y="3366770"/>
             <a:ext cx="431800" cy="405765"/>
           </a:xfrm>
           <a:prstGeom prst="rect">
@@ -15989,7 +16731,104 @@
       </p:pic>
       <p:pic>
         <p:nvPicPr>
-          <p:cNvPr id="6" name="图片 5"/>
+          <p:cNvPr id="16" name="图片 15"/>
+          <p:cNvPicPr>
+            <a:picLocks noChangeAspect="1"/>
+          </p:cNvPicPr>
+          <p:nvPr/>
+        </p:nvPicPr>
+        <p:blipFill>
+          <a:blip r:embed="rId2"/>
+          <a:stretch>
+            <a:fillRect/>
+          </a:stretch>
+        </p:blipFill>
+        <p:spPr>
+          <a:xfrm>
+            <a:off x="8521700" y="3366770"/>
+            <a:ext cx="431800" cy="405765"/>
+          </a:xfrm>
+          <a:prstGeom prst="rect">
+            <a:avLst/>
+          </a:prstGeom>
+        </p:spPr>
+      </p:pic>
+      <p:pic>
+        <p:nvPicPr>
+          <p:cNvPr id="17" name="图片 16"/>
+          <p:cNvPicPr>
+            <a:picLocks noChangeAspect="1"/>
+          </p:cNvPicPr>
+          <p:nvPr/>
+        </p:nvPicPr>
+        <p:blipFill>
+          <a:blip r:embed="rId3"/>
+          <a:stretch>
+            <a:fillRect/>
+          </a:stretch>
+        </p:blipFill>
+        <p:spPr>
+          <a:xfrm>
+            <a:off x="9041130" y="3366770"/>
+            <a:ext cx="433070" cy="403225"/>
+          </a:xfrm>
+          <a:prstGeom prst="rect">
+            <a:avLst/>
+          </a:prstGeom>
+        </p:spPr>
+      </p:pic>
+      <p:sp>
+        <p:nvSpPr>
+          <p:cNvPr id="18" name="文本框 17"/>
+          <p:cNvSpPr txBox="1"/>
+          <p:nvPr/>
+        </p:nvSpPr>
+        <p:spPr>
+          <a:xfrm>
+            <a:off x="8333105" y="2790825"/>
+            <a:ext cx="809625" cy="306705"/>
+          </a:xfrm>
+          <a:prstGeom prst="rect">
+            <a:avLst/>
+          </a:prstGeom>
+          <a:noFill/>
+        </p:spPr>
+        <p:txBody>
+          <a:bodyPr wrap="square" rtlCol="0">
+            <a:spAutoFit/>
+          </a:bodyPr>
+          <a:lstStyle/>
+          <a:p>
+            <a:pPr algn="ctr"/>
+            <a:r>
+              <a:rPr lang="en-US" altLang="zh-CN" sz="1400" b="1">
+                <a:solidFill>
+                  <a:schemeClr val="tx1">
+                    <a:lumMod val="65000"/>
+                    <a:lumOff val="35000"/>
+                  </a:schemeClr>
+                </a:solidFill>
+                <a:latin typeface="微软雅黑" panose="020B0503020204020204" charset="-122"/>
+                <a:ea typeface="微软雅黑" panose="020B0503020204020204" charset="-122"/>
+              </a:rPr>
+              <a:t>fc6</a:t>
+            </a:r>
+            <a:endParaRPr lang="en-US" altLang="zh-CN" sz="1400" b="1">
+              <a:solidFill>
+                <a:schemeClr val="tx1">
+                  <a:lumMod val="65000"/>
+                  <a:lumOff val="35000"/>
+                </a:schemeClr>
+              </a:solidFill>
+              <a:latin typeface="微软雅黑" panose="020B0503020204020204" charset="-122"/>
+              <a:ea typeface="微软雅黑" panose="020B0503020204020204" charset="-122"/>
+            </a:endParaRPr>
+          </a:p>
+        </p:txBody>
+      </p:sp>
+      <p:pic>
+        <p:nvPicPr>
+          <p:cNvPr id="11" name="图片 10"/>
           <p:cNvPicPr>
             <a:picLocks noChangeAspect="1"/>
           </p:cNvPicPr>
@@ -16003,8 +16842,8 @@
         </p:blipFill>
         <p:spPr>
           <a:xfrm>
-            <a:off x="6564630" y="3369310"/>
-            <a:ext cx="431800" cy="405765"/>
+            <a:off x="8021955" y="3366770"/>
+            <a:ext cx="358775" cy="333375"/>
           </a:xfrm>
           <a:prstGeom prst="rect">
             <a:avLst/>
@@ -16013,7 +16852,55 @@
       </p:pic>
       <p:pic>
         <p:nvPicPr>
-          <p:cNvPr id="9" name="图片 8"/>
+          <p:cNvPr id="20" name="图片 19"/>
+          <p:cNvPicPr>
+            <a:picLocks noChangeAspect="1"/>
+          </p:cNvPicPr>
+          <p:nvPr/>
+        </p:nvPicPr>
+        <p:blipFill>
+          <a:blip r:embed="rId4"/>
+          <a:stretch>
+            <a:fillRect/>
+          </a:stretch>
+        </p:blipFill>
+        <p:spPr>
+          <a:xfrm>
+            <a:off x="8528050" y="3369310"/>
+            <a:ext cx="358775" cy="333375"/>
+          </a:xfrm>
+          <a:prstGeom prst="rect">
+            <a:avLst/>
+          </a:prstGeom>
+        </p:spPr>
+      </p:pic>
+      <p:pic>
+        <p:nvPicPr>
+          <p:cNvPr id="22" name="图片 21"/>
+          <p:cNvPicPr>
+            <a:picLocks noChangeAspect="1"/>
+          </p:cNvPicPr>
+          <p:nvPr/>
+        </p:nvPicPr>
+        <p:blipFill>
+          <a:blip r:embed="rId4"/>
+          <a:stretch>
+            <a:fillRect/>
+          </a:stretch>
+        </p:blipFill>
+        <p:spPr>
+          <a:xfrm>
+            <a:off x="9041130" y="3369310"/>
+            <a:ext cx="358775" cy="333375"/>
+          </a:xfrm>
+          <a:prstGeom prst="rect">
+            <a:avLst/>
+          </a:prstGeom>
+        </p:spPr>
+      </p:pic>
+      <p:pic>
+        <p:nvPicPr>
+          <p:cNvPr id="28" name="图片 27"/>
           <p:cNvPicPr>
             <a:picLocks noChangeAspect="1"/>
           </p:cNvPicPr>
@@ -16027,111 +16914,32 @@
         </p:blipFill>
         <p:spPr>
           <a:xfrm>
-            <a:off x="7084060" y="3369310"/>
-            <a:ext cx="433070" cy="403225"/>
+            <a:off x="9770745" y="3369945"/>
+            <a:ext cx="249555" cy="231140"/>
           </a:xfrm>
           <a:prstGeom prst="rect">
             <a:avLst/>
           </a:prstGeom>
         </p:spPr>
       </p:pic>
-      <p:sp>
-        <p:nvSpPr>
-          <p:cNvPr id="13" name="文本框 12"/>
-          <p:cNvSpPr txBox="1"/>
-          <p:nvPr/>
-        </p:nvSpPr>
-        <p:spPr>
-          <a:xfrm>
-            <a:off x="8451215" y="2367280"/>
-            <a:ext cx="2226310" cy="368300"/>
-          </a:xfrm>
-          <a:prstGeom prst="rect">
-            <a:avLst/>
-          </a:prstGeom>
-          <a:noFill/>
-        </p:spPr>
-        <p:txBody>
-          <a:bodyPr wrap="square" rtlCol="0">
-            <a:spAutoFit/>
-          </a:bodyPr>
-          <a:lstStyle/>
-          <a:p>
-            <a:pPr algn="ctr"/>
-            <a:r>
-              <a:rPr lang="en-US" altLang="zh-CN" b="1">
-                <a:solidFill>
-                  <a:srgbClr val="0070C0"/>
-                </a:solidFill>
-                <a:latin typeface="微软雅黑" panose="020B0503020204020204" charset="-122"/>
-                <a:ea typeface="微软雅黑" panose="020B0503020204020204" charset="-122"/>
-              </a:rPr>
-              <a:t>Classifier</a:t>
-            </a:r>
-          </a:p>
-        </p:txBody>
-      </p:sp>
-      <p:sp>
-        <p:nvSpPr>
-          <p:cNvPr id="14" name="文本框 13"/>
-          <p:cNvSpPr txBox="1"/>
-          <p:nvPr/>
-        </p:nvSpPr>
-        <p:spPr>
-          <a:xfrm>
-            <a:off x="8279130" y="3097530"/>
-            <a:ext cx="917575" cy="257175"/>
-          </a:xfrm>
-          <a:prstGeom prst="rect">
-            <a:avLst/>
-          </a:prstGeom>
-          <a:noFill/>
-        </p:spPr>
-        <p:txBody>
-          <a:bodyPr wrap="square" rtlCol="0">
-            <a:spAutoFit/>
-          </a:bodyPr>
-          <a:lstStyle/>
-          <a:p>
-            <a:pPr algn="ctr">
-              <a:lnSpc>
-                <a:spcPct val="90000"/>
-              </a:lnSpc>
-            </a:pPr>
-            <a:r>
-              <a:rPr lang="en-US" altLang="zh-CN" sz="1200" b="1">
-                <a:solidFill>
-                  <a:schemeClr val="tx1">
-                    <a:lumMod val="50000"/>
-                    <a:lumOff val="50000"/>
-                  </a:schemeClr>
-                </a:solidFill>
-                <a:latin typeface="微软雅黑" panose="020B0503020204020204" charset="-122"/>
-                <a:ea typeface="微软雅黑" panose="020B0503020204020204" charset="-122"/>
-              </a:rPr>
-              <a:t>conv 5x5</a:t>
-            </a:r>
-          </a:p>
-        </p:txBody>
-      </p:sp>
       <p:pic>
         <p:nvPicPr>
-          <p:cNvPr id="15" name="图片 14"/>
+          <p:cNvPr id="29" name="图片 28"/>
           <p:cNvPicPr>
             <a:picLocks noChangeAspect="1"/>
           </p:cNvPicPr>
           <p:nvPr/>
         </p:nvPicPr>
         <p:blipFill>
-          <a:blip r:embed="rId3"/>
+          <a:blip r:embed="rId6"/>
           <a:stretch>
             <a:fillRect/>
           </a:stretch>
         </p:blipFill>
         <p:spPr>
           <a:xfrm>
-            <a:off x="8021955" y="3366770"/>
-            <a:ext cx="431800" cy="405765"/>
+            <a:off x="10064750" y="3369310"/>
+            <a:ext cx="247650" cy="231775"/>
           </a:xfrm>
           <a:prstGeom prst="rect">
             <a:avLst/>
@@ -16140,22 +16948,22 @@
       </p:pic>
       <p:pic>
         <p:nvPicPr>
-          <p:cNvPr id="16" name="图片 15"/>
+          <p:cNvPr id="30" name="图片 29"/>
           <p:cNvPicPr>
             <a:picLocks noChangeAspect="1"/>
           </p:cNvPicPr>
           <p:nvPr/>
         </p:nvPicPr>
         <p:blipFill>
-          <a:blip r:embed="rId4"/>
+          <a:blip r:embed="rId7"/>
           <a:stretch>
             <a:fillRect/>
           </a:stretch>
         </p:blipFill>
         <p:spPr>
           <a:xfrm>
-            <a:off x="8521700" y="3366770"/>
-            <a:ext cx="431800" cy="405765"/>
+            <a:off x="10351770" y="3366770"/>
+            <a:ext cx="248920" cy="233680"/>
           </a:xfrm>
           <a:prstGeom prst="rect">
             <a:avLst/>
@@ -16164,7 +16972,79 @@
       </p:pic>
       <p:pic>
         <p:nvPicPr>
-          <p:cNvPr id="17" name="图片 16"/>
+          <p:cNvPr id="31" name="图片 30"/>
+          <p:cNvPicPr>
+            <a:picLocks noChangeAspect="1"/>
+          </p:cNvPicPr>
+          <p:nvPr/>
+        </p:nvPicPr>
+        <p:blipFill>
+          <a:blip r:embed="rId8"/>
+          <a:stretch>
+            <a:fillRect/>
+          </a:stretch>
+        </p:blipFill>
+        <p:spPr>
+          <a:xfrm>
+            <a:off x="9773920" y="3369945"/>
+            <a:ext cx="123825" cy="118745"/>
+          </a:xfrm>
+          <a:prstGeom prst="rect">
+            <a:avLst/>
+          </a:prstGeom>
+        </p:spPr>
+      </p:pic>
+      <p:pic>
+        <p:nvPicPr>
+          <p:cNvPr id="32" name="图片 31"/>
+          <p:cNvPicPr>
+            <a:picLocks noChangeAspect="1"/>
+          </p:cNvPicPr>
+          <p:nvPr/>
+        </p:nvPicPr>
+        <p:blipFill>
+          <a:blip r:embed="rId8"/>
+          <a:stretch>
+            <a:fillRect/>
+          </a:stretch>
+        </p:blipFill>
+        <p:spPr>
+          <a:xfrm>
+            <a:off x="10067925" y="3369945"/>
+            <a:ext cx="123825" cy="118745"/>
+          </a:xfrm>
+          <a:prstGeom prst="rect">
+            <a:avLst/>
+          </a:prstGeom>
+        </p:spPr>
+      </p:pic>
+      <p:pic>
+        <p:nvPicPr>
+          <p:cNvPr id="33" name="图片 32"/>
+          <p:cNvPicPr>
+            <a:picLocks noChangeAspect="1"/>
+          </p:cNvPicPr>
+          <p:nvPr/>
+        </p:nvPicPr>
+        <p:blipFill>
+          <a:blip r:embed="rId8"/>
+          <a:stretch>
+            <a:fillRect/>
+          </a:stretch>
+        </p:blipFill>
+        <p:spPr>
+          <a:xfrm>
+            <a:off x="10354945" y="3366770"/>
+            <a:ext cx="123825" cy="118745"/>
+          </a:xfrm>
+          <a:prstGeom prst="rect">
+            <a:avLst/>
+          </a:prstGeom>
+        </p:spPr>
+      </p:pic>
+      <p:pic>
+        <p:nvPicPr>
+          <p:cNvPr id="34" name="图片 33"/>
           <p:cNvPicPr>
             <a:picLocks noChangeAspect="1"/>
           </p:cNvPicPr>
@@ -16178,56 +17058,17 @@
         </p:blipFill>
         <p:spPr>
           <a:xfrm>
-            <a:off x="9041130" y="3366770"/>
-            <a:ext cx="433070" cy="403225"/>
+            <a:off x="10854690" y="3367405"/>
+            <a:ext cx="249555" cy="231140"/>
           </a:xfrm>
           <a:prstGeom prst="rect">
             <a:avLst/>
           </a:prstGeom>
         </p:spPr>
       </p:pic>
-      <p:sp>
-        <p:nvSpPr>
-          <p:cNvPr id="18" name="文本框 17"/>
-          <p:cNvSpPr txBox="1"/>
-          <p:nvPr/>
-        </p:nvSpPr>
-        <p:spPr>
-          <a:xfrm>
-            <a:off x="8333105" y="2790825"/>
-            <a:ext cx="809625" cy="306705"/>
-          </a:xfrm>
-          <a:prstGeom prst="rect">
-            <a:avLst/>
-          </a:prstGeom>
-          <a:noFill/>
-        </p:spPr>
-        <p:txBody>
-          <a:bodyPr wrap="square" rtlCol="0">
-            <a:spAutoFit/>
-          </a:bodyPr>
-          <a:lstStyle/>
-          <a:p>
-            <a:pPr algn="ctr"/>
-            <a:r>
-              <a:rPr lang="en-US" altLang="zh-CN" sz="1400" b="1">
-                <a:solidFill>
-                  <a:schemeClr val="tx1">
-                    <a:lumMod val="65000"/>
-                    <a:lumOff val="35000"/>
-                  </a:schemeClr>
-                </a:solidFill>
-                <a:latin typeface="微软雅黑" panose="020B0503020204020204" charset="-122"/>
-                <a:ea typeface="微软雅黑" panose="020B0503020204020204" charset="-122"/>
-              </a:rPr>
-              <a:t>fc6</a:t>
-            </a:r>
-          </a:p>
-        </p:txBody>
-      </p:sp>
       <p:pic>
         <p:nvPicPr>
-          <p:cNvPr id="11" name="图片 10"/>
+          <p:cNvPr id="35" name="图片 34"/>
           <p:cNvPicPr>
             <a:picLocks noChangeAspect="1"/>
           </p:cNvPicPr>
@@ -16241,8 +17082,8 @@
         </p:blipFill>
         <p:spPr>
           <a:xfrm>
-            <a:off x="8021955" y="3366770"/>
-            <a:ext cx="358775" cy="333375"/>
+            <a:off x="11148695" y="3366770"/>
+            <a:ext cx="247650" cy="231775"/>
           </a:xfrm>
           <a:prstGeom prst="rect">
             <a:avLst/>
@@ -16251,55 +17092,7 @@
       </p:pic>
       <p:pic>
         <p:nvPicPr>
-          <p:cNvPr id="20" name="图片 19"/>
-          <p:cNvPicPr>
-            <a:picLocks noChangeAspect="1"/>
-          </p:cNvPicPr>
-          <p:nvPr/>
-        </p:nvPicPr>
-        <p:blipFill>
-          <a:blip r:embed="rId6"/>
-          <a:stretch>
-            <a:fillRect/>
-          </a:stretch>
-        </p:blipFill>
-        <p:spPr>
-          <a:xfrm>
-            <a:off x="8528050" y="3369310"/>
-            <a:ext cx="358775" cy="333375"/>
-          </a:xfrm>
-          <a:prstGeom prst="rect">
-            <a:avLst/>
-          </a:prstGeom>
-        </p:spPr>
-      </p:pic>
-      <p:pic>
-        <p:nvPicPr>
-          <p:cNvPr id="22" name="图片 21"/>
-          <p:cNvPicPr>
-            <a:picLocks noChangeAspect="1"/>
-          </p:cNvPicPr>
-          <p:nvPr/>
-        </p:nvPicPr>
-        <p:blipFill>
-          <a:blip r:embed="rId6"/>
-          <a:stretch>
-            <a:fillRect/>
-          </a:stretch>
-        </p:blipFill>
-        <p:spPr>
-          <a:xfrm>
-            <a:off x="9041130" y="3369310"/>
-            <a:ext cx="358775" cy="333375"/>
-          </a:xfrm>
-          <a:prstGeom prst="rect">
-            <a:avLst/>
-          </a:prstGeom>
-        </p:spPr>
-      </p:pic>
-      <p:pic>
-        <p:nvPicPr>
-          <p:cNvPr id="28" name="图片 27"/>
+          <p:cNvPr id="36" name="图片 35"/>
           <p:cNvPicPr>
             <a:picLocks noChangeAspect="1"/>
           </p:cNvPicPr>
@@ -16313,8 +17106,8 @@
         </p:blipFill>
         <p:spPr>
           <a:xfrm>
-            <a:off x="9770745" y="3369945"/>
-            <a:ext cx="249555" cy="231140"/>
+            <a:off x="11435715" y="3364230"/>
+            <a:ext cx="248920" cy="233680"/>
           </a:xfrm>
           <a:prstGeom prst="rect">
             <a:avLst/>
@@ -16323,7 +17116,7 @@
       </p:pic>
       <p:pic>
         <p:nvPicPr>
-          <p:cNvPr id="29" name="图片 28"/>
+          <p:cNvPr id="37" name="图片 36"/>
           <p:cNvPicPr>
             <a:picLocks noChangeAspect="1"/>
           </p:cNvPicPr>
@@ -16337,8 +17130,8 @@
         </p:blipFill>
         <p:spPr>
           <a:xfrm>
-            <a:off x="10064750" y="3369310"/>
-            <a:ext cx="247650" cy="231775"/>
+            <a:off x="10857865" y="3367405"/>
+            <a:ext cx="123825" cy="118745"/>
           </a:xfrm>
           <a:prstGeom prst="rect">
             <a:avLst/>
@@ -16347,127 +17140,7 @@
       </p:pic>
       <p:pic>
         <p:nvPicPr>
-          <p:cNvPr id="30" name="图片 29"/>
-          <p:cNvPicPr>
-            <a:picLocks noChangeAspect="1"/>
-          </p:cNvPicPr>
-          <p:nvPr/>
-        </p:nvPicPr>
-        <p:blipFill>
-          <a:blip r:embed="rId9"/>
-          <a:stretch>
-            <a:fillRect/>
-          </a:stretch>
-        </p:blipFill>
-        <p:spPr>
-          <a:xfrm>
-            <a:off x="10351770" y="3366770"/>
-            <a:ext cx="248920" cy="233680"/>
-          </a:xfrm>
-          <a:prstGeom prst="rect">
-            <a:avLst/>
-          </a:prstGeom>
-        </p:spPr>
-      </p:pic>
-      <p:pic>
-        <p:nvPicPr>
-          <p:cNvPr id="31" name="图片 30"/>
-          <p:cNvPicPr>
-            <a:picLocks noChangeAspect="1"/>
-          </p:cNvPicPr>
-          <p:nvPr/>
-        </p:nvPicPr>
-        <p:blipFill>
-          <a:blip r:embed="rId10"/>
-          <a:stretch>
-            <a:fillRect/>
-          </a:stretch>
-        </p:blipFill>
-        <p:spPr>
-          <a:xfrm>
-            <a:off x="9773920" y="3369945"/>
-            <a:ext cx="123825" cy="118745"/>
-          </a:xfrm>
-          <a:prstGeom prst="rect">
-            <a:avLst/>
-          </a:prstGeom>
-        </p:spPr>
-      </p:pic>
-      <p:pic>
-        <p:nvPicPr>
-          <p:cNvPr id="32" name="图片 31"/>
-          <p:cNvPicPr>
-            <a:picLocks noChangeAspect="1"/>
-          </p:cNvPicPr>
-          <p:nvPr/>
-        </p:nvPicPr>
-        <p:blipFill>
-          <a:blip r:embed="rId10"/>
-          <a:stretch>
-            <a:fillRect/>
-          </a:stretch>
-        </p:blipFill>
-        <p:spPr>
-          <a:xfrm>
-            <a:off x="10067925" y="3369945"/>
-            <a:ext cx="123825" cy="118745"/>
-          </a:xfrm>
-          <a:prstGeom prst="rect">
-            <a:avLst/>
-          </a:prstGeom>
-        </p:spPr>
-      </p:pic>
-      <p:pic>
-        <p:nvPicPr>
-          <p:cNvPr id="33" name="图片 32"/>
-          <p:cNvPicPr>
-            <a:picLocks noChangeAspect="1"/>
-          </p:cNvPicPr>
-          <p:nvPr/>
-        </p:nvPicPr>
-        <p:blipFill>
-          <a:blip r:embed="rId10"/>
-          <a:stretch>
-            <a:fillRect/>
-          </a:stretch>
-        </p:blipFill>
-        <p:spPr>
-          <a:xfrm>
-            <a:off x="10354945" y="3366770"/>
-            <a:ext cx="123825" cy="118745"/>
-          </a:xfrm>
-          <a:prstGeom prst="rect">
-            <a:avLst/>
-          </a:prstGeom>
-        </p:spPr>
-      </p:pic>
-      <p:pic>
-        <p:nvPicPr>
-          <p:cNvPr id="34" name="图片 33"/>
-          <p:cNvPicPr>
-            <a:picLocks noChangeAspect="1"/>
-          </p:cNvPicPr>
-          <p:nvPr/>
-        </p:nvPicPr>
-        <p:blipFill>
-          <a:blip r:embed="rId7"/>
-          <a:stretch>
-            <a:fillRect/>
-          </a:stretch>
-        </p:blipFill>
-        <p:spPr>
-          <a:xfrm>
-            <a:off x="10854690" y="3367405"/>
-            <a:ext cx="249555" cy="231140"/>
-          </a:xfrm>
-          <a:prstGeom prst="rect">
-            <a:avLst/>
-          </a:prstGeom>
-        </p:spPr>
-      </p:pic>
-      <p:pic>
-        <p:nvPicPr>
-          <p:cNvPr id="35" name="图片 34"/>
+          <p:cNvPr id="38" name="图片 37"/>
           <p:cNvPicPr>
             <a:picLocks noChangeAspect="1"/>
           </p:cNvPicPr>
@@ -16481,78 +17154,6 @@
         </p:blipFill>
         <p:spPr>
           <a:xfrm>
-            <a:off x="11148695" y="3366770"/>
-            <a:ext cx="247650" cy="231775"/>
-          </a:xfrm>
-          <a:prstGeom prst="rect">
-            <a:avLst/>
-          </a:prstGeom>
-        </p:spPr>
-      </p:pic>
-      <p:pic>
-        <p:nvPicPr>
-          <p:cNvPr id="36" name="图片 35"/>
-          <p:cNvPicPr>
-            <a:picLocks noChangeAspect="1"/>
-          </p:cNvPicPr>
-          <p:nvPr/>
-        </p:nvPicPr>
-        <p:blipFill>
-          <a:blip r:embed="rId9"/>
-          <a:stretch>
-            <a:fillRect/>
-          </a:stretch>
-        </p:blipFill>
-        <p:spPr>
-          <a:xfrm>
-            <a:off x="11435715" y="3364230"/>
-            <a:ext cx="248920" cy="233680"/>
-          </a:xfrm>
-          <a:prstGeom prst="rect">
-            <a:avLst/>
-          </a:prstGeom>
-        </p:spPr>
-      </p:pic>
-      <p:pic>
-        <p:nvPicPr>
-          <p:cNvPr id="37" name="图片 36"/>
-          <p:cNvPicPr>
-            <a:picLocks noChangeAspect="1"/>
-          </p:cNvPicPr>
-          <p:nvPr/>
-        </p:nvPicPr>
-        <p:blipFill>
-          <a:blip r:embed="rId10"/>
-          <a:stretch>
-            <a:fillRect/>
-          </a:stretch>
-        </p:blipFill>
-        <p:spPr>
-          <a:xfrm>
-            <a:off x="10857865" y="3367405"/>
-            <a:ext cx="123825" cy="118745"/>
-          </a:xfrm>
-          <a:prstGeom prst="rect">
-            <a:avLst/>
-          </a:prstGeom>
-        </p:spPr>
-      </p:pic>
-      <p:pic>
-        <p:nvPicPr>
-          <p:cNvPr id="38" name="图片 37"/>
-          <p:cNvPicPr>
-            <a:picLocks noChangeAspect="1"/>
-          </p:cNvPicPr>
-          <p:nvPr/>
-        </p:nvPicPr>
-        <p:blipFill>
-          <a:blip r:embed="rId10"/>
-          <a:stretch>
-            <a:fillRect/>
-          </a:stretch>
-        </p:blipFill>
-        <p:spPr>
-          <a:xfrm>
             <a:off x="11151870" y="3367405"/>
             <a:ext cx="123825" cy="118745"/>
           </a:xfrm>
@@ -16570,7 +17171,7 @@
           <p:nvPr/>
         </p:nvPicPr>
         <p:blipFill>
-          <a:blip r:embed="rId10"/>
+          <a:blip r:embed="rId8"/>
           <a:stretch>
             <a:fillRect/>
           </a:stretch>
@@ -16625,6 +17226,16 @@
               </a:rPr>
               <a:t>conv 1x1</a:t>
             </a:r>
+            <a:endParaRPr lang="en-US" altLang="zh-CN" sz="1200" b="1">
+              <a:solidFill>
+                <a:schemeClr val="tx1">
+                  <a:lumMod val="50000"/>
+                  <a:lumOff val="50000"/>
+                </a:schemeClr>
+              </a:solidFill>
+              <a:latin typeface="微软雅黑" panose="020B0503020204020204" charset="-122"/>
+              <a:ea typeface="微软雅黑" panose="020B0503020204020204" charset="-122"/>
+            </a:endParaRPr>
           </a:p>
         </p:txBody>
       </p:sp>
@@ -16664,6 +17275,16 @@
               </a:rPr>
               <a:t>fc7</a:t>
             </a:r>
+            <a:endParaRPr lang="en-US" altLang="zh-CN" sz="1400" b="1">
+              <a:solidFill>
+                <a:schemeClr val="tx1">
+                  <a:lumMod val="65000"/>
+                  <a:lumOff val="35000"/>
+                </a:schemeClr>
+              </a:solidFill>
+              <a:latin typeface="微软雅黑" panose="020B0503020204020204" charset="-122"/>
+              <a:ea typeface="微软雅黑" panose="020B0503020204020204" charset="-122"/>
+            </a:endParaRPr>
           </a:p>
         </p:txBody>
       </p:sp>
@@ -16707,6 +17328,16 @@
               </a:rPr>
               <a:t>conv 1x1</a:t>
             </a:r>
+            <a:endParaRPr lang="en-US" altLang="zh-CN" sz="1200" b="1">
+              <a:solidFill>
+                <a:schemeClr val="tx1">
+                  <a:lumMod val="50000"/>
+                  <a:lumOff val="50000"/>
+                </a:schemeClr>
+              </a:solidFill>
+              <a:latin typeface="微软雅黑" panose="020B0503020204020204" charset="-122"/>
+              <a:ea typeface="微软雅黑" panose="020B0503020204020204" charset="-122"/>
+            </a:endParaRPr>
           </a:p>
         </p:txBody>
       </p:sp>
@@ -16746,6 +17377,16 @@
               </a:rPr>
               <a:t>fc8</a:t>
             </a:r>
+            <a:endParaRPr lang="en-US" altLang="zh-CN" sz="1400" b="1">
+              <a:solidFill>
+                <a:schemeClr val="tx1">
+                  <a:lumMod val="65000"/>
+                  <a:lumOff val="35000"/>
+                </a:schemeClr>
+              </a:solidFill>
+              <a:latin typeface="微软雅黑" panose="020B0503020204020204" charset="-122"/>
+              <a:ea typeface="微软雅黑" panose="020B0503020204020204" charset="-122"/>
+            </a:endParaRPr>
           </a:p>
         </p:txBody>
       </p:sp>
@@ -16897,6 +17538,15 @@
               </a:rPr>
               <a:t>221x221x96</a:t>
             </a:r>
+            <a:endParaRPr lang="en-US" altLang="zh-CN" sz="800">
+              <a:solidFill>
+                <a:schemeClr val="tx1">
+                  <a:lumMod val="50000"/>
+                  <a:lumOff val="50000"/>
+                </a:schemeClr>
+              </a:solidFill>
+              <a:latin typeface="Arial" panose="020B0604020202090204" pitchFamily="34" charset="0"/>
+            </a:endParaRPr>
           </a:p>
         </p:txBody>
       </p:sp>
@@ -16954,6 +17604,15 @@
               </a:rPr>
               <a:t>36x36x256</a:t>
             </a:r>
+            <a:endParaRPr lang="en-US" altLang="zh-CN" sz="800">
+              <a:solidFill>
+                <a:schemeClr val="tx1">
+                  <a:lumMod val="50000"/>
+                  <a:lumOff val="50000"/>
+                </a:schemeClr>
+              </a:solidFill>
+              <a:latin typeface="Arial" panose="020B0604020202090204" pitchFamily="34" charset="0"/>
+            </a:endParaRPr>
           </a:p>
         </p:txBody>
       </p:sp>
@@ -17011,6 +17670,15 @@
               </a:rPr>
               <a:t>15x15x512</a:t>
             </a:r>
+            <a:endParaRPr lang="en-US" altLang="zh-CN" sz="800">
+              <a:solidFill>
+                <a:schemeClr val="tx1">
+                  <a:lumMod val="50000"/>
+                  <a:lumOff val="50000"/>
+                </a:schemeClr>
+              </a:solidFill>
+              <a:latin typeface="Arial" panose="020B0604020202090204" pitchFamily="34" charset="0"/>
+            </a:endParaRPr>
           </a:p>
         </p:txBody>
       </p:sp>
@@ -17068,6 +17736,15 @@
               </a:rPr>
               <a:t>15x15x512</a:t>
             </a:r>
+            <a:endParaRPr lang="en-US" altLang="zh-CN" sz="800">
+              <a:solidFill>
+                <a:schemeClr val="tx1">
+                  <a:lumMod val="50000"/>
+                  <a:lumOff val="50000"/>
+                </a:schemeClr>
+              </a:solidFill>
+              <a:latin typeface="Arial" panose="020B0604020202090204" pitchFamily="34" charset="0"/>
+            </a:endParaRPr>
           </a:p>
         </p:txBody>
       </p:sp>
@@ -17125,6 +17802,15 @@
               </a:rPr>
               <a:t>15x15x1024</a:t>
             </a:r>
+            <a:endParaRPr lang="en-US" altLang="zh-CN" sz="800">
+              <a:solidFill>
+                <a:schemeClr val="tx1">
+                  <a:lumMod val="50000"/>
+                  <a:lumOff val="50000"/>
+                </a:schemeClr>
+              </a:solidFill>
+              <a:latin typeface="Arial" panose="020B0604020202090204" pitchFamily="34" charset="0"/>
+            </a:endParaRPr>
           </a:p>
         </p:txBody>
       </p:sp>
@@ -17161,6 +17847,13 @@
               </a:rPr>
               <a:t>Regressor</a:t>
             </a:r>
+            <a:endParaRPr lang="en-US" altLang="zh-CN" b="1">
+              <a:solidFill>
+                <a:srgbClr val="0070C0"/>
+              </a:solidFill>
+              <a:latin typeface="微软雅黑" panose="020B0503020204020204" charset="-122"/>
+              <a:ea typeface="微软雅黑" panose="020B0503020204020204" charset="-122"/>
+            </a:endParaRPr>
           </a:p>
         </p:txBody>
       </p:sp>
@@ -17200,6 +17893,16 @@
               </a:rPr>
               <a:t>fc6</a:t>
             </a:r>
+            <a:endParaRPr lang="en-US" altLang="zh-CN" sz="1400" b="1">
+              <a:solidFill>
+                <a:schemeClr val="tx1">
+                  <a:lumMod val="65000"/>
+                  <a:lumOff val="35000"/>
+                </a:schemeClr>
+              </a:solidFill>
+              <a:latin typeface="微软雅黑" panose="020B0503020204020204" charset="-122"/>
+              <a:ea typeface="微软雅黑" panose="020B0503020204020204" charset="-122"/>
+            </a:endParaRPr>
           </a:p>
           <a:p>
             <a:pPr algn="ctr"/>
@@ -17229,6 +17932,16 @@
               </a:rPr>
               <a:t>通道</a:t>
             </a:r>
+            <a:endParaRPr lang="zh-CN" altLang="en-US" sz="1000" b="1">
+              <a:solidFill>
+                <a:schemeClr val="tx1">
+                  <a:lumMod val="65000"/>
+                  <a:lumOff val="35000"/>
+                </a:schemeClr>
+              </a:solidFill>
+              <a:latin typeface="微软雅黑" panose="020B0503020204020204" charset="-122"/>
+              <a:ea typeface="微软雅黑" panose="020B0503020204020204" charset="-122"/>
+            </a:endParaRPr>
           </a:p>
         </p:txBody>
       </p:sp>
@@ -17268,6 +17981,16 @@
               </a:rPr>
               <a:t>fc7</a:t>
             </a:r>
+            <a:endParaRPr lang="en-US" altLang="zh-CN" sz="1400" b="1">
+              <a:solidFill>
+                <a:schemeClr val="tx1">
+                  <a:lumMod val="65000"/>
+                  <a:lumOff val="35000"/>
+                </a:schemeClr>
+              </a:solidFill>
+              <a:latin typeface="微软雅黑" panose="020B0503020204020204" charset="-122"/>
+              <a:ea typeface="微软雅黑" panose="020B0503020204020204" charset="-122"/>
+            </a:endParaRPr>
           </a:p>
           <a:p>
             <a:pPr algn="ctr"/>
@@ -17361,6 +18084,16 @@
               </a:rPr>
               <a:t>fc8</a:t>
             </a:r>
+            <a:endParaRPr lang="en-US" altLang="zh-CN" sz="1400" b="1">
+              <a:solidFill>
+                <a:schemeClr val="tx1">
+                  <a:lumMod val="65000"/>
+                  <a:lumOff val="35000"/>
+                </a:schemeClr>
+              </a:solidFill>
+              <a:latin typeface="微软雅黑" panose="020B0503020204020204" charset="-122"/>
+              <a:ea typeface="微软雅黑" panose="020B0503020204020204" charset="-122"/>
+            </a:endParaRPr>
           </a:p>
           <a:p>
             <a:pPr algn="ctr"/>
@@ -17390,6 +18123,16 @@
               </a:rPr>
               <a:t>通道</a:t>
             </a:r>
+            <a:endParaRPr lang="zh-CN" altLang="en-US" sz="1000" b="1">
+              <a:solidFill>
+                <a:schemeClr val="tx1">
+                  <a:lumMod val="65000"/>
+                  <a:lumOff val="35000"/>
+                </a:schemeClr>
+              </a:solidFill>
+              <a:latin typeface="微软雅黑" panose="020B0503020204020204" charset="-122"/>
+              <a:ea typeface="微软雅黑" panose="020B0503020204020204" charset="-122"/>
+            </a:endParaRPr>
           </a:p>
         </p:txBody>
       </p:sp>
@@ -17430,6 +18173,13 @@
               </a:rPr>
               <a:t>全卷积网络</a:t>
             </a:r>
+            <a:endParaRPr lang="zh-CN" altLang="en-US" b="1">
+              <a:solidFill>
+                <a:srgbClr val="C00000"/>
+              </a:solidFill>
+              <a:latin typeface="微软雅黑" panose="020B0503020204020204" charset="-122"/>
+              <a:ea typeface="微软雅黑" panose="020B0503020204020204" charset="-122"/>
+            </a:endParaRPr>
           </a:p>
         </p:txBody>
       </p:sp>
@@ -17495,6 +18245,16 @@
               </a:rPr>
               <a:t>通道</a:t>
             </a:r>
+            <a:endParaRPr lang="zh-CN" altLang="en-US" sz="1000" b="1">
+              <a:solidFill>
+                <a:schemeClr val="tx1">
+                  <a:lumMod val="65000"/>
+                  <a:lumOff val="35000"/>
+                </a:schemeClr>
+              </a:solidFill>
+              <a:latin typeface="微软雅黑" panose="020B0503020204020204" charset="-122"/>
+              <a:ea typeface="微软雅黑" panose="020B0503020204020204" charset="-122"/>
+            </a:endParaRPr>
           </a:p>
         </p:txBody>
       </p:sp>
@@ -17613,6 +18373,16 @@
               </a:rPr>
               <a:t>Sliding Windows</a:t>
             </a:r>
+            <a:endParaRPr lang="en-US" altLang="zh-CN" sz="1400" b="1">
+              <a:solidFill>
+                <a:schemeClr val="tx1">
+                  <a:lumMod val="50000"/>
+                  <a:lumOff val="50000"/>
+                </a:schemeClr>
+              </a:solidFill>
+              <a:latin typeface="微软雅黑" panose="020B0503020204020204" charset="-122"/>
+              <a:ea typeface="微软雅黑" panose="020B0503020204020204" charset="-122"/>
+            </a:endParaRPr>
           </a:p>
           <a:p>
             <a:pPr algn="ctr">
@@ -17633,6 +18403,16 @@
               </a:rPr>
               <a:t>产生的多个预测值被</a:t>
             </a:r>
+            <a:endParaRPr lang="zh-CN" altLang="en-US" sz="1400" b="1">
+              <a:solidFill>
+                <a:schemeClr val="tx1">
+                  <a:lumMod val="50000"/>
+                  <a:lumOff val="50000"/>
+                </a:schemeClr>
+              </a:solidFill>
+              <a:latin typeface="微软雅黑" panose="020B0503020204020204" charset="-122"/>
+              <a:ea typeface="微软雅黑" panose="020B0503020204020204" charset="-122"/>
+            </a:endParaRPr>
           </a:p>
           <a:p>
             <a:pPr algn="ctr">
@@ -17679,6 +18459,16 @@
               </a:rPr>
               <a:t>交叉验证丢弃</a:t>
             </a:r>
+            <a:endParaRPr lang="zh-CN" altLang="en-US" sz="1400" b="1">
+              <a:solidFill>
+                <a:schemeClr val="tx1">
+                  <a:lumMod val="50000"/>
+                  <a:lumOff val="50000"/>
+                </a:schemeClr>
+              </a:solidFill>
+              <a:latin typeface="微软雅黑" panose="020B0503020204020204" charset="-122"/>
+              <a:ea typeface="微软雅黑" panose="020B0503020204020204" charset="-122"/>
+            </a:endParaRPr>
           </a:p>
         </p:txBody>
       </p:sp>
@@ -17736,6 +18526,10 @@
               </a:rPr>
               <a:t>RCNN</a:t>
             </a:r>
+            <a:endParaRPr lang="en-US" altLang="zh-CN" sz="2800" b="1">
+              <a:latin typeface="微软雅黑" panose="020B0503020204020204" charset="-122"/>
+              <a:ea typeface="微软雅黑" panose="020B0503020204020204" charset="-122"/>
+            </a:endParaRPr>
           </a:p>
         </p:txBody>
       </p:sp>
@@ -17769,6 +18563,10 @@
               </a:rPr>
               <a:t>227x227x3</a:t>
             </a:r>
+            <a:endParaRPr lang="en-US" altLang="zh-CN" sz="1000">
+              <a:latin typeface="微软雅黑" panose="020B0503020204020204" charset="-122"/>
+              <a:ea typeface="微软雅黑" panose="020B0503020204020204" charset="-122"/>
+            </a:endParaRPr>
           </a:p>
         </p:txBody>
       </p:sp>
@@ -17815,6 +18613,13 @@
               </a:rPr>
               <a:t>输入图像</a:t>
             </a:r>
+            <a:endParaRPr lang="zh-CN" altLang="en-US" sz="1400" b="1">
+              <a:solidFill>
+                <a:srgbClr val="0070C0"/>
+              </a:solidFill>
+              <a:latin typeface="微软雅黑" panose="020B0503020204020204" charset="-122"/>
+              <a:ea typeface="微软雅黑" panose="020B0503020204020204" charset="-122"/>
+            </a:endParaRPr>
           </a:p>
         </p:txBody>
       </p:sp>
@@ -17881,6 +18686,13 @@
               </a:rPr>
               <a:t>）</a:t>
             </a:r>
+            <a:endParaRPr lang="zh-CN" altLang="en-US" sz="1400" b="1">
+              <a:solidFill>
+                <a:srgbClr val="0070C0"/>
+              </a:solidFill>
+              <a:latin typeface="微软雅黑" panose="020B0503020204020204" charset="-122"/>
+              <a:ea typeface="微软雅黑" panose="020B0503020204020204" charset="-122"/>
+            </a:endParaRPr>
           </a:p>
         </p:txBody>
       </p:sp>
@@ -17937,6 +18749,13 @@
               </a:rPr>
               <a:t>）</a:t>
             </a:r>
+            <a:endParaRPr lang="zh-CN" altLang="en-US" sz="1400" b="1">
+              <a:solidFill>
+                <a:srgbClr val="0070C0"/>
+              </a:solidFill>
+              <a:latin typeface="微软雅黑" panose="020B0503020204020204" charset="-122"/>
+              <a:ea typeface="微软雅黑" panose="020B0503020204020204" charset="-122"/>
+            </a:endParaRPr>
           </a:p>
         </p:txBody>
       </p:sp>
@@ -18049,6 +18868,13 @@
               </a:rPr>
               <a:t>图像仿射扭曲</a:t>
             </a:r>
+            <a:endParaRPr lang="zh-CN" altLang="en-US" sz="1400" b="1">
+              <a:solidFill>
+                <a:srgbClr val="0070C0"/>
+              </a:solidFill>
+              <a:latin typeface="微软雅黑" panose="020B0503020204020204" charset="-122"/>
+              <a:ea typeface="微软雅黑" panose="020B0503020204020204" charset="-122"/>
+            </a:endParaRPr>
           </a:p>
         </p:txBody>
       </p:sp>
@@ -18120,6 +18946,16 @@
               </a:rPr>
               <a:t>维</a:t>
             </a:r>
+            <a:endParaRPr lang="zh-CN" altLang="en-US" sz="1200">
+              <a:solidFill>
+                <a:schemeClr val="tx1">
+                  <a:lumMod val="50000"/>
+                  <a:lumOff val="50000"/>
+                </a:schemeClr>
+              </a:solidFill>
+              <a:latin typeface="微软雅黑" panose="020B0503020204020204" charset="-122"/>
+              <a:ea typeface="微软雅黑" panose="020B0503020204020204" charset="-122"/>
+            </a:endParaRPr>
           </a:p>
           <a:p>
             <a:pPr indent="0" algn="l">
@@ -18155,6 +18991,16 @@
               </a:rPr>
               <a:t>非零</a:t>
             </a:r>
+            <a:endParaRPr lang="zh-CN" altLang="en-US" sz="1200">
+              <a:solidFill>
+                <a:schemeClr val="tx1">
+                  <a:lumMod val="50000"/>
+                  <a:lumOff val="50000"/>
+                </a:schemeClr>
+              </a:solidFill>
+              <a:latin typeface="微软雅黑" panose="020B0503020204020204" charset="-122"/>
+              <a:ea typeface="微软雅黑" panose="020B0503020204020204" charset="-122"/>
+            </a:endParaRPr>
           </a:p>
           <a:p>
             <a:pPr marL="285750" indent="-285750" algn="l">
@@ -18222,6 +19068,16 @@
               </a:rPr>
               <a:t>维</a:t>
             </a:r>
+            <a:endParaRPr lang="zh-CN" altLang="en-US" sz="1200">
+              <a:solidFill>
+                <a:schemeClr val="tx1">
+                  <a:lumMod val="50000"/>
+                  <a:lumOff val="50000"/>
+                </a:schemeClr>
+              </a:solidFill>
+              <a:latin typeface="微软雅黑" panose="020B0503020204020204" charset="-122"/>
+              <a:ea typeface="微软雅黑" panose="020B0503020204020204" charset="-122"/>
+            </a:endParaRPr>
           </a:p>
           <a:p>
             <a:pPr indent="0" algn="l">
@@ -18257,6 +19113,16 @@
               </a:rPr>
               <a:t>非零</a:t>
             </a:r>
+            <a:endParaRPr lang="zh-CN" altLang="en-US" sz="1200">
+              <a:solidFill>
+                <a:schemeClr val="tx1">
+                  <a:lumMod val="50000"/>
+                  <a:lumOff val="50000"/>
+                </a:schemeClr>
+              </a:solidFill>
+              <a:latin typeface="微软雅黑" panose="020B0503020204020204" charset="-122"/>
+              <a:ea typeface="微软雅黑" panose="020B0503020204020204" charset="-122"/>
+            </a:endParaRPr>
           </a:p>
           <a:p>
             <a:pPr marL="285750" indent="-285750" algn="l">
@@ -18374,6 +19240,17 @@
               </a:rPr>
               <a:t>非零</a:t>
             </a:r>
+            <a:endParaRPr lang="zh-CN" altLang="en-US" sz="1200">
+              <a:solidFill>
+                <a:schemeClr val="tx1">
+                  <a:lumMod val="50000"/>
+                  <a:lumOff val="50000"/>
+                </a:schemeClr>
+              </a:solidFill>
+              <a:latin typeface="微软雅黑" panose="020B0503020204020204" charset="-122"/>
+              <a:ea typeface="微软雅黑" panose="020B0503020204020204" charset="-122"/>
+              <a:sym typeface="+mn-ea"/>
+            </a:endParaRPr>
           </a:p>
         </p:txBody>
       </p:sp>
@@ -18454,6 +19331,13 @@
               </a:rPr>
               <a:t>每一类都训练一个</a:t>
             </a:r>
+            <a:endParaRPr lang="zh-CN" altLang="en-US" sz="1400" b="1">
+              <a:solidFill>
+                <a:srgbClr val="0070C0"/>
+              </a:solidFill>
+              <a:latin typeface="微软雅黑" panose="020B0503020204020204" charset="-122"/>
+              <a:ea typeface="微软雅黑" panose="020B0503020204020204" charset="-122"/>
+            </a:endParaRPr>
           </a:p>
           <a:p>
             <a:pPr algn="ctr">
@@ -18511,6 +19395,13 @@
               </a:rPr>
               <a:t>背景）</a:t>
             </a:r>
+            <a:endParaRPr lang="zh-CN" altLang="en-US" sz="1400" b="1">
+              <a:solidFill>
+                <a:srgbClr val="0070C0"/>
+              </a:solidFill>
+              <a:latin typeface="微软雅黑" panose="020B0503020204020204" charset="-122"/>
+              <a:ea typeface="微软雅黑" panose="020B0503020204020204" charset="-122"/>
+            </a:endParaRPr>
           </a:p>
         </p:txBody>
       </p:sp>
@@ -18631,6 +19522,13 @@
               </a:rPr>
               <a:t>检测</a:t>
             </a:r>
+            <a:endParaRPr lang="zh-CN" altLang="en-US" sz="1600" b="1" u="sng">
+              <a:solidFill>
+                <a:srgbClr val="C00000"/>
+              </a:solidFill>
+              <a:latin typeface="微软雅黑" panose="020B0503020204020204" charset="-122"/>
+              <a:ea typeface="微软雅黑" panose="020B0503020204020204" charset="-122"/>
+            </a:endParaRPr>
           </a:p>
           <a:p>
             <a:pPr algn="ctr">
@@ -18716,6 +19614,16 @@
               </a:rPr>
               <a:t> 多个分类器 </a:t>
             </a:r>
+            <a:endParaRPr lang="zh-CN" altLang="en-US" sz="1200" b="1">
+              <a:solidFill>
+                <a:schemeClr val="tx1">
+                  <a:lumMod val="50000"/>
+                  <a:lumOff val="50000"/>
+                </a:schemeClr>
+              </a:solidFill>
+              <a:latin typeface="微软雅黑" panose="020B0503020204020204" charset="-122"/>
+              <a:ea typeface="微软雅黑" panose="020B0503020204020204" charset="-122"/>
+            </a:endParaRPr>
           </a:p>
         </p:txBody>
       </p:sp>
@@ -18762,6 +19670,13 @@
               </a:rPr>
               <a:t>提取特征向量</a:t>
             </a:r>
+            <a:endParaRPr lang="zh-CN" altLang="en-US" sz="1400" b="1">
+              <a:solidFill>
+                <a:srgbClr val="0070C0"/>
+              </a:solidFill>
+              <a:latin typeface="微软雅黑" panose="020B0503020204020204" charset="-122"/>
+              <a:ea typeface="微软雅黑" panose="020B0503020204020204" charset="-122"/>
+            </a:endParaRPr>
           </a:p>
         </p:txBody>
       </p:sp>
@@ -18818,6 +19733,13 @@
               </a:rPr>
               <a:t>定位问题微调</a:t>
             </a:r>
+            <a:endParaRPr lang="zh-CN" altLang="en-US" sz="1400" b="1">
+              <a:solidFill>
+                <a:srgbClr val="0070C0"/>
+              </a:solidFill>
+              <a:latin typeface="微软雅黑" panose="020B0503020204020204" charset="-122"/>
+              <a:ea typeface="微软雅黑" panose="020B0503020204020204" charset="-122"/>
+            </a:endParaRPr>
           </a:p>
         </p:txBody>
       </p:sp>
@@ -19175,6 +20097,10 @@
               </a:rPr>
               <a:t>SPPnet</a:t>
             </a:r>
+            <a:endParaRPr lang="en-US" altLang="zh-CN" sz="2800" b="1">
+              <a:latin typeface="微软雅黑" panose="020B0503020204020204" charset="-122"/>
+              <a:ea typeface="微软雅黑" panose="020B0503020204020204" charset="-122"/>
+            </a:endParaRPr>
           </a:p>
         </p:txBody>
       </p:sp>
@@ -19214,6 +20140,16 @@
               </a:rPr>
               <a:t>生成固定长度的特征向量，与输入图片的大小和尺度无关</a:t>
             </a:r>
+            <a:endParaRPr lang="zh-CN" altLang="en-US" sz="1400">
+              <a:solidFill>
+                <a:schemeClr val="tx1">
+                  <a:lumMod val="50000"/>
+                  <a:lumOff val="50000"/>
+                </a:schemeClr>
+              </a:solidFill>
+              <a:latin typeface="微软雅黑" panose="020B0503020204020204" charset="-122"/>
+              <a:ea typeface="微软雅黑" panose="020B0503020204020204" charset="-122"/>
+            </a:endParaRPr>
           </a:p>
         </p:txBody>
       </p:sp>
@@ -20230,6 +21166,10 @@
               </a:rPr>
               <a:t>...</a:t>
             </a:r>
+            <a:endParaRPr lang="en-US" altLang="zh-CN" b="1">
+              <a:latin typeface="微软雅黑" panose="020B0503020204020204" charset="-122"/>
+              <a:ea typeface="微软雅黑" panose="020B0503020204020204" charset="-122"/>
+            </a:endParaRPr>
           </a:p>
         </p:txBody>
       </p:sp>
@@ -20680,6 +21620,10 @@
                 </a:rPr>
                 <a:t>...</a:t>
               </a:r>
+              <a:endParaRPr lang="en-US" altLang="zh-CN" b="1">
+                <a:latin typeface="微软雅黑" panose="020B0503020204020204" charset="-122"/>
+                <a:ea typeface="微软雅黑" panose="020B0503020204020204" charset="-122"/>
+              </a:endParaRPr>
             </a:p>
           </p:txBody>
         </p:sp>
@@ -21056,7 +22000,7 @@
           <p:nvPr/>
         </p:nvPicPr>
         <p:blipFill>
-          <a:blip r:embed="rId2"/>
+          <a:blip r:embed="rId1"/>
           <a:srcRect l="80518"/>
           <a:stretch>
             <a:fillRect/>
@@ -21115,6 +22059,13 @@
               </a:rPr>
               <a:t>空间金字塔池化</a:t>
             </a:r>
+            <a:endParaRPr lang="zh-CN" altLang="en-US" sz="1400" b="1">
+              <a:solidFill>
+                <a:srgbClr val="0070C0"/>
+              </a:solidFill>
+              <a:latin typeface="微软雅黑" panose="020B0503020204020204" charset="-122"/>
+              <a:ea typeface="微软雅黑" panose="020B0503020204020204" charset="-122"/>
+            </a:endParaRPr>
           </a:p>
         </p:txBody>
       </p:sp>
@@ -21148,6 +22099,10 @@
               </a:rPr>
               <a:t>固定</a:t>
             </a:r>
+            <a:endParaRPr lang="zh-CN" altLang="en-US" sz="1400">
+              <a:latin typeface="微软雅黑" panose="020B0503020204020204" charset="-122"/>
+              <a:ea typeface="微软雅黑" panose="020B0503020204020204" charset="-122"/>
+            </a:endParaRPr>
           </a:p>
           <a:p>
             <a:pPr algn="ctr"/>
@@ -21158,6 +22113,10 @@
               </a:rPr>
               <a:t>长度</a:t>
             </a:r>
+            <a:endParaRPr lang="zh-CN" altLang="en-US" sz="1400">
+              <a:latin typeface="微软雅黑" panose="020B0503020204020204" charset="-122"/>
+              <a:ea typeface="微软雅黑" panose="020B0503020204020204" charset="-122"/>
+            </a:endParaRPr>
           </a:p>
         </p:txBody>
       </p:sp>
@@ -21194,6 +22153,13 @@
               </a:rPr>
               <a:t>Max Pooling @ 256 depth </a:t>
             </a:r>
+            <a:endParaRPr lang="en-US" altLang="zh-CN" sz="1400">
+              <a:solidFill>
+                <a:srgbClr val="C00000"/>
+              </a:solidFill>
+              <a:latin typeface="微软雅黑" panose="020B0503020204020204" charset="-122"/>
+              <a:ea typeface="微软雅黑" panose="020B0503020204020204" charset="-122"/>
+            </a:endParaRPr>
           </a:p>
         </p:txBody>
       </p:sp>
@@ -21250,6 +22216,13 @@
               </a:rPr>
               <a:t>4</a:t>
             </a:r>
+            <a:endParaRPr lang="en-US" sz="1200">
+              <a:solidFill>
+                <a:srgbClr val="C00000"/>
+              </a:solidFill>
+              <a:latin typeface="微软雅黑" panose="020B0503020204020204" charset="-122"/>
+              <a:ea typeface="微软雅黑" panose="020B0503020204020204" charset="-122"/>
+            </a:endParaRPr>
           </a:p>
         </p:txBody>
       </p:sp>
@@ -21307,6 +22280,13 @@
               </a:rPr>
               <a:t>6</a:t>
             </a:r>
+            <a:endParaRPr lang="en-US" sz="1200">
+              <a:solidFill>
+                <a:srgbClr val="C00000"/>
+              </a:solidFill>
+              <a:latin typeface="微软雅黑" panose="020B0503020204020204" charset="-122"/>
+              <a:ea typeface="微软雅黑" panose="020B0503020204020204" charset="-122"/>
+            </a:endParaRPr>
           </a:p>
         </p:txBody>
       </p:sp>
@@ -21364,6 +22344,13 @@
               </a:rPr>
               <a:t>13</a:t>
             </a:r>
+            <a:endParaRPr lang="en-US" sz="1200">
+              <a:solidFill>
+                <a:srgbClr val="C00000"/>
+              </a:solidFill>
+              <a:latin typeface="微软雅黑" panose="020B0503020204020204" charset="-122"/>
+              <a:ea typeface="微软雅黑" panose="020B0503020204020204" charset="-122"/>
+            </a:endParaRPr>
           </a:p>
         </p:txBody>
       </p:sp>
@@ -21535,6 +22522,13 @@
               </a:rPr>
               <a:t>将输入图片的区域小图 映射到</a:t>
             </a:r>
+            <a:endParaRPr lang="zh-CN" altLang="en-US" sz="1400">
+              <a:solidFill>
+                <a:srgbClr val="00B0F0"/>
+              </a:solidFill>
+              <a:latin typeface="微软雅黑" panose="020B0503020204020204" charset="-122"/>
+              <a:ea typeface="微软雅黑" panose="020B0503020204020204" charset="-122"/>
+            </a:endParaRPr>
           </a:p>
           <a:p>
             <a:pPr algn="l">
@@ -21562,6 +22556,13 @@
               </a:rPr>
               <a:t>的特征图对应的区域小图上</a:t>
             </a:r>
+            <a:endParaRPr lang="zh-CN" altLang="en-US" sz="1400">
+              <a:solidFill>
+                <a:srgbClr val="00B0F0"/>
+              </a:solidFill>
+              <a:latin typeface="微软雅黑" panose="020B0503020204020204" charset="-122"/>
+              <a:ea typeface="微软雅黑" panose="020B0503020204020204" charset="-122"/>
+            </a:endParaRPr>
           </a:p>
           <a:p>
             <a:pPr algn="l">
@@ -21608,6 +22609,16 @@
               </a:rPr>
               <a:t>右下 对应 特征图窗口的像素点</a:t>
             </a:r>
+            <a:endParaRPr lang="zh-CN" altLang="en-US" sz="1400">
+              <a:solidFill>
+                <a:schemeClr val="tx1">
+                  <a:lumMod val="50000"/>
+                  <a:lumOff val="50000"/>
+                </a:schemeClr>
+              </a:solidFill>
+              <a:latin typeface="微软雅黑" panose="020B0503020204020204" charset="-122"/>
+              <a:ea typeface="微软雅黑" panose="020B0503020204020204" charset="-122"/>
+            </a:endParaRPr>
           </a:p>
           <a:p>
             <a:pPr algn="l">
@@ -21638,6 +22649,13 @@
               </a:rPr>
               <a:t> </a:t>
             </a:r>
+            <a:endParaRPr lang="en-US" altLang="zh-CN" sz="1400">
+              <a:solidFill>
+                <a:srgbClr val="00B0F0"/>
+              </a:solidFill>
+              <a:latin typeface="微软雅黑" panose="020B0503020204020204" charset="-122"/>
+              <a:ea typeface="微软雅黑" panose="020B0503020204020204" charset="-122"/>
+            </a:endParaRPr>
           </a:p>
         </p:txBody>
       </p:sp>
@@ -21674,6 +22692,13 @@
               </a:rPr>
               <a:t>conv_5 </a:t>
             </a:r>
+            <a:endParaRPr lang="en-US" altLang="zh-CN" sz="1400">
+              <a:solidFill>
+                <a:srgbClr val="00B0F0"/>
+              </a:solidFill>
+              <a:latin typeface="微软雅黑" panose="020B0503020204020204" charset="-122"/>
+              <a:ea typeface="微软雅黑" panose="020B0503020204020204" charset="-122"/>
+            </a:endParaRPr>
           </a:p>
           <a:p>
             <a:pPr algn="ctr"/>
@@ -21687,6 +22712,13 @@
               </a:rPr>
               <a:t>特征图</a:t>
             </a:r>
+            <a:endParaRPr lang="zh-CN" altLang="en-US" sz="1400">
+              <a:solidFill>
+                <a:srgbClr val="00B0F0"/>
+              </a:solidFill>
+              <a:latin typeface="微软雅黑" panose="020B0503020204020204" charset="-122"/>
+              <a:ea typeface="微软雅黑" panose="020B0503020204020204" charset="-122"/>
+            </a:endParaRPr>
           </a:p>
           <a:p>
             <a:pPr algn="ctr"/>
@@ -21710,6 +22742,13 @@
               </a:rPr>
               <a:t>SPP </a:t>
             </a:r>
+            <a:endParaRPr lang="en-US" altLang="zh-CN" sz="1400">
+              <a:solidFill>
+                <a:srgbClr val="00B0F0"/>
+              </a:solidFill>
+              <a:latin typeface="微软雅黑" panose="020B0503020204020204" charset="-122"/>
+              <a:ea typeface="微软雅黑" panose="020B0503020204020204" charset="-122"/>
+            </a:endParaRPr>
           </a:p>
         </p:txBody>
       </p:sp>
@@ -21756,6 +22795,10 @@
               </a:rPr>
               <a:t>SVM</a:t>
             </a:r>
+            <a:endParaRPr lang="en-US" altLang="zh-CN" sz="1400" b="1">
+              <a:latin typeface="微软雅黑" panose="020B0503020204020204" charset="-122"/>
+              <a:ea typeface="微软雅黑" panose="020B0503020204020204" charset="-122"/>
+            </a:endParaRPr>
           </a:p>
         </p:txBody>
       </p:sp>
@@ -21813,6 +22856,10 @@
               </a:rPr>
               <a:t>Fast-RCNN</a:t>
             </a:r>
+            <a:endParaRPr lang="en-US" altLang="zh-CN" sz="2800" b="1">
+              <a:latin typeface="微软雅黑" panose="020B0503020204020204" charset="-122"/>
+              <a:ea typeface="微软雅黑" panose="020B0503020204020204" charset="-122"/>
+            </a:endParaRPr>
           </a:p>
         </p:txBody>
       </p:sp>
@@ -21856,6 +22903,16 @@
               </a:rPr>
               <a:t>ROI pooling </a:t>
             </a:r>
+            <a:endParaRPr lang="en-US" altLang="zh-CN" sz="1400" b="1">
+              <a:solidFill>
+                <a:schemeClr val="tx1">
+                  <a:lumMod val="50000"/>
+                  <a:lumOff val="50000"/>
+                </a:schemeClr>
+              </a:solidFill>
+              <a:latin typeface="微软雅黑" panose="020B0503020204020204" charset="-122"/>
+              <a:ea typeface="微软雅黑" panose="020B0503020204020204" charset="-122"/>
+            </a:endParaRPr>
           </a:p>
           <a:p>
             <a:pPr algn="ctr">
@@ -21902,6 +22959,16 @@
               </a:rPr>
               <a:t>的一个特例</a:t>
             </a:r>
+            <a:endParaRPr lang="zh-CN" altLang="en-US" sz="1400" b="1">
+              <a:solidFill>
+                <a:schemeClr val="tx1">
+                  <a:lumMod val="50000"/>
+                  <a:lumOff val="50000"/>
+                </a:schemeClr>
+              </a:solidFill>
+              <a:latin typeface="微软雅黑" panose="020B0503020204020204" charset="-122"/>
+              <a:ea typeface="微软雅黑" panose="020B0503020204020204" charset="-122"/>
+            </a:endParaRPr>
           </a:p>
         </p:txBody>
       </p:sp>
@@ -21948,6 +23015,13 @@
               </a:rPr>
               <a:t>特征图</a:t>
             </a:r>
+            <a:endParaRPr lang="zh-CN" altLang="en-US" sz="1400" b="1">
+              <a:solidFill>
+                <a:srgbClr val="0070C0"/>
+              </a:solidFill>
+              <a:latin typeface="微软雅黑" panose="020B0503020204020204" charset="-122"/>
+              <a:ea typeface="微软雅黑" panose="020B0503020204020204" charset="-122"/>
+            </a:endParaRPr>
           </a:p>
         </p:txBody>
       </p:sp>
@@ -21994,6 +23068,13 @@
               </a:rPr>
               <a:t>pooling layer</a:t>
             </a:r>
+            <a:endParaRPr lang="en-US" altLang="zh-CN" sz="1400" b="1">
+              <a:solidFill>
+                <a:srgbClr val="0070C0"/>
+              </a:solidFill>
+              <a:latin typeface="微软雅黑" panose="020B0503020204020204" charset="-122"/>
+              <a:ea typeface="微软雅黑" panose="020B0503020204020204" charset="-122"/>
+            </a:endParaRPr>
           </a:p>
         </p:txBody>
       </p:sp>
@@ -22081,6 +23162,13 @@
               </a:rPr>
               <a:t>池化层</a:t>
             </a:r>
+            <a:endParaRPr lang="zh-CN" altLang="en-US" sz="1400" b="1">
+              <a:solidFill>
+                <a:srgbClr val="0070C0"/>
+              </a:solidFill>
+              <a:latin typeface="微软雅黑" panose="020B0503020204020204" charset="-122"/>
+              <a:ea typeface="微软雅黑" panose="020B0503020204020204" charset="-122"/>
+            </a:endParaRPr>
           </a:p>
         </p:txBody>
       </p:sp>
@@ -22140,7 +23228,7 @@
 </file>
 
 <file path=ppt/tags/tag1.xml><?xml version="1.0" encoding="utf-8"?>
-<p:tagLst xmlns:a="http://schemas.openxmlformats.org/drawingml/2006/main" xmlns:r="http://schemas.openxmlformats.org/officeDocument/2006/relationships" xmlns:p="http://schemas.openxmlformats.org/presentationml/2006/main">
+<p:tagLst xmlns:p="http://schemas.openxmlformats.org/presentationml/2006/main">
   <p:tag name="KSO_WM_SLIDE_MODEL_TYPE" val="cover"/>
 </p:tagLst>
 </file>
@@ -22396,8 +23484,6 @@
       </a:bgFillStyleLst>
     </a:fmtScheme>
   </a:themeElements>
-  <a:objectDefaults/>
-  <a:extraClrSchemeLst/>
   <a:extLst>
     <a:ext uri="{05A4C25C-085E-4340-85A3-A5531E510DB2}">
       <thm15:themeFamily xmlns:thm15="http://schemas.microsoft.com/office/thememl/2012/main" name="Office Theme" id="{62F939B6-93AF-4DB8-9C6B-D6C7DFDC589F}" vid="{4A3C46E8-61CC-4603-A589-7422A47A8E4A}"/>
@@ -22657,8 +23743,6 @@
       </a:bgFillStyleLst>
     </a:fmtScheme>
   </a:themeElements>
-  <a:objectDefaults/>
-  <a:extraClrSchemeLst/>
   <a:extLst>
     <a:ext uri="{05A4C25C-085E-4340-85A3-A5531E510DB2}">
       <thm15:themeFamily xmlns:thm15="http://schemas.microsoft.com/office/thememl/2012/main" name="Office Theme" id="{62F939B6-93AF-4DB8-9C6B-D6C7DFDC589F}" vid="{4A3C46E8-61CC-4603-A589-7422A47A8E4A}"/>

--- a/GAN_Understanding/GANunderstanding.pptx
+++ b/GAN_Understanding/GANunderstanding.pptx
@@ -5,26 +5,26 @@
     <p:sldMasterId id="2147483648" r:id="rId1"/>
   </p:sldMasterIdLst>
   <p:notesMasterIdLst>
-    <p:notesMasterId r:id="rId10"/>
+    <p:notesMasterId r:id="rId16"/>
   </p:notesMasterIdLst>
   <p:sldIdLst>
-    <p:sldId id="267" r:id="rId3"/>
-    <p:sldId id="266" r:id="rId4"/>
-    <p:sldId id="279" r:id="rId5"/>
-    <p:sldId id="257" r:id="rId6"/>
-    <p:sldId id="293" r:id="rId7"/>
-    <p:sldId id="280" r:id="rId8"/>
-    <p:sldId id="259" r:id="rId9"/>
-    <p:sldId id="258" r:id="rId11"/>
-    <p:sldId id="261" r:id="rId12"/>
-    <p:sldId id="264" r:id="rId13"/>
-    <p:sldId id="265" r:id="rId14"/>
-    <p:sldId id="288" r:id="rId15"/>
-    <p:sldId id="289" r:id="rId16"/>
-    <p:sldId id="290" r:id="rId17"/>
+    <p:sldId id="267" r:id="rId2"/>
+    <p:sldId id="266" r:id="rId3"/>
+    <p:sldId id="279" r:id="rId4"/>
+    <p:sldId id="257" r:id="rId5"/>
+    <p:sldId id="293" r:id="rId6"/>
+    <p:sldId id="280" r:id="rId7"/>
+    <p:sldId id="259" r:id="rId8"/>
+    <p:sldId id="258" r:id="rId9"/>
+    <p:sldId id="261" r:id="rId10"/>
+    <p:sldId id="264" r:id="rId11"/>
+    <p:sldId id="265" r:id="rId12"/>
+    <p:sldId id="288" r:id="rId13"/>
+    <p:sldId id="289" r:id="rId14"/>
+    <p:sldId id="290" r:id="rId15"/>
   </p:sldIdLst>
   <p:sldSz cx="12192000" cy="6858000"/>
-  <p:notesSz cx="10234295" cy="7103745"/>
+  <p:notesSz cx="10234613" cy="7104063"/>
   <p:defaultTextStyle>
     <a:defPPr>
       <a:defRPr lang="zh-CN"/>
@@ -120,6 +120,22 @@
       </a:defRPr>
     </a:lvl9pPr>
   </p:defaultTextStyle>
+  <p:extLst>
+    <p:ext uri="{EFAFB233-063F-42B5-8137-9DF3F51BA10A}">
+      <p15:sldGuideLst xmlns:p15="http://schemas.microsoft.com/office/powerpoint/2012/main">
+        <p15:guide id="1" orient="horz" pos="2160">
+          <p15:clr>
+            <a:srgbClr val="A4A3A4"/>
+          </p15:clr>
+        </p15:guide>
+        <p15:guide id="2" pos="3840">
+          <p15:clr>
+            <a:srgbClr val="A4A3A4"/>
+          </p15:clr>
+        </p15:guide>
+      </p15:sldGuideLst>
+    </p:ext>
+  </p:extLst>
 </p:presentation>
 </file>
 
@@ -205,6 +221,7 @@
           <a:p>
             <a:fld id="{D2A48B96-639E-45A3-A0BA-2464DFDB1FAA}" type="datetimeFigureOut">
               <a:rPr lang="zh-CN" altLang="en-US" smtClean="0"/>
+              <a:t>2020-06-21</a:t>
             </a:fld>
             <a:endParaRPr lang="zh-CN" altLang="en-US"/>
           </a:p>
@@ -271,7 +288,6 @@
               <a:rPr lang="zh-CN" altLang="en-US"/>
               <a:t>单击此处编辑母版文本样式</a:t>
             </a:r>
-            <a:endParaRPr lang="zh-CN" altLang="en-US"/>
           </a:p>
           <a:p>
             <a:pPr lvl="1"/>
@@ -279,7 +295,6 @@
               <a:rPr lang="zh-CN" altLang="en-US"/>
               <a:t>第二级</a:t>
             </a:r>
-            <a:endParaRPr lang="zh-CN" altLang="en-US"/>
           </a:p>
           <a:p>
             <a:pPr lvl="2"/>
@@ -287,7 +302,6 @@
               <a:rPr lang="zh-CN" altLang="en-US"/>
               <a:t>第三级</a:t>
             </a:r>
-            <a:endParaRPr lang="zh-CN" altLang="en-US"/>
           </a:p>
           <a:p>
             <a:pPr lvl="3"/>
@@ -295,7 +309,6 @@
               <a:rPr lang="zh-CN" altLang="en-US"/>
               <a:t>第四级</a:t>
             </a:r>
-            <a:endParaRPr lang="zh-CN" altLang="en-US"/>
           </a:p>
           <a:p>
             <a:pPr lvl="4"/>
@@ -303,7 +316,6 @@
               <a:rPr lang="zh-CN" altLang="en-US"/>
               <a:t>第五级</a:t>
             </a:r>
-            <a:endParaRPr lang="zh-CN" altLang="en-US"/>
           </a:p>
         </p:txBody>
       </p:sp>
@@ -367,6 +379,7 @@
           <a:p>
             <a:fld id="{A6837353-30EB-4A48-80EB-173D804AEFBD}" type="slidenum">
               <a:rPr lang="zh-CN" altLang="en-US" smtClean="0"/>
+              <a:t>‹#›</a:t>
             </a:fld>
             <a:endParaRPr lang="zh-CN" altLang="en-US"/>
           </a:p>
@@ -632,7 +645,6 @@
               <a:rPr lang="zh-CN" altLang="en-US"/>
               <a:t>单击此处编辑母版标题样式</a:t>
             </a:r>
-            <a:endParaRPr lang="zh-CN" altLang="en-US"/>
           </a:p>
         </p:txBody>
       </p:sp>
@@ -697,7 +709,6 @@
               <a:rPr lang="zh-CN" altLang="en-US"/>
               <a:t>单击此处编辑母版副标题样式</a:t>
             </a:r>
-            <a:endParaRPr lang="zh-CN" altLang="en-US"/>
           </a:p>
         </p:txBody>
       </p:sp>
@@ -718,6 +729,7 @@
           <a:p>
             <a:fld id="{82F288E0-7875-42C4-84C8-98DBBD3BF4D2}" type="datetimeFigureOut">
               <a:rPr lang="zh-CN" altLang="en-US" smtClean="0"/>
+              <a:t>2020-06-21</a:t>
             </a:fld>
             <a:endParaRPr lang="zh-CN" altLang="en-US"/>
           </a:p>
@@ -759,6 +771,7 @@
           <a:p>
             <a:fld id="{7D9BB5D0-35E4-459D-AEF3-FE4D7C45CC19}" type="slidenum">
               <a:rPr lang="zh-CN" altLang="en-US" smtClean="0"/>
+              <a:t>‹#›</a:t>
             </a:fld>
             <a:endParaRPr lang="zh-CN" altLang="en-US"/>
           </a:p>
@@ -814,7 +827,6 @@
               <a:rPr lang="zh-CN" altLang="en-US"/>
               <a:t>单击此处编辑母版文本样式</a:t>
             </a:r>
-            <a:endParaRPr lang="zh-CN" altLang="en-US"/>
           </a:p>
           <a:p>
             <a:pPr lvl="1"/>
@@ -822,7 +834,6 @@
               <a:rPr lang="zh-CN" altLang="en-US"/>
               <a:t>第二级</a:t>
             </a:r>
-            <a:endParaRPr lang="zh-CN" altLang="en-US"/>
           </a:p>
           <a:p>
             <a:pPr lvl="2"/>
@@ -830,7 +841,6 @@
               <a:rPr lang="zh-CN" altLang="en-US"/>
               <a:t>第三级</a:t>
             </a:r>
-            <a:endParaRPr lang="zh-CN" altLang="en-US"/>
           </a:p>
           <a:p>
             <a:pPr lvl="3"/>
@@ -838,7 +848,6 @@
               <a:rPr lang="zh-CN" altLang="en-US"/>
               <a:t>第四级</a:t>
             </a:r>
-            <a:endParaRPr lang="zh-CN" altLang="en-US"/>
           </a:p>
           <a:p>
             <a:pPr lvl="4"/>
@@ -846,7 +855,6 @@
               <a:rPr lang="zh-CN" altLang="en-US"/>
               <a:t>第五级</a:t>
             </a:r>
-            <a:endParaRPr lang="zh-CN" altLang="en-US"/>
           </a:p>
         </p:txBody>
       </p:sp>
@@ -867,6 +875,7 @@
           <a:p>
             <a:fld id="{82F288E0-7875-42C4-84C8-98DBBD3BF4D2}" type="datetimeFigureOut">
               <a:rPr lang="zh-CN" altLang="en-US" smtClean="0"/>
+              <a:t>2020-06-21</a:t>
             </a:fld>
             <a:endParaRPr lang="zh-CN" altLang="en-US"/>
           </a:p>
@@ -908,6 +917,7 @@
           <a:p>
             <a:fld id="{7D9BB5D0-35E4-459D-AEF3-FE4D7C45CC19}" type="slidenum">
               <a:rPr lang="zh-CN" altLang="en-US" smtClean="0"/>
+              <a:t>‹#›</a:t>
             </a:fld>
             <a:endParaRPr lang="zh-CN" altLang="en-US"/>
           </a:p>
@@ -957,7 +967,6 @@
               <a:rPr lang="zh-CN" altLang="en-US"/>
               <a:t>单击此处编辑母版标题样式</a:t>
             </a:r>
-            <a:endParaRPr lang="zh-CN" altLang="en-US"/>
           </a:p>
         </p:txBody>
       </p:sp>
@@ -981,7 +990,6 @@
               <a:rPr lang="zh-CN" altLang="en-US"/>
               <a:t>单击此处编辑母版文本样式</a:t>
             </a:r>
-            <a:endParaRPr lang="zh-CN" altLang="en-US"/>
           </a:p>
           <a:p>
             <a:pPr lvl="1"/>
@@ -989,7 +997,6 @@
               <a:rPr lang="zh-CN" altLang="en-US"/>
               <a:t>第二级</a:t>
             </a:r>
-            <a:endParaRPr lang="zh-CN" altLang="en-US"/>
           </a:p>
           <a:p>
             <a:pPr lvl="2"/>
@@ -997,7 +1004,6 @@
               <a:rPr lang="zh-CN" altLang="en-US"/>
               <a:t>第三级</a:t>
             </a:r>
-            <a:endParaRPr lang="zh-CN" altLang="en-US"/>
           </a:p>
           <a:p>
             <a:pPr lvl="3"/>
@@ -1005,7 +1011,6 @@
               <a:rPr lang="zh-CN" altLang="en-US"/>
               <a:t>第四级</a:t>
             </a:r>
-            <a:endParaRPr lang="zh-CN" altLang="en-US"/>
           </a:p>
           <a:p>
             <a:pPr lvl="4"/>
@@ -1013,7 +1018,6 @@
               <a:rPr lang="zh-CN" altLang="en-US"/>
               <a:t>第五级</a:t>
             </a:r>
-            <a:endParaRPr lang="zh-CN" altLang="en-US"/>
           </a:p>
         </p:txBody>
       </p:sp>
@@ -1034,6 +1038,7 @@
           <a:p>
             <a:fld id="{82F288E0-7875-42C4-84C8-98DBBD3BF4D2}" type="datetimeFigureOut">
               <a:rPr lang="zh-CN" altLang="en-US" smtClean="0"/>
+              <a:t>2020-06-21</a:t>
             </a:fld>
             <a:endParaRPr lang="zh-CN" altLang="en-US"/>
           </a:p>
@@ -1075,6 +1080,7 @@
           <a:p>
             <a:fld id="{7D9BB5D0-35E4-459D-AEF3-FE4D7C45CC19}" type="slidenum">
               <a:rPr lang="zh-CN" altLang="en-US" smtClean="0"/>
+              <a:t>‹#›</a:t>
             </a:fld>
             <a:endParaRPr lang="zh-CN" altLang="en-US"/>
           </a:p>
@@ -1133,7 +1139,6 @@
               <a:rPr lang="zh-CN" altLang="en-US"/>
               <a:t>单击此处编辑母版标题样式</a:t>
             </a:r>
-            <a:endParaRPr lang="zh-CN" altLang="en-US"/>
           </a:p>
         </p:txBody>
       </p:sp>
@@ -1253,7 +1258,6 @@
               <a:rPr lang="zh-CN" altLang="en-US"/>
               <a:t>单击此处编辑母版文本样式</a:t>
             </a:r>
-            <a:endParaRPr lang="zh-CN" altLang="en-US"/>
           </a:p>
         </p:txBody>
       </p:sp>
@@ -1274,6 +1278,7 @@
           <a:p>
             <a:fld id="{82F288E0-7875-42C4-84C8-98DBBD3BF4D2}" type="datetimeFigureOut">
               <a:rPr lang="zh-CN" altLang="en-US" smtClean="0"/>
+              <a:t>2020-06-21</a:t>
             </a:fld>
             <a:endParaRPr lang="zh-CN" altLang="en-US"/>
           </a:p>
@@ -1315,6 +1320,7 @@
           <a:p>
             <a:fld id="{7D9BB5D0-35E4-459D-AEF3-FE4D7C45CC19}" type="slidenum">
               <a:rPr lang="zh-CN" altLang="en-US" smtClean="0"/>
+              <a:t>‹#›</a:t>
             </a:fld>
             <a:endParaRPr lang="zh-CN" altLang="en-US"/>
           </a:p>
@@ -1364,7 +1370,6 @@
               <a:rPr lang="zh-CN" altLang="en-US"/>
               <a:t>单击此处编辑母版标题样式</a:t>
             </a:r>
-            <a:endParaRPr lang="zh-CN" altLang="en-US"/>
           </a:p>
         </p:txBody>
       </p:sp>
@@ -1393,7 +1398,6 @@
               <a:rPr lang="zh-CN" altLang="en-US"/>
               <a:t>单击此处编辑母版文本样式</a:t>
             </a:r>
-            <a:endParaRPr lang="zh-CN" altLang="en-US"/>
           </a:p>
           <a:p>
             <a:pPr lvl="1"/>
@@ -1401,7 +1405,6 @@
               <a:rPr lang="zh-CN" altLang="en-US"/>
               <a:t>第二级</a:t>
             </a:r>
-            <a:endParaRPr lang="zh-CN" altLang="en-US"/>
           </a:p>
           <a:p>
             <a:pPr lvl="2"/>
@@ -1409,7 +1412,6 @@
               <a:rPr lang="zh-CN" altLang="en-US"/>
               <a:t>第三级</a:t>
             </a:r>
-            <a:endParaRPr lang="zh-CN" altLang="en-US"/>
           </a:p>
           <a:p>
             <a:pPr lvl="3"/>
@@ -1417,7 +1419,6 @@
               <a:rPr lang="zh-CN" altLang="en-US"/>
               <a:t>第四级</a:t>
             </a:r>
-            <a:endParaRPr lang="zh-CN" altLang="en-US"/>
           </a:p>
           <a:p>
             <a:pPr lvl="4"/>
@@ -1425,7 +1426,6 @@
               <a:rPr lang="zh-CN" altLang="en-US"/>
               <a:t>第五级</a:t>
             </a:r>
-            <a:endParaRPr lang="zh-CN" altLang="en-US"/>
           </a:p>
         </p:txBody>
       </p:sp>
@@ -1454,7 +1454,6 @@
               <a:rPr lang="zh-CN" altLang="en-US"/>
               <a:t>单击此处编辑母版文本样式</a:t>
             </a:r>
-            <a:endParaRPr lang="zh-CN" altLang="en-US"/>
           </a:p>
           <a:p>
             <a:pPr lvl="1"/>
@@ -1462,7 +1461,6 @@
               <a:rPr lang="zh-CN" altLang="en-US"/>
               <a:t>第二级</a:t>
             </a:r>
-            <a:endParaRPr lang="zh-CN" altLang="en-US"/>
           </a:p>
           <a:p>
             <a:pPr lvl="2"/>
@@ -1470,7 +1468,6 @@
               <a:rPr lang="zh-CN" altLang="en-US"/>
               <a:t>第三级</a:t>
             </a:r>
-            <a:endParaRPr lang="zh-CN" altLang="en-US"/>
           </a:p>
           <a:p>
             <a:pPr lvl="3"/>
@@ -1478,7 +1475,6 @@
               <a:rPr lang="zh-CN" altLang="en-US"/>
               <a:t>第四级</a:t>
             </a:r>
-            <a:endParaRPr lang="zh-CN" altLang="en-US"/>
           </a:p>
           <a:p>
             <a:pPr lvl="4"/>
@@ -1486,7 +1482,6 @@
               <a:rPr lang="zh-CN" altLang="en-US"/>
               <a:t>第五级</a:t>
             </a:r>
-            <a:endParaRPr lang="zh-CN" altLang="en-US"/>
           </a:p>
         </p:txBody>
       </p:sp>
@@ -1507,6 +1502,7 @@
           <a:p>
             <a:fld id="{82F288E0-7875-42C4-84C8-98DBBD3BF4D2}" type="datetimeFigureOut">
               <a:rPr lang="zh-CN" altLang="en-US" smtClean="0"/>
+              <a:t>2020-06-21</a:t>
             </a:fld>
             <a:endParaRPr lang="zh-CN" altLang="en-US"/>
           </a:p>
@@ -1548,6 +1544,7 @@
           <a:p>
             <a:fld id="{7D9BB5D0-35E4-459D-AEF3-FE4D7C45CC19}" type="slidenum">
               <a:rPr lang="zh-CN" altLang="en-US" smtClean="0"/>
+              <a:t>‹#›</a:t>
             </a:fld>
             <a:endParaRPr lang="zh-CN" altLang="en-US"/>
           </a:p>
@@ -1602,7 +1599,6 @@
               <a:rPr lang="zh-CN" altLang="en-US"/>
               <a:t>单击此处编辑母版标题样式</a:t>
             </a:r>
-            <a:endParaRPr lang="zh-CN" altLang="en-US"/>
           </a:p>
         </p:txBody>
       </p:sp>
@@ -1668,7 +1664,6 @@
               <a:rPr lang="zh-CN" altLang="en-US"/>
               <a:t>单击此处编辑母版文本样式</a:t>
             </a:r>
-            <a:endParaRPr lang="zh-CN" altLang="en-US"/>
           </a:p>
         </p:txBody>
       </p:sp>
@@ -1697,7 +1692,6 @@
               <a:rPr lang="zh-CN" altLang="en-US"/>
               <a:t>单击此处编辑母版文本样式</a:t>
             </a:r>
-            <a:endParaRPr lang="zh-CN" altLang="en-US"/>
           </a:p>
           <a:p>
             <a:pPr lvl="1"/>
@@ -1705,7 +1699,6 @@
               <a:rPr lang="zh-CN" altLang="en-US"/>
               <a:t>第二级</a:t>
             </a:r>
-            <a:endParaRPr lang="zh-CN" altLang="en-US"/>
           </a:p>
           <a:p>
             <a:pPr lvl="2"/>
@@ -1713,7 +1706,6 @@
               <a:rPr lang="zh-CN" altLang="en-US"/>
               <a:t>第三级</a:t>
             </a:r>
-            <a:endParaRPr lang="zh-CN" altLang="en-US"/>
           </a:p>
           <a:p>
             <a:pPr lvl="3"/>
@@ -1721,7 +1713,6 @@
               <a:rPr lang="zh-CN" altLang="en-US"/>
               <a:t>第四级</a:t>
             </a:r>
-            <a:endParaRPr lang="zh-CN" altLang="en-US"/>
           </a:p>
           <a:p>
             <a:pPr lvl="4"/>
@@ -1729,7 +1720,6 @@
               <a:rPr lang="zh-CN" altLang="en-US"/>
               <a:t>第五级</a:t>
             </a:r>
-            <a:endParaRPr lang="zh-CN" altLang="en-US"/>
           </a:p>
         </p:txBody>
       </p:sp>
@@ -1795,7 +1785,6 @@
               <a:rPr lang="zh-CN" altLang="en-US"/>
               <a:t>单击此处编辑母版文本样式</a:t>
             </a:r>
-            <a:endParaRPr lang="zh-CN" altLang="en-US"/>
           </a:p>
         </p:txBody>
       </p:sp>
@@ -1824,7 +1813,6 @@
               <a:rPr lang="zh-CN" altLang="en-US"/>
               <a:t>单击此处编辑母版文本样式</a:t>
             </a:r>
-            <a:endParaRPr lang="zh-CN" altLang="en-US"/>
           </a:p>
           <a:p>
             <a:pPr lvl="1"/>
@@ -1832,7 +1820,6 @@
               <a:rPr lang="zh-CN" altLang="en-US"/>
               <a:t>第二级</a:t>
             </a:r>
-            <a:endParaRPr lang="zh-CN" altLang="en-US"/>
           </a:p>
           <a:p>
             <a:pPr lvl="2"/>
@@ -1840,7 +1827,6 @@
               <a:rPr lang="zh-CN" altLang="en-US"/>
               <a:t>第三级</a:t>
             </a:r>
-            <a:endParaRPr lang="zh-CN" altLang="en-US"/>
           </a:p>
           <a:p>
             <a:pPr lvl="3"/>
@@ -1848,7 +1834,6 @@
               <a:rPr lang="zh-CN" altLang="en-US"/>
               <a:t>第四级</a:t>
             </a:r>
-            <a:endParaRPr lang="zh-CN" altLang="en-US"/>
           </a:p>
           <a:p>
             <a:pPr lvl="4"/>
@@ -1856,7 +1841,6 @@
               <a:rPr lang="zh-CN" altLang="en-US"/>
               <a:t>第五级</a:t>
             </a:r>
-            <a:endParaRPr lang="zh-CN" altLang="en-US"/>
           </a:p>
         </p:txBody>
       </p:sp>
@@ -1877,6 +1861,7 @@
           <a:p>
             <a:fld id="{82F288E0-7875-42C4-84C8-98DBBD3BF4D2}" type="datetimeFigureOut">
               <a:rPr lang="zh-CN" altLang="en-US" smtClean="0"/>
+              <a:t>2020-06-21</a:t>
             </a:fld>
             <a:endParaRPr lang="zh-CN" altLang="en-US"/>
           </a:p>
@@ -1918,6 +1903,7 @@
           <a:p>
             <a:fld id="{7D9BB5D0-35E4-459D-AEF3-FE4D7C45CC19}" type="slidenum">
               <a:rPr lang="zh-CN" altLang="en-US" smtClean="0"/>
+              <a:t>‹#›</a:t>
             </a:fld>
             <a:endParaRPr lang="zh-CN" altLang="en-US"/>
           </a:p>
@@ -1967,7 +1953,6 @@
               <a:rPr lang="zh-CN" altLang="en-US"/>
               <a:t>单击此处编辑母版标题样式</a:t>
             </a:r>
-            <a:endParaRPr lang="zh-CN" altLang="en-US"/>
           </a:p>
         </p:txBody>
       </p:sp>
@@ -1988,6 +1973,7 @@
           <a:p>
             <a:fld id="{82F288E0-7875-42C4-84C8-98DBBD3BF4D2}" type="datetimeFigureOut">
               <a:rPr lang="zh-CN" altLang="en-US" smtClean="0"/>
+              <a:t>2020-06-21</a:t>
             </a:fld>
             <a:endParaRPr lang="zh-CN" altLang="en-US"/>
           </a:p>
@@ -2029,6 +2015,7 @@
           <a:p>
             <a:fld id="{7D9BB5D0-35E4-459D-AEF3-FE4D7C45CC19}" type="slidenum">
               <a:rPr lang="zh-CN" altLang="en-US" smtClean="0"/>
+              <a:t>‹#›</a:t>
             </a:fld>
             <a:endParaRPr lang="zh-CN" altLang="en-US"/>
           </a:p>
@@ -2076,6 +2063,7 @@
           <a:p>
             <a:fld id="{82F288E0-7875-42C4-84C8-98DBBD3BF4D2}" type="datetimeFigureOut">
               <a:rPr lang="zh-CN" altLang="en-US" smtClean="0"/>
+              <a:t>2020-06-21</a:t>
             </a:fld>
             <a:endParaRPr lang="zh-CN" altLang="en-US"/>
           </a:p>
@@ -2117,6 +2105,7 @@
           <a:p>
             <a:fld id="{7D9BB5D0-35E4-459D-AEF3-FE4D7C45CC19}" type="slidenum">
               <a:rPr lang="zh-CN" altLang="en-US" smtClean="0"/>
+              <a:t>‹#›</a:t>
             </a:fld>
             <a:endParaRPr lang="zh-CN" altLang="en-US"/>
           </a:p>
@@ -2175,7 +2164,6 @@
               <a:rPr lang="zh-CN" altLang="en-US"/>
               <a:t>单击此处编辑母版标题样式</a:t>
             </a:r>
-            <a:endParaRPr lang="zh-CN" altLang="en-US"/>
           </a:p>
         </p:txBody>
       </p:sp>
@@ -2302,7 +2290,6 @@
               <a:rPr lang="zh-CN" altLang="en-US"/>
               <a:t>单击此处编辑母版文本样式</a:t>
             </a:r>
-            <a:endParaRPr lang="zh-CN" altLang="en-US"/>
           </a:p>
         </p:txBody>
       </p:sp>
@@ -2323,6 +2310,7 @@
           <a:p>
             <a:fld id="{82F288E0-7875-42C4-84C8-98DBBD3BF4D2}" type="datetimeFigureOut">
               <a:rPr lang="zh-CN" altLang="en-US" smtClean="0"/>
+              <a:t>2020-06-21</a:t>
             </a:fld>
             <a:endParaRPr lang="zh-CN" altLang="en-US"/>
           </a:p>
@@ -2364,6 +2352,7 @@
           <a:p>
             <a:fld id="{7D9BB5D0-35E4-459D-AEF3-FE4D7C45CC19}" type="slidenum">
               <a:rPr lang="zh-CN" altLang="en-US" smtClean="0"/>
+              <a:t>‹#›</a:t>
             </a:fld>
             <a:endParaRPr lang="zh-CN" altLang="en-US"/>
           </a:p>
@@ -2418,7 +2407,6 @@
               <a:rPr lang="zh-CN" altLang="en-US"/>
               <a:t>单击此处编辑母版标题样式</a:t>
             </a:r>
-            <a:endParaRPr lang="zh-CN" altLang="en-US"/>
           </a:p>
         </p:txBody>
       </p:sp>
@@ -2447,7 +2435,6 @@
               <a:rPr lang="zh-CN" altLang="en-US"/>
               <a:t>单击此处编辑母版文本样式</a:t>
             </a:r>
-            <a:endParaRPr lang="zh-CN" altLang="en-US"/>
           </a:p>
           <a:p>
             <a:pPr lvl="1"/>
@@ -2455,7 +2442,6 @@
               <a:rPr lang="zh-CN" altLang="en-US"/>
               <a:t>第二级</a:t>
             </a:r>
-            <a:endParaRPr lang="zh-CN" altLang="en-US"/>
           </a:p>
           <a:p>
             <a:pPr lvl="2"/>
@@ -2463,7 +2449,6 @@
               <a:rPr lang="zh-CN" altLang="en-US"/>
               <a:t>第三级</a:t>
             </a:r>
-            <a:endParaRPr lang="zh-CN" altLang="en-US"/>
           </a:p>
           <a:p>
             <a:pPr lvl="3"/>
@@ -2471,7 +2456,6 @@
               <a:rPr lang="zh-CN" altLang="en-US"/>
               <a:t>第四级</a:t>
             </a:r>
-            <a:endParaRPr lang="zh-CN" altLang="en-US"/>
           </a:p>
           <a:p>
             <a:pPr lvl="4"/>
@@ -2479,7 +2463,6 @@
               <a:rPr lang="zh-CN" altLang="en-US"/>
               <a:t>第五级</a:t>
             </a:r>
-            <a:endParaRPr lang="zh-CN" altLang="en-US"/>
           </a:p>
         </p:txBody>
       </p:sp>
@@ -2500,6 +2483,7 @@
           <a:p>
             <a:fld id="{82F288E0-7875-42C4-84C8-98DBBD3BF4D2}" type="datetimeFigureOut">
               <a:rPr lang="zh-CN" altLang="en-US" smtClean="0"/>
+              <a:t>2020-06-21</a:t>
             </a:fld>
             <a:endParaRPr lang="zh-CN" altLang="en-US"/>
           </a:p>
@@ -2541,6 +2525,7 @@
           <a:p>
             <a:fld id="{7D9BB5D0-35E4-459D-AEF3-FE4D7C45CC19}" type="slidenum">
               <a:rPr lang="zh-CN" altLang="en-US" smtClean="0"/>
+              <a:t>‹#›</a:t>
             </a:fld>
             <a:endParaRPr lang="zh-CN" altLang="en-US"/>
           </a:p>
@@ -2605,7 +2590,6 @@
               <a:rPr lang="zh-CN" altLang="en-US"/>
               <a:t>单击此处编辑母版标题样式</a:t>
             </a:r>
-            <a:endParaRPr lang="zh-CN" altLang="en-US"/>
           </a:p>
         </p:txBody>
       </p:sp>
@@ -2639,7 +2623,6 @@
               <a:rPr lang="zh-CN" altLang="en-US"/>
               <a:t>单击此处编辑母版文本样式</a:t>
             </a:r>
-            <a:endParaRPr lang="zh-CN" altLang="en-US"/>
           </a:p>
           <a:p>
             <a:pPr lvl="1"/>
@@ -2647,7 +2630,6 @@
               <a:rPr lang="zh-CN" altLang="en-US"/>
               <a:t>第二级</a:t>
             </a:r>
-            <a:endParaRPr lang="zh-CN" altLang="en-US"/>
           </a:p>
           <a:p>
             <a:pPr lvl="2"/>
@@ -2655,7 +2637,6 @@
               <a:rPr lang="zh-CN" altLang="en-US"/>
               <a:t>第三级</a:t>
             </a:r>
-            <a:endParaRPr lang="zh-CN" altLang="en-US"/>
           </a:p>
           <a:p>
             <a:pPr lvl="3"/>
@@ -2663,7 +2644,6 @@
               <a:rPr lang="zh-CN" altLang="en-US"/>
               <a:t>第四级</a:t>
             </a:r>
-            <a:endParaRPr lang="zh-CN" altLang="en-US"/>
           </a:p>
           <a:p>
             <a:pPr lvl="4"/>
@@ -2671,7 +2651,6 @@
               <a:rPr lang="zh-CN" altLang="en-US"/>
               <a:t>第五级</a:t>
             </a:r>
-            <a:endParaRPr lang="zh-CN" altLang="en-US"/>
           </a:p>
         </p:txBody>
       </p:sp>
@@ -2710,6 +2689,7 @@
           <a:p>
             <a:fld id="{82F288E0-7875-42C4-84C8-98DBBD3BF4D2}" type="datetimeFigureOut">
               <a:rPr lang="zh-CN" altLang="en-US" smtClean="0"/>
+              <a:t>2020-06-21</a:t>
             </a:fld>
             <a:endParaRPr lang="zh-CN" altLang="en-US"/>
           </a:p>
@@ -2787,6 +2767,7 @@
           <a:p>
             <a:fld id="{7D9BB5D0-35E4-459D-AEF3-FE4D7C45CC19}" type="slidenum">
               <a:rPr lang="zh-CN" altLang="en-US" smtClean="0"/>
+              <a:t>‹#›</a:t>
             </a:fld>
             <a:endParaRPr lang="zh-CN" altLang="en-US"/>
           </a:p>
@@ -3147,10 +3128,6 @@
               </a:rPr>
               <a:t>Understanding</a:t>
             </a:r>
-            <a:endParaRPr lang="en-US" altLang="zh-CN" sz="4000">
-              <a:latin typeface="微软雅黑" panose="020B0503020204020204" charset="-122"/>
-              <a:ea typeface="微软雅黑" panose="020B0503020204020204" charset="-122"/>
-            </a:endParaRPr>
           </a:p>
         </p:txBody>
       </p:sp>
@@ -3199,13 +3176,413 @@
               </a:rPr>
               <a:t>理解生成对抗网络</a:t>
             </a:r>
-            <a:endParaRPr lang="zh-CN" altLang="en-US" sz="3600">
-              <a:latin typeface="微软雅黑" panose="020B0503020204020204" charset="-122"/>
-              <a:ea typeface="微软雅黑" panose="020B0503020204020204" charset="-122"/>
+          </a:p>
+        </p:txBody>
+      </p:sp>
+      <p:pic>
+        <p:nvPicPr>
+          <p:cNvPr id="4" name="图片 3">
+            <a:extLst>
+              <a:ext uri="{FF2B5EF4-FFF2-40B4-BE49-F238E27FC236}">
+                <a16:creationId xmlns:a16="http://schemas.microsoft.com/office/drawing/2014/main" id="{54B5737C-F927-49E5-89DA-62F70886B36D}"/>
+              </a:ext>
+            </a:extLst>
+          </p:cNvPr>
+          <p:cNvPicPr>
+            <a:picLocks noChangeAspect="1"/>
+          </p:cNvPicPr>
+          <p:nvPr/>
+        </p:nvPicPr>
+        <p:blipFill>
+          <a:blip r:embed="rId3"/>
+          <a:stretch>
+            <a:fillRect/>
+          </a:stretch>
+        </p:blipFill>
+        <p:spPr>
+          <a:xfrm>
+            <a:off x="621586" y="5447761"/>
+            <a:ext cx="894344" cy="190409"/>
+          </a:xfrm>
+          <a:prstGeom prst="rect">
+            <a:avLst/>
+          </a:prstGeom>
+        </p:spPr>
+      </p:pic>
+      <p:sp>
+        <p:nvSpPr>
+          <p:cNvPr id="5" name="文本框 2">
+            <a:extLst>
+              <a:ext uri="{FF2B5EF4-FFF2-40B4-BE49-F238E27FC236}">
+                <a16:creationId xmlns:a16="http://schemas.microsoft.com/office/drawing/2014/main" id="{12AFB773-F3B8-47AB-A4AE-D5836A4373D7}"/>
+              </a:ext>
+            </a:extLst>
+          </p:cNvPr>
+          <p:cNvSpPr txBox="1"/>
+          <p:nvPr/>
+        </p:nvSpPr>
+        <p:spPr>
+          <a:xfrm>
+            <a:off x="1439730" y="5393406"/>
+            <a:ext cx="513581" cy="276999"/>
+          </a:xfrm>
+          <a:prstGeom prst="rect">
+            <a:avLst/>
+          </a:prstGeom>
+          <a:noFill/>
+        </p:spPr>
+        <p:txBody>
+          <a:bodyPr wrap="square" rtlCol="0">
+            <a:spAutoFit/>
+          </a:bodyPr>
+          <a:lstStyle>
+            <a:defPPr>
+              <a:defRPr lang="zh-CN"/>
+            </a:defPPr>
+            <a:lvl1pPr marL="0" algn="l" defTabSz="914400" rtl="0" eaLnBrk="1" latinLnBrk="0" hangingPunct="1">
+              <a:defRPr sz="1800" kern="1200">
+                <a:solidFill>
+                  <a:schemeClr val="tx1"/>
+                </a:solidFill>
+                <a:latin typeface="+mn-lt"/>
+                <a:ea typeface="+mn-ea"/>
+                <a:cs typeface="+mn-cs"/>
+              </a:defRPr>
+            </a:lvl1pPr>
+            <a:lvl2pPr marL="457200" algn="l" defTabSz="914400" rtl="0" eaLnBrk="1" latinLnBrk="0" hangingPunct="1">
+              <a:defRPr sz="1800" kern="1200">
+                <a:solidFill>
+                  <a:schemeClr val="tx1"/>
+                </a:solidFill>
+                <a:latin typeface="+mn-lt"/>
+                <a:ea typeface="+mn-ea"/>
+                <a:cs typeface="+mn-cs"/>
+              </a:defRPr>
+            </a:lvl2pPr>
+            <a:lvl3pPr marL="914400" algn="l" defTabSz="914400" rtl="0" eaLnBrk="1" latinLnBrk="0" hangingPunct="1">
+              <a:defRPr sz="1800" kern="1200">
+                <a:solidFill>
+                  <a:schemeClr val="tx1"/>
+                </a:solidFill>
+                <a:latin typeface="+mn-lt"/>
+                <a:ea typeface="+mn-ea"/>
+                <a:cs typeface="+mn-cs"/>
+              </a:defRPr>
+            </a:lvl3pPr>
+            <a:lvl4pPr marL="1371600" algn="l" defTabSz="914400" rtl="0" eaLnBrk="1" latinLnBrk="0" hangingPunct="1">
+              <a:defRPr sz="1800" kern="1200">
+                <a:solidFill>
+                  <a:schemeClr val="tx1"/>
+                </a:solidFill>
+                <a:latin typeface="+mn-lt"/>
+                <a:ea typeface="+mn-ea"/>
+                <a:cs typeface="+mn-cs"/>
+              </a:defRPr>
+            </a:lvl4pPr>
+            <a:lvl5pPr marL="1828800" algn="l" defTabSz="914400" rtl="0" eaLnBrk="1" latinLnBrk="0" hangingPunct="1">
+              <a:defRPr sz="1800" kern="1200">
+                <a:solidFill>
+                  <a:schemeClr val="tx1"/>
+                </a:solidFill>
+                <a:latin typeface="+mn-lt"/>
+                <a:ea typeface="+mn-ea"/>
+                <a:cs typeface="+mn-cs"/>
+              </a:defRPr>
+            </a:lvl5pPr>
+            <a:lvl6pPr marL="2286000" algn="l" defTabSz="914400" rtl="0" eaLnBrk="1" latinLnBrk="0" hangingPunct="1">
+              <a:defRPr sz="1800" kern="1200">
+                <a:solidFill>
+                  <a:schemeClr val="tx1"/>
+                </a:solidFill>
+                <a:latin typeface="+mn-lt"/>
+                <a:ea typeface="+mn-ea"/>
+                <a:cs typeface="+mn-cs"/>
+              </a:defRPr>
+            </a:lvl6pPr>
+            <a:lvl7pPr marL="2743200" algn="l" defTabSz="914400" rtl="0" eaLnBrk="1" latinLnBrk="0" hangingPunct="1">
+              <a:defRPr sz="1800" kern="1200">
+                <a:solidFill>
+                  <a:schemeClr val="tx1"/>
+                </a:solidFill>
+                <a:latin typeface="+mn-lt"/>
+                <a:ea typeface="+mn-ea"/>
+                <a:cs typeface="+mn-cs"/>
+              </a:defRPr>
+            </a:lvl7pPr>
+            <a:lvl8pPr marL="3200400" algn="l" defTabSz="914400" rtl="0" eaLnBrk="1" latinLnBrk="0" hangingPunct="1">
+              <a:defRPr sz="1800" kern="1200">
+                <a:solidFill>
+                  <a:schemeClr val="tx1"/>
+                </a:solidFill>
+                <a:latin typeface="+mn-lt"/>
+                <a:ea typeface="+mn-ea"/>
+                <a:cs typeface="+mn-cs"/>
+              </a:defRPr>
+            </a:lvl8pPr>
+            <a:lvl9pPr marL="3657600" algn="l" defTabSz="914400" rtl="0" eaLnBrk="1" latinLnBrk="0" hangingPunct="1">
+              <a:defRPr sz="1800" kern="1200">
+                <a:solidFill>
+                  <a:schemeClr val="tx1"/>
+                </a:solidFill>
+                <a:latin typeface="+mn-lt"/>
+                <a:ea typeface="+mn-ea"/>
+                <a:cs typeface="+mn-cs"/>
+              </a:defRPr>
+            </a:lvl9pPr>
+          </a:lstStyle>
+          <a:p>
+            <a:r>
+              <a:rPr lang="en-US" altLang="zh-CN" sz="1200" b="1" dirty="0">
+                <a:solidFill>
+                  <a:srgbClr val="455368"/>
+                </a:solidFill>
+                <a:latin typeface="Arial Narrow" panose="020B0606020202030204" pitchFamily="34" charset="0"/>
+                <a:cs typeface="Arial" panose="020B0604020202090204" pitchFamily="34" charset="0"/>
+              </a:rPr>
+              <a:t>1.x</a:t>
+            </a:r>
+            <a:endParaRPr lang="zh-CN" altLang="en-US" sz="1200" b="1" dirty="0">
+              <a:solidFill>
+                <a:srgbClr val="455368"/>
+              </a:solidFill>
+              <a:latin typeface="Arial Narrow" panose="020B0606020202030204" pitchFamily="34" charset="0"/>
+              <a:cs typeface="Arial" panose="020B0604020202090204" pitchFamily="34" charset="0"/>
             </a:endParaRPr>
           </a:p>
         </p:txBody>
       </p:sp>
+      <p:pic>
+        <p:nvPicPr>
+          <p:cNvPr id="6" name="图片 5">
+            <a:extLst>
+              <a:ext uri="{FF2B5EF4-FFF2-40B4-BE49-F238E27FC236}">
+                <a16:creationId xmlns:a16="http://schemas.microsoft.com/office/drawing/2014/main" id="{C2797EDE-4318-45F8-82A1-3126F18BA941}"/>
+              </a:ext>
+            </a:extLst>
+          </p:cNvPr>
+          <p:cNvPicPr>
+            <a:picLocks noChangeAspect="1"/>
+          </p:cNvPicPr>
+          <p:nvPr/>
+        </p:nvPicPr>
+        <p:blipFill>
+          <a:blip r:embed="rId3"/>
+          <a:stretch>
+            <a:fillRect/>
+          </a:stretch>
+        </p:blipFill>
+        <p:spPr>
+          <a:xfrm>
+            <a:off x="621586" y="5713260"/>
+            <a:ext cx="894344" cy="190409"/>
+          </a:xfrm>
+          <a:prstGeom prst="rect">
+            <a:avLst/>
+          </a:prstGeom>
+        </p:spPr>
+      </p:pic>
+      <p:sp>
+        <p:nvSpPr>
+          <p:cNvPr id="7" name="文本框 6">
+            <a:extLst>
+              <a:ext uri="{FF2B5EF4-FFF2-40B4-BE49-F238E27FC236}">
+                <a16:creationId xmlns:a16="http://schemas.microsoft.com/office/drawing/2014/main" id="{1A4407D1-598C-4690-9886-A2D25F39A6FA}"/>
+              </a:ext>
+            </a:extLst>
+          </p:cNvPr>
+          <p:cNvSpPr txBox="1"/>
+          <p:nvPr/>
+        </p:nvSpPr>
+        <p:spPr>
+          <a:xfrm>
+            <a:off x="1439730" y="5658905"/>
+            <a:ext cx="513581" cy="276999"/>
+          </a:xfrm>
+          <a:prstGeom prst="rect">
+            <a:avLst/>
+          </a:prstGeom>
+          <a:noFill/>
+        </p:spPr>
+        <p:txBody>
+          <a:bodyPr wrap="square" rtlCol="0">
+            <a:spAutoFit/>
+          </a:bodyPr>
+          <a:lstStyle>
+            <a:defPPr>
+              <a:defRPr lang="zh-CN"/>
+            </a:defPPr>
+            <a:lvl1pPr marL="0" algn="l" defTabSz="914400" rtl="0" eaLnBrk="1" latinLnBrk="0" hangingPunct="1">
+              <a:defRPr sz="1800" kern="1200">
+                <a:solidFill>
+                  <a:schemeClr val="tx1"/>
+                </a:solidFill>
+                <a:latin typeface="+mn-lt"/>
+                <a:ea typeface="+mn-ea"/>
+                <a:cs typeface="+mn-cs"/>
+              </a:defRPr>
+            </a:lvl1pPr>
+            <a:lvl2pPr marL="457200" algn="l" defTabSz="914400" rtl="0" eaLnBrk="1" latinLnBrk="0" hangingPunct="1">
+              <a:defRPr sz="1800" kern="1200">
+                <a:solidFill>
+                  <a:schemeClr val="tx1"/>
+                </a:solidFill>
+                <a:latin typeface="+mn-lt"/>
+                <a:ea typeface="+mn-ea"/>
+                <a:cs typeface="+mn-cs"/>
+              </a:defRPr>
+            </a:lvl2pPr>
+            <a:lvl3pPr marL="914400" algn="l" defTabSz="914400" rtl="0" eaLnBrk="1" latinLnBrk="0" hangingPunct="1">
+              <a:defRPr sz="1800" kern="1200">
+                <a:solidFill>
+                  <a:schemeClr val="tx1"/>
+                </a:solidFill>
+                <a:latin typeface="+mn-lt"/>
+                <a:ea typeface="+mn-ea"/>
+                <a:cs typeface="+mn-cs"/>
+              </a:defRPr>
+            </a:lvl3pPr>
+            <a:lvl4pPr marL="1371600" algn="l" defTabSz="914400" rtl="0" eaLnBrk="1" latinLnBrk="0" hangingPunct="1">
+              <a:defRPr sz="1800" kern="1200">
+                <a:solidFill>
+                  <a:schemeClr val="tx1"/>
+                </a:solidFill>
+                <a:latin typeface="+mn-lt"/>
+                <a:ea typeface="+mn-ea"/>
+                <a:cs typeface="+mn-cs"/>
+              </a:defRPr>
+            </a:lvl4pPr>
+            <a:lvl5pPr marL="1828800" algn="l" defTabSz="914400" rtl="0" eaLnBrk="1" latinLnBrk="0" hangingPunct="1">
+              <a:defRPr sz="1800" kern="1200">
+                <a:solidFill>
+                  <a:schemeClr val="tx1"/>
+                </a:solidFill>
+                <a:latin typeface="+mn-lt"/>
+                <a:ea typeface="+mn-ea"/>
+                <a:cs typeface="+mn-cs"/>
+              </a:defRPr>
+            </a:lvl5pPr>
+            <a:lvl6pPr marL="2286000" algn="l" defTabSz="914400" rtl="0" eaLnBrk="1" latinLnBrk="0" hangingPunct="1">
+              <a:defRPr sz="1800" kern="1200">
+                <a:solidFill>
+                  <a:schemeClr val="tx1"/>
+                </a:solidFill>
+                <a:latin typeface="+mn-lt"/>
+                <a:ea typeface="+mn-ea"/>
+                <a:cs typeface="+mn-cs"/>
+              </a:defRPr>
+            </a:lvl6pPr>
+            <a:lvl7pPr marL="2743200" algn="l" defTabSz="914400" rtl="0" eaLnBrk="1" latinLnBrk="0" hangingPunct="1">
+              <a:defRPr sz="1800" kern="1200">
+                <a:solidFill>
+                  <a:schemeClr val="tx1"/>
+                </a:solidFill>
+                <a:latin typeface="+mn-lt"/>
+                <a:ea typeface="+mn-ea"/>
+                <a:cs typeface="+mn-cs"/>
+              </a:defRPr>
+            </a:lvl7pPr>
+            <a:lvl8pPr marL="3200400" algn="l" defTabSz="914400" rtl="0" eaLnBrk="1" latinLnBrk="0" hangingPunct="1">
+              <a:defRPr sz="1800" kern="1200">
+                <a:solidFill>
+                  <a:schemeClr val="tx1"/>
+                </a:solidFill>
+                <a:latin typeface="+mn-lt"/>
+                <a:ea typeface="+mn-ea"/>
+                <a:cs typeface="+mn-cs"/>
+              </a:defRPr>
+            </a:lvl8pPr>
+            <a:lvl9pPr marL="3657600" algn="l" defTabSz="914400" rtl="0" eaLnBrk="1" latinLnBrk="0" hangingPunct="1">
+              <a:defRPr sz="1800" kern="1200">
+                <a:solidFill>
+                  <a:schemeClr val="tx1"/>
+                </a:solidFill>
+                <a:latin typeface="+mn-lt"/>
+                <a:ea typeface="+mn-ea"/>
+                <a:cs typeface="+mn-cs"/>
+              </a:defRPr>
+            </a:lvl9pPr>
+          </a:lstStyle>
+          <a:p>
+            <a:r>
+              <a:rPr lang="en-US" altLang="zh-CN" sz="1200" b="1" dirty="0">
+                <a:solidFill>
+                  <a:srgbClr val="455368"/>
+                </a:solidFill>
+                <a:latin typeface="Arial Narrow" panose="020B0606020202030204" pitchFamily="34" charset="0"/>
+                <a:cs typeface="Arial" panose="020B0604020202090204" pitchFamily="34" charset="0"/>
+              </a:rPr>
+              <a:t>2.x</a:t>
+            </a:r>
+            <a:endParaRPr lang="zh-CN" altLang="en-US" sz="1200" b="1" dirty="0">
+              <a:solidFill>
+                <a:srgbClr val="455368"/>
+              </a:solidFill>
+              <a:latin typeface="Arial Narrow" panose="020B0606020202030204" pitchFamily="34" charset="0"/>
+              <a:cs typeface="Arial" panose="020B0604020202090204" pitchFamily="34" charset="0"/>
+            </a:endParaRPr>
+          </a:p>
+        </p:txBody>
+      </p:sp>
+      <p:pic>
+        <p:nvPicPr>
+          <p:cNvPr id="8" name="图片 7">
+            <a:extLst>
+              <a:ext uri="{FF2B5EF4-FFF2-40B4-BE49-F238E27FC236}">
+                <a16:creationId xmlns:a16="http://schemas.microsoft.com/office/drawing/2014/main" id="{2F8EA9EB-0186-45E4-AABE-B4CAD3F9B002}"/>
+              </a:ext>
+            </a:extLst>
+          </p:cNvPr>
+          <p:cNvPicPr>
+            <a:picLocks noChangeAspect="1"/>
+          </p:cNvPicPr>
+          <p:nvPr/>
+        </p:nvPicPr>
+        <p:blipFill>
+          <a:blip r:embed="rId4"/>
+          <a:stretch>
+            <a:fillRect/>
+          </a:stretch>
+        </p:blipFill>
+        <p:spPr>
+          <a:xfrm>
+            <a:off x="674516" y="5187782"/>
+            <a:ext cx="562955" cy="140035"/>
+          </a:xfrm>
+          <a:prstGeom prst="rect">
+            <a:avLst/>
+          </a:prstGeom>
+        </p:spPr>
+      </p:pic>
+      <p:pic>
+        <p:nvPicPr>
+          <p:cNvPr id="9" name="图片 8">
+            <a:extLst>
+              <a:ext uri="{FF2B5EF4-FFF2-40B4-BE49-F238E27FC236}">
+                <a16:creationId xmlns:a16="http://schemas.microsoft.com/office/drawing/2014/main" id="{466B37F1-580B-4408-94BC-3222C69C005D}"/>
+              </a:ext>
+            </a:extLst>
+          </p:cNvPr>
+          <p:cNvPicPr>
+            <a:picLocks noChangeAspect="1"/>
+          </p:cNvPicPr>
+          <p:nvPr/>
+        </p:nvPicPr>
+        <p:blipFill>
+          <a:blip r:embed="rId5"/>
+          <a:stretch>
+            <a:fillRect/>
+          </a:stretch>
+        </p:blipFill>
+        <p:spPr>
+          <a:xfrm>
+            <a:off x="674516" y="6011703"/>
+            <a:ext cx="479520" cy="146732"/>
+          </a:xfrm>
+          <a:prstGeom prst="rect">
+            <a:avLst/>
+          </a:prstGeom>
+        </p:spPr>
+      </p:pic>
     </p:spTree>
     <p:custDataLst>
       <p:tags r:id="rId1"/>
@@ -3415,15 +3792,6 @@
               </a:rPr>
               <a:t>, </a:t>
             </a:r>
-            <a:endParaRPr lang="en-US" altLang="zh-CN" sz="1000">
-              <a:solidFill>
-                <a:schemeClr val="bg1">
-                  <a:lumMod val="65000"/>
-                </a:schemeClr>
-              </a:solidFill>
-              <a:latin typeface="微软雅黑" panose="020B0503020204020204" charset="-122"/>
-              <a:ea typeface="微软雅黑" panose="020B0503020204020204" charset="-122"/>
-            </a:endParaRPr>
           </a:p>
           <a:p>
             <a:pPr algn="ctr">
@@ -3467,15 +3835,6 @@
               </a:rPr>
               <a:t>中心点</a:t>
             </a:r>
-            <a:endParaRPr lang="zh-CN" altLang="en-US" sz="1000">
-              <a:solidFill>
-                <a:schemeClr val="bg1">
-                  <a:lumMod val="65000"/>
-                </a:schemeClr>
-              </a:solidFill>
-              <a:latin typeface="微软雅黑" panose="020B0503020204020204" charset="-122"/>
-              <a:ea typeface="微软雅黑" panose="020B0503020204020204" charset="-122"/>
-            </a:endParaRPr>
           </a:p>
         </p:txBody>
       </p:sp>
@@ -3518,15 +3877,6 @@
               </a:rPr>
               <a:t>中心点</a:t>
             </a:r>
-            <a:endParaRPr lang="zh-CN" altLang="en-US" sz="1000">
-              <a:solidFill>
-                <a:schemeClr val="bg1">
-                  <a:lumMod val="65000"/>
-                </a:schemeClr>
-              </a:solidFill>
-              <a:latin typeface="微软雅黑" panose="020B0503020204020204" charset="-122"/>
-              <a:ea typeface="微软雅黑" panose="020B0503020204020204" charset="-122"/>
-            </a:endParaRPr>
           </a:p>
           <a:p>
             <a:pPr algn="ctr">
@@ -3606,13 +3956,6 @@
               </a:rPr>
               <a:t>3x3=9</a:t>
             </a:r>
-            <a:endParaRPr lang="en-US" altLang="zh-CN" sz="1000" b="1">
-              <a:solidFill>
-                <a:schemeClr val="tx1"/>
-              </a:solidFill>
-              <a:latin typeface="微软雅黑" panose="020B0503020204020204" charset="-122"/>
-              <a:ea typeface="微软雅黑" panose="020B0503020204020204" charset="-122"/>
-            </a:endParaRPr>
           </a:p>
         </p:txBody>
       </p:sp>
@@ -3655,15 +3998,6 @@
               </a:rPr>
               <a:t>Anchor Box</a:t>
             </a:r>
-            <a:endParaRPr lang="en-US" sz="1000">
-              <a:solidFill>
-                <a:schemeClr val="bg1">
-                  <a:lumMod val="65000"/>
-                </a:schemeClr>
-              </a:solidFill>
-              <a:latin typeface="微软雅黑" panose="020B0503020204020204" charset="-122"/>
-              <a:ea typeface="微软雅黑" panose="020B0503020204020204" charset="-122"/>
-            </a:endParaRPr>
           </a:p>
           <a:p>
             <a:pPr algn="ctr">
@@ -3683,15 +4017,6 @@
               </a:rPr>
               <a:t>在原图中的显示</a:t>
             </a:r>
-            <a:endParaRPr lang="zh-CN" altLang="en-US" sz="1000">
-              <a:solidFill>
-                <a:schemeClr val="bg1">
-                  <a:lumMod val="65000"/>
-                </a:schemeClr>
-              </a:solidFill>
-              <a:latin typeface="微软雅黑" panose="020B0503020204020204" charset="-122"/>
-              <a:ea typeface="微软雅黑" panose="020B0503020204020204" charset="-122"/>
-            </a:endParaRPr>
           </a:p>
         </p:txBody>
       </p:sp>
@@ -3734,15 +4059,6 @@
               </a:rPr>
               <a:t>原图中所有的</a:t>
             </a:r>
-            <a:endParaRPr lang="zh-CN" altLang="en-US" sz="1000" dirty="0">
-              <a:solidFill>
-                <a:schemeClr val="bg1">
-                  <a:lumMod val="65000"/>
-                </a:schemeClr>
-              </a:solidFill>
-              <a:latin typeface="微软雅黑" panose="020B0503020204020204" charset="-122"/>
-              <a:ea typeface="微软雅黑" panose="020B0503020204020204" charset="-122"/>
-            </a:endParaRPr>
           </a:p>
           <a:p>
             <a:pPr algn="ctr">
@@ -3763,16 +4079,6 @@
               </a:rPr>
               <a:t>Anchor Box</a:t>
             </a:r>
-            <a:endParaRPr lang="en-US" sz="1000" dirty="0">
-              <a:solidFill>
-                <a:schemeClr val="bg1">
-                  <a:lumMod val="65000"/>
-                </a:schemeClr>
-              </a:solidFill>
-              <a:latin typeface="微软雅黑" panose="020B0503020204020204" charset="-122"/>
-              <a:ea typeface="微软雅黑" panose="020B0503020204020204" charset="-122"/>
-              <a:sym typeface="+mn-ea"/>
-            </a:endParaRPr>
           </a:p>
           <a:p>
             <a:pPr algn="ctr">
@@ -3876,15 +4182,6 @@
               </a:rPr>
               <a:t>比例，</a:t>
             </a:r>
-            <a:endParaRPr lang="zh-CN" altLang="en-US" sz="1000">
-              <a:solidFill>
-                <a:schemeClr val="bg1">
-                  <a:lumMod val="65000"/>
-                </a:schemeClr>
-              </a:solidFill>
-              <a:latin typeface="微软雅黑" panose="020B0503020204020204" charset="-122"/>
-              <a:ea typeface="微软雅黑" panose="020B0503020204020204" charset="-122"/>
-            </a:endParaRPr>
           </a:p>
           <a:p>
             <a:pPr algn="ctr">
@@ -3928,15 +4225,6 @@
               </a:rPr>
               <a:t>原图像中</a:t>
             </a:r>
-            <a:endParaRPr lang="zh-CN" altLang="en-US" sz="1000">
-              <a:solidFill>
-                <a:schemeClr val="bg1">
-                  <a:lumMod val="65000"/>
-                </a:schemeClr>
-              </a:solidFill>
-              <a:latin typeface="微软雅黑" panose="020B0503020204020204" charset="-122"/>
-              <a:ea typeface="微软雅黑" panose="020B0503020204020204" charset="-122"/>
-            </a:endParaRPr>
           </a:p>
           <a:p>
             <a:pPr algn="ctr">
@@ -3956,15 +4244,6 @@
               </a:rPr>
               <a:t>几乎所有物体外框</a:t>
             </a:r>
-            <a:endParaRPr lang="zh-CN" altLang="en-US" sz="1000">
-              <a:solidFill>
-                <a:schemeClr val="bg1">
-                  <a:lumMod val="65000"/>
-                </a:schemeClr>
-              </a:solidFill>
-              <a:latin typeface="微软雅黑" panose="020B0503020204020204" charset="-122"/>
-              <a:ea typeface="微软雅黑" panose="020B0503020204020204" charset="-122"/>
-            </a:endParaRPr>
           </a:p>
         </p:txBody>
       </p:sp>
@@ -4050,10 +4329,6 @@
               </a:rPr>
               <a:t>Faster-RCNN</a:t>
             </a:r>
-            <a:endParaRPr lang="en-US" altLang="zh-CN" sz="2800" b="1">
-              <a:latin typeface="微软雅黑" panose="020B0503020204020204" charset="-122"/>
-              <a:ea typeface="微软雅黑" panose="020B0503020204020204" charset="-122"/>
-            </a:endParaRPr>
           </a:p>
         </p:txBody>
       </p:sp>
@@ -4118,10 +4393,6 @@
               </a:rPr>
               <a:t>特征金字塔网络</a:t>
             </a:r>
-            <a:endParaRPr lang="zh-CN" altLang="en-US" sz="2800" b="1">
-              <a:latin typeface="微软雅黑" panose="020B0503020204020204" charset="-122"/>
-              <a:ea typeface="微软雅黑" panose="020B0503020204020204" charset="-122"/>
-            </a:endParaRPr>
           </a:p>
         </p:txBody>
       </p:sp>
@@ -4168,13 +4439,6 @@
               </a:rPr>
               <a:t>作为特征提取器</a:t>
             </a:r>
-            <a:endParaRPr lang="zh-CN" altLang="en-US" sz="1200" b="1">
-              <a:solidFill>
-                <a:srgbClr val="0070C0"/>
-              </a:solidFill>
-              <a:latin typeface="微软雅黑" panose="020B0503020204020204" charset="-122"/>
-              <a:ea typeface="微软雅黑" panose="020B0503020204020204" charset="-122"/>
-            </a:endParaRPr>
           </a:p>
         </p:txBody>
       </p:sp>
@@ -4231,13 +4495,6 @@
               </a:rPr>
               <a:t>ROIs</a:t>
             </a:r>
-            <a:endParaRPr lang="en-US" altLang="zh-CN" sz="1200" b="1">
-              <a:solidFill>
-                <a:srgbClr val="0070C0"/>
-              </a:solidFill>
-              <a:latin typeface="微软雅黑" panose="020B0503020204020204" charset="-122"/>
-              <a:ea typeface="微软雅黑" panose="020B0503020204020204" charset="-122"/>
-            </a:endParaRPr>
           </a:p>
         </p:txBody>
       </p:sp>
@@ -4278,13 +4535,6 @@
               </a:rPr>
               <a:t>元素相加</a:t>
             </a:r>
-            <a:endParaRPr lang="zh-CN" altLang="en-US" sz="1200" b="1">
-              <a:solidFill>
-                <a:srgbClr val="C00000"/>
-              </a:solidFill>
-              <a:latin typeface="微软雅黑" panose="020B0503020204020204" charset="-122"/>
-              <a:ea typeface="微软雅黑" panose="020B0503020204020204" charset="-122"/>
-            </a:endParaRPr>
           </a:p>
         </p:txBody>
       </p:sp>
@@ -4335,13 +4585,6 @@
               </a:rPr>
               <a:t>卷积将两张特征图合并，防止失真</a:t>
             </a:r>
-            <a:endParaRPr lang="zh-CN" altLang="en-US" sz="1200" b="1">
-              <a:solidFill>
-                <a:srgbClr val="FC0280"/>
-              </a:solidFill>
-              <a:latin typeface="微软雅黑" panose="020B0503020204020204" charset="-122"/>
-              <a:ea typeface="微软雅黑" panose="020B0503020204020204" charset="-122"/>
-            </a:endParaRPr>
           </a:p>
         </p:txBody>
       </p:sp>
@@ -4392,13 +4635,6 @@
               </a:rPr>
               <a:t>卷积改变通道大小</a:t>
             </a:r>
-            <a:endParaRPr lang="zh-CN" altLang="en-US" sz="1200" b="1">
-              <a:solidFill>
-                <a:srgbClr val="C00000"/>
-              </a:solidFill>
-              <a:latin typeface="微软雅黑" panose="020B0503020204020204" charset="-122"/>
-              <a:ea typeface="微软雅黑" panose="020B0503020204020204" charset="-122"/>
-            </a:endParaRPr>
           </a:p>
         </p:txBody>
       </p:sp>
@@ -4455,13 +4691,6 @@
               </a:rPr>
               <a:t>的宽和高选择特征图</a:t>
             </a:r>
-            <a:endParaRPr lang="zh-CN" altLang="en-US" sz="1200" b="1">
-              <a:solidFill>
-                <a:srgbClr val="0070C0"/>
-              </a:solidFill>
-              <a:latin typeface="微软雅黑" panose="020B0503020204020204" charset="-122"/>
-              <a:ea typeface="微软雅黑" panose="020B0503020204020204" charset="-122"/>
-            </a:endParaRPr>
           </a:p>
         </p:txBody>
       </p:sp>
@@ -5236,10 +5465,6 @@
               </a:rPr>
               <a:t>MobileNet-v1</a:t>
             </a:r>
-            <a:endParaRPr lang="en-US" altLang="zh-CN" sz="2800" b="1">
-              <a:latin typeface="微软雅黑" panose="020B0503020204020204" charset="-122"/>
-              <a:ea typeface="微软雅黑" panose="020B0503020204020204" charset="-122"/>
-            </a:endParaRPr>
           </a:p>
         </p:txBody>
       </p:sp>
@@ -5283,10 +5508,6 @@
               </a:rPr>
               <a:t>：降低计算复杂度，确保一定的精度，能够在移动端或嵌入式设备上运行</a:t>
             </a:r>
-            <a:endParaRPr lang="zh-CN" altLang="en-US" sz="1200">
-              <a:latin typeface="微软雅黑" panose="020B0503020204020204" charset="-122"/>
-              <a:ea typeface="微软雅黑" panose="020B0503020204020204" charset="-122"/>
-            </a:endParaRPr>
           </a:p>
           <a:p>
             <a:pPr algn="l"/>
@@ -5309,10 +5530,6 @@
               </a:rPr>
               <a:t>：聚焦优化网络速度，减小计算量，分解网络参数或加速预训练模型</a:t>
             </a:r>
-            <a:endParaRPr lang="zh-CN" altLang="en-US" sz="1200">
-              <a:latin typeface="微软雅黑" panose="020B0503020204020204" charset="-122"/>
-              <a:ea typeface="微软雅黑" panose="020B0503020204020204" charset="-122"/>
-            </a:endParaRPr>
           </a:p>
           <a:p>
             <a:pPr algn="l"/>
@@ -5367,10 +5584,6 @@
               </a:rPr>
               <a:t>）</a:t>
             </a:r>
-            <a:endParaRPr lang="zh-CN" altLang="en-US" sz="1200">
-              <a:latin typeface="微软雅黑" panose="020B0503020204020204" charset="-122"/>
-              <a:ea typeface="微软雅黑" panose="020B0503020204020204" charset="-122"/>
-            </a:endParaRPr>
           </a:p>
         </p:txBody>
       </p:sp>
@@ -5889,10 +6102,6 @@
               </a:rPr>
               <a:t>Feature Map            Filter / Kernel                                         Feature Map</a:t>
             </a:r>
-            <a:endParaRPr lang="en-US" altLang="zh-CN" sz="1200">
-              <a:latin typeface="微软雅黑" panose="020B0503020204020204" charset="-122"/>
-              <a:ea typeface="微软雅黑" panose="020B0503020204020204" charset="-122"/>
-            </a:endParaRPr>
           </a:p>
         </p:txBody>
       </p:sp>
@@ -6032,10 +6241,6 @@
                 </a:rPr>
                 <a:t>.</a:t>
               </a:r>
-              <a:endParaRPr lang="en-US" altLang="zh-CN" sz="4000" b="1">
-                <a:latin typeface="微软雅黑" panose="020B0503020204020204" charset="-122"/>
-                <a:ea typeface="微软雅黑" panose="020B0503020204020204" charset="-122"/>
-              </a:endParaRPr>
             </a:p>
           </p:txBody>
         </p:sp>
@@ -6237,10 +6442,6 @@
                 </a:rPr>
                 <a:t>.</a:t>
               </a:r>
-              <a:endParaRPr lang="en-US" altLang="zh-CN" sz="4000" b="1">
-                <a:latin typeface="微软雅黑" panose="020B0503020204020204" charset="-122"/>
-                <a:ea typeface="微软雅黑" panose="020B0503020204020204" charset="-122"/>
-              </a:endParaRPr>
             </a:p>
           </p:txBody>
         </p:sp>
@@ -6533,10 +6734,6 @@
                 </a:rPr>
                 <a:t>.</a:t>
               </a:r>
-              <a:endParaRPr lang="en-US" altLang="zh-CN" sz="4000" b="1">
-                <a:latin typeface="微软雅黑" panose="020B0503020204020204" charset="-122"/>
-                <a:ea typeface="微软雅黑" panose="020B0503020204020204" charset="-122"/>
-              </a:endParaRPr>
             </a:p>
           </p:txBody>
         </p:sp>
@@ -7488,10 +7685,6 @@
               </a:rPr>
               <a:t>Filter / Kernel </a:t>
             </a:r>
-            <a:endParaRPr lang="en-US" altLang="zh-CN" sz="1200">
-              <a:latin typeface="微软雅黑" panose="020B0503020204020204" charset="-122"/>
-              <a:ea typeface="微软雅黑" panose="020B0503020204020204" charset="-122"/>
-            </a:endParaRPr>
           </a:p>
           <a:p>
             <a:pPr algn="r"/>
@@ -7502,10 +7695,6 @@
               </a:rPr>
               <a:t>           3x3      		     </a:t>
             </a:r>
-            <a:endParaRPr lang="en-US" altLang="zh-CN" sz="1200">
-              <a:latin typeface="微软雅黑" panose="020B0503020204020204" charset="-122"/>
-              <a:ea typeface="微软雅黑" panose="020B0503020204020204" charset="-122"/>
-            </a:endParaRPr>
           </a:p>
           <a:p>
             <a:pPr algn="r"/>
@@ -7516,10 +7705,6 @@
               </a:rPr>
               <a:t>DWC</a:t>
             </a:r>
-            <a:endParaRPr lang="en-US" altLang="zh-CN" sz="1200">
-              <a:latin typeface="微软雅黑" panose="020B0503020204020204" charset="-122"/>
-              <a:ea typeface="微软雅黑" panose="020B0503020204020204" charset="-122"/>
-            </a:endParaRPr>
           </a:p>
           <a:p>
             <a:pPr algn="r"/>
@@ -7530,10 +7715,6 @@
               </a:rPr>
               <a:t>Feature Map</a:t>
             </a:r>
-            <a:endParaRPr lang="en-US" altLang="zh-CN" sz="1200">
-              <a:latin typeface="微软雅黑" panose="020B0503020204020204" charset="-122"/>
-              <a:ea typeface="微软雅黑" panose="020B0503020204020204" charset="-122"/>
-            </a:endParaRPr>
           </a:p>
           <a:p>
             <a:pPr algn="r"/>
@@ -7558,10 +7739,6 @@
               </a:rPr>
               <a:t>BN</a:t>
             </a:r>
-            <a:endParaRPr lang="en-US" altLang="zh-CN" sz="1200">
-              <a:latin typeface="微软雅黑" panose="020B0503020204020204" charset="-122"/>
-              <a:ea typeface="微软雅黑" panose="020B0503020204020204" charset="-122"/>
-            </a:endParaRPr>
           </a:p>
           <a:p>
             <a:pPr algn="r"/>
@@ -7572,10 +7749,6 @@
               </a:rPr>
               <a:t>ReLU</a:t>
             </a:r>
-            <a:endParaRPr lang="en-US" altLang="zh-CN" sz="1200">
-              <a:latin typeface="微软雅黑" panose="020B0503020204020204" charset="-122"/>
-              <a:ea typeface="微软雅黑" panose="020B0503020204020204" charset="-122"/>
-            </a:endParaRPr>
           </a:p>
           <a:p>
             <a:pPr algn="r"/>
@@ -7622,10 +7795,6 @@
               </a:rPr>
               <a:t>PWC</a:t>
             </a:r>
-            <a:endParaRPr lang="en-US" altLang="zh-CN" sz="1200">
-              <a:latin typeface="微软雅黑" panose="020B0503020204020204" charset="-122"/>
-              <a:ea typeface="微软雅黑" panose="020B0503020204020204" charset="-122"/>
-            </a:endParaRPr>
           </a:p>
           <a:p>
             <a:pPr algn="r"/>
@@ -7636,10 +7805,6 @@
               </a:rPr>
               <a:t>Feature Map</a:t>
             </a:r>
-            <a:endParaRPr lang="en-US" altLang="zh-CN" sz="1200">
-              <a:latin typeface="微软雅黑" panose="020B0503020204020204" charset="-122"/>
-              <a:ea typeface="微软雅黑" panose="020B0503020204020204" charset="-122"/>
-            </a:endParaRPr>
           </a:p>
           <a:p>
             <a:pPr algn="r"/>
@@ -7678,10 +7843,6 @@
               </a:rPr>
               <a:t>BN</a:t>
             </a:r>
-            <a:endParaRPr lang="en-US" altLang="zh-CN" sz="1200">
-              <a:latin typeface="微软雅黑" panose="020B0503020204020204" charset="-122"/>
-              <a:ea typeface="微软雅黑" panose="020B0503020204020204" charset="-122"/>
-            </a:endParaRPr>
           </a:p>
           <a:p>
             <a:pPr algn="r"/>
@@ -7692,10 +7853,6 @@
               </a:rPr>
               <a:t>ReLU</a:t>
             </a:r>
-            <a:endParaRPr lang="en-US" altLang="zh-CN" sz="1200">
-              <a:latin typeface="微软雅黑" panose="020B0503020204020204" charset="-122"/>
-              <a:ea typeface="微软雅黑" panose="020B0503020204020204" charset="-122"/>
-            </a:endParaRPr>
           </a:p>
         </p:txBody>
       </p:sp>
@@ -8677,10 +8834,6 @@
               </a:rPr>
               <a:t>MobileNet-v2</a:t>
             </a:r>
-            <a:endParaRPr lang="en-US" altLang="zh-CN" sz="2800" b="1">
-              <a:latin typeface="微软雅黑" panose="020B0503020204020204" charset="-122"/>
-              <a:ea typeface="微软雅黑" panose="020B0503020204020204" charset="-122"/>
-            </a:endParaRPr>
           </a:p>
         </p:txBody>
       </p:sp>
@@ -8747,13 +8900,6 @@
               </a:rPr>
               <a:t>0</a:t>
             </a:r>
-            <a:endParaRPr lang="en-US" altLang="zh-CN" sz="1800">
-              <a:solidFill>
-                <a:schemeClr val="tx1"/>
-              </a:solidFill>
-              <a:latin typeface="微软雅黑" panose="020B0503020204020204" charset="-122"/>
-              <a:ea typeface="微软雅黑" panose="020B0503020204020204" charset="-122"/>
-            </a:endParaRPr>
           </a:p>
           <a:p>
             <a:pPr algn="l"/>
@@ -8768,14 +8914,6 @@
               </a:rPr>
               <a:t>方法：线性瓶颈和逆残差：复用特征，缓解退化</a:t>
             </a:r>
-            <a:endParaRPr lang="zh-CN" altLang="en-US" sz="1800">
-              <a:solidFill>
-                <a:schemeClr val="tx1"/>
-              </a:solidFill>
-              <a:latin typeface="微软雅黑" panose="020B0503020204020204" charset="-122"/>
-              <a:ea typeface="微软雅黑" panose="020B0503020204020204" charset="-122"/>
-              <a:sym typeface="+mn-ea"/>
-            </a:endParaRPr>
           </a:p>
         </p:txBody>
       </p:sp>
@@ -11829,13 +11967,6 @@
               </a:rPr>
               <a:t>通道降维</a:t>
             </a:r>
-            <a:endParaRPr lang="zh-CN" altLang="en-US" sz="1200">
-              <a:solidFill>
-                <a:srgbClr val="0F80FF"/>
-              </a:solidFill>
-              <a:latin typeface="微软雅黑" panose="020B0503020204020204" charset="-122"/>
-              <a:ea typeface="微软雅黑" panose="020B0503020204020204" charset="-122"/>
-            </a:endParaRPr>
           </a:p>
         </p:txBody>
       </p:sp>
@@ -11933,13 +12064,6 @@
               </a:rPr>
               <a:t>输入</a:t>
             </a:r>
-            <a:endParaRPr lang="zh-CN" altLang="en-US">
-              <a:solidFill>
-                <a:schemeClr val="tx1"/>
-              </a:solidFill>
-              <a:latin typeface="微软雅黑" panose="020B0503020204020204" charset="-122"/>
-              <a:ea typeface="微软雅黑" panose="020B0503020204020204" charset="-122"/>
-            </a:endParaRPr>
           </a:p>
         </p:txBody>
       </p:sp>
@@ -12015,13 +12139,6 @@
               </a:rPr>
               <a:t>ReLU6</a:t>
             </a:r>
-            <a:endParaRPr lang="en-US" altLang="zh-CN" sz="1200">
-              <a:solidFill>
-                <a:srgbClr val="C00000"/>
-              </a:solidFill>
-              <a:latin typeface="微软雅黑" panose="020B0503020204020204" charset="-122"/>
-              <a:ea typeface="微软雅黑" panose="020B0503020204020204" charset="-122"/>
-            </a:endParaRPr>
           </a:p>
         </p:txBody>
       </p:sp>
@@ -12058,13 +12175,6 @@
               </a:rPr>
               <a:t>ReLU6</a:t>
             </a:r>
-            <a:endParaRPr lang="en-US" altLang="zh-CN" sz="1200">
-              <a:solidFill>
-                <a:srgbClr val="C00000"/>
-              </a:solidFill>
-              <a:latin typeface="微软雅黑" panose="020B0503020204020204" charset="-122"/>
-              <a:ea typeface="微软雅黑" panose="020B0503020204020204" charset="-122"/>
-            </a:endParaRPr>
           </a:p>
         </p:txBody>
       </p:sp>
@@ -12101,13 +12211,6 @@
               </a:rPr>
               <a:t>ReLU6</a:t>
             </a:r>
-            <a:endParaRPr lang="en-US" altLang="zh-CN" sz="1200">
-              <a:solidFill>
-                <a:srgbClr val="C00000"/>
-              </a:solidFill>
-              <a:latin typeface="微软雅黑" panose="020B0503020204020204" charset="-122"/>
-              <a:ea typeface="微软雅黑" panose="020B0503020204020204" charset="-122"/>
-            </a:endParaRPr>
           </a:p>
         </p:txBody>
       </p:sp>
@@ -12188,15 +12291,6 @@
               </a:rPr>
               <a:t>ReLU6 非线性层</a:t>
             </a:r>
-            <a:endParaRPr lang="zh-CN" altLang="en-US" sz="1200">
-              <a:solidFill>
-                <a:schemeClr val="bg1">
-                  <a:lumMod val="65000"/>
-                </a:schemeClr>
-              </a:solidFill>
-              <a:latin typeface="微软雅黑" panose="020B0503020204020204" charset="-122"/>
-              <a:ea typeface="微软雅黑" panose="020B0503020204020204" charset="-122"/>
-            </a:endParaRPr>
           </a:p>
           <a:p>
             <a:pPr lvl="0" indent="0">
@@ -12215,15 +12309,6 @@
               </a:rPr>
               <a:t>    在低精度计算时能压缩动态范围，    </a:t>
             </a:r>
-            <a:endParaRPr lang="zh-CN" altLang="en-US" sz="1200">
-              <a:solidFill>
-                <a:schemeClr val="bg1">
-                  <a:lumMod val="65000"/>
-                </a:schemeClr>
-              </a:solidFill>
-              <a:latin typeface="微软雅黑" panose="020B0503020204020204" charset="-122"/>
-              <a:ea typeface="微软雅黑" panose="020B0503020204020204" charset="-122"/>
-            </a:endParaRPr>
           </a:p>
           <a:p>
             <a:pPr lvl="0" indent="0">
@@ -12242,15 +12327,6 @@
               </a:rPr>
               <a:t>    算法更稳健。</a:t>
             </a:r>
-            <a:endParaRPr lang="zh-CN" altLang="en-US" sz="1200">
-              <a:solidFill>
-                <a:schemeClr val="bg1">
-                  <a:lumMod val="65000"/>
-                </a:schemeClr>
-              </a:solidFill>
-              <a:latin typeface="微软雅黑" panose="020B0503020204020204" charset="-122"/>
-              <a:ea typeface="微软雅黑" panose="020B0503020204020204" charset="-122"/>
-            </a:endParaRPr>
           </a:p>
           <a:p>
             <a:pPr marL="171450" indent="-171450">
@@ -12284,15 +12360,6 @@
               </a:rPr>
               <a:t>ReLU6 定义为：</a:t>
             </a:r>
-            <a:endParaRPr lang="zh-CN" altLang="en-US" sz="1200">
-              <a:solidFill>
-                <a:schemeClr val="bg1">
-                  <a:lumMod val="65000"/>
-                </a:schemeClr>
-              </a:solidFill>
-              <a:latin typeface="微软雅黑" panose="020B0503020204020204" charset="-122"/>
-              <a:ea typeface="微软雅黑" panose="020B0503020204020204" charset="-122"/>
-            </a:endParaRPr>
           </a:p>
           <a:p>
             <a:pPr indent="0">
@@ -12311,15 +12378,6 @@
               </a:rPr>
               <a:t>    f(x) = min(max(x, 0), 6)</a:t>
             </a:r>
-            <a:endParaRPr lang="zh-CN" altLang="en-US" sz="1200">
-              <a:solidFill>
-                <a:schemeClr val="bg1">
-                  <a:lumMod val="65000"/>
-                </a:schemeClr>
-              </a:solidFill>
-              <a:latin typeface="微软雅黑" panose="020B0503020204020204" charset="-122"/>
-              <a:ea typeface="微软雅黑" panose="020B0503020204020204" charset="-122"/>
-            </a:endParaRPr>
           </a:p>
         </p:txBody>
       </p:sp>
@@ -12497,10 +12555,6 @@
                 </a:rPr>
                 <a:t>.</a:t>
               </a:r>
-              <a:endParaRPr lang="en-US" altLang="zh-CN" sz="4000" b="1">
-                <a:latin typeface="微软雅黑" panose="020B0503020204020204" charset="-122"/>
-                <a:ea typeface="微软雅黑" panose="020B0503020204020204" charset="-122"/>
-              </a:endParaRPr>
             </a:p>
           </p:txBody>
         </p:sp>
@@ -12538,13 +12592,6 @@
               </a:rPr>
               <a:t>Add</a:t>
             </a:r>
-            <a:endParaRPr lang="en-US" altLang="zh-CN" sz="1200">
-              <a:solidFill>
-                <a:srgbClr val="0F80FF"/>
-              </a:solidFill>
-              <a:latin typeface="微软雅黑" panose="020B0503020204020204" charset="-122"/>
-              <a:ea typeface="微软雅黑" panose="020B0503020204020204" charset="-122"/>
-            </a:endParaRPr>
           </a:p>
           <a:p>
             <a:pPr algn="l"/>
@@ -12558,13 +12605,6 @@
               </a:rPr>
               <a:t>按元素相加</a:t>
             </a:r>
-            <a:endParaRPr lang="zh-CN" altLang="en-US" sz="1200">
-              <a:solidFill>
-                <a:schemeClr val="tx1"/>
-              </a:solidFill>
-              <a:latin typeface="微软雅黑" panose="020B0503020204020204" charset="-122"/>
-              <a:ea typeface="微软雅黑" panose="020B0503020204020204" charset="-122"/>
-            </a:endParaRPr>
           </a:p>
         </p:txBody>
       </p:sp>
@@ -12652,10 +12692,6 @@
               </a:rPr>
               <a:t>MobileNet-v3</a:t>
             </a:r>
-            <a:endParaRPr lang="en-US" altLang="zh-CN" sz="2800" b="1">
-              <a:latin typeface="微软雅黑" panose="020B0503020204020204" charset="-122"/>
-              <a:ea typeface="微软雅黑" panose="020B0503020204020204" charset="-122"/>
-            </a:endParaRPr>
           </a:p>
         </p:txBody>
       </p:sp>
@@ -12687,10 +12723,6 @@
               </a:rPr>
               <a:t>目标：降低计算复杂度，确保一定的精度，能够在移动端或嵌入式设备上运行</a:t>
             </a:r>
-            <a:endParaRPr lang="zh-CN" altLang="en-US" sz="1800">
-              <a:latin typeface="微软雅黑" panose="020B0503020204020204" charset="-122"/>
-              <a:ea typeface="微软雅黑" panose="020B0503020204020204" charset="-122"/>
-            </a:endParaRPr>
           </a:p>
         </p:txBody>
       </p:sp>
@@ -12748,381 +12780,9 @@
               </a:rPr>
               <a:t>GAN - 2014</a:t>
             </a:r>
-            <a:endParaRPr lang="en-US" altLang="zh-CN" sz="2000" b="1" dirty="0">
-              <a:latin typeface="微软雅黑" panose="020B0503020204020204" charset="-122"/>
-              <a:ea typeface="微软雅黑" panose="020B0503020204020204" charset="-122"/>
-            </a:endParaRPr>
-          </a:p>
-        </p:txBody>
-      </p:sp>
-      <p:pic>
-        <p:nvPicPr>
-          <p:cNvPr id="3" name="图片 2"/>
-          <p:cNvPicPr>
-            <a:picLocks noChangeAspect="1"/>
-          </p:cNvPicPr>
-          <p:nvPr/>
-        </p:nvPicPr>
-        <p:blipFill>
-          <a:blip r:embed="rId1"/>
-          <a:stretch>
-            <a:fillRect/>
-          </a:stretch>
-        </p:blipFill>
-        <p:spPr>
-          <a:xfrm>
-            <a:off x="5133935" y="3021071"/>
-            <a:ext cx="1476190" cy="314286"/>
-          </a:xfrm>
-          <a:prstGeom prst="rect">
-            <a:avLst/>
-          </a:prstGeom>
-        </p:spPr>
-      </p:pic>
-      <p:sp>
-        <p:nvSpPr>
-          <p:cNvPr id="4" name="文本框 2"/>
-          <p:cNvSpPr txBox="1"/>
-          <p:nvPr/>
-        </p:nvSpPr>
-        <p:spPr>
-          <a:xfrm>
-            <a:off x="6544485" y="3049646"/>
-            <a:ext cx="513581" cy="276999"/>
-          </a:xfrm>
-          <a:prstGeom prst="rect">
-            <a:avLst/>
-          </a:prstGeom>
-          <a:noFill/>
-        </p:spPr>
-        <p:txBody>
-          <a:bodyPr wrap="square" rtlCol="0">
-            <a:spAutoFit/>
-          </a:bodyPr>
-          <a:lstStyle>
-            <a:defPPr>
-              <a:defRPr lang="zh-CN"/>
-            </a:defPPr>
-            <a:lvl1pPr marL="0" algn="l" defTabSz="914400" rtl="0" eaLnBrk="1" latinLnBrk="0" hangingPunct="1">
-              <a:defRPr sz="1800" kern="1200">
-                <a:solidFill>
-                  <a:schemeClr val="tx1"/>
-                </a:solidFill>
-                <a:latin typeface="+mn-lt"/>
-                <a:ea typeface="+mn-ea"/>
-                <a:cs typeface="+mn-cs"/>
-              </a:defRPr>
-            </a:lvl1pPr>
-            <a:lvl2pPr marL="457200" algn="l" defTabSz="914400" rtl="0" eaLnBrk="1" latinLnBrk="0" hangingPunct="1">
-              <a:defRPr sz="1800" kern="1200">
-                <a:solidFill>
-                  <a:schemeClr val="tx1"/>
-                </a:solidFill>
-                <a:latin typeface="+mn-lt"/>
-                <a:ea typeface="+mn-ea"/>
-                <a:cs typeface="+mn-cs"/>
-              </a:defRPr>
-            </a:lvl2pPr>
-            <a:lvl3pPr marL="914400" algn="l" defTabSz="914400" rtl="0" eaLnBrk="1" latinLnBrk="0" hangingPunct="1">
-              <a:defRPr sz="1800" kern="1200">
-                <a:solidFill>
-                  <a:schemeClr val="tx1"/>
-                </a:solidFill>
-                <a:latin typeface="+mn-lt"/>
-                <a:ea typeface="+mn-ea"/>
-                <a:cs typeface="+mn-cs"/>
-              </a:defRPr>
-            </a:lvl3pPr>
-            <a:lvl4pPr marL="1371600" algn="l" defTabSz="914400" rtl="0" eaLnBrk="1" latinLnBrk="0" hangingPunct="1">
-              <a:defRPr sz="1800" kern="1200">
-                <a:solidFill>
-                  <a:schemeClr val="tx1"/>
-                </a:solidFill>
-                <a:latin typeface="+mn-lt"/>
-                <a:ea typeface="+mn-ea"/>
-                <a:cs typeface="+mn-cs"/>
-              </a:defRPr>
-            </a:lvl4pPr>
-            <a:lvl5pPr marL="1828800" algn="l" defTabSz="914400" rtl="0" eaLnBrk="1" latinLnBrk="0" hangingPunct="1">
-              <a:defRPr sz="1800" kern="1200">
-                <a:solidFill>
-                  <a:schemeClr val="tx1"/>
-                </a:solidFill>
-                <a:latin typeface="+mn-lt"/>
-                <a:ea typeface="+mn-ea"/>
-                <a:cs typeface="+mn-cs"/>
-              </a:defRPr>
-            </a:lvl5pPr>
-            <a:lvl6pPr marL="2286000" algn="l" defTabSz="914400" rtl="0" eaLnBrk="1" latinLnBrk="0" hangingPunct="1">
-              <a:defRPr sz="1800" kern="1200">
-                <a:solidFill>
-                  <a:schemeClr val="tx1"/>
-                </a:solidFill>
-                <a:latin typeface="+mn-lt"/>
-                <a:ea typeface="+mn-ea"/>
-                <a:cs typeface="+mn-cs"/>
-              </a:defRPr>
-            </a:lvl6pPr>
-            <a:lvl7pPr marL="2743200" algn="l" defTabSz="914400" rtl="0" eaLnBrk="1" latinLnBrk="0" hangingPunct="1">
-              <a:defRPr sz="1800" kern="1200">
-                <a:solidFill>
-                  <a:schemeClr val="tx1"/>
-                </a:solidFill>
-                <a:latin typeface="+mn-lt"/>
-                <a:ea typeface="+mn-ea"/>
-                <a:cs typeface="+mn-cs"/>
-              </a:defRPr>
-            </a:lvl7pPr>
-            <a:lvl8pPr marL="3200400" algn="l" defTabSz="914400" rtl="0" eaLnBrk="1" latinLnBrk="0" hangingPunct="1">
-              <a:defRPr sz="1800" kern="1200">
-                <a:solidFill>
-                  <a:schemeClr val="tx1"/>
-                </a:solidFill>
-                <a:latin typeface="+mn-lt"/>
-                <a:ea typeface="+mn-ea"/>
-                <a:cs typeface="+mn-cs"/>
-              </a:defRPr>
-            </a:lvl8pPr>
-            <a:lvl9pPr marL="3657600" algn="l" defTabSz="914400" rtl="0" eaLnBrk="1" latinLnBrk="0" hangingPunct="1">
-              <a:defRPr sz="1800" kern="1200">
-                <a:solidFill>
-                  <a:schemeClr val="tx1"/>
-                </a:solidFill>
-                <a:latin typeface="+mn-lt"/>
-                <a:ea typeface="+mn-ea"/>
-                <a:cs typeface="+mn-cs"/>
-              </a:defRPr>
-            </a:lvl9pPr>
-          </a:lstStyle>
-          <a:p>
-            <a:r>
-              <a:rPr lang="en-US" altLang="zh-CN" sz="1200" b="1" dirty="0">
-                <a:solidFill>
-                  <a:srgbClr val="455368"/>
-                </a:solidFill>
-                <a:latin typeface="Arial Narrow" panose="020B0606020202030204" pitchFamily="34" charset="0"/>
-                <a:cs typeface="Arial" panose="020B0604020202090204" pitchFamily="34" charset="0"/>
-              </a:rPr>
-              <a:t>1.x</a:t>
-            </a:r>
-            <a:endParaRPr lang="zh-CN" altLang="en-US" sz="1200" b="1" dirty="0">
-              <a:solidFill>
-                <a:srgbClr val="455368"/>
-              </a:solidFill>
-              <a:latin typeface="Arial Narrow" panose="020B0606020202030204" pitchFamily="34" charset="0"/>
-              <a:cs typeface="Arial" panose="020B0604020202090204" pitchFamily="34" charset="0"/>
-            </a:endParaRPr>
-          </a:p>
-        </p:txBody>
-      </p:sp>
-      <p:pic>
-        <p:nvPicPr>
-          <p:cNvPr id="6" name="图片 5"/>
-          <p:cNvPicPr>
-            <a:picLocks noChangeAspect="1"/>
-          </p:cNvPicPr>
-          <p:nvPr/>
-        </p:nvPicPr>
-        <p:blipFill>
-          <a:blip r:embed="rId1"/>
-          <a:stretch>
-            <a:fillRect/>
-          </a:stretch>
-        </p:blipFill>
-        <p:spPr>
-          <a:xfrm>
-            <a:off x="5133935" y="3466246"/>
-            <a:ext cx="1476190" cy="314286"/>
-          </a:xfrm>
-          <a:prstGeom prst="rect">
-            <a:avLst/>
-          </a:prstGeom>
-        </p:spPr>
-      </p:pic>
-      <p:sp>
-        <p:nvSpPr>
-          <p:cNvPr id="7" name="文本框 6"/>
-          <p:cNvSpPr txBox="1"/>
-          <p:nvPr/>
-        </p:nvSpPr>
-        <p:spPr>
-          <a:xfrm>
-            <a:off x="6544485" y="3494821"/>
-            <a:ext cx="513581" cy="276999"/>
-          </a:xfrm>
-          <a:prstGeom prst="rect">
-            <a:avLst/>
-          </a:prstGeom>
-          <a:noFill/>
-        </p:spPr>
-        <p:txBody>
-          <a:bodyPr wrap="square" rtlCol="0">
-            <a:spAutoFit/>
-          </a:bodyPr>
-          <a:lstStyle>
-            <a:defPPr>
-              <a:defRPr lang="zh-CN"/>
-            </a:defPPr>
-            <a:lvl1pPr marL="0" algn="l" defTabSz="914400" rtl="0" eaLnBrk="1" latinLnBrk="0" hangingPunct="1">
-              <a:defRPr sz="1800" kern="1200">
-                <a:solidFill>
-                  <a:schemeClr val="tx1"/>
-                </a:solidFill>
-                <a:latin typeface="+mn-lt"/>
-                <a:ea typeface="+mn-ea"/>
-                <a:cs typeface="+mn-cs"/>
-              </a:defRPr>
-            </a:lvl1pPr>
-            <a:lvl2pPr marL="457200" algn="l" defTabSz="914400" rtl="0" eaLnBrk="1" latinLnBrk="0" hangingPunct="1">
-              <a:defRPr sz="1800" kern="1200">
-                <a:solidFill>
-                  <a:schemeClr val="tx1"/>
-                </a:solidFill>
-                <a:latin typeface="+mn-lt"/>
-                <a:ea typeface="+mn-ea"/>
-                <a:cs typeface="+mn-cs"/>
-              </a:defRPr>
-            </a:lvl2pPr>
-            <a:lvl3pPr marL="914400" algn="l" defTabSz="914400" rtl="0" eaLnBrk="1" latinLnBrk="0" hangingPunct="1">
-              <a:defRPr sz="1800" kern="1200">
-                <a:solidFill>
-                  <a:schemeClr val="tx1"/>
-                </a:solidFill>
-                <a:latin typeface="+mn-lt"/>
-                <a:ea typeface="+mn-ea"/>
-                <a:cs typeface="+mn-cs"/>
-              </a:defRPr>
-            </a:lvl3pPr>
-            <a:lvl4pPr marL="1371600" algn="l" defTabSz="914400" rtl="0" eaLnBrk="1" latinLnBrk="0" hangingPunct="1">
-              <a:defRPr sz="1800" kern="1200">
-                <a:solidFill>
-                  <a:schemeClr val="tx1"/>
-                </a:solidFill>
-                <a:latin typeface="+mn-lt"/>
-                <a:ea typeface="+mn-ea"/>
-                <a:cs typeface="+mn-cs"/>
-              </a:defRPr>
-            </a:lvl4pPr>
-            <a:lvl5pPr marL="1828800" algn="l" defTabSz="914400" rtl="0" eaLnBrk="1" latinLnBrk="0" hangingPunct="1">
-              <a:defRPr sz="1800" kern="1200">
-                <a:solidFill>
-                  <a:schemeClr val="tx1"/>
-                </a:solidFill>
-                <a:latin typeface="+mn-lt"/>
-                <a:ea typeface="+mn-ea"/>
-                <a:cs typeface="+mn-cs"/>
-              </a:defRPr>
-            </a:lvl5pPr>
-            <a:lvl6pPr marL="2286000" algn="l" defTabSz="914400" rtl="0" eaLnBrk="1" latinLnBrk="0" hangingPunct="1">
-              <a:defRPr sz="1800" kern="1200">
-                <a:solidFill>
-                  <a:schemeClr val="tx1"/>
-                </a:solidFill>
-                <a:latin typeface="+mn-lt"/>
-                <a:ea typeface="+mn-ea"/>
-                <a:cs typeface="+mn-cs"/>
-              </a:defRPr>
-            </a:lvl6pPr>
-            <a:lvl7pPr marL="2743200" algn="l" defTabSz="914400" rtl="0" eaLnBrk="1" latinLnBrk="0" hangingPunct="1">
-              <a:defRPr sz="1800" kern="1200">
-                <a:solidFill>
-                  <a:schemeClr val="tx1"/>
-                </a:solidFill>
-                <a:latin typeface="+mn-lt"/>
-                <a:ea typeface="+mn-ea"/>
-                <a:cs typeface="+mn-cs"/>
-              </a:defRPr>
-            </a:lvl7pPr>
-            <a:lvl8pPr marL="3200400" algn="l" defTabSz="914400" rtl="0" eaLnBrk="1" latinLnBrk="0" hangingPunct="1">
-              <a:defRPr sz="1800" kern="1200">
-                <a:solidFill>
-                  <a:schemeClr val="tx1"/>
-                </a:solidFill>
-                <a:latin typeface="+mn-lt"/>
-                <a:ea typeface="+mn-ea"/>
-                <a:cs typeface="+mn-cs"/>
-              </a:defRPr>
-            </a:lvl8pPr>
-            <a:lvl9pPr marL="3657600" algn="l" defTabSz="914400" rtl="0" eaLnBrk="1" latinLnBrk="0" hangingPunct="1">
-              <a:defRPr sz="1800" kern="1200">
-                <a:solidFill>
-                  <a:schemeClr val="tx1"/>
-                </a:solidFill>
-                <a:latin typeface="+mn-lt"/>
-                <a:ea typeface="+mn-ea"/>
-                <a:cs typeface="+mn-cs"/>
-              </a:defRPr>
-            </a:lvl9pPr>
-          </a:lstStyle>
-          <a:p>
-            <a:r>
-              <a:rPr lang="en-US" altLang="zh-CN" sz="1200" b="1" dirty="0">
-                <a:solidFill>
-                  <a:srgbClr val="455368"/>
-                </a:solidFill>
-                <a:latin typeface="Arial Narrow" panose="020B0606020202030204" pitchFamily="34" charset="0"/>
-                <a:cs typeface="Arial" panose="020B0604020202090204" pitchFamily="34" charset="0"/>
-              </a:rPr>
-              <a:t>2.x</a:t>
-            </a:r>
-            <a:endParaRPr lang="zh-CN" altLang="en-US" sz="1200" b="1" dirty="0">
-              <a:solidFill>
-                <a:srgbClr val="455368"/>
-              </a:solidFill>
-              <a:latin typeface="Arial Narrow" panose="020B0606020202030204" pitchFamily="34" charset="0"/>
-              <a:cs typeface="Arial" panose="020B0604020202090204" pitchFamily="34" charset="0"/>
-            </a:endParaRPr>
-          </a:p>
-        </p:txBody>
-      </p:sp>
-      <p:pic>
-        <p:nvPicPr>
-          <p:cNvPr id="8" name="图片 7"/>
-          <p:cNvPicPr>
-            <a:picLocks noChangeAspect="1"/>
-          </p:cNvPicPr>
-          <p:nvPr/>
-        </p:nvPicPr>
-        <p:blipFill>
-          <a:blip r:embed="rId2"/>
-          <a:stretch>
-            <a:fillRect/>
-          </a:stretch>
-        </p:blipFill>
-        <p:spPr>
-          <a:xfrm>
-            <a:off x="5407428" y="2573497"/>
-            <a:ext cx="929204" cy="231139"/>
-          </a:xfrm>
-          <a:prstGeom prst="rect">
-            <a:avLst/>
-          </a:prstGeom>
-        </p:spPr>
-      </p:pic>
-      <p:pic>
-        <p:nvPicPr>
-          <p:cNvPr id="9" name="图片 8"/>
-          <p:cNvPicPr>
-            <a:picLocks noChangeAspect="1"/>
-          </p:cNvPicPr>
-          <p:nvPr/>
-        </p:nvPicPr>
-        <p:blipFill>
-          <a:blip r:embed="rId3"/>
-          <a:stretch>
-            <a:fillRect/>
-          </a:stretch>
-        </p:blipFill>
-        <p:spPr>
-          <a:xfrm>
-            <a:off x="5545144" y="4042310"/>
-            <a:ext cx="791488" cy="242193"/>
-          </a:xfrm>
-          <a:prstGeom prst="rect">
-            <a:avLst/>
-          </a:prstGeom>
-        </p:spPr>
-      </p:pic>
+          </a:p>
+        </p:txBody>
+      </p:sp>
     </p:spTree>
   </p:cSld>
   <p:clrMapOvr>
@@ -13177,9 +12837,211 @@
               </a:rPr>
               <a:t>CGAN - 2014</a:t>
             </a:r>
-            <a:endParaRPr lang="en-US" altLang="zh-CN" sz="2000" b="1">
-              <a:latin typeface="微软雅黑" panose="020B0503020204020204" charset="-122"/>
-              <a:ea typeface="微软雅黑" panose="020B0503020204020204" charset="-122"/>
+          </a:p>
+        </p:txBody>
+      </p:sp>
+      <p:pic>
+        <p:nvPicPr>
+          <p:cNvPr id="3" name="图片 2">
+            <a:extLst>
+              <a:ext uri="{FF2B5EF4-FFF2-40B4-BE49-F238E27FC236}">
+                <a16:creationId xmlns:a16="http://schemas.microsoft.com/office/drawing/2014/main" id="{03FA6B92-077C-49E1-9956-0E4ECA13AFDE}"/>
+              </a:ext>
+            </a:extLst>
+          </p:cNvPr>
+          <p:cNvPicPr>
+            <a:picLocks noChangeAspect="1"/>
+          </p:cNvPicPr>
+          <p:nvPr/>
+        </p:nvPicPr>
+        <p:blipFill>
+          <a:blip r:embed="rId2">
+            <a:extLst>
+              <a:ext uri="{28A0092B-C50C-407E-A947-70E740481C1C}">
+                <a14:useLocalDpi xmlns:a14="http://schemas.microsoft.com/office/drawing/2010/main" val="0"/>
+              </a:ext>
+            </a:extLst>
+          </a:blip>
+          <a:stretch>
+            <a:fillRect/>
+          </a:stretch>
+        </p:blipFill>
+        <p:spPr>
+          <a:xfrm>
+            <a:off x="335280" y="911520"/>
+            <a:ext cx="11257526" cy="5034960"/>
+          </a:xfrm>
+          <a:prstGeom prst="rect">
+            <a:avLst/>
+          </a:prstGeom>
+        </p:spPr>
+      </p:pic>
+      <p:cxnSp>
+        <p:nvCxnSpPr>
+          <p:cNvPr id="6" name="连接符: 肘形 5">
+            <a:extLst>
+              <a:ext uri="{FF2B5EF4-FFF2-40B4-BE49-F238E27FC236}">
+                <a16:creationId xmlns:a16="http://schemas.microsoft.com/office/drawing/2014/main" id="{42B51F60-15E0-4FC9-8B1E-F1D5CD32EDD6}"/>
+              </a:ext>
+            </a:extLst>
+          </p:cNvPr>
+          <p:cNvCxnSpPr/>
+          <p:nvPr/>
+        </p:nvCxnSpPr>
+        <p:spPr>
+          <a:xfrm rot="5400000" flipH="1" flipV="1">
+            <a:off x="10591500" y="3968460"/>
+            <a:ext cx="1318680" cy="239760"/>
+          </a:xfrm>
+          <a:prstGeom prst="bentConnector3">
+            <a:avLst>
+              <a:gd name="adj1" fmla="val 40"/>
+            </a:avLst>
+          </a:prstGeom>
+          <a:ln w="19050">
+            <a:solidFill>
+              <a:schemeClr val="bg1">
+                <a:lumMod val="85000"/>
+              </a:schemeClr>
+            </a:solidFill>
+            <a:tailEnd type="triangle"/>
+          </a:ln>
+        </p:spPr>
+        <p:style>
+          <a:lnRef idx="1">
+            <a:schemeClr val="accent1"/>
+          </a:lnRef>
+          <a:fillRef idx="0">
+            <a:schemeClr val="accent1"/>
+          </a:fillRef>
+          <a:effectRef idx="0">
+            <a:schemeClr val="accent1"/>
+          </a:effectRef>
+          <a:fontRef idx="minor">
+            <a:schemeClr val="tx1"/>
+          </a:fontRef>
+        </p:style>
+      </p:cxnSp>
+      <p:sp>
+        <p:nvSpPr>
+          <p:cNvPr id="11" name="矩形 10">
+            <a:extLst>
+              <a:ext uri="{FF2B5EF4-FFF2-40B4-BE49-F238E27FC236}">
+                <a16:creationId xmlns:a16="http://schemas.microsoft.com/office/drawing/2014/main" id="{A73283A8-D51C-45C2-9617-3C29C6A6C475}"/>
+              </a:ext>
+            </a:extLst>
+          </p:cNvPr>
+          <p:cNvSpPr/>
+          <p:nvPr/>
+        </p:nvSpPr>
+        <p:spPr>
+          <a:xfrm>
+            <a:off x="629801" y="4539667"/>
+            <a:ext cx="1318680" cy="359640"/>
+          </a:xfrm>
+          <a:prstGeom prst="rect">
+            <a:avLst/>
+          </a:prstGeom>
+          <a:noFill/>
+          <a:ln w="28575">
+            <a:solidFill>
+              <a:srgbClr val="FD66FF"/>
+            </a:solidFill>
+            <a:prstDash val="sysDash"/>
+          </a:ln>
+        </p:spPr>
+        <p:style>
+          <a:lnRef idx="2">
+            <a:schemeClr val="accent1">
+              <a:shade val="50000"/>
+            </a:schemeClr>
+          </a:lnRef>
+          <a:fillRef idx="1">
+            <a:schemeClr val="accent1"/>
+          </a:fillRef>
+          <a:effectRef idx="0">
+            <a:schemeClr val="accent1"/>
+          </a:effectRef>
+          <a:fontRef idx="minor">
+            <a:schemeClr val="lt1"/>
+          </a:fontRef>
+        </p:style>
+        <p:txBody>
+          <a:bodyPr rtlCol="0" anchor="ctr"/>
+          <a:lstStyle/>
+          <a:p>
+            <a:pPr algn="ctr"/>
+            <a:endParaRPr lang="zh-CN" altLang="en-US">
+              <a:ln>
+                <a:solidFill>
+                  <a:schemeClr val="tx1"/>
+                </a:solidFill>
+              </a:ln>
+              <a:solidFill>
+                <a:schemeClr val="tx1"/>
+              </a:solidFill>
+            </a:endParaRPr>
+          </a:p>
+        </p:txBody>
+      </p:sp>
+      <p:sp>
+        <p:nvSpPr>
+          <p:cNvPr id="14" name="矩形 13">
+            <a:extLst>
+              <a:ext uri="{FF2B5EF4-FFF2-40B4-BE49-F238E27FC236}">
+                <a16:creationId xmlns:a16="http://schemas.microsoft.com/office/drawing/2014/main" id="{BD049BC3-3E38-451D-9FE1-2D5F5BB79B1B}"/>
+              </a:ext>
+            </a:extLst>
+          </p:cNvPr>
+          <p:cNvSpPr/>
+          <p:nvPr/>
+        </p:nvSpPr>
+        <p:spPr>
+          <a:xfrm>
+            <a:off x="3099000" y="3309120"/>
+            <a:ext cx="239760" cy="479520"/>
+          </a:xfrm>
+          <a:prstGeom prst="rect">
+            <a:avLst/>
+          </a:prstGeom>
+          <a:noFill/>
+          <a:ln w="28575">
+            <a:solidFill>
+              <a:srgbClr val="FD66FF"/>
+            </a:solidFill>
+            <a:prstDash val="sysDash"/>
+          </a:ln>
+        </p:spPr>
+        <p:style>
+          <a:lnRef idx="2">
+            <a:schemeClr val="accent1">
+              <a:shade val="50000"/>
+            </a:schemeClr>
+          </a:lnRef>
+          <a:fillRef idx="1">
+            <a:schemeClr val="accent1"/>
+          </a:fillRef>
+          <a:effectRef idx="0">
+            <a:schemeClr val="accent1"/>
+          </a:effectRef>
+          <a:fontRef idx="minor">
+            <a:schemeClr val="lt1"/>
+          </a:fontRef>
+        </p:style>
+        <p:txBody>
+          <a:bodyPr rtlCol="0" anchor="ctr"/>
+          <a:lstStyle/>
+          <a:p>
+            <a:pPr algn="ctr"/>
+            <a:endParaRPr lang="zh-CN" altLang="en-US">
+              <a:ln>
+                <a:solidFill>
+                  <a:schemeClr val="tx1"/>
+                </a:solidFill>
+              </a:ln>
+              <a:solidFill>
+                <a:schemeClr val="tx1"/>
+              </a:solidFill>
             </a:endParaRPr>
           </a:p>
         </p:txBody>
@@ -13238,10 +13100,6 @@
               </a:rPr>
               <a:t>DCGAN - 2015</a:t>
             </a:r>
-            <a:endParaRPr lang="en-US" altLang="zh-CN" sz="2000" b="1">
-              <a:latin typeface="微软雅黑" panose="020B0503020204020204" charset="-122"/>
-              <a:ea typeface="微软雅黑" panose="020B0503020204020204" charset="-122"/>
-            </a:endParaRPr>
           </a:p>
         </p:txBody>
       </p:sp>
@@ -13254,7 +13112,7 @@
           <p:nvPr/>
         </p:nvPicPr>
         <p:blipFill>
-          <a:blip r:embed="rId1"/>
+          <a:blip r:embed="rId2"/>
           <a:stretch>
             <a:fillRect/>
           </a:stretch>
@@ -13302,13 +13160,6 @@
               </a:rPr>
               <a:t>Generator</a:t>
             </a:r>
-            <a:endParaRPr lang="en-US" altLang="zh-CN" sz="1400" b="1">
-              <a:solidFill>
-                <a:srgbClr val="0070C0"/>
-              </a:solidFill>
-              <a:latin typeface="微软雅黑" panose="020B0503020204020204" charset="-122"/>
-              <a:ea typeface="微软雅黑" panose="020B0503020204020204" charset="-122"/>
-            </a:endParaRPr>
           </a:p>
         </p:txBody>
       </p:sp>
@@ -13367,16 +13218,6 @@
               </a:rPr>
               <a:t>source: https://openai.com/blog/generative-models/</a:t>
             </a:r>
-            <a:endParaRPr lang="en-US" altLang="zh-CN" sz="800">
-              <a:solidFill>
-                <a:schemeClr val="tx1">
-                  <a:lumMod val="50000"/>
-                  <a:lumOff val="50000"/>
-                </a:schemeClr>
-              </a:solidFill>
-              <a:latin typeface="微软雅黑" panose="020B0503020204020204" charset="-122"/>
-              <a:ea typeface="微软雅黑" panose="020B0503020204020204" charset="-122"/>
-            </a:endParaRPr>
           </a:p>
         </p:txBody>
       </p:sp>
@@ -13434,10 +13275,6 @@
               </a:rPr>
               <a:t>DCGAN - 2015</a:t>
             </a:r>
-            <a:endParaRPr lang="en-US" altLang="zh-CN" sz="2000" b="1">
-              <a:latin typeface="微软雅黑" panose="020B0503020204020204" charset="-122"/>
-              <a:ea typeface="微软雅黑" panose="020B0503020204020204" charset="-122"/>
-            </a:endParaRPr>
           </a:p>
         </p:txBody>
       </p:sp>
@@ -13474,13 +13311,6 @@
               </a:rPr>
               <a:t>Generator</a:t>
             </a:r>
-            <a:endParaRPr lang="en-US" altLang="zh-CN" sz="1400" b="1">
-              <a:solidFill>
-                <a:srgbClr val="0070C0"/>
-              </a:solidFill>
-              <a:latin typeface="微软雅黑" panose="020B0503020204020204" charset="-122"/>
-              <a:ea typeface="微软雅黑" panose="020B0503020204020204" charset="-122"/>
-            </a:endParaRPr>
           </a:p>
         </p:txBody>
       </p:sp>
@@ -13536,6 +13366,7 @@
         </p:style>
         <p:txBody>
           <a:bodyPr rtlCol="0" anchor="ctr"/>
+          <a:lstStyle/>
           <a:p>
             <a:pPr algn="ctr"/>
             <a:endParaRPr lang="zh-CN" altLang="en-US"/>
@@ -13587,6 +13418,7 @@
         </p:style>
         <p:txBody>
           <a:bodyPr rtlCol="0" anchor="ctr"/>
+          <a:lstStyle/>
           <a:p>
             <a:pPr algn="ctr"/>
             <a:endParaRPr lang="zh-CN" altLang="en-US"/>
@@ -13645,6 +13477,7 @@
         </p:style>
         <p:txBody>
           <a:bodyPr rtlCol="0" anchor="ctr"/>
+          <a:lstStyle/>
           <a:p>
             <a:pPr algn="ctr"/>
             <a:endParaRPr lang="zh-CN" altLang="en-US"/>
@@ -13696,6 +13529,7 @@
         </p:style>
         <p:txBody>
           <a:bodyPr rtlCol="0" anchor="ctr"/>
+          <a:lstStyle/>
           <a:p>
             <a:pPr algn="ctr"/>
             <a:endParaRPr lang="zh-CN" altLang="en-US"/>
@@ -13747,6 +13581,7 @@
         </p:style>
         <p:txBody>
           <a:bodyPr rtlCol="0" anchor="ctr"/>
+          <a:lstStyle/>
           <a:p>
             <a:pPr algn="ctr"/>
             <a:endParaRPr lang="zh-CN" altLang="en-US"/>
@@ -13798,6 +13633,7 @@
         </p:style>
         <p:txBody>
           <a:bodyPr rtlCol="0" anchor="ctr"/>
+          <a:lstStyle/>
           <a:p>
             <a:pPr algn="ctr"/>
             <a:endParaRPr lang="zh-CN" altLang="en-US"/>
@@ -13856,6 +13692,7 @@
         </p:style>
         <p:txBody>
           <a:bodyPr rtlCol="0" anchor="ctr"/>
+          <a:lstStyle/>
           <a:p>
             <a:pPr algn="ctr"/>
             <a:endParaRPr lang="zh-CN" altLang="en-US"/>
@@ -13907,6 +13744,7 @@
         </p:style>
         <p:txBody>
           <a:bodyPr rtlCol="0" anchor="ctr"/>
+          <a:lstStyle/>
           <a:p>
             <a:pPr algn="ctr"/>
             <a:endParaRPr lang="zh-CN" altLang="en-US"/>
@@ -13958,6 +13796,7 @@
         </p:style>
         <p:txBody>
           <a:bodyPr rtlCol="0" anchor="ctr"/>
+          <a:lstStyle/>
           <a:p>
             <a:pPr algn="ctr"/>
             <a:endParaRPr lang="zh-CN" altLang="en-US"/>
@@ -14016,6 +13855,7 @@
         </p:style>
         <p:txBody>
           <a:bodyPr rtlCol="0" anchor="ctr"/>
+          <a:lstStyle/>
           <a:p>
             <a:pPr algn="ctr"/>
             <a:endParaRPr lang="zh-CN" altLang="en-US"/>
@@ -14067,6 +13907,7 @@
         </p:style>
         <p:txBody>
           <a:bodyPr rtlCol="0" anchor="ctr"/>
+          <a:lstStyle/>
           <a:p>
             <a:pPr algn="ctr"/>
             <a:endParaRPr lang="zh-CN" altLang="en-US"/>
@@ -14118,6 +13959,7 @@
         </p:style>
         <p:txBody>
           <a:bodyPr rtlCol="0" anchor="ctr"/>
+          <a:lstStyle/>
           <a:p>
             <a:pPr algn="ctr"/>
             <a:endParaRPr lang="zh-CN" altLang="en-US"/>
@@ -14172,6 +14014,7 @@
         </p:style>
         <p:txBody>
           <a:bodyPr rtlCol="0" anchor="ctr"/>
+          <a:lstStyle/>
           <a:p>
             <a:pPr algn="ctr"/>
             <a:endParaRPr lang="zh-CN" altLang="en-US"/>
@@ -14224,6 +14067,7 @@
         </p:style>
         <p:txBody>
           <a:bodyPr rtlCol="0" anchor="ctr"/>
+          <a:lstStyle/>
           <a:p>
             <a:pPr algn="ctr"/>
             <a:endParaRPr lang="zh-CN" altLang="en-US"/>
@@ -14250,6 +14094,7 @@
           <a:bodyPr wrap="square" rtlCol="0">
             <a:spAutoFit/>
           </a:bodyPr>
+          <a:lstStyle/>
           <a:p>
             <a:pPr algn="ctr"/>
             <a:r>
@@ -14262,13 +14107,6 @@
               </a:rPr>
               <a:t>Discriminator</a:t>
             </a:r>
-            <a:endParaRPr lang="en-US" altLang="zh-CN" sz="1400" b="1">
-              <a:solidFill>
-                <a:srgbClr val="0070C0"/>
-              </a:solidFill>
-              <a:latin typeface="微软雅黑" panose="020B0503020204020204" charset="-122"/>
-              <a:ea typeface="微软雅黑" panose="020B0503020204020204" charset="-122"/>
-            </a:endParaRPr>
           </a:p>
         </p:txBody>
       </p:sp>
@@ -14341,16 +14179,6 @@
               </a:rPr>
               <a:t>aO+bP+cQ+fU+gV+hW+kX+lY+mZ</a:t>
             </a:r>
-            <a:endParaRPr lang="en-US" sz="800">
-              <a:solidFill>
-                <a:schemeClr val="accent2">
-                  <a:lumMod val="60000"/>
-                  <a:lumOff val="40000"/>
-                </a:schemeClr>
-              </a:solidFill>
-              <a:latin typeface="微软雅黑" panose="020B0503020204020204" charset="-122"/>
-              <a:ea typeface="微软雅黑" panose="020B0503020204020204" charset="-122"/>
-            </a:endParaRPr>
           </a:p>
         </p:txBody>
       </p:sp>
@@ -14398,16 +14226,6 @@
               </a:rPr>
               <a:t>bO+cP+dQ+gU+hV+iW+lX+mY+nZ</a:t>
             </a:r>
-            <a:endParaRPr lang="en-US" sz="800">
-              <a:solidFill>
-                <a:schemeClr val="accent2">
-                  <a:lumMod val="60000"/>
-                  <a:lumOff val="40000"/>
-                </a:schemeClr>
-              </a:solidFill>
-              <a:latin typeface="微软雅黑" panose="020B0503020204020204" charset="-122"/>
-              <a:ea typeface="微软雅黑" panose="020B0503020204020204" charset="-122"/>
-            </a:endParaRPr>
           </a:p>
         </p:txBody>
       </p:sp>
@@ -14455,16 +14273,6 @@
               </a:rPr>
               <a:t>cO+dP+eQ+hU+iV+jW+mX+nY+oZ</a:t>
             </a:r>
-            <a:endParaRPr lang="en-US" sz="800">
-              <a:solidFill>
-                <a:schemeClr val="accent2">
-                  <a:lumMod val="60000"/>
-                  <a:lumOff val="40000"/>
-                </a:schemeClr>
-              </a:solidFill>
-              <a:latin typeface="微软雅黑" panose="020B0503020204020204" charset="-122"/>
-              <a:ea typeface="微软雅黑" panose="020B0503020204020204" charset="-122"/>
-            </a:endParaRPr>
           </a:p>
         </p:txBody>
       </p:sp>
@@ -16026,13 +15834,6 @@
               </a:rPr>
               <a:t>计算量大：</a:t>
             </a:r>
-            <a:endParaRPr lang="zh-CN" altLang="en-US" b="1">
-              <a:solidFill>
-                <a:srgbClr val="C00000"/>
-              </a:solidFill>
-              <a:latin typeface="微软雅黑" panose="020B0503020204020204" charset="-122"/>
-              <a:ea typeface="微软雅黑" panose="020B0503020204020204" charset="-122"/>
-            </a:endParaRPr>
           </a:p>
           <a:p>
             <a:pPr>
@@ -16050,13 +15851,6 @@
               </a:rPr>
               <a:t>逐点卷积</a:t>
             </a:r>
-            <a:endParaRPr lang="zh-CN" altLang="en-US" b="1">
-              <a:solidFill>
-                <a:srgbClr val="C00000"/>
-              </a:solidFill>
-              <a:latin typeface="微软雅黑" panose="020B0503020204020204" charset="-122"/>
-              <a:ea typeface="微软雅黑" panose="020B0503020204020204" charset="-122"/>
-            </a:endParaRPr>
           </a:p>
         </p:txBody>
       </p:sp>
@@ -16135,13 +15929,6 @@
               </a:rPr>
               <a:t>通道分组</a:t>
             </a:r>
-            <a:endParaRPr lang="zh-CN" altLang="en-US" sz="1400">
-              <a:solidFill>
-                <a:srgbClr val="0F80FF"/>
-              </a:solidFill>
-              <a:latin typeface="微软雅黑" panose="020B0503020204020204" charset="-122"/>
-              <a:ea typeface="微软雅黑" panose="020B0503020204020204" charset="-122"/>
-            </a:endParaRPr>
           </a:p>
           <a:p>
             <a:pPr algn="ctr">
@@ -16159,13 +15946,6 @@
               </a:rPr>
               <a:t>降低计算量</a:t>
             </a:r>
-            <a:endParaRPr lang="zh-CN" altLang="en-US" sz="1400">
-              <a:solidFill>
-                <a:srgbClr val="0F80FF"/>
-              </a:solidFill>
-              <a:latin typeface="微软雅黑" panose="020B0503020204020204" charset="-122"/>
-              <a:ea typeface="微软雅黑" panose="020B0503020204020204" charset="-122"/>
-            </a:endParaRPr>
           </a:p>
         </p:txBody>
       </p:sp>
@@ -16206,13 +15986,6 @@
               </a:rPr>
               <a:t>分组降低信息流通</a:t>
             </a:r>
-            <a:endParaRPr lang="zh-CN" altLang="en-US" sz="1400">
-              <a:solidFill>
-                <a:srgbClr val="C00000"/>
-              </a:solidFill>
-              <a:latin typeface="微软雅黑" panose="020B0503020204020204" charset="-122"/>
-              <a:ea typeface="微软雅黑" panose="020B0503020204020204" charset="-122"/>
-            </a:endParaRPr>
           </a:p>
           <a:p>
             <a:pPr algn="ctr">
@@ -16230,13 +16003,6 @@
               </a:rPr>
               <a:t>减弱信息表示</a:t>
             </a:r>
-            <a:endParaRPr lang="zh-CN" altLang="en-US" sz="1400">
-              <a:solidFill>
-                <a:srgbClr val="C00000"/>
-              </a:solidFill>
-              <a:latin typeface="微软雅黑" panose="020B0503020204020204" charset="-122"/>
-              <a:ea typeface="微软雅黑" panose="020B0503020204020204" charset="-122"/>
-            </a:endParaRPr>
           </a:p>
         </p:txBody>
       </p:sp>
@@ -16277,13 +16043,6 @@
               </a:rPr>
               <a:t>混合通道特征</a:t>
             </a:r>
-            <a:endParaRPr lang="zh-CN" altLang="en-US" sz="1400">
-              <a:solidFill>
-                <a:srgbClr val="0F80FF"/>
-              </a:solidFill>
-              <a:latin typeface="微软雅黑" panose="020B0503020204020204" charset="-122"/>
-              <a:ea typeface="微软雅黑" panose="020B0503020204020204" charset="-122"/>
-            </a:endParaRPr>
           </a:p>
         </p:txBody>
       </p:sp>
@@ -16463,16 +16222,6 @@
               </a:rPr>
               <a:t>）</a:t>
             </a:r>
-            <a:endParaRPr lang="zh-CN" altLang="en-US" sz="1000">
-              <a:solidFill>
-                <a:schemeClr val="tx1">
-                  <a:lumMod val="50000"/>
-                  <a:lumOff val="50000"/>
-                </a:schemeClr>
-              </a:solidFill>
-              <a:latin typeface="微软雅黑" panose="020B0503020204020204" charset="-122"/>
-              <a:ea typeface="微软雅黑" panose="020B0503020204020204" charset="-122"/>
-            </a:endParaRPr>
           </a:p>
           <a:p>
             <a:pPr marL="228600" indent="-228600">
@@ -16631,17 +16380,6 @@
               </a:rPr>
               <a:t>）</a:t>
             </a:r>
-            <a:endParaRPr lang="zh-CN" altLang="en-US" sz="1000">
-              <a:solidFill>
-                <a:schemeClr val="tx1">
-                  <a:lumMod val="50000"/>
-                  <a:lumOff val="50000"/>
-                </a:schemeClr>
-              </a:solidFill>
-              <a:latin typeface="微软雅黑" panose="020B0503020204020204" charset="-122"/>
-              <a:ea typeface="微软雅黑" panose="020B0503020204020204" charset="-122"/>
-              <a:sym typeface="+mn-ea"/>
-            </a:endParaRPr>
           </a:p>
           <a:p>
             <a:pPr marL="228600" indent="-228600">
@@ -16852,13 +16590,6 @@
               </a:rPr>
               <a:t>元素相加</a:t>
             </a:r>
-            <a:endParaRPr lang="zh-CN" altLang="en-US" sz="1400" b="1">
-              <a:solidFill>
-                <a:srgbClr val="CC66FF"/>
-              </a:solidFill>
-              <a:latin typeface="微软雅黑" panose="020B0503020204020204" charset="-122"/>
-              <a:ea typeface="微软雅黑" panose="020B0503020204020204" charset="-122"/>
-            </a:endParaRPr>
           </a:p>
         </p:txBody>
       </p:sp>
@@ -16899,13 +16630,6 @@
               </a:rPr>
               <a:t>通道级联</a:t>
             </a:r>
-            <a:endParaRPr lang="zh-CN" altLang="en-US" sz="1400" b="1">
-              <a:solidFill>
-                <a:srgbClr val="CC66FF"/>
-              </a:solidFill>
-              <a:latin typeface="微软雅黑" panose="020B0503020204020204" charset="-122"/>
-              <a:ea typeface="微软雅黑" panose="020B0503020204020204" charset="-122"/>
-            </a:endParaRPr>
           </a:p>
         </p:txBody>
       </p:sp>
@@ -16938,10 +16662,6 @@
               </a:rPr>
               <a:t>InfoGAN - 2016</a:t>
             </a:r>
-            <a:endParaRPr lang="en-US" altLang="zh-CN" sz="2000" b="1">
-              <a:latin typeface="微软雅黑" panose="020B0503020204020204" charset="-122"/>
-              <a:ea typeface="微软雅黑" panose="020B0503020204020204" charset="-122"/>
-            </a:endParaRPr>
           </a:p>
         </p:txBody>
       </p:sp>
@@ -17054,13 +16774,6 @@
               </a:rPr>
               <a:t>特征提取</a:t>
             </a:r>
-            <a:endParaRPr lang="zh-CN" altLang="en-US" sz="1400" b="1">
-              <a:solidFill>
-                <a:srgbClr val="0070C0"/>
-              </a:solidFill>
-              <a:latin typeface="微软雅黑" panose="020B0503020204020204" charset="-122"/>
-              <a:ea typeface="微软雅黑" panose="020B0503020204020204" charset="-122"/>
-            </a:endParaRPr>
           </a:p>
         </p:txBody>
       </p:sp>
@@ -17101,13 +16814,6 @@
               </a:rPr>
               <a:t>Offset Max Pooling</a:t>
             </a:r>
-            <a:endParaRPr lang="en-US" altLang="zh-CN" b="1">
-              <a:solidFill>
-                <a:srgbClr val="C00000"/>
-              </a:solidFill>
-              <a:latin typeface="微软雅黑" panose="020B0503020204020204" charset="-122"/>
-              <a:ea typeface="微软雅黑" panose="020B0503020204020204" charset="-122"/>
-            </a:endParaRPr>
           </a:p>
         </p:txBody>
       </p:sp>
@@ -17120,7 +16826,7 @@
           <p:nvPr/>
         </p:nvPicPr>
         <p:blipFill>
-          <a:blip r:embed="rId1"/>
+          <a:blip r:embed="rId3"/>
           <a:stretch>
             <a:fillRect/>
           </a:stretch>
@@ -17144,7 +16850,7 @@
           <p:nvPr/>
         </p:nvPicPr>
         <p:blipFill>
-          <a:blip r:embed="rId2"/>
+          <a:blip r:embed="rId4"/>
           <a:stretch>
             <a:fillRect/>
           </a:stretch>
@@ -17168,7 +16874,7 @@
           <p:nvPr/>
         </p:nvPicPr>
         <p:blipFill>
-          <a:blip r:embed="rId3"/>
+          <a:blip r:embed="rId5"/>
           <a:stretch>
             <a:fillRect/>
           </a:stretch>
@@ -17216,13 +16922,6 @@
               </a:rPr>
               <a:t>Classifier</a:t>
             </a:r>
-            <a:endParaRPr lang="en-US" altLang="zh-CN" b="1">
-              <a:solidFill>
-                <a:srgbClr val="0070C0"/>
-              </a:solidFill>
-              <a:latin typeface="微软雅黑" panose="020B0503020204020204" charset="-122"/>
-              <a:ea typeface="微软雅黑" panose="020B0503020204020204" charset="-122"/>
-            </a:endParaRPr>
           </a:p>
         </p:txBody>
       </p:sp>
@@ -17266,16 +16965,6 @@
               </a:rPr>
               <a:t>conv 5x5</a:t>
             </a:r>
-            <a:endParaRPr lang="en-US" altLang="zh-CN" sz="1200" b="1">
-              <a:solidFill>
-                <a:schemeClr val="tx1">
-                  <a:lumMod val="50000"/>
-                  <a:lumOff val="50000"/>
-                </a:schemeClr>
-              </a:solidFill>
-              <a:latin typeface="微软雅黑" panose="020B0503020204020204" charset="-122"/>
-              <a:ea typeface="微软雅黑" panose="020B0503020204020204" charset="-122"/>
-            </a:endParaRPr>
           </a:p>
         </p:txBody>
       </p:sp>
@@ -17288,7 +16977,7 @@
           <p:nvPr/>
         </p:nvPicPr>
         <p:blipFill>
-          <a:blip r:embed="rId1"/>
+          <a:blip r:embed="rId3"/>
           <a:stretch>
             <a:fillRect/>
           </a:stretch>
@@ -17312,7 +17001,7 @@
           <p:nvPr/>
         </p:nvPicPr>
         <p:blipFill>
-          <a:blip r:embed="rId2"/>
+          <a:blip r:embed="rId4"/>
           <a:stretch>
             <a:fillRect/>
           </a:stretch>
@@ -17336,7 +17025,7 @@
           <p:nvPr/>
         </p:nvPicPr>
         <p:blipFill>
-          <a:blip r:embed="rId3"/>
+          <a:blip r:embed="rId5"/>
           <a:stretch>
             <a:fillRect/>
           </a:stretch>
@@ -17387,16 +17076,6 @@
               </a:rPr>
               <a:t>fc6</a:t>
             </a:r>
-            <a:endParaRPr lang="en-US" altLang="zh-CN" sz="1400" b="1">
-              <a:solidFill>
-                <a:schemeClr val="tx1">
-                  <a:lumMod val="65000"/>
-                  <a:lumOff val="35000"/>
-                </a:schemeClr>
-              </a:solidFill>
-              <a:latin typeface="微软雅黑" panose="020B0503020204020204" charset="-122"/>
-              <a:ea typeface="微软雅黑" panose="020B0503020204020204" charset="-122"/>
-            </a:endParaRPr>
           </a:p>
         </p:txBody>
       </p:sp>
@@ -17409,7 +17088,7 @@
           <p:nvPr/>
         </p:nvPicPr>
         <p:blipFill>
-          <a:blip r:embed="rId4"/>
+          <a:blip r:embed="rId6"/>
           <a:stretch>
             <a:fillRect/>
           </a:stretch>
@@ -17433,7 +17112,7 @@
           <p:nvPr/>
         </p:nvPicPr>
         <p:blipFill>
-          <a:blip r:embed="rId4"/>
+          <a:blip r:embed="rId6"/>
           <a:stretch>
             <a:fillRect/>
           </a:stretch>
@@ -17457,7 +17136,7 @@
           <p:nvPr/>
         </p:nvPicPr>
         <p:blipFill>
-          <a:blip r:embed="rId4"/>
+          <a:blip r:embed="rId6"/>
           <a:stretch>
             <a:fillRect/>
           </a:stretch>
@@ -17481,7 +17160,7 @@
           <p:nvPr/>
         </p:nvPicPr>
         <p:blipFill>
-          <a:blip r:embed="rId5"/>
+          <a:blip r:embed="rId7"/>
           <a:stretch>
             <a:fillRect/>
           </a:stretch>
@@ -17505,7 +17184,7 @@
           <p:nvPr/>
         </p:nvPicPr>
         <p:blipFill>
-          <a:blip r:embed="rId6"/>
+          <a:blip r:embed="rId8"/>
           <a:stretch>
             <a:fillRect/>
           </a:stretch>
@@ -17529,7 +17208,7 @@
           <p:nvPr/>
         </p:nvPicPr>
         <p:blipFill>
-          <a:blip r:embed="rId7"/>
+          <a:blip r:embed="rId9"/>
           <a:stretch>
             <a:fillRect/>
           </a:stretch>
@@ -17553,7 +17232,7 @@
           <p:nvPr/>
         </p:nvPicPr>
         <p:blipFill>
-          <a:blip r:embed="rId8"/>
+          <a:blip r:embed="rId10"/>
           <a:stretch>
             <a:fillRect/>
           </a:stretch>
@@ -17577,7 +17256,7 @@
           <p:nvPr/>
         </p:nvPicPr>
         <p:blipFill>
-          <a:blip r:embed="rId8"/>
+          <a:blip r:embed="rId10"/>
           <a:stretch>
             <a:fillRect/>
           </a:stretch>
@@ -17601,7 +17280,7 @@
           <p:nvPr/>
         </p:nvPicPr>
         <p:blipFill>
-          <a:blip r:embed="rId8"/>
+          <a:blip r:embed="rId10"/>
           <a:stretch>
             <a:fillRect/>
           </a:stretch>
@@ -17625,7 +17304,7 @@
           <p:nvPr/>
         </p:nvPicPr>
         <p:blipFill>
-          <a:blip r:embed="rId5"/>
+          <a:blip r:embed="rId7"/>
           <a:stretch>
             <a:fillRect/>
           </a:stretch>
@@ -17649,7 +17328,7 @@
           <p:nvPr/>
         </p:nvPicPr>
         <p:blipFill>
-          <a:blip r:embed="rId6"/>
+          <a:blip r:embed="rId8"/>
           <a:stretch>
             <a:fillRect/>
           </a:stretch>
@@ -17673,7 +17352,7 @@
           <p:nvPr/>
         </p:nvPicPr>
         <p:blipFill>
-          <a:blip r:embed="rId7"/>
+          <a:blip r:embed="rId9"/>
           <a:stretch>
             <a:fillRect/>
           </a:stretch>
@@ -17697,7 +17376,7 @@
           <p:nvPr/>
         </p:nvPicPr>
         <p:blipFill>
-          <a:blip r:embed="rId8"/>
+          <a:blip r:embed="rId10"/>
           <a:stretch>
             <a:fillRect/>
           </a:stretch>
@@ -17721,7 +17400,7 @@
           <p:nvPr/>
         </p:nvPicPr>
         <p:blipFill>
-          <a:blip r:embed="rId8"/>
+          <a:blip r:embed="rId10"/>
           <a:stretch>
             <a:fillRect/>
           </a:stretch>
@@ -17745,7 +17424,7 @@
           <p:nvPr/>
         </p:nvPicPr>
         <p:blipFill>
-          <a:blip r:embed="rId8"/>
+          <a:blip r:embed="rId10"/>
           <a:stretch>
             <a:fillRect/>
           </a:stretch>
@@ -17800,16 +17479,6 @@
               </a:rPr>
               <a:t>conv 1x1</a:t>
             </a:r>
-            <a:endParaRPr lang="en-US" altLang="zh-CN" sz="1200" b="1">
-              <a:solidFill>
-                <a:schemeClr val="tx1">
-                  <a:lumMod val="50000"/>
-                  <a:lumOff val="50000"/>
-                </a:schemeClr>
-              </a:solidFill>
-              <a:latin typeface="微软雅黑" panose="020B0503020204020204" charset="-122"/>
-              <a:ea typeface="微软雅黑" panose="020B0503020204020204" charset="-122"/>
-            </a:endParaRPr>
           </a:p>
         </p:txBody>
       </p:sp>
@@ -17849,16 +17518,6 @@
               </a:rPr>
               <a:t>fc7</a:t>
             </a:r>
-            <a:endParaRPr lang="en-US" altLang="zh-CN" sz="1400" b="1">
-              <a:solidFill>
-                <a:schemeClr val="tx1">
-                  <a:lumMod val="65000"/>
-                  <a:lumOff val="35000"/>
-                </a:schemeClr>
-              </a:solidFill>
-              <a:latin typeface="微软雅黑" panose="020B0503020204020204" charset="-122"/>
-              <a:ea typeface="微软雅黑" panose="020B0503020204020204" charset="-122"/>
-            </a:endParaRPr>
           </a:p>
         </p:txBody>
       </p:sp>
@@ -17902,16 +17561,6 @@
               </a:rPr>
               <a:t>conv 1x1</a:t>
             </a:r>
-            <a:endParaRPr lang="en-US" altLang="zh-CN" sz="1200" b="1">
-              <a:solidFill>
-                <a:schemeClr val="tx1">
-                  <a:lumMod val="50000"/>
-                  <a:lumOff val="50000"/>
-                </a:schemeClr>
-              </a:solidFill>
-              <a:latin typeface="微软雅黑" panose="020B0503020204020204" charset="-122"/>
-              <a:ea typeface="微软雅黑" panose="020B0503020204020204" charset="-122"/>
-            </a:endParaRPr>
           </a:p>
         </p:txBody>
       </p:sp>
@@ -17951,16 +17600,6 @@
               </a:rPr>
               <a:t>fc8</a:t>
             </a:r>
-            <a:endParaRPr lang="en-US" altLang="zh-CN" sz="1400" b="1">
-              <a:solidFill>
-                <a:schemeClr val="tx1">
-                  <a:lumMod val="65000"/>
-                  <a:lumOff val="35000"/>
-                </a:schemeClr>
-              </a:solidFill>
-              <a:latin typeface="微软雅黑" panose="020B0503020204020204" charset="-122"/>
-              <a:ea typeface="微软雅黑" panose="020B0503020204020204" charset="-122"/>
-            </a:endParaRPr>
           </a:p>
         </p:txBody>
       </p:sp>
@@ -18112,15 +17751,6 @@
               </a:rPr>
               <a:t>221x221x96</a:t>
             </a:r>
-            <a:endParaRPr lang="en-US" altLang="zh-CN" sz="800">
-              <a:solidFill>
-                <a:schemeClr val="tx1">
-                  <a:lumMod val="50000"/>
-                  <a:lumOff val="50000"/>
-                </a:schemeClr>
-              </a:solidFill>
-              <a:latin typeface="Arial" panose="020B0604020202090204" pitchFamily="34" charset="0"/>
-            </a:endParaRPr>
           </a:p>
         </p:txBody>
       </p:sp>
@@ -18178,15 +17808,6 @@
               </a:rPr>
               <a:t>36x36x256</a:t>
             </a:r>
-            <a:endParaRPr lang="en-US" altLang="zh-CN" sz="800">
-              <a:solidFill>
-                <a:schemeClr val="tx1">
-                  <a:lumMod val="50000"/>
-                  <a:lumOff val="50000"/>
-                </a:schemeClr>
-              </a:solidFill>
-              <a:latin typeface="Arial" panose="020B0604020202090204" pitchFamily="34" charset="0"/>
-            </a:endParaRPr>
           </a:p>
         </p:txBody>
       </p:sp>
@@ -18244,15 +17865,6 @@
               </a:rPr>
               <a:t>15x15x512</a:t>
             </a:r>
-            <a:endParaRPr lang="en-US" altLang="zh-CN" sz="800">
-              <a:solidFill>
-                <a:schemeClr val="tx1">
-                  <a:lumMod val="50000"/>
-                  <a:lumOff val="50000"/>
-                </a:schemeClr>
-              </a:solidFill>
-              <a:latin typeface="Arial" panose="020B0604020202090204" pitchFamily="34" charset="0"/>
-            </a:endParaRPr>
           </a:p>
         </p:txBody>
       </p:sp>
@@ -18310,15 +17922,6 @@
               </a:rPr>
               <a:t>15x15x512</a:t>
             </a:r>
-            <a:endParaRPr lang="en-US" altLang="zh-CN" sz="800">
-              <a:solidFill>
-                <a:schemeClr val="tx1">
-                  <a:lumMod val="50000"/>
-                  <a:lumOff val="50000"/>
-                </a:schemeClr>
-              </a:solidFill>
-              <a:latin typeface="Arial" panose="020B0604020202090204" pitchFamily="34" charset="0"/>
-            </a:endParaRPr>
           </a:p>
         </p:txBody>
       </p:sp>
@@ -18376,15 +17979,6 @@
               </a:rPr>
               <a:t>15x15x1024</a:t>
             </a:r>
-            <a:endParaRPr lang="en-US" altLang="zh-CN" sz="800">
-              <a:solidFill>
-                <a:schemeClr val="tx1">
-                  <a:lumMod val="50000"/>
-                  <a:lumOff val="50000"/>
-                </a:schemeClr>
-              </a:solidFill>
-              <a:latin typeface="Arial" panose="020B0604020202090204" pitchFamily="34" charset="0"/>
-            </a:endParaRPr>
           </a:p>
         </p:txBody>
       </p:sp>
@@ -18421,13 +18015,6 @@
               </a:rPr>
               <a:t>Regressor</a:t>
             </a:r>
-            <a:endParaRPr lang="en-US" altLang="zh-CN" b="1">
-              <a:solidFill>
-                <a:srgbClr val="0070C0"/>
-              </a:solidFill>
-              <a:latin typeface="微软雅黑" panose="020B0503020204020204" charset="-122"/>
-              <a:ea typeface="微软雅黑" panose="020B0503020204020204" charset="-122"/>
-            </a:endParaRPr>
           </a:p>
         </p:txBody>
       </p:sp>
@@ -18467,16 +18054,6 @@
               </a:rPr>
               <a:t>fc6</a:t>
             </a:r>
-            <a:endParaRPr lang="en-US" altLang="zh-CN" sz="1400" b="1">
-              <a:solidFill>
-                <a:schemeClr val="tx1">
-                  <a:lumMod val="65000"/>
-                  <a:lumOff val="35000"/>
-                </a:schemeClr>
-              </a:solidFill>
-              <a:latin typeface="微软雅黑" panose="020B0503020204020204" charset="-122"/>
-              <a:ea typeface="微软雅黑" panose="020B0503020204020204" charset="-122"/>
-            </a:endParaRPr>
           </a:p>
           <a:p>
             <a:pPr algn="ctr"/>
@@ -18506,16 +18083,6 @@
               </a:rPr>
               <a:t>通道</a:t>
             </a:r>
-            <a:endParaRPr lang="zh-CN" altLang="en-US" sz="1000" b="1">
-              <a:solidFill>
-                <a:schemeClr val="tx1">
-                  <a:lumMod val="65000"/>
-                  <a:lumOff val="35000"/>
-                </a:schemeClr>
-              </a:solidFill>
-              <a:latin typeface="微软雅黑" panose="020B0503020204020204" charset="-122"/>
-              <a:ea typeface="微软雅黑" panose="020B0503020204020204" charset="-122"/>
-            </a:endParaRPr>
           </a:p>
         </p:txBody>
       </p:sp>
@@ -18555,16 +18122,6 @@
               </a:rPr>
               <a:t>fc7</a:t>
             </a:r>
-            <a:endParaRPr lang="en-US" altLang="zh-CN" sz="1400" b="1">
-              <a:solidFill>
-                <a:schemeClr val="tx1">
-                  <a:lumMod val="65000"/>
-                  <a:lumOff val="35000"/>
-                </a:schemeClr>
-              </a:solidFill>
-              <a:latin typeface="微软雅黑" panose="020B0503020204020204" charset="-122"/>
-              <a:ea typeface="微软雅黑" panose="020B0503020204020204" charset="-122"/>
-            </a:endParaRPr>
           </a:p>
           <a:p>
             <a:pPr algn="ctr"/>
@@ -18658,16 +18215,6 @@
               </a:rPr>
               <a:t>fc8</a:t>
             </a:r>
-            <a:endParaRPr lang="en-US" altLang="zh-CN" sz="1400" b="1">
-              <a:solidFill>
-                <a:schemeClr val="tx1">
-                  <a:lumMod val="65000"/>
-                  <a:lumOff val="35000"/>
-                </a:schemeClr>
-              </a:solidFill>
-              <a:latin typeface="微软雅黑" panose="020B0503020204020204" charset="-122"/>
-              <a:ea typeface="微软雅黑" panose="020B0503020204020204" charset="-122"/>
-            </a:endParaRPr>
           </a:p>
           <a:p>
             <a:pPr algn="ctr"/>
@@ -18697,16 +18244,6 @@
               </a:rPr>
               <a:t>通道</a:t>
             </a:r>
-            <a:endParaRPr lang="zh-CN" altLang="en-US" sz="1000" b="1">
-              <a:solidFill>
-                <a:schemeClr val="tx1">
-                  <a:lumMod val="65000"/>
-                  <a:lumOff val="35000"/>
-                </a:schemeClr>
-              </a:solidFill>
-              <a:latin typeface="微软雅黑" panose="020B0503020204020204" charset="-122"/>
-              <a:ea typeface="微软雅黑" panose="020B0503020204020204" charset="-122"/>
-            </a:endParaRPr>
           </a:p>
         </p:txBody>
       </p:sp>
@@ -18747,13 +18284,6 @@
               </a:rPr>
               <a:t>全卷积网络</a:t>
             </a:r>
-            <a:endParaRPr lang="zh-CN" altLang="en-US" b="1">
-              <a:solidFill>
-                <a:srgbClr val="C00000"/>
-              </a:solidFill>
-              <a:latin typeface="微软雅黑" panose="020B0503020204020204" charset="-122"/>
-              <a:ea typeface="微软雅黑" panose="020B0503020204020204" charset="-122"/>
-            </a:endParaRPr>
           </a:p>
         </p:txBody>
       </p:sp>
@@ -18819,16 +18349,6 @@
               </a:rPr>
               <a:t>通道</a:t>
             </a:r>
-            <a:endParaRPr lang="zh-CN" altLang="en-US" sz="1000" b="1">
-              <a:solidFill>
-                <a:schemeClr val="tx1">
-                  <a:lumMod val="65000"/>
-                  <a:lumOff val="35000"/>
-                </a:schemeClr>
-              </a:solidFill>
-              <a:latin typeface="微软雅黑" panose="020B0503020204020204" charset="-122"/>
-              <a:ea typeface="微软雅黑" panose="020B0503020204020204" charset="-122"/>
-            </a:endParaRPr>
           </a:p>
         </p:txBody>
       </p:sp>
@@ -18947,16 +18467,6 @@
               </a:rPr>
               <a:t>Sliding Windows</a:t>
             </a:r>
-            <a:endParaRPr lang="en-US" altLang="zh-CN" sz="1400" b="1">
-              <a:solidFill>
-                <a:schemeClr val="tx1">
-                  <a:lumMod val="50000"/>
-                  <a:lumOff val="50000"/>
-                </a:schemeClr>
-              </a:solidFill>
-              <a:latin typeface="微软雅黑" panose="020B0503020204020204" charset="-122"/>
-              <a:ea typeface="微软雅黑" panose="020B0503020204020204" charset="-122"/>
-            </a:endParaRPr>
           </a:p>
           <a:p>
             <a:pPr algn="ctr">
@@ -18977,16 +18487,6 @@
               </a:rPr>
               <a:t>产生的多个预测值被</a:t>
             </a:r>
-            <a:endParaRPr lang="zh-CN" altLang="en-US" sz="1400" b="1">
-              <a:solidFill>
-                <a:schemeClr val="tx1">
-                  <a:lumMod val="50000"/>
-                  <a:lumOff val="50000"/>
-                </a:schemeClr>
-              </a:solidFill>
-              <a:latin typeface="微软雅黑" panose="020B0503020204020204" charset="-122"/>
-              <a:ea typeface="微软雅黑" panose="020B0503020204020204" charset="-122"/>
-            </a:endParaRPr>
           </a:p>
           <a:p>
             <a:pPr algn="ctr">
@@ -19033,16 +18533,6 @@
               </a:rPr>
               <a:t>交叉验证丢弃</a:t>
             </a:r>
-            <a:endParaRPr lang="zh-CN" altLang="en-US" sz="1400" b="1">
-              <a:solidFill>
-                <a:schemeClr val="tx1">
-                  <a:lumMod val="50000"/>
-                  <a:lumOff val="50000"/>
-                </a:schemeClr>
-              </a:solidFill>
-              <a:latin typeface="微软雅黑" panose="020B0503020204020204" charset="-122"/>
-              <a:ea typeface="微软雅黑" panose="020B0503020204020204" charset="-122"/>
-            </a:endParaRPr>
           </a:p>
         </p:txBody>
       </p:sp>
@@ -19101,10 +18591,6 @@
               </a:rPr>
               <a:t>227x227x3</a:t>
             </a:r>
-            <a:endParaRPr lang="en-US" altLang="zh-CN" sz="1000">
-              <a:latin typeface="微软雅黑" panose="020B0503020204020204" charset="-122"/>
-              <a:ea typeface="微软雅黑" panose="020B0503020204020204" charset="-122"/>
-            </a:endParaRPr>
           </a:p>
         </p:txBody>
       </p:sp>
@@ -19151,13 +18637,6 @@
               </a:rPr>
               <a:t>输入图像</a:t>
             </a:r>
-            <a:endParaRPr lang="zh-CN" altLang="en-US" sz="1400" b="1">
-              <a:solidFill>
-                <a:srgbClr val="0070C0"/>
-              </a:solidFill>
-              <a:latin typeface="微软雅黑" panose="020B0503020204020204" charset="-122"/>
-              <a:ea typeface="微软雅黑" panose="020B0503020204020204" charset="-122"/>
-            </a:endParaRPr>
           </a:p>
         </p:txBody>
       </p:sp>
@@ -19224,13 +18703,6 @@
               </a:rPr>
               <a:t>）</a:t>
             </a:r>
-            <a:endParaRPr lang="zh-CN" altLang="en-US" sz="1400" b="1">
-              <a:solidFill>
-                <a:srgbClr val="0070C0"/>
-              </a:solidFill>
-              <a:latin typeface="微软雅黑" panose="020B0503020204020204" charset="-122"/>
-              <a:ea typeface="微软雅黑" panose="020B0503020204020204" charset="-122"/>
-            </a:endParaRPr>
           </a:p>
         </p:txBody>
       </p:sp>
@@ -19287,13 +18759,6 @@
               </a:rPr>
               <a:t>）</a:t>
             </a:r>
-            <a:endParaRPr lang="zh-CN" altLang="en-US" sz="1400" b="1">
-              <a:solidFill>
-                <a:srgbClr val="0070C0"/>
-              </a:solidFill>
-              <a:latin typeface="微软雅黑" panose="020B0503020204020204" charset="-122"/>
-              <a:ea typeface="微软雅黑" panose="020B0503020204020204" charset="-122"/>
-            </a:endParaRPr>
           </a:p>
         </p:txBody>
       </p:sp>
@@ -19406,13 +18871,6 @@
               </a:rPr>
               <a:t>图像仿射扭曲</a:t>
             </a:r>
-            <a:endParaRPr lang="zh-CN" altLang="en-US" sz="1400" b="1">
-              <a:solidFill>
-                <a:srgbClr val="0070C0"/>
-              </a:solidFill>
-              <a:latin typeface="微软雅黑" panose="020B0503020204020204" charset="-122"/>
-              <a:ea typeface="微软雅黑" panose="020B0503020204020204" charset="-122"/>
-            </a:endParaRPr>
           </a:p>
         </p:txBody>
       </p:sp>
@@ -19484,16 +18942,6 @@
               </a:rPr>
               <a:t>维</a:t>
             </a:r>
-            <a:endParaRPr lang="zh-CN" altLang="en-US" sz="1200">
-              <a:solidFill>
-                <a:schemeClr val="tx1">
-                  <a:lumMod val="50000"/>
-                  <a:lumOff val="50000"/>
-                </a:schemeClr>
-              </a:solidFill>
-              <a:latin typeface="微软雅黑" panose="020B0503020204020204" charset="-122"/>
-              <a:ea typeface="微软雅黑" panose="020B0503020204020204" charset="-122"/>
-            </a:endParaRPr>
           </a:p>
           <a:p>
             <a:pPr indent="0" algn="l">
@@ -19529,16 +18977,6 @@
               </a:rPr>
               <a:t>非零</a:t>
             </a:r>
-            <a:endParaRPr lang="zh-CN" altLang="en-US" sz="1200">
-              <a:solidFill>
-                <a:schemeClr val="tx1">
-                  <a:lumMod val="50000"/>
-                  <a:lumOff val="50000"/>
-                </a:schemeClr>
-              </a:solidFill>
-              <a:latin typeface="微软雅黑" panose="020B0503020204020204" charset="-122"/>
-              <a:ea typeface="微软雅黑" panose="020B0503020204020204" charset="-122"/>
-            </a:endParaRPr>
           </a:p>
           <a:p>
             <a:pPr marL="285750" indent="-285750" algn="l">
@@ -19606,16 +19044,6 @@
               </a:rPr>
               <a:t>维</a:t>
             </a:r>
-            <a:endParaRPr lang="zh-CN" altLang="en-US" sz="1200">
-              <a:solidFill>
-                <a:schemeClr val="tx1">
-                  <a:lumMod val="50000"/>
-                  <a:lumOff val="50000"/>
-                </a:schemeClr>
-              </a:solidFill>
-              <a:latin typeface="微软雅黑" panose="020B0503020204020204" charset="-122"/>
-              <a:ea typeface="微软雅黑" panose="020B0503020204020204" charset="-122"/>
-            </a:endParaRPr>
           </a:p>
           <a:p>
             <a:pPr indent="0" algn="l">
@@ -19651,16 +19079,6 @@
               </a:rPr>
               <a:t>非零</a:t>
             </a:r>
-            <a:endParaRPr lang="zh-CN" altLang="en-US" sz="1200">
-              <a:solidFill>
-                <a:schemeClr val="tx1">
-                  <a:lumMod val="50000"/>
-                  <a:lumOff val="50000"/>
-                </a:schemeClr>
-              </a:solidFill>
-              <a:latin typeface="微软雅黑" panose="020B0503020204020204" charset="-122"/>
-              <a:ea typeface="微软雅黑" panose="020B0503020204020204" charset="-122"/>
-            </a:endParaRPr>
           </a:p>
           <a:p>
             <a:pPr marL="285750" indent="-285750" algn="l">
@@ -19778,17 +19196,6 @@
               </a:rPr>
               <a:t>非零</a:t>
             </a:r>
-            <a:endParaRPr lang="zh-CN" altLang="en-US" sz="1200">
-              <a:solidFill>
-                <a:schemeClr val="tx1">
-                  <a:lumMod val="50000"/>
-                  <a:lumOff val="50000"/>
-                </a:schemeClr>
-              </a:solidFill>
-              <a:latin typeface="微软雅黑" panose="020B0503020204020204" charset="-122"/>
-              <a:ea typeface="微软雅黑" panose="020B0503020204020204" charset="-122"/>
-              <a:sym typeface="+mn-ea"/>
-            </a:endParaRPr>
           </a:p>
         </p:txBody>
       </p:sp>
@@ -19869,13 +19276,6 @@
               </a:rPr>
               <a:t>每一类都训练一个</a:t>
             </a:r>
-            <a:endParaRPr lang="zh-CN" altLang="en-US" sz="1400" b="1">
-              <a:solidFill>
-                <a:srgbClr val="0070C0"/>
-              </a:solidFill>
-              <a:latin typeface="微软雅黑" panose="020B0503020204020204" charset="-122"/>
-              <a:ea typeface="微软雅黑" panose="020B0503020204020204" charset="-122"/>
-            </a:endParaRPr>
           </a:p>
           <a:p>
             <a:pPr algn="ctr">
@@ -19933,13 +19333,6 @@
               </a:rPr>
               <a:t>背景）</a:t>
             </a:r>
-            <a:endParaRPr lang="zh-CN" altLang="en-US" sz="1400" b="1">
-              <a:solidFill>
-                <a:srgbClr val="0070C0"/>
-              </a:solidFill>
-              <a:latin typeface="微软雅黑" panose="020B0503020204020204" charset="-122"/>
-              <a:ea typeface="微软雅黑" panose="020B0503020204020204" charset="-122"/>
-            </a:endParaRPr>
           </a:p>
         </p:txBody>
       </p:sp>
@@ -20060,13 +19453,6 @@
               </a:rPr>
               <a:t>检测</a:t>
             </a:r>
-            <a:endParaRPr lang="zh-CN" altLang="en-US" sz="1600" b="1" u="sng">
-              <a:solidFill>
-                <a:srgbClr val="C00000"/>
-              </a:solidFill>
-              <a:latin typeface="微软雅黑" panose="020B0503020204020204" charset="-122"/>
-              <a:ea typeface="微软雅黑" panose="020B0503020204020204" charset="-122"/>
-            </a:endParaRPr>
           </a:p>
           <a:p>
             <a:pPr algn="ctr">
@@ -20152,16 +19538,6 @@
               </a:rPr>
               <a:t> 多个分类器 </a:t>
             </a:r>
-            <a:endParaRPr lang="zh-CN" altLang="en-US" sz="1200" b="1">
-              <a:solidFill>
-                <a:schemeClr val="tx1">
-                  <a:lumMod val="50000"/>
-                  <a:lumOff val="50000"/>
-                </a:schemeClr>
-              </a:solidFill>
-              <a:latin typeface="微软雅黑" panose="020B0503020204020204" charset="-122"/>
-              <a:ea typeface="微软雅黑" panose="020B0503020204020204" charset="-122"/>
-            </a:endParaRPr>
           </a:p>
         </p:txBody>
       </p:sp>
@@ -20208,13 +19584,6 @@
               </a:rPr>
               <a:t>提取特征向量</a:t>
             </a:r>
-            <a:endParaRPr lang="zh-CN" altLang="en-US" sz="1400" b="1">
-              <a:solidFill>
-                <a:srgbClr val="0070C0"/>
-              </a:solidFill>
-              <a:latin typeface="微软雅黑" panose="020B0503020204020204" charset="-122"/>
-              <a:ea typeface="微软雅黑" panose="020B0503020204020204" charset="-122"/>
-            </a:endParaRPr>
           </a:p>
         </p:txBody>
       </p:sp>
@@ -20271,13 +19640,6 @@
               </a:rPr>
               <a:t>定位问题微调</a:t>
             </a:r>
-            <a:endParaRPr lang="zh-CN" altLang="en-US" sz="1400" b="1">
-              <a:solidFill>
-                <a:srgbClr val="0070C0"/>
-              </a:solidFill>
-              <a:latin typeface="微软雅黑" panose="020B0503020204020204" charset="-122"/>
-              <a:ea typeface="微软雅黑" panose="020B0503020204020204" charset="-122"/>
-            </a:endParaRPr>
           </a:p>
         </p:txBody>
       </p:sp>
@@ -20642,16 +20004,6 @@
               </a:rPr>
               <a:t>生成固定长度的特征向量，与输入图片的大小和尺度无关</a:t>
             </a:r>
-            <a:endParaRPr lang="zh-CN" altLang="en-US" sz="1400">
-              <a:solidFill>
-                <a:schemeClr val="tx1">
-                  <a:lumMod val="50000"/>
-                  <a:lumOff val="50000"/>
-                </a:schemeClr>
-              </a:solidFill>
-              <a:latin typeface="微软雅黑" panose="020B0503020204020204" charset="-122"/>
-              <a:ea typeface="微软雅黑" panose="020B0503020204020204" charset="-122"/>
-            </a:endParaRPr>
           </a:p>
         </p:txBody>
       </p:sp>
@@ -21668,10 +21020,6 @@
               </a:rPr>
               <a:t>...</a:t>
             </a:r>
-            <a:endParaRPr lang="en-US" altLang="zh-CN" b="1">
-              <a:latin typeface="微软雅黑" panose="020B0503020204020204" charset="-122"/>
-              <a:ea typeface="微软雅黑" panose="020B0503020204020204" charset="-122"/>
-            </a:endParaRPr>
           </a:p>
         </p:txBody>
       </p:sp>
@@ -22122,10 +21470,6 @@
                 </a:rPr>
                 <a:t>...</a:t>
               </a:r>
-              <a:endParaRPr lang="en-US" altLang="zh-CN" b="1">
-                <a:latin typeface="微软雅黑" panose="020B0503020204020204" charset="-122"/>
-                <a:ea typeface="微软雅黑" panose="020B0503020204020204" charset="-122"/>
-              </a:endParaRPr>
             </a:p>
           </p:txBody>
         </p:sp>
@@ -22502,7 +21846,7 @@
           <p:nvPr/>
         </p:nvPicPr>
         <p:blipFill>
-          <a:blip r:embed="rId1"/>
+          <a:blip r:embed="rId2"/>
           <a:srcRect l="80518"/>
           <a:stretch>
             <a:fillRect/>
@@ -22561,13 +21905,6 @@
               </a:rPr>
               <a:t>空间金字塔池化</a:t>
             </a:r>
-            <a:endParaRPr lang="zh-CN" altLang="en-US" sz="1400" b="1">
-              <a:solidFill>
-                <a:srgbClr val="0070C0"/>
-              </a:solidFill>
-              <a:latin typeface="微软雅黑" panose="020B0503020204020204" charset="-122"/>
-              <a:ea typeface="微软雅黑" panose="020B0503020204020204" charset="-122"/>
-            </a:endParaRPr>
           </a:p>
         </p:txBody>
       </p:sp>
@@ -22601,10 +21938,6 @@
               </a:rPr>
               <a:t>固定</a:t>
             </a:r>
-            <a:endParaRPr lang="zh-CN" altLang="en-US" sz="1400">
-              <a:latin typeface="微软雅黑" panose="020B0503020204020204" charset="-122"/>
-              <a:ea typeface="微软雅黑" panose="020B0503020204020204" charset="-122"/>
-            </a:endParaRPr>
           </a:p>
           <a:p>
             <a:pPr algn="ctr"/>
@@ -22615,10 +21948,6 @@
               </a:rPr>
               <a:t>长度</a:t>
             </a:r>
-            <a:endParaRPr lang="zh-CN" altLang="en-US" sz="1400">
-              <a:latin typeface="微软雅黑" panose="020B0503020204020204" charset="-122"/>
-              <a:ea typeface="微软雅黑" panose="020B0503020204020204" charset="-122"/>
-            </a:endParaRPr>
           </a:p>
         </p:txBody>
       </p:sp>
@@ -22655,13 +21984,6 @@
               </a:rPr>
               <a:t>Max Pooling @ 256 depth </a:t>
             </a:r>
-            <a:endParaRPr lang="en-US" altLang="zh-CN" sz="1400">
-              <a:solidFill>
-                <a:srgbClr val="C00000"/>
-              </a:solidFill>
-              <a:latin typeface="微软雅黑" panose="020B0503020204020204" charset="-122"/>
-              <a:ea typeface="微软雅黑" panose="020B0503020204020204" charset="-122"/>
-            </a:endParaRPr>
           </a:p>
         </p:txBody>
       </p:sp>
@@ -22718,13 +22040,6 @@
               </a:rPr>
               <a:t>4</a:t>
             </a:r>
-            <a:endParaRPr lang="en-US" sz="1200">
-              <a:solidFill>
-                <a:srgbClr val="C00000"/>
-              </a:solidFill>
-              <a:latin typeface="微软雅黑" panose="020B0503020204020204" charset="-122"/>
-              <a:ea typeface="微软雅黑" panose="020B0503020204020204" charset="-122"/>
-            </a:endParaRPr>
           </a:p>
         </p:txBody>
       </p:sp>
@@ -22782,13 +22097,6 @@
               </a:rPr>
               <a:t>6</a:t>
             </a:r>
-            <a:endParaRPr lang="en-US" sz="1200">
-              <a:solidFill>
-                <a:srgbClr val="C00000"/>
-              </a:solidFill>
-              <a:latin typeface="微软雅黑" panose="020B0503020204020204" charset="-122"/>
-              <a:ea typeface="微软雅黑" panose="020B0503020204020204" charset="-122"/>
-            </a:endParaRPr>
           </a:p>
         </p:txBody>
       </p:sp>
@@ -22846,13 +22154,6 @@
               </a:rPr>
               <a:t>13</a:t>
             </a:r>
-            <a:endParaRPr lang="en-US" sz="1200">
-              <a:solidFill>
-                <a:srgbClr val="C00000"/>
-              </a:solidFill>
-              <a:latin typeface="微软雅黑" panose="020B0503020204020204" charset="-122"/>
-              <a:ea typeface="微软雅黑" panose="020B0503020204020204" charset="-122"/>
-            </a:endParaRPr>
           </a:p>
         </p:txBody>
       </p:sp>
@@ -23024,13 +22325,6 @@
               </a:rPr>
               <a:t>将输入图片的区域小图 映射到</a:t>
             </a:r>
-            <a:endParaRPr lang="zh-CN" altLang="en-US" sz="1400">
-              <a:solidFill>
-                <a:srgbClr val="00B0F0"/>
-              </a:solidFill>
-              <a:latin typeface="微软雅黑" panose="020B0503020204020204" charset="-122"/>
-              <a:ea typeface="微软雅黑" panose="020B0503020204020204" charset="-122"/>
-            </a:endParaRPr>
           </a:p>
           <a:p>
             <a:pPr algn="l">
@@ -23058,13 +22352,6 @@
               </a:rPr>
               <a:t>的特征图对应的区域小图上</a:t>
             </a:r>
-            <a:endParaRPr lang="zh-CN" altLang="en-US" sz="1400">
-              <a:solidFill>
-                <a:srgbClr val="00B0F0"/>
-              </a:solidFill>
-              <a:latin typeface="微软雅黑" panose="020B0503020204020204" charset="-122"/>
-              <a:ea typeface="微软雅黑" panose="020B0503020204020204" charset="-122"/>
-            </a:endParaRPr>
           </a:p>
           <a:p>
             <a:pPr algn="l">
@@ -23111,16 +22398,6 @@
               </a:rPr>
               <a:t>右下 对应 特征图窗口的像素点</a:t>
             </a:r>
-            <a:endParaRPr lang="zh-CN" altLang="en-US" sz="1400">
-              <a:solidFill>
-                <a:schemeClr val="tx1">
-                  <a:lumMod val="50000"/>
-                  <a:lumOff val="50000"/>
-                </a:schemeClr>
-              </a:solidFill>
-              <a:latin typeface="微软雅黑" panose="020B0503020204020204" charset="-122"/>
-              <a:ea typeface="微软雅黑" panose="020B0503020204020204" charset="-122"/>
-            </a:endParaRPr>
           </a:p>
           <a:p>
             <a:pPr algn="l">
@@ -23151,13 +22428,6 @@
               </a:rPr>
               <a:t> </a:t>
             </a:r>
-            <a:endParaRPr lang="en-US" altLang="zh-CN" sz="1400">
-              <a:solidFill>
-                <a:srgbClr val="00B0F0"/>
-              </a:solidFill>
-              <a:latin typeface="微软雅黑" panose="020B0503020204020204" charset="-122"/>
-              <a:ea typeface="微软雅黑" panose="020B0503020204020204" charset="-122"/>
-            </a:endParaRPr>
           </a:p>
         </p:txBody>
       </p:sp>
@@ -23194,13 +22464,6 @@
               </a:rPr>
               <a:t>conv_5 </a:t>
             </a:r>
-            <a:endParaRPr lang="en-US" altLang="zh-CN" sz="1400">
-              <a:solidFill>
-                <a:srgbClr val="00B0F0"/>
-              </a:solidFill>
-              <a:latin typeface="微软雅黑" panose="020B0503020204020204" charset="-122"/>
-              <a:ea typeface="微软雅黑" panose="020B0503020204020204" charset="-122"/>
-            </a:endParaRPr>
           </a:p>
           <a:p>
             <a:pPr algn="ctr"/>
@@ -23214,13 +22477,6 @@
               </a:rPr>
               <a:t>特征图</a:t>
             </a:r>
-            <a:endParaRPr lang="zh-CN" altLang="en-US" sz="1400">
-              <a:solidFill>
-                <a:srgbClr val="00B0F0"/>
-              </a:solidFill>
-              <a:latin typeface="微软雅黑" panose="020B0503020204020204" charset="-122"/>
-              <a:ea typeface="微软雅黑" panose="020B0503020204020204" charset="-122"/>
-            </a:endParaRPr>
           </a:p>
           <a:p>
             <a:pPr algn="ctr"/>
@@ -23244,13 +22500,6 @@
               </a:rPr>
               <a:t>SPP </a:t>
             </a:r>
-            <a:endParaRPr lang="en-US" altLang="zh-CN" sz="1400">
-              <a:solidFill>
-                <a:srgbClr val="00B0F0"/>
-              </a:solidFill>
-              <a:latin typeface="微软雅黑" panose="020B0503020204020204" charset="-122"/>
-              <a:ea typeface="微软雅黑" panose="020B0503020204020204" charset="-122"/>
-            </a:endParaRPr>
           </a:p>
         </p:txBody>
       </p:sp>
@@ -23297,10 +22546,6 @@
               </a:rPr>
               <a:t>SVM</a:t>
             </a:r>
-            <a:endParaRPr lang="en-US" altLang="zh-CN" sz="1400" b="1">
-              <a:latin typeface="微软雅黑" panose="020B0503020204020204" charset="-122"/>
-              <a:ea typeface="微软雅黑" panose="020B0503020204020204" charset="-122"/>
-            </a:endParaRPr>
           </a:p>
         </p:txBody>
       </p:sp>
@@ -23313,7 +22558,7 @@
 </file>
 
 <file path=ppt/tags/tag1.xml><?xml version="1.0" encoding="utf-8"?>
-<p:tagLst xmlns:p="http://schemas.openxmlformats.org/presentationml/2006/main">
+<p:tagLst xmlns:a="http://schemas.openxmlformats.org/drawingml/2006/main" xmlns:r="http://schemas.openxmlformats.org/officeDocument/2006/relationships" xmlns:p="http://schemas.openxmlformats.org/presentationml/2006/main">
   <p:tag name="KSO_WM_SLIDE_MODEL_TYPE" val="cover"/>
 </p:tagLst>
 </file>
@@ -23569,6 +22814,8 @@
       </a:bgFillStyleLst>
     </a:fmtScheme>
   </a:themeElements>
+  <a:objectDefaults/>
+  <a:extraClrSchemeLst/>
   <a:extLst>
     <a:ext uri="{05A4C25C-085E-4340-85A3-A5531E510DB2}">
       <thm15:themeFamily xmlns:thm15="http://schemas.microsoft.com/office/thememl/2012/main" name="Office Theme" id="{62F939B6-93AF-4DB8-9C6B-D6C7DFDC589F}" vid="{4A3C46E8-61CC-4603-A589-7422A47A8E4A}"/>
@@ -23828,6 +23075,8 @@
       </a:bgFillStyleLst>
     </a:fmtScheme>
   </a:themeElements>
+  <a:objectDefaults/>
+  <a:extraClrSchemeLst/>
   <a:extLst>
     <a:ext uri="{05A4C25C-085E-4340-85A3-A5531E510DB2}">
       <thm15:themeFamily xmlns:thm15="http://schemas.microsoft.com/office/thememl/2012/main" name="Office Theme" id="{62F939B6-93AF-4DB8-9C6B-D6C7DFDC589F}" vid="{4A3C46E8-61CC-4603-A589-7422A47A8E4A}"/>

--- a/GAN_Understanding/GANunderstanding.pptx
+++ b/GAN_Understanding/GANunderstanding.pptx
@@ -18819,254 +18819,6 @@
           </a:p>
         </p:txBody>
       </p:sp>
-      <p:pic>
-        <p:nvPicPr>
-          <p:cNvPr id="3" name="图片 2">
-            <a:extLst>
-              <a:ext uri="{FF2B5EF4-FFF2-40B4-BE49-F238E27FC236}">
-                <a16:creationId xmlns:a16="http://schemas.microsoft.com/office/drawing/2014/main" id="{03FA6B92-077C-49E1-9956-0E4ECA13AFDE}"/>
-              </a:ext>
-            </a:extLst>
-          </p:cNvPr>
-          <p:cNvPicPr>
-            <a:picLocks noChangeAspect="1"/>
-          </p:cNvPicPr>
-          <p:nvPr/>
-        </p:nvPicPr>
-        <p:blipFill>
-          <a:blip r:embed="rId2">
-            <a:extLst>
-              <a:ext uri="{28A0092B-C50C-407E-A947-70E740481C1C}">
-                <a14:useLocalDpi xmlns:a14="http://schemas.microsoft.com/office/drawing/2010/main" val="0"/>
-              </a:ext>
-            </a:extLst>
-          </a:blip>
-          <a:stretch>
-            <a:fillRect/>
-          </a:stretch>
-        </p:blipFill>
-        <p:spPr>
-          <a:xfrm>
-            <a:off x="335280" y="911520"/>
-            <a:ext cx="11257526" cy="5034960"/>
-          </a:xfrm>
-          <a:prstGeom prst="rect">
-            <a:avLst/>
-          </a:prstGeom>
-        </p:spPr>
-      </p:pic>
-      <p:cxnSp>
-        <p:nvCxnSpPr>
-          <p:cNvPr id="6" name="连接符: 肘形 5">
-            <a:extLst>
-              <a:ext uri="{FF2B5EF4-FFF2-40B4-BE49-F238E27FC236}">
-                <a16:creationId xmlns:a16="http://schemas.microsoft.com/office/drawing/2014/main" id="{42B51F60-15E0-4FC9-8B1E-F1D5CD32EDD6}"/>
-              </a:ext>
-            </a:extLst>
-          </p:cNvPr>
-          <p:cNvCxnSpPr/>
-          <p:nvPr/>
-        </p:nvCxnSpPr>
-        <p:spPr>
-          <a:xfrm rot="5400000" flipH="1" flipV="1">
-            <a:off x="10591500" y="3968460"/>
-            <a:ext cx="1318680" cy="239760"/>
-          </a:xfrm>
-          <a:prstGeom prst="bentConnector3">
-            <a:avLst>
-              <a:gd name="adj1" fmla="val 40"/>
-            </a:avLst>
-          </a:prstGeom>
-          <a:ln w="19050">
-            <a:solidFill>
-              <a:schemeClr val="bg1">
-                <a:lumMod val="85000"/>
-              </a:schemeClr>
-            </a:solidFill>
-            <a:tailEnd type="triangle"/>
-          </a:ln>
-        </p:spPr>
-        <p:style>
-          <a:lnRef idx="1">
-            <a:schemeClr val="accent1"/>
-          </a:lnRef>
-          <a:fillRef idx="0">
-            <a:schemeClr val="accent1"/>
-          </a:fillRef>
-          <a:effectRef idx="0">
-            <a:schemeClr val="accent1"/>
-          </a:effectRef>
-          <a:fontRef idx="minor">
-            <a:schemeClr val="tx1"/>
-          </a:fontRef>
-        </p:style>
-      </p:cxnSp>
-      <p:sp>
-        <p:nvSpPr>
-          <p:cNvPr id="11" name="矩形 10">
-            <a:extLst>
-              <a:ext uri="{FF2B5EF4-FFF2-40B4-BE49-F238E27FC236}">
-                <a16:creationId xmlns:a16="http://schemas.microsoft.com/office/drawing/2014/main" id="{A73283A8-D51C-45C2-9617-3C29C6A6C475}"/>
-              </a:ext>
-            </a:extLst>
-          </p:cNvPr>
-          <p:cNvSpPr/>
-          <p:nvPr/>
-        </p:nvSpPr>
-        <p:spPr>
-          <a:xfrm>
-            <a:off x="629801" y="4539667"/>
-            <a:ext cx="1318680" cy="359640"/>
-          </a:xfrm>
-          <a:prstGeom prst="rect">
-            <a:avLst/>
-          </a:prstGeom>
-          <a:noFill/>
-          <a:ln w="28575">
-            <a:solidFill>
-              <a:srgbClr val="FD66FF"/>
-            </a:solidFill>
-            <a:prstDash val="sysDash"/>
-          </a:ln>
-        </p:spPr>
-        <p:style>
-          <a:lnRef idx="2">
-            <a:schemeClr val="accent1">
-              <a:shade val="50000"/>
-            </a:schemeClr>
-          </a:lnRef>
-          <a:fillRef idx="1">
-            <a:schemeClr val="accent1"/>
-          </a:fillRef>
-          <a:effectRef idx="0">
-            <a:schemeClr val="accent1"/>
-          </a:effectRef>
-          <a:fontRef idx="minor">
-            <a:schemeClr val="lt1"/>
-          </a:fontRef>
-        </p:style>
-        <p:txBody>
-          <a:bodyPr rtlCol="0" anchor="ctr"/>
-          <a:lstStyle/>
-          <a:p>
-            <a:pPr algn="ctr"/>
-            <a:endParaRPr lang="zh-CN" altLang="en-US">
-              <a:ln>
-                <a:solidFill>
-                  <a:schemeClr val="tx1"/>
-                </a:solidFill>
-              </a:ln>
-              <a:solidFill>
-                <a:schemeClr val="tx1"/>
-              </a:solidFill>
-            </a:endParaRPr>
-          </a:p>
-        </p:txBody>
-      </p:sp>
-      <p:sp>
-        <p:nvSpPr>
-          <p:cNvPr id="14" name="矩形 13">
-            <a:extLst>
-              <a:ext uri="{FF2B5EF4-FFF2-40B4-BE49-F238E27FC236}">
-                <a16:creationId xmlns:a16="http://schemas.microsoft.com/office/drawing/2014/main" id="{BD049BC3-3E38-451D-9FE1-2D5F5BB79B1B}"/>
-              </a:ext>
-            </a:extLst>
-          </p:cNvPr>
-          <p:cNvSpPr/>
-          <p:nvPr/>
-        </p:nvSpPr>
-        <p:spPr>
-          <a:xfrm>
-            <a:off x="3099000" y="3309120"/>
-            <a:ext cx="239760" cy="479520"/>
-          </a:xfrm>
-          <a:prstGeom prst="rect">
-            <a:avLst/>
-          </a:prstGeom>
-          <a:noFill/>
-          <a:ln w="28575">
-            <a:solidFill>
-              <a:srgbClr val="FD66FF"/>
-            </a:solidFill>
-            <a:prstDash val="sysDash"/>
-          </a:ln>
-        </p:spPr>
-        <p:style>
-          <a:lnRef idx="2">
-            <a:schemeClr val="accent1">
-              <a:shade val="50000"/>
-            </a:schemeClr>
-          </a:lnRef>
-          <a:fillRef idx="1">
-            <a:schemeClr val="accent1"/>
-          </a:fillRef>
-          <a:effectRef idx="0">
-            <a:schemeClr val="accent1"/>
-          </a:effectRef>
-          <a:fontRef idx="minor">
-            <a:schemeClr val="lt1"/>
-          </a:fontRef>
-        </p:style>
-        <p:txBody>
-          <a:bodyPr rtlCol="0" anchor="ctr"/>
-          <a:lstStyle/>
-          <a:p>
-            <a:pPr algn="ctr"/>
-            <a:endParaRPr lang="zh-CN" altLang="en-US">
-              <a:ln>
-                <a:solidFill>
-                  <a:schemeClr val="tx1"/>
-                </a:solidFill>
-              </a:ln>
-              <a:solidFill>
-                <a:schemeClr val="tx1"/>
-              </a:solidFill>
-            </a:endParaRPr>
-          </a:p>
-        </p:txBody>
-      </p:sp>
-      <p:sp>
-        <p:nvSpPr>
-          <p:cNvPr id="7" name="文本框 6">
-            <a:extLst>
-              <a:ext uri="{FF2B5EF4-FFF2-40B4-BE49-F238E27FC236}">
-                <a16:creationId xmlns:a16="http://schemas.microsoft.com/office/drawing/2014/main" id="{8C1931A9-D3B4-49FD-B54A-B5AFAE519A88}"/>
-              </a:ext>
-            </a:extLst>
-          </p:cNvPr>
-          <p:cNvSpPr txBox="1"/>
-          <p:nvPr/>
-        </p:nvSpPr>
-        <p:spPr>
-          <a:xfrm>
-            <a:off x="476885" y="793750"/>
-            <a:ext cx="1522095" cy="306705"/>
-          </a:xfrm>
-          <a:prstGeom prst="rect">
-            <a:avLst/>
-          </a:prstGeom>
-          <a:noFill/>
-        </p:spPr>
-        <p:txBody>
-          <a:bodyPr wrap="square" rtlCol="0">
-            <a:spAutoFit/>
-          </a:bodyPr>
-          <a:lstStyle/>
-          <a:p>
-            <a:pPr algn="ctr"/>
-            <a:r>
-              <a:rPr lang="en-US" altLang="zh-CN" sz="1400" b="1" dirty="0">
-                <a:solidFill>
-                  <a:srgbClr val="0070C0"/>
-                </a:solidFill>
-                <a:latin typeface="微软雅黑" panose="020B0503020204020204" charset="-122"/>
-                <a:ea typeface="微软雅黑" panose="020B0503020204020204" charset="-122"/>
-              </a:rPr>
-              <a:t>Inception-v3</a:t>
-            </a:r>
-          </a:p>
-        </p:txBody>
-      </p:sp>
     </p:spTree>
   </p:cSld>
   <p:clrMapOvr>
@@ -19327,6 +19079,48 @@
                 <a:schemeClr val="tx1"/>
               </a:solidFill>
             </a:endParaRPr>
+          </a:p>
+        </p:txBody>
+      </p:sp>
+      <p:sp>
+        <p:nvSpPr>
+          <p:cNvPr id="7" name="文本框 6">
+            <a:extLst>
+              <a:ext uri="{FF2B5EF4-FFF2-40B4-BE49-F238E27FC236}">
+                <a16:creationId xmlns:a16="http://schemas.microsoft.com/office/drawing/2014/main" id="{2280CDB3-88D1-4AD2-9937-E10B77415851}"/>
+              </a:ext>
+            </a:extLst>
+          </p:cNvPr>
+          <p:cNvSpPr txBox="1"/>
+          <p:nvPr/>
+        </p:nvSpPr>
+        <p:spPr>
+          <a:xfrm>
+            <a:off x="476885" y="793750"/>
+            <a:ext cx="1522095" cy="306705"/>
+          </a:xfrm>
+          <a:prstGeom prst="rect">
+            <a:avLst/>
+          </a:prstGeom>
+          <a:noFill/>
+        </p:spPr>
+        <p:txBody>
+          <a:bodyPr wrap="square" rtlCol="0">
+            <a:spAutoFit/>
+          </a:bodyPr>
+          <a:lstStyle/>
+          <a:p>
+            <a:pPr algn="ctr"/>
+            <a:r>
+              <a:rPr lang="en-US" altLang="zh-CN" sz="1400" b="1" dirty="0">
+                <a:solidFill>
+                  <a:srgbClr val="0070C0"/>
+                </a:solidFill>
+                <a:latin typeface="微软雅黑" panose="020B0503020204020204" charset="-122"/>
+                <a:ea typeface="微软雅黑" panose="020B0503020204020204" charset="-122"/>
+              </a:rPr>
+              <a:t>Inception-v3</a:t>
+            </a:r>
           </a:p>
         </p:txBody>
       </p:sp>
@@ -20380,41 +20174,15 @@
           <a:chExt cx="0" cy="0"/>
         </a:xfrm>
       </p:grpSpPr>
-      <p:sp>
-        <p:nvSpPr>
-          <p:cNvPr id="5" name="文本框 4"/>
-          <p:cNvSpPr txBox="1"/>
-          <p:nvPr/>
-        </p:nvSpPr>
-        <p:spPr>
-          <a:xfrm>
-            <a:off x="335280" y="72390"/>
-            <a:ext cx="3248025" cy="398780"/>
-          </a:xfrm>
-          <a:prstGeom prst="rect">
-            <a:avLst/>
-          </a:prstGeom>
-          <a:noFill/>
-        </p:spPr>
-        <p:txBody>
-          <a:bodyPr wrap="square" rtlCol="0">
-            <a:spAutoFit/>
-          </a:bodyPr>
-          <a:lstStyle/>
-          <a:p>
-            <a:r>
-              <a:rPr lang="en-US" altLang="zh-CN" sz="2000" b="1">
-                <a:latin typeface="微软雅黑" panose="020B0503020204020204" charset="-122"/>
-                <a:ea typeface="微软雅黑" panose="020B0503020204020204" charset="-122"/>
-              </a:rPr>
-              <a:t>DCGAN - 2015</a:t>
-            </a:r>
-          </a:p>
-        </p:txBody>
-      </p:sp>
       <p:pic>
         <p:nvPicPr>
-          <p:cNvPr id="4" name="图片 3" descr="gen_models_diag_1"/>
+          <p:cNvPr id="18" name="图片 17">
+            <a:extLst>
+              <a:ext uri="{FF2B5EF4-FFF2-40B4-BE49-F238E27FC236}">
+                <a16:creationId xmlns:a16="http://schemas.microsoft.com/office/drawing/2014/main" id="{B224CDFA-8719-4372-ADEC-455CEBE8639F}"/>
+              </a:ext>
+            </a:extLst>
+          </p:cNvPr>
           <p:cNvPicPr>
             <a:picLocks noChangeAspect="1"/>
           </p:cNvPicPr>
@@ -20428,8 +20196,8 @@
         </p:blipFill>
         <p:spPr>
           <a:xfrm>
-            <a:off x="579120" y="1100455"/>
-            <a:ext cx="10626725" cy="4206240"/>
+            <a:off x="4299091" y="3579432"/>
+            <a:ext cx="3596400" cy="1339476"/>
           </a:xfrm>
           <a:prstGeom prst="rect">
             <a:avLst/>
@@ -20438,14 +20206,14 @@
       </p:pic>
       <p:sp>
         <p:nvSpPr>
-          <p:cNvPr id="72" name="文本框 71"/>
+          <p:cNvPr id="5" name="文本框 4"/>
           <p:cNvSpPr txBox="1"/>
           <p:nvPr/>
         </p:nvSpPr>
         <p:spPr>
           <a:xfrm>
-            <a:off x="476885" y="793750"/>
-            <a:ext cx="1522095" cy="306705"/>
+            <a:off x="335280" y="72390"/>
+            <a:ext cx="3248025" cy="398780"/>
           </a:xfrm>
           <a:prstGeom prst="rect">
             <a:avLst/>
@@ -20458,16 +20226,12 @@
           </a:bodyPr>
           <a:lstStyle/>
           <a:p>
-            <a:pPr algn="ctr"/>
-            <a:r>
-              <a:rPr lang="en-US" altLang="zh-CN" sz="1400" b="1" dirty="0">
-                <a:solidFill>
-                  <a:srgbClr val="0070C0"/>
-                </a:solidFill>
-                <a:latin typeface="微软雅黑" panose="020B0503020204020204" charset="-122"/>
-                <a:ea typeface="微软雅黑" panose="020B0503020204020204" charset="-122"/>
-              </a:rPr>
-              <a:t>Generator</a:t>
+            <a:r>
+              <a:rPr lang="en-US" altLang="zh-CN" sz="2000" b="1">
+                <a:latin typeface="微软雅黑" panose="020B0503020204020204" charset="-122"/>
+                <a:ea typeface="微软雅黑" panose="020B0503020204020204" charset="-122"/>
+              </a:rPr>
+              <a:t>DCGAN - 2015</a:t>
             </a:r>
           </a:p>
         </p:txBody>
@@ -20480,7 +20244,7 @@
         </p:nvSpPr>
         <p:spPr>
           <a:xfrm>
-            <a:off x="579120" y="6280150"/>
+            <a:off x="1163534" y="3545588"/>
             <a:ext cx="2900680" cy="215900"/>
           </a:xfrm>
           <a:prstGeom prst="rect">
@@ -20515,7 +20279,7 @@
           <a:p>
             <a:pPr algn="l"/>
             <a:r>
-              <a:rPr lang="en-US" altLang="zh-CN" sz="800">
+              <a:rPr lang="en-US" altLang="zh-CN" sz="800" dirty="0">
                 <a:solidFill>
                   <a:schemeClr val="tx1">
                     <a:lumMod val="50000"/>
@@ -20530,6 +20294,781 @@
           </a:p>
         </p:txBody>
       </p:sp>
+      <p:pic>
+        <p:nvPicPr>
+          <p:cNvPr id="7" name="图片 6" descr="gen_models_diag_1">
+            <a:extLst>
+              <a:ext uri="{FF2B5EF4-FFF2-40B4-BE49-F238E27FC236}">
+                <a16:creationId xmlns:a16="http://schemas.microsoft.com/office/drawing/2014/main" id="{25E4C4D5-4255-4D36-A511-EBBF49CF5658}"/>
+              </a:ext>
+            </a:extLst>
+          </p:cNvPr>
+          <p:cNvPicPr>
+            <a:picLocks noChangeAspect="1"/>
+          </p:cNvPicPr>
+          <p:nvPr/>
+        </p:nvPicPr>
+        <p:blipFill>
+          <a:blip r:embed="rId3"/>
+          <a:stretch>
+            <a:fillRect/>
+          </a:stretch>
+        </p:blipFill>
+        <p:spPr>
+          <a:xfrm>
+            <a:off x="1059329" y="1932104"/>
+            <a:ext cx="3837871" cy="1519095"/>
+          </a:xfrm>
+          <a:prstGeom prst="rect">
+            <a:avLst/>
+          </a:prstGeom>
+        </p:spPr>
+      </p:pic>
+      <p:sp>
+        <p:nvSpPr>
+          <p:cNvPr id="3" name="矩形 2">
+            <a:extLst>
+              <a:ext uri="{FF2B5EF4-FFF2-40B4-BE49-F238E27FC236}">
+                <a16:creationId xmlns:a16="http://schemas.microsoft.com/office/drawing/2014/main" id="{BF9BCC86-0487-4AB9-ABF1-B236269B183B}"/>
+              </a:ext>
+            </a:extLst>
+          </p:cNvPr>
+          <p:cNvSpPr/>
+          <p:nvPr/>
+        </p:nvSpPr>
+        <p:spPr>
+          <a:xfrm>
+            <a:off x="1420680" y="1870560"/>
+            <a:ext cx="2997000" cy="1519095"/>
+          </a:xfrm>
+          <a:prstGeom prst="rect">
+            <a:avLst/>
+          </a:prstGeom>
+          <a:solidFill>
+            <a:schemeClr val="accent5">
+              <a:lumMod val="40000"/>
+              <a:lumOff val="60000"/>
+              <a:alpha val="20000"/>
+            </a:schemeClr>
+          </a:solidFill>
+          <a:ln>
+            <a:noFill/>
+          </a:ln>
+        </p:spPr>
+        <p:style>
+          <a:lnRef idx="2">
+            <a:schemeClr val="accent1">
+              <a:shade val="50000"/>
+            </a:schemeClr>
+          </a:lnRef>
+          <a:fillRef idx="1">
+            <a:schemeClr val="accent1"/>
+          </a:fillRef>
+          <a:effectRef idx="0">
+            <a:schemeClr val="accent1"/>
+          </a:effectRef>
+          <a:fontRef idx="minor">
+            <a:schemeClr val="lt1"/>
+          </a:fontRef>
+        </p:style>
+        <p:txBody>
+          <a:bodyPr rtlCol="0" anchor="ctr"/>
+          <a:lstStyle/>
+          <a:p>
+            <a:pPr algn="ctr"/>
+            <a:endParaRPr lang="zh-CN" altLang="en-US"/>
+          </a:p>
+        </p:txBody>
+      </p:sp>
+      <p:sp>
+        <p:nvSpPr>
+          <p:cNvPr id="9" name="矩形 8">
+            <a:extLst>
+              <a:ext uri="{FF2B5EF4-FFF2-40B4-BE49-F238E27FC236}">
+                <a16:creationId xmlns:a16="http://schemas.microsoft.com/office/drawing/2014/main" id="{E48443EA-D09E-4F9C-9EBF-AB3724E3077F}"/>
+              </a:ext>
+            </a:extLst>
+          </p:cNvPr>
+          <p:cNvSpPr/>
+          <p:nvPr/>
+        </p:nvSpPr>
+        <p:spPr>
+          <a:xfrm>
+            <a:off x="4894889" y="3500725"/>
+            <a:ext cx="3119191" cy="1548259"/>
+          </a:xfrm>
+          <a:prstGeom prst="rect">
+            <a:avLst/>
+          </a:prstGeom>
+          <a:solidFill>
+            <a:schemeClr val="accent4">
+              <a:lumMod val="40000"/>
+              <a:lumOff val="60000"/>
+              <a:alpha val="20000"/>
+            </a:schemeClr>
+          </a:solidFill>
+          <a:ln>
+            <a:noFill/>
+          </a:ln>
+        </p:spPr>
+        <p:style>
+          <a:lnRef idx="2">
+            <a:schemeClr val="accent1">
+              <a:shade val="50000"/>
+            </a:schemeClr>
+          </a:lnRef>
+          <a:fillRef idx="1">
+            <a:schemeClr val="accent1"/>
+          </a:fillRef>
+          <a:effectRef idx="0">
+            <a:schemeClr val="accent1"/>
+          </a:effectRef>
+          <a:fontRef idx="minor">
+            <a:schemeClr val="lt1"/>
+          </a:fontRef>
+        </p:style>
+        <p:txBody>
+          <a:bodyPr rtlCol="0" anchor="ctr"/>
+          <a:lstStyle/>
+          <a:p>
+            <a:pPr algn="ctr"/>
+            <a:endParaRPr lang="zh-CN" altLang="en-US"/>
+          </a:p>
+        </p:txBody>
+      </p:sp>
+      <p:sp>
+        <p:nvSpPr>
+          <p:cNvPr id="72" name="文本框 71"/>
+          <p:cNvSpPr txBox="1"/>
+          <p:nvPr/>
+        </p:nvSpPr>
+        <p:spPr>
+          <a:xfrm>
+            <a:off x="1456169" y="1870560"/>
+            <a:ext cx="1522095" cy="306705"/>
+          </a:xfrm>
+          <a:prstGeom prst="rect">
+            <a:avLst/>
+          </a:prstGeom>
+          <a:noFill/>
+        </p:spPr>
+        <p:txBody>
+          <a:bodyPr wrap="square" rtlCol="0">
+            <a:spAutoFit/>
+          </a:bodyPr>
+          <a:lstStyle/>
+          <a:p>
+            <a:r>
+              <a:rPr lang="en-US" altLang="zh-CN" sz="1400" b="1" dirty="0">
+                <a:solidFill>
+                  <a:srgbClr val="0070C0"/>
+                </a:solidFill>
+                <a:latin typeface="微软雅黑" panose="020B0503020204020204" charset="-122"/>
+                <a:ea typeface="微软雅黑" panose="020B0503020204020204" charset="-122"/>
+              </a:rPr>
+              <a:t>Generator</a:t>
+            </a:r>
+          </a:p>
+        </p:txBody>
+      </p:sp>
+      <p:sp>
+        <p:nvSpPr>
+          <p:cNvPr id="21" name="文本框 20">
+            <a:extLst>
+              <a:ext uri="{FF2B5EF4-FFF2-40B4-BE49-F238E27FC236}">
+                <a16:creationId xmlns:a16="http://schemas.microsoft.com/office/drawing/2014/main" id="{FB8FAEC2-BC17-416E-B50D-30307D3F223D}"/>
+              </a:ext>
+            </a:extLst>
+          </p:cNvPr>
+          <p:cNvSpPr txBox="1"/>
+          <p:nvPr/>
+        </p:nvSpPr>
+        <p:spPr>
+          <a:xfrm>
+            <a:off x="6455640" y="4740436"/>
+            <a:ext cx="1522095" cy="306705"/>
+          </a:xfrm>
+          <a:prstGeom prst="rect">
+            <a:avLst/>
+          </a:prstGeom>
+          <a:noFill/>
+        </p:spPr>
+        <p:txBody>
+          <a:bodyPr wrap="square" rtlCol="0">
+            <a:spAutoFit/>
+          </a:bodyPr>
+          <a:lstStyle/>
+          <a:p>
+            <a:pPr algn="r"/>
+            <a:r>
+              <a:rPr lang="en-US" altLang="zh-CN" sz="1400" b="1" dirty="0">
+                <a:solidFill>
+                  <a:schemeClr val="accent2">
+                    <a:lumMod val="75000"/>
+                  </a:schemeClr>
+                </a:solidFill>
+                <a:latin typeface="微软雅黑" panose="020B0503020204020204" charset="-122"/>
+                <a:ea typeface="微软雅黑" panose="020B0503020204020204" charset="-122"/>
+              </a:rPr>
+              <a:t>Discriminator</a:t>
+            </a:r>
+          </a:p>
+        </p:txBody>
+      </p:sp>
+      <p:sp>
+        <p:nvSpPr>
+          <p:cNvPr id="19" name="箭头: 右 18">
+            <a:extLst>
+              <a:ext uri="{FF2B5EF4-FFF2-40B4-BE49-F238E27FC236}">
+                <a16:creationId xmlns:a16="http://schemas.microsoft.com/office/drawing/2014/main" id="{9F3CF671-EAEC-4F6F-863F-69B53A7AA455}"/>
+              </a:ext>
+            </a:extLst>
+          </p:cNvPr>
+          <p:cNvSpPr/>
+          <p:nvPr/>
+        </p:nvSpPr>
+        <p:spPr>
+          <a:xfrm>
+            <a:off x="7978471" y="3886809"/>
+            <a:ext cx="356038" cy="359640"/>
+          </a:xfrm>
+          <a:prstGeom prst="rightArrow">
+            <a:avLst/>
+          </a:prstGeom>
+          <a:solidFill>
+            <a:schemeClr val="accent2">
+              <a:lumMod val="40000"/>
+              <a:lumOff val="60000"/>
+            </a:schemeClr>
+          </a:solidFill>
+          <a:ln>
+            <a:solidFill>
+              <a:schemeClr val="accent2">
+                <a:lumMod val="75000"/>
+              </a:schemeClr>
+            </a:solidFill>
+          </a:ln>
+        </p:spPr>
+        <p:style>
+          <a:lnRef idx="2">
+            <a:schemeClr val="accent1">
+              <a:shade val="50000"/>
+            </a:schemeClr>
+          </a:lnRef>
+          <a:fillRef idx="1">
+            <a:schemeClr val="accent1"/>
+          </a:fillRef>
+          <a:effectRef idx="0">
+            <a:schemeClr val="accent1"/>
+          </a:effectRef>
+          <a:fontRef idx="minor">
+            <a:schemeClr val="lt1"/>
+          </a:fontRef>
+        </p:style>
+        <p:txBody>
+          <a:bodyPr rtlCol="0" anchor="ctr"/>
+          <a:lstStyle/>
+          <a:p>
+            <a:pPr algn="ctr"/>
+            <a:endParaRPr lang="zh-CN" altLang="en-US"/>
+          </a:p>
+        </p:txBody>
+      </p:sp>
+      <p:grpSp>
+        <p:nvGrpSpPr>
+          <p:cNvPr id="22" name="组合 21">
+            <a:extLst>
+              <a:ext uri="{FF2B5EF4-FFF2-40B4-BE49-F238E27FC236}">
+                <a16:creationId xmlns:a16="http://schemas.microsoft.com/office/drawing/2014/main" id="{37A1CB09-71C4-4DF7-ADB7-84B39DE5AEA4}"/>
+              </a:ext>
+            </a:extLst>
+          </p:cNvPr>
+          <p:cNvGrpSpPr/>
+          <p:nvPr/>
+        </p:nvGrpSpPr>
+        <p:grpSpPr>
+          <a:xfrm>
+            <a:off x="8358749" y="3605808"/>
+            <a:ext cx="675514" cy="903027"/>
+            <a:chOff x="7698207" y="3194599"/>
+            <a:chExt cx="675514" cy="903027"/>
+          </a:xfrm>
+        </p:grpSpPr>
+        <p:sp>
+          <p:nvSpPr>
+            <p:cNvPr id="24" name="矩形 23">
+              <a:extLst>
+                <a:ext uri="{FF2B5EF4-FFF2-40B4-BE49-F238E27FC236}">
+                  <a16:creationId xmlns:a16="http://schemas.microsoft.com/office/drawing/2014/main" id="{B185CC11-2436-45A5-A7E3-0343DA898866}"/>
+                </a:ext>
+              </a:extLst>
+            </p:cNvPr>
+            <p:cNvSpPr/>
+            <p:nvPr/>
+          </p:nvSpPr>
+          <p:spPr>
+            <a:xfrm>
+              <a:off x="7698207" y="3646780"/>
+              <a:ext cx="675514" cy="450846"/>
+            </a:xfrm>
+            <a:prstGeom prst="rect">
+              <a:avLst/>
+            </a:prstGeom>
+            <a:solidFill>
+              <a:schemeClr val="accent4">
+                <a:lumMod val="40000"/>
+                <a:lumOff val="60000"/>
+              </a:schemeClr>
+            </a:solidFill>
+            <a:ln>
+              <a:noFill/>
+            </a:ln>
+          </p:spPr>
+          <p:style>
+            <a:lnRef idx="2">
+              <a:schemeClr val="accent1">
+                <a:shade val="50000"/>
+              </a:schemeClr>
+            </a:lnRef>
+            <a:fillRef idx="1">
+              <a:schemeClr val="accent1"/>
+            </a:fillRef>
+            <a:effectRef idx="0">
+              <a:schemeClr val="accent1"/>
+            </a:effectRef>
+            <a:fontRef idx="minor">
+              <a:schemeClr val="lt1"/>
+            </a:fontRef>
+          </p:style>
+          <p:txBody>
+            <a:bodyPr rtlCol="0" anchor="ctr"/>
+            <a:lstStyle/>
+            <a:p>
+              <a:pPr algn="ctr"/>
+              <a:r>
+                <a:rPr lang="en-US" altLang="zh-CN" dirty="0">
+                  <a:solidFill>
+                    <a:schemeClr val="accent2">
+                      <a:lumMod val="75000"/>
+                    </a:schemeClr>
+                  </a:solidFill>
+                </a:rPr>
+                <a:t>real</a:t>
+              </a:r>
+              <a:endParaRPr lang="zh-CN" altLang="en-US" dirty="0">
+                <a:solidFill>
+                  <a:schemeClr val="accent2">
+                    <a:lumMod val="75000"/>
+                  </a:schemeClr>
+                </a:solidFill>
+              </a:endParaRPr>
+            </a:p>
+          </p:txBody>
+        </p:sp>
+        <p:sp>
+          <p:nvSpPr>
+            <p:cNvPr id="25" name="矩形 24">
+              <a:extLst>
+                <a:ext uri="{FF2B5EF4-FFF2-40B4-BE49-F238E27FC236}">
+                  <a16:creationId xmlns:a16="http://schemas.microsoft.com/office/drawing/2014/main" id="{6525A093-0BBE-4A63-AA11-4F085DD6D342}"/>
+                </a:ext>
+              </a:extLst>
+            </p:cNvPr>
+            <p:cNvSpPr/>
+            <p:nvPr/>
+          </p:nvSpPr>
+          <p:spPr>
+            <a:xfrm>
+              <a:off x="7698207" y="3194599"/>
+              <a:ext cx="675514" cy="450846"/>
+            </a:xfrm>
+            <a:prstGeom prst="rect">
+              <a:avLst/>
+            </a:prstGeom>
+            <a:solidFill>
+              <a:schemeClr val="accent1">
+                <a:lumMod val="20000"/>
+                <a:lumOff val="80000"/>
+              </a:schemeClr>
+            </a:solidFill>
+            <a:ln>
+              <a:noFill/>
+            </a:ln>
+          </p:spPr>
+          <p:style>
+            <a:lnRef idx="2">
+              <a:schemeClr val="accent1">
+                <a:shade val="50000"/>
+              </a:schemeClr>
+            </a:lnRef>
+            <a:fillRef idx="1">
+              <a:schemeClr val="accent1"/>
+            </a:fillRef>
+            <a:effectRef idx="0">
+              <a:schemeClr val="accent1"/>
+            </a:effectRef>
+            <a:fontRef idx="minor">
+              <a:schemeClr val="lt1"/>
+            </a:fontRef>
+          </p:style>
+          <p:txBody>
+            <a:bodyPr rtlCol="0" anchor="ctr"/>
+            <a:lstStyle/>
+            <a:p>
+              <a:pPr algn="ctr"/>
+              <a:r>
+                <a:rPr lang="en-US" altLang="zh-CN" dirty="0">
+                  <a:solidFill>
+                    <a:srgbClr val="0070C0"/>
+                  </a:solidFill>
+                </a:rPr>
+                <a:t>fake</a:t>
+              </a:r>
+              <a:endParaRPr lang="zh-CN" altLang="en-US" dirty="0">
+                <a:solidFill>
+                  <a:srgbClr val="0070C0"/>
+                </a:solidFill>
+              </a:endParaRPr>
+            </a:p>
+          </p:txBody>
+        </p:sp>
+      </p:grpSp>
+      <p:sp>
+        <p:nvSpPr>
+          <p:cNvPr id="27" name="矩形 26">
+            <a:extLst>
+              <a:ext uri="{FF2B5EF4-FFF2-40B4-BE49-F238E27FC236}">
+                <a16:creationId xmlns:a16="http://schemas.microsoft.com/office/drawing/2014/main" id="{3B823C89-2AE9-4F45-B90E-841CD5B0519C}"/>
+              </a:ext>
+            </a:extLst>
+          </p:cNvPr>
+          <p:cNvSpPr/>
+          <p:nvPr/>
+        </p:nvSpPr>
+        <p:spPr>
+          <a:xfrm>
+            <a:off x="9150172" y="2931249"/>
+            <a:ext cx="612140" cy="2115892"/>
+          </a:xfrm>
+          <a:prstGeom prst="rect">
+            <a:avLst/>
+          </a:prstGeom>
+          <a:solidFill>
+            <a:srgbClr val="FD6666">
+              <a:alpha val="70000"/>
+            </a:srgbClr>
+          </a:solidFill>
+          <a:ln>
+            <a:noFill/>
+          </a:ln>
+        </p:spPr>
+        <p:style>
+          <a:lnRef idx="2">
+            <a:schemeClr val="accent1">
+              <a:shade val="50000"/>
+            </a:schemeClr>
+          </a:lnRef>
+          <a:fillRef idx="1">
+            <a:schemeClr val="accent1"/>
+          </a:fillRef>
+          <a:effectRef idx="0">
+            <a:schemeClr val="accent1"/>
+          </a:effectRef>
+          <a:fontRef idx="minor">
+            <a:schemeClr val="lt1"/>
+          </a:fontRef>
+        </p:style>
+        <p:txBody>
+          <a:bodyPr rtlCol="0" anchor="ctr"/>
+          <a:lstStyle/>
+          <a:p>
+            <a:pPr algn="ctr"/>
+            <a:r>
+              <a:rPr lang="en-US" altLang="zh-CN" sz="1400" b="1" dirty="0">
+                <a:latin typeface="微软雅黑" panose="020B0503020204020204" charset="-122"/>
+                <a:ea typeface="微软雅黑" panose="020B0503020204020204" charset="-122"/>
+              </a:rPr>
+              <a:t>Loss</a:t>
+            </a:r>
+          </a:p>
+        </p:txBody>
+      </p:sp>
+      <p:pic>
+        <p:nvPicPr>
+          <p:cNvPr id="40" name="图片 39">
+            <a:extLst>
+              <a:ext uri="{FF2B5EF4-FFF2-40B4-BE49-F238E27FC236}">
+                <a16:creationId xmlns:a16="http://schemas.microsoft.com/office/drawing/2014/main" id="{034D82F2-D842-41C4-A577-7316C73290C4}"/>
+              </a:ext>
+            </a:extLst>
+          </p:cNvPr>
+          <p:cNvPicPr>
+            <a:picLocks noChangeAspect="1"/>
+          </p:cNvPicPr>
+          <p:nvPr/>
+        </p:nvPicPr>
+        <p:blipFill>
+          <a:blip r:embed="rId4">
+            <a:extLst>
+              <a:ext uri="{28A0092B-C50C-407E-A947-70E740481C1C}">
+                <a14:useLocalDpi xmlns:a14="http://schemas.microsoft.com/office/drawing/2010/main" val="0"/>
+              </a:ext>
+            </a:extLst>
+          </a:blip>
+          <a:stretch>
+            <a:fillRect/>
+          </a:stretch>
+        </p:blipFill>
+        <p:spPr>
+          <a:xfrm>
+            <a:off x="6160481" y="2710095"/>
+            <a:ext cx="3244961" cy="190181"/>
+          </a:xfrm>
+          <a:prstGeom prst="rect">
+            <a:avLst/>
+          </a:prstGeom>
+        </p:spPr>
+      </p:pic>
+      <p:grpSp>
+        <p:nvGrpSpPr>
+          <p:cNvPr id="45" name="组合 44">
+            <a:extLst>
+              <a:ext uri="{FF2B5EF4-FFF2-40B4-BE49-F238E27FC236}">
+                <a16:creationId xmlns:a16="http://schemas.microsoft.com/office/drawing/2014/main" id="{A47ED6A0-9211-4D62-B6C6-9BD6BE8E3473}"/>
+              </a:ext>
+            </a:extLst>
+          </p:cNvPr>
+          <p:cNvGrpSpPr/>
+          <p:nvPr/>
+        </p:nvGrpSpPr>
+        <p:grpSpPr>
+          <a:xfrm>
+            <a:off x="4764620" y="2764914"/>
+            <a:ext cx="357329" cy="1038652"/>
+            <a:chOff x="4058040" y="2281584"/>
+            <a:chExt cx="357329" cy="1038652"/>
+          </a:xfrm>
+        </p:grpSpPr>
+        <p:cxnSp>
+          <p:nvCxnSpPr>
+            <p:cNvPr id="37" name="直接箭头连接符 36">
+              <a:extLst>
+                <a:ext uri="{FF2B5EF4-FFF2-40B4-BE49-F238E27FC236}">
+                  <a16:creationId xmlns:a16="http://schemas.microsoft.com/office/drawing/2014/main" id="{F17B8F1A-A19C-46B2-839D-0C2729EEFDEB}"/>
+                </a:ext>
+              </a:extLst>
+            </p:cNvPr>
+            <p:cNvCxnSpPr>
+              <a:cxnSpLocks/>
+            </p:cNvCxnSpPr>
+            <p:nvPr/>
+          </p:nvCxnSpPr>
+          <p:spPr>
+            <a:xfrm>
+              <a:off x="4175609" y="3309120"/>
+              <a:ext cx="239760" cy="0"/>
+            </a:xfrm>
+            <a:prstGeom prst="straightConnector1">
+              <a:avLst/>
+            </a:prstGeom>
+            <a:ln w="12700">
+              <a:solidFill>
+                <a:schemeClr val="accent6">
+                  <a:lumMod val="75000"/>
+                </a:schemeClr>
+              </a:solidFill>
+              <a:tailEnd type="triangle"/>
+            </a:ln>
+          </p:spPr>
+          <p:style>
+            <a:lnRef idx="1">
+              <a:schemeClr val="accent1"/>
+            </a:lnRef>
+            <a:fillRef idx="0">
+              <a:schemeClr val="accent1"/>
+            </a:fillRef>
+            <a:effectRef idx="0">
+              <a:schemeClr val="accent1"/>
+            </a:effectRef>
+            <a:fontRef idx="minor">
+              <a:schemeClr val="tx1"/>
+            </a:fontRef>
+          </p:style>
+        </p:cxnSp>
+        <p:cxnSp>
+          <p:nvCxnSpPr>
+            <p:cNvPr id="42" name="直接连接符 41">
+              <a:extLst>
+                <a:ext uri="{FF2B5EF4-FFF2-40B4-BE49-F238E27FC236}">
+                  <a16:creationId xmlns:a16="http://schemas.microsoft.com/office/drawing/2014/main" id="{481EBBB2-0709-461A-BA87-4AF3C706B9D4}"/>
+                </a:ext>
+              </a:extLst>
+            </p:cNvPr>
+            <p:cNvCxnSpPr>
+              <a:cxnSpLocks/>
+            </p:cNvCxnSpPr>
+            <p:nvPr/>
+          </p:nvCxnSpPr>
+          <p:spPr>
+            <a:xfrm flipH="1">
+              <a:off x="4180855" y="2281584"/>
+              <a:ext cx="2311" cy="1038652"/>
+            </a:xfrm>
+            <a:prstGeom prst="line">
+              <a:avLst/>
+            </a:prstGeom>
+            <a:ln w="12700">
+              <a:solidFill>
+                <a:schemeClr val="accent6">
+                  <a:lumMod val="75000"/>
+                </a:schemeClr>
+              </a:solidFill>
+            </a:ln>
+          </p:spPr>
+          <p:style>
+            <a:lnRef idx="1">
+              <a:schemeClr val="accent1"/>
+            </a:lnRef>
+            <a:fillRef idx="0">
+              <a:schemeClr val="accent1"/>
+            </a:fillRef>
+            <a:effectRef idx="0">
+              <a:schemeClr val="accent1"/>
+            </a:effectRef>
+            <a:fontRef idx="minor">
+              <a:schemeClr val="tx1"/>
+            </a:fontRef>
+          </p:style>
+        </p:cxnSp>
+        <p:cxnSp>
+          <p:nvCxnSpPr>
+            <p:cNvPr id="44" name="直接连接符 43">
+              <a:extLst>
+                <a:ext uri="{FF2B5EF4-FFF2-40B4-BE49-F238E27FC236}">
+                  <a16:creationId xmlns:a16="http://schemas.microsoft.com/office/drawing/2014/main" id="{584F15A6-BA59-4880-8C9F-DDF2D489D3E9}"/>
+                </a:ext>
+              </a:extLst>
+            </p:cNvPr>
+            <p:cNvCxnSpPr/>
+            <p:nvPr/>
+          </p:nvCxnSpPr>
+          <p:spPr>
+            <a:xfrm>
+              <a:off x="4058040" y="2294516"/>
+              <a:ext cx="119880" cy="0"/>
+            </a:xfrm>
+            <a:prstGeom prst="line">
+              <a:avLst/>
+            </a:prstGeom>
+            <a:ln w="12700">
+              <a:solidFill>
+                <a:schemeClr val="accent6">
+                  <a:lumMod val="75000"/>
+                </a:schemeClr>
+              </a:solidFill>
+            </a:ln>
+          </p:spPr>
+          <p:style>
+            <a:lnRef idx="1">
+              <a:schemeClr val="accent1"/>
+            </a:lnRef>
+            <a:fillRef idx="0">
+              <a:schemeClr val="accent1"/>
+            </a:fillRef>
+            <a:effectRef idx="0">
+              <a:schemeClr val="accent1"/>
+            </a:effectRef>
+            <a:fontRef idx="minor">
+              <a:schemeClr val="tx1"/>
+            </a:fontRef>
+          </p:style>
+        </p:cxnSp>
+      </p:grpSp>
+      <p:cxnSp>
+        <p:nvCxnSpPr>
+          <p:cNvPr id="47" name="连接符: 肘形 46">
+            <a:extLst>
+              <a:ext uri="{FF2B5EF4-FFF2-40B4-BE49-F238E27FC236}">
+                <a16:creationId xmlns:a16="http://schemas.microsoft.com/office/drawing/2014/main" id="{568EFD66-45B6-48B1-86C9-F8AD918A0B76}"/>
+              </a:ext>
+            </a:extLst>
+          </p:cNvPr>
+          <p:cNvCxnSpPr>
+            <a:stCxn id="27" idx="0"/>
+          </p:cNvCxnSpPr>
+          <p:nvPr/>
+        </p:nvCxnSpPr>
+        <p:spPr>
+          <a:xfrm rot="16200000" flipV="1">
+            <a:off x="6466557" y="-58436"/>
+            <a:ext cx="1060689" cy="4918682"/>
+          </a:xfrm>
+          <a:prstGeom prst="bentConnector2">
+            <a:avLst/>
+          </a:prstGeom>
+          <a:ln w="19050">
+            <a:prstDash val="dash"/>
+            <a:tailEnd type="triangle"/>
+          </a:ln>
+        </p:spPr>
+        <p:style>
+          <a:lnRef idx="1">
+            <a:schemeClr val="accent1"/>
+          </a:lnRef>
+          <a:fillRef idx="0">
+            <a:schemeClr val="accent1"/>
+          </a:fillRef>
+          <a:effectRef idx="0">
+            <a:schemeClr val="accent1"/>
+          </a:effectRef>
+          <a:fontRef idx="minor">
+            <a:schemeClr val="tx1"/>
+          </a:fontRef>
+        </p:style>
+      </p:cxnSp>
+      <p:cxnSp>
+        <p:nvCxnSpPr>
+          <p:cNvPr id="51" name="直接箭头连接符 50">
+            <a:extLst>
+              <a:ext uri="{FF2B5EF4-FFF2-40B4-BE49-F238E27FC236}">
+                <a16:creationId xmlns:a16="http://schemas.microsoft.com/office/drawing/2014/main" id="{2348E79C-D73B-4BE2-A6F9-5B85A34BF82D}"/>
+              </a:ext>
+            </a:extLst>
+          </p:cNvPr>
+          <p:cNvCxnSpPr/>
+          <p:nvPr/>
+        </p:nvCxnSpPr>
+        <p:spPr>
+          <a:xfrm flipH="1">
+            <a:off x="8014080" y="5023584"/>
+            <a:ext cx="1136092" cy="0"/>
+          </a:xfrm>
+          <a:prstGeom prst="straightConnector1">
+            <a:avLst/>
+          </a:prstGeom>
+          <a:ln w="19050">
+            <a:solidFill>
+              <a:schemeClr val="accent2"/>
+            </a:solidFill>
+            <a:prstDash val="dash"/>
+            <a:tailEnd type="triangle"/>
+          </a:ln>
+        </p:spPr>
+        <p:style>
+          <a:lnRef idx="1">
+            <a:schemeClr val="accent1"/>
+          </a:lnRef>
+          <a:fillRef idx="0">
+            <a:schemeClr val="accent1"/>
+          </a:fillRef>
+          <a:effectRef idx="0">
+            <a:schemeClr val="accent1"/>
+          </a:effectRef>
+          <a:fontRef idx="minor">
+            <a:schemeClr val="tx1"/>
+          </a:fontRef>
+        </p:style>
+      </p:cxnSp>
     </p:spTree>
   </p:cSld>
   <p:clrMapOvr>
@@ -20555,6 +21094,36 @@
           <a:chExt cx="0" cy="0"/>
         </a:xfrm>
       </p:grpSpPr>
+      <p:pic>
+        <p:nvPicPr>
+          <p:cNvPr id="19" name="图片 18" descr="gen_models_diag_1">
+            <a:extLst>
+              <a:ext uri="{FF2B5EF4-FFF2-40B4-BE49-F238E27FC236}">
+                <a16:creationId xmlns:a16="http://schemas.microsoft.com/office/drawing/2014/main" id="{B4D707E4-C52E-457C-8E2B-C530C4AC48D3}"/>
+              </a:ext>
+            </a:extLst>
+          </p:cNvPr>
+          <p:cNvPicPr>
+            <a:picLocks noChangeAspect="1"/>
+          </p:cNvPicPr>
+          <p:nvPr/>
+        </p:nvPicPr>
+        <p:blipFill>
+          <a:blip r:embed="rId2"/>
+          <a:stretch>
+            <a:fillRect/>
+          </a:stretch>
+        </p:blipFill>
+        <p:spPr>
+          <a:xfrm>
+            <a:off x="1426049" y="471170"/>
+            <a:ext cx="7182648" cy="2843015"/>
+          </a:xfrm>
+          <a:prstGeom prst="rect">
+            <a:avLst/>
+          </a:prstGeom>
+        </p:spPr>
+      </p:pic>
       <p:sp>
         <p:nvSpPr>
           <p:cNvPr id="5" name="文本框 4"/>
@@ -20595,7 +21164,7 @@
         </p:nvSpPr>
         <p:spPr>
           <a:xfrm>
-            <a:off x="335280" y="765175"/>
+            <a:off x="1363229" y="786937"/>
             <a:ext cx="1522095" cy="306705"/>
           </a:xfrm>
           <a:prstGeom prst="rect">
@@ -20611,7 +21180,7 @@
           <a:p>
             <a:pPr algn="ctr"/>
             <a:r>
-              <a:rPr lang="en-US" altLang="zh-CN" sz="1400" b="1">
+              <a:rPr lang="en-US" altLang="zh-CN" sz="1400" b="1" dirty="0">
                 <a:solidFill>
                   <a:srgbClr val="0070C0"/>
                 </a:solidFill>
@@ -20620,658 +21189,6 @@
               </a:rPr>
               <a:t>Generator</a:t>
             </a:r>
-          </a:p>
-        </p:txBody>
-      </p:sp>
-      <p:sp>
-        <p:nvSpPr>
-          <p:cNvPr id="2" name="立方体 1"/>
-          <p:cNvSpPr/>
-          <p:nvPr/>
-        </p:nvSpPr>
-        <p:spPr>
-          <a:xfrm>
-            <a:off x="1036955" y="1860550"/>
-            <a:ext cx="1658620" cy="369570"/>
-          </a:xfrm>
-          <a:prstGeom prst="cube">
-            <a:avLst>
-              <a:gd name="adj" fmla="val 36373"/>
-            </a:avLst>
-          </a:prstGeom>
-          <a:noFill/>
-          <a:ln w="3175">
-            <a:solidFill>
-              <a:schemeClr val="bg1">
-                <a:lumMod val="65000"/>
-              </a:schemeClr>
-            </a:solidFill>
-          </a:ln>
-          <a:extLst>
-            <a:ext uri="{909E8E84-426E-40DD-AFC4-6F175D3DCCD1}">
-              <a14:hiddenFill xmlns:a14="http://schemas.microsoft.com/office/drawing/2010/main">
-                <a:solidFill>
-                  <a:schemeClr val="bg1"/>
-                </a:solidFill>
-              </a14:hiddenFill>
-            </a:ext>
-          </a:extLst>
-        </p:spPr>
-        <p:style>
-          <a:lnRef idx="2">
-            <a:schemeClr val="accent1">
-              <a:shade val="50000"/>
-            </a:schemeClr>
-          </a:lnRef>
-          <a:fillRef idx="1">
-            <a:schemeClr val="accent1"/>
-          </a:fillRef>
-          <a:effectRef idx="0">
-            <a:schemeClr val="accent1"/>
-          </a:effectRef>
-          <a:fontRef idx="minor">
-            <a:schemeClr val="lt1"/>
-          </a:fontRef>
-        </p:style>
-        <p:txBody>
-          <a:bodyPr rtlCol="0" anchor="ctr"/>
-          <a:lstStyle/>
-          <a:p>
-            <a:pPr algn="ctr"/>
-            <a:endParaRPr lang="zh-CN" altLang="en-US"/>
-          </a:p>
-        </p:txBody>
-      </p:sp>
-      <p:sp>
-        <p:nvSpPr>
-          <p:cNvPr id="3" name="立方体 2"/>
-          <p:cNvSpPr/>
-          <p:nvPr/>
-        </p:nvSpPr>
-        <p:spPr>
-          <a:xfrm>
-            <a:off x="2562225" y="1860550"/>
-            <a:ext cx="185420" cy="369570"/>
-          </a:xfrm>
-          <a:prstGeom prst="cube">
-            <a:avLst>
-              <a:gd name="adj" fmla="val 72260"/>
-            </a:avLst>
-          </a:prstGeom>
-          <a:solidFill>
-            <a:srgbClr val="FD6666"/>
-          </a:solidFill>
-          <a:ln w="3175">
-            <a:solidFill>
-              <a:schemeClr val="bg1">
-                <a:lumMod val="65000"/>
-              </a:schemeClr>
-            </a:solidFill>
-          </a:ln>
-        </p:spPr>
-        <p:style>
-          <a:lnRef idx="2">
-            <a:schemeClr val="accent1">
-              <a:shade val="50000"/>
-            </a:schemeClr>
-          </a:lnRef>
-          <a:fillRef idx="1">
-            <a:schemeClr val="accent1"/>
-          </a:fillRef>
-          <a:effectRef idx="0">
-            <a:schemeClr val="accent1"/>
-          </a:effectRef>
-          <a:fontRef idx="minor">
-            <a:schemeClr val="lt1"/>
-          </a:fontRef>
-        </p:style>
-        <p:txBody>
-          <a:bodyPr rtlCol="0" anchor="ctr"/>
-          <a:lstStyle/>
-          <a:p>
-            <a:pPr algn="ctr"/>
-            <a:endParaRPr lang="zh-CN" altLang="en-US"/>
-          </a:p>
-        </p:txBody>
-      </p:sp>
-      <p:sp>
-        <p:nvSpPr>
-          <p:cNvPr id="7" name="立方体 6"/>
-          <p:cNvSpPr/>
-          <p:nvPr/>
-        </p:nvSpPr>
-        <p:spPr>
-          <a:xfrm>
-            <a:off x="2908935" y="1662430"/>
-            <a:ext cx="1089660" cy="764540"/>
-          </a:xfrm>
-          <a:prstGeom prst="cube">
-            <a:avLst>
-              <a:gd name="adj" fmla="val 36373"/>
-            </a:avLst>
-          </a:prstGeom>
-          <a:noFill/>
-          <a:ln w="3175">
-            <a:solidFill>
-              <a:schemeClr val="bg1">
-                <a:lumMod val="65000"/>
-              </a:schemeClr>
-            </a:solidFill>
-          </a:ln>
-          <a:extLst>
-            <a:ext uri="{909E8E84-426E-40DD-AFC4-6F175D3DCCD1}">
-              <a14:hiddenFill xmlns:a14="http://schemas.microsoft.com/office/drawing/2010/main">
-                <a:solidFill>
-                  <a:schemeClr val="bg1"/>
-                </a:solidFill>
-              </a14:hiddenFill>
-            </a:ext>
-          </a:extLst>
-        </p:spPr>
-        <p:style>
-          <a:lnRef idx="2">
-            <a:schemeClr val="accent1">
-              <a:shade val="50000"/>
-            </a:schemeClr>
-          </a:lnRef>
-          <a:fillRef idx="1">
-            <a:schemeClr val="accent1"/>
-          </a:fillRef>
-          <a:effectRef idx="0">
-            <a:schemeClr val="accent1"/>
-          </a:effectRef>
-          <a:fontRef idx="minor">
-            <a:schemeClr val="lt1"/>
-          </a:fontRef>
-        </p:style>
-        <p:txBody>
-          <a:bodyPr rtlCol="0" anchor="ctr"/>
-          <a:lstStyle/>
-          <a:p>
-            <a:pPr algn="ctr"/>
-            <a:endParaRPr lang="zh-CN" altLang="en-US"/>
-          </a:p>
-        </p:txBody>
-      </p:sp>
-      <p:sp>
-        <p:nvSpPr>
-          <p:cNvPr id="8" name="立方体 7"/>
-          <p:cNvSpPr/>
-          <p:nvPr/>
-        </p:nvSpPr>
-        <p:spPr>
-          <a:xfrm>
-            <a:off x="3716655" y="1663065"/>
-            <a:ext cx="333375" cy="763905"/>
-          </a:xfrm>
-          <a:prstGeom prst="cube">
-            <a:avLst>
-              <a:gd name="adj" fmla="val 83047"/>
-            </a:avLst>
-          </a:prstGeom>
-          <a:solidFill>
-            <a:srgbClr val="FD6666"/>
-          </a:solidFill>
-          <a:ln w="3175">
-            <a:solidFill>
-              <a:schemeClr val="bg1">
-                <a:lumMod val="65000"/>
-              </a:schemeClr>
-            </a:solidFill>
-          </a:ln>
-        </p:spPr>
-        <p:style>
-          <a:lnRef idx="2">
-            <a:schemeClr val="accent1">
-              <a:shade val="50000"/>
-            </a:schemeClr>
-          </a:lnRef>
-          <a:fillRef idx="1">
-            <a:schemeClr val="accent1"/>
-          </a:fillRef>
-          <a:effectRef idx="0">
-            <a:schemeClr val="accent1"/>
-          </a:effectRef>
-          <a:fontRef idx="minor">
-            <a:schemeClr val="lt1"/>
-          </a:fontRef>
-        </p:style>
-        <p:txBody>
-          <a:bodyPr rtlCol="0" anchor="ctr"/>
-          <a:lstStyle/>
-          <a:p>
-            <a:pPr algn="ctr"/>
-            <a:endParaRPr lang="zh-CN" altLang="en-US"/>
-          </a:p>
-        </p:txBody>
-      </p:sp>
-      <p:sp>
-        <p:nvSpPr>
-          <p:cNvPr id="10" name="立方体 9"/>
-          <p:cNvSpPr/>
-          <p:nvPr/>
-        </p:nvSpPr>
-        <p:spPr>
-          <a:xfrm>
-            <a:off x="3773805" y="1663065"/>
-            <a:ext cx="333375" cy="763905"/>
-          </a:xfrm>
-          <a:prstGeom prst="cube">
-            <a:avLst>
-              <a:gd name="adj" fmla="val 83047"/>
-            </a:avLst>
-          </a:prstGeom>
-          <a:solidFill>
-            <a:srgbClr val="66CCFF"/>
-          </a:solidFill>
-          <a:ln w="3175">
-            <a:solidFill>
-              <a:schemeClr val="bg1">
-                <a:lumMod val="65000"/>
-              </a:schemeClr>
-            </a:solidFill>
-          </a:ln>
-        </p:spPr>
-        <p:style>
-          <a:lnRef idx="2">
-            <a:schemeClr val="accent1">
-              <a:shade val="50000"/>
-            </a:schemeClr>
-          </a:lnRef>
-          <a:fillRef idx="1">
-            <a:schemeClr val="accent1"/>
-          </a:fillRef>
-          <a:effectRef idx="0">
-            <a:schemeClr val="accent1"/>
-          </a:effectRef>
-          <a:fontRef idx="minor">
-            <a:schemeClr val="lt1"/>
-          </a:fontRef>
-        </p:style>
-        <p:txBody>
-          <a:bodyPr rtlCol="0" anchor="ctr"/>
-          <a:lstStyle/>
-          <a:p>
-            <a:pPr algn="ctr"/>
-            <a:endParaRPr lang="zh-CN" altLang="en-US"/>
-          </a:p>
-        </p:txBody>
-      </p:sp>
-      <p:sp>
-        <p:nvSpPr>
-          <p:cNvPr id="11" name="立方体 10"/>
-          <p:cNvSpPr/>
-          <p:nvPr/>
-        </p:nvSpPr>
-        <p:spPr>
-          <a:xfrm>
-            <a:off x="2613025" y="1860550"/>
-            <a:ext cx="185420" cy="369570"/>
-          </a:xfrm>
-          <a:prstGeom prst="cube">
-            <a:avLst>
-              <a:gd name="adj" fmla="val 72260"/>
-            </a:avLst>
-          </a:prstGeom>
-          <a:solidFill>
-            <a:srgbClr val="66CCFF"/>
-          </a:solidFill>
-          <a:ln w="3175">
-            <a:solidFill>
-              <a:schemeClr val="bg1">
-                <a:lumMod val="65000"/>
-              </a:schemeClr>
-            </a:solidFill>
-          </a:ln>
-        </p:spPr>
-        <p:style>
-          <a:lnRef idx="2">
-            <a:schemeClr val="accent1">
-              <a:shade val="50000"/>
-            </a:schemeClr>
-          </a:lnRef>
-          <a:fillRef idx="1">
-            <a:schemeClr val="accent1"/>
-          </a:fillRef>
-          <a:effectRef idx="0">
-            <a:schemeClr val="accent1"/>
-          </a:effectRef>
-          <a:fontRef idx="minor">
-            <a:schemeClr val="lt1"/>
-          </a:fontRef>
-        </p:style>
-        <p:txBody>
-          <a:bodyPr rtlCol="0" anchor="ctr"/>
-          <a:lstStyle/>
-          <a:p>
-            <a:pPr algn="ctr"/>
-            <a:endParaRPr lang="zh-CN" altLang="en-US"/>
-          </a:p>
-        </p:txBody>
-      </p:sp>
-      <p:sp>
-        <p:nvSpPr>
-          <p:cNvPr id="6" name="立方体 5"/>
-          <p:cNvSpPr/>
-          <p:nvPr/>
-        </p:nvSpPr>
-        <p:spPr>
-          <a:xfrm>
-            <a:off x="4313555" y="1137285"/>
-            <a:ext cx="807720" cy="1363980"/>
-          </a:xfrm>
-          <a:prstGeom prst="cube">
-            <a:avLst>
-              <a:gd name="adj" fmla="val 47169"/>
-            </a:avLst>
-          </a:prstGeom>
-          <a:noFill/>
-          <a:ln w="3175">
-            <a:solidFill>
-              <a:schemeClr val="bg1">
-                <a:lumMod val="65000"/>
-              </a:schemeClr>
-            </a:solidFill>
-          </a:ln>
-          <a:extLst>
-            <a:ext uri="{909E8E84-426E-40DD-AFC4-6F175D3DCCD1}">
-              <a14:hiddenFill xmlns:a14="http://schemas.microsoft.com/office/drawing/2010/main">
-                <a:solidFill>
-                  <a:schemeClr val="bg1"/>
-                </a:solidFill>
-              </a14:hiddenFill>
-            </a:ext>
-          </a:extLst>
-        </p:spPr>
-        <p:style>
-          <a:lnRef idx="2">
-            <a:schemeClr val="accent1">
-              <a:shade val="50000"/>
-            </a:schemeClr>
-          </a:lnRef>
-          <a:fillRef idx="1">
-            <a:schemeClr val="accent1"/>
-          </a:fillRef>
-          <a:effectRef idx="0">
-            <a:schemeClr val="accent1"/>
-          </a:effectRef>
-          <a:fontRef idx="minor">
-            <a:schemeClr val="lt1"/>
-          </a:fontRef>
-        </p:style>
-        <p:txBody>
-          <a:bodyPr rtlCol="0" anchor="ctr"/>
-          <a:lstStyle/>
-          <a:p>
-            <a:pPr algn="ctr"/>
-            <a:endParaRPr lang="zh-CN" altLang="en-US"/>
-          </a:p>
-        </p:txBody>
-      </p:sp>
-      <p:sp>
-        <p:nvSpPr>
-          <p:cNvPr id="9" name="立方体 8"/>
-          <p:cNvSpPr/>
-          <p:nvPr/>
-        </p:nvSpPr>
-        <p:spPr>
-          <a:xfrm>
-            <a:off x="4749800" y="1137285"/>
-            <a:ext cx="478155" cy="1363980"/>
-          </a:xfrm>
-          <a:prstGeom prst="cube">
-            <a:avLst>
-              <a:gd name="adj" fmla="val 78884"/>
-            </a:avLst>
-          </a:prstGeom>
-          <a:solidFill>
-            <a:srgbClr val="FD6666"/>
-          </a:solidFill>
-          <a:ln w="3175">
-            <a:solidFill>
-              <a:schemeClr val="bg1">
-                <a:lumMod val="65000"/>
-              </a:schemeClr>
-            </a:solidFill>
-          </a:ln>
-        </p:spPr>
-        <p:style>
-          <a:lnRef idx="2">
-            <a:schemeClr val="accent1">
-              <a:shade val="50000"/>
-            </a:schemeClr>
-          </a:lnRef>
-          <a:fillRef idx="1">
-            <a:schemeClr val="accent1"/>
-          </a:fillRef>
-          <a:effectRef idx="0">
-            <a:schemeClr val="accent1"/>
-          </a:effectRef>
-          <a:fontRef idx="minor">
-            <a:schemeClr val="lt1"/>
-          </a:fontRef>
-        </p:style>
-        <p:txBody>
-          <a:bodyPr rtlCol="0" anchor="ctr"/>
-          <a:lstStyle/>
-          <a:p>
-            <a:pPr algn="ctr"/>
-            <a:endParaRPr lang="zh-CN" altLang="en-US"/>
-          </a:p>
-        </p:txBody>
-      </p:sp>
-      <p:sp>
-        <p:nvSpPr>
-          <p:cNvPr id="13" name="立方体 12"/>
-          <p:cNvSpPr/>
-          <p:nvPr/>
-        </p:nvSpPr>
-        <p:spPr>
-          <a:xfrm>
-            <a:off x="4857115" y="1137285"/>
-            <a:ext cx="478155" cy="1363980"/>
-          </a:xfrm>
-          <a:prstGeom prst="cube">
-            <a:avLst>
-              <a:gd name="adj" fmla="val 78884"/>
-            </a:avLst>
-          </a:prstGeom>
-          <a:solidFill>
-            <a:srgbClr val="66CCFF"/>
-          </a:solidFill>
-          <a:ln w="3175">
-            <a:solidFill>
-              <a:schemeClr val="bg1">
-                <a:lumMod val="65000"/>
-              </a:schemeClr>
-            </a:solidFill>
-          </a:ln>
-        </p:spPr>
-        <p:style>
-          <a:lnRef idx="2">
-            <a:schemeClr val="accent1">
-              <a:shade val="50000"/>
-            </a:schemeClr>
-          </a:lnRef>
-          <a:fillRef idx="1">
-            <a:schemeClr val="accent1"/>
-          </a:fillRef>
-          <a:effectRef idx="0">
-            <a:schemeClr val="accent1"/>
-          </a:effectRef>
-          <a:fontRef idx="minor">
-            <a:schemeClr val="lt1"/>
-          </a:fontRef>
-        </p:style>
-        <p:txBody>
-          <a:bodyPr rtlCol="0" anchor="ctr"/>
-          <a:lstStyle/>
-          <a:p>
-            <a:pPr algn="ctr"/>
-            <a:endParaRPr lang="zh-CN" altLang="en-US"/>
-          </a:p>
-        </p:txBody>
-      </p:sp>
-      <p:sp>
-        <p:nvSpPr>
-          <p:cNvPr id="14" name="立方体 13"/>
-          <p:cNvSpPr/>
-          <p:nvPr/>
-        </p:nvSpPr>
-        <p:spPr>
-          <a:xfrm>
-            <a:off x="5564505" y="594360"/>
-            <a:ext cx="717550" cy="2125345"/>
-          </a:xfrm>
-          <a:prstGeom prst="cube">
-            <a:avLst>
-              <a:gd name="adj" fmla="val 70176"/>
-            </a:avLst>
-          </a:prstGeom>
-          <a:noFill/>
-          <a:ln w="3175">
-            <a:solidFill>
-              <a:schemeClr val="bg1">
-                <a:lumMod val="65000"/>
-              </a:schemeClr>
-            </a:solidFill>
-          </a:ln>
-          <a:extLst>
-            <a:ext uri="{909E8E84-426E-40DD-AFC4-6F175D3DCCD1}">
-              <a14:hiddenFill xmlns:a14="http://schemas.microsoft.com/office/drawing/2010/main">
-                <a:solidFill>
-                  <a:schemeClr val="bg1"/>
-                </a:solidFill>
-              </a14:hiddenFill>
-            </a:ext>
-          </a:extLst>
-        </p:spPr>
-        <p:style>
-          <a:lnRef idx="2">
-            <a:schemeClr val="accent1">
-              <a:shade val="50000"/>
-            </a:schemeClr>
-          </a:lnRef>
-          <a:fillRef idx="1">
-            <a:schemeClr val="accent1"/>
-          </a:fillRef>
-          <a:effectRef idx="0">
-            <a:schemeClr val="accent1"/>
-          </a:effectRef>
-          <a:fontRef idx="minor">
-            <a:schemeClr val="lt1"/>
-          </a:fontRef>
-        </p:style>
-        <p:txBody>
-          <a:bodyPr rtlCol="0" anchor="ctr"/>
-          <a:lstStyle/>
-          <a:p>
-            <a:pPr algn="ctr"/>
-            <a:endParaRPr lang="zh-CN" altLang="en-US"/>
-          </a:p>
-        </p:txBody>
-      </p:sp>
-      <p:sp>
-        <p:nvSpPr>
-          <p:cNvPr id="15" name="立方体 14"/>
-          <p:cNvSpPr/>
-          <p:nvPr/>
-        </p:nvSpPr>
-        <p:spPr>
-          <a:xfrm>
-            <a:off x="5784850" y="594360"/>
-            <a:ext cx="555625" cy="2125345"/>
-          </a:xfrm>
-          <a:prstGeom prst="cube">
-            <a:avLst>
-              <a:gd name="adj" fmla="val 90742"/>
-            </a:avLst>
-          </a:prstGeom>
-          <a:solidFill>
-            <a:srgbClr val="FD6666"/>
-          </a:solidFill>
-          <a:ln w="3175">
-            <a:solidFill>
-              <a:schemeClr val="bg1">
-                <a:lumMod val="65000"/>
-              </a:schemeClr>
-            </a:solidFill>
-          </a:ln>
-        </p:spPr>
-        <p:style>
-          <a:lnRef idx="2">
-            <a:schemeClr val="accent1">
-              <a:shade val="50000"/>
-            </a:schemeClr>
-          </a:lnRef>
-          <a:fillRef idx="1">
-            <a:schemeClr val="accent1"/>
-          </a:fillRef>
-          <a:effectRef idx="0">
-            <a:schemeClr val="accent1"/>
-          </a:effectRef>
-          <a:fontRef idx="minor">
-            <a:schemeClr val="lt1"/>
-          </a:fontRef>
-        </p:style>
-        <p:txBody>
-          <a:bodyPr rtlCol="0" anchor="ctr"/>
-          <a:lstStyle/>
-          <a:p>
-            <a:pPr algn="ctr"/>
-            <a:endParaRPr lang="zh-CN" altLang="en-US"/>
-          </a:p>
-        </p:txBody>
-      </p:sp>
-      <p:sp>
-        <p:nvSpPr>
-          <p:cNvPr id="17" name="立方体 16"/>
-          <p:cNvSpPr/>
-          <p:nvPr/>
-        </p:nvSpPr>
-        <p:spPr>
-          <a:xfrm>
-            <a:off x="5843270" y="594360"/>
-            <a:ext cx="555625" cy="2125345"/>
-          </a:xfrm>
-          <a:prstGeom prst="cube">
-            <a:avLst>
-              <a:gd name="adj" fmla="val 90742"/>
-            </a:avLst>
-          </a:prstGeom>
-          <a:solidFill>
-            <a:srgbClr val="66CCFF"/>
-          </a:solidFill>
-          <a:ln w="3175">
-            <a:solidFill>
-              <a:schemeClr val="bg1">
-                <a:lumMod val="65000"/>
-              </a:schemeClr>
-            </a:solidFill>
-          </a:ln>
-        </p:spPr>
-        <p:style>
-          <a:lnRef idx="2">
-            <a:schemeClr val="accent1">
-              <a:shade val="50000"/>
-            </a:schemeClr>
-          </a:lnRef>
-          <a:fillRef idx="1">
-            <a:schemeClr val="accent1"/>
-          </a:fillRef>
-          <a:effectRef idx="0">
-            <a:schemeClr val="accent1"/>
-          </a:effectRef>
-          <a:fontRef idx="minor">
-            <a:schemeClr val="lt1"/>
-          </a:fontRef>
-        </p:style>
-        <p:txBody>
-          <a:bodyPr rtlCol="0" anchor="ctr"/>
-          <a:lstStyle/>
-          <a:p>
-            <a:pPr algn="ctr"/>
-            <a:endParaRPr lang="zh-CN" altLang="en-US"/>
           </a:p>
         </p:txBody>
       </p:sp>
@@ -21283,8 +21200,8 @@
         </p:nvSpPr>
         <p:spPr>
           <a:xfrm>
-            <a:off x="6687185" y="72390"/>
-            <a:ext cx="769620" cy="2789555"/>
+            <a:off x="1767093" y="3924917"/>
+            <a:ext cx="709163" cy="2216055"/>
           </a:xfrm>
           <a:prstGeom prst="cube">
             <a:avLst>
@@ -21332,14 +21249,423 @@
       </p:sp>
       <p:sp>
         <p:nvSpPr>
+          <p:cNvPr id="23" name="文本框 22"/>
+          <p:cNvSpPr txBox="1"/>
+          <p:nvPr/>
+        </p:nvSpPr>
+        <p:spPr>
+          <a:xfrm>
+            <a:off x="1412063" y="3302445"/>
+            <a:ext cx="1522095" cy="306705"/>
+          </a:xfrm>
+          <a:prstGeom prst="rect">
+            <a:avLst/>
+          </a:prstGeom>
+          <a:noFill/>
+        </p:spPr>
+        <p:txBody>
+          <a:bodyPr wrap="square" rtlCol="0">
+            <a:spAutoFit/>
+          </a:bodyPr>
+          <a:lstStyle/>
+          <a:p>
+            <a:pPr algn="ctr"/>
+            <a:r>
+              <a:rPr lang="en-US" altLang="zh-CN" sz="1400" b="1" dirty="0">
+                <a:solidFill>
+                  <a:srgbClr val="0070C0"/>
+                </a:solidFill>
+                <a:latin typeface="微软雅黑" panose="020B0503020204020204" charset="-122"/>
+                <a:ea typeface="微软雅黑" panose="020B0503020204020204" charset="-122"/>
+              </a:rPr>
+              <a:t>Discriminator</a:t>
+            </a:r>
+          </a:p>
+        </p:txBody>
+      </p:sp>
+      <p:sp>
+        <p:nvSpPr>
+          <p:cNvPr id="4" name="文本框 3">
+            <a:extLst>
+              <a:ext uri="{FF2B5EF4-FFF2-40B4-BE49-F238E27FC236}">
+                <a16:creationId xmlns:a16="http://schemas.microsoft.com/office/drawing/2014/main" id="{651802E6-57FE-4474-A0B3-473602FD06C6}"/>
+              </a:ext>
+            </a:extLst>
+          </p:cNvPr>
+          <p:cNvSpPr txBox="1"/>
+          <p:nvPr/>
+        </p:nvSpPr>
+        <p:spPr>
+          <a:xfrm>
+            <a:off x="1384564" y="4832310"/>
+            <a:ext cx="1339959" cy="1600438"/>
+          </a:xfrm>
+          <a:prstGeom prst="rect">
+            <a:avLst/>
+          </a:prstGeom>
+          <a:noFill/>
+        </p:spPr>
+        <p:txBody>
+          <a:bodyPr wrap="square" rtlCol="0">
+            <a:spAutoFit/>
+          </a:bodyPr>
+          <a:lstStyle/>
+          <a:p>
+            <a:r>
+              <a:rPr lang="en-US" altLang="zh-CN" sz="1000" dirty="0">
+                <a:latin typeface="Arial" panose="020B0604020202020204" pitchFamily="34" charset="0"/>
+                <a:cs typeface="Arial" panose="020B0604020202020204" pitchFamily="34" charset="0"/>
+              </a:rPr>
+              <a:t>                             64</a:t>
+            </a:r>
+          </a:p>
+          <a:p>
+            <a:endParaRPr lang="en-US" altLang="zh-CN" sz="1000" dirty="0">
+              <a:latin typeface="Arial" panose="020B0604020202020204" pitchFamily="34" charset="0"/>
+              <a:cs typeface="Arial" panose="020B0604020202020204" pitchFamily="34" charset="0"/>
+            </a:endParaRPr>
+          </a:p>
+          <a:p>
+            <a:r>
+              <a:rPr lang="en-US" altLang="zh-CN" sz="1400" dirty="0">
+                <a:latin typeface="Axure Handwriting" panose="020B0402020200020204" pitchFamily="34" charset="0"/>
+                <a:cs typeface="Arial" panose="020B0604020202020204" pitchFamily="34" charset="0"/>
+              </a:rPr>
+              <a:t>  x</a:t>
+            </a:r>
+          </a:p>
+          <a:p>
+            <a:endParaRPr lang="en-US" altLang="zh-CN" sz="1000" dirty="0">
+              <a:latin typeface="Arial" panose="020B0604020202020204" pitchFamily="34" charset="0"/>
+              <a:cs typeface="Arial" panose="020B0604020202020204" pitchFamily="34" charset="0"/>
+            </a:endParaRPr>
+          </a:p>
+          <a:p>
+            <a:endParaRPr lang="en-US" altLang="zh-CN" sz="1000" dirty="0">
+              <a:latin typeface="Arial" panose="020B0604020202020204" pitchFamily="34" charset="0"/>
+              <a:cs typeface="Arial" panose="020B0604020202020204" pitchFamily="34" charset="0"/>
+            </a:endParaRPr>
+          </a:p>
+          <a:p>
+            <a:endParaRPr lang="en-US" altLang="zh-CN" sz="1000" dirty="0">
+              <a:latin typeface="Arial" panose="020B0604020202020204" pitchFamily="34" charset="0"/>
+              <a:cs typeface="Arial" panose="020B0604020202020204" pitchFamily="34" charset="0"/>
+            </a:endParaRPr>
+          </a:p>
+          <a:p>
+            <a:r>
+              <a:rPr lang="en-US" altLang="zh-CN" sz="1000" dirty="0">
+                <a:latin typeface="Arial" panose="020B0604020202020204" pitchFamily="34" charset="0"/>
+                <a:cs typeface="Arial" panose="020B0604020202020204" pitchFamily="34" charset="0"/>
+              </a:rPr>
+              <a:t>                    64   </a:t>
+            </a:r>
+          </a:p>
+          <a:p>
+            <a:r>
+              <a:rPr lang="en-US" altLang="zh-CN" sz="1000" dirty="0">
+                <a:latin typeface="Arial" panose="020B0604020202020204" pitchFamily="34" charset="0"/>
+                <a:cs typeface="Arial" panose="020B0604020202020204" pitchFamily="34" charset="0"/>
+              </a:rPr>
+              <a:t>         </a:t>
+            </a:r>
+          </a:p>
+          <a:p>
+            <a:r>
+              <a:rPr lang="en-US" altLang="zh-CN" sz="1200" dirty="0">
+                <a:latin typeface="Arial" panose="020B0604020202020204" pitchFamily="34" charset="0"/>
+                <a:cs typeface="Arial" panose="020B0604020202020204" pitchFamily="34" charset="0"/>
+              </a:rPr>
+              <a:t> </a:t>
+            </a:r>
+            <a:r>
+              <a:rPr lang="en-US" altLang="zh-CN" sz="1200" dirty="0">
+                <a:solidFill>
+                  <a:schemeClr val="accent6">
+                    <a:lumMod val="75000"/>
+                  </a:schemeClr>
+                </a:solidFill>
+                <a:latin typeface="Arial" panose="020B0604020202020204" pitchFamily="34" charset="0"/>
+                <a:cs typeface="Arial" panose="020B0604020202020204" pitchFamily="34" charset="0"/>
+              </a:rPr>
+              <a:t>Real Image         </a:t>
+            </a:r>
+            <a:endParaRPr lang="zh-CN" altLang="en-US" sz="1200" dirty="0">
+              <a:solidFill>
+                <a:schemeClr val="accent6">
+                  <a:lumMod val="75000"/>
+                </a:schemeClr>
+              </a:solidFill>
+              <a:latin typeface="Arial" panose="020B0604020202020204" pitchFamily="34" charset="0"/>
+              <a:cs typeface="Arial" panose="020B0604020202020204" pitchFamily="34" charset="0"/>
+            </a:endParaRPr>
+          </a:p>
+        </p:txBody>
+      </p:sp>
+      <p:sp>
+        <p:nvSpPr>
+          <p:cNvPr id="12" name="左大括号 11">
+            <a:extLst>
+              <a:ext uri="{FF2B5EF4-FFF2-40B4-BE49-F238E27FC236}">
+                <a16:creationId xmlns:a16="http://schemas.microsoft.com/office/drawing/2014/main" id="{8CB2BA1B-0DC9-4C3B-92B3-54A272DD7581}"/>
+              </a:ext>
+            </a:extLst>
+          </p:cNvPr>
+          <p:cNvSpPr/>
+          <p:nvPr/>
+        </p:nvSpPr>
+        <p:spPr>
+          <a:xfrm rot="5400000">
+            <a:off x="3506510" y="3881194"/>
+            <a:ext cx="65096" cy="314409"/>
+          </a:xfrm>
+          <a:prstGeom prst="leftBrace">
+            <a:avLst>
+              <a:gd name="adj1" fmla="val 46609"/>
+              <a:gd name="adj2" fmla="val 50000"/>
+            </a:avLst>
+          </a:prstGeom>
+          <a:noFill/>
+          <a:ln>
+            <a:solidFill>
+              <a:schemeClr val="tx1"/>
+            </a:solidFill>
+          </a:ln>
+        </p:spPr>
+        <p:style>
+          <a:lnRef idx="1">
+            <a:schemeClr val="accent1"/>
+          </a:lnRef>
+          <a:fillRef idx="0">
+            <a:schemeClr val="accent1"/>
+          </a:fillRef>
+          <a:effectRef idx="0">
+            <a:schemeClr val="accent1"/>
+          </a:effectRef>
+          <a:fontRef idx="minor">
+            <a:schemeClr val="tx1"/>
+          </a:fontRef>
+        </p:style>
+        <p:txBody>
+          <a:bodyPr rtlCol="0" anchor="ctr"/>
+          <a:lstStyle/>
+          <a:p>
+            <a:pPr algn="ctr"/>
+            <a:endParaRPr lang="zh-CN" altLang="en-US" dirty="0"/>
+          </a:p>
+        </p:txBody>
+      </p:sp>
+      <p:sp>
+        <p:nvSpPr>
+          <p:cNvPr id="25" name="左大括号 24">
+            <a:extLst>
+              <a:ext uri="{FF2B5EF4-FFF2-40B4-BE49-F238E27FC236}">
+                <a16:creationId xmlns:a16="http://schemas.microsoft.com/office/drawing/2014/main" id="{DB0AAAE9-9E70-4209-BD0D-FDAFDFE59EF9}"/>
+              </a:ext>
+            </a:extLst>
+          </p:cNvPr>
+          <p:cNvSpPr/>
+          <p:nvPr/>
+        </p:nvSpPr>
+        <p:spPr>
+          <a:xfrm rot="5400000">
+            <a:off x="4568603" y="3785385"/>
+            <a:ext cx="45719" cy="616839"/>
+          </a:xfrm>
+          <a:prstGeom prst="leftBrace">
+            <a:avLst>
+              <a:gd name="adj1" fmla="val 46609"/>
+              <a:gd name="adj2" fmla="val 50000"/>
+            </a:avLst>
+          </a:prstGeom>
+          <a:noFill/>
+          <a:ln>
+            <a:solidFill>
+              <a:schemeClr val="tx1"/>
+            </a:solidFill>
+          </a:ln>
+        </p:spPr>
+        <p:style>
+          <a:lnRef idx="1">
+            <a:schemeClr val="accent1"/>
+          </a:lnRef>
+          <a:fillRef idx="0">
+            <a:schemeClr val="accent1"/>
+          </a:fillRef>
+          <a:effectRef idx="0">
+            <a:schemeClr val="accent1"/>
+          </a:effectRef>
+          <a:fontRef idx="minor">
+            <a:schemeClr val="tx1"/>
+          </a:fontRef>
+        </p:style>
+        <p:txBody>
+          <a:bodyPr rtlCol="0" anchor="ctr"/>
+          <a:lstStyle/>
+          <a:p>
+            <a:pPr algn="ctr"/>
+            <a:endParaRPr lang="zh-CN" altLang="en-US" dirty="0"/>
+          </a:p>
+        </p:txBody>
+      </p:sp>
+      <p:sp>
+        <p:nvSpPr>
+          <p:cNvPr id="26" name="左大括号 25">
+            <a:extLst>
+              <a:ext uri="{FF2B5EF4-FFF2-40B4-BE49-F238E27FC236}">
+                <a16:creationId xmlns:a16="http://schemas.microsoft.com/office/drawing/2014/main" id="{4E7E976A-56F6-43E4-B7BE-3AC652ED0518}"/>
+              </a:ext>
+            </a:extLst>
+          </p:cNvPr>
+          <p:cNvSpPr/>
+          <p:nvPr/>
+        </p:nvSpPr>
+        <p:spPr>
+          <a:xfrm rot="5400000">
+            <a:off x="5815529" y="3656972"/>
+            <a:ext cx="95884" cy="940304"/>
+          </a:xfrm>
+          <a:prstGeom prst="leftBrace">
+            <a:avLst>
+              <a:gd name="adj1" fmla="val 46609"/>
+              <a:gd name="adj2" fmla="val 50000"/>
+            </a:avLst>
+          </a:prstGeom>
+          <a:noFill/>
+          <a:ln>
+            <a:solidFill>
+              <a:schemeClr val="tx1"/>
+            </a:solidFill>
+          </a:ln>
+        </p:spPr>
+        <p:style>
+          <a:lnRef idx="1">
+            <a:schemeClr val="accent1"/>
+          </a:lnRef>
+          <a:fillRef idx="0">
+            <a:schemeClr val="accent1"/>
+          </a:fillRef>
+          <a:effectRef idx="0">
+            <a:schemeClr val="accent1"/>
+          </a:effectRef>
+          <a:fontRef idx="minor">
+            <a:schemeClr val="tx1"/>
+          </a:fontRef>
+        </p:style>
+        <p:txBody>
+          <a:bodyPr rtlCol="0" anchor="ctr"/>
+          <a:lstStyle/>
+          <a:p>
+            <a:pPr algn="ctr"/>
+            <a:endParaRPr lang="zh-CN" altLang="en-US" dirty="0"/>
+          </a:p>
+        </p:txBody>
+      </p:sp>
+      <p:sp>
+        <p:nvSpPr>
+          <p:cNvPr id="27" name="左大括号 26">
+            <a:extLst>
+              <a:ext uri="{FF2B5EF4-FFF2-40B4-BE49-F238E27FC236}">
+                <a16:creationId xmlns:a16="http://schemas.microsoft.com/office/drawing/2014/main" id="{144ABED6-D359-4775-B869-FC8B4AC15ED6}"/>
+              </a:ext>
+            </a:extLst>
+          </p:cNvPr>
+          <p:cNvSpPr/>
+          <p:nvPr/>
+        </p:nvSpPr>
+        <p:spPr>
+          <a:xfrm rot="5400000">
+            <a:off x="7385031" y="3308393"/>
+            <a:ext cx="95882" cy="1637461"/>
+          </a:xfrm>
+          <a:prstGeom prst="leftBrace">
+            <a:avLst>
+              <a:gd name="adj1" fmla="val 46609"/>
+              <a:gd name="adj2" fmla="val 50000"/>
+            </a:avLst>
+          </a:prstGeom>
+          <a:noFill/>
+          <a:ln>
+            <a:solidFill>
+              <a:schemeClr val="tx1"/>
+            </a:solidFill>
+          </a:ln>
+        </p:spPr>
+        <p:style>
+          <a:lnRef idx="1">
+            <a:schemeClr val="accent1"/>
+          </a:lnRef>
+          <a:fillRef idx="0">
+            <a:schemeClr val="accent1"/>
+          </a:fillRef>
+          <a:effectRef idx="0">
+            <a:schemeClr val="accent1"/>
+          </a:effectRef>
+          <a:fontRef idx="minor">
+            <a:schemeClr val="tx1"/>
+          </a:fontRef>
+        </p:style>
+        <p:txBody>
+          <a:bodyPr rtlCol="0" anchor="ctr"/>
+          <a:lstStyle/>
+          <a:p>
+            <a:pPr algn="ctr"/>
+            <a:endParaRPr lang="zh-CN" altLang="en-US" dirty="0"/>
+          </a:p>
+        </p:txBody>
+      </p:sp>
+      <p:sp>
+        <p:nvSpPr>
+          <p:cNvPr id="16" name="文本框 15">
+            <a:extLst>
+              <a:ext uri="{FF2B5EF4-FFF2-40B4-BE49-F238E27FC236}">
+                <a16:creationId xmlns:a16="http://schemas.microsoft.com/office/drawing/2014/main" id="{B56CD4F6-D83C-41D1-9436-95DA74527DD1}"/>
+              </a:ext>
+            </a:extLst>
+          </p:cNvPr>
+          <p:cNvSpPr txBox="1"/>
+          <p:nvPr/>
+        </p:nvSpPr>
+        <p:spPr>
+          <a:xfrm>
+            <a:off x="2304615" y="3757842"/>
+            <a:ext cx="6078593" cy="230832"/>
+          </a:xfrm>
+          <a:prstGeom prst="rect">
+            <a:avLst/>
+          </a:prstGeom>
+          <a:noFill/>
+        </p:spPr>
+        <p:txBody>
+          <a:bodyPr wrap="square" rtlCol="0">
+            <a:spAutoFit/>
+          </a:bodyPr>
+          <a:lstStyle/>
+          <a:p>
+            <a:r>
+              <a:rPr lang="en-US" altLang="zh-CN" sz="900" dirty="0">
+                <a:latin typeface="Arial" panose="020B0604020202020204" pitchFamily="34" charset="0"/>
+                <a:cs typeface="Arial" panose="020B0604020202020204" pitchFamily="34" charset="0"/>
+              </a:rPr>
+              <a:t> 3                	    128	       256	                   512	          	          1024</a:t>
+            </a:r>
+            <a:endParaRPr lang="zh-CN" altLang="en-US" sz="900" dirty="0">
+              <a:latin typeface="Arial" panose="020B0604020202020204" pitchFamily="34" charset="0"/>
+              <a:cs typeface="Arial" panose="020B0604020202020204" pitchFamily="34" charset="0"/>
+            </a:endParaRPr>
+          </a:p>
+        </p:txBody>
+      </p:sp>
+      <p:sp>
+        <p:nvSpPr>
           <p:cNvPr id="22" name="矩形 21"/>
           <p:cNvSpPr/>
           <p:nvPr/>
         </p:nvSpPr>
         <p:spPr>
           <a:xfrm>
-            <a:off x="756285" y="1662430"/>
-            <a:ext cx="120015" cy="838835"/>
+            <a:off x="8784859" y="4635494"/>
+            <a:ext cx="112804" cy="188338"/>
           </a:xfrm>
           <a:prstGeom prst="rect">
             <a:avLst/>
@@ -21385,14 +21711,20 @@
       </p:sp>
       <p:sp>
         <p:nvSpPr>
-          <p:cNvPr id="23" name="文本框 22"/>
+          <p:cNvPr id="21" name="文本框 20">
+            <a:extLst>
+              <a:ext uri="{FF2B5EF4-FFF2-40B4-BE49-F238E27FC236}">
+                <a16:creationId xmlns:a16="http://schemas.microsoft.com/office/drawing/2014/main" id="{6E9A573F-2E06-4D1B-9913-14BE56C5913F}"/>
+              </a:ext>
+            </a:extLst>
+          </p:cNvPr>
           <p:cNvSpPr txBox="1"/>
           <p:nvPr/>
         </p:nvSpPr>
         <p:spPr>
           <a:xfrm>
-            <a:off x="335280" y="3444875"/>
-            <a:ext cx="1522095" cy="306705"/>
+            <a:off x="2744143" y="4739748"/>
+            <a:ext cx="1229210" cy="1384995"/>
           </a:xfrm>
           <a:prstGeom prst="rect">
             <a:avLst/>
@@ -21405,20 +21737,2066 @@
           </a:bodyPr>
           <a:lstStyle/>
           <a:p>
+            <a:r>
+              <a:rPr lang="en-US" altLang="zh-CN" sz="1000" dirty="0">
+                <a:latin typeface="Arial" panose="020B0604020202020204" pitchFamily="34" charset="0"/>
+                <a:cs typeface="Arial" panose="020B0604020202020204" pitchFamily="34" charset="0"/>
+              </a:rPr>
+              <a:t>                         32</a:t>
+            </a:r>
+            <a:endParaRPr lang="en-US" altLang="zh-CN" sz="1400" dirty="0">
+              <a:latin typeface="Axure Handwriting" panose="020B0402020200020204" pitchFamily="34" charset="0"/>
+              <a:cs typeface="Arial" panose="020B0604020202020204" pitchFamily="34" charset="0"/>
+            </a:endParaRPr>
+          </a:p>
+          <a:p>
+            <a:endParaRPr lang="en-US" altLang="zh-CN" sz="1000" dirty="0">
+              <a:latin typeface="Arial" panose="020B0604020202020204" pitchFamily="34" charset="0"/>
+              <a:cs typeface="Arial" panose="020B0604020202020204" pitchFamily="34" charset="0"/>
+            </a:endParaRPr>
+          </a:p>
+          <a:p>
+            <a:endParaRPr lang="en-US" altLang="zh-CN" sz="1000" dirty="0">
+              <a:latin typeface="Arial" panose="020B0604020202020204" pitchFamily="34" charset="0"/>
+              <a:cs typeface="Arial" panose="020B0604020202020204" pitchFamily="34" charset="0"/>
+            </a:endParaRPr>
+          </a:p>
+          <a:p>
+            <a:endParaRPr lang="en-US" altLang="zh-CN" sz="1000" dirty="0">
+              <a:latin typeface="Arial" panose="020B0604020202020204" pitchFamily="34" charset="0"/>
+              <a:cs typeface="Arial" panose="020B0604020202020204" pitchFamily="34" charset="0"/>
+            </a:endParaRPr>
+          </a:p>
+          <a:p>
+            <a:r>
+              <a:rPr lang="en-US" altLang="zh-CN" sz="1000" dirty="0">
+                <a:latin typeface="Arial" panose="020B0604020202020204" pitchFamily="34" charset="0"/>
+                <a:cs typeface="Arial" panose="020B0604020202020204" pitchFamily="34" charset="0"/>
+              </a:rPr>
+              <a:t>                             </a:t>
+            </a:r>
+          </a:p>
+          <a:p>
+            <a:r>
+              <a:rPr lang="en-US" altLang="zh-CN" sz="1000" dirty="0">
+                <a:latin typeface="Arial" panose="020B0604020202020204" pitchFamily="34" charset="0"/>
+                <a:cs typeface="Arial" panose="020B0604020202020204" pitchFamily="34" charset="0"/>
+              </a:rPr>
+              <a:t>                  32   </a:t>
+            </a:r>
+          </a:p>
+          <a:p>
+            <a:r>
+              <a:rPr lang="en-US" altLang="zh-CN" sz="1000" dirty="0">
+                <a:latin typeface="Arial" panose="020B0604020202020204" pitchFamily="34" charset="0"/>
+                <a:cs typeface="Arial" panose="020B0604020202020204" pitchFamily="34" charset="0"/>
+              </a:rPr>
+              <a:t>         </a:t>
+            </a:r>
+          </a:p>
+          <a:p>
+            <a:r>
+              <a:rPr lang="en-US" altLang="zh-CN" sz="1200" b="1" dirty="0">
+                <a:latin typeface="Arial" panose="020B0604020202020204" pitchFamily="34" charset="0"/>
+                <a:cs typeface="Arial" panose="020B0604020202020204" pitchFamily="34" charset="0"/>
+              </a:rPr>
+              <a:t>Conv1</a:t>
+            </a:r>
+            <a:r>
+              <a:rPr lang="en-US" altLang="zh-CN" sz="1400" dirty="0">
+                <a:solidFill>
+                  <a:schemeClr val="accent6">
+                    <a:lumMod val="75000"/>
+                  </a:schemeClr>
+                </a:solidFill>
+                <a:latin typeface="Arial" panose="020B0604020202020204" pitchFamily="34" charset="0"/>
+                <a:cs typeface="Arial" panose="020B0604020202020204" pitchFamily="34" charset="0"/>
+              </a:rPr>
+              <a:t>         </a:t>
+            </a:r>
+            <a:endParaRPr lang="zh-CN" altLang="en-US" sz="1400" dirty="0">
+              <a:solidFill>
+                <a:schemeClr val="accent6">
+                  <a:lumMod val="75000"/>
+                </a:schemeClr>
+              </a:solidFill>
+              <a:latin typeface="Arial" panose="020B0604020202020204" pitchFamily="34" charset="0"/>
+              <a:cs typeface="Arial" panose="020B0604020202020204" pitchFamily="34" charset="0"/>
+            </a:endParaRPr>
+          </a:p>
+        </p:txBody>
+      </p:sp>
+      <p:sp>
+        <p:nvSpPr>
+          <p:cNvPr id="24" name="文本框 23">
+            <a:extLst>
+              <a:ext uri="{FF2B5EF4-FFF2-40B4-BE49-F238E27FC236}">
+                <a16:creationId xmlns:a16="http://schemas.microsoft.com/office/drawing/2014/main" id="{84BF4017-A7F4-4E02-B285-FEC6AC0962BE}"/>
+              </a:ext>
+            </a:extLst>
+          </p:cNvPr>
+          <p:cNvSpPr txBox="1"/>
+          <p:nvPr/>
+        </p:nvSpPr>
+        <p:spPr>
+          <a:xfrm>
+            <a:off x="3847321" y="4544814"/>
+            <a:ext cx="1313455" cy="1077218"/>
+          </a:xfrm>
+          <a:prstGeom prst="rect">
+            <a:avLst/>
+          </a:prstGeom>
+          <a:noFill/>
+        </p:spPr>
+        <p:txBody>
+          <a:bodyPr wrap="square" rtlCol="0">
+            <a:spAutoFit/>
+          </a:bodyPr>
+          <a:lstStyle/>
+          <a:p>
+            <a:r>
+              <a:rPr lang="en-US" altLang="zh-CN" sz="1000" dirty="0">
+                <a:latin typeface="Arial" panose="020B0604020202020204" pitchFamily="34" charset="0"/>
+                <a:cs typeface="Arial" panose="020B0604020202020204" pitchFamily="34" charset="0"/>
+              </a:rPr>
+              <a:t>                           16</a:t>
+            </a:r>
+            <a:endParaRPr lang="en-US" altLang="zh-CN" sz="1400" dirty="0">
+              <a:latin typeface="Axure Handwriting" panose="020B0402020200020204" pitchFamily="34" charset="0"/>
+              <a:cs typeface="Arial" panose="020B0604020202020204" pitchFamily="34" charset="0"/>
+            </a:endParaRPr>
+          </a:p>
+          <a:p>
+            <a:r>
+              <a:rPr lang="en-US" altLang="zh-CN" sz="1000" dirty="0">
+                <a:latin typeface="Arial" panose="020B0604020202020204" pitchFamily="34" charset="0"/>
+                <a:cs typeface="Arial" panose="020B0604020202020204" pitchFamily="34" charset="0"/>
+              </a:rPr>
+              <a:t>                             </a:t>
+            </a:r>
+          </a:p>
+          <a:p>
+            <a:endParaRPr lang="en-US" altLang="zh-CN" sz="1000" dirty="0">
+              <a:latin typeface="Arial" panose="020B0604020202020204" pitchFamily="34" charset="0"/>
+              <a:cs typeface="Arial" panose="020B0604020202020204" pitchFamily="34" charset="0"/>
+            </a:endParaRPr>
+          </a:p>
+          <a:p>
+            <a:r>
+              <a:rPr lang="en-US" altLang="zh-CN" sz="1000" dirty="0">
+                <a:latin typeface="Arial" panose="020B0604020202020204" pitchFamily="34" charset="0"/>
+                <a:cs typeface="Arial" panose="020B0604020202020204" pitchFamily="34" charset="0"/>
+              </a:rPr>
+              <a:t>                        </a:t>
+            </a:r>
+          </a:p>
+          <a:p>
+            <a:r>
+              <a:rPr lang="en-US" altLang="zh-CN" sz="1000" dirty="0">
+                <a:latin typeface="Arial" panose="020B0604020202020204" pitchFamily="34" charset="0"/>
+                <a:cs typeface="Arial" panose="020B0604020202020204" pitchFamily="34" charset="0"/>
+              </a:rPr>
+              <a:t>                      16   </a:t>
+            </a:r>
+          </a:p>
+          <a:p>
+            <a:r>
+              <a:rPr lang="en-US" altLang="zh-CN" sz="1200" b="1" dirty="0">
+                <a:latin typeface="Arial" panose="020B0604020202020204" pitchFamily="34" charset="0"/>
+                <a:cs typeface="Arial" panose="020B0604020202020204" pitchFamily="34" charset="0"/>
+              </a:rPr>
+              <a:t> Conv2</a:t>
+            </a:r>
+            <a:r>
+              <a:rPr lang="en-US" altLang="zh-CN" sz="1400" dirty="0">
+                <a:solidFill>
+                  <a:schemeClr val="accent6">
+                    <a:lumMod val="75000"/>
+                  </a:schemeClr>
+                </a:solidFill>
+                <a:latin typeface="Arial" panose="020B0604020202020204" pitchFamily="34" charset="0"/>
+                <a:cs typeface="Arial" panose="020B0604020202020204" pitchFamily="34" charset="0"/>
+              </a:rPr>
+              <a:t>         </a:t>
+            </a:r>
+            <a:endParaRPr lang="zh-CN" altLang="en-US" sz="1400" dirty="0">
+              <a:solidFill>
+                <a:schemeClr val="accent6">
+                  <a:lumMod val="75000"/>
+                </a:schemeClr>
+              </a:solidFill>
+              <a:latin typeface="Arial" panose="020B0604020202020204" pitchFamily="34" charset="0"/>
+              <a:cs typeface="Arial" panose="020B0604020202020204" pitchFamily="34" charset="0"/>
+            </a:endParaRPr>
+          </a:p>
+        </p:txBody>
+      </p:sp>
+      <p:sp>
+        <p:nvSpPr>
+          <p:cNvPr id="28" name="文本框 27">
+            <a:extLst>
+              <a:ext uri="{FF2B5EF4-FFF2-40B4-BE49-F238E27FC236}">
+                <a16:creationId xmlns:a16="http://schemas.microsoft.com/office/drawing/2014/main" id="{7AD524BA-35D5-457B-B3ED-F144F774F88C}"/>
+              </a:ext>
+            </a:extLst>
+          </p:cNvPr>
+          <p:cNvSpPr txBox="1"/>
+          <p:nvPr/>
+        </p:nvSpPr>
+        <p:spPr>
+          <a:xfrm>
+            <a:off x="5219691" y="4447779"/>
+            <a:ext cx="1379090" cy="923330"/>
+          </a:xfrm>
+          <a:prstGeom prst="rect">
+            <a:avLst/>
+          </a:prstGeom>
+          <a:noFill/>
+        </p:spPr>
+        <p:txBody>
+          <a:bodyPr wrap="square" rtlCol="0">
+            <a:spAutoFit/>
+          </a:bodyPr>
+          <a:lstStyle/>
+          <a:p>
+            <a:r>
+              <a:rPr lang="en-US" altLang="zh-CN" sz="1000" dirty="0">
+                <a:latin typeface="Arial" panose="020B0604020202020204" pitchFamily="34" charset="0"/>
+                <a:cs typeface="Arial" panose="020B0604020202020204" pitchFamily="34" charset="0"/>
+              </a:rPr>
+              <a:t>                              8</a:t>
+            </a:r>
+            <a:endParaRPr lang="en-US" altLang="zh-CN" sz="1400" dirty="0">
+              <a:latin typeface="Axure Handwriting" panose="020B0402020200020204" pitchFamily="34" charset="0"/>
+              <a:cs typeface="Arial" panose="020B0604020202020204" pitchFamily="34" charset="0"/>
+            </a:endParaRPr>
+          </a:p>
+          <a:p>
+            <a:r>
+              <a:rPr lang="en-US" altLang="zh-CN" sz="1000" dirty="0">
+                <a:latin typeface="Arial" panose="020B0604020202020204" pitchFamily="34" charset="0"/>
+                <a:cs typeface="Arial" panose="020B0604020202020204" pitchFamily="34" charset="0"/>
+              </a:rPr>
+              <a:t>                          </a:t>
+            </a:r>
+          </a:p>
+          <a:p>
+            <a:r>
+              <a:rPr lang="en-US" altLang="zh-CN" sz="1000" dirty="0">
+                <a:latin typeface="Arial" panose="020B0604020202020204" pitchFamily="34" charset="0"/>
+                <a:cs typeface="Arial" panose="020B0604020202020204" pitchFamily="34" charset="0"/>
+              </a:rPr>
+              <a:t>   </a:t>
+            </a:r>
+          </a:p>
+          <a:p>
+            <a:r>
+              <a:rPr lang="en-US" altLang="zh-CN" sz="1000" dirty="0">
+                <a:latin typeface="Arial" panose="020B0604020202020204" pitchFamily="34" charset="0"/>
+                <a:cs typeface="Arial" panose="020B0604020202020204" pitchFamily="34" charset="0"/>
+              </a:rPr>
+              <a:t>                          8   </a:t>
+            </a:r>
+          </a:p>
+          <a:p>
+            <a:r>
+              <a:rPr lang="en-US" altLang="zh-CN" sz="1200" b="1" dirty="0">
+                <a:latin typeface="Arial" panose="020B0604020202020204" pitchFamily="34" charset="0"/>
+                <a:cs typeface="Arial" panose="020B0604020202020204" pitchFamily="34" charset="0"/>
+              </a:rPr>
+              <a:t>Conv3</a:t>
+            </a:r>
+            <a:r>
+              <a:rPr lang="en-US" altLang="zh-CN" sz="1400" dirty="0">
+                <a:solidFill>
+                  <a:schemeClr val="accent6">
+                    <a:lumMod val="75000"/>
+                  </a:schemeClr>
+                </a:solidFill>
+                <a:latin typeface="Arial" panose="020B0604020202020204" pitchFamily="34" charset="0"/>
+                <a:cs typeface="Arial" panose="020B0604020202020204" pitchFamily="34" charset="0"/>
+              </a:rPr>
+              <a:t>         </a:t>
+            </a:r>
+            <a:endParaRPr lang="zh-CN" altLang="en-US" sz="1400" dirty="0">
+              <a:solidFill>
+                <a:schemeClr val="accent6">
+                  <a:lumMod val="75000"/>
+                </a:schemeClr>
+              </a:solidFill>
+              <a:latin typeface="Arial" panose="020B0604020202020204" pitchFamily="34" charset="0"/>
+              <a:cs typeface="Arial" panose="020B0604020202020204" pitchFamily="34" charset="0"/>
+            </a:endParaRPr>
+          </a:p>
+        </p:txBody>
+      </p:sp>
+      <p:sp>
+        <p:nvSpPr>
+          <p:cNvPr id="29" name="文本框 28">
+            <a:extLst>
+              <a:ext uri="{FF2B5EF4-FFF2-40B4-BE49-F238E27FC236}">
+                <a16:creationId xmlns:a16="http://schemas.microsoft.com/office/drawing/2014/main" id="{0F961F55-96BB-4222-8711-FFC21AC9FE57}"/>
+              </a:ext>
+            </a:extLst>
+          </p:cNvPr>
+          <p:cNvSpPr txBox="1"/>
+          <p:nvPr/>
+        </p:nvSpPr>
+        <p:spPr>
+          <a:xfrm>
+            <a:off x="6952820" y="4483638"/>
+            <a:ext cx="1544753" cy="769441"/>
+          </a:xfrm>
+          <a:prstGeom prst="rect">
+            <a:avLst/>
+          </a:prstGeom>
+          <a:noFill/>
+        </p:spPr>
+        <p:txBody>
+          <a:bodyPr wrap="square" rtlCol="0">
+            <a:spAutoFit/>
+          </a:bodyPr>
+          <a:lstStyle/>
+          <a:p>
+            <a:r>
+              <a:rPr lang="en-US" altLang="zh-CN" sz="1000" dirty="0">
+                <a:latin typeface="Arial" panose="020B0604020202020204" pitchFamily="34" charset="0"/>
+                <a:cs typeface="Arial" panose="020B0604020202020204" pitchFamily="34" charset="0"/>
+              </a:rPr>
+              <a:t>                                    4</a:t>
+            </a:r>
+          </a:p>
+          <a:p>
+            <a:endParaRPr lang="en-US" altLang="zh-CN" sz="1000" dirty="0">
+              <a:latin typeface="Arial" panose="020B0604020202020204" pitchFamily="34" charset="0"/>
+              <a:cs typeface="Arial" panose="020B0604020202020204" pitchFamily="34" charset="0"/>
+            </a:endParaRPr>
+          </a:p>
+          <a:p>
+            <a:r>
+              <a:rPr lang="en-US" altLang="zh-CN" sz="1000" dirty="0">
+                <a:latin typeface="Arial" panose="020B0604020202020204" pitchFamily="34" charset="0"/>
+                <a:cs typeface="Arial" panose="020B0604020202020204" pitchFamily="34" charset="0"/>
+              </a:rPr>
+              <a:t>                                  4   </a:t>
+            </a:r>
+          </a:p>
+          <a:p>
+            <a:r>
+              <a:rPr lang="en-US" altLang="zh-CN" sz="1200" b="1" dirty="0">
+                <a:latin typeface="Arial" panose="020B0604020202020204" pitchFamily="34" charset="0"/>
+                <a:cs typeface="Arial" panose="020B0604020202020204" pitchFamily="34" charset="0"/>
+              </a:rPr>
+              <a:t> Conv4</a:t>
+            </a:r>
+            <a:r>
+              <a:rPr lang="en-US" altLang="zh-CN" sz="1400" dirty="0">
+                <a:solidFill>
+                  <a:schemeClr val="accent6">
+                    <a:lumMod val="75000"/>
+                  </a:schemeClr>
+                </a:solidFill>
+                <a:latin typeface="Arial" panose="020B0604020202020204" pitchFamily="34" charset="0"/>
+                <a:cs typeface="Arial" panose="020B0604020202020204" pitchFamily="34" charset="0"/>
+              </a:rPr>
+              <a:t>         </a:t>
+            </a:r>
+            <a:endParaRPr lang="zh-CN" altLang="en-US" sz="1400" dirty="0">
+              <a:solidFill>
+                <a:schemeClr val="accent6">
+                  <a:lumMod val="75000"/>
+                </a:schemeClr>
+              </a:solidFill>
+              <a:latin typeface="Arial" panose="020B0604020202020204" pitchFamily="34" charset="0"/>
+              <a:cs typeface="Arial" panose="020B0604020202020204" pitchFamily="34" charset="0"/>
+            </a:endParaRPr>
+          </a:p>
+        </p:txBody>
+      </p:sp>
+      <p:grpSp>
+        <p:nvGrpSpPr>
+          <p:cNvPr id="44" name="组合 43">
+            <a:extLst>
+              <a:ext uri="{FF2B5EF4-FFF2-40B4-BE49-F238E27FC236}">
+                <a16:creationId xmlns:a16="http://schemas.microsoft.com/office/drawing/2014/main" id="{401B7D13-0094-42A4-9ECD-E87805A35758}"/>
+              </a:ext>
+            </a:extLst>
+          </p:cNvPr>
+          <p:cNvGrpSpPr/>
+          <p:nvPr/>
+        </p:nvGrpSpPr>
+        <p:grpSpPr>
+          <a:xfrm>
+            <a:off x="1751234" y="4462610"/>
+            <a:ext cx="1374630" cy="308421"/>
+            <a:chOff x="674451" y="4605040"/>
+            <a:chExt cx="1374630" cy="308421"/>
+          </a:xfrm>
+        </p:grpSpPr>
+        <p:sp>
+          <p:nvSpPr>
+            <p:cNvPr id="34" name="平行四边形 33">
+              <a:extLst>
+                <a:ext uri="{FF2B5EF4-FFF2-40B4-BE49-F238E27FC236}">
+                  <a16:creationId xmlns:a16="http://schemas.microsoft.com/office/drawing/2014/main" id="{42897F90-9977-4533-BF16-2DE1C6FF2BA2}"/>
+                </a:ext>
+              </a:extLst>
+            </p:cNvPr>
+            <p:cNvSpPr/>
+            <p:nvPr/>
+          </p:nvSpPr>
+          <p:spPr>
+            <a:xfrm rot="19031392">
+              <a:off x="674451" y="4682355"/>
+              <a:ext cx="298012" cy="147976"/>
+            </a:xfrm>
+            <a:prstGeom prst="parallelogram">
+              <a:avLst>
+                <a:gd name="adj" fmla="val 92976"/>
+              </a:avLst>
+            </a:prstGeom>
+            <a:noFill/>
+            <a:ln w="9525">
+              <a:solidFill>
+                <a:schemeClr val="tx1">
+                  <a:lumMod val="50000"/>
+                  <a:lumOff val="50000"/>
+                </a:schemeClr>
+              </a:solidFill>
+              <a:prstDash val="dash"/>
+            </a:ln>
+          </p:spPr>
+          <p:style>
+            <a:lnRef idx="2">
+              <a:schemeClr val="accent1">
+                <a:shade val="50000"/>
+              </a:schemeClr>
+            </a:lnRef>
+            <a:fillRef idx="1">
+              <a:schemeClr val="accent1"/>
+            </a:fillRef>
+            <a:effectRef idx="0">
+              <a:schemeClr val="accent1"/>
+            </a:effectRef>
+            <a:fontRef idx="minor">
+              <a:schemeClr val="lt1"/>
+            </a:fontRef>
+          </p:style>
+          <p:txBody>
+            <a:bodyPr rtlCol="0" anchor="ctr"/>
+            <a:lstStyle/>
+            <a:p>
+              <a:pPr algn="ctr"/>
+              <a:endParaRPr lang="zh-CN" altLang="en-US"/>
+            </a:p>
+          </p:txBody>
+        </p:sp>
+        <p:sp>
+          <p:nvSpPr>
+            <p:cNvPr id="43" name="等腰三角形 42">
+              <a:extLst>
+                <a:ext uri="{FF2B5EF4-FFF2-40B4-BE49-F238E27FC236}">
+                  <a16:creationId xmlns:a16="http://schemas.microsoft.com/office/drawing/2014/main" id="{0D4B0894-052E-464C-A954-88D941D2416C}"/>
+                </a:ext>
+              </a:extLst>
+            </p:cNvPr>
+            <p:cNvSpPr/>
+            <p:nvPr/>
+          </p:nvSpPr>
+          <p:spPr>
+            <a:xfrm rot="5400000">
+              <a:off x="1357398" y="4127240"/>
+              <a:ext cx="184882" cy="1140481"/>
+            </a:xfrm>
+            <a:prstGeom prst="triangle">
+              <a:avLst>
+                <a:gd name="adj" fmla="val 100000"/>
+              </a:avLst>
+            </a:prstGeom>
+            <a:noFill/>
+            <a:ln w="9525">
+              <a:solidFill>
+                <a:schemeClr val="tx1">
+                  <a:lumMod val="50000"/>
+                  <a:lumOff val="50000"/>
+                </a:schemeClr>
+              </a:solidFill>
+              <a:prstDash val="dash"/>
+            </a:ln>
+          </p:spPr>
+          <p:style>
+            <a:lnRef idx="2">
+              <a:schemeClr val="accent1">
+                <a:shade val="50000"/>
+              </a:schemeClr>
+            </a:lnRef>
+            <a:fillRef idx="1">
+              <a:schemeClr val="accent1"/>
+            </a:fillRef>
+            <a:effectRef idx="0">
+              <a:schemeClr val="accent1"/>
+            </a:effectRef>
+            <a:fontRef idx="minor">
+              <a:schemeClr val="lt1"/>
+            </a:fontRef>
+          </p:style>
+          <p:txBody>
+            <a:bodyPr rtlCol="0" anchor="ctr"/>
+            <a:lstStyle/>
+            <a:p>
+              <a:pPr algn="ctr"/>
+              <a:endParaRPr lang="zh-CN" altLang="en-US"/>
+            </a:p>
+          </p:txBody>
+        </p:sp>
+        <p:sp>
+          <p:nvSpPr>
+            <p:cNvPr id="45" name="等腰三角形 44">
+              <a:extLst>
+                <a:ext uri="{FF2B5EF4-FFF2-40B4-BE49-F238E27FC236}">
+                  <a16:creationId xmlns:a16="http://schemas.microsoft.com/office/drawing/2014/main" id="{5F1A7D7C-D8EC-42B3-875B-52182D0490D7}"/>
+                </a:ext>
+              </a:extLst>
+            </p:cNvPr>
+            <p:cNvSpPr/>
+            <p:nvPr/>
+          </p:nvSpPr>
+          <p:spPr>
+            <a:xfrm rot="5400000">
+              <a:off x="1315511" y="4179891"/>
+              <a:ext cx="184882" cy="1282258"/>
+            </a:xfrm>
+            <a:prstGeom prst="triangle">
+              <a:avLst>
+                <a:gd name="adj" fmla="val 29020"/>
+              </a:avLst>
+            </a:prstGeom>
+            <a:noFill/>
+            <a:ln w="9525">
+              <a:solidFill>
+                <a:schemeClr val="tx1">
+                  <a:lumMod val="50000"/>
+                  <a:lumOff val="50000"/>
+                </a:schemeClr>
+              </a:solidFill>
+              <a:prstDash val="dash"/>
+            </a:ln>
+          </p:spPr>
+          <p:style>
+            <a:lnRef idx="2">
+              <a:schemeClr val="accent1">
+                <a:shade val="50000"/>
+              </a:schemeClr>
+            </a:lnRef>
+            <a:fillRef idx="1">
+              <a:schemeClr val="accent1"/>
+            </a:fillRef>
+            <a:effectRef idx="0">
+              <a:schemeClr val="accent1"/>
+            </a:effectRef>
+            <a:fontRef idx="minor">
+              <a:schemeClr val="lt1"/>
+            </a:fontRef>
+          </p:style>
+          <p:txBody>
+            <a:bodyPr rtlCol="0" anchor="ctr"/>
+            <a:lstStyle/>
+            <a:p>
+              <a:pPr algn="ctr"/>
+              <a:endParaRPr lang="zh-CN" altLang="en-US"/>
+            </a:p>
+          </p:txBody>
+        </p:sp>
+      </p:grpSp>
+      <p:sp>
+        <p:nvSpPr>
+          <p:cNvPr id="14" name="立方体 13"/>
+          <p:cNvSpPr/>
+          <p:nvPr/>
+        </p:nvSpPr>
+        <p:spPr>
+          <a:xfrm>
+            <a:off x="2905519" y="4125730"/>
+            <a:ext cx="661183" cy="1688399"/>
+          </a:xfrm>
+          <a:prstGeom prst="cube">
+            <a:avLst>
+              <a:gd name="adj" fmla="val 70176"/>
+            </a:avLst>
+          </a:prstGeom>
+          <a:solidFill>
+            <a:schemeClr val="bg1"/>
+          </a:solidFill>
+          <a:ln w="3175">
+            <a:solidFill>
+              <a:schemeClr val="bg1">
+                <a:lumMod val="65000"/>
+              </a:schemeClr>
+            </a:solidFill>
+          </a:ln>
+        </p:spPr>
+        <p:style>
+          <a:lnRef idx="2">
+            <a:schemeClr val="accent1">
+              <a:shade val="50000"/>
+            </a:schemeClr>
+          </a:lnRef>
+          <a:fillRef idx="1">
+            <a:schemeClr val="accent1"/>
+          </a:fillRef>
+          <a:effectRef idx="0">
+            <a:schemeClr val="accent1"/>
+          </a:effectRef>
+          <a:fontRef idx="minor">
+            <a:schemeClr val="lt1"/>
+          </a:fontRef>
+        </p:style>
+        <p:txBody>
+          <a:bodyPr rtlCol="0" anchor="ctr"/>
+          <a:lstStyle/>
+          <a:p>
             <a:pPr algn="ctr"/>
-            <a:r>
-              <a:rPr lang="en-US" altLang="zh-CN" sz="1400" b="1">
+            <a:endParaRPr lang="zh-CN" altLang="en-US"/>
+          </a:p>
+        </p:txBody>
+      </p:sp>
+      <p:sp>
+        <p:nvSpPr>
+          <p:cNvPr id="15" name="立方体 14"/>
+          <p:cNvSpPr/>
+          <p:nvPr/>
+        </p:nvSpPr>
+        <p:spPr>
+          <a:xfrm>
+            <a:off x="3096863" y="4125730"/>
+            <a:ext cx="511978" cy="1688399"/>
+          </a:xfrm>
+          <a:prstGeom prst="cube">
+            <a:avLst>
+              <a:gd name="adj" fmla="val 90742"/>
+            </a:avLst>
+          </a:prstGeom>
+          <a:solidFill>
+            <a:srgbClr val="FD6666"/>
+          </a:solidFill>
+          <a:ln w="3175">
+            <a:solidFill>
+              <a:schemeClr val="bg1">
+                <a:lumMod val="65000"/>
+              </a:schemeClr>
+            </a:solidFill>
+          </a:ln>
+        </p:spPr>
+        <p:style>
+          <a:lnRef idx="2">
+            <a:schemeClr val="accent1">
+              <a:shade val="50000"/>
+            </a:schemeClr>
+          </a:lnRef>
+          <a:fillRef idx="1">
+            <a:schemeClr val="accent1"/>
+          </a:fillRef>
+          <a:effectRef idx="0">
+            <a:schemeClr val="accent1"/>
+          </a:effectRef>
+          <a:fontRef idx="minor">
+            <a:schemeClr val="lt1"/>
+          </a:fontRef>
+        </p:style>
+        <p:txBody>
+          <a:bodyPr rtlCol="0" anchor="ctr"/>
+          <a:lstStyle/>
+          <a:p>
+            <a:pPr algn="ctr"/>
+            <a:endParaRPr lang="zh-CN" altLang="en-US"/>
+          </a:p>
+        </p:txBody>
+      </p:sp>
+      <p:sp>
+        <p:nvSpPr>
+          <p:cNvPr id="17" name="立方体 16"/>
+          <p:cNvSpPr/>
+          <p:nvPr/>
+        </p:nvSpPr>
+        <p:spPr>
+          <a:xfrm>
+            <a:off x="3143002" y="4125730"/>
+            <a:ext cx="511978" cy="1688399"/>
+          </a:xfrm>
+          <a:prstGeom prst="cube">
+            <a:avLst>
+              <a:gd name="adj" fmla="val 90742"/>
+            </a:avLst>
+          </a:prstGeom>
+          <a:solidFill>
+            <a:srgbClr val="66CCFF"/>
+          </a:solidFill>
+          <a:ln w="3175">
+            <a:solidFill>
+              <a:schemeClr val="bg1">
+                <a:lumMod val="65000"/>
+              </a:schemeClr>
+            </a:solidFill>
+          </a:ln>
+        </p:spPr>
+        <p:style>
+          <a:lnRef idx="2">
+            <a:schemeClr val="accent1">
+              <a:shade val="50000"/>
+            </a:schemeClr>
+          </a:lnRef>
+          <a:fillRef idx="1">
+            <a:schemeClr val="accent1"/>
+          </a:fillRef>
+          <a:effectRef idx="0">
+            <a:schemeClr val="accent1"/>
+          </a:effectRef>
+          <a:fontRef idx="minor">
+            <a:schemeClr val="lt1"/>
+          </a:fontRef>
+        </p:style>
+        <p:txBody>
+          <a:bodyPr rtlCol="0" anchor="ctr"/>
+          <a:lstStyle/>
+          <a:p>
+            <a:pPr algn="ctr"/>
+            <a:endParaRPr lang="zh-CN" altLang="en-US"/>
+          </a:p>
+        </p:txBody>
+      </p:sp>
+      <p:grpSp>
+        <p:nvGrpSpPr>
+          <p:cNvPr id="46" name="组合 45">
+            <a:extLst>
+              <a:ext uri="{FF2B5EF4-FFF2-40B4-BE49-F238E27FC236}">
+                <a16:creationId xmlns:a16="http://schemas.microsoft.com/office/drawing/2014/main" id="{286B2449-984C-4A2C-A4F4-4E7212191575}"/>
+              </a:ext>
+            </a:extLst>
+          </p:cNvPr>
+          <p:cNvGrpSpPr/>
+          <p:nvPr/>
+        </p:nvGrpSpPr>
+        <p:grpSpPr>
+          <a:xfrm>
+            <a:off x="3108596" y="4493281"/>
+            <a:ext cx="949418" cy="308421"/>
+            <a:chOff x="2079179" y="4634495"/>
+            <a:chExt cx="949418" cy="308421"/>
+          </a:xfrm>
+        </p:grpSpPr>
+        <p:sp>
+          <p:nvSpPr>
+            <p:cNvPr id="48" name="平行四边形 47">
+              <a:extLst>
+                <a:ext uri="{FF2B5EF4-FFF2-40B4-BE49-F238E27FC236}">
+                  <a16:creationId xmlns:a16="http://schemas.microsoft.com/office/drawing/2014/main" id="{3A785DE7-53B0-4E22-BF6C-9BB1A8FA1DE3}"/>
+                </a:ext>
+              </a:extLst>
+            </p:cNvPr>
+            <p:cNvSpPr/>
+            <p:nvPr/>
+          </p:nvSpPr>
+          <p:spPr>
+            <a:xfrm rot="19031392">
+              <a:off x="2079179" y="4711810"/>
+              <a:ext cx="298012" cy="147976"/>
+            </a:xfrm>
+            <a:prstGeom prst="parallelogram">
+              <a:avLst>
+                <a:gd name="adj" fmla="val 92976"/>
+              </a:avLst>
+            </a:prstGeom>
+            <a:noFill/>
+            <a:ln w="9525">
+              <a:solidFill>
+                <a:schemeClr val="tx1">
+                  <a:lumMod val="50000"/>
+                  <a:lumOff val="50000"/>
+                </a:schemeClr>
+              </a:solidFill>
+              <a:prstDash val="dash"/>
+            </a:ln>
+          </p:spPr>
+          <p:style>
+            <a:lnRef idx="2">
+              <a:schemeClr val="accent1">
+                <a:shade val="50000"/>
+              </a:schemeClr>
+            </a:lnRef>
+            <a:fillRef idx="1">
+              <a:schemeClr val="accent1"/>
+            </a:fillRef>
+            <a:effectRef idx="0">
+              <a:schemeClr val="accent1"/>
+            </a:effectRef>
+            <a:fontRef idx="minor">
+              <a:schemeClr val="lt1"/>
+            </a:fontRef>
+          </p:style>
+          <p:txBody>
+            <a:bodyPr rtlCol="0" anchor="ctr"/>
+            <a:lstStyle/>
+            <a:p>
+              <a:pPr algn="ctr"/>
+              <a:endParaRPr lang="zh-CN" altLang="en-US"/>
+            </a:p>
+          </p:txBody>
+        </p:sp>
+        <p:sp>
+          <p:nvSpPr>
+            <p:cNvPr id="49" name="等腰三角形 48">
+              <a:extLst>
+                <a:ext uri="{FF2B5EF4-FFF2-40B4-BE49-F238E27FC236}">
+                  <a16:creationId xmlns:a16="http://schemas.microsoft.com/office/drawing/2014/main" id="{853AC847-0A7B-4248-998D-066714FCEABB}"/>
+                </a:ext>
+              </a:extLst>
+            </p:cNvPr>
+            <p:cNvSpPr/>
+            <p:nvPr/>
+          </p:nvSpPr>
+          <p:spPr>
+            <a:xfrm rot="5400000">
+              <a:off x="2564021" y="4354800"/>
+              <a:ext cx="184882" cy="744271"/>
+            </a:xfrm>
+            <a:prstGeom prst="triangle">
+              <a:avLst>
+                <a:gd name="adj" fmla="val 100000"/>
+              </a:avLst>
+            </a:prstGeom>
+            <a:noFill/>
+            <a:ln w="9525">
+              <a:solidFill>
+                <a:schemeClr val="tx1">
+                  <a:lumMod val="50000"/>
+                  <a:lumOff val="50000"/>
+                </a:schemeClr>
+              </a:solidFill>
+              <a:prstDash val="dash"/>
+            </a:ln>
+          </p:spPr>
+          <p:style>
+            <a:lnRef idx="2">
+              <a:schemeClr val="accent1">
+                <a:shade val="50000"/>
+              </a:schemeClr>
+            </a:lnRef>
+            <a:fillRef idx="1">
+              <a:schemeClr val="accent1"/>
+            </a:fillRef>
+            <a:effectRef idx="0">
+              <a:schemeClr val="accent1"/>
+            </a:effectRef>
+            <a:fontRef idx="minor">
+              <a:schemeClr val="lt1"/>
+            </a:fontRef>
+          </p:style>
+          <p:txBody>
+            <a:bodyPr rtlCol="0" anchor="ctr"/>
+            <a:lstStyle/>
+            <a:p>
+              <a:pPr algn="ctr"/>
+              <a:endParaRPr lang="zh-CN" altLang="en-US"/>
+            </a:p>
+          </p:txBody>
+        </p:sp>
+        <p:sp>
+          <p:nvSpPr>
+            <p:cNvPr id="50" name="等腰三角形 49">
+              <a:extLst>
+                <a:ext uri="{FF2B5EF4-FFF2-40B4-BE49-F238E27FC236}">
+                  <a16:creationId xmlns:a16="http://schemas.microsoft.com/office/drawing/2014/main" id="{164C2FBF-8925-4217-B500-7A98F0E98508}"/>
+                </a:ext>
+              </a:extLst>
+            </p:cNvPr>
+            <p:cNvSpPr/>
+            <p:nvPr/>
+          </p:nvSpPr>
+          <p:spPr>
+            <a:xfrm rot="5400000">
+              <a:off x="2497507" y="4432078"/>
+              <a:ext cx="184882" cy="836794"/>
+            </a:xfrm>
+            <a:prstGeom prst="triangle">
+              <a:avLst>
+                <a:gd name="adj" fmla="val 29020"/>
+              </a:avLst>
+            </a:prstGeom>
+            <a:noFill/>
+            <a:ln w="9525">
+              <a:solidFill>
+                <a:schemeClr val="tx1">
+                  <a:lumMod val="50000"/>
+                  <a:lumOff val="50000"/>
+                </a:schemeClr>
+              </a:solidFill>
+              <a:prstDash val="dash"/>
+            </a:ln>
+          </p:spPr>
+          <p:style>
+            <a:lnRef idx="2">
+              <a:schemeClr val="accent1">
+                <a:shade val="50000"/>
+              </a:schemeClr>
+            </a:lnRef>
+            <a:fillRef idx="1">
+              <a:schemeClr val="accent1"/>
+            </a:fillRef>
+            <a:effectRef idx="0">
+              <a:schemeClr val="accent1"/>
+            </a:effectRef>
+            <a:fontRef idx="minor">
+              <a:schemeClr val="lt1"/>
+            </a:fontRef>
+          </p:style>
+          <p:txBody>
+            <a:bodyPr rtlCol="0" anchor="ctr"/>
+            <a:lstStyle/>
+            <a:p>
+              <a:pPr algn="ctr"/>
+              <a:endParaRPr lang="zh-CN" altLang="en-US"/>
+            </a:p>
+          </p:txBody>
+        </p:sp>
+      </p:grpSp>
+      <p:grpSp>
+        <p:nvGrpSpPr>
+          <p:cNvPr id="51" name="组合 50">
+            <a:extLst>
+              <a:ext uri="{FF2B5EF4-FFF2-40B4-BE49-F238E27FC236}">
+                <a16:creationId xmlns:a16="http://schemas.microsoft.com/office/drawing/2014/main" id="{AF87C1C8-15E9-44B5-AD56-965C36CBC8C1}"/>
+              </a:ext>
+            </a:extLst>
+          </p:cNvPr>
+          <p:cNvGrpSpPr/>
+          <p:nvPr/>
+        </p:nvGrpSpPr>
+        <p:grpSpPr>
+          <a:xfrm>
+            <a:off x="3936306" y="4270931"/>
+            <a:ext cx="925407" cy="1084619"/>
+            <a:chOff x="2834125" y="4531885"/>
+            <a:chExt cx="925407" cy="1084619"/>
+          </a:xfrm>
+        </p:grpSpPr>
+        <p:sp>
+          <p:nvSpPr>
+            <p:cNvPr id="6" name="立方体 5"/>
+            <p:cNvSpPr/>
+            <p:nvPr/>
+          </p:nvSpPr>
+          <p:spPr>
+            <a:xfrm>
+              <a:off x="2834125" y="4532942"/>
+              <a:ext cx="744270" cy="1083562"/>
+            </a:xfrm>
+            <a:prstGeom prst="cube">
+              <a:avLst>
+                <a:gd name="adj" fmla="val 47169"/>
+              </a:avLst>
+            </a:prstGeom>
+            <a:solidFill>
+              <a:schemeClr val="bg1"/>
+            </a:solidFill>
+            <a:ln w="3175">
+              <a:solidFill>
+                <a:schemeClr val="bg1">
+                  <a:lumMod val="65000"/>
+                </a:schemeClr>
+              </a:solidFill>
+            </a:ln>
+          </p:spPr>
+          <p:style>
+            <a:lnRef idx="2">
+              <a:schemeClr val="accent1">
+                <a:shade val="50000"/>
+              </a:schemeClr>
+            </a:lnRef>
+            <a:fillRef idx="1">
+              <a:schemeClr val="accent1"/>
+            </a:fillRef>
+            <a:effectRef idx="0">
+              <a:schemeClr val="accent1"/>
+            </a:effectRef>
+            <a:fontRef idx="minor">
+              <a:schemeClr val="lt1"/>
+            </a:fontRef>
+          </p:style>
+          <p:txBody>
+            <a:bodyPr rtlCol="0" anchor="ctr"/>
+            <a:lstStyle/>
+            <a:p>
+              <a:pPr algn="ctr"/>
+              <a:endParaRPr lang="zh-CN" altLang="en-US"/>
+            </a:p>
+          </p:txBody>
+        </p:sp>
+        <p:sp>
+          <p:nvSpPr>
+            <p:cNvPr id="9" name="立方体 8"/>
+            <p:cNvSpPr/>
+            <p:nvPr/>
+          </p:nvSpPr>
+          <p:spPr>
+            <a:xfrm>
+              <a:off x="3229617" y="4531885"/>
+              <a:ext cx="440594" cy="1083562"/>
+            </a:xfrm>
+            <a:prstGeom prst="cube">
+              <a:avLst>
+                <a:gd name="adj" fmla="val 78884"/>
+              </a:avLst>
+            </a:prstGeom>
+            <a:solidFill>
+              <a:srgbClr val="FD6666"/>
+            </a:solidFill>
+            <a:ln w="3175">
+              <a:solidFill>
+                <a:schemeClr val="bg1">
+                  <a:lumMod val="65000"/>
+                </a:schemeClr>
+              </a:solidFill>
+            </a:ln>
+          </p:spPr>
+          <p:style>
+            <a:lnRef idx="2">
+              <a:schemeClr val="accent1">
+                <a:shade val="50000"/>
+              </a:schemeClr>
+            </a:lnRef>
+            <a:fillRef idx="1">
+              <a:schemeClr val="accent1"/>
+            </a:fillRef>
+            <a:effectRef idx="0">
+              <a:schemeClr val="accent1"/>
+            </a:effectRef>
+            <a:fontRef idx="minor">
+              <a:schemeClr val="lt1"/>
+            </a:fontRef>
+          </p:style>
+          <p:txBody>
+            <a:bodyPr rtlCol="0" anchor="ctr"/>
+            <a:lstStyle/>
+            <a:p>
+              <a:pPr algn="ctr"/>
+              <a:endParaRPr lang="zh-CN" altLang="en-US"/>
+            </a:p>
+          </p:txBody>
+        </p:sp>
+        <p:sp>
+          <p:nvSpPr>
+            <p:cNvPr id="13" name="立方体 12"/>
+            <p:cNvSpPr/>
+            <p:nvPr/>
+          </p:nvSpPr>
+          <p:spPr>
+            <a:xfrm>
+              <a:off x="3318938" y="4532942"/>
+              <a:ext cx="440594" cy="1083562"/>
+            </a:xfrm>
+            <a:prstGeom prst="cube">
+              <a:avLst>
+                <a:gd name="adj" fmla="val 78884"/>
+              </a:avLst>
+            </a:prstGeom>
+            <a:solidFill>
+              <a:srgbClr val="66CCFF"/>
+            </a:solidFill>
+            <a:ln w="3175">
+              <a:solidFill>
+                <a:schemeClr val="bg1">
+                  <a:lumMod val="65000"/>
+                </a:schemeClr>
+              </a:solidFill>
+            </a:ln>
+          </p:spPr>
+          <p:style>
+            <a:lnRef idx="2">
+              <a:schemeClr val="accent1">
+                <a:shade val="50000"/>
+              </a:schemeClr>
+            </a:lnRef>
+            <a:fillRef idx="1">
+              <a:schemeClr val="accent1"/>
+            </a:fillRef>
+            <a:effectRef idx="0">
+              <a:schemeClr val="accent1"/>
+            </a:effectRef>
+            <a:fontRef idx="minor">
+              <a:schemeClr val="lt1"/>
+            </a:fontRef>
+          </p:style>
+          <p:txBody>
+            <a:bodyPr rtlCol="0" anchor="ctr"/>
+            <a:lstStyle/>
+            <a:p>
+              <a:pPr algn="ctr"/>
+              <a:endParaRPr lang="zh-CN" altLang="en-US"/>
+            </a:p>
+          </p:txBody>
+        </p:sp>
+      </p:grpSp>
+      <p:grpSp>
+        <p:nvGrpSpPr>
+          <p:cNvPr id="52" name="组合 51">
+            <a:extLst>
+              <a:ext uri="{FF2B5EF4-FFF2-40B4-BE49-F238E27FC236}">
+                <a16:creationId xmlns:a16="http://schemas.microsoft.com/office/drawing/2014/main" id="{33696E6A-2B31-44F7-B459-D258021BE299}"/>
+              </a:ext>
+            </a:extLst>
+          </p:cNvPr>
+          <p:cNvGrpSpPr/>
+          <p:nvPr/>
+        </p:nvGrpSpPr>
+        <p:grpSpPr>
+          <a:xfrm>
+            <a:off x="4437487" y="4516990"/>
+            <a:ext cx="949418" cy="308421"/>
+            <a:chOff x="2079179" y="4634495"/>
+            <a:chExt cx="949418" cy="308421"/>
+          </a:xfrm>
+        </p:grpSpPr>
+        <p:sp>
+          <p:nvSpPr>
+            <p:cNvPr id="53" name="平行四边形 52">
+              <a:extLst>
+                <a:ext uri="{FF2B5EF4-FFF2-40B4-BE49-F238E27FC236}">
+                  <a16:creationId xmlns:a16="http://schemas.microsoft.com/office/drawing/2014/main" id="{23A5E5D7-9AD9-4A75-9410-03280404A9F2}"/>
+                </a:ext>
+              </a:extLst>
+            </p:cNvPr>
+            <p:cNvSpPr/>
+            <p:nvPr/>
+          </p:nvSpPr>
+          <p:spPr>
+            <a:xfrm rot="19031392">
+              <a:off x="2079179" y="4711810"/>
+              <a:ext cx="298012" cy="147976"/>
+            </a:xfrm>
+            <a:prstGeom prst="parallelogram">
+              <a:avLst>
+                <a:gd name="adj" fmla="val 92976"/>
+              </a:avLst>
+            </a:prstGeom>
+            <a:noFill/>
+            <a:ln w="9525">
+              <a:solidFill>
+                <a:schemeClr val="tx1">
+                  <a:lumMod val="50000"/>
+                  <a:lumOff val="50000"/>
+                </a:schemeClr>
+              </a:solidFill>
+              <a:prstDash val="dash"/>
+            </a:ln>
+          </p:spPr>
+          <p:style>
+            <a:lnRef idx="2">
+              <a:schemeClr val="accent1">
+                <a:shade val="50000"/>
+              </a:schemeClr>
+            </a:lnRef>
+            <a:fillRef idx="1">
+              <a:schemeClr val="accent1"/>
+            </a:fillRef>
+            <a:effectRef idx="0">
+              <a:schemeClr val="accent1"/>
+            </a:effectRef>
+            <a:fontRef idx="minor">
+              <a:schemeClr val="lt1"/>
+            </a:fontRef>
+          </p:style>
+          <p:txBody>
+            <a:bodyPr rtlCol="0" anchor="ctr"/>
+            <a:lstStyle/>
+            <a:p>
+              <a:pPr algn="ctr"/>
+              <a:endParaRPr lang="zh-CN" altLang="en-US"/>
+            </a:p>
+          </p:txBody>
+        </p:sp>
+        <p:sp>
+          <p:nvSpPr>
+            <p:cNvPr id="54" name="等腰三角形 53">
+              <a:extLst>
+                <a:ext uri="{FF2B5EF4-FFF2-40B4-BE49-F238E27FC236}">
+                  <a16:creationId xmlns:a16="http://schemas.microsoft.com/office/drawing/2014/main" id="{BB72D1DF-A81A-4427-9810-AECD17E53DB3}"/>
+                </a:ext>
+              </a:extLst>
+            </p:cNvPr>
+            <p:cNvSpPr/>
+            <p:nvPr/>
+          </p:nvSpPr>
+          <p:spPr>
+            <a:xfrm rot="5400000">
+              <a:off x="2564021" y="4354800"/>
+              <a:ext cx="184882" cy="744271"/>
+            </a:xfrm>
+            <a:prstGeom prst="triangle">
+              <a:avLst>
+                <a:gd name="adj" fmla="val 100000"/>
+              </a:avLst>
+            </a:prstGeom>
+            <a:noFill/>
+            <a:ln w="9525">
+              <a:solidFill>
+                <a:schemeClr val="tx1">
+                  <a:lumMod val="50000"/>
+                  <a:lumOff val="50000"/>
+                </a:schemeClr>
+              </a:solidFill>
+              <a:prstDash val="dash"/>
+            </a:ln>
+          </p:spPr>
+          <p:style>
+            <a:lnRef idx="2">
+              <a:schemeClr val="accent1">
+                <a:shade val="50000"/>
+              </a:schemeClr>
+            </a:lnRef>
+            <a:fillRef idx="1">
+              <a:schemeClr val="accent1"/>
+            </a:fillRef>
+            <a:effectRef idx="0">
+              <a:schemeClr val="accent1"/>
+            </a:effectRef>
+            <a:fontRef idx="minor">
+              <a:schemeClr val="lt1"/>
+            </a:fontRef>
+          </p:style>
+          <p:txBody>
+            <a:bodyPr rtlCol="0" anchor="ctr"/>
+            <a:lstStyle/>
+            <a:p>
+              <a:pPr algn="ctr"/>
+              <a:endParaRPr lang="zh-CN" altLang="en-US"/>
+            </a:p>
+          </p:txBody>
+        </p:sp>
+        <p:sp>
+          <p:nvSpPr>
+            <p:cNvPr id="55" name="等腰三角形 54">
+              <a:extLst>
+                <a:ext uri="{FF2B5EF4-FFF2-40B4-BE49-F238E27FC236}">
+                  <a16:creationId xmlns:a16="http://schemas.microsoft.com/office/drawing/2014/main" id="{091218DE-417F-44AF-AE3B-4283BA11E139}"/>
+                </a:ext>
+              </a:extLst>
+            </p:cNvPr>
+            <p:cNvSpPr/>
+            <p:nvPr/>
+          </p:nvSpPr>
+          <p:spPr>
+            <a:xfrm rot="5400000">
+              <a:off x="2497507" y="4432078"/>
+              <a:ext cx="184882" cy="836794"/>
+            </a:xfrm>
+            <a:prstGeom prst="triangle">
+              <a:avLst>
+                <a:gd name="adj" fmla="val 29020"/>
+              </a:avLst>
+            </a:prstGeom>
+            <a:noFill/>
+            <a:ln w="9525">
+              <a:solidFill>
+                <a:schemeClr val="tx1">
+                  <a:lumMod val="50000"/>
+                  <a:lumOff val="50000"/>
+                </a:schemeClr>
+              </a:solidFill>
+              <a:prstDash val="dash"/>
+            </a:ln>
+          </p:spPr>
+          <p:style>
+            <a:lnRef idx="2">
+              <a:schemeClr val="accent1">
+                <a:shade val="50000"/>
+              </a:schemeClr>
+            </a:lnRef>
+            <a:fillRef idx="1">
+              <a:schemeClr val="accent1"/>
+            </a:fillRef>
+            <a:effectRef idx="0">
+              <a:schemeClr val="accent1"/>
+            </a:effectRef>
+            <a:fontRef idx="minor">
+              <a:schemeClr val="lt1"/>
+            </a:fontRef>
+          </p:style>
+          <p:txBody>
+            <a:bodyPr rtlCol="0" anchor="ctr"/>
+            <a:lstStyle/>
+            <a:p>
+              <a:pPr algn="ctr"/>
+              <a:endParaRPr lang="zh-CN" altLang="en-US"/>
+            </a:p>
+          </p:txBody>
+        </p:sp>
+      </p:grpSp>
+      <p:grpSp>
+        <p:nvGrpSpPr>
+          <p:cNvPr id="57" name="组合 56">
+            <a:extLst>
+              <a:ext uri="{FF2B5EF4-FFF2-40B4-BE49-F238E27FC236}">
+                <a16:creationId xmlns:a16="http://schemas.microsoft.com/office/drawing/2014/main" id="{26445317-9B63-45D5-AE5A-5FEAC4108319}"/>
+              </a:ext>
+            </a:extLst>
+          </p:cNvPr>
+          <p:cNvGrpSpPr/>
+          <p:nvPr/>
+        </p:nvGrpSpPr>
+        <p:grpSpPr>
+          <a:xfrm>
+            <a:off x="5160776" y="4365906"/>
+            <a:ext cx="1198245" cy="764540"/>
+            <a:chOff x="4083993" y="4508336"/>
+            <a:chExt cx="1198245" cy="764540"/>
+          </a:xfrm>
+        </p:grpSpPr>
+        <p:sp>
+          <p:nvSpPr>
+            <p:cNvPr id="7" name="立方体 6"/>
+            <p:cNvSpPr/>
+            <p:nvPr/>
+          </p:nvSpPr>
+          <p:spPr>
+            <a:xfrm>
+              <a:off x="4083993" y="4508336"/>
+              <a:ext cx="1089660" cy="764540"/>
+            </a:xfrm>
+            <a:prstGeom prst="cube">
+              <a:avLst>
+                <a:gd name="adj" fmla="val 36373"/>
+              </a:avLst>
+            </a:prstGeom>
+            <a:solidFill>
+              <a:schemeClr val="bg1"/>
+            </a:solidFill>
+            <a:ln w="3175">
+              <a:solidFill>
+                <a:schemeClr val="bg1">
+                  <a:lumMod val="65000"/>
+                </a:schemeClr>
+              </a:solidFill>
+            </a:ln>
+          </p:spPr>
+          <p:style>
+            <a:lnRef idx="2">
+              <a:schemeClr val="accent1">
+                <a:shade val="50000"/>
+              </a:schemeClr>
+            </a:lnRef>
+            <a:fillRef idx="1">
+              <a:schemeClr val="accent1"/>
+            </a:fillRef>
+            <a:effectRef idx="0">
+              <a:schemeClr val="accent1"/>
+            </a:effectRef>
+            <a:fontRef idx="minor">
+              <a:schemeClr val="lt1"/>
+            </a:fontRef>
+          </p:style>
+          <p:txBody>
+            <a:bodyPr rtlCol="0" anchor="ctr"/>
+            <a:lstStyle/>
+            <a:p>
+              <a:pPr algn="ctr"/>
+              <a:endParaRPr lang="zh-CN" altLang="en-US"/>
+            </a:p>
+          </p:txBody>
+        </p:sp>
+        <p:sp>
+          <p:nvSpPr>
+            <p:cNvPr id="8" name="立方体 7"/>
+            <p:cNvSpPr/>
+            <p:nvPr/>
+          </p:nvSpPr>
+          <p:spPr>
+            <a:xfrm>
+              <a:off x="4891713" y="4508971"/>
+              <a:ext cx="333375" cy="763905"/>
+            </a:xfrm>
+            <a:prstGeom prst="cube">
+              <a:avLst>
+                <a:gd name="adj" fmla="val 83047"/>
+              </a:avLst>
+            </a:prstGeom>
+            <a:solidFill>
+              <a:srgbClr val="FD6666"/>
+            </a:solidFill>
+            <a:ln w="3175">
+              <a:solidFill>
+                <a:schemeClr val="bg1">
+                  <a:lumMod val="65000"/>
+                </a:schemeClr>
+              </a:solidFill>
+            </a:ln>
+          </p:spPr>
+          <p:style>
+            <a:lnRef idx="2">
+              <a:schemeClr val="accent1">
+                <a:shade val="50000"/>
+              </a:schemeClr>
+            </a:lnRef>
+            <a:fillRef idx="1">
+              <a:schemeClr val="accent1"/>
+            </a:fillRef>
+            <a:effectRef idx="0">
+              <a:schemeClr val="accent1"/>
+            </a:effectRef>
+            <a:fontRef idx="minor">
+              <a:schemeClr val="lt1"/>
+            </a:fontRef>
+          </p:style>
+          <p:txBody>
+            <a:bodyPr rtlCol="0" anchor="ctr"/>
+            <a:lstStyle/>
+            <a:p>
+              <a:pPr algn="ctr"/>
+              <a:endParaRPr lang="zh-CN" altLang="en-US"/>
+            </a:p>
+          </p:txBody>
+        </p:sp>
+        <p:sp>
+          <p:nvSpPr>
+            <p:cNvPr id="10" name="立方体 9"/>
+            <p:cNvSpPr/>
+            <p:nvPr/>
+          </p:nvSpPr>
+          <p:spPr>
+            <a:xfrm>
+              <a:off x="4948863" y="4508971"/>
+              <a:ext cx="333375" cy="763905"/>
+            </a:xfrm>
+            <a:prstGeom prst="cube">
+              <a:avLst>
+                <a:gd name="adj" fmla="val 83047"/>
+              </a:avLst>
+            </a:prstGeom>
+            <a:solidFill>
+              <a:srgbClr val="66CCFF"/>
+            </a:solidFill>
+            <a:ln w="3175">
+              <a:solidFill>
+                <a:schemeClr val="bg1">
+                  <a:lumMod val="65000"/>
+                </a:schemeClr>
+              </a:solidFill>
+            </a:ln>
+          </p:spPr>
+          <p:style>
+            <a:lnRef idx="2">
+              <a:schemeClr val="accent1">
+                <a:shade val="50000"/>
+              </a:schemeClr>
+            </a:lnRef>
+            <a:fillRef idx="1">
+              <a:schemeClr val="accent1"/>
+            </a:fillRef>
+            <a:effectRef idx="0">
+              <a:schemeClr val="accent1"/>
+            </a:effectRef>
+            <a:fontRef idx="minor">
+              <a:schemeClr val="lt1"/>
+            </a:fontRef>
+          </p:style>
+          <p:txBody>
+            <a:bodyPr rtlCol="0" anchor="ctr"/>
+            <a:lstStyle/>
+            <a:p>
+              <a:pPr algn="ctr"/>
+              <a:endParaRPr lang="zh-CN" altLang="en-US"/>
+            </a:p>
+          </p:txBody>
+        </p:sp>
+      </p:grpSp>
+      <p:grpSp>
+        <p:nvGrpSpPr>
+          <p:cNvPr id="58" name="组合 57">
+            <a:extLst>
+              <a:ext uri="{FF2B5EF4-FFF2-40B4-BE49-F238E27FC236}">
+                <a16:creationId xmlns:a16="http://schemas.microsoft.com/office/drawing/2014/main" id="{36CC3774-3DB4-4159-ABE3-E4D8BF3AD62E}"/>
+              </a:ext>
+            </a:extLst>
+          </p:cNvPr>
+          <p:cNvGrpSpPr/>
+          <p:nvPr/>
+        </p:nvGrpSpPr>
+        <p:grpSpPr>
+          <a:xfrm>
+            <a:off x="6000615" y="4547661"/>
+            <a:ext cx="656114" cy="308421"/>
+            <a:chOff x="7654440" y="3548880"/>
+            <a:chExt cx="656114" cy="308421"/>
+          </a:xfrm>
+        </p:grpSpPr>
+        <p:sp>
+          <p:nvSpPr>
+            <p:cNvPr id="60" name="平行四边形 59">
+              <a:extLst>
+                <a:ext uri="{FF2B5EF4-FFF2-40B4-BE49-F238E27FC236}">
+                  <a16:creationId xmlns:a16="http://schemas.microsoft.com/office/drawing/2014/main" id="{E40CACDA-3095-443E-B571-AF367EDF5A15}"/>
+                </a:ext>
+              </a:extLst>
+            </p:cNvPr>
+            <p:cNvSpPr/>
+            <p:nvPr/>
+          </p:nvSpPr>
+          <p:spPr>
+            <a:xfrm rot="19031392">
+              <a:off x="7654440" y="3626195"/>
+              <a:ext cx="298012" cy="147976"/>
+            </a:xfrm>
+            <a:prstGeom prst="parallelogram">
+              <a:avLst>
+                <a:gd name="adj" fmla="val 92976"/>
+              </a:avLst>
+            </a:prstGeom>
+            <a:noFill/>
+            <a:ln w="9525">
+              <a:solidFill>
+                <a:schemeClr val="tx1">
+                  <a:lumMod val="50000"/>
+                  <a:lumOff val="50000"/>
+                </a:schemeClr>
+              </a:solidFill>
+              <a:prstDash val="dash"/>
+            </a:ln>
+          </p:spPr>
+          <p:style>
+            <a:lnRef idx="2">
+              <a:schemeClr val="accent1">
+                <a:shade val="50000"/>
+              </a:schemeClr>
+            </a:lnRef>
+            <a:fillRef idx="1">
+              <a:schemeClr val="accent1"/>
+            </a:fillRef>
+            <a:effectRef idx="0">
+              <a:schemeClr val="accent1"/>
+            </a:effectRef>
+            <a:fontRef idx="minor">
+              <a:schemeClr val="lt1"/>
+            </a:fontRef>
+          </p:style>
+          <p:txBody>
+            <a:bodyPr rtlCol="0" anchor="ctr"/>
+            <a:lstStyle/>
+            <a:p>
+              <a:pPr algn="ctr"/>
+              <a:endParaRPr lang="zh-CN" altLang="en-US"/>
+            </a:p>
+          </p:txBody>
+        </p:sp>
+        <p:sp>
+          <p:nvSpPr>
+            <p:cNvPr id="61" name="等腰三角形 60">
+              <a:extLst>
+                <a:ext uri="{FF2B5EF4-FFF2-40B4-BE49-F238E27FC236}">
+                  <a16:creationId xmlns:a16="http://schemas.microsoft.com/office/drawing/2014/main" id="{3D630D19-8DD4-48DF-A6BD-1947E8F5CEEC}"/>
+                </a:ext>
+              </a:extLst>
+            </p:cNvPr>
+            <p:cNvSpPr/>
+            <p:nvPr/>
+          </p:nvSpPr>
+          <p:spPr>
+            <a:xfrm rot="5400000">
+              <a:off x="7992630" y="3415837"/>
+              <a:ext cx="184882" cy="450967"/>
+            </a:xfrm>
+            <a:prstGeom prst="triangle">
+              <a:avLst>
+                <a:gd name="adj" fmla="val 100000"/>
+              </a:avLst>
+            </a:prstGeom>
+            <a:noFill/>
+            <a:ln w="9525">
+              <a:solidFill>
+                <a:schemeClr val="tx1">
+                  <a:lumMod val="50000"/>
+                  <a:lumOff val="50000"/>
+                </a:schemeClr>
+              </a:solidFill>
+              <a:prstDash val="dash"/>
+            </a:ln>
+          </p:spPr>
+          <p:style>
+            <a:lnRef idx="2">
+              <a:schemeClr val="accent1">
+                <a:shade val="50000"/>
+              </a:schemeClr>
+            </a:lnRef>
+            <a:fillRef idx="1">
+              <a:schemeClr val="accent1"/>
+            </a:fillRef>
+            <a:effectRef idx="0">
+              <a:schemeClr val="accent1"/>
+            </a:effectRef>
+            <a:fontRef idx="minor">
+              <a:schemeClr val="lt1"/>
+            </a:fontRef>
+          </p:style>
+          <p:txBody>
+            <a:bodyPr rtlCol="0" anchor="ctr"/>
+            <a:lstStyle/>
+            <a:p>
+              <a:pPr algn="ctr"/>
+              <a:endParaRPr lang="zh-CN" altLang="en-US"/>
+            </a:p>
+          </p:txBody>
+        </p:sp>
+        <p:sp>
+          <p:nvSpPr>
+            <p:cNvPr id="62" name="等腰三角形 61">
+              <a:extLst>
+                <a:ext uri="{FF2B5EF4-FFF2-40B4-BE49-F238E27FC236}">
+                  <a16:creationId xmlns:a16="http://schemas.microsoft.com/office/drawing/2014/main" id="{78AC7E9A-273C-4380-84BD-E2E7B62B2604}"/>
+                </a:ext>
+              </a:extLst>
+            </p:cNvPr>
+            <p:cNvSpPr/>
+            <p:nvPr/>
+          </p:nvSpPr>
+          <p:spPr>
+            <a:xfrm rot="5400000">
+              <a:off x="7907885" y="3511346"/>
+              <a:ext cx="184882" cy="507028"/>
+            </a:xfrm>
+            <a:prstGeom prst="triangle">
+              <a:avLst>
+                <a:gd name="adj" fmla="val 29020"/>
+              </a:avLst>
+            </a:prstGeom>
+            <a:noFill/>
+            <a:ln w="9525">
+              <a:solidFill>
+                <a:schemeClr val="tx1">
+                  <a:lumMod val="50000"/>
+                  <a:lumOff val="50000"/>
+                </a:schemeClr>
+              </a:solidFill>
+              <a:prstDash val="dash"/>
+            </a:ln>
+          </p:spPr>
+          <p:style>
+            <a:lnRef idx="2">
+              <a:schemeClr val="accent1">
+                <a:shade val="50000"/>
+              </a:schemeClr>
+            </a:lnRef>
+            <a:fillRef idx="1">
+              <a:schemeClr val="accent1"/>
+            </a:fillRef>
+            <a:effectRef idx="0">
+              <a:schemeClr val="accent1"/>
+            </a:effectRef>
+            <a:fontRef idx="minor">
+              <a:schemeClr val="lt1"/>
+            </a:fontRef>
+          </p:style>
+          <p:txBody>
+            <a:bodyPr rtlCol="0" anchor="ctr"/>
+            <a:lstStyle/>
+            <a:p>
+              <a:pPr algn="ctr"/>
+              <a:endParaRPr lang="zh-CN" altLang="en-US"/>
+            </a:p>
+          </p:txBody>
+        </p:sp>
+      </p:grpSp>
+      <p:grpSp>
+        <p:nvGrpSpPr>
+          <p:cNvPr id="63" name="组合 62">
+            <a:extLst>
+              <a:ext uri="{FF2B5EF4-FFF2-40B4-BE49-F238E27FC236}">
+                <a16:creationId xmlns:a16="http://schemas.microsoft.com/office/drawing/2014/main" id="{A4298A99-6B68-4AE4-B525-40174329AB34}"/>
+              </a:ext>
+            </a:extLst>
+          </p:cNvPr>
+          <p:cNvGrpSpPr/>
+          <p:nvPr/>
+        </p:nvGrpSpPr>
+        <p:grpSpPr>
+          <a:xfrm>
+            <a:off x="6515611" y="4554255"/>
+            <a:ext cx="1761490" cy="369570"/>
+            <a:chOff x="5438828" y="4748096"/>
+            <a:chExt cx="1761490" cy="369570"/>
+          </a:xfrm>
+        </p:grpSpPr>
+        <p:sp>
+          <p:nvSpPr>
+            <p:cNvPr id="2" name="立方体 1"/>
+            <p:cNvSpPr/>
+            <p:nvPr/>
+          </p:nvSpPr>
+          <p:spPr>
+            <a:xfrm>
+              <a:off x="5438828" y="4748096"/>
+              <a:ext cx="1658620" cy="369570"/>
+            </a:xfrm>
+            <a:prstGeom prst="cube">
+              <a:avLst>
+                <a:gd name="adj" fmla="val 36373"/>
+              </a:avLst>
+            </a:prstGeom>
+            <a:solidFill>
+              <a:schemeClr val="bg1"/>
+            </a:solidFill>
+            <a:ln w="3175">
+              <a:solidFill>
+                <a:schemeClr val="bg1">
+                  <a:lumMod val="65000"/>
+                </a:schemeClr>
+              </a:solidFill>
+            </a:ln>
+          </p:spPr>
+          <p:style>
+            <a:lnRef idx="2">
+              <a:schemeClr val="accent1">
+                <a:shade val="50000"/>
+              </a:schemeClr>
+            </a:lnRef>
+            <a:fillRef idx="1">
+              <a:schemeClr val="accent1"/>
+            </a:fillRef>
+            <a:effectRef idx="0">
+              <a:schemeClr val="accent1"/>
+            </a:effectRef>
+            <a:fontRef idx="minor">
+              <a:schemeClr val="lt1"/>
+            </a:fontRef>
+          </p:style>
+          <p:txBody>
+            <a:bodyPr rtlCol="0" anchor="ctr"/>
+            <a:lstStyle/>
+            <a:p>
+              <a:pPr algn="ctr"/>
+              <a:endParaRPr lang="zh-CN" altLang="en-US"/>
+            </a:p>
+          </p:txBody>
+        </p:sp>
+        <p:sp>
+          <p:nvSpPr>
+            <p:cNvPr id="3" name="立方体 2"/>
+            <p:cNvSpPr/>
+            <p:nvPr/>
+          </p:nvSpPr>
+          <p:spPr>
+            <a:xfrm>
+              <a:off x="6964098" y="4748096"/>
+              <a:ext cx="185420" cy="369570"/>
+            </a:xfrm>
+            <a:prstGeom prst="cube">
+              <a:avLst>
+                <a:gd name="adj" fmla="val 72260"/>
+              </a:avLst>
+            </a:prstGeom>
+            <a:solidFill>
+              <a:srgbClr val="FD6666"/>
+            </a:solidFill>
+            <a:ln w="3175">
+              <a:solidFill>
+                <a:schemeClr val="bg1">
+                  <a:lumMod val="65000"/>
+                </a:schemeClr>
+              </a:solidFill>
+            </a:ln>
+          </p:spPr>
+          <p:style>
+            <a:lnRef idx="2">
+              <a:schemeClr val="accent1">
+                <a:shade val="50000"/>
+              </a:schemeClr>
+            </a:lnRef>
+            <a:fillRef idx="1">
+              <a:schemeClr val="accent1"/>
+            </a:fillRef>
+            <a:effectRef idx="0">
+              <a:schemeClr val="accent1"/>
+            </a:effectRef>
+            <a:fontRef idx="minor">
+              <a:schemeClr val="lt1"/>
+            </a:fontRef>
+          </p:style>
+          <p:txBody>
+            <a:bodyPr rtlCol="0" anchor="ctr"/>
+            <a:lstStyle/>
+            <a:p>
+              <a:pPr algn="ctr"/>
+              <a:endParaRPr lang="zh-CN" altLang="en-US"/>
+            </a:p>
+          </p:txBody>
+        </p:sp>
+        <p:sp>
+          <p:nvSpPr>
+            <p:cNvPr id="11" name="立方体 10"/>
+            <p:cNvSpPr/>
+            <p:nvPr/>
+          </p:nvSpPr>
+          <p:spPr>
+            <a:xfrm>
+              <a:off x="7014898" y="4748096"/>
+              <a:ext cx="185420" cy="369570"/>
+            </a:xfrm>
+            <a:prstGeom prst="cube">
+              <a:avLst>
+                <a:gd name="adj" fmla="val 72260"/>
+              </a:avLst>
+            </a:prstGeom>
+            <a:solidFill>
+              <a:srgbClr val="66CCFF"/>
+            </a:solidFill>
+            <a:ln w="3175">
+              <a:solidFill>
+                <a:schemeClr val="bg1">
+                  <a:lumMod val="65000"/>
+                </a:schemeClr>
+              </a:solidFill>
+            </a:ln>
+          </p:spPr>
+          <p:style>
+            <a:lnRef idx="2">
+              <a:schemeClr val="accent1">
+                <a:shade val="50000"/>
+              </a:schemeClr>
+            </a:lnRef>
+            <a:fillRef idx="1">
+              <a:schemeClr val="accent1"/>
+            </a:fillRef>
+            <a:effectRef idx="0">
+              <a:schemeClr val="accent1"/>
+            </a:effectRef>
+            <a:fontRef idx="minor">
+              <a:schemeClr val="lt1"/>
+            </a:fontRef>
+          </p:style>
+          <p:txBody>
+            <a:bodyPr rtlCol="0" anchor="ctr"/>
+            <a:lstStyle/>
+            <a:p>
+              <a:pPr algn="ctr"/>
+              <a:endParaRPr lang="zh-CN" altLang="en-US"/>
+            </a:p>
+          </p:txBody>
+        </p:sp>
+      </p:grpSp>
+      <p:sp>
+        <p:nvSpPr>
+          <p:cNvPr id="65" name="箭头: 右 64">
+            <a:extLst>
+              <a:ext uri="{FF2B5EF4-FFF2-40B4-BE49-F238E27FC236}">
+                <a16:creationId xmlns:a16="http://schemas.microsoft.com/office/drawing/2014/main" id="{C5A86539-4F37-4A53-94C9-C20F4DB3D070}"/>
+              </a:ext>
+            </a:extLst>
+          </p:cNvPr>
+          <p:cNvSpPr/>
+          <p:nvPr/>
+        </p:nvSpPr>
+        <p:spPr>
+          <a:xfrm>
+            <a:off x="8423907" y="4643973"/>
+            <a:ext cx="284464" cy="188337"/>
+          </a:xfrm>
+          <a:prstGeom prst="rightArrow">
+            <a:avLst/>
+          </a:prstGeom>
+          <a:solidFill>
+            <a:schemeClr val="bg1">
+              <a:lumMod val="85000"/>
+            </a:schemeClr>
+          </a:solidFill>
+          <a:ln>
+            <a:solidFill>
+              <a:schemeClr val="bg1">
+                <a:lumMod val="50000"/>
+              </a:schemeClr>
+            </a:solidFill>
+          </a:ln>
+        </p:spPr>
+        <p:style>
+          <a:lnRef idx="2">
+            <a:schemeClr val="accent1">
+              <a:shade val="50000"/>
+            </a:schemeClr>
+          </a:lnRef>
+          <a:fillRef idx="1">
+            <a:schemeClr val="accent1"/>
+          </a:fillRef>
+          <a:effectRef idx="0">
+            <a:schemeClr val="accent1"/>
+          </a:effectRef>
+          <a:fontRef idx="minor">
+            <a:schemeClr val="lt1"/>
+          </a:fontRef>
+        </p:style>
+        <p:txBody>
+          <a:bodyPr rtlCol="0" anchor="ctr"/>
+          <a:lstStyle/>
+          <a:p>
+            <a:pPr algn="ctr"/>
+            <a:endParaRPr lang="zh-CN" altLang="en-US"/>
+          </a:p>
+        </p:txBody>
+      </p:sp>
+      <p:grpSp>
+        <p:nvGrpSpPr>
+          <p:cNvPr id="67" name="组合 66">
+            <a:extLst>
+              <a:ext uri="{FF2B5EF4-FFF2-40B4-BE49-F238E27FC236}">
+                <a16:creationId xmlns:a16="http://schemas.microsoft.com/office/drawing/2014/main" id="{F9FF85BA-90B1-4FC4-A5D0-D6F705BDE111}"/>
+              </a:ext>
+            </a:extLst>
+          </p:cNvPr>
+          <p:cNvGrpSpPr/>
+          <p:nvPr/>
+        </p:nvGrpSpPr>
+        <p:grpSpPr>
+          <a:xfrm>
+            <a:off x="8976605" y="4247450"/>
+            <a:ext cx="675514" cy="903027"/>
+            <a:chOff x="7698207" y="3194599"/>
+            <a:chExt cx="675514" cy="903027"/>
+          </a:xfrm>
+        </p:grpSpPr>
+        <p:sp>
+          <p:nvSpPr>
+            <p:cNvPr id="68" name="矩形 67">
+              <a:extLst>
+                <a:ext uri="{FF2B5EF4-FFF2-40B4-BE49-F238E27FC236}">
+                  <a16:creationId xmlns:a16="http://schemas.microsoft.com/office/drawing/2014/main" id="{F932053B-D23E-44F1-963E-FFBE39FE50A1}"/>
+                </a:ext>
+              </a:extLst>
+            </p:cNvPr>
+            <p:cNvSpPr/>
+            <p:nvPr/>
+          </p:nvSpPr>
+          <p:spPr>
+            <a:xfrm>
+              <a:off x="7698207" y="3646780"/>
+              <a:ext cx="675514" cy="450846"/>
+            </a:xfrm>
+            <a:prstGeom prst="rect">
+              <a:avLst/>
+            </a:prstGeom>
+            <a:solidFill>
+              <a:schemeClr val="accent4">
+                <a:lumMod val="40000"/>
+                <a:lumOff val="60000"/>
+              </a:schemeClr>
+            </a:solidFill>
+            <a:ln>
+              <a:noFill/>
+            </a:ln>
+          </p:spPr>
+          <p:style>
+            <a:lnRef idx="2">
+              <a:schemeClr val="accent1">
+                <a:shade val="50000"/>
+              </a:schemeClr>
+            </a:lnRef>
+            <a:fillRef idx="1">
+              <a:schemeClr val="accent1"/>
+            </a:fillRef>
+            <a:effectRef idx="0">
+              <a:schemeClr val="accent1"/>
+            </a:effectRef>
+            <a:fontRef idx="minor">
+              <a:schemeClr val="lt1"/>
+            </a:fontRef>
+          </p:style>
+          <p:txBody>
+            <a:bodyPr rtlCol="0" anchor="ctr"/>
+            <a:lstStyle/>
+            <a:p>
+              <a:pPr algn="ctr"/>
+              <a:r>
+                <a:rPr lang="en-US" altLang="zh-CN" dirty="0">
+                  <a:solidFill>
+                    <a:schemeClr val="accent2">
+                      <a:lumMod val="75000"/>
+                    </a:schemeClr>
+                  </a:solidFill>
+                </a:rPr>
+                <a:t>real</a:t>
+              </a:r>
+              <a:endParaRPr lang="zh-CN" altLang="en-US" dirty="0">
+                <a:solidFill>
+                  <a:schemeClr val="accent2">
+                    <a:lumMod val="75000"/>
+                  </a:schemeClr>
+                </a:solidFill>
+              </a:endParaRPr>
+            </a:p>
+          </p:txBody>
+        </p:sp>
+        <p:sp>
+          <p:nvSpPr>
+            <p:cNvPr id="69" name="矩形 68">
+              <a:extLst>
+                <a:ext uri="{FF2B5EF4-FFF2-40B4-BE49-F238E27FC236}">
+                  <a16:creationId xmlns:a16="http://schemas.microsoft.com/office/drawing/2014/main" id="{F08C33E1-1862-430E-8A59-EA07BB2005E0}"/>
+                </a:ext>
+              </a:extLst>
+            </p:cNvPr>
+            <p:cNvSpPr/>
+            <p:nvPr/>
+          </p:nvSpPr>
+          <p:spPr>
+            <a:xfrm>
+              <a:off x="7698207" y="3194599"/>
+              <a:ext cx="675514" cy="450846"/>
+            </a:xfrm>
+            <a:prstGeom prst="rect">
+              <a:avLst/>
+            </a:prstGeom>
+            <a:solidFill>
+              <a:schemeClr val="accent1">
+                <a:lumMod val="20000"/>
+                <a:lumOff val="80000"/>
+              </a:schemeClr>
+            </a:solidFill>
+            <a:ln>
+              <a:noFill/>
+            </a:ln>
+          </p:spPr>
+          <p:style>
+            <a:lnRef idx="2">
+              <a:schemeClr val="accent1">
+                <a:shade val="50000"/>
+              </a:schemeClr>
+            </a:lnRef>
+            <a:fillRef idx="1">
+              <a:schemeClr val="accent1"/>
+            </a:fillRef>
+            <a:effectRef idx="0">
+              <a:schemeClr val="accent1"/>
+            </a:effectRef>
+            <a:fontRef idx="minor">
+              <a:schemeClr val="lt1"/>
+            </a:fontRef>
+          </p:style>
+          <p:txBody>
+            <a:bodyPr rtlCol="0" anchor="ctr"/>
+            <a:lstStyle/>
+            <a:p>
+              <a:pPr algn="ctr"/>
+              <a:r>
+                <a:rPr lang="en-US" altLang="zh-CN" dirty="0">
+                  <a:solidFill>
+                    <a:srgbClr val="0070C0"/>
+                  </a:solidFill>
+                </a:rPr>
+                <a:t>fake</a:t>
+              </a:r>
+              <a:endParaRPr lang="zh-CN" altLang="en-US" dirty="0">
                 <a:solidFill>
                   <a:srgbClr val="0070C0"/>
                 </a:solidFill>
-                <a:latin typeface="微软雅黑" panose="020B0503020204020204" charset="-122"/>
-                <a:ea typeface="微软雅黑" panose="020B0503020204020204" charset="-122"/>
-              </a:rPr>
-              <a:t>Discriminator</a:t>
-            </a:r>
-          </a:p>
-        </p:txBody>
-      </p:sp>
+              </a:endParaRPr>
+            </a:p>
+          </p:txBody>
+        </p:sp>
+      </p:grpSp>
     </p:spTree>
   </p:cSld>
   <p:clrMapOvr>

--- a/GAN_Understanding/GANunderstanding.pptx
+++ b/GAN_Understanding/GANunderstanding.pptx
@@ -224,7 +224,7 @@
           <a:p>
             <a:fld id="{D2A48B96-639E-45A3-A0BA-2464DFDB1FAA}" type="datetimeFigureOut">
               <a:rPr lang="zh-CN" altLang="en-US" smtClean="0"/>
-              <a:t>2020-06-21</a:t>
+              <a:t>2020-06-22</a:t>
             </a:fld>
             <a:endParaRPr lang="zh-CN" altLang="en-US"/>
           </a:p>
@@ -732,7 +732,7 @@
           <a:p>
             <a:fld id="{82F288E0-7875-42C4-84C8-98DBBD3BF4D2}" type="datetimeFigureOut">
               <a:rPr lang="zh-CN" altLang="en-US" smtClean="0"/>
-              <a:t>2020-06-21</a:t>
+              <a:t>2020-06-22</a:t>
             </a:fld>
             <a:endParaRPr lang="zh-CN" altLang="en-US"/>
           </a:p>
@@ -878,7 +878,7 @@
           <a:p>
             <a:fld id="{82F288E0-7875-42C4-84C8-98DBBD3BF4D2}" type="datetimeFigureOut">
               <a:rPr lang="zh-CN" altLang="en-US" smtClean="0"/>
-              <a:t>2020-06-21</a:t>
+              <a:t>2020-06-22</a:t>
             </a:fld>
             <a:endParaRPr lang="zh-CN" altLang="en-US"/>
           </a:p>
@@ -1041,7 +1041,7 @@
           <a:p>
             <a:fld id="{82F288E0-7875-42C4-84C8-98DBBD3BF4D2}" type="datetimeFigureOut">
               <a:rPr lang="zh-CN" altLang="en-US" smtClean="0"/>
-              <a:t>2020-06-21</a:t>
+              <a:t>2020-06-22</a:t>
             </a:fld>
             <a:endParaRPr lang="zh-CN" altLang="en-US"/>
           </a:p>
@@ -1281,7 +1281,7 @@
           <a:p>
             <a:fld id="{82F288E0-7875-42C4-84C8-98DBBD3BF4D2}" type="datetimeFigureOut">
               <a:rPr lang="zh-CN" altLang="en-US" smtClean="0"/>
-              <a:t>2020-06-21</a:t>
+              <a:t>2020-06-22</a:t>
             </a:fld>
             <a:endParaRPr lang="zh-CN" altLang="en-US"/>
           </a:p>
@@ -1505,7 +1505,7 @@
           <a:p>
             <a:fld id="{82F288E0-7875-42C4-84C8-98DBBD3BF4D2}" type="datetimeFigureOut">
               <a:rPr lang="zh-CN" altLang="en-US" smtClean="0"/>
-              <a:t>2020-06-21</a:t>
+              <a:t>2020-06-22</a:t>
             </a:fld>
             <a:endParaRPr lang="zh-CN" altLang="en-US"/>
           </a:p>
@@ -1864,7 +1864,7 @@
           <a:p>
             <a:fld id="{82F288E0-7875-42C4-84C8-98DBBD3BF4D2}" type="datetimeFigureOut">
               <a:rPr lang="zh-CN" altLang="en-US" smtClean="0"/>
-              <a:t>2020-06-21</a:t>
+              <a:t>2020-06-22</a:t>
             </a:fld>
             <a:endParaRPr lang="zh-CN" altLang="en-US"/>
           </a:p>
@@ -1976,7 +1976,7 @@
           <a:p>
             <a:fld id="{82F288E0-7875-42C4-84C8-98DBBD3BF4D2}" type="datetimeFigureOut">
               <a:rPr lang="zh-CN" altLang="en-US" smtClean="0"/>
-              <a:t>2020-06-21</a:t>
+              <a:t>2020-06-22</a:t>
             </a:fld>
             <a:endParaRPr lang="zh-CN" altLang="en-US"/>
           </a:p>
@@ -2066,7 +2066,7 @@
           <a:p>
             <a:fld id="{82F288E0-7875-42C4-84C8-98DBBD3BF4D2}" type="datetimeFigureOut">
               <a:rPr lang="zh-CN" altLang="en-US" smtClean="0"/>
-              <a:t>2020-06-21</a:t>
+              <a:t>2020-06-22</a:t>
             </a:fld>
             <a:endParaRPr lang="zh-CN" altLang="en-US"/>
           </a:p>
@@ -2313,7 +2313,7 @@
           <a:p>
             <a:fld id="{82F288E0-7875-42C4-84C8-98DBBD3BF4D2}" type="datetimeFigureOut">
               <a:rPr lang="zh-CN" altLang="en-US" smtClean="0"/>
-              <a:t>2020-06-21</a:t>
+              <a:t>2020-06-22</a:t>
             </a:fld>
             <a:endParaRPr lang="zh-CN" altLang="en-US"/>
           </a:p>
@@ -2486,7 +2486,7 @@
           <a:p>
             <a:fld id="{82F288E0-7875-42C4-84C8-98DBBD3BF4D2}" type="datetimeFigureOut">
               <a:rPr lang="zh-CN" altLang="en-US" smtClean="0"/>
-              <a:t>2020-06-21</a:t>
+              <a:t>2020-06-22</a:t>
             </a:fld>
             <a:endParaRPr lang="zh-CN" altLang="en-US"/>
           </a:p>
@@ -2692,7 +2692,7 @@
           <a:p>
             <a:fld id="{82F288E0-7875-42C4-84C8-98DBBD3BF4D2}" type="datetimeFigureOut">
               <a:rPr lang="zh-CN" altLang="en-US" smtClean="0"/>
-              <a:t>2020-06-21</a:t>
+              <a:t>2020-06-22</a:t>
             </a:fld>
             <a:endParaRPr lang="zh-CN" altLang="en-US"/>
           </a:p>
@@ -18819,6 +18819,36 @@
           </a:p>
         </p:txBody>
       </p:sp>
+      <p:pic>
+        <p:nvPicPr>
+          <p:cNvPr id="2" name="图片 1">
+            <a:extLst>
+              <a:ext uri="{FF2B5EF4-FFF2-40B4-BE49-F238E27FC236}">
+                <a16:creationId xmlns:a16="http://schemas.microsoft.com/office/drawing/2014/main" id="{D777E926-29CD-41B2-9061-55C09C487025}"/>
+              </a:ext>
+            </a:extLst>
+          </p:cNvPr>
+          <p:cNvPicPr>
+            <a:picLocks noChangeAspect="1"/>
+          </p:cNvPicPr>
+          <p:nvPr/>
+        </p:nvPicPr>
+        <p:blipFill>
+          <a:blip r:embed="rId2"/>
+          <a:stretch>
+            <a:fillRect/>
+          </a:stretch>
+        </p:blipFill>
+        <p:spPr>
+          <a:xfrm>
+            <a:off x="2499600" y="1271160"/>
+            <a:ext cx="6216970" cy="5283472"/>
+          </a:xfrm>
+          <a:prstGeom prst="rect">
+            <a:avLst/>
+          </a:prstGeom>
+        </p:spPr>
+      </p:pic>
     </p:spTree>
   </p:cSld>
   <p:clrMapOvr>

--- a/GAN_Understanding/GANunderstanding.pptx
+++ b/GAN_Understanding/GANunderstanding.pptx
@@ -5,29 +5,29 @@
     <p:sldMasterId id="2147483648" r:id="rId1"/>
   </p:sldMasterIdLst>
   <p:notesMasterIdLst>
-    <p:notesMasterId r:id="rId19"/>
+    <p:notesMasterId r:id="rId14"/>
   </p:notesMasterIdLst>
   <p:sldIdLst>
-    <p:sldId id="267" r:id="rId2"/>
-    <p:sldId id="266" r:id="rId3"/>
-    <p:sldId id="295" r:id="rId4"/>
-    <p:sldId id="279" r:id="rId5"/>
-    <p:sldId id="261" r:id="rId6"/>
-    <p:sldId id="294" r:id="rId7"/>
-    <p:sldId id="296" r:id="rId8"/>
-    <p:sldId id="257" r:id="rId9"/>
-    <p:sldId id="293" r:id="rId10"/>
-    <p:sldId id="280" r:id="rId11"/>
-    <p:sldId id="259" r:id="rId12"/>
-    <p:sldId id="258" r:id="rId13"/>
-    <p:sldId id="264" r:id="rId14"/>
-    <p:sldId id="265" r:id="rId15"/>
-    <p:sldId id="288" r:id="rId16"/>
-    <p:sldId id="289" r:id="rId17"/>
-    <p:sldId id="290" r:id="rId18"/>
+    <p:sldId id="267" r:id="rId3"/>
+    <p:sldId id="266" r:id="rId4"/>
+    <p:sldId id="295" r:id="rId5"/>
+    <p:sldId id="279" r:id="rId6"/>
+    <p:sldId id="261" r:id="rId7"/>
+    <p:sldId id="294" r:id="rId8"/>
+    <p:sldId id="296" r:id="rId9"/>
+    <p:sldId id="257" r:id="rId10"/>
+    <p:sldId id="293" r:id="rId11"/>
+    <p:sldId id="280" r:id="rId12"/>
+    <p:sldId id="259" r:id="rId13"/>
+    <p:sldId id="258" r:id="rId15"/>
+    <p:sldId id="264" r:id="rId16"/>
+    <p:sldId id="265" r:id="rId17"/>
+    <p:sldId id="288" r:id="rId18"/>
+    <p:sldId id="289" r:id="rId19"/>
+    <p:sldId id="290" r:id="rId20"/>
   </p:sldIdLst>
   <p:sldSz cx="12192000" cy="6858000"/>
-  <p:notesSz cx="10234613" cy="7104063"/>
+  <p:notesSz cx="10234295" cy="7103745"/>
   <p:defaultTextStyle>
     <a:defPPr>
       <a:defRPr lang="zh-CN"/>
@@ -123,22 +123,6 @@
       </a:defRPr>
     </a:lvl9pPr>
   </p:defaultTextStyle>
-  <p:extLst>
-    <p:ext uri="{EFAFB233-063F-42B5-8137-9DF3F51BA10A}">
-      <p15:sldGuideLst xmlns:p15="http://schemas.microsoft.com/office/powerpoint/2012/main">
-        <p15:guide id="1" orient="horz" pos="2160">
-          <p15:clr>
-            <a:srgbClr val="A4A3A4"/>
-          </p15:clr>
-        </p15:guide>
-        <p15:guide id="2" pos="3840">
-          <p15:clr>
-            <a:srgbClr val="A4A3A4"/>
-          </p15:clr>
-        </p15:guide>
-      </p15:sldGuideLst>
-    </p:ext>
-  </p:extLst>
 </p:presentation>
 </file>
 
@@ -224,7 +208,6 @@
           <a:p>
             <a:fld id="{D2A48B96-639E-45A3-A0BA-2464DFDB1FAA}" type="datetimeFigureOut">
               <a:rPr lang="zh-CN" altLang="en-US" smtClean="0"/>
-              <a:t>2020-06-27</a:t>
             </a:fld>
             <a:endParaRPr lang="zh-CN" altLang="en-US"/>
           </a:p>
@@ -291,6 +274,7 @@
               <a:rPr lang="zh-CN" altLang="en-US"/>
               <a:t>单击此处编辑母版文本样式</a:t>
             </a:r>
+            <a:endParaRPr lang="zh-CN" altLang="en-US"/>
           </a:p>
           <a:p>
             <a:pPr lvl="1"/>
@@ -298,6 +282,7 @@
               <a:rPr lang="zh-CN" altLang="en-US"/>
               <a:t>第二级</a:t>
             </a:r>
+            <a:endParaRPr lang="zh-CN" altLang="en-US"/>
           </a:p>
           <a:p>
             <a:pPr lvl="2"/>
@@ -305,6 +290,7 @@
               <a:rPr lang="zh-CN" altLang="en-US"/>
               <a:t>第三级</a:t>
             </a:r>
+            <a:endParaRPr lang="zh-CN" altLang="en-US"/>
           </a:p>
           <a:p>
             <a:pPr lvl="3"/>
@@ -312,6 +298,7 @@
               <a:rPr lang="zh-CN" altLang="en-US"/>
               <a:t>第四级</a:t>
             </a:r>
+            <a:endParaRPr lang="zh-CN" altLang="en-US"/>
           </a:p>
           <a:p>
             <a:pPr lvl="4"/>
@@ -319,6 +306,7 @@
               <a:rPr lang="zh-CN" altLang="en-US"/>
               <a:t>第五级</a:t>
             </a:r>
+            <a:endParaRPr lang="zh-CN" altLang="en-US"/>
           </a:p>
         </p:txBody>
       </p:sp>
@@ -382,7 +370,6 @@
           <a:p>
             <a:fld id="{A6837353-30EB-4A48-80EB-173D804AEFBD}" type="slidenum">
               <a:rPr lang="zh-CN" altLang="en-US" smtClean="0"/>
-              <a:t>‹#›</a:t>
             </a:fld>
             <a:endParaRPr lang="zh-CN" altLang="en-US"/>
           </a:p>
@@ -653,6 +640,7 @@
               <a:rPr lang="zh-CN" altLang="en-US"/>
               <a:t>单击此处编辑母版标题样式</a:t>
             </a:r>
+            <a:endParaRPr lang="zh-CN" altLang="en-US"/>
           </a:p>
         </p:txBody>
       </p:sp>
@@ -717,6 +705,7 @@
               <a:rPr lang="zh-CN" altLang="en-US"/>
               <a:t>单击此处编辑母版副标题样式</a:t>
             </a:r>
+            <a:endParaRPr lang="zh-CN" altLang="en-US"/>
           </a:p>
         </p:txBody>
       </p:sp>
@@ -737,7 +726,6 @@
           <a:p>
             <a:fld id="{82F288E0-7875-42C4-84C8-98DBBD3BF4D2}" type="datetimeFigureOut">
               <a:rPr lang="zh-CN" altLang="en-US" smtClean="0"/>
-              <a:t>2020-06-27</a:t>
             </a:fld>
             <a:endParaRPr lang="zh-CN" altLang="en-US"/>
           </a:p>
@@ -779,7 +767,6 @@
           <a:p>
             <a:fld id="{7D9BB5D0-35E4-459D-AEF3-FE4D7C45CC19}" type="slidenum">
               <a:rPr lang="zh-CN" altLang="en-US" smtClean="0"/>
-              <a:t>‹#›</a:t>
             </a:fld>
             <a:endParaRPr lang="zh-CN" altLang="en-US"/>
           </a:p>
@@ -835,6 +822,7 @@
               <a:rPr lang="zh-CN" altLang="en-US"/>
               <a:t>单击此处编辑母版文本样式</a:t>
             </a:r>
+            <a:endParaRPr lang="zh-CN" altLang="en-US"/>
           </a:p>
           <a:p>
             <a:pPr lvl="1"/>
@@ -842,6 +830,7 @@
               <a:rPr lang="zh-CN" altLang="en-US"/>
               <a:t>第二级</a:t>
             </a:r>
+            <a:endParaRPr lang="zh-CN" altLang="en-US"/>
           </a:p>
           <a:p>
             <a:pPr lvl="2"/>
@@ -849,6 +838,7 @@
               <a:rPr lang="zh-CN" altLang="en-US"/>
               <a:t>第三级</a:t>
             </a:r>
+            <a:endParaRPr lang="zh-CN" altLang="en-US"/>
           </a:p>
           <a:p>
             <a:pPr lvl="3"/>
@@ -856,6 +846,7 @@
               <a:rPr lang="zh-CN" altLang="en-US"/>
               <a:t>第四级</a:t>
             </a:r>
+            <a:endParaRPr lang="zh-CN" altLang="en-US"/>
           </a:p>
           <a:p>
             <a:pPr lvl="4"/>
@@ -863,6 +854,7 @@
               <a:rPr lang="zh-CN" altLang="en-US"/>
               <a:t>第五级</a:t>
             </a:r>
+            <a:endParaRPr lang="zh-CN" altLang="en-US"/>
           </a:p>
         </p:txBody>
       </p:sp>
@@ -883,7 +875,6 @@
           <a:p>
             <a:fld id="{82F288E0-7875-42C4-84C8-98DBBD3BF4D2}" type="datetimeFigureOut">
               <a:rPr lang="zh-CN" altLang="en-US" smtClean="0"/>
-              <a:t>2020-06-27</a:t>
             </a:fld>
             <a:endParaRPr lang="zh-CN" altLang="en-US"/>
           </a:p>
@@ -925,7 +916,6 @@
           <a:p>
             <a:fld id="{7D9BB5D0-35E4-459D-AEF3-FE4D7C45CC19}" type="slidenum">
               <a:rPr lang="zh-CN" altLang="en-US" smtClean="0"/>
-              <a:t>‹#›</a:t>
             </a:fld>
             <a:endParaRPr lang="zh-CN" altLang="en-US"/>
           </a:p>
@@ -975,6 +965,7 @@
               <a:rPr lang="zh-CN" altLang="en-US"/>
               <a:t>单击此处编辑母版标题样式</a:t>
             </a:r>
+            <a:endParaRPr lang="zh-CN" altLang="en-US"/>
           </a:p>
         </p:txBody>
       </p:sp>
@@ -998,6 +989,7 @@
               <a:rPr lang="zh-CN" altLang="en-US"/>
               <a:t>单击此处编辑母版文本样式</a:t>
             </a:r>
+            <a:endParaRPr lang="zh-CN" altLang="en-US"/>
           </a:p>
           <a:p>
             <a:pPr lvl="1"/>
@@ -1005,6 +997,7 @@
               <a:rPr lang="zh-CN" altLang="en-US"/>
               <a:t>第二级</a:t>
             </a:r>
+            <a:endParaRPr lang="zh-CN" altLang="en-US"/>
           </a:p>
           <a:p>
             <a:pPr lvl="2"/>
@@ -1012,6 +1005,7 @@
               <a:rPr lang="zh-CN" altLang="en-US"/>
               <a:t>第三级</a:t>
             </a:r>
+            <a:endParaRPr lang="zh-CN" altLang="en-US"/>
           </a:p>
           <a:p>
             <a:pPr lvl="3"/>
@@ -1019,6 +1013,7 @@
               <a:rPr lang="zh-CN" altLang="en-US"/>
               <a:t>第四级</a:t>
             </a:r>
+            <a:endParaRPr lang="zh-CN" altLang="en-US"/>
           </a:p>
           <a:p>
             <a:pPr lvl="4"/>
@@ -1026,6 +1021,7 @@
               <a:rPr lang="zh-CN" altLang="en-US"/>
               <a:t>第五级</a:t>
             </a:r>
+            <a:endParaRPr lang="zh-CN" altLang="en-US"/>
           </a:p>
         </p:txBody>
       </p:sp>
@@ -1046,7 +1042,6 @@
           <a:p>
             <a:fld id="{82F288E0-7875-42C4-84C8-98DBBD3BF4D2}" type="datetimeFigureOut">
               <a:rPr lang="zh-CN" altLang="en-US" smtClean="0"/>
-              <a:t>2020-06-27</a:t>
             </a:fld>
             <a:endParaRPr lang="zh-CN" altLang="en-US"/>
           </a:p>
@@ -1088,7 +1083,6 @@
           <a:p>
             <a:fld id="{7D9BB5D0-35E4-459D-AEF3-FE4D7C45CC19}" type="slidenum">
               <a:rPr lang="zh-CN" altLang="en-US" smtClean="0"/>
-              <a:t>‹#›</a:t>
             </a:fld>
             <a:endParaRPr lang="zh-CN" altLang="en-US"/>
           </a:p>
@@ -1147,6 +1141,7 @@
               <a:rPr lang="zh-CN" altLang="en-US"/>
               <a:t>单击此处编辑母版标题样式</a:t>
             </a:r>
+            <a:endParaRPr lang="zh-CN" altLang="en-US"/>
           </a:p>
         </p:txBody>
       </p:sp>
@@ -1266,6 +1261,7 @@
               <a:rPr lang="zh-CN" altLang="en-US"/>
               <a:t>单击此处编辑母版文本样式</a:t>
             </a:r>
+            <a:endParaRPr lang="zh-CN" altLang="en-US"/>
           </a:p>
         </p:txBody>
       </p:sp>
@@ -1286,7 +1282,6 @@
           <a:p>
             <a:fld id="{82F288E0-7875-42C4-84C8-98DBBD3BF4D2}" type="datetimeFigureOut">
               <a:rPr lang="zh-CN" altLang="en-US" smtClean="0"/>
-              <a:t>2020-06-27</a:t>
             </a:fld>
             <a:endParaRPr lang="zh-CN" altLang="en-US"/>
           </a:p>
@@ -1328,7 +1323,6 @@
           <a:p>
             <a:fld id="{7D9BB5D0-35E4-459D-AEF3-FE4D7C45CC19}" type="slidenum">
               <a:rPr lang="zh-CN" altLang="en-US" smtClean="0"/>
-              <a:t>‹#›</a:t>
             </a:fld>
             <a:endParaRPr lang="zh-CN" altLang="en-US"/>
           </a:p>
@@ -1378,6 +1372,7 @@
               <a:rPr lang="zh-CN" altLang="en-US"/>
               <a:t>单击此处编辑母版标题样式</a:t>
             </a:r>
+            <a:endParaRPr lang="zh-CN" altLang="en-US"/>
           </a:p>
         </p:txBody>
       </p:sp>
@@ -1406,6 +1401,7 @@
               <a:rPr lang="zh-CN" altLang="en-US"/>
               <a:t>单击此处编辑母版文本样式</a:t>
             </a:r>
+            <a:endParaRPr lang="zh-CN" altLang="en-US"/>
           </a:p>
           <a:p>
             <a:pPr lvl="1"/>
@@ -1413,6 +1409,7 @@
               <a:rPr lang="zh-CN" altLang="en-US"/>
               <a:t>第二级</a:t>
             </a:r>
+            <a:endParaRPr lang="zh-CN" altLang="en-US"/>
           </a:p>
           <a:p>
             <a:pPr lvl="2"/>
@@ -1420,6 +1417,7 @@
               <a:rPr lang="zh-CN" altLang="en-US"/>
               <a:t>第三级</a:t>
             </a:r>
+            <a:endParaRPr lang="zh-CN" altLang="en-US"/>
           </a:p>
           <a:p>
             <a:pPr lvl="3"/>
@@ -1427,6 +1425,7 @@
               <a:rPr lang="zh-CN" altLang="en-US"/>
               <a:t>第四级</a:t>
             </a:r>
+            <a:endParaRPr lang="zh-CN" altLang="en-US"/>
           </a:p>
           <a:p>
             <a:pPr lvl="4"/>
@@ -1434,6 +1433,7 @@
               <a:rPr lang="zh-CN" altLang="en-US"/>
               <a:t>第五级</a:t>
             </a:r>
+            <a:endParaRPr lang="zh-CN" altLang="en-US"/>
           </a:p>
         </p:txBody>
       </p:sp>
@@ -1462,6 +1462,7 @@
               <a:rPr lang="zh-CN" altLang="en-US"/>
               <a:t>单击此处编辑母版文本样式</a:t>
             </a:r>
+            <a:endParaRPr lang="zh-CN" altLang="en-US"/>
           </a:p>
           <a:p>
             <a:pPr lvl="1"/>
@@ -1469,6 +1470,7 @@
               <a:rPr lang="zh-CN" altLang="en-US"/>
               <a:t>第二级</a:t>
             </a:r>
+            <a:endParaRPr lang="zh-CN" altLang="en-US"/>
           </a:p>
           <a:p>
             <a:pPr lvl="2"/>
@@ -1476,6 +1478,7 @@
               <a:rPr lang="zh-CN" altLang="en-US"/>
               <a:t>第三级</a:t>
             </a:r>
+            <a:endParaRPr lang="zh-CN" altLang="en-US"/>
           </a:p>
           <a:p>
             <a:pPr lvl="3"/>
@@ -1483,6 +1486,7 @@
               <a:rPr lang="zh-CN" altLang="en-US"/>
               <a:t>第四级</a:t>
             </a:r>
+            <a:endParaRPr lang="zh-CN" altLang="en-US"/>
           </a:p>
           <a:p>
             <a:pPr lvl="4"/>
@@ -1490,6 +1494,7 @@
               <a:rPr lang="zh-CN" altLang="en-US"/>
               <a:t>第五级</a:t>
             </a:r>
+            <a:endParaRPr lang="zh-CN" altLang="en-US"/>
           </a:p>
         </p:txBody>
       </p:sp>
@@ -1510,7 +1515,6 @@
           <a:p>
             <a:fld id="{82F288E0-7875-42C4-84C8-98DBBD3BF4D2}" type="datetimeFigureOut">
               <a:rPr lang="zh-CN" altLang="en-US" smtClean="0"/>
-              <a:t>2020-06-27</a:t>
             </a:fld>
             <a:endParaRPr lang="zh-CN" altLang="en-US"/>
           </a:p>
@@ -1552,7 +1556,6 @@
           <a:p>
             <a:fld id="{7D9BB5D0-35E4-459D-AEF3-FE4D7C45CC19}" type="slidenum">
               <a:rPr lang="zh-CN" altLang="en-US" smtClean="0"/>
-              <a:t>‹#›</a:t>
             </a:fld>
             <a:endParaRPr lang="zh-CN" altLang="en-US"/>
           </a:p>
@@ -1607,6 +1610,7 @@
               <a:rPr lang="zh-CN" altLang="en-US"/>
               <a:t>单击此处编辑母版标题样式</a:t>
             </a:r>
+            <a:endParaRPr lang="zh-CN" altLang="en-US"/>
           </a:p>
         </p:txBody>
       </p:sp>
@@ -1672,6 +1676,7 @@
               <a:rPr lang="zh-CN" altLang="en-US"/>
               <a:t>单击此处编辑母版文本样式</a:t>
             </a:r>
+            <a:endParaRPr lang="zh-CN" altLang="en-US"/>
           </a:p>
         </p:txBody>
       </p:sp>
@@ -1700,6 +1705,7 @@
               <a:rPr lang="zh-CN" altLang="en-US"/>
               <a:t>单击此处编辑母版文本样式</a:t>
             </a:r>
+            <a:endParaRPr lang="zh-CN" altLang="en-US"/>
           </a:p>
           <a:p>
             <a:pPr lvl="1"/>
@@ -1707,6 +1713,7 @@
               <a:rPr lang="zh-CN" altLang="en-US"/>
               <a:t>第二级</a:t>
             </a:r>
+            <a:endParaRPr lang="zh-CN" altLang="en-US"/>
           </a:p>
           <a:p>
             <a:pPr lvl="2"/>
@@ -1714,6 +1721,7 @@
               <a:rPr lang="zh-CN" altLang="en-US"/>
               <a:t>第三级</a:t>
             </a:r>
+            <a:endParaRPr lang="zh-CN" altLang="en-US"/>
           </a:p>
           <a:p>
             <a:pPr lvl="3"/>
@@ -1721,6 +1729,7 @@
               <a:rPr lang="zh-CN" altLang="en-US"/>
               <a:t>第四级</a:t>
             </a:r>
+            <a:endParaRPr lang="zh-CN" altLang="en-US"/>
           </a:p>
           <a:p>
             <a:pPr lvl="4"/>
@@ -1728,6 +1737,7 @@
               <a:rPr lang="zh-CN" altLang="en-US"/>
               <a:t>第五级</a:t>
             </a:r>
+            <a:endParaRPr lang="zh-CN" altLang="en-US"/>
           </a:p>
         </p:txBody>
       </p:sp>
@@ -1793,6 +1803,7 @@
               <a:rPr lang="zh-CN" altLang="en-US"/>
               <a:t>单击此处编辑母版文本样式</a:t>
             </a:r>
+            <a:endParaRPr lang="zh-CN" altLang="en-US"/>
           </a:p>
         </p:txBody>
       </p:sp>
@@ -1821,6 +1832,7 @@
               <a:rPr lang="zh-CN" altLang="en-US"/>
               <a:t>单击此处编辑母版文本样式</a:t>
             </a:r>
+            <a:endParaRPr lang="zh-CN" altLang="en-US"/>
           </a:p>
           <a:p>
             <a:pPr lvl="1"/>
@@ -1828,6 +1840,7 @@
               <a:rPr lang="zh-CN" altLang="en-US"/>
               <a:t>第二级</a:t>
             </a:r>
+            <a:endParaRPr lang="zh-CN" altLang="en-US"/>
           </a:p>
           <a:p>
             <a:pPr lvl="2"/>
@@ -1835,6 +1848,7 @@
               <a:rPr lang="zh-CN" altLang="en-US"/>
               <a:t>第三级</a:t>
             </a:r>
+            <a:endParaRPr lang="zh-CN" altLang="en-US"/>
           </a:p>
           <a:p>
             <a:pPr lvl="3"/>
@@ -1842,6 +1856,7 @@
               <a:rPr lang="zh-CN" altLang="en-US"/>
               <a:t>第四级</a:t>
             </a:r>
+            <a:endParaRPr lang="zh-CN" altLang="en-US"/>
           </a:p>
           <a:p>
             <a:pPr lvl="4"/>
@@ -1849,6 +1864,7 @@
               <a:rPr lang="zh-CN" altLang="en-US"/>
               <a:t>第五级</a:t>
             </a:r>
+            <a:endParaRPr lang="zh-CN" altLang="en-US"/>
           </a:p>
         </p:txBody>
       </p:sp>
@@ -1869,7 +1885,6 @@
           <a:p>
             <a:fld id="{82F288E0-7875-42C4-84C8-98DBBD3BF4D2}" type="datetimeFigureOut">
               <a:rPr lang="zh-CN" altLang="en-US" smtClean="0"/>
-              <a:t>2020-06-27</a:t>
             </a:fld>
             <a:endParaRPr lang="zh-CN" altLang="en-US"/>
           </a:p>
@@ -1911,7 +1926,6 @@
           <a:p>
             <a:fld id="{7D9BB5D0-35E4-459D-AEF3-FE4D7C45CC19}" type="slidenum">
               <a:rPr lang="zh-CN" altLang="en-US" smtClean="0"/>
-              <a:t>‹#›</a:t>
             </a:fld>
             <a:endParaRPr lang="zh-CN" altLang="en-US"/>
           </a:p>
@@ -1961,6 +1975,7 @@
               <a:rPr lang="zh-CN" altLang="en-US"/>
               <a:t>单击此处编辑母版标题样式</a:t>
             </a:r>
+            <a:endParaRPr lang="zh-CN" altLang="en-US"/>
           </a:p>
         </p:txBody>
       </p:sp>
@@ -1981,7 +1996,6 @@
           <a:p>
             <a:fld id="{82F288E0-7875-42C4-84C8-98DBBD3BF4D2}" type="datetimeFigureOut">
               <a:rPr lang="zh-CN" altLang="en-US" smtClean="0"/>
-              <a:t>2020-06-27</a:t>
             </a:fld>
             <a:endParaRPr lang="zh-CN" altLang="en-US"/>
           </a:p>
@@ -2023,7 +2037,6 @@
           <a:p>
             <a:fld id="{7D9BB5D0-35E4-459D-AEF3-FE4D7C45CC19}" type="slidenum">
               <a:rPr lang="zh-CN" altLang="en-US" smtClean="0"/>
-              <a:t>‹#›</a:t>
             </a:fld>
             <a:endParaRPr lang="zh-CN" altLang="en-US"/>
           </a:p>
@@ -2071,7 +2084,6 @@
           <a:p>
             <a:fld id="{82F288E0-7875-42C4-84C8-98DBBD3BF4D2}" type="datetimeFigureOut">
               <a:rPr lang="zh-CN" altLang="en-US" smtClean="0"/>
-              <a:t>2020-06-27</a:t>
             </a:fld>
             <a:endParaRPr lang="zh-CN" altLang="en-US"/>
           </a:p>
@@ -2113,7 +2125,6 @@
           <a:p>
             <a:fld id="{7D9BB5D0-35E4-459D-AEF3-FE4D7C45CC19}" type="slidenum">
               <a:rPr lang="zh-CN" altLang="en-US" smtClean="0"/>
-              <a:t>‹#›</a:t>
             </a:fld>
             <a:endParaRPr lang="zh-CN" altLang="en-US"/>
           </a:p>
@@ -2172,6 +2183,7 @@
               <a:rPr lang="zh-CN" altLang="en-US"/>
               <a:t>单击此处编辑母版标题样式</a:t>
             </a:r>
+            <a:endParaRPr lang="zh-CN" altLang="en-US"/>
           </a:p>
         </p:txBody>
       </p:sp>
@@ -2298,6 +2310,7 @@
               <a:rPr lang="zh-CN" altLang="en-US"/>
               <a:t>单击此处编辑母版文本样式</a:t>
             </a:r>
+            <a:endParaRPr lang="zh-CN" altLang="en-US"/>
           </a:p>
         </p:txBody>
       </p:sp>
@@ -2318,7 +2331,6 @@
           <a:p>
             <a:fld id="{82F288E0-7875-42C4-84C8-98DBBD3BF4D2}" type="datetimeFigureOut">
               <a:rPr lang="zh-CN" altLang="en-US" smtClean="0"/>
-              <a:t>2020-06-27</a:t>
             </a:fld>
             <a:endParaRPr lang="zh-CN" altLang="en-US"/>
           </a:p>
@@ -2360,7 +2372,6 @@
           <a:p>
             <a:fld id="{7D9BB5D0-35E4-459D-AEF3-FE4D7C45CC19}" type="slidenum">
               <a:rPr lang="zh-CN" altLang="en-US" smtClean="0"/>
-              <a:t>‹#›</a:t>
             </a:fld>
             <a:endParaRPr lang="zh-CN" altLang="en-US"/>
           </a:p>
@@ -2415,6 +2426,7 @@
               <a:rPr lang="zh-CN" altLang="en-US"/>
               <a:t>单击此处编辑母版标题样式</a:t>
             </a:r>
+            <a:endParaRPr lang="zh-CN" altLang="en-US"/>
           </a:p>
         </p:txBody>
       </p:sp>
@@ -2443,6 +2455,7 @@
               <a:rPr lang="zh-CN" altLang="en-US"/>
               <a:t>单击此处编辑母版文本样式</a:t>
             </a:r>
+            <a:endParaRPr lang="zh-CN" altLang="en-US"/>
           </a:p>
           <a:p>
             <a:pPr lvl="1"/>
@@ -2450,6 +2463,7 @@
               <a:rPr lang="zh-CN" altLang="en-US"/>
               <a:t>第二级</a:t>
             </a:r>
+            <a:endParaRPr lang="zh-CN" altLang="en-US"/>
           </a:p>
           <a:p>
             <a:pPr lvl="2"/>
@@ -2457,6 +2471,7 @@
               <a:rPr lang="zh-CN" altLang="en-US"/>
               <a:t>第三级</a:t>
             </a:r>
+            <a:endParaRPr lang="zh-CN" altLang="en-US"/>
           </a:p>
           <a:p>
             <a:pPr lvl="3"/>
@@ -2464,6 +2479,7 @@
               <a:rPr lang="zh-CN" altLang="en-US"/>
               <a:t>第四级</a:t>
             </a:r>
+            <a:endParaRPr lang="zh-CN" altLang="en-US"/>
           </a:p>
           <a:p>
             <a:pPr lvl="4"/>
@@ -2471,6 +2487,7 @@
               <a:rPr lang="zh-CN" altLang="en-US"/>
               <a:t>第五级</a:t>
             </a:r>
+            <a:endParaRPr lang="zh-CN" altLang="en-US"/>
           </a:p>
         </p:txBody>
       </p:sp>
@@ -2491,7 +2508,6 @@
           <a:p>
             <a:fld id="{82F288E0-7875-42C4-84C8-98DBBD3BF4D2}" type="datetimeFigureOut">
               <a:rPr lang="zh-CN" altLang="en-US" smtClean="0"/>
-              <a:t>2020-06-27</a:t>
             </a:fld>
             <a:endParaRPr lang="zh-CN" altLang="en-US"/>
           </a:p>
@@ -2533,7 +2549,6 @@
           <a:p>
             <a:fld id="{7D9BB5D0-35E4-459D-AEF3-FE4D7C45CC19}" type="slidenum">
               <a:rPr lang="zh-CN" altLang="en-US" smtClean="0"/>
-              <a:t>‹#›</a:t>
             </a:fld>
             <a:endParaRPr lang="zh-CN" altLang="en-US"/>
           </a:p>
@@ -2598,6 +2613,7 @@
               <a:rPr lang="zh-CN" altLang="en-US"/>
               <a:t>单击此处编辑母版标题样式</a:t>
             </a:r>
+            <a:endParaRPr lang="zh-CN" altLang="en-US"/>
           </a:p>
         </p:txBody>
       </p:sp>
@@ -2631,6 +2647,7 @@
               <a:rPr lang="zh-CN" altLang="en-US"/>
               <a:t>单击此处编辑母版文本样式</a:t>
             </a:r>
+            <a:endParaRPr lang="zh-CN" altLang="en-US"/>
           </a:p>
           <a:p>
             <a:pPr lvl="1"/>
@@ -2638,6 +2655,7 @@
               <a:rPr lang="zh-CN" altLang="en-US"/>
               <a:t>第二级</a:t>
             </a:r>
+            <a:endParaRPr lang="zh-CN" altLang="en-US"/>
           </a:p>
           <a:p>
             <a:pPr lvl="2"/>
@@ -2645,6 +2663,7 @@
               <a:rPr lang="zh-CN" altLang="en-US"/>
               <a:t>第三级</a:t>
             </a:r>
+            <a:endParaRPr lang="zh-CN" altLang="en-US"/>
           </a:p>
           <a:p>
             <a:pPr lvl="3"/>
@@ -2652,6 +2671,7 @@
               <a:rPr lang="zh-CN" altLang="en-US"/>
               <a:t>第四级</a:t>
             </a:r>
+            <a:endParaRPr lang="zh-CN" altLang="en-US"/>
           </a:p>
           <a:p>
             <a:pPr lvl="4"/>
@@ -2659,6 +2679,7 @@
               <a:rPr lang="zh-CN" altLang="en-US"/>
               <a:t>第五级</a:t>
             </a:r>
+            <a:endParaRPr lang="zh-CN" altLang="en-US"/>
           </a:p>
         </p:txBody>
       </p:sp>
@@ -2697,7 +2718,6 @@
           <a:p>
             <a:fld id="{82F288E0-7875-42C4-84C8-98DBBD3BF4D2}" type="datetimeFigureOut">
               <a:rPr lang="zh-CN" altLang="en-US" smtClean="0"/>
-              <a:t>2020-06-27</a:t>
             </a:fld>
             <a:endParaRPr lang="zh-CN" altLang="en-US"/>
           </a:p>
@@ -2775,7 +2795,6 @@
           <a:p>
             <a:fld id="{7D9BB5D0-35E4-459D-AEF3-FE4D7C45CC19}" type="slidenum">
               <a:rPr lang="zh-CN" altLang="en-US" smtClean="0"/>
-              <a:t>‹#›</a:t>
             </a:fld>
             <a:endParaRPr lang="zh-CN" altLang="en-US"/>
           </a:p>
@@ -3136,6 +3155,10 @@
               </a:rPr>
               <a:t>Understanding</a:t>
             </a:r>
+            <a:endParaRPr lang="en-US" altLang="zh-CN" sz="4000">
+              <a:latin typeface="微软雅黑" panose="020B0503020204020204" charset="-122"/>
+              <a:ea typeface="微软雅黑" panose="020B0503020204020204" charset="-122"/>
+            </a:endParaRPr>
           </a:p>
         </p:txBody>
       </p:sp>
@@ -3184,25 +3207,23 @@
               </a:rPr>
               <a:t>理解生成对抗网络</a:t>
             </a:r>
+            <a:endParaRPr lang="zh-CN" altLang="en-US" sz="3600">
+              <a:latin typeface="微软雅黑" panose="020B0503020204020204" charset="-122"/>
+              <a:ea typeface="微软雅黑" panose="020B0503020204020204" charset="-122"/>
+            </a:endParaRPr>
           </a:p>
         </p:txBody>
       </p:sp>
       <p:pic>
         <p:nvPicPr>
-          <p:cNvPr id="4" name="图片 3">
-            <a:extLst>
-              <a:ext uri="{FF2B5EF4-FFF2-40B4-BE49-F238E27FC236}">
-                <a16:creationId xmlns:a16="http://schemas.microsoft.com/office/drawing/2014/main" id="{54B5737C-F927-49E5-89DA-62F70886B36D}"/>
-              </a:ext>
-            </a:extLst>
-          </p:cNvPr>
+          <p:cNvPr id="4" name="图片 3"/>
           <p:cNvPicPr>
             <a:picLocks noChangeAspect="1"/>
           </p:cNvPicPr>
           <p:nvPr/>
         </p:nvPicPr>
         <p:blipFill>
-          <a:blip r:embed="rId3"/>
+          <a:blip r:embed="rId1"/>
           <a:stretch>
             <a:fillRect/>
           </a:stretch>
@@ -3219,13 +3240,7 @@
       </p:pic>
       <p:sp>
         <p:nvSpPr>
-          <p:cNvPr id="5" name="文本框 2">
-            <a:extLst>
-              <a:ext uri="{FF2B5EF4-FFF2-40B4-BE49-F238E27FC236}">
-                <a16:creationId xmlns:a16="http://schemas.microsoft.com/office/drawing/2014/main" id="{12AFB773-F3B8-47AB-A4AE-D5836A4373D7}"/>
-              </a:ext>
-            </a:extLst>
-          </p:cNvPr>
+          <p:cNvPr id="5" name="文本框 2"/>
           <p:cNvSpPr txBox="1"/>
           <p:nvPr/>
         </p:nvSpPr>
@@ -3361,20 +3376,14 @@
       </p:sp>
       <p:pic>
         <p:nvPicPr>
-          <p:cNvPr id="6" name="图片 5">
-            <a:extLst>
-              <a:ext uri="{FF2B5EF4-FFF2-40B4-BE49-F238E27FC236}">
-                <a16:creationId xmlns:a16="http://schemas.microsoft.com/office/drawing/2014/main" id="{C2797EDE-4318-45F8-82A1-3126F18BA941}"/>
-              </a:ext>
-            </a:extLst>
-          </p:cNvPr>
+          <p:cNvPr id="6" name="图片 5"/>
           <p:cNvPicPr>
             <a:picLocks noChangeAspect="1"/>
           </p:cNvPicPr>
           <p:nvPr/>
         </p:nvPicPr>
         <p:blipFill>
-          <a:blip r:embed="rId3"/>
+          <a:blip r:embed="rId1"/>
           <a:stretch>
             <a:fillRect/>
           </a:stretch>
@@ -3391,13 +3400,7 @@
       </p:pic>
       <p:sp>
         <p:nvSpPr>
-          <p:cNvPr id="7" name="文本框 6">
-            <a:extLst>
-              <a:ext uri="{FF2B5EF4-FFF2-40B4-BE49-F238E27FC236}">
-                <a16:creationId xmlns:a16="http://schemas.microsoft.com/office/drawing/2014/main" id="{1A4407D1-598C-4690-9886-A2D25F39A6FA}"/>
-              </a:ext>
-            </a:extLst>
-          </p:cNvPr>
+          <p:cNvPr id="7" name="文本框 6"/>
           <p:cNvSpPr txBox="1"/>
           <p:nvPr/>
         </p:nvSpPr>
@@ -3533,20 +3536,14 @@
       </p:sp>
       <p:pic>
         <p:nvPicPr>
-          <p:cNvPr id="8" name="图片 7">
-            <a:extLst>
-              <a:ext uri="{FF2B5EF4-FFF2-40B4-BE49-F238E27FC236}">
-                <a16:creationId xmlns:a16="http://schemas.microsoft.com/office/drawing/2014/main" id="{2F8EA9EB-0186-45E4-AABE-B4CAD3F9B002}"/>
-              </a:ext>
-            </a:extLst>
-          </p:cNvPr>
+          <p:cNvPr id="8" name="图片 7"/>
           <p:cNvPicPr>
             <a:picLocks noChangeAspect="1"/>
           </p:cNvPicPr>
           <p:nvPr/>
         </p:nvPicPr>
         <p:blipFill>
-          <a:blip r:embed="rId4"/>
+          <a:blip r:embed="rId2"/>
           <a:stretch>
             <a:fillRect/>
           </a:stretch>
@@ -3563,20 +3560,14 @@
       </p:pic>
       <p:pic>
         <p:nvPicPr>
-          <p:cNvPr id="9" name="图片 8">
-            <a:extLst>
-              <a:ext uri="{FF2B5EF4-FFF2-40B4-BE49-F238E27FC236}">
-                <a16:creationId xmlns:a16="http://schemas.microsoft.com/office/drawing/2014/main" id="{466B37F1-580B-4408-94BC-3222C69C005D}"/>
-              </a:ext>
-            </a:extLst>
-          </p:cNvPr>
+          <p:cNvPr id="9" name="图片 8"/>
           <p:cNvPicPr>
             <a:picLocks noChangeAspect="1"/>
           </p:cNvPicPr>
           <p:nvPr/>
         </p:nvPicPr>
         <p:blipFill>
-          <a:blip r:embed="rId5"/>
+          <a:blip r:embed="rId3"/>
           <a:stretch>
             <a:fillRect/>
           </a:stretch>
@@ -3593,7 +3584,7 @@
       </p:pic>
     </p:spTree>
     <p:custDataLst>
-      <p:tags r:id="rId1"/>
+      <p:tags r:id="rId4"/>
     </p:custDataLst>
   </p:cSld>
   <p:clrMapOvr>
@@ -3663,6 +3654,16 @@
               </a:rPr>
               <a:t>aO+bP+cQ+fU+gV+hW+kX+lY+mZ</a:t>
             </a:r>
+            <a:endParaRPr lang="en-US" sz="800">
+              <a:solidFill>
+                <a:schemeClr val="accent2">
+                  <a:lumMod val="60000"/>
+                  <a:lumOff val="40000"/>
+                </a:schemeClr>
+              </a:solidFill>
+              <a:latin typeface="微软雅黑" panose="020B0503020204020204" charset="-122"/>
+              <a:ea typeface="微软雅黑" panose="020B0503020204020204" charset="-122"/>
+            </a:endParaRPr>
           </a:p>
         </p:txBody>
       </p:sp>
@@ -3710,6 +3711,16 @@
               </a:rPr>
               <a:t>bO+cP+dQ+gU+hV+iW+lX+mY+nZ</a:t>
             </a:r>
+            <a:endParaRPr lang="en-US" sz="800">
+              <a:solidFill>
+                <a:schemeClr val="accent2">
+                  <a:lumMod val="60000"/>
+                  <a:lumOff val="40000"/>
+                </a:schemeClr>
+              </a:solidFill>
+              <a:latin typeface="微软雅黑" panose="020B0503020204020204" charset="-122"/>
+              <a:ea typeface="微软雅黑" panose="020B0503020204020204" charset="-122"/>
+            </a:endParaRPr>
           </a:p>
         </p:txBody>
       </p:sp>
@@ -3757,6 +3768,16 @@
               </a:rPr>
               <a:t>cO+dP+eQ+hU+iV+jW+mX+nY+oZ</a:t>
             </a:r>
+            <a:endParaRPr lang="en-US" sz="800">
+              <a:solidFill>
+                <a:schemeClr val="accent2">
+                  <a:lumMod val="60000"/>
+                  <a:lumOff val="40000"/>
+                </a:schemeClr>
+              </a:solidFill>
+              <a:latin typeface="微软雅黑" panose="020B0503020204020204" charset="-122"/>
+              <a:ea typeface="微软雅黑" panose="020B0503020204020204" charset="-122"/>
+            </a:endParaRPr>
           </a:p>
         </p:txBody>
       </p:sp>
@@ -5318,6 +5339,13 @@
               </a:rPr>
               <a:t>计算量大：</a:t>
             </a:r>
+            <a:endParaRPr lang="zh-CN" altLang="en-US" b="1">
+              <a:solidFill>
+                <a:srgbClr val="C00000"/>
+              </a:solidFill>
+              <a:latin typeface="微软雅黑" panose="020B0503020204020204" charset="-122"/>
+              <a:ea typeface="微软雅黑" panose="020B0503020204020204" charset="-122"/>
+            </a:endParaRPr>
           </a:p>
           <a:p>
             <a:pPr>
@@ -5335,6 +5363,13 @@
               </a:rPr>
               <a:t>逐点卷积</a:t>
             </a:r>
+            <a:endParaRPr lang="zh-CN" altLang="en-US" b="1">
+              <a:solidFill>
+                <a:srgbClr val="C00000"/>
+              </a:solidFill>
+              <a:latin typeface="微软雅黑" panose="020B0503020204020204" charset="-122"/>
+              <a:ea typeface="微软雅黑" panose="020B0503020204020204" charset="-122"/>
+            </a:endParaRPr>
           </a:p>
         </p:txBody>
       </p:sp>
@@ -5413,6 +5448,13 @@
               </a:rPr>
               <a:t>通道分组</a:t>
             </a:r>
+            <a:endParaRPr lang="zh-CN" altLang="en-US" sz="1400">
+              <a:solidFill>
+                <a:srgbClr val="0F80FF"/>
+              </a:solidFill>
+              <a:latin typeface="微软雅黑" panose="020B0503020204020204" charset="-122"/>
+              <a:ea typeface="微软雅黑" panose="020B0503020204020204" charset="-122"/>
+            </a:endParaRPr>
           </a:p>
           <a:p>
             <a:pPr algn="ctr">
@@ -5430,6 +5472,13 @@
               </a:rPr>
               <a:t>降低计算量</a:t>
             </a:r>
+            <a:endParaRPr lang="zh-CN" altLang="en-US" sz="1400">
+              <a:solidFill>
+                <a:srgbClr val="0F80FF"/>
+              </a:solidFill>
+              <a:latin typeface="微软雅黑" panose="020B0503020204020204" charset="-122"/>
+              <a:ea typeface="微软雅黑" panose="020B0503020204020204" charset="-122"/>
+            </a:endParaRPr>
           </a:p>
         </p:txBody>
       </p:sp>
@@ -5470,6 +5519,13 @@
               </a:rPr>
               <a:t>分组降低信息流通</a:t>
             </a:r>
+            <a:endParaRPr lang="zh-CN" altLang="en-US" sz="1400">
+              <a:solidFill>
+                <a:srgbClr val="C00000"/>
+              </a:solidFill>
+              <a:latin typeface="微软雅黑" panose="020B0503020204020204" charset="-122"/>
+              <a:ea typeface="微软雅黑" panose="020B0503020204020204" charset="-122"/>
+            </a:endParaRPr>
           </a:p>
           <a:p>
             <a:pPr algn="ctr">
@@ -5487,6 +5543,13 @@
               </a:rPr>
               <a:t>减弱信息表示</a:t>
             </a:r>
+            <a:endParaRPr lang="zh-CN" altLang="en-US" sz="1400">
+              <a:solidFill>
+                <a:srgbClr val="C00000"/>
+              </a:solidFill>
+              <a:latin typeface="微软雅黑" panose="020B0503020204020204" charset="-122"/>
+              <a:ea typeface="微软雅黑" panose="020B0503020204020204" charset="-122"/>
+            </a:endParaRPr>
           </a:p>
         </p:txBody>
       </p:sp>
@@ -5527,6 +5590,13 @@
               </a:rPr>
               <a:t>混合通道特征</a:t>
             </a:r>
+            <a:endParaRPr lang="zh-CN" altLang="en-US" sz="1400">
+              <a:solidFill>
+                <a:srgbClr val="0F80FF"/>
+              </a:solidFill>
+              <a:latin typeface="微软雅黑" panose="020B0503020204020204" charset="-122"/>
+              <a:ea typeface="微软雅黑" panose="020B0503020204020204" charset="-122"/>
+            </a:endParaRPr>
           </a:p>
         </p:txBody>
       </p:sp>
@@ -5706,6 +5776,16 @@
               </a:rPr>
               <a:t>）</a:t>
             </a:r>
+            <a:endParaRPr lang="zh-CN" altLang="en-US" sz="1000">
+              <a:solidFill>
+                <a:schemeClr val="tx1">
+                  <a:lumMod val="50000"/>
+                  <a:lumOff val="50000"/>
+                </a:schemeClr>
+              </a:solidFill>
+              <a:latin typeface="微软雅黑" panose="020B0503020204020204" charset="-122"/>
+              <a:ea typeface="微软雅黑" panose="020B0503020204020204" charset="-122"/>
+            </a:endParaRPr>
           </a:p>
           <a:p>
             <a:pPr marL="228600" indent="-228600">
@@ -5864,6 +5944,17 @@
               </a:rPr>
               <a:t>）</a:t>
             </a:r>
+            <a:endParaRPr lang="zh-CN" altLang="en-US" sz="1000">
+              <a:solidFill>
+                <a:schemeClr val="tx1">
+                  <a:lumMod val="50000"/>
+                  <a:lumOff val="50000"/>
+                </a:schemeClr>
+              </a:solidFill>
+              <a:latin typeface="微软雅黑" panose="020B0503020204020204" charset="-122"/>
+              <a:ea typeface="微软雅黑" panose="020B0503020204020204" charset="-122"/>
+              <a:sym typeface="+mn-ea"/>
+            </a:endParaRPr>
           </a:p>
           <a:p>
             <a:pPr marL="228600" indent="-228600">
@@ -6074,6 +6165,13 @@
               </a:rPr>
               <a:t>元素相加</a:t>
             </a:r>
+            <a:endParaRPr lang="zh-CN" altLang="en-US" sz="1400" b="1">
+              <a:solidFill>
+                <a:srgbClr val="CC66FF"/>
+              </a:solidFill>
+              <a:latin typeface="微软雅黑" panose="020B0503020204020204" charset="-122"/>
+              <a:ea typeface="微软雅黑" panose="020B0503020204020204" charset="-122"/>
+            </a:endParaRPr>
           </a:p>
         </p:txBody>
       </p:sp>
@@ -6114,6 +6212,13 @@
               </a:rPr>
               <a:t>通道级联</a:t>
             </a:r>
+            <a:endParaRPr lang="zh-CN" altLang="en-US" sz="1400" b="1">
+              <a:solidFill>
+                <a:srgbClr val="CC66FF"/>
+              </a:solidFill>
+              <a:latin typeface="微软雅黑" panose="020B0503020204020204" charset="-122"/>
+              <a:ea typeface="微软雅黑" panose="020B0503020204020204" charset="-122"/>
+            </a:endParaRPr>
           </a:p>
         </p:txBody>
       </p:sp>
@@ -6146,6 +6251,10 @@
               </a:rPr>
               <a:t>LAPGAN - 2016</a:t>
             </a:r>
+            <a:endParaRPr lang="en-US" altLang="zh-CN" sz="2000" b="1" dirty="0">
+              <a:latin typeface="微软雅黑" panose="020B0503020204020204" charset="-122"/>
+              <a:ea typeface="微软雅黑" panose="020B0503020204020204" charset="-122"/>
+            </a:endParaRPr>
           </a:p>
         </p:txBody>
       </p:sp>
@@ -6258,6 +6367,13 @@
               </a:rPr>
               <a:t>特征提取</a:t>
             </a:r>
+            <a:endParaRPr lang="zh-CN" altLang="en-US" sz="1400" b="1">
+              <a:solidFill>
+                <a:srgbClr val="0070C0"/>
+              </a:solidFill>
+              <a:latin typeface="微软雅黑" panose="020B0503020204020204" charset="-122"/>
+              <a:ea typeface="微软雅黑" panose="020B0503020204020204" charset="-122"/>
+            </a:endParaRPr>
           </a:p>
         </p:txBody>
       </p:sp>
@@ -6298,12 +6414,67 @@
               </a:rPr>
               <a:t>Offset Max Pooling</a:t>
             </a:r>
+            <a:endParaRPr lang="en-US" altLang="zh-CN" b="1">
+              <a:solidFill>
+                <a:srgbClr val="C00000"/>
+              </a:solidFill>
+              <a:latin typeface="微软雅黑" panose="020B0503020204020204" charset="-122"/>
+              <a:ea typeface="微软雅黑" panose="020B0503020204020204" charset="-122"/>
+            </a:endParaRPr>
           </a:p>
         </p:txBody>
       </p:sp>
       <p:pic>
         <p:nvPicPr>
           <p:cNvPr id="4" name="图片 3"/>
+          <p:cNvPicPr>
+            <a:picLocks noChangeAspect="1"/>
+          </p:cNvPicPr>
+          <p:nvPr/>
+        </p:nvPicPr>
+        <p:blipFill>
+          <a:blip r:embed="rId1"/>
+          <a:stretch>
+            <a:fillRect/>
+          </a:stretch>
+        </p:blipFill>
+        <p:spPr>
+          <a:xfrm>
+            <a:off x="6064885" y="3369310"/>
+            <a:ext cx="431800" cy="405765"/>
+          </a:xfrm>
+          <a:prstGeom prst="rect">
+            <a:avLst/>
+          </a:prstGeom>
+        </p:spPr>
+      </p:pic>
+      <p:pic>
+        <p:nvPicPr>
+          <p:cNvPr id="6" name="图片 5"/>
+          <p:cNvPicPr>
+            <a:picLocks noChangeAspect="1"/>
+          </p:cNvPicPr>
+          <p:nvPr/>
+        </p:nvPicPr>
+        <p:blipFill>
+          <a:blip r:embed="rId2"/>
+          <a:stretch>
+            <a:fillRect/>
+          </a:stretch>
+        </p:blipFill>
+        <p:spPr>
+          <a:xfrm>
+            <a:off x="6564630" y="3369310"/>
+            <a:ext cx="431800" cy="405765"/>
+          </a:xfrm>
+          <a:prstGeom prst="rect">
+            <a:avLst/>
+          </a:prstGeom>
+        </p:spPr>
+      </p:pic>
+      <p:pic>
+        <p:nvPicPr>
+          <p:cNvPr id="9" name="图片 8"/>
           <p:cNvPicPr>
             <a:picLocks noChangeAspect="1"/>
           </p:cNvPicPr>
@@ -6317,7 +6488,127 @@
         </p:blipFill>
         <p:spPr>
           <a:xfrm>
-            <a:off x="6064885" y="3369310"/>
+            <a:off x="7084060" y="3369310"/>
+            <a:ext cx="433070" cy="403225"/>
+          </a:xfrm>
+          <a:prstGeom prst="rect">
+            <a:avLst/>
+          </a:prstGeom>
+        </p:spPr>
+      </p:pic>
+      <p:sp>
+        <p:nvSpPr>
+          <p:cNvPr id="13" name="文本框 12"/>
+          <p:cNvSpPr txBox="1"/>
+          <p:nvPr/>
+        </p:nvSpPr>
+        <p:spPr>
+          <a:xfrm>
+            <a:off x="8451215" y="2367280"/>
+            <a:ext cx="2226310" cy="368300"/>
+          </a:xfrm>
+          <a:prstGeom prst="rect">
+            <a:avLst/>
+          </a:prstGeom>
+          <a:noFill/>
+        </p:spPr>
+        <p:txBody>
+          <a:bodyPr wrap="square" rtlCol="0">
+            <a:spAutoFit/>
+          </a:bodyPr>
+          <a:lstStyle/>
+          <a:p>
+            <a:pPr algn="ctr"/>
+            <a:r>
+              <a:rPr lang="en-US" altLang="zh-CN" b="1">
+                <a:solidFill>
+                  <a:srgbClr val="0070C0"/>
+                </a:solidFill>
+                <a:latin typeface="微软雅黑" panose="020B0503020204020204" charset="-122"/>
+                <a:ea typeface="微软雅黑" panose="020B0503020204020204" charset="-122"/>
+              </a:rPr>
+              <a:t>Classifier</a:t>
+            </a:r>
+            <a:endParaRPr lang="en-US" altLang="zh-CN" b="1">
+              <a:solidFill>
+                <a:srgbClr val="0070C0"/>
+              </a:solidFill>
+              <a:latin typeface="微软雅黑" panose="020B0503020204020204" charset="-122"/>
+              <a:ea typeface="微软雅黑" panose="020B0503020204020204" charset="-122"/>
+            </a:endParaRPr>
+          </a:p>
+        </p:txBody>
+      </p:sp>
+      <p:sp>
+        <p:nvSpPr>
+          <p:cNvPr id="14" name="文本框 13"/>
+          <p:cNvSpPr txBox="1"/>
+          <p:nvPr/>
+        </p:nvSpPr>
+        <p:spPr>
+          <a:xfrm>
+            <a:off x="8279130" y="3097530"/>
+            <a:ext cx="917575" cy="257175"/>
+          </a:xfrm>
+          <a:prstGeom prst="rect">
+            <a:avLst/>
+          </a:prstGeom>
+          <a:noFill/>
+        </p:spPr>
+        <p:txBody>
+          <a:bodyPr wrap="square" rtlCol="0">
+            <a:spAutoFit/>
+          </a:bodyPr>
+          <a:lstStyle/>
+          <a:p>
+            <a:pPr algn="ctr">
+              <a:lnSpc>
+                <a:spcPct val="90000"/>
+              </a:lnSpc>
+            </a:pPr>
+            <a:r>
+              <a:rPr lang="en-US" altLang="zh-CN" sz="1200" b="1">
+                <a:solidFill>
+                  <a:schemeClr val="tx1">
+                    <a:lumMod val="50000"/>
+                    <a:lumOff val="50000"/>
+                  </a:schemeClr>
+                </a:solidFill>
+                <a:latin typeface="微软雅黑" panose="020B0503020204020204" charset="-122"/>
+                <a:ea typeface="微软雅黑" panose="020B0503020204020204" charset="-122"/>
+              </a:rPr>
+              <a:t>conv 5x5</a:t>
+            </a:r>
+            <a:endParaRPr lang="en-US" altLang="zh-CN" sz="1200" b="1">
+              <a:solidFill>
+                <a:schemeClr val="tx1">
+                  <a:lumMod val="50000"/>
+                  <a:lumOff val="50000"/>
+                </a:schemeClr>
+              </a:solidFill>
+              <a:latin typeface="微软雅黑" panose="020B0503020204020204" charset="-122"/>
+              <a:ea typeface="微软雅黑" panose="020B0503020204020204" charset="-122"/>
+            </a:endParaRPr>
+          </a:p>
+        </p:txBody>
+      </p:sp>
+      <p:pic>
+        <p:nvPicPr>
+          <p:cNvPr id="15" name="图片 14"/>
+          <p:cNvPicPr>
+            <a:picLocks noChangeAspect="1"/>
+          </p:cNvPicPr>
+          <p:nvPr/>
+        </p:nvPicPr>
+        <p:blipFill>
+          <a:blip r:embed="rId1"/>
+          <a:stretch>
+            <a:fillRect/>
+          </a:stretch>
+        </p:blipFill>
+        <p:spPr>
+          <a:xfrm>
+            <a:off x="8021955" y="3366770"/>
             <a:ext cx="431800" cy="405765"/>
           </a:xfrm>
           <a:prstGeom prst="rect">
@@ -6327,7 +6618,104 @@
       </p:pic>
       <p:pic>
         <p:nvPicPr>
-          <p:cNvPr id="6" name="图片 5"/>
+          <p:cNvPr id="16" name="图片 15"/>
+          <p:cNvPicPr>
+            <a:picLocks noChangeAspect="1"/>
+          </p:cNvPicPr>
+          <p:nvPr/>
+        </p:nvPicPr>
+        <p:blipFill>
+          <a:blip r:embed="rId2"/>
+          <a:stretch>
+            <a:fillRect/>
+          </a:stretch>
+        </p:blipFill>
+        <p:spPr>
+          <a:xfrm>
+            <a:off x="8521700" y="3366770"/>
+            <a:ext cx="431800" cy="405765"/>
+          </a:xfrm>
+          <a:prstGeom prst="rect">
+            <a:avLst/>
+          </a:prstGeom>
+        </p:spPr>
+      </p:pic>
+      <p:pic>
+        <p:nvPicPr>
+          <p:cNvPr id="17" name="图片 16"/>
+          <p:cNvPicPr>
+            <a:picLocks noChangeAspect="1"/>
+          </p:cNvPicPr>
+          <p:nvPr/>
+        </p:nvPicPr>
+        <p:blipFill>
+          <a:blip r:embed="rId3"/>
+          <a:stretch>
+            <a:fillRect/>
+          </a:stretch>
+        </p:blipFill>
+        <p:spPr>
+          <a:xfrm>
+            <a:off x="9041130" y="3366770"/>
+            <a:ext cx="433070" cy="403225"/>
+          </a:xfrm>
+          <a:prstGeom prst="rect">
+            <a:avLst/>
+          </a:prstGeom>
+        </p:spPr>
+      </p:pic>
+      <p:sp>
+        <p:nvSpPr>
+          <p:cNvPr id="18" name="文本框 17"/>
+          <p:cNvSpPr txBox="1"/>
+          <p:nvPr/>
+        </p:nvSpPr>
+        <p:spPr>
+          <a:xfrm>
+            <a:off x="8333105" y="2790825"/>
+            <a:ext cx="809625" cy="306705"/>
+          </a:xfrm>
+          <a:prstGeom prst="rect">
+            <a:avLst/>
+          </a:prstGeom>
+          <a:noFill/>
+        </p:spPr>
+        <p:txBody>
+          <a:bodyPr wrap="square" rtlCol="0">
+            <a:spAutoFit/>
+          </a:bodyPr>
+          <a:lstStyle/>
+          <a:p>
+            <a:pPr algn="ctr"/>
+            <a:r>
+              <a:rPr lang="en-US" altLang="zh-CN" sz="1400" b="1">
+                <a:solidFill>
+                  <a:schemeClr val="tx1">
+                    <a:lumMod val="65000"/>
+                    <a:lumOff val="35000"/>
+                  </a:schemeClr>
+                </a:solidFill>
+                <a:latin typeface="微软雅黑" panose="020B0503020204020204" charset="-122"/>
+                <a:ea typeface="微软雅黑" panose="020B0503020204020204" charset="-122"/>
+              </a:rPr>
+              <a:t>fc6</a:t>
+            </a:r>
+            <a:endParaRPr lang="en-US" altLang="zh-CN" sz="1400" b="1">
+              <a:solidFill>
+                <a:schemeClr val="tx1">
+                  <a:lumMod val="65000"/>
+                  <a:lumOff val="35000"/>
+                </a:schemeClr>
+              </a:solidFill>
+              <a:latin typeface="微软雅黑" panose="020B0503020204020204" charset="-122"/>
+              <a:ea typeface="微软雅黑" panose="020B0503020204020204" charset="-122"/>
+            </a:endParaRPr>
+          </a:p>
+        </p:txBody>
+      </p:sp>
+      <p:pic>
+        <p:nvPicPr>
+          <p:cNvPr id="11" name="图片 10"/>
           <p:cNvPicPr>
             <a:picLocks noChangeAspect="1"/>
           </p:cNvPicPr>
@@ -6341,8 +6729,8 @@
         </p:blipFill>
         <p:spPr>
           <a:xfrm>
-            <a:off x="6564630" y="3369310"/>
-            <a:ext cx="431800" cy="405765"/>
+            <a:off x="8021955" y="3366770"/>
+            <a:ext cx="358775" cy="333375"/>
           </a:xfrm>
           <a:prstGeom prst="rect">
             <a:avLst/>
@@ -6351,7 +6739,55 @@
       </p:pic>
       <p:pic>
         <p:nvPicPr>
-          <p:cNvPr id="9" name="图片 8"/>
+          <p:cNvPr id="20" name="图片 19"/>
+          <p:cNvPicPr>
+            <a:picLocks noChangeAspect="1"/>
+          </p:cNvPicPr>
+          <p:nvPr/>
+        </p:nvPicPr>
+        <p:blipFill>
+          <a:blip r:embed="rId4"/>
+          <a:stretch>
+            <a:fillRect/>
+          </a:stretch>
+        </p:blipFill>
+        <p:spPr>
+          <a:xfrm>
+            <a:off x="8528050" y="3369310"/>
+            <a:ext cx="358775" cy="333375"/>
+          </a:xfrm>
+          <a:prstGeom prst="rect">
+            <a:avLst/>
+          </a:prstGeom>
+        </p:spPr>
+      </p:pic>
+      <p:pic>
+        <p:nvPicPr>
+          <p:cNvPr id="22" name="图片 21"/>
+          <p:cNvPicPr>
+            <a:picLocks noChangeAspect="1"/>
+          </p:cNvPicPr>
+          <p:nvPr/>
+        </p:nvPicPr>
+        <p:blipFill>
+          <a:blip r:embed="rId4"/>
+          <a:stretch>
+            <a:fillRect/>
+          </a:stretch>
+        </p:blipFill>
+        <p:spPr>
+          <a:xfrm>
+            <a:off x="9041130" y="3369310"/>
+            <a:ext cx="358775" cy="333375"/>
+          </a:xfrm>
+          <a:prstGeom prst="rect">
+            <a:avLst/>
+          </a:prstGeom>
+        </p:spPr>
+      </p:pic>
+      <p:pic>
+        <p:nvPicPr>
+          <p:cNvPr id="28" name="图片 27"/>
           <p:cNvPicPr>
             <a:picLocks noChangeAspect="1"/>
           </p:cNvPicPr>
@@ -6365,111 +6801,32 @@
         </p:blipFill>
         <p:spPr>
           <a:xfrm>
-            <a:off x="7084060" y="3369310"/>
-            <a:ext cx="433070" cy="403225"/>
+            <a:off x="9770745" y="3369945"/>
+            <a:ext cx="249555" cy="231140"/>
           </a:xfrm>
           <a:prstGeom prst="rect">
             <a:avLst/>
           </a:prstGeom>
         </p:spPr>
       </p:pic>
-      <p:sp>
-        <p:nvSpPr>
-          <p:cNvPr id="13" name="文本框 12"/>
-          <p:cNvSpPr txBox="1"/>
-          <p:nvPr/>
-        </p:nvSpPr>
-        <p:spPr>
-          <a:xfrm>
-            <a:off x="8451215" y="2367280"/>
-            <a:ext cx="2226310" cy="368300"/>
-          </a:xfrm>
-          <a:prstGeom prst="rect">
-            <a:avLst/>
-          </a:prstGeom>
-          <a:noFill/>
-        </p:spPr>
-        <p:txBody>
-          <a:bodyPr wrap="square" rtlCol="0">
-            <a:spAutoFit/>
-          </a:bodyPr>
-          <a:lstStyle/>
-          <a:p>
-            <a:pPr algn="ctr"/>
-            <a:r>
-              <a:rPr lang="en-US" altLang="zh-CN" b="1">
-                <a:solidFill>
-                  <a:srgbClr val="0070C0"/>
-                </a:solidFill>
-                <a:latin typeface="微软雅黑" panose="020B0503020204020204" charset="-122"/>
-                <a:ea typeface="微软雅黑" panose="020B0503020204020204" charset="-122"/>
-              </a:rPr>
-              <a:t>Classifier</a:t>
-            </a:r>
-          </a:p>
-        </p:txBody>
-      </p:sp>
-      <p:sp>
-        <p:nvSpPr>
-          <p:cNvPr id="14" name="文本框 13"/>
-          <p:cNvSpPr txBox="1"/>
-          <p:nvPr/>
-        </p:nvSpPr>
-        <p:spPr>
-          <a:xfrm>
-            <a:off x="8279130" y="3097530"/>
-            <a:ext cx="917575" cy="257175"/>
-          </a:xfrm>
-          <a:prstGeom prst="rect">
-            <a:avLst/>
-          </a:prstGeom>
-          <a:noFill/>
-        </p:spPr>
-        <p:txBody>
-          <a:bodyPr wrap="square" rtlCol="0">
-            <a:spAutoFit/>
-          </a:bodyPr>
-          <a:lstStyle/>
-          <a:p>
-            <a:pPr algn="ctr">
-              <a:lnSpc>
-                <a:spcPct val="90000"/>
-              </a:lnSpc>
-            </a:pPr>
-            <a:r>
-              <a:rPr lang="en-US" altLang="zh-CN" sz="1200" b="1">
-                <a:solidFill>
-                  <a:schemeClr val="tx1">
-                    <a:lumMod val="50000"/>
-                    <a:lumOff val="50000"/>
-                  </a:schemeClr>
-                </a:solidFill>
-                <a:latin typeface="微软雅黑" panose="020B0503020204020204" charset="-122"/>
-                <a:ea typeface="微软雅黑" panose="020B0503020204020204" charset="-122"/>
-              </a:rPr>
-              <a:t>conv 5x5</a:t>
-            </a:r>
-          </a:p>
-        </p:txBody>
-      </p:sp>
       <p:pic>
         <p:nvPicPr>
-          <p:cNvPr id="15" name="图片 14"/>
+          <p:cNvPr id="29" name="图片 28"/>
           <p:cNvPicPr>
             <a:picLocks noChangeAspect="1"/>
           </p:cNvPicPr>
           <p:nvPr/>
         </p:nvPicPr>
         <p:blipFill>
-          <a:blip r:embed="rId3"/>
+          <a:blip r:embed="rId6"/>
           <a:stretch>
             <a:fillRect/>
           </a:stretch>
         </p:blipFill>
         <p:spPr>
           <a:xfrm>
-            <a:off x="8021955" y="3366770"/>
-            <a:ext cx="431800" cy="405765"/>
+            <a:off x="10064750" y="3369310"/>
+            <a:ext cx="247650" cy="231775"/>
           </a:xfrm>
           <a:prstGeom prst="rect">
             <a:avLst/>
@@ -6478,22 +6835,22 @@
       </p:pic>
       <p:pic>
         <p:nvPicPr>
-          <p:cNvPr id="16" name="图片 15"/>
+          <p:cNvPr id="30" name="图片 29"/>
           <p:cNvPicPr>
             <a:picLocks noChangeAspect="1"/>
           </p:cNvPicPr>
           <p:nvPr/>
         </p:nvPicPr>
         <p:blipFill>
-          <a:blip r:embed="rId4"/>
+          <a:blip r:embed="rId7"/>
           <a:stretch>
             <a:fillRect/>
           </a:stretch>
         </p:blipFill>
         <p:spPr>
           <a:xfrm>
-            <a:off x="8521700" y="3366770"/>
-            <a:ext cx="431800" cy="405765"/>
+            <a:off x="10351770" y="3366770"/>
+            <a:ext cx="248920" cy="233680"/>
           </a:xfrm>
           <a:prstGeom prst="rect">
             <a:avLst/>
@@ -6502,7 +6859,79 @@
       </p:pic>
       <p:pic>
         <p:nvPicPr>
-          <p:cNvPr id="17" name="图片 16"/>
+          <p:cNvPr id="31" name="图片 30"/>
+          <p:cNvPicPr>
+            <a:picLocks noChangeAspect="1"/>
+          </p:cNvPicPr>
+          <p:nvPr/>
+        </p:nvPicPr>
+        <p:blipFill>
+          <a:blip r:embed="rId8"/>
+          <a:stretch>
+            <a:fillRect/>
+          </a:stretch>
+        </p:blipFill>
+        <p:spPr>
+          <a:xfrm>
+            <a:off x="9773920" y="3369945"/>
+            <a:ext cx="123825" cy="118745"/>
+          </a:xfrm>
+          <a:prstGeom prst="rect">
+            <a:avLst/>
+          </a:prstGeom>
+        </p:spPr>
+      </p:pic>
+      <p:pic>
+        <p:nvPicPr>
+          <p:cNvPr id="32" name="图片 31"/>
+          <p:cNvPicPr>
+            <a:picLocks noChangeAspect="1"/>
+          </p:cNvPicPr>
+          <p:nvPr/>
+        </p:nvPicPr>
+        <p:blipFill>
+          <a:blip r:embed="rId8"/>
+          <a:stretch>
+            <a:fillRect/>
+          </a:stretch>
+        </p:blipFill>
+        <p:spPr>
+          <a:xfrm>
+            <a:off x="10067925" y="3369945"/>
+            <a:ext cx="123825" cy="118745"/>
+          </a:xfrm>
+          <a:prstGeom prst="rect">
+            <a:avLst/>
+          </a:prstGeom>
+        </p:spPr>
+      </p:pic>
+      <p:pic>
+        <p:nvPicPr>
+          <p:cNvPr id="33" name="图片 32"/>
+          <p:cNvPicPr>
+            <a:picLocks noChangeAspect="1"/>
+          </p:cNvPicPr>
+          <p:nvPr/>
+        </p:nvPicPr>
+        <p:blipFill>
+          <a:blip r:embed="rId8"/>
+          <a:stretch>
+            <a:fillRect/>
+          </a:stretch>
+        </p:blipFill>
+        <p:spPr>
+          <a:xfrm>
+            <a:off x="10354945" y="3366770"/>
+            <a:ext cx="123825" cy="118745"/>
+          </a:xfrm>
+          <a:prstGeom prst="rect">
+            <a:avLst/>
+          </a:prstGeom>
+        </p:spPr>
+      </p:pic>
+      <p:pic>
+        <p:nvPicPr>
+          <p:cNvPr id="34" name="图片 33"/>
           <p:cNvPicPr>
             <a:picLocks noChangeAspect="1"/>
           </p:cNvPicPr>
@@ -6516,56 +6945,17 @@
         </p:blipFill>
         <p:spPr>
           <a:xfrm>
-            <a:off x="9041130" y="3366770"/>
-            <a:ext cx="433070" cy="403225"/>
+            <a:off x="10854690" y="3367405"/>
+            <a:ext cx="249555" cy="231140"/>
           </a:xfrm>
           <a:prstGeom prst="rect">
             <a:avLst/>
           </a:prstGeom>
         </p:spPr>
       </p:pic>
-      <p:sp>
-        <p:nvSpPr>
-          <p:cNvPr id="18" name="文本框 17"/>
-          <p:cNvSpPr txBox="1"/>
-          <p:nvPr/>
-        </p:nvSpPr>
-        <p:spPr>
-          <a:xfrm>
-            <a:off x="8333105" y="2790825"/>
-            <a:ext cx="809625" cy="306705"/>
-          </a:xfrm>
-          <a:prstGeom prst="rect">
-            <a:avLst/>
-          </a:prstGeom>
-          <a:noFill/>
-        </p:spPr>
-        <p:txBody>
-          <a:bodyPr wrap="square" rtlCol="0">
-            <a:spAutoFit/>
-          </a:bodyPr>
-          <a:lstStyle/>
-          <a:p>
-            <a:pPr algn="ctr"/>
-            <a:r>
-              <a:rPr lang="en-US" altLang="zh-CN" sz="1400" b="1">
-                <a:solidFill>
-                  <a:schemeClr val="tx1">
-                    <a:lumMod val="65000"/>
-                    <a:lumOff val="35000"/>
-                  </a:schemeClr>
-                </a:solidFill>
-                <a:latin typeface="微软雅黑" panose="020B0503020204020204" charset="-122"/>
-                <a:ea typeface="微软雅黑" panose="020B0503020204020204" charset="-122"/>
-              </a:rPr>
-              <a:t>fc6</a:t>
-            </a:r>
-          </a:p>
-        </p:txBody>
-      </p:sp>
       <p:pic>
         <p:nvPicPr>
-          <p:cNvPr id="11" name="图片 10"/>
+          <p:cNvPr id="35" name="图片 34"/>
           <p:cNvPicPr>
             <a:picLocks noChangeAspect="1"/>
           </p:cNvPicPr>
@@ -6579,8 +6969,8 @@
         </p:blipFill>
         <p:spPr>
           <a:xfrm>
-            <a:off x="8021955" y="3366770"/>
-            <a:ext cx="358775" cy="333375"/>
+            <a:off x="11148695" y="3366770"/>
+            <a:ext cx="247650" cy="231775"/>
           </a:xfrm>
           <a:prstGeom prst="rect">
             <a:avLst/>
@@ -6589,55 +6979,7 @@
       </p:pic>
       <p:pic>
         <p:nvPicPr>
-          <p:cNvPr id="20" name="图片 19"/>
-          <p:cNvPicPr>
-            <a:picLocks noChangeAspect="1"/>
-          </p:cNvPicPr>
-          <p:nvPr/>
-        </p:nvPicPr>
-        <p:blipFill>
-          <a:blip r:embed="rId6"/>
-          <a:stretch>
-            <a:fillRect/>
-          </a:stretch>
-        </p:blipFill>
-        <p:spPr>
-          <a:xfrm>
-            <a:off x="8528050" y="3369310"/>
-            <a:ext cx="358775" cy="333375"/>
-          </a:xfrm>
-          <a:prstGeom prst="rect">
-            <a:avLst/>
-          </a:prstGeom>
-        </p:spPr>
-      </p:pic>
-      <p:pic>
-        <p:nvPicPr>
-          <p:cNvPr id="22" name="图片 21"/>
-          <p:cNvPicPr>
-            <a:picLocks noChangeAspect="1"/>
-          </p:cNvPicPr>
-          <p:nvPr/>
-        </p:nvPicPr>
-        <p:blipFill>
-          <a:blip r:embed="rId6"/>
-          <a:stretch>
-            <a:fillRect/>
-          </a:stretch>
-        </p:blipFill>
-        <p:spPr>
-          <a:xfrm>
-            <a:off x="9041130" y="3369310"/>
-            <a:ext cx="358775" cy="333375"/>
-          </a:xfrm>
-          <a:prstGeom prst="rect">
-            <a:avLst/>
-          </a:prstGeom>
-        </p:spPr>
-      </p:pic>
-      <p:pic>
-        <p:nvPicPr>
-          <p:cNvPr id="28" name="图片 27"/>
+          <p:cNvPr id="36" name="图片 35"/>
           <p:cNvPicPr>
             <a:picLocks noChangeAspect="1"/>
           </p:cNvPicPr>
@@ -6651,8 +6993,8 @@
         </p:blipFill>
         <p:spPr>
           <a:xfrm>
-            <a:off x="9770745" y="3369945"/>
-            <a:ext cx="249555" cy="231140"/>
+            <a:off x="11435715" y="3364230"/>
+            <a:ext cx="248920" cy="233680"/>
           </a:xfrm>
           <a:prstGeom prst="rect">
             <a:avLst/>
@@ -6661,7 +7003,7 @@
       </p:pic>
       <p:pic>
         <p:nvPicPr>
-          <p:cNvPr id="29" name="图片 28"/>
+          <p:cNvPr id="37" name="图片 36"/>
           <p:cNvPicPr>
             <a:picLocks noChangeAspect="1"/>
           </p:cNvPicPr>
@@ -6675,8 +7017,8 @@
         </p:blipFill>
         <p:spPr>
           <a:xfrm>
-            <a:off x="10064750" y="3369310"/>
-            <a:ext cx="247650" cy="231775"/>
+            <a:off x="10857865" y="3367405"/>
+            <a:ext cx="123825" cy="118745"/>
           </a:xfrm>
           <a:prstGeom prst="rect">
             <a:avLst/>
@@ -6685,127 +7027,7 @@
       </p:pic>
       <p:pic>
         <p:nvPicPr>
-          <p:cNvPr id="30" name="图片 29"/>
-          <p:cNvPicPr>
-            <a:picLocks noChangeAspect="1"/>
-          </p:cNvPicPr>
-          <p:nvPr/>
-        </p:nvPicPr>
-        <p:blipFill>
-          <a:blip r:embed="rId9"/>
-          <a:stretch>
-            <a:fillRect/>
-          </a:stretch>
-        </p:blipFill>
-        <p:spPr>
-          <a:xfrm>
-            <a:off x="10351770" y="3366770"/>
-            <a:ext cx="248920" cy="233680"/>
-          </a:xfrm>
-          <a:prstGeom prst="rect">
-            <a:avLst/>
-          </a:prstGeom>
-        </p:spPr>
-      </p:pic>
-      <p:pic>
-        <p:nvPicPr>
-          <p:cNvPr id="31" name="图片 30"/>
-          <p:cNvPicPr>
-            <a:picLocks noChangeAspect="1"/>
-          </p:cNvPicPr>
-          <p:nvPr/>
-        </p:nvPicPr>
-        <p:blipFill>
-          <a:blip r:embed="rId10"/>
-          <a:stretch>
-            <a:fillRect/>
-          </a:stretch>
-        </p:blipFill>
-        <p:spPr>
-          <a:xfrm>
-            <a:off x="9773920" y="3369945"/>
-            <a:ext cx="123825" cy="118745"/>
-          </a:xfrm>
-          <a:prstGeom prst="rect">
-            <a:avLst/>
-          </a:prstGeom>
-        </p:spPr>
-      </p:pic>
-      <p:pic>
-        <p:nvPicPr>
-          <p:cNvPr id="32" name="图片 31"/>
-          <p:cNvPicPr>
-            <a:picLocks noChangeAspect="1"/>
-          </p:cNvPicPr>
-          <p:nvPr/>
-        </p:nvPicPr>
-        <p:blipFill>
-          <a:blip r:embed="rId10"/>
-          <a:stretch>
-            <a:fillRect/>
-          </a:stretch>
-        </p:blipFill>
-        <p:spPr>
-          <a:xfrm>
-            <a:off x="10067925" y="3369945"/>
-            <a:ext cx="123825" cy="118745"/>
-          </a:xfrm>
-          <a:prstGeom prst="rect">
-            <a:avLst/>
-          </a:prstGeom>
-        </p:spPr>
-      </p:pic>
-      <p:pic>
-        <p:nvPicPr>
-          <p:cNvPr id="33" name="图片 32"/>
-          <p:cNvPicPr>
-            <a:picLocks noChangeAspect="1"/>
-          </p:cNvPicPr>
-          <p:nvPr/>
-        </p:nvPicPr>
-        <p:blipFill>
-          <a:blip r:embed="rId10"/>
-          <a:stretch>
-            <a:fillRect/>
-          </a:stretch>
-        </p:blipFill>
-        <p:spPr>
-          <a:xfrm>
-            <a:off x="10354945" y="3366770"/>
-            <a:ext cx="123825" cy="118745"/>
-          </a:xfrm>
-          <a:prstGeom prst="rect">
-            <a:avLst/>
-          </a:prstGeom>
-        </p:spPr>
-      </p:pic>
-      <p:pic>
-        <p:nvPicPr>
-          <p:cNvPr id="34" name="图片 33"/>
-          <p:cNvPicPr>
-            <a:picLocks noChangeAspect="1"/>
-          </p:cNvPicPr>
-          <p:nvPr/>
-        </p:nvPicPr>
-        <p:blipFill>
-          <a:blip r:embed="rId7"/>
-          <a:stretch>
-            <a:fillRect/>
-          </a:stretch>
-        </p:blipFill>
-        <p:spPr>
-          <a:xfrm>
-            <a:off x="10854690" y="3367405"/>
-            <a:ext cx="249555" cy="231140"/>
-          </a:xfrm>
-          <a:prstGeom prst="rect">
-            <a:avLst/>
-          </a:prstGeom>
-        </p:spPr>
-      </p:pic>
-      <p:pic>
-        <p:nvPicPr>
-          <p:cNvPr id="35" name="图片 34"/>
+          <p:cNvPr id="38" name="图片 37"/>
           <p:cNvPicPr>
             <a:picLocks noChangeAspect="1"/>
           </p:cNvPicPr>
@@ -6819,78 +7041,6 @@
         </p:blipFill>
         <p:spPr>
           <a:xfrm>
-            <a:off x="11148695" y="3366770"/>
-            <a:ext cx="247650" cy="231775"/>
-          </a:xfrm>
-          <a:prstGeom prst="rect">
-            <a:avLst/>
-          </a:prstGeom>
-        </p:spPr>
-      </p:pic>
-      <p:pic>
-        <p:nvPicPr>
-          <p:cNvPr id="36" name="图片 35"/>
-          <p:cNvPicPr>
-            <a:picLocks noChangeAspect="1"/>
-          </p:cNvPicPr>
-          <p:nvPr/>
-        </p:nvPicPr>
-        <p:blipFill>
-          <a:blip r:embed="rId9"/>
-          <a:stretch>
-            <a:fillRect/>
-          </a:stretch>
-        </p:blipFill>
-        <p:spPr>
-          <a:xfrm>
-            <a:off x="11435715" y="3364230"/>
-            <a:ext cx="248920" cy="233680"/>
-          </a:xfrm>
-          <a:prstGeom prst="rect">
-            <a:avLst/>
-          </a:prstGeom>
-        </p:spPr>
-      </p:pic>
-      <p:pic>
-        <p:nvPicPr>
-          <p:cNvPr id="37" name="图片 36"/>
-          <p:cNvPicPr>
-            <a:picLocks noChangeAspect="1"/>
-          </p:cNvPicPr>
-          <p:nvPr/>
-        </p:nvPicPr>
-        <p:blipFill>
-          <a:blip r:embed="rId10"/>
-          <a:stretch>
-            <a:fillRect/>
-          </a:stretch>
-        </p:blipFill>
-        <p:spPr>
-          <a:xfrm>
-            <a:off x="10857865" y="3367405"/>
-            <a:ext cx="123825" cy="118745"/>
-          </a:xfrm>
-          <a:prstGeom prst="rect">
-            <a:avLst/>
-          </a:prstGeom>
-        </p:spPr>
-      </p:pic>
-      <p:pic>
-        <p:nvPicPr>
-          <p:cNvPr id="38" name="图片 37"/>
-          <p:cNvPicPr>
-            <a:picLocks noChangeAspect="1"/>
-          </p:cNvPicPr>
-          <p:nvPr/>
-        </p:nvPicPr>
-        <p:blipFill>
-          <a:blip r:embed="rId10"/>
-          <a:stretch>
-            <a:fillRect/>
-          </a:stretch>
-        </p:blipFill>
-        <p:spPr>
-          <a:xfrm>
             <a:off x="11151870" y="3367405"/>
             <a:ext cx="123825" cy="118745"/>
           </a:xfrm>
@@ -6908,7 +7058,7 @@
           <p:nvPr/>
         </p:nvPicPr>
         <p:blipFill>
-          <a:blip r:embed="rId10"/>
+          <a:blip r:embed="rId8"/>
           <a:stretch>
             <a:fillRect/>
           </a:stretch>
@@ -6963,6 +7113,16 @@
               </a:rPr>
               <a:t>conv 1x1</a:t>
             </a:r>
+            <a:endParaRPr lang="en-US" altLang="zh-CN" sz="1200" b="1">
+              <a:solidFill>
+                <a:schemeClr val="tx1">
+                  <a:lumMod val="50000"/>
+                  <a:lumOff val="50000"/>
+                </a:schemeClr>
+              </a:solidFill>
+              <a:latin typeface="微软雅黑" panose="020B0503020204020204" charset="-122"/>
+              <a:ea typeface="微软雅黑" panose="020B0503020204020204" charset="-122"/>
+            </a:endParaRPr>
           </a:p>
         </p:txBody>
       </p:sp>
@@ -7002,6 +7162,16 @@
               </a:rPr>
               <a:t>fc7</a:t>
             </a:r>
+            <a:endParaRPr lang="en-US" altLang="zh-CN" sz="1400" b="1">
+              <a:solidFill>
+                <a:schemeClr val="tx1">
+                  <a:lumMod val="65000"/>
+                  <a:lumOff val="35000"/>
+                </a:schemeClr>
+              </a:solidFill>
+              <a:latin typeface="微软雅黑" panose="020B0503020204020204" charset="-122"/>
+              <a:ea typeface="微软雅黑" panose="020B0503020204020204" charset="-122"/>
+            </a:endParaRPr>
           </a:p>
         </p:txBody>
       </p:sp>
@@ -7045,6 +7215,16 @@
               </a:rPr>
               <a:t>conv 1x1</a:t>
             </a:r>
+            <a:endParaRPr lang="en-US" altLang="zh-CN" sz="1200" b="1">
+              <a:solidFill>
+                <a:schemeClr val="tx1">
+                  <a:lumMod val="50000"/>
+                  <a:lumOff val="50000"/>
+                </a:schemeClr>
+              </a:solidFill>
+              <a:latin typeface="微软雅黑" panose="020B0503020204020204" charset="-122"/>
+              <a:ea typeface="微软雅黑" panose="020B0503020204020204" charset="-122"/>
+            </a:endParaRPr>
           </a:p>
         </p:txBody>
       </p:sp>
@@ -7084,6 +7264,16 @@
               </a:rPr>
               <a:t>fc8</a:t>
             </a:r>
+            <a:endParaRPr lang="en-US" altLang="zh-CN" sz="1400" b="1">
+              <a:solidFill>
+                <a:schemeClr val="tx1">
+                  <a:lumMod val="65000"/>
+                  <a:lumOff val="35000"/>
+                </a:schemeClr>
+              </a:solidFill>
+              <a:latin typeface="微软雅黑" panose="020B0503020204020204" charset="-122"/>
+              <a:ea typeface="微软雅黑" panose="020B0503020204020204" charset="-122"/>
+            </a:endParaRPr>
           </a:p>
         </p:txBody>
       </p:sp>
@@ -7235,6 +7425,15 @@
               </a:rPr>
               <a:t>221x221x96</a:t>
             </a:r>
+            <a:endParaRPr lang="en-US" altLang="zh-CN" sz="800">
+              <a:solidFill>
+                <a:schemeClr val="tx1">
+                  <a:lumMod val="50000"/>
+                  <a:lumOff val="50000"/>
+                </a:schemeClr>
+              </a:solidFill>
+              <a:latin typeface="Arial" panose="020B0604020202090204" pitchFamily="34" charset="0"/>
+            </a:endParaRPr>
           </a:p>
         </p:txBody>
       </p:sp>
@@ -7292,6 +7491,15 @@
               </a:rPr>
               <a:t>36x36x256</a:t>
             </a:r>
+            <a:endParaRPr lang="en-US" altLang="zh-CN" sz="800">
+              <a:solidFill>
+                <a:schemeClr val="tx1">
+                  <a:lumMod val="50000"/>
+                  <a:lumOff val="50000"/>
+                </a:schemeClr>
+              </a:solidFill>
+              <a:latin typeface="Arial" panose="020B0604020202090204" pitchFamily="34" charset="0"/>
+            </a:endParaRPr>
           </a:p>
         </p:txBody>
       </p:sp>
@@ -7349,6 +7557,15 @@
               </a:rPr>
               <a:t>15x15x512</a:t>
             </a:r>
+            <a:endParaRPr lang="en-US" altLang="zh-CN" sz="800">
+              <a:solidFill>
+                <a:schemeClr val="tx1">
+                  <a:lumMod val="50000"/>
+                  <a:lumOff val="50000"/>
+                </a:schemeClr>
+              </a:solidFill>
+              <a:latin typeface="Arial" panose="020B0604020202090204" pitchFamily="34" charset="0"/>
+            </a:endParaRPr>
           </a:p>
         </p:txBody>
       </p:sp>
@@ -7406,6 +7623,15 @@
               </a:rPr>
               <a:t>15x15x512</a:t>
             </a:r>
+            <a:endParaRPr lang="en-US" altLang="zh-CN" sz="800">
+              <a:solidFill>
+                <a:schemeClr val="tx1">
+                  <a:lumMod val="50000"/>
+                  <a:lumOff val="50000"/>
+                </a:schemeClr>
+              </a:solidFill>
+              <a:latin typeface="Arial" panose="020B0604020202090204" pitchFamily="34" charset="0"/>
+            </a:endParaRPr>
           </a:p>
         </p:txBody>
       </p:sp>
@@ -7463,6 +7689,15 @@
               </a:rPr>
               <a:t>15x15x1024</a:t>
             </a:r>
+            <a:endParaRPr lang="en-US" altLang="zh-CN" sz="800">
+              <a:solidFill>
+                <a:schemeClr val="tx1">
+                  <a:lumMod val="50000"/>
+                  <a:lumOff val="50000"/>
+                </a:schemeClr>
+              </a:solidFill>
+              <a:latin typeface="Arial" panose="020B0604020202090204" pitchFamily="34" charset="0"/>
+            </a:endParaRPr>
           </a:p>
         </p:txBody>
       </p:sp>
@@ -7499,6 +7734,13 @@
               </a:rPr>
               <a:t>Regressor</a:t>
             </a:r>
+            <a:endParaRPr lang="en-US" altLang="zh-CN" b="1">
+              <a:solidFill>
+                <a:srgbClr val="0070C0"/>
+              </a:solidFill>
+              <a:latin typeface="微软雅黑" panose="020B0503020204020204" charset="-122"/>
+              <a:ea typeface="微软雅黑" panose="020B0503020204020204" charset="-122"/>
+            </a:endParaRPr>
           </a:p>
         </p:txBody>
       </p:sp>
@@ -7538,6 +7780,16 @@
               </a:rPr>
               <a:t>fc6</a:t>
             </a:r>
+            <a:endParaRPr lang="en-US" altLang="zh-CN" sz="1400" b="1">
+              <a:solidFill>
+                <a:schemeClr val="tx1">
+                  <a:lumMod val="65000"/>
+                  <a:lumOff val="35000"/>
+                </a:schemeClr>
+              </a:solidFill>
+              <a:latin typeface="微软雅黑" panose="020B0503020204020204" charset="-122"/>
+              <a:ea typeface="微软雅黑" panose="020B0503020204020204" charset="-122"/>
+            </a:endParaRPr>
           </a:p>
           <a:p>
             <a:pPr algn="ctr"/>
@@ -7567,6 +7819,16 @@
               </a:rPr>
               <a:t>通道</a:t>
             </a:r>
+            <a:endParaRPr lang="zh-CN" altLang="en-US" sz="1000" b="1">
+              <a:solidFill>
+                <a:schemeClr val="tx1">
+                  <a:lumMod val="65000"/>
+                  <a:lumOff val="35000"/>
+                </a:schemeClr>
+              </a:solidFill>
+              <a:latin typeface="微软雅黑" panose="020B0503020204020204" charset="-122"/>
+              <a:ea typeface="微软雅黑" panose="020B0503020204020204" charset="-122"/>
+            </a:endParaRPr>
           </a:p>
         </p:txBody>
       </p:sp>
@@ -7606,6 +7868,16 @@
               </a:rPr>
               <a:t>fc7</a:t>
             </a:r>
+            <a:endParaRPr lang="en-US" altLang="zh-CN" sz="1400" b="1">
+              <a:solidFill>
+                <a:schemeClr val="tx1">
+                  <a:lumMod val="65000"/>
+                  <a:lumOff val="35000"/>
+                </a:schemeClr>
+              </a:solidFill>
+              <a:latin typeface="微软雅黑" panose="020B0503020204020204" charset="-122"/>
+              <a:ea typeface="微软雅黑" panose="020B0503020204020204" charset="-122"/>
+            </a:endParaRPr>
           </a:p>
           <a:p>
             <a:pPr algn="ctr"/>
@@ -7699,6 +7971,16 @@
               </a:rPr>
               <a:t>fc8</a:t>
             </a:r>
+            <a:endParaRPr lang="en-US" altLang="zh-CN" sz="1400" b="1">
+              <a:solidFill>
+                <a:schemeClr val="tx1">
+                  <a:lumMod val="65000"/>
+                  <a:lumOff val="35000"/>
+                </a:schemeClr>
+              </a:solidFill>
+              <a:latin typeface="微软雅黑" panose="020B0503020204020204" charset="-122"/>
+              <a:ea typeface="微软雅黑" panose="020B0503020204020204" charset="-122"/>
+            </a:endParaRPr>
           </a:p>
           <a:p>
             <a:pPr algn="ctr"/>
@@ -7728,6 +8010,16 @@
               </a:rPr>
               <a:t>通道</a:t>
             </a:r>
+            <a:endParaRPr lang="zh-CN" altLang="en-US" sz="1000" b="1">
+              <a:solidFill>
+                <a:schemeClr val="tx1">
+                  <a:lumMod val="65000"/>
+                  <a:lumOff val="35000"/>
+                </a:schemeClr>
+              </a:solidFill>
+              <a:latin typeface="微软雅黑" panose="020B0503020204020204" charset="-122"/>
+              <a:ea typeface="微软雅黑" panose="020B0503020204020204" charset="-122"/>
+            </a:endParaRPr>
           </a:p>
         </p:txBody>
       </p:sp>
@@ -7768,6 +8060,13 @@
               </a:rPr>
               <a:t>全卷积网络</a:t>
             </a:r>
+            <a:endParaRPr lang="zh-CN" altLang="en-US" b="1">
+              <a:solidFill>
+                <a:srgbClr val="C00000"/>
+              </a:solidFill>
+              <a:latin typeface="微软雅黑" panose="020B0503020204020204" charset="-122"/>
+              <a:ea typeface="微软雅黑" panose="020B0503020204020204" charset="-122"/>
+            </a:endParaRPr>
           </a:p>
         </p:txBody>
       </p:sp>
@@ -7833,6 +8132,16 @@
               </a:rPr>
               <a:t>通道</a:t>
             </a:r>
+            <a:endParaRPr lang="zh-CN" altLang="en-US" sz="1000" b="1">
+              <a:solidFill>
+                <a:schemeClr val="tx1">
+                  <a:lumMod val="65000"/>
+                  <a:lumOff val="35000"/>
+                </a:schemeClr>
+              </a:solidFill>
+              <a:latin typeface="微软雅黑" panose="020B0503020204020204" charset="-122"/>
+              <a:ea typeface="微软雅黑" panose="020B0503020204020204" charset="-122"/>
+            </a:endParaRPr>
           </a:p>
         </p:txBody>
       </p:sp>
@@ -7951,6 +8260,16 @@
               </a:rPr>
               <a:t>Sliding Windows</a:t>
             </a:r>
+            <a:endParaRPr lang="en-US" altLang="zh-CN" sz="1400" b="1">
+              <a:solidFill>
+                <a:schemeClr val="tx1">
+                  <a:lumMod val="50000"/>
+                  <a:lumOff val="50000"/>
+                </a:schemeClr>
+              </a:solidFill>
+              <a:latin typeface="微软雅黑" panose="020B0503020204020204" charset="-122"/>
+              <a:ea typeface="微软雅黑" panose="020B0503020204020204" charset="-122"/>
+            </a:endParaRPr>
           </a:p>
           <a:p>
             <a:pPr algn="ctr">
@@ -7971,6 +8290,16 @@
               </a:rPr>
               <a:t>产生的多个预测值被</a:t>
             </a:r>
+            <a:endParaRPr lang="zh-CN" altLang="en-US" sz="1400" b="1">
+              <a:solidFill>
+                <a:schemeClr val="tx1">
+                  <a:lumMod val="50000"/>
+                  <a:lumOff val="50000"/>
+                </a:schemeClr>
+              </a:solidFill>
+              <a:latin typeface="微软雅黑" panose="020B0503020204020204" charset="-122"/>
+              <a:ea typeface="微软雅黑" panose="020B0503020204020204" charset="-122"/>
+            </a:endParaRPr>
           </a:p>
           <a:p>
             <a:pPr algn="ctr">
@@ -8017,18 +8346,22 @@
               </a:rPr>
               <a:t>交叉验证丢弃</a:t>
             </a:r>
-          </a:p>
-        </p:txBody>
-      </p:sp>
-      <p:sp>
-        <p:nvSpPr>
-          <p:cNvPr id="48" name="文本框 47">
-            <a:extLst>
-              <a:ext uri="{FF2B5EF4-FFF2-40B4-BE49-F238E27FC236}">
-                <a16:creationId xmlns:a16="http://schemas.microsoft.com/office/drawing/2014/main" id="{A9D6D086-8338-4BE5-A402-A65DF54C93A8}"/>
-              </a:ext>
-            </a:extLst>
-          </p:cNvPr>
+            <a:endParaRPr lang="zh-CN" altLang="en-US" sz="1400" b="1">
+              <a:solidFill>
+                <a:schemeClr val="tx1">
+                  <a:lumMod val="50000"/>
+                  <a:lumOff val="50000"/>
+                </a:schemeClr>
+              </a:solidFill>
+              <a:latin typeface="微软雅黑" panose="020B0503020204020204" charset="-122"/>
+              <a:ea typeface="微软雅黑" panose="020B0503020204020204" charset="-122"/>
+            </a:endParaRPr>
+          </a:p>
+        </p:txBody>
+      </p:sp>
+      <p:sp>
+        <p:nvSpPr>
+          <p:cNvPr id="48" name="文本框 47"/>
           <p:cNvSpPr txBox="1"/>
           <p:nvPr/>
         </p:nvSpPr>
@@ -8055,6 +8388,10 @@
               </a:rPr>
               <a:t>WGAN - 2017</a:t>
             </a:r>
+            <a:endParaRPr lang="en-US" altLang="zh-CN" sz="2000" b="1" dirty="0">
+              <a:latin typeface="微软雅黑" panose="020B0503020204020204" charset="-122"/>
+              <a:ea typeface="微软雅黑" panose="020B0503020204020204" charset="-122"/>
+            </a:endParaRPr>
           </a:p>
         </p:txBody>
       </p:sp>
@@ -8113,6 +8450,10 @@
               </a:rPr>
               <a:t>227x227x3</a:t>
             </a:r>
+            <a:endParaRPr lang="en-US" altLang="zh-CN" sz="1000">
+              <a:latin typeface="微软雅黑" panose="020B0503020204020204" charset="-122"/>
+              <a:ea typeface="微软雅黑" panose="020B0503020204020204" charset="-122"/>
+            </a:endParaRPr>
           </a:p>
         </p:txBody>
       </p:sp>
@@ -8159,6 +8500,13 @@
               </a:rPr>
               <a:t>输入图像</a:t>
             </a:r>
+            <a:endParaRPr lang="zh-CN" altLang="en-US" sz="1400" b="1">
+              <a:solidFill>
+                <a:srgbClr val="0070C0"/>
+              </a:solidFill>
+              <a:latin typeface="微软雅黑" panose="020B0503020204020204" charset="-122"/>
+              <a:ea typeface="微软雅黑" panose="020B0503020204020204" charset="-122"/>
+            </a:endParaRPr>
           </a:p>
         </p:txBody>
       </p:sp>
@@ -8225,6 +8573,13 @@
               </a:rPr>
               <a:t>）</a:t>
             </a:r>
+            <a:endParaRPr lang="zh-CN" altLang="en-US" sz="1400" b="1">
+              <a:solidFill>
+                <a:srgbClr val="0070C0"/>
+              </a:solidFill>
+              <a:latin typeface="微软雅黑" panose="020B0503020204020204" charset="-122"/>
+              <a:ea typeface="微软雅黑" panose="020B0503020204020204" charset="-122"/>
+            </a:endParaRPr>
           </a:p>
         </p:txBody>
       </p:sp>
@@ -8281,6 +8636,13 @@
               </a:rPr>
               <a:t>）</a:t>
             </a:r>
+            <a:endParaRPr lang="zh-CN" altLang="en-US" sz="1400" b="1">
+              <a:solidFill>
+                <a:srgbClr val="0070C0"/>
+              </a:solidFill>
+              <a:latin typeface="微软雅黑" panose="020B0503020204020204" charset="-122"/>
+              <a:ea typeface="微软雅黑" panose="020B0503020204020204" charset="-122"/>
+            </a:endParaRPr>
           </a:p>
         </p:txBody>
       </p:sp>
@@ -8393,6 +8755,13 @@
               </a:rPr>
               <a:t>图像仿射扭曲</a:t>
             </a:r>
+            <a:endParaRPr lang="zh-CN" altLang="en-US" sz="1400" b="1">
+              <a:solidFill>
+                <a:srgbClr val="0070C0"/>
+              </a:solidFill>
+              <a:latin typeface="微软雅黑" panose="020B0503020204020204" charset="-122"/>
+              <a:ea typeface="微软雅黑" panose="020B0503020204020204" charset="-122"/>
+            </a:endParaRPr>
           </a:p>
         </p:txBody>
       </p:sp>
@@ -8464,6 +8833,16 @@
               </a:rPr>
               <a:t>维</a:t>
             </a:r>
+            <a:endParaRPr lang="zh-CN" altLang="en-US" sz="1200">
+              <a:solidFill>
+                <a:schemeClr val="tx1">
+                  <a:lumMod val="50000"/>
+                  <a:lumOff val="50000"/>
+                </a:schemeClr>
+              </a:solidFill>
+              <a:latin typeface="微软雅黑" panose="020B0503020204020204" charset="-122"/>
+              <a:ea typeface="微软雅黑" panose="020B0503020204020204" charset="-122"/>
+            </a:endParaRPr>
           </a:p>
           <a:p>
             <a:pPr indent="0" algn="l">
@@ -8499,6 +8878,16 @@
               </a:rPr>
               <a:t>非零</a:t>
             </a:r>
+            <a:endParaRPr lang="zh-CN" altLang="en-US" sz="1200">
+              <a:solidFill>
+                <a:schemeClr val="tx1">
+                  <a:lumMod val="50000"/>
+                  <a:lumOff val="50000"/>
+                </a:schemeClr>
+              </a:solidFill>
+              <a:latin typeface="微软雅黑" panose="020B0503020204020204" charset="-122"/>
+              <a:ea typeface="微软雅黑" panose="020B0503020204020204" charset="-122"/>
+            </a:endParaRPr>
           </a:p>
           <a:p>
             <a:pPr marL="285750" indent="-285750" algn="l">
@@ -8566,6 +8955,16 @@
               </a:rPr>
               <a:t>维</a:t>
             </a:r>
+            <a:endParaRPr lang="zh-CN" altLang="en-US" sz="1200">
+              <a:solidFill>
+                <a:schemeClr val="tx1">
+                  <a:lumMod val="50000"/>
+                  <a:lumOff val="50000"/>
+                </a:schemeClr>
+              </a:solidFill>
+              <a:latin typeface="微软雅黑" panose="020B0503020204020204" charset="-122"/>
+              <a:ea typeface="微软雅黑" panose="020B0503020204020204" charset="-122"/>
+            </a:endParaRPr>
           </a:p>
           <a:p>
             <a:pPr indent="0" algn="l">
@@ -8601,6 +9000,16 @@
               </a:rPr>
               <a:t>非零</a:t>
             </a:r>
+            <a:endParaRPr lang="zh-CN" altLang="en-US" sz="1200">
+              <a:solidFill>
+                <a:schemeClr val="tx1">
+                  <a:lumMod val="50000"/>
+                  <a:lumOff val="50000"/>
+                </a:schemeClr>
+              </a:solidFill>
+              <a:latin typeface="微软雅黑" panose="020B0503020204020204" charset="-122"/>
+              <a:ea typeface="微软雅黑" panose="020B0503020204020204" charset="-122"/>
+            </a:endParaRPr>
           </a:p>
           <a:p>
             <a:pPr marL="285750" indent="-285750" algn="l">
@@ -8718,6 +9127,17 @@
               </a:rPr>
               <a:t>非零</a:t>
             </a:r>
+            <a:endParaRPr lang="zh-CN" altLang="en-US" sz="1200">
+              <a:solidFill>
+                <a:schemeClr val="tx1">
+                  <a:lumMod val="50000"/>
+                  <a:lumOff val="50000"/>
+                </a:schemeClr>
+              </a:solidFill>
+              <a:latin typeface="微软雅黑" panose="020B0503020204020204" charset="-122"/>
+              <a:ea typeface="微软雅黑" panose="020B0503020204020204" charset="-122"/>
+              <a:sym typeface="+mn-ea"/>
+            </a:endParaRPr>
           </a:p>
         </p:txBody>
       </p:sp>
@@ -8798,6 +9218,13 @@
               </a:rPr>
               <a:t>每一类都训练一个</a:t>
             </a:r>
+            <a:endParaRPr lang="zh-CN" altLang="en-US" sz="1400" b="1">
+              <a:solidFill>
+                <a:srgbClr val="0070C0"/>
+              </a:solidFill>
+              <a:latin typeface="微软雅黑" panose="020B0503020204020204" charset="-122"/>
+              <a:ea typeface="微软雅黑" panose="020B0503020204020204" charset="-122"/>
+            </a:endParaRPr>
           </a:p>
           <a:p>
             <a:pPr algn="ctr">
@@ -8855,6 +9282,13 @@
               </a:rPr>
               <a:t>背景）</a:t>
             </a:r>
+            <a:endParaRPr lang="zh-CN" altLang="en-US" sz="1400" b="1">
+              <a:solidFill>
+                <a:srgbClr val="0070C0"/>
+              </a:solidFill>
+              <a:latin typeface="微软雅黑" panose="020B0503020204020204" charset="-122"/>
+              <a:ea typeface="微软雅黑" panose="020B0503020204020204" charset="-122"/>
+            </a:endParaRPr>
           </a:p>
         </p:txBody>
       </p:sp>
@@ -8975,6 +9409,13 @@
               </a:rPr>
               <a:t>检测</a:t>
             </a:r>
+            <a:endParaRPr lang="zh-CN" altLang="en-US" sz="1600" b="1" u="sng">
+              <a:solidFill>
+                <a:srgbClr val="C00000"/>
+              </a:solidFill>
+              <a:latin typeface="微软雅黑" panose="020B0503020204020204" charset="-122"/>
+              <a:ea typeface="微软雅黑" panose="020B0503020204020204" charset="-122"/>
+            </a:endParaRPr>
           </a:p>
           <a:p>
             <a:pPr algn="ctr">
@@ -9060,6 +9501,16 @@
               </a:rPr>
               <a:t> 多个分类器 </a:t>
             </a:r>
+            <a:endParaRPr lang="zh-CN" altLang="en-US" sz="1200" b="1">
+              <a:solidFill>
+                <a:schemeClr val="tx1">
+                  <a:lumMod val="50000"/>
+                  <a:lumOff val="50000"/>
+                </a:schemeClr>
+              </a:solidFill>
+              <a:latin typeface="微软雅黑" panose="020B0503020204020204" charset="-122"/>
+              <a:ea typeface="微软雅黑" panose="020B0503020204020204" charset="-122"/>
+            </a:endParaRPr>
           </a:p>
         </p:txBody>
       </p:sp>
@@ -9106,6 +9557,13 @@
               </a:rPr>
               <a:t>提取特征向量</a:t>
             </a:r>
+            <a:endParaRPr lang="zh-CN" altLang="en-US" sz="1400" b="1">
+              <a:solidFill>
+                <a:srgbClr val="0070C0"/>
+              </a:solidFill>
+              <a:latin typeface="微软雅黑" panose="020B0503020204020204" charset="-122"/>
+              <a:ea typeface="微软雅黑" panose="020B0503020204020204" charset="-122"/>
+            </a:endParaRPr>
           </a:p>
         </p:txBody>
       </p:sp>
@@ -9162,18 +9620,19 @@
               </a:rPr>
               <a:t>定位问题微调</a:t>
             </a:r>
-          </a:p>
-        </p:txBody>
-      </p:sp>
-      <p:sp>
-        <p:nvSpPr>
-          <p:cNvPr id="14" name="文本框 13">
-            <a:extLst>
-              <a:ext uri="{FF2B5EF4-FFF2-40B4-BE49-F238E27FC236}">
-                <a16:creationId xmlns:a16="http://schemas.microsoft.com/office/drawing/2014/main" id="{612F62E8-F196-4535-9C30-D10F92AB65F4}"/>
-              </a:ext>
-            </a:extLst>
-          </p:cNvPr>
+            <a:endParaRPr lang="zh-CN" altLang="en-US" sz="1400" b="1">
+              <a:solidFill>
+                <a:srgbClr val="0070C0"/>
+              </a:solidFill>
+              <a:latin typeface="微软雅黑" panose="020B0503020204020204" charset="-122"/>
+              <a:ea typeface="微软雅黑" panose="020B0503020204020204" charset="-122"/>
+            </a:endParaRPr>
+          </a:p>
+        </p:txBody>
+      </p:sp>
+      <p:sp>
+        <p:nvSpPr>
+          <p:cNvPr id="14" name="文本框 13"/>
           <p:cNvSpPr txBox="1"/>
           <p:nvPr/>
         </p:nvSpPr>
@@ -9420,6 +9879,15 @@
               </a:rPr>
               <a:t>, </a:t>
             </a:r>
+            <a:endParaRPr lang="en-US" altLang="zh-CN" sz="1000">
+              <a:solidFill>
+                <a:schemeClr val="bg1">
+                  <a:lumMod val="65000"/>
+                </a:schemeClr>
+              </a:solidFill>
+              <a:latin typeface="微软雅黑" panose="020B0503020204020204" charset="-122"/>
+              <a:ea typeface="微软雅黑" panose="020B0503020204020204" charset="-122"/>
+            </a:endParaRPr>
           </a:p>
           <a:p>
             <a:pPr algn="ctr">
@@ -9463,6 +9931,15 @@
               </a:rPr>
               <a:t>中心点</a:t>
             </a:r>
+            <a:endParaRPr lang="zh-CN" altLang="en-US" sz="1000">
+              <a:solidFill>
+                <a:schemeClr val="bg1">
+                  <a:lumMod val="65000"/>
+                </a:schemeClr>
+              </a:solidFill>
+              <a:latin typeface="微软雅黑" panose="020B0503020204020204" charset="-122"/>
+              <a:ea typeface="微软雅黑" panose="020B0503020204020204" charset="-122"/>
+            </a:endParaRPr>
           </a:p>
         </p:txBody>
       </p:sp>
@@ -9505,6 +9982,15 @@
               </a:rPr>
               <a:t>中心点</a:t>
             </a:r>
+            <a:endParaRPr lang="zh-CN" altLang="en-US" sz="1000">
+              <a:solidFill>
+                <a:schemeClr val="bg1">
+                  <a:lumMod val="65000"/>
+                </a:schemeClr>
+              </a:solidFill>
+              <a:latin typeface="微软雅黑" panose="020B0503020204020204" charset="-122"/>
+              <a:ea typeface="微软雅黑" panose="020B0503020204020204" charset="-122"/>
+            </a:endParaRPr>
           </a:p>
           <a:p>
             <a:pPr algn="ctr">
@@ -9584,6 +10070,13 @@
               </a:rPr>
               <a:t>3x3=9</a:t>
             </a:r>
+            <a:endParaRPr lang="en-US" altLang="zh-CN" sz="1000" b="1">
+              <a:solidFill>
+                <a:schemeClr val="tx1"/>
+              </a:solidFill>
+              <a:latin typeface="微软雅黑" panose="020B0503020204020204" charset="-122"/>
+              <a:ea typeface="微软雅黑" panose="020B0503020204020204" charset="-122"/>
+            </a:endParaRPr>
           </a:p>
         </p:txBody>
       </p:sp>
@@ -9626,6 +10119,15 @@
               </a:rPr>
               <a:t>Anchor Box</a:t>
             </a:r>
+            <a:endParaRPr lang="en-US" sz="1000">
+              <a:solidFill>
+                <a:schemeClr val="bg1">
+                  <a:lumMod val="65000"/>
+                </a:schemeClr>
+              </a:solidFill>
+              <a:latin typeface="微软雅黑" panose="020B0503020204020204" charset="-122"/>
+              <a:ea typeface="微软雅黑" panose="020B0503020204020204" charset="-122"/>
+            </a:endParaRPr>
           </a:p>
           <a:p>
             <a:pPr algn="ctr">
@@ -9645,6 +10147,15 @@
               </a:rPr>
               <a:t>在原图中的显示</a:t>
             </a:r>
+            <a:endParaRPr lang="zh-CN" altLang="en-US" sz="1000">
+              <a:solidFill>
+                <a:schemeClr val="bg1">
+                  <a:lumMod val="65000"/>
+                </a:schemeClr>
+              </a:solidFill>
+              <a:latin typeface="微软雅黑" panose="020B0503020204020204" charset="-122"/>
+              <a:ea typeface="微软雅黑" panose="020B0503020204020204" charset="-122"/>
+            </a:endParaRPr>
           </a:p>
         </p:txBody>
       </p:sp>
@@ -9687,6 +10198,15 @@
               </a:rPr>
               <a:t>原图中所有的</a:t>
             </a:r>
+            <a:endParaRPr lang="zh-CN" altLang="en-US" sz="1000" dirty="0">
+              <a:solidFill>
+                <a:schemeClr val="bg1">
+                  <a:lumMod val="65000"/>
+                </a:schemeClr>
+              </a:solidFill>
+              <a:latin typeface="微软雅黑" panose="020B0503020204020204" charset="-122"/>
+              <a:ea typeface="微软雅黑" panose="020B0503020204020204" charset="-122"/>
+            </a:endParaRPr>
           </a:p>
           <a:p>
             <a:pPr algn="ctr">
@@ -9707,6 +10227,16 @@
               </a:rPr>
               <a:t>Anchor Box</a:t>
             </a:r>
+            <a:endParaRPr lang="en-US" sz="1000" dirty="0">
+              <a:solidFill>
+                <a:schemeClr val="bg1">
+                  <a:lumMod val="65000"/>
+                </a:schemeClr>
+              </a:solidFill>
+              <a:latin typeface="微软雅黑" panose="020B0503020204020204" charset="-122"/>
+              <a:ea typeface="微软雅黑" panose="020B0503020204020204" charset="-122"/>
+              <a:sym typeface="+mn-ea"/>
+            </a:endParaRPr>
           </a:p>
           <a:p>
             <a:pPr algn="ctr">
@@ -9810,6 +10340,15 @@
               </a:rPr>
               <a:t>比例，</a:t>
             </a:r>
+            <a:endParaRPr lang="zh-CN" altLang="en-US" sz="1000">
+              <a:solidFill>
+                <a:schemeClr val="bg1">
+                  <a:lumMod val="65000"/>
+                </a:schemeClr>
+              </a:solidFill>
+              <a:latin typeface="微软雅黑" panose="020B0503020204020204" charset="-122"/>
+              <a:ea typeface="微软雅黑" panose="020B0503020204020204" charset="-122"/>
+            </a:endParaRPr>
           </a:p>
           <a:p>
             <a:pPr algn="ctr">
@@ -9853,6 +10392,15 @@
               </a:rPr>
               <a:t>原图像中</a:t>
             </a:r>
+            <a:endParaRPr lang="zh-CN" altLang="en-US" sz="1000">
+              <a:solidFill>
+                <a:schemeClr val="bg1">
+                  <a:lumMod val="65000"/>
+                </a:schemeClr>
+              </a:solidFill>
+              <a:latin typeface="微软雅黑" panose="020B0503020204020204" charset="-122"/>
+              <a:ea typeface="微软雅黑" panose="020B0503020204020204" charset="-122"/>
+            </a:endParaRPr>
           </a:p>
           <a:p>
             <a:pPr algn="ctr">
@@ -9872,6 +10420,15 @@
               </a:rPr>
               <a:t>几乎所有物体外框</a:t>
             </a:r>
+            <a:endParaRPr lang="zh-CN" altLang="en-US" sz="1000">
+              <a:solidFill>
+                <a:schemeClr val="bg1">
+                  <a:lumMod val="65000"/>
+                </a:schemeClr>
+              </a:solidFill>
+              <a:latin typeface="微软雅黑" panose="020B0503020204020204" charset="-122"/>
+              <a:ea typeface="微软雅黑" panose="020B0503020204020204" charset="-122"/>
+            </a:endParaRPr>
           </a:p>
         </p:txBody>
       </p:sp>
@@ -9930,13 +10487,7 @@
       </p:sp>
       <p:sp>
         <p:nvSpPr>
-          <p:cNvPr id="9" name="文本框 8">
-            <a:extLst>
-              <a:ext uri="{FF2B5EF4-FFF2-40B4-BE49-F238E27FC236}">
-                <a16:creationId xmlns:a16="http://schemas.microsoft.com/office/drawing/2014/main" id="{C04F8F37-F87E-4334-A539-77A56FA3EAD4}"/>
-              </a:ext>
-            </a:extLst>
-          </p:cNvPr>
+          <p:cNvPr id="9" name="文本框 8"/>
           <p:cNvSpPr txBox="1"/>
           <p:nvPr/>
         </p:nvSpPr>
@@ -9970,6 +10521,10 @@
               </a:rPr>
               <a:t> - 2016</a:t>
             </a:r>
+            <a:endParaRPr lang="en-US" altLang="zh-CN" sz="2000" b="1" dirty="0">
+              <a:latin typeface="微软雅黑" panose="020B0503020204020204" charset="-122"/>
+              <a:ea typeface="微软雅黑" panose="020B0503020204020204" charset="-122"/>
+            </a:endParaRPr>
           </a:p>
         </p:txBody>
       </p:sp>
@@ -10041,6 +10596,13 @@
               </a:rPr>
               <a:t>作为特征提取器</a:t>
             </a:r>
+            <a:endParaRPr lang="zh-CN" altLang="en-US" sz="1200" b="1">
+              <a:solidFill>
+                <a:srgbClr val="0070C0"/>
+              </a:solidFill>
+              <a:latin typeface="微软雅黑" panose="020B0503020204020204" charset="-122"/>
+              <a:ea typeface="微软雅黑" panose="020B0503020204020204" charset="-122"/>
+            </a:endParaRPr>
           </a:p>
         </p:txBody>
       </p:sp>
@@ -10097,6 +10659,13 @@
               </a:rPr>
               <a:t>ROIs</a:t>
             </a:r>
+            <a:endParaRPr lang="en-US" altLang="zh-CN" sz="1200" b="1">
+              <a:solidFill>
+                <a:srgbClr val="0070C0"/>
+              </a:solidFill>
+              <a:latin typeface="微软雅黑" panose="020B0503020204020204" charset="-122"/>
+              <a:ea typeface="微软雅黑" panose="020B0503020204020204" charset="-122"/>
+            </a:endParaRPr>
           </a:p>
         </p:txBody>
       </p:sp>
@@ -10137,6 +10706,13 @@
               </a:rPr>
               <a:t>元素相加</a:t>
             </a:r>
+            <a:endParaRPr lang="zh-CN" altLang="en-US" sz="1200" b="1">
+              <a:solidFill>
+                <a:srgbClr val="C00000"/>
+              </a:solidFill>
+              <a:latin typeface="微软雅黑" panose="020B0503020204020204" charset="-122"/>
+              <a:ea typeface="微软雅黑" panose="020B0503020204020204" charset="-122"/>
+            </a:endParaRPr>
           </a:p>
         </p:txBody>
       </p:sp>
@@ -10187,6 +10763,13 @@
               </a:rPr>
               <a:t>卷积将两张特征图合并，防止失真</a:t>
             </a:r>
+            <a:endParaRPr lang="zh-CN" altLang="en-US" sz="1200" b="1">
+              <a:solidFill>
+                <a:srgbClr val="FC0280"/>
+              </a:solidFill>
+              <a:latin typeface="微软雅黑" panose="020B0503020204020204" charset="-122"/>
+              <a:ea typeface="微软雅黑" panose="020B0503020204020204" charset="-122"/>
+            </a:endParaRPr>
           </a:p>
         </p:txBody>
       </p:sp>
@@ -10237,6 +10820,13 @@
               </a:rPr>
               <a:t>卷积改变通道大小</a:t>
             </a:r>
+            <a:endParaRPr lang="zh-CN" altLang="en-US" sz="1200" b="1">
+              <a:solidFill>
+                <a:srgbClr val="C00000"/>
+              </a:solidFill>
+              <a:latin typeface="微软雅黑" panose="020B0503020204020204" charset="-122"/>
+              <a:ea typeface="微软雅黑" panose="020B0503020204020204" charset="-122"/>
+            </a:endParaRPr>
           </a:p>
         </p:txBody>
       </p:sp>
@@ -10293,6 +10883,13 @@
               </a:rPr>
               <a:t>的宽和高选择特征图</a:t>
             </a:r>
+            <a:endParaRPr lang="zh-CN" altLang="en-US" sz="1200" b="1">
+              <a:solidFill>
+                <a:srgbClr val="0070C0"/>
+              </a:solidFill>
+              <a:latin typeface="微软雅黑" panose="020B0503020204020204" charset="-122"/>
+              <a:ea typeface="微软雅黑" panose="020B0503020204020204" charset="-122"/>
+            </a:endParaRPr>
           </a:p>
         </p:txBody>
       </p:sp>
@@ -10351,13 +10948,7 @@
       </p:sp>
       <p:sp>
         <p:nvSpPr>
-          <p:cNvPr id="10" name="文本框 9">
-            <a:extLst>
-              <a:ext uri="{FF2B5EF4-FFF2-40B4-BE49-F238E27FC236}">
-                <a16:creationId xmlns:a16="http://schemas.microsoft.com/office/drawing/2014/main" id="{84F5E3DA-7BD7-4A0F-98F4-269EE10F9D2F}"/>
-              </a:ext>
-            </a:extLst>
-          </p:cNvPr>
+          <p:cNvPr id="10" name="文本框 9"/>
           <p:cNvSpPr txBox="1"/>
           <p:nvPr/>
         </p:nvSpPr>
@@ -10391,6 +10982,10 @@
               </a:rPr>
               <a:t> - 2016</a:t>
             </a:r>
+            <a:endParaRPr lang="en-US" altLang="zh-CN" sz="2000" b="1" dirty="0">
+              <a:latin typeface="微软雅黑" panose="020B0503020204020204" charset="-122"/>
+              <a:ea typeface="微软雅黑" panose="020B0503020204020204" charset="-122"/>
+            </a:endParaRPr>
           </a:p>
         </p:txBody>
       </p:sp>
@@ -11123,6 +11718,10 @@
               </a:rPr>
               <a:t>：降低计算复杂度，确保一定的精度，能够在移动端或嵌入式设备上运行</a:t>
             </a:r>
+            <a:endParaRPr lang="zh-CN" altLang="en-US" sz="1200">
+              <a:latin typeface="微软雅黑" panose="020B0503020204020204" charset="-122"/>
+              <a:ea typeface="微软雅黑" panose="020B0503020204020204" charset="-122"/>
+            </a:endParaRPr>
           </a:p>
           <a:p>
             <a:pPr algn="l"/>
@@ -11145,6 +11744,10 @@
               </a:rPr>
               <a:t>：聚焦优化网络速度，减小计算量，分解网络参数或加速预训练模型</a:t>
             </a:r>
+            <a:endParaRPr lang="zh-CN" altLang="en-US" sz="1200">
+              <a:latin typeface="微软雅黑" panose="020B0503020204020204" charset="-122"/>
+              <a:ea typeface="微软雅黑" panose="020B0503020204020204" charset="-122"/>
+            </a:endParaRPr>
           </a:p>
           <a:p>
             <a:pPr algn="l"/>
@@ -11199,6 +11802,10 @@
               </a:rPr>
               <a:t>）</a:t>
             </a:r>
+            <a:endParaRPr lang="zh-CN" altLang="en-US" sz="1200">
+              <a:latin typeface="微软雅黑" panose="020B0503020204020204" charset="-122"/>
+              <a:ea typeface="微软雅黑" panose="020B0503020204020204" charset="-122"/>
+            </a:endParaRPr>
           </a:p>
         </p:txBody>
       </p:sp>
@@ -11717,6 +12324,10 @@
               </a:rPr>
               <a:t>Feature Map            Filter / Kernel                                         Feature Map</a:t>
             </a:r>
+            <a:endParaRPr lang="en-US" altLang="zh-CN" sz="1200">
+              <a:latin typeface="微软雅黑" panose="020B0503020204020204" charset="-122"/>
+              <a:ea typeface="微软雅黑" panose="020B0503020204020204" charset="-122"/>
+            </a:endParaRPr>
           </a:p>
         </p:txBody>
       </p:sp>
@@ -11856,6 +12467,10 @@
                 </a:rPr>
                 <a:t>.</a:t>
               </a:r>
+              <a:endParaRPr lang="en-US" altLang="zh-CN" sz="4000" b="1">
+                <a:latin typeface="微软雅黑" panose="020B0503020204020204" charset="-122"/>
+                <a:ea typeface="微软雅黑" panose="020B0503020204020204" charset="-122"/>
+              </a:endParaRPr>
             </a:p>
           </p:txBody>
         </p:sp>
@@ -12057,6 +12672,10 @@
                 </a:rPr>
                 <a:t>.</a:t>
               </a:r>
+              <a:endParaRPr lang="en-US" altLang="zh-CN" sz="4000" b="1">
+                <a:latin typeface="微软雅黑" panose="020B0503020204020204" charset="-122"/>
+                <a:ea typeface="微软雅黑" panose="020B0503020204020204" charset="-122"/>
+              </a:endParaRPr>
             </a:p>
           </p:txBody>
         </p:sp>
@@ -12349,6 +12968,10 @@
                 </a:rPr>
                 <a:t>.</a:t>
               </a:r>
+              <a:endParaRPr lang="en-US" altLang="zh-CN" sz="4000" b="1">
+                <a:latin typeface="微软雅黑" panose="020B0503020204020204" charset="-122"/>
+                <a:ea typeface="微软雅黑" panose="020B0503020204020204" charset="-122"/>
+              </a:endParaRPr>
             </a:p>
           </p:txBody>
         </p:sp>
@@ -13300,6 +13923,10 @@
               </a:rPr>
               <a:t>Filter / Kernel </a:t>
             </a:r>
+            <a:endParaRPr lang="en-US" altLang="zh-CN" sz="1200">
+              <a:latin typeface="微软雅黑" panose="020B0503020204020204" charset="-122"/>
+              <a:ea typeface="微软雅黑" panose="020B0503020204020204" charset="-122"/>
+            </a:endParaRPr>
           </a:p>
           <a:p>
             <a:pPr algn="r"/>
@@ -13310,6 +13937,10 @@
               </a:rPr>
               <a:t>           3x3      		     </a:t>
             </a:r>
+            <a:endParaRPr lang="en-US" altLang="zh-CN" sz="1200">
+              <a:latin typeface="微软雅黑" panose="020B0503020204020204" charset="-122"/>
+              <a:ea typeface="微软雅黑" panose="020B0503020204020204" charset="-122"/>
+            </a:endParaRPr>
           </a:p>
           <a:p>
             <a:pPr algn="r"/>
@@ -13320,6 +13951,10 @@
               </a:rPr>
               <a:t>DWC</a:t>
             </a:r>
+            <a:endParaRPr lang="en-US" altLang="zh-CN" sz="1200">
+              <a:latin typeface="微软雅黑" panose="020B0503020204020204" charset="-122"/>
+              <a:ea typeface="微软雅黑" panose="020B0503020204020204" charset="-122"/>
+            </a:endParaRPr>
           </a:p>
           <a:p>
             <a:pPr algn="r"/>
@@ -13330,6 +13965,10 @@
               </a:rPr>
               <a:t>Feature Map</a:t>
             </a:r>
+            <a:endParaRPr lang="en-US" altLang="zh-CN" sz="1200">
+              <a:latin typeface="微软雅黑" panose="020B0503020204020204" charset="-122"/>
+              <a:ea typeface="微软雅黑" panose="020B0503020204020204" charset="-122"/>
+            </a:endParaRPr>
           </a:p>
           <a:p>
             <a:pPr algn="r"/>
@@ -13354,6 +13993,10 @@
               </a:rPr>
               <a:t>BN</a:t>
             </a:r>
+            <a:endParaRPr lang="en-US" altLang="zh-CN" sz="1200">
+              <a:latin typeface="微软雅黑" panose="020B0503020204020204" charset="-122"/>
+              <a:ea typeface="微软雅黑" panose="020B0503020204020204" charset="-122"/>
+            </a:endParaRPr>
           </a:p>
           <a:p>
             <a:pPr algn="r"/>
@@ -13364,6 +14007,10 @@
               </a:rPr>
               <a:t>ReLU</a:t>
             </a:r>
+            <a:endParaRPr lang="en-US" altLang="zh-CN" sz="1200">
+              <a:latin typeface="微软雅黑" panose="020B0503020204020204" charset="-122"/>
+              <a:ea typeface="微软雅黑" panose="020B0503020204020204" charset="-122"/>
+            </a:endParaRPr>
           </a:p>
           <a:p>
             <a:pPr algn="r"/>
@@ -13410,6 +14057,10 @@
               </a:rPr>
               <a:t>PWC</a:t>
             </a:r>
+            <a:endParaRPr lang="en-US" altLang="zh-CN" sz="1200">
+              <a:latin typeface="微软雅黑" panose="020B0503020204020204" charset="-122"/>
+              <a:ea typeface="微软雅黑" panose="020B0503020204020204" charset="-122"/>
+            </a:endParaRPr>
           </a:p>
           <a:p>
             <a:pPr algn="r"/>
@@ -13420,6 +14071,10 @@
               </a:rPr>
               <a:t>Feature Map</a:t>
             </a:r>
+            <a:endParaRPr lang="en-US" altLang="zh-CN" sz="1200">
+              <a:latin typeface="微软雅黑" panose="020B0503020204020204" charset="-122"/>
+              <a:ea typeface="微软雅黑" panose="020B0503020204020204" charset="-122"/>
+            </a:endParaRPr>
           </a:p>
           <a:p>
             <a:pPr algn="r"/>
@@ -13458,6 +14113,10 @@
               </a:rPr>
               <a:t>BN</a:t>
             </a:r>
+            <a:endParaRPr lang="en-US" altLang="zh-CN" sz="1200">
+              <a:latin typeface="微软雅黑" panose="020B0503020204020204" charset="-122"/>
+              <a:ea typeface="微软雅黑" panose="020B0503020204020204" charset="-122"/>
+            </a:endParaRPr>
           </a:p>
           <a:p>
             <a:pPr algn="r"/>
@@ -13468,6 +14127,10 @@
               </a:rPr>
               <a:t>ReLU</a:t>
             </a:r>
+            <a:endParaRPr lang="en-US" altLang="zh-CN" sz="1200">
+              <a:latin typeface="微软雅黑" panose="020B0503020204020204" charset="-122"/>
+              <a:ea typeface="微软雅黑" panose="020B0503020204020204" charset="-122"/>
+            </a:endParaRPr>
           </a:p>
         </p:txBody>
       </p:sp>
@@ -14397,13 +15060,7 @@
       </p:cxnSp>
       <p:sp>
         <p:nvSpPr>
-          <p:cNvPr id="94" name="文本框 93">
-            <a:extLst>
-              <a:ext uri="{FF2B5EF4-FFF2-40B4-BE49-F238E27FC236}">
-                <a16:creationId xmlns:a16="http://schemas.microsoft.com/office/drawing/2014/main" id="{6AC9D724-A364-4C86-B9AE-14B798D582B7}"/>
-              </a:ext>
-            </a:extLst>
-          </p:cNvPr>
+          <p:cNvPr id="94" name="文本框 93"/>
           <p:cNvSpPr txBox="1"/>
           <p:nvPr/>
         </p:nvSpPr>
@@ -14437,6 +15094,10 @@
               </a:rPr>
               <a:t> - 2016</a:t>
             </a:r>
+            <a:endParaRPr lang="en-US" altLang="zh-CN" sz="2000" b="1" dirty="0">
+              <a:latin typeface="微软雅黑" panose="020B0503020204020204" charset="-122"/>
+              <a:ea typeface="微软雅黑" panose="020B0503020204020204" charset="-122"/>
+            </a:endParaRPr>
           </a:p>
         </p:txBody>
       </p:sp>
@@ -14528,6 +15189,13 @@
               </a:rPr>
               <a:t>0</a:t>
             </a:r>
+            <a:endParaRPr lang="en-US" altLang="zh-CN" sz="1800">
+              <a:solidFill>
+                <a:schemeClr val="tx1"/>
+              </a:solidFill>
+              <a:latin typeface="微软雅黑" panose="020B0503020204020204" charset="-122"/>
+              <a:ea typeface="微软雅黑" panose="020B0503020204020204" charset="-122"/>
+            </a:endParaRPr>
           </a:p>
           <a:p>
             <a:pPr algn="l"/>
@@ -14542,6 +15210,14 @@
               </a:rPr>
               <a:t>方法：线性瓶颈和逆残差：复用特征，缓解退化</a:t>
             </a:r>
+            <a:endParaRPr lang="zh-CN" altLang="en-US" sz="1800">
+              <a:solidFill>
+                <a:schemeClr val="tx1"/>
+              </a:solidFill>
+              <a:latin typeface="微软雅黑" panose="020B0503020204020204" charset="-122"/>
+              <a:ea typeface="微软雅黑" panose="020B0503020204020204" charset="-122"/>
+              <a:sym typeface="+mn-ea"/>
+            </a:endParaRPr>
           </a:p>
         </p:txBody>
       </p:sp>
@@ -17595,6 +18271,13 @@
               </a:rPr>
               <a:t>通道降维</a:t>
             </a:r>
+            <a:endParaRPr lang="zh-CN" altLang="en-US" sz="1200">
+              <a:solidFill>
+                <a:srgbClr val="0F80FF"/>
+              </a:solidFill>
+              <a:latin typeface="微软雅黑" panose="020B0503020204020204" charset="-122"/>
+              <a:ea typeface="微软雅黑" panose="020B0503020204020204" charset="-122"/>
+            </a:endParaRPr>
           </a:p>
         </p:txBody>
       </p:sp>
@@ -17692,6 +18375,13 @@
               </a:rPr>
               <a:t>输入</a:t>
             </a:r>
+            <a:endParaRPr lang="zh-CN" altLang="en-US">
+              <a:solidFill>
+                <a:schemeClr val="tx1"/>
+              </a:solidFill>
+              <a:latin typeface="微软雅黑" panose="020B0503020204020204" charset="-122"/>
+              <a:ea typeface="微软雅黑" panose="020B0503020204020204" charset="-122"/>
+            </a:endParaRPr>
           </a:p>
         </p:txBody>
       </p:sp>
@@ -17767,6 +18457,13 @@
               </a:rPr>
               <a:t>ReLU6</a:t>
             </a:r>
+            <a:endParaRPr lang="en-US" altLang="zh-CN" sz="1200">
+              <a:solidFill>
+                <a:srgbClr val="C00000"/>
+              </a:solidFill>
+              <a:latin typeface="微软雅黑" panose="020B0503020204020204" charset="-122"/>
+              <a:ea typeface="微软雅黑" panose="020B0503020204020204" charset="-122"/>
+            </a:endParaRPr>
           </a:p>
         </p:txBody>
       </p:sp>
@@ -17803,6 +18500,13 @@
               </a:rPr>
               <a:t>ReLU6</a:t>
             </a:r>
+            <a:endParaRPr lang="en-US" altLang="zh-CN" sz="1200">
+              <a:solidFill>
+                <a:srgbClr val="C00000"/>
+              </a:solidFill>
+              <a:latin typeface="微软雅黑" panose="020B0503020204020204" charset="-122"/>
+              <a:ea typeface="微软雅黑" panose="020B0503020204020204" charset="-122"/>
+            </a:endParaRPr>
           </a:p>
         </p:txBody>
       </p:sp>
@@ -17839,6 +18543,13 @@
               </a:rPr>
               <a:t>ReLU6</a:t>
             </a:r>
+            <a:endParaRPr lang="en-US" altLang="zh-CN" sz="1200">
+              <a:solidFill>
+                <a:srgbClr val="C00000"/>
+              </a:solidFill>
+              <a:latin typeface="微软雅黑" panose="020B0503020204020204" charset="-122"/>
+              <a:ea typeface="微软雅黑" panose="020B0503020204020204" charset="-122"/>
+            </a:endParaRPr>
           </a:p>
         </p:txBody>
       </p:sp>
@@ -17919,6 +18630,15 @@
               </a:rPr>
               <a:t>ReLU6 非线性层</a:t>
             </a:r>
+            <a:endParaRPr lang="zh-CN" altLang="en-US" sz="1200">
+              <a:solidFill>
+                <a:schemeClr val="bg1">
+                  <a:lumMod val="65000"/>
+                </a:schemeClr>
+              </a:solidFill>
+              <a:latin typeface="微软雅黑" panose="020B0503020204020204" charset="-122"/>
+              <a:ea typeface="微软雅黑" panose="020B0503020204020204" charset="-122"/>
+            </a:endParaRPr>
           </a:p>
           <a:p>
             <a:pPr lvl="0" indent="0">
@@ -17937,6 +18657,15 @@
               </a:rPr>
               <a:t>    在低精度计算时能压缩动态范围，    </a:t>
             </a:r>
+            <a:endParaRPr lang="zh-CN" altLang="en-US" sz="1200">
+              <a:solidFill>
+                <a:schemeClr val="bg1">
+                  <a:lumMod val="65000"/>
+                </a:schemeClr>
+              </a:solidFill>
+              <a:latin typeface="微软雅黑" panose="020B0503020204020204" charset="-122"/>
+              <a:ea typeface="微软雅黑" panose="020B0503020204020204" charset="-122"/>
+            </a:endParaRPr>
           </a:p>
           <a:p>
             <a:pPr lvl="0" indent="0">
@@ -17955,6 +18684,15 @@
               </a:rPr>
               <a:t>    算法更稳健。</a:t>
             </a:r>
+            <a:endParaRPr lang="zh-CN" altLang="en-US" sz="1200">
+              <a:solidFill>
+                <a:schemeClr val="bg1">
+                  <a:lumMod val="65000"/>
+                </a:schemeClr>
+              </a:solidFill>
+              <a:latin typeface="微软雅黑" panose="020B0503020204020204" charset="-122"/>
+              <a:ea typeface="微软雅黑" panose="020B0503020204020204" charset="-122"/>
+            </a:endParaRPr>
           </a:p>
           <a:p>
             <a:pPr marL="171450" indent="-171450">
@@ -17988,6 +18726,15 @@
               </a:rPr>
               <a:t>ReLU6 定义为：</a:t>
             </a:r>
+            <a:endParaRPr lang="zh-CN" altLang="en-US" sz="1200">
+              <a:solidFill>
+                <a:schemeClr val="bg1">
+                  <a:lumMod val="65000"/>
+                </a:schemeClr>
+              </a:solidFill>
+              <a:latin typeface="微软雅黑" panose="020B0503020204020204" charset="-122"/>
+              <a:ea typeface="微软雅黑" panose="020B0503020204020204" charset="-122"/>
+            </a:endParaRPr>
           </a:p>
           <a:p>
             <a:pPr indent="0">
@@ -18006,6 +18753,15 @@
               </a:rPr>
               <a:t>    f(x) = min(max(x, 0), 6)</a:t>
             </a:r>
+            <a:endParaRPr lang="zh-CN" altLang="en-US" sz="1200">
+              <a:solidFill>
+                <a:schemeClr val="bg1">
+                  <a:lumMod val="65000"/>
+                </a:schemeClr>
+              </a:solidFill>
+              <a:latin typeface="微软雅黑" panose="020B0503020204020204" charset="-122"/>
+              <a:ea typeface="微软雅黑" panose="020B0503020204020204" charset="-122"/>
+            </a:endParaRPr>
           </a:p>
         </p:txBody>
       </p:sp>
@@ -18183,6 +18939,10 @@
                 </a:rPr>
                 <a:t>.</a:t>
               </a:r>
+              <a:endParaRPr lang="en-US" altLang="zh-CN" sz="4000" b="1">
+                <a:latin typeface="微软雅黑" panose="020B0503020204020204" charset="-122"/>
+                <a:ea typeface="微软雅黑" panose="020B0503020204020204" charset="-122"/>
+              </a:endParaRPr>
             </a:p>
           </p:txBody>
         </p:sp>
@@ -18220,6 +18980,13 @@
               </a:rPr>
               <a:t>Add</a:t>
             </a:r>
+            <a:endParaRPr lang="en-US" altLang="zh-CN" sz="1200">
+              <a:solidFill>
+                <a:srgbClr val="0F80FF"/>
+              </a:solidFill>
+              <a:latin typeface="微软雅黑" panose="020B0503020204020204" charset="-122"/>
+              <a:ea typeface="微软雅黑" panose="020B0503020204020204" charset="-122"/>
+            </a:endParaRPr>
           </a:p>
           <a:p>
             <a:pPr algn="l"/>
@@ -18233,6 +19000,13 @@
               </a:rPr>
               <a:t>按元素相加</a:t>
             </a:r>
+            <a:endParaRPr lang="zh-CN" altLang="en-US" sz="1200">
+              <a:solidFill>
+                <a:schemeClr val="tx1"/>
+              </a:solidFill>
+              <a:latin typeface="微软雅黑" panose="020B0503020204020204" charset="-122"/>
+              <a:ea typeface="微软雅黑" panose="020B0503020204020204" charset="-122"/>
+            </a:endParaRPr>
           </a:p>
         </p:txBody>
       </p:sp>
@@ -18268,13 +19042,7 @@
       </p:cxnSp>
       <p:sp>
         <p:nvSpPr>
-          <p:cNvPr id="82" name="文本框 81">
-            <a:extLst>
-              <a:ext uri="{FF2B5EF4-FFF2-40B4-BE49-F238E27FC236}">
-                <a16:creationId xmlns:a16="http://schemas.microsoft.com/office/drawing/2014/main" id="{B07B0DA2-663F-428A-83A6-3FF17D3A803C}"/>
-              </a:ext>
-            </a:extLst>
-          </p:cNvPr>
+          <p:cNvPr id="82" name="文本框 81"/>
           <p:cNvSpPr txBox="1"/>
           <p:nvPr/>
         </p:nvSpPr>
@@ -18308,6 +19076,10 @@
               </a:rPr>
               <a:t> - 2016</a:t>
             </a:r>
+            <a:endParaRPr lang="en-US" altLang="zh-CN" sz="2000" b="1" dirty="0">
+              <a:latin typeface="微软雅黑" panose="020B0503020204020204" charset="-122"/>
+              <a:ea typeface="微软雅黑" panose="020B0503020204020204" charset="-122"/>
+            </a:endParaRPr>
           </a:p>
         </p:txBody>
       </p:sp>
@@ -18364,18 +19136,16 @@
               </a:rPr>
               <a:t>目标：降低计算复杂度，确保一定的精度，能够在移动端或嵌入式设备上运行</a:t>
             </a:r>
-          </a:p>
-        </p:txBody>
-      </p:sp>
-      <p:sp>
-        <p:nvSpPr>
-          <p:cNvPr id="4" name="文本框 3">
-            <a:extLst>
-              <a:ext uri="{FF2B5EF4-FFF2-40B4-BE49-F238E27FC236}">
-                <a16:creationId xmlns:a16="http://schemas.microsoft.com/office/drawing/2014/main" id="{07DFE75A-BF61-4D1A-8E65-84811C4B3483}"/>
-              </a:ext>
-            </a:extLst>
-          </p:cNvPr>
+            <a:endParaRPr lang="zh-CN" altLang="en-US" sz="1800">
+              <a:latin typeface="微软雅黑" panose="020B0503020204020204" charset="-122"/>
+              <a:ea typeface="微软雅黑" panose="020B0503020204020204" charset="-122"/>
+            </a:endParaRPr>
+          </a:p>
+        </p:txBody>
+      </p:sp>
+      <p:sp>
+        <p:nvSpPr>
+          <p:cNvPr id="4" name="文本框 3"/>
           <p:cNvSpPr txBox="1"/>
           <p:nvPr/>
         </p:nvSpPr>
@@ -18396,19 +19166,16 @@
           <a:lstStyle/>
           <a:p>
             <a:r>
-              <a:rPr lang="en-US" altLang="zh-CN" sz="2000" b="1" dirty="0" err="1">
-                <a:latin typeface="微软雅黑" panose="020B0503020204020204" charset="-122"/>
-                <a:ea typeface="微软雅黑" panose="020B0503020204020204" charset="-122"/>
-              </a:rPr>
-              <a:t>InfoGAN</a:t>
-            </a:r>
-            <a:r>
               <a:rPr lang="en-US" altLang="zh-CN" sz="2000" b="1" dirty="0">
                 <a:latin typeface="微软雅黑" panose="020B0503020204020204" charset="-122"/>
                 <a:ea typeface="微软雅黑" panose="020B0503020204020204" charset="-122"/>
               </a:rPr>
-              <a:t> - 2016</a:t>
-            </a:r>
+              <a:t>U-GAN-IT_v1 - 2019.07</a:t>
+            </a:r>
+            <a:endParaRPr lang="en-US" altLang="zh-CN" sz="2000" b="1" dirty="0">
+              <a:latin typeface="微软雅黑" panose="020B0503020204020204" charset="-122"/>
+              <a:ea typeface="微软雅黑" panose="020B0503020204020204" charset="-122"/>
+            </a:endParaRPr>
           </a:p>
         </p:txBody>
       </p:sp>
@@ -18466,25 +19233,23 @@
               </a:rPr>
               <a:t>GAN - 2014</a:t>
             </a:r>
+            <a:endParaRPr lang="en-US" altLang="zh-CN" sz="2000" b="1" dirty="0">
+              <a:latin typeface="微软雅黑" panose="020B0503020204020204" charset="-122"/>
+              <a:ea typeface="微软雅黑" panose="020B0503020204020204" charset="-122"/>
+            </a:endParaRPr>
           </a:p>
         </p:txBody>
       </p:sp>
       <p:pic>
         <p:nvPicPr>
-          <p:cNvPr id="2" name="图片 1">
-            <a:extLst>
-              <a:ext uri="{FF2B5EF4-FFF2-40B4-BE49-F238E27FC236}">
-                <a16:creationId xmlns:a16="http://schemas.microsoft.com/office/drawing/2014/main" id="{1F228407-1D34-432C-85F9-0F5C4BBC9174}"/>
-              </a:ext>
-            </a:extLst>
-          </p:cNvPr>
+          <p:cNvPr id="2" name="图片 1"/>
           <p:cNvPicPr>
             <a:picLocks noChangeAspect="1"/>
           </p:cNvPicPr>
           <p:nvPr/>
         </p:nvPicPr>
         <p:blipFill>
-          <a:blip r:embed="rId2"/>
+          <a:blip r:embed="rId1"/>
           <a:stretch>
             <a:fillRect/>
           </a:stretch>
@@ -18553,15 +19318,14 @@
               </a:rPr>
               <a:t>GAN - 2014</a:t>
             </a:r>
+            <a:endParaRPr lang="en-US" altLang="zh-CN" sz="2000" b="1" dirty="0">
+              <a:latin typeface="微软雅黑" panose="020B0503020204020204" charset="-122"/>
+              <a:ea typeface="微软雅黑" panose="020B0503020204020204" charset="-122"/>
+            </a:endParaRPr>
           </a:p>
         </p:txBody>
       </p:sp>
     </p:spTree>
-    <p:extLst>
-      <p:ext uri="{BB962C8B-B14F-4D97-AF65-F5344CB8AC3E}">
-        <p14:creationId xmlns:p14="http://schemas.microsoft.com/office/powerpoint/2010/main" val="780362966"/>
-      </p:ext>
-    </p:extLst>
   </p:cSld>
   <p:clrMapOvr>
     <a:masterClrMapping/>
@@ -18615,25 +19379,23 @@
               </a:rPr>
               <a:t>CGAN - 2014</a:t>
             </a:r>
+            <a:endParaRPr lang="en-US" altLang="zh-CN" sz="2000" b="1">
+              <a:latin typeface="微软雅黑" panose="020B0503020204020204" charset="-122"/>
+              <a:ea typeface="微软雅黑" panose="020B0503020204020204" charset="-122"/>
+            </a:endParaRPr>
           </a:p>
         </p:txBody>
       </p:sp>
       <p:pic>
         <p:nvPicPr>
-          <p:cNvPr id="2" name="图片 1">
-            <a:extLst>
-              <a:ext uri="{FF2B5EF4-FFF2-40B4-BE49-F238E27FC236}">
-                <a16:creationId xmlns:a16="http://schemas.microsoft.com/office/drawing/2014/main" id="{D777E926-29CD-41B2-9061-55C09C487025}"/>
-              </a:ext>
-            </a:extLst>
-          </p:cNvPr>
+          <p:cNvPr id="2" name="图片 1"/>
           <p:cNvPicPr>
             <a:picLocks noChangeAspect="1"/>
           </p:cNvPicPr>
           <p:nvPr/>
         </p:nvPicPr>
         <p:blipFill>
-          <a:blip r:embed="rId2"/>
+          <a:blip r:embed="rId1"/>
           <a:stretch>
             <a:fillRect/>
           </a:stretch>
@@ -19009,6 +19771,16 @@
               </a:rPr>
               <a:t>生成固定长度的特征向量，与输入图片的大小和尺度无关</a:t>
             </a:r>
+            <a:endParaRPr lang="zh-CN" altLang="en-US" sz="1400">
+              <a:solidFill>
+                <a:schemeClr val="tx1">
+                  <a:lumMod val="50000"/>
+                  <a:lumOff val="50000"/>
+                </a:schemeClr>
+              </a:solidFill>
+              <a:latin typeface="微软雅黑" panose="020B0503020204020204" charset="-122"/>
+              <a:ea typeface="微软雅黑" panose="020B0503020204020204" charset="-122"/>
+            </a:endParaRPr>
           </a:p>
         </p:txBody>
       </p:sp>
@@ -20025,6 +20797,10 @@
               </a:rPr>
               <a:t>...</a:t>
             </a:r>
+            <a:endParaRPr lang="en-US" altLang="zh-CN" b="1">
+              <a:latin typeface="微软雅黑" panose="020B0503020204020204" charset="-122"/>
+              <a:ea typeface="微软雅黑" panose="020B0503020204020204" charset="-122"/>
+            </a:endParaRPr>
           </a:p>
         </p:txBody>
       </p:sp>
@@ -20475,6 +21251,10 @@
                 </a:rPr>
                 <a:t>...</a:t>
               </a:r>
+              <a:endParaRPr lang="en-US" altLang="zh-CN" b="1">
+                <a:latin typeface="微软雅黑" panose="020B0503020204020204" charset="-122"/>
+                <a:ea typeface="微软雅黑" panose="020B0503020204020204" charset="-122"/>
+              </a:endParaRPr>
             </a:p>
           </p:txBody>
         </p:sp>
@@ -20851,7 +21631,7 @@
           <p:nvPr/>
         </p:nvPicPr>
         <p:blipFill>
-          <a:blip r:embed="rId2"/>
+          <a:blip r:embed="rId1"/>
           <a:srcRect l="80518"/>
           <a:stretch>
             <a:fillRect/>
@@ -20910,6 +21690,13 @@
               </a:rPr>
               <a:t>空间金字塔池化</a:t>
             </a:r>
+            <a:endParaRPr lang="zh-CN" altLang="en-US" sz="1400" b="1">
+              <a:solidFill>
+                <a:srgbClr val="0070C0"/>
+              </a:solidFill>
+              <a:latin typeface="微软雅黑" panose="020B0503020204020204" charset="-122"/>
+              <a:ea typeface="微软雅黑" panose="020B0503020204020204" charset="-122"/>
+            </a:endParaRPr>
           </a:p>
         </p:txBody>
       </p:sp>
@@ -20943,6 +21730,10 @@
               </a:rPr>
               <a:t>固定</a:t>
             </a:r>
+            <a:endParaRPr lang="zh-CN" altLang="en-US" sz="1400">
+              <a:latin typeface="微软雅黑" panose="020B0503020204020204" charset="-122"/>
+              <a:ea typeface="微软雅黑" panose="020B0503020204020204" charset="-122"/>
+            </a:endParaRPr>
           </a:p>
           <a:p>
             <a:pPr algn="ctr"/>
@@ -20953,6 +21744,10 @@
               </a:rPr>
               <a:t>长度</a:t>
             </a:r>
+            <a:endParaRPr lang="zh-CN" altLang="en-US" sz="1400">
+              <a:latin typeface="微软雅黑" panose="020B0503020204020204" charset="-122"/>
+              <a:ea typeface="微软雅黑" panose="020B0503020204020204" charset="-122"/>
+            </a:endParaRPr>
           </a:p>
         </p:txBody>
       </p:sp>
@@ -20989,6 +21784,13 @@
               </a:rPr>
               <a:t>Max Pooling @ 256 depth </a:t>
             </a:r>
+            <a:endParaRPr lang="en-US" altLang="zh-CN" sz="1400">
+              <a:solidFill>
+                <a:srgbClr val="C00000"/>
+              </a:solidFill>
+              <a:latin typeface="微软雅黑" panose="020B0503020204020204" charset="-122"/>
+              <a:ea typeface="微软雅黑" panose="020B0503020204020204" charset="-122"/>
+            </a:endParaRPr>
           </a:p>
         </p:txBody>
       </p:sp>
@@ -21045,6 +21847,13 @@
               </a:rPr>
               <a:t>4</a:t>
             </a:r>
+            <a:endParaRPr lang="en-US" sz="1200">
+              <a:solidFill>
+                <a:srgbClr val="C00000"/>
+              </a:solidFill>
+              <a:latin typeface="微软雅黑" panose="020B0503020204020204" charset="-122"/>
+              <a:ea typeface="微软雅黑" panose="020B0503020204020204" charset="-122"/>
+            </a:endParaRPr>
           </a:p>
         </p:txBody>
       </p:sp>
@@ -21102,6 +21911,13 @@
               </a:rPr>
               <a:t>6</a:t>
             </a:r>
+            <a:endParaRPr lang="en-US" sz="1200">
+              <a:solidFill>
+                <a:srgbClr val="C00000"/>
+              </a:solidFill>
+              <a:latin typeface="微软雅黑" panose="020B0503020204020204" charset="-122"/>
+              <a:ea typeface="微软雅黑" panose="020B0503020204020204" charset="-122"/>
+            </a:endParaRPr>
           </a:p>
         </p:txBody>
       </p:sp>
@@ -21159,6 +21975,13 @@
               </a:rPr>
               <a:t>13</a:t>
             </a:r>
+            <a:endParaRPr lang="en-US" sz="1200">
+              <a:solidFill>
+                <a:srgbClr val="C00000"/>
+              </a:solidFill>
+              <a:latin typeface="微软雅黑" panose="020B0503020204020204" charset="-122"/>
+              <a:ea typeface="微软雅黑" panose="020B0503020204020204" charset="-122"/>
+            </a:endParaRPr>
           </a:p>
         </p:txBody>
       </p:sp>
@@ -21330,6 +22153,13 @@
               </a:rPr>
               <a:t>将输入图片的区域小图 映射到</a:t>
             </a:r>
+            <a:endParaRPr lang="zh-CN" altLang="en-US" sz="1400">
+              <a:solidFill>
+                <a:srgbClr val="00B0F0"/>
+              </a:solidFill>
+              <a:latin typeface="微软雅黑" panose="020B0503020204020204" charset="-122"/>
+              <a:ea typeface="微软雅黑" panose="020B0503020204020204" charset="-122"/>
+            </a:endParaRPr>
           </a:p>
           <a:p>
             <a:pPr algn="l">
@@ -21357,6 +22187,13 @@
               </a:rPr>
               <a:t>的特征图对应的区域小图上</a:t>
             </a:r>
+            <a:endParaRPr lang="zh-CN" altLang="en-US" sz="1400">
+              <a:solidFill>
+                <a:srgbClr val="00B0F0"/>
+              </a:solidFill>
+              <a:latin typeface="微软雅黑" panose="020B0503020204020204" charset="-122"/>
+              <a:ea typeface="微软雅黑" panose="020B0503020204020204" charset="-122"/>
+            </a:endParaRPr>
           </a:p>
           <a:p>
             <a:pPr algn="l">
@@ -21403,6 +22240,16 @@
               </a:rPr>
               <a:t>右下 对应 特征图窗口的像素点</a:t>
             </a:r>
+            <a:endParaRPr lang="zh-CN" altLang="en-US" sz="1400">
+              <a:solidFill>
+                <a:schemeClr val="tx1">
+                  <a:lumMod val="50000"/>
+                  <a:lumOff val="50000"/>
+                </a:schemeClr>
+              </a:solidFill>
+              <a:latin typeface="微软雅黑" panose="020B0503020204020204" charset="-122"/>
+              <a:ea typeface="微软雅黑" panose="020B0503020204020204" charset="-122"/>
+            </a:endParaRPr>
           </a:p>
           <a:p>
             <a:pPr algn="l">
@@ -21433,6 +22280,13 @@
               </a:rPr>
               <a:t> </a:t>
             </a:r>
+            <a:endParaRPr lang="en-US" altLang="zh-CN" sz="1400">
+              <a:solidFill>
+                <a:srgbClr val="00B0F0"/>
+              </a:solidFill>
+              <a:latin typeface="微软雅黑" panose="020B0503020204020204" charset="-122"/>
+              <a:ea typeface="微软雅黑" panose="020B0503020204020204" charset="-122"/>
+            </a:endParaRPr>
           </a:p>
         </p:txBody>
       </p:sp>
@@ -21469,6 +22323,13 @@
               </a:rPr>
               <a:t>conv_5 </a:t>
             </a:r>
+            <a:endParaRPr lang="en-US" altLang="zh-CN" sz="1400">
+              <a:solidFill>
+                <a:srgbClr val="00B0F0"/>
+              </a:solidFill>
+              <a:latin typeface="微软雅黑" panose="020B0503020204020204" charset="-122"/>
+              <a:ea typeface="微软雅黑" panose="020B0503020204020204" charset="-122"/>
+            </a:endParaRPr>
           </a:p>
           <a:p>
             <a:pPr algn="ctr"/>
@@ -21482,6 +22343,13 @@
               </a:rPr>
               <a:t>特征图</a:t>
             </a:r>
+            <a:endParaRPr lang="zh-CN" altLang="en-US" sz="1400">
+              <a:solidFill>
+                <a:srgbClr val="00B0F0"/>
+              </a:solidFill>
+              <a:latin typeface="微软雅黑" panose="020B0503020204020204" charset="-122"/>
+              <a:ea typeface="微软雅黑" panose="020B0503020204020204" charset="-122"/>
+            </a:endParaRPr>
           </a:p>
           <a:p>
             <a:pPr algn="ctr"/>
@@ -21505,6 +22373,13 @@
               </a:rPr>
               <a:t>SPP </a:t>
             </a:r>
+            <a:endParaRPr lang="en-US" altLang="zh-CN" sz="1400">
+              <a:solidFill>
+                <a:srgbClr val="00B0F0"/>
+              </a:solidFill>
+              <a:latin typeface="微软雅黑" panose="020B0503020204020204" charset="-122"/>
+              <a:ea typeface="微软雅黑" panose="020B0503020204020204" charset="-122"/>
+            </a:endParaRPr>
           </a:p>
         </p:txBody>
       </p:sp>
@@ -21551,18 +22426,16 @@
               </a:rPr>
               <a:t>SVM</a:t>
             </a:r>
-          </a:p>
-        </p:txBody>
-      </p:sp>
-      <p:sp>
-        <p:nvSpPr>
-          <p:cNvPr id="68" name="文本框 67">
-            <a:extLst>
-              <a:ext uri="{FF2B5EF4-FFF2-40B4-BE49-F238E27FC236}">
-                <a16:creationId xmlns:a16="http://schemas.microsoft.com/office/drawing/2014/main" id="{C5F3CA91-BDF2-4C5A-92D9-61ED03FD4826}"/>
-              </a:ext>
-            </a:extLst>
-          </p:cNvPr>
+            <a:endParaRPr lang="en-US" altLang="zh-CN" sz="1400" b="1">
+              <a:latin typeface="微软雅黑" panose="020B0503020204020204" charset="-122"/>
+              <a:ea typeface="微软雅黑" panose="020B0503020204020204" charset="-122"/>
+            </a:endParaRPr>
+          </a:p>
+        </p:txBody>
+      </p:sp>
+      <p:sp>
+        <p:nvSpPr>
+          <p:cNvPr id="68" name="文本框 67"/>
           <p:cNvSpPr txBox="1"/>
           <p:nvPr/>
         </p:nvSpPr>
@@ -21596,6 +22469,10 @@
               </a:rPr>
               <a:t> - 2014</a:t>
             </a:r>
+            <a:endParaRPr lang="en-US" altLang="zh-CN" sz="2000" b="1" dirty="0">
+              <a:latin typeface="微软雅黑" panose="020B0503020204020204" charset="-122"/>
+              <a:ea typeface="微软雅黑" panose="020B0503020204020204" charset="-122"/>
+            </a:endParaRPr>
           </a:p>
         </p:txBody>
       </p:sp>
@@ -21653,25 +22530,23 @@
               </a:rPr>
               <a:t>Fréchet Inception Distance - 2017</a:t>
             </a:r>
+            <a:endParaRPr lang="en-US" altLang="zh-CN" sz="2000" b="1" dirty="0">
+              <a:latin typeface="微软雅黑" panose="020B0503020204020204" charset="-122"/>
+              <a:ea typeface="微软雅黑" panose="020B0503020204020204" charset="-122"/>
+            </a:endParaRPr>
           </a:p>
         </p:txBody>
       </p:sp>
       <p:pic>
         <p:nvPicPr>
-          <p:cNvPr id="3" name="图片 2">
-            <a:extLst>
-              <a:ext uri="{FF2B5EF4-FFF2-40B4-BE49-F238E27FC236}">
-                <a16:creationId xmlns:a16="http://schemas.microsoft.com/office/drawing/2014/main" id="{03FA6B92-077C-49E1-9956-0E4ECA13AFDE}"/>
-              </a:ext>
-            </a:extLst>
-          </p:cNvPr>
+          <p:cNvPr id="3" name="图片 2"/>
           <p:cNvPicPr>
             <a:picLocks noChangeAspect="1"/>
           </p:cNvPicPr>
           <p:nvPr/>
         </p:nvPicPr>
         <p:blipFill>
-          <a:blip r:embed="rId2">
+          <a:blip r:embed="rId1">
             <a:extLst>
               <a:ext uri="{28A0092B-C50C-407E-A947-70E740481C1C}">
                 <a14:useLocalDpi xmlns:a14="http://schemas.microsoft.com/office/drawing/2010/main" val="0"/>
@@ -21694,13 +22569,7 @@
       </p:pic>
       <p:cxnSp>
         <p:nvCxnSpPr>
-          <p:cNvPr id="6" name="连接符: 肘形 5">
-            <a:extLst>
-              <a:ext uri="{FF2B5EF4-FFF2-40B4-BE49-F238E27FC236}">
-                <a16:creationId xmlns:a16="http://schemas.microsoft.com/office/drawing/2014/main" id="{42B51F60-15E0-4FC9-8B1E-F1D5CD32EDD6}"/>
-              </a:ext>
-            </a:extLst>
-          </p:cNvPr>
+          <p:cNvPr id="6" name="连接符: 肘形 5"/>
           <p:cNvCxnSpPr/>
           <p:nvPr/>
         </p:nvCxnSpPr>
@@ -21740,13 +22609,7 @@
       </p:cxnSp>
       <p:sp>
         <p:nvSpPr>
-          <p:cNvPr id="11" name="矩形 10">
-            <a:extLst>
-              <a:ext uri="{FF2B5EF4-FFF2-40B4-BE49-F238E27FC236}">
-                <a16:creationId xmlns:a16="http://schemas.microsoft.com/office/drawing/2014/main" id="{A73283A8-D51C-45C2-9617-3C29C6A6C475}"/>
-              </a:ext>
-            </a:extLst>
-          </p:cNvPr>
+          <p:cNvPr id="11" name="矩形 10"/>
           <p:cNvSpPr/>
           <p:nvPr/>
         </p:nvSpPr>
@@ -21802,13 +22665,7 @@
       </p:sp>
       <p:sp>
         <p:nvSpPr>
-          <p:cNvPr id="14" name="矩形 13">
-            <a:extLst>
-              <a:ext uri="{FF2B5EF4-FFF2-40B4-BE49-F238E27FC236}">
-                <a16:creationId xmlns:a16="http://schemas.microsoft.com/office/drawing/2014/main" id="{BD049BC3-3E38-451D-9FE1-2D5F5BB79B1B}"/>
-              </a:ext>
-            </a:extLst>
-          </p:cNvPr>
+          <p:cNvPr id="14" name="矩形 13"/>
           <p:cNvSpPr/>
           <p:nvPr/>
         </p:nvSpPr>
@@ -21864,13 +22721,7 @@
       </p:sp>
       <p:sp>
         <p:nvSpPr>
-          <p:cNvPr id="7" name="文本框 6">
-            <a:extLst>
-              <a:ext uri="{FF2B5EF4-FFF2-40B4-BE49-F238E27FC236}">
-                <a16:creationId xmlns:a16="http://schemas.microsoft.com/office/drawing/2014/main" id="{2280CDB3-88D1-4AD2-9937-E10B77415851}"/>
-              </a:ext>
-            </a:extLst>
-          </p:cNvPr>
+          <p:cNvPr id="7" name="文本框 6"/>
           <p:cNvSpPr txBox="1"/>
           <p:nvPr/>
         </p:nvSpPr>
@@ -21901,15 +22752,17 @@
               </a:rPr>
               <a:t>Inception-v3</a:t>
             </a:r>
+            <a:endParaRPr lang="en-US" altLang="zh-CN" sz="1400" b="1" dirty="0">
+              <a:solidFill>
+                <a:srgbClr val="0070C0"/>
+              </a:solidFill>
+              <a:latin typeface="微软雅黑" panose="020B0503020204020204" charset="-122"/>
+              <a:ea typeface="微软雅黑" panose="020B0503020204020204" charset="-122"/>
+            </a:endParaRPr>
           </a:p>
         </p:txBody>
       </p:sp>
     </p:spTree>
-    <p:extLst>
-      <p:ext uri="{BB962C8B-B14F-4D97-AF65-F5344CB8AC3E}">
-        <p14:creationId xmlns:p14="http://schemas.microsoft.com/office/powerpoint/2010/main" val="1493532724"/>
-      </p:ext>
-    </p:extLst>
   </p:cSld>
   <p:clrMapOvr>
     <a:masterClrMapping/>
@@ -21963,25 +22816,23 @@
               </a:rPr>
               <a:t>Fréchet Inception Distance - 2017</a:t>
             </a:r>
+            <a:endParaRPr lang="en-US" altLang="zh-CN" sz="2000" b="1" dirty="0">
+              <a:latin typeface="微软雅黑" panose="020B0503020204020204" charset="-122"/>
+              <a:ea typeface="微软雅黑" panose="020B0503020204020204" charset="-122"/>
+            </a:endParaRPr>
           </a:p>
         </p:txBody>
       </p:sp>
       <p:pic>
         <p:nvPicPr>
-          <p:cNvPr id="10" name="图片 9">
-            <a:extLst>
-              <a:ext uri="{FF2B5EF4-FFF2-40B4-BE49-F238E27FC236}">
-                <a16:creationId xmlns:a16="http://schemas.microsoft.com/office/drawing/2014/main" id="{C5316B15-5D41-417A-A7D5-8808636A742A}"/>
-              </a:ext>
-            </a:extLst>
-          </p:cNvPr>
+          <p:cNvPr id="10" name="图片 9"/>
           <p:cNvPicPr>
             <a:picLocks noChangeAspect="1"/>
           </p:cNvPicPr>
           <p:nvPr/>
         </p:nvPicPr>
         <p:blipFill>
-          <a:blip r:embed="rId2"/>
+          <a:blip r:embed="rId1"/>
           <a:stretch>
             <a:fillRect/>
           </a:stretch>
@@ -21998,13 +22849,7 @@
       </p:pic>
       <p:sp>
         <p:nvSpPr>
-          <p:cNvPr id="12" name="矩形 11">
-            <a:extLst>
-              <a:ext uri="{FF2B5EF4-FFF2-40B4-BE49-F238E27FC236}">
-                <a16:creationId xmlns:a16="http://schemas.microsoft.com/office/drawing/2014/main" id="{8D1D4DCE-005C-4389-850D-E1A1FC7264E5}"/>
-              </a:ext>
-            </a:extLst>
-          </p:cNvPr>
+          <p:cNvPr id="12" name="矩形 11"/>
           <p:cNvSpPr/>
           <p:nvPr/>
         </p:nvSpPr>
@@ -22052,13 +22897,7 @@
       </p:sp>
       <p:sp>
         <p:nvSpPr>
-          <p:cNvPr id="13" name="矩形 12">
-            <a:extLst>
-              <a:ext uri="{FF2B5EF4-FFF2-40B4-BE49-F238E27FC236}">
-                <a16:creationId xmlns:a16="http://schemas.microsoft.com/office/drawing/2014/main" id="{88F2BCC7-D25D-4287-B49D-00A412BBD1D5}"/>
-              </a:ext>
-            </a:extLst>
-          </p:cNvPr>
+          <p:cNvPr id="13" name="矩形 12"/>
           <p:cNvSpPr/>
           <p:nvPr/>
         </p:nvSpPr>
@@ -22106,13 +22945,7 @@
       </p:sp>
       <p:sp>
         <p:nvSpPr>
-          <p:cNvPr id="11" name="矩形 10">
-            <a:extLst>
-              <a:ext uri="{FF2B5EF4-FFF2-40B4-BE49-F238E27FC236}">
-                <a16:creationId xmlns:a16="http://schemas.microsoft.com/office/drawing/2014/main" id="{A73283A8-D51C-45C2-9617-3C29C6A6C475}"/>
-              </a:ext>
-            </a:extLst>
-          </p:cNvPr>
+          <p:cNvPr id="11" name="矩形 10"/>
           <p:cNvSpPr/>
           <p:nvPr/>
         </p:nvSpPr>
@@ -22183,13 +23016,7 @@
       </p:sp>
       <p:sp>
         <p:nvSpPr>
-          <p:cNvPr id="14" name="矩形 13">
-            <a:extLst>
-              <a:ext uri="{FF2B5EF4-FFF2-40B4-BE49-F238E27FC236}">
-                <a16:creationId xmlns:a16="http://schemas.microsoft.com/office/drawing/2014/main" id="{BD049BC3-3E38-451D-9FE1-2D5F5BB79B1B}"/>
-              </a:ext>
-            </a:extLst>
-          </p:cNvPr>
+          <p:cNvPr id="14" name="矩形 13"/>
           <p:cNvSpPr/>
           <p:nvPr/>
         </p:nvSpPr>
@@ -22245,13 +23072,7 @@
       </p:sp>
       <p:sp>
         <p:nvSpPr>
-          <p:cNvPr id="15" name="文本框 14">
-            <a:extLst>
-              <a:ext uri="{FF2B5EF4-FFF2-40B4-BE49-F238E27FC236}">
-                <a16:creationId xmlns:a16="http://schemas.microsoft.com/office/drawing/2014/main" id="{FBC07EF6-CCE1-4859-98EA-511A50DFB653}"/>
-              </a:ext>
-            </a:extLst>
-          </p:cNvPr>
+          <p:cNvPr id="15" name="文本框 14"/>
           <p:cNvSpPr txBox="1"/>
           <p:nvPr/>
         </p:nvSpPr>
@@ -22284,18 +23105,21 @@
               </a:rPr>
               <a:t>FID Calculation through Inception-v3 Pretrained Model</a:t>
             </a:r>
-          </a:p>
-        </p:txBody>
-      </p:sp>
-      <p:sp>
-        <p:nvSpPr>
-          <p:cNvPr id="16" name="矩形 15">
-            <a:extLst>
-              <a:ext uri="{FF2B5EF4-FFF2-40B4-BE49-F238E27FC236}">
-                <a16:creationId xmlns:a16="http://schemas.microsoft.com/office/drawing/2014/main" id="{72189B1C-98B4-454D-8C5C-ACCF73BF32A2}"/>
-              </a:ext>
-            </a:extLst>
-          </p:cNvPr>
+            <a:endParaRPr lang="en-US" altLang="zh-CN" sz="1400" b="1" dirty="0">
+              <a:solidFill>
+                <a:schemeClr val="accent6">
+                  <a:lumMod val="75000"/>
+                </a:schemeClr>
+              </a:solidFill>
+              <a:latin typeface="微软雅黑" panose="020B0503020204020204" charset="-122"/>
+              <a:ea typeface="微软雅黑" panose="020B0503020204020204" charset="-122"/>
+            </a:endParaRPr>
+          </a:p>
+        </p:txBody>
+      </p:sp>
+      <p:sp>
+        <p:nvSpPr>
+          <p:cNvPr id="16" name="矩形 15"/>
           <p:cNvSpPr/>
           <p:nvPr/>
         </p:nvSpPr>
@@ -22354,13 +23178,7 @@
       </p:sp>
       <p:sp>
         <p:nvSpPr>
-          <p:cNvPr id="17" name="矩形 16">
-            <a:extLst>
-              <a:ext uri="{FF2B5EF4-FFF2-40B4-BE49-F238E27FC236}">
-                <a16:creationId xmlns:a16="http://schemas.microsoft.com/office/drawing/2014/main" id="{335E1BFD-5DF7-424D-A615-7A0A1A51E87B}"/>
-              </a:ext>
-            </a:extLst>
-          </p:cNvPr>
+          <p:cNvPr id="17" name="矩形 16"/>
           <p:cNvSpPr/>
           <p:nvPr/>
         </p:nvSpPr>
@@ -22419,13 +23237,7 @@
       </p:sp>
       <p:sp>
         <p:nvSpPr>
-          <p:cNvPr id="18" name="矩形 17">
-            <a:extLst>
-              <a:ext uri="{FF2B5EF4-FFF2-40B4-BE49-F238E27FC236}">
-                <a16:creationId xmlns:a16="http://schemas.microsoft.com/office/drawing/2014/main" id="{A06C1E7E-710B-4830-B9A5-83D000A0312C}"/>
-              </a:ext>
-            </a:extLst>
-          </p:cNvPr>
+          <p:cNvPr id="18" name="矩形 17"/>
           <p:cNvSpPr/>
           <p:nvPr/>
         </p:nvSpPr>
@@ -22496,13 +23308,7 @@
       </p:sp>
       <p:sp>
         <p:nvSpPr>
-          <p:cNvPr id="19" name="矩形 18">
-            <a:extLst>
-              <a:ext uri="{FF2B5EF4-FFF2-40B4-BE49-F238E27FC236}">
-                <a16:creationId xmlns:a16="http://schemas.microsoft.com/office/drawing/2014/main" id="{455390BD-7377-452B-8618-9C6016DB1925}"/>
-              </a:ext>
-            </a:extLst>
-          </p:cNvPr>
+          <p:cNvPr id="19" name="矩形 18"/>
           <p:cNvSpPr/>
           <p:nvPr/>
         </p:nvSpPr>
@@ -22558,13 +23364,7 @@
       </p:sp>
       <p:sp>
         <p:nvSpPr>
-          <p:cNvPr id="20" name="矩形 19">
-            <a:extLst>
-              <a:ext uri="{FF2B5EF4-FFF2-40B4-BE49-F238E27FC236}">
-                <a16:creationId xmlns:a16="http://schemas.microsoft.com/office/drawing/2014/main" id="{1170F060-9282-42E4-AFE8-36072BD482B1}"/>
-              </a:ext>
-            </a:extLst>
-          </p:cNvPr>
+          <p:cNvPr id="20" name="矩形 19"/>
           <p:cNvSpPr/>
           <p:nvPr/>
         </p:nvSpPr>
@@ -22623,13 +23423,7 @@
       </p:sp>
       <p:sp>
         <p:nvSpPr>
-          <p:cNvPr id="21" name="矩形 20">
-            <a:extLst>
-              <a:ext uri="{FF2B5EF4-FFF2-40B4-BE49-F238E27FC236}">
-                <a16:creationId xmlns:a16="http://schemas.microsoft.com/office/drawing/2014/main" id="{4FC9742D-388E-4E5B-8B32-22350897B4C3}"/>
-              </a:ext>
-            </a:extLst>
-          </p:cNvPr>
+          <p:cNvPr id="21" name="矩形 20"/>
           <p:cNvSpPr/>
           <p:nvPr/>
         </p:nvSpPr>
@@ -22688,13 +23482,7 @@
       </p:sp>
       <p:sp>
         <p:nvSpPr>
-          <p:cNvPr id="22" name="文本框 21">
-            <a:extLst>
-              <a:ext uri="{FF2B5EF4-FFF2-40B4-BE49-F238E27FC236}">
-                <a16:creationId xmlns:a16="http://schemas.microsoft.com/office/drawing/2014/main" id="{3C205172-C90A-419D-B1EF-66872D61E860}"/>
-              </a:ext>
-            </a:extLst>
-          </p:cNvPr>
+          <p:cNvPr id="22" name="文本框 21"/>
           <p:cNvSpPr txBox="1"/>
           <p:nvPr/>
         </p:nvSpPr>
@@ -22736,18 +23524,16 @@
               </a:rPr>
               <a:t> mean &amp; Covariance</a:t>
             </a:r>
+            <a:endParaRPr lang="en-US" altLang="zh-CN" sz="1400" dirty="0">
+              <a:latin typeface="Axure Handwriting" panose="020B0402020200020204" pitchFamily="34" charset="0"/>
+              <a:ea typeface="微软雅黑" panose="020B0503020204020204" charset="-122"/>
+            </a:endParaRPr>
           </a:p>
         </p:txBody>
       </p:sp>
       <p:cxnSp>
         <p:nvCxnSpPr>
-          <p:cNvPr id="24" name="直接箭头连接符 23">
-            <a:extLst>
-              <a:ext uri="{FF2B5EF4-FFF2-40B4-BE49-F238E27FC236}">
-                <a16:creationId xmlns:a16="http://schemas.microsoft.com/office/drawing/2014/main" id="{F4917EF8-BA09-44FF-A02E-CB1774BEA7BF}"/>
-              </a:ext>
-            </a:extLst>
-          </p:cNvPr>
+          <p:cNvPr id="24" name="直接箭头连接符 23"/>
           <p:cNvCxnSpPr/>
           <p:nvPr/>
         </p:nvCxnSpPr>
@@ -22783,16 +23569,8 @@
       </p:cxnSp>
       <p:cxnSp>
         <p:nvCxnSpPr>
-          <p:cNvPr id="25" name="直接箭头连接符 24">
-            <a:extLst>
-              <a:ext uri="{FF2B5EF4-FFF2-40B4-BE49-F238E27FC236}">
-                <a16:creationId xmlns:a16="http://schemas.microsoft.com/office/drawing/2014/main" id="{645DB1DB-B033-4331-9884-B2F31C0EE001}"/>
-              </a:ext>
-            </a:extLst>
-          </p:cNvPr>
-          <p:cNvCxnSpPr>
-            <a:cxnSpLocks/>
-          </p:cNvCxnSpPr>
+          <p:cNvPr id="25" name="直接箭头连接符 24"/>
+          <p:cNvCxnSpPr/>
           <p:nvPr/>
         </p:nvCxnSpPr>
         <p:spPr>
@@ -22827,13 +23605,7 @@
       </p:cxnSp>
       <p:sp>
         <p:nvSpPr>
-          <p:cNvPr id="27" name="文本框 26">
-            <a:extLst>
-              <a:ext uri="{FF2B5EF4-FFF2-40B4-BE49-F238E27FC236}">
-                <a16:creationId xmlns:a16="http://schemas.microsoft.com/office/drawing/2014/main" id="{C091B6D9-49A5-4B33-8385-51A2B54B2402}"/>
-              </a:ext>
-            </a:extLst>
-          </p:cNvPr>
+          <p:cNvPr id="27" name="文本框 26"/>
           <p:cNvSpPr txBox="1"/>
           <p:nvPr/>
         </p:nvSpPr>
@@ -22875,20 +23647,17 @@
               </a:rPr>
               <a:t> FID</a:t>
             </a:r>
+            <a:endParaRPr lang="en-US" altLang="zh-CN" sz="1400" dirty="0">
+              <a:latin typeface="Axure Handwriting" panose="020B0402020200020204" pitchFamily="34" charset="0"/>
+              <a:ea typeface="微软雅黑" panose="020B0503020204020204" charset="-122"/>
+            </a:endParaRPr>
           </a:p>
         </p:txBody>
       </p:sp>
       <p:cxnSp>
         <p:nvCxnSpPr>
-          <p:cNvPr id="28" name="直接箭头连接符 27">
-            <a:extLst>
-              <a:ext uri="{FF2B5EF4-FFF2-40B4-BE49-F238E27FC236}">
-                <a16:creationId xmlns:a16="http://schemas.microsoft.com/office/drawing/2014/main" id="{199FAA64-96DE-4AED-A651-934D3DAA2899}"/>
-              </a:ext>
-            </a:extLst>
-          </p:cNvPr>
+          <p:cNvPr id="28" name="直接箭头连接符 27"/>
           <p:cNvCxnSpPr>
-            <a:cxnSpLocks/>
             <a:stCxn id="22" idx="3"/>
             <a:endCxn id="27" idx="1"/>
           </p:cNvCxnSpPr>
@@ -22925,11 +23694,6 @@
         </p:style>
       </p:cxnSp>
     </p:spTree>
-    <p:extLst>
-      <p:ext uri="{BB962C8B-B14F-4D97-AF65-F5344CB8AC3E}">
-        <p14:creationId xmlns:p14="http://schemas.microsoft.com/office/powerpoint/2010/main" val="2518228801"/>
-      </p:ext>
-    </p:extLst>
   </p:cSld>
   <p:clrMapOvr>
     <a:masterClrMapping/>
@@ -22956,13 +23720,135 @@
       </p:grpSpPr>
       <p:pic>
         <p:nvPicPr>
-          <p:cNvPr id="18" name="图片 17">
-            <a:extLst>
-              <a:ext uri="{FF2B5EF4-FFF2-40B4-BE49-F238E27FC236}">
-                <a16:creationId xmlns:a16="http://schemas.microsoft.com/office/drawing/2014/main" id="{B224CDFA-8719-4372-ADEC-455CEBE8639F}"/>
-              </a:ext>
-            </a:extLst>
-          </p:cNvPr>
+          <p:cNvPr id="18" name="图片 17"/>
+          <p:cNvPicPr>
+            <a:picLocks noChangeAspect="1"/>
+          </p:cNvPicPr>
+          <p:nvPr/>
+        </p:nvPicPr>
+        <p:blipFill>
+          <a:blip r:embed="rId1"/>
+          <a:stretch>
+            <a:fillRect/>
+          </a:stretch>
+        </p:blipFill>
+        <p:spPr>
+          <a:xfrm>
+            <a:off x="4299091" y="3579432"/>
+            <a:ext cx="3596400" cy="1339476"/>
+          </a:xfrm>
+          <a:prstGeom prst="rect">
+            <a:avLst/>
+          </a:prstGeom>
+        </p:spPr>
+      </p:pic>
+      <p:sp>
+        <p:nvSpPr>
+          <p:cNvPr id="5" name="文本框 4"/>
+          <p:cNvSpPr txBox="1"/>
+          <p:nvPr/>
+        </p:nvSpPr>
+        <p:spPr>
+          <a:xfrm>
+            <a:off x="335280" y="72390"/>
+            <a:ext cx="3248025" cy="398780"/>
+          </a:xfrm>
+          <a:prstGeom prst="rect">
+            <a:avLst/>
+          </a:prstGeom>
+          <a:noFill/>
+        </p:spPr>
+        <p:txBody>
+          <a:bodyPr wrap="square" rtlCol="0">
+            <a:spAutoFit/>
+          </a:bodyPr>
+          <a:lstStyle/>
+          <a:p>
+            <a:r>
+              <a:rPr lang="en-US" altLang="zh-CN" sz="2000" b="1">
+                <a:latin typeface="微软雅黑" panose="020B0503020204020204" charset="-122"/>
+                <a:ea typeface="微软雅黑" panose="020B0503020204020204" charset="-122"/>
+              </a:rPr>
+              <a:t>DCGAN - 2015</a:t>
+            </a:r>
+            <a:endParaRPr lang="en-US" altLang="zh-CN" sz="2000" b="1">
+              <a:latin typeface="微软雅黑" panose="020B0503020204020204" charset="-122"/>
+              <a:ea typeface="微软雅黑" panose="020B0503020204020204" charset="-122"/>
+            </a:endParaRPr>
+          </a:p>
+        </p:txBody>
+      </p:sp>
+      <p:sp>
+        <p:nvSpPr>
+          <p:cNvPr id="54" name="矩形 53"/>
+          <p:cNvSpPr/>
+          <p:nvPr/>
+        </p:nvSpPr>
+        <p:spPr>
+          <a:xfrm>
+            <a:off x="1163534" y="3545588"/>
+            <a:ext cx="2900680" cy="215900"/>
+          </a:xfrm>
+          <a:prstGeom prst="rect">
+            <a:avLst/>
+          </a:prstGeom>
+          <a:solidFill>
+            <a:schemeClr val="bg1"/>
+          </a:solidFill>
+          <a:ln>
+            <a:noFill/>
+          </a:ln>
+        </p:spPr>
+        <p:style>
+          <a:lnRef idx="2">
+            <a:schemeClr val="accent1">
+              <a:shade val="50000"/>
+            </a:schemeClr>
+          </a:lnRef>
+          <a:fillRef idx="1">
+            <a:schemeClr val="accent1"/>
+          </a:fillRef>
+          <a:effectRef idx="0">
+            <a:schemeClr val="accent1"/>
+          </a:effectRef>
+          <a:fontRef idx="minor">
+            <a:schemeClr val="lt1"/>
+          </a:fontRef>
+        </p:style>
+        <p:txBody>
+          <a:bodyPr rtlCol="0" anchor="ctr"/>
+          <a:lstStyle/>
+          <a:p>
+            <a:pPr algn="l"/>
+            <a:r>
+              <a:rPr lang="en-US" altLang="zh-CN" sz="800" dirty="0">
+                <a:solidFill>
+                  <a:schemeClr val="tx1">
+                    <a:lumMod val="50000"/>
+                    <a:lumOff val="50000"/>
+                  </a:schemeClr>
+                </a:solidFill>
+                <a:latin typeface="微软雅黑" panose="020B0503020204020204" charset="-122"/>
+                <a:ea typeface="微软雅黑" panose="020B0503020204020204" charset="-122"/>
+              </a:rPr>
+              <a:t>source: https://openai.com/blog/generative-models/</a:t>
+            </a:r>
+            <a:endParaRPr lang="en-US" altLang="zh-CN" sz="800" dirty="0">
+              <a:solidFill>
+                <a:schemeClr val="tx1">
+                  <a:lumMod val="50000"/>
+                  <a:lumOff val="50000"/>
+                </a:schemeClr>
+              </a:solidFill>
+              <a:latin typeface="微软雅黑" panose="020B0503020204020204" charset="-122"/>
+              <a:ea typeface="微软雅黑" panose="020B0503020204020204" charset="-122"/>
+            </a:endParaRPr>
+          </a:p>
+        </p:txBody>
+      </p:sp>
+      <p:pic>
+        <p:nvPicPr>
+          <p:cNvPr id="7" name="图片 6" descr="gen_models_diag_1"/>
           <p:cNvPicPr>
             <a:picLocks noChangeAspect="1"/>
           </p:cNvPicPr>
@@ -22976,126 +23862,6 @@
         </p:blipFill>
         <p:spPr>
           <a:xfrm>
-            <a:off x="4299091" y="3579432"/>
-            <a:ext cx="3596400" cy="1339476"/>
-          </a:xfrm>
-          <a:prstGeom prst="rect">
-            <a:avLst/>
-          </a:prstGeom>
-        </p:spPr>
-      </p:pic>
-      <p:sp>
-        <p:nvSpPr>
-          <p:cNvPr id="5" name="文本框 4"/>
-          <p:cNvSpPr txBox="1"/>
-          <p:nvPr/>
-        </p:nvSpPr>
-        <p:spPr>
-          <a:xfrm>
-            <a:off x="335280" y="72390"/>
-            <a:ext cx="3248025" cy="398780"/>
-          </a:xfrm>
-          <a:prstGeom prst="rect">
-            <a:avLst/>
-          </a:prstGeom>
-          <a:noFill/>
-        </p:spPr>
-        <p:txBody>
-          <a:bodyPr wrap="square" rtlCol="0">
-            <a:spAutoFit/>
-          </a:bodyPr>
-          <a:lstStyle/>
-          <a:p>
-            <a:r>
-              <a:rPr lang="en-US" altLang="zh-CN" sz="2000" b="1">
-                <a:latin typeface="微软雅黑" panose="020B0503020204020204" charset="-122"/>
-                <a:ea typeface="微软雅黑" panose="020B0503020204020204" charset="-122"/>
-              </a:rPr>
-              <a:t>DCGAN - 2015</a:t>
-            </a:r>
-          </a:p>
-        </p:txBody>
-      </p:sp>
-      <p:sp>
-        <p:nvSpPr>
-          <p:cNvPr id="54" name="矩形 53"/>
-          <p:cNvSpPr/>
-          <p:nvPr/>
-        </p:nvSpPr>
-        <p:spPr>
-          <a:xfrm>
-            <a:off x="1163534" y="3545588"/>
-            <a:ext cx="2900680" cy="215900"/>
-          </a:xfrm>
-          <a:prstGeom prst="rect">
-            <a:avLst/>
-          </a:prstGeom>
-          <a:solidFill>
-            <a:schemeClr val="bg1"/>
-          </a:solidFill>
-          <a:ln>
-            <a:noFill/>
-          </a:ln>
-        </p:spPr>
-        <p:style>
-          <a:lnRef idx="2">
-            <a:schemeClr val="accent1">
-              <a:shade val="50000"/>
-            </a:schemeClr>
-          </a:lnRef>
-          <a:fillRef idx="1">
-            <a:schemeClr val="accent1"/>
-          </a:fillRef>
-          <a:effectRef idx="0">
-            <a:schemeClr val="accent1"/>
-          </a:effectRef>
-          <a:fontRef idx="minor">
-            <a:schemeClr val="lt1"/>
-          </a:fontRef>
-        </p:style>
-        <p:txBody>
-          <a:bodyPr rtlCol="0" anchor="ctr"/>
-          <a:lstStyle/>
-          <a:p>
-            <a:pPr algn="l"/>
-            <a:r>
-              <a:rPr lang="en-US" altLang="zh-CN" sz="800" dirty="0">
-                <a:solidFill>
-                  <a:schemeClr val="tx1">
-                    <a:lumMod val="50000"/>
-                    <a:lumOff val="50000"/>
-                  </a:schemeClr>
-                </a:solidFill>
-                <a:latin typeface="微软雅黑" panose="020B0503020204020204" charset="-122"/>
-                <a:ea typeface="微软雅黑" panose="020B0503020204020204" charset="-122"/>
-              </a:rPr>
-              <a:t>source: https://openai.com/blog/generative-models/</a:t>
-            </a:r>
-          </a:p>
-        </p:txBody>
-      </p:sp>
-      <p:pic>
-        <p:nvPicPr>
-          <p:cNvPr id="7" name="图片 6" descr="gen_models_diag_1">
-            <a:extLst>
-              <a:ext uri="{FF2B5EF4-FFF2-40B4-BE49-F238E27FC236}">
-                <a16:creationId xmlns:a16="http://schemas.microsoft.com/office/drawing/2014/main" id="{25E4C4D5-4255-4D36-A511-EBBF49CF5658}"/>
-              </a:ext>
-            </a:extLst>
-          </p:cNvPr>
-          <p:cNvPicPr>
-            <a:picLocks noChangeAspect="1"/>
-          </p:cNvPicPr>
-          <p:nvPr/>
-        </p:nvPicPr>
-        <p:blipFill>
-          <a:blip r:embed="rId3"/>
-          <a:stretch>
-            <a:fillRect/>
-          </a:stretch>
-        </p:blipFill>
-        <p:spPr>
-          <a:xfrm>
             <a:off x="1059329" y="1932104"/>
             <a:ext cx="3837871" cy="1519095"/>
           </a:xfrm>
@@ -23106,13 +23872,7 @@
       </p:pic>
       <p:sp>
         <p:nvSpPr>
-          <p:cNvPr id="3" name="矩形 2">
-            <a:extLst>
-              <a:ext uri="{FF2B5EF4-FFF2-40B4-BE49-F238E27FC236}">
-                <a16:creationId xmlns:a16="http://schemas.microsoft.com/office/drawing/2014/main" id="{BF9BCC86-0487-4AB9-ABF1-B236269B183B}"/>
-              </a:ext>
-            </a:extLst>
-          </p:cNvPr>
+          <p:cNvPr id="3" name="矩形 2"/>
           <p:cNvSpPr/>
           <p:nvPr/>
         </p:nvSpPr>
@@ -23162,13 +23922,7 @@
       </p:sp>
       <p:sp>
         <p:nvSpPr>
-          <p:cNvPr id="9" name="矩形 8">
-            <a:extLst>
-              <a:ext uri="{FF2B5EF4-FFF2-40B4-BE49-F238E27FC236}">
-                <a16:creationId xmlns:a16="http://schemas.microsoft.com/office/drawing/2014/main" id="{E48443EA-D09E-4F9C-9EBF-AB3724E3077F}"/>
-              </a:ext>
-            </a:extLst>
-          </p:cNvPr>
+          <p:cNvPr id="9" name="矩形 8"/>
           <p:cNvSpPr/>
           <p:nvPr/>
         </p:nvSpPr>
@@ -23248,18 +24002,19 @@
               </a:rPr>
               <a:t>Generator</a:t>
             </a:r>
-          </a:p>
-        </p:txBody>
-      </p:sp>
-      <p:sp>
-        <p:nvSpPr>
-          <p:cNvPr id="21" name="文本框 20">
-            <a:extLst>
-              <a:ext uri="{FF2B5EF4-FFF2-40B4-BE49-F238E27FC236}">
-                <a16:creationId xmlns:a16="http://schemas.microsoft.com/office/drawing/2014/main" id="{FB8FAEC2-BC17-416E-B50D-30307D3F223D}"/>
-              </a:ext>
-            </a:extLst>
-          </p:cNvPr>
+            <a:endParaRPr lang="en-US" altLang="zh-CN" sz="1400" b="1" dirty="0">
+              <a:solidFill>
+                <a:srgbClr val="0070C0"/>
+              </a:solidFill>
+              <a:latin typeface="微软雅黑" panose="020B0503020204020204" charset="-122"/>
+              <a:ea typeface="微软雅黑" panose="020B0503020204020204" charset="-122"/>
+            </a:endParaRPr>
+          </a:p>
+        </p:txBody>
+      </p:sp>
+      <p:sp>
+        <p:nvSpPr>
+          <p:cNvPr id="21" name="文本框 20"/>
           <p:cNvSpPr txBox="1"/>
           <p:nvPr/>
         </p:nvSpPr>
@@ -23292,18 +24047,21 @@
               </a:rPr>
               <a:t>Discriminator</a:t>
             </a:r>
-          </a:p>
-        </p:txBody>
-      </p:sp>
-      <p:sp>
-        <p:nvSpPr>
-          <p:cNvPr id="19" name="箭头: 右 18">
-            <a:extLst>
-              <a:ext uri="{FF2B5EF4-FFF2-40B4-BE49-F238E27FC236}">
-                <a16:creationId xmlns:a16="http://schemas.microsoft.com/office/drawing/2014/main" id="{9F3CF671-EAEC-4F6F-863F-69B53A7AA455}"/>
-              </a:ext>
-            </a:extLst>
-          </p:cNvPr>
+            <a:endParaRPr lang="en-US" altLang="zh-CN" sz="1400" b="1" dirty="0">
+              <a:solidFill>
+                <a:schemeClr val="accent2">
+                  <a:lumMod val="75000"/>
+                </a:schemeClr>
+              </a:solidFill>
+              <a:latin typeface="微软雅黑" panose="020B0503020204020204" charset="-122"/>
+              <a:ea typeface="微软雅黑" panose="020B0503020204020204" charset="-122"/>
+            </a:endParaRPr>
+          </a:p>
+        </p:txBody>
+      </p:sp>
+      <p:sp>
+        <p:nvSpPr>
+          <p:cNvPr id="19" name="箭头: 右 18"/>
           <p:cNvSpPr/>
           <p:nvPr/>
         </p:nvSpPr>
@@ -23356,13 +24114,7 @@
       </p:sp>
       <p:grpSp>
         <p:nvGrpSpPr>
-          <p:cNvPr id="22" name="组合 21">
-            <a:extLst>
-              <a:ext uri="{FF2B5EF4-FFF2-40B4-BE49-F238E27FC236}">
-                <a16:creationId xmlns:a16="http://schemas.microsoft.com/office/drawing/2014/main" id="{37A1CB09-71C4-4DF7-ADB7-84B39DE5AEA4}"/>
-              </a:ext>
-            </a:extLst>
-          </p:cNvPr>
+          <p:cNvPr id="22" name="组合 21"/>
           <p:cNvGrpSpPr/>
           <p:nvPr/>
         </p:nvGrpSpPr>
@@ -23376,13 +24128,7 @@
         </p:grpSpPr>
         <p:sp>
           <p:nvSpPr>
-            <p:cNvPr id="24" name="矩形 23">
-              <a:extLst>
-                <a:ext uri="{FF2B5EF4-FFF2-40B4-BE49-F238E27FC236}">
-                  <a16:creationId xmlns:a16="http://schemas.microsoft.com/office/drawing/2014/main" id="{B185CC11-2436-45A5-A7E3-0343DA898866}"/>
-                </a:ext>
-              </a:extLst>
-            </p:cNvPr>
+            <p:cNvPr id="24" name="矩形 23"/>
             <p:cNvSpPr/>
             <p:nvPr/>
           </p:nvSpPr>
@@ -23447,13 +24193,7 @@
         </p:sp>
         <p:sp>
           <p:nvSpPr>
-            <p:cNvPr id="25" name="矩形 24">
-              <a:extLst>
-                <a:ext uri="{FF2B5EF4-FFF2-40B4-BE49-F238E27FC236}">
-                  <a16:creationId xmlns:a16="http://schemas.microsoft.com/office/drawing/2014/main" id="{6525A093-0BBE-4A63-AA11-4F085DD6D342}"/>
-                </a:ext>
-              </a:extLst>
-            </p:cNvPr>
+            <p:cNvPr id="25" name="矩形 24"/>
             <p:cNvSpPr/>
             <p:nvPr/>
           </p:nvSpPr>
@@ -23515,13 +24255,7 @@
       </p:grpSp>
       <p:sp>
         <p:nvSpPr>
-          <p:cNvPr id="27" name="矩形 26">
-            <a:extLst>
-              <a:ext uri="{FF2B5EF4-FFF2-40B4-BE49-F238E27FC236}">
-                <a16:creationId xmlns:a16="http://schemas.microsoft.com/office/drawing/2014/main" id="{3B823C89-2AE9-4F45-B90E-841CD5B0519C}"/>
-              </a:ext>
-            </a:extLst>
-          </p:cNvPr>
+          <p:cNvPr id="27" name="矩形 26"/>
           <p:cNvSpPr/>
           <p:nvPr/>
         </p:nvSpPr>
@@ -23570,25 +24304,23 @@
               </a:rPr>
               <a:t>Loss</a:t>
             </a:r>
+            <a:endParaRPr lang="en-US" altLang="zh-CN" sz="1400" b="1" dirty="0">
+              <a:latin typeface="微软雅黑" panose="020B0503020204020204" charset="-122"/>
+              <a:ea typeface="微软雅黑" panose="020B0503020204020204" charset="-122"/>
+            </a:endParaRPr>
           </a:p>
         </p:txBody>
       </p:sp>
       <p:pic>
         <p:nvPicPr>
-          <p:cNvPr id="40" name="图片 39">
-            <a:extLst>
-              <a:ext uri="{FF2B5EF4-FFF2-40B4-BE49-F238E27FC236}">
-                <a16:creationId xmlns:a16="http://schemas.microsoft.com/office/drawing/2014/main" id="{034D82F2-D842-41C4-A577-7316C73290C4}"/>
-              </a:ext>
-            </a:extLst>
-          </p:cNvPr>
+          <p:cNvPr id="40" name="图片 39"/>
           <p:cNvPicPr>
             <a:picLocks noChangeAspect="1"/>
           </p:cNvPicPr>
           <p:nvPr/>
         </p:nvPicPr>
         <p:blipFill>
-          <a:blip r:embed="rId4">
+          <a:blip r:embed="rId3">
             <a:extLst>
               <a:ext uri="{28A0092B-C50C-407E-A947-70E740481C1C}">
                 <a14:useLocalDpi xmlns:a14="http://schemas.microsoft.com/office/drawing/2010/main" val="0"/>
@@ -23611,13 +24343,7 @@
       </p:pic>
       <p:grpSp>
         <p:nvGrpSpPr>
-          <p:cNvPr id="45" name="组合 44">
-            <a:extLst>
-              <a:ext uri="{FF2B5EF4-FFF2-40B4-BE49-F238E27FC236}">
-                <a16:creationId xmlns:a16="http://schemas.microsoft.com/office/drawing/2014/main" id="{A47ED6A0-9211-4D62-B6C6-9BD6BE8E3473}"/>
-              </a:ext>
-            </a:extLst>
-          </p:cNvPr>
+          <p:cNvPr id="45" name="组合 44"/>
           <p:cNvGrpSpPr/>
           <p:nvPr/>
         </p:nvGrpSpPr>
@@ -23631,16 +24357,8 @@
         </p:grpSpPr>
         <p:cxnSp>
           <p:nvCxnSpPr>
-            <p:cNvPr id="37" name="直接箭头连接符 36">
-              <a:extLst>
-                <a:ext uri="{FF2B5EF4-FFF2-40B4-BE49-F238E27FC236}">
-                  <a16:creationId xmlns:a16="http://schemas.microsoft.com/office/drawing/2014/main" id="{F17B8F1A-A19C-46B2-839D-0C2729EEFDEB}"/>
-                </a:ext>
-              </a:extLst>
-            </p:cNvPr>
-            <p:cNvCxnSpPr>
-              <a:cxnSpLocks/>
-            </p:cNvCxnSpPr>
+            <p:cNvPr id="37" name="直接箭头连接符 36"/>
+            <p:cNvCxnSpPr/>
             <p:nvPr/>
           </p:nvCxnSpPr>
           <p:spPr>
@@ -23677,16 +24395,8 @@
         </p:cxnSp>
         <p:cxnSp>
           <p:nvCxnSpPr>
-            <p:cNvPr id="42" name="直接连接符 41">
-              <a:extLst>
-                <a:ext uri="{FF2B5EF4-FFF2-40B4-BE49-F238E27FC236}">
-                  <a16:creationId xmlns:a16="http://schemas.microsoft.com/office/drawing/2014/main" id="{481EBBB2-0709-461A-BA87-4AF3C706B9D4}"/>
-                </a:ext>
-              </a:extLst>
-            </p:cNvPr>
-            <p:cNvCxnSpPr>
-              <a:cxnSpLocks/>
-            </p:cNvCxnSpPr>
+            <p:cNvPr id="42" name="直接连接符 41"/>
+            <p:cNvCxnSpPr/>
             <p:nvPr/>
           </p:nvCxnSpPr>
           <p:spPr>
@@ -23722,13 +24432,7 @@
         </p:cxnSp>
         <p:cxnSp>
           <p:nvCxnSpPr>
-            <p:cNvPr id="44" name="直接连接符 43">
-              <a:extLst>
-                <a:ext uri="{FF2B5EF4-FFF2-40B4-BE49-F238E27FC236}">
-                  <a16:creationId xmlns:a16="http://schemas.microsoft.com/office/drawing/2014/main" id="{584F15A6-BA59-4880-8C9F-DDF2D489D3E9}"/>
-                </a:ext>
-              </a:extLst>
-            </p:cNvPr>
+            <p:cNvPr id="44" name="直接连接符 43"/>
             <p:cNvCxnSpPr/>
             <p:nvPr/>
           </p:nvCxnSpPr>
@@ -23766,13 +24470,7 @@
       </p:grpSp>
       <p:cxnSp>
         <p:nvCxnSpPr>
-          <p:cNvPr id="47" name="连接符: 肘形 46">
-            <a:extLst>
-              <a:ext uri="{FF2B5EF4-FFF2-40B4-BE49-F238E27FC236}">
-                <a16:creationId xmlns:a16="http://schemas.microsoft.com/office/drawing/2014/main" id="{568EFD66-45B6-48B1-86C9-F8AD918A0B76}"/>
-              </a:ext>
-            </a:extLst>
-          </p:cNvPr>
+          <p:cNvPr id="47" name="连接符: 肘形 46"/>
           <p:cNvCxnSpPr>
             <a:stCxn id="27" idx="0"/>
           </p:cNvCxnSpPr>
@@ -23808,13 +24506,7 @@
       </p:cxnSp>
       <p:cxnSp>
         <p:nvCxnSpPr>
-          <p:cNvPr id="51" name="直接箭头连接符 50">
-            <a:extLst>
-              <a:ext uri="{FF2B5EF4-FFF2-40B4-BE49-F238E27FC236}">
-                <a16:creationId xmlns:a16="http://schemas.microsoft.com/office/drawing/2014/main" id="{2348E79C-D73B-4BE2-A6F9-5B85A34BF82D}"/>
-              </a:ext>
-            </a:extLst>
-          </p:cNvPr>
+          <p:cNvPr id="51" name="直接箭头连接符 50"/>
           <p:cNvCxnSpPr/>
           <p:nvPr/>
         </p:nvCxnSpPr>
@@ -23876,20 +24568,14 @@
       </p:grpSpPr>
       <p:pic>
         <p:nvPicPr>
-          <p:cNvPr id="19" name="图片 18" descr="gen_models_diag_1">
-            <a:extLst>
-              <a:ext uri="{FF2B5EF4-FFF2-40B4-BE49-F238E27FC236}">
-                <a16:creationId xmlns:a16="http://schemas.microsoft.com/office/drawing/2014/main" id="{B4D707E4-C52E-457C-8E2B-C530C4AC48D3}"/>
-              </a:ext>
-            </a:extLst>
-          </p:cNvPr>
+          <p:cNvPr id="19" name="图片 18" descr="gen_models_diag_1"/>
           <p:cNvPicPr>
             <a:picLocks noChangeAspect="1"/>
           </p:cNvPicPr>
           <p:nvPr/>
         </p:nvPicPr>
         <p:blipFill>
-          <a:blip r:embed="rId2"/>
+          <a:blip r:embed="rId1"/>
           <a:stretch>
             <a:fillRect/>
           </a:stretch>
@@ -23933,6 +24619,10 @@
               </a:rPr>
               <a:t>DCGAN - 2015</a:t>
             </a:r>
+            <a:endParaRPr lang="en-US" altLang="zh-CN" sz="2000" b="1">
+              <a:latin typeface="微软雅黑" panose="020B0503020204020204" charset="-122"/>
+              <a:ea typeface="微软雅黑" panose="020B0503020204020204" charset="-122"/>
+            </a:endParaRPr>
           </a:p>
         </p:txBody>
       </p:sp>
@@ -23969,6 +24659,13 @@
               </a:rPr>
               <a:t>Generator</a:t>
             </a:r>
+            <a:endParaRPr lang="en-US" altLang="zh-CN" sz="1400" b="1" dirty="0">
+              <a:solidFill>
+                <a:srgbClr val="0070C0"/>
+              </a:solidFill>
+              <a:latin typeface="微软雅黑" panose="020B0503020204020204" charset="-122"/>
+              <a:ea typeface="微软雅黑" panose="020B0503020204020204" charset="-122"/>
+            </a:endParaRPr>
           </a:p>
         </p:txBody>
       </p:sp>
@@ -24060,18 +24757,19 @@
               </a:rPr>
               <a:t>Discriminator</a:t>
             </a:r>
-          </a:p>
-        </p:txBody>
-      </p:sp>
-      <p:sp>
-        <p:nvSpPr>
-          <p:cNvPr id="4" name="文本框 3">
-            <a:extLst>
-              <a:ext uri="{FF2B5EF4-FFF2-40B4-BE49-F238E27FC236}">
-                <a16:creationId xmlns:a16="http://schemas.microsoft.com/office/drawing/2014/main" id="{651802E6-57FE-4474-A0B3-473602FD06C6}"/>
-              </a:ext>
-            </a:extLst>
-          </p:cNvPr>
+            <a:endParaRPr lang="en-US" altLang="zh-CN" sz="1400" b="1" dirty="0">
+              <a:solidFill>
+                <a:srgbClr val="0070C0"/>
+              </a:solidFill>
+              <a:latin typeface="微软雅黑" panose="020B0503020204020204" charset="-122"/>
+              <a:ea typeface="微软雅黑" panose="020B0503020204020204" charset="-122"/>
+            </a:endParaRPr>
+          </a:p>
+        </p:txBody>
+      </p:sp>
+      <p:sp>
+        <p:nvSpPr>
+          <p:cNvPr id="4" name="文本框 3"/>
           <p:cNvSpPr txBox="1"/>
           <p:nvPr/>
         </p:nvSpPr>
@@ -24093,68 +24791,84 @@
           <a:p>
             <a:r>
               <a:rPr lang="en-US" altLang="zh-CN" sz="1000" dirty="0">
-                <a:latin typeface="Arial" panose="020B0604020202020204" pitchFamily="34" charset="0"/>
-                <a:cs typeface="Arial" panose="020B0604020202020204" pitchFamily="34" charset="0"/>
+                <a:latin typeface="Arial" panose="020B0604020202090204" pitchFamily="34" charset="0"/>
+                <a:cs typeface="Arial" panose="020B0604020202090204" pitchFamily="34" charset="0"/>
               </a:rPr>
               <a:t>                             64</a:t>
             </a:r>
-          </a:p>
-          <a:p>
             <a:endParaRPr lang="en-US" altLang="zh-CN" sz="1000" dirty="0">
-              <a:latin typeface="Arial" panose="020B0604020202020204" pitchFamily="34" charset="0"/>
-              <a:cs typeface="Arial" panose="020B0604020202020204" pitchFamily="34" charset="0"/>
+              <a:latin typeface="Arial" panose="020B0604020202090204" pitchFamily="34" charset="0"/>
+              <a:cs typeface="Arial" panose="020B0604020202090204" pitchFamily="34" charset="0"/>
+            </a:endParaRPr>
+          </a:p>
+          <a:p>
+            <a:endParaRPr lang="en-US" altLang="zh-CN" sz="1000" dirty="0">
+              <a:latin typeface="Arial" panose="020B0604020202090204" pitchFamily="34" charset="0"/>
+              <a:cs typeface="Arial" panose="020B0604020202090204" pitchFamily="34" charset="0"/>
             </a:endParaRPr>
           </a:p>
           <a:p>
             <a:r>
               <a:rPr lang="en-US" altLang="zh-CN" sz="1400" dirty="0">
                 <a:latin typeface="Axure Handwriting" panose="020B0402020200020204" pitchFamily="34" charset="0"/>
-                <a:cs typeface="Arial" panose="020B0604020202020204" pitchFamily="34" charset="0"/>
+                <a:cs typeface="Arial" panose="020B0604020202090204" pitchFamily="34" charset="0"/>
               </a:rPr>
               <a:t>  x</a:t>
             </a:r>
+            <a:endParaRPr lang="en-US" altLang="zh-CN" sz="1400" dirty="0">
+              <a:latin typeface="Axure Handwriting" panose="020B0402020200020204" pitchFamily="34" charset="0"/>
+              <a:cs typeface="Arial" panose="020B0604020202090204" pitchFamily="34" charset="0"/>
+            </a:endParaRPr>
           </a:p>
           <a:p>
             <a:endParaRPr lang="en-US" altLang="zh-CN" sz="1000" dirty="0">
-              <a:latin typeface="Arial" panose="020B0604020202020204" pitchFamily="34" charset="0"/>
-              <a:cs typeface="Arial" panose="020B0604020202020204" pitchFamily="34" charset="0"/>
+              <a:latin typeface="Arial" panose="020B0604020202090204" pitchFamily="34" charset="0"/>
+              <a:cs typeface="Arial" panose="020B0604020202090204" pitchFamily="34" charset="0"/>
             </a:endParaRPr>
           </a:p>
           <a:p>
             <a:endParaRPr lang="en-US" altLang="zh-CN" sz="1000" dirty="0">
-              <a:latin typeface="Arial" panose="020B0604020202020204" pitchFamily="34" charset="0"/>
-              <a:cs typeface="Arial" panose="020B0604020202020204" pitchFamily="34" charset="0"/>
+              <a:latin typeface="Arial" panose="020B0604020202090204" pitchFamily="34" charset="0"/>
+              <a:cs typeface="Arial" panose="020B0604020202090204" pitchFamily="34" charset="0"/>
             </a:endParaRPr>
           </a:p>
           <a:p>
             <a:endParaRPr lang="en-US" altLang="zh-CN" sz="1000" dirty="0">
-              <a:latin typeface="Arial" panose="020B0604020202020204" pitchFamily="34" charset="0"/>
-              <a:cs typeface="Arial" panose="020B0604020202020204" pitchFamily="34" charset="0"/>
+              <a:latin typeface="Arial" panose="020B0604020202090204" pitchFamily="34" charset="0"/>
+              <a:cs typeface="Arial" panose="020B0604020202090204" pitchFamily="34" charset="0"/>
             </a:endParaRPr>
           </a:p>
           <a:p>
             <a:r>
               <a:rPr lang="en-US" altLang="zh-CN" sz="1000" dirty="0">
-                <a:latin typeface="Arial" panose="020B0604020202020204" pitchFamily="34" charset="0"/>
-                <a:cs typeface="Arial" panose="020B0604020202020204" pitchFamily="34" charset="0"/>
+                <a:latin typeface="Arial" panose="020B0604020202090204" pitchFamily="34" charset="0"/>
+                <a:cs typeface="Arial" panose="020B0604020202090204" pitchFamily="34" charset="0"/>
               </a:rPr>
               <a:t>                    64   </a:t>
             </a:r>
+            <a:endParaRPr lang="en-US" altLang="zh-CN" sz="1000" dirty="0">
+              <a:latin typeface="Arial" panose="020B0604020202090204" pitchFamily="34" charset="0"/>
+              <a:cs typeface="Arial" panose="020B0604020202090204" pitchFamily="34" charset="0"/>
+            </a:endParaRPr>
           </a:p>
           <a:p>
             <a:r>
               <a:rPr lang="en-US" altLang="zh-CN" sz="1000" dirty="0">
-                <a:latin typeface="Arial" panose="020B0604020202020204" pitchFamily="34" charset="0"/>
-                <a:cs typeface="Arial" panose="020B0604020202020204" pitchFamily="34" charset="0"/>
+                <a:latin typeface="Arial" panose="020B0604020202090204" pitchFamily="34" charset="0"/>
+                <a:cs typeface="Arial" panose="020B0604020202090204" pitchFamily="34" charset="0"/>
               </a:rPr>
               <a:t>         </a:t>
             </a:r>
+            <a:endParaRPr lang="en-US" altLang="zh-CN" sz="1000" dirty="0">
+              <a:latin typeface="Arial" panose="020B0604020202090204" pitchFamily="34" charset="0"/>
+              <a:cs typeface="Arial" panose="020B0604020202090204" pitchFamily="34" charset="0"/>
+            </a:endParaRPr>
           </a:p>
           <a:p>
             <a:r>
               <a:rPr lang="en-US" altLang="zh-CN" sz="1200" dirty="0">
-                <a:latin typeface="Arial" panose="020B0604020202020204" pitchFamily="34" charset="0"/>
-                <a:cs typeface="Arial" panose="020B0604020202020204" pitchFamily="34" charset="0"/>
+                <a:latin typeface="Arial" panose="020B0604020202090204" pitchFamily="34" charset="0"/>
+                <a:cs typeface="Arial" panose="020B0604020202090204" pitchFamily="34" charset="0"/>
               </a:rPr>
               <a:t> </a:t>
             </a:r>
@@ -24165,8 +24879,8 @@
                     <a:lumMod val="75000"/>
                   </a:schemeClr>
                 </a:solidFill>
-                <a:latin typeface="Arial" panose="020B0604020202020204" pitchFamily="34" charset="0"/>
-                <a:cs typeface="Arial" panose="020B0604020202020204" pitchFamily="34" charset="0"/>
+                <a:latin typeface="Arial" panose="020B0604020202090204" pitchFamily="34" charset="0"/>
+                <a:cs typeface="Arial" panose="020B0604020202090204" pitchFamily="34" charset="0"/>
               </a:rPr>
               <a:t>Real Image         </a:t>
             </a:r>
@@ -24176,21 +24890,15 @@
                   <a:lumMod val="75000"/>
                 </a:schemeClr>
               </a:solidFill>
-              <a:latin typeface="Arial" panose="020B0604020202020204" pitchFamily="34" charset="0"/>
-              <a:cs typeface="Arial" panose="020B0604020202020204" pitchFamily="34" charset="0"/>
+              <a:latin typeface="Arial" panose="020B0604020202090204" pitchFamily="34" charset="0"/>
+              <a:cs typeface="Arial" panose="020B0604020202090204" pitchFamily="34" charset="0"/>
             </a:endParaRPr>
           </a:p>
         </p:txBody>
       </p:sp>
       <p:sp>
         <p:nvSpPr>
-          <p:cNvPr id="12" name="左大括号 11">
-            <a:extLst>
-              <a:ext uri="{FF2B5EF4-FFF2-40B4-BE49-F238E27FC236}">
-                <a16:creationId xmlns:a16="http://schemas.microsoft.com/office/drawing/2014/main" id="{8CB2BA1B-0DC9-4C3B-92B3-54A272DD7581}"/>
-              </a:ext>
-            </a:extLst>
-          </p:cNvPr>
+          <p:cNvPr id="12" name="左大括号 11"/>
           <p:cNvSpPr/>
           <p:nvPr/>
         </p:nvSpPr>
@@ -24237,13 +24945,7 @@
       </p:sp>
       <p:sp>
         <p:nvSpPr>
-          <p:cNvPr id="25" name="左大括号 24">
-            <a:extLst>
-              <a:ext uri="{FF2B5EF4-FFF2-40B4-BE49-F238E27FC236}">
-                <a16:creationId xmlns:a16="http://schemas.microsoft.com/office/drawing/2014/main" id="{DB0AAAE9-9E70-4209-BD0D-FDAFDFE59EF9}"/>
-              </a:ext>
-            </a:extLst>
-          </p:cNvPr>
+          <p:cNvPr id="25" name="左大括号 24"/>
           <p:cNvSpPr/>
           <p:nvPr/>
         </p:nvSpPr>
@@ -24290,13 +24992,7 @@
       </p:sp>
       <p:sp>
         <p:nvSpPr>
-          <p:cNvPr id="26" name="左大括号 25">
-            <a:extLst>
-              <a:ext uri="{FF2B5EF4-FFF2-40B4-BE49-F238E27FC236}">
-                <a16:creationId xmlns:a16="http://schemas.microsoft.com/office/drawing/2014/main" id="{4E7E976A-56F6-43E4-B7BE-3AC652ED0518}"/>
-              </a:ext>
-            </a:extLst>
-          </p:cNvPr>
+          <p:cNvPr id="26" name="左大括号 25"/>
           <p:cNvSpPr/>
           <p:nvPr/>
         </p:nvSpPr>
@@ -24343,13 +25039,7 @@
       </p:sp>
       <p:sp>
         <p:nvSpPr>
-          <p:cNvPr id="27" name="左大括号 26">
-            <a:extLst>
-              <a:ext uri="{FF2B5EF4-FFF2-40B4-BE49-F238E27FC236}">
-                <a16:creationId xmlns:a16="http://schemas.microsoft.com/office/drawing/2014/main" id="{144ABED6-D359-4775-B869-FC8B4AC15ED6}"/>
-              </a:ext>
-            </a:extLst>
-          </p:cNvPr>
+          <p:cNvPr id="27" name="左大括号 26"/>
           <p:cNvSpPr/>
           <p:nvPr/>
         </p:nvSpPr>
@@ -24396,13 +25086,7 @@
       </p:sp>
       <p:sp>
         <p:nvSpPr>
-          <p:cNvPr id="16" name="文本框 15">
-            <a:extLst>
-              <a:ext uri="{FF2B5EF4-FFF2-40B4-BE49-F238E27FC236}">
-                <a16:creationId xmlns:a16="http://schemas.microsoft.com/office/drawing/2014/main" id="{B56CD4F6-D83C-41D1-9436-95DA74527DD1}"/>
-              </a:ext>
-            </a:extLst>
-          </p:cNvPr>
+          <p:cNvPr id="16" name="文本框 15"/>
           <p:cNvSpPr txBox="1"/>
           <p:nvPr/>
         </p:nvSpPr>
@@ -24424,14 +25108,14 @@
           <a:p>
             <a:r>
               <a:rPr lang="en-US" altLang="zh-CN" sz="900" dirty="0">
-                <a:latin typeface="Arial" panose="020B0604020202020204" pitchFamily="34" charset="0"/>
-                <a:cs typeface="Arial" panose="020B0604020202020204" pitchFamily="34" charset="0"/>
+                <a:latin typeface="Arial" panose="020B0604020202090204" pitchFamily="34" charset="0"/>
+                <a:cs typeface="Arial" panose="020B0604020202090204" pitchFamily="34" charset="0"/>
               </a:rPr>
               <a:t> 3                	    128	       256	                   512	          	          1024</a:t>
             </a:r>
             <a:endParaRPr lang="zh-CN" altLang="en-US" sz="900" dirty="0">
-              <a:latin typeface="Arial" panose="020B0604020202020204" pitchFamily="34" charset="0"/>
-              <a:cs typeface="Arial" panose="020B0604020202020204" pitchFamily="34" charset="0"/>
+              <a:latin typeface="Arial" panose="020B0604020202090204" pitchFamily="34" charset="0"/>
+              <a:cs typeface="Arial" panose="020B0604020202090204" pitchFamily="34" charset="0"/>
             </a:endParaRPr>
           </a:p>
         </p:txBody>
@@ -24491,13 +25175,7 @@
       </p:sp>
       <p:sp>
         <p:nvSpPr>
-          <p:cNvPr id="21" name="文本框 20">
-            <a:extLst>
-              <a:ext uri="{FF2B5EF4-FFF2-40B4-BE49-F238E27FC236}">
-                <a16:creationId xmlns:a16="http://schemas.microsoft.com/office/drawing/2014/main" id="{6E9A573F-2E06-4D1B-9913-14BE56C5913F}"/>
-              </a:ext>
-            </a:extLst>
-          </p:cNvPr>
+          <p:cNvPr id="21" name="文本框 20"/>
           <p:cNvSpPr txBox="1"/>
           <p:nvPr/>
         </p:nvSpPr>
@@ -24519,66 +25197,78 @@
           <a:p>
             <a:r>
               <a:rPr lang="en-US" altLang="zh-CN" sz="1000" dirty="0">
-                <a:latin typeface="Arial" panose="020B0604020202020204" pitchFamily="34" charset="0"/>
-                <a:cs typeface="Arial" panose="020B0604020202020204" pitchFamily="34" charset="0"/>
+                <a:latin typeface="Arial" panose="020B0604020202090204" pitchFamily="34" charset="0"/>
+                <a:cs typeface="Arial" panose="020B0604020202090204" pitchFamily="34" charset="0"/>
               </a:rPr>
               <a:t>                         32</a:t>
             </a:r>
             <a:endParaRPr lang="en-US" altLang="zh-CN" sz="1400" dirty="0">
               <a:latin typeface="Axure Handwriting" panose="020B0402020200020204" pitchFamily="34" charset="0"/>
-              <a:cs typeface="Arial" panose="020B0604020202020204" pitchFamily="34" charset="0"/>
+              <a:cs typeface="Arial" panose="020B0604020202090204" pitchFamily="34" charset="0"/>
             </a:endParaRPr>
           </a:p>
           <a:p>
             <a:endParaRPr lang="en-US" altLang="zh-CN" sz="1000" dirty="0">
-              <a:latin typeface="Arial" panose="020B0604020202020204" pitchFamily="34" charset="0"/>
-              <a:cs typeface="Arial" panose="020B0604020202020204" pitchFamily="34" charset="0"/>
+              <a:latin typeface="Arial" panose="020B0604020202090204" pitchFamily="34" charset="0"/>
+              <a:cs typeface="Arial" panose="020B0604020202090204" pitchFamily="34" charset="0"/>
             </a:endParaRPr>
           </a:p>
           <a:p>
             <a:endParaRPr lang="en-US" altLang="zh-CN" sz="1000" dirty="0">
-              <a:latin typeface="Arial" panose="020B0604020202020204" pitchFamily="34" charset="0"/>
-              <a:cs typeface="Arial" panose="020B0604020202020204" pitchFamily="34" charset="0"/>
+              <a:latin typeface="Arial" panose="020B0604020202090204" pitchFamily="34" charset="0"/>
+              <a:cs typeface="Arial" panose="020B0604020202090204" pitchFamily="34" charset="0"/>
             </a:endParaRPr>
           </a:p>
           <a:p>
             <a:endParaRPr lang="en-US" altLang="zh-CN" sz="1000" dirty="0">
-              <a:latin typeface="Arial" panose="020B0604020202020204" pitchFamily="34" charset="0"/>
-              <a:cs typeface="Arial" panose="020B0604020202020204" pitchFamily="34" charset="0"/>
+              <a:latin typeface="Arial" panose="020B0604020202090204" pitchFamily="34" charset="0"/>
+              <a:cs typeface="Arial" panose="020B0604020202090204" pitchFamily="34" charset="0"/>
             </a:endParaRPr>
           </a:p>
           <a:p>
             <a:r>
               <a:rPr lang="en-US" altLang="zh-CN" sz="1000" dirty="0">
-                <a:latin typeface="Arial" panose="020B0604020202020204" pitchFamily="34" charset="0"/>
-                <a:cs typeface="Arial" panose="020B0604020202020204" pitchFamily="34" charset="0"/>
+                <a:latin typeface="Arial" panose="020B0604020202090204" pitchFamily="34" charset="0"/>
+                <a:cs typeface="Arial" panose="020B0604020202090204" pitchFamily="34" charset="0"/>
               </a:rPr>
               <a:t>                             </a:t>
             </a:r>
+            <a:endParaRPr lang="en-US" altLang="zh-CN" sz="1000" dirty="0">
+              <a:latin typeface="Arial" panose="020B0604020202090204" pitchFamily="34" charset="0"/>
+              <a:cs typeface="Arial" panose="020B0604020202090204" pitchFamily="34" charset="0"/>
+            </a:endParaRPr>
           </a:p>
           <a:p>
             <a:r>
               <a:rPr lang="en-US" altLang="zh-CN" sz="1000" dirty="0">
-                <a:latin typeface="Arial" panose="020B0604020202020204" pitchFamily="34" charset="0"/>
-                <a:cs typeface="Arial" panose="020B0604020202020204" pitchFamily="34" charset="0"/>
+                <a:latin typeface="Arial" panose="020B0604020202090204" pitchFamily="34" charset="0"/>
+                <a:cs typeface="Arial" panose="020B0604020202090204" pitchFamily="34" charset="0"/>
               </a:rPr>
               <a:t>                  32   </a:t>
             </a:r>
+            <a:endParaRPr lang="en-US" altLang="zh-CN" sz="1000" dirty="0">
+              <a:latin typeface="Arial" panose="020B0604020202090204" pitchFamily="34" charset="0"/>
+              <a:cs typeface="Arial" panose="020B0604020202090204" pitchFamily="34" charset="0"/>
+            </a:endParaRPr>
           </a:p>
           <a:p>
             <a:r>
               <a:rPr lang="en-US" altLang="zh-CN" sz="1000" dirty="0">
-                <a:latin typeface="Arial" panose="020B0604020202020204" pitchFamily="34" charset="0"/>
-                <a:cs typeface="Arial" panose="020B0604020202020204" pitchFamily="34" charset="0"/>
+                <a:latin typeface="Arial" panose="020B0604020202090204" pitchFamily="34" charset="0"/>
+                <a:cs typeface="Arial" panose="020B0604020202090204" pitchFamily="34" charset="0"/>
               </a:rPr>
               <a:t>         </a:t>
             </a:r>
+            <a:endParaRPr lang="en-US" altLang="zh-CN" sz="1000" dirty="0">
+              <a:latin typeface="Arial" panose="020B0604020202090204" pitchFamily="34" charset="0"/>
+              <a:cs typeface="Arial" panose="020B0604020202090204" pitchFamily="34" charset="0"/>
+            </a:endParaRPr>
           </a:p>
           <a:p>
             <a:r>
               <a:rPr lang="en-US" altLang="zh-CN" sz="1200" b="1" dirty="0">
-                <a:latin typeface="Arial" panose="020B0604020202020204" pitchFamily="34" charset="0"/>
-                <a:cs typeface="Arial" panose="020B0604020202020204" pitchFamily="34" charset="0"/>
+                <a:latin typeface="Arial" panose="020B0604020202090204" pitchFamily="34" charset="0"/>
+                <a:cs typeface="Arial" panose="020B0604020202090204" pitchFamily="34" charset="0"/>
               </a:rPr>
               <a:t>Conv1</a:t>
             </a:r>
@@ -24589,8 +25279,8 @@
                     <a:lumMod val="75000"/>
                   </a:schemeClr>
                 </a:solidFill>
-                <a:latin typeface="Arial" panose="020B0604020202020204" pitchFamily="34" charset="0"/>
-                <a:cs typeface="Arial" panose="020B0604020202020204" pitchFamily="34" charset="0"/>
+                <a:latin typeface="Arial" panose="020B0604020202090204" pitchFamily="34" charset="0"/>
+                <a:cs typeface="Arial" panose="020B0604020202090204" pitchFamily="34" charset="0"/>
               </a:rPr>
               <a:t>         </a:t>
             </a:r>
@@ -24600,21 +25290,15 @@
                   <a:lumMod val="75000"/>
                 </a:schemeClr>
               </a:solidFill>
-              <a:latin typeface="Arial" panose="020B0604020202020204" pitchFamily="34" charset="0"/>
-              <a:cs typeface="Arial" panose="020B0604020202020204" pitchFamily="34" charset="0"/>
+              <a:latin typeface="Arial" panose="020B0604020202090204" pitchFamily="34" charset="0"/>
+              <a:cs typeface="Arial" panose="020B0604020202090204" pitchFamily="34" charset="0"/>
             </a:endParaRPr>
           </a:p>
         </p:txBody>
       </p:sp>
       <p:sp>
         <p:nvSpPr>
-          <p:cNvPr id="24" name="文本框 23">
-            <a:extLst>
-              <a:ext uri="{FF2B5EF4-FFF2-40B4-BE49-F238E27FC236}">
-                <a16:creationId xmlns:a16="http://schemas.microsoft.com/office/drawing/2014/main" id="{84BF4017-A7F4-4E02-B285-FEC6AC0962BE}"/>
-              </a:ext>
-            </a:extLst>
-          </p:cNvPr>
+          <p:cNvPr id="24" name="文本框 23"/>
           <p:cNvSpPr txBox="1"/>
           <p:nvPr/>
         </p:nvSpPr>
@@ -24636,54 +25320,66 @@
           <a:p>
             <a:r>
               <a:rPr lang="en-US" altLang="zh-CN" sz="1000" dirty="0">
-                <a:latin typeface="Arial" panose="020B0604020202020204" pitchFamily="34" charset="0"/>
-                <a:cs typeface="Arial" panose="020B0604020202020204" pitchFamily="34" charset="0"/>
+                <a:latin typeface="Arial" panose="020B0604020202090204" pitchFamily="34" charset="0"/>
+                <a:cs typeface="Arial" panose="020B0604020202090204" pitchFamily="34" charset="0"/>
               </a:rPr>
               <a:t>                           16</a:t>
             </a:r>
             <a:endParaRPr lang="en-US" altLang="zh-CN" sz="1400" dirty="0">
               <a:latin typeface="Axure Handwriting" panose="020B0402020200020204" pitchFamily="34" charset="0"/>
-              <a:cs typeface="Arial" panose="020B0604020202020204" pitchFamily="34" charset="0"/>
+              <a:cs typeface="Arial" panose="020B0604020202090204" pitchFamily="34" charset="0"/>
             </a:endParaRPr>
           </a:p>
           <a:p>
             <a:r>
               <a:rPr lang="en-US" altLang="zh-CN" sz="1000" dirty="0">
-                <a:latin typeface="Arial" panose="020B0604020202020204" pitchFamily="34" charset="0"/>
-                <a:cs typeface="Arial" panose="020B0604020202020204" pitchFamily="34" charset="0"/>
+                <a:latin typeface="Arial" panose="020B0604020202090204" pitchFamily="34" charset="0"/>
+                <a:cs typeface="Arial" panose="020B0604020202090204" pitchFamily="34" charset="0"/>
               </a:rPr>
               <a:t>                             </a:t>
             </a:r>
-          </a:p>
-          <a:p>
             <a:endParaRPr lang="en-US" altLang="zh-CN" sz="1000" dirty="0">
-              <a:latin typeface="Arial" panose="020B0604020202020204" pitchFamily="34" charset="0"/>
-              <a:cs typeface="Arial" panose="020B0604020202020204" pitchFamily="34" charset="0"/>
+              <a:latin typeface="Arial" panose="020B0604020202090204" pitchFamily="34" charset="0"/>
+              <a:cs typeface="Arial" panose="020B0604020202090204" pitchFamily="34" charset="0"/>
             </a:endParaRPr>
           </a:p>
           <a:p>
+            <a:endParaRPr lang="en-US" altLang="zh-CN" sz="1000" dirty="0">
+              <a:latin typeface="Arial" panose="020B0604020202090204" pitchFamily="34" charset="0"/>
+              <a:cs typeface="Arial" panose="020B0604020202090204" pitchFamily="34" charset="0"/>
+            </a:endParaRPr>
+          </a:p>
+          <a:p>
             <a:r>
               <a:rPr lang="en-US" altLang="zh-CN" sz="1000" dirty="0">
-                <a:latin typeface="Arial" panose="020B0604020202020204" pitchFamily="34" charset="0"/>
-                <a:cs typeface="Arial" panose="020B0604020202020204" pitchFamily="34" charset="0"/>
+                <a:latin typeface="Arial" panose="020B0604020202090204" pitchFamily="34" charset="0"/>
+                <a:cs typeface="Arial" panose="020B0604020202090204" pitchFamily="34" charset="0"/>
               </a:rPr>
               <a:t>                        </a:t>
             </a:r>
+            <a:endParaRPr lang="en-US" altLang="zh-CN" sz="1000" dirty="0">
+              <a:latin typeface="Arial" panose="020B0604020202090204" pitchFamily="34" charset="0"/>
+              <a:cs typeface="Arial" panose="020B0604020202090204" pitchFamily="34" charset="0"/>
+            </a:endParaRPr>
           </a:p>
           <a:p>
             <a:r>
               <a:rPr lang="en-US" altLang="zh-CN" sz="1000" dirty="0">
-                <a:latin typeface="Arial" panose="020B0604020202020204" pitchFamily="34" charset="0"/>
-                <a:cs typeface="Arial" panose="020B0604020202020204" pitchFamily="34" charset="0"/>
+                <a:latin typeface="Arial" panose="020B0604020202090204" pitchFamily="34" charset="0"/>
+                <a:cs typeface="Arial" panose="020B0604020202090204" pitchFamily="34" charset="0"/>
               </a:rPr>
               <a:t>                      16   </a:t>
             </a:r>
+            <a:endParaRPr lang="en-US" altLang="zh-CN" sz="1000" dirty="0">
+              <a:latin typeface="Arial" panose="020B0604020202090204" pitchFamily="34" charset="0"/>
+              <a:cs typeface="Arial" panose="020B0604020202090204" pitchFamily="34" charset="0"/>
+            </a:endParaRPr>
           </a:p>
           <a:p>
             <a:r>
               <a:rPr lang="en-US" altLang="zh-CN" sz="1200" b="1" dirty="0">
-                <a:latin typeface="Arial" panose="020B0604020202020204" pitchFamily="34" charset="0"/>
-                <a:cs typeface="Arial" panose="020B0604020202020204" pitchFamily="34" charset="0"/>
+                <a:latin typeface="Arial" panose="020B0604020202090204" pitchFamily="34" charset="0"/>
+                <a:cs typeface="Arial" panose="020B0604020202090204" pitchFamily="34" charset="0"/>
               </a:rPr>
               <a:t> Conv2</a:t>
             </a:r>
@@ -24694,8 +25390,8 @@
                     <a:lumMod val="75000"/>
                   </a:schemeClr>
                 </a:solidFill>
-                <a:latin typeface="Arial" panose="020B0604020202020204" pitchFamily="34" charset="0"/>
-                <a:cs typeface="Arial" panose="020B0604020202020204" pitchFamily="34" charset="0"/>
+                <a:latin typeface="Arial" panose="020B0604020202090204" pitchFamily="34" charset="0"/>
+                <a:cs typeface="Arial" panose="020B0604020202090204" pitchFamily="34" charset="0"/>
               </a:rPr>
               <a:t>         </a:t>
             </a:r>
@@ -24705,21 +25401,15 @@
                   <a:lumMod val="75000"/>
                 </a:schemeClr>
               </a:solidFill>
-              <a:latin typeface="Arial" panose="020B0604020202020204" pitchFamily="34" charset="0"/>
-              <a:cs typeface="Arial" panose="020B0604020202020204" pitchFamily="34" charset="0"/>
+              <a:latin typeface="Arial" panose="020B0604020202090204" pitchFamily="34" charset="0"/>
+              <a:cs typeface="Arial" panose="020B0604020202090204" pitchFamily="34" charset="0"/>
             </a:endParaRPr>
           </a:p>
         </p:txBody>
       </p:sp>
       <p:sp>
         <p:nvSpPr>
-          <p:cNvPr id="28" name="文本框 27">
-            <a:extLst>
-              <a:ext uri="{FF2B5EF4-FFF2-40B4-BE49-F238E27FC236}">
-                <a16:creationId xmlns:a16="http://schemas.microsoft.com/office/drawing/2014/main" id="{7AD524BA-35D5-457B-B3ED-F144F774F88C}"/>
-              </a:ext>
-            </a:extLst>
-          </p:cNvPr>
+          <p:cNvPr id="28" name="文本框 27"/>
           <p:cNvSpPr txBox="1"/>
           <p:nvPr/>
         </p:nvSpPr>
@@ -24741,48 +25431,60 @@
           <a:p>
             <a:r>
               <a:rPr lang="en-US" altLang="zh-CN" sz="1000" dirty="0">
-                <a:latin typeface="Arial" panose="020B0604020202020204" pitchFamily="34" charset="0"/>
-                <a:cs typeface="Arial" panose="020B0604020202020204" pitchFamily="34" charset="0"/>
+                <a:latin typeface="Arial" panose="020B0604020202090204" pitchFamily="34" charset="0"/>
+                <a:cs typeface="Arial" panose="020B0604020202090204" pitchFamily="34" charset="0"/>
               </a:rPr>
               <a:t>                              8</a:t>
             </a:r>
             <a:endParaRPr lang="en-US" altLang="zh-CN" sz="1400" dirty="0">
               <a:latin typeface="Axure Handwriting" panose="020B0402020200020204" pitchFamily="34" charset="0"/>
-              <a:cs typeface="Arial" panose="020B0604020202020204" pitchFamily="34" charset="0"/>
+              <a:cs typeface="Arial" panose="020B0604020202090204" pitchFamily="34" charset="0"/>
             </a:endParaRPr>
           </a:p>
           <a:p>
             <a:r>
               <a:rPr lang="en-US" altLang="zh-CN" sz="1000" dirty="0">
-                <a:latin typeface="Arial" panose="020B0604020202020204" pitchFamily="34" charset="0"/>
-                <a:cs typeface="Arial" panose="020B0604020202020204" pitchFamily="34" charset="0"/>
+                <a:latin typeface="Arial" panose="020B0604020202090204" pitchFamily="34" charset="0"/>
+                <a:cs typeface="Arial" panose="020B0604020202090204" pitchFamily="34" charset="0"/>
               </a:rPr>
               <a:t>                          </a:t>
             </a:r>
+            <a:endParaRPr lang="en-US" altLang="zh-CN" sz="1000" dirty="0">
+              <a:latin typeface="Arial" panose="020B0604020202090204" pitchFamily="34" charset="0"/>
+              <a:cs typeface="Arial" panose="020B0604020202090204" pitchFamily="34" charset="0"/>
+            </a:endParaRPr>
           </a:p>
           <a:p>
             <a:r>
               <a:rPr lang="en-US" altLang="zh-CN" sz="1000" dirty="0">
-                <a:latin typeface="Arial" panose="020B0604020202020204" pitchFamily="34" charset="0"/>
-                <a:cs typeface="Arial" panose="020B0604020202020204" pitchFamily="34" charset="0"/>
+                <a:latin typeface="Arial" panose="020B0604020202090204" pitchFamily="34" charset="0"/>
+                <a:cs typeface="Arial" panose="020B0604020202090204" pitchFamily="34" charset="0"/>
               </a:rPr>
               <a:t>   </a:t>
             </a:r>
+            <a:endParaRPr lang="en-US" altLang="zh-CN" sz="1000" dirty="0">
+              <a:latin typeface="Arial" panose="020B0604020202090204" pitchFamily="34" charset="0"/>
+              <a:cs typeface="Arial" panose="020B0604020202090204" pitchFamily="34" charset="0"/>
+            </a:endParaRPr>
           </a:p>
           <a:p>
             <a:r>
               <a:rPr lang="en-US" altLang="zh-CN" sz="1000" dirty="0">
-                <a:latin typeface="Arial" panose="020B0604020202020204" pitchFamily="34" charset="0"/>
-                <a:cs typeface="Arial" panose="020B0604020202020204" pitchFamily="34" charset="0"/>
+                <a:latin typeface="Arial" panose="020B0604020202090204" pitchFamily="34" charset="0"/>
+                <a:cs typeface="Arial" panose="020B0604020202090204" pitchFamily="34" charset="0"/>
               </a:rPr>
               <a:t>                          8   </a:t>
             </a:r>
+            <a:endParaRPr lang="en-US" altLang="zh-CN" sz="1000" dirty="0">
+              <a:latin typeface="Arial" panose="020B0604020202090204" pitchFamily="34" charset="0"/>
+              <a:cs typeface="Arial" panose="020B0604020202090204" pitchFamily="34" charset="0"/>
+            </a:endParaRPr>
           </a:p>
           <a:p>
             <a:r>
               <a:rPr lang="en-US" altLang="zh-CN" sz="1200" b="1" dirty="0">
-                <a:latin typeface="Arial" panose="020B0604020202020204" pitchFamily="34" charset="0"/>
-                <a:cs typeface="Arial" panose="020B0604020202020204" pitchFamily="34" charset="0"/>
+                <a:latin typeface="Arial" panose="020B0604020202090204" pitchFamily="34" charset="0"/>
+                <a:cs typeface="Arial" panose="020B0604020202090204" pitchFamily="34" charset="0"/>
               </a:rPr>
               <a:t>Conv3</a:t>
             </a:r>
@@ -24793,8 +25495,8 @@
                     <a:lumMod val="75000"/>
                   </a:schemeClr>
                 </a:solidFill>
-                <a:latin typeface="Arial" panose="020B0604020202020204" pitchFamily="34" charset="0"/>
-                <a:cs typeface="Arial" panose="020B0604020202020204" pitchFamily="34" charset="0"/>
+                <a:latin typeface="Arial" panose="020B0604020202090204" pitchFamily="34" charset="0"/>
+                <a:cs typeface="Arial" panose="020B0604020202090204" pitchFamily="34" charset="0"/>
               </a:rPr>
               <a:t>         </a:t>
             </a:r>
@@ -24804,21 +25506,15 @@
                   <a:lumMod val="75000"/>
                 </a:schemeClr>
               </a:solidFill>
-              <a:latin typeface="Arial" panose="020B0604020202020204" pitchFamily="34" charset="0"/>
-              <a:cs typeface="Arial" panose="020B0604020202020204" pitchFamily="34" charset="0"/>
+              <a:latin typeface="Arial" panose="020B0604020202090204" pitchFamily="34" charset="0"/>
+              <a:cs typeface="Arial" panose="020B0604020202090204" pitchFamily="34" charset="0"/>
             </a:endParaRPr>
           </a:p>
         </p:txBody>
       </p:sp>
       <p:sp>
         <p:nvSpPr>
-          <p:cNvPr id="29" name="文本框 28">
-            <a:extLst>
-              <a:ext uri="{FF2B5EF4-FFF2-40B4-BE49-F238E27FC236}">
-                <a16:creationId xmlns:a16="http://schemas.microsoft.com/office/drawing/2014/main" id="{0F961F55-96BB-4222-8711-FFC21AC9FE57}"/>
-              </a:ext>
-            </a:extLst>
-          </p:cNvPr>
+          <p:cNvPr id="29" name="文本框 28"/>
           <p:cNvSpPr txBox="1"/>
           <p:nvPr/>
         </p:nvSpPr>
@@ -24840,32 +25536,40 @@
           <a:p>
             <a:r>
               <a:rPr lang="en-US" altLang="zh-CN" sz="1000" dirty="0">
-                <a:latin typeface="Arial" panose="020B0604020202020204" pitchFamily="34" charset="0"/>
-                <a:cs typeface="Arial" panose="020B0604020202020204" pitchFamily="34" charset="0"/>
+                <a:latin typeface="Arial" panose="020B0604020202090204" pitchFamily="34" charset="0"/>
+                <a:cs typeface="Arial" panose="020B0604020202090204" pitchFamily="34" charset="0"/>
               </a:rPr>
               <a:t>                                    4</a:t>
             </a:r>
-          </a:p>
-          <a:p>
             <a:endParaRPr lang="en-US" altLang="zh-CN" sz="1000" dirty="0">
-              <a:latin typeface="Arial" panose="020B0604020202020204" pitchFamily="34" charset="0"/>
-              <a:cs typeface="Arial" panose="020B0604020202020204" pitchFamily="34" charset="0"/>
+              <a:latin typeface="Arial" panose="020B0604020202090204" pitchFamily="34" charset="0"/>
+              <a:cs typeface="Arial" panose="020B0604020202090204" pitchFamily="34" charset="0"/>
             </a:endParaRPr>
           </a:p>
           <a:p>
+            <a:endParaRPr lang="en-US" altLang="zh-CN" sz="1000" dirty="0">
+              <a:latin typeface="Arial" panose="020B0604020202090204" pitchFamily="34" charset="0"/>
+              <a:cs typeface="Arial" panose="020B0604020202090204" pitchFamily="34" charset="0"/>
+            </a:endParaRPr>
+          </a:p>
+          <a:p>
             <a:r>
               <a:rPr lang="en-US" altLang="zh-CN" sz="1000" dirty="0">
-                <a:latin typeface="Arial" panose="020B0604020202020204" pitchFamily="34" charset="0"/>
-                <a:cs typeface="Arial" panose="020B0604020202020204" pitchFamily="34" charset="0"/>
+                <a:latin typeface="Arial" panose="020B0604020202090204" pitchFamily="34" charset="0"/>
+                <a:cs typeface="Arial" panose="020B0604020202090204" pitchFamily="34" charset="0"/>
               </a:rPr>
               <a:t>                                  4   </a:t>
             </a:r>
+            <a:endParaRPr lang="en-US" altLang="zh-CN" sz="1000" dirty="0">
+              <a:latin typeface="Arial" panose="020B0604020202090204" pitchFamily="34" charset="0"/>
+              <a:cs typeface="Arial" panose="020B0604020202090204" pitchFamily="34" charset="0"/>
+            </a:endParaRPr>
           </a:p>
           <a:p>
             <a:r>
               <a:rPr lang="en-US" altLang="zh-CN" sz="1200" b="1" dirty="0">
-                <a:latin typeface="Arial" panose="020B0604020202020204" pitchFamily="34" charset="0"/>
-                <a:cs typeface="Arial" panose="020B0604020202020204" pitchFamily="34" charset="0"/>
+                <a:latin typeface="Arial" panose="020B0604020202090204" pitchFamily="34" charset="0"/>
+                <a:cs typeface="Arial" panose="020B0604020202090204" pitchFamily="34" charset="0"/>
               </a:rPr>
               <a:t> Conv4</a:t>
             </a:r>
@@ -24876,8 +25580,8 @@
                     <a:lumMod val="75000"/>
                   </a:schemeClr>
                 </a:solidFill>
-                <a:latin typeface="Arial" panose="020B0604020202020204" pitchFamily="34" charset="0"/>
-                <a:cs typeface="Arial" panose="020B0604020202020204" pitchFamily="34" charset="0"/>
+                <a:latin typeface="Arial" panose="020B0604020202090204" pitchFamily="34" charset="0"/>
+                <a:cs typeface="Arial" panose="020B0604020202090204" pitchFamily="34" charset="0"/>
               </a:rPr>
               <a:t>         </a:t>
             </a:r>
@@ -24887,21 +25591,15 @@
                   <a:lumMod val="75000"/>
                 </a:schemeClr>
               </a:solidFill>
-              <a:latin typeface="Arial" panose="020B0604020202020204" pitchFamily="34" charset="0"/>
-              <a:cs typeface="Arial" panose="020B0604020202020204" pitchFamily="34" charset="0"/>
+              <a:latin typeface="Arial" panose="020B0604020202090204" pitchFamily="34" charset="0"/>
+              <a:cs typeface="Arial" panose="020B0604020202090204" pitchFamily="34" charset="0"/>
             </a:endParaRPr>
           </a:p>
         </p:txBody>
       </p:sp>
       <p:grpSp>
         <p:nvGrpSpPr>
-          <p:cNvPr id="44" name="组合 43">
-            <a:extLst>
-              <a:ext uri="{FF2B5EF4-FFF2-40B4-BE49-F238E27FC236}">
-                <a16:creationId xmlns:a16="http://schemas.microsoft.com/office/drawing/2014/main" id="{401B7D13-0094-42A4-9ECD-E87805A35758}"/>
-              </a:ext>
-            </a:extLst>
-          </p:cNvPr>
+          <p:cNvPr id="44" name="组合 43"/>
           <p:cNvGrpSpPr/>
           <p:nvPr/>
         </p:nvGrpSpPr>
@@ -24915,13 +25613,7 @@
         </p:grpSpPr>
         <p:sp>
           <p:nvSpPr>
-            <p:cNvPr id="34" name="平行四边形 33">
-              <a:extLst>
-                <a:ext uri="{FF2B5EF4-FFF2-40B4-BE49-F238E27FC236}">
-                  <a16:creationId xmlns:a16="http://schemas.microsoft.com/office/drawing/2014/main" id="{42897F90-9977-4533-BF16-2DE1C6FF2BA2}"/>
-                </a:ext>
-              </a:extLst>
-            </p:cNvPr>
+            <p:cNvPr id="34" name="平行四边形 33"/>
             <p:cNvSpPr/>
             <p:nvPr/>
           </p:nvSpPr>
@@ -24973,13 +25665,7 @@
         </p:sp>
         <p:sp>
           <p:nvSpPr>
-            <p:cNvPr id="43" name="等腰三角形 42">
-              <a:extLst>
-                <a:ext uri="{FF2B5EF4-FFF2-40B4-BE49-F238E27FC236}">
-                  <a16:creationId xmlns:a16="http://schemas.microsoft.com/office/drawing/2014/main" id="{0D4B0894-052E-464C-A954-88D941D2416C}"/>
-                </a:ext>
-              </a:extLst>
-            </p:cNvPr>
+            <p:cNvPr id="43" name="等腰三角形 42"/>
             <p:cNvSpPr/>
             <p:nvPr/>
           </p:nvSpPr>
@@ -25031,13 +25717,7 @@
         </p:sp>
         <p:sp>
           <p:nvSpPr>
-            <p:cNvPr id="45" name="等腰三角形 44">
-              <a:extLst>
-                <a:ext uri="{FF2B5EF4-FFF2-40B4-BE49-F238E27FC236}">
-                  <a16:creationId xmlns:a16="http://schemas.microsoft.com/office/drawing/2014/main" id="{5F1A7D7C-D8EC-42B3-875B-52182D0490D7}"/>
-                </a:ext>
-              </a:extLst>
-            </p:cNvPr>
+            <p:cNvPr id="45" name="等腰三角形 44"/>
             <p:cNvSpPr/>
             <p:nvPr/>
           </p:nvSpPr>
@@ -25246,13 +25926,7 @@
       </p:sp>
       <p:grpSp>
         <p:nvGrpSpPr>
-          <p:cNvPr id="46" name="组合 45">
-            <a:extLst>
-              <a:ext uri="{FF2B5EF4-FFF2-40B4-BE49-F238E27FC236}">
-                <a16:creationId xmlns:a16="http://schemas.microsoft.com/office/drawing/2014/main" id="{286B2449-984C-4A2C-A4F4-4E7212191575}"/>
-              </a:ext>
-            </a:extLst>
-          </p:cNvPr>
+          <p:cNvPr id="46" name="组合 45"/>
           <p:cNvGrpSpPr/>
           <p:nvPr/>
         </p:nvGrpSpPr>
@@ -25266,13 +25940,7 @@
         </p:grpSpPr>
         <p:sp>
           <p:nvSpPr>
-            <p:cNvPr id="48" name="平行四边形 47">
-              <a:extLst>
-                <a:ext uri="{FF2B5EF4-FFF2-40B4-BE49-F238E27FC236}">
-                  <a16:creationId xmlns:a16="http://schemas.microsoft.com/office/drawing/2014/main" id="{3A785DE7-53B0-4E22-BF6C-9BB1A8FA1DE3}"/>
-                </a:ext>
-              </a:extLst>
-            </p:cNvPr>
+            <p:cNvPr id="48" name="平行四边形 47"/>
             <p:cNvSpPr/>
             <p:nvPr/>
           </p:nvSpPr>
@@ -25324,13 +25992,7 @@
         </p:sp>
         <p:sp>
           <p:nvSpPr>
-            <p:cNvPr id="49" name="等腰三角形 48">
-              <a:extLst>
-                <a:ext uri="{FF2B5EF4-FFF2-40B4-BE49-F238E27FC236}">
-                  <a16:creationId xmlns:a16="http://schemas.microsoft.com/office/drawing/2014/main" id="{853AC847-0A7B-4248-998D-066714FCEABB}"/>
-                </a:ext>
-              </a:extLst>
-            </p:cNvPr>
+            <p:cNvPr id="49" name="等腰三角形 48"/>
             <p:cNvSpPr/>
             <p:nvPr/>
           </p:nvSpPr>
@@ -25382,13 +26044,7 @@
         </p:sp>
         <p:sp>
           <p:nvSpPr>
-            <p:cNvPr id="50" name="等腰三角形 49">
-              <a:extLst>
-                <a:ext uri="{FF2B5EF4-FFF2-40B4-BE49-F238E27FC236}">
-                  <a16:creationId xmlns:a16="http://schemas.microsoft.com/office/drawing/2014/main" id="{164C2FBF-8925-4217-B500-7A98F0E98508}"/>
-                </a:ext>
-              </a:extLst>
-            </p:cNvPr>
+            <p:cNvPr id="50" name="等腰三角形 49"/>
             <p:cNvSpPr/>
             <p:nvPr/>
           </p:nvSpPr>
@@ -25441,13 +26097,7 @@
       </p:grpSp>
       <p:grpSp>
         <p:nvGrpSpPr>
-          <p:cNvPr id="51" name="组合 50">
-            <a:extLst>
-              <a:ext uri="{FF2B5EF4-FFF2-40B4-BE49-F238E27FC236}">
-                <a16:creationId xmlns:a16="http://schemas.microsoft.com/office/drawing/2014/main" id="{AF87C1C8-15E9-44B5-AD56-965C36CBC8C1}"/>
-              </a:ext>
-            </a:extLst>
-          </p:cNvPr>
+          <p:cNvPr id="51" name="组合 50"/>
           <p:cNvGrpSpPr/>
           <p:nvPr/>
         </p:nvGrpSpPr>
@@ -25618,13 +26268,7 @@
       </p:grpSp>
       <p:grpSp>
         <p:nvGrpSpPr>
-          <p:cNvPr id="52" name="组合 51">
-            <a:extLst>
-              <a:ext uri="{FF2B5EF4-FFF2-40B4-BE49-F238E27FC236}">
-                <a16:creationId xmlns:a16="http://schemas.microsoft.com/office/drawing/2014/main" id="{33696E6A-2B31-44F7-B459-D258021BE299}"/>
-              </a:ext>
-            </a:extLst>
-          </p:cNvPr>
+          <p:cNvPr id="52" name="组合 51"/>
           <p:cNvGrpSpPr/>
           <p:nvPr/>
         </p:nvGrpSpPr>
@@ -25638,13 +26282,7 @@
         </p:grpSpPr>
         <p:sp>
           <p:nvSpPr>
-            <p:cNvPr id="53" name="平行四边形 52">
-              <a:extLst>
-                <a:ext uri="{FF2B5EF4-FFF2-40B4-BE49-F238E27FC236}">
-                  <a16:creationId xmlns:a16="http://schemas.microsoft.com/office/drawing/2014/main" id="{23A5E5D7-9AD9-4A75-9410-03280404A9F2}"/>
-                </a:ext>
-              </a:extLst>
-            </p:cNvPr>
+            <p:cNvPr id="53" name="平行四边形 52"/>
             <p:cNvSpPr/>
             <p:nvPr/>
           </p:nvSpPr>
@@ -25696,13 +26334,7 @@
         </p:sp>
         <p:sp>
           <p:nvSpPr>
-            <p:cNvPr id="54" name="等腰三角形 53">
-              <a:extLst>
-                <a:ext uri="{FF2B5EF4-FFF2-40B4-BE49-F238E27FC236}">
-                  <a16:creationId xmlns:a16="http://schemas.microsoft.com/office/drawing/2014/main" id="{BB72D1DF-A81A-4427-9810-AECD17E53DB3}"/>
-                </a:ext>
-              </a:extLst>
-            </p:cNvPr>
+            <p:cNvPr id="54" name="等腰三角形 53"/>
             <p:cNvSpPr/>
             <p:nvPr/>
           </p:nvSpPr>
@@ -25754,13 +26386,7 @@
         </p:sp>
         <p:sp>
           <p:nvSpPr>
-            <p:cNvPr id="55" name="等腰三角形 54">
-              <a:extLst>
-                <a:ext uri="{FF2B5EF4-FFF2-40B4-BE49-F238E27FC236}">
-                  <a16:creationId xmlns:a16="http://schemas.microsoft.com/office/drawing/2014/main" id="{091218DE-417F-44AF-AE3B-4283BA11E139}"/>
-                </a:ext>
-              </a:extLst>
-            </p:cNvPr>
+            <p:cNvPr id="55" name="等腰三角形 54"/>
             <p:cNvSpPr/>
             <p:nvPr/>
           </p:nvSpPr>
@@ -25813,13 +26439,7 @@
       </p:grpSp>
       <p:grpSp>
         <p:nvGrpSpPr>
-          <p:cNvPr id="57" name="组合 56">
-            <a:extLst>
-              <a:ext uri="{FF2B5EF4-FFF2-40B4-BE49-F238E27FC236}">
-                <a16:creationId xmlns:a16="http://schemas.microsoft.com/office/drawing/2014/main" id="{26445317-9B63-45D5-AE5A-5FEAC4108319}"/>
-              </a:ext>
-            </a:extLst>
-          </p:cNvPr>
+          <p:cNvPr id="57" name="组合 56"/>
           <p:cNvGrpSpPr/>
           <p:nvPr/>
         </p:nvGrpSpPr>
@@ -25990,13 +26610,7 @@
       </p:grpSp>
       <p:grpSp>
         <p:nvGrpSpPr>
-          <p:cNvPr id="58" name="组合 57">
-            <a:extLst>
-              <a:ext uri="{FF2B5EF4-FFF2-40B4-BE49-F238E27FC236}">
-                <a16:creationId xmlns:a16="http://schemas.microsoft.com/office/drawing/2014/main" id="{36CC3774-3DB4-4159-ABE3-E4D8BF3AD62E}"/>
-              </a:ext>
-            </a:extLst>
-          </p:cNvPr>
+          <p:cNvPr id="58" name="组合 57"/>
           <p:cNvGrpSpPr/>
           <p:nvPr/>
         </p:nvGrpSpPr>
@@ -26010,13 +26624,7 @@
         </p:grpSpPr>
         <p:sp>
           <p:nvSpPr>
-            <p:cNvPr id="60" name="平行四边形 59">
-              <a:extLst>
-                <a:ext uri="{FF2B5EF4-FFF2-40B4-BE49-F238E27FC236}">
-                  <a16:creationId xmlns:a16="http://schemas.microsoft.com/office/drawing/2014/main" id="{E40CACDA-3095-443E-B571-AF367EDF5A15}"/>
-                </a:ext>
-              </a:extLst>
-            </p:cNvPr>
+            <p:cNvPr id="60" name="平行四边形 59"/>
             <p:cNvSpPr/>
             <p:nvPr/>
           </p:nvSpPr>
@@ -26068,13 +26676,7 @@
         </p:sp>
         <p:sp>
           <p:nvSpPr>
-            <p:cNvPr id="61" name="等腰三角形 60">
-              <a:extLst>
-                <a:ext uri="{FF2B5EF4-FFF2-40B4-BE49-F238E27FC236}">
-                  <a16:creationId xmlns:a16="http://schemas.microsoft.com/office/drawing/2014/main" id="{3D630D19-8DD4-48DF-A6BD-1947E8F5CEEC}"/>
-                </a:ext>
-              </a:extLst>
-            </p:cNvPr>
+            <p:cNvPr id="61" name="等腰三角形 60"/>
             <p:cNvSpPr/>
             <p:nvPr/>
           </p:nvSpPr>
@@ -26126,13 +26728,7 @@
         </p:sp>
         <p:sp>
           <p:nvSpPr>
-            <p:cNvPr id="62" name="等腰三角形 61">
-              <a:extLst>
-                <a:ext uri="{FF2B5EF4-FFF2-40B4-BE49-F238E27FC236}">
-                  <a16:creationId xmlns:a16="http://schemas.microsoft.com/office/drawing/2014/main" id="{78AC7E9A-273C-4380-84BD-E2E7B62B2604}"/>
-                </a:ext>
-              </a:extLst>
-            </p:cNvPr>
+            <p:cNvPr id="62" name="等腰三角形 61"/>
             <p:cNvSpPr/>
             <p:nvPr/>
           </p:nvSpPr>
@@ -26185,13 +26781,7 @@
       </p:grpSp>
       <p:grpSp>
         <p:nvGrpSpPr>
-          <p:cNvPr id="63" name="组合 62">
-            <a:extLst>
-              <a:ext uri="{FF2B5EF4-FFF2-40B4-BE49-F238E27FC236}">
-                <a16:creationId xmlns:a16="http://schemas.microsoft.com/office/drawing/2014/main" id="{A4298A99-6B68-4AE4-B525-40174329AB34}"/>
-              </a:ext>
-            </a:extLst>
-          </p:cNvPr>
+          <p:cNvPr id="63" name="组合 62"/>
           <p:cNvGrpSpPr/>
           <p:nvPr/>
         </p:nvGrpSpPr>
@@ -26362,13 +26952,7 @@
       </p:grpSp>
       <p:sp>
         <p:nvSpPr>
-          <p:cNvPr id="65" name="箭头: 右 64">
-            <a:extLst>
-              <a:ext uri="{FF2B5EF4-FFF2-40B4-BE49-F238E27FC236}">
-                <a16:creationId xmlns:a16="http://schemas.microsoft.com/office/drawing/2014/main" id="{C5A86539-4F37-4A53-94C9-C20F4DB3D070}"/>
-              </a:ext>
-            </a:extLst>
-          </p:cNvPr>
+          <p:cNvPr id="65" name="箭头: 右 64"/>
           <p:cNvSpPr/>
           <p:nvPr/>
         </p:nvSpPr>
@@ -26420,13 +27004,7 @@
       </p:sp>
       <p:grpSp>
         <p:nvGrpSpPr>
-          <p:cNvPr id="67" name="组合 66">
-            <a:extLst>
-              <a:ext uri="{FF2B5EF4-FFF2-40B4-BE49-F238E27FC236}">
-                <a16:creationId xmlns:a16="http://schemas.microsoft.com/office/drawing/2014/main" id="{F9FF85BA-90B1-4FC4-A5D0-D6F705BDE111}"/>
-              </a:ext>
-            </a:extLst>
-          </p:cNvPr>
+          <p:cNvPr id="67" name="组合 66"/>
           <p:cNvGrpSpPr/>
           <p:nvPr/>
         </p:nvGrpSpPr>
@@ -26440,13 +27018,7 @@
         </p:grpSpPr>
         <p:sp>
           <p:nvSpPr>
-            <p:cNvPr id="68" name="矩形 67">
-              <a:extLst>
-                <a:ext uri="{FF2B5EF4-FFF2-40B4-BE49-F238E27FC236}">
-                  <a16:creationId xmlns:a16="http://schemas.microsoft.com/office/drawing/2014/main" id="{F932053B-D23E-44F1-963E-FFBE39FE50A1}"/>
-                </a:ext>
-              </a:extLst>
-            </p:cNvPr>
+            <p:cNvPr id="68" name="矩形 67"/>
             <p:cNvSpPr/>
             <p:nvPr/>
           </p:nvSpPr>
@@ -26511,13 +27083,7 @@
         </p:sp>
         <p:sp>
           <p:nvSpPr>
-            <p:cNvPr id="69" name="矩形 68">
-              <a:extLst>
-                <a:ext uri="{FF2B5EF4-FFF2-40B4-BE49-F238E27FC236}">
-                  <a16:creationId xmlns:a16="http://schemas.microsoft.com/office/drawing/2014/main" id="{F08C33E1-1862-430E-8A59-EA07BB2005E0}"/>
-                </a:ext>
-              </a:extLst>
-            </p:cNvPr>
+            <p:cNvPr id="69" name="矩形 68"/>
             <p:cNvSpPr/>
             <p:nvPr/>
           </p:nvSpPr>
@@ -26586,7 +27152,7 @@
 </file>
 
 <file path=ppt/tags/tag1.xml><?xml version="1.0" encoding="utf-8"?>
-<p:tagLst xmlns:a="http://schemas.openxmlformats.org/drawingml/2006/main" xmlns:r="http://schemas.openxmlformats.org/officeDocument/2006/relationships" xmlns:p="http://schemas.openxmlformats.org/presentationml/2006/main">
+<p:tagLst xmlns:p="http://schemas.openxmlformats.org/presentationml/2006/main">
   <p:tag name="KSO_WM_SLIDE_MODEL_TYPE" val="cover"/>
 </p:tagLst>
 </file>
@@ -26842,8 +27408,6 @@
       </a:bgFillStyleLst>
     </a:fmtScheme>
   </a:themeElements>
-  <a:objectDefaults/>
-  <a:extraClrSchemeLst/>
   <a:extLst>
     <a:ext uri="{05A4C25C-085E-4340-85A3-A5531E510DB2}">
       <thm15:themeFamily xmlns:thm15="http://schemas.microsoft.com/office/thememl/2012/main" name="Office Theme" id="{62F939B6-93AF-4DB8-9C6B-D6C7DFDC589F}" vid="{4A3C46E8-61CC-4603-A589-7422A47A8E4A}"/>
@@ -27103,8 +27667,6 @@
       </a:bgFillStyleLst>
     </a:fmtScheme>
   </a:themeElements>
-  <a:objectDefaults/>
-  <a:extraClrSchemeLst/>
   <a:extLst>
     <a:ext uri="{05A4C25C-085E-4340-85A3-A5531E510DB2}">
       <thm15:themeFamily xmlns:thm15="http://schemas.microsoft.com/office/thememl/2012/main" name="Office Theme" id="{62F939B6-93AF-4DB8-9C6B-D6C7DFDC589F}" vid="{4A3C46E8-61CC-4603-A589-7422A47A8E4A}"/>

--- a/GAN_Understanding/GANunderstanding.pptx
+++ b/GAN_Understanding/GANunderstanding.pptx
@@ -19,12 +19,13 @@
     <p:sldId id="293" r:id="rId11"/>
     <p:sldId id="280" r:id="rId12"/>
     <p:sldId id="259" r:id="rId13"/>
-    <p:sldId id="258" r:id="rId15"/>
-    <p:sldId id="264" r:id="rId16"/>
-    <p:sldId id="265" r:id="rId17"/>
-    <p:sldId id="288" r:id="rId18"/>
-    <p:sldId id="289" r:id="rId19"/>
-    <p:sldId id="290" r:id="rId20"/>
+    <p:sldId id="310" r:id="rId15"/>
+    <p:sldId id="258" r:id="rId16"/>
+    <p:sldId id="264" r:id="rId17"/>
+    <p:sldId id="265" r:id="rId18"/>
+    <p:sldId id="288" r:id="rId19"/>
+    <p:sldId id="289" r:id="rId20"/>
+    <p:sldId id="290" r:id="rId21"/>
   </p:sldIdLst>
   <p:sldSz cx="12192000" cy="6858000"/>
   <p:notesSz cx="10234295" cy="7103745"/>
@@ -535,6 +536,67 @@
 </file>
 
 <file path=ppt/notesSlides/notesSlide2.xml><?xml version="1.0" encoding="utf-8"?>
+<p:notes xmlns:a="http://schemas.openxmlformats.org/drawingml/2006/main" xmlns:r="http://schemas.openxmlformats.org/officeDocument/2006/relationships" xmlns:p="http://schemas.openxmlformats.org/presentationml/2006/main">
+  <p:cSld>
+    <p:spTree>
+      <p:nvGrpSpPr>
+        <p:cNvPr id="1" name=""/>
+        <p:cNvGrpSpPr/>
+        <p:nvPr/>
+      </p:nvGrpSpPr>
+      <p:grpSpPr>
+        <a:xfrm>
+          <a:off x="0" y="0"/>
+          <a:ext cx="0" cy="0"/>
+          <a:chOff x="0" y="0"/>
+          <a:chExt cx="0" cy="0"/>
+        </a:xfrm>
+      </p:grpSpPr>
+      <p:sp>
+        <p:nvSpPr>
+          <p:cNvPr id="2" name="幻灯片图像占位符 1"/>
+          <p:cNvSpPr>
+            <a:spLocks noGrp="1" noRot="1" noChangeAspect="1"/>
+          </p:cNvSpPr>
+          <p:nvPr>
+            <p:ph type="sldImg" idx="2"/>
+          </p:nvPr>
+        </p:nvSpPr>
+        <p:spPr>
+          <a:xfrm>
+            <a:off x="2986088" y="887413"/>
+            <a:ext cx="4262437" cy="2398712"/>
+          </a:xfrm>
+        </p:spPr>
+      </p:sp>
+      <p:sp>
+        <p:nvSpPr>
+          <p:cNvPr id="3" name="文本占位符 2"/>
+          <p:cNvSpPr>
+            <a:spLocks noGrp="1"/>
+          </p:cNvSpPr>
+          <p:nvPr>
+            <p:ph type="body" idx="3"/>
+          </p:nvPr>
+        </p:nvSpPr>
+        <p:spPr/>
+        <p:txBody>
+          <a:bodyPr/>
+          <a:lstStyle/>
+          <a:p>
+            <a:endParaRPr lang="zh-CN" altLang="en-US"/>
+          </a:p>
+        </p:txBody>
+      </p:sp>
+    </p:spTree>
+  </p:cSld>
+  <p:clrMapOvr>
+    <a:masterClrMapping/>
+  </p:clrMapOvr>
+</p:notes>
+</file>
+
+<file path=ppt/notesSlides/notesSlide3.xml><?xml version="1.0" encoding="utf-8"?>
 <p:notes xmlns:a="http://schemas.openxmlformats.org/drawingml/2006/main" xmlns:r="http://schemas.openxmlformats.org/officeDocument/2006/relationships" xmlns:p="http://schemas.openxmlformats.org/presentationml/2006/main">
   <p:cSld>
     <p:spTree>
@@ -8386,7 +8448,7 @@
                 <a:latin typeface="微软雅黑" panose="020B0503020204020204" charset="-122"/>
                 <a:ea typeface="微软雅黑" panose="020B0503020204020204" charset="-122"/>
               </a:rPr>
-              <a:t>WGAN - 2017</a:t>
+              <a:t>WGAN - 2017.01</a:t>
             </a:r>
             <a:endParaRPr lang="en-US" altLang="zh-CN" sz="2000" b="1" dirty="0">
               <a:latin typeface="微软雅黑" panose="020B0503020204020204" charset="-122"/>
@@ -8422,14 +8484,55 @@
       </p:grpSpPr>
       <p:sp>
         <p:nvSpPr>
-          <p:cNvPr id="64" name="文本框 63"/>
+          <p:cNvPr id="2" name="右大括号 1"/>
+          <p:cNvSpPr/>
+          <p:nvPr/>
+        </p:nvSpPr>
+        <p:spPr>
+          <a:xfrm rot="16200000">
+            <a:off x="3482340" y="1690370"/>
+            <a:ext cx="179705" cy="3024505"/>
+          </a:xfrm>
+          <a:prstGeom prst="rightBrace">
+            <a:avLst>
+              <a:gd name="adj1" fmla="val 217817"/>
+              <a:gd name="adj2" fmla="val 50000"/>
+            </a:avLst>
+          </a:prstGeom>
+        </p:spPr>
+        <p:style>
+          <a:lnRef idx="1">
+            <a:schemeClr val="accent1"/>
+          </a:lnRef>
+          <a:fillRef idx="0">
+            <a:schemeClr val="accent1"/>
+          </a:fillRef>
+          <a:effectRef idx="0">
+            <a:schemeClr val="accent1"/>
+          </a:effectRef>
+          <a:fontRef idx="minor">
+            <a:schemeClr val="tx1"/>
+          </a:fontRef>
+        </p:style>
+        <p:txBody>
+          <a:bodyPr rtlCol="0" anchor="ctr"/>
+          <a:lstStyle/>
+          <a:p>
+            <a:pPr algn="ctr"/>
+            <a:endParaRPr lang="zh-CN" altLang="en-US"/>
+          </a:p>
+        </p:txBody>
+      </p:sp>
+      <p:sp>
+        <p:nvSpPr>
+          <p:cNvPr id="72" name="文本框 71"/>
           <p:cNvSpPr txBox="1"/>
           <p:nvPr/>
         </p:nvSpPr>
         <p:spPr>
           <a:xfrm>
-            <a:off x="5506720" y="3146425"/>
-            <a:ext cx="869950" cy="245110"/>
+            <a:off x="2459355" y="2806065"/>
+            <a:ext cx="2226310" cy="306705"/>
           </a:xfrm>
           <a:prstGeom prst="rect">
             <a:avLst/>
@@ -8444,43 +8547,6 @@
           <a:p>
             <a:pPr algn="ctr"/>
             <a:r>
-              <a:rPr lang="en-US" altLang="zh-CN" sz="1000">
-                <a:latin typeface="微软雅黑" panose="020B0503020204020204" charset="-122"/>
-                <a:ea typeface="微软雅黑" panose="020B0503020204020204" charset="-122"/>
-              </a:rPr>
-              <a:t>227x227x3</a:t>
-            </a:r>
-            <a:endParaRPr lang="en-US" altLang="zh-CN" sz="1000">
-              <a:latin typeface="微软雅黑" panose="020B0503020204020204" charset="-122"/>
-              <a:ea typeface="微软雅黑" panose="020B0503020204020204" charset="-122"/>
-            </a:endParaRPr>
-          </a:p>
-        </p:txBody>
-      </p:sp>
-      <p:sp>
-        <p:nvSpPr>
-          <p:cNvPr id="67" name="文本框 66"/>
-          <p:cNvSpPr txBox="1"/>
-          <p:nvPr/>
-        </p:nvSpPr>
-        <p:spPr>
-          <a:xfrm>
-            <a:off x="772795" y="3486150"/>
-            <a:ext cx="1395095" cy="306705"/>
-          </a:xfrm>
-          <a:prstGeom prst="rect">
-            <a:avLst/>
-          </a:prstGeom>
-          <a:noFill/>
-        </p:spPr>
-        <p:txBody>
-          <a:bodyPr wrap="square" rtlCol="0">
-            <a:spAutoFit/>
-          </a:bodyPr>
-          <a:lstStyle/>
-          <a:p>
-            <a:pPr algn="ctr"/>
-            <a:r>
               <a:rPr lang="en-US" altLang="zh-CN" sz="1400" b="1">
                 <a:solidFill>
                   <a:srgbClr val="0070C0"/>
@@ -8488,7 +8554,7 @@
                 <a:latin typeface="微软雅黑" panose="020B0503020204020204" charset="-122"/>
                 <a:ea typeface="微软雅黑" panose="020B0503020204020204" charset="-122"/>
               </a:rPr>
-              <a:t>1. </a:t>
+              <a:t>AlexNet </a:t>
             </a:r>
             <a:r>
               <a:rPr lang="zh-CN" altLang="en-US" sz="1400" b="1">
@@ -8498,7 +8564,7 @@
                 <a:latin typeface="微软雅黑" panose="020B0503020204020204" charset="-122"/>
                 <a:ea typeface="微软雅黑" panose="020B0503020204020204" charset="-122"/>
               </a:rPr>
-              <a:t>输入图像</a:t>
+              <a:t>特征提取</a:t>
             </a:r>
             <a:endParaRPr lang="zh-CN" altLang="en-US" sz="1400" b="1">
               <a:solidFill>
@@ -8512,163 +8578,35 @@
       </p:sp>
       <p:sp>
         <p:nvSpPr>
-          <p:cNvPr id="68" name="文本框 67"/>
-          <p:cNvSpPr txBox="1"/>
-          <p:nvPr/>
-        </p:nvSpPr>
-        <p:spPr>
-          <a:xfrm>
-            <a:off x="2830195" y="3486150"/>
-            <a:ext cx="2004695" cy="306705"/>
+          <p:cNvPr id="52" name="矩形 51"/>
+          <p:cNvSpPr/>
+          <p:nvPr/>
+        </p:nvSpPr>
+        <p:spPr>
+          <a:xfrm>
+            <a:off x="1543050" y="4914265"/>
+            <a:ext cx="736600" cy="215900"/>
           </a:xfrm>
           <a:prstGeom prst="rect">
             <a:avLst/>
           </a:prstGeom>
-          <a:noFill/>
-        </p:spPr>
-        <p:txBody>
-          <a:bodyPr wrap="square" rtlCol="0">
-            <a:spAutoFit/>
-          </a:bodyPr>
-          <a:lstStyle/>
-          <a:p>
-            <a:pPr algn="ctr"/>
-            <a:r>
-              <a:rPr lang="en-US" altLang="zh-CN" sz="1400" b="1">
-                <a:solidFill>
-                  <a:srgbClr val="0070C0"/>
-                </a:solidFill>
-                <a:latin typeface="微软雅黑" panose="020B0503020204020204" charset="-122"/>
-                <a:ea typeface="微软雅黑" panose="020B0503020204020204" charset="-122"/>
-              </a:rPr>
-              <a:t>2. </a:t>
-            </a:r>
-            <a:r>
-              <a:rPr lang="zh-CN" altLang="en-US" sz="1400" b="1">
-                <a:solidFill>
-                  <a:srgbClr val="0070C0"/>
-                </a:solidFill>
-                <a:latin typeface="微软雅黑" panose="020B0503020204020204" charset="-122"/>
-                <a:ea typeface="微软雅黑" panose="020B0503020204020204" charset="-122"/>
-              </a:rPr>
-              <a:t>提取区域小图（</a:t>
-            </a:r>
-            <a:r>
-              <a:rPr lang="en-US" altLang="zh-CN" sz="1400" b="1">
-                <a:solidFill>
-                  <a:srgbClr val="0070C0"/>
-                </a:solidFill>
-                <a:latin typeface="微软雅黑" panose="020B0503020204020204" charset="-122"/>
-                <a:ea typeface="微软雅黑" panose="020B0503020204020204" charset="-122"/>
-              </a:rPr>
-              <a:t>~2K</a:t>
-            </a:r>
-            <a:r>
-              <a:rPr lang="zh-CN" altLang="en-US" sz="1400" b="1">
-                <a:solidFill>
-                  <a:srgbClr val="0070C0"/>
-                </a:solidFill>
-                <a:latin typeface="微软雅黑" panose="020B0503020204020204" charset="-122"/>
-                <a:ea typeface="微软雅黑" panose="020B0503020204020204" charset="-122"/>
-              </a:rPr>
-              <a:t>）</a:t>
-            </a:r>
-            <a:endParaRPr lang="zh-CN" altLang="en-US" sz="1400" b="1">
-              <a:solidFill>
-                <a:srgbClr val="0070C0"/>
-              </a:solidFill>
-              <a:latin typeface="微软雅黑" panose="020B0503020204020204" charset="-122"/>
-              <a:ea typeface="微软雅黑" panose="020B0503020204020204" charset="-122"/>
-            </a:endParaRPr>
-          </a:p>
-        </p:txBody>
-      </p:sp>
-      <p:sp>
-        <p:nvSpPr>
-          <p:cNvPr id="69" name="文本框 68"/>
-          <p:cNvSpPr txBox="1"/>
-          <p:nvPr/>
-        </p:nvSpPr>
-        <p:spPr>
-          <a:xfrm>
-            <a:off x="1605915" y="6038850"/>
-            <a:ext cx="2004695" cy="521970"/>
-          </a:xfrm>
-          <a:prstGeom prst="rect">
-            <a:avLst/>
-          </a:prstGeom>
-          <a:noFill/>
-        </p:spPr>
-        <p:txBody>
-          <a:bodyPr wrap="square" rtlCol="0">
-            <a:spAutoFit/>
-          </a:bodyPr>
-          <a:lstStyle/>
-          <a:p>
-            <a:pPr algn="ctr"/>
-            <a:r>
-              <a:rPr lang="zh-CN" altLang="en-US" sz="1400" b="1">
-                <a:solidFill>
-                  <a:srgbClr val="0070C0"/>
-                </a:solidFill>
-                <a:latin typeface="微软雅黑" panose="020B0503020204020204" charset="-122"/>
-                <a:ea typeface="微软雅黑" panose="020B0503020204020204" charset="-122"/>
-              </a:rPr>
-              <a:t>选择性搜索（</a:t>
-            </a:r>
-            <a:r>
-              <a:rPr lang="en-US" altLang="zh-CN" sz="1400" b="1">
-                <a:solidFill>
-                  <a:srgbClr val="0070C0"/>
-                </a:solidFill>
-                <a:latin typeface="微软雅黑" panose="020B0503020204020204" charset="-122"/>
-                <a:ea typeface="微软雅黑" panose="020B0503020204020204" charset="-122"/>
-              </a:rPr>
-              <a:t>Selective Search</a:t>
-            </a:r>
-            <a:r>
-              <a:rPr lang="zh-CN" altLang="en-US" sz="1400" b="1">
-                <a:solidFill>
-                  <a:srgbClr val="0070C0"/>
-                </a:solidFill>
-                <a:latin typeface="微软雅黑" panose="020B0503020204020204" charset="-122"/>
-                <a:ea typeface="微软雅黑" panose="020B0503020204020204" charset="-122"/>
-              </a:rPr>
-              <a:t>）</a:t>
-            </a:r>
-            <a:endParaRPr lang="zh-CN" altLang="en-US" sz="1400" b="1">
-              <a:solidFill>
-                <a:srgbClr val="0070C0"/>
-              </a:solidFill>
-              <a:latin typeface="微软雅黑" panose="020B0503020204020204" charset="-122"/>
-              <a:ea typeface="微软雅黑" panose="020B0503020204020204" charset="-122"/>
-            </a:endParaRPr>
-          </a:p>
-        </p:txBody>
-      </p:sp>
-      <p:sp>
-        <p:nvSpPr>
-          <p:cNvPr id="70" name="下箭头 69"/>
-          <p:cNvSpPr/>
-          <p:nvPr/>
-        </p:nvSpPr>
-        <p:spPr>
-          <a:xfrm>
-            <a:off x="1432560" y="4010660"/>
-            <a:ext cx="431800" cy="395605"/>
-          </a:xfrm>
-          <a:prstGeom prst="downArrow">
-            <a:avLst/>
-          </a:prstGeom>
+          <a:solidFill>
+            <a:schemeClr val="bg1"/>
+          </a:solidFill>
+          <a:ln>
+            <a:noFill/>
+          </a:ln>
         </p:spPr>
         <p:style>
-          <a:lnRef idx="3">
-            <a:schemeClr val="lt1"/>
+          <a:lnRef idx="2">
+            <a:schemeClr val="accent1">
+              <a:shade val="50000"/>
+            </a:schemeClr>
           </a:lnRef>
           <a:fillRef idx="1">
             <a:schemeClr val="accent1"/>
           </a:fillRef>
-          <a:effectRef idx="1">
+          <a:effectRef idx="0">
             <a:schemeClr val="accent1"/>
           </a:effectRef>
           <a:fontRef idx="minor">
@@ -8680,33 +8618,61 @@
           <a:lstStyle/>
           <a:p>
             <a:pPr algn="ctr"/>
-            <a:endParaRPr lang="zh-CN" altLang="en-US"/>
-          </a:p>
-        </p:txBody>
-      </p:sp>
-      <p:sp>
-        <p:nvSpPr>
-          <p:cNvPr id="71" name="下箭头 70"/>
+            <a:r>
+              <a:rPr lang="en-US" altLang="zh-CN" sz="800">
+                <a:solidFill>
+                  <a:schemeClr val="tx1">
+                    <a:lumMod val="50000"/>
+                    <a:lumOff val="50000"/>
+                  </a:schemeClr>
+                </a:solidFill>
+                <a:latin typeface="Arial" panose="020B0604020202090204" pitchFamily="34" charset="0"/>
+              </a:rPr>
+              <a:t>221x221x96</a:t>
+            </a:r>
+            <a:endParaRPr lang="en-US" altLang="zh-CN" sz="800">
+              <a:solidFill>
+                <a:schemeClr val="tx1">
+                  <a:lumMod val="50000"/>
+                  <a:lumOff val="50000"/>
+                </a:schemeClr>
+              </a:solidFill>
+              <a:latin typeface="Arial" panose="020B0604020202090204" pitchFamily="34" charset="0"/>
+            </a:endParaRPr>
+          </a:p>
+        </p:txBody>
+      </p:sp>
+      <p:sp>
+        <p:nvSpPr>
+          <p:cNvPr id="53" name="矩形 52"/>
           <p:cNvSpPr/>
           <p:nvPr/>
         </p:nvSpPr>
         <p:spPr>
-          <a:xfrm rot="10800000">
-            <a:off x="3610610" y="4010660"/>
-            <a:ext cx="431800" cy="395605"/>
-          </a:xfrm>
-          <a:prstGeom prst="downArrow">
-            <a:avLst/>
-          </a:prstGeom>
+          <a:xfrm>
+            <a:off x="2279015" y="4662805"/>
+            <a:ext cx="743585" cy="215900"/>
+          </a:xfrm>
+          <a:prstGeom prst="rect">
+            <a:avLst/>
+          </a:prstGeom>
+          <a:solidFill>
+            <a:schemeClr val="bg1"/>
+          </a:solidFill>
+          <a:ln>
+            <a:noFill/>
+          </a:ln>
         </p:spPr>
         <p:style>
-          <a:lnRef idx="3">
-            <a:schemeClr val="lt1"/>
+          <a:lnRef idx="2">
+            <a:schemeClr val="accent1">
+              <a:shade val="50000"/>
+            </a:schemeClr>
           </a:lnRef>
           <a:fillRef idx="1">
             <a:schemeClr val="accent1"/>
           </a:fillRef>
-          <a:effectRef idx="1">
+          <a:effectRef idx="0">
             <a:schemeClr val="accent1"/>
           </a:effectRef>
           <a:fontRef idx="minor">
@@ -8718,20 +8684,238 @@
           <a:lstStyle/>
           <a:p>
             <a:pPr algn="ctr"/>
-            <a:endParaRPr lang="zh-CN" altLang="en-US"/>
-          </a:p>
-        </p:txBody>
-      </p:sp>
-      <p:sp>
-        <p:nvSpPr>
-          <p:cNvPr id="72" name="文本框 71"/>
+            <a:r>
+              <a:rPr lang="en-US" altLang="zh-CN" sz="800">
+                <a:solidFill>
+                  <a:schemeClr val="tx1">
+                    <a:lumMod val="50000"/>
+                    <a:lumOff val="50000"/>
+                  </a:schemeClr>
+                </a:solidFill>
+                <a:latin typeface="Arial" panose="020B0604020202090204" pitchFamily="34" charset="0"/>
+              </a:rPr>
+              <a:t>36x36x256</a:t>
+            </a:r>
+            <a:endParaRPr lang="en-US" altLang="zh-CN" sz="800">
+              <a:solidFill>
+                <a:schemeClr val="tx1">
+                  <a:lumMod val="50000"/>
+                  <a:lumOff val="50000"/>
+                </a:schemeClr>
+              </a:solidFill>
+              <a:latin typeface="Arial" panose="020B0604020202090204" pitchFamily="34" charset="0"/>
+            </a:endParaRPr>
+          </a:p>
+        </p:txBody>
+      </p:sp>
+      <p:sp>
+        <p:nvSpPr>
+          <p:cNvPr id="54" name="矩形 53"/>
+          <p:cNvSpPr/>
+          <p:nvPr/>
+        </p:nvSpPr>
+        <p:spPr>
+          <a:xfrm>
+            <a:off x="3088640" y="4488180"/>
+            <a:ext cx="723900" cy="215900"/>
+          </a:xfrm>
+          <a:prstGeom prst="rect">
+            <a:avLst/>
+          </a:prstGeom>
+          <a:solidFill>
+            <a:schemeClr val="bg1"/>
+          </a:solidFill>
+          <a:ln>
+            <a:noFill/>
+          </a:ln>
+        </p:spPr>
+        <p:style>
+          <a:lnRef idx="2">
+            <a:schemeClr val="accent1">
+              <a:shade val="50000"/>
+            </a:schemeClr>
+          </a:lnRef>
+          <a:fillRef idx="1">
+            <a:schemeClr val="accent1"/>
+          </a:fillRef>
+          <a:effectRef idx="0">
+            <a:schemeClr val="accent1"/>
+          </a:effectRef>
+          <a:fontRef idx="minor">
+            <a:schemeClr val="lt1"/>
+          </a:fontRef>
+        </p:style>
+        <p:txBody>
+          <a:bodyPr rtlCol="0" anchor="ctr"/>
+          <a:lstStyle/>
+          <a:p>
+            <a:pPr algn="ctr"/>
+            <a:r>
+              <a:rPr lang="en-US" altLang="zh-CN" sz="800">
+                <a:solidFill>
+                  <a:schemeClr val="tx1">
+                    <a:lumMod val="50000"/>
+                    <a:lumOff val="50000"/>
+                  </a:schemeClr>
+                </a:solidFill>
+                <a:latin typeface="Arial" panose="020B0604020202090204" pitchFamily="34" charset="0"/>
+              </a:rPr>
+              <a:t>15x15x512</a:t>
+            </a:r>
+            <a:endParaRPr lang="en-US" altLang="zh-CN" sz="800">
+              <a:solidFill>
+                <a:schemeClr val="tx1">
+                  <a:lumMod val="50000"/>
+                  <a:lumOff val="50000"/>
+                </a:schemeClr>
+              </a:solidFill>
+              <a:latin typeface="Arial" panose="020B0604020202090204" pitchFamily="34" charset="0"/>
+            </a:endParaRPr>
+          </a:p>
+        </p:txBody>
+      </p:sp>
+      <p:sp>
+        <p:nvSpPr>
+          <p:cNvPr id="55" name="矩形 54"/>
+          <p:cNvSpPr/>
+          <p:nvPr/>
+        </p:nvSpPr>
+        <p:spPr>
+          <a:xfrm>
+            <a:off x="3884295" y="4488180"/>
+            <a:ext cx="723900" cy="215900"/>
+          </a:xfrm>
+          <a:prstGeom prst="rect">
+            <a:avLst/>
+          </a:prstGeom>
+          <a:solidFill>
+            <a:schemeClr val="bg1"/>
+          </a:solidFill>
+          <a:ln>
+            <a:noFill/>
+          </a:ln>
+        </p:spPr>
+        <p:style>
+          <a:lnRef idx="2">
+            <a:schemeClr val="accent1">
+              <a:shade val="50000"/>
+            </a:schemeClr>
+          </a:lnRef>
+          <a:fillRef idx="1">
+            <a:schemeClr val="accent1"/>
+          </a:fillRef>
+          <a:effectRef idx="0">
+            <a:schemeClr val="accent1"/>
+          </a:effectRef>
+          <a:fontRef idx="minor">
+            <a:schemeClr val="lt1"/>
+          </a:fontRef>
+        </p:style>
+        <p:txBody>
+          <a:bodyPr rtlCol="0" anchor="ctr"/>
+          <a:lstStyle/>
+          <a:p>
+            <a:pPr algn="ctr"/>
+            <a:r>
+              <a:rPr lang="en-US" altLang="zh-CN" sz="800">
+                <a:solidFill>
+                  <a:schemeClr val="tx1">
+                    <a:lumMod val="50000"/>
+                    <a:lumOff val="50000"/>
+                  </a:schemeClr>
+                </a:solidFill>
+                <a:latin typeface="Arial" panose="020B0604020202090204" pitchFamily="34" charset="0"/>
+              </a:rPr>
+              <a:t>15x15x512</a:t>
+            </a:r>
+            <a:endParaRPr lang="en-US" altLang="zh-CN" sz="800">
+              <a:solidFill>
+                <a:schemeClr val="tx1">
+                  <a:lumMod val="50000"/>
+                  <a:lumOff val="50000"/>
+                </a:schemeClr>
+              </a:solidFill>
+              <a:latin typeface="Arial" panose="020B0604020202090204" pitchFamily="34" charset="0"/>
+            </a:endParaRPr>
+          </a:p>
+        </p:txBody>
+      </p:sp>
+      <p:sp>
+        <p:nvSpPr>
+          <p:cNvPr id="56" name="矩形 55"/>
+          <p:cNvSpPr/>
+          <p:nvPr/>
+        </p:nvSpPr>
+        <p:spPr>
+          <a:xfrm>
+            <a:off x="4685665" y="4526280"/>
+            <a:ext cx="749300" cy="215900"/>
+          </a:xfrm>
+          <a:prstGeom prst="rect">
+            <a:avLst/>
+          </a:prstGeom>
+          <a:solidFill>
+            <a:schemeClr val="bg1"/>
+          </a:solidFill>
+          <a:ln>
+            <a:noFill/>
+          </a:ln>
+        </p:spPr>
+        <p:style>
+          <a:lnRef idx="2">
+            <a:schemeClr val="accent1">
+              <a:shade val="50000"/>
+            </a:schemeClr>
+          </a:lnRef>
+          <a:fillRef idx="1">
+            <a:schemeClr val="accent1"/>
+          </a:fillRef>
+          <a:effectRef idx="0">
+            <a:schemeClr val="accent1"/>
+          </a:effectRef>
+          <a:fontRef idx="minor">
+            <a:schemeClr val="lt1"/>
+          </a:fontRef>
+        </p:style>
+        <p:txBody>
+          <a:bodyPr rtlCol="0" anchor="ctr"/>
+          <a:lstStyle/>
+          <a:p>
+            <a:pPr algn="ctr"/>
+            <a:r>
+              <a:rPr lang="en-US" altLang="zh-CN" sz="800">
+                <a:solidFill>
+                  <a:schemeClr val="tx1">
+                    <a:lumMod val="50000"/>
+                    <a:lumOff val="50000"/>
+                  </a:schemeClr>
+                </a:solidFill>
+                <a:latin typeface="Arial" panose="020B0604020202090204" pitchFamily="34" charset="0"/>
+              </a:rPr>
+              <a:t>15x15x1024</a:t>
+            </a:r>
+            <a:endParaRPr lang="en-US" altLang="zh-CN" sz="800">
+              <a:solidFill>
+                <a:schemeClr val="tx1">
+                  <a:lumMod val="50000"/>
+                  <a:lumOff val="50000"/>
+                </a:schemeClr>
+              </a:solidFill>
+              <a:latin typeface="Arial" panose="020B0604020202090204" pitchFamily="34" charset="0"/>
+            </a:endParaRPr>
+          </a:p>
+        </p:txBody>
+      </p:sp>
+      <p:sp>
+        <p:nvSpPr>
+          <p:cNvPr id="59" name="文本框 58"/>
           <p:cNvSpPr txBox="1"/>
           <p:nvPr/>
         </p:nvSpPr>
         <p:spPr>
           <a:xfrm>
-            <a:off x="5116195" y="1313815"/>
-            <a:ext cx="1522095" cy="306705"/>
+            <a:off x="8126730" y="4496435"/>
+            <a:ext cx="809625" cy="460375"/>
           </a:xfrm>
           <a:prstGeom prst="rect">
             <a:avLst/>
@@ -8746,35 +8930,80 @@
           <a:p>
             <a:pPr algn="ctr"/>
             <a:r>
-              <a:rPr lang="zh-CN" altLang="en-US" sz="1400" b="1">
-                <a:solidFill>
-                  <a:srgbClr val="0070C0"/>
-                </a:solidFill>
-                <a:latin typeface="微软雅黑" panose="020B0503020204020204" charset="-122"/>
-                <a:ea typeface="微软雅黑" panose="020B0503020204020204" charset="-122"/>
-              </a:rPr>
-              <a:t>图像仿射扭曲</a:t>
-            </a:r>
-            <a:endParaRPr lang="zh-CN" altLang="en-US" sz="1400" b="1">
+              <a:rPr lang="en-US" altLang="zh-CN" sz="1400" b="1">
+                <a:solidFill>
+                  <a:schemeClr val="tx1">
+                    <a:lumMod val="65000"/>
+                    <a:lumOff val="35000"/>
+                  </a:schemeClr>
+                </a:solidFill>
+                <a:latin typeface="微软雅黑" panose="020B0503020204020204" charset="-122"/>
+                <a:ea typeface="微软雅黑" panose="020B0503020204020204" charset="-122"/>
+              </a:rPr>
+              <a:t>fc6</a:t>
+            </a:r>
+            <a:endParaRPr lang="en-US" altLang="zh-CN" sz="1400" b="1">
               <a:solidFill>
-                <a:srgbClr val="0070C0"/>
+                <a:schemeClr val="tx1">
+                  <a:lumMod val="65000"/>
+                  <a:lumOff val="35000"/>
+                </a:schemeClr>
               </a:solidFill>
               <a:latin typeface="微软雅黑" panose="020B0503020204020204" charset="-122"/>
               <a:ea typeface="微软雅黑" panose="020B0503020204020204" charset="-122"/>
             </a:endParaRPr>
           </a:p>
-        </p:txBody>
-      </p:sp>
-      <p:sp>
-        <p:nvSpPr>
-          <p:cNvPr id="73" name="文本框 72"/>
+          <a:p>
+            <a:pPr algn="ctr"/>
+            <a:r>
+              <a:rPr lang="en-US" altLang="zh-CN" sz="1000" b="1">
+                <a:solidFill>
+                  <a:schemeClr val="tx1">
+                    <a:lumMod val="65000"/>
+                    <a:lumOff val="35000"/>
+                  </a:schemeClr>
+                </a:solidFill>
+                <a:latin typeface="微软雅黑" panose="020B0503020204020204" charset="-122"/>
+                <a:ea typeface="微软雅黑" panose="020B0503020204020204" charset="-122"/>
+              </a:rPr>
+              <a:t>4096</a:t>
+            </a:r>
+            <a:r>
+              <a:rPr lang="zh-CN" altLang="en-US" sz="1000" b="1">
+                <a:solidFill>
+                  <a:schemeClr val="tx1">
+                    <a:lumMod val="65000"/>
+                    <a:lumOff val="35000"/>
+                  </a:schemeClr>
+                </a:solidFill>
+                <a:latin typeface="微软雅黑" panose="020B0503020204020204" charset="-122"/>
+                <a:ea typeface="微软雅黑" panose="020B0503020204020204" charset="-122"/>
+              </a:rPr>
+              <a:t>通道</a:t>
+            </a:r>
+            <a:endParaRPr lang="zh-CN" altLang="en-US" sz="1000" b="1">
+              <a:solidFill>
+                <a:schemeClr val="tx1">
+                  <a:lumMod val="65000"/>
+                  <a:lumOff val="35000"/>
+                </a:schemeClr>
+              </a:solidFill>
+              <a:latin typeface="微软雅黑" panose="020B0503020204020204" charset="-122"/>
+              <a:ea typeface="微软雅黑" panose="020B0503020204020204" charset="-122"/>
+            </a:endParaRPr>
+          </a:p>
+        </p:txBody>
+      </p:sp>
+      <p:sp>
+        <p:nvSpPr>
+          <p:cNvPr id="60" name="文本框 59"/>
           <p:cNvSpPr txBox="1"/>
           <p:nvPr/>
         </p:nvSpPr>
         <p:spPr>
           <a:xfrm>
-            <a:off x="6907530" y="3686175"/>
-            <a:ext cx="2443480" cy="1419860"/>
+            <a:off x="9439910" y="4479290"/>
+            <a:ext cx="809625" cy="614045"/>
           </a:xfrm>
           <a:prstGeom prst="rect">
             <a:avLst/>
@@ -8787,15 +9016,328 @@
           </a:bodyPr>
           <a:lstStyle/>
           <a:p>
-            <a:pPr marL="285750" indent="-285750" algn="l">
+            <a:pPr algn="ctr"/>
+            <a:r>
+              <a:rPr lang="en-US" altLang="zh-CN" sz="1400" b="1">
+                <a:solidFill>
+                  <a:schemeClr val="tx1">
+                    <a:lumMod val="65000"/>
+                    <a:lumOff val="35000"/>
+                  </a:schemeClr>
+                </a:solidFill>
+                <a:latin typeface="微软雅黑" panose="020B0503020204020204" charset="-122"/>
+                <a:ea typeface="微软雅黑" panose="020B0503020204020204" charset="-122"/>
+              </a:rPr>
+              <a:t>fc7</a:t>
+            </a:r>
+            <a:endParaRPr lang="en-US" altLang="zh-CN" sz="1400" b="1">
+              <a:solidFill>
+                <a:schemeClr val="tx1">
+                  <a:lumMod val="65000"/>
+                  <a:lumOff val="35000"/>
+                </a:schemeClr>
+              </a:solidFill>
+              <a:latin typeface="微软雅黑" panose="020B0503020204020204" charset="-122"/>
+              <a:ea typeface="微软雅黑" panose="020B0503020204020204" charset="-122"/>
+            </a:endParaRPr>
+          </a:p>
+          <a:p>
+            <a:pPr algn="ctr"/>
+            <a:r>
+              <a:rPr lang="en-US" altLang="zh-CN" sz="1000" b="1">
+                <a:solidFill>
+                  <a:schemeClr val="tx1">
+                    <a:lumMod val="65000"/>
+                    <a:lumOff val="35000"/>
+                  </a:schemeClr>
+                </a:solidFill>
+                <a:latin typeface="微软雅黑" panose="020B0503020204020204" charset="-122"/>
+                <a:ea typeface="微软雅黑" panose="020B0503020204020204" charset="-122"/>
+                <a:sym typeface="+mn-ea"/>
+              </a:rPr>
+              <a:t>1024</a:t>
+            </a:r>
+            <a:r>
+              <a:rPr lang="zh-CN" altLang="en-US" sz="1000" b="1">
+                <a:solidFill>
+                  <a:schemeClr val="tx1">
+                    <a:lumMod val="65000"/>
+                    <a:lumOff val="35000"/>
+                  </a:schemeClr>
+                </a:solidFill>
+                <a:latin typeface="微软雅黑" panose="020B0503020204020204" charset="-122"/>
+                <a:ea typeface="微软雅黑" panose="020B0503020204020204" charset="-122"/>
+                <a:sym typeface="+mn-ea"/>
+              </a:rPr>
+              <a:t>通道</a:t>
+            </a:r>
+            <a:endParaRPr lang="zh-CN" altLang="en-US" sz="1000" b="1">
+              <a:solidFill>
+                <a:schemeClr val="tx1">
+                  <a:lumMod val="65000"/>
+                  <a:lumOff val="35000"/>
+                </a:schemeClr>
+              </a:solidFill>
+              <a:latin typeface="微软雅黑" panose="020B0503020204020204" charset="-122"/>
+              <a:ea typeface="微软雅黑" panose="020B0503020204020204" charset="-122"/>
+            </a:endParaRPr>
+          </a:p>
+          <a:p>
+            <a:pPr algn="ctr"/>
+            <a:endParaRPr lang="en-US" altLang="zh-CN" sz="1000" b="1">
+              <a:solidFill>
+                <a:schemeClr val="tx1">
+                  <a:lumMod val="65000"/>
+                  <a:lumOff val="35000"/>
+                </a:schemeClr>
+              </a:solidFill>
+              <a:latin typeface="微软雅黑" panose="020B0503020204020204" charset="-122"/>
+              <a:ea typeface="微软雅黑" panose="020B0503020204020204" charset="-122"/>
+            </a:endParaRPr>
+          </a:p>
+        </p:txBody>
+      </p:sp>
+      <p:sp>
+        <p:nvSpPr>
+          <p:cNvPr id="61" name="文本框 60"/>
+          <p:cNvSpPr txBox="1"/>
+          <p:nvPr/>
+        </p:nvSpPr>
+        <p:spPr>
+          <a:xfrm>
+            <a:off x="10688320" y="4479290"/>
+            <a:ext cx="809625" cy="460375"/>
+          </a:xfrm>
+          <a:prstGeom prst="rect">
+            <a:avLst/>
+          </a:prstGeom>
+          <a:noFill/>
+        </p:spPr>
+        <p:txBody>
+          <a:bodyPr wrap="square" rtlCol="0">
+            <a:spAutoFit/>
+          </a:bodyPr>
+          <a:lstStyle/>
+          <a:p>
+            <a:pPr algn="ctr"/>
+            <a:r>
+              <a:rPr lang="en-US" altLang="zh-CN" sz="1400" b="1">
+                <a:solidFill>
+                  <a:schemeClr val="tx1">
+                    <a:lumMod val="65000"/>
+                    <a:lumOff val="35000"/>
+                  </a:schemeClr>
+                </a:solidFill>
+                <a:latin typeface="微软雅黑" panose="020B0503020204020204" charset="-122"/>
+                <a:ea typeface="微软雅黑" panose="020B0503020204020204" charset="-122"/>
+              </a:rPr>
+              <a:t>fc8</a:t>
+            </a:r>
+            <a:endParaRPr lang="en-US" altLang="zh-CN" sz="1400" b="1">
+              <a:solidFill>
+                <a:schemeClr val="tx1">
+                  <a:lumMod val="65000"/>
+                  <a:lumOff val="35000"/>
+                </a:schemeClr>
+              </a:solidFill>
+              <a:latin typeface="微软雅黑" panose="020B0503020204020204" charset="-122"/>
+              <a:ea typeface="微软雅黑" panose="020B0503020204020204" charset="-122"/>
+            </a:endParaRPr>
+          </a:p>
+          <a:p>
+            <a:pPr algn="ctr"/>
+            <a:r>
+              <a:rPr lang="en-US" altLang="zh-CN" sz="1000" b="1">
+                <a:solidFill>
+                  <a:schemeClr val="tx1">
+                    <a:lumMod val="65000"/>
+                    <a:lumOff val="35000"/>
+                  </a:schemeClr>
+                </a:solidFill>
+                <a:latin typeface="微软雅黑" panose="020B0503020204020204" charset="-122"/>
+                <a:ea typeface="微软雅黑" panose="020B0503020204020204" charset="-122"/>
+              </a:rPr>
+              <a:t>4</a:t>
+            </a:r>
+            <a:r>
+              <a:rPr lang="zh-CN" altLang="en-US" sz="1000" b="1">
+                <a:solidFill>
+                  <a:schemeClr val="tx1">
+                    <a:lumMod val="65000"/>
+                    <a:lumOff val="35000"/>
+                  </a:schemeClr>
+                </a:solidFill>
+                <a:latin typeface="微软雅黑" panose="020B0503020204020204" charset="-122"/>
+                <a:ea typeface="微软雅黑" panose="020B0503020204020204" charset="-122"/>
+              </a:rPr>
+              <a:t>通道</a:t>
+            </a:r>
+            <a:endParaRPr lang="zh-CN" altLang="en-US" sz="1000" b="1">
+              <a:solidFill>
+                <a:schemeClr val="tx1">
+                  <a:lumMod val="65000"/>
+                  <a:lumOff val="35000"/>
+                </a:schemeClr>
+              </a:solidFill>
+              <a:latin typeface="微软雅黑" panose="020B0503020204020204" charset="-122"/>
+              <a:ea typeface="微软雅黑" panose="020B0503020204020204" charset="-122"/>
+            </a:endParaRPr>
+          </a:p>
+        </p:txBody>
+      </p:sp>
+      <p:sp>
+        <p:nvSpPr>
+          <p:cNvPr id="71" name="文本框 70"/>
+          <p:cNvSpPr txBox="1"/>
+          <p:nvPr/>
+        </p:nvSpPr>
+        <p:spPr>
+          <a:xfrm>
+            <a:off x="6315075" y="4478655"/>
+            <a:ext cx="809625" cy="460375"/>
+          </a:xfrm>
+          <a:prstGeom prst="rect">
+            <a:avLst/>
+          </a:prstGeom>
+          <a:noFill/>
+        </p:spPr>
+        <p:txBody>
+          <a:bodyPr wrap="square" rtlCol="0">
+            <a:spAutoFit/>
+          </a:bodyPr>
+          <a:lstStyle/>
+          <a:p>
+            <a:pPr algn="ctr"/>
+            <a:endParaRPr lang="en-US" altLang="zh-CN" sz="1400" b="1">
+              <a:solidFill>
+                <a:schemeClr val="tx1">
+                  <a:lumMod val="65000"/>
+                  <a:lumOff val="35000"/>
+                </a:schemeClr>
+              </a:solidFill>
+              <a:latin typeface="微软雅黑" panose="020B0503020204020204" charset="-122"/>
+              <a:ea typeface="微软雅黑" panose="020B0503020204020204" charset="-122"/>
+            </a:endParaRPr>
+          </a:p>
+          <a:p>
+            <a:pPr algn="ctr"/>
+            <a:r>
+              <a:rPr lang="en-US" altLang="zh-CN" sz="1000" b="1">
+                <a:solidFill>
+                  <a:schemeClr val="tx1">
+                    <a:lumMod val="65000"/>
+                    <a:lumOff val="35000"/>
+                  </a:schemeClr>
+                </a:solidFill>
+                <a:latin typeface="微软雅黑" panose="020B0503020204020204" charset="-122"/>
+                <a:ea typeface="微软雅黑" panose="020B0503020204020204" charset="-122"/>
+              </a:rPr>
+              <a:t>256</a:t>
+            </a:r>
+            <a:r>
+              <a:rPr lang="zh-CN" altLang="en-US" sz="1000" b="1">
+                <a:solidFill>
+                  <a:schemeClr val="tx1">
+                    <a:lumMod val="65000"/>
+                    <a:lumOff val="35000"/>
+                  </a:schemeClr>
+                </a:solidFill>
+                <a:latin typeface="微软雅黑" panose="020B0503020204020204" charset="-122"/>
+                <a:ea typeface="微软雅黑" panose="020B0503020204020204" charset="-122"/>
+              </a:rPr>
+              <a:t>通道</a:t>
+            </a:r>
+            <a:endParaRPr lang="zh-CN" altLang="en-US" sz="1000" b="1">
+              <a:solidFill>
+                <a:schemeClr val="tx1">
+                  <a:lumMod val="65000"/>
+                  <a:lumOff val="35000"/>
+                </a:schemeClr>
+              </a:solidFill>
+              <a:latin typeface="微软雅黑" panose="020B0503020204020204" charset="-122"/>
+              <a:ea typeface="微软雅黑" panose="020B0503020204020204" charset="-122"/>
+            </a:endParaRPr>
+          </a:p>
+        </p:txBody>
+      </p:sp>
+      <p:sp>
+        <p:nvSpPr>
+          <p:cNvPr id="73" name="左大括号 72"/>
+          <p:cNvSpPr/>
+          <p:nvPr/>
+        </p:nvSpPr>
+        <p:spPr>
+          <a:xfrm>
+            <a:off x="5520055" y="3430270"/>
+            <a:ext cx="287655" cy="1871980"/>
+          </a:xfrm>
+          <a:prstGeom prst="leftBrace">
+            <a:avLst>
+              <a:gd name="adj1" fmla="val 158498"/>
+              <a:gd name="adj2" fmla="val 50000"/>
+            </a:avLst>
+          </a:prstGeom>
+          <a:ln w="38100">
+            <a:solidFill>
+              <a:schemeClr val="tx1">
+                <a:lumMod val="65000"/>
+                <a:lumOff val="35000"/>
+              </a:schemeClr>
+            </a:solidFill>
+          </a:ln>
+        </p:spPr>
+        <p:style>
+          <a:lnRef idx="1">
+            <a:schemeClr val="accent1"/>
+          </a:lnRef>
+          <a:fillRef idx="0">
+            <a:schemeClr val="accent1"/>
+          </a:fillRef>
+          <a:effectRef idx="0">
+            <a:schemeClr val="accent1"/>
+          </a:effectRef>
+          <a:fontRef idx="minor">
+            <a:schemeClr val="tx1"/>
+          </a:fontRef>
+        </p:style>
+        <p:txBody>
+          <a:bodyPr rtlCol="0" anchor="ctr"/>
+          <a:lstStyle/>
+          <a:p>
+            <a:pPr algn="ctr"/>
+            <a:endParaRPr lang="zh-CN" altLang="en-US"/>
+          </a:p>
+        </p:txBody>
+      </p:sp>
+      <p:sp>
+        <p:nvSpPr>
+          <p:cNvPr id="82" name="文本框 81"/>
+          <p:cNvSpPr txBox="1"/>
+          <p:nvPr/>
+        </p:nvSpPr>
+        <p:spPr>
+          <a:xfrm>
+            <a:off x="1278890" y="5388610"/>
+            <a:ext cx="3806190" cy="995045"/>
+          </a:xfrm>
+          <a:prstGeom prst="rect">
+            <a:avLst/>
+          </a:prstGeom>
+          <a:noFill/>
+        </p:spPr>
+        <p:txBody>
+          <a:bodyPr wrap="square" rtlCol="0">
+            <a:spAutoFit/>
+          </a:bodyPr>
+          <a:lstStyle/>
+          <a:p>
+            <a:pPr algn="ctr">
               <a:lnSpc>
-                <a:spcPct val="90000"/>
+                <a:spcPct val="140000"/>
               </a:lnSpc>
-              <a:buFont typeface="Arial" panose="020B0604020202090204" pitchFamily="34" charset="0"/>
-              <a:buChar char="•"/>
             </a:pPr>
             <a:r>
-              <a:rPr lang="en-US" sz="1200" b="1">
+              <a:rPr lang="en-US" sz="1400" b="1">
                 <a:solidFill>
                   <a:schemeClr val="tx1">
                     <a:lumMod val="50000"/>
@@ -8805,10 +9347,10 @@
                 <a:latin typeface="微软雅黑" panose="020B0503020204020204" charset="-122"/>
                 <a:ea typeface="微软雅黑" panose="020B0503020204020204" charset="-122"/>
               </a:rPr>
-              <a:t>pool5</a:t>
-            </a:r>
-            <a:r>
-              <a:rPr lang="en-US" sz="1200">
+              <a:t>Offset Max Pooling </a:t>
+            </a:r>
+            <a:r>
+              <a:rPr lang="zh-CN" altLang="en-US" sz="1400" b="1">
                 <a:solidFill>
                   <a:schemeClr val="tx1">
                     <a:lumMod val="50000"/>
@@ -8818,10 +9360,10 @@
                 <a:latin typeface="微软雅黑" panose="020B0503020204020204" charset="-122"/>
                 <a:ea typeface="微软雅黑" panose="020B0503020204020204" charset="-122"/>
               </a:rPr>
-              <a:t>: 6x6x256 = 9216 </a:t>
-            </a:r>
-            <a:r>
-              <a:rPr lang="zh-CN" altLang="en-US" sz="1200">
+              <a:t>和 </a:t>
+            </a:r>
+            <a:r>
+              <a:rPr lang="en-US" altLang="zh-CN" sz="1400" b="1">
                 <a:solidFill>
                   <a:schemeClr val="tx1">
                     <a:lumMod val="50000"/>
@@ -8831,9 +9373,9 @@
                 <a:latin typeface="微软雅黑" panose="020B0503020204020204" charset="-122"/>
                 <a:ea typeface="微软雅黑" panose="020B0503020204020204" charset="-122"/>
               </a:rPr>
-              <a:t>维</a:t>
-            </a:r>
-            <a:endParaRPr lang="zh-CN" altLang="en-US" sz="1200">
+              <a:t>Sliding Windows</a:t>
+            </a:r>
+            <a:endParaRPr lang="en-US" altLang="zh-CN" sz="1400" b="1">
               <a:solidFill>
                 <a:schemeClr val="tx1">
                   <a:lumMod val="50000"/>
@@ -8845,15 +9387,13 @@
             </a:endParaRPr>
           </a:p>
           <a:p>
-            <a:pPr indent="0" algn="l">
+            <a:pPr algn="ctr">
               <a:lnSpc>
-                <a:spcPct val="90000"/>
+                <a:spcPct val="140000"/>
               </a:lnSpc>
-              <a:buFont typeface="Arial" panose="020B0604020202090204" pitchFamily="34" charset="0"/>
-              <a:buNone/>
             </a:pPr>
             <a:r>
-              <a:rPr lang="en-US" altLang="zh-CN" sz="1200">
+              <a:rPr lang="zh-CN" altLang="en-US" sz="1400" b="1">
                 <a:solidFill>
                   <a:schemeClr val="tx1">
                     <a:lumMod val="50000"/>
@@ -8863,22 +9403,9 @@
                 <a:latin typeface="微软雅黑" panose="020B0503020204020204" charset="-122"/>
                 <a:ea typeface="微软雅黑" panose="020B0503020204020204" charset="-122"/>
               </a:rPr>
-              <a:t>       6.5% / 15% </a:t>
-            </a:r>
-            <a:r>
-              <a:rPr lang="zh-CN" altLang="en-US" sz="1200">
-                <a:solidFill>
-                  <a:schemeClr val="tx1">
-                    <a:lumMod val="50000"/>
-                    <a:lumOff val="50000"/>
-                  </a:schemeClr>
-                </a:solidFill>
-                <a:latin typeface="微软雅黑" panose="020B0503020204020204" charset="-122"/>
-                <a:ea typeface="微软雅黑" panose="020B0503020204020204" charset="-122"/>
-              </a:rPr>
-              <a:t>非零</a:t>
-            </a:r>
-            <a:endParaRPr lang="zh-CN" altLang="en-US" sz="1200">
+              <a:t>产生的多个预测值被</a:t>
+            </a:r>
+            <a:endParaRPr lang="zh-CN" altLang="en-US" sz="1400" b="1">
               <a:solidFill>
                 <a:schemeClr val="tx1">
                   <a:lumMod val="50000"/>
@@ -8890,14 +9417,51 @@
             </a:endParaRPr>
           </a:p>
           <a:p>
-            <a:pPr marL="285750" indent="-285750" algn="l">
+            <a:pPr algn="ctr">
               <a:lnSpc>
-                <a:spcPct val="90000"/>
+                <a:spcPct val="140000"/>
               </a:lnSpc>
-              <a:buFont typeface="Arial" panose="020B0604020202090204" pitchFamily="34" charset="0"/>
-              <a:buChar char="•"/>
             </a:pPr>
-            <a:endParaRPr lang="zh-CN" altLang="en-US" sz="1200">
+            <a:r>
+              <a:rPr lang="zh-CN" altLang="en-US" sz="1400" b="1">
+                <a:solidFill>
+                  <a:schemeClr val="tx1">
+                    <a:lumMod val="50000"/>
+                    <a:lumOff val="50000"/>
+                  </a:schemeClr>
+                </a:solidFill>
+                <a:latin typeface="微软雅黑" panose="020B0503020204020204" charset="-122"/>
+                <a:ea typeface="微软雅黑" panose="020B0503020204020204" charset="-122"/>
+              </a:rPr>
+              <a:t>类别和</a:t>
+            </a:r>
+            <a:r>
+              <a:rPr lang="en-US" altLang="zh-CN" sz="1400" b="1">
+                <a:solidFill>
+                  <a:schemeClr val="tx1">
+                    <a:lumMod val="50000"/>
+                    <a:lumOff val="50000"/>
+                  </a:schemeClr>
+                </a:solidFill>
+                <a:latin typeface="微软雅黑" panose="020B0503020204020204" charset="-122"/>
+                <a:ea typeface="微软雅黑" panose="020B0503020204020204" charset="-122"/>
+              </a:rPr>
+              <a:t>bbox</a:t>
+            </a:r>
+            <a:r>
+              <a:rPr lang="zh-CN" altLang="en-US" sz="1400" b="1">
+                <a:solidFill>
+                  <a:schemeClr val="tx1">
+                    <a:lumMod val="50000"/>
+                    <a:lumOff val="50000"/>
+                  </a:schemeClr>
+                </a:solidFill>
+                <a:latin typeface="微软雅黑" panose="020B0503020204020204" charset="-122"/>
+                <a:ea typeface="微软雅黑" panose="020B0503020204020204" charset="-122"/>
+              </a:rPr>
+              <a:t>交叉验证丢弃</a:t>
+            </a:r>
+            <a:endParaRPr lang="zh-CN" altLang="en-US" sz="1400" b="1">
               <a:solidFill>
                 <a:schemeClr val="tx1">
                   <a:lumMod val="50000"/>
@@ -8908,765 +9472,362 @@
               <a:ea typeface="微软雅黑" panose="020B0503020204020204" charset="-122"/>
             </a:endParaRPr>
           </a:p>
-          <a:p>
-            <a:pPr marL="285750" indent="-285750" algn="l">
-              <a:lnSpc>
-                <a:spcPct val="90000"/>
-              </a:lnSpc>
-              <a:buFont typeface="Arial" panose="020B0604020202090204" pitchFamily="34" charset="0"/>
-              <a:buChar char="•"/>
-            </a:pPr>
-            <a:r>
-              <a:rPr lang="en-US" altLang="zh-CN" sz="1200" b="1">
-                <a:solidFill>
-                  <a:schemeClr val="tx1">
-                    <a:lumMod val="50000"/>
-                    <a:lumOff val="50000"/>
-                  </a:schemeClr>
-                </a:solidFill>
-                <a:latin typeface="微软雅黑" panose="020B0503020204020204" charset="-122"/>
-                <a:ea typeface="微软雅黑" panose="020B0503020204020204" charset="-122"/>
-              </a:rPr>
-              <a:t>fc6</a:t>
-            </a:r>
-            <a:r>
-              <a:rPr lang="en-US" altLang="zh-CN" sz="1200">
-                <a:solidFill>
-                  <a:schemeClr val="tx1">
-                    <a:lumMod val="50000"/>
-                    <a:lumOff val="50000"/>
-                  </a:schemeClr>
-                </a:solidFill>
-                <a:latin typeface="微软雅黑" panose="020B0503020204020204" charset="-122"/>
-                <a:ea typeface="微软雅黑" panose="020B0503020204020204" charset="-122"/>
-              </a:rPr>
-              <a:t>: 4096 </a:t>
-            </a:r>
-            <a:r>
-              <a:rPr lang="zh-CN" altLang="en-US" sz="1200">
-                <a:solidFill>
-                  <a:schemeClr val="tx1">
-                    <a:lumMod val="50000"/>
-                    <a:lumOff val="50000"/>
-                  </a:schemeClr>
-                </a:solidFill>
-                <a:latin typeface="微软雅黑" panose="020B0503020204020204" charset="-122"/>
-                <a:ea typeface="微软雅黑" panose="020B0503020204020204" charset="-122"/>
-              </a:rPr>
-              <a:t>维</a:t>
-            </a:r>
-            <a:endParaRPr lang="zh-CN" altLang="en-US" sz="1200">
-              <a:solidFill>
-                <a:schemeClr val="tx1">
-                  <a:lumMod val="50000"/>
-                  <a:lumOff val="50000"/>
-                </a:schemeClr>
-              </a:solidFill>
+        </p:txBody>
+      </p:sp>
+      <p:sp>
+        <p:nvSpPr>
+          <p:cNvPr id="48" name="文本框 47"/>
+          <p:cNvSpPr txBox="1"/>
+          <p:nvPr/>
+        </p:nvSpPr>
+        <p:spPr>
+          <a:xfrm>
+            <a:off x="335280" y="72390"/>
+            <a:ext cx="3248025" cy="398780"/>
+          </a:xfrm>
+          <a:prstGeom prst="rect">
+            <a:avLst/>
+          </a:prstGeom>
+          <a:noFill/>
+        </p:spPr>
+        <p:txBody>
+          <a:bodyPr wrap="square" rtlCol="0">
+            <a:spAutoFit/>
+          </a:bodyPr>
+          <a:lstStyle/>
+          <a:p>
+            <a:r>
+              <a:rPr lang="en-US" altLang="zh-CN" sz="2000" b="1" dirty="0">
+                <a:latin typeface="微软雅黑" panose="020B0503020204020204" charset="-122"/>
+                <a:ea typeface="微软雅黑" panose="020B0503020204020204" charset="-122"/>
+              </a:rPr>
+              <a:t>WGAN -GP 2017.03</a:t>
+            </a:r>
+            <a:endParaRPr lang="en-US" altLang="zh-CN" sz="2000" b="1" dirty="0">
               <a:latin typeface="微软雅黑" panose="020B0503020204020204" charset="-122"/>
               <a:ea typeface="微软雅黑" panose="020B0503020204020204" charset="-122"/>
             </a:endParaRPr>
           </a:p>
-          <a:p>
-            <a:pPr indent="0" algn="l">
-              <a:lnSpc>
-                <a:spcPct val="90000"/>
-              </a:lnSpc>
-              <a:buFont typeface="Arial" panose="020B0604020202090204" pitchFamily="34" charset="0"/>
-              <a:buNone/>
-            </a:pPr>
+        </p:txBody>
+      </p:sp>
+      <p:sp>
+        <p:nvSpPr>
+          <p:cNvPr id="3" name="内容占位符 2"/>
+          <p:cNvSpPr>
+            <a:spLocks noGrp="1"/>
+          </p:cNvSpPr>
+          <p:nvPr>
+            <p:ph idx="1"/>
+          </p:nvPr>
+        </p:nvSpPr>
+        <p:spPr>
+          <a:xfrm>
+            <a:off x="436880" y="568325"/>
+            <a:ext cx="9966325" cy="2724785"/>
+          </a:xfrm>
+        </p:spPr>
+        <p:txBody>
+          <a:bodyPr>
+            <a:normAutofit lnSpcReduction="20000"/>
+          </a:bodyPr>
+          <a:p>
+            <a:pPr algn="l"/>
+            <a:r>
+              <a:rPr lang="zh-CN" altLang="en-US" sz="1200" b="1">
+                <a:solidFill>
+                  <a:schemeClr val="accent6">
+                    <a:lumMod val="75000"/>
+                  </a:schemeClr>
+                </a:solidFill>
+                <a:latin typeface="微软雅黑" panose="020B0503020204020204" charset="-122"/>
+                <a:ea typeface="微软雅黑" panose="020B0503020204020204" charset="-122"/>
+              </a:rPr>
+              <a:t>目标</a:t>
+            </a:r>
+            <a:r>
+              <a:rPr lang="zh-CN" altLang="en-US" sz="1200">
+                <a:latin typeface="微软雅黑" panose="020B0503020204020204" charset="-122"/>
+                <a:ea typeface="微软雅黑" panose="020B0503020204020204" charset="-122"/>
+              </a:rPr>
+              <a:t>：针对 </a:t>
+            </a:r>
             <a:r>
               <a:rPr lang="en-US" altLang="zh-CN" sz="1200">
-                <a:solidFill>
-                  <a:schemeClr val="tx1">
-                    <a:lumMod val="50000"/>
-                    <a:lumOff val="50000"/>
-                  </a:schemeClr>
-                </a:solidFill>
-                <a:latin typeface="微软雅黑" panose="020B0503020204020204" charset="-122"/>
-                <a:ea typeface="微软雅黑" panose="020B0503020204020204" charset="-122"/>
-              </a:rPr>
-              <a:t>       71.2% / 20% </a:t>
+                <a:latin typeface="微软雅黑" panose="020B0503020204020204" charset="-122"/>
+                <a:ea typeface="微软雅黑" panose="020B0503020204020204" charset="-122"/>
+              </a:rPr>
+              <a:t>WGAN</a:t>
             </a:r>
             <a:r>
               <a:rPr lang="zh-CN" altLang="en-US" sz="1200">
-                <a:solidFill>
-                  <a:schemeClr val="tx1">
-                    <a:lumMod val="50000"/>
-                    <a:lumOff val="50000"/>
-                  </a:schemeClr>
-                </a:solidFill>
-                <a:latin typeface="微软雅黑" panose="020B0503020204020204" charset="-122"/>
-                <a:ea typeface="微软雅黑" panose="020B0503020204020204" charset="-122"/>
-              </a:rPr>
-              <a:t>非零</a:t>
+                <a:latin typeface="微软雅黑" panose="020B0503020204020204" charset="-122"/>
+                <a:ea typeface="微软雅黑" panose="020B0503020204020204" charset="-122"/>
+              </a:rPr>
+              <a:t>训练困难、收敛速度慢 改进；</a:t>
             </a:r>
             <a:endParaRPr lang="zh-CN" altLang="en-US" sz="1200">
-              <a:solidFill>
-                <a:schemeClr val="tx1">
-                  <a:lumMod val="50000"/>
-                  <a:lumOff val="50000"/>
-                </a:schemeClr>
-              </a:solidFill>
               <a:latin typeface="微软雅黑" panose="020B0503020204020204" charset="-122"/>
               <a:ea typeface="微软雅黑" panose="020B0503020204020204" charset="-122"/>
             </a:endParaRPr>
           </a:p>
           <a:p>
-            <a:pPr marL="285750" indent="-285750" algn="l">
+            <a:pPr algn="l" fontAlgn="auto">
               <a:lnSpc>
-                <a:spcPct val="90000"/>
+                <a:spcPts val="1440"/>
               </a:lnSpc>
-              <a:buFont typeface="Arial" panose="020B0604020202090204" pitchFamily="34" charset="0"/>
-              <a:buChar char="•"/>
             </a:pPr>
+            <a:r>
+              <a:rPr lang="zh-CN" altLang="en-US" sz="1200" b="1">
+                <a:solidFill>
+                  <a:schemeClr val="accent5">
+                    <a:lumMod val="75000"/>
+                  </a:schemeClr>
+                </a:solidFill>
+                <a:latin typeface="微软雅黑" panose="020B0503020204020204" charset="-122"/>
+                <a:ea typeface="微软雅黑" panose="020B0503020204020204" charset="-122"/>
+              </a:rPr>
+              <a:t>分析</a:t>
+            </a:r>
+            <a:r>
+              <a:rPr lang="zh-CN" altLang="en-US" sz="1200">
+                <a:latin typeface="微软雅黑" panose="020B0503020204020204" charset="-122"/>
+                <a:ea typeface="微软雅黑" panose="020B0503020204020204" charset="-122"/>
+              </a:rPr>
+              <a:t>：</a:t>
+            </a:r>
             <a:endParaRPr lang="zh-CN" altLang="en-US" sz="1200">
-              <a:solidFill>
-                <a:schemeClr val="tx1">
-                  <a:lumMod val="50000"/>
-                  <a:lumOff val="50000"/>
-                </a:schemeClr>
-              </a:solidFill>
               <a:latin typeface="微软雅黑" panose="020B0503020204020204" charset="-122"/>
               <a:ea typeface="微软雅黑" panose="020B0503020204020204" charset="-122"/>
             </a:endParaRPr>
           </a:p>
           <a:p>
-            <a:pPr marL="285750" indent="-285750" algn="l">
+            <a:pPr algn="l" fontAlgn="auto">
               <a:lnSpc>
-                <a:spcPct val="90000"/>
+                <a:spcPts val="1440"/>
               </a:lnSpc>
-              <a:buFont typeface="Arial" panose="020B0604020202090204" pitchFamily="34" charset="0"/>
-              <a:buChar char="•"/>
             </a:pPr>
             <a:r>
-              <a:rPr lang="en-US" altLang="zh-CN" sz="1200" b="1">
-                <a:solidFill>
-                  <a:schemeClr val="tx1">
-                    <a:lumMod val="50000"/>
-                    <a:lumOff val="50000"/>
-                  </a:schemeClr>
-                </a:solidFill>
-                <a:latin typeface="微软雅黑" panose="020B0503020204020204" charset="-122"/>
-                <a:ea typeface="微软雅黑" panose="020B0503020204020204" charset="-122"/>
-                <a:sym typeface="+mn-ea"/>
-              </a:rPr>
-              <a:t>fc7</a:t>
-            </a:r>
-            <a:r>
               <a:rPr lang="en-US" altLang="zh-CN" sz="1200">
-                <a:solidFill>
-                  <a:schemeClr val="tx1">
-                    <a:lumMod val="50000"/>
-                    <a:lumOff val="50000"/>
-                  </a:schemeClr>
-                </a:solidFill>
-                <a:latin typeface="微软雅黑" panose="020B0503020204020204" charset="-122"/>
-                <a:ea typeface="微软雅黑" panose="020B0503020204020204" charset="-122"/>
-                <a:sym typeface="+mn-ea"/>
-              </a:rPr>
-              <a:t>: 4096 </a:t>
+                <a:latin typeface="微软雅黑" panose="020B0503020204020204" charset="-122"/>
+                <a:ea typeface="微软雅黑" panose="020B0503020204020204" charset="-122"/>
+              </a:rPr>
+              <a:t>          WGAN  Lipschitz限制条件</a:t>
             </a:r>
             <a:r>
               <a:rPr lang="zh-CN" altLang="en-US" sz="1200">
-                <a:solidFill>
-                  <a:schemeClr val="tx1">
-                    <a:lumMod val="50000"/>
-                    <a:lumOff val="50000"/>
-                  </a:schemeClr>
-                </a:solidFill>
-                <a:latin typeface="微软雅黑" panose="020B0503020204020204" charset="-122"/>
-                <a:ea typeface="微软雅黑" panose="020B0503020204020204" charset="-122"/>
-                <a:sym typeface="+mn-ea"/>
-              </a:rPr>
-              <a:t>维</a:t>
-            </a:r>
-            <a:endParaRPr lang="zh-CN" altLang="en-US" sz="1200">
-              <a:solidFill>
-                <a:schemeClr val="tx1">
-                  <a:lumMod val="50000"/>
-                  <a:lumOff val="50000"/>
-                </a:schemeClr>
-              </a:solidFill>
+                <a:latin typeface="微软雅黑" panose="020B0503020204020204" charset="-122"/>
+                <a:ea typeface="微软雅黑" panose="020B0503020204020204" charset="-122"/>
+              </a:rPr>
+              <a:t>使用</a:t>
+            </a:r>
+            <a:r>
+              <a:rPr lang="en-US" altLang="zh-CN" sz="1200">
+                <a:latin typeface="微软雅黑" panose="020B0503020204020204" charset="-122"/>
+                <a:ea typeface="微软雅黑" panose="020B0503020204020204" charset="-122"/>
+              </a:rPr>
+              <a:t> weight clipping，每更新完一次判别器的参数后，</a:t>
+            </a:r>
+            <a:endParaRPr lang="en-US" altLang="zh-CN" sz="1200">
               <a:latin typeface="微软雅黑" panose="020B0503020204020204" charset="-122"/>
               <a:ea typeface="微软雅黑" panose="020B0503020204020204" charset="-122"/>
             </a:endParaRPr>
           </a:p>
           <a:p>
-            <a:pPr indent="0" algn="l">
+            <a:pPr algn="l" fontAlgn="auto">
               <a:lnSpc>
-                <a:spcPct val="90000"/>
+                <a:spcPts val="1440"/>
               </a:lnSpc>
-              <a:buFont typeface="Arial" panose="020B0604020202090204" pitchFamily="34" charset="0"/>
-              <a:buNone/>
             </a:pPr>
             <a:r>
               <a:rPr lang="en-US" altLang="zh-CN" sz="1200">
-                <a:solidFill>
-                  <a:schemeClr val="tx1">
-                    <a:lumMod val="50000"/>
-                    <a:lumOff val="50000"/>
-                  </a:schemeClr>
-                </a:solidFill>
+                <a:latin typeface="微软雅黑" panose="020B0503020204020204" charset="-122"/>
+                <a:ea typeface="微软雅黑" panose="020B0503020204020204" charset="-122"/>
+              </a:rPr>
+              <a:t>          检查判别器的所有参数的绝对值有没有超过阈值，比如0.01，有就把这些参数</a:t>
+            </a:r>
+            <a:r>
+              <a:rPr lang="zh-CN" altLang="en-US" sz="1200">
+                <a:latin typeface="微软雅黑" panose="020B0503020204020204" charset="-122"/>
+                <a:ea typeface="微软雅黑" panose="020B0503020204020204" charset="-122"/>
+              </a:rPr>
+              <a:t>修改到</a:t>
+            </a:r>
+            <a:r>
+              <a:rPr lang="en-US" altLang="zh-CN" sz="1200">
+                <a:latin typeface="微软雅黑" panose="020B0503020204020204" charset="-122"/>
+                <a:ea typeface="微软雅黑" panose="020B0503020204020204" charset="-122"/>
+              </a:rPr>
+              <a:t> [-0.01, 0.01] 范围内。</a:t>
+            </a:r>
+            <a:endParaRPr lang="en-US" altLang="zh-CN" sz="1200">
+              <a:latin typeface="微软雅黑" panose="020B0503020204020204" charset="-122"/>
+              <a:ea typeface="微软雅黑" panose="020B0503020204020204" charset="-122"/>
+            </a:endParaRPr>
+          </a:p>
+          <a:p>
+            <a:pPr algn="l" fontAlgn="auto">
+              <a:lnSpc>
+                <a:spcPts val="1440"/>
+              </a:lnSpc>
+            </a:pPr>
+            <a:r>
+              <a:rPr lang="en-US" altLang="zh-CN" sz="1200">
+                <a:latin typeface="微软雅黑" panose="020B0503020204020204" charset="-122"/>
+                <a:ea typeface="微软雅黑" panose="020B0503020204020204" charset="-122"/>
+              </a:rPr>
+              <a:t>          保证了判别器不</a:t>
+            </a:r>
+            <a:r>
+              <a:rPr lang="zh-CN" altLang="en-US" sz="1200">
+                <a:latin typeface="微软雅黑" panose="020B0503020204020204" charset="-122"/>
+                <a:ea typeface="微软雅黑" panose="020B0503020204020204" charset="-122"/>
+              </a:rPr>
+              <a:t>会</a:t>
+            </a:r>
+            <a:r>
+              <a:rPr lang="en-US" altLang="zh-CN" sz="1200">
+                <a:latin typeface="微软雅黑" panose="020B0503020204020204" charset="-122"/>
+                <a:ea typeface="微软雅黑" panose="020B0503020204020204" charset="-122"/>
+              </a:rPr>
+              <a:t>对两个略微不同样本</a:t>
+            </a:r>
+            <a:r>
+              <a:rPr lang="zh-CN" altLang="en-US" sz="1200">
+                <a:latin typeface="微软雅黑" panose="020B0503020204020204" charset="-122"/>
+                <a:ea typeface="微软雅黑" panose="020B0503020204020204" charset="-122"/>
+              </a:rPr>
+              <a:t>的</a:t>
+            </a:r>
+            <a:r>
+              <a:rPr lang="en-US" altLang="zh-CN" sz="1200">
+                <a:latin typeface="微软雅黑" panose="020B0503020204020204" charset="-122"/>
+                <a:ea typeface="微软雅黑" panose="020B0503020204020204" charset="-122"/>
+              </a:rPr>
+              <a:t>判别不会差异过大</a:t>
+            </a:r>
+            <a:r>
+              <a:rPr lang="zh-CN" altLang="en-US" sz="1200">
+                <a:latin typeface="微软雅黑" panose="020B0503020204020204" charset="-122"/>
+                <a:ea typeface="微软雅黑" panose="020B0503020204020204" charset="-122"/>
+              </a:rPr>
+              <a:t>，间接实现了</a:t>
+            </a:r>
+            <a:r>
+              <a:rPr lang="en-US" altLang="zh-CN" sz="1200">
                 <a:latin typeface="微软雅黑" panose="020B0503020204020204" charset="-122"/>
                 <a:ea typeface="微软雅黑" panose="020B0503020204020204" charset="-122"/>
                 <a:sym typeface="+mn-ea"/>
               </a:rPr>
-              <a:t>       100% / 20% </a:t>
+              <a:t>Lipschitz限制</a:t>
             </a:r>
             <a:r>
               <a:rPr lang="zh-CN" altLang="en-US" sz="1200">
-                <a:solidFill>
-                  <a:schemeClr val="tx1">
-                    <a:lumMod val="50000"/>
-                    <a:lumOff val="50000"/>
-                  </a:schemeClr>
-                </a:solidFill>
                 <a:latin typeface="微软雅黑" panose="020B0503020204020204" charset="-122"/>
                 <a:ea typeface="微软雅黑" panose="020B0503020204020204" charset="-122"/>
                 <a:sym typeface="+mn-ea"/>
               </a:rPr>
-              <a:t>非零</a:t>
-            </a:r>
-            <a:endParaRPr lang="zh-CN" altLang="en-US" sz="1200">
-              <a:solidFill>
-                <a:schemeClr val="tx1">
-                  <a:lumMod val="50000"/>
-                  <a:lumOff val="50000"/>
-                </a:schemeClr>
-              </a:solidFill>
+              <a:t>。</a:t>
+            </a:r>
+            <a:endParaRPr lang="en-US" altLang="zh-CN" sz="1200">
               <a:latin typeface="微软雅黑" panose="020B0503020204020204" charset="-122"/>
               <a:ea typeface="微软雅黑" panose="020B0503020204020204" charset="-122"/>
               <a:sym typeface="+mn-ea"/>
             </a:endParaRPr>
           </a:p>
-        </p:txBody>
-      </p:sp>
-      <p:sp>
-        <p:nvSpPr>
-          <p:cNvPr id="82" name="文本框 81"/>
-          <p:cNvSpPr txBox="1"/>
-          <p:nvPr/>
-        </p:nvSpPr>
-        <p:spPr>
-          <a:xfrm>
-            <a:off x="9102090" y="4128770"/>
-            <a:ext cx="2555875" cy="995045"/>
-          </a:xfrm>
-          <a:prstGeom prst="rect">
-            <a:avLst/>
-          </a:prstGeom>
-          <a:noFill/>
-        </p:spPr>
-        <p:txBody>
-          <a:bodyPr wrap="square" rtlCol="0">
-            <a:spAutoFit/>
-          </a:bodyPr>
-          <a:lstStyle/>
-          <a:p>
-            <a:pPr algn="ctr">
+          <a:p>
+            <a:pPr algn="l" fontAlgn="auto">
               <a:lnSpc>
-                <a:spcPct val="140000"/>
+                <a:spcPts val="1440"/>
               </a:lnSpc>
             </a:pPr>
             <a:r>
-              <a:rPr lang="zh-CN" altLang="en-US" sz="1400" b="1">
-                <a:solidFill>
-                  <a:schemeClr val="tx1">
-                    <a:lumMod val="50000"/>
-                    <a:lumOff val="50000"/>
-                  </a:schemeClr>
-                </a:solidFill>
-                <a:latin typeface="微软雅黑" panose="020B0503020204020204" charset="-122"/>
-                <a:ea typeface="微软雅黑" panose="020B0503020204020204" charset="-122"/>
-              </a:rPr>
-              <a:t>删除旧分类器</a:t>
-            </a:r>
-            <a:r>
-              <a:rPr lang="en-US" altLang="zh-CN" sz="1400" b="1">
-                <a:solidFill>
-                  <a:schemeClr val="tx1">
-                    <a:lumMod val="50000"/>
-                    <a:lumOff val="50000"/>
-                  </a:schemeClr>
-                </a:solidFill>
-                <a:latin typeface="微软雅黑" panose="020B0503020204020204" charset="-122"/>
-                <a:ea typeface="微软雅黑" panose="020B0503020204020204" charset="-122"/>
-              </a:rPr>
-              <a:t>Softmax</a:t>
-            </a:r>
-            <a:endParaRPr lang="en-US" altLang="zh-CN" sz="1400" b="1">
-              <a:solidFill>
-                <a:srgbClr val="0070C0"/>
-              </a:solidFill>
+              <a:rPr lang="en-US" altLang="zh-CN" sz="1200">
+                <a:latin typeface="微软雅黑" panose="020B0503020204020204" charset="-122"/>
+                <a:ea typeface="微软雅黑" panose="020B0503020204020204" charset="-122"/>
+                <a:sym typeface="+mn-ea"/>
+              </a:rPr>
+              <a:t>          Weight C</a:t>
+            </a:r>
+            <a:r>
+              <a:rPr lang="en-US" altLang="zh-CN" sz="1200">
+                <a:latin typeface="微软雅黑" panose="020B0503020204020204" charset="-122"/>
+                <a:ea typeface="微软雅黑" panose="020B0503020204020204" charset="-122"/>
+                <a:sym typeface="+mn-ea"/>
+              </a:rPr>
+              <a:t>lipping独立地限制网络参数的取值范围，在这种情况下最优策略就是参数要么取最大值（如0.01）要么取最小值（如-0.01）</a:t>
+            </a:r>
+            <a:endParaRPr lang="en-US" altLang="zh-CN" sz="1200">
               <a:latin typeface="微软雅黑" panose="020B0503020204020204" charset="-122"/>
               <a:ea typeface="微软雅黑" panose="020B0503020204020204" charset="-122"/>
+              <a:sym typeface="+mn-ea"/>
             </a:endParaRPr>
           </a:p>
           <a:p>
-            <a:pPr algn="ctr">
+            <a:pPr algn="l" fontAlgn="auto">
               <a:lnSpc>
-                <a:spcPct val="140000"/>
+                <a:spcPts val="1440"/>
               </a:lnSpc>
             </a:pPr>
-            <a:r>
-              <a:rPr lang="zh-CN" altLang="en-US" sz="1400" b="1">
-                <a:solidFill>
-                  <a:srgbClr val="0070C0"/>
-                </a:solidFill>
-                <a:latin typeface="微软雅黑" panose="020B0503020204020204" charset="-122"/>
-                <a:ea typeface="微软雅黑" panose="020B0503020204020204" charset="-122"/>
-              </a:rPr>
-              <a:t>每一类都训练一个</a:t>
-            </a:r>
-            <a:endParaRPr lang="zh-CN" altLang="en-US" sz="1400" b="1">
-              <a:solidFill>
-                <a:srgbClr val="0070C0"/>
-              </a:solidFill>
+            <a:endParaRPr lang="en-US" altLang="zh-CN" sz="1200">
               <a:latin typeface="微软雅黑" panose="020B0503020204020204" charset="-122"/>
               <a:ea typeface="微软雅黑" panose="020B0503020204020204" charset="-122"/>
+              <a:sym typeface="+mn-ea"/>
             </a:endParaRPr>
           </a:p>
           <a:p>
-            <a:pPr algn="ctr">
-              <a:lnSpc>
-                <a:spcPct val="140000"/>
-              </a:lnSpc>
-            </a:pPr>
-            <a:r>
-              <a:rPr lang="zh-CN" altLang="en-US" sz="1400" b="1">
-                <a:solidFill>
-                  <a:srgbClr val="0070C0"/>
-                </a:solidFill>
-                <a:latin typeface="微软雅黑" panose="020B0503020204020204" charset="-122"/>
-                <a:ea typeface="微软雅黑" panose="020B0503020204020204" charset="-122"/>
-              </a:rPr>
-              <a:t>二值</a:t>
-            </a:r>
-            <a:r>
-              <a:rPr lang="en-US" altLang="zh-CN" sz="1400" b="1">
-                <a:solidFill>
-                  <a:srgbClr val="0070C0"/>
-                </a:solidFill>
-                <a:latin typeface="微软雅黑" panose="020B0503020204020204" charset="-122"/>
-                <a:ea typeface="微软雅黑" panose="020B0503020204020204" charset="-122"/>
-              </a:rPr>
-              <a:t>SVM</a:t>
-            </a:r>
-            <a:r>
-              <a:rPr lang="zh-CN" altLang="en-US" sz="1400" b="1">
-                <a:solidFill>
-                  <a:srgbClr val="0070C0"/>
-                </a:solidFill>
-                <a:latin typeface="微软雅黑" panose="020B0503020204020204" charset="-122"/>
-                <a:ea typeface="微软雅黑" panose="020B0503020204020204" charset="-122"/>
-              </a:rPr>
-              <a:t>分类器（物体</a:t>
-            </a:r>
-            <a:r>
-              <a:rPr lang="en-US" altLang="zh-CN" sz="1400" b="1">
-                <a:solidFill>
-                  <a:srgbClr val="0070C0"/>
-                </a:solidFill>
-                <a:latin typeface="微软雅黑" panose="020B0503020204020204" charset="-122"/>
-                <a:ea typeface="微软雅黑" panose="020B0503020204020204" charset="-122"/>
-              </a:rPr>
-              <a:t>+</a:t>
-            </a:r>
-            <a:r>
-              <a:rPr lang="zh-CN" altLang="en-US" sz="1400" b="1">
-                <a:solidFill>
-                  <a:srgbClr val="0070C0"/>
-                </a:solidFill>
-                <a:latin typeface="微软雅黑" panose="020B0503020204020204" charset="-122"/>
-                <a:ea typeface="微软雅黑" panose="020B0503020204020204" charset="-122"/>
-              </a:rPr>
-              <a:t>背景）</a:t>
-            </a:r>
-            <a:endParaRPr lang="zh-CN" altLang="en-US" sz="1400" b="1">
-              <a:solidFill>
-                <a:srgbClr val="0070C0"/>
-              </a:solidFill>
-              <a:latin typeface="微软雅黑" panose="020B0503020204020204" charset="-122"/>
-              <a:ea typeface="微软雅黑" panose="020B0503020204020204" charset="-122"/>
-            </a:endParaRPr>
-          </a:p>
-        </p:txBody>
-      </p:sp>
-      <p:sp>
-        <p:nvSpPr>
-          <p:cNvPr id="87" name="文本框 86"/>
-          <p:cNvSpPr txBox="1"/>
-          <p:nvPr/>
-        </p:nvSpPr>
-        <p:spPr>
-          <a:xfrm>
-            <a:off x="5805170" y="5306060"/>
-            <a:ext cx="5139055" cy="694055"/>
-          </a:xfrm>
-          <a:prstGeom prst="rect">
-            <a:avLst/>
-          </a:prstGeom>
-          <a:noFill/>
-        </p:spPr>
-        <p:txBody>
-          <a:bodyPr wrap="square" rtlCol="0">
-            <a:spAutoFit/>
-          </a:bodyPr>
-          <a:lstStyle/>
-          <a:p>
-            <a:pPr algn="ctr">
-              <a:lnSpc>
-                <a:spcPct val="140000"/>
-              </a:lnSpc>
-            </a:pPr>
-            <a:r>
-              <a:rPr lang="zh-CN" altLang="en-US" sz="1600" b="1" u="sng">
+            <a:pPr algn="l"/>
+            <a:r>
+              <a:rPr lang="zh-CN" altLang="en-US" sz="1200" b="1">
+                <a:solidFill>
+                  <a:srgbClr val="00B0F0"/>
+                </a:solidFill>
+                <a:latin typeface="微软雅黑" panose="020B0503020204020204" charset="-122"/>
+                <a:ea typeface="微软雅黑" panose="020B0503020204020204" charset="-122"/>
+              </a:rPr>
+              <a:t>方法</a:t>
+            </a:r>
+            <a:r>
+              <a:rPr lang="zh-CN" altLang="en-US" sz="1200">
+                <a:latin typeface="微软雅黑" panose="020B0503020204020204" charset="-122"/>
+                <a:ea typeface="微软雅黑" panose="020B0503020204020204" charset="-122"/>
+              </a:rPr>
+              <a:t>：标准卷积滤波分解为：深度分离卷积（</a:t>
+            </a:r>
+            <a:r>
+              <a:rPr lang="zh-CN" altLang="en-US" sz="1200">
                 <a:solidFill>
                   <a:srgbClr val="C00000"/>
                 </a:solidFill>
                 <a:latin typeface="微软雅黑" panose="020B0503020204020204" charset="-122"/>
                 <a:ea typeface="微软雅黑" panose="020B0503020204020204" charset="-122"/>
               </a:rPr>
-              <a:t>分类</a:t>
-            </a:r>
-            <a:r>
-              <a:rPr lang="zh-CN" altLang="en-US" sz="1600" b="1">
-                <a:solidFill>
-                  <a:srgbClr val="C00000"/>
-                </a:solidFill>
-                <a:latin typeface="微软雅黑" panose="020B0503020204020204" charset="-122"/>
-                <a:ea typeface="微软雅黑" panose="020B0503020204020204" charset="-122"/>
-              </a:rPr>
-              <a:t>    </a:t>
-            </a:r>
-            <a:r>
-              <a:rPr lang="en-US" altLang="zh-CN" sz="1600" b="1">
-                <a:solidFill>
-                  <a:srgbClr val="C00000"/>
-                </a:solidFill>
-                <a:latin typeface="微软雅黑" panose="020B0503020204020204" charset="-122"/>
-                <a:ea typeface="微软雅黑" panose="020B0503020204020204" charset="-122"/>
-              </a:rPr>
-              <a:t>	+      	 </a:t>
-            </a:r>
-            <a:r>
-              <a:rPr lang="zh-CN" altLang="en-US" sz="1600" b="1" u="sng">
-                <a:solidFill>
-                  <a:srgbClr val="C00000"/>
-                </a:solidFill>
-                <a:latin typeface="微软雅黑" panose="020B0503020204020204" charset="-122"/>
-                <a:ea typeface="微软雅黑" panose="020B0503020204020204" charset="-122"/>
-              </a:rPr>
-              <a:t>定位</a:t>
-            </a:r>
-            <a:r>
-              <a:rPr lang="zh-CN" altLang="en-US" sz="1600" b="1">
-                <a:solidFill>
-                  <a:srgbClr val="C00000"/>
-                </a:solidFill>
-                <a:latin typeface="微软雅黑" panose="020B0503020204020204" charset="-122"/>
-                <a:ea typeface="微软雅黑" panose="020B0503020204020204" charset="-122"/>
-              </a:rPr>
-              <a:t> </a:t>
-            </a:r>
-            <a:r>
-              <a:rPr lang="en-US" altLang="zh-CN" sz="1600" b="1">
-                <a:solidFill>
-                  <a:srgbClr val="C00000"/>
-                </a:solidFill>
-                <a:latin typeface="微软雅黑" panose="020B0503020204020204" charset="-122"/>
-                <a:ea typeface="微软雅黑" panose="020B0503020204020204" charset="-122"/>
-              </a:rPr>
-              <a:t>	</a:t>
-            </a:r>
-            <a:r>
-              <a:rPr lang="zh-CN" altLang="en-US" sz="1600" b="1">
-                <a:solidFill>
-                  <a:srgbClr val="C00000"/>
-                </a:solidFill>
-                <a:latin typeface="微软雅黑" panose="020B0503020204020204" charset="-122"/>
-                <a:ea typeface="微软雅黑" panose="020B0503020204020204" charset="-122"/>
-              </a:rPr>
-              <a:t>        </a:t>
-            </a:r>
-            <a:r>
-              <a:rPr lang="en-US" altLang="zh-CN" sz="1600" b="1">
-                <a:solidFill>
-                  <a:srgbClr val="C00000"/>
-                </a:solidFill>
-                <a:latin typeface="微软雅黑" panose="020B0503020204020204" charset="-122"/>
-                <a:ea typeface="微软雅黑" panose="020B0503020204020204" charset="-122"/>
-              </a:rPr>
-              <a:t>+  	  </a:t>
-            </a:r>
-            <a:r>
-              <a:rPr lang="zh-CN" altLang="en-US" sz="1600" b="1" u="sng">
-                <a:solidFill>
-                  <a:srgbClr val="C00000"/>
-                </a:solidFill>
-                <a:latin typeface="微软雅黑" panose="020B0503020204020204" charset="-122"/>
-                <a:ea typeface="微软雅黑" panose="020B0503020204020204" charset="-122"/>
-              </a:rPr>
-              <a:t>检测</a:t>
-            </a:r>
-            <a:endParaRPr lang="zh-CN" altLang="en-US" sz="1600" b="1" u="sng">
-              <a:solidFill>
-                <a:srgbClr val="C00000"/>
-              </a:solidFill>
-              <a:latin typeface="微软雅黑" panose="020B0503020204020204" charset="-122"/>
-              <a:ea typeface="微软雅黑" panose="020B0503020204020204" charset="-122"/>
-            </a:endParaRPr>
-          </a:p>
-          <a:p>
-            <a:pPr algn="ctr">
-              <a:lnSpc>
-                <a:spcPct val="140000"/>
-              </a:lnSpc>
-            </a:pPr>
-            <a:r>
-              <a:rPr lang="en-US" altLang="zh-CN" sz="1200" b="1">
-                <a:solidFill>
-                  <a:schemeClr val="tx1">
-                    <a:lumMod val="50000"/>
-                    <a:lumOff val="50000"/>
-                  </a:schemeClr>
-                </a:solidFill>
-                <a:latin typeface="微软雅黑" panose="020B0503020204020204" charset="-122"/>
-                <a:ea typeface="微软雅黑" panose="020B0503020204020204" charset="-122"/>
-              </a:rPr>
-              <a:t>SVM</a:t>
-            </a:r>
-            <a:r>
-              <a:rPr lang="zh-CN" altLang="en-US" sz="1200" b="1">
-                <a:solidFill>
-                  <a:schemeClr val="tx1">
-                    <a:lumMod val="50000"/>
-                    <a:lumOff val="50000"/>
-                  </a:schemeClr>
-                </a:solidFill>
-                <a:latin typeface="微软雅黑" panose="020B0503020204020204" charset="-122"/>
-                <a:ea typeface="微软雅黑" panose="020B0503020204020204" charset="-122"/>
-              </a:rPr>
-              <a:t>分类器          </a:t>
-            </a:r>
-            <a:r>
-              <a:rPr lang="en-US" altLang="zh-CN" sz="1200" b="1">
-                <a:solidFill>
-                  <a:schemeClr val="tx1">
-                    <a:lumMod val="50000"/>
-                    <a:lumOff val="50000"/>
-                  </a:schemeClr>
-                </a:solidFill>
-                <a:latin typeface="微软雅黑" panose="020B0503020204020204" charset="-122"/>
-                <a:ea typeface="微软雅黑" panose="020B0503020204020204" charset="-122"/>
-              </a:rPr>
-              <a:t>BoundingBox</a:t>
-            </a:r>
-            <a:r>
-              <a:rPr lang="zh-CN" altLang="en-US" sz="1200" b="1">
-                <a:solidFill>
-                  <a:schemeClr val="tx1">
-                    <a:lumMod val="50000"/>
-                    <a:lumOff val="50000"/>
-                  </a:schemeClr>
-                </a:solidFill>
-                <a:latin typeface="微软雅黑" panose="020B0503020204020204" charset="-122"/>
-                <a:ea typeface="微软雅黑" panose="020B0503020204020204" charset="-122"/>
-              </a:rPr>
-              <a:t>回归器优化定位 </a:t>
-            </a:r>
-            <a:r>
-              <a:rPr lang="en-US" altLang="zh-CN" sz="1200" b="1">
-                <a:solidFill>
-                  <a:schemeClr val="tx1">
-                    <a:lumMod val="50000"/>
-                    <a:lumOff val="50000"/>
-                  </a:schemeClr>
-                </a:solidFill>
-                <a:latin typeface="微软雅黑" panose="020B0503020204020204" charset="-122"/>
-                <a:ea typeface="微软雅黑" panose="020B0503020204020204" charset="-122"/>
-              </a:rPr>
-              <a:t>	</a:t>
-            </a:r>
-            <a:r>
-              <a:rPr lang="zh-CN" altLang="en-US" sz="1200" b="1">
-                <a:solidFill>
-                  <a:schemeClr val="tx1">
-                    <a:lumMod val="50000"/>
-                    <a:lumOff val="50000"/>
-                  </a:schemeClr>
-                </a:solidFill>
-                <a:latin typeface="微软雅黑" panose="020B0503020204020204" charset="-122"/>
-                <a:ea typeface="微软雅黑" panose="020B0503020204020204" charset="-122"/>
-              </a:rPr>
-              <a:t> 多个分类器 </a:t>
-            </a:r>
-            <a:endParaRPr lang="zh-CN" altLang="en-US" sz="1200" b="1">
-              <a:solidFill>
-                <a:schemeClr val="tx1">
-                  <a:lumMod val="50000"/>
-                  <a:lumOff val="50000"/>
-                </a:schemeClr>
-              </a:solidFill>
-              <a:latin typeface="微软雅黑" panose="020B0503020204020204" charset="-122"/>
-              <a:ea typeface="微软雅黑" panose="020B0503020204020204" charset="-122"/>
-            </a:endParaRPr>
-          </a:p>
-        </p:txBody>
-      </p:sp>
-      <p:sp>
-        <p:nvSpPr>
-          <p:cNvPr id="88" name="文本框 87"/>
-          <p:cNvSpPr txBox="1"/>
-          <p:nvPr/>
-        </p:nvSpPr>
-        <p:spPr>
-          <a:xfrm>
-            <a:off x="6836410" y="3321050"/>
-            <a:ext cx="2004695" cy="306705"/>
-          </a:xfrm>
-          <a:prstGeom prst="rect">
-            <a:avLst/>
-          </a:prstGeom>
-          <a:noFill/>
-        </p:spPr>
-        <p:txBody>
-          <a:bodyPr wrap="square" rtlCol="0">
-            <a:spAutoFit/>
-          </a:bodyPr>
-          <a:lstStyle/>
-          <a:p>
-            <a:pPr algn="ctr"/>
-            <a:r>
-              <a:rPr lang="en-US" altLang="zh-CN" sz="1400" b="1">
-                <a:solidFill>
-                  <a:srgbClr val="0070C0"/>
-                </a:solidFill>
-                <a:latin typeface="微软雅黑" panose="020B0503020204020204" charset="-122"/>
-                <a:ea typeface="微软雅黑" panose="020B0503020204020204" charset="-122"/>
-              </a:rPr>
-              <a:t>3. CNN</a:t>
-            </a:r>
-            <a:r>
-              <a:rPr lang="zh-CN" altLang="en-US" sz="1400" b="1">
-                <a:solidFill>
-                  <a:srgbClr val="0070C0"/>
-                </a:solidFill>
-                <a:latin typeface="微软雅黑" panose="020B0503020204020204" charset="-122"/>
-                <a:ea typeface="微软雅黑" panose="020B0503020204020204" charset="-122"/>
-              </a:rPr>
-              <a:t>提取特征向量</a:t>
-            </a:r>
-            <a:endParaRPr lang="zh-CN" altLang="en-US" sz="1400" b="1">
-              <a:solidFill>
-                <a:srgbClr val="0070C0"/>
-              </a:solidFill>
-              <a:latin typeface="微软雅黑" panose="020B0503020204020204" charset="-122"/>
-              <a:ea typeface="微软雅黑" panose="020B0503020204020204" charset="-122"/>
-            </a:endParaRPr>
-          </a:p>
-        </p:txBody>
-      </p:sp>
-      <p:sp>
-        <p:nvSpPr>
-          <p:cNvPr id="90" name="文本框 89"/>
-          <p:cNvSpPr txBox="1"/>
-          <p:nvPr/>
-        </p:nvSpPr>
-        <p:spPr>
-          <a:xfrm>
-            <a:off x="6517640" y="6146165"/>
-            <a:ext cx="3590925" cy="306705"/>
-          </a:xfrm>
-          <a:prstGeom prst="rect">
-            <a:avLst/>
-          </a:prstGeom>
-          <a:noFill/>
-        </p:spPr>
-        <p:txBody>
-          <a:bodyPr wrap="square" rtlCol="0">
-            <a:spAutoFit/>
-          </a:bodyPr>
-          <a:lstStyle/>
-          <a:p>
-            <a:pPr algn="ctr"/>
-            <a:r>
-              <a:rPr lang="zh-CN" altLang="en-US" sz="1400" b="1">
-                <a:solidFill>
-                  <a:srgbClr val="0070C0"/>
-                </a:solidFill>
-                <a:latin typeface="微软雅黑" panose="020B0503020204020204" charset="-122"/>
-                <a:ea typeface="微软雅黑" panose="020B0503020204020204" charset="-122"/>
-              </a:rPr>
-              <a:t>预训练分类卷积网络 </a:t>
-            </a:r>
-            <a:r>
-              <a:rPr lang="en-US" altLang="zh-CN" sz="1400" b="1">
-                <a:solidFill>
-                  <a:srgbClr val="0070C0"/>
-                </a:solidFill>
-                <a:latin typeface="微软雅黑" panose="020B0503020204020204" charset="-122"/>
-                <a:ea typeface="微软雅黑" panose="020B0503020204020204" charset="-122"/>
-              </a:rPr>
-              <a:t>+ </a:t>
-            </a:r>
-            <a:r>
-              <a:rPr lang="zh-CN" altLang="en-US" sz="1400" b="1">
-                <a:solidFill>
-                  <a:srgbClr val="0070C0"/>
-                </a:solidFill>
-                <a:latin typeface="微软雅黑" panose="020B0503020204020204" charset="-122"/>
-                <a:ea typeface="微软雅黑" panose="020B0503020204020204" charset="-122"/>
-              </a:rPr>
-              <a:t>定位问题微调</a:t>
-            </a:r>
-            <a:endParaRPr lang="zh-CN" altLang="en-US" sz="1400" b="1">
-              <a:solidFill>
-                <a:srgbClr val="0070C0"/>
-              </a:solidFill>
-              <a:latin typeface="微软雅黑" panose="020B0503020204020204" charset="-122"/>
-              <a:ea typeface="微软雅黑" panose="020B0503020204020204" charset="-122"/>
-            </a:endParaRPr>
-          </a:p>
-        </p:txBody>
-      </p:sp>
-      <p:sp>
-        <p:nvSpPr>
-          <p:cNvPr id="14" name="文本框 13"/>
-          <p:cNvSpPr txBox="1"/>
-          <p:nvPr/>
-        </p:nvSpPr>
-        <p:spPr>
-          <a:xfrm>
-            <a:off x="335280" y="72390"/>
-            <a:ext cx="5469890" cy="400110"/>
-          </a:xfrm>
-          <a:prstGeom prst="rect">
-            <a:avLst/>
-          </a:prstGeom>
-          <a:noFill/>
-        </p:spPr>
-        <p:txBody>
-          <a:bodyPr wrap="square" rtlCol="0">
-            <a:spAutoFit/>
-          </a:bodyPr>
-          <a:lstStyle/>
-          <a:p>
-            <a:r>
-              <a:rPr lang="en-US" altLang="zh-CN" sz="2000" b="1" dirty="0">
-                <a:latin typeface="微软雅黑" panose="020B0503020204020204" charset="-122"/>
-                <a:ea typeface="微软雅黑" panose="020B0503020204020204" charset="-122"/>
-              </a:rPr>
-              <a:t>Spectral Normalization GAN </a:t>
-            </a:r>
-            <a:r>
-              <a:rPr lang="en-US" altLang="zh-CN" sz="2000" b="1">
-                <a:latin typeface="微软雅黑" panose="020B0503020204020204" charset="-122"/>
-                <a:ea typeface="微软雅黑" panose="020B0503020204020204" charset="-122"/>
-              </a:rPr>
-              <a:t>- 2018</a:t>
-            </a:r>
-            <a:endParaRPr lang="en-US" altLang="zh-CN" sz="2000" b="1" dirty="0">
+              <a:t>不改变通道数量</a:t>
+            </a:r>
+            <a:r>
+              <a:rPr lang="zh-CN" altLang="en-US" sz="1200">
+                <a:latin typeface="微软雅黑" panose="020B0503020204020204" charset="-122"/>
+                <a:ea typeface="微软雅黑" panose="020B0503020204020204" charset="-122"/>
+              </a:rPr>
+              <a:t>） 和 逐点卷积 （</a:t>
+            </a:r>
+            <a:r>
+              <a:rPr lang="zh-CN" altLang="en-US" sz="1200">
+                <a:solidFill>
+                  <a:srgbClr val="0F80FF"/>
+                </a:solidFill>
+                <a:latin typeface="微软雅黑" panose="020B0503020204020204" charset="-122"/>
+                <a:ea typeface="微软雅黑" panose="020B0503020204020204" charset="-122"/>
+              </a:rPr>
+              <a:t>改变通道数量</a:t>
+            </a:r>
+            <a:r>
+              <a:rPr lang="zh-CN" altLang="en-US" sz="1200">
+                <a:latin typeface="微软雅黑" panose="020B0503020204020204" charset="-122"/>
+                <a:ea typeface="微软雅黑" panose="020B0503020204020204" charset="-122"/>
+              </a:rPr>
+              <a:t>）</a:t>
+            </a:r>
+            <a:endParaRPr lang="zh-CN" altLang="en-US" sz="1200">
               <a:latin typeface="微软雅黑" panose="020B0503020204020204" charset="-122"/>
               <a:ea typeface="微软雅黑" panose="020B0503020204020204" charset="-122"/>
             </a:endParaRPr>
@@ -9700,14 +9861,14 @@
       </p:grpSpPr>
       <p:sp>
         <p:nvSpPr>
-          <p:cNvPr id="6" name="文本框 5"/>
+          <p:cNvPr id="64" name="文本框 63"/>
           <p:cNvSpPr txBox="1"/>
           <p:nvPr/>
         </p:nvSpPr>
         <p:spPr>
           <a:xfrm>
-            <a:off x="334010" y="5901690"/>
-            <a:ext cx="2840990" cy="691515"/>
+            <a:off x="5506720" y="3146425"/>
+            <a:ext cx="869950" cy="245110"/>
           </a:xfrm>
           <a:prstGeom prst="rect">
             <a:avLst/>
@@ -9720,89 +9881,398 @@
           </a:bodyPr>
           <a:lstStyle/>
           <a:p>
-            <a:pPr algn="ctr">
+            <a:pPr algn="ctr"/>
+            <a:r>
+              <a:rPr lang="en-US" altLang="zh-CN" sz="1000">
+                <a:latin typeface="微软雅黑" panose="020B0503020204020204" charset="-122"/>
+                <a:ea typeface="微软雅黑" panose="020B0503020204020204" charset="-122"/>
+              </a:rPr>
+              <a:t>227x227x3</a:t>
+            </a:r>
+            <a:endParaRPr lang="en-US" altLang="zh-CN" sz="1000">
+              <a:latin typeface="微软雅黑" panose="020B0503020204020204" charset="-122"/>
+              <a:ea typeface="微软雅黑" panose="020B0503020204020204" charset="-122"/>
+            </a:endParaRPr>
+          </a:p>
+        </p:txBody>
+      </p:sp>
+      <p:sp>
+        <p:nvSpPr>
+          <p:cNvPr id="67" name="文本框 66"/>
+          <p:cNvSpPr txBox="1"/>
+          <p:nvPr/>
+        </p:nvSpPr>
+        <p:spPr>
+          <a:xfrm>
+            <a:off x="772795" y="3486150"/>
+            <a:ext cx="1395095" cy="306705"/>
+          </a:xfrm>
+          <a:prstGeom prst="rect">
+            <a:avLst/>
+          </a:prstGeom>
+          <a:noFill/>
+        </p:spPr>
+        <p:txBody>
+          <a:bodyPr wrap="square" rtlCol="0">
+            <a:spAutoFit/>
+          </a:bodyPr>
+          <a:lstStyle/>
+          <a:p>
+            <a:pPr algn="ctr"/>
+            <a:r>
+              <a:rPr lang="en-US" altLang="zh-CN" sz="1400" b="1">
+                <a:solidFill>
+                  <a:srgbClr val="0070C0"/>
+                </a:solidFill>
+                <a:latin typeface="微软雅黑" panose="020B0503020204020204" charset="-122"/>
+                <a:ea typeface="微软雅黑" panose="020B0503020204020204" charset="-122"/>
+              </a:rPr>
+              <a:t>1. </a:t>
+            </a:r>
+            <a:r>
+              <a:rPr lang="zh-CN" altLang="en-US" sz="1400" b="1">
+                <a:solidFill>
+                  <a:srgbClr val="0070C0"/>
+                </a:solidFill>
+                <a:latin typeface="微软雅黑" panose="020B0503020204020204" charset="-122"/>
+                <a:ea typeface="微软雅黑" panose="020B0503020204020204" charset="-122"/>
+              </a:rPr>
+              <a:t>输入图像</a:t>
+            </a:r>
+            <a:endParaRPr lang="zh-CN" altLang="en-US" sz="1400" b="1">
+              <a:solidFill>
+                <a:srgbClr val="0070C0"/>
+              </a:solidFill>
+              <a:latin typeface="微软雅黑" panose="020B0503020204020204" charset="-122"/>
+              <a:ea typeface="微软雅黑" panose="020B0503020204020204" charset="-122"/>
+            </a:endParaRPr>
+          </a:p>
+        </p:txBody>
+      </p:sp>
+      <p:sp>
+        <p:nvSpPr>
+          <p:cNvPr id="68" name="文本框 67"/>
+          <p:cNvSpPr txBox="1"/>
+          <p:nvPr/>
+        </p:nvSpPr>
+        <p:spPr>
+          <a:xfrm>
+            <a:off x="2830195" y="3486150"/>
+            <a:ext cx="2004695" cy="306705"/>
+          </a:xfrm>
+          <a:prstGeom prst="rect">
+            <a:avLst/>
+          </a:prstGeom>
+          <a:noFill/>
+        </p:spPr>
+        <p:txBody>
+          <a:bodyPr wrap="square" rtlCol="0">
+            <a:spAutoFit/>
+          </a:bodyPr>
+          <a:lstStyle/>
+          <a:p>
+            <a:pPr algn="ctr"/>
+            <a:r>
+              <a:rPr lang="en-US" altLang="zh-CN" sz="1400" b="1">
+                <a:solidFill>
+                  <a:srgbClr val="0070C0"/>
+                </a:solidFill>
+                <a:latin typeface="微软雅黑" panose="020B0503020204020204" charset="-122"/>
+                <a:ea typeface="微软雅黑" panose="020B0503020204020204" charset="-122"/>
+              </a:rPr>
+              <a:t>2. </a:t>
+            </a:r>
+            <a:r>
+              <a:rPr lang="zh-CN" altLang="en-US" sz="1400" b="1">
+                <a:solidFill>
+                  <a:srgbClr val="0070C0"/>
+                </a:solidFill>
+                <a:latin typeface="微软雅黑" panose="020B0503020204020204" charset="-122"/>
+                <a:ea typeface="微软雅黑" panose="020B0503020204020204" charset="-122"/>
+              </a:rPr>
+              <a:t>提取区域小图（</a:t>
+            </a:r>
+            <a:r>
+              <a:rPr lang="en-US" altLang="zh-CN" sz="1400" b="1">
+                <a:solidFill>
+                  <a:srgbClr val="0070C0"/>
+                </a:solidFill>
+                <a:latin typeface="微软雅黑" panose="020B0503020204020204" charset="-122"/>
+                <a:ea typeface="微软雅黑" panose="020B0503020204020204" charset="-122"/>
+              </a:rPr>
+              <a:t>~2K</a:t>
+            </a:r>
+            <a:r>
+              <a:rPr lang="zh-CN" altLang="en-US" sz="1400" b="1">
+                <a:solidFill>
+                  <a:srgbClr val="0070C0"/>
+                </a:solidFill>
+                <a:latin typeface="微软雅黑" panose="020B0503020204020204" charset="-122"/>
+                <a:ea typeface="微软雅黑" panose="020B0503020204020204" charset="-122"/>
+              </a:rPr>
+              <a:t>）</a:t>
+            </a:r>
+            <a:endParaRPr lang="zh-CN" altLang="en-US" sz="1400" b="1">
+              <a:solidFill>
+                <a:srgbClr val="0070C0"/>
+              </a:solidFill>
+              <a:latin typeface="微软雅黑" panose="020B0503020204020204" charset="-122"/>
+              <a:ea typeface="微软雅黑" panose="020B0503020204020204" charset="-122"/>
+            </a:endParaRPr>
+          </a:p>
+        </p:txBody>
+      </p:sp>
+      <p:sp>
+        <p:nvSpPr>
+          <p:cNvPr id="69" name="文本框 68"/>
+          <p:cNvSpPr txBox="1"/>
+          <p:nvPr/>
+        </p:nvSpPr>
+        <p:spPr>
+          <a:xfrm>
+            <a:off x="1605915" y="6038850"/>
+            <a:ext cx="2004695" cy="521970"/>
+          </a:xfrm>
+          <a:prstGeom prst="rect">
+            <a:avLst/>
+          </a:prstGeom>
+          <a:noFill/>
+        </p:spPr>
+        <p:txBody>
+          <a:bodyPr wrap="square" rtlCol="0">
+            <a:spAutoFit/>
+          </a:bodyPr>
+          <a:lstStyle/>
+          <a:p>
+            <a:pPr algn="ctr"/>
+            <a:r>
+              <a:rPr lang="zh-CN" altLang="en-US" sz="1400" b="1">
+                <a:solidFill>
+                  <a:srgbClr val="0070C0"/>
+                </a:solidFill>
+                <a:latin typeface="微软雅黑" panose="020B0503020204020204" charset="-122"/>
+                <a:ea typeface="微软雅黑" panose="020B0503020204020204" charset="-122"/>
+              </a:rPr>
+              <a:t>选择性搜索（</a:t>
+            </a:r>
+            <a:r>
+              <a:rPr lang="en-US" altLang="zh-CN" sz="1400" b="1">
+                <a:solidFill>
+                  <a:srgbClr val="0070C0"/>
+                </a:solidFill>
+                <a:latin typeface="微软雅黑" panose="020B0503020204020204" charset="-122"/>
+                <a:ea typeface="微软雅黑" panose="020B0503020204020204" charset="-122"/>
+              </a:rPr>
+              <a:t>Selective Search</a:t>
+            </a:r>
+            <a:r>
+              <a:rPr lang="zh-CN" altLang="en-US" sz="1400" b="1">
+                <a:solidFill>
+                  <a:srgbClr val="0070C0"/>
+                </a:solidFill>
+                <a:latin typeface="微软雅黑" panose="020B0503020204020204" charset="-122"/>
+                <a:ea typeface="微软雅黑" panose="020B0503020204020204" charset="-122"/>
+              </a:rPr>
+              <a:t>）</a:t>
+            </a:r>
+            <a:endParaRPr lang="zh-CN" altLang="en-US" sz="1400" b="1">
+              <a:solidFill>
+                <a:srgbClr val="0070C0"/>
+              </a:solidFill>
+              <a:latin typeface="微软雅黑" panose="020B0503020204020204" charset="-122"/>
+              <a:ea typeface="微软雅黑" panose="020B0503020204020204" charset="-122"/>
+            </a:endParaRPr>
+          </a:p>
+        </p:txBody>
+      </p:sp>
+      <p:sp>
+        <p:nvSpPr>
+          <p:cNvPr id="70" name="下箭头 69"/>
+          <p:cNvSpPr/>
+          <p:nvPr/>
+        </p:nvSpPr>
+        <p:spPr>
+          <a:xfrm>
+            <a:off x="1432560" y="4010660"/>
+            <a:ext cx="431800" cy="395605"/>
+          </a:xfrm>
+          <a:prstGeom prst="downArrow">
+            <a:avLst/>
+          </a:prstGeom>
+        </p:spPr>
+        <p:style>
+          <a:lnRef idx="3">
+            <a:schemeClr val="lt1"/>
+          </a:lnRef>
+          <a:fillRef idx="1">
+            <a:schemeClr val="accent1"/>
+          </a:fillRef>
+          <a:effectRef idx="1">
+            <a:schemeClr val="accent1"/>
+          </a:effectRef>
+          <a:fontRef idx="minor">
+            <a:schemeClr val="lt1"/>
+          </a:fontRef>
+        </p:style>
+        <p:txBody>
+          <a:bodyPr rtlCol="0" anchor="ctr"/>
+          <a:lstStyle/>
+          <a:p>
+            <a:pPr algn="ctr"/>
+            <a:endParaRPr lang="zh-CN" altLang="en-US"/>
+          </a:p>
+        </p:txBody>
+      </p:sp>
+      <p:sp>
+        <p:nvSpPr>
+          <p:cNvPr id="71" name="下箭头 70"/>
+          <p:cNvSpPr/>
+          <p:nvPr/>
+        </p:nvSpPr>
+        <p:spPr>
+          <a:xfrm rot="10800000">
+            <a:off x="3610610" y="4010660"/>
+            <a:ext cx="431800" cy="395605"/>
+          </a:xfrm>
+          <a:prstGeom prst="downArrow">
+            <a:avLst/>
+          </a:prstGeom>
+        </p:spPr>
+        <p:style>
+          <a:lnRef idx="3">
+            <a:schemeClr val="lt1"/>
+          </a:lnRef>
+          <a:fillRef idx="1">
+            <a:schemeClr val="accent1"/>
+          </a:fillRef>
+          <a:effectRef idx="1">
+            <a:schemeClr val="accent1"/>
+          </a:effectRef>
+          <a:fontRef idx="minor">
+            <a:schemeClr val="lt1"/>
+          </a:fontRef>
+        </p:style>
+        <p:txBody>
+          <a:bodyPr rtlCol="0" anchor="ctr"/>
+          <a:lstStyle/>
+          <a:p>
+            <a:pPr algn="ctr"/>
+            <a:endParaRPr lang="zh-CN" altLang="en-US"/>
+          </a:p>
+        </p:txBody>
+      </p:sp>
+      <p:sp>
+        <p:nvSpPr>
+          <p:cNvPr id="72" name="文本框 71"/>
+          <p:cNvSpPr txBox="1"/>
+          <p:nvPr/>
+        </p:nvSpPr>
+        <p:spPr>
+          <a:xfrm>
+            <a:off x="5116195" y="1313815"/>
+            <a:ext cx="1522095" cy="306705"/>
+          </a:xfrm>
+          <a:prstGeom prst="rect">
+            <a:avLst/>
+          </a:prstGeom>
+          <a:noFill/>
+        </p:spPr>
+        <p:txBody>
+          <a:bodyPr wrap="square" rtlCol="0">
+            <a:spAutoFit/>
+          </a:bodyPr>
+          <a:lstStyle/>
+          <a:p>
+            <a:pPr algn="ctr"/>
+            <a:r>
+              <a:rPr lang="zh-CN" altLang="en-US" sz="1400" b="1">
+                <a:solidFill>
+                  <a:srgbClr val="0070C0"/>
+                </a:solidFill>
+                <a:latin typeface="微软雅黑" panose="020B0503020204020204" charset="-122"/>
+                <a:ea typeface="微软雅黑" panose="020B0503020204020204" charset="-122"/>
+              </a:rPr>
+              <a:t>图像仿射扭曲</a:t>
+            </a:r>
+            <a:endParaRPr lang="zh-CN" altLang="en-US" sz="1400" b="1">
+              <a:solidFill>
+                <a:srgbClr val="0070C0"/>
+              </a:solidFill>
+              <a:latin typeface="微软雅黑" panose="020B0503020204020204" charset="-122"/>
+              <a:ea typeface="微软雅黑" panose="020B0503020204020204" charset="-122"/>
+            </a:endParaRPr>
+          </a:p>
+        </p:txBody>
+      </p:sp>
+      <p:sp>
+        <p:nvSpPr>
+          <p:cNvPr id="73" name="文本框 72"/>
+          <p:cNvSpPr txBox="1"/>
+          <p:nvPr/>
+        </p:nvSpPr>
+        <p:spPr>
+          <a:xfrm>
+            <a:off x="6907530" y="3686175"/>
+            <a:ext cx="2443480" cy="1419860"/>
+          </a:xfrm>
+          <a:prstGeom prst="rect">
+            <a:avLst/>
+          </a:prstGeom>
+          <a:noFill/>
+        </p:spPr>
+        <p:txBody>
+          <a:bodyPr wrap="square" rtlCol="0">
+            <a:spAutoFit/>
+          </a:bodyPr>
+          <a:lstStyle/>
+          <a:p>
+            <a:pPr marL="285750" indent="-285750" algn="l">
               <a:lnSpc>
-                <a:spcPct val="130000"/>
+                <a:spcPct val="90000"/>
               </a:lnSpc>
+              <a:buFont typeface="Arial" panose="020B0604020202090204" pitchFamily="34" charset="0"/>
+              <a:buChar char="•"/>
             </a:pPr>
             <a:r>
-              <a:rPr lang="zh-CN" altLang="en-US" sz="1000">
-                <a:solidFill>
-                  <a:srgbClr val="92D050"/>
-                </a:solidFill>
-                <a:latin typeface="微软雅黑" panose="020B0503020204020204" charset="-122"/>
-                <a:ea typeface="微软雅黑" panose="020B0503020204020204" charset="-122"/>
-                <a:sym typeface="+mn-ea"/>
-              </a:rPr>
-              <a:t>经过</a:t>
-            </a:r>
-            <a:r>
-              <a:rPr lang="en-US" altLang="zh-CN" sz="1000">
-                <a:solidFill>
-                  <a:srgbClr val="92D050"/>
-                </a:solidFill>
-                <a:latin typeface="微软雅黑" panose="020B0503020204020204" charset="-122"/>
-                <a:ea typeface="微软雅黑" panose="020B0503020204020204" charset="-122"/>
-                <a:sym typeface="+mn-ea"/>
-              </a:rPr>
-              <a:t>CNN</a:t>
-            </a:r>
-            <a:r>
-              <a:rPr lang="zh-CN" altLang="en-US" sz="1000">
-                <a:solidFill>
-                  <a:srgbClr val="92D050"/>
-                </a:solidFill>
-                <a:latin typeface="微软雅黑" panose="020B0503020204020204" charset="-122"/>
-                <a:ea typeface="微软雅黑" panose="020B0503020204020204" charset="-122"/>
-                <a:sym typeface="+mn-ea"/>
-              </a:rPr>
-              <a:t>后，</a:t>
-            </a:r>
-            <a:r>
-              <a:rPr lang="en-US" sz="1000">
-                <a:solidFill>
-                  <a:srgbClr val="92D050"/>
-                </a:solidFill>
-                <a:latin typeface="微软雅黑" panose="020B0503020204020204" charset="-122"/>
-                <a:ea typeface="微软雅黑" panose="020B0503020204020204" charset="-122"/>
-                <a:sym typeface="+mn-ea"/>
-              </a:rPr>
-              <a:t>2</a:t>
-            </a:r>
-            <a:r>
-              <a:rPr lang="zh-CN" altLang="en-US" sz="1000">
-                <a:solidFill>
-                  <a:srgbClr val="92D050"/>
-                </a:solidFill>
-                <a:latin typeface="微软雅黑" panose="020B0503020204020204" charset="-122"/>
-                <a:ea typeface="微软雅黑" panose="020B0503020204020204" charset="-122"/>
-                <a:sym typeface="+mn-ea"/>
-              </a:rPr>
-              <a:t>图尺度相差 </a:t>
-            </a:r>
-            <a:r>
-              <a:rPr lang="en-US" altLang="zh-CN" sz="1000" b="1">
-                <a:solidFill>
-                  <a:srgbClr val="00B050"/>
-                </a:solidFill>
-                <a:latin typeface="微软雅黑" panose="020B0503020204020204" charset="-122"/>
-                <a:ea typeface="微软雅黑" panose="020B0503020204020204" charset="-122"/>
-                <a:sym typeface="+mn-ea"/>
-              </a:rPr>
-              <a:t>16 </a:t>
-            </a:r>
-            <a:r>
-              <a:rPr lang="zh-CN" altLang="en-US" sz="1000">
-                <a:solidFill>
-                  <a:srgbClr val="92D050"/>
-                </a:solidFill>
-                <a:latin typeface="微软雅黑" panose="020B0503020204020204" charset="-122"/>
-                <a:ea typeface="微软雅黑" panose="020B0503020204020204" charset="-122"/>
-                <a:sym typeface="+mn-ea"/>
-              </a:rPr>
-              <a:t>倍</a:t>
-            </a:r>
-            <a:endParaRPr lang="en-US" sz="1000" b="1">
+              <a:rPr lang="en-US" sz="1200" b="1">
+                <a:solidFill>
+                  <a:schemeClr val="tx1">
+                    <a:lumMod val="50000"/>
+                    <a:lumOff val="50000"/>
+                  </a:schemeClr>
+                </a:solidFill>
+                <a:latin typeface="微软雅黑" panose="020B0503020204020204" charset="-122"/>
+                <a:ea typeface="微软雅黑" panose="020B0503020204020204" charset="-122"/>
+              </a:rPr>
+              <a:t>pool5</a:t>
+            </a:r>
+            <a:r>
+              <a:rPr lang="en-US" sz="1200">
+                <a:solidFill>
+                  <a:schemeClr val="tx1">
+                    <a:lumMod val="50000"/>
+                    <a:lumOff val="50000"/>
+                  </a:schemeClr>
+                </a:solidFill>
+                <a:latin typeface="微软雅黑" panose="020B0503020204020204" charset="-122"/>
+                <a:ea typeface="微软雅黑" panose="020B0503020204020204" charset="-122"/>
+              </a:rPr>
+              <a:t>: 6x6x256 = 9216 </a:t>
+            </a:r>
+            <a:r>
+              <a:rPr lang="zh-CN" altLang="en-US" sz="1200">
+                <a:solidFill>
+                  <a:schemeClr val="tx1">
+                    <a:lumMod val="50000"/>
+                    <a:lumOff val="50000"/>
+                  </a:schemeClr>
+                </a:solidFill>
+                <a:latin typeface="微软雅黑" panose="020B0503020204020204" charset="-122"/>
+                <a:ea typeface="微软雅黑" panose="020B0503020204020204" charset="-122"/>
+              </a:rPr>
+              <a:t>维</a:t>
+            </a:r>
+            <a:endParaRPr lang="zh-CN" altLang="en-US" sz="1200">
               <a:solidFill>
                 <a:schemeClr val="tx1">
                   <a:lumMod val="50000"/>
@@ -9814,75 +10284,44 @@
             </a:endParaRPr>
           </a:p>
           <a:p>
-            <a:pPr algn="ctr">
+            <a:pPr indent="0" algn="l">
               <a:lnSpc>
-                <a:spcPct val="130000"/>
+                <a:spcPct val="90000"/>
               </a:lnSpc>
+              <a:buFont typeface="Arial" panose="020B0604020202090204" pitchFamily="34" charset="0"/>
+              <a:buNone/>
             </a:pPr>
             <a:r>
-              <a:rPr lang="en-US" sz="1000">
-                <a:solidFill>
-                  <a:schemeClr val="bg1">
-                    <a:lumMod val="65000"/>
+              <a:rPr lang="en-US" altLang="zh-CN" sz="1200">
+                <a:solidFill>
+                  <a:schemeClr val="tx1">
+                    <a:lumMod val="50000"/>
+                    <a:lumOff val="50000"/>
                   </a:schemeClr>
                 </a:solidFill>
                 <a:latin typeface="微软雅黑" panose="020B0503020204020204" charset="-122"/>
                 <a:ea typeface="微软雅黑" panose="020B0503020204020204" charset="-122"/>
               </a:rPr>
-              <a:t>conv</a:t>
-            </a:r>
-            <a:r>
-              <a:rPr lang="zh-CN" altLang="en-US" sz="1000">
-                <a:solidFill>
-                  <a:schemeClr val="bg1">
-                    <a:lumMod val="65000"/>
+              <a:t>       6.5% / 15% </a:t>
+            </a:r>
+            <a:r>
+              <a:rPr lang="zh-CN" altLang="en-US" sz="1200">
+                <a:solidFill>
+                  <a:schemeClr val="tx1">
+                    <a:lumMod val="50000"/>
+                    <a:lumOff val="50000"/>
                   </a:schemeClr>
                 </a:solidFill>
                 <a:latin typeface="微软雅黑" panose="020B0503020204020204" charset="-122"/>
                 <a:ea typeface="微软雅黑" panose="020B0503020204020204" charset="-122"/>
               </a:rPr>
-              <a:t>特征图</a:t>
-            </a:r>
-            <a:r>
-              <a:rPr lang="en-US" altLang="zh-CN" sz="1000">
-                <a:solidFill>
-                  <a:schemeClr val="bg1">
-                    <a:lumMod val="65000"/>
-                  </a:schemeClr>
-                </a:solidFill>
-                <a:latin typeface="微软雅黑" panose="020B0503020204020204" charset="-122"/>
-                <a:ea typeface="微软雅黑" panose="020B0503020204020204" charset="-122"/>
-              </a:rPr>
-              <a:t>Anchor</a:t>
-            </a:r>
-            <a:r>
-              <a:rPr lang="zh-CN" altLang="en-US" sz="1000">
-                <a:solidFill>
-                  <a:schemeClr val="bg1">
-                    <a:lumMod val="65000"/>
-                  </a:schemeClr>
-                </a:solidFill>
-                <a:latin typeface="微软雅黑" panose="020B0503020204020204" charset="-122"/>
-                <a:ea typeface="微软雅黑" panose="020B0503020204020204" charset="-122"/>
-              </a:rPr>
-              <a:t>投射回原图像</a:t>
-            </a:r>
-            <a:r>
-              <a:rPr lang="en-US" altLang="zh-CN" sz="1000">
-                <a:solidFill>
-                  <a:schemeClr val="bg1">
-                    <a:lumMod val="65000"/>
-                  </a:schemeClr>
-                </a:solidFill>
-                <a:latin typeface="微软雅黑" panose="020B0503020204020204" charset="-122"/>
-                <a:ea typeface="微软雅黑" panose="020B0503020204020204" charset="-122"/>
-              </a:rPr>
-              <a:t>, </a:t>
-            </a:r>
-            <a:endParaRPr lang="en-US" altLang="zh-CN" sz="1000">
+              <a:t>非零</a:t>
+            </a:r>
+            <a:endParaRPr lang="zh-CN" altLang="en-US" sz="1200">
               <a:solidFill>
-                <a:schemeClr val="bg1">
-                  <a:lumMod val="65000"/>
+                <a:schemeClr val="tx1">
+                  <a:lumMod val="50000"/>
+                  <a:lumOff val="50000"/>
                 </a:schemeClr>
               </a:solidFill>
               <a:latin typeface="微软雅黑" panose="020B0503020204020204" charset="-122"/>
@@ -9890,102 +10329,76 @@
             </a:endParaRPr>
           </a:p>
           <a:p>
-            <a:pPr algn="ctr">
+            <a:pPr marL="285750" indent="-285750" algn="l">
               <a:lnSpc>
-                <a:spcPct val="130000"/>
+                <a:spcPct val="90000"/>
               </a:lnSpc>
+              <a:buFont typeface="Arial" panose="020B0604020202090204" pitchFamily="34" charset="0"/>
+              <a:buChar char="•"/>
             </a:pPr>
-            <a:r>
-              <a:rPr lang="zh-CN" altLang="en-US" sz="1000">
-                <a:solidFill>
-                  <a:schemeClr val="bg1">
-                    <a:lumMod val="65000"/>
-                  </a:schemeClr>
-                </a:solidFill>
-                <a:latin typeface="微软雅黑" panose="020B0503020204020204" charset="-122"/>
-                <a:ea typeface="微软雅黑" panose="020B0503020204020204" charset="-122"/>
-              </a:rPr>
-              <a:t>特征图像素点作为原图</a:t>
-            </a:r>
-            <a:r>
-              <a:rPr lang="en-US" altLang="zh-CN" sz="1000">
-                <a:solidFill>
-                  <a:schemeClr val="bg1">
-                    <a:lumMod val="65000"/>
-                  </a:schemeClr>
-                </a:solidFill>
-                <a:latin typeface="微软雅黑" panose="020B0503020204020204" charset="-122"/>
-                <a:ea typeface="微软雅黑" panose="020B0503020204020204" charset="-122"/>
-              </a:rPr>
-              <a:t>Anchor Box </a:t>
-            </a:r>
-            <a:r>
-              <a:rPr lang="zh-CN" altLang="en-US" sz="1000">
-                <a:solidFill>
-                  <a:schemeClr val="bg1">
-                    <a:lumMod val="65000"/>
-                  </a:schemeClr>
-                </a:solidFill>
-                <a:latin typeface="微软雅黑" panose="020B0503020204020204" charset="-122"/>
-                <a:ea typeface="微软雅黑" panose="020B0503020204020204" charset="-122"/>
-              </a:rPr>
-              <a:t>中心点</a:t>
-            </a:r>
-            <a:endParaRPr lang="zh-CN" altLang="en-US" sz="1000">
+            <a:endParaRPr lang="zh-CN" altLang="en-US" sz="1200">
               <a:solidFill>
-                <a:schemeClr val="bg1">
-                  <a:lumMod val="65000"/>
+                <a:schemeClr val="tx1">
+                  <a:lumMod val="50000"/>
+                  <a:lumOff val="50000"/>
                 </a:schemeClr>
               </a:solidFill>
               <a:latin typeface="微软雅黑" panose="020B0503020204020204" charset="-122"/>
               <a:ea typeface="微软雅黑" panose="020B0503020204020204" charset="-122"/>
             </a:endParaRPr>
           </a:p>
-        </p:txBody>
-      </p:sp>
-      <p:sp>
-        <p:nvSpPr>
-          <p:cNvPr id="23" name="文本框 22"/>
-          <p:cNvSpPr txBox="1"/>
-          <p:nvPr/>
-        </p:nvSpPr>
-        <p:spPr>
-          <a:xfrm>
-            <a:off x="3083560" y="5828030"/>
-            <a:ext cx="1064895" cy="645160"/>
-          </a:xfrm>
-          <a:prstGeom prst="rect">
-            <a:avLst/>
-          </a:prstGeom>
-          <a:noFill/>
-        </p:spPr>
-        <p:txBody>
-          <a:bodyPr wrap="square" rtlCol="0">
-            <a:spAutoFit/>
-          </a:bodyPr>
-          <a:lstStyle/>
-          <a:p>
-            <a:pPr algn="ctr">
+          <a:p>
+            <a:pPr marL="285750" indent="-285750" algn="l">
               <a:lnSpc>
-                <a:spcPct val="120000"/>
+                <a:spcPct val="90000"/>
               </a:lnSpc>
+              <a:buFont typeface="Arial" panose="020B0604020202090204" pitchFamily="34" charset="0"/>
+              <a:buChar char="•"/>
             </a:pPr>
             <a:r>
-              <a:rPr lang="zh-CN" altLang="en-US" sz="1000">
-                <a:solidFill>
-                  <a:schemeClr val="bg1">
-                    <a:lumMod val="65000"/>
+              <a:rPr lang="en-US" altLang="zh-CN" sz="1200" b="1">
+                <a:solidFill>
+                  <a:schemeClr val="tx1">
+                    <a:lumMod val="50000"/>
+                    <a:lumOff val="50000"/>
                   </a:schemeClr>
                 </a:solidFill>
                 <a:latin typeface="微软雅黑" panose="020B0503020204020204" charset="-122"/>
                 <a:ea typeface="微软雅黑" panose="020B0503020204020204" charset="-122"/>
               </a:rPr>
-              <a:t>中心点</a:t>
-            </a:r>
-            <a:endParaRPr lang="zh-CN" altLang="en-US" sz="1000">
+              <a:t>fc6</a:t>
+            </a:r>
+            <a:r>
+              <a:rPr lang="en-US" altLang="zh-CN" sz="1200">
+                <a:solidFill>
+                  <a:schemeClr val="tx1">
+                    <a:lumMod val="50000"/>
+                    <a:lumOff val="50000"/>
+                  </a:schemeClr>
+                </a:solidFill>
+                <a:latin typeface="微软雅黑" panose="020B0503020204020204" charset="-122"/>
+                <a:ea typeface="微软雅黑" panose="020B0503020204020204" charset="-122"/>
+              </a:rPr>
+              <a:t>: 4096 </a:t>
+            </a:r>
+            <a:r>
+              <a:rPr lang="zh-CN" altLang="en-US" sz="1200">
+                <a:solidFill>
+                  <a:schemeClr val="tx1">
+                    <a:lumMod val="50000"/>
+                    <a:lumOff val="50000"/>
+                  </a:schemeClr>
+                </a:solidFill>
+                <a:latin typeface="微软雅黑" panose="020B0503020204020204" charset="-122"/>
+                <a:ea typeface="微软雅黑" panose="020B0503020204020204" charset="-122"/>
+              </a:rPr>
+              <a:t>维</a:t>
+            </a:r>
+            <a:endParaRPr lang="zh-CN" altLang="en-US" sz="1200">
               <a:solidFill>
-                <a:schemeClr val="bg1">
-                  <a:lumMod val="65000"/>
+                <a:schemeClr val="tx1">
+                  <a:lumMod val="50000"/>
+                  <a:lumOff val="50000"/>
                 </a:schemeClr>
               </a:solidFill>
               <a:latin typeface="微软雅黑" panose="020B0503020204020204" charset="-122"/>
@@ -9993,136 +10406,44 @@
             </a:endParaRPr>
           </a:p>
           <a:p>
-            <a:pPr algn="ctr">
+            <a:pPr indent="0" algn="l">
               <a:lnSpc>
-                <a:spcPct val="120000"/>
+                <a:spcPct val="90000"/>
               </a:lnSpc>
+              <a:buFont typeface="Arial" panose="020B0604020202090204" pitchFamily="34" charset="0"/>
+              <a:buNone/>
             </a:pPr>
             <a:r>
-              <a:rPr lang="en-US" altLang="zh-CN" sz="1000">
-                <a:solidFill>
-                  <a:schemeClr val="bg1">
-                    <a:lumMod val="65000"/>
+              <a:rPr lang="en-US" altLang="zh-CN" sz="1200">
+                <a:solidFill>
+                  <a:schemeClr val="tx1">
+                    <a:lumMod val="50000"/>
+                    <a:lumOff val="50000"/>
                   </a:schemeClr>
                 </a:solidFill>
                 <a:latin typeface="微软雅黑" panose="020B0503020204020204" charset="-122"/>
                 <a:ea typeface="微软雅黑" panose="020B0503020204020204" charset="-122"/>
               </a:rPr>
-              <a:t>3</a:t>
-            </a:r>
-            <a:r>
-              <a:rPr lang="zh-CN" altLang="en-US" sz="1000">
-                <a:solidFill>
-                  <a:schemeClr val="bg1">
-                    <a:lumMod val="65000"/>
+              <a:t>       71.2% / 20% </a:t>
+            </a:r>
+            <a:r>
+              <a:rPr lang="zh-CN" altLang="en-US" sz="1200">
+                <a:solidFill>
+                  <a:schemeClr val="tx1">
+                    <a:lumMod val="50000"/>
+                    <a:lumOff val="50000"/>
                   </a:schemeClr>
                 </a:solidFill>
                 <a:latin typeface="微软雅黑" panose="020B0503020204020204" charset="-122"/>
                 <a:ea typeface="微软雅黑" panose="020B0503020204020204" charset="-122"/>
               </a:rPr>
-              <a:t>尺度 </a:t>
-            </a:r>
-            <a:r>
-              <a:rPr lang="en-US" altLang="zh-CN" sz="1000">
-                <a:solidFill>
-                  <a:schemeClr val="bg1">
-                    <a:lumMod val="65000"/>
-                  </a:schemeClr>
-                </a:solidFill>
-                <a:latin typeface="微软雅黑" panose="020B0503020204020204" charset="-122"/>
-                <a:ea typeface="微软雅黑" panose="020B0503020204020204" charset="-122"/>
-              </a:rPr>
-              <a:t>&amp; 3</a:t>
-            </a:r>
-            <a:r>
-              <a:rPr lang="zh-CN" altLang="en-US" sz="1000">
-                <a:solidFill>
-                  <a:schemeClr val="bg1">
-                    <a:lumMod val="65000"/>
-                  </a:schemeClr>
-                </a:solidFill>
-                <a:latin typeface="微软雅黑" panose="020B0503020204020204" charset="-122"/>
-                <a:ea typeface="微软雅黑" panose="020B0503020204020204" charset="-122"/>
-              </a:rPr>
-              <a:t>比例</a:t>
-            </a:r>
-            <a:endParaRPr lang="zh-CN" altLang="en-US" sz="1000">
+              <a:t>非零</a:t>
+            </a:r>
+            <a:endParaRPr lang="zh-CN" altLang="en-US" sz="1200">
               <a:solidFill>
-                <a:srgbClr val="FC0280"/>
-              </a:solidFill>
-              <a:latin typeface="微软雅黑" panose="020B0503020204020204" charset="-122"/>
-              <a:ea typeface="微软雅黑" panose="020B0503020204020204" charset="-122"/>
-            </a:endParaRPr>
-          </a:p>
-          <a:p>
-            <a:pPr algn="ctr">
-              <a:lnSpc>
-                <a:spcPct val="120000"/>
-              </a:lnSpc>
-            </a:pPr>
-            <a:r>
-              <a:rPr lang="en-US" altLang="zh-CN" sz="1000" b="1">
-                <a:solidFill>
-                  <a:schemeClr val="tx1"/>
-                </a:solidFill>
-                <a:latin typeface="微软雅黑" panose="020B0503020204020204" charset="-122"/>
-                <a:ea typeface="微软雅黑" panose="020B0503020204020204" charset="-122"/>
-              </a:rPr>
-              <a:t>3x3=9</a:t>
-            </a:r>
-            <a:endParaRPr lang="en-US" altLang="zh-CN" sz="1000" b="1">
-              <a:solidFill>
-                <a:schemeClr val="tx1"/>
-              </a:solidFill>
-              <a:latin typeface="微软雅黑" panose="020B0503020204020204" charset="-122"/>
-              <a:ea typeface="微软雅黑" panose="020B0503020204020204" charset="-122"/>
-            </a:endParaRPr>
-          </a:p>
-        </p:txBody>
-      </p:sp>
-      <p:sp>
-        <p:nvSpPr>
-          <p:cNvPr id="24" name="文本框 23"/>
-          <p:cNvSpPr txBox="1"/>
-          <p:nvPr/>
-        </p:nvSpPr>
-        <p:spPr>
-          <a:xfrm>
-            <a:off x="3914140" y="5955665"/>
-            <a:ext cx="1273175" cy="460375"/>
-          </a:xfrm>
-          <a:prstGeom prst="rect">
-            <a:avLst/>
-          </a:prstGeom>
-          <a:noFill/>
-        </p:spPr>
-        <p:txBody>
-          <a:bodyPr wrap="square" rtlCol="0">
-            <a:spAutoFit/>
-          </a:bodyPr>
-          <a:lstStyle/>
-          <a:p>
-            <a:pPr algn="ctr">
-              <a:lnSpc>
-                <a:spcPct val="120000"/>
-              </a:lnSpc>
-            </a:pPr>
-            <a:r>
-              <a:rPr lang="en-US" sz="1000">
-                <a:solidFill>
-                  <a:schemeClr val="bg1">
-                    <a:lumMod val="65000"/>
-                  </a:schemeClr>
-                </a:solidFill>
-                <a:latin typeface="微软雅黑" panose="020B0503020204020204" charset="-122"/>
-                <a:ea typeface="微软雅黑" panose="020B0503020204020204" charset="-122"/>
-              </a:rPr>
-              <a:t>Anchor Box</a:t>
-            </a:r>
-            <a:endParaRPr lang="en-US" sz="1000">
-              <a:solidFill>
-                <a:schemeClr val="bg1">
-                  <a:lumMod val="65000"/>
+                <a:schemeClr val="tx1">
+                  <a:lumMod val="50000"/>
+                  <a:lumOff val="50000"/>
                 </a:schemeClr>
               </a:solidFill>
               <a:latin typeface="微软雅黑" panose="020B0503020204020204" charset="-122"/>
@@ -10130,78 +10451,79 @@
             </a:endParaRPr>
           </a:p>
           <a:p>
-            <a:pPr algn="ctr">
+            <a:pPr marL="285750" indent="-285750" algn="l">
               <a:lnSpc>
-                <a:spcPct val="120000"/>
+                <a:spcPct val="90000"/>
               </a:lnSpc>
+              <a:buFont typeface="Arial" panose="020B0604020202090204" pitchFamily="34" charset="0"/>
+              <a:buChar char="•"/>
             </a:pPr>
-            <a:r>
-              <a:rPr lang="zh-CN" altLang="en-US" sz="1000">
-                <a:solidFill>
-                  <a:schemeClr val="bg1">
-                    <a:lumMod val="65000"/>
-                  </a:schemeClr>
-                </a:solidFill>
-                <a:latin typeface="微软雅黑" panose="020B0503020204020204" charset="-122"/>
-                <a:ea typeface="微软雅黑" panose="020B0503020204020204" charset="-122"/>
-              </a:rPr>
-              <a:t>在原图中的显示</a:t>
-            </a:r>
-            <a:endParaRPr lang="zh-CN" altLang="en-US" sz="1000">
+            <a:endParaRPr lang="zh-CN" altLang="en-US" sz="1200">
               <a:solidFill>
-                <a:schemeClr val="bg1">
-                  <a:lumMod val="65000"/>
+                <a:schemeClr val="tx1">
+                  <a:lumMod val="50000"/>
+                  <a:lumOff val="50000"/>
                 </a:schemeClr>
               </a:solidFill>
               <a:latin typeface="微软雅黑" panose="020B0503020204020204" charset="-122"/>
               <a:ea typeface="微软雅黑" panose="020B0503020204020204" charset="-122"/>
             </a:endParaRPr>
           </a:p>
-        </p:txBody>
-      </p:sp>
-      <p:sp>
-        <p:nvSpPr>
-          <p:cNvPr id="25" name="文本框 24"/>
-          <p:cNvSpPr txBox="1"/>
-          <p:nvPr/>
-        </p:nvSpPr>
-        <p:spPr>
-          <a:xfrm>
-            <a:off x="5017135" y="5859145"/>
-            <a:ext cx="1299210" cy="645160"/>
-          </a:xfrm>
-          <a:prstGeom prst="rect">
-            <a:avLst/>
-          </a:prstGeom>
-          <a:noFill/>
-        </p:spPr>
-        <p:txBody>
-          <a:bodyPr wrap="square" rtlCol="0">
-            <a:spAutoFit/>
-          </a:bodyPr>
-          <a:lstStyle/>
-          <a:p>
-            <a:pPr algn="ctr">
+          <a:p>
+            <a:pPr marL="285750" indent="-285750" algn="l">
               <a:lnSpc>
-                <a:spcPct val="120000"/>
+                <a:spcPct val="90000"/>
               </a:lnSpc>
+              <a:buFont typeface="Arial" panose="020B0604020202090204" pitchFamily="34" charset="0"/>
+              <a:buChar char="•"/>
             </a:pPr>
             <a:r>
-              <a:rPr lang="zh-CN" altLang="en-US" sz="1000" dirty="0">
-                <a:solidFill>
-                  <a:schemeClr val="bg1">
-                    <a:lumMod val="65000"/>
+              <a:rPr lang="en-US" altLang="zh-CN" sz="1200" b="1">
+                <a:solidFill>
+                  <a:schemeClr val="tx1">
+                    <a:lumMod val="50000"/>
+                    <a:lumOff val="50000"/>
                   </a:schemeClr>
                 </a:solidFill>
                 <a:latin typeface="微软雅黑" panose="020B0503020204020204" charset="-122"/>
                 <a:ea typeface="微软雅黑" panose="020B0503020204020204" charset="-122"/>
-              </a:rPr>
-              <a:t>原图中所有的</a:t>
-            </a:r>
-            <a:endParaRPr lang="zh-CN" altLang="en-US" sz="1000" dirty="0">
+                <a:sym typeface="+mn-ea"/>
+              </a:rPr>
+              <a:t>fc7</a:t>
+            </a:r>
+            <a:r>
+              <a:rPr lang="en-US" altLang="zh-CN" sz="1200">
+                <a:solidFill>
+                  <a:schemeClr val="tx1">
+                    <a:lumMod val="50000"/>
+                    <a:lumOff val="50000"/>
+                  </a:schemeClr>
+                </a:solidFill>
+                <a:latin typeface="微软雅黑" panose="020B0503020204020204" charset="-122"/>
+                <a:ea typeface="微软雅黑" panose="020B0503020204020204" charset="-122"/>
+                <a:sym typeface="+mn-ea"/>
+              </a:rPr>
+              <a:t>: 4096 </a:t>
+            </a:r>
+            <a:r>
+              <a:rPr lang="zh-CN" altLang="en-US" sz="1200">
+                <a:solidFill>
+                  <a:schemeClr val="tx1">
+                    <a:lumMod val="50000"/>
+                    <a:lumOff val="50000"/>
+                  </a:schemeClr>
+                </a:solidFill>
+                <a:latin typeface="微软雅黑" panose="020B0503020204020204" charset="-122"/>
+                <a:ea typeface="微软雅黑" panose="020B0503020204020204" charset="-122"/>
+                <a:sym typeface="+mn-ea"/>
+              </a:rPr>
+              <a:t>维</a:t>
+            </a:r>
+            <a:endParaRPr lang="zh-CN" altLang="en-US" sz="1200">
               <a:solidFill>
-                <a:schemeClr val="bg1">
-                  <a:lumMod val="65000"/>
+                <a:schemeClr val="tx1">
+                  <a:lumMod val="50000"/>
+                  <a:lumOff val="50000"/>
                 </a:schemeClr>
               </a:solidFill>
               <a:latin typeface="微软雅黑" panose="020B0503020204020204" charset="-122"/>
@@ -10209,28 +10531,46 @@
             </a:endParaRPr>
           </a:p>
           <a:p>
-            <a:pPr algn="ctr">
+            <a:pPr indent="0" algn="l">
               <a:lnSpc>
-                <a:spcPct val="120000"/>
+                <a:spcPct val="90000"/>
               </a:lnSpc>
+              <a:buFont typeface="Arial" panose="020B0604020202090204" pitchFamily="34" charset="0"/>
+              <a:buNone/>
             </a:pPr>
             <a:r>
-              <a:rPr lang="en-US" sz="1000" dirty="0">
-                <a:solidFill>
-                  <a:schemeClr val="bg1">
-                    <a:lumMod val="65000"/>
+              <a:rPr lang="en-US" altLang="zh-CN" sz="1200">
+                <a:solidFill>
+                  <a:schemeClr val="tx1">
+                    <a:lumMod val="50000"/>
+                    <a:lumOff val="50000"/>
                   </a:schemeClr>
                 </a:solidFill>
                 <a:latin typeface="微软雅黑" panose="020B0503020204020204" charset="-122"/>
                 <a:ea typeface="微软雅黑" panose="020B0503020204020204" charset="-122"/>
                 <a:sym typeface="+mn-ea"/>
               </a:rPr>
-              <a:t>Anchor Box</a:t>
-            </a:r>
-            <a:endParaRPr lang="en-US" sz="1000" dirty="0">
+              <a:t>       100% / 20% </a:t>
+            </a:r>
+            <a:r>
+              <a:rPr lang="zh-CN" altLang="en-US" sz="1200">
+                <a:solidFill>
+                  <a:schemeClr val="tx1">
+                    <a:lumMod val="50000"/>
+                    <a:lumOff val="50000"/>
+                  </a:schemeClr>
+                </a:solidFill>
+                <a:latin typeface="微软雅黑" panose="020B0503020204020204" charset="-122"/>
+                <a:ea typeface="微软雅黑" panose="020B0503020204020204" charset="-122"/>
+                <a:sym typeface="+mn-ea"/>
+              </a:rPr>
+              <a:t>非零</a:t>
+            </a:r>
+            <a:endParaRPr lang="zh-CN" altLang="en-US" sz="1200">
               <a:solidFill>
-                <a:schemeClr val="bg1">
-                  <a:lumMod val="65000"/>
+                <a:schemeClr val="tx1">
+                  <a:lumMod val="50000"/>
+                  <a:lumOff val="50000"/>
                 </a:schemeClr>
               </a:solidFill>
               <a:latin typeface="微软雅黑" panose="020B0503020204020204" charset="-122"/>
@@ -10238,43 +10578,18 @@
               <a:sym typeface="+mn-ea"/>
             </a:endParaRPr>
           </a:p>
-          <a:p>
-            <a:pPr algn="ctr">
-              <a:lnSpc>
-                <a:spcPct val="120000"/>
-              </a:lnSpc>
-            </a:pPr>
-            <a:r>
-              <a:rPr lang="en-US" altLang="zh-CN" sz="1000" b="1" dirty="0">
-                <a:latin typeface="微软雅黑" panose="020B0503020204020204" charset="-122"/>
-                <a:ea typeface="微软雅黑" panose="020B0503020204020204" charset="-122"/>
-                <a:sym typeface="+mn-ea"/>
-              </a:rPr>
-              <a:t>1900 x 9 = 17100</a:t>
-            </a:r>
-            <a:endParaRPr lang="en-US" altLang="zh-CN" sz="1000" b="1" dirty="0">
-              <a:solidFill>
-                <a:schemeClr val="bg1">
-                  <a:lumMod val="65000"/>
-                </a:schemeClr>
-              </a:solidFill>
-              <a:latin typeface="微软雅黑" panose="020B0503020204020204" charset="-122"/>
-              <a:ea typeface="微软雅黑" panose="020B0503020204020204" charset="-122"/>
-              <a:sym typeface="+mn-ea"/>
-            </a:endParaRPr>
-          </a:p>
-        </p:txBody>
-      </p:sp>
-      <p:sp>
-        <p:nvSpPr>
-          <p:cNvPr id="46" name="文本框 45"/>
+        </p:txBody>
+      </p:sp>
+      <p:sp>
+        <p:nvSpPr>
+          <p:cNvPr id="82" name="文本框 81"/>
           <p:cNvSpPr txBox="1"/>
           <p:nvPr/>
         </p:nvSpPr>
         <p:spPr>
           <a:xfrm>
-            <a:off x="6163945" y="5863590"/>
-            <a:ext cx="1908175" cy="737235"/>
+            <a:off x="9102090" y="4128770"/>
+            <a:ext cx="2555875" cy="995045"/>
           </a:xfrm>
           <a:prstGeom prst="rect">
             <a:avLst/>
@@ -10293,138 +10608,460 @@
               </a:lnSpc>
             </a:pPr>
             <a:r>
-              <a:rPr lang="en-US" sz="1000">
-                <a:solidFill>
-                  <a:schemeClr val="bg1">
-                    <a:lumMod val="65000"/>
+              <a:rPr lang="zh-CN" altLang="en-US" sz="1400" b="1">
+                <a:solidFill>
+                  <a:schemeClr val="tx1">
+                    <a:lumMod val="50000"/>
+                    <a:lumOff val="50000"/>
                   </a:schemeClr>
                 </a:solidFill>
                 <a:latin typeface="微软雅黑" panose="020B0503020204020204" charset="-122"/>
                 <a:ea typeface="微软雅黑" panose="020B0503020204020204" charset="-122"/>
               </a:rPr>
-              <a:t> 3</a:t>
-            </a:r>
-            <a:r>
-              <a:rPr lang="zh-CN" altLang="en-US" sz="1000">
-                <a:solidFill>
-                  <a:schemeClr val="bg1">
-                    <a:lumMod val="65000"/>
+              <a:t>删除旧分类器</a:t>
+            </a:r>
+            <a:r>
+              <a:rPr lang="en-US" altLang="zh-CN" sz="1400" b="1">
+                <a:solidFill>
+                  <a:schemeClr val="tx1">
+                    <a:lumMod val="50000"/>
+                    <a:lumOff val="50000"/>
                   </a:schemeClr>
                 </a:solidFill>
                 <a:latin typeface="微软雅黑" panose="020B0503020204020204" charset="-122"/>
                 <a:ea typeface="微软雅黑" panose="020B0503020204020204" charset="-122"/>
               </a:rPr>
-              <a:t>尺度 </a:t>
-            </a:r>
-            <a:r>
-              <a:rPr lang="en-US" altLang="zh-CN" sz="1000">
-                <a:solidFill>
-                  <a:schemeClr val="bg1">
-                    <a:lumMod val="65000"/>
+              <a:t>Softmax</a:t>
+            </a:r>
+            <a:endParaRPr lang="en-US" altLang="zh-CN" sz="1400" b="1">
+              <a:solidFill>
+                <a:srgbClr val="0070C0"/>
+              </a:solidFill>
+              <a:latin typeface="微软雅黑" panose="020B0503020204020204" charset="-122"/>
+              <a:ea typeface="微软雅黑" panose="020B0503020204020204" charset="-122"/>
+            </a:endParaRPr>
+          </a:p>
+          <a:p>
+            <a:pPr algn="ctr">
+              <a:lnSpc>
+                <a:spcPct val="140000"/>
+              </a:lnSpc>
+            </a:pPr>
+            <a:r>
+              <a:rPr lang="zh-CN" altLang="en-US" sz="1400" b="1">
+                <a:solidFill>
+                  <a:srgbClr val="0070C0"/>
+                </a:solidFill>
+                <a:latin typeface="微软雅黑" panose="020B0503020204020204" charset="-122"/>
+                <a:ea typeface="微软雅黑" panose="020B0503020204020204" charset="-122"/>
+              </a:rPr>
+              <a:t>每一类都训练一个</a:t>
+            </a:r>
+            <a:endParaRPr lang="zh-CN" altLang="en-US" sz="1400" b="1">
+              <a:solidFill>
+                <a:srgbClr val="0070C0"/>
+              </a:solidFill>
+              <a:latin typeface="微软雅黑" panose="020B0503020204020204" charset="-122"/>
+              <a:ea typeface="微软雅黑" panose="020B0503020204020204" charset="-122"/>
+            </a:endParaRPr>
+          </a:p>
+          <a:p>
+            <a:pPr algn="ctr">
+              <a:lnSpc>
+                <a:spcPct val="140000"/>
+              </a:lnSpc>
+            </a:pPr>
+            <a:r>
+              <a:rPr lang="zh-CN" altLang="en-US" sz="1400" b="1">
+                <a:solidFill>
+                  <a:srgbClr val="0070C0"/>
+                </a:solidFill>
+                <a:latin typeface="微软雅黑" panose="020B0503020204020204" charset="-122"/>
+                <a:ea typeface="微软雅黑" panose="020B0503020204020204" charset="-122"/>
+              </a:rPr>
+              <a:t>二值</a:t>
+            </a:r>
+            <a:r>
+              <a:rPr lang="en-US" altLang="zh-CN" sz="1400" b="1">
+                <a:solidFill>
+                  <a:srgbClr val="0070C0"/>
+                </a:solidFill>
+                <a:latin typeface="微软雅黑" panose="020B0503020204020204" charset="-122"/>
+                <a:ea typeface="微软雅黑" panose="020B0503020204020204" charset="-122"/>
+              </a:rPr>
+              <a:t>SVM</a:t>
+            </a:r>
+            <a:r>
+              <a:rPr lang="zh-CN" altLang="en-US" sz="1400" b="1">
+                <a:solidFill>
+                  <a:srgbClr val="0070C0"/>
+                </a:solidFill>
+                <a:latin typeface="微软雅黑" panose="020B0503020204020204" charset="-122"/>
+                <a:ea typeface="微软雅黑" panose="020B0503020204020204" charset="-122"/>
+              </a:rPr>
+              <a:t>分类器（物体</a:t>
+            </a:r>
+            <a:r>
+              <a:rPr lang="en-US" altLang="zh-CN" sz="1400" b="1">
+                <a:solidFill>
+                  <a:srgbClr val="0070C0"/>
+                </a:solidFill>
+                <a:latin typeface="微软雅黑" panose="020B0503020204020204" charset="-122"/>
+                <a:ea typeface="微软雅黑" panose="020B0503020204020204" charset="-122"/>
+              </a:rPr>
+              <a:t>+</a:t>
+            </a:r>
+            <a:r>
+              <a:rPr lang="zh-CN" altLang="en-US" sz="1400" b="1">
+                <a:solidFill>
+                  <a:srgbClr val="0070C0"/>
+                </a:solidFill>
+                <a:latin typeface="微软雅黑" panose="020B0503020204020204" charset="-122"/>
+                <a:ea typeface="微软雅黑" panose="020B0503020204020204" charset="-122"/>
+              </a:rPr>
+              <a:t>背景）</a:t>
+            </a:r>
+            <a:endParaRPr lang="zh-CN" altLang="en-US" sz="1400" b="1">
+              <a:solidFill>
+                <a:srgbClr val="0070C0"/>
+              </a:solidFill>
+              <a:latin typeface="微软雅黑" panose="020B0503020204020204" charset="-122"/>
+              <a:ea typeface="微软雅黑" panose="020B0503020204020204" charset="-122"/>
+            </a:endParaRPr>
+          </a:p>
+        </p:txBody>
+      </p:sp>
+      <p:sp>
+        <p:nvSpPr>
+          <p:cNvPr id="87" name="文本框 86"/>
+          <p:cNvSpPr txBox="1"/>
+          <p:nvPr/>
+        </p:nvSpPr>
+        <p:spPr>
+          <a:xfrm>
+            <a:off x="5805170" y="5306060"/>
+            <a:ext cx="5139055" cy="694055"/>
+          </a:xfrm>
+          <a:prstGeom prst="rect">
+            <a:avLst/>
+          </a:prstGeom>
+          <a:noFill/>
+        </p:spPr>
+        <p:txBody>
+          <a:bodyPr wrap="square" rtlCol="0">
+            <a:spAutoFit/>
+          </a:bodyPr>
+          <a:lstStyle/>
+          <a:p>
+            <a:pPr algn="ctr">
+              <a:lnSpc>
+                <a:spcPct val="140000"/>
+              </a:lnSpc>
+            </a:pPr>
+            <a:r>
+              <a:rPr lang="zh-CN" altLang="en-US" sz="1600" b="1" u="sng">
+                <a:solidFill>
+                  <a:srgbClr val="C00000"/>
+                </a:solidFill>
+                <a:latin typeface="微软雅黑" panose="020B0503020204020204" charset="-122"/>
+                <a:ea typeface="微软雅黑" panose="020B0503020204020204" charset="-122"/>
+              </a:rPr>
+              <a:t>分类</a:t>
+            </a:r>
+            <a:r>
+              <a:rPr lang="zh-CN" altLang="en-US" sz="1600" b="1">
+                <a:solidFill>
+                  <a:srgbClr val="C00000"/>
+                </a:solidFill>
+                <a:latin typeface="微软雅黑" panose="020B0503020204020204" charset="-122"/>
+                <a:ea typeface="微软雅黑" panose="020B0503020204020204" charset="-122"/>
+              </a:rPr>
+              <a:t>    </a:t>
+            </a:r>
+            <a:r>
+              <a:rPr lang="en-US" altLang="zh-CN" sz="1600" b="1">
+                <a:solidFill>
+                  <a:srgbClr val="C00000"/>
+                </a:solidFill>
+                <a:latin typeface="微软雅黑" panose="020B0503020204020204" charset="-122"/>
+                <a:ea typeface="微软雅黑" panose="020B0503020204020204" charset="-122"/>
+              </a:rPr>
+              <a:t>	+      	 </a:t>
+            </a:r>
+            <a:r>
+              <a:rPr lang="zh-CN" altLang="en-US" sz="1600" b="1" u="sng">
+                <a:solidFill>
+                  <a:srgbClr val="C00000"/>
+                </a:solidFill>
+                <a:latin typeface="微软雅黑" panose="020B0503020204020204" charset="-122"/>
+                <a:ea typeface="微软雅黑" panose="020B0503020204020204" charset="-122"/>
+              </a:rPr>
+              <a:t>定位</a:t>
+            </a:r>
+            <a:r>
+              <a:rPr lang="zh-CN" altLang="en-US" sz="1600" b="1">
+                <a:solidFill>
+                  <a:srgbClr val="C00000"/>
+                </a:solidFill>
+                <a:latin typeface="微软雅黑" panose="020B0503020204020204" charset="-122"/>
+                <a:ea typeface="微软雅黑" panose="020B0503020204020204" charset="-122"/>
+              </a:rPr>
+              <a:t> </a:t>
+            </a:r>
+            <a:r>
+              <a:rPr lang="en-US" altLang="zh-CN" sz="1600" b="1">
+                <a:solidFill>
+                  <a:srgbClr val="C00000"/>
+                </a:solidFill>
+                <a:latin typeface="微软雅黑" panose="020B0503020204020204" charset="-122"/>
+                <a:ea typeface="微软雅黑" panose="020B0503020204020204" charset="-122"/>
+              </a:rPr>
+              <a:t>	</a:t>
+            </a:r>
+            <a:r>
+              <a:rPr lang="zh-CN" altLang="en-US" sz="1600" b="1">
+                <a:solidFill>
+                  <a:srgbClr val="C00000"/>
+                </a:solidFill>
+                <a:latin typeface="微软雅黑" panose="020B0503020204020204" charset="-122"/>
+                <a:ea typeface="微软雅黑" panose="020B0503020204020204" charset="-122"/>
+              </a:rPr>
+              <a:t>        </a:t>
+            </a:r>
+            <a:r>
+              <a:rPr lang="en-US" altLang="zh-CN" sz="1600" b="1">
+                <a:solidFill>
+                  <a:srgbClr val="C00000"/>
+                </a:solidFill>
+                <a:latin typeface="微软雅黑" panose="020B0503020204020204" charset="-122"/>
+                <a:ea typeface="微软雅黑" panose="020B0503020204020204" charset="-122"/>
+              </a:rPr>
+              <a:t>+  	  </a:t>
+            </a:r>
+            <a:r>
+              <a:rPr lang="zh-CN" altLang="en-US" sz="1600" b="1" u="sng">
+                <a:solidFill>
+                  <a:srgbClr val="C00000"/>
+                </a:solidFill>
+                <a:latin typeface="微软雅黑" panose="020B0503020204020204" charset="-122"/>
+                <a:ea typeface="微软雅黑" panose="020B0503020204020204" charset="-122"/>
+              </a:rPr>
+              <a:t>检测</a:t>
+            </a:r>
+            <a:endParaRPr lang="zh-CN" altLang="en-US" sz="1600" b="1" u="sng">
+              <a:solidFill>
+                <a:srgbClr val="C00000"/>
+              </a:solidFill>
+              <a:latin typeface="微软雅黑" panose="020B0503020204020204" charset="-122"/>
+              <a:ea typeface="微软雅黑" panose="020B0503020204020204" charset="-122"/>
+            </a:endParaRPr>
+          </a:p>
+          <a:p>
+            <a:pPr algn="ctr">
+              <a:lnSpc>
+                <a:spcPct val="140000"/>
+              </a:lnSpc>
+            </a:pPr>
+            <a:r>
+              <a:rPr lang="en-US" altLang="zh-CN" sz="1200" b="1">
+                <a:solidFill>
+                  <a:schemeClr val="tx1">
+                    <a:lumMod val="50000"/>
+                    <a:lumOff val="50000"/>
                   </a:schemeClr>
                 </a:solidFill>
                 <a:latin typeface="微软雅黑" panose="020B0503020204020204" charset="-122"/>
                 <a:ea typeface="微软雅黑" panose="020B0503020204020204" charset="-122"/>
               </a:rPr>
-              <a:t>x 3</a:t>
-            </a:r>
-            <a:r>
-              <a:rPr lang="zh-CN" altLang="en-US" sz="1000">
-                <a:solidFill>
-                  <a:schemeClr val="bg1">
-                    <a:lumMod val="65000"/>
+              <a:t>SVM</a:t>
+            </a:r>
+            <a:r>
+              <a:rPr lang="zh-CN" altLang="en-US" sz="1200" b="1">
+                <a:solidFill>
+                  <a:schemeClr val="tx1">
+                    <a:lumMod val="50000"/>
+                    <a:lumOff val="50000"/>
                   </a:schemeClr>
                 </a:solidFill>
                 <a:latin typeface="微软雅黑" panose="020B0503020204020204" charset="-122"/>
                 <a:ea typeface="微软雅黑" panose="020B0503020204020204" charset="-122"/>
               </a:rPr>
-              <a:t>比例，</a:t>
-            </a:r>
-            <a:endParaRPr lang="zh-CN" altLang="en-US" sz="1000">
+              <a:t>分类器          </a:t>
+            </a:r>
+            <a:r>
+              <a:rPr lang="en-US" altLang="zh-CN" sz="1200" b="1">
+                <a:solidFill>
+                  <a:schemeClr val="tx1">
+                    <a:lumMod val="50000"/>
+                    <a:lumOff val="50000"/>
+                  </a:schemeClr>
+                </a:solidFill>
+                <a:latin typeface="微软雅黑" panose="020B0503020204020204" charset="-122"/>
+                <a:ea typeface="微软雅黑" panose="020B0503020204020204" charset="-122"/>
+              </a:rPr>
+              <a:t>BoundingBox</a:t>
+            </a:r>
+            <a:r>
+              <a:rPr lang="zh-CN" altLang="en-US" sz="1200" b="1">
+                <a:solidFill>
+                  <a:schemeClr val="tx1">
+                    <a:lumMod val="50000"/>
+                    <a:lumOff val="50000"/>
+                  </a:schemeClr>
+                </a:solidFill>
+                <a:latin typeface="微软雅黑" panose="020B0503020204020204" charset="-122"/>
+                <a:ea typeface="微软雅黑" panose="020B0503020204020204" charset="-122"/>
+              </a:rPr>
+              <a:t>回归器优化定位 </a:t>
+            </a:r>
+            <a:r>
+              <a:rPr lang="en-US" altLang="zh-CN" sz="1200" b="1">
+                <a:solidFill>
+                  <a:schemeClr val="tx1">
+                    <a:lumMod val="50000"/>
+                    <a:lumOff val="50000"/>
+                  </a:schemeClr>
+                </a:solidFill>
+                <a:latin typeface="微软雅黑" panose="020B0503020204020204" charset="-122"/>
+                <a:ea typeface="微软雅黑" panose="020B0503020204020204" charset="-122"/>
+              </a:rPr>
+              <a:t>	</a:t>
+            </a:r>
+            <a:r>
+              <a:rPr lang="zh-CN" altLang="en-US" sz="1200" b="1">
+                <a:solidFill>
+                  <a:schemeClr val="tx1">
+                    <a:lumMod val="50000"/>
+                    <a:lumOff val="50000"/>
+                  </a:schemeClr>
+                </a:solidFill>
+                <a:latin typeface="微软雅黑" panose="020B0503020204020204" charset="-122"/>
+                <a:ea typeface="微软雅黑" panose="020B0503020204020204" charset="-122"/>
+              </a:rPr>
+              <a:t> 多个分类器 </a:t>
+            </a:r>
+            <a:endParaRPr lang="zh-CN" altLang="en-US" sz="1200" b="1">
               <a:solidFill>
-                <a:schemeClr val="bg1">
-                  <a:lumMod val="65000"/>
+                <a:schemeClr val="tx1">
+                  <a:lumMod val="50000"/>
+                  <a:lumOff val="50000"/>
                 </a:schemeClr>
               </a:solidFill>
               <a:latin typeface="微软雅黑" panose="020B0503020204020204" charset="-122"/>
               <a:ea typeface="微软雅黑" panose="020B0503020204020204" charset="-122"/>
             </a:endParaRPr>
           </a:p>
-          <a:p>
-            <a:pPr algn="ctr">
-              <a:lnSpc>
-                <a:spcPct val="140000"/>
-              </a:lnSpc>
-            </a:pPr>
-            <a:r>
-              <a:rPr lang="zh-CN" altLang="en-US" sz="1000">
-                <a:solidFill>
-                  <a:schemeClr val="bg1">
-                    <a:lumMod val="65000"/>
-                  </a:schemeClr>
-                </a:solidFill>
-                <a:latin typeface="微软雅黑" panose="020B0503020204020204" charset="-122"/>
-                <a:ea typeface="微软雅黑" panose="020B0503020204020204" charset="-122"/>
-              </a:rPr>
-              <a:t>可以覆盖</a:t>
-            </a:r>
-            <a:r>
-              <a:rPr lang="en-US" altLang="zh-CN" sz="1000">
-                <a:solidFill>
-                  <a:schemeClr val="bg1">
-                    <a:lumMod val="65000"/>
-                  </a:schemeClr>
-                </a:solidFill>
-                <a:latin typeface="微软雅黑" panose="020B0503020204020204" charset="-122"/>
-                <a:ea typeface="微软雅黑" panose="020B0503020204020204" charset="-122"/>
-              </a:rPr>
-              <a:t>800x600</a:t>
-            </a:r>
-            <a:r>
-              <a:rPr lang="zh-CN" altLang="en-US" sz="1000">
-                <a:solidFill>
-                  <a:schemeClr val="bg1">
-                    <a:lumMod val="65000"/>
-                  </a:schemeClr>
-                </a:solidFill>
-                <a:latin typeface="微软雅黑" panose="020B0503020204020204" charset="-122"/>
-                <a:ea typeface="微软雅黑" panose="020B0503020204020204" charset="-122"/>
-              </a:rPr>
-              <a:t>原图像中</a:t>
-            </a:r>
-            <a:endParaRPr lang="zh-CN" altLang="en-US" sz="1000">
+        </p:txBody>
+      </p:sp>
+      <p:sp>
+        <p:nvSpPr>
+          <p:cNvPr id="88" name="文本框 87"/>
+          <p:cNvSpPr txBox="1"/>
+          <p:nvPr/>
+        </p:nvSpPr>
+        <p:spPr>
+          <a:xfrm>
+            <a:off x="6836410" y="3321050"/>
+            <a:ext cx="2004695" cy="306705"/>
+          </a:xfrm>
+          <a:prstGeom prst="rect">
+            <a:avLst/>
+          </a:prstGeom>
+          <a:noFill/>
+        </p:spPr>
+        <p:txBody>
+          <a:bodyPr wrap="square" rtlCol="0">
+            <a:spAutoFit/>
+          </a:bodyPr>
+          <a:lstStyle/>
+          <a:p>
+            <a:pPr algn="ctr"/>
+            <a:r>
+              <a:rPr lang="en-US" altLang="zh-CN" sz="1400" b="1">
+                <a:solidFill>
+                  <a:srgbClr val="0070C0"/>
+                </a:solidFill>
+                <a:latin typeface="微软雅黑" panose="020B0503020204020204" charset="-122"/>
+                <a:ea typeface="微软雅黑" panose="020B0503020204020204" charset="-122"/>
+              </a:rPr>
+              <a:t>3. CNN</a:t>
+            </a:r>
+            <a:r>
+              <a:rPr lang="zh-CN" altLang="en-US" sz="1400" b="1">
+                <a:solidFill>
+                  <a:srgbClr val="0070C0"/>
+                </a:solidFill>
+                <a:latin typeface="微软雅黑" panose="020B0503020204020204" charset="-122"/>
+                <a:ea typeface="微软雅黑" panose="020B0503020204020204" charset="-122"/>
+              </a:rPr>
+              <a:t>提取特征向量</a:t>
+            </a:r>
+            <a:endParaRPr lang="zh-CN" altLang="en-US" sz="1400" b="1">
               <a:solidFill>
-                <a:schemeClr val="bg1">
-                  <a:lumMod val="65000"/>
-                </a:schemeClr>
+                <a:srgbClr val="0070C0"/>
               </a:solidFill>
               <a:latin typeface="微软雅黑" panose="020B0503020204020204" charset="-122"/>
               <a:ea typeface="微软雅黑" panose="020B0503020204020204" charset="-122"/>
             </a:endParaRPr>
           </a:p>
-          <a:p>
-            <a:pPr algn="ctr">
-              <a:lnSpc>
-                <a:spcPct val="140000"/>
-              </a:lnSpc>
-            </a:pPr>
-            <a:r>
-              <a:rPr lang="zh-CN" altLang="en-US" sz="1000">
-                <a:solidFill>
-                  <a:schemeClr val="bg1">
-                    <a:lumMod val="65000"/>
-                  </a:schemeClr>
-                </a:solidFill>
-                <a:latin typeface="微软雅黑" panose="020B0503020204020204" charset="-122"/>
-                <a:ea typeface="微软雅黑" panose="020B0503020204020204" charset="-122"/>
-              </a:rPr>
-              <a:t>几乎所有物体外框</a:t>
-            </a:r>
-            <a:endParaRPr lang="zh-CN" altLang="en-US" sz="1000">
+        </p:txBody>
+      </p:sp>
+      <p:sp>
+        <p:nvSpPr>
+          <p:cNvPr id="90" name="文本框 89"/>
+          <p:cNvSpPr txBox="1"/>
+          <p:nvPr/>
+        </p:nvSpPr>
+        <p:spPr>
+          <a:xfrm>
+            <a:off x="6517640" y="6146165"/>
+            <a:ext cx="3590925" cy="306705"/>
+          </a:xfrm>
+          <a:prstGeom prst="rect">
+            <a:avLst/>
+          </a:prstGeom>
+          <a:noFill/>
+        </p:spPr>
+        <p:txBody>
+          <a:bodyPr wrap="square" rtlCol="0">
+            <a:spAutoFit/>
+          </a:bodyPr>
+          <a:lstStyle/>
+          <a:p>
+            <a:pPr algn="ctr"/>
+            <a:r>
+              <a:rPr lang="zh-CN" altLang="en-US" sz="1400" b="1">
+                <a:solidFill>
+                  <a:srgbClr val="0070C0"/>
+                </a:solidFill>
+                <a:latin typeface="微软雅黑" panose="020B0503020204020204" charset="-122"/>
+                <a:ea typeface="微软雅黑" panose="020B0503020204020204" charset="-122"/>
+              </a:rPr>
+              <a:t>预训练分类卷积网络 </a:t>
+            </a:r>
+            <a:r>
+              <a:rPr lang="en-US" altLang="zh-CN" sz="1400" b="1">
+                <a:solidFill>
+                  <a:srgbClr val="0070C0"/>
+                </a:solidFill>
+                <a:latin typeface="微软雅黑" panose="020B0503020204020204" charset="-122"/>
+                <a:ea typeface="微软雅黑" panose="020B0503020204020204" charset="-122"/>
+              </a:rPr>
+              <a:t>+ </a:t>
+            </a:r>
+            <a:r>
+              <a:rPr lang="zh-CN" altLang="en-US" sz="1400" b="1">
+                <a:solidFill>
+                  <a:srgbClr val="0070C0"/>
+                </a:solidFill>
+                <a:latin typeface="微软雅黑" panose="020B0503020204020204" charset="-122"/>
+                <a:ea typeface="微软雅黑" panose="020B0503020204020204" charset="-122"/>
+              </a:rPr>
+              <a:t>定位问题微调</a:t>
+            </a:r>
+            <a:endParaRPr lang="zh-CN" altLang="en-US" sz="1400" b="1">
               <a:solidFill>
-                <a:schemeClr val="bg1">
-                  <a:lumMod val="65000"/>
-                </a:schemeClr>
+                <a:srgbClr val="0070C0"/>
               </a:solidFill>
               <a:latin typeface="微软雅黑" panose="020B0503020204020204" charset="-122"/>
               <a:ea typeface="微软雅黑" panose="020B0503020204020204" charset="-122"/>
@@ -10434,67 +11071,14 @@
       </p:sp>
       <p:sp>
         <p:nvSpPr>
-          <p:cNvPr id="66" name="矩形 65"/>
-          <p:cNvSpPr/>
-          <p:nvPr/>
-        </p:nvSpPr>
-        <p:spPr>
-          <a:xfrm>
-            <a:off x="440690" y="4389120"/>
-            <a:ext cx="7582535" cy="2211705"/>
-          </a:xfrm>
-          <a:prstGeom prst="rect">
-            <a:avLst/>
-          </a:prstGeom>
-          <a:noFill/>
-          <a:ln>
-            <a:prstDash val="dash"/>
-          </a:ln>
-          <a:extLst>
-            <a:ext uri="{909E8E84-426E-40DD-AFC4-6F175D3DCCD1}">
-              <a14:hiddenFill xmlns:a14="http://schemas.microsoft.com/office/drawing/2010/main">
-                <a:solidFill>
-                  <a:schemeClr val="accent1"/>
-                </a:solidFill>
-              </a14:hiddenFill>
-            </a:ext>
-          </a:extLst>
-        </p:spPr>
-        <p:style>
-          <a:lnRef idx="2">
-            <a:schemeClr val="accent1">
-              <a:shade val="50000"/>
-            </a:schemeClr>
-          </a:lnRef>
-          <a:fillRef idx="1">
-            <a:schemeClr val="accent1"/>
-          </a:fillRef>
-          <a:effectRef idx="0">
-            <a:schemeClr val="accent1"/>
-          </a:effectRef>
-          <a:fontRef idx="minor">
-            <a:schemeClr val="lt1"/>
-          </a:fontRef>
-        </p:style>
-        <p:txBody>
-          <a:bodyPr rtlCol="0" anchor="ctr"/>
-          <a:lstStyle/>
-          <a:p>
-            <a:pPr algn="ctr"/>
-            <a:endParaRPr lang="zh-CN" altLang="en-US"/>
-          </a:p>
-        </p:txBody>
-      </p:sp>
-      <p:sp>
-        <p:nvSpPr>
-          <p:cNvPr id="9" name="文本框 8"/>
+          <p:cNvPr id="14" name="文本框 13"/>
           <p:cNvSpPr txBox="1"/>
           <p:nvPr/>
         </p:nvSpPr>
         <p:spPr>
           <a:xfrm>
             <a:off x="335280" y="72390"/>
-            <a:ext cx="3248025" cy="398780"/>
+            <a:ext cx="5469890" cy="400110"/>
           </a:xfrm>
           <a:prstGeom prst="rect">
             <a:avLst/>
@@ -10508,18 +11092,18 @@
           <a:lstStyle/>
           <a:p>
             <a:r>
-              <a:rPr lang="en-US" altLang="zh-CN" sz="2000" b="1" dirty="0" err="1">
-                <a:latin typeface="微软雅黑" panose="020B0503020204020204" charset="-122"/>
-                <a:ea typeface="微软雅黑" panose="020B0503020204020204" charset="-122"/>
-              </a:rPr>
-              <a:t>InfoGAN</a:t>
-            </a:r>
-            <a:r>
               <a:rPr lang="en-US" altLang="zh-CN" sz="2000" b="1" dirty="0">
                 <a:latin typeface="微软雅黑" panose="020B0503020204020204" charset="-122"/>
                 <a:ea typeface="微软雅黑" panose="020B0503020204020204" charset="-122"/>
               </a:rPr>
-              <a:t> - 2016</a:t>
+              <a:t>Spectral Normalization GAN </a:t>
+            </a:r>
+            <a:r>
+              <a:rPr lang="en-US" altLang="zh-CN" sz="2000" b="1">
+                <a:latin typeface="微软雅黑" panose="020B0503020204020204" charset="-122"/>
+                <a:ea typeface="微软雅黑" panose="020B0503020204020204" charset="-122"/>
+              </a:rPr>
+              <a:t>- 2018</a:t>
             </a:r>
             <a:endParaRPr lang="en-US" altLang="zh-CN" sz="2000" b="1" dirty="0">
               <a:latin typeface="微软雅黑" panose="020B0503020204020204" charset="-122"/>
@@ -10555,14 +11139,14 @@
       </p:grpSpPr>
       <p:sp>
         <p:nvSpPr>
-          <p:cNvPr id="61" name="文本框 60"/>
+          <p:cNvPr id="6" name="文本框 5"/>
           <p:cNvSpPr txBox="1"/>
           <p:nvPr/>
         </p:nvSpPr>
         <p:spPr>
           <a:xfrm>
-            <a:off x="4425315" y="4128135"/>
-            <a:ext cx="1753235" cy="275590"/>
+            <a:off x="334010" y="5901690"/>
+            <a:ext cx="2840990" cy="691515"/>
           </a:xfrm>
           <a:prstGeom prst="rect">
             <a:avLst/>
@@ -10575,140 +11159,222 @@
           </a:bodyPr>
           <a:lstStyle/>
           <a:p>
-            <a:pPr algn="ctr"/>
-            <a:r>
-              <a:rPr lang="en-US" altLang="zh-CN" sz="1200" b="1">
-                <a:solidFill>
-                  <a:srgbClr val="0070C0"/>
-                </a:solidFill>
-                <a:latin typeface="微软雅黑" panose="020B0503020204020204" charset="-122"/>
-                <a:ea typeface="微软雅黑" panose="020B0503020204020204" charset="-122"/>
-              </a:rPr>
-              <a:t>FPN</a:t>
-            </a:r>
-            <a:r>
-              <a:rPr lang="zh-CN" altLang="en-US" sz="1200" b="1">
-                <a:solidFill>
-                  <a:srgbClr val="0070C0"/>
-                </a:solidFill>
-                <a:latin typeface="微软雅黑" panose="020B0503020204020204" charset="-122"/>
-                <a:ea typeface="微软雅黑" panose="020B0503020204020204" charset="-122"/>
-              </a:rPr>
-              <a:t>作为特征提取器</a:t>
-            </a:r>
-            <a:endParaRPr lang="zh-CN" altLang="en-US" sz="1200" b="1">
+            <a:pPr algn="ctr">
+              <a:lnSpc>
+                <a:spcPct val="130000"/>
+              </a:lnSpc>
+            </a:pPr>
+            <a:r>
+              <a:rPr lang="zh-CN" altLang="en-US" sz="1000">
+                <a:solidFill>
+                  <a:srgbClr val="92D050"/>
+                </a:solidFill>
+                <a:latin typeface="微软雅黑" panose="020B0503020204020204" charset="-122"/>
+                <a:ea typeface="微软雅黑" panose="020B0503020204020204" charset="-122"/>
+                <a:sym typeface="+mn-ea"/>
+              </a:rPr>
+              <a:t>经过</a:t>
+            </a:r>
+            <a:r>
+              <a:rPr lang="en-US" altLang="zh-CN" sz="1000">
+                <a:solidFill>
+                  <a:srgbClr val="92D050"/>
+                </a:solidFill>
+                <a:latin typeface="微软雅黑" panose="020B0503020204020204" charset="-122"/>
+                <a:ea typeface="微软雅黑" panose="020B0503020204020204" charset="-122"/>
+                <a:sym typeface="+mn-ea"/>
+              </a:rPr>
+              <a:t>CNN</a:t>
+            </a:r>
+            <a:r>
+              <a:rPr lang="zh-CN" altLang="en-US" sz="1000">
+                <a:solidFill>
+                  <a:srgbClr val="92D050"/>
+                </a:solidFill>
+                <a:latin typeface="微软雅黑" panose="020B0503020204020204" charset="-122"/>
+                <a:ea typeface="微软雅黑" panose="020B0503020204020204" charset="-122"/>
+                <a:sym typeface="+mn-ea"/>
+              </a:rPr>
+              <a:t>后，</a:t>
+            </a:r>
+            <a:r>
+              <a:rPr lang="en-US" sz="1000">
+                <a:solidFill>
+                  <a:srgbClr val="92D050"/>
+                </a:solidFill>
+                <a:latin typeface="微软雅黑" panose="020B0503020204020204" charset="-122"/>
+                <a:ea typeface="微软雅黑" panose="020B0503020204020204" charset="-122"/>
+                <a:sym typeface="+mn-ea"/>
+              </a:rPr>
+              <a:t>2</a:t>
+            </a:r>
+            <a:r>
+              <a:rPr lang="zh-CN" altLang="en-US" sz="1000">
+                <a:solidFill>
+                  <a:srgbClr val="92D050"/>
+                </a:solidFill>
+                <a:latin typeface="微软雅黑" panose="020B0503020204020204" charset="-122"/>
+                <a:ea typeface="微软雅黑" panose="020B0503020204020204" charset="-122"/>
+                <a:sym typeface="+mn-ea"/>
+              </a:rPr>
+              <a:t>图尺度相差 </a:t>
+            </a:r>
+            <a:r>
+              <a:rPr lang="en-US" altLang="zh-CN" sz="1000" b="1">
+                <a:solidFill>
+                  <a:srgbClr val="00B050"/>
+                </a:solidFill>
+                <a:latin typeface="微软雅黑" panose="020B0503020204020204" charset="-122"/>
+                <a:ea typeface="微软雅黑" panose="020B0503020204020204" charset="-122"/>
+                <a:sym typeface="+mn-ea"/>
+              </a:rPr>
+              <a:t>16 </a:t>
+            </a:r>
+            <a:r>
+              <a:rPr lang="zh-CN" altLang="en-US" sz="1000">
+                <a:solidFill>
+                  <a:srgbClr val="92D050"/>
+                </a:solidFill>
+                <a:latin typeface="微软雅黑" panose="020B0503020204020204" charset="-122"/>
+                <a:ea typeface="微软雅黑" panose="020B0503020204020204" charset="-122"/>
+                <a:sym typeface="+mn-ea"/>
+              </a:rPr>
+              <a:t>倍</a:t>
+            </a:r>
+            <a:endParaRPr lang="en-US" sz="1000" b="1">
               <a:solidFill>
-                <a:srgbClr val="0070C0"/>
+                <a:schemeClr val="tx1">
+                  <a:lumMod val="50000"/>
+                  <a:lumOff val="50000"/>
+                </a:schemeClr>
               </a:solidFill>
               <a:latin typeface="微软雅黑" panose="020B0503020204020204" charset="-122"/>
               <a:ea typeface="微软雅黑" panose="020B0503020204020204" charset="-122"/>
             </a:endParaRPr>
           </a:p>
-        </p:txBody>
-      </p:sp>
-      <p:sp>
-        <p:nvSpPr>
-          <p:cNvPr id="4" name="文本框 3"/>
-          <p:cNvSpPr txBox="1"/>
-          <p:nvPr/>
-        </p:nvSpPr>
-        <p:spPr>
-          <a:xfrm>
-            <a:off x="6318885" y="4117340"/>
-            <a:ext cx="1753235" cy="275590"/>
-          </a:xfrm>
-          <a:prstGeom prst="rect">
-            <a:avLst/>
-          </a:prstGeom>
-          <a:noFill/>
-        </p:spPr>
-        <p:txBody>
-          <a:bodyPr wrap="square" rtlCol="0">
-            <a:spAutoFit/>
-          </a:bodyPr>
-          <a:lstStyle/>
-          <a:p>
-            <a:pPr algn="ctr"/>
-            <a:r>
-              <a:rPr lang="en-US" altLang="zh-CN" sz="1200" b="1">
-                <a:solidFill>
-                  <a:srgbClr val="0070C0"/>
-                </a:solidFill>
-                <a:latin typeface="微软雅黑" panose="020B0503020204020204" charset="-122"/>
-                <a:ea typeface="微软雅黑" panose="020B0503020204020204" charset="-122"/>
-              </a:rPr>
-              <a:t>RPN</a:t>
-            </a:r>
-            <a:r>
-              <a:rPr lang="zh-CN" altLang="en-US" sz="1200" b="1">
-                <a:solidFill>
-                  <a:srgbClr val="0070C0"/>
-                </a:solidFill>
-                <a:latin typeface="微软雅黑" panose="020B0503020204020204" charset="-122"/>
-                <a:ea typeface="微软雅黑" panose="020B0503020204020204" charset="-122"/>
-              </a:rPr>
-              <a:t>生成</a:t>
-            </a:r>
-            <a:r>
-              <a:rPr lang="en-US" altLang="zh-CN" sz="1200" b="1">
-                <a:solidFill>
-                  <a:srgbClr val="0070C0"/>
-                </a:solidFill>
-                <a:latin typeface="微软雅黑" panose="020B0503020204020204" charset="-122"/>
-                <a:ea typeface="微软雅黑" panose="020B0503020204020204" charset="-122"/>
-              </a:rPr>
-              <a:t>ROIs</a:t>
-            </a:r>
-            <a:endParaRPr lang="en-US" altLang="zh-CN" sz="1200" b="1">
+          <a:p>
+            <a:pPr algn="ctr">
+              <a:lnSpc>
+                <a:spcPct val="130000"/>
+              </a:lnSpc>
+            </a:pPr>
+            <a:r>
+              <a:rPr lang="en-US" sz="1000">
+                <a:solidFill>
+                  <a:schemeClr val="bg1">
+                    <a:lumMod val="65000"/>
+                  </a:schemeClr>
+                </a:solidFill>
+                <a:latin typeface="微软雅黑" panose="020B0503020204020204" charset="-122"/>
+                <a:ea typeface="微软雅黑" panose="020B0503020204020204" charset="-122"/>
+              </a:rPr>
+              <a:t>conv</a:t>
+            </a:r>
+            <a:r>
+              <a:rPr lang="zh-CN" altLang="en-US" sz="1000">
+                <a:solidFill>
+                  <a:schemeClr val="bg1">
+                    <a:lumMod val="65000"/>
+                  </a:schemeClr>
+                </a:solidFill>
+                <a:latin typeface="微软雅黑" panose="020B0503020204020204" charset="-122"/>
+                <a:ea typeface="微软雅黑" panose="020B0503020204020204" charset="-122"/>
+              </a:rPr>
+              <a:t>特征图</a:t>
+            </a:r>
+            <a:r>
+              <a:rPr lang="en-US" altLang="zh-CN" sz="1000">
+                <a:solidFill>
+                  <a:schemeClr val="bg1">
+                    <a:lumMod val="65000"/>
+                  </a:schemeClr>
+                </a:solidFill>
+                <a:latin typeface="微软雅黑" panose="020B0503020204020204" charset="-122"/>
+                <a:ea typeface="微软雅黑" panose="020B0503020204020204" charset="-122"/>
+              </a:rPr>
+              <a:t>Anchor</a:t>
+            </a:r>
+            <a:r>
+              <a:rPr lang="zh-CN" altLang="en-US" sz="1000">
+                <a:solidFill>
+                  <a:schemeClr val="bg1">
+                    <a:lumMod val="65000"/>
+                  </a:schemeClr>
+                </a:solidFill>
+                <a:latin typeface="微软雅黑" panose="020B0503020204020204" charset="-122"/>
+                <a:ea typeface="微软雅黑" panose="020B0503020204020204" charset="-122"/>
+              </a:rPr>
+              <a:t>投射回原图像</a:t>
+            </a:r>
+            <a:r>
+              <a:rPr lang="en-US" altLang="zh-CN" sz="1000">
+                <a:solidFill>
+                  <a:schemeClr val="bg1">
+                    <a:lumMod val="65000"/>
+                  </a:schemeClr>
+                </a:solidFill>
+                <a:latin typeface="微软雅黑" panose="020B0503020204020204" charset="-122"/>
+                <a:ea typeface="微软雅黑" panose="020B0503020204020204" charset="-122"/>
+              </a:rPr>
+              <a:t>, </a:t>
+            </a:r>
+            <a:endParaRPr lang="en-US" altLang="zh-CN" sz="1000">
               <a:solidFill>
-                <a:srgbClr val="0070C0"/>
+                <a:schemeClr val="bg1">
+                  <a:lumMod val="65000"/>
+                </a:schemeClr>
               </a:solidFill>
               <a:latin typeface="微软雅黑" panose="020B0503020204020204" charset="-122"/>
               <a:ea typeface="微软雅黑" panose="020B0503020204020204" charset="-122"/>
             </a:endParaRPr>
           </a:p>
-        </p:txBody>
-      </p:sp>
-      <p:sp>
-        <p:nvSpPr>
-          <p:cNvPr id="24" name="文本框 23"/>
-          <p:cNvSpPr txBox="1"/>
-          <p:nvPr/>
-        </p:nvSpPr>
-        <p:spPr>
-          <a:xfrm>
-            <a:off x="2332990" y="3439160"/>
-            <a:ext cx="971550" cy="349250"/>
-          </a:xfrm>
-          <a:prstGeom prst="rect">
-            <a:avLst/>
-          </a:prstGeom>
-          <a:noFill/>
-        </p:spPr>
-        <p:txBody>
-          <a:bodyPr wrap="square" rtlCol="0">
-            <a:spAutoFit/>
-          </a:bodyPr>
-          <a:lstStyle/>
           <a:p>
             <a:pPr algn="ctr">
               <a:lnSpc>
-                <a:spcPct val="140000"/>
+                <a:spcPct val="130000"/>
               </a:lnSpc>
             </a:pPr>
             <a:r>
-              <a:rPr lang="zh-CN" altLang="en-US" sz="1200" b="1">
-                <a:solidFill>
-                  <a:srgbClr val="C00000"/>
-                </a:solidFill>
-                <a:latin typeface="微软雅黑" panose="020B0503020204020204" charset="-122"/>
-                <a:ea typeface="微软雅黑" panose="020B0503020204020204" charset="-122"/>
-              </a:rPr>
-              <a:t>元素相加</a:t>
-            </a:r>
-            <a:endParaRPr lang="zh-CN" altLang="en-US" sz="1200" b="1">
+              <a:rPr lang="zh-CN" altLang="en-US" sz="1000">
+                <a:solidFill>
+                  <a:schemeClr val="bg1">
+                    <a:lumMod val="65000"/>
+                  </a:schemeClr>
+                </a:solidFill>
+                <a:latin typeface="微软雅黑" panose="020B0503020204020204" charset="-122"/>
+                <a:ea typeface="微软雅黑" panose="020B0503020204020204" charset="-122"/>
+              </a:rPr>
+              <a:t>特征图像素点作为原图</a:t>
+            </a:r>
+            <a:r>
+              <a:rPr lang="en-US" altLang="zh-CN" sz="1000">
+                <a:solidFill>
+                  <a:schemeClr val="bg1">
+                    <a:lumMod val="65000"/>
+                  </a:schemeClr>
+                </a:solidFill>
+                <a:latin typeface="微软雅黑" panose="020B0503020204020204" charset="-122"/>
+                <a:ea typeface="微软雅黑" panose="020B0503020204020204" charset="-122"/>
+              </a:rPr>
+              <a:t>Anchor Box </a:t>
+            </a:r>
+            <a:r>
+              <a:rPr lang="zh-CN" altLang="en-US" sz="1000">
+                <a:solidFill>
+                  <a:schemeClr val="bg1">
+                    <a:lumMod val="65000"/>
+                  </a:schemeClr>
+                </a:solidFill>
+                <a:latin typeface="微软雅黑" panose="020B0503020204020204" charset="-122"/>
+                <a:ea typeface="微软雅黑" panose="020B0503020204020204" charset="-122"/>
+              </a:rPr>
+              <a:t>中心点</a:t>
+            </a:r>
+            <a:endParaRPr lang="zh-CN" altLang="en-US" sz="1000">
               <a:solidFill>
-                <a:srgbClr val="C00000"/>
+                <a:schemeClr val="bg1">
+                  <a:lumMod val="65000"/>
+                </a:schemeClr>
               </a:solidFill>
               <a:latin typeface="微软雅黑" panose="020B0503020204020204" charset="-122"/>
               <a:ea typeface="微软雅黑" panose="020B0503020204020204" charset="-122"/>
@@ -10718,14 +11384,14 @@
       </p:sp>
       <p:sp>
         <p:nvSpPr>
-          <p:cNvPr id="7" name="文本框 6"/>
+          <p:cNvPr id="23" name="文本框 22"/>
           <p:cNvSpPr txBox="1"/>
           <p:nvPr/>
         </p:nvSpPr>
         <p:spPr>
           <a:xfrm>
-            <a:off x="2552700" y="2479040"/>
-            <a:ext cx="1675765" cy="607695"/>
+            <a:off x="3083560" y="5828030"/>
+            <a:ext cx="1064895" cy="645160"/>
           </a:xfrm>
           <a:prstGeom prst="rect">
             <a:avLst/>
@@ -10740,30 +11406,86 @@
           <a:p>
             <a:pPr algn="ctr">
               <a:lnSpc>
-                <a:spcPct val="140000"/>
+                <a:spcPct val="120000"/>
               </a:lnSpc>
             </a:pPr>
             <a:r>
-              <a:rPr lang="en-US" altLang="zh-CN" sz="1200" b="1">
-                <a:solidFill>
-                  <a:srgbClr val="FC0280"/>
-                </a:solidFill>
-                <a:latin typeface="微软雅黑" panose="020B0503020204020204" charset="-122"/>
-                <a:ea typeface="微软雅黑" panose="020B0503020204020204" charset="-122"/>
-              </a:rPr>
-              <a:t>3x3</a:t>
-            </a:r>
-            <a:r>
-              <a:rPr lang="zh-CN" altLang="en-US" sz="1200" b="1">
-                <a:solidFill>
-                  <a:srgbClr val="FC0280"/>
-                </a:solidFill>
-                <a:latin typeface="微软雅黑" panose="020B0503020204020204" charset="-122"/>
-                <a:ea typeface="微软雅黑" panose="020B0503020204020204" charset="-122"/>
-              </a:rPr>
-              <a:t>卷积将两张特征图合并，防止失真</a:t>
-            </a:r>
-            <a:endParaRPr lang="zh-CN" altLang="en-US" sz="1200" b="1">
+              <a:rPr lang="zh-CN" altLang="en-US" sz="1000">
+                <a:solidFill>
+                  <a:schemeClr val="bg1">
+                    <a:lumMod val="65000"/>
+                  </a:schemeClr>
+                </a:solidFill>
+                <a:latin typeface="微软雅黑" panose="020B0503020204020204" charset="-122"/>
+                <a:ea typeface="微软雅黑" panose="020B0503020204020204" charset="-122"/>
+              </a:rPr>
+              <a:t>中心点</a:t>
+            </a:r>
+            <a:endParaRPr lang="zh-CN" altLang="en-US" sz="1000">
+              <a:solidFill>
+                <a:schemeClr val="bg1">
+                  <a:lumMod val="65000"/>
+                </a:schemeClr>
+              </a:solidFill>
+              <a:latin typeface="微软雅黑" panose="020B0503020204020204" charset="-122"/>
+              <a:ea typeface="微软雅黑" panose="020B0503020204020204" charset="-122"/>
+            </a:endParaRPr>
+          </a:p>
+          <a:p>
+            <a:pPr algn="ctr">
+              <a:lnSpc>
+                <a:spcPct val="120000"/>
+              </a:lnSpc>
+            </a:pPr>
+            <a:r>
+              <a:rPr lang="en-US" altLang="zh-CN" sz="1000">
+                <a:solidFill>
+                  <a:schemeClr val="bg1">
+                    <a:lumMod val="65000"/>
+                  </a:schemeClr>
+                </a:solidFill>
+                <a:latin typeface="微软雅黑" panose="020B0503020204020204" charset="-122"/>
+                <a:ea typeface="微软雅黑" panose="020B0503020204020204" charset="-122"/>
+              </a:rPr>
+              <a:t>3</a:t>
+            </a:r>
+            <a:r>
+              <a:rPr lang="zh-CN" altLang="en-US" sz="1000">
+                <a:solidFill>
+                  <a:schemeClr val="bg1">
+                    <a:lumMod val="65000"/>
+                  </a:schemeClr>
+                </a:solidFill>
+                <a:latin typeface="微软雅黑" panose="020B0503020204020204" charset="-122"/>
+                <a:ea typeface="微软雅黑" panose="020B0503020204020204" charset="-122"/>
+              </a:rPr>
+              <a:t>尺度 </a:t>
+            </a:r>
+            <a:r>
+              <a:rPr lang="en-US" altLang="zh-CN" sz="1000">
+                <a:solidFill>
+                  <a:schemeClr val="bg1">
+                    <a:lumMod val="65000"/>
+                  </a:schemeClr>
+                </a:solidFill>
+                <a:latin typeface="微软雅黑" panose="020B0503020204020204" charset="-122"/>
+                <a:ea typeface="微软雅黑" panose="020B0503020204020204" charset="-122"/>
+              </a:rPr>
+              <a:t>&amp; 3</a:t>
+            </a:r>
+            <a:r>
+              <a:rPr lang="zh-CN" altLang="en-US" sz="1000">
+                <a:solidFill>
+                  <a:schemeClr val="bg1">
+                    <a:lumMod val="65000"/>
+                  </a:schemeClr>
+                </a:solidFill>
+                <a:latin typeface="微软雅黑" panose="020B0503020204020204" charset="-122"/>
+                <a:ea typeface="微软雅黑" panose="020B0503020204020204" charset="-122"/>
+              </a:rPr>
+              <a:t>比例</a:t>
+            </a:r>
+            <a:endParaRPr lang="zh-CN" altLang="en-US" sz="1000">
               <a:solidFill>
                 <a:srgbClr val="FC0280"/>
               </a:solidFill>
@@ -10771,18 +11493,227 @@
               <a:ea typeface="微软雅黑" panose="020B0503020204020204" charset="-122"/>
             </a:endParaRPr>
           </a:p>
-        </p:txBody>
-      </p:sp>
-      <p:sp>
-        <p:nvSpPr>
-          <p:cNvPr id="8" name="文本框 7"/>
+          <a:p>
+            <a:pPr algn="ctr">
+              <a:lnSpc>
+                <a:spcPct val="120000"/>
+              </a:lnSpc>
+            </a:pPr>
+            <a:r>
+              <a:rPr lang="en-US" altLang="zh-CN" sz="1000" b="1">
+                <a:solidFill>
+                  <a:schemeClr val="tx1"/>
+                </a:solidFill>
+                <a:latin typeface="微软雅黑" panose="020B0503020204020204" charset="-122"/>
+                <a:ea typeface="微软雅黑" panose="020B0503020204020204" charset="-122"/>
+              </a:rPr>
+              <a:t>3x3=9</a:t>
+            </a:r>
+            <a:endParaRPr lang="en-US" altLang="zh-CN" sz="1000" b="1">
+              <a:solidFill>
+                <a:schemeClr val="tx1"/>
+              </a:solidFill>
+              <a:latin typeface="微软雅黑" panose="020B0503020204020204" charset="-122"/>
+              <a:ea typeface="微软雅黑" panose="020B0503020204020204" charset="-122"/>
+            </a:endParaRPr>
+          </a:p>
+        </p:txBody>
+      </p:sp>
+      <p:sp>
+        <p:nvSpPr>
+          <p:cNvPr id="24" name="文本框 23"/>
           <p:cNvSpPr txBox="1"/>
           <p:nvPr/>
         </p:nvSpPr>
         <p:spPr>
           <a:xfrm>
-            <a:off x="1679575" y="1489075"/>
-            <a:ext cx="1800860" cy="349250"/>
+            <a:off x="3914140" y="5955665"/>
+            <a:ext cx="1273175" cy="460375"/>
+          </a:xfrm>
+          <a:prstGeom prst="rect">
+            <a:avLst/>
+          </a:prstGeom>
+          <a:noFill/>
+        </p:spPr>
+        <p:txBody>
+          <a:bodyPr wrap="square" rtlCol="0">
+            <a:spAutoFit/>
+          </a:bodyPr>
+          <a:lstStyle/>
+          <a:p>
+            <a:pPr algn="ctr">
+              <a:lnSpc>
+                <a:spcPct val="120000"/>
+              </a:lnSpc>
+            </a:pPr>
+            <a:r>
+              <a:rPr lang="en-US" sz="1000">
+                <a:solidFill>
+                  <a:schemeClr val="bg1">
+                    <a:lumMod val="65000"/>
+                  </a:schemeClr>
+                </a:solidFill>
+                <a:latin typeface="微软雅黑" panose="020B0503020204020204" charset="-122"/>
+                <a:ea typeface="微软雅黑" panose="020B0503020204020204" charset="-122"/>
+              </a:rPr>
+              <a:t>Anchor Box</a:t>
+            </a:r>
+            <a:endParaRPr lang="en-US" sz="1000">
+              <a:solidFill>
+                <a:schemeClr val="bg1">
+                  <a:lumMod val="65000"/>
+                </a:schemeClr>
+              </a:solidFill>
+              <a:latin typeface="微软雅黑" panose="020B0503020204020204" charset="-122"/>
+              <a:ea typeface="微软雅黑" panose="020B0503020204020204" charset="-122"/>
+            </a:endParaRPr>
+          </a:p>
+          <a:p>
+            <a:pPr algn="ctr">
+              <a:lnSpc>
+                <a:spcPct val="120000"/>
+              </a:lnSpc>
+            </a:pPr>
+            <a:r>
+              <a:rPr lang="zh-CN" altLang="en-US" sz="1000">
+                <a:solidFill>
+                  <a:schemeClr val="bg1">
+                    <a:lumMod val="65000"/>
+                  </a:schemeClr>
+                </a:solidFill>
+                <a:latin typeface="微软雅黑" panose="020B0503020204020204" charset="-122"/>
+                <a:ea typeface="微软雅黑" panose="020B0503020204020204" charset="-122"/>
+              </a:rPr>
+              <a:t>在原图中的显示</a:t>
+            </a:r>
+            <a:endParaRPr lang="zh-CN" altLang="en-US" sz="1000">
+              <a:solidFill>
+                <a:schemeClr val="bg1">
+                  <a:lumMod val="65000"/>
+                </a:schemeClr>
+              </a:solidFill>
+              <a:latin typeface="微软雅黑" panose="020B0503020204020204" charset="-122"/>
+              <a:ea typeface="微软雅黑" panose="020B0503020204020204" charset="-122"/>
+            </a:endParaRPr>
+          </a:p>
+        </p:txBody>
+      </p:sp>
+      <p:sp>
+        <p:nvSpPr>
+          <p:cNvPr id="25" name="文本框 24"/>
+          <p:cNvSpPr txBox="1"/>
+          <p:nvPr/>
+        </p:nvSpPr>
+        <p:spPr>
+          <a:xfrm>
+            <a:off x="5017135" y="5859145"/>
+            <a:ext cx="1299210" cy="645160"/>
+          </a:xfrm>
+          <a:prstGeom prst="rect">
+            <a:avLst/>
+          </a:prstGeom>
+          <a:noFill/>
+        </p:spPr>
+        <p:txBody>
+          <a:bodyPr wrap="square" rtlCol="0">
+            <a:spAutoFit/>
+          </a:bodyPr>
+          <a:lstStyle/>
+          <a:p>
+            <a:pPr algn="ctr">
+              <a:lnSpc>
+                <a:spcPct val="120000"/>
+              </a:lnSpc>
+            </a:pPr>
+            <a:r>
+              <a:rPr lang="zh-CN" altLang="en-US" sz="1000" dirty="0">
+                <a:solidFill>
+                  <a:schemeClr val="bg1">
+                    <a:lumMod val="65000"/>
+                  </a:schemeClr>
+                </a:solidFill>
+                <a:latin typeface="微软雅黑" panose="020B0503020204020204" charset="-122"/>
+                <a:ea typeface="微软雅黑" panose="020B0503020204020204" charset="-122"/>
+              </a:rPr>
+              <a:t>原图中所有的</a:t>
+            </a:r>
+            <a:endParaRPr lang="zh-CN" altLang="en-US" sz="1000" dirty="0">
+              <a:solidFill>
+                <a:schemeClr val="bg1">
+                  <a:lumMod val="65000"/>
+                </a:schemeClr>
+              </a:solidFill>
+              <a:latin typeface="微软雅黑" panose="020B0503020204020204" charset="-122"/>
+              <a:ea typeface="微软雅黑" panose="020B0503020204020204" charset="-122"/>
+            </a:endParaRPr>
+          </a:p>
+          <a:p>
+            <a:pPr algn="ctr">
+              <a:lnSpc>
+                <a:spcPct val="120000"/>
+              </a:lnSpc>
+            </a:pPr>
+            <a:r>
+              <a:rPr lang="en-US" sz="1000" dirty="0">
+                <a:solidFill>
+                  <a:schemeClr val="bg1">
+                    <a:lumMod val="65000"/>
+                  </a:schemeClr>
+                </a:solidFill>
+                <a:latin typeface="微软雅黑" panose="020B0503020204020204" charset="-122"/>
+                <a:ea typeface="微软雅黑" panose="020B0503020204020204" charset="-122"/>
+                <a:sym typeface="+mn-ea"/>
+              </a:rPr>
+              <a:t>Anchor Box</a:t>
+            </a:r>
+            <a:endParaRPr lang="en-US" sz="1000" dirty="0">
+              <a:solidFill>
+                <a:schemeClr val="bg1">
+                  <a:lumMod val="65000"/>
+                </a:schemeClr>
+              </a:solidFill>
+              <a:latin typeface="微软雅黑" panose="020B0503020204020204" charset="-122"/>
+              <a:ea typeface="微软雅黑" panose="020B0503020204020204" charset="-122"/>
+              <a:sym typeface="+mn-ea"/>
+            </a:endParaRPr>
+          </a:p>
+          <a:p>
+            <a:pPr algn="ctr">
+              <a:lnSpc>
+                <a:spcPct val="120000"/>
+              </a:lnSpc>
+            </a:pPr>
+            <a:r>
+              <a:rPr lang="en-US" altLang="zh-CN" sz="1000" b="1" dirty="0">
+                <a:latin typeface="微软雅黑" panose="020B0503020204020204" charset="-122"/>
+                <a:ea typeface="微软雅黑" panose="020B0503020204020204" charset="-122"/>
+                <a:sym typeface="+mn-ea"/>
+              </a:rPr>
+              <a:t>1900 x 9 = 17100</a:t>
+            </a:r>
+            <a:endParaRPr lang="en-US" altLang="zh-CN" sz="1000" b="1" dirty="0">
+              <a:solidFill>
+                <a:schemeClr val="bg1">
+                  <a:lumMod val="65000"/>
+                </a:schemeClr>
+              </a:solidFill>
+              <a:latin typeface="微软雅黑" panose="020B0503020204020204" charset="-122"/>
+              <a:ea typeface="微软雅黑" panose="020B0503020204020204" charset="-122"/>
+              <a:sym typeface="+mn-ea"/>
+            </a:endParaRPr>
+          </a:p>
+        </p:txBody>
+      </p:sp>
+      <p:sp>
+        <p:nvSpPr>
+          <p:cNvPr id="46" name="文本框 45"/>
+          <p:cNvSpPr txBox="1"/>
+          <p:nvPr/>
+        </p:nvSpPr>
+        <p:spPr>
+          <a:xfrm>
+            <a:off x="6163945" y="5863590"/>
+            <a:ext cx="1908175" cy="737235"/>
           </a:xfrm>
           <a:prstGeom prst="rect">
             <a:avLst/>
@@ -10801,96 +11732,143 @@
               </a:lnSpc>
             </a:pPr>
             <a:r>
-              <a:rPr lang="en-US" altLang="zh-CN" sz="1200" b="1">
-                <a:solidFill>
-                  <a:srgbClr val="C00000"/>
-                </a:solidFill>
-                <a:latin typeface="微软雅黑" panose="020B0503020204020204" charset="-122"/>
-                <a:ea typeface="微软雅黑" panose="020B0503020204020204" charset="-122"/>
-              </a:rPr>
-              <a:t>1x1</a:t>
-            </a:r>
-            <a:r>
-              <a:rPr lang="zh-CN" altLang="en-US" sz="1200" b="1">
-                <a:solidFill>
-                  <a:srgbClr val="C00000"/>
-                </a:solidFill>
-                <a:latin typeface="微软雅黑" panose="020B0503020204020204" charset="-122"/>
-                <a:ea typeface="微软雅黑" panose="020B0503020204020204" charset="-122"/>
-              </a:rPr>
-              <a:t>卷积改变通道大小</a:t>
-            </a:r>
-            <a:endParaRPr lang="zh-CN" altLang="en-US" sz="1200" b="1">
+              <a:rPr lang="en-US" sz="1000">
+                <a:solidFill>
+                  <a:schemeClr val="bg1">
+                    <a:lumMod val="65000"/>
+                  </a:schemeClr>
+                </a:solidFill>
+                <a:latin typeface="微软雅黑" panose="020B0503020204020204" charset="-122"/>
+                <a:ea typeface="微软雅黑" panose="020B0503020204020204" charset="-122"/>
+              </a:rPr>
+              <a:t> 3</a:t>
+            </a:r>
+            <a:r>
+              <a:rPr lang="zh-CN" altLang="en-US" sz="1000">
+                <a:solidFill>
+                  <a:schemeClr val="bg1">
+                    <a:lumMod val="65000"/>
+                  </a:schemeClr>
+                </a:solidFill>
+                <a:latin typeface="微软雅黑" panose="020B0503020204020204" charset="-122"/>
+                <a:ea typeface="微软雅黑" panose="020B0503020204020204" charset="-122"/>
+              </a:rPr>
+              <a:t>尺度 </a:t>
+            </a:r>
+            <a:r>
+              <a:rPr lang="en-US" altLang="zh-CN" sz="1000">
+                <a:solidFill>
+                  <a:schemeClr val="bg1">
+                    <a:lumMod val="65000"/>
+                  </a:schemeClr>
+                </a:solidFill>
+                <a:latin typeface="微软雅黑" panose="020B0503020204020204" charset="-122"/>
+                <a:ea typeface="微软雅黑" panose="020B0503020204020204" charset="-122"/>
+              </a:rPr>
+              <a:t>x 3</a:t>
+            </a:r>
+            <a:r>
+              <a:rPr lang="zh-CN" altLang="en-US" sz="1000">
+                <a:solidFill>
+                  <a:schemeClr val="bg1">
+                    <a:lumMod val="65000"/>
+                  </a:schemeClr>
+                </a:solidFill>
+                <a:latin typeface="微软雅黑" panose="020B0503020204020204" charset="-122"/>
+                <a:ea typeface="微软雅黑" panose="020B0503020204020204" charset="-122"/>
+              </a:rPr>
+              <a:t>比例，</a:t>
+            </a:r>
+            <a:endParaRPr lang="zh-CN" altLang="en-US" sz="1000">
               <a:solidFill>
-                <a:srgbClr val="C00000"/>
+                <a:schemeClr val="bg1">
+                  <a:lumMod val="65000"/>
+                </a:schemeClr>
               </a:solidFill>
               <a:latin typeface="微软雅黑" panose="020B0503020204020204" charset="-122"/>
               <a:ea typeface="微软雅黑" panose="020B0503020204020204" charset="-122"/>
             </a:endParaRPr>
           </a:p>
-        </p:txBody>
-      </p:sp>
-      <p:sp>
-        <p:nvSpPr>
-          <p:cNvPr id="9" name="文本框 8"/>
-          <p:cNvSpPr txBox="1"/>
-          <p:nvPr/>
-        </p:nvSpPr>
-        <p:spPr>
-          <a:xfrm>
-            <a:off x="7374255" y="4658360"/>
-            <a:ext cx="2280920" cy="275590"/>
-          </a:xfrm>
-          <a:prstGeom prst="rect">
-            <a:avLst/>
-          </a:prstGeom>
-          <a:noFill/>
-        </p:spPr>
-        <p:txBody>
-          <a:bodyPr wrap="square" rtlCol="0">
-            <a:spAutoFit/>
-          </a:bodyPr>
-          <a:lstStyle/>
-          <a:p>
-            <a:pPr algn="ctr"/>
-            <a:r>
-              <a:rPr lang="zh-CN" altLang="en-US" sz="1200" b="1">
-                <a:solidFill>
-                  <a:srgbClr val="0070C0"/>
-                </a:solidFill>
-                <a:latin typeface="微软雅黑" panose="020B0503020204020204" charset="-122"/>
-                <a:ea typeface="微软雅黑" panose="020B0503020204020204" charset="-122"/>
-              </a:rPr>
-              <a:t>根据</a:t>
-            </a:r>
-            <a:r>
-              <a:rPr lang="en-US" altLang="zh-CN" sz="1200" b="1">
-                <a:solidFill>
-                  <a:srgbClr val="0070C0"/>
-                </a:solidFill>
-                <a:latin typeface="微软雅黑" panose="020B0503020204020204" charset="-122"/>
-                <a:ea typeface="微软雅黑" panose="020B0503020204020204" charset="-122"/>
-              </a:rPr>
-              <a:t>ROI</a:t>
-            </a:r>
-            <a:r>
-              <a:rPr lang="zh-CN" altLang="en-US" sz="1200" b="1">
-                <a:solidFill>
-                  <a:srgbClr val="0070C0"/>
-                </a:solidFill>
-                <a:latin typeface="微软雅黑" panose="020B0503020204020204" charset="-122"/>
-                <a:ea typeface="微软雅黑" panose="020B0503020204020204" charset="-122"/>
-              </a:rPr>
-              <a:t>的宽和高选择特征图</a:t>
-            </a:r>
-            <a:endParaRPr lang="zh-CN" altLang="en-US" sz="1200" b="1">
+          <a:p>
+            <a:pPr algn="ctr">
+              <a:lnSpc>
+                <a:spcPct val="140000"/>
+              </a:lnSpc>
+            </a:pPr>
+            <a:r>
+              <a:rPr lang="zh-CN" altLang="en-US" sz="1000">
+                <a:solidFill>
+                  <a:schemeClr val="bg1">
+                    <a:lumMod val="65000"/>
+                  </a:schemeClr>
+                </a:solidFill>
+                <a:latin typeface="微软雅黑" panose="020B0503020204020204" charset="-122"/>
+                <a:ea typeface="微软雅黑" panose="020B0503020204020204" charset="-122"/>
+              </a:rPr>
+              <a:t>可以覆盖</a:t>
+            </a:r>
+            <a:r>
+              <a:rPr lang="en-US" altLang="zh-CN" sz="1000">
+                <a:solidFill>
+                  <a:schemeClr val="bg1">
+                    <a:lumMod val="65000"/>
+                  </a:schemeClr>
+                </a:solidFill>
+                <a:latin typeface="微软雅黑" panose="020B0503020204020204" charset="-122"/>
+                <a:ea typeface="微软雅黑" panose="020B0503020204020204" charset="-122"/>
+              </a:rPr>
+              <a:t>800x600</a:t>
+            </a:r>
+            <a:r>
+              <a:rPr lang="zh-CN" altLang="en-US" sz="1000">
+                <a:solidFill>
+                  <a:schemeClr val="bg1">
+                    <a:lumMod val="65000"/>
+                  </a:schemeClr>
+                </a:solidFill>
+                <a:latin typeface="微软雅黑" panose="020B0503020204020204" charset="-122"/>
+                <a:ea typeface="微软雅黑" panose="020B0503020204020204" charset="-122"/>
+              </a:rPr>
+              <a:t>原图像中</a:t>
+            </a:r>
+            <a:endParaRPr lang="zh-CN" altLang="en-US" sz="1000">
               <a:solidFill>
-                <a:srgbClr val="0070C0"/>
+                <a:schemeClr val="bg1">
+                  <a:lumMod val="65000"/>
+                </a:schemeClr>
               </a:solidFill>
               <a:latin typeface="微软雅黑" panose="020B0503020204020204" charset="-122"/>
               <a:ea typeface="微软雅黑" panose="020B0503020204020204" charset="-122"/>
             </a:endParaRPr>
           </a:p>
+          <a:p>
+            <a:pPr algn="ctr">
+              <a:lnSpc>
+                <a:spcPct val="140000"/>
+              </a:lnSpc>
+            </a:pPr>
+            <a:r>
+              <a:rPr lang="zh-CN" altLang="en-US" sz="1000">
+                <a:solidFill>
+                  <a:schemeClr val="bg1">
+                    <a:lumMod val="65000"/>
+                  </a:schemeClr>
+                </a:solidFill>
+                <a:latin typeface="微软雅黑" panose="020B0503020204020204" charset="-122"/>
+                <a:ea typeface="微软雅黑" panose="020B0503020204020204" charset="-122"/>
+              </a:rPr>
+              <a:t>几乎所有物体外框</a:t>
+            </a:r>
+            <a:endParaRPr lang="zh-CN" altLang="en-US" sz="1000">
+              <a:solidFill>
+                <a:schemeClr val="bg1">
+                  <a:lumMod val="65000"/>
+                </a:schemeClr>
+              </a:solidFill>
+              <a:latin typeface="微软雅黑" panose="020B0503020204020204" charset="-122"/>
+              <a:ea typeface="微软雅黑" panose="020B0503020204020204" charset="-122"/>
+            </a:endParaRPr>
+          </a:p>
         </p:txBody>
       </p:sp>
       <p:sp>
@@ -10901,8 +11879,8 @@
         </p:nvSpPr>
         <p:spPr>
           <a:xfrm>
-            <a:off x="81915" y="1150620"/>
-            <a:ext cx="4343400" cy="5378450"/>
+            <a:off x="440690" y="4389120"/>
+            <a:ext cx="7582535" cy="2211705"/>
           </a:xfrm>
           <a:prstGeom prst="rect">
             <a:avLst/>
@@ -10948,7 +11926,7 @@
       </p:sp>
       <p:sp>
         <p:nvSpPr>
-          <p:cNvPr id="10" name="文本框 9"/>
+          <p:cNvPr id="9" name="文本框 8"/>
           <p:cNvSpPr txBox="1"/>
           <p:nvPr/>
         </p:nvSpPr>
@@ -10998,6 +11976,467 @@
 </file>
 
 <file path=ppt/slides/slide15.xml><?xml version="1.0" encoding="utf-8"?>
+<p:sld xmlns:a="http://schemas.openxmlformats.org/drawingml/2006/main" xmlns:r="http://schemas.openxmlformats.org/officeDocument/2006/relationships" xmlns:p="http://schemas.openxmlformats.org/presentationml/2006/main">
+  <p:cSld>
+    <p:spTree>
+      <p:nvGrpSpPr>
+        <p:cNvPr id="1" name=""/>
+        <p:cNvGrpSpPr/>
+        <p:nvPr/>
+      </p:nvGrpSpPr>
+      <p:grpSpPr>
+        <a:xfrm>
+          <a:off x="0" y="0"/>
+          <a:ext cx="0" cy="0"/>
+          <a:chOff x="0" y="0"/>
+          <a:chExt cx="0" cy="0"/>
+        </a:xfrm>
+      </p:grpSpPr>
+      <p:sp>
+        <p:nvSpPr>
+          <p:cNvPr id="61" name="文本框 60"/>
+          <p:cNvSpPr txBox="1"/>
+          <p:nvPr/>
+        </p:nvSpPr>
+        <p:spPr>
+          <a:xfrm>
+            <a:off x="4425315" y="4128135"/>
+            <a:ext cx="1753235" cy="275590"/>
+          </a:xfrm>
+          <a:prstGeom prst="rect">
+            <a:avLst/>
+          </a:prstGeom>
+          <a:noFill/>
+        </p:spPr>
+        <p:txBody>
+          <a:bodyPr wrap="square" rtlCol="0">
+            <a:spAutoFit/>
+          </a:bodyPr>
+          <a:lstStyle/>
+          <a:p>
+            <a:pPr algn="ctr"/>
+            <a:r>
+              <a:rPr lang="en-US" altLang="zh-CN" sz="1200" b="1">
+                <a:solidFill>
+                  <a:srgbClr val="0070C0"/>
+                </a:solidFill>
+                <a:latin typeface="微软雅黑" panose="020B0503020204020204" charset="-122"/>
+                <a:ea typeface="微软雅黑" panose="020B0503020204020204" charset="-122"/>
+              </a:rPr>
+              <a:t>FPN</a:t>
+            </a:r>
+            <a:r>
+              <a:rPr lang="zh-CN" altLang="en-US" sz="1200" b="1">
+                <a:solidFill>
+                  <a:srgbClr val="0070C0"/>
+                </a:solidFill>
+                <a:latin typeface="微软雅黑" panose="020B0503020204020204" charset="-122"/>
+                <a:ea typeface="微软雅黑" panose="020B0503020204020204" charset="-122"/>
+              </a:rPr>
+              <a:t>作为特征提取器</a:t>
+            </a:r>
+            <a:endParaRPr lang="zh-CN" altLang="en-US" sz="1200" b="1">
+              <a:solidFill>
+                <a:srgbClr val="0070C0"/>
+              </a:solidFill>
+              <a:latin typeface="微软雅黑" panose="020B0503020204020204" charset="-122"/>
+              <a:ea typeface="微软雅黑" panose="020B0503020204020204" charset="-122"/>
+            </a:endParaRPr>
+          </a:p>
+        </p:txBody>
+      </p:sp>
+      <p:sp>
+        <p:nvSpPr>
+          <p:cNvPr id="4" name="文本框 3"/>
+          <p:cNvSpPr txBox="1"/>
+          <p:nvPr/>
+        </p:nvSpPr>
+        <p:spPr>
+          <a:xfrm>
+            <a:off x="6318885" y="4117340"/>
+            <a:ext cx="1753235" cy="275590"/>
+          </a:xfrm>
+          <a:prstGeom prst="rect">
+            <a:avLst/>
+          </a:prstGeom>
+          <a:noFill/>
+        </p:spPr>
+        <p:txBody>
+          <a:bodyPr wrap="square" rtlCol="0">
+            <a:spAutoFit/>
+          </a:bodyPr>
+          <a:lstStyle/>
+          <a:p>
+            <a:pPr algn="ctr"/>
+            <a:r>
+              <a:rPr lang="en-US" altLang="zh-CN" sz="1200" b="1">
+                <a:solidFill>
+                  <a:srgbClr val="0070C0"/>
+                </a:solidFill>
+                <a:latin typeface="微软雅黑" panose="020B0503020204020204" charset="-122"/>
+                <a:ea typeface="微软雅黑" panose="020B0503020204020204" charset="-122"/>
+              </a:rPr>
+              <a:t>RPN</a:t>
+            </a:r>
+            <a:r>
+              <a:rPr lang="zh-CN" altLang="en-US" sz="1200" b="1">
+                <a:solidFill>
+                  <a:srgbClr val="0070C0"/>
+                </a:solidFill>
+                <a:latin typeface="微软雅黑" panose="020B0503020204020204" charset="-122"/>
+                <a:ea typeface="微软雅黑" panose="020B0503020204020204" charset="-122"/>
+              </a:rPr>
+              <a:t>生成</a:t>
+            </a:r>
+            <a:r>
+              <a:rPr lang="en-US" altLang="zh-CN" sz="1200" b="1">
+                <a:solidFill>
+                  <a:srgbClr val="0070C0"/>
+                </a:solidFill>
+                <a:latin typeface="微软雅黑" panose="020B0503020204020204" charset="-122"/>
+                <a:ea typeface="微软雅黑" panose="020B0503020204020204" charset="-122"/>
+              </a:rPr>
+              <a:t>ROIs</a:t>
+            </a:r>
+            <a:endParaRPr lang="en-US" altLang="zh-CN" sz="1200" b="1">
+              <a:solidFill>
+                <a:srgbClr val="0070C0"/>
+              </a:solidFill>
+              <a:latin typeface="微软雅黑" panose="020B0503020204020204" charset="-122"/>
+              <a:ea typeface="微软雅黑" panose="020B0503020204020204" charset="-122"/>
+            </a:endParaRPr>
+          </a:p>
+        </p:txBody>
+      </p:sp>
+      <p:sp>
+        <p:nvSpPr>
+          <p:cNvPr id="24" name="文本框 23"/>
+          <p:cNvSpPr txBox="1"/>
+          <p:nvPr/>
+        </p:nvSpPr>
+        <p:spPr>
+          <a:xfrm>
+            <a:off x="2332990" y="3439160"/>
+            <a:ext cx="971550" cy="349250"/>
+          </a:xfrm>
+          <a:prstGeom prst="rect">
+            <a:avLst/>
+          </a:prstGeom>
+          <a:noFill/>
+        </p:spPr>
+        <p:txBody>
+          <a:bodyPr wrap="square" rtlCol="0">
+            <a:spAutoFit/>
+          </a:bodyPr>
+          <a:lstStyle/>
+          <a:p>
+            <a:pPr algn="ctr">
+              <a:lnSpc>
+                <a:spcPct val="140000"/>
+              </a:lnSpc>
+            </a:pPr>
+            <a:r>
+              <a:rPr lang="zh-CN" altLang="en-US" sz="1200" b="1">
+                <a:solidFill>
+                  <a:srgbClr val="C00000"/>
+                </a:solidFill>
+                <a:latin typeface="微软雅黑" panose="020B0503020204020204" charset="-122"/>
+                <a:ea typeface="微软雅黑" panose="020B0503020204020204" charset="-122"/>
+              </a:rPr>
+              <a:t>元素相加</a:t>
+            </a:r>
+            <a:endParaRPr lang="zh-CN" altLang="en-US" sz="1200" b="1">
+              <a:solidFill>
+                <a:srgbClr val="C00000"/>
+              </a:solidFill>
+              <a:latin typeface="微软雅黑" panose="020B0503020204020204" charset="-122"/>
+              <a:ea typeface="微软雅黑" panose="020B0503020204020204" charset="-122"/>
+            </a:endParaRPr>
+          </a:p>
+        </p:txBody>
+      </p:sp>
+      <p:sp>
+        <p:nvSpPr>
+          <p:cNvPr id="7" name="文本框 6"/>
+          <p:cNvSpPr txBox="1"/>
+          <p:nvPr/>
+        </p:nvSpPr>
+        <p:spPr>
+          <a:xfrm>
+            <a:off x="2552700" y="2479040"/>
+            <a:ext cx="1675765" cy="607695"/>
+          </a:xfrm>
+          <a:prstGeom prst="rect">
+            <a:avLst/>
+          </a:prstGeom>
+          <a:noFill/>
+        </p:spPr>
+        <p:txBody>
+          <a:bodyPr wrap="square" rtlCol="0">
+            <a:spAutoFit/>
+          </a:bodyPr>
+          <a:lstStyle/>
+          <a:p>
+            <a:pPr algn="ctr">
+              <a:lnSpc>
+                <a:spcPct val="140000"/>
+              </a:lnSpc>
+            </a:pPr>
+            <a:r>
+              <a:rPr lang="en-US" altLang="zh-CN" sz="1200" b="1">
+                <a:solidFill>
+                  <a:srgbClr val="FC0280"/>
+                </a:solidFill>
+                <a:latin typeface="微软雅黑" panose="020B0503020204020204" charset="-122"/>
+                <a:ea typeface="微软雅黑" panose="020B0503020204020204" charset="-122"/>
+              </a:rPr>
+              <a:t>3x3</a:t>
+            </a:r>
+            <a:r>
+              <a:rPr lang="zh-CN" altLang="en-US" sz="1200" b="1">
+                <a:solidFill>
+                  <a:srgbClr val="FC0280"/>
+                </a:solidFill>
+                <a:latin typeface="微软雅黑" panose="020B0503020204020204" charset="-122"/>
+                <a:ea typeface="微软雅黑" panose="020B0503020204020204" charset="-122"/>
+              </a:rPr>
+              <a:t>卷积将两张特征图合并，防止失真</a:t>
+            </a:r>
+            <a:endParaRPr lang="zh-CN" altLang="en-US" sz="1200" b="1">
+              <a:solidFill>
+                <a:srgbClr val="FC0280"/>
+              </a:solidFill>
+              <a:latin typeface="微软雅黑" panose="020B0503020204020204" charset="-122"/>
+              <a:ea typeface="微软雅黑" panose="020B0503020204020204" charset="-122"/>
+            </a:endParaRPr>
+          </a:p>
+        </p:txBody>
+      </p:sp>
+      <p:sp>
+        <p:nvSpPr>
+          <p:cNvPr id="8" name="文本框 7"/>
+          <p:cNvSpPr txBox="1"/>
+          <p:nvPr/>
+        </p:nvSpPr>
+        <p:spPr>
+          <a:xfrm>
+            <a:off x="1679575" y="1489075"/>
+            <a:ext cx="1800860" cy="349250"/>
+          </a:xfrm>
+          <a:prstGeom prst="rect">
+            <a:avLst/>
+          </a:prstGeom>
+          <a:noFill/>
+        </p:spPr>
+        <p:txBody>
+          <a:bodyPr wrap="square" rtlCol="0">
+            <a:spAutoFit/>
+          </a:bodyPr>
+          <a:lstStyle/>
+          <a:p>
+            <a:pPr algn="ctr">
+              <a:lnSpc>
+                <a:spcPct val="140000"/>
+              </a:lnSpc>
+            </a:pPr>
+            <a:r>
+              <a:rPr lang="en-US" altLang="zh-CN" sz="1200" b="1">
+                <a:solidFill>
+                  <a:srgbClr val="C00000"/>
+                </a:solidFill>
+                <a:latin typeface="微软雅黑" panose="020B0503020204020204" charset="-122"/>
+                <a:ea typeface="微软雅黑" panose="020B0503020204020204" charset="-122"/>
+              </a:rPr>
+              <a:t>1x1</a:t>
+            </a:r>
+            <a:r>
+              <a:rPr lang="zh-CN" altLang="en-US" sz="1200" b="1">
+                <a:solidFill>
+                  <a:srgbClr val="C00000"/>
+                </a:solidFill>
+                <a:latin typeface="微软雅黑" panose="020B0503020204020204" charset="-122"/>
+                <a:ea typeface="微软雅黑" panose="020B0503020204020204" charset="-122"/>
+              </a:rPr>
+              <a:t>卷积改变通道大小</a:t>
+            </a:r>
+            <a:endParaRPr lang="zh-CN" altLang="en-US" sz="1200" b="1">
+              <a:solidFill>
+                <a:srgbClr val="C00000"/>
+              </a:solidFill>
+              <a:latin typeface="微软雅黑" panose="020B0503020204020204" charset="-122"/>
+              <a:ea typeface="微软雅黑" panose="020B0503020204020204" charset="-122"/>
+            </a:endParaRPr>
+          </a:p>
+        </p:txBody>
+      </p:sp>
+      <p:sp>
+        <p:nvSpPr>
+          <p:cNvPr id="9" name="文本框 8"/>
+          <p:cNvSpPr txBox="1"/>
+          <p:nvPr/>
+        </p:nvSpPr>
+        <p:spPr>
+          <a:xfrm>
+            <a:off x="7374255" y="4658360"/>
+            <a:ext cx="2280920" cy="275590"/>
+          </a:xfrm>
+          <a:prstGeom prst="rect">
+            <a:avLst/>
+          </a:prstGeom>
+          <a:noFill/>
+        </p:spPr>
+        <p:txBody>
+          <a:bodyPr wrap="square" rtlCol="0">
+            <a:spAutoFit/>
+          </a:bodyPr>
+          <a:lstStyle/>
+          <a:p>
+            <a:pPr algn="ctr"/>
+            <a:r>
+              <a:rPr lang="zh-CN" altLang="en-US" sz="1200" b="1">
+                <a:solidFill>
+                  <a:srgbClr val="0070C0"/>
+                </a:solidFill>
+                <a:latin typeface="微软雅黑" panose="020B0503020204020204" charset="-122"/>
+                <a:ea typeface="微软雅黑" panose="020B0503020204020204" charset="-122"/>
+              </a:rPr>
+              <a:t>根据</a:t>
+            </a:r>
+            <a:r>
+              <a:rPr lang="en-US" altLang="zh-CN" sz="1200" b="1">
+                <a:solidFill>
+                  <a:srgbClr val="0070C0"/>
+                </a:solidFill>
+                <a:latin typeface="微软雅黑" panose="020B0503020204020204" charset="-122"/>
+                <a:ea typeface="微软雅黑" panose="020B0503020204020204" charset="-122"/>
+              </a:rPr>
+              <a:t>ROI</a:t>
+            </a:r>
+            <a:r>
+              <a:rPr lang="zh-CN" altLang="en-US" sz="1200" b="1">
+                <a:solidFill>
+                  <a:srgbClr val="0070C0"/>
+                </a:solidFill>
+                <a:latin typeface="微软雅黑" panose="020B0503020204020204" charset="-122"/>
+                <a:ea typeface="微软雅黑" panose="020B0503020204020204" charset="-122"/>
+              </a:rPr>
+              <a:t>的宽和高选择特征图</a:t>
+            </a:r>
+            <a:endParaRPr lang="zh-CN" altLang="en-US" sz="1200" b="1">
+              <a:solidFill>
+                <a:srgbClr val="0070C0"/>
+              </a:solidFill>
+              <a:latin typeface="微软雅黑" panose="020B0503020204020204" charset="-122"/>
+              <a:ea typeface="微软雅黑" panose="020B0503020204020204" charset="-122"/>
+            </a:endParaRPr>
+          </a:p>
+        </p:txBody>
+      </p:sp>
+      <p:sp>
+        <p:nvSpPr>
+          <p:cNvPr id="66" name="矩形 65"/>
+          <p:cNvSpPr/>
+          <p:nvPr/>
+        </p:nvSpPr>
+        <p:spPr>
+          <a:xfrm>
+            <a:off x="81915" y="1150620"/>
+            <a:ext cx="4343400" cy="5378450"/>
+          </a:xfrm>
+          <a:prstGeom prst="rect">
+            <a:avLst/>
+          </a:prstGeom>
+          <a:noFill/>
+          <a:ln>
+            <a:prstDash val="dash"/>
+          </a:ln>
+          <a:extLst>
+            <a:ext uri="{909E8E84-426E-40DD-AFC4-6F175D3DCCD1}">
+              <a14:hiddenFill xmlns:a14="http://schemas.microsoft.com/office/drawing/2010/main">
+                <a:solidFill>
+                  <a:schemeClr val="accent1"/>
+                </a:solidFill>
+              </a14:hiddenFill>
+            </a:ext>
+          </a:extLst>
+        </p:spPr>
+        <p:style>
+          <a:lnRef idx="2">
+            <a:schemeClr val="accent1">
+              <a:shade val="50000"/>
+            </a:schemeClr>
+          </a:lnRef>
+          <a:fillRef idx="1">
+            <a:schemeClr val="accent1"/>
+          </a:fillRef>
+          <a:effectRef idx="0">
+            <a:schemeClr val="accent1"/>
+          </a:effectRef>
+          <a:fontRef idx="minor">
+            <a:schemeClr val="lt1"/>
+          </a:fontRef>
+        </p:style>
+        <p:txBody>
+          <a:bodyPr rtlCol="0" anchor="ctr"/>
+          <a:lstStyle/>
+          <a:p>
+            <a:pPr algn="ctr"/>
+            <a:endParaRPr lang="zh-CN" altLang="en-US"/>
+          </a:p>
+        </p:txBody>
+      </p:sp>
+      <p:sp>
+        <p:nvSpPr>
+          <p:cNvPr id="10" name="文本框 9"/>
+          <p:cNvSpPr txBox="1"/>
+          <p:nvPr/>
+        </p:nvSpPr>
+        <p:spPr>
+          <a:xfrm>
+            <a:off x="335280" y="72390"/>
+            <a:ext cx="3248025" cy="398780"/>
+          </a:xfrm>
+          <a:prstGeom prst="rect">
+            <a:avLst/>
+          </a:prstGeom>
+          <a:noFill/>
+        </p:spPr>
+        <p:txBody>
+          <a:bodyPr wrap="square" rtlCol="0">
+            <a:spAutoFit/>
+          </a:bodyPr>
+          <a:lstStyle/>
+          <a:p>
+            <a:r>
+              <a:rPr lang="en-US" altLang="zh-CN" sz="2000" b="1" dirty="0" err="1">
+                <a:latin typeface="微软雅黑" panose="020B0503020204020204" charset="-122"/>
+                <a:ea typeface="微软雅黑" panose="020B0503020204020204" charset="-122"/>
+              </a:rPr>
+              <a:t>InfoGAN</a:t>
+            </a:r>
+            <a:r>
+              <a:rPr lang="en-US" altLang="zh-CN" sz="2000" b="1" dirty="0">
+                <a:latin typeface="微软雅黑" panose="020B0503020204020204" charset="-122"/>
+                <a:ea typeface="微软雅黑" panose="020B0503020204020204" charset="-122"/>
+              </a:rPr>
+              <a:t> - 2016</a:t>
+            </a:r>
+            <a:endParaRPr lang="en-US" altLang="zh-CN" sz="2000" b="1" dirty="0">
+              <a:latin typeface="微软雅黑" panose="020B0503020204020204" charset="-122"/>
+              <a:ea typeface="微软雅黑" panose="020B0503020204020204" charset="-122"/>
+            </a:endParaRPr>
+          </a:p>
+        </p:txBody>
+      </p:sp>
+    </p:spTree>
+  </p:cSld>
+  <p:clrMapOvr>
+    <a:masterClrMapping/>
+  </p:clrMapOvr>
+</p:sld>
+</file>
+
+<file path=ppt/slides/slide16.xml><?xml version="1.0" encoding="utf-8"?>
 <p:sld xmlns:a="http://schemas.openxmlformats.org/drawingml/2006/main" xmlns:r="http://schemas.openxmlformats.org/officeDocument/2006/relationships" xmlns:p="http://schemas.openxmlformats.org/presentationml/2006/main">
   <p:cSld>
     <p:spTree>
@@ -15109,7 +16548,7 @@
 </p:sld>
 </file>
 
-<file path=ppt/slides/slide16.xml><?xml version="1.0" encoding="utf-8"?>
+<file path=ppt/slides/slide17.xml><?xml version="1.0" encoding="utf-8"?>
 <p:sld xmlns:a="http://schemas.openxmlformats.org/drawingml/2006/main" xmlns:r="http://schemas.openxmlformats.org/officeDocument/2006/relationships" xmlns:p="http://schemas.openxmlformats.org/presentationml/2006/main">
   <p:cSld>
     <p:spTree>
@@ -19091,7 +20530,7 @@
 </p:sld>
 </file>
 
-<file path=ppt/slides/slide17.xml><?xml version="1.0" encoding="utf-8"?>
+<file path=ppt/slides/slide18.xml><?xml version="1.0" encoding="utf-8"?>
 <p:sld xmlns:a="http://schemas.openxmlformats.org/drawingml/2006/main" xmlns:r="http://schemas.openxmlformats.org/officeDocument/2006/relationships" xmlns:p="http://schemas.openxmlformats.org/presentationml/2006/main">
   <p:cSld>
     <p:spTree>

--- a/GAN_Understanding/GANunderstanding.pptx
+++ b/GAN_Understanding/GANunderstanding.pptx
@@ -2905,7 +2905,7 @@
         <a:spcBef>
           <a:spcPts val="1000"/>
         </a:spcBef>
-        <a:buFont typeface="Arial" panose="020B0604020202090204" pitchFamily="34" charset="0"/>
+        <a:buFont typeface="Arial" panose="020B0604020202020204" pitchFamily="34" charset="0"/>
         <a:buChar char="•"/>
         <a:defRPr sz="2800" kern="1200">
           <a:solidFill>
@@ -2923,7 +2923,7 @@
         <a:spcBef>
           <a:spcPts val="500"/>
         </a:spcBef>
-        <a:buFont typeface="Arial" panose="020B0604020202090204" pitchFamily="34" charset="0"/>
+        <a:buFont typeface="Arial" panose="020B0604020202020204" pitchFamily="34" charset="0"/>
         <a:buChar char="•"/>
         <a:defRPr sz="2400" kern="1200">
           <a:solidFill>
@@ -2941,7 +2941,7 @@
         <a:spcBef>
           <a:spcPts val="500"/>
         </a:spcBef>
-        <a:buFont typeface="Arial" panose="020B0604020202090204" pitchFamily="34" charset="0"/>
+        <a:buFont typeface="Arial" panose="020B0604020202020204" pitchFamily="34" charset="0"/>
         <a:buChar char="•"/>
         <a:defRPr sz="2000" kern="1200">
           <a:solidFill>
@@ -2959,7 +2959,7 @@
         <a:spcBef>
           <a:spcPts val="500"/>
         </a:spcBef>
-        <a:buFont typeface="Arial" panose="020B0604020202090204" pitchFamily="34" charset="0"/>
+        <a:buFont typeface="Arial" panose="020B0604020202020204" pitchFamily="34" charset="0"/>
         <a:buChar char="•"/>
         <a:defRPr sz="1800" kern="1200">
           <a:solidFill>
@@ -2977,7 +2977,7 @@
         <a:spcBef>
           <a:spcPts val="500"/>
         </a:spcBef>
-        <a:buFont typeface="Arial" panose="020B0604020202090204" pitchFamily="34" charset="0"/>
+        <a:buFont typeface="Arial" panose="020B0604020202020204" pitchFamily="34" charset="0"/>
         <a:buChar char="•"/>
         <a:defRPr sz="1800" kern="1200">
           <a:solidFill>
@@ -2995,7 +2995,7 @@
         <a:spcBef>
           <a:spcPts val="500"/>
         </a:spcBef>
-        <a:buFont typeface="Arial" panose="020B0604020202090204" pitchFamily="34" charset="0"/>
+        <a:buFont typeface="Arial" panose="020B0604020202020204" pitchFamily="34" charset="0"/>
         <a:buChar char="•"/>
         <a:defRPr sz="1800" kern="1200">
           <a:solidFill>
@@ -3013,7 +3013,7 @@
         <a:spcBef>
           <a:spcPts val="500"/>
         </a:spcBef>
-        <a:buFont typeface="Arial" panose="020B0604020202090204" pitchFamily="34" charset="0"/>
+        <a:buFont typeface="Arial" panose="020B0604020202020204" pitchFamily="34" charset="0"/>
         <a:buChar char="•"/>
         <a:defRPr sz="1800" kern="1200">
           <a:solidFill>
@@ -3031,7 +3031,7 @@
         <a:spcBef>
           <a:spcPts val="500"/>
         </a:spcBef>
-        <a:buFont typeface="Arial" panose="020B0604020202090204" pitchFamily="34" charset="0"/>
+        <a:buFont typeface="Arial" panose="020B0604020202020204" pitchFamily="34" charset="0"/>
         <a:buChar char="•"/>
         <a:defRPr sz="1800" kern="1200">
           <a:solidFill>
@@ -3049,7 +3049,7 @@
         <a:spcBef>
           <a:spcPts val="500"/>
         </a:spcBef>
-        <a:buFont typeface="Arial" panose="020B0604020202090204" pitchFamily="34" charset="0"/>
+        <a:buFont typeface="Arial" panose="020B0604020202020204" pitchFamily="34" charset="0"/>
         <a:buChar char="•"/>
         <a:defRPr sz="1800" kern="1200">
           <a:solidFill>
@@ -3422,7 +3422,7 @@
                   <a:srgbClr val="455368"/>
                 </a:solidFill>
                 <a:latin typeface="Arial Narrow" panose="020B0606020202030204" pitchFamily="34" charset="0"/>
-                <a:cs typeface="Arial" panose="020B0604020202090204" pitchFamily="34" charset="0"/>
+                <a:cs typeface="Arial" panose="020B0604020202020204" pitchFamily="34" charset="0"/>
               </a:rPr>
               <a:t>1.x</a:t>
             </a:r>
@@ -3431,7 +3431,7 @@
                 <a:srgbClr val="455368"/>
               </a:solidFill>
               <a:latin typeface="Arial Narrow" panose="020B0606020202030204" pitchFamily="34" charset="0"/>
-              <a:cs typeface="Arial" panose="020B0604020202090204" pitchFamily="34" charset="0"/>
+              <a:cs typeface="Arial" panose="020B0604020202020204" pitchFamily="34" charset="0"/>
             </a:endParaRPr>
           </a:p>
         </p:txBody>
@@ -3582,7 +3582,7 @@
                   <a:srgbClr val="455368"/>
                 </a:solidFill>
                 <a:latin typeface="Arial Narrow" panose="020B0606020202030204" pitchFamily="34" charset="0"/>
-                <a:cs typeface="Arial" panose="020B0604020202090204" pitchFamily="34" charset="0"/>
+                <a:cs typeface="Arial" panose="020B0604020202020204" pitchFamily="34" charset="0"/>
               </a:rPr>
               <a:t>2.x</a:t>
             </a:r>
@@ -3591,7 +3591,7 @@
                 <a:srgbClr val="455368"/>
               </a:solidFill>
               <a:latin typeface="Arial Narrow" panose="020B0606020202030204" pitchFamily="34" charset="0"/>
-              <a:cs typeface="Arial" panose="020B0604020202090204" pitchFamily="34" charset="0"/>
+              <a:cs typeface="Arial" panose="020B0604020202020204" pitchFamily="34" charset="0"/>
             </a:endParaRPr>
           </a:p>
         </p:txBody>
@@ -7483,7 +7483,7 @@
                     <a:lumOff val="50000"/>
                   </a:schemeClr>
                 </a:solidFill>
-                <a:latin typeface="Arial" panose="020B0604020202090204" pitchFamily="34" charset="0"/>
+                <a:latin typeface="Arial" panose="020B0604020202020204" pitchFamily="34" charset="0"/>
               </a:rPr>
               <a:t>221x221x96</a:t>
             </a:r>
@@ -7494,7 +7494,7 @@
                   <a:lumOff val="50000"/>
                 </a:schemeClr>
               </a:solidFill>
-              <a:latin typeface="Arial" panose="020B0604020202090204" pitchFamily="34" charset="0"/>
+              <a:latin typeface="Arial" panose="020B0604020202020204" pitchFamily="34" charset="0"/>
             </a:endParaRPr>
           </a:p>
         </p:txBody>
@@ -7549,7 +7549,7 @@
                     <a:lumOff val="50000"/>
                   </a:schemeClr>
                 </a:solidFill>
-                <a:latin typeface="Arial" panose="020B0604020202090204" pitchFamily="34" charset="0"/>
+                <a:latin typeface="Arial" panose="020B0604020202020204" pitchFamily="34" charset="0"/>
               </a:rPr>
               <a:t>36x36x256</a:t>
             </a:r>
@@ -7560,7 +7560,7 @@
                   <a:lumOff val="50000"/>
                 </a:schemeClr>
               </a:solidFill>
-              <a:latin typeface="Arial" panose="020B0604020202090204" pitchFamily="34" charset="0"/>
+              <a:latin typeface="Arial" panose="020B0604020202020204" pitchFamily="34" charset="0"/>
             </a:endParaRPr>
           </a:p>
         </p:txBody>
@@ -7615,7 +7615,7 @@
                     <a:lumOff val="50000"/>
                   </a:schemeClr>
                 </a:solidFill>
-                <a:latin typeface="Arial" panose="020B0604020202090204" pitchFamily="34" charset="0"/>
+                <a:latin typeface="Arial" panose="020B0604020202020204" pitchFamily="34" charset="0"/>
               </a:rPr>
               <a:t>15x15x512</a:t>
             </a:r>
@@ -7626,7 +7626,7 @@
                   <a:lumOff val="50000"/>
                 </a:schemeClr>
               </a:solidFill>
-              <a:latin typeface="Arial" panose="020B0604020202090204" pitchFamily="34" charset="0"/>
+              <a:latin typeface="Arial" panose="020B0604020202020204" pitchFamily="34" charset="0"/>
             </a:endParaRPr>
           </a:p>
         </p:txBody>
@@ -7681,7 +7681,7 @@
                     <a:lumOff val="50000"/>
                   </a:schemeClr>
                 </a:solidFill>
-                <a:latin typeface="Arial" panose="020B0604020202090204" pitchFamily="34" charset="0"/>
+                <a:latin typeface="Arial" panose="020B0604020202020204" pitchFamily="34" charset="0"/>
               </a:rPr>
               <a:t>15x15x512</a:t>
             </a:r>
@@ -7692,7 +7692,7 @@
                   <a:lumOff val="50000"/>
                 </a:schemeClr>
               </a:solidFill>
-              <a:latin typeface="Arial" panose="020B0604020202090204" pitchFamily="34" charset="0"/>
+              <a:latin typeface="Arial" panose="020B0604020202020204" pitchFamily="34" charset="0"/>
             </a:endParaRPr>
           </a:p>
         </p:txBody>
@@ -7747,7 +7747,7 @@
                     <a:lumOff val="50000"/>
                   </a:schemeClr>
                 </a:solidFill>
-                <a:latin typeface="Arial" panose="020B0604020202090204" pitchFamily="34" charset="0"/>
+                <a:latin typeface="Arial" panose="020B0604020202020204" pitchFamily="34" charset="0"/>
               </a:rPr>
               <a:t>15x15x1024</a:t>
             </a:r>
@@ -7758,7 +7758,7 @@
                   <a:lumOff val="50000"/>
                 </a:schemeClr>
               </a:solidFill>
-              <a:latin typeface="Arial" panose="020B0604020202090204" pitchFamily="34" charset="0"/>
+              <a:latin typeface="Arial" panose="020B0604020202020204" pitchFamily="34" charset="0"/>
             </a:endParaRPr>
           </a:p>
         </p:txBody>
@@ -8484,55 +8484,14 @@
       </p:grpSpPr>
       <p:sp>
         <p:nvSpPr>
-          <p:cNvPr id="2" name="右大括号 1"/>
-          <p:cNvSpPr/>
-          <p:nvPr/>
-        </p:nvSpPr>
-        <p:spPr>
-          <a:xfrm rot="16200000">
-            <a:off x="3482340" y="1690370"/>
-            <a:ext cx="179705" cy="3024505"/>
-          </a:xfrm>
-          <a:prstGeom prst="rightBrace">
-            <a:avLst>
-              <a:gd name="adj1" fmla="val 217817"/>
-              <a:gd name="adj2" fmla="val 50000"/>
-            </a:avLst>
-          </a:prstGeom>
-        </p:spPr>
-        <p:style>
-          <a:lnRef idx="1">
-            <a:schemeClr val="accent1"/>
-          </a:lnRef>
-          <a:fillRef idx="0">
-            <a:schemeClr val="accent1"/>
-          </a:fillRef>
-          <a:effectRef idx="0">
-            <a:schemeClr val="accent1"/>
-          </a:effectRef>
-          <a:fontRef idx="minor">
-            <a:schemeClr val="tx1"/>
-          </a:fontRef>
-        </p:style>
-        <p:txBody>
-          <a:bodyPr rtlCol="0" anchor="ctr"/>
-          <a:lstStyle/>
-          <a:p>
-            <a:pPr algn="ctr"/>
-            <a:endParaRPr lang="zh-CN" altLang="en-US"/>
-          </a:p>
-        </p:txBody>
-      </p:sp>
-      <p:sp>
-        <p:nvSpPr>
-          <p:cNvPr id="72" name="文本框 71"/>
+          <p:cNvPr id="48" name="文本框 47"/>
           <p:cNvSpPr txBox="1"/>
           <p:nvPr/>
         </p:nvSpPr>
         <p:spPr>
           <a:xfrm>
-            <a:off x="2459355" y="2806065"/>
-            <a:ext cx="2226310" cy="306705"/>
+            <a:off x="335280" y="72390"/>
+            <a:ext cx="3248025" cy="398780"/>
           </a:xfrm>
           <a:prstGeom prst="rect">
             <a:avLst/>
@@ -8545,28 +8504,403 @@
           </a:bodyPr>
           <a:lstStyle/>
           <a:p>
+            <a:r>
+              <a:rPr lang="en-US" altLang="zh-CN" sz="2000" b="1" dirty="0">
+                <a:latin typeface="微软雅黑" panose="020B0503020204020204" charset="-122"/>
+                <a:ea typeface="微软雅黑" panose="020B0503020204020204" charset="-122"/>
+              </a:rPr>
+              <a:t>WGAN-GP 2017.03</a:t>
+            </a:r>
+            <a:endParaRPr lang="en-US" altLang="zh-CN" sz="2000" b="1" dirty="0">
+              <a:latin typeface="微软雅黑" panose="020B0503020204020204" charset="-122"/>
+              <a:ea typeface="微软雅黑" panose="020B0503020204020204" charset="-122"/>
+            </a:endParaRPr>
+          </a:p>
+        </p:txBody>
+      </p:sp>
+      <p:sp>
+        <p:nvSpPr>
+          <p:cNvPr id="3" name="内容占位符 2"/>
+          <p:cNvSpPr>
+            <a:spLocks noGrp="1"/>
+          </p:cNvSpPr>
+          <p:nvPr>
+            <p:ph idx="1"/>
+          </p:nvPr>
+        </p:nvSpPr>
+        <p:spPr>
+          <a:xfrm>
+            <a:off x="436880" y="568325"/>
+            <a:ext cx="9966325" cy="2188845"/>
+          </a:xfrm>
+        </p:spPr>
+        <p:txBody>
+          <a:bodyPr>
+            <a:normAutofit lnSpcReduction="20000"/>
+          </a:bodyPr>
+          <a:p>
+            <a:pPr algn="l"/>
+            <a:r>
+              <a:rPr lang="zh-CN" altLang="en-US" sz="1200" b="1">
+                <a:solidFill>
+                  <a:schemeClr val="accent6">
+                    <a:lumMod val="75000"/>
+                  </a:schemeClr>
+                </a:solidFill>
+                <a:latin typeface="微软雅黑" panose="020B0503020204020204" charset="-122"/>
+                <a:ea typeface="微软雅黑" panose="020B0503020204020204" charset="-122"/>
+              </a:rPr>
+              <a:t>目标</a:t>
+            </a:r>
+            <a:r>
+              <a:rPr lang="zh-CN" altLang="en-US" sz="1200">
+                <a:latin typeface="微软雅黑" panose="020B0503020204020204" charset="-122"/>
+                <a:ea typeface="微软雅黑" panose="020B0503020204020204" charset="-122"/>
+              </a:rPr>
+              <a:t>：针对 </a:t>
+            </a:r>
+            <a:r>
+              <a:rPr lang="en-US" altLang="zh-CN" sz="1200">
+                <a:latin typeface="微软雅黑" panose="020B0503020204020204" charset="-122"/>
+                <a:ea typeface="微软雅黑" panose="020B0503020204020204" charset="-122"/>
+              </a:rPr>
+              <a:t>WGAN</a:t>
+            </a:r>
+            <a:r>
+              <a:rPr lang="zh-CN" altLang="en-US" sz="1200">
+                <a:latin typeface="微软雅黑" panose="020B0503020204020204" charset="-122"/>
+                <a:ea typeface="微软雅黑" panose="020B0503020204020204" charset="-122"/>
+              </a:rPr>
+              <a:t>训练困难、收敛速度慢 改进；</a:t>
+            </a:r>
+            <a:endParaRPr lang="zh-CN" altLang="en-US" sz="1200">
+              <a:latin typeface="微软雅黑" panose="020B0503020204020204" charset="-122"/>
+              <a:ea typeface="微软雅黑" panose="020B0503020204020204" charset="-122"/>
+            </a:endParaRPr>
+          </a:p>
+          <a:p>
+            <a:pPr algn="l" fontAlgn="auto">
+              <a:lnSpc>
+                <a:spcPts val="1440"/>
+              </a:lnSpc>
+            </a:pPr>
+            <a:r>
+              <a:rPr lang="zh-CN" altLang="en-US" sz="1200" b="1">
+                <a:solidFill>
+                  <a:schemeClr val="accent5">
+                    <a:lumMod val="75000"/>
+                  </a:schemeClr>
+                </a:solidFill>
+                <a:latin typeface="微软雅黑" panose="020B0503020204020204" charset="-122"/>
+                <a:ea typeface="微软雅黑" panose="020B0503020204020204" charset="-122"/>
+              </a:rPr>
+              <a:t>分析</a:t>
+            </a:r>
+            <a:r>
+              <a:rPr lang="zh-CN" altLang="en-US" sz="1200">
+                <a:latin typeface="微软雅黑" panose="020B0503020204020204" charset="-122"/>
+                <a:ea typeface="微软雅黑" panose="020B0503020204020204" charset="-122"/>
+              </a:rPr>
+              <a:t>：</a:t>
+            </a:r>
+            <a:endParaRPr lang="zh-CN" altLang="en-US" sz="1200">
+              <a:latin typeface="微软雅黑" panose="020B0503020204020204" charset="-122"/>
+              <a:ea typeface="微软雅黑" panose="020B0503020204020204" charset="-122"/>
+            </a:endParaRPr>
+          </a:p>
+          <a:p>
+            <a:pPr algn="l" fontAlgn="auto">
+              <a:lnSpc>
+                <a:spcPts val="1440"/>
+              </a:lnSpc>
+            </a:pPr>
+            <a:r>
+              <a:rPr lang="en-US" altLang="zh-CN" sz="1200">
+                <a:latin typeface="微软雅黑" panose="020B0503020204020204" charset="-122"/>
+                <a:ea typeface="微软雅黑" panose="020B0503020204020204" charset="-122"/>
+              </a:rPr>
+              <a:t>          WGAN  Lipschitz限制条件</a:t>
+            </a:r>
+            <a:r>
+              <a:rPr lang="zh-CN" altLang="en-US" sz="1200">
+                <a:latin typeface="微软雅黑" panose="020B0503020204020204" charset="-122"/>
+                <a:ea typeface="微软雅黑" panose="020B0503020204020204" charset="-122"/>
+              </a:rPr>
+              <a:t>使用</a:t>
+            </a:r>
+            <a:r>
+              <a:rPr lang="en-US" altLang="zh-CN" sz="1200">
+                <a:latin typeface="微软雅黑" panose="020B0503020204020204" charset="-122"/>
+                <a:ea typeface="微软雅黑" panose="020B0503020204020204" charset="-122"/>
+              </a:rPr>
+              <a:t> weight clipping，每更新完一次判别器的参数后，</a:t>
+            </a:r>
+            <a:endParaRPr lang="en-US" altLang="zh-CN" sz="1200">
+              <a:latin typeface="微软雅黑" panose="020B0503020204020204" charset="-122"/>
+              <a:ea typeface="微软雅黑" panose="020B0503020204020204" charset="-122"/>
+            </a:endParaRPr>
+          </a:p>
+          <a:p>
+            <a:pPr algn="l" fontAlgn="auto">
+              <a:lnSpc>
+                <a:spcPts val="1440"/>
+              </a:lnSpc>
+            </a:pPr>
+            <a:r>
+              <a:rPr lang="en-US" altLang="zh-CN" sz="1200">
+                <a:latin typeface="微软雅黑" panose="020B0503020204020204" charset="-122"/>
+                <a:ea typeface="微软雅黑" panose="020B0503020204020204" charset="-122"/>
+              </a:rPr>
+              <a:t>          检查判别器的所有参数的绝对值有没有超过阈值，比如0.01，有就把这些参数</a:t>
+            </a:r>
+            <a:r>
+              <a:rPr lang="zh-CN" altLang="en-US" sz="1200">
+                <a:latin typeface="微软雅黑" panose="020B0503020204020204" charset="-122"/>
+                <a:ea typeface="微软雅黑" panose="020B0503020204020204" charset="-122"/>
+              </a:rPr>
+              <a:t>修改到</a:t>
+            </a:r>
+            <a:r>
+              <a:rPr lang="en-US" altLang="zh-CN" sz="1200">
+                <a:latin typeface="微软雅黑" panose="020B0503020204020204" charset="-122"/>
+                <a:ea typeface="微软雅黑" panose="020B0503020204020204" charset="-122"/>
+              </a:rPr>
+              <a:t> [-0.01, 0.01] 范围内。</a:t>
+            </a:r>
+            <a:endParaRPr lang="en-US" altLang="zh-CN" sz="1200">
+              <a:latin typeface="微软雅黑" panose="020B0503020204020204" charset="-122"/>
+              <a:ea typeface="微软雅黑" panose="020B0503020204020204" charset="-122"/>
+            </a:endParaRPr>
+          </a:p>
+          <a:p>
+            <a:pPr algn="l" fontAlgn="auto">
+              <a:lnSpc>
+                <a:spcPts val="1440"/>
+              </a:lnSpc>
+            </a:pPr>
+            <a:r>
+              <a:rPr lang="en-US" altLang="zh-CN" sz="1200">
+                <a:latin typeface="微软雅黑" panose="020B0503020204020204" charset="-122"/>
+                <a:ea typeface="微软雅黑" panose="020B0503020204020204" charset="-122"/>
+              </a:rPr>
+              <a:t>          保证了判别器不</a:t>
+            </a:r>
+            <a:r>
+              <a:rPr lang="zh-CN" altLang="en-US" sz="1200">
+                <a:latin typeface="微软雅黑" panose="020B0503020204020204" charset="-122"/>
+                <a:ea typeface="微软雅黑" panose="020B0503020204020204" charset="-122"/>
+              </a:rPr>
+              <a:t>会</a:t>
+            </a:r>
+            <a:r>
+              <a:rPr lang="en-US" altLang="zh-CN" sz="1200">
+                <a:latin typeface="微软雅黑" panose="020B0503020204020204" charset="-122"/>
+                <a:ea typeface="微软雅黑" panose="020B0503020204020204" charset="-122"/>
+              </a:rPr>
+              <a:t>对两个略微不同样本</a:t>
+            </a:r>
+            <a:r>
+              <a:rPr lang="zh-CN" altLang="en-US" sz="1200">
+                <a:latin typeface="微软雅黑" panose="020B0503020204020204" charset="-122"/>
+                <a:ea typeface="微软雅黑" panose="020B0503020204020204" charset="-122"/>
+              </a:rPr>
+              <a:t>的</a:t>
+            </a:r>
+            <a:r>
+              <a:rPr lang="en-US" altLang="zh-CN" sz="1200">
+                <a:latin typeface="微软雅黑" panose="020B0503020204020204" charset="-122"/>
+                <a:ea typeface="微软雅黑" panose="020B0503020204020204" charset="-122"/>
+              </a:rPr>
+              <a:t>判别不会差异过大</a:t>
+            </a:r>
+            <a:r>
+              <a:rPr lang="zh-CN" altLang="en-US" sz="1200">
+                <a:latin typeface="微软雅黑" panose="020B0503020204020204" charset="-122"/>
+                <a:ea typeface="微软雅黑" panose="020B0503020204020204" charset="-122"/>
+              </a:rPr>
+              <a:t>，间接实现了</a:t>
+            </a:r>
+            <a:r>
+              <a:rPr lang="en-US" altLang="zh-CN" sz="1200">
+                <a:latin typeface="微软雅黑" panose="020B0503020204020204" charset="-122"/>
+                <a:ea typeface="微软雅黑" panose="020B0503020204020204" charset="-122"/>
+                <a:sym typeface="+mn-ea"/>
+              </a:rPr>
+              <a:t>Lipschitz限制</a:t>
+            </a:r>
+            <a:r>
+              <a:rPr lang="zh-CN" altLang="en-US" sz="1200">
+                <a:latin typeface="微软雅黑" panose="020B0503020204020204" charset="-122"/>
+                <a:ea typeface="微软雅黑" panose="020B0503020204020204" charset="-122"/>
+                <a:sym typeface="+mn-ea"/>
+              </a:rPr>
+              <a:t>。</a:t>
+            </a:r>
+            <a:endParaRPr lang="en-US" altLang="zh-CN" sz="1200">
+              <a:latin typeface="微软雅黑" panose="020B0503020204020204" charset="-122"/>
+              <a:ea typeface="微软雅黑" panose="020B0503020204020204" charset="-122"/>
+              <a:sym typeface="+mn-ea"/>
+            </a:endParaRPr>
+          </a:p>
+          <a:p>
+            <a:pPr algn="l" fontAlgn="auto">
+              <a:lnSpc>
+                <a:spcPts val="1440"/>
+              </a:lnSpc>
+            </a:pPr>
+            <a:r>
+              <a:rPr lang="en-US" altLang="zh-CN" sz="1200">
+                <a:latin typeface="微软雅黑" panose="020B0503020204020204" charset="-122"/>
+                <a:ea typeface="微软雅黑" panose="020B0503020204020204" charset="-122"/>
+                <a:sym typeface="+mn-ea"/>
+              </a:rPr>
+              <a:t>          Weight C</a:t>
+            </a:r>
+            <a:r>
+              <a:rPr lang="en-US" altLang="zh-CN" sz="1200">
+                <a:latin typeface="微软雅黑" panose="020B0503020204020204" charset="-122"/>
+                <a:ea typeface="微软雅黑" panose="020B0503020204020204" charset="-122"/>
+                <a:sym typeface="+mn-ea"/>
+              </a:rPr>
+              <a:t>lipping独立地限制网络参数的取值范围，在这种情况下最优策略就是参数要么取最大值（如0.01）要么取最小值（如-0.01）</a:t>
+            </a:r>
+            <a:endParaRPr lang="en-US" altLang="zh-CN" sz="1200">
+              <a:latin typeface="微软雅黑" panose="020B0503020204020204" charset="-122"/>
+              <a:ea typeface="微软雅黑" panose="020B0503020204020204" charset="-122"/>
+              <a:sym typeface="+mn-ea"/>
+            </a:endParaRPr>
+          </a:p>
+          <a:p>
+            <a:pPr algn="l"/>
+            <a:r>
+              <a:rPr lang="zh-CN" altLang="en-US" sz="1200" b="1">
+                <a:solidFill>
+                  <a:srgbClr val="00B0F0"/>
+                </a:solidFill>
+                <a:latin typeface="微软雅黑" panose="020B0503020204020204" charset="-122"/>
+                <a:ea typeface="微软雅黑" panose="020B0503020204020204" charset="-122"/>
+              </a:rPr>
+              <a:t>方法</a:t>
+            </a:r>
+            <a:r>
+              <a:rPr lang="zh-CN" altLang="en-US" sz="1200">
+                <a:latin typeface="微软雅黑" panose="020B0503020204020204" charset="-122"/>
+                <a:ea typeface="微软雅黑" panose="020B0503020204020204" charset="-122"/>
+              </a:rPr>
+              <a:t>：标准卷积滤波分解为：深度分离卷积（</a:t>
+            </a:r>
+            <a:r>
+              <a:rPr lang="zh-CN" altLang="en-US" sz="1200">
+                <a:solidFill>
+                  <a:srgbClr val="C00000"/>
+                </a:solidFill>
+                <a:latin typeface="微软雅黑" panose="020B0503020204020204" charset="-122"/>
+                <a:ea typeface="微软雅黑" panose="020B0503020204020204" charset="-122"/>
+              </a:rPr>
+              <a:t>不改变通道数量</a:t>
+            </a:r>
+            <a:r>
+              <a:rPr lang="zh-CN" altLang="en-US" sz="1200">
+                <a:latin typeface="微软雅黑" panose="020B0503020204020204" charset="-122"/>
+                <a:ea typeface="微软雅黑" panose="020B0503020204020204" charset="-122"/>
+              </a:rPr>
+              <a:t>） 和 逐点卷积 （</a:t>
+            </a:r>
+            <a:r>
+              <a:rPr lang="zh-CN" altLang="en-US" sz="1200">
+                <a:solidFill>
+                  <a:srgbClr val="0F80FF"/>
+                </a:solidFill>
+                <a:latin typeface="微软雅黑" panose="020B0503020204020204" charset="-122"/>
+                <a:ea typeface="微软雅黑" panose="020B0503020204020204" charset="-122"/>
+              </a:rPr>
+              <a:t>改变通道数量</a:t>
+            </a:r>
+            <a:r>
+              <a:rPr lang="zh-CN" altLang="en-US" sz="1200">
+                <a:latin typeface="微软雅黑" panose="020B0503020204020204" charset="-122"/>
+                <a:ea typeface="微软雅黑" panose="020B0503020204020204" charset="-122"/>
+              </a:rPr>
+              <a:t>）</a:t>
+            </a:r>
+            <a:endParaRPr lang="zh-CN" altLang="en-US" sz="1200">
+              <a:latin typeface="微软雅黑" panose="020B0503020204020204" charset="-122"/>
+              <a:ea typeface="微软雅黑" panose="020B0503020204020204" charset="-122"/>
+            </a:endParaRPr>
+          </a:p>
+        </p:txBody>
+      </p:sp>
+      <p:pic>
+        <p:nvPicPr>
+          <p:cNvPr id="4" name="图片 3"/>
+          <p:cNvPicPr>
+            <a:picLocks noChangeAspect="1"/>
+          </p:cNvPicPr>
+          <p:nvPr>
+            <p:custDataLst>
+              <p:tags r:id="rId1"/>
+            </p:custDataLst>
+          </p:nvPr>
+        </p:nvPicPr>
+        <p:blipFill>
+          <a:blip r:embed="rId2"/>
+          <a:stretch>
+            <a:fillRect/>
+          </a:stretch>
+        </p:blipFill>
+        <p:spPr>
+          <a:xfrm>
+            <a:off x="1048385" y="3005455"/>
+            <a:ext cx="2264410" cy="1684655"/>
+          </a:xfrm>
+          <a:prstGeom prst="rect">
+            <a:avLst/>
+          </a:prstGeom>
+        </p:spPr>
+      </p:pic>
+      <p:sp>
+        <p:nvSpPr>
+          <p:cNvPr id="5" name="文本框 4"/>
+          <p:cNvSpPr txBox="1"/>
+          <p:nvPr/>
+        </p:nvSpPr>
+        <p:spPr>
+          <a:xfrm>
+            <a:off x="1048385" y="2757170"/>
+            <a:ext cx="2264410" cy="213995"/>
+          </a:xfrm>
+          <a:prstGeom prst="rect">
+            <a:avLst/>
+          </a:prstGeom>
+          <a:noFill/>
+        </p:spPr>
+        <p:txBody>
+          <a:bodyPr wrap="square" rtlCol="0">
+            <a:spAutoFit/>
+          </a:bodyPr>
+          <a:p>
             <a:pPr algn="ctr"/>
             <a:r>
-              <a:rPr lang="en-US" altLang="zh-CN" sz="1400" b="1">
+              <a:rPr lang="en-US" altLang="zh-CN" sz="800" b="1">
                 <a:solidFill>
                   <a:srgbClr val="0070C0"/>
                 </a:solidFill>
                 <a:latin typeface="微软雅黑" panose="020B0503020204020204" charset="-122"/>
                 <a:ea typeface="微软雅黑" panose="020B0503020204020204" charset="-122"/>
               </a:rPr>
-              <a:t>AlexNet </a:t>
-            </a:r>
-            <a:r>
-              <a:rPr lang="zh-CN" altLang="en-US" sz="1400" b="1">
+              <a:t>Weight Clipping: </a:t>
+            </a:r>
+            <a:r>
+              <a:rPr lang="zh-CN" altLang="en-US" sz="800" b="1">
                 <a:solidFill>
                   <a:srgbClr val="0070C0"/>
                 </a:solidFill>
                 <a:latin typeface="微软雅黑" panose="020B0503020204020204" charset="-122"/>
                 <a:ea typeface="微软雅黑" panose="020B0503020204020204" charset="-122"/>
               </a:rPr>
-              <a:t>特征提取</a:t>
-            </a:r>
-            <a:endParaRPr lang="zh-CN" altLang="en-US" sz="1400" b="1">
+              <a:t>梯度对数级增长或衰减</a:t>
+            </a:r>
+            <a:endParaRPr lang="zh-CN" altLang="en-US" sz="800" b="1">
               <a:solidFill>
                 <a:srgbClr val="0070C0"/>
               </a:solidFill>
@@ -8576,346 +8910,40 @@
           </a:p>
         </p:txBody>
       </p:sp>
-      <p:sp>
-        <p:nvSpPr>
-          <p:cNvPr id="52" name="矩形 51"/>
-          <p:cNvSpPr/>
-          <p:nvPr/>
-        </p:nvSpPr>
-        <p:spPr>
-          <a:xfrm>
-            <a:off x="1543050" y="4914265"/>
-            <a:ext cx="736600" cy="215900"/>
+      <p:pic>
+        <p:nvPicPr>
+          <p:cNvPr id="6" name="图片 5"/>
+          <p:cNvPicPr>
+            <a:picLocks noChangeAspect="1"/>
+          </p:cNvPicPr>
+          <p:nvPr/>
+        </p:nvPicPr>
+        <p:blipFill>
+          <a:blip r:embed="rId3"/>
+          <a:stretch>
+            <a:fillRect/>
+          </a:stretch>
+        </p:blipFill>
+        <p:spPr>
+          <a:xfrm>
+            <a:off x="1181735" y="5008245"/>
+            <a:ext cx="2131060" cy="1811655"/>
           </a:xfrm>
           <a:prstGeom prst="rect">
             <a:avLst/>
           </a:prstGeom>
-          <a:solidFill>
-            <a:schemeClr val="bg1"/>
-          </a:solidFill>
-          <a:ln>
-            <a:noFill/>
-          </a:ln>
-        </p:spPr>
-        <p:style>
-          <a:lnRef idx="2">
-            <a:schemeClr val="accent1">
-              <a:shade val="50000"/>
-            </a:schemeClr>
-          </a:lnRef>
-          <a:fillRef idx="1">
-            <a:schemeClr val="accent1"/>
-          </a:fillRef>
-          <a:effectRef idx="0">
-            <a:schemeClr val="accent1"/>
-          </a:effectRef>
-          <a:fontRef idx="minor">
-            <a:schemeClr val="lt1"/>
-          </a:fontRef>
-        </p:style>
-        <p:txBody>
-          <a:bodyPr rtlCol="0" anchor="ctr"/>
-          <a:lstStyle/>
-          <a:p>
-            <a:pPr algn="ctr"/>
-            <a:r>
-              <a:rPr lang="en-US" altLang="zh-CN" sz="800">
-                <a:solidFill>
-                  <a:schemeClr val="tx1">
-                    <a:lumMod val="50000"/>
-                    <a:lumOff val="50000"/>
-                  </a:schemeClr>
-                </a:solidFill>
-                <a:latin typeface="Arial" panose="020B0604020202090204" pitchFamily="34" charset="0"/>
-              </a:rPr>
-              <a:t>221x221x96</a:t>
-            </a:r>
-            <a:endParaRPr lang="en-US" altLang="zh-CN" sz="800">
-              <a:solidFill>
-                <a:schemeClr val="tx1">
-                  <a:lumMod val="50000"/>
-                  <a:lumOff val="50000"/>
-                </a:schemeClr>
-              </a:solidFill>
-              <a:latin typeface="Arial" panose="020B0604020202090204" pitchFamily="34" charset="0"/>
-            </a:endParaRPr>
-          </a:p>
-        </p:txBody>
-      </p:sp>
-      <p:sp>
-        <p:nvSpPr>
-          <p:cNvPr id="53" name="矩形 52"/>
-          <p:cNvSpPr/>
-          <p:nvPr/>
-        </p:nvSpPr>
-        <p:spPr>
-          <a:xfrm>
-            <a:off x="2279015" y="4662805"/>
-            <a:ext cx="743585" cy="215900"/>
-          </a:xfrm>
-          <a:prstGeom prst="rect">
-            <a:avLst/>
-          </a:prstGeom>
-          <a:solidFill>
-            <a:schemeClr val="bg1"/>
-          </a:solidFill>
-          <a:ln>
-            <a:noFill/>
-          </a:ln>
-        </p:spPr>
-        <p:style>
-          <a:lnRef idx="2">
-            <a:schemeClr val="accent1">
-              <a:shade val="50000"/>
-            </a:schemeClr>
-          </a:lnRef>
-          <a:fillRef idx="1">
-            <a:schemeClr val="accent1"/>
-          </a:fillRef>
-          <a:effectRef idx="0">
-            <a:schemeClr val="accent1"/>
-          </a:effectRef>
-          <a:fontRef idx="minor">
-            <a:schemeClr val="lt1"/>
-          </a:fontRef>
-        </p:style>
-        <p:txBody>
-          <a:bodyPr rtlCol="0" anchor="ctr"/>
-          <a:lstStyle/>
-          <a:p>
-            <a:pPr algn="ctr"/>
-            <a:r>
-              <a:rPr lang="en-US" altLang="zh-CN" sz="800">
-                <a:solidFill>
-                  <a:schemeClr val="tx1">
-                    <a:lumMod val="50000"/>
-                    <a:lumOff val="50000"/>
-                  </a:schemeClr>
-                </a:solidFill>
-                <a:latin typeface="Arial" panose="020B0604020202090204" pitchFamily="34" charset="0"/>
-              </a:rPr>
-              <a:t>36x36x256</a:t>
-            </a:r>
-            <a:endParaRPr lang="en-US" altLang="zh-CN" sz="800">
-              <a:solidFill>
-                <a:schemeClr val="tx1">
-                  <a:lumMod val="50000"/>
-                  <a:lumOff val="50000"/>
-                </a:schemeClr>
-              </a:solidFill>
-              <a:latin typeface="Arial" panose="020B0604020202090204" pitchFamily="34" charset="0"/>
-            </a:endParaRPr>
-          </a:p>
-        </p:txBody>
-      </p:sp>
-      <p:sp>
-        <p:nvSpPr>
-          <p:cNvPr id="54" name="矩形 53"/>
-          <p:cNvSpPr/>
-          <p:nvPr/>
-        </p:nvSpPr>
-        <p:spPr>
-          <a:xfrm>
-            <a:off x="3088640" y="4488180"/>
-            <a:ext cx="723900" cy="215900"/>
-          </a:xfrm>
-          <a:prstGeom prst="rect">
-            <a:avLst/>
-          </a:prstGeom>
-          <a:solidFill>
-            <a:schemeClr val="bg1"/>
-          </a:solidFill>
-          <a:ln>
-            <a:noFill/>
-          </a:ln>
-        </p:spPr>
-        <p:style>
-          <a:lnRef idx="2">
-            <a:schemeClr val="accent1">
-              <a:shade val="50000"/>
-            </a:schemeClr>
-          </a:lnRef>
-          <a:fillRef idx="1">
-            <a:schemeClr val="accent1"/>
-          </a:fillRef>
-          <a:effectRef idx="0">
-            <a:schemeClr val="accent1"/>
-          </a:effectRef>
-          <a:fontRef idx="minor">
-            <a:schemeClr val="lt1"/>
-          </a:fontRef>
-        </p:style>
-        <p:txBody>
-          <a:bodyPr rtlCol="0" anchor="ctr"/>
-          <a:lstStyle/>
-          <a:p>
-            <a:pPr algn="ctr"/>
-            <a:r>
-              <a:rPr lang="en-US" altLang="zh-CN" sz="800">
-                <a:solidFill>
-                  <a:schemeClr val="tx1">
-                    <a:lumMod val="50000"/>
-                    <a:lumOff val="50000"/>
-                  </a:schemeClr>
-                </a:solidFill>
-                <a:latin typeface="Arial" panose="020B0604020202090204" pitchFamily="34" charset="0"/>
-              </a:rPr>
-              <a:t>15x15x512</a:t>
-            </a:r>
-            <a:endParaRPr lang="en-US" altLang="zh-CN" sz="800">
-              <a:solidFill>
-                <a:schemeClr val="tx1">
-                  <a:lumMod val="50000"/>
-                  <a:lumOff val="50000"/>
-                </a:schemeClr>
-              </a:solidFill>
-              <a:latin typeface="Arial" panose="020B0604020202090204" pitchFamily="34" charset="0"/>
-            </a:endParaRPr>
-          </a:p>
-        </p:txBody>
-      </p:sp>
-      <p:sp>
-        <p:nvSpPr>
-          <p:cNvPr id="55" name="矩形 54"/>
-          <p:cNvSpPr/>
-          <p:nvPr/>
-        </p:nvSpPr>
-        <p:spPr>
-          <a:xfrm>
-            <a:off x="3884295" y="4488180"/>
-            <a:ext cx="723900" cy="215900"/>
-          </a:xfrm>
-          <a:prstGeom prst="rect">
-            <a:avLst/>
-          </a:prstGeom>
-          <a:solidFill>
-            <a:schemeClr val="bg1"/>
-          </a:solidFill>
-          <a:ln>
-            <a:noFill/>
-          </a:ln>
-        </p:spPr>
-        <p:style>
-          <a:lnRef idx="2">
-            <a:schemeClr val="accent1">
-              <a:shade val="50000"/>
-            </a:schemeClr>
-          </a:lnRef>
-          <a:fillRef idx="1">
-            <a:schemeClr val="accent1"/>
-          </a:fillRef>
-          <a:effectRef idx="0">
-            <a:schemeClr val="accent1"/>
-          </a:effectRef>
-          <a:fontRef idx="minor">
-            <a:schemeClr val="lt1"/>
-          </a:fontRef>
-        </p:style>
-        <p:txBody>
-          <a:bodyPr rtlCol="0" anchor="ctr"/>
-          <a:lstStyle/>
-          <a:p>
-            <a:pPr algn="ctr"/>
-            <a:r>
-              <a:rPr lang="en-US" altLang="zh-CN" sz="800">
-                <a:solidFill>
-                  <a:schemeClr val="tx1">
-                    <a:lumMod val="50000"/>
-                    <a:lumOff val="50000"/>
-                  </a:schemeClr>
-                </a:solidFill>
-                <a:latin typeface="Arial" panose="020B0604020202090204" pitchFamily="34" charset="0"/>
-              </a:rPr>
-              <a:t>15x15x512</a:t>
-            </a:r>
-            <a:endParaRPr lang="en-US" altLang="zh-CN" sz="800">
-              <a:solidFill>
-                <a:schemeClr val="tx1">
-                  <a:lumMod val="50000"/>
-                  <a:lumOff val="50000"/>
-                </a:schemeClr>
-              </a:solidFill>
-              <a:latin typeface="Arial" panose="020B0604020202090204" pitchFamily="34" charset="0"/>
-            </a:endParaRPr>
-          </a:p>
-        </p:txBody>
-      </p:sp>
-      <p:sp>
-        <p:nvSpPr>
-          <p:cNvPr id="56" name="矩形 55"/>
-          <p:cNvSpPr/>
-          <p:nvPr/>
-        </p:nvSpPr>
-        <p:spPr>
-          <a:xfrm>
-            <a:off x="4685665" y="4526280"/>
-            <a:ext cx="749300" cy="215900"/>
-          </a:xfrm>
-          <a:prstGeom prst="rect">
-            <a:avLst/>
-          </a:prstGeom>
-          <a:solidFill>
-            <a:schemeClr val="bg1"/>
-          </a:solidFill>
-          <a:ln>
-            <a:noFill/>
-          </a:ln>
-        </p:spPr>
-        <p:style>
-          <a:lnRef idx="2">
-            <a:schemeClr val="accent1">
-              <a:shade val="50000"/>
-            </a:schemeClr>
-          </a:lnRef>
-          <a:fillRef idx="1">
-            <a:schemeClr val="accent1"/>
-          </a:fillRef>
-          <a:effectRef idx="0">
-            <a:schemeClr val="accent1"/>
-          </a:effectRef>
-          <a:fontRef idx="minor">
-            <a:schemeClr val="lt1"/>
-          </a:fontRef>
-        </p:style>
-        <p:txBody>
-          <a:bodyPr rtlCol="0" anchor="ctr"/>
-          <a:lstStyle/>
-          <a:p>
-            <a:pPr algn="ctr"/>
-            <a:r>
-              <a:rPr lang="en-US" altLang="zh-CN" sz="800">
-                <a:solidFill>
-                  <a:schemeClr val="tx1">
-                    <a:lumMod val="50000"/>
-                    <a:lumOff val="50000"/>
-                  </a:schemeClr>
-                </a:solidFill>
-                <a:latin typeface="Arial" panose="020B0604020202090204" pitchFamily="34" charset="0"/>
-              </a:rPr>
-              <a:t>15x15x1024</a:t>
-            </a:r>
-            <a:endParaRPr lang="en-US" altLang="zh-CN" sz="800">
-              <a:solidFill>
-                <a:schemeClr val="tx1">
-                  <a:lumMod val="50000"/>
-                  <a:lumOff val="50000"/>
-                </a:schemeClr>
-              </a:solidFill>
-              <a:latin typeface="Arial" panose="020B0604020202090204" pitchFamily="34" charset="0"/>
-            </a:endParaRPr>
-          </a:p>
-        </p:txBody>
-      </p:sp>
-      <p:sp>
-        <p:nvSpPr>
-          <p:cNvPr id="59" name="文本框 58"/>
+        </p:spPr>
+      </p:pic>
+      <p:sp>
+        <p:nvSpPr>
+          <p:cNvPr id="7" name="文本框 6"/>
           <p:cNvSpPr txBox="1"/>
           <p:nvPr/>
         </p:nvSpPr>
         <p:spPr>
           <a:xfrm>
-            <a:off x="8126730" y="4496435"/>
-            <a:ext cx="809625" cy="460375"/>
+            <a:off x="1048385" y="4832350"/>
+            <a:ext cx="2264410" cy="213995"/>
           </a:xfrm>
           <a:prstGeom prst="rect">
             <a:avLst/>
@@ -8926,170 +8954,227 @@
           <a:bodyPr wrap="square" rtlCol="0">
             <a:spAutoFit/>
           </a:bodyPr>
-          <a:lstStyle/>
           <a:p>
             <a:pPr algn="ctr"/>
             <a:r>
-              <a:rPr lang="en-US" altLang="zh-CN" sz="1400" b="1">
-                <a:solidFill>
-                  <a:schemeClr val="tx1">
-                    <a:lumMod val="65000"/>
-                    <a:lumOff val="35000"/>
-                  </a:schemeClr>
-                </a:solidFill>
-                <a:latin typeface="微软雅黑" panose="020B0503020204020204" charset="-122"/>
-                <a:ea typeface="微软雅黑" panose="020B0503020204020204" charset="-122"/>
-              </a:rPr>
-              <a:t>fc6</a:t>
-            </a:r>
-            <a:endParaRPr lang="en-US" altLang="zh-CN" sz="1400" b="1">
+              <a:rPr lang="en-US" altLang="zh-CN" sz="800" b="1">
+                <a:solidFill>
+                  <a:srgbClr val="0070C0"/>
+                </a:solidFill>
+                <a:latin typeface="微软雅黑" panose="020B0503020204020204" charset="-122"/>
+                <a:ea typeface="微软雅黑" panose="020B0503020204020204" charset="-122"/>
+              </a:rPr>
+              <a:t>Weight Clipping: </a:t>
+            </a:r>
+            <a:r>
+              <a:rPr lang="zh-CN" altLang="en-US" sz="800" b="1">
+                <a:solidFill>
+                  <a:srgbClr val="0070C0"/>
+                </a:solidFill>
+                <a:latin typeface="微软雅黑" panose="020B0503020204020204" charset="-122"/>
+                <a:ea typeface="微软雅黑" panose="020B0503020204020204" charset="-122"/>
+              </a:rPr>
+              <a:t>权重偏向</a:t>
+            </a:r>
+            <a:r>
+              <a:rPr lang="en-US" altLang="zh-CN" sz="800" b="1">
+                <a:solidFill>
+                  <a:srgbClr val="0070C0"/>
+                </a:solidFill>
+                <a:latin typeface="微软雅黑" panose="020B0503020204020204" charset="-122"/>
+                <a:ea typeface="微软雅黑" panose="020B0503020204020204" charset="-122"/>
+              </a:rPr>
+              <a:t>clipping</a:t>
+            </a:r>
+            <a:r>
+              <a:rPr lang="zh-CN" altLang="en-US" sz="800" b="1">
+                <a:solidFill>
+                  <a:srgbClr val="0070C0"/>
+                </a:solidFill>
+                <a:latin typeface="微软雅黑" panose="020B0503020204020204" charset="-122"/>
+                <a:ea typeface="微软雅黑" panose="020B0503020204020204" charset="-122"/>
+              </a:rPr>
+              <a:t>的边界</a:t>
+            </a:r>
+            <a:endParaRPr lang="zh-CN" altLang="en-US" sz="800" b="1">
               <a:solidFill>
-                <a:schemeClr val="tx1">
-                  <a:lumMod val="65000"/>
-                  <a:lumOff val="35000"/>
-                </a:schemeClr>
+                <a:srgbClr val="0070C0"/>
               </a:solidFill>
               <a:latin typeface="微软雅黑" panose="020B0503020204020204" charset="-122"/>
               <a:ea typeface="微软雅黑" panose="020B0503020204020204" charset="-122"/>
             </a:endParaRPr>
           </a:p>
-          <a:p>
-            <a:pPr algn="ctr"/>
-            <a:r>
-              <a:rPr lang="en-US" altLang="zh-CN" sz="1000" b="1">
-                <a:solidFill>
-                  <a:schemeClr val="tx1">
-                    <a:lumMod val="65000"/>
-                    <a:lumOff val="35000"/>
-                  </a:schemeClr>
-                </a:solidFill>
-                <a:latin typeface="微软雅黑" panose="020B0503020204020204" charset="-122"/>
-                <a:ea typeface="微软雅黑" panose="020B0503020204020204" charset="-122"/>
-              </a:rPr>
-              <a:t>4096</a:t>
-            </a:r>
-            <a:r>
-              <a:rPr lang="zh-CN" altLang="en-US" sz="1000" b="1">
-                <a:solidFill>
-                  <a:schemeClr val="tx1">
-                    <a:lumMod val="65000"/>
-                    <a:lumOff val="35000"/>
-                  </a:schemeClr>
-                </a:solidFill>
-                <a:latin typeface="微软雅黑" panose="020B0503020204020204" charset="-122"/>
-                <a:ea typeface="微软雅黑" panose="020B0503020204020204" charset="-122"/>
-              </a:rPr>
-              <a:t>通道</a:t>
-            </a:r>
-            <a:endParaRPr lang="zh-CN" altLang="en-US" sz="1000" b="1">
+        </p:txBody>
+      </p:sp>
+      <p:sp>
+        <p:nvSpPr>
+          <p:cNvPr id="11" name="文本框 10"/>
+          <p:cNvSpPr txBox="1"/>
+          <p:nvPr/>
+        </p:nvSpPr>
+        <p:spPr>
+          <a:xfrm>
+            <a:off x="3380105" y="3406775"/>
+            <a:ext cx="922020" cy="533400"/>
+          </a:xfrm>
+          <a:prstGeom prst="rect">
+            <a:avLst/>
+          </a:prstGeom>
+          <a:noFill/>
+        </p:spPr>
+        <p:txBody>
+          <a:bodyPr wrap="square" rtlCol="0">
+            <a:spAutoFit/>
+          </a:bodyPr>
+          <a:p>
+            <a:pPr algn="l">
+              <a:lnSpc>
+                <a:spcPct val="120000"/>
+              </a:lnSpc>
+            </a:pPr>
+            <a:r>
+              <a:rPr lang="zh-CN" altLang="en-US" sz="1200">
+                <a:solidFill>
+                  <a:srgbClr val="0F80FF"/>
+                </a:solidFill>
+                <a:latin typeface="微软雅黑" panose="020B0503020204020204" charset="-122"/>
+                <a:ea typeface="微软雅黑" panose="020B0503020204020204" charset="-122"/>
+              </a:rPr>
+              <a:t>梯度消失</a:t>
+            </a:r>
+            <a:endParaRPr lang="zh-CN" altLang="en-US" sz="1200">
               <a:solidFill>
-                <a:schemeClr val="tx1">
-                  <a:lumMod val="65000"/>
-                  <a:lumOff val="35000"/>
-                </a:schemeClr>
+                <a:srgbClr val="0F80FF"/>
               </a:solidFill>
               <a:latin typeface="微软雅黑" panose="020B0503020204020204" charset="-122"/>
               <a:ea typeface="微软雅黑" panose="020B0503020204020204" charset="-122"/>
             </a:endParaRPr>
           </a:p>
-        </p:txBody>
-      </p:sp>
-      <p:sp>
-        <p:nvSpPr>
-          <p:cNvPr id="60" name="文本框 59"/>
-          <p:cNvSpPr txBox="1"/>
-          <p:nvPr/>
-        </p:nvSpPr>
-        <p:spPr>
-          <a:xfrm>
-            <a:off x="9439910" y="4479290"/>
-            <a:ext cx="809625" cy="614045"/>
-          </a:xfrm>
-          <a:prstGeom prst="rect">
-            <a:avLst/>
-          </a:prstGeom>
-          <a:noFill/>
-        </p:spPr>
-        <p:txBody>
-          <a:bodyPr wrap="square" rtlCol="0">
-            <a:spAutoFit/>
-          </a:bodyPr>
-          <a:lstStyle/>
-          <a:p>
-            <a:pPr algn="ctr"/>
-            <a:r>
-              <a:rPr lang="en-US" altLang="zh-CN" sz="1400" b="1">
-                <a:solidFill>
-                  <a:schemeClr val="tx1">
-                    <a:lumMod val="65000"/>
-                    <a:lumOff val="35000"/>
-                  </a:schemeClr>
-                </a:solidFill>
-                <a:latin typeface="微软雅黑" panose="020B0503020204020204" charset="-122"/>
-                <a:ea typeface="微软雅黑" panose="020B0503020204020204" charset="-122"/>
-              </a:rPr>
-              <a:t>fc7</a:t>
-            </a:r>
-            <a:endParaRPr lang="en-US" altLang="zh-CN" sz="1400" b="1">
+          <a:p>
+            <a:pPr algn="l">
+              <a:lnSpc>
+                <a:spcPct val="120000"/>
+              </a:lnSpc>
+            </a:pPr>
+            <a:r>
+              <a:rPr lang="zh-CN" altLang="en-US" sz="1200">
+                <a:solidFill>
+                  <a:srgbClr val="0F80FF"/>
+                </a:solidFill>
+                <a:latin typeface="微软雅黑" panose="020B0503020204020204" charset="-122"/>
+                <a:ea typeface="微软雅黑" panose="020B0503020204020204" charset="-122"/>
+              </a:rPr>
+              <a:t>梯度爆炸</a:t>
+            </a:r>
+            <a:endParaRPr lang="zh-CN" altLang="en-US" sz="1200">
               <a:solidFill>
-                <a:schemeClr val="tx1">
-                  <a:lumMod val="65000"/>
-                  <a:lumOff val="35000"/>
-                </a:schemeClr>
+                <a:srgbClr val="0F80FF"/>
               </a:solidFill>
               <a:latin typeface="微软雅黑" panose="020B0503020204020204" charset="-122"/>
               <a:ea typeface="微软雅黑" panose="020B0503020204020204" charset="-122"/>
             </a:endParaRPr>
           </a:p>
-          <a:p>
-            <a:pPr algn="ctr"/>
-            <a:r>
-              <a:rPr lang="en-US" altLang="zh-CN" sz="1000" b="1">
-                <a:solidFill>
-                  <a:schemeClr val="tx1">
-                    <a:lumMod val="65000"/>
-                    <a:lumOff val="35000"/>
-                  </a:schemeClr>
-                </a:solidFill>
-                <a:latin typeface="微软雅黑" panose="020B0503020204020204" charset="-122"/>
-                <a:ea typeface="微软雅黑" panose="020B0503020204020204" charset="-122"/>
-                <a:sym typeface="+mn-ea"/>
-              </a:rPr>
-              <a:t>1024</a:t>
-            </a:r>
-            <a:r>
-              <a:rPr lang="zh-CN" altLang="en-US" sz="1000" b="1">
-                <a:solidFill>
-                  <a:schemeClr val="tx1">
-                    <a:lumMod val="65000"/>
-                    <a:lumOff val="35000"/>
-                  </a:schemeClr>
-                </a:solidFill>
-                <a:latin typeface="微软雅黑" panose="020B0503020204020204" charset="-122"/>
-                <a:ea typeface="微软雅黑" panose="020B0503020204020204" charset="-122"/>
-                <a:sym typeface="+mn-ea"/>
-              </a:rPr>
-              <a:t>通道</a:t>
-            </a:r>
-            <a:endParaRPr lang="zh-CN" altLang="en-US" sz="1000" b="1">
+        </p:txBody>
+      </p:sp>
+      <p:cxnSp>
+        <p:nvCxnSpPr>
+          <p:cNvPr id="12" name="直接箭头连接符 11"/>
+          <p:cNvCxnSpPr/>
+          <p:nvPr/>
+        </p:nvCxnSpPr>
+        <p:spPr>
+          <a:xfrm>
+            <a:off x="3380105" y="3673475"/>
+            <a:ext cx="1134110" cy="0"/>
+          </a:xfrm>
+          <a:prstGeom prst="straightConnector1">
+            <a:avLst/>
+          </a:prstGeom>
+          <a:ln w="12700">
+            <a:solidFill>
+              <a:srgbClr val="C00000"/>
+            </a:solidFill>
+            <a:tailEnd type="arrow"/>
+          </a:ln>
+        </p:spPr>
+        <p:style>
+          <a:lnRef idx="1">
+            <a:schemeClr val="accent1"/>
+          </a:lnRef>
+          <a:fillRef idx="0">
+            <a:schemeClr val="accent1"/>
+          </a:fillRef>
+          <a:effectRef idx="0">
+            <a:schemeClr val="accent1"/>
+          </a:effectRef>
+          <a:fontRef idx="minor">
+            <a:schemeClr val="tx1"/>
+          </a:fontRef>
+        </p:style>
+      </p:cxnSp>
+      <p:sp>
+        <p:nvSpPr>
+          <p:cNvPr id="13" name="文本框 12"/>
+          <p:cNvSpPr txBox="1"/>
+          <p:nvPr/>
+        </p:nvSpPr>
+        <p:spPr>
+          <a:xfrm>
+            <a:off x="3235960" y="5476875"/>
+            <a:ext cx="1276350" cy="533400"/>
+          </a:xfrm>
+          <a:prstGeom prst="rect">
+            <a:avLst/>
+          </a:prstGeom>
+          <a:noFill/>
+        </p:spPr>
+        <p:txBody>
+          <a:bodyPr wrap="square" rtlCol="0">
+            <a:spAutoFit/>
+          </a:bodyPr>
+          <a:p>
+            <a:pPr algn="l">
+              <a:lnSpc>
+                <a:spcPct val="120000"/>
+              </a:lnSpc>
+            </a:pPr>
+            <a:r>
+              <a:rPr lang="zh-CN" altLang="en-US" sz="1200">
+                <a:solidFill>
+                  <a:srgbClr val="0F80FF"/>
+                </a:solidFill>
+                <a:latin typeface="微软雅黑" panose="020B0503020204020204" charset="-122"/>
+                <a:ea typeface="微软雅黑" panose="020B0503020204020204" charset="-122"/>
+              </a:rPr>
+              <a:t>权重设为边界值</a:t>
+            </a:r>
+            <a:endParaRPr lang="zh-CN" altLang="en-US" sz="1200">
               <a:solidFill>
-                <a:schemeClr val="tx1">
-                  <a:lumMod val="65000"/>
-                  <a:lumOff val="35000"/>
-                </a:schemeClr>
+                <a:srgbClr val="0F80FF"/>
               </a:solidFill>
               <a:latin typeface="微软雅黑" panose="020B0503020204020204" charset="-122"/>
               <a:ea typeface="微软雅黑" panose="020B0503020204020204" charset="-122"/>
             </a:endParaRPr>
           </a:p>
           <a:p>
-            <a:pPr algn="ctr"/>
-            <a:endParaRPr lang="en-US" altLang="zh-CN" sz="1000" b="1">
+            <a:pPr algn="l">
+              <a:lnSpc>
+                <a:spcPct val="120000"/>
+              </a:lnSpc>
+            </a:pPr>
+            <a:r>
+              <a:rPr lang="zh-CN" altLang="en-US" sz="1200">
+                <a:solidFill>
+                  <a:srgbClr val="0F80FF"/>
+                </a:solidFill>
+                <a:latin typeface="微软雅黑" panose="020B0503020204020204" charset="-122"/>
+                <a:ea typeface="微软雅黑" panose="020B0503020204020204" charset="-122"/>
+              </a:rPr>
+              <a:t>忽略分布高阶矩</a:t>
+            </a:r>
+            <a:endParaRPr lang="zh-CN" altLang="en-US" sz="1200">
               <a:solidFill>
-                <a:schemeClr val="tx1">
-                  <a:lumMod val="65000"/>
-                  <a:lumOff val="35000"/>
-                </a:schemeClr>
+                <a:srgbClr val="0F80FF"/>
               </a:solidFill>
               <a:latin typeface="微软雅黑" panose="020B0503020204020204" charset="-122"/>
               <a:ea typeface="微软雅黑" panose="020B0503020204020204" charset="-122"/>
@@ -9097,179 +9182,54 @@
           </a:p>
         </p:txBody>
       </p:sp>
-      <p:sp>
-        <p:nvSpPr>
-          <p:cNvPr id="61" name="文本框 60"/>
-          <p:cNvSpPr txBox="1"/>
-          <p:nvPr/>
-        </p:nvSpPr>
-        <p:spPr>
-          <a:xfrm>
-            <a:off x="10688320" y="4479290"/>
-            <a:ext cx="809625" cy="460375"/>
-          </a:xfrm>
-          <a:prstGeom prst="rect">
-            <a:avLst/>
-          </a:prstGeom>
-          <a:noFill/>
-        </p:spPr>
-        <p:txBody>
-          <a:bodyPr wrap="square" rtlCol="0">
-            <a:spAutoFit/>
-          </a:bodyPr>
-          <a:lstStyle/>
-          <a:p>
-            <a:pPr algn="ctr"/>
-            <a:r>
-              <a:rPr lang="en-US" altLang="zh-CN" sz="1400" b="1">
-                <a:solidFill>
-                  <a:schemeClr val="tx1">
-                    <a:lumMod val="65000"/>
-                    <a:lumOff val="35000"/>
-                  </a:schemeClr>
-                </a:solidFill>
-                <a:latin typeface="微软雅黑" panose="020B0503020204020204" charset="-122"/>
-                <a:ea typeface="微软雅黑" panose="020B0503020204020204" charset="-122"/>
-              </a:rPr>
-              <a:t>fc8</a:t>
-            </a:r>
-            <a:endParaRPr lang="en-US" altLang="zh-CN" sz="1400" b="1">
-              <a:solidFill>
-                <a:schemeClr val="tx1">
-                  <a:lumMod val="65000"/>
-                  <a:lumOff val="35000"/>
-                </a:schemeClr>
-              </a:solidFill>
-              <a:latin typeface="微软雅黑" panose="020B0503020204020204" charset="-122"/>
-              <a:ea typeface="微软雅黑" panose="020B0503020204020204" charset="-122"/>
-            </a:endParaRPr>
-          </a:p>
-          <a:p>
-            <a:pPr algn="ctr"/>
-            <a:r>
-              <a:rPr lang="en-US" altLang="zh-CN" sz="1000" b="1">
-                <a:solidFill>
-                  <a:schemeClr val="tx1">
-                    <a:lumMod val="65000"/>
-                    <a:lumOff val="35000"/>
-                  </a:schemeClr>
-                </a:solidFill>
-                <a:latin typeface="微软雅黑" panose="020B0503020204020204" charset="-122"/>
-                <a:ea typeface="微软雅黑" panose="020B0503020204020204" charset="-122"/>
-              </a:rPr>
-              <a:t>4</a:t>
-            </a:r>
-            <a:r>
-              <a:rPr lang="zh-CN" altLang="en-US" sz="1000" b="1">
-                <a:solidFill>
-                  <a:schemeClr val="tx1">
-                    <a:lumMod val="65000"/>
-                    <a:lumOff val="35000"/>
-                  </a:schemeClr>
-                </a:solidFill>
-                <a:latin typeface="微软雅黑" panose="020B0503020204020204" charset="-122"/>
-                <a:ea typeface="微软雅黑" panose="020B0503020204020204" charset="-122"/>
-              </a:rPr>
-              <a:t>通道</a:t>
-            </a:r>
-            <a:endParaRPr lang="zh-CN" altLang="en-US" sz="1000" b="1">
-              <a:solidFill>
-                <a:schemeClr val="tx1">
-                  <a:lumMod val="65000"/>
-                  <a:lumOff val="35000"/>
-                </a:schemeClr>
-              </a:solidFill>
-              <a:latin typeface="微软雅黑" panose="020B0503020204020204" charset="-122"/>
-              <a:ea typeface="微软雅黑" panose="020B0503020204020204" charset="-122"/>
-            </a:endParaRPr>
-          </a:p>
-        </p:txBody>
-      </p:sp>
-      <p:sp>
-        <p:nvSpPr>
-          <p:cNvPr id="71" name="文本框 70"/>
-          <p:cNvSpPr txBox="1"/>
-          <p:nvPr/>
-        </p:nvSpPr>
-        <p:spPr>
-          <a:xfrm>
-            <a:off x="6315075" y="4478655"/>
-            <a:ext cx="809625" cy="460375"/>
-          </a:xfrm>
-          <a:prstGeom prst="rect">
-            <a:avLst/>
-          </a:prstGeom>
-          <a:noFill/>
-        </p:spPr>
-        <p:txBody>
-          <a:bodyPr wrap="square" rtlCol="0">
-            <a:spAutoFit/>
-          </a:bodyPr>
-          <a:lstStyle/>
-          <a:p>
-            <a:pPr algn="ctr"/>
-            <a:endParaRPr lang="en-US" altLang="zh-CN" sz="1400" b="1">
-              <a:solidFill>
-                <a:schemeClr val="tx1">
-                  <a:lumMod val="65000"/>
-                  <a:lumOff val="35000"/>
-                </a:schemeClr>
-              </a:solidFill>
-              <a:latin typeface="微软雅黑" panose="020B0503020204020204" charset="-122"/>
-              <a:ea typeface="微软雅黑" panose="020B0503020204020204" charset="-122"/>
-            </a:endParaRPr>
-          </a:p>
-          <a:p>
-            <a:pPr algn="ctr"/>
-            <a:r>
-              <a:rPr lang="en-US" altLang="zh-CN" sz="1000" b="1">
-                <a:solidFill>
-                  <a:schemeClr val="tx1">
-                    <a:lumMod val="65000"/>
-                    <a:lumOff val="35000"/>
-                  </a:schemeClr>
-                </a:solidFill>
-                <a:latin typeface="微软雅黑" panose="020B0503020204020204" charset="-122"/>
-                <a:ea typeface="微软雅黑" panose="020B0503020204020204" charset="-122"/>
-              </a:rPr>
-              <a:t>256</a:t>
-            </a:r>
-            <a:r>
-              <a:rPr lang="zh-CN" altLang="en-US" sz="1000" b="1">
-                <a:solidFill>
-                  <a:schemeClr val="tx1">
-                    <a:lumMod val="65000"/>
-                    <a:lumOff val="35000"/>
-                  </a:schemeClr>
-                </a:solidFill>
-                <a:latin typeface="微软雅黑" panose="020B0503020204020204" charset="-122"/>
-                <a:ea typeface="微软雅黑" panose="020B0503020204020204" charset="-122"/>
-              </a:rPr>
-              <a:t>通道</a:t>
-            </a:r>
-            <a:endParaRPr lang="zh-CN" altLang="en-US" sz="1000" b="1">
-              <a:solidFill>
-                <a:schemeClr val="tx1">
-                  <a:lumMod val="65000"/>
-                  <a:lumOff val="35000"/>
-                </a:schemeClr>
-              </a:solidFill>
-              <a:latin typeface="微软雅黑" panose="020B0503020204020204" charset="-122"/>
-              <a:ea typeface="微软雅黑" panose="020B0503020204020204" charset="-122"/>
-            </a:endParaRPr>
-          </a:p>
-        </p:txBody>
-      </p:sp>
-      <p:sp>
-        <p:nvSpPr>
-          <p:cNvPr id="73" name="左大括号 72"/>
+      <p:cxnSp>
+        <p:nvCxnSpPr>
+          <p:cNvPr id="14" name="直接箭头连接符 13"/>
+          <p:cNvCxnSpPr>
+            <a:endCxn id="13" idx="3"/>
+          </p:cNvCxnSpPr>
+          <p:nvPr/>
+        </p:nvCxnSpPr>
+        <p:spPr>
+          <a:xfrm flipV="1">
+            <a:off x="3321685" y="5743575"/>
+            <a:ext cx="1181100" cy="9525"/>
+          </a:xfrm>
+          <a:prstGeom prst="straightConnector1">
+            <a:avLst/>
+          </a:prstGeom>
+          <a:ln w="12700">
+            <a:solidFill>
+              <a:srgbClr val="C00000"/>
+            </a:solidFill>
+            <a:tailEnd type="arrow"/>
+          </a:ln>
+        </p:spPr>
+        <p:style>
+          <a:lnRef idx="1">
+            <a:schemeClr val="accent1"/>
+          </a:lnRef>
+          <a:fillRef idx="0">
+            <a:schemeClr val="accent1"/>
+          </a:fillRef>
+          <a:effectRef idx="0">
+            <a:schemeClr val="accent1"/>
+          </a:effectRef>
+          <a:fontRef idx="minor">
+            <a:schemeClr val="tx1"/>
+          </a:fontRef>
+        </p:style>
+      </p:cxnSp>
+      <p:sp>
+        <p:nvSpPr>
+          <p:cNvPr id="15" name="左大括号 14"/>
           <p:cNvSpPr/>
           <p:nvPr/>
         </p:nvSpPr>
         <p:spPr>
-          <a:xfrm>
-            <a:off x="5520055" y="3430270"/>
-            <a:ext cx="287655" cy="1871980"/>
+          <a:xfrm rot="10800000">
+            <a:off x="4624705" y="3597275"/>
+            <a:ext cx="182245" cy="2212975"/>
           </a:xfrm>
           <a:prstGeom prst="leftBrace">
             <a:avLst>
@@ -9277,7 +9237,7 @@
               <a:gd name="adj2" fmla="val 50000"/>
             </a:avLst>
           </a:prstGeom>
-          <a:ln w="38100">
+          <a:ln w="28575">
             <a:solidFill>
               <a:schemeClr val="tx1">
                 <a:lumMod val="65000"/>
@@ -9302,7 +9262,6 @@
         </p:style>
         <p:txBody>
           <a:bodyPr rtlCol="0" anchor="ctr"/>
-          <a:lstStyle/>
           <a:p>
             <a:pPr algn="ctr"/>
             <a:endParaRPr lang="zh-CN" altLang="en-US"/>
@@ -9311,14 +9270,14 @@
       </p:sp>
       <p:sp>
         <p:nvSpPr>
-          <p:cNvPr id="82" name="文本框 81"/>
+          <p:cNvPr id="70" name="文本框 69"/>
           <p:cNvSpPr txBox="1"/>
           <p:nvPr/>
         </p:nvSpPr>
         <p:spPr>
           <a:xfrm>
-            <a:off x="1278890" y="5388610"/>
-            <a:ext cx="3806190" cy="995045"/>
+            <a:off x="4984750" y="2757170"/>
+            <a:ext cx="1800860" cy="392430"/>
           </a:xfrm>
           <a:prstGeom prst="rect">
             <a:avLst/>
@@ -9329,7 +9288,6 @@
           <a:bodyPr wrap="square" rtlCol="0">
             <a:spAutoFit/>
           </a:bodyPr>
-          <a:lstStyle/>
           <a:p>
             <a:pPr algn="ctr">
               <a:lnSpc>
@@ -9337,497 +9295,19 @@
               </a:lnSpc>
             </a:pPr>
             <a:r>
-              <a:rPr lang="en-US" sz="1400" b="1">
-                <a:solidFill>
-                  <a:schemeClr val="tx1">
-                    <a:lumMod val="50000"/>
-                    <a:lumOff val="50000"/>
-                  </a:schemeClr>
-                </a:solidFill>
-                <a:latin typeface="微软雅黑" panose="020B0503020204020204" charset="-122"/>
-                <a:ea typeface="微软雅黑" panose="020B0503020204020204" charset="-122"/>
-              </a:rPr>
-              <a:t>Offset Max Pooling </a:t>
-            </a:r>
-            <a:r>
-              <a:rPr lang="zh-CN" altLang="en-US" sz="1400" b="1">
-                <a:solidFill>
-                  <a:schemeClr val="tx1">
-                    <a:lumMod val="50000"/>
-                    <a:lumOff val="50000"/>
-                  </a:schemeClr>
-                </a:solidFill>
-                <a:latin typeface="微软雅黑" panose="020B0503020204020204" charset="-122"/>
-                <a:ea typeface="微软雅黑" panose="020B0503020204020204" charset="-122"/>
-              </a:rPr>
-              <a:t>和 </a:t>
-            </a:r>
-            <a:r>
               <a:rPr lang="en-US" altLang="zh-CN" sz="1400" b="1">
                 <a:solidFill>
-                  <a:schemeClr val="tx1">
-                    <a:lumMod val="50000"/>
-                    <a:lumOff val="50000"/>
-                  </a:schemeClr>
-                </a:solidFill>
-                <a:latin typeface="微软雅黑" panose="020B0503020204020204" charset="-122"/>
-                <a:ea typeface="微软雅黑" panose="020B0503020204020204" charset="-122"/>
-              </a:rPr>
-              <a:t>Sliding Windows</a:t>
+                  <a:srgbClr val="C00000"/>
+                </a:solidFill>
+                <a:latin typeface="微软雅黑" panose="020B0503020204020204" charset="-122"/>
+                <a:ea typeface="微软雅黑" panose="020B0503020204020204" charset="-122"/>
+              </a:rPr>
+              <a:t>Gradient Penalty</a:t>
             </a:r>
             <a:endParaRPr lang="en-US" altLang="zh-CN" sz="1400" b="1">
               <a:solidFill>
-                <a:schemeClr val="tx1">
-                  <a:lumMod val="50000"/>
-                  <a:lumOff val="50000"/>
-                </a:schemeClr>
+                <a:srgbClr val="C00000"/>
               </a:solidFill>
-              <a:latin typeface="微软雅黑" panose="020B0503020204020204" charset="-122"/>
-              <a:ea typeface="微软雅黑" panose="020B0503020204020204" charset="-122"/>
-            </a:endParaRPr>
-          </a:p>
-          <a:p>
-            <a:pPr algn="ctr">
-              <a:lnSpc>
-                <a:spcPct val="140000"/>
-              </a:lnSpc>
-            </a:pPr>
-            <a:r>
-              <a:rPr lang="zh-CN" altLang="en-US" sz="1400" b="1">
-                <a:solidFill>
-                  <a:schemeClr val="tx1">
-                    <a:lumMod val="50000"/>
-                    <a:lumOff val="50000"/>
-                  </a:schemeClr>
-                </a:solidFill>
-                <a:latin typeface="微软雅黑" panose="020B0503020204020204" charset="-122"/>
-                <a:ea typeface="微软雅黑" panose="020B0503020204020204" charset="-122"/>
-              </a:rPr>
-              <a:t>产生的多个预测值被</a:t>
-            </a:r>
-            <a:endParaRPr lang="zh-CN" altLang="en-US" sz="1400" b="1">
-              <a:solidFill>
-                <a:schemeClr val="tx1">
-                  <a:lumMod val="50000"/>
-                  <a:lumOff val="50000"/>
-                </a:schemeClr>
-              </a:solidFill>
-              <a:latin typeface="微软雅黑" panose="020B0503020204020204" charset="-122"/>
-              <a:ea typeface="微软雅黑" panose="020B0503020204020204" charset="-122"/>
-            </a:endParaRPr>
-          </a:p>
-          <a:p>
-            <a:pPr algn="ctr">
-              <a:lnSpc>
-                <a:spcPct val="140000"/>
-              </a:lnSpc>
-            </a:pPr>
-            <a:r>
-              <a:rPr lang="zh-CN" altLang="en-US" sz="1400" b="1">
-                <a:solidFill>
-                  <a:schemeClr val="tx1">
-                    <a:lumMod val="50000"/>
-                    <a:lumOff val="50000"/>
-                  </a:schemeClr>
-                </a:solidFill>
-                <a:latin typeface="微软雅黑" panose="020B0503020204020204" charset="-122"/>
-                <a:ea typeface="微软雅黑" panose="020B0503020204020204" charset="-122"/>
-              </a:rPr>
-              <a:t>类别和</a:t>
-            </a:r>
-            <a:r>
-              <a:rPr lang="en-US" altLang="zh-CN" sz="1400" b="1">
-                <a:solidFill>
-                  <a:schemeClr val="tx1">
-                    <a:lumMod val="50000"/>
-                    <a:lumOff val="50000"/>
-                  </a:schemeClr>
-                </a:solidFill>
-                <a:latin typeface="微软雅黑" panose="020B0503020204020204" charset="-122"/>
-                <a:ea typeface="微软雅黑" panose="020B0503020204020204" charset="-122"/>
-              </a:rPr>
-              <a:t>bbox</a:t>
-            </a:r>
-            <a:r>
-              <a:rPr lang="zh-CN" altLang="en-US" sz="1400" b="1">
-                <a:solidFill>
-                  <a:schemeClr val="tx1">
-                    <a:lumMod val="50000"/>
-                    <a:lumOff val="50000"/>
-                  </a:schemeClr>
-                </a:solidFill>
-                <a:latin typeface="微软雅黑" panose="020B0503020204020204" charset="-122"/>
-                <a:ea typeface="微软雅黑" panose="020B0503020204020204" charset="-122"/>
-              </a:rPr>
-              <a:t>交叉验证丢弃</a:t>
-            </a:r>
-            <a:endParaRPr lang="zh-CN" altLang="en-US" sz="1400" b="1">
-              <a:solidFill>
-                <a:schemeClr val="tx1">
-                  <a:lumMod val="50000"/>
-                  <a:lumOff val="50000"/>
-                </a:schemeClr>
-              </a:solidFill>
-              <a:latin typeface="微软雅黑" panose="020B0503020204020204" charset="-122"/>
-              <a:ea typeface="微软雅黑" panose="020B0503020204020204" charset="-122"/>
-            </a:endParaRPr>
-          </a:p>
-        </p:txBody>
-      </p:sp>
-      <p:sp>
-        <p:nvSpPr>
-          <p:cNvPr id="48" name="文本框 47"/>
-          <p:cNvSpPr txBox="1"/>
-          <p:nvPr/>
-        </p:nvSpPr>
-        <p:spPr>
-          <a:xfrm>
-            <a:off x="335280" y="72390"/>
-            <a:ext cx="3248025" cy="398780"/>
-          </a:xfrm>
-          <a:prstGeom prst="rect">
-            <a:avLst/>
-          </a:prstGeom>
-          <a:noFill/>
-        </p:spPr>
-        <p:txBody>
-          <a:bodyPr wrap="square" rtlCol="0">
-            <a:spAutoFit/>
-          </a:bodyPr>
-          <a:lstStyle/>
-          <a:p>
-            <a:r>
-              <a:rPr lang="en-US" altLang="zh-CN" sz="2000" b="1" dirty="0">
-                <a:latin typeface="微软雅黑" panose="020B0503020204020204" charset="-122"/>
-                <a:ea typeface="微软雅黑" panose="020B0503020204020204" charset="-122"/>
-              </a:rPr>
-              <a:t>WGAN -GP 2017.03</a:t>
-            </a:r>
-            <a:endParaRPr lang="en-US" altLang="zh-CN" sz="2000" b="1" dirty="0">
-              <a:latin typeface="微软雅黑" panose="020B0503020204020204" charset="-122"/>
-              <a:ea typeface="微软雅黑" panose="020B0503020204020204" charset="-122"/>
-            </a:endParaRPr>
-          </a:p>
-        </p:txBody>
-      </p:sp>
-      <p:sp>
-        <p:nvSpPr>
-          <p:cNvPr id="3" name="内容占位符 2"/>
-          <p:cNvSpPr>
-            <a:spLocks noGrp="1"/>
-          </p:cNvSpPr>
-          <p:nvPr>
-            <p:ph idx="1"/>
-          </p:nvPr>
-        </p:nvSpPr>
-        <p:spPr>
-          <a:xfrm>
-            <a:off x="436880" y="568325"/>
-            <a:ext cx="9966325" cy="2724785"/>
-          </a:xfrm>
-        </p:spPr>
-        <p:txBody>
-          <a:bodyPr>
-            <a:normAutofit lnSpcReduction="20000"/>
-          </a:bodyPr>
-          <a:p>
-            <a:pPr algn="l"/>
-            <a:r>
-              <a:rPr lang="zh-CN" altLang="en-US" sz="1200" b="1">
-                <a:solidFill>
-                  <a:schemeClr val="accent6">
-                    <a:lumMod val="75000"/>
-                  </a:schemeClr>
-                </a:solidFill>
-                <a:latin typeface="微软雅黑" panose="020B0503020204020204" charset="-122"/>
-                <a:ea typeface="微软雅黑" panose="020B0503020204020204" charset="-122"/>
-              </a:rPr>
-              <a:t>目标</a:t>
-            </a:r>
-            <a:r>
-              <a:rPr lang="zh-CN" altLang="en-US" sz="1200">
-                <a:latin typeface="微软雅黑" panose="020B0503020204020204" charset="-122"/>
-                <a:ea typeface="微软雅黑" panose="020B0503020204020204" charset="-122"/>
-              </a:rPr>
-              <a:t>：针对 </a:t>
-            </a:r>
-            <a:r>
-              <a:rPr lang="en-US" altLang="zh-CN" sz="1200">
-                <a:latin typeface="微软雅黑" panose="020B0503020204020204" charset="-122"/>
-                <a:ea typeface="微软雅黑" panose="020B0503020204020204" charset="-122"/>
-              </a:rPr>
-              <a:t>WGAN</a:t>
-            </a:r>
-            <a:r>
-              <a:rPr lang="zh-CN" altLang="en-US" sz="1200">
-                <a:latin typeface="微软雅黑" panose="020B0503020204020204" charset="-122"/>
-                <a:ea typeface="微软雅黑" panose="020B0503020204020204" charset="-122"/>
-              </a:rPr>
-              <a:t>训练困难、收敛速度慢 改进；</a:t>
-            </a:r>
-            <a:endParaRPr lang="zh-CN" altLang="en-US" sz="1200">
-              <a:latin typeface="微软雅黑" panose="020B0503020204020204" charset="-122"/>
-              <a:ea typeface="微软雅黑" panose="020B0503020204020204" charset="-122"/>
-            </a:endParaRPr>
-          </a:p>
-          <a:p>
-            <a:pPr algn="l" fontAlgn="auto">
-              <a:lnSpc>
-                <a:spcPts val="1440"/>
-              </a:lnSpc>
-            </a:pPr>
-            <a:r>
-              <a:rPr lang="zh-CN" altLang="en-US" sz="1200" b="1">
-                <a:solidFill>
-                  <a:schemeClr val="accent5">
-                    <a:lumMod val="75000"/>
-                  </a:schemeClr>
-                </a:solidFill>
-                <a:latin typeface="微软雅黑" panose="020B0503020204020204" charset="-122"/>
-                <a:ea typeface="微软雅黑" panose="020B0503020204020204" charset="-122"/>
-              </a:rPr>
-              <a:t>分析</a:t>
-            </a:r>
-            <a:r>
-              <a:rPr lang="zh-CN" altLang="en-US" sz="1200">
-                <a:latin typeface="微软雅黑" panose="020B0503020204020204" charset="-122"/>
-                <a:ea typeface="微软雅黑" panose="020B0503020204020204" charset="-122"/>
-              </a:rPr>
-              <a:t>：</a:t>
-            </a:r>
-            <a:endParaRPr lang="zh-CN" altLang="en-US" sz="1200">
-              <a:latin typeface="微软雅黑" panose="020B0503020204020204" charset="-122"/>
-              <a:ea typeface="微软雅黑" panose="020B0503020204020204" charset="-122"/>
-            </a:endParaRPr>
-          </a:p>
-          <a:p>
-            <a:pPr algn="l" fontAlgn="auto">
-              <a:lnSpc>
-                <a:spcPts val="1440"/>
-              </a:lnSpc>
-            </a:pPr>
-            <a:r>
-              <a:rPr lang="en-US" altLang="zh-CN" sz="1200">
-                <a:latin typeface="微软雅黑" panose="020B0503020204020204" charset="-122"/>
-                <a:ea typeface="微软雅黑" panose="020B0503020204020204" charset="-122"/>
-              </a:rPr>
-              <a:t>          WGAN  Lipschitz限制条件</a:t>
-            </a:r>
-            <a:r>
-              <a:rPr lang="zh-CN" altLang="en-US" sz="1200">
-                <a:latin typeface="微软雅黑" panose="020B0503020204020204" charset="-122"/>
-                <a:ea typeface="微软雅黑" panose="020B0503020204020204" charset="-122"/>
-              </a:rPr>
-              <a:t>使用</a:t>
-            </a:r>
-            <a:r>
-              <a:rPr lang="en-US" altLang="zh-CN" sz="1200">
-                <a:latin typeface="微软雅黑" panose="020B0503020204020204" charset="-122"/>
-                <a:ea typeface="微软雅黑" panose="020B0503020204020204" charset="-122"/>
-              </a:rPr>
-              <a:t> weight clipping，每更新完一次判别器的参数后，</a:t>
-            </a:r>
-            <a:endParaRPr lang="en-US" altLang="zh-CN" sz="1200">
-              <a:latin typeface="微软雅黑" panose="020B0503020204020204" charset="-122"/>
-              <a:ea typeface="微软雅黑" panose="020B0503020204020204" charset="-122"/>
-            </a:endParaRPr>
-          </a:p>
-          <a:p>
-            <a:pPr algn="l" fontAlgn="auto">
-              <a:lnSpc>
-                <a:spcPts val="1440"/>
-              </a:lnSpc>
-            </a:pPr>
-            <a:r>
-              <a:rPr lang="en-US" altLang="zh-CN" sz="1200">
-                <a:latin typeface="微软雅黑" panose="020B0503020204020204" charset="-122"/>
-                <a:ea typeface="微软雅黑" panose="020B0503020204020204" charset="-122"/>
-              </a:rPr>
-              <a:t>          检查判别器的所有参数的绝对值有没有超过阈值，比如0.01，有就把这些参数</a:t>
-            </a:r>
-            <a:r>
-              <a:rPr lang="zh-CN" altLang="en-US" sz="1200">
-                <a:latin typeface="微软雅黑" panose="020B0503020204020204" charset="-122"/>
-                <a:ea typeface="微软雅黑" panose="020B0503020204020204" charset="-122"/>
-              </a:rPr>
-              <a:t>修改到</a:t>
-            </a:r>
-            <a:r>
-              <a:rPr lang="en-US" altLang="zh-CN" sz="1200">
-                <a:latin typeface="微软雅黑" panose="020B0503020204020204" charset="-122"/>
-                <a:ea typeface="微软雅黑" panose="020B0503020204020204" charset="-122"/>
-              </a:rPr>
-              <a:t> [-0.01, 0.01] 范围内。</a:t>
-            </a:r>
-            <a:endParaRPr lang="en-US" altLang="zh-CN" sz="1200">
-              <a:latin typeface="微软雅黑" panose="020B0503020204020204" charset="-122"/>
-              <a:ea typeface="微软雅黑" panose="020B0503020204020204" charset="-122"/>
-            </a:endParaRPr>
-          </a:p>
-          <a:p>
-            <a:pPr algn="l" fontAlgn="auto">
-              <a:lnSpc>
-                <a:spcPts val="1440"/>
-              </a:lnSpc>
-            </a:pPr>
-            <a:r>
-              <a:rPr lang="en-US" altLang="zh-CN" sz="1200">
-                <a:latin typeface="微软雅黑" panose="020B0503020204020204" charset="-122"/>
-                <a:ea typeface="微软雅黑" panose="020B0503020204020204" charset="-122"/>
-              </a:rPr>
-              <a:t>          保证了判别器不</a:t>
-            </a:r>
-            <a:r>
-              <a:rPr lang="zh-CN" altLang="en-US" sz="1200">
-                <a:latin typeface="微软雅黑" panose="020B0503020204020204" charset="-122"/>
-                <a:ea typeface="微软雅黑" panose="020B0503020204020204" charset="-122"/>
-              </a:rPr>
-              <a:t>会</a:t>
-            </a:r>
-            <a:r>
-              <a:rPr lang="en-US" altLang="zh-CN" sz="1200">
-                <a:latin typeface="微软雅黑" panose="020B0503020204020204" charset="-122"/>
-                <a:ea typeface="微软雅黑" panose="020B0503020204020204" charset="-122"/>
-              </a:rPr>
-              <a:t>对两个略微不同样本</a:t>
-            </a:r>
-            <a:r>
-              <a:rPr lang="zh-CN" altLang="en-US" sz="1200">
-                <a:latin typeface="微软雅黑" panose="020B0503020204020204" charset="-122"/>
-                <a:ea typeface="微软雅黑" panose="020B0503020204020204" charset="-122"/>
-              </a:rPr>
-              <a:t>的</a:t>
-            </a:r>
-            <a:r>
-              <a:rPr lang="en-US" altLang="zh-CN" sz="1200">
-                <a:latin typeface="微软雅黑" panose="020B0503020204020204" charset="-122"/>
-                <a:ea typeface="微软雅黑" panose="020B0503020204020204" charset="-122"/>
-              </a:rPr>
-              <a:t>判别不会差异过大</a:t>
-            </a:r>
-            <a:r>
-              <a:rPr lang="zh-CN" altLang="en-US" sz="1200">
-                <a:latin typeface="微软雅黑" panose="020B0503020204020204" charset="-122"/>
-                <a:ea typeface="微软雅黑" panose="020B0503020204020204" charset="-122"/>
-              </a:rPr>
-              <a:t>，间接实现了</a:t>
-            </a:r>
-            <a:r>
-              <a:rPr lang="en-US" altLang="zh-CN" sz="1200">
-                <a:latin typeface="微软雅黑" panose="020B0503020204020204" charset="-122"/>
-                <a:ea typeface="微软雅黑" panose="020B0503020204020204" charset="-122"/>
-                <a:sym typeface="+mn-ea"/>
-              </a:rPr>
-              <a:t>Lipschitz限制</a:t>
-            </a:r>
-            <a:r>
-              <a:rPr lang="zh-CN" altLang="en-US" sz="1200">
-                <a:latin typeface="微软雅黑" panose="020B0503020204020204" charset="-122"/>
-                <a:ea typeface="微软雅黑" panose="020B0503020204020204" charset="-122"/>
-                <a:sym typeface="+mn-ea"/>
-              </a:rPr>
-              <a:t>。</a:t>
-            </a:r>
-            <a:endParaRPr lang="en-US" altLang="zh-CN" sz="1200">
-              <a:latin typeface="微软雅黑" panose="020B0503020204020204" charset="-122"/>
-              <a:ea typeface="微软雅黑" panose="020B0503020204020204" charset="-122"/>
-              <a:sym typeface="+mn-ea"/>
-            </a:endParaRPr>
-          </a:p>
-          <a:p>
-            <a:pPr algn="l" fontAlgn="auto">
-              <a:lnSpc>
-                <a:spcPts val="1440"/>
-              </a:lnSpc>
-            </a:pPr>
-            <a:r>
-              <a:rPr lang="en-US" altLang="zh-CN" sz="1200">
-                <a:latin typeface="微软雅黑" panose="020B0503020204020204" charset="-122"/>
-                <a:ea typeface="微软雅黑" panose="020B0503020204020204" charset="-122"/>
-                <a:sym typeface="+mn-ea"/>
-              </a:rPr>
-              <a:t>          Weight C</a:t>
-            </a:r>
-            <a:r>
-              <a:rPr lang="en-US" altLang="zh-CN" sz="1200">
-                <a:latin typeface="微软雅黑" panose="020B0503020204020204" charset="-122"/>
-                <a:ea typeface="微软雅黑" panose="020B0503020204020204" charset="-122"/>
-                <a:sym typeface="+mn-ea"/>
-              </a:rPr>
-              <a:t>lipping独立地限制网络参数的取值范围，在这种情况下最优策略就是参数要么取最大值（如0.01）要么取最小值（如-0.01）</a:t>
-            </a:r>
-            <a:endParaRPr lang="en-US" altLang="zh-CN" sz="1200">
-              <a:latin typeface="微软雅黑" panose="020B0503020204020204" charset="-122"/>
-              <a:ea typeface="微软雅黑" panose="020B0503020204020204" charset="-122"/>
-              <a:sym typeface="+mn-ea"/>
-            </a:endParaRPr>
-          </a:p>
-          <a:p>
-            <a:pPr algn="l" fontAlgn="auto">
-              <a:lnSpc>
-                <a:spcPts val="1440"/>
-              </a:lnSpc>
-            </a:pPr>
-            <a:endParaRPr lang="en-US" altLang="zh-CN" sz="1200">
-              <a:latin typeface="微软雅黑" panose="020B0503020204020204" charset="-122"/>
-              <a:ea typeface="微软雅黑" panose="020B0503020204020204" charset="-122"/>
-              <a:sym typeface="+mn-ea"/>
-            </a:endParaRPr>
-          </a:p>
-          <a:p>
-            <a:pPr algn="l"/>
-            <a:r>
-              <a:rPr lang="zh-CN" altLang="en-US" sz="1200" b="1">
-                <a:solidFill>
-                  <a:srgbClr val="00B0F0"/>
-                </a:solidFill>
-                <a:latin typeface="微软雅黑" panose="020B0503020204020204" charset="-122"/>
-                <a:ea typeface="微软雅黑" panose="020B0503020204020204" charset="-122"/>
-              </a:rPr>
-              <a:t>方法</a:t>
-            </a:r>
-            <a:r>
-              <a:rPr lang="zh-CN" altLang="en-US" sz="1200">
-                <a:latin typeface="微软雅黑" panose="020B0503020204020204" charset="-122"/>
-                <a:ea typeface="微软雅黑" panose="020B0503020204020204" charset="-122"/>
-              </a:rPr>
-              <a:t>：标准卷积滤波分解为：深度分离卷积（</a:t>
-            </a:r>
-            <a:r>
-              <a:rPr lang="zh-CN" altLang="en-US" sz="1200">
-                <a:solidFill>
-                  <a:srgbClr val="C00000"/>
-                </a:solidFill>
-                <a:latin typeface="微软雅黑" panose="020B0503020204020204" charset="-122"/>
-                <a:ea typeface="微软雅黑" panose="020B0503020204020204" charset="-122"/>
-              </a:rPr>
-              <a:t>不改变通道数量</a:t>
-            </a:r>
-            <a:r>
-              <a:rPr lang="zh-CN" altLang="en-US" sz="1200">
-                <a:latin typeface="微软雅黑" panose="020B0503020204020204" charset="-122"/>
-                <a:ea typeface="微软雅黑" panose="020B0503020204020204" charset="-122"/>
-              </a:rPr>
-              <a:t>） 和 逐点卷积 （</a:t>
-            </a:r>
-            <a:r>
-              <a:rPr lang="zh-CN" altLang="en-US" sz="1200">
-                <a:solidFill>
-                  <a:srgbClr val="0F80FF"/>
-                </a:solidFill>
-                <a:latin typeface="微软雅黑" panose="020B0503020204020204" charset="-122"/>
-                <a:ea typeface="微软雅黑" panose="020B0503020204020204" charset="-122"/>
-              </a:rPr>
-              <a:t>改变通道数量</a:t>
-            </a:r>
-            <a:r>
-              <a:rPr lang="zh-CN" altLang="en-US" sz="1200">
-                <a:latin typeface="微软雅黑" panose="020B0503020204020204" charset="-122"/>
-                <a:ea typeface="微软雅黑" panose="020B0503020204020204" charset="-122"/>
-              </a:rPr>
-              <a:t>）</a:t>
-            </a:r>
-            <a:endParaRPr lang="zh-CN" altLang="en-US" sz="1200">
               <a:latin typeface="微软雅黑" panose="020B0503020204020204" charset="-122"/>
               <a:ea typeface="微软雅黑" panose="020B0503020204020204" charset="-122"/>
             </a:endParaRPr>
@@ -10230,7 +9710,7 @@
               <a:lnSpc>
                 <a:spcPct val="90000"/>
               </a:lnSpc>
-              <a:buFont typeface="Arial" panose="020B0604020202090204" pitchFamily="34" charset="0"/>
+              <a:buFont typeface="Arial" panose="020B0604020202020204" pitchFamily="34" charset="0"/>
               <a:buChar char="•"/>
             </a:pPr>
             <a:r>
@@ -10288,7 +9768,7 @@
               <a:lnSpc>
                 <a:spcPct val="90000"/>
               </a:lnSpc>
-              <a:buFont typeface="Arial" panose="020B0604020202090204" pitchFamily="34" charset="0"/>
+              <a:buFont typeface="Arial" panose="020B0604020202020204" pitchFamily="34" charset="0"/>
               <a:buNone/>
             </a:pPr>
             <a:r>
@@ -10333,7 +9813,7 @@
               <a:lnSpc>
                 <a:spcPct val="90000"/>
               </a:lnSpc>
-              <a:buFont typeface="Arial" panose="020B0604020202090204" pitchFamily="34" charset="0"/>
+              <a:buFont typeface="Arial" panose="020B0604020202020204" pitchFamily="34" charset="0"/>
               <a:buChar char="•"/>
             </a:pPr>
             <a:endParaRPr lang="zh-CN" altLang="en-US" sz="1200">
@@ -10352,7 +9832,7 @@
               <a:lnSpc>
                 <a:spcPct val="90000"/>
               </a:lnSpc>
-              <a:buFont typeface="Arial" panose="020B0604020202090204" pitchFamily="34" charset="0"/>
+              <a:buFont typeface="Arial" panose="020B0604020202020204" pitchFamily="34" charset="0"/>
               <a:buChar char="•"/>
             </a:pPr>
             <a:r>
@@ -10410,7 +9890,7 @@
               <a:lnSpc>
                 <a:spcPct val="90000"/>
               </a:lnSpc>
-              <a:buFont typeface="Arial" panose="020B0604020202090204" pitchFamily="34" charset="0"/>
+              <a:buFont typeface="Arial" panose="020B0604020202020204" pitchFamily="34" charset="0"/>
               <a:buNone/>
             </a:pPr>
             <a:r>
@@ -10455,7 +9935,7 @@
               <a:lnSpc>
                 <a:spcPct val="90000"/>
               </a:lnSpc>
-              <a:buFont typeface="Arial" panose="020B0604020202090204" pitchFamily="34" charset="0"/>
+              <a:buFont typeface="Arial" panose="020B0604020202020204" pitchFamily="34" charset="0"/>
               <a:buChar char="•"/>
             </a:pPr>
             <a:endParaRPr lang="zh-CN" altLang="en-US" sz="1200">
@@ -10474,7 +9954,7 @@
               <a:lnSpc>
                 <a:spcPct val="90000"/>
               </a:lnSpc>
-              <a:buFont typeface="Arial" panose="020B0604020202090204" pitchFamily="34" charset="0"/>
+              <a:buFont typeface="Arial" panose="020B0604020202020204" pitchFamily="34" charset="0"/>
               <a:buChar char="•"/>
             </a:pPr>
             <a:r>
@@ -10535,7 +10015,7 @@
               <a:lnSpc>
                 <a:spcPct val="90000"/>
               </a:lnSpc>
-              <a:buFont typeface="Arial" panose="020B0604020202090204" pitchFamily="34" charset="0"/>
+              <a:buFont typeface="Arial" panose="020B0604020202020204" pitchFamily="34" charset="0"/>
               <a:buNone/>
             </a:pPr>
             <a:r>
@@ -11958,7 +11438,7 @@
                 <a:latin typeface="微软雅黑" panose="020B0503020204020204" charset="-122"/>
                 <a:ea typeface="微软雅黑" panose="020B0503020204020204" charset="-122"/>
               </a:rPr>
-              <a:t> - 2016</a:t>
+              <a:t> - 2016.06</a:t>
             </a:r>
             <a:endParaRPr lang="en-US" altLang="zh-CN" sz="2000" b="1" dirty="0">
               <a:latin typeface="微软雅黑" panose="020B0503020204020204" charset="-122"/>
@@ -11992,59 +11472,6 @@
           <a:chExt cx="0" cy="0"/>
         </a:xfrm>
       </p:grpSpPr>
-      <p:sp>
-        <p:nvSpPr>
-          <p:cNvPr id="61" name="文本框 60"/>
-          <p:cNvSpPr txBox="1"/>
-          <p:nvPr/>
-        </p:nvSpPr>
-        <p:spPr>
-          <a:xfrm>
-            <a:off x="4425315" y="4128135"/>
-            <a:ext cx="1753235" cy="275590"/>
-          </a:xfrm>
-          <a:prstGeom prst="rect">
-            <a:avLst/>
-          </a:prstGeom>
-          <a:noFill/>
-        </p:spPr>
-        <p:txBody>
-          <a:bodyPr wrap="square" rtlCol="0">
-            <a:spAutoFit/>
-          </a:bodyPr>
-          <a:lstStyle/>
-          <a:p>
-            <a:pPr algn="ctr"/>
-            <a:r>
-              <a:rPr lang="en-US" altLang="zh-CN" sz="1200" b="1">
-                <a:solidFill>
-                  <a:srgbClr val="0070C0"/>
-                </a:solidFill>
-                <a:latin typeface="微软雅黑" panose="020B0503020204020204" charset="-122"/>
-                <a:ea typeface="微软雅黑" panose="020B0503020204020204" charset="-122"/>
-              </a:rPr>
-              <a:t>FPN</a:t>
-            </a:r>
-            <a:r>
-              <a:rPr lang="zh-CN" altLang="en-US" sz="1200" b="1">
-                <a:solidFill>
-                  <a:srgbClr val="0070C0"/>
-                </a:solidFill>
-                <a:latin typeface="微软雅黑" panose="020B0503020204020204" charset="-122"/>
-                <a:ea typeface="微软雅黑" panose="020B0503020204020204" charset="-122"/>
-              </a:rPr>
-              <a:t>作为特征提取器</a:t>
-            </a:r>
-            <a:endParaRPr lang="zh-CN" altLang="en-US" sz="1200" b="1">
-              <a:solidFill>
-                <a:srgbClr val="0070C0"/>
-              </a:solidFill>
-              <a:latin typeface="微软雅黑" panose="020B0503020204020204" charset="-122"/>
-              <a:ea typeface="微软雅黑" panose="020B0503020204020204" charset="-122"/>
-            </a:endParaRPr>
-          </a:p>
-        </p:txBody>
-      </p:sp>
       <p:sp>
         <p:nvSpPr>
           <p:cNvPr id="4" name="文本框 3"/>
@@ -13872,7 +13299,7 @@
             <a:p>
               <a:pPr algn="ctr"/>
               <a:endParaRPr lang="zh-CN" altLang="en-US">
-                <a:latin typeface="Arial" panose="020B0604020202090204" pitchFamily="34" charset="0"/>
+                <a:latin typeface="Arial" panose="020B0604020202020204" pitchFamily="34" charset="0"/>
               </a:endParaRPr>
             </a:p>
           </p:txBody>
@@ -14077,7 +13504,7 @@
             <a:p>
               <a:pPr algn="ctr"/>
               <a:endParaRPr lang="zh-CN" altLang="en-US">
-                <a:latin typeface="Arial" panose="020B0604020202090204" pitchFamily="34" charset="0"/>
+                <a:latin typeface="Arial" panose="020B0604020202020204" pitchFamily="34" charset="0"/>
               </a:endParaRPr>
             </a:p>
           </p:txBody>
@@ -14373,7 +13800,7 @@
             <a:p>
               <a:pPr algn="ctr"/>
               <a:endParaRPr lang="zh-CN" altLang="en-US">
-                <a:latin typeface="Arial" panose="020B0604020202090204" pitchFamily="34" charset="0"/>
+                <a:latin typeface="Arial" panose="020B0604020202020204" pitchFamily="34" charset="0"/>
               </a:endParaRPr>
             </a:p>
           </p:txBody>
@@ -20054,7 +19481,7 @@
           <a:lstStyle/>
           <a:p>
             <a:pPr marL="171450" indent="-171450">
-              <a:buFont typeface="Arial" panose="020B0604020202090204" pitchFamily="34" charset="0"/>
+              <a:buFont typeface="Arial" panose="020B0604020202020204" pitchFamily="34" charset="0"/>
               <a:buChar char="•"/>
             </a:pPr>
             <a:r>
@@ -20081,7 +19508,7 @@
           </a:p>
           <a:p>
             <a:pPr lvl="0" indent="0">
-              <a:buFont typeface="Arial" panose="020B0604020202090204" pitchFamily="34" charset="0"/>
+              <a:buFont typeface="Arial" panose="020B0604020202020204" pitchFamily="34" charset="0"/>
               <a:buNone/>
             </a:pPr>
             <a:r>
@@ -20108,7 +19535,7 @@
           </a:p>
           <a:p>
             <a:pPr lvl="0" indent="0">
-              <a:buFont typeface="Arial" panose="020B0604020202090204" pitchFamily="34" charset="0"/>
+              <a:buFont typeface="Arial" panose="020B0604020202020204" pitchFamily="34" charset="0"/>
               <a:buNone/>
             </a:pPr>
             <a:r>
@@ -20135,7 +19562,7 @@
           </a:p>
           <a:p>
             <a:pPr marL="171450" indent="-171450">
-              <a:buFont typeface="Arial" panose="020B0604020202090204" pitchFamily="34" charset="0"/>
+              <a:buFont typeface="Arial" panose="020B0604020202020204" pitchFamily="34" charset="0"/>
               <a:buChar char="•"/>
             </a:pPr>
             <a:endParaRPr lang="zh-CN" altLang="en-US" sz="1200">
@@ -20150,7 +19577,7 @@
           </a:p>
           <a:p>
             <a:pPr marL="171450" indent="-171450">
-              <a:buFont typeface="Arial" panose="020B0604020202090204" pitchFamily="34" charset="0"/>
+              <a:buFont typeface="Arial" panose="020B0604020202020204" pitchFamily="34" charset="0"/>
               <a:buChar char="•"/>
             </a:pPr>
             <a:r>
@@ -20177,7 +19604,7 @@
           </a:p>
           <a:p>
             <a:pPr indent="0">
-              <a:buFont typeface="Arial" panose="020B0604020202090204" pitchFamily="34" charset="0"/>
+              <a:buFont typeface="Arial" panose="020B0604020202020204" pitchFamily="34" charset="0"/>
               <a:buNone/>
             </a:pPr>
             <a:r>
@@ -20344,7 +19771,7 @@
             <a:p>
               <a:pPr algn="ctr"/>
               <a:endParaRPr lang="zh-CN" altLang="en-US">
-                <a:latin typeface="Arial" panose="020B0604020202090204" pitchFamily="34" charset="0"/>
+                <a:latin typeface="Arial" panose="020B0604020202020204" pitchFamily="34" charset="0"/>
               </a:endParaRPr>
             </a:p>
           </p:txBody>
@@ -26230,84 +25657,84 @@
           <a:p>
             <a:r>
               <a:rPr lang="en-US" altLang="zh-CN" sz="1000" dirty="0">
-                <a:latin typeface="Arial" panose="020B0604020202090204" pitchFamily="34" charset="0"/>
-                <a:cs typeface="Arial" panose="020B0604020202090204" pitchFamily="34" charset="0"/>
+                <a:latin typeface="Arial" panose="020B0604020202020204" pitchFamily="34" charset="0"/>
+                <a:cs typeface="Arial" panose="020B0604020202020204" pitchFamily="34" charset="0"/>
               </a:rPr>
               <a:t>                             64</a:t>
             </a:r>
             <a:endParaRPr lang="en-US" altLang="zh-CN" sz="1000" dirty="0">
-              <a:latin typeface="Arial" panose="020B0604020202090204" pitchFamily="34" charset="0"/>
-              <a:cs typeface="Arial" panose="020B0604020202090204" pitchFamily="34" charset="0"/>
+              <a:latin typeface="Arial" panose="020B0604020202020204" pitchFamily="34" charset="0"/>
+              <a:cs typeface="Arial" panose="020B0604020202020204" pitchFamily="34" charset="0"/>
             </a:endParaRPr>
           </a:p>
           <a:p>
             <a:endParaRPr lang="en-US" altLang="zh-CN" sz="1000" dirty="0">
-              <a:latin typeface="Arial" panose="020B0604020202090204" pitchFamily="34" charset="0"/>
-              <a:cs typeface="Arial" panose="020B0604020202090204" pitchFamily="34" charset="0"/>
+              <a:latin typeface="Arial" panose="020B0604020202020204" pitchFamily="34" charset="0"/>
+              <a:cs typeface="Arial" panose="020B0604020202020204" pitchFamily="34" charset="0"/>
             </a:endParaRPr>
           </a:p>
           <a:p>
             <a:r>
               <a:rPr lang="en-US" altLang="zh-CN" sz="1400" dirty="0">
                 <a:latin typeface="Axure Handwriting" panose="020B0402020200020204" pitchFamily="34" charset="0"/>
-                <a:cs typeface="Arial" panose="020B0604020202090204" pitchFamily="34" charset="0"/>
+                <a:cs typeface="Arial" panose="020B0604020202020204" pitchFamily="34" charset="0"/>
               </a:rPr>
               <a:t>  x</a:t>
             </a:r>
             <a:endParaRPr lang="en-US" altLang="zh-CN" sz="1400" dirty="0">
               <a:latin typeface="Axure Handwriting" panose="020B0402020200020204" pitchFamily="34" charset="0"/>
-              <a:cs typeface="Arial" panose="020B0604020202090204" pitchFamily="34" charset="0"/>
+              <a:cs typeface="Arial" panose="020B0604020202020204" pitchFamily="34" charset="0"/>
             </a:endParaRPr>
           </a:p>
           <a:p>
             <a:endParaRPr lang="en-US" altLang="zh-CN" sz="1000" dirty="0">
-              <a:latin typeface="Arial" panose="020B0604020202090204" pitchFamily="34" charset="0"/>
-              <a:cs typeface="Arial" panose="020B0604020202090204" pitchFamily="34" charset="0"/>
+              <a:latin typeface="Arial" panose="020B0604020202020204" pitchFamily="34" charset="0"/>
+              <a:cs typeface="Arial" panose="020B0604020202020204" pitchFamily="34" charset="0"/>
             </a:endParaRPr>
           </a:p>
           <a:p>
             <a:endParaRPr lang="en-US" altLang="zh-CN" sz="1000" dirty="0">
-              <a:latin typeface="Arial" panose="020B0604020202090204" pitchFamily="34" charset="0"/>
-              <a:cs typeface="Arial" panose="020B0604020202090204" pitchFamily="34" charset="0"/>
+              <a:latin typeface="Arial" panose="020B0604020202020204" pitchFamily="34" charset="0"/>
+              <a:cs typeface="Arial" panose="020B0604020202020204" pitchFamily="34" charset="0"/>
             </a:endParaRPr>
           </a:p>
           <a:p>
             <a:endParaRPr lang="en-US" altLang="zh-CN" sz="1000" dirty="0">
-              <a:latin typeface="Arial" panose="020B0604020202090204" pitchFamily="34" charset="0"/>
-              <a:cs typeface="Arial" panose="020B0604020202090204" pitchFamily="34" charset="0"/>
+              <a:latin typeface="Arial" panose="020B0604020202020204" pitchFamily="34" charset="0"/>
+              <a:cs typeface="Arial" panose="020B0604020202020204" pitchFamily="34" charset="0"/>
             </a:endParaRPr>
           </a:p>
           <a:p>
             <a:r>
               <a:rPr lang="en-US" altLang="zh-CN" sz="1000" dirty="0">
-                <a:latin typeface="Arial" panose="020B0604020202090204" pitchFamily="34" charset="0"/>
-                <a:cs typeface="Arial" panose="020B0604020202090204" pitchFamily="34" charset="0"/>
+                <a:latin typeface="Arial" panose="020B0604020202020204" pitchFamily="34" charset="0"/>
+                <a:cs typeface="Arial" panose="020B0604020202020204" pitchFamily="34" charset="0"/>
               </a:rPr>
               <a:t>                    64   </a:t>
             </a:r>
             <a:endParaRPr lang="en-US" altLang="zh-CN" sz="1000" dirty="0">
-              <a:latin typeface="Arial" panose="020B0604020202090204" pitchFamily="34" charset="0"/>
-              <a:cs typeface="Arial" panose="020B0604020202090204" pitchFamily="34" charset="0"/>
+              <a:latin typeface="Arial" panose="020B0604020202020204" pitchFamily="34" charset="0"/>
+              <a:cs typeface="Arial" panose="020B0604020202020204" pitchFamily="34" charset="0"/>
             </a:endParaRPr>
           </a:p>
           <a:p>
             <a:r>
               <a:rPr lang="en-US" altLang="zh-CN" sz="1000" dirty="0">
-                <a:latin typeface="Arial" panose="020B0604020202090204" pitchFamily="34" charset="0"/>
-                <a:cs typeface="Arial" panose="020B0604020202090204" pitchFamily="34" charset="0"/>
+                <a:latin typeface="Arial" panose="020B0604020202020204" pitchFamily="34" charset="0"/>
+                <a:cs typeface="Arial" panose="020B0604020202020204" pitchFamily="34" charset="0"/>
               </a:rPr>
               <a:t>         </a:t>
             </a:r>
             <a:endParaRPr lang="en-US" altLang="zh-CN" sz="1000" dirty="0">
-              <a:latin typeface="Arial" panose="020B0604020202090204" pitchFamily="34" charset="0"/>
-              <a:cs typeface="Arial" panose="020B0604020202090204" pitchFamily="34" charset="0"/>
+              <a:latin typeface="Arial" panose="020B0604020202020204" pitchFamily="34" charset="0"/>
+              <a:cs typeface="Arial" panose="020B0604020202020204" pitchFamily="34" charset="0"/>
             </a:endParaRPr>
           </a:p>
           <a:p>
             <a:r>
               <a:rPr lang="en-US" altLang="zh-CN" sz="1200" dirty="0">
-                <a:latin typeface="Arial" panose="020B0604020202090204" pitchFamily="34" charset="0"/>
-                <a:cs typeface="Arial" panose="020B0604020202090204" pitchFamily="34" charset="0"/>
+                <a:latin typeface="Arial" panose="020B0604020202020204" pitchFamily="34" charset="0"/>
+                <a:cs typeface="Arial" panose="020B0604020202020204" pitchFamily="34" charset="0"/>
               </a:rPr>
               <a:t> </a:t>
             </a:r>
@@ -26318,8 +25745,8 @@
                     <a:lumMod val="75000"/>
                   </a:schemeClr>
                 </a:solidFill>
-                <a:latin typeface="Arial" panose="020B0604020202090204" pitchFamily="34" charset="0"/>
-                <a:cs typeface="Arial" panose="020B0604020202090204" pitchFamily="34" charset="0"/>
+                <a:latin typeface="Arial" panose="020B0604020202020204" pitchFamily="34" charset="0"/>
+                <a:cs typeface="Arial" panose="020B0604020202020204" pitchFamily="34" charset="0"/>
               </a:rPr>
               <a:t>Real Image         </a:t>
             </a:r>
@@ -26329,8 +25756,8 @@
                   <a:lumMod val="75000"/>
                 </a:schemeClr>
               </a:solidFill>
-              <a:latin typeface="Arial" panose="020B0604020202090204" pitchFamily="34" charset="0"/>
-              <a:cs typeface="Arial" panose="020B0604020202090204" pitchFamily="34" charset="0"/>
+              <a:latin typeface="Arial" panose="020B0604020202020204" pitchFamily="34" charset="0"/>
+              <a:cs typeface="Arial" panose="020B0604020202020204" pitchFamily="34" charset="0"/>
             </a:endParaRPr>
           </a:p>
         </p:txBody>
@@ -26547,14 +25974,14 @@
           <a:p>
             <a:r>
               <a:rPr lang="en-US" altLang="zh-CN" sz="900" dirty="0">
-                <a:latin typeface="Arial" panose="020B0604020202090204" pitchFamily="34" charset="0"/>
-                <a:cs typeface="Arial" panose="020B0604020202090204" pitchFamily="34" charset="0"/>
+                <a:latin typeface="Arial" panose="020B0604020202020204" pitchFamily="34" charset="0"/>
+                <a:cs typeface="Arial" panose="020B0604020202020204" pitchFamily="34" charset="0"/>
               </a:rPr>
               <a:t> 3                	    128	       256	                   512	          	          1024</a:t>
             </a:r>
             <a:endParaRPr lang="zh-CN" altLang="en-US" sz="900" dirty="0">
-              <a:latin typeface="Arial" panose="020B0604020202090204" pitchFamily="34" charset="0"/>
-              <a:cs typeface="Arial" panose="020B0604020202090204" pitchFamily="34" charset="0"/>
+              <a:latin typeface="Arial" panose="020B0604020202020204" pitchFamily="34" charset="0"/>
+              <a:cs typeface="Arial" panose="020B0604020202020204" pitchFamily="34" charset="0"/>
             </a:endParaRPr>
           </a:p>
         </p:txBody>
@@ -26636,78 +26063,78 @@
           <a:p>
             <a:r>
               <a:rPr lang="en-US" altLang="zh-CN" sz="1000" dirty="0">
-                <a:latin typeface="Arial" panose="020B0604020202090204" pitchFamily="34" charset="0"/>
-                <a:cs typeface="Arial" panose="020B0604020202090204" pitchFamily="34" charset="0"/>
+                <a:latin typeface="Arial" panose="020B0604020202020204" pitchFamily="34" charset="0"/>
+                <a:cs typeface="Arial" panose="020B0604020202020204" pitchFamily="34" charset="0"/>
               </a:rPr>
               <a:t>                         32</a:t>
             </a:r>
             <a:endParaRPr lang="en-US" altLang="zh-CN" sz="1400" dirty="0">
               <a:latin typeface="Axure Handwriting" panose="020B0402020200020204" pitchFamily="34" charset="0"/>
-              <a:cs typeface="Arial" panose="020B0604020202090204" pitchFamily="34" charset="0"/>
+              <a:cs typeface="Arial" panose="020B0604020202020204" pitchFamily="34" charset="0"/>
             </a:endParaRPr>
           </a:p>
           <a:p>
             <a:endParaRPr lang="en-US" altLang="zh-CN" sz="1000" dirty="0">
-              <a:latin typeface="Arial" panose="020B0604020202090204" pitchFamily="34" charset="0"/>
-              <a:cs typeface="Arial" panose="020B0604020202090204" pitchFamily="34" charset="0"/>
+              <a:latin typeface="Arial" panose="020B0604020202020204" pitchFamily="34" charset="0"/>
+              <a:cs typeface="Arial" panose="020B0604020202020204" pitchFamily="34" charset="0"/>
             </a:endParaRPr>
           </a:p>
           <a:p>
             <a:endParaRPr lang="en-US" altLang="zh-CN" sz="1000" dirty="0">
-              <a:latin typeface="Arial" panose="020B0604020202090204" pitchFamily="34" charset="0"/>
-              <a:cs typeface="Arial" panose="020B0604020202090204" pitchFamily="34" charset="0"/>
+              <a:latin typeface="Arial" panose="020B0604020202020204" pitchFamily="34" charset="0"/>
+              <a:cs typeface="Arial" panose="020B0604020202020204" pitchFamily="34" charset="0"/>
             </a:endParaRPr>
           </a:p>
           <a:p>
             <a:endParaRPr lang="en-US" altLang="zh-CN" sz="1000" dirty="0">
-              <a:latin typeface="Arial" panose="020B0604020202090204" pitchFamily="34" charset="0"/>
-              <a:cs typeface="Arial" panose="020B0604020202090204" pitchFamily="34" charset="0"/>
+              <a:latin typeface="Arial" panose="020B0604020202020204" pitchFamily="34" charset="0"/>
+              <a:cs typeface="Arial" panose="020B0604020202020204" pitchFamily="34" charset="0"/>
             </a:endParaRPr>
           </a:p>
           <a:p>
             <a:r>
               <a:rPr lang="en-US" altLang="zh-CN" sz="1000" dirty="0">
-                <a:latin typeface="Arial" panose="020B0604020202090204" pitchFamily="34" charset="0"/>
-                <a:cs typeface="Arial" panose="020B0604020202090204" pitchFamily="34" charset="0"/>
+                <a:latin typeface="Arial" panose="020B0604020202020204" pitchFamily="34" charset="0"/>
+                <a:cs typeface="Arial" panose="020B0604020202020204" pitchFamily="34" charset="0"/>
               </a:rPr>
               <a:t>                             </a:t>
             </a:r>
             <a:endParaRPr lang="en-US" altLang="zh-CN" sz="1000" dirty="0">
-              <a:latin typeface="Arial" panose="020B0604020202090204" pitchFamily="34" charset="0"/>
-              <a:cs typeface="Arial" panose="020B0604020202090204" pitchFamily="34" charset="0"/>
+              <a:latin typeface="Arial" panose="020B0604020202020204" pitchFamily="34" charset="0"/>
+              <a:cs typeface="Arial" panose="020B0604020202020204" pitchFamily="34" charset="0"/>
             </a:endParaRPr>
           </a:p>
           <a:p>
             <a:r>
               <a:rPr lang="en-US" altLang="zh-CN" sz="1000" dirty="0">
-                <a:latin typeface="Arial" panose="020B0604020202090204" pitchFamily="34" charset="0"/>
-                <a:cs typeface="Arial" panose="020B0604020202090204" pitchFamily="34" charset="0"/>
+                <a:latin typeface="Arial" panose="020B0604020202020204" pitchFamily="34" charset="0"/>
+                <a:cs typeface="Arial" panose="020B0604020202020204" pitchFamily="34" charset="0"/>
               </a:rPr>
               <a:t>                  32   </a:t>
             </a:r>
             <a:endParaRPr lang="en-US" altLang="zh-CN" sz="1000" dirty="0">
-              <a:latin typeface="Arial" panose="020B0604020202090204" pitchFamily="34" charset="0"/>
-              <a:cs typeface="Arial" panose="020B0604020202090204" pitchFamily="34" charset="0"/>
+              <a:latin typeface="Arial" panose="020B0604020202020204" pitchFamily="34" charset="0"/>
+              <a:cs typeface="Arial" panose="020B0604020202020204" pitchFamily="34" charset="0"/>
             </a:endParaRPr>
           </a:p>
           <a:p>
             <a:r>
               <a:rPr lang="en-US" altLang="zh-CN" sz="1000" dirty="0">
-                <a:latin typeface="Arial" panose="020B0604020202090204" pitchFamily="34" charset="0"/>
-                <a:cs typeface="Arial" panose="020B0604020202090204" pitchFamily="34" charset="0"/>
+                <a:latin typeface="Arial" panose="020B0604020202020204" pitchFamily="34" charset="0"/>
+                <a:cs typeface="Arial" panose="020B0604020202020204" pitchFamily="34" charset="0"/>
               </a:rPr>
               <a:t>         </a:t>
             </a:r>
             <a:endParaRPr lang="en-US" altLang="zh-CN" sz="1000" dirty="0">
-              <a:latin typeface="Arial" panose="020B0604020202090204" pitchFamily="34" charset="0"/>
-              <a:cs typeface="Arial" panose="020B0604020202090204" pitchFamily="34" charset="0"/>
+              <a:latin typeface="Arial" panose="020B0604020202020204" pitchFamily="34" charset="0"/>
+              <a:cs typeface="Arial" panose="020B0604020202020204" pitchFamily="34" charset="0"/>
             </a:endParaRPr>
           </a:p>
           <a:p>
             <a:r>
               <a:rPr lang="en-US" altLang="zh-CN" sz="1200" b="1" dirty="0">
-                <a:latin typeface="Arial" panose="020B0604020202090204" pitchFamily="34" charset="0"/>
-                <a:cs typeface="Arial" panose="020B0604020202090204" pitchFamily="34" charset="0"/>
+                <a:latin typeface="Arial" panose="020B0604020202020204" pitchFamily="34" charset="0"/>
+                <a:cs typeface="Arial" panose="020B0604020202020204" pitchFamily="34" charset="0"/>
               </a:rPr>
               <a:t>Conv1</a:t>
             </a:r>
@@ -26718,8 +26145,8 @@
                     <a:lumMod val="75000"/>
                   </a:schemeClr>
                 </a:solidFill>
-                <a:latin typeface="Arial" panose="020B0604020202090204" pitchFamily="34" charset="0"/>
-                <a:cs typeface="Arial" panose="020B0604020202090204" pitchFamily="34" charset="0"/>
+                <a:latin typeface="Arial" panose="020B0604020202020204" pitchFamily="34" charset="0"/>
+                <a:cs typeface="Arial" panose="020B0604020202020204" pitchFamily="34" charset="0"/>
               </a:rPr>
               <a:t>         </a:t>
             </a:r>
@@ -26729,8 +26156,8 @@
                   <a:lumMod val="75000"/>
                 </a:schemeClr>
               </a:solidFill>
-              <a:latin typeface="Arial" panose="020B0604020202090204" pitchFamily="34" charset="0"/>
-              <a:cs typeface="Arial" panose="020B0604020202090204" pitchFamily="34" charset="0"/>
+              <a:latin typeface="Arial" panose="020B0604020202020204" pitchFamily="34" charset="0"/>
+              <a:cs typeface="Arial" panose="020B0604020202020204" pitchFamily="34" charset="0"/>
             </a:endParaRPr>
           </a:p>
         </p:txBody>
@@ -26759,66 +26186,66 @@
           <a:p>
             <a:r>
               <a:rPr lang="en-US" altLang="zh-CN" sz="1000" dirty="0">
-                <a:latin typeface="Arial" panose="020B0604020202090204" pitchFamily="34" charset="0"/>
-                <a:cs typeface="Arial" panose="020B0604020202090204" pitchFamily="34" charset="0"/>
+                <a:latin typeface="Arial" panose="020B0604020202020204" pitchFamily="34" charset="0"/>
+                <a:cs typeface="Arial" panose="020B0604020202020204" pitchFamily="34" charset="0"/>
               </a:rPr>
               <a:t>                           16</a:t>
             </a:r>
             <a:endParaRPr lang="en-US" altLang="zh-CN" sz="1400" dirty="0">
               <a:latin typeface="Axure Handwriting" panose="020B0402020200020204" pitchFamily="34" charset="0"/>
-              <a:cs typeface="Arial" panose="020B0604020202090204" pitchFamily="34" charset="0"/>
+              <a:cs typeface="Arial" panose="020B0604020202020204" pitchFamily="34" charset="0"/>
             </a:endParaRPr>
           </a:p>
           <a:p>
             <a:r>
               <a:rPr lang="en-US" altLang="zh-CN" sz="1000" dirty="0">
-                <a:latin typeface="Arial" panose="020B0604020202090204" pitchFamily="34" charset="0"/>
-                <a:cs typeface="Arial" panose="020B0604020202090204" pitchFamily="34" charset="0"/>
+                <a:latin typeface="Arial" panose="020B0604020202020204" pitchFamily="34" charset="0"/>
+                <a:cs typeface="Arial" panose="020B0604020202020204" pitchFamily="34" charset="0"/>
               </a:rPr>
               <a:t>                             </a:t>
             </a:r>
             <a:endParaRPr lang="en-US" altLang="zh-CN" sz="1000" dirty="0">
-              <a:latin typeface="Arial" panose="020B0604020202090204" pitchFamily="34" charset="0"/>
-              <a:cs typeface="Arial" panose="020B0604020202090204" pitchFamily="34" charset="0"/>
+              <a:latin typeface="Arial" panose="020B0604020202020204" pitchFamily="34" charset="0"/>
+              <a:cs typeface="Arial" panose="020B0604020202020204" pitchFamily="34" charset="0"/>
             </a:endParaRPr>
           </a:p>
           <a:p>
             <a:endParaRPr lang="en-US" altLang="zh-CN" sz="1000" dirty="0">
-              <a:latin typeface="Arial" panose="020B0604020202090204" pitchFamily="34" charset="0"/>
-              <a:cs typeface="Arial" panose="020B0604020202090204" pitchFamily="34" charset="0"/>
+              <a:latin typeface="Arial" panose="020B0604020202020204" pitchFamily="34" charset="0"/>
+              <a:cs typeface="Arial" panose="020B0604020202020204" pitchFamily="34" charset="0"/>
             </a:endParaRPr>
           </a:p>
           <a:p>
             <a:r>
               <a:rPr lang="en-US" altLang="zh-CN" sz="1000" dirty="0">
-                <a:latin typeface="Arial" panose="020B0604020202090204" pitchFamily="34" charset="0"/>
-                <a:cs typeface="Arial" panose="020B0604020202090204" pitchFamily="34" charset="0"/>
+                <a:latin typeface="Arial" panose="020B0604020202020204" pitchFamily="34" charset="0"/>
+                <a:cs typeface="Arial" panose="020B0604020202020204" pitchFamily="34" charset="0"/>
               </a:rPr>
               <a:t>                        </a:t>
             </a:r>
             <a:endParaRPr lang="en-US" altLang="zh-CN" sz="1000" dirty="0">
-              <a:latin typeface="Arial" panose="020B0604020202090204" pitchFamily="34" charset="0"/>
-              <a:cs typeface="Arial" panose="020B0604020202090204" pitchFamily="34" charset="0"/>
+              <a:latin typeface="Arial" panose="020B0604020202020204" pitchFamily="34" charset="0"/>
+              <a:cs typeface="Arial" panose="020B0604020202020204" pitchFamily="34" charset="0"/>
             </a:endParaRPr>
           </a:p>
           <a:p>
             <a:r>
               <a:rPr lang="en-US" altLang="zh-CN" sz="1000" dirty="0">
-                <a:latin typeface="Arial" panose="020B0604020202090204" pitchFamily="34" charset="0"/>
-                <a:cs typeface="Arial" panose="020B0604020202090204" pitchFamily="34" charset="0"/>
+                <a:latin typeface="Arial" panose="020B0604020202020204" pitchFamily="34" charset="0"/>
+                <a:cs typeface="Arial" panose="020B0604020202020204" pitchFamily="34" charset="0"/>
               </a:rPr>
               <a:t>                      16   </a:t>
             </a:r>
             <a:endParaRPr lang="en-US" altLang="zh-CN" sz="1000" dirty="0">
-              <a:latin typeface="Arial" panose="020B0604020202090204" pitchFamily="34" charset="0"/>
-              <a:cs typeface="Arial" panose="020B0604020202090204" pitchFamily="34" charset="0"/>
+              <a:latin typeface="Arial" panose="020B0604020202020204" pitchFamily="34" charset="0"/>
+              <a:cs typeface="Arial" panose="020B0604020202020204" pitchFamily="34" charset="0"/>
             </a:endParaRPr>
           </a:p>
           <a:p>
             <a:r>
               <a:rPr lang="en-US" altLang="zh-CN" sz="1200" b="1" dirty="0">
-                <a:latin typeface="Arial" panose="020B0604020202090204" pitchFamily="34" charset="0"/>
-                <a:cs typeface="Arial" panose="020B0604020202090204" pitchFamily="34" charset="0"/>
+                <a:latin typeface="Arial" panose="020B0604020202020204" pitchFamily="34" charset="0"/>
+                <a:cs typeface="Arial" panose="020B0604020202020204" pitchFamily="34" charset="0"/>
               </a:rPr>
               <a:t> Conv2</a:t>
             </a:r>
@@ -26829,8 +26256,8 @@
                     <a:lumMod val="75000"/>
                   </a:schemeClr>
                 </a:solidFill>
-                <a:latin typeface="Arial" panose="020B0604020202090204" pitchFamily="34" charset="0"/>
-                <a:cs typeface="Arial" panose="020B0604020202090204" pitchFamily="34" charset="0"/>
+                <a:latin typeface="Arial" panose="020B0604020202020204" pitchFamily="34" charset="0"/>
+                <a:cs typeface="Arial" panose="020B0604020202020204" pitchFamily="34" charset="0"/>
               </a:rPr>
               <a:t>         </a:t>
             </a:r>
@@ -26840,8 +26267,8 @@
                   <a:lumMod val="75000"/>
                 </a:schemeClr>
               </a:solidFill>
-              <a:latin typeface="Arial" panose="020B0604020202090204" pitchFamily="34" charset="0"/>
-              <a:cs typeface="Arial" panose="020B0604020202090204" pitchFamily="34" charset="0"/>
+              <a:latin typeface="Arial" panose="020B0604020202020204" pitchFamily="34" charset="0"/>
+              <a:cs typeface="Arial" panose="020B0604020202020204" pitchFamily="34" charset="0"/>
             </a:endParaRPr>
           </a:p>
         </p:txBody>
@@ -26870,60 +26297,60 @@
           <a:p>
             <a:r>
               <a:rPr lang="en-US" altLang="zh-CN" sz="1000" dirty="0">
-                <a:latin typeface="Arial" panose="020B0604020202090204" pitchFamily="34" charset="0"/>
-                <a:cs typeface="Arial" panose="020B0604020202090204" pitchFamily="34" charset="0"/>
+                <a:latin typeface="Arial" panose="020B0604020202020204" pitchFamily="34" charset="0"/>
+                <a:cs typeface="Arial" panose="020B0604020202020204" pitchFamily="34" charset="0"/>
               </a:rPr>
               <a:t>                              8</a:t>
             </a:r>
             <a:endParaRPr lang="en-US" altLang="zh-CN" sz="1400" dirty="0">
               <a:latin typeface="Axure Handwriting" panose="020B0402020200020204" pitchFamily="34" charset="0"/>
-              <a:cs typeface="Arial" panose="020B0604020202090204" pitchFamily="34" charset="0"/>
+              <a:cs typeface="Arial" panose="020B0604020202020204" pitchFamily="34" charset="0"/>
             </a:endParaRPr>
           </a:p>
           <a:p>
             <a:r>
               <a:rPr lang="en-US" altLang="zh-CN" sz="1000" dirty="0">
-                <a:latin typeface="Arial" panose="020B0604020202090204" pitchFamily="34" charset="0"/>
-                <a:cs typeface="Arial" panose="020B0604020202090204" pitchFamily="34" charset="0"/>
+                <a:latin typeface="Arial" panose="020B0604020202020204" pitchFamily="34" charset="0"/>
+                <a:cs typeface="Arial" panose="020B0604020202020204" pitchFamily="34" charset="0"/>
               </a:rPr>
               <a:t>                          </a:t>
             </a:r>
             <a:endParaRPr lang="en-US" altLang="zh-CN" sz="1000" dirty="0">
-              <a:latin typeface="Arial" panose="020B0604020202090204" pitchFamily="34" charset="0"/>
-              <a:cs typeface="Arial" panose="020B0604020202090204" pitchFamily="34" charset="0"/>
+              <a:latin typeface="Arial" panose="020B0604020202020204" pitchFamily="34" charset="0"/>
+              <a:cs typeface="Arial" panose="020B0604020202020204" pitchFamily="34" charset="0"/>
             </a:endParaRPr>
           </a:p>
           <a:p>
             <a:r>
               <a:rPr lang="en-US" altLang="zh-CN" sz="1000" dirty="0">
-                <a:latin typeface="Arial" panose="020B0604020202090204" pitchFamily="34" charset="0"/>
-                <a:cs typeface="Arial" panose="020B0604020202090204" pitchFamily="34" charset="0"/>
+                <a:latin typeface="Arial" panose="020B0604020202020204" pitchFamily="34" charset="0"/>
+                <a:cs typeface="Arial" panose="020B0604020202020204" pitchFamily="34" charset="0"/>
               </a:rPr>
               <a:t>   </a:t>
             </a:r>
             <a:endParaRPr lang="en-US" altLang="zh-CN" sz="1000" dirty="0">
-              <a:latin typeface="Arial" panose="020B0604020202090204" pitchFamily="34" charset="0"/>
-              <a:cs typeface="Arial" panose="020B0604020202090204" pitchFamily="34" charset="0"/>
+              <a:latin typeface="Arial" panose="020B0604020202020204" pitchFamily="34" charset="0"/>
+              <a:cs typeface="Arial" panose="020B0604020202020204" pitchFamily="34" charset="0"/>
             </a:endParaRPr>
           </a:p>
           <a:p>
             <a:r>
               <a:rPr lang="en-US" altLang="zh-CN" sz="1000" dirty="0">
-                <a:latin typeface="Arial" panose="020B0604020202090204" pitchFamily="34" charset="0"/>
-                <a:cs typeface="Arial" panose="020B0604020202090204" pitchFamily="34" charset="0"/>
+                <a:latin typeface="Arial" panose="020B0604020202020204" pitchFamily="34" charset="0"/>
+                <a:cs typeface="Arial" panose="020B0604020202020204" pitchFamily="34" charset="0"/>
               </a:rPr>
               <a:t>                          8   </a:t>
             </a:r>
             <a:endParaRPr lang="en-US" altLang="zh-CN" sz="1000" dirty="0">
-              <a:latin typeface="Arial" panose="020B0604020202090204" pitchFamily="34" charset="0"/>
-              <a:cs typeface="Arial" panose="020B0604020202090204" pitchFamily="34" charset="0"/>
+              <a:latin typeface="Arial" panose="020B0604020202020204" pitchFamily="34" charset="0"/>
+              <a:cs typeface="Arial" panose="020B0604020202020204" pitchFamily="34" charset="0"/>
             </a:endParaRPr>
           </a:p>
           <a:p>
             <a:r>
               <a:rPr lang="en-US" altLang="zh-CN" sz="1200" b="1" dirty="0">
-                <a:latin typeface="Arial" panose="020B0604020202090204" pitchFamily="34" charset="0"/>
-                <a:cs typeface="Arial" panose="020B0604020202090204" pitchFamily="34" charset="0"/>
+                <a:latin typeface="Arial" panose="020B0604020202020204" pitchFamily="34" charset="0"/>
+                <a:cs typeface="Arial" panose="020B0604020202020204" pitchFamily="34" charset="0"/>
               </a:rPr>
               <a:t>Conv3</a:t>
             </a:r>
@@ -26934,8 +26361,8 @@
                     <a:lumMod val="75000"/>
                   </a:schemeClr>
                 </a:solidFill>
-                <a:latin typeface="Arial" panose="020B0604020202090204" pitchFamily="34" charset="0"/>
-                <a:cs typeface="Arial" panose="020B0604020202090204" pitchFamily="34" charset="0"/>
+                <a:latin typeface="Arial" panose="020B0604020202020204" pitchFamily="34" charset="0"/>
+                <a:cs typeface="Arial" panose="020B0604020202020204" pitchFamily="34" charset="0"/>
               </a:rPr>
               <a:t>         </a:t>
             </a:r>
@@ -26945,8 +26372,8 @@
                   <a:lumMod val="75000"/>
                 </a:schemeClr>
               </a:solidFill>
-              <a:latin typeface="Arial" panose="020B0604020202090204" pitchFamily="34" charset="0"/>
-              <a:cs typeface="Arial" panose="020B0604020202090204" pitchFamily="34" charset="0"/>
+              <a:latin typeface="Arial" panose="020B0604020202020204" pitchFamily="34" charset="0"/>
+              <a:cs typeface="Arial" panose="020B0604020202020204" pitchFamily="34" charset="0"/>
             </a:endParaRPr>
           </a:p>
         </p:txBody>
@@ -26975,40 +26402,40 @@
           <a:p>
             <a:r>
               <a:rPr lang="en-US" altLang="zh-CN" sz="1000" dirty="0">
-                <a:latin typeface="Arial" panose="020B0604020202090204" pitchFamily="34" charset="0"/>
-                <a:cs typeface="Arial" panose="020B0604020202090204" pitchFamily="34" charset="0"/>
+                <a:latin typeface="Arial" panose="020B0604020202020204" pitchFamily="34" charset="0"/>
+                <a:cs typeface="Arial" panose="020B0604020202020204" pitchFamily="34" charset="0"/>
               </a:rPr>
               <a:t>                                    4</a:t>
             </a:r>
             <a:endParaRPr lang="en-US" altLang="zh-CN" sz="1000" dirty="0">
-              <a:latin typeface="Arial" panose="020B0604020202090204" pitchFamily="34" charset="0"/>
-              <a:cs typeface="Arial" panose="020B0604020202090204" pitchFamily="34" charset="0"/>
+              <a:latin typeface="Arial" panose="020B0604020202020204" pitchFamily="34" charset="0"/>
+              <a:cs typeface="Arial" panose="020B0604020202020204" pitchFamily="34" charset="0"/>
             </a:endParaRPr>
           </a:p>
           <a:p>
             <a:endParaRPr lang="en-US" altLang="zh-CN" sz="1000" dirty="0">
-              <a:latin typeface="Arial" panose="020B0604020202090204" pitchFamily="34" charset="0"/>
-              <a:cs typeface="Arial" panose="020B0604020202090204" pitchFamily="34" charset="0"/>
+              <a:latin typeface="Arial" panose="020B0604020202020204" pitchFamily="34" charset="0"/>
+              <a:cs typeface="Arial" panose="020B0604020202020204" pitchFamily="34" charset="0"/>
             </a:endParaRPr>
           </a:p>
           <a:p>
             <a:r>
               <a:rPr lang="en-US" altLang="zh-CN" sz="1000" dirty="0">
-                <a:latin typeface="Arial" panose="020B0604020202090204" pitchFamily="34" charset="0"/>
-                <a:cs typeface="Arial" panose="020B0604020202090204" pitchFamily="34" charset="0"/>
+                <a:latin typeface="Arial" panose="020B0604020202020204" pitchFamily="34" charset="0"/>
+                <a:cs typeface="Arial" panose="020B0604020202020204" pitchFamily="34" charset="0"/>
               </a:rPr>
               <a:t>                                  4   </a:t>
             </a:r>
             <a:endParaRPr lang="en-US" altLang="zh-CN" sz="1000" dirty="0">
-              <a:latin typeface="Arial" panose="020B0604020202090204" pitchFamily="34" charset="0"/>
-              <a:cs typeface="Arial" panose="020B0604020202090204" pitchFamily="34" charset="0"/>
+              <a:latin typeface="Arial" panose="020B0604020202020204" pitchFamily="34" charset="0"/>
+              <a:cs typeface="Arial" panose="020B0604020202020204" pitchFamily="34" charset="0"/>
             </a:endParaRPr>
           </a:p>
           <a:p>
             <a:r>
               <a:rPr lang="en-US" altLang="zh-CN" sz="1200" b="1" dirty="0">
-                <a:latin typeface="Arial" panose="020B0604020202090204" pitchFamily="34" charset="0"/>
-                <a:cs typeface="Arial" panose="020B0604020202090204" pitchFamily="34" charset="0"/>
+                <a:latin typeface="Arial" panose="020B0604020202020204" pitchFamily="34" charset="0"/>
+                <a:cs typeface="Arial" panose="020B0604020202020204" pitchFamily="34" charset="0"/>
               </a:rPr>
               <a:t> Conv4</a:t>
             </a:r>
@@ -27019,8 +26446,8 @@
                     <a:lumMod val="75000"/>
                   </a:schemeClr>
                 </a:solidFill>
-                <a:latin typeface="Arial" panose="020B0604020202090204" pitchFamily="34" charset="0"/>
-                <a:cs typeface="Arial" panose="020B0604020202090204" pitchFamily="34" charset="0"/>
+                <a:latin typeface="Arial" panose="020B0604020202020204" pitchFamily="34" charset="0"/>
+                <a:cs typeface="Arial" panose="020B0604020202020204" pitchFamily="34" charset="0"/>
               </a:rPr>
               <a:t>         </a:t>
             </a:r>
@@ -27030,8 +26457,8 @@
                   <a:lumMod val="75000"/>
                 </a:schemeClr>
               </a:solidFill>
-              <a:latin typeface="Arial" panose="020B0604020202090204" pitchFamily="34" charset="0"/>
-              <a:cs typeface="Arial" panose="020B0604020202090204" pitchFamily="34" charset="0"/>
+              <a:latin typeface="Arial" panose="020B0604020202020204" pitchFamily="34" charset="0"/>
+              <a:cs typeface="Arial" panose="020B0604020202020204" pitchFamily="34" charset="0"/>
             </a:endParaRPr>
           </a:p>
         </p:txBody>
@@ -28593,6 +28020,12 @@
 <file path=ppt/tags/tag1.xml><?xml version="1.0" encoding="utf-8"?>
 <p:tagLst xmlns:p="http://schemas.openxmlformats.org/presentationml/2006/main">
   <p:tag name="KSO_WM_SLIDE_MODEL_TYPE" val="cover"/>
+</p:tagLst>
+</file>
+
+<file path=ppt/tags/tag2.xml><?xml version="1.0" encoding="utf-8"?>
+<p:tagLst xmlns:p="http://schemas.openxmlformats.org/presentationml/2006/main">
+  <p:tag name="KSO_WM_UNIT_PLACING_PICTURE_USER_VIEWPORT" val="{&quot;height&quot;:3315,&quot;width&quot;:4455}"/>
 </p:tagLst>
 </file>
 

--- a/GAN_Understanding/GANunderstanding.pptx
+++ b/GAN_Understanding/GANunderstanding.pptx
@@ -5,33 +5,34 @@
     <p:sldMasterId id="2147483648" r:id="rId1"/>
   </p:sldMasterIdLst>
   <p:notesMasterIdLst>
-    <p:notesMasterId r:id="rId23"/>
+    <p:notesMasterId r:id="rId17"/>
   </p:notesMasterIdLst>
   <p:sldIdLst>
-    <p:sldId id="267" r:id="rId2"/>
-    <p:sldId id="266" r:id="rId3"/>
-    <p:sldId id="295" r:id="rId4"/>
-    <p:sldId id="279" r:id="rId5"/>
-    <p:sldId id="261" r:id="rId6"/>
-    <p:sldId id="294" r:id="rId7"/>
-    <p:sldId id="296" r:id="rId8"/>
-    <p:sldId id="257" r:id="rId9"/>
-    <p:sldId id="293" r:id="rId10"/>
-    <p:sldId id="280" r:id="rId11"/>
-    <p:sldId id="311" r:id="rId12"/>
-    <p:sldId id="312" r:id="rId13"/>
-    <p:sldId id="313" r:id="rId14"/>
-    <p:sldId id="259" r:id="rId15"/>
-    <p:sldId id="310" r:id="rId16"/>
-    <p:sldId id="258" r:id="rId17"/>
-    <p:sldId id="264" r:id="rId18"/>
-    <p:sldId id="265" r:id="rId19"/>
-    <p:sldId id="288" r:id="rId20"/>
-    <p:sldId id="289" r:id="rId21"/>
-    <p:sldId id="290" r:id="rId22"/>
+    <p:sldId id="267" r:id="rId3"/>
+    <p:sldId id="266" r:id="rId4"/>
+    <p:sldId id="295" r:id="rId5"/>
+    <p:sldId id="279" r:id="rId6"/>
+    <p:sldId id="261" r:id="rId7"/>
+    <p:sldId id="294" r:id="rId8"/>
+    <p:sldId id="296" r:id="rId9"/>
+    <p:sldId id="257" r:id="rId10"/>
+    <p:sldId id="293" r:id="rId11"/>
+    <p:sldId id="280" r:id="rId12"/>
+    <p:sldId id="311" r:id="rId13"/>
+    <p:sldId id="312" r:id="rId14"/>
+    <p:sldId id="313" r:id="rId15"/>
+    <p:sldId id="259" r:id="rId16"/>
+    <p:sldId id="310" r:id="rId18"/>
+    <p:sldId id="258" r:id="rId19"/>
+    <p:sldId id="264" r:id="rId20"/>
+    <p:sldId id="265" r:id="rId21"/>
+    <p:sldId id="288" r:id="rId22"/>
+    <p:sldId id="289" r:id="rId23"/>
+    <p:sldId id="290" r:id="rId24"/>
+    <p:sldId id="322" r:id="rId25"/>
   </p:sldIdLst>
   <p:sldSz cx="12192000" cy="6858000"/>
-  <p:notesSz cx="10234613" cy="7104063"/>
+  <p:notesSz cx="10234295" cy="7103745"/>
   <p:defaultTextStyle>
     <a:defPPr>
       <a:defRPr lang="zh-CN"/>
@@ -127,22 +128,6 @@
       </a:defRPr>
     </a:lvl9pPr>
   </p:defaultTextStyle>
-  <p:extLst>
-    <p:ext uri="{EFAFB233-063F-42B5-8137-9DF3F51BA10A}">
-      <p15:sldGuideLst xmlns:p15="http://schemas.microsoft.com/office/powerpoint/2012/main">
-        <p15:guide id="1" orient="horz" pos="2200">
-          <p15:clr>
-            <a:srgbClr val="A4A3A4"/>
-          </p15:clr>
-        </p15:guide>
-        <p15:guide id="2" pos="3840">
-          <p15:clr>
-            <a:srgbClr val="A4A3A4"/>
-          </p15:clr>
-        </p15:guide>
-      </p15:sldGuideLst>
-    </p:ext>
-  </p:extLst>
 </p:presentation>
 </file>
 
@@ -228,7 +213,6 @@
           <a:p>
             <a:fld id="{D2A48B96-639E-45A3-A0BA-2464DFDB1FAA}" type="datetimeFigureOut">
               <a:rPr lang="zh-CN" altLang="en-US" smtClean="0"/>
-              <a:t>2020-07-05</a:t>
             </a:fld>
             <a:endParaRPr lang="zh-CN" altLang="en-US"/>
           </a:p>
@@ -295,6 +279,7 @@
               <a:rPr lang="zh-CN" altLang="en-US"/>
               <a:t>单击此处编辑母版文本样式</a:t>
             </a:r>
+            <a:endParaRPr lang="zh-CN" altLang="en-US"/>
           </a:p>
           <a:p>
             <a:pPr lvl="1"/>
@@ -302,6 +287,7 @@
               <a:rPr lang="zh-CN" altLang="en-US"/>
               <a:t>第二级</a:t>
             </a:r>
+            <a:endParaRPr lang="zh-CN" altLang="en-US"/>
           </a:p>
           <a:p>
             <a:pPr lvl="2"/>
@@ -309,6 +295,7 @@
               <a:rPr lang="zh-CN" altLang="en-US"/>
               <a:t>第三级</a:t>
             </a:r>
+            <a:endParaRPr lang="zh-CN" altLang="en-US"/>
           </a:p>
           <a:p>
             <a:pPr lvl="3"/>
@@ -316,6 +303,7 @@
               <a:rPr lang="zh-CN" altLang="en-US"/>
               <a:t>第四级</a:t>
             </a:r>
+            <a:endParaRPr lang="zh-CN" altLang="en-US"/>
           </a:p>
           <a:p>
             <a:pPr lvl="4"/>
@@ -323,6 +311,7 @@
               <a:rPr lang="zh-CN" altLang="en-US"/>
               <a:t>第五级</a:t>
             </a:r>
+            <a:endParaRPr lang="zh-CN" altLang="en-US"/>
           </a:p>
         </p:txBody>
       </p:sp>
@@ -386,7 +375,6 @@
           <a:p>
             <a:fld id="{A6837353-30EB-4A48-80EB-173D804AEFBD}" type="slidenum">
               <a:rPr lang="zh-CN" altLang="en-US" smtClean="0"/>
-              <a:t>‹#›</a:t>
             </a:fld>
             <a:endParaRPr lang="zh-CN" altLang="en-US"/>
           </a:p>
@@ -718,6 +706,7 @@
               <a:rPr lang="zh-CN" altLang="en-US"/>
               <a:t>单击此处编辑母版标题样式</a:t>
             </a:r>
+            <a:endParaRPr lang="zh-CN" altLang="en-US"/>
           </a:p>
         </p:txBody>
       </p:sp>
@@ -782,6 +771,7 @@
               <a:rPr lang="zh-CN" altLang="en-US"/>
               <a:t>单击此处编辑母版副标题样式</a:t>
             </a:r>
+            <a:endParaRPr lang="zh-CN" altLang="en-US"/>
           </a:p>
         </p:txBody>
       </p:sp>
@@ -802,7 +792,6 @@
           <a:p>
             <a:fld id="{82F288E0-7875-42C4-84C8-98DBBD3BF4D2}" type="datetimeFigureOut">
               <a:rPr lang="zh-CN" altLang="en-US" smtClean="0"/>
-              <a:t>2020-07-05</a:t>
             </a:fld>
             <a:endParaRPr lang="zh-CN" altLang="en-US"/>
           </a:p>
@@ -844,7 +833,6 @@
           <a:p>
             <a:fld id="{7D9BB5D0-35E4-459D-AEF3-FE4D7C45CC19}" type="slidenum">
               <a:rPr lang="zh-CN" altLang="en-US" smtClean="0"/>
-              <a:t>‹#›</a:t>
             </a:fld>
             <a:endParaRPr lang="zh-CN" altLang="en-US"/>
           </a:p>
@@ -900,6 +888,7 @@
               <a:rPr lang="zh-CN" altLang="en-US"/>
               <a:t>单击此处编辑母版文本样式</a:t>
             </a:r>
+            <a:endParaRPr lang="zh-CN" altLang="en-US"/>
           </a:p>
           <a:p>
             <a:pPr lvl="1"/>
@@ -907,6 +896,7 @@
               <a:rPr lang="zh-CN" altLang="en-US"/>
               <a:t>第二级</a:t>
             </a:r>
+            <a:endParaRPr lang="zh-CN" altLang="en-US"/>
           </a:p>
           <a:p>
             <a:pPr lvl="2"/>
@@ -914,6 +904,7 @@
               <a:rPr lang="zh-CN" altLang="en-US"/>
               <a:t>第三级</a:t>
             </a:r>
+            <a:endParaRPr lang="zh-CN" altLang="en-US"/>
           </a:p>
           <a:p>
             <a:pPr lvl="3"/>
@@ -921,6 +912,7 @@
               <a:rPr lang="zh-CN" altLang="en-US"/>
               <a:t>第四级</a:t>
             </a:r>
+            <a:endParaRPr lang="zh-CN" altLang="en-US"/>
           </a:p>
           <a:p>
             <a:pPr lvl="4"/>
@@ -928,6 +920,7 @@
               <a:rPr lang="zh-CN" altLang="en-US"/>
               <a:t>第五级</a:t>
             </a:r>
+            <a:endParaRPr lang="zh-CN" altLang="en-US"/>
           </a:p>
         </p:txBody>
       </p:sp>
@@ -948,7 +941,6 @@
           <a:p>
             <a:fld id="{82F288E0-7875-42C4-84C8-98DBBD3BF4D2}" type="datetimeFigureOut">
               <a:rPr lang="zh-CN" altLang="en-US" smtClean="0"/>
-              <a:t>2020-07-05</a:t>
             </a:fld>
             <a:endParaRPr lang="zh-CN" altLang="en-US"/>
           </a:p>
@@ -990,7 +982,6 @@
           <a:p>
             <a:fld id="{7D9BB5D0-35E4-459D-AEF3-FE4D7C45CC19}" type="slidenum">
               <a:rPr lang="zh-CN" altLang="en-US" smtClean="0"/>
-              <a:t>‹#›</a:t>
             </a:fld>
             <a:endParaRPr lang="zh-CN" altLang="en-US"/>
           </a:p>
@@ -1040,6 +1031,7 @@
               <a:rPr lang="zh-CN" altLang="en-US"/>
               <a:t>单击此处编辑母版标题样式</a:t>
             </a:r>
+            <a:endParaRPr lang="zh-CN" altLang="en-US"/>
           </a:p>
         </p:txBody>
       </p:sp>
@@ -1063,6 +1055,7 @@
               <a:rPr lang="zh-CN" altLang="en-US"/>
               <a:t>单击此处编辑母版文本样式</a:t>
             </a:r>
+            <a:endParaRPr lang="zh-CN" altLang="en-US"/>
           </a:p>
           <a:p>
             <a:pPr lvl="1"/>
@@ -1070,6 +1063,7 @@
               <a:rPr lang="zh-CN" altLang="en-US"/>
               <a:t>第二级</a:t>
             </a:r>
+            <a:endParaRPr lang="zh-CN" altLang="en-US"/>
           </a:p>
           <a:p>
             <a:pPr lvl="2"/>
@@ -1077,6 +1071,7 @@
               <a:rPr lang="zh-CN" altLang="en-US"/>
               <a:t>第三级</a:t>
             </a:r>
+            <a:endParaRPr lang="zh-CN" altLang="en-US"/>
           </a:p>
           <a:p>
             <a:pPr lvl="3"/>
@@ -1084,6 +1079,7 @@
               <a:rPr lang="zh-CN" altLang="en-US"/>
               <a:t>第四级</a:t>
             </a:r>
+            <a:endParaRPr lang="zh-CN" altLang="en-US"/>
           </a:p>
           <a:p>
             <a:pPr lvl="4"/>
@@ -1091,6 +1087,7 @@
               <a:rPr lang="zh-CN" altLang="en-US"/>
               <a:t>第五级</a:t>
             </a:r>
+            <a:endParaRPr lang="zh-CN" altLang="en-US"/>
           </a:p>
         </p:txBody>
       </p:sp>
@@ -1111,7 +1108,6 @@
           <a:p>
             <a:fld id="{82F288E0-7875-42C4-84C8-98DBBD3BF4D2}" type="datetimeFigureOut">
               <a:rPr lang="zh-CN" altLang="en-US" smtClean="0"/>
-              <a:t>2020-07-05</a:t>
             </a:fld>
             <a:endParaRPr lang="zh-CN" altLang="en-US"/>
           </a:p>
@@ -1153,7 +1149,6 @@
           <a:p>
             <a:fld id="{7D9BB5D0-35E4-459D-AEF3-FE4D7C45CC19}" type="slidenum">
               <a:rPr lang="zh-CN" altLang="en-US" smtClean="0"/>
-              <a:t>‹#›</a:t>
             </a:fld>
             <a:endParaRPr lang="zh-CN" altLang="en-US"/>
           </a:p>
@@ -1212,6 +1207,7 @@
               <a:rPr lang="zh-CN" altLang="en-US"/>
               <a:t>单击此处编辑母版标题样式</a:t>
             </a:r>
+            <a:endParaRPr lang="zh-CN" altLang="en-US"/>
           </a:p>
         </p:txBody>
       </p:sp>
@@ -1331,6 +1327,7 @@
               <a:rPr lang="zh-CN" altLang="en-US"/>
               <a:t>单击此处编辑母版文本样式</a:t>
             </a:r>
+            <a:endParaRPr lang="zh-CN" altLang="en-US"/>
           </a:p>
         </p:txBody>
       </p:sp>
@@ -1351,7 +1348,6 @@
           <a:p>
             <a:fld id="{82F288E0-7875-42C4-84C8-98DBBD3BF4D2}" type="datetimeFigureOut">
               <a:rPr lang="zh-CN" altLang="en-US" smtClean="0"/>
-              <a:t>2020-07-05</a:t>
             </a:fld>
             <a:endParaRPr lang="zh-CN" altLang="en-US"/>
           </a:p>
@@ -1393,7 +1389,6 @@
           <a:p>
             <a:fld id="{7D9BB5D0-35E4-459D-AEF3-FE4D7C45CC19}" type="slidenum">
               <a:rPr lang="zh-CN" altLang="en-US" smtClean="0"/>
-              <a:t>‹#›</a:t>
             </a:fld>
             <a:endParaRPr lang="zh-CN" altLang="en-US"/>
           </a:p>
@@ -1443,6 +1438,7 @@
               <a:rPr lang="zh-CN" altLang="en-US"/>
               <a:t>单击此处编辑母版标题样式</a:t>
             </a:r>
+            <a:endParaRPr lang="zh-CN" altLang="en-US"/>
           </a:p>
         </p:txBody>
       </p:sp>
@@ -1471,6 +1467,7 @@
               <a:rPr lang="zh-CN" altLang="en-US"/>
               <a:t>单击此处编辑母版文本样式</a:t>
             </a:r>
+            <a:endParaRPr lang="zh-CN" altLang="en-US"/>
           </a:p>
           <a:p>
             <a:pPr lvl="1"/>
@@ -1478,6 +1475,7 @@
               <a:rPr lang="zh-CN" altLang="en-US"/>
               <a:t>第二级</a:t>
             </a:r>
+            <a:endParaRPr lang="zh-CN" altLang="en-US"/>
           </a:p>
           <a:p>
             <a:pPr lvl="2"/>
@@ -1485,6 +1483,7 @@
               <a:rPr lang="zh-CN" altLang="en-US"/>
               <a:t>第三级</a:t>
             </a:r>
+            <a:endParaRPr lang="zh-CN" altLang="en-US"/>
           </a:p>
           <a:p>
             <a:pPr lvl="3"/>
@@ -1492,6 +1491,7 @@
               <a:rPr lang="zh-CN" altLang="en-US"/>
               <a:t>第四级</a:t>
             </a:r>
+            <a:endParaRPr lang="zh-CN" altLang="en-US"/>
           </a:p>
           <a:p>
             <a:pPr lvl="4"/>
@@ -1499,6 +1499,7 @@
               <a:rPr lang="zh-CN" altLang="en-US"/>
               <a:t>第五级</a:t>
             </a:r>
+            <a:endParaRPr lang="zh-CN" altLang="en-US"/>
           </a:p>
         </p:txBody>
       </p:sp>
@@ -1527,6 +1528,7 @@
               <a:rPr lang="zh-CN" altLang="en-US"/>
               <a:t>单击此处编辑母版文本样式</a:t>
             </a:r>
+            <a:endParaRPr lang="zh-CN" altLang="en-US"/>
           </a:p>
           <a:p>
             <a:pPr lvl="1"/>
@@ -1534,6 +1536,7 @@
               <a:rPr lang="zh-CN" altLang="en-US"/>
               <a:t>第二级</a:t>
             </a:r>
+            <a:endParaRPr lang="zh-CN" altLang="en-US"/>
           </a:p>
           <a:p>
             <a:pPr lvl="2"/>
@@ -1541,6 +1544,7 @@
               <a:rPr lang="zh-CN" altLang="en-US"/>
               <a:t>第三级</a:t>
             </a:r>
+            <a:endParaRPr lang="zh-CN" altLang="en-US"/>
           </a:p>
           <a:p>
             <a:pPr lvl="3"/>
@@ -1548,6 +1552,7 @@
               <a:rPr lang="zh-CN" altLang="en-US"/>
               <a:t>第四级</a:t>
             </a:r>
+            <a:endParaRPr lang="zh-CN" altLang="en-US"/>
           </a:p>
           <a:p>
             <a:pPr lvl="4"/>
@@ -1555,6 +1560,7 @@
               <a:rPr lang="zh-CN" altLang="en-US"/>
               <a:t>第五级</a:t>
             </a:r>
+            <a:endParaRPr lang="zh-CN" altLang="en-US"/>
           </a:p>
         </p:txBody>
       </p:sp>
@@ -1575,7 +1581,6 @@
           <a:p>
             <a:fld id="{82F288E0-7875-42C4-84C8-98DBBD3BF4D2}" type="datetimeFigureOut">
               <a:rPr lang="zh-CN" altLang="en-US" smtClean="0"/>
-              <a:t>2020-07-05</a:t>
             </a:fld>
             <a:endParaRPr lang="zh-CN" altLang="en-US"/>
           </a:p>
@@ -1617,7 +1622,6 @@
           <a:p>
             <a:fld id="{7D9BB5D0-35E4-459D-AEF3-FE4D7C45CC19}" type="slidenum">
               <a:rPr lang="zh-CN" altLang="en-US" smtClean="0"/>
-              <a:t>‹#›</a:t>
             </a:fld>
             <a:endParaRPr lang="zh-CN" altLang="en-US"/>
           </a:p>
@@ -1672,6 +1676,7 @@
               <a:rPr lang="zh-CN" altLang="en-US"/>
               <a:t>单击此处编辑母版标题样式</a:t>
             </a:r>
+            <a:endParaRPr lang="zh-CN" altLang="en-US"/>
           </a:p>
         </p:txBody>
       </p:sp>
@@ -1737,6 +1742,7 @@
               <a:rPr lang="zh-CN" altLang="en-US"/>
               <a:t>单击此处编辑母版文本样式</a:t>
             </a:r>
+            <a:endParaRPr lang="zh-CN" altLang="en-US"/>
           </a:p>
         </p:txBody>
       </p:sp>
@@ -1765,6 +1771,7 @@
               <a:rPr lang="zh-CN" altLang="en-US"/>
               <a:t>单击此处编辑母版文本样式</a:t>
             </a:r>
+            <a:endParaRPr lang="zh-CN" altLang="en-US"/>
           </a:p>
           <a:p>
             <a:pPr lvl="1"/>
@@ -1772,6 +1779,7 @@
               <a:rPr lang="zh-CN" altLang="en-US"/>
               <a:t>第二级</a:t>
             </a:r>
+            <a:endParaRPr lang="zh-CN" altLang="en-US"/>
           </a:p>
           <a:p>
             <a:pPr lvl="2"/>
@@ -1779,6 +1787,7 @@
               <a:rPr lang="zh-CN" altLang="en-US"/>
               <a:t>第三级</a:t>
             </a:r>
+            <a:endParaRPr lang="zh-CN" altLang="en-US"/>
           </a:p>
           <a:p>
             <a:pPr lvl="3"/>
@@ -1786,6 +1795,7 @@
               <a:rPr lang="zh-CN" altLang="en-US"/>
               <a:t>第四级</a:t>
             </a:r>
+            <a:endParaRPr lang="zh-CN" altLang="en-US"/>
           </a:p>
           <a:p>
             <a:pPr lvl="4"/>
@@ -1793,6 +1803,7 @@
               <a:rPr lang="zh-CN" altLang="en-US"/>
               <a:t>第五级</a:t>
             </a:r>
+            <a:endParaRPr lang="zh-CN" altLang="en-US"/>
           </a:p>
         </p:txBody>
       </p:sp>
@@ -1858,6 +1869,7 @@
               <a:rPr lang="zh-CN" altLang="en-US"/>
               <a:t>单击此处编辑母版文本样式</a:t>
             </a:r>
+            <a:endParaRPr lang="zh-CN" altLang="en-US"/>
           </a:p>
         </p:txBody>
       </p:sp>
@@ -1886,6 +1898,7 @@
               <a:rPr lang="zh-CN" altLang="en-US"/>
               <a:t>单击此处编辑母版文本样式</a:t>
             </a:r>
+            <a:endParaRPr lang="zh-CN" altLang="en-US"/>
           </a:p>
           <a:p>
             <a:pPr lvl="1"/>
@@ -1893,6 +1906,7 @@
               <a:rPr lang="zh-CN" altLang="en-US"/>
               <a:t>第二级</a:t>
             </a:r>
+            <a:endParaRPr lang="zh-CN" altLang="en-US"/>
           </a:p>
           <a:p>
             <a:pPr lvl="2"/>
@@ -1900,6 +1914,7 @@
               <a:rPr lang="zh-CN" altLang="en-US"/>
               <a:t>第三级</a:t>
             </a:r>
+            <a:endParaRPr lang="zh-CN" altLang="en-US"/>
           </a:p>
           <a:p>
             <a:pPr lvl="3"/>
@@ -1907,6 +1922,7 @@
               <a:rPr lang="zh-CN" altLang="en-US"/>
               <a:t>第四级</a:t>
             </a:r>
+            <a:endParaRPr lang="zh-CN" altLang="en-US"/>
           </a:p>
           <a:p>
             <a:pPr lvl="4"/>
@@ -1914,6 +1930,7 @@
               <a:rPr lang="zh-CN" altLang="en-US"/>
               <a:t>第五级</a:t>
             </a:r>
+            <a:endParaRPr lang="zh-CN" altLang="en-US"/>
           </a:p>
         </p:txBody>
       </p:sp>
@@ -1934,7 +1951,6 @@
           <a:p>
             <a:fld id="{82F288E0-7875-42C4-84C8-98DBBD3BF4D2}" type="datetimeFigureOut">
               <a:rPr lang="zh-CN" altLang="en-US" smtClean="0"/>
-              <a:t>2020-07-05</a:t>
             </a:fld>
             <a:endParaRPr lang="zh-CN" altLang="en-US"/>
           </a:p>
@@ -1976,7 +1992,6 @@
           <a:p>
             <a:fld id="{7D9BB5D0-35E4-459D-AEF3-FE4D7C45CC19}" type="slidenum">
               <a:rPr lang="zh-CN" altLang="en-US" smtClean="0"/>
-              <a:t>‹#›</a:t>
             </a:fld>
             <a:endParaRPr lang="zh-CN" altLang="en-US"/>
           </a:p>
@@ -2026,6 +2041,7 @@
               <a:rPr lang="zh-CN" altLang="en-US"/>
               <a:t>单击此处编辑母版标题样式</a:t>
             </a:r>
+            <a:endParaRPr lang="zh-CN" altLang="en-US"/>
           </a:p>
         </p:txBody>
       </p:sp>
@@ -2046,7 +2062,6 @@
           <a:p>
             <a:fld id="{82F288E0-7875-42C4-84C8-98DBBD3BF4D2}" type="datetimeFigureOut">
               <a:rPr lang="zh-CN" altLang="en-US" smtClean="0"/>
-              <a:t>2020-07-05</a:t>
             </a:fld>
             <a:endParaRPr lang="zh-CN" altLang="en-US"/>
           </a:p>
@@ -2088,7 +2103,6 @@
           <a:p>
             <a:fld id="{7D9BB5D0-35E4-459D-AEF3-FE4D7C45CC19}" type="slidenum">
               <a:rPr lang="zh-CN" altLang="en-US" smtClean="0"/>
-              <a:t>‹#›</a:t>
             </a:fld>
             <a:endParaRPr lang="zh-CN" altLang="en-US"/>
           </a:p>
@@ -2136,7 +2150,6 @@
           <a:p>
             <a:fld id="{82F288E0-7875-42C4-84C8-98DBBD3BF4D2}" type="datetimeFigureOut">
               <a:rPr lang="zh-CN" altLang="en-US" smtClean="0"/>
-              <a:t>2020-07-05</a:t>
             </a:fld>
             <a:endParaRPr lang="zh-CN" altLang="en-US"/>
           </a:p>
@@ -2178,7 +2191,6 @@
           <a:p>
             <a:fld id="{7D9BB5D0-35E4-459D-AEF3-FE4D7C45CC19}" type="slidenum">
               <a:rPr lang="zh-CN" altLang="en-US" smtClean="0"/>
-              <a:t>‹#›</a:t>
             </a:fld>
             <a:endParaRPr lang="zh-CN" altLang="en-US"/>
           </a:p>
@@ -2237,6 +2249,7 @@
               <a:rPr lang="zh-CN" altLang="en-US"/>
               <a:t>单击此处编辑母版标题样式</a:t>
             </a:r>
+            <a:endParaRPr lang="zh-CN" altLang="en-US"/>
           </a:p>
         </p:txBody>
       </p:sp>
@@ -2363,6 +2376,7 @@
               <a:rPr lang="zh-CN" altLang="en-US"/>
               <a:t>单击此处编辑母版文本样式</a:t>
             </a:r>
+            <a:endParaRPr lang="zh-CN" altLang="en-US"/>
           </a:p>
         </p:txBody>
       </p:sp>
@@ -2383,7 +2397,6 @@
           <a:p>
             <a:fld id="{82F288E0-7875-42C4-84C8-98DBBD3BF4D2}" type="datetimeFigureOut">
               <a:rPr lang="zh-CN" altLang="en-US" smtClean="0"/>
-              <a:t>2020-07-05</a:t>
             </a:fld>
             <a:endParaRPr lang="zh-CN" altLang="en-US"/>
           </a:p>
@@ -2425,7 +2438,6 @@
           <a:p>
             <a:fld id="{7D9BB5D0-35E4-459D-AEF3-FE4D7C45CC19}" type="slidenum">
               <a:rPr lang="zh-CN" altLang="en-US" smtClean="0"/>
-              <a:t>‹#›</a:t>
             </a:fld>
             <a:endParaRPr lang="zh-CN" altLang="en-US"/>
           </a:p>
@@ -2480,6 +2492,7 @@
               <a:rPr lang="zh-CN" altLang="en-US"/>
               <a:t>单击此处编辑母版标题样式</a:t>
             </a:r>
+            <a:endParaRPr lang="zh-CN" altLang="en-US"/>
           </a:p>
         </p:txBody>
       </p:sp>
@@ -2508,6 +2521,7 @@
               <a:rPr lang="zh-CN" altLang="en-US"/>
               <a:t>单击此处编辑母版文本样式</a:t>
             </a:r>
+            <a:endParaRPr lang="zh-CN" altLang="en-US"/>
           </a:p>
           <a:p>
             <a:pPr lvl="1"/>
@@ -2515,6 +2529,7 @@
               <a:rPr lang="zh-CN" altLang="en-US"/>
               <a:t>第二级</a:t>
             </a:r>
+            <a:endParaRPr lang="zh-CN" altLang="en-US"/>
           </a:p>
           <a:p>
             <a:pPr lvl="2"/>
@@ -2522,6 +2537,7 @@
               <a:rPr lang="zh-CN" altLang="en-US"/>
               <a:t>第三级</a:t>
             </a:r>
+            <a:endParaRPr lang="zh-CN" altLang="en-US"/>
           </a:p>
           <a:p>
             <a:pPr lvl="3"/>
@@ -2529,6 +2545,7 @@
               <a:rPr lang="zh-CN" altLang="en-US"/>
               <a:t>第四级</a:t>
             </a:r>
+            <a:endParaRPr lang="zh-CN" altLang="en-US"/>
           </a:p>
           <a:p>
             <a:pPr lvl="4"/>
@@ -2536,6 +2553,7 @@
               <a:rPr lang="zh-CN" altLang="en-US"/>
               <a:t>第五级</a:t>
             </a:r>
+            <a:endParaRPr lang="zh-CN" altLang="en-US"/>
           </a:p>
         </p:txBody>
       </p:sp>
@@ -2556,7 +2574,6 @@
           <a:p>
             <a:fld id="{82F288E0-7875-42C4-84C8-98DBBD3BF4D2}" type="datetimeFigureOut">
               <a:rPr lang="zh-CN" altLang="en-US" smtClean="0"/>
-              <a:t>2020-07-05</a:t>
             </a:fld>
             <a:endParaRPr lang="zh-CN" altLang="en-US"/>
           </a:p>
@@ -2598,7 +2615,6 @@
           <a:p>
             <a:fld id="{7D9BB5D0-35E4-459D-AEF3-FE4D7C45CC19}" type="slidenum">
               <a:rPr lang="zh-CN" altLang="en-US" smtClean="0"/>
-              <a:t>‹#›</a:t>
             </a:fld>
             <a:endParaRPr lang="zh-CN" altLang="en-US"/>
           </a:p>
@@ -2663,6 +2679,7 @@
               <a:rPr lang="zh-CN" altLang="en-US"/>
               <a:t>单击此处编辑母版标题样式</a:t>
             </a:r>
+            <a:endParaRPr lang="zh-CN" altLang="en-US"/>
           </a:p>
         </p:txBody>
       </p:sp>
@@ -2696,6 +2713,7 @@
               <a:rPr lang="zh-CN" altLang="en-US"/>
               <a:t>单击此处编辑母版文本样式</a:t>
             </a:r>
+            <a:endParaRPr lang="zh-CN" altLang="en-US"/>
           </a:p>
           <a:p>
             <a:pPr lvl="1"/>
@@ -2703,6 +2721,7 @@
               <a:rPr lang="zh-CN" altLang="en-US"/>
               <a:t>第二级</a:t>
             </a:r>
+            <a:endParaRPr lang="zh-CN" altLang="en-US"/>
           </a:p>
           <a:p>
             <a:pPr lvl="2"/>
@@ -2710,6 +2729,7 @@
               <a:rPr lang="zh-CN" altLang="en-US"/>
               <a:t>第三级</a:t>
             </a:r>
+            <a:endParaRPr lang="zh-CN" altLang="en-US"/>
           </a:p>
           <a:p>
             <a:pPr lvl="3"/>
@@ -2717,6 +2737,7 @@
               <a:rPr lang="zh-CN" altLang="en-US"/>
               <a:t>第四级</a:t>
             </a:r>
+            <a:endParaRPr lang="zh-CN" altLang="en-US"/>
           </a:p>
           <a:p>
             <a:pPr lvl="4"/>
@@ -2724,6 +2745,7 @@
               <a:rPr lang="zh-CN" altLang="en-US"/>
               <a:t>第五级</a:t>
             </a:r>
+            <a:endParaRPr lang="zh-CN" altLang="en-US"/>
           </a:p>
         </p:txBody>
       </p:sp>
@@ -2762,7 +2784,6 @@
           <a:p>
             <a:fld id="{82F288E0-7875-42C4-84C8-98DBBD3BF4D2}" type="datetimeFigureOut">
               <a:rPr lang="zh-CN" altLang="en-US" smtClean="0"/>
-              <a:t>2020-07-05</a:t>
             </a:fld>
             <a:endParaRPr lang="zh-CN" altLang="en-US"/>
           </a:p>
@@ -2840,7 +2861,6 @@
           <a:p>
             <a:fld id="{7D9BB5D0-35E4-459D-AEF3-FE4D7C45CC19}" type="slidenum">
               <a:rPr lang="zh-CN" altLang="en-US" smtClean="0"/>
-              <a:t>‹#›</a:t>
             </a:fld>
             <a:endParaRPr lang="zh-CN" altLang="en-US"/>
           </a:p>
@@ -3201,6 +3221,10 @@
               </a:rPr>
               <a:t>Understanding</a:t>
             </a:r>
+            <a:endParaRPr lang="en-US" altLang="zh-CN" sz="4000">
+              <a:latin typeface="微软雅黑" panose="020B0503020204020204" charset="-122"/>
+              <a:ea typeface="微软雅黑" panose="020B0503020204020204" charset="-122"/>
+            </a:endParaRPr>
           </a:p>
         </p:txBody>
       </p:sp>
@@ -3249,6 +3273,10 @@
               </a:rPr>
               <a:t>理解生成对抗网络</a:t>
             </a:r>
+            <a:endParaRPr lang="zh-CN" altLang="en-US" sz="3600">
+              <a:latin typeface="微软雅黑" panose="020B0503020204020204" charset="-122"/>
+              <a:ea typeface="微软雅黑" panose="020B0503020204020204" charset="-122"/>
+            </a:endParaRPr>
           </a:p>
         </p:txBody>
       </p:sp>
@@ -3261,7 +3289,7 @@
           <p:nvPr/>
         </p:nvPicPr>
         <p:blipFill>
-          <a:blip r:embed="rId3"/>
+          <a:blip r:embed="rId1"/>
           <a:stretch>
             <a:fillRect/>
           </a:stretch>
@@ -3421,7 +3449,7 @@
           <p:nvPr/>
         </p:nvPicPr>
         <p:blipFill>
-          <a:blip r:embed="rId3"/>
+          <a:blip r:embed="rId1"/>
           <a:stretch>
             <a:fillRect/>
           </a:stretch>
@@ -3581,7 +3609,7 @@
           <p:nvPr/>
         </p:nvPicPr>
         <p:blipFill>
-          <a:blip r:embed="rId4"/>
+          <a:blip r:embed="rId2"/>
           <a:stretch>
             <a:fillRect/>
           </a:stretch>
@@ -3605,7 +3633,7 @@
           <p:nvPr/>
         </p:nvPicPr>
         <p:blipFill>
-          <a:blip r:embed="rId5"/>
+          <a:blip r:embed="rId3"/>
           <a:stretch>
             <a:fillRect/>
           </a:stretch>
@@ -3622,7 +3650,7 @@
       </p:pic>
     </p:spTree>
     <p:custDataLst>
-      <p:tags r:id="rId1"/>
+      <p:tags r:id="rId4"/>
     </p:custDataLst>
   </p:cSld>
   <p:clrMapOvr>
@@ -3692,6 +3720,16 @@
               </a:rPr>
               <a:t>aO+bP+cQ+fU+gV+hW+kX+lY+mZ</a:t>
             </a:r>
+            <a:endParaRPr lang="en-US" sz="800">
+              <a:solidFill>
+                <a:schemeClr val="accent2">
+                  <a:lumMod val="60000"/>
+                  <a:lumOff val="40000"/>
+                </a:schemeClr>
+              </a:solidFill>
+              <a:latin typeface="微软雅黑" panose="020B0503020204020204" charset="-122"/>
+              <a:ea typeface="微软雅黑" panose="020B0503020204020204" charset="-122"/>
+            </a:endParaRPr>
           </a:p>
         </p:txBody>
       </p:sp>
@@ -3739,6 +3777,16 @@
               </a:rPr>
               <a:t>bO+cP+dQ+gU+hV+iW+lX+mY+nZ</a:t>
             </a:r>
+            <a:endParaRPr lang="en-US" sz="800">
+              <a:solidFill>
+                <a:schemeClr val="accent2">
+                  <a:lumMod val="60000"/>
+                  <a:lumOff val="40000"/>
+                </a:schemeClr>
+              </a:solidFill>
+              <a:latin typeface="微软雅黑" panose="020B0503020204020204" charset="-122"/>
+              <a:ea typeface="微软雅黑" panose="020B0503020204020204" charset="-122"/>
+            </a:endParaRPr>
           </a:p>
         </p:txBody>
       </p:sp>
@@ -3786,6 +3834,16 @@
               </a:rPr>
               <a:t>cO+dP+eQ+hU+iV+jW+mX+nY+oZ</a:t>
             </a:r>
+            <a:endParaRPr lang="en-US" sz="800">
+              <a:solidFill>
+                <a:schemeClr val="accent2">
+                  <a:lumMod val="60000"/>
+                  <a:lumOff val="40000"/>
+                </a:schemeClr>
+              </a:solidFill>
+              <a:latin typeface="微软雅黑" panose="020B0503020204020204" charset="-122"/>
+              <a:ea typeface="微软雅黑" panose="020B0503020204020204" charset="-122"/>
+            </a:endParaRPr>
           </a:p>
         </p:txBody>
       </p:sp>
@@ -5347,6 +5405,13 @@
               </a:rPr>
               <a:t>计算量大：</a:t>
             </a:r>
+            <a:endParaRPr lang="zh-CN" altLang="en-US" b="1">
+              <a:solidFill>
+                <a:srgbClr val="C00000"/>
+              </a:solidFill>
+              <a:latin typeface="微软雅黑" panose="020B0503020204020204" charset="-122"/>
+              <a:ea typeface="微软雅黑" panose="020B0503020204020204" charset="-122"/>
+            </a:endParaRPr>
           </a:p>
           <a:p>
             <a:pPr>
@@ -5364,6 +5429,13 @@
               </a:rPr>
               <a:t>逐点卷积</a:t>
             </a:r>
+            <a:endParaRPr lang="zh-CN" altLang="en-US" b="1">
+              <a:solidFill>
+                <a:srgbClr val="C00000"/>
+              </a:solidFill>
+              <a:latin typeface="微软雅黑" panose="020B0503020204020204" charset="-122"/>
+              <a:ea typeface="微软雅黑" panose="020B0503020204020204" charset="-122"/>
+            </a:endParaRPr>
           </a:p>
         </p:txBody>
       </p:sp>
@@ -5442,6 +5514,13 @@
               </a:rPr>
               <a:t>通道分组</a:t>
             </a:r>
+            <a:endParaRPr lang="zh-CN" altLang="en-US" sz="1400">
+              <a:solidFill>
+                <a:srgbClr val="0F80FF"/>
+              </a:solidFill>
+              <a:latin typeface="微软雅黑" panose="020B0503020204020204" charset="-122"/>
+              <a:ea typeface="微软雅黑" panose="020B0503020204020204" charset="-122"/>
+            </a:endParaRPr>
           </a:p>
           <a:p>
             <a:pPr algn="ctr">
@@ -5459,6 +5538,13 @@
               </a:rPr>
               <a:t>降低计算量</a:t>
             </a:r>
+            <a:endParaRPr lang="zh-CN" altLang="en-US" sz="1400">
+              <a:solidFill>
+                <a:srgbClr val="0F80FF"/>
+              </a:solidFill>
+              <a:latin typeface="微软雅黑" panose="020B0503020204020204" charset="-122"/>
+              <a:ea typeface="微软雅黑" panose="020B0503020204020204" charset="-122"/>
+            </a:endParaRPr>
           </a:p>
         </p:txBody>
       </p:sp>
@@ -5499,6 +5585,13 @@
               </a:rPr>
               <a:t>分组降低信息流通</a:t>
             </a:r>
+            <a:endParaRPr lang="zh-CN" altLang="en-US" sz="1400">
+              <a:solidFill>
+                <a:srgbClr val="C00000"/>
+              </a:solidFill>
+              <a:latin typeface="微软雅黑" panose="020B0503020204020204" charset="-122"/>
+              <a:ea typeface="微软雅黑" panose="020B0503020204020204" charset="-122"/>
+            </a:endParaRPr>
           </a:p>
           <a:p>
             <a:pPr algn="ctr">
@@ -5516,6 +5609,13 @@
               </a:rPr>
               <a:t>减弱信息表示</a:t>
             </a:r>
+            <a:endParaRPr lang="zh-CN" altLang="en-US" sz="1400">
+              <a:solidFill>
+                <a:srgbClr val="C00000"/>
+              </a:solidFill>
+              <a:latin typeface="微软雅黑" panose="020B0503020204020204" charset="-122"/>
+              <a:ea typeface="微软雅黑" panose="020B0503020204020204" charset="-122"/>
+            </a:endParaRPr>
           </a:p>
         </p:txBody>
       </p:sp>
@@ -5556,6 +5656,13 @@
               </a:rPr>
               <a:t>混合通道特征</a:t>
             </a:r>
+            <a:endParaRPr lang="zh-CN" altLang="en-US" sz="1400">
+              <a:solidFill>
+                <a:srgbClr val="0F80FF"/>
+              </a:solidFill>
+              <a:latin typeface="微软雅黑" panose="020B0503020204020204" charset="-122"/>
+              <a:ea typeface="微软雅黑" panose="020B0503020204020204" charset="-122"/>
+            </a:endParaRPr>
           </a:p>
         </p:txBody>
       </p:sp>
@@ -5735,6 +5842,16 @@
               </a:rPr>
               <a:t>）</a:t>
             </a:r>
+            <a:endParaRPr lang="zh-CN" altLang="en-US" sz="1000">
+              <a:solidFill>
+                <a:schemeClr val="tx1">
+                  <a:lumMod val="50000"/>
+                  <a:lumOff val="50000"/>
+                </a:schemeClr>
+              </a:solidFill>
+              <a:latin typeface="微软雅黑" panose="020B0503020204020204" charset="-122"/>
+              <a:ea typeface="微软雅黑" panose="020B0503020204020204" charset="-122"/>
+            </a:endParaRPr>
           </a:p>
           <a:p>
             <a:pPr marL="228600" indent="-228600">
@@ -5893,6 +6010,17 @@
               </a:rPr>
               <a:t>）</a:t>
             </a:r>
+            <a:endParaRPr lang="zh-CN" altLang="en-US" sz="1000">
+              <a:solidFill>
+                <a:schemeClr val="tx1">
+                  <a:lumMod val="50000"/>
+                  <a:lumOff val="50000"/>
+                </a:schemeClr>
+              </a:solidFill>
+              <a:latin typeface="微软雅黑" panose="020B0503020204020204" charset="-122"/>
+              <a:ea typeface="微软雅黑" panose="020B0503020204020204" charset="-122"/>
+              <a:sym typeface="+mn-ea"/>
+            </a:endParaRPr>
           </a:p>
           <a:p>
             <a:pPr marL="228600" indent="-228600">
@@ -6103,6 +6231,13 @@
               </a:rPr>
               <a:t>元素相加</a:t>
             </a:r>
+            <a:endParaRPr lang="zh-CN" altLang="en-US" sz="1400" b="1">
+              <a:solidFill>
+                <a:srgbClr val="CC66FF"/>
+              </a:solidFill>
+              <a:latin typeface="微软雅黑" panose="020B0503020204020204" charset="-122"/>
+              <a:ea typeface="微软雅黑" panose="020B0503020204020204" charset="-122"/>
+            </a:endParaRPr>
           </a:p>
         </p:txBody>
       </p:sp>
@@ -6143,6 +6278,13 @@
               </a:rPr>
               <a:t>通道级联</a:t>
             </a:r>
+            <a:endParaRPr lang="zh-CN" altLang="en-US" sz="1400" b="1">
+              <a:solidFill>
+                <a:srgbClr val="CC66FF"/>
+              </a:solidFill>
+              <a:latin typeface="微软雅黑" panose="020B0503020204020204" charset="-122"/>
+              <a:ea typeface="微软雅黑" panose="020B0503020204020204" charset="-122"/>
+            </a:endParaRPr>
           </a:p>
         </p:txBody>
       </p:sp>
@@ -6175,6 +6317,10 @@
               </a:rPr>
               <a:t>LAPGAN - 2016</a:t>
             </a:r>
+            <a:endParaRPr lang="en-US" altLang="zh-CN" sz="2000" b="1" dirty="0">
+              <a:latin typeface="微软雅黑" panose="020B0503020204020204" charset="-122"/>
+              <a:ea typeface="微软雅黑" panose="020B0503020204020204" charset="-122"/>
+            </a:endParaRPr>
           </a:p>
         </p:txBody>
       </p:sp>
@@ -6232,6 +6378,10 @@
               </a:rPr>
               <a:t>Batch Normalization - 2016</a:t>
             </a:r>
+            <a:endParaRPr lang="en-US" altLang="zh-CN" sz="2000" b="1" dirty="0">
+              <a:latin typeface="微软雅黑" panose="020B0503020204020204" charset="-122"/>
+              <a:ea typeface="微软雅黑" panose="020B0503020204020204" charset="-122"/>
+            </a:endParaRPr>
           </a:p>
         </p:txBody>
       </p:sp>
@@ -6290,6 +6440,16 @@
               </a:rPr>
               <a:t>source: https://openai.com/blog/generative-models/</a:t>
             </a:r>
+            <a:endParaRPr lang="en-US" altLang="zh-CN" sz="800" dirty="0">
+              <a:solidFill>
+                <a:schemeClr val="tx1">
+                  <a:lumMod val="50000"/>
+                  <a:lumOff val="50000"/>
+                </a:schemeClr>
+              </a:solidFill>
+              <a:latin typeface="微软雅黑" panose="020B0503020204020204" charset="-122"/>
+              <a:ea typeface="微软雅黑" panose="020B0503020204020204" charset="-122"/>
+            </a:endParaRPr>
           </a:p>
         </p:txBody>
       </p:sp>
@@ -6325,6 +6485,13 @@
               </a:rPr>
               <a:t>Generator</a:t>
             </a:r>
+            <a:endParaRPr lang="en-US" altLang="zh-CN" sz="1400" b="1" dirty="0">
+              <a:solidFill>
+                <a:srgbClr val="0070C0"/>
+              </a:solidFill>
+              <a:latin typeface="微软雅黑" panose="020B0503020204020204" charset="-122"/>
+              <a:ea typeface="微软雅黑" panose="020B0503020204020204" charset="-122"/>
+            </a:endParaRPr>
           </a:p>
         </p:txBody>
       </p:sp>
@@ -6363,6 +6530,15 @@
               </a:rPr>
               <a:t>Discriminator</a:t>
             </a:r>
+            <a:endParaRPr lang="en-US" altLang="zh-CN" sz="1400" b="1" dirty="0">
+              <a:solidFill>
+                <a:schemeClr val="accent2">
+                  <a:lumMod val="75000"/>
+                </a:schemeClr>
+              </a:solidFill>
+              <a:latin typeface="微软雅黑" panose="020B0503020204020204" charset="-122"/>
+              <a:ea typeface="微软雅黑" panose="020B0503020204020204" charset="-122"/>
+            </a:endParaRPr>
           </a:p>
         </p:txBody>
       </p:sp>
@@ -6611,6 +6787,10 @@
               </a:rPr>
               <a:t>Loss</a:t>
             </a:r>
+            <a:endParaRPr lang="en-US" altLang="zh-CN" sz="1400" b="1" dirty="0">
+              <a:latin typeface="微软雅黑" panose="020B0503020204020204" charset="-122"/>
+              <a:ea typeface="微软雅黑" panose="020B0503020204020204" charset="-122"/>
+            </a:endParaRPr>
           </a:p>
         </p:txBody>
       </p:sp>
@@ -6623,7 +6803,7 @@
           <p:nvPr/>
         </p:nvPicPr>
         <p:blipFill>
-          <a:blip r:embed="rId2">
+          <a:blip r:embed="rId1">
             <a:extLst>
               <a:ext uri="{28A0092B-C50C-407E-A947-70E740481C1C}">
                 <a14:useLocalDpi xmlns:a14="http://schemas.microsoft.com/office/drawing/2010/main" val="0"/>
@@ -6845,11 +7025,6 @@
         </p:style>
       </p:cxnSp>
     </p:spTree>
-    <p:extLst>
-      <p:ext uri="{BB962C8B-B14F-4D97-AF65-F5344CB8AC3E}">
-        <p14:creationId xmlns:p14="http://schemas.microsoft.com/office/powerpoint/2010/main" val="2173924556"/>
-      </p:ext>
-    </p:extLst>
   </p:cSld>
   <p:clrMapOvr>
     <a:masterClrMapping/>
@@ -6903,6 +7078,10 @@
               </a:rPr>
               <a:t>Instance Normalization - 2016</a:t>
             </a:r>
+            <a:endParaRPr lang="en-US" altLang="zh-CN" sz="2000" b="1" dirty="0">
+              <a:latin typeface="微软雅黑" panose="020B0503020204020204" charset="-122"/>
+              <a:ea typeface="微软雅黑" panose="020B0503020204020204" charset="-122"/>
+            </a:endParaRPr>
           </a:p>
         </p:txBody>
       </p:sp>
@@ -6961,6 +7140,16 @@
               </a:rPr>
               <a:t>source: https://openai.com/blog/generative-models/</a:t>
             </a:r>
+            <a:endParaRPr lang="en-US" altLang="zh-CN" sz="800" dirty="0">
+              <a:solidFill>
+                <a:schemeClr val="tx1">
+                  <a:lumMod val="50000"/>
+                  <a:lumOff val="50000"/>
+                </a:schemeClr>
+              </a:solidFill>
+              <a:latin typeface="微软雅黑" panose="020B0503020204020204" charset="-122"/>
+              <a:ea typeface="微软雅黑" panose="020B0503020204020204" charset="-122"/>
+            </a:endParaRPr>
           </a:p>
         </p:txBody>
       </p:sp>
@@ -6996,6 +7185,13 @@
               </a:rPr>
               <a:t>Generator</a:t>
             </a:r>
+            <a:endParaRPr lang="en-US" altLang="zh-CN" sz="1400" b="1" dirty="0">
+              <a:solidFill>
+                <a:srgbClr val="0070C0"/>
+              </a:solidFill>
+              <a:latin typeface="微软雅黑" panose="020B0503020204020204" charset="-122"/>
+              <a:ea typeface="微软雅黑" panose="020B0503020204020204" charset="-122"/>
+            </a:endParaRPr>
           </a:p>
         </p:txBody>
       </p:sp>
@@ -7034,6 +7230,15 @@
               </a:rPr>
               <a:t>Discriminator</a:t>
             </a:r>
+            <a:endParaRPr lang="en-US" altLang="zh-CN" sz="1400" b="1" dirty="0">
+              <a:solidFill>
+                <a:schemeClr val="accent2">
+                  <a:lumMod val="75000"/>
+                </a:schemeClr>
+              </a:solidFill>
+              <a:latin typeface="微软雅黑" panose="020B0503020204020204" charset="-122"/>
+              <a:ea typeface="微软雅黑" panose="020B0503020204020204" charset="-122"/>
+            </a:endParaRPr>
           </a:p>
         </p:txBody>
       </p:sp>
@@ -7282,6 +7487,10 @@
               </a:rPr>
               <a:t>Loss</a:t>
             </a:r>
+            <a:endParaRPr lang="en-US" altLang="zh-CN" sz="1400" b="1" dirty="0">
+              <a:latin typeface="微软雅黑" panose="020B0503020204020204" charset="-122"/>
+              <a:ea typeface="微软雅黑" panose="020B0503020204020204" charset="-122"/>
+            </a:endParaRPr>
           </a:p>
         </p:txBody>
       </p:sp>
@@ -7294,7 +7503,7 @@
           <p:nvPr/>
         </p:nvPicPr>
         <p:blipFill>
-          <a:blip r:embed="rId2">
+          <a:blip r:embed="rId1">
             <a:extLst>
               <a:ext uri="{28A0092B-C50C-407E-A947-70E740481C1C}">
                 <a14:useLocalDpi xmlns:a14="http://schemas.microsoft.com/office/drawing/2010/main" val="0"/>
@@ -7516,11 +7725,6 @@
         </p:style>
       </p:cxnSp>
     </p:spTree>
-    <p:extLst>
-      <p:ext uri="{BB962C8B-B14F-4D97-AF65-F5344CB8AC3E}">
-        <p14:creationId xmlns:p14="http://schemas.microsoft.com/office/powerpoint/2010/main" val="1633247488"/>
-      </p:ext>
-    </p:extLst>
   </p:cSld>
   <p:clrMapOvr>
     <a:masterClrMapping/>
@@ -7574,6 +7778,10 @@
               </a:rPr>
               <a:t>Layer Normalization - 2016</a:t>
             </a:r>
+            <a:endParaRPr lang="en-US" altLang="zh-CN" sz="2000" b="1" dirty="0">
+              <a:latin typeface="微软雅黑" panose="020B0503020204020204" charset="-122"/>
+              <a:ea typeface="微软雅黑" panose="020B0503020204020204" charset="-122"/>
+            </a:endParaRPr>
           </a:p>
         </p:txBody>
       </p:sp>
@@ -7632,6 +7840,16 @@
               </a:rPr>
               <a:t>source: https://openai.com/blog/generative-models/</a:t>
             </a:r>
+            <a:endParaRPr lang="en-US" altLang="zh-CN" sz="800" dirty="0">
+              <a:solidFill>
+                <a:schemeClr val="tx1">
+                  <a:lumMod val="50000"/>
+                  <a:lumOff val="50000"/>
+                </a:schemeClr>
+              </a:solidFill>
+              <a:latin typeface="微软雅黑" panose="020B0503020204020204" charset="-122"/>
+              <a:ea typeface="微软雅黑" panose="020B0503020204020204" charset="-122"/>
+            </a:endParaRPr>
           </a:p>
         </p:txBody>
       </p:sp>
@@ -7667,6 +7885,13 @@
               </a:rPr>
               <a:t>Generator</a:t>
             </a:r>
+            <a:endParaRPr lang="en-US" altLang="zh-CN" sz="1400" b="1" dirty="0">
+              <a:solidFill>
+                <a:srgbClr val="0070C0"/>
+              </a:solidFill>
+              <a:latin typeface="微软雅黑" panose="020B0503020204020204" charset="-122"/>
+              <a:ea typeface="微软雅黑" panose="020B0503020204020204" charset="-122"/>
+            </a:endParaRPr>
           </a:p>
         </p:txBody>
       </p:sp>
@@ -7705,6 +7930,15 @@
               </a:rPr>
               <a:t>Discriminator</a:t>
             </a:r>
+            <a:endParaRPr lang="en-US" altLang="zh-CN" sz="1400" b="1" dirty="0">
+              <a:solidFill>
+                <a:schemeClr val="accent2">
+                  <a:lumMod val="75000"/>
+                </a:schemeClr>
+              </a:solidFill>
+              <a:latin typeface="微软雅黑" panose="020B0503020204020204" charset="-122"/>
+              <a:ea typeface="微软雅黑" panose="020B0503020204020204" charset="-122"/>
+            </a:endParaRPr>
           </a:p>
         </p:txBody>
       </p:sp>
@@ -7953,6 +8187,10 @@
               </a:rPr>
               <a:t>Loss</a:t>
             </a:r>
+            <a:endParaRPr lang="en-US" altLang="zh-CN" sz="1400" b="1" dirty="0">
+              <a:latin typeface="微软雅黑" panose="020B0503020204020204" charset="-122"/>
+              <a:ea typeface="微软雅黑" panose="020B0503020204020204" charset="-122"/>
+            </a:endParaRPr>
           </a:p>
         </p:txBody>
       </p:sp>
@@ -7965,7 +8203,7 @@
           <p:nvPr/>
         </p:nvPicPr>
         <p:blipFill>
-          <a:blip r:embed="rId2">
+          <a:blip r:embed="rId1">
             <a:extLst>
               <a:ext uri="{28A0092B-C50C-407E-A947-70E740481C1C}">
                 <a14:useLocalDpi xmlns:a14="http://schemas.microsoft.com/office/drawing/2010/main" val="0"/>
@@ -8187,11 +8425,6 @@
         </p:style>
       </p:cxnSp>
     </p:spTree>
-    <p:extLst>
-      <p:ext uri="{BB962C8B-B14F-4D97-AF65-F5344CB8AC3E}">
-        <p14:creationId xmlns:p14="http://schemas.microsoft.com/office/powerpoint/2010/main" val="3156889514"/>
-      </p:ext>
-    </p:extLst>
   </p:cSld>
   <p:clrMapOvr>
     <a:masterClrMapping/>
@@ -8300,6 +8533,13 @@
               </a:rPr>
               <a:t>特征提取</a:t>
             </a:r>
+            <a:endParaRPr lang="zh-CN" altLang="en-US" sz="1400" b="1">
+              <a:solidFill>
+                <a:srgbClr val="0070C0"/>
+              </a:solidFill>
+              <a:latin typeface="微软雅黑" panose="020B0503020204020204" charset="-122"/>
+              <a:ea typeface="微软雅黑" panose="020B0503020204020204" charset="-122"/>
+            </a:endParaRPr>
           </a:p>
         </p:txBody>
       </p:sp>
@@ -8340,12 +8580,67 @@
               </a:rPr>
               <a:t>Offset Max Pooling</a:t>
             </a:r>
+            <a:endParaRPr lang="en-US" altLang="zh-CN" b="1">
+              <a:solidFill>
+                <a:srgbClr val="C00000"/>
+              </a:solidFill>
+              <a:latin typeface="微软雅黑" panose="020B0503020204020204" charset="-122"/>
+              <a:ea typeface="微软雅黑" panose="020B0503020204020204" charset="-122"/>
+            </a:endParaRPr>
           </a:p>
         </p:txBody>
       </p:sp>
       <p:pic>
         <p:nvPicPr>
           <p:cNvPr id="4" name="图片 3"/>
+          <p:cNvPicPr>
+            <a:picLocks noChangeAspect="1"/>
+          </p:cNvPicPr>
+          <p:nvPr/>
+        </p:nvPicPr>
+        <p:blipFill>
+          <a:blip r:embed="rId1"/>
+          <a:stretch>
+            <a:fillRect/>
+          </a:stretch>
+        </p:blipFill>
+        <p:spPr>
+          <a:xfrm>
+            <a:off x="6064885" y="3369310"/>
+            <a:ext cx="431800" cy="405765"/>
+          </a:xfrm>
+          <a:prstGeom prst="rect">
+            <a:avLst/>
+          </a:prstGeom>
+        </p:spPr>
+      </p:pic>
+      <p:pic>
+        <p:nvPicPr>
+          <p:cNvPr id="6" name="图片 5"/>
+          <p:cNvPicPr>
+            <a:picLocks noChangeAspect="1"/>
+          </p:cNvPicPr>
+          <p:nvPr/>
+        </p:nvPicPr>
+        <p:blipFill>
+          <a:blip r:embed="rId2"/>
+          <a:stretch>
+            <a:fillRect/>
+          </a:stretch>
+        </p:blipFill>
+        <p:spPr>
+          <a:xfrm>
+            <a:off x="6564630" y="3369310"/>
+            <a:ext cx="431800" cy="405765"/>
+          </a:xfrm>
+          <a:prstGeom prst="rect">
+            <a:avLst/>
+          </a:prstGeom>
+        </p:spPr>
+      </p:pic>
+      <p:pic>
+        <p:nvPicPr>
+          <p:cNvPr id="9" name="图片 8"/>
           <p:cNvPicPr>
             <a:picLocks noChangeAspect="1"/>
           </p:cNvPicPr>
@@ -8359,7 +8654,127 @@
         </p:blipFill>
         <p:spPr>
           <a:xfrm>
-            <a:off x="6064885" y="3369310"/>
+            <a:off x="7084060" y="3369310"/>
+            <a:ext cx="433070" cy="403225"/>
+          </a:xfrm>
+          <a:prstGeom prst="rect">
+            <a:avLst/>
+          </a:prstGeom>
+        </p:spPr>
+      </p:pic>
+      <p:sp>
+        <p:nvSpPr>
+          <p:cNvPr id="13" name="文本框 12"/>
+          <p:cNvSpPr txBox="1"/>
+          <p:nvPr/>
+        </p:nvSpPr>
+        <p:spPr>
+          <a:xfrm>
+            <a:off x="8451215" y="2367280"/>
+            <a:ext cx="2226310" cy="368300"/>
+          </a:xfrm>
+          <a:prstGeom prst="rect">
+            <a:avLst/>
+          </a:prstGeom>
+          <a:noFill/>
+        </p:spPr>
+        <p:txBody>
+          <a:bodyPr wrap="square" rtlCol="0">
+            <a:spAutoFit/>
+          </a:bodyPr>
+          <a:lstStyle/>
+          <a:p>
+            <a:pPr algn="ctr"/>
+            <a:r>
+              <a:rPr lang="en-US" altLang="zh-CN" b="1">
+                <a:solidFill>
+                  <a:srgbClr val="0070C0"/>
+                </a:solidFill>
+                <a:latin typeface="微软雅黑" panose="020B0503020204020204" charset="-122"/>
+                <a:ea typeface="微软雅黑" panose="020B0503020204020204" charset="-122"/>
+              </a:rPr>
+              <a:t>Classifier</a:t>
+            </a:r>
+            <a:endParaRPr lang="en-US" altLang="zh-CN" b="1">
+              <a:solidFill>
+                <a:srgbClr val="0070C0"/>
+              </a:solidFill>
+              <a:latin typeface="微软雅黑" panose="020B0503020204020204" charset="-122"/>
+              <a:ea typeface="微软雅黑" panose="020B0503020204020204" charset="-122"/>
+            </a:endParaRPr>
+          </a:p>
+        </p:txBody>
+      </p:sp>
+      <p:sp>
+        <p:nvSpPr>
+          <p:cNvPr id="14" name="文本框 13"/>
+          <p:cNvSpPr txBox="1"/>
+          <p:nvPr/>
+        </p:nvSpPr>
+        <p:spPr>
+          <a:xfrm>
+            <a:off x="8279130" y="3097530"/>
+            <a:ext cx="917575" cy="257175"/>
+          </a:xfrm>
+          <a:prstGeom prst="rect">
+            <a:avLst/>
+          </a:prstGeom>
+          <a:noFill/>
+        </p:spPr>
+        <p:txBody>
+          <a:bodyPr wrap="square" rtlCol="0">
+            <a:spAutoFit/>
+          </a:bodyPr>
+          <a:lstStyle/>
+          <a:p>
+            <a:pPr algn="ctr">
+              <a:lnSpc>
+                <a:spcPct val="90000"/>
+              </a:lnSpc>
+            </a:pPr>
+            <a:r>
+              <a:rPr lang="en-US" altLang="zh-CN" sz="1200" b="1">
+                <a:solidFill>
+                  <a:schemeClr val="tx1">
+                    <a:lumMod val="50000"/>
+                    <a:lumOff val="50000"/>
+                  </a:schemeClr>
+                </a:solidFill>
+                <a:latin typeface="微软雅黑" panose="020B0503020204020204" charset="-122"/>
+                <a:ea typeface="微软雅黑" panose="020B0503020204020204" charset="-122"/>
+              </a:rPr>
+              <a:t>conv 5x5</a:t>
+            </a:r>
+            <a:endParaRPr lang="en-US" altLang="zh-CN" sz="1200" b="1">
+              <a:solidFill>
+                <a:schemeClr val="tx1">
+                  <a:lumMod val="50000"/>
+                  <a:lumOff val="50000"/>
+                </a:schemeClr>
+              </a:solidFill>
+              <a:latin typeface="微软雅黑" panose="020B0503020204020204" charset="-122"/>
+              <a:ea typeface="微软雅黑" panose="020B0503020204020204" charset="-122"/>
+            </a:endParaRPr>
+          </a:p>
+        </p:txBody>
+      </p:sp>
+      <p:pic>
+        <p:nvPicPr>
+          <p:cNvPr id="15" name="图片 14"/>
+          <p:cNvPicPr>
+            <a:picLocks noChangeAspect="1"/>
+          </p:cNvPicPr>
+          <p:nvPr/>
+        </p:nvPicPr>
+        <p:blipFill>
+          <a:blip r:embed="rId1"/>
+          <a:stretch>
+            <a:fillRect/>
+          </a:stretch>
+        </p:blipFill>
+        <p:spPr>
+          <a:xfrm>
+            <a:off x="8021955" y="3366770"/>
             <a:ext cx="431800" cy="405765"/>
           </a:xfrm>
           <a:prstGeom prst="rect">
@@ -8369,7 +8784,104 @@
       </p:pic>
       <p:pic>
         <p:nvPicPr>
-          <p:cNvPr id="6" name="图片 5"/>
+          <p:cNvPr id="16" name="图片 15"/>
+          <p:cNvPicPr>
+            <a:picLocks noChangeAspect="1"/>
+          </p:cNvPicPr>
+          <p:nvPr/>
+        </p:nvPicPr>
+        <p:blipFill>
+          <a:blip r:embed="rId2"/>
+          <a:stretch>
+            <a:fillRect/>
+          </a:stretch>
+        </p:blipFill>
+        <p:spPr>
+          <a:xfrm>
+            <a:off x="8521700" y="3366770"/>
+            <a:ext cx="431800" cy="405765"/>
+          </a:xfrm>
+          <a:prstGeom prst="rect">
+            <a:avLst/>
+          </a:prstGeom>
+        </p:spPr>
+      </p:pic>
+      <p:pic>
+        <p:nvPicPr>
+          <p:cNvPr id="17" name="图片 16"/>
+          <p:cNvPicPr>
+            <a:picLocks noChangeAspect="1"/>
+          </p:cNvPicPr>
+          <p:nvPr/>
+        </p:nvPicPr>
+        <p:blipFill>
+          <a:blip r:embed="rId3"/>
+          <a:stretch>
+            <a:fillRect/>
+          </a:stretch>
+        </p:blipFill>
+        <p:spPr>
+          <a:xfrm>
+            <a:off x="9041130" y="3366770"/>
+            <a:ext cx="433070" cy="403225"/>
+          </a:xfrm>
+          <a:prstGeom prst="rect">
+            <a:avLst/>
+          </a:prstGeom>
+        </p:spPr>
+      </p:pic>
+      <p:sp>
+        <p:nvSpPr>
+          <p:cNvPr id="18" name="文本框 17"/>
+          <p:cNvSpPr txBox="1"/>
+          <p:nvPr/>
+        </p:nvSpPr>
+        <p:spPr>
+          <a:xfrm>
+            <a:off x="8333105" y="2790825"/>
+            <a:ext cx="809625" cy="306705"/>
+          </a:xfrm>
+          <a:prstGeom prst="rect">
+            <a:avLst/>
+          </a:prstGeom>
+          <a:noFill/>
+        </p:spPr>
+        <p:txBody>
+          <a:bodyPr wrap="square" rtlCol="0">
+            <a:spAutoFit/>
+          </a:bodyPr>
+          <a:lstStyle/>
+          <a:p>
+            <a:pPr algn="ctr"/>
+            <a:r>
+              <a:rPr lang="en-US" altLang="zh-CN" sz="1400" b="1">
+                <a:solidFill>
+                  <a:schemeClr val="tx1">
+                    <a:lumMod val="65000"/>
+                    <a:lumOff val="35000"/>
+                  </a:schemeClr>
+                </a:solidFill>
+                <a:latin typeface="微软雅黑" panose="020B0503020204020204" charset="-122"/>
+                <a:ea typeface="微软雅黑" panose="020B0503020204020204" charset="-122"/>
+              </a:rPr>
+              <a:t>fc6</a:t>
+            </a:r>
+            <a:endParaRPr lang="en-US" altLang="zh-CN" sz="1400" b="1">
+              <a:solidFill>
+                <a:schemeClr val="tx1">
+                  <a:lumMod val="65000"/>
+                  <a:lumOff val="35000"/>
+                </a:schemeClr>
+              </a:solidFill>
+              <a:latin typeface="微软雅黑" panose="020B0503020204020204" charset="-122"/>
+              <a:ea typeface="微软雅黑" panose="020B0503020204020204" charset="-122"/>
+            </a:endParaRPr>
+          </a:p>
+        </p:txBody>
+      </p:sp>
+      <p:pic>
+        <p:nvPicPr>
+          <p:cNvPr id="11" name="图片 10"/>
           <p:cNvPicPr>
             <a:picLocks noChangeAspect="1"/>
           </p:cNvPicPr>
@@ -8383,8 +8895,8 @@
         </p:blipFill>
         <p:spPr>
           <a:xfrm>
-            <a:off x="6564630" y="3369310"/>
-            <a:ext cx="431800" cy="405765"/>
+            <a:off x="8021955" y="3366770"/>
+            <a:ext cx="358775" cy="333375"/>
           </a:xfrm>
           <a:prstGeom prst="rect">
             <a:avLst/>
@@ -8393,7 +8905,55 @@
       </p:pic>
       <p:pic>
         <p:nvPicPr>
-          <p:cNvPr id="9" name="图片 8"/>
+          <p:cNvPr id="20" name="图片 19"/>
+          <p:cNvPicPr>
+            <a:picLocks noChangeAspect="1"/>
+          </p:cNvPicPr>
+          <p:nvPr/>
+        </p:nvPicPr>
+        <p:blipFill>
+          <a:blip r:embed="rId4"/>
+          <a:stretch>
+            <a:fillRect/>
+          </a:stretch>
+        </p:blipFill>
+        <p:spPr>
+          <a:xfrm>
+            <a:off x="8528050" y="3369310"/>
+            <a:ext cx="358775" cy="333375"/>
+          </a:xfrm>
+          <a:prstGeom prst="rect">
+            <a:avLst/>
+          </a:prstGeom>
+        </p:spPr>
+      </p:pic>
+      <p:pic>
+        <p:nvPicPr>
+          <p:cNvPr id="22" name="图片 21"/>
+          <p:cNvPicPr>
+            <a:picLocks noChangeAspect="1"/>
+          </p:cNvPicPr>
+          <p:nvPr/>
+        </p:nvPicPr>
+        <p:blipFill>
+          <a:blip r:embed="rId4"/>
+          <a:stretch>
+            <a:fillRect/>
+          </a:stretch>
+        </p:blipFill>
+        <p:spPr>
+          <a:xfrm>
+            <a:off x="9041130" y="3369310"/>
+            <a:ext cx="358775" cy="333375"/>
+          </a:xfrm>
+          <a:prstGeom prst="rect">
+            <a:avLst/>
+          </a:prstGeom>
+        </p:spPr>
+      </p:pic>
+      <p:pic>
+        <p:nvPicPr>
+          <p:cNvPr id="28" name="图片 27"/>
           <p:cNvPicPr>
             <a:picLocks noChangeAspect="1"/>
           </p:cNvPicPr>
@@ -8407,111 +8967,32 @@
         </p:blipFill>
         <p:spPr>
           <a:xfrm>
-            <a:off x="7084060" y="3369310"/>
-            <a:ext cx="433070" cy="403225"/>
+            <a:off x="9770745" y="3369945"/>
+            <a:ext cx="249555" cy="231140"/>
           </a:xfrm>
           <a:prstGeom prst="rect">
             <a:avLst/>
           </a:prstGeom>
         </p:spPr>
       </p:pic>
-      <p:sp>
-        <p:nvSpPr>
-          <p:cNvPr id="13" name="文本框 12"/>
-          <p:cNvSpPr txBox="1"/>
-          <p:nvPr/>
-        </p:nvSpPr>
-        <p:spPr>
-          <a:xfrm>
-            <a:off x="8451215" y="2367280"/>
-            <a:ext cx="2226310" cy="368300"/>
-          </a:xfrm>
-          <a:prstGeom prst="rect">
-            <a:avLst/>
-          </a:prstGeom>
-          <a:noFill/>
-        </p:spPr>
-        <p:txBody>
-          <a:bodyPr wrap="square" rtlCol="0">
-            <a:spAutoFit/>
-          </a:bodyPr>
-          <a:lstStyle/>
-          <a:p>
-            <a:pPr algn="ctr"/>
-            <a:r>
-              <a:rPr lang="en-US" altLang="zh-CN" b="1">
-                <a:solidFill>
-                  <a:srgbClr val="0070C0"/>
-                </a:solidFill>
-                <a:latin typeface="微软雅黑" panose="020B0503020204020204" charset="-122"/>
-                <a:ea typeface="微软雅黑" panose="020B0503020204020204" charset="-122"/>
-              </a:rPr>
-              <a:t>Classifier</a:t>
-            </a:r>
-          </a:p>
-        </p:txBody>
-      </p:sp>
-      <p:sp>
-        <p:nvSpPr>
-          <p:cNvPr id="14" name="文本框 13"/>
-          <p:cNvSpPr txBox="1"/>
-          <p:nvPr/>
-        </p:nvSpPr>
-        <p:spPr>
-          <a:xfrm>
-            <a:off x="8279130" y="3097530"/>
-            <a:ext cx="917575" cy="257175"/>
-          </a:xfrm>
-          <a:prstGeom prst="rect">
-            <a:avLst/>
-          </a:prstGeom>
-          <a:noFill/>
-        </p:spPr>
-        <p:txBody>
-          <a:bodyPr wrap="square" rtlCol="0">
-            <a:spAutoFit/>
-          </a:bodyPr>
-          <a:lstStyle/>
-          <a:p>
-            <a:pPr algn="ctr">
-              <a:lnSpc>
-                <a:spcPct val="90000"/>
-              </a:lnSpc>
-            </a:pPr>
-            <a:r>
-              <a:rPr lang="en-US" altLang="zh-CN" sz="1200" b="1">
-                <a:solidFill>
-                  <a:schemeClr val="tx1">
-                    <a:lumMod val="50000"/>
-                    <a:lumOff val="50000"/>
-                  </a:schemeClr>
-                </a:solidFill>
-                <a:latin typeface="微软雅黑" panose="020B0503020204020204" charset="-122"/>
-                <a:ea typeface="微软雅黑" panose="020B0503020204020204" charset="-122"/>
-              </a:rPr>
-              <a:t>conv 5x5</a:t>
-            </a:r>
-          </a:p>
-        </p:txBody>
-      </p:sp>
       <p:pic>
         <p:nvPicPr>
-          <p:cNvPr id="15" name="图片 14"/>
+          <p:cNvPr id="29" name="图片 28"/>
           <p:cNvPicPr>
             <a:picLocks noChangeAspect="1"/>
           </p:cNvPicPr>
           <p:nvPr/>
         </p:nvPicPr>
         <p:blipFill>
-          <a:blip r:embed="rId3"/>
+          <a:blip r:embed="rId6"/>
           <a:stretch>
             <a:fillRect/>
           </a:stretch>
         </p:blipFill>
         <p:spPr>
           <a:xfrm>
-            <a:off x="8021955" y="3366770"/>
-            <a:ext cx="431800" cy="405765"/>
+            <a:off x="10064750" y="3369310"/>
+            <a:ext cx="247650" cy="231775"/>
           </a:xfrm>
           <a:prstGeom prst="rect">
             <a:avLst/>
@@ -8520,22 +9001,22 @@
       </p:pic>
       <p:pic>
         <p:nvPicPr>
-          <p:cNvPr id="16" name="图片 15"/>
+          <p:cNvPr id="30" name="图片 29"/>
           <p:cNvPicPr>
             <a:picLocks noChangeAspect="1"/>
           </p:cNvPicPr>
           <p:nvPr/>
         </p:nvPicPr>
         <p:blipFill>
-          <a:blip r:embed="rId4"/>
+          <a:blip r:embed="rId7"/>
           <a:stretch>
             <a:fillRect/>
           </a:stretch>
         </p:blipFill>
         <p:spPr>
           <a:xfrm>
-            <a:off x="8521700" y="3366770"/>
-            <a:ext cx="431800" cy="405765"/>
+            <a:off x="10351770" y="3366770"/>
+            <a:ext cx="248920" cy="233680"/>
           </a:xfrm>
           <a:prstGeom prst="rect">
             <a:avLst/>
@@ -8544,7 +9025,79 @@
       </p:pic>
       <p:pic>
         <p:nvPicPr>
-          <p:cNvPr id="17" name="图片 16"/>
+          <p:cNvPr id="31" name="图片 30"/>
+          <p:cNvPicPr>
+            <a:picLocks noChangeAspect="1"/>
+          </p:cNvPicPr>
+          <p:nvPr/>
+        </p:nvPicPr>
+        <p:blipFill>
+          <a:blip r:embed="rId8"/>
+          <a:stretch>
+            <a:fillRect/>
+          </a:stretch>
+        </p:blipFill>
+        <p:spPr>
+          <a:xfrm>
+            <a:off x="9773920" y="3369945"/>
+            <a:ext cx="123825" cy="118745"/>
+          </a:xfrm>
+          <a:prstGeom prst="rect">
+            <a:avLst/>
+          </a:prstGeom>
+        </p:spPr>
+      </p:pic>
+      <p:pic>
+        <p:nvPicPr>
+          <p:cNvPr id="32" name="图片 31"/>
+          <p:cNvPicPr>
+            <a:picLocks noChangeAspect="1"/>
+          </p:cNvPicPr>
+          <p:nvPr/>
+        </p:nvPicPr>
+        <p:blipFill>
+          <a:blip r:embed="rId8"/>
+          <a:stretch>
+            <a:fillRect/>
+          </a:stretch>
+        </p:blipFill>
+        <p:spPr>
+          <a:xfrm>
+            <a:off x="10067925" y="3369945"/>
+            <a:ext cx="123825" cy="118745"/>
+          </a:xfrm>
+          <a:prstGeom prst="rect">
+            <a:avLst/>
+          </a:prstGeom>
+        </p:spPr>
+      </p:pic>
+      <p:pic>
+        <p:nvPicPr>
+          <p:cNvPr id="33" name="图片 32"/>
+          <p:cNvPicPr>
+            <a:picLocks noChangeAspect="1"/>
+          </p:cNvPicPr>
+          <p:nvPr/>
+        </p:nvPicPr>
+        <p:blipFill>
+          <a:blip r:embed="rId8"/>
+          <a:stretch>
+            <a:fillRect/>
+          </a:stretch>
+        </p:blipFill>
+        <p:spPr>
+          <a:xfrm>
+            <a:off x="10354945" y="3366770"/>
+            <a:ext cx="123825" cy="118745"/>
+          </a:xfrm>
+          <a:prstGeom prst="rect">
+            <a:avLst/>
+          </a:prstGeom>
+        </p:spPr>
+      </p:pic>
+      <p:pic>
+        <p:nvPicPr>
+          <p:cNvPr id="34" name="图片 33"/>
           <p:cNvPicPr>
             <a:picLocks noChangeAspect="1"/>
           </p:cNvPicPr>
@@ -8558,56 +9111,17 @@
         </p:blipFill>
         <p:spPr>
           <a:xfrm>
-            <a:off x="9041130" y="3366770"/>
-            <a:ext cx="433070" cy="403225"/>
+            <a:off x="10854690" y="3367405"/>
+            <a:ext cx="249555" cy="231140"/>
           </a:xfrm>
           <a:prstGeom prst="rect">
             <a:avLst/>
           </a:prstGeom>
         </p:spPr>
       </p:pic>
-      <p:sp>
-        <p:nvSpPr>
-          <p:cNvPr id="18" name="文本框 17"/>
-          <p:cNvSpPr txBox="1"/>
-          <p:nvPr/>
-        </p:nvSpPr>
-        <p:spPr>
-          <a:xfrm>
-            <a:off x="8333105" y="2790825"/>
-            <a:ext cx="809625" cy="306705"/>
-          </a:xfrm>
-          <a:prstGeom prst="rect">
-            <a:avLst/>
-          </a:prstGeom>
-          <a:noFill/>
-        </p:spPr>
-        <p:txBody>
-          <a:bodyPr wrap="square" rtlCol="0">
-            <a:spAutoFit/>
-          </a:bodyPr>
-          <a:lstStyle/>
-          <a:p>
-            <a:pPr algn="ctr"/>
-            <a:r>
-              <a:rPr lang="en-US" altLang="zh-CN" sz="1400" b="1">
-                <a:solidFill>
-                  <a:schemeClr val="tx1">
-                    <a:lumMod val="65000"/>
-                    <a:lumOff val="35000"/>
-                  </a:schemeClr>
-                </a:solidFill>
-                <a:latin typeface="微软雅黑" panose="020B0503020204020204" charset="-122"/>
-                <a:ea typeface="微软雅黑" panose="020B0503020204020204" charset="-122"/>
-              </a:rPr>
-              <a:t>fc6</a:t>
-            </a:r>
-          </a:p>
-        </p:txBody>
-      </p:sp>
       <p:pic>
         <p:nvPicPr>
-          <p:cNvPr id="11" name="图片 10"/>
+          <p:cNvPr id="35" name="图片 34"/>
           <p:cNvPicPr>
             <a:picLocks noChangeAspect="1"/>
           </p:cNvPicPr>
@@ -8621,8 +9135,8 @@
         </p:blipFill>
         <p:spPr>
           <a:xfrm>
-            <a:off x="8021955" y="3366770"/>
-            <a:ext cx="358775" cy="333375"/>
+            <a:off x="11148695" y="3366770"/>
+            <a:ext cx="247650" cy="231775"/>
           </a:xfrm>
           <a:prstGeom prst="rect">
             <a:avLst/>
@@ -8631,55 +9145,7 @@
       </p:pic>
       <p:pic>
         <p:nvPicPr>
-          <p:cNvPr id="20" name="图片 19"/>
-          <p:cNvPicPr>
-            <a:picLocks noChangeAspect="1"/>
-          </p:cNvPicPr>
-          <p:nvPr/>
-        </p:nvPicPr>
-        <p:blipFill>
-          <a:blip r:embed="rId6"/>
-          <a:stretch>
-            <a:fillRect/>
-          </a:stretch>
-        </p:blipFill>
-        <p:spPr>
-          <a:xfrm>
-            <a:off x="8528050" y="3369310"/>
-            <a:ext cx="358775" cy="333375"/>
-          </a:xfrm>
-          <a:prstGeom prst="rect">
-            <a:avLst/>
-          </a:prstGeom>
-        </p:spPr>
-      </p:pic>
-      <p:pic>
-        <p:nvPicPr>
-          <p:cNvPr id="22" name="图片 21"/>
-          <p:cNvPicPr>
-            <a:picLocks noChangeAspect="1"/>
-          </p:cNvPicPr>
-          <p:nvPr/>
-        </p:nvPicPr>
-        <p:blipFill>
-          <a:blip r:embed="rId6"/>
-          <a:stretch>
-            <a:fillRect/>
-          </a:stretch>
-        </p:blipFill>
-        <p:spPr>
-          <a:xfrm>
-            <a:off x="9041130" y="3369310"/>
-            <a:ext cx="358775" cy="333375"/>
-          </a:xfrm>
-          <a:prstGeom prst="rect">
-            <a:avLst/>
-          </a:prstGeom>
-        </p:spPr>
-      </p:pic>
-      <p:pic>
-        <p:nvPicPr>
-          <p:cNvPr id="28" name="图片 27"/>
+          <p:cNvPr id="36" name="图片 35"/>
           <p:cNvPicPr>
             <a:picLocks noChangeAspect="1"/>
           </p:cNvPicPr>
@@ -8693,8 +9159,8 @@
         </p:blipFill>
         <p:spPr>
           <a:xfrm>
-            <a:off x="9770745" y="3369945"/>
-            <a:ext cx="249555" cy="231140"/>
+            <a:off x="11435715" y="3364230"/>
+            <a:ext cx="248920" cy="233680"/>
           </a:xfrm>
           <a:prstGeom prst="rect">
             <a:avLst/>
@@ -8703,7 +9169,7 @@
       </p:pic>
       <p:pic>
         <p:nvPicPr>
-          <p:cNvPr id="29" name="图片 28"/>
+          <p:cNvPr id="37" name="图片 36"/>
           <p:cNvPicPr>
             <a:picLocks noChangeAspect="1"/>
           </p:cNvPicPr>
@@ -8717,8 +9183,8 @@
         </p:blipFill>
         <p:spPr>
           <a:xfrm>
-            <a:off x="10064750" y="3369310"/>
-            <a:ext cx="247650" cy="231775"/>
+            <a:off x="10857865" y="3367405"/>
+            <a:ext cx="123825" cy="118745"/>
           </a:xfrm>
           <a:prstGeom prst="rect">
             <a:avLst/>
@@ -8727,127 +9193,7 @@
       </p:pic>
       <p:pic>
         <p:nvPicPr>
-          <p:cNvPr id="30" name="图片 29"/>
-          <p:cNvPicPr>
-            <a:picLocks noChangeAspect="1"/>
-          </p:cNvPicPr>
-          <p:nvPr/>
-        </p:nvPicPr>
-        <p:blipFill>
-          <a:blip r:embed="rId9"/>
-          <a:stretch>
-            <a:fillRect/>
-          </a:stretch>
-        </p:blipFill>
-        <p:spPr>
-          <a:xfrm>
-            <a:off x="10351770" y="3366770"/>
-            <a:ext cx="248920" cy="233680"/>
-          </a:xfrm>
-          <a:prstGeom prst="rect">
-            <a:avLst/>
-          </a:prstGeom>
-        </p:spPr>
-      </p:pic>
-      <p:pic>
-        <p:nvPicPr>
-          <p:cNvPr id="31" name="图片 30"/>
-          <p:cNvPicPr>
-            <a:picLocks noChangeAspect="1"/>
-          </p:cNvPicPr>
-          <p:nvPr/>
-        </p:nvPicPr>
-        <p:blipFill>
-          <a:blip r:embed="rId10"/>
-          <a:stretch>
-            <a:fillRect/>
-          </a:stretch>
-        </p:blipFill>
-        <p:spPr>
-          <a:xfrm>
-            <a:off x="9773920" y="3369945"/>
-            <a:ext cx="123825" cy="118745"/>
-          </a:xfrm>
-          <a:prstGeom prst="rect">
-            <a:avLst/>
-          </a:prstGeom>
-        </p:spPr>
-      </p:pic>
-      <p:pic>
-        <p:nvPicPr>
-          <p:cNvPr id="32" name="图片 31"/>
-          <p:cNvPicPr>
-            <a:picLocks noChangeAspect="1"/>
-          </p:cNvPicPr>
-          <p:nvPr/>
-        </p:nvPicPr>
-        <p:blipFill>
-          <a:blip r:embed="rId10"/>
-          <a:stretch>
-            <a:fillRect/>
-          </a:stretch>
-        </p:blipFill>
-        <p:spPr>
-          <a:xfrm>
-            <a:off x="10067925" y="3369945"/>
-            <a:ext cx="123825" cy="118745"/>
-          </a:xfrm>
-          <a:prstGeom prst="rect">
-            <a:avLst/>
-          </a:prstGeom>
-        </p:spPr>
-      </p:pic>
-      <p:pic>
-        <p:nvPicPr>
-          <p:cNvPr id="33" name="图片 32"/>
-          <p:cNvPicPr>
-            <a:picLocks noChangeAspect="1"/>
-          </p:cNvPicPr>
-          <p:nvPr/>
-        </p:nvPicPr>
-        <p:blipFill>
-          <a:blip r:embed="rId10"/>
-          <a:stretch>
-            <a:fillRect/>
-          </a:stretch>
-        </p:blipFill>
-        <p:spPr>
-          <a:xfrm>
-            <a:off x="10354945" y="3366770"/>
-            <a:ext cx="123825" cy="118745"/>
-          </a:xfrm>
-          <a:prstGeom prst="rect">
-            <a:avLst/>
-          </a:prstGeom>
-        </p:spPr>
-      </p:pic>
-      <p:pic>
-        <p:nvPicPr>
-          <p:cNvPr id="34" name="图片 33"/>
-          <p:cNvPicPr>
-            <a:picLocks noChangeAspect="1"/>
-          </p:cNvPicPr>
-          <p:nvPr/>
-        </p:nvPicPr>
-        <p:blipFill>
-          <a:blip r:embed="rId7"/>
-          <a:stretch>
-            <a:fillRect/>
-          </a:stretch>
-        </p:blipFill>
-        <p:spPr>
-          <a:xfrm>
-            <a:off x="10854690" y="3367405"/>
-            <a:ext cx="249555" cy="231140"/>
-          </a:xfrm>
-          <a:prstGeom prst="rect">
-            <a:avLst/>
-          </a:prstGeom>
-        </p:spPr>
-      </p:pic>
-      <p:pic>
-        <p:nvPicPr>
-          <p:cNvPr id="35" name="图片 34"/>
+          <p:cNvPr id="38" name="图片 37"/>
           <p:cNvPicPr>
             <a:picLocks noChangeAspect="1"/>
           </p:cNvPicPr>
@@ -8861,78 +9207,6 @@
         </p:blipFill>
         <p:spPr>
           <a:xfrm>
-            <a:off x="11148695" y="3366770"/>
-            <a:ext cx="247650" cy="231775"/>
-          </a:xfrm>
-          <a:prstGeom prst="rect">
-            <a:avLst/>
-          </a:prstGeom>
-        </p:spPr>
-      </p:pic>
-      <p:pic>
-        <p:nvPicPr>
-          <p:cNvPr id="36" name="图片 35"/>
-          <p:cNvPicPr>
-            <a:picLocks noChangeAspect="1"/>
-          </p:cNvPicPr>
-          <p:nvPr/>
-        </p:nvPicPr>
-        <p:blipFill>
-          <a:blip r:embed="rId9"/>
-          <a:stretch>
-            <a:fillRect/>
-          </a:stretch>
-        </p:blipFill>
-        <p:spPr>
-          <a:xfrm>
-            <a:off x="11435715" y="3364230"/>
-            <a:ext cx="248920" cy="233680"/>
-          </a:xfrm>
-          <a:prstGeom prst="rect">
-            <a:avLst/>
-          </a:prstGeom>
-        </p:spPr>
-      </p:pic>
-      <p:pic>
-        <p:nvPicPr>
-          <p:cNvPr id="37" name="图片 36"/>
-          <p:cNvPicPr>
-            <a:picLocks noChangeAspect="1"/>
-          </p:cNvPicPr>
-          <p:nvPr/>
-        </p:nvPicPr>
-        <p:blipFill>
-          <a:blip r:embed="rId10"/>
-          <a:stretch>
-            <a:fillRect/>
-          </a:stretch>
-        </p:blipFill>
-        <p:spPr>
-          <a:xfrm>
-            <a:off x="10857865" y="3367405"/>
-            <a:ext cx="123825" cy="118745"/>
-          </a:xfrm>
-          <a:prstGeom prst="rect">
-            <a:avLst/>
-          </a:prstGeom>
-        </p:spPr>
-      </p:pic>
-      <p:pic>
-        <p:nvPicPr>
-          <p:cNvPr id="38" name="图片 37"/>
-          <p:cNvPicPr>
-            <a:picLocks noChangeAspect="1"/>
-          </p:cNvPicPr>
-          <p:nvPr/>
-        </p:nvPicPr>
-        <p:blipFill>
-          <a:blip r:embed="rId10"/>
-          <a:stretch>
-            <a:fillRect/>
-          </a:stretch>
-        </p:blipFill>
-        <p:spPr>
-          <a:xfrm>
             <a:off x="11151870" y="3367405"/>
             <a:ext cx="123825" cy="118745"/>
           </a:xfrm>
@@ -8950,7 +9224,7 @@
           <p:nvPr/>
         </p:nvPicPr>
         <p:blipFill>
-          <a:blip r:embed="rId10"/>
+          <a:blip r:embed="rId8"/>
           <a:stretch>
             <a:fillRect/>
           </a:stretch>
@@ -9005,6 +9279,16 @@
               </a:rPr>
               <a:t>conv 1x1</a:t>
             </a:r>
+            <a:endParaRPr lang="en-US" altLang="zh-CN" sz="1200" b="1">
+              <a:solidFill>
+                <a:schemeClr val="tx1">
+                  <a:lumMod val="50000"/>
+                  <a:lumOff val="50000"/>
+                </a:schemeClr>
+              </a:solidFill>
+              <a:latin typeface="微软雅黑" panose="020B0503020204020204" charset="-122"/>
+              <a:ea typeface="微软雅黑" panose="020B0503020204020204" charset="-122"/>
+            </a:endParaRPr>
           </a:p>
         </p:txBody>
       </p:sp>
@@ -9044,6 +9328,16 @@
               </a:rPr>
               <a:t>fc7</a:t>
             </a:r>
+            <a:endParaRPr lang="en-US" altLang="zh-CN" sz="1400" b="1">
+              <a:solidFill>
+                <a:schemeClr val="tx1">
+                  <a:lumMod val="65000"/>
+                  <a:lumOff val="35000"/>
+                </a:schemeClr>
+              </a:solidFill>
+              <a:latin typeface="微软雅黑" panose="020B0503020204020204" charset="-122"/>
+              <a:ea typeface="微软雅黑" panose="020B0503020204020204" charset="-122"/>
+            </a:endParaRPr>
           </a:p>
         </p:txBody>
       </p:sp>
@@ -9087,6 +9381,16 @@
               </a:rPr>
               <a:t>conv 1x1</a:t>
             </a:r>
+            <a:endParaRPr lang="en-US" altLang="zh-CN" sz="1200" b="1">
+              <a:solidFill>
+                <a:schemeClr val="tx1">
+                  <a:lumMod val="50000"/>
+                  <a:lumOff val="50000"/>
+                </a:schemeClr>
+              </a:solidFill>
+              <a:latin typeface="微软雅黑" panose="020B0503020204020204" charset="-122"/>
+              <a:ea typeface="微软雅黑" panose="020B0503020204020204" charset="-122"/>
+            </a:endParaRPr>
           </a:p>
         </p:txBody>
       </p:sp>
@@ -9126,6 +9430,16 @@
               </a:rPr>
               <a:t>fc8</a:t>
             </a:r>
+            <a:endParaRPr lang="en-US" altLang="zh-CN" sz="1400" b="1">
+              <a:solidFill>
+                <a:schemeClr val="tx1">
+                  <a:lumMod val="65000"/>
+                  <a:lumOff val="35000"/>
+                </a:schemeClr>
+              </a:solidFill>
+              <a:latin typeface="微软雅黑" panose="020B0503020204020204" charset="-122"/>
+              <a:ea typeface="微软雅黑" panose="020B0503020204020204" charset="-122"/>
+            </a:endParaRPr>
           </a:p>
         </p:txBody>
       </p:sp>
@@ -9277,6 +9591,15 @@
               </a:rPr>
               <a:t>221x221x96</a:t>
             </a:r>
+            <a:endParaRPr lang="en-US" altLang="zh-CN" sz="800">
+              <a:solidFill>
+                <a:schemeClr val="tx1">
+                  <a:lumMod val="50000"/>
+                  <a:lumOff val="50000"/>
+                </a:schemeClr>
+              </a:solidFill>
+              <a:latin typeface="Arial" panose="020B0604020202020204" pitchFamily="34" charset="0"/>
+            </a:endParaRPr>
           </a:p>
         </p:txBody>
       </p:sp>
@@ -9334,6 +9657,15 @@
               </a:rPr>
               <a:t>36x36x256</a:t>
             </a:r>
+            <a:endParaRPr lang="en-US" altLang="zh-CN" sz="800">
+              <a:solidFill>
+                <a:schemeClr val="tx1">
+                  <a:lumMod val="50000"/>
+                  <a:lumOff val="50000"/>
+                </a:schemeClr>
+              </a:solidFill>
+              <a:latin typeface="Arial" panose="020B0604020202020204" pitchFamily="34" charset="0"/>
+            </a:endParaRPr>
           </a:p>
         </p:txBody>
       </p:sp>
@@ -9391,6 +9723,15 @@
               </a:rPr>
               <a:t>15x15x512</a:t>
             </a:r>
+            <a:endParaRPr lang="en-US" altLang="zh-CN" sz="800">
+              <a:solidFill>
+                <a:schemeClr val="tx1">
+                  <a:lumMod val="50000"/>
+                  <a:lumOff val="50000"/>
+                </a:schemeClr>
+              </a:solidFill>
+              <a:latin typeface="Arial" panose="020B0604020202020204" pitchFamily="34" charset="0"/>
+            </a:endParaRPr>
           </a:p>
         </p:txBody>
       </p:sp>
@@ -9448,6 +9789,15 @@
               </a:rPr>
               <a:t>15x15x512</a:t>
             </a:r>
+            <a:endParaRPr lang="en-US" altLang="zh-CN" sz="800">
+              <a:solidFill>
+                <a:schemeClr val="tx1">
+                  <a:lumMod val="50000"/>
+                  <a:lumOff val="50000"/>
+                </a:schemeClr>
+              </a:solidFill>
+              <a:latin typeface="Arial" panose="020B0604020202020204" pitchFamily="34" charset="0"/>
+            </a:endParaRPr>
           </a:p>
         </p:txBody>
       </p:sp>
@@ -9505,6 +9855,15 @@
               </a:rPr>
               <a:t>15x15x1024</a:t>
             </a:r>
+            <a:endParaRPr lang="en-US" altLang="zh-CN" sz="800">
+              <a:solidFill>
+                <a:schemeClr val="tx1">
+                  <a:lumMod val="50000"/>
+                  <a:lumOff val="50000"/>
+                </a:schemeClr>
+              </a:solidFill>
+              <a:latin typeface="Arial" panose="020B0604020202020204" pitchFamily="34" charset="0"/>
+            </a:endParaRPr>
           </a:p>
         </p:txBody>
       </p:sp>
@@ -9541,6 +9900,13 @@
               </a:rPr>
               <a:t>Regressor</a:t>
             </a:r>
+            <a:endParaRPr lang="en-US" altLang="zh-CN" b="1">
+              <a:solidFill>
+                <a:srgbClr val="0070C0"/>
+              </a:solidFill>
+              <a:latin typeface="微软雅黑" panose="020B0503020204020204" charset="-122"/>
+              <a:ea typeface="微软雅黑" panose="020B0503020204020204" charset="-122"/>
+            </a:endParaRPr>
           </a:p>
         </p:txBody>
       </p:sp>
@@ -9580,6 +9946,16 @@
               </a:rPr>
               <a:t>fc6</a:t>
             </a:r>
+            <a:endParaRPr lang="en-US" altLang="zh-CN" sz="1400" b="1">
+              <a:solidFill>
+                <a:schemeClr val="tx1">
+                  <a:lumMod val="65000"/>
+                  <a:lumOff val="35000"/>
+                </a:schemeClr>
+              </a:solidFill>
+              <a:latin typeface="微软雅黑" panose="020B0503020204020204" charset="-122"/>
+              <a:ea typeface="微软雅黑" panose="020B0503020204020204" charset="-122"/>
+            </a:endParaRPr>
           </a:p>
           <a:p>
             <a:pPr algn="ctr"/>
@@ -9609,6 +9985,16 @@
               </a:rPr>
               <a:t>通道</a:t>
             </a:r>
+            <a:endParaRPr lang="zh-CN" altLang="en-US" sz="1000" b="1">
+              <a:solidFill>
+                <a:schemeClr val="tx1">
+                  <a:lumMod val="65000"/>
+                  <a:lumOff val="35000"/>
+                </a:schemeClr>
+              </a:solidFill>
+              <a:latin typeface="微软雅黑" panose="020B0503020204020204" charset="-122"/>
+              <a:ea typeface="微软雅黑" panose="020B0503020204020204" charset="-122"/>
+            </a:endParaRPr>
           </a:p>
         </p:txBody>
       </p:sp>
@@ -9648,6 +10034,16 @@
               </a:rPr>
               <a:t>fc7</a:t>
             </a:r>
+            <a:endParaRPr lang="en-US" altLang="zh-CN" sz="1400" b="1">
+              <a:solidFill>
+                <a:schemeClr val="tx1">
+                  <a:lumMod val="65000"/>
+                  <a:lumOff val="35000"/>
+                </a:schemeClr>
+              </a:solidFill>
+              <a:latin typeface="微软雅黑" panose="020B0503020204020204" charset="-122"/>
+              <a:ea typeface="微软雅黑" panose="020B0503020204020204" charset="-122"/>
+            </a:endParaRPr>
           </a:p>
           <a:p>
             <a:pPr algn="ctr"/>
@@ -9741,6 +10137,16 @@
               </a:rPr>
               <a:t>fc8</a:t>
             </a:r>
+            <a:endParaRPr lang="en-US" altLang="zh-CN" sz="1400" b="1">
+              <a:solidFill>
+                <a:schemeClr val="tx1">
+                  <a:lumMod val="65000"/>
+                  <a:lumOff val="35000"/>
+                </a:schemeClr>
+              </a:solidFill>
+              <a:latin typeface="微软雅黑" panose="020B0503020204020204" charset="-122"/>
+              <a:ea typeface="微软雅黑" panose="020B0503020204020204" charset="-122"/>
+            </a:endParaRPr>
           </a:p>
           <a:p>
             <a:pPr algn="ctr"/>
@@ -9770,6 +10176,16 @@
               </a:rPr>
               <a:t>通道</a:t>
             </a:r>
+            <a:endParaRPr lang="zh-CN" altLang="en-US" sz="1000" b="1">
+              <a:solidFill>
+                <a:schemeClr val="tx1">
+                  <a:lumMod val="65000"/>
+                  <a:lumOff val="35000"/>
+                </a:schemeClr>
+              </a:solidFill>
+              <a:latin typeface="微软雅黑" panose="020B0503020204020204" charset="-122"/>
+              <a:ea typeface="微软雅黑" panose="020B0503020204020204" charset="-122"/>
+            </a:endParaRPr>
           </a:p>
         </p:txBody>
       </p:sp>
@@ -9810,6 +10226,13 @@
               </a:rPr>
               <a:t>全卷积网络</a:t>
             </a:r>
+            <a:endParaRPr lang="zh-CN" altLang="en-US" b="1">
+              <a:solidFill>
+                <a:srgbClr val="C00000"/>
+              </a:solidFill>
+              <a:latin typeface="微软雅黑" panose="020B0503020204020204" charset="-122"/>
+              <a:ea typeface="微软雅黑" panose="020B0503020204020204" charset="-122"/>
+            </a:endParaRPr>
           </a:p>
         </p:txBody>
       </p:sp>
@@ -9875,6 +10298,16 @@
               </a:rPr>
               <a:t>通道</a:t>
             </a:r>
+            <a:endParaRPr lang="zh-CN" altLang="en-US" sz="1000" b="1">
+              <a:solidFill>
+                <a:schemeClr val="tx1">
+                  <a:lumMod val="65000"/>
+                  <a:lumOff val="35000"/>
+                </a:schemeClr>
+              </a:solidFill>
+              <a:latin typeface="微软雅黑" panose="020B0503020204020204" charset="-122"/>
+              <a:ea typeface="微软雅黑" panose="020B0503020204020204" charset="-122"/>
+            </a:endParaRPr>
           </a:p>
         </p:txBody>
       </p:sp>
@@ -9993,6 +10426,16 @@
               </a:rPr>
               <a:t>Sliding Windows</a:t>
             </a:r>
+            <a:endParaRPr lang="en-US" altLang="zh-CN" sz="1400" b="1">
+              <a:solidFill>
+                <a:schemeClr val="tx1">
+                  <a:lumMod val="50000"/>
+                  <a:lumOff val="50000"/>
+                </a:schemeClr>
+              </a:solidFill>
+              <a:latin typeface="微软雅黑" panose="020B0503020204020204" charset="-122"/>
+              <a:ea typeface="微软雅黑" panose="020B0503020204020204" charset="-122"/>
+            </a:endParaRPr>
           </a:p>
           <a:p>
             <a:pPr algn="ctr">
@@ -10013,6 +10456,16 @@
               </a:rPr>
               <a:t>产生的多个预测值被</a:t>
             </a:r>
+            <a:endParaRPr lang="zh-CN" altLang="en-US" sz="1400" b="1">
+              <a:solidFill>
+                <a:schemeClr val="tx1">
+                  <a:lumMod val="50000"/>
+                  <a:lumOff val="50000"/>
+                </a:schemeClr>
+              </a:solidFill>
+              <a:latin typeface="微软雅黑" panose="020B0503020204020204" charset="-122"/>
+              <a:ea typeface="微软雅黑" panose="020B0503020204020204" charset="-122"/>
+            </a:endParaRPr>
           </a:p>
           <a:p>
             <a:pPr algn="ctr">
@@ -10059,6 +10512,16 @@
               </a:rPr>
               <a:t>交叉验证丢弃</a:t>
             </a:r>
+            <a:endParaRPr lang="zh-CN" altLang="en-US" sz="1400" b="1">
+              <a:solidFill>
+                <a:schemeClr val="tx1">
+                  <a:lumMod val="50000"/>
+                  <a:lumOff val="50000"/>
+                </a:schemeClr>
+              </a:solidFill>
+              <a:latin typeface="微软雅黑" panose="020B0503020204020204" charset="-122"/>
+              <a:ea typeface="微软雅黑" panose="020B0503020204020204" charset="-122"/>
+            </a:endParaRPr>
           </a:p>
         </p:txBody>
       </p:sp>
@@ -10091,6 +10554,10 @@
               </a:rPr>
               <a:t>WGAN - 2017.01</a:t>
             </a:r>
+            <a:endParaRPr lang="en-US" altLang="zh-CN" sz="2000" b="1" dirty="0">
+              <a:latin typeface="微软雅黑" panose="020B0503020204020204" charset="-122"/>
+              <a:ea typeface="微软雅黑" panose="020B0503020204020204" charset="-122"/>
+            </a:endParaRPr>
           </a:p>
         </p:txBody>
       </p:sp>
@@ -10148,6 +10615,10 @@
               </a:rPr>
               <a:t>WGAN-GP 2017.03</a:t>
             </a:r>
+            <a:endParaRPr lang="en-US" altLang="zh-CN" sz="2000" b="1" dirty="0">
+              <a:latin typeface="微软雅黑" panose="020B0503020204020204" charset="-122"/>
+              <a:ea typeface="微软雅黑" panose="020B0503020204020204" charset="-122"/>
+            </a:endParaRPr>
           </a:p>
         </p:txBody>
       </p:sp>
@@ -10207,6 +10678,10 @@
               </a:rPr>
               <a:t>训练困难、收敛速度慢 改进；</a:t>
             </a:r>
+            <a:endParaRPr lang="zh-CN" altLang="en-US" sz="1200">
+              <a:latin typeface="微软雅黑" panose="020B0503020204020204" charset="-122"/>
+              <a:ea typeface="微软雅黑" panose="020B0503020204020204" charset="-122"/>
+            </a:endParaRPr>
           </a:p>
           <a:p>
             <a:pPr algn="l" fontAlgn="auto">
@@ -10233,6 +10708,10 @@
               </a:rPr>
               <a:t>：</a:t>
             </a:r>
+            <a:endParaRPr lang="zh-CN" altLang="en-US" sz="1200">
+              <a:latin typeface="微软雅黑" panose="020B0503020204020204" charset="-122"/>
+              <a:ea typeface="微软雅黑" panose="020B0503020204020204" charset="-122"/>
+            </a:endParaRPr>
           </a:p>
           <a:p>
             <a:pPr algn="l" fontAlgn="auto">
@@ -10261,6 +10740,10 @@
               </a:rPr>
               <a:t> weight clipping，每更新完一次判别器的参数后，</a:t>
             </a:r>
+            <a:endParaRPr lang="en-US" altLang="zh-CN" sz="1200">
+              <a:latin typeface="微软雅黑" panose="020B0503020204020204" charset="-122"/>
+              <a:ea typeface="微软雅黑" panose="020B0503020204020204" charset="-122"/>
+            </a:endParaRPr>
           </a:p>
           <a:p>
             <a:pPr algn="l" fontAlgn="auto">
@@ -10289,6 +10772,10 @@
               </a:rPr>
               <a:t> [-0.01, 0.01] 范围内。</a:t>
             </a:r>
+            <a:endParaRPr lang="en-US" altLang="zh-CN" sz="1200">
+              <a:latin typeface="微软雅黑" panose="020B0503020204020204" charset="-122"/>
+              <a:ea typeface="微软雅黑" panose="020B0503020204020204" charset="-122"/>
+            </a:endParaRPr>
           </a:p>
           <a:p>
             <a:pPr algn="l" fontAlgn="auto">
@@ -10374,6 +10861,11 @@
               </a:rPr>
               <a:t>          Weight Clipping独立地限制网络参数的取值范围，在这种情况下最优策略就是参数要么取最大值（如0.01）要么取最小值（如-0.01）</a:t>
             </a:r>
+            <a:endParaRPr lang="en-US" altLang="zh-CN" sz="1200">
+              <a:latin typeface="微软雅黑" panose="020B0503020204020204" charset="-122"/>
+              <a:ea typeface="微软雅黑" panose="020B0503020204020204" charset="-122"/>
+              <a:sym typeface="+mn-ea"/>
+            </a:endParaRPr>
           </a:p>
           <a:p>
             <a:pPr algn="l"/>
@@ -10428,6 +10920,10 @@
               </a:rPr>
               <a:t>）</a:t>
             </a:r>
+            <a:endParaRPr lang="zh-CN" altLang="en-US" sz="1200">
+              <a:latin typeface="微软雅黑" panose="020B0503020204020204" charset="-122"/>
+              <a:ea typeface="微软雅黑" panose="020B0503020204020204" charset="-122"/>
+            </a:endParaRPr>
           </a:p>
         </p:txBody>
       </p:sp>
@@ -10444,7 +10940,7 @@
           </p:nvPr>
         </p:nvPicPr>
         <p:blipFill>
-          <a:blip r:embed="rId4"/>
+          <a:blip r:embed="rId2"/>
           <a:stretch>
             <a:fillRect/>
           </a:stretch>
@@ -10502,6 +10998,13 @@
               </a:rPr>
               <a:t>梯度对数级增长或衰减</a:t>
             </a:r>
+            <a:endParaRPr lang="zh-CN" altLang="en-US" sz="800" b="1">
+              <a:solidFill>
+                <a:srgbClr val="0070C0"/>
+              </a:solidFill>
+              <a:latin typeface="微软雅黑" panose="020B0503020204020204" charset="-122"/>
+              <a:ea typeface="微软雅黑" panose="020B0503020204020204" charset="-122"/>
+            </a:endParaRPr>
           </a:p>
         </p:txBody>
       </p:sp>
@@ -10514,7 +11017,7 @@
           <p:nvPr/>
         </p:nvPicPr>
         <p:blipFill>
-          <a:blip r:embed="rId5"/>
+          <a:blip r:embed="rId3"/>
           <a:stretch>
             <a:fillRect/>
           </a:stretch>
@@ -10592,6 +11095,13 @@
               </a:rPr>
               <a:t>的边界</a:t>
             </a:r>
+            <a:endParaRPr lang="zh-CN" altLang="en-US" sz="800" b="1">
+              <a:solidFill>
+                <a:srgbClr val="0070C0"/>
+              </a:solidFill>
+              <a:latin typeface="微软雅黑" panose="020B0503020204020204" charset="-122"/>
+              <a:ea typeface="微软雅黑" panose="020B0503020204020204" charset="-122"/>
+            </a:endParaRPr>
           </a:p>
         </p:txBody>
       </p:sp>
@@ -10632,6 +11142,13 @@
               </a:rPr>
               <a:t>梯度消失</a:t>
             </a:r>
+            <a:endParaRPr lang="zh-CN" altLang="en-US" sz="1200">
+              <a:solidFill>
+                <a:srgbClr val="0F80FF"/>
+              </a:solidFill>
+              <a:latin typeface="微软雅黑" panose="020B0503020204020204" charset="-122"/>
+              <a:ea typeface="微软雅黑" panose="020B0503020204020204" charset="-122"/>
+            </a:endParaRPr>
           </a:p>
           <a:p>
             <a:pPr algn="l">
@@ -10649,6 +11166,13 @@
               </a:rPr>
               <a:t>梯度爆炸</a:t>
             </a:r>
+            <a:endParaRPr lang="zh-CN" altLang="en-US" sz="1200">
+              <a:solidFill>
+                <a:srgbClr val="0F80FF"/>
+              </a:solidFill>
+              <a:latin typeface="微软雅黑" panose="020B0503020204020204" charset="-122"/>
+              <a:ea typeface="微软雅黑" panose="020B0503020204020204" charset="-122"/>
+            </a:endParaRPr>
           </a:p>
         </p:txBody>
       </p:sp>
@@ -10725,6 +11249,13 @@
               </a:rPr>
               <a:t>权重设为边界值</a:t>
             </a:r>
+            <a:endParaRPr lang="zh-CN" altLang="en-US" sz="1200">
+              <a:solidFill>
+                <a:srgbClr val="0F80FF"/>
+              </a:solidFill>
+              <a:latin typeface="微软雅黑" panose="020B0503020204020204" charset="-122"/>
+              <a:ea typeface="微软雅黑" panose="020B0503020204020204" charset="-122"/>
+            </a:endParaRPr>
           </a:p>
           <a:p>
             <a:pPr algn="l">
@@ -10742,6 +11273,13 @@
               </a:rPr>
               <a:t>忽略分布高阶矩</a:t>
             </a:r>
+            <a:endParaRPr lang="zh-CN" altLang="en-US" sz="1200">
+              <a:solidFill>
+                <a:srgbClr val="0F80FF"/>
+              </a:solidFill>
+              <a:latin typeface="微软雅黑" panose="020B0503020204020204" charset="-122"/>
+              <a:ea typeface="微软雅黑" panose="020B0503020204020204" charset="-122"/>
+            </a:endParaRPr>
           </a:p>
         </p:txBody>
       </p:sp>
@@ -10869,6 +11407,13 @@
               </a:rPr>
               <a:t>Gradient Penalty</a:t>
             </a:r>
+            <a:endParaRPr lang="en-US" altLang="zh-CN" sz="1400" b="1">
+              <a:solidFill>
+                <a:srgbClr val="C00000"/>
+              </a:solidFill>
+              <a:latin typeface="微软雅黑" panose="020B0503020204020204" charset="-122"/>
+              <a:ea typeface="微软雅黑" panose="020B0503020204020204" charset="-122"/>
+            </a:endParaRPr>
           </a:p>
         </p:txBody>
       </p:sp>
@@ -10927,6 +11472,10 @@
               </a:rPr>
               <a:t>227x227x3</a:t>
             </a:r>
+            <a:endParaRPr lang="en-US" altLang="zh-CN" sz="1000">
+              <a:latin typeface="微软雅黑" panose="020B0503020204020204" charset="-122"/>
+              <a:ea typeface="微软雅黑" panose="020B0503020204020204" charset="-122"/>
+            </a:endParaRPr>
           </a:p>
         </p:txBody>
       </p:sp>
@@ -10973,6 +11522,13 @@
               </a:rPr>
               <a:t>输入图像</a:t>
             </a:r>
+            <a:endParaRPr lang="zh-CN" altLang="en-US" sz="1400" b="1">
+              <a:solidFill>
+                <a:srgbClr val="0070C0"/>
+              </a:solidFill>
+              <a:latin typeface="微软雅黑" panose="020B0503020204020204" charset="-122"/>
+              <a:ea typeface="微软雅黑" panose="020B0503020204020204" charset="-122"/>
+            </a:endParaRPr>
           </a:p>
         </p:txBody>
       </p:sp>
@@ -11039,6 +11595,13 @@
               </a:rPr>
               <a:t>）</a:t>
             </a:r>
+            <a:endParaRPr lang="zh-CN" altLang="en-US" sz="1400" b="1">
+              <a:solidFill>
+                <a:srgbClr val="0070C0"/>
+              </a:solidFill>
+              <a:latin typeface="微软雅黑" panose="020B0503020204020204" charset="-122"/>
+              <a:ea typeface="微软雅黑" panose="020B0503020204020204" charset="-122"/>
+            </a:endParaRPr>
           </a:p>
         </p:txBody>
       </p:sp>
@@ -11095,6 +11658,13 @@
               </a:rPr>
               <a:t>）</a:t>
             </a:r>
+            <a:endParaRPr lang="zh-CN" altLang="en-US" sz="1400" b="1">
+              <a:solidFill>
+                <a:srgbClr val="0070C0"/>
+              </a:solidFill>
+              <a:latin typeface="微软雅黑" panose="020B0503020204020204" charset="-122"/>
+              <a:ea typeface="微软雅黑" panose="020B0503020204020204" charset="-122"/>
+            </a:endParaRPr>
           </a:p>
         </p:txBody>
       </p:sp>
@@ -11207,6 +11777,13 @@
               </a:rPr>
               <a:t>图像仿射扭曲</a:t>
             </a:r>
+            <a:endParaRPr lang="zh-CN" altLang="en-US" sz="1400" b="1">
+              <a:solidFill>
+                <a:srgbClr val="0070C0"/>
+              </a:solidFill>
+              <a:latin typeface="微软雅黑" panose="020B0503020204020204" charset="-122"/>
+              <a:ea typeface="微软雅黑" panose="020B0503020204020204" charset="-122"/>
+            </a:endParaRPr>
           </a:p>
         </p:txBody>
       </p:sp>
@@ -11278,6 +11855,16 @@
               </a:rPr>
               <a:t>维</a:t>
             </a:r>
+            <a:endParaRPr lang="zh-CN" altLang="en-US" sz="1200">
+              <a:solidFill>
+                <a:schemeClr val="tx1">
+                  <a:lumMod val="50000"/>
+                  <a:lumOff val="50000"/>
+                </a:schemeClr>
+              </a:solidFill>
+              <a:latin typeface="微软雅黑" panose="020B0503020204020204" charset="-122"/>
+              <a:ea typeface="微软雅黑" panose="020B0503020204020204" charset="-122"/>
+            </a:endParaRPr>
           </a:p>
           <a:p>
             <a:pPr indent="0" algn="l">
@@ -11313,6 +11900,16 @@
               </a:rPr>
               <a:t>非零</a:t>
             </a:r>
+            <a:endParaRPr lang="zh-CN" altLang="en-US" sz="1200">
+              <a:solidFill>
+                <a:schemeClr val="tx1">
+                  <a:lumMod val="50000"/>
+                  <a:lumOff val="50000"/>
+                </a:schemeClr>
+              </a:solidFill>
+              <a:latin typeface="微软雅黑" panose="020B0503020204020204" charset="-122"/>
+              <a:ea typeface="微软雅黑" panose="020B0503020204020204" charset="-122"/>
+            </a:endParaRPr>
           </a:p>
           <a:p>
             <a:pPr marL="285750" indent="-285750" algn="l">
@@ -11380,6 +11977,16 @@
               </a:rPr>
               <a:t>维</a:t>
             </a:r>
+            <a:endParaRPr lang="zh-CN" altLang="en-US" sz="1200">
+              <a:solidFill>
+                <a:schemeClr val="tx1">
+                  <a:lumMod val="50000"/>
+                  <a:lumOff val="50000"/>
+                </a:schemeClr>
+              </a:solidFill>
+              <a:latin typeface="微软雅黑" panose="020B0503020204020204" charset="-122"/>
+              <a:ea typeface="微软雅黑" panose="020B0503020204020204" charset="-122"/>
+            </a:endParaRPr>
           </a:p>
           <a:p>
             <a:pPr indent="0" algn="l">
@@ -11415,6 +12022,16 @@
               </a:rPr>
               <a:t>非零</a:t>
             </a:r>
+            <a:endParaRPr lang="zh-CN" altLang="en-US" sz="1200">
+              <a:solidFill>
+                <a:schemeClr val="tx1">
+                  <a:lumMod val="50000"/>
+                  <a:lumOff val="50000"/>
+                </a:schemeClr>
+              </a:solidFill>
+              <a:latin typeface="微软雅黑" panose="020B0503020204020204" charset="-122"/>
+              <a:ea typeface="微软雅黑" panose="020B0503020204020204" charset="-122"/>
+            </a:endParaRPr>
           </a:p>
           <a:p>
             <a:pPr marL="285750" indent="-285750" algn="l">
@@ -11532,6 +12149,17 @@
               </a:rPr>
               <a:t>非零</a:t>
             </a:r>
+            <a:endParaRPr lang="zh-CN" altLang="en-US" sz="1200">
+              <a:solidFill>
+                <a:schemeClr val="tx1">
+                  <a:lumMod val="50000"/>
+                  <a:lumOff val="50000"/>
+                </a:schemeClr>
+              </a:solidFill>
+              <a:latin typeface="微软雅黑" panose="020B0503020204020204" charset="-122"/>
+              <a:ea typeface="微软雅黑" panose="020B0503020204020204" charset="-122"/>
+              <a:sym typeface="+mn-ea"/>
+            </a:endParaRPr>
           </a:p>
         </p:txBody>
       </p:sp>
@@ -11612,6 +12240,13 @@
               </a:rPr>
               <a:t>每一类都训练一个</a:t>
             </a:r>
+            <a:endParaRPr lang="zh-CN" altLang="en-US" sz="1400" b="1">
+              <a:solidFill>
+                <a:srgbClr val="0070C0"/>
+              </a:solidFill>
+              <a:latin typeface="微软雅黑" panose="020B0503020204020204" charset="-122"/>
+              <a:ea typeface="微软雅黑" panose="020B0503020204020204" charset="-122"/>
+            </a:endParaRPr>
           </a:p>
           <a:p>
             <a:pPr algn="ctr">
@@ -11669,6 +12304,13 @@
               </a:rPr>
               <a:t>背景）</a:t>
             </a:r>
+            <a:endParaRPr lang="zh-CN" altLang="en-US" sz="1400" b="1">
+              <a:solidFill>
+                <a:srgbClr val="0070C0"/>
+              </a:solidFill>
+              <a:latin typeface="微软雅黑" panose="020B0503020204020204" charset="-122"/>
+              <a:ea typeface="微软雅黑" panose="020B0503020204020204" charset="-122"/>
+            </a:endParaRPr>
           </a:p>
         </p:txBody>
       </p:sp>
@@ -11789,6 +12431,13 @@
               </a:rPr>
               <a:t>检测</a:t>
             </a:r>
+            <a:endParaRPr lang="zh-CN" altLang="en-US" sz="1600" b="1" u="sng">
+              <a:solidFill>
+                <a:srgbClr val="C00000"/>
+              </a:solidFill>
+              <a:latin typeface="微软雅黑" panose="020B0503020204020204" charset="-122"/>
+              <a:ea typeface="微软雅黑" panose="020B0503020204020204" charset="-122"/>
+            </a:endParaRPr>
           </a:p>
           <a:p>
             <a:pPr algn="ctr">
@@ -11874,6 +12523,16 @@
               </a:rPr>
               <a:t> 多个分类器 </a:t>
             </a:r>
+            <a:endParaRPr lang="zh-CN" altLang="en-US" sz="1200" b="1">
+              <a:solidFill>
+                <a:schemeClr val="tx1">
+                  <a:lumMod val="50000"/>
+                  <a:lumOff val="50000"/>
+                </a:schemeClr>
+              </a:solidFill>
+              <a:latin typeface="微软雅黑" panose="020B0503020204020204" charset="-122"/>
+              <a:ea typeface="微软雅黑" panose="020B0503020204020204" charset="-122"/>
+            </a:endParaRPr>
           </a:p>
         </p:txBody>
       </p:sp>
@@ -11920,6 +12579,13 @@
               </a:rPr>
               <a:t>提取特征向量</a:t>
             </a:r>
+            <a:endParaRPr lang="zh-CN" altLang="en-US" sz="1400" b="1">
+              <a:solidFill>
+                <a:srgbClr val="0070C0"/>
+              </a:solidFill>
+              <a:latin typeface="微软雅黑" panose="020B0503020204020204" charset="-122"/>
+              <a:ea typeface="微软雅黑" panose="020B0503020204020204" charset="-122"/>
+            </a:endParaRPr>
           </a:p>
         </p:txBody>
       </p:sp>
@@ -11976,6 +12642,13 @@
               </a:rPr>
               <a:t>定位问题微调</a:t>
             </a:r>
+            <a:endParaRPr lang="zh-CN" altLang="en-US" sz="1400" b="1">
+              <a:solidFill>
+                <a:srgbClr val="0070C0"/>
+              </a:solidFill>
+              <a:latin typeface="微软雅黑" panose="020B0503020204020204" charset="-122"/>
+              <a:ea typeface="微软雅黑" panose="020B0503020204020204" charset="-122"/>
+            </a:endParaRPr>
           </a:p>
         </p:txBody>
       </p:sp>
@@ -12228,6 +12901,15 @@
               </a:rPr>
               <a:t>, </a:t>
             </a:r>
+            <a:endParaRPr lang="en-US" altLang="zh-CN" sz="1000">
+              <a:solidFill>
+                <a:schemeClr val="bg1">
+                  <a:lumMod val="65000"/>
+                </a:schemeClr>
+              </a:solidFill>
+              <a:latin typeface="微软雅黑" panose="020B0503020204020204" charset="-122"/>
+              <a:ea typeface="微软雅黑" panose="020B0503020204020204" charset="-122"/>
+            </a:endParaRPr>
           </a:p>
           <a:p>
             <a:pPr algn="ctr">
@@ -12271,6 +12953,15 @@
               </a:rPr>
               <a:t>中心点</a:t>
             </a:r>
+            <a:endParaRPr lang="zh-CN" altLang="en-US" sz="1000">
+              <a:solidFill>
+                <a:schemeClr val="bg1">
+                  <a:lumMod val="65000"/>
+                </a:schemeClr>
+              </a:solidFill>
+              <a:latin typeface="微软雅黑" panose="020B0503020204020204" charset="-122"/>
+              <a:ea typeface="微软雅黑" panose="020B0503020204020204" charset="-122"/>
+            </a:endParaRPr>
           </a:p>
         </p:txBody>
       </p:sp>
@@ -12313,6 +13004,15 @@
               </a:rPr>
               <a:t>中心点</a:t>
             </a:r>
+            <a:endParaRPr lang="zh-CN" altLang="en-US" sz="1000">
+              <a:solidFill>
+                <a:schemeClr val="bg1">
+                  <a:lumMod val="65000"/>
+                </a:schemeClr>
+              </a:solidFill>
+              <a:latin typeface="微软雅黑" panose="020B0503020204020204" charset="-122"/>
+              <a:ea typeface="微软雅黑" panose="020B0503020204020204" charset="-122"/>
+            </a:endParaRPr>
           </a:p>
           <a:p>
             <a:pPr algn="ctr">
@@ -12392,6 +13092,13 @@
               </a:rPr>
               <a:t>3x3=9</a:t>
             </a:r>
+            <a:endParaRPr lang="en-US" altLang="zh-CN" sz="1000" b="1">
+              <a:solidFill>
+                <a:schemeClr val="tx1"/>
+              </a:solidFill>
+              <a:latin typeface="微软雅黑" panose="020B0503020204020204" charset="-122"/>
+              <a:ea typeface="微软雅黑" panose="020B0503020204020204" charset="-122"/>
+            </a:endParaRPr>
           </a:p>
         </p:txBody>
       </p:sp>
@@ -12434,6 +13141,15 @@
               </a:rPr>
               <a:t>Anchor Box</a:t>
             </a:r>
+            <a:endParaRPr lang="en-US" sz="1000">
+              <a:solidFill>
+                <a:schemeClr val="bg1">
+                  <a:lumMod val="65000"/>
+                </a:schemeClr>
+              </a:solidFill>
+              <a:latin typeface="微软雅黑" panose="020B0503020204020204" charset="-122"/>
+              <a:ea typeface="微软雅黑" panose="020B0503020204020204" charset="-122"/>
+            </a:endParaRPr>
           </a:p>
           <a:p>
             <a:pPr algn="ctr">
@@ -12453,6 +13169,15 @@
               </a:rPr>
               <a:t>在原图中的显示</a:t>
             </a:r>
+            <a:endParaRPr lang="zh-CN" altLang="en-US" sz="1000">
+              <a:solidFill>
+                <a:schemeClr val="bg1">
+                  <a:lumMod val="65000"/>
+                </a:schemeClr>
+              </a:solidFill>
+              <a:latin typeface="微软雅黑" panose="020B0503020204020204" charset="-122"/>
+              <a:ea typeface="微软雅黑" panose="020B0503020204020204" charset="-122"/>
+            </a:endParaRPr>
           </a:p>
         </p:txBody>
       </p:sp>
@@ -12495,6 +13220,15 @@
               </a:rPr>
               <a:t>原图中所有的</a:t>
             </a:r>
+            <a:endParaRPr lang="zh-CN" altLang="en-US" sz="1000" dirty="0">
+              <a:solidFill>
+                <a:schemeClr val="bg1">
+                  <a:lumMod val="65000"/>
+                </a:schemeClr>
+              </a:solidFill>
+              <a:latin typeface="微软雅黑" panose="020B0503020204020204" charset="-122"/>
+              <a:ea typeface="微软雅黑" panose="020B0503020204020204" charset="-122"/>
+            </a:endParaRPr>
           </a:p>
           <a:p>
             <a:pPr algn="ctr">
@@ -12515,6 +13249,16 @@
               </a:rPr>
               <a:t>Anchor Box</a:t>
             </a:r>
+            <a:endParaRPr lang="en-US" sz="1000" dirty="0">
+              <a:solidFill>
+                <a:schemeClr val="bg1">
+                  <a:lumMod val="65000"/>
+                </a:schemeClr>
+              </a:solidFill>
+              <a:latin typeface="微软雅黑" panose="020B0503020204020204" charset="-122"/>
+              <a:ea typeface="微软雅黑" panose="020B0503020204020204" charset="-122"/>
+              <a:sym typeface="+mn-ea"/>
+            </a:endParaRPr>
           </a:p>
           <a:p>
             <a:pPr algn="ctr">
@@ -12618,6 +13362,15 @@
               </a:rPr>
               <a:t>比例，</a:t>
             </a:r>
+            <a:endParaRPr lang="zh-CN" altLang="en-US" sz="1000">
+              <a:solidFill>
+                <a:schemeClr val="bg1">
+                  <a:lumMod val="65000"/>
+                </a:schemeClr>
+              </a:solidFill>
+              <a:latin typeface="微软雅黑" panose="020B0503020204020204" charset="-122"/>
+              <a:ea typeface="微软雅黑" panose="020B0503020204020204" charset="-122"/>
+            </a:endParaRPr>
           </a:p>
           <a:p>
             <a:pPr algn="ctr">
@@ -12661,6 +13414,15 @@
               </a:rPr>
               <a:t>原图像中</a:t>
             </a:r>
+            <a:endParaRPr lang="zh-CN" altLang="en-US" sz="1000">
+              <a:solidFill>
+                <a:schemeClr val="bg1">
+                  <a:lumMod val="65000"/>
+                </a:schemeClr>
+              </a:solidFill>
+              <a:latin typeface="微软雅黑" panose="020B0503020204020204" charset="-122"/>
+              <a:ea typeface="微软雅黑" panose="020B0503020204020204" charset="-122"/>
+            </a:endParaRPr>
           </a:p>
           <a:p>
             <a:pPr algn="ctr">
@@ -12680,6 +13442,15 @@
               </a:rPr>
               <a:t>几乎所有物体外框</a:t>
             </a:r>
+            <a:endParaRPr lang="zh-CN" altLang="en-US" sz="1000">
+              <a:solidFill>
+                <a:schemeClr val="bg1">
+                  <a:lumMod val="65000"/>
+                </a:schemeClr>
+              </a:solidFill>
+              <a:latin typeface="微软雅黑" panose="020B0503020204020204" charset="-122"/>
+              <a:ea typeface="微软雅黑" panose="020B0503020204020204" charset="-122"/>
+            </a:endParaRPr>
           </a:p>
         </p:txBody>
       </p:sp>
@@ -12772,6 +13543,10 @@
               </a:rPr>
               <a:t> - 2016.06</a:t>
             </a:r>
+            <a:endParaRPr lang="en-US" altLang="zh-CN" sz="2000" b="1" dirty="0">
+              <a:latin typeface="微软雅黑" panose="020B0503020204020204" charset="-122"/>
+              <a:ea typeface="微软雅黑" panose="020B0503020204020204" charset="-122"/>
+            </a:endParaRPr>
           </a:p>
         </p:txBody>
       </p:sp>
@@ -12853,6 +13628,13 @@
               </a:rPr>
               <a:t>ROIs</a:t>
             </a:r>
+            <a:endParaRPr lang="en-US" altLang="zh-CN" sz="1200" b="1">
+              <a:solidFill>
+                <a:srgbClr val="0070C0"/>
+              </a:solidFill>
+              <a:latin typeface="微软雅黑" panose="020B0503020204020204" charset="-122"/>
+              <a:ea typeface="微软雅黑" panose="020B0503020204020204" charset="-122"/>
+            </a:endParaRPr>
           </a:p>
         </p:txBody>
       </p:sp>
@@ -12893,6 +13675,13 @@
               </a:rPr>
               <a:t>元素相加</a:t>
             </a:r>
+            <a:endParaRPr lang="zh-CN" altLang="en-US" sz="1200" b="1">
+              <a:solidFill>
+                <a:srgbClr val="C00000"/>
+              </a:solidFill>
+              <a:latin typeface="微软雅黑" panose="020B0503020204020204" charset="-122"/>
+              <a:ea typeface="微软雅黑" panose="020B0503020204020204" charset="-122"/>
+            </a:endParaRPr>
           </a:p>
         </p:txBody>
       </p:sp>
@@ -12943,6 +13732,13 @@
               </a:rPr>
               <a:t>卷积将两张特征图合并，防止失真</a:t>
             </a:r>
+            <a:endParaRPr lang="zh-CN" altLang="en-US" sz="1200" b="1">
+              <a:solidFill>
+                <a:srgbClr val="FC0280"/>
+              </a:solidFill>
+              <a:latin typeface="微软雅黑" panose="020B0503020204020204" charset="-122"/>
+              <a:ea typeface="微软雅黑" panose="020B0503020204020204" charset="-122"/>
+            </a:endParaRPr>
           </a:p>
         </p:txBody>
       </p:sp>
@@ -12993,6 +13789,13 @@
               </a:rPr>
               <a:t>卷积改变通道大小</a:t>
             </a:r>
+            <a:endParaRPr lang="zh-CN" altLang="en-US" sz="1200" b="1">
+              <a:solidFill>
+                <a:srgbClr val="C00000"/>
+              </a:solidFill>
+              <a:latin typeface="微软雅黑" panose="020B0503020204020204" charset="-122"/>
+              <a:ea typeface="微软雅黑" panose="020B0503020204020204" charset="-122"/>
+            </a:endParaRPr>
           </a:p>
         </p:txBody>
       </p:sp>
@@ -13049,6 +13852,13 @@
               </a:rPr>
               <a:t>的宽和高选择特征图</a:t>
             </a:r>
+            <a:endParaRPr lang="zh-CN" altLang="en-US" sz="1200" b="1">
+              <a:solidFill>
+                <a:srgbClr val="0070C0"/>
+              </a:solidFill>
+              <a:latin typeface="微软雅黑" panose="020B0503020204020204" charset="-122"/>
+              <a:ea typeface="微软雅黑" panose="020B0503020204020204" charset="-122"/>
+            </a:endParaRPr>
           </a:p>
         </p:txBody>
       </p:sp>
@@ -13141,6 +13951,10 @@
               </a:rPr>
               <a:t> - 2016</a:t>
             </a:r>
+            <a:endParaRPr lang="en-US" altLang="zh-CN" sz="2000" b="1" dirty="0">
+              <a:latin typeface="微软雅黑" panose="020B0503020204020204" charset="-122"/>
+              <a:ea typeface="微软雅黑" panose="020B0503020204020204" charset="-122"/>
+            </a:endParaRPr>
           </a:p>
         </p:txBody>
       </p:sp>
@@ -13873,6 +14687,10 @@
               </a:rPr>
               <a:t>：降低计算复杂度，确保一定的精度，能够在移动端或嵌入式设备上运行</a:t>
             </a:r>
+            <a:endParaRPr lang="zh-CN" altLang="en-US" sz="1200">
+              <a:latin typeface="微软雅黑" panose="020B0503020204020204" charset="-122"/>
+              <a:ea typeface="微软雅黑" panose="020B0503020204020204" charset="-122"/>
+            </a:endParaRPr>
           </a:p>
           <a:p>
             <a:pPr algn="l"/>
@@ -13895,6 +14713,10 @@
               </a:rPr>
               <a:t>：聚焦优化网络速度，减小计算量，分解网络参数或加速预训练模型</a:t>
             </a:r>
+            <a:endParaRPr lang="zh-CN" altLang="en-US" sz="1200">
+              <a:latin typeface="微软雅黑" panose="020B0503020204020204" charset="-122"/>
+              <a:ea typeface="微软雅黑" panose="020B0503020204020204" charset="-122"/>
+            </a:endParaRPr>
           </a:p>
           <a:p>
             <a:pPr algn="l"/>
@@ -13949,6 +14771,10 @@
               </a:rPr>
               <a:t>）</a:t>
             </a:r>
+            <a:endParaRPr lang="zh-CN" altLang="en-US" sz="1200">
+              <a:latin typeface="微软雅黑" panose="020B0503020204020204" charset="-122"/>
+              <a:ea typeface="微软雅黑" panose="020B0503020204020204" charset="-122"/>
+            </a:endParaRPr>
           </a:p>
         </p:txBody>
       </p:sp>
@@ -14467,6 +15293,10 @@
               </a:rPr>
               <a:t>Feature Map            Filter / Kernel                                         Feature Map</a:t>
             </a:r>
+            <a:endParaRPr lang="en-US" altLang="zh-CN" sz="1200">
+              <a:latin typeface="微软雅黑" panose="020B0503020204020204" charset="-122"/>
+              <a:ea typeface="微软雅黑" panose="020B0503020204020204" charset="-122"/>
+            </a:endParaRPr>
           </a:p>
         </p:txBody>
       </p:sp>
@@ -14606,6 +15436,10 @@
                 </a:rPr>
                 <a:t>.</a:t>
               </a:r>
+              <a:endParaRPr lang="en-US" altLang="zh-CN" sz="4000" b="1">
+                <a:latin typeface="微软雅黑" panose="020B0503020204020204" charset="-122"/>
+                <a:ea typeface="微软雅黑" panose="020B0503020204020204" charset="-122"/>
+              </a:endParaRPr>
             </a:p>
           </p:txBody>
         </p:sp>
@@ -14807,6 +15641,10 @@
                 </a:rPr>
                 <a:t>.</a:t>
               </a:r>
+              <a:endParaRPr lang="en-US" altLang="zh-CN" sz="4000" b="1">
+                <a:latin typeface="微软雅黑" panose="020B0503020204020204" charset="-122"/>
+                <a:ea typeface="微软雅黑" panose="020B0503020204020204" charset="-122"/>
+              </a:endParaRPr>
             </a:p>
           </p:txBody>
         </p:sp>
@@ -15099,6 +15937,10 @@
                 </a:rPr>
                 <a:t>.</a:t>
               </a:r>
+              <a:endParaRPr lang="en-US" altLang="zh-CN" sz="4000" b="1">
+                <a:latin typeface="微软雅黑" panose="020B0503020204020204" charset="-122"/>
+                <a:ea typeface="微软雅黑" panose="020B0503020204020204" charset="-122"/>
+              </a:endParaRPr>
             </a:p>
           </p:txBody>
         </p:sp>
@@ -16050,6 +16892,10 @@
               </a:rPr>
               <a:t>Filter / Kernel </a:t>
             </a:r>
+            <a:endParaRPr lang="en-US" altLang="zh-CN" sz="1200">
+              <a:latin typeface="微软雅黑" panose="020B0503020204020204" charset="-122"/>
+              <a:ea typeface="微软雅黑" panose="020B0503020204020204" charset="-122"/>
+            </a:endParaRPr>
           </a:p>
           <a:p>
             <a:pPr algn="r"/>
@@ -16060,6 +16906,10 @@
               </a:rPr>
               <a:t>           3x3      		     </a:t>
             </a:r>
+            <a:endParaRPr lang="en-US" altLang="zh-CN" sz="1200">
+              <a:latin typeface="微软雅黑" panose="020B0503020204020204" charset="-122"/>
+              <a:ea typeface="微软雅黑" panose="020B0503020204020204" charset="-122"/>
+            </a:endParaRPr>
           </a:p>
           <a:p>
             <a:pPr algn="r"/>
@@ -16070,6 +16920,10 @@
               </a:rPr>
               <a:t>DWC</a:t>
             </a:r>
+            <a:endParaRPr lang="en-US" altLang="zh-CN" sz="1200">
+              <a:latin typeface="微软雅黑" panose="020B0503020204020204" charset="-122"/>
+              <a:ea typeface="微软雅黑" panose="020B0503020204020204" charset="-122"/>
+            </a:endParaRPr>
           </a:p>
           <a:p>
             <a:pPr algn="r"/>
@@ -16080,6 +16934,10 @@
               </a:rPr>
               <a:t>Feature Map</a:t>
             </a:r>
+            <a:endParaRPr lang="en-US" altLang="zh-CN" sz="1200">
+              <a:latin typeface="微软雅黑" panose="020B0503020204020204" charset="-122"/>
+              <a:ea typeface="微软雅黑" panose="020B0503020204020204" charset="-122"/>
+            </a:endParaRPr>
           </a:p>
           <a:p>
             <a:pPr algn="r"/>
@@ -16104,6 +16962,10 @@
               </a:rPr>
               <a:t>BN</a:t>
             </a:r>
+            <a:endParaRPr lang="en-US" altLang="zh-CN" sz="1200">
+              <a:latin typeface="微软雅黑" panose="020B0503020204020204" charset="-122"/>
+              <a:ea typeface="微软雅黑" panose="020B0503020204020204" charset="-122"/>
+            </a:endParaRPr>
           </a:p>
           <a:p>
             <a:pPr algn="r"/>
@@ -16114,6 +16976,10 @@
               </a:rPr>
               <a:t>ReLU</a:t>
             </a:r>
+            <a:endParaRPr lang="en-US" altLang="zh-CN" sz="1200">
+              <a:latin typeface="微软雅黑" panose="020B0503020204020204" charset="-122"/>
+              <a:ea typeface="微软雅黑" panose="020B0503020204020204" charset="-122"/>
+            </a:endParaRPr>
           </a:p>
           <a:p>
             <a:pPr algn="r"/>
@@ -16160,6 +17026,10 @@
               </a:rPr>
               <a:t>PWC</a:t>
             </a:r>
+            <a:endParaRPr lang="en-US" altLang="zh-CN" sz="1200">
+              <a:latin typeface="微软雅黑" panose="020B0503020204020204" charset="-122"/>
+              <a:ea typeface="微软雅黑" panose="020B0503020204020204" charset="-122"/>
+            </a:endParaRPr>
           </a:p>
           <a:p>
             <a:pPr algn="r"/>
@@ -16170,6 +17040,10 @@
               </a:rPr>
               <a:t>Feature Map</a:t>
             </a:r>
+            <a:endParaRPr lang="en-US" altLang="zh-CN" sz="1200">
+              <a:latin typeface="微软雅黑" panose="020B0503020204020204" charset="-122"/>
+              <a:ea typeface="微软雅黑" panose="020B0503020204020204" charset="-122"/>
+            </a:endParaRPr>
           </a:p>
           <a:p>
             <a:pPr algn="r"/>
@@ -16208,6 +17082,10 @@
               </a:rPr>
               <a:t>BN</a:t>
             </a:r>
+            <a:endParaRPr lang="en-US" altLang="zh-CN" sz="1200">
+              <a:latin typeface="微软雅黑" panose="020B0503020204020204" charset="-122"/>
+              <a:ea typeface="微软雅黑" panose="020B0503020204020204" charset="-122"/>
+            </a:endParaRPr>
           </a:p>
           <a:p>
             <a:pPr algn="r"/>
@@ -16218,6 +17096,10 @@
               </a:rPr>
               <a:t>ReLU</a:t>
             </a:r>
+            <a:endParaRPr lang="en-US" altLang="zh-CN" sz="1200">
+              <a:latin typeface="微软雅黑" panose="020B0503020204020204" charset="-122"/>
+              <a:ea typeface="微软雅黑" panose="020B0503020204020204" charset="-122"/>
+            </a:endParaRPr>
           </a:p>
         </p:txBody>
       </p:sp>
@@ -17181,6 +18063,10 @@
               </a:rPr>
               <a:t> - 2016</a:t>
             </a:r>
+            <a:endParaRPr lang="en-US" altLang="zh-CN" sz="2000" b="1" dirty="0">
+              <a:latin typeface="微软雅黑" panose="020B0503020204020204" charset="-122"/>
+              <a:ea typeface="微软雅黑" panose="020B0503020204020204" charset="-122"/>
+            </a:endParaRPr>
           </a:p>
         </p:txBody>
       </p:sp>
@@ -17238,6 +18124,10 @@
               </a:rPr>
               <a:t>GAN - 2014</a:t>
             </a:r>
+            <a:endParaRPr lang="en-US" altLang="zh-CN" sz="2000" b="1" dirty="0">
+              <a:latin typeface="微软雅黑" panose="020B0503020204020204" charset="-122"/>
+              <a:ea typeface="微软雅黑" panose="020B0503020204020204" charset="-122"/>
+            </a:endParaRPr>
           </a:p>
         </p:txBody>
       </p:sp>
@@ -17250,7 +18140,7 @@
           <p:nvPr/>
         </p:nvPicPr>
         <p:blipFill>
-          <a:blip r:embed="rId2"/>
+          <a:blip r:embed="rId1"/>
           <a:stretch>
             <a:fillRect/>
           </a:stretch>
@@ -17353,6 +18243,13 @@
               </a:rPr>
               <a:t>0</a:t>
             </a:r>
+            <a:endParaRPr lang="en-US" altLang="zh-CN" sz="1800">
+              <a:solidFill>
+                <a:schemeClr val="tx1"/>
+              </a:solidFill>
+              <a:latin typeface="微软雅黑" panose="020B0503020204020204" charset="-122"/>
+              <a:ea typeface="微软雅黑" panose="020B0503020204020204" charset="-122"/>
+            </a:endParaRPr>
           </a:p>
           <a:p>
             <a:pPr algn="l"/>
@@ -17367,6 +18264,14 @@
               </a:rPr>
               <a:t>方法：线性瓶颈和逆残差：复用特征，缓解退化</a:t>
             </a:r>
+            <a:endParaRPr lang="zh-CN" altLang="en-US" sz="1800">
+              <a:solidFill>
+                <a:schemeClr val="tx1"/>
+              </a:solidFill>
+              <a:latin typeface="微软雅黑" panose="020B0503020204020204" charset="-122"/>
+              <a:ea typeface="微软雅黑" panose="020B0503020204020204" charset="-122"/>
+              <a:sym typeface="+mn-ea"/>
+            </a:endParaRPr>
           </a:p>
         </p:txBody>
       </p:sp>
@@ -20420,6 +21325,13 @@
               </a:rPr>
               <a:t>通道降维</a:t>
             </a:r>
+            <a:endParaRPr lang="zh-CN" altLang="en-US" sz="1200">
+              <a:solidFill>
+                <a:srgbClr val="0F80FF"/>
+              </a:solidFill>
+              <a:latin typeface="微软雅黑" panose="020B0503020204020204" charset="-122"/>
+              <a:ea typeface="微软雅黑" panose="020B0503020204020204" charset="-122"/>
+            </a:endParaRPr>
           </a:p>
         </p:txBody>
       </p:sp>
@@ -20517,6 +21429,13 @@
               </a:rPr>
               <a:t>输入</a:t>
             </a:r>
+            <a:endParaRPr lang="zh-CN" altLang="en-US">
+              <a:solidFill>
+                <a:schemeClr val="tx1"/>
+              </a:solidFill>
+              <a:latin typeface="微软雅黑" panose="020B0503020204020204" charset="-122"/>
+              <a:ea typeface="微软雅黑" panose="020B0503020204020204" charset="-122"/>
+            </a:endParaRPr>
           </a:p>
         </p:txBody>
       </p:sp>
@@ -20592,6 +21511,13 @@
               </a:rPr>
               <a:t>ReLU6</a:t>
             </a:r>
+            <a:endParaRPr lang="en-US" altLang="zh-CN" sz="1200">
+              <a:solidFill>
+                <a:srgbClr val="C00000"/>
+              </a:solidFill>
+              <a:latin typeface="微软雅黑" panose="020B0503020204020204" charset="-122"/>
+              <a:ea typeface="微软雅黑" panose="020B0503020204020204" charset="-122"/>
+            </a:endParaRPr>
           </a:p>
         </p:txBody>
       </p:sp>
@@ -20628,6 +21554,13 @@
               </a:rPr>
               <a:t>ReLU6</a:t>
             </a:r>
+            <a:endParaRPr lang="en-US" altLang="zh-CN" sz="1200">
+              <a:solidFill>
+                <a:srgbClr val="C00000"/>
+              </a:solidFill>
+              <a:latin typeface="微软雅黑" panose="020B0503020204020204" charset="-122"/>
+              <a:ea typeface="微软雅黑" panose="020B0503020204020204" charset="-122"/>
+            </a:endParaRPr>
           </a:p>
         </p:txBody>
       </p:sp>
@@ -20664,6 +21597,13 @@
               </a:rPr>
               <a:t>ReLU6</a:t>
             </a:r>
+            <a:endParaRPr lang="en-US" altLang="zh-CN" sz="1200">
+              <a:solidFill>
+                <a:srgbClr val="C00000"/>
+              </a:solidFill>
+              <a:latin typeface="微软雅黑" panose="020B0503020204020204" charset="-122"/>
+              <a:ea typeface="微软雅黑" panose="020B0503020204020204" charset="-122"/>
+            </a:endParaRPr>
           </a:p>
         </p:txBody>
       </p:sp>
@@ -20744,6 +21684,15 @@
               </a:rPr>
               <a:t>ReLU6 非线性层</a:t>
             </a:r>
+            <a:endParaRPr lang="zh-CN" altLang="en-US" sz="1200">
+              <a:solidFill>
+                <a:schemeClr val="bg1">
+                  <a:lumMod val="65000"/>
+                </a:schemeClr>
+              </a:solidFill>
+              <a:latin typeface="微软雅黑" panose="020B0503020204020204" charset="-122"/>
+              <a:ea typeface="微软雅黑" panose="020B0503020204020204" charset="-122"/>
+            </a:endParaRPr>
           </a:p>
           <a:p>
             <a:pPr lvl="0" indent="0">
@@ -20762,6 +21711,15 @@
               </a:rPr>
               <a:t>    在低精度计算时能压缩动态范围，    </a:t>
             </a:r>
+            <a:endParaRPr lang="zh-CN" altLang="en-US" sz="1200">
+              <a:solidFill>
+                <a:schemeClr val="bg1">
+                  <a:lumMod val="65000"/>
+                </a:schemeClr>
+              </a:solidFill>
+              <a:latin typeface="微软雅黑" panose="020B0503020204020204" charset="-122"/>
+              <a:ea typeface="微软雅黑" panose="020B0503020204020204" charset="-122"/>
+            </a:endParaRPr>
           </a:p>
           <a:p>
             <a:pPr lvl="0" indent="0">
@@ -20780,6 +21738,15 @@
               </a:rPr>
               <a:t>    算法更稳健。</a:t>
             </a:r>
+            <a:endParaRPr lang="zh-CN" altLang="en-US" sz="1200">
+              <a:solidFill>
+                <a:schemeClr val="bg1">
+                  <a:lumMod val="65000"/>
+                </a:schemeClr>
+              </a:solidFill>
+              <a:latin typeface="微软雅黑" panose="020B0503020204020204" charset="-122"/>
+              <a:ea typeface="微软雅黑" panose="020B0503020204020204" charset="-122"/>
+            </a:endParaRPr>
           </a:p>
           <a:p>
             <a:pPr marL="171450" indent="-171450">
@@ -20813,6 +21780,15 @@
               </a:rPr>
               <a:t>ReLU6 定义为：</a:t>
             </a:r>
+            <a:endParaRPr lang="zh-CN" altLang="en-US" sz="1200">
+              <a:solidFill>
+                <a:schemeClr val="bg1">
+                  <a:lumMod val="65000"/>
+                </a:schemeClr>
+              </a:solidFill>
+              <a:latin typeface="微软雅黑" panose="020B0503020204020204" charset="-122"/>
+              <a:ea typeface="微软雅黑" panose="020B0503020204020204" charset="-122"/>
+            </a:endParaRPr>
           </a:p>
           <a:p>
             <a:pPr indent="0">
@@ -20831,6 +21807,15 @@
               </a:rPr>
               <a:t>    f(x) = min(max(x, 0), 6)</a:t>
             </a:r>
+            <a:endParaRPr lang="zh-CN" altLang="en-US" sz="1200">
+              <a:solidFill>
+                <a:schemeClr val="bg1">
+                  <a:lumMod val="65000"/>
+                </a:schemeClr>
+              </a:solidFill>
+              <a:latin typeface="微软雅黑" panose="020B0503020204020204" charset="-122"/>
+              <a:ea typeface="微软雅黑" panose="020B0503020204020204" charset="-122"/>
+            </a:endParaRPr>
           </a:p>
         </p:txBody>
       </p:sp>
@@ -21008,6 +21993,10 @@
                 </a:rPr>
                 <a:t>.</a:t>
               </a:r>
+              <a:endParaRPr lang="en-US" altLang="zh-CN" sz="4000" b="1">
+                <a:latin typeface="微软雅黑" panose="020B0503020204020204" charset="-122"/>
+                <a:ea typeface="微软雅黑" panose="020B0503020204020204" charset="-122"/>
+              </a:endParaRPr>
             </a:p>
           </p:txBody>
         </p:sp>
@@ -21045,6 +22034,13 @@
               </a:rPr>
               <a:t>Add</a:t>
             </a:r>
+            <a:endParaRPr lang="en-US" altLang="zh-CN" sz="1200">
+              <a:solidFill>
+                <a:srgbClr val="0F80FF"/>
+              </a:solidFill>
+              <a:latin typeface="微软雅黑" panose="020B0503020204020204" charset="-122"/>
+              <a:ea typeface="微软雅黑" panose="020B0503020204020204" charset="-122"/>
+            </a:endParaRPr>
           </a:p>
           <a:p>
             <a:pPr algn="l"/>
@@ -21058,6 +22054,13 @@
               </a:rPr>
               <a:t>按元素相加</a:t>
             </a:r>
+            <a:endParaRPr lang="zh-CN" altLang="en-US" sz="1200">
+              <a:solidFill>
+                <a:schemeClr val="tx1"/>
+              </a:solidFill>
+              <a:latin typeface="微软雅黑" panose="020B0503020204020204" charset="-122"/>
+              <a:ea typeface="微软雅黑" panose="020B0503020204020204" charset="-122"/>
+            </a:endParaRPr>
           </a:p>
         </p:txBody>
       </p:sp>
@@ -21127,6 +22130,10 @@
               </a:rPr>
               <a:t> - 2016</a:t>
             </a:r>
+            <a:endParaRPr lang="en-US" altLang="zh-CN" sz="2000" b="1" dirty="0">
+              <a:latin typeface="微软雅黑" panose="020B0503020204020204" charset="-122"/>
+              <a:ea typeface="微软雅黑" panose="020B0503020204020204" charset="-122"/>
+            </a:endParaRPr>
           </a:p>
         </p:txBody>
       </p:sp>
@@ -21183,6 +22190,10 @@
               </a:rPr>
               <a:t>目标：降低计算复杂度，确保一定的精度，能够在移动端或嵌入式设备上运行</a:t>
             </a:r>
+            <a:endParaRPr lang="zh-CN" altLang="en-US" sz="1800">
+              <a:latin typeface="微软雅黑" panose="020B0503020204020204" charset="-122"/>
+              <a:ea typeface="微软雅黑" panose="020B0503020204020204" charset="-122"/>
+            </a:endParaRPr>
           </a:p>
         </p:txBody>
       </p:sp>
@@ -21215,6 +22226,213 @@
               </a:rPr>
               <a:t>U-GAN-IT_v1 - 2019.07</a:t>
             </a:r>
+            <a:endParaRPr lang="en-US" altLang="zh-CN" sz="2000" b="1" dirty="0">
+              <a:latin typeface="微软雅黑" panose="020B0503020204020204" charset="-122"/>
+              <a:ea typeface="微软雅黑" panose="020B0503020204020204" charset="-122"/>
+            </a:endParaRPr>
+          </a:p>
+        </p:txBody>
+      </p:sp>
+    </p:spTree>
+  </p:cSld>
+  <p:clrMapOvr>
+    <a:masterClrMapping/>
+  </p:clrMapOvr>
+</p:sld>
+</file>
+
+<file path=ppt/slides/slide22.xml><?xml version="1.0" encoding="utf-8"?>
+<p:sld xmlns:a="http://schemas.openxmlformats.org/drawingml/2006/main" xmlns:r="http://schemas.openxmlformats.org/officeDocument/2006/relationships" xmlns:p="http://schemas.openxmlformats.org/presentationml/2006/main">
+  <p:cSld>
+    <p:spTree>
+      <p:nvGrpSpPr>
+        <p:cNvPr id="1" name=""/>
+        <p:cNvGrpSpPr/>
+        <p:nvPr/>
+      </p:nvGrpSpPr>
+      <p:grpSpPr>
+        <a:xfrm>
+          <a:off x="0" y="0"/>
+          <a:ext cx="0" cy="0"/>
+          <a:chOff x="0" y="0"/>
+          <a:chExt cx="0" cy="0"/>
+        </a:xfrm>
+      </p:grpSpPr>
+      <p:sp>
+        <p:nvSpPr>
+          <p:cNvPr id="3" name="内容占位符 2"/>
+          <p:cNvSpPr>
+            <a:spLocks noGrp="1"/>
+          </p:cNvSpPr>
+          <p:nvPr>
+            <p:ph idx="1"/>
+          </p:nvPr>
+        </p:nvSpPr>
+        <p:spPr>
+          <a:xfrm>
+            <a:off x="436880" y="1284605"/>
+            <a:ext cx="9144000" cy="4025265"/>
+          </a:xfrm>
+        </p:spPr>
+        <p:txBody>
+          <a:bodyPr>
+            <a:normAutofit/>
+          </a:bodyPr>
+          <a:lstStyle/>
+          <a:p>
+            <a:pPr algn="l"/>
+            <a:r>
+              <a:rPr lang="en-US" altLang="zh-CN" sz="1800">
+                <a:latin typeface="微软雅黑" panose="020B0503020204020204" charset="-122"/>
+                <a:ea typeface="微软雅黑" panose="020B0503020204020204" charset="-122"/>
+              </a:rPr>
+              <a:t>CycleGAN</a:t>
+            </a:r>
+            <a:r>
+              <a:rPr lang="zh-CN" altLang="en-US" sz="1800">
+                <a:latin typeface="微软雅黑" panose="020B0503020204020204" charset="-122"/>
+                <a:ea typeface="微软雅黑" panose="020B0503020204020204" charset="-122"/>
+              </a:rPr>
+              <a:t>（</a:t>
+            </a:r>
+            <a:r>
+              <a:rPr lang="en-US" altLang="zh-CN" sz="1800">
+                <a:latin typeface="微软雅黑" panose="020B0503020204020204" charset="-122"/>
+                <a:ea typeface="微软雅黑" panose="020B0503020204020204" charset="-122"/>
+              </a:rPr>
+              <a:t>2017.03</a:t>
+            </a:r>
+            <a:r>
+              <a:rPr lang="zh-CN" altLang="en-US" sz="1800">
+                <a:latin typeface="微软雅黑" panose="020B0503020204020204" charset="-122"/>
+                <a:ea typeface="微软雅黑" panose="020B0503020204020204" charset="-122"/>
+              </a:rPr>
+              <a:t>）</a:t>
+            </a:r>
+            <a:endParaRPr lang="en-US" altLang="zh-CN" sz="1800">
+              <a:latin typeface="微软雅黑" panose="020B0503020204020204" charset="-122"/>
+              <a:ea typeface="微软雅黑" panose="020B0503020204020204" charset="-122"/>
+            </a:endParaRPr>
+          </a:p>
+          <a:p>
+            <a:pPr algn="l"/>
+            <a:endParaRPr lang="en-US" altLang="zh-CN" sz="1800">
+              <a:latin typeface="微软雅黑" panose="020B0503020204020204" charset="-122"/>
+              <a:ea typeface="微软雅黑" panose="020B0503020204020204" charset="-122"/>
+            </a:endParaRPr>
+          </a:p>
+          <a:p>
+            <a:pPr algn="l"/>
+            <a:r>
+              <a:rPr lang="en-US" altLang="zh-CN" sz="1800">
+                <a:latin typeface="微软雅黑" panose="020B0503020204020204" charset="-122"/>
+                <a:ea typeface="微软雅黑" panose="020B0503020204020204" charset="-122"/>
+              </a:rPr>
+              <a:t>PatchGAN</a:t>
+            </a:r>
+            <a:r>
+              <a:rPr lang="zh-CN" altLang="en-US" sz="1800">
+                <a:latin typeface="微软雅黑" panose="020B0503020204020204" charset="-122"/>
+                <a:ea typeface="微软雅黑" panose="020B0503020204020204" charset="-122"/>
+              </a:rPr>
+              <a:t>（</a:t>
+            </a:r>
+            <a:r>
+              <a:rPr lang="en-US" altLang="zh-CN" sz="1800">
+                <a:latin typeface="微软雅黑" panose="020B0503020204020204" charset="-122"/>
+                <a:ea typeface="微软雅黑" panose="020B0503020204020204" charset="-122"/>
+              </a:rPr>
+              <a:t>2016.04</a:t>
+            </a:r>
+            <a:r>
+              <a:rPr lang="zh-CN" altLang="en-US" sz="1800">
+                <a:latin typeface="微软雅黑" panose="020B0503020204020204" charset="-122"/>
+                <a:ea typeface="微软雅黑" panose="020B0503020204020204" charset="-122"/>
+              </a:rPr>
+              <a:t>）</a:t>
+            </a:r>
+            <a:endParaRPr lang="zh-CN" altLang="en-US" sz="1800">
+              <a:latin typeface="微软雅黑" panose="020B0503020204020204" charset="-122"/>
+              <a:ea typeface="微软雅黑" panose="020B0503020204020204" charset="-122"/>
+            </a:endParaRPr>
+          </a:p>
+          <a:p>
+            <a:pPr algn="l"/>
+            <a:endParaRPr lang="zh-CN" altLang="en-US" sz="1800">
+              <a:latin typeface="微软雅黑" panose="020B0503020204020204" charset="-122"/>
+              <a:ea typeface="微软雅黑" panose="020B0503020204020204" charset="-122"/>
+            </a:endParaRPr>
+          </a:p>
+          <a:p>
+            <a:pPr algn="l"/>
+            <a:r>
+              <a:rPr lang="en-US" altLang="zh-CN" sz="1800">
+                <a:latin typeface="微软雅黑" panose="020B0503020204020204" charset="-122"/>
+                <a:ea typeface="微软雅黑" panose="020B0503020204020204" charset="-122"/>
+              </a:rPr>
+              <a:t>Pix2Pix</a:t>
+            </a:r>
+            <a:r>
+              <a:rPr lang="zh-CN" altLang="en-US" sz="1800">
+                <a:latin typeface="微软雅黑" panose="020B0503020204020204" charset="-122"/>
+                <a:ea typeface="微软雅黑" panose="020B0503020204020204" charset="-122"/>
+              </a:rPr>
+              <a:t>（</a:t>
+            </a:r>
+            <a:r>
+              <a:rPr lang="en-US" altLang="zh-CN" sz="1800">
+                <a:latin typeface="微软雅黑" panose="020B0503020204020204" charset="-122"/>
+                <a:ea typeface="微软雅黑" panose="020B0503020204020204" charset="-122"/>
+              </a:rPr>
+              <a:t>2016.11</a:t>
+            </a:r>
+            <a:r>
+              <a:rPr lang="zh-CN" altLang="en-US" sz="1800">
+                <a:latin typeface="微软雅黑" panose="020B0503020204020204" charset="-122"/>
+                <a:ea typeface="微软雅黑" panose="020B0503020204020204" charset="-122"/>
+              </a:rPr>
+              <a:t>）</a:t>
+            </a:r>
+            <a:endParaRPr lang="zh-CN" altLang="en-US" sz="1800">
+              <a:latin typeface="微软雅黑" panose="020B0503020204020204" charset="-122"/>
+              <a:ea typeface="微软雅黑" panose="020B0503020204020204" charset="-122"/>
+            </a:endParaRPr>
+          </a:p>
+        </p:txBody>
+      </p:sp>
+      <p:sp>
+        <p:nvSpPr>
+          <p:cNvPr id="4" name="文本框 3"/>
+          <p:cNvSpPr txBox="1"/>
+          <p:nvPr/>
+        </p:nvSpPr>
+        <p:spPr>
+          <a:xfrm>
+            <a:off x="335280" y="72390"/>
+            <a:ext cx="6736715" cy="398780"/>
+          </a:xfrm>
+          <a:prstGeom prst="rect">
+            <a:avLst/>
+          </a:prstGeom>
+          <a:noFill/>
+        </p:spPr>
+        <p:txBody>
+          <a:bodyPr wrap="square" rtlCol="0">
+            <a:spAutoFit/>
+          </a:bodyPr>
+          <a:lstStyle/>
+          <a:p>
+            <a:r>
+              <a:rPr lang="en-US" altLang="zh-CN" sz="2000" b="1" dirty="0">
+                <a:latin typeface="微软雅黑" panose="020B0503020204020204" charset="-122"/>
+                <a:ea typeface="微软雅黑" panose="020B0503020204020204" charset="-122"/>
+              </a:rPr>
+              <a:t>Image-to-Image Translation - 2019.07</a:t>
+            </a:r>
+            <a:endParaRPr lang="en-US" altLang="zh-CN" sz="2000" b="1" dirty="0">
+              <a:latin typeface="微软雅黑" panose="020B0503020204020204" charset="-122"/>
+              <a:ea typeface="微软雅黑" panose="020B0503020204020204" charset="-122"/>
+            </a:endParaRPr>
           </a:p>
         </p:txBody>
       </p:sp>
@@ -21272,6 +22490,151 @@
               </a:rPr>
               <a:t>GAN - 2014</a:t>
             </a:r>
+            <a:endParaRPr lang="en-US" altLang="zh-CN" sz="2000" b="1" dirty="0">
+              <a:latin typeface="微软雅黑" panose="020B0503020204020204" charset="-122"/>
+              <a:ea typeface="微软雅黑" panose="020B0503020204020204" charset="-122"/>
+            </a:endParaRPr>
+          </a:p>
+        </p:txBody>
+      </p:sp>
+      <p:sp>
+        <p:nvSpPr>
+          <p:cNvPr id="3" name="内容占位符 2"/>
+          <p:cNvSpPr>
+            <a:spLocks noGrp="1"/>
+          </p:cNvSpPr>
+          <p:nvPr>
+            <p:ph idx="1"/>
+          </p:nvPr>
+        </p:nvSpPr>
+        <p:spPr>
+          <a:xfrm>
+            <a:off x="436880" y="1284605"/>
+            <a:ext cx="9144000" cy="4025265"/>
+          </a:xfrm>
+        </p:spPr>
+        <p:txBody>
+          <a:bodyPr>
+            <a:normAutofit/>
+          </a:bodyPr>
+          <a:p>
+            <a:pPr algn="l"/>
+            <a:r>
+              <a:rPr lang="en-US" altLang="zh-CN" sz="1800">
+                <a:latin typeface="微软雅黑" panose="020B0503020204020204" charset="-122"/>
+                <a:ea typeface="微软雅黑" panose="020B0503020204020204" charset="-122"/>
+              </a:rPr>
+              <a:t>cGAN</a:t>
+            </a:r>
+            <a:r>
+              <a:rPr lang="zh-CN" altLang="en-US" sz="1800">
+                <a:latin typeface="微软雅黑" panose="020B0503020204020204" charset="-122"/>
+                <a:ea typeface="微软雅黑" panose="020B0503020204020204" charset="-122"/>
+              </a:rPr>
+              <a:t>（</a:t>
+            </a:r>
+            <a:r>
+              <a:rPr lang="en-US" altLang="zh-CN" sz="1800">
+                <a:latin typeface="微软雅黑" panose="020B0503020204020204" charset="-122"/>
+                <a:ea typeface="微软雅黑" panose="020B0503020204020204" charset="-122"/>
+              </a:rPr>
+              <a:t>2017.03</a:t>
+            </a:r>
+            <a:r>
+              <a:rPr lang="zh-CN" altLang="en-US" sz="1800">
+                <a:latin typeface="微软雅黑" panose="020B0503020204020204" charset="-122"/>
+                <a:ea typeface="微软雅黑" panose="020B0503020204020204" charset="-122"/>
+              </a:rPr>
+              <a:t>）</a:t>
+            </a:r>
+            <a:endParaRPr lang="en-US" altLang="zh-CN" sz="1800">
+              <a:latin typeface="微软雅黑" panose="020B0503020204020204" charset="-122"/>
+              <a:ea typeface="微软雅黑" panose="020B0503020204020204" charset="-122"/>
+            </a:endParaRPr>
+          </a:p>
+          <a:p>
+            <a:pPr algn="l"/>
+            <a:endParaRPr lang="en-US" altLang="zh-CN" sz="1800">
+              <a:latin typeface="微软雅黑" panose="020B0503020204020204" charset="-122"/>
+              <a:ea typeface="微软雅黑" panose="020B0503020204020204" charset="-122"/>
+            </a:endParaRPr>
+          </a:p>
+          <a:p>
+            <a:pPr algn="l"/>
+            <a:r>
+              <a:rPr lang="en-US" altLang="zh-CN" sz="1800">
+                <a:latin typeface="微软雅黑" panose="020B0503020204020204" charset="-122"/>
+                <a:ea typeface="微软雅黑" panose="020B0503020204020204" charset="-122"/>
+              </a:rPr>
+              <a:t>InfoGAN</a:t>
+            </a:r>
+            <a:r>
+              <a:rPr lang="zh-CN" altLang="en-US" sz="1800">
+                <a:latin typeface="微软雅黑" panose="020B0503020204020204" charset="-122"/>
+                <a:ea typeface="微软雅黑" panose="020B0503020204020204" charset="-122"/>
+              </a:rPr>
+              <a:t>（</a:t>
+            </a:r>
+            <a:r>
+              <a:rPr lang="en-US" altLang="zh-CN" sz="1800">
+                <a:latin typeface="微软雅黑" panose="020B0503020204020204" charset="-122"/>
+                <a:ea typeface="微软雅黑" panose="020B0503020204020204" charset="-122"/>
+              </a:rPr>
+              <a:t>2016.04</a:t>
+            </a:r>
+            <a:r>
+              <a:rPr lang="zh-CN" altLang="en-US" sz="1800">
+                <a:latin typeface="微软雅黑" panose="020B0503020204020204" charset="-122"/>
+                <a:ea typeface="微软雅黑" panose="020B0503020204020204" charset="-122"/>
+              </a:rPr>
+              <a:t>）</a:t>
+            </a:r>
+            <a:endParaRPr lang="zh-CN" altLang="en-US" sz="1800">
+              <a:latin typeface="微软雅黑" panose="020B0503020204020204" charset="-122"/>
+              <a:ea typeface="微软雅黑" panose="020B0503020204020204" charset="-122"/>
+            </a:endParaRPr>
+          </a:p>
+          <a:p>
+            <a:pPr algn="l"/>
+            <a:endParaRPr lang="zh-CN" altLang="en-US" sz="1800">
+              <a:latin typeface="微软雅黑" panose="020B0503020204020204" charset="-122"/>
+              <a:ea typeface="微软雅黑" panose="020B0503020204020204" charset="-122"/>
+            </a:endParaRPr>
+          </a:p>
+          <a:p>
+            <a:pPr algn="l"/>
+            <a:r>
+              <a:rPr lang="en-US" altLang="zh-CN" sz="1800">
+                <a:latin typeface="微软雅黑" panose="020B0503020204020204" charset="-122"/>
+                <a:ea typeface="微软雅黑" panose="020B0503020204020204" charset="-122"/>
+              </a:rPr>
+              <a:t>Pix2Pix</a:t>
+            </a:r>
+            <a:r>
+              <a:rPr lang="zh-CN" altLang="en-US" sz="1800">
+                <a:latin typeface="微软雅黑" panose="020B0503020204020204" charset="-122"/>
+                <a:ea typeface="微软雅黑" panose="020B0503020204020204" charset="-122"/>
+              </a:rPr>
+              <a:t>（</a:t>
+            </a:r>
+            <a:r>
+              <a:rPr lang="en-US" altLang="zh-CN" sz="1800">
+                <a:latin typeface="微软雅黑" panose="020B0503020204020204" charset="-122"/>
+                <a:ea typeface="微软雅黑" panose="020B0503020204020204" charset="-122"/>
+              </a:rPr>
+              <a:t>2016.11</a:t>
+            </a:r>
+            <a:r>
+              <a:rPr lang="zh-CN" altLang="en-US" sz="1800">
+                <a:latin typeface="微软雅黑" panose="020B0503020204020204" charset="-122"/>
+                <a:ea typeface="微软雅黑" panose="020B0503020204020204" charset="-122"/>
+              </a:rPr>
+              <a:t>）</a:t>
+            </a:r>
+            <a:endParaRPr lang="zh-CN" altLang="en-US" sz="1800">
+              <a:latin typeface="微软雅黑" panose="020B0503020204020204" charset="-122"/>
+              <a:ea typeface="微软雅黑" panose="020B0503020204020204" charset="-122"/>
+            </a:endParaRPr>
           </a:p>
         </p:txBody>
       </p:sp>
@@ -21336,6 +22699,10 @@
               </a:rPr>
               <a:t> - 2014</a:t>
             </a:r>
+            <a:endParaRPr lang="en-US" altLang="zh-CN" sz="2000" b="1" dirty="0">
+              <a:latin typeface="微软雅黑" panose="020B0503020204020204" charset="-122"/>
+              <a:ea typeface="微软雅黑" panose="020B0503020204020204" charset="-122"/>
+            </a:endParaRPr>
           </a:p>
         </p:txBody>
       </p:sp>
@@ -21348,7 +22715,7 @@
           <p:nvPr/>
         </p:nvPicPr>
         <p:blipFill>
-          <a:blip r:embed="rId2"/>
+          <a:blip r:embed="rId1"/>
           <a:stretch>
             <a:fillRect/>
           </a:stretch>
@@ -21724,6 +23091,16 @@
               </a:rPr>
               <a:t>生成固定长度的特征向量，与输入图片的大小和尺度无关</a:t>
             </a:r>
+            <a:endParaRPr lang="zh-CN" altLang="en-US" sz="1400">
+              <a:solidFill>
+                <a:schemeClr val="tx1">
+                  <a:lumMod val="50000"/>
+                  <a:lumOff val="50000"/>
+                </a:schemeClr>
+              </a:solidFill>
+              <a:latin typeface="微软雅黑" panose="020B0503020204020204" charset="-122"/>
+              <a:ea typeface="微软雅黑" panose="020B0503020204020204" charset="-122"/>
+            </a:endParaRPr>
           </a:p>
         </p:txBody>
       </p:sp>
@@ -22740,6 +24117,10 @@
               </a:rPr>
               <a:t>...</a:t>
             </a:r>
+            <a:endParaRPr lang="en-US" altLang="zh-CN" b="1">
+              <a:latin typeface="微软雅黑" panose="020B0503020204020204" charset="-122"/>
+              <a:ea typeface="微软雅黑" panose="020B0503020204020204" charset="-122"/>
+            </a:endParaRPr>
           </a:p>
         </p:txBody>
       </p:sp>
@@ -23190,6 +24571,10 @@
                 </a:rPr>
                 <a:t>...</a:t>
               </a:r>
+              <a:endParaRPr lang="en-US" altLang="zh-CN" b="1">
+                <a:latin typeface="微软雅黑" panose="020B0503020204020204" charset="-122"/>
+                <a:ea typeface="微软雅黑" panose="020B0503020204020204" charset="-122"/>
+              </a:endParaRPr>
             </a:p>
           </p:txBody>
         </p:sp>
@@ -23566,7 +24951,7 @@
           <p:nvPr/>
         </p:nvPicPr>
         <p:blipFill>
-          <a:blip r:embed="rId2"/>
+          <a:blip r:embed="rId1"/>
           <a:srcRect l="80518"/>
           <a:stretch>
             <a:fillRect/>
@@ -23625,6 +25010,13 @@
               </a:rPr>
               <a:t>空间金字塔池化</a:t>
             </a:r>
+            <a:endParaRPr lang="zh-CN" altLang="en-US" sz="1400" b="1">
+              <a:solidFill>
+                <a:srgbClr val="0070C0"/>
+              </a:solidFill>
+              <a:latin typeface="微软雅黑" panose="020B0503020204020204" charset="-122"/>
+              <a:ea typeface="微软雅黑" panose="020B0503020204020204" charset="-122"/>
+            </a:endParaRPr>
           </a:p>
         </p:txBody>
       </p:sp>
@@ -23658,6 +25050,10 @@
               </a:rPr>
               <a:t>固定</a:t>
             </a:r>
+            <a:endParaRPr lang="zh-CN" altLang="en-US" sz="1400">
+              <a:latin typeface="微软雅黑" panose="020B0503020204020204" charset="-122"/>
+              <a:ea typeface="微软雅黑" panose="020B0503020204020204" charset="-122"/>
+            </a:endParaRPr>
           </a:p>
           <a:p>
             <a:pPr algn="ctr"/>
@@ -23668,6 +25064,10 @@
               </a:rPr>
               <a:t>长度</a:t>
             </a:r>
+            <a:endParaRPr lang="zh-CN" altLang="en-US" sz="1400">
+              <a:latin typeface="微软雅黑" panose="020B0503020204020204" charset="-122"/>
+              <a:ea typeface="微软雅黑" panose="020B0503020204020204" charset="-122"/>
+            </a:endParaRPr>
           </a:p>
         </p:txBody>
       </p:sp>
@@ -23704,6 +25104,13 @@
               </a:rPr>
               <a:t>Max Pooling @ 256 depth </a:t>
             </a:r>
+            <a:endParaRPr lang="en-US" altLang="zh-CN" sz="1400">
+              <a:solidFill>
+                <a:srgbClr val="C00000"/>
+              </a:solidFill>
+              <a:latin typeface="微软雅黑" panose="020B0503020204020204" charset="-122"/>
+              <a:ea typeface="微软雅黑" panose="020B0503020204020204" charset="-122"/>
+            </a:endParaRPr>
           </a:p>
         </p:txBody>
       </p:sp>
@@ -23760,6 +25167,13 @@
               </a:rPr>
               <a:t>4</a:t>
             </a:r>
+            <a:endParaRPr lang="en-US" sz="1200">
+              <a:solidFill>
+                <a:srgbClr val="C00000"/>
+              </a:solidFill>
+              <a:latin typeface="微软雅黑" panose="020B0503020204020204" charset="-122"/>
+              <a:ea typeface="微软雅黑" panose="020B0503020204020204" charset="-122"/>
+            </a:endParaRPr>
           </a:p>
         </p:txBody>
       </p:sp>
@@ -23817,6 +25231,13 @@
               </a:rPr>
               <a:t>6</a:t>
             </a:r>
+            <a:endParaRPr lang="en-US" sz="1200">
+              <a:solidFill>
+                <a:srgbClr val="C00000"/>
+              </a:solidFill>
+              <a:latin typeface="微软雅黑" panose="020B0503020204020204" charset="-122"/>
+              <a:ea typeface="微软雅黑" panose="020B0503020204020204" charset="-122"/>
+            </a:endParaRPr>
           </a:p>
         </p:txBody>
       </p:sp>
@@ -23874,6 +25295,13 @@
               </a:rPr>
               <a:t>13</a:t>
             </a:r>
+            <a:endParaRPr lang="en-US" sz="1200">
+              <a:solidFill>
+                <a:srgbClr val="C00000"/>
+              </a:solidFill>
+              <a:latin typeface="微软雅黑" panose="020B0503020204020204" charset="-122"/>
+              <a:ea typeface="微软雅黑" panose="020B0503020204020204" charset="-122"/>
+            </a:endParaRPr>
           </a:p>
         </p:txBody>
       </p:sp>
@@ -24045,6 +25473,13 @@
               </a:rPr>
               <a:t>将输入图片的区域小图 映射到</a:t>
             </a:r>
+            <a:endParaRPr lang="zh-CN" altLang="en-US" sz="1400">
+              <a:solidFill>
+                <a:srgbClr val="00B0F0"/>
+              </a:solidFill>
+              <a:latin typeface="微软雅黑" panose="020B0503020204020204" charset="-122"/>
+              <a:ea typeface="微软雅黑" panose="020B0503020204020204" charset="-122"/>
+            </a:endParaRPr>
           </a:p>
           <a:p>
             <a:pPr algn="l">
@@ -24072,6 +25507,13 @@
               </a:rPr>
               <a:t>的特征图对应的区域小图上</a:t>
             </a:r>
+            <a:endParaRPr lang="zh-CN" altLang="en-US" sz="1400">
+              <a:solidFill>
+                <a:srgbClr val="00B0F0"/>
+              </a:solidFill>
+              <a:latin typeface="微软雅黑" panose="020B0503020204020204" charset="-122"/>
+              <a:ea typeface="微软雅黑" panose="020B0503020204020204" charset="-122"/>
+            </a:endParaRPr>
           </a:p>
           <a:p>
             <a:pPr algn="l">
@@ -24118,6 +25560,16 @@
               </a:rPr>
               <a:t>右下 对应 特征图窗口的像素点</a:t>
             </a:r>
+            <a:endParaRPr lang="zh-CN" altLang="en-US" sz="1400">
+              <a:solidFill>
+                <a:schemeClr val="tx1">
+                  <a:lumMod val="50000"/>
+                  <a:lumOff val="50000"/>
+                </a:schemeClr>
+              </a:solidFill>
+              <a:latin typeface="微软雅黑" panose="020B0503020204020204" charset="-122"/>
+              <a:ea typeface="微软雅黑" panose="020B0503020204020204" charset="-122"/>
+            </a:endParaRPr>
           </a:p>
           <a:p>
             <a:pPr algn="l">
@@ -24148,6 +25600,13 @@
               </a:rPr>
               <a:t> </a:t>
             </a:r>
+            <a:endParaRPr lang="en-US" altLang="zh-CN" sz="1400">
+              <a:solidFill>
+                <a:srgbClr val="00B0F0"/>
+              </a:solidFill>
+              <a:latin typeface="微软雅黑" panose="020B0503020204020204" charset="-122"/>
+              <a:ea typeface="微软雅黑" panose="020B0503020204020204" charset="-122"/>
+            </a:endParaRPr>
           </a:p>
         </p:txBody>
       </p:sp>
@@ -24184,6 +25643,13 @@
               </a:rPr>
               <a:t>conv_5 </a:t>
             </a:r>
+            <a:endParaRPr lang="en-US" altLang="zh-CN" sz="1400">
+              <a:solidFill>
+                <a:srgbClr val="00B0F0"/>
+              </a:solidFill>
+              <a:latin typeface="微软雅黑" panose="020B0503020204020204" charset="-122"/>
+              <a:ea typeface="微软雅黑" panose="020B0503020204020204" charset="-122"/>
+            </a:endParaRPr>
           </a:p>
           <a:p>
             <a:pPr algn="ctr"/>
@@ -24197,6 +25663,13 @@
               </a:rPr>
               <a:t>特征图</a:t>
             </a:r>
+            <a:endParaRPr lang="zh-CN" altLang="en-US" sz="1400">
+              <a:solidFill>
+                <a:srgbClr val="00B0F0"/>
+              </a:solidFill>
+              <a:latin typeface="微软雅黑" panose="020B0503020204020204" charset="-122"/>
+              <a:ea typeface="微软雅黑" panose="020B0503020204020204" charset="-122"/>
+            </a:endParaRPr>
           </a:p>
           <a:p>
             <a:pPr algn="ctr"/>
@@ -24220,6 +25693,13 @@
               </a:rPr>
               <a:t>SPP </a:t>
             </a:r>
+            <a:endParaRPr lang="en-US" altLang="zh-CN" sz="1400">
+              <a:solidFill>
+                <a:srgbClr val="00B0F0"/>
+              </a:solidFill>
+              <a:latin typeface="微软雅黑" panose="020B0503020204020204" charset="-122"/>
+              <a:ea typeface="微软雅黑" panose="020B0503020204020204" charset="-122"/>
+            </a:endParaRPr>
           </a:p>
         </p:txBody>
       </p:sp>
@@ -24266,6 +25746,10 @@
               </a:rPr>
               <a:t>SVM</a:t>
             </a:r>
+            <a:endParaRPr lang="en-US" altLang="zh-CN" sz="1400" b="1">
+              <a:latin typeface="微软雅黑" panose="020B0503020204020204" charset="-122"/>
+              <a:ea typeface="微软雅黑" panose="020B0503020204020204" charset="-122"/>
+            </a:endParaRPr>
           </a:p>
         </p:txBody>
       </p:sp>
@@ -24305,6 +25789,10 @@
               </a:rPr>
               <a:t> - 2014</a:t>
             </a:r>
+            <a:endParaRPr lang="en-US" altLang="zh-CN" sz="2000" b="1" dirty="0">
+              <a:latin typeface="微软雅黑" panose="020B0503020204020204" charset="-122"/>
+              <a:ea typeface="微软雅黑" panose="020B0503020204020204" charset="-122"/>
+            </a:endParaRPr>
           </a:p>
         </p:txBody>
       </p:sp>
@@ -24362,6 +25850,10 @@
               </a:rPr>
               <a:t>Fréchet Inception Distance - 2017</a:t>
             </a:r>
+            <a:endParaRPr lang="en-US" altLang="zh-CN" sz="2000" b="1" dirty="0">
+              <a:latin typeface="微软雅黑" panose="020B0503020204020204" charset="-122"/>
+              <a:ea typeface="微软雅黑" panose="020B0503020204020204" charset="-122"/>
+            </a:endParaRPr>
           </a:p>
         </p:txBody>
       </p:sp>
@@ -24374,7 +25866,7 @@
           <p:nvPr/>
         </p:nvPicPr>
         <p:blipFill>
-          <a:blip r:embed="rId2">
+          <a:blip r:embed="rId1">
             <a:extLst>
               <a:ext uri="{28A0092B-C50C-407E-A947-70E740481C1C}">
                 <a14:useLocalDpi xmlns:a14="http://schemas.microsoft.com/office/drawing/2010/main" val="0"/>
@@ -24580,6 +26072,13 @@
               </a:rPr>
               <a:t>Inception-v3</a:t>
             </a:r>
+            <a:endParaRPr lang="en-US" altLang="zh-CN" sz="1400" b="1" dirty="0">
+              <a:solidFill>
+                <a:srgbClr val="0070C0"/>
+              </a:solidFill>
+              <a:latin typeface="微软雅黑" panose="020B0503020204020204" charset="-122"/>
+              <a:ea typeface="微软雅黑" panose="020B0503020204020204" charset="-122"/>
+            </a:endParaRPr>
           </a:p>
         </p:txBody>
       </p:sp>
@@ -24637,6 +26136,10 @@
               </a:rPr>
               <a:t>Fréchet Inception Distance - 2017</a:t>
             </a:r>
+            <a:endParaRPr lang="en-US" altLang="zh-CN" sz="2000" b="1" dirty="0">
+              <a:latin typeface="微软雅黑" panose="020B0503020204020204" charset="-122"/>
+              <a:ea typeface="微软雅黑" panose="020B0503020204020204" charset="-122"/>
+            </a:endParaRPr>
           </a:p>
         </p:txBody>
       </p:sp>
@@ -24649,7 +26152,7 @@
           <p:nvPr/>
         </p:nvPicPr>
         <p:blipFill>
-          <a:blip r:embed="rId2"/>
+          <a:blip r:embed="rId1"/>
           <a:stretch>
             <a:fillRect/>
           </a:stretch>
@@ -24922,6 +26425,15 @@
               </a:rPr>
               <a:t>FID Calculation through Inception-v3 Pretrained Model</a:t>
             </a:r>
+            <a:endParaRPr lang="en-US" altLang="zh-CN" sz="1400" b="1" dirty="0">
+              <a:solidFill>
+                <a:schemeClr val="accent6">
+                  <a:lumMod val="75000"/>
+                </a:schemeClr>
+              </a:solidFill>
+              <a:latin typeface="微软雅黑" panose="020B0503020204020204" charset="-122"/>
+              <a:ea typeface="微软雅黑" panose="020B0503020204020204" charset="-122"/>
+            </a:endParaRPr>
           </a:p>
         </p:txBody>
       </p:sp>
@@ -25332,6 +26844,10 @@
               </a:rPr>
               <a:t> mean &amp; Covariance</a:t>
             </a:r>
+            <a:endParaRPr lang="en-US" altLang="zh-CN" sz="1400" dirty="0">
+              <a:latin typeface="Axure Handwriting" panose="020B0402020200020204" pitchFamily="34" charset="0"/>
+              <a:ea typeface="微软雅黑" panose="020B0503020204020204" charset="-122"/>
+            </a:endParaRPr>
           </a:p>
         </p:txBody>
       </p:sp>
@@ -25451,6 +26967,10 @@
               </a:rPr>
               <a:t> FID</a:t>
             </a:r>
+            <a:endParaRPr lang="en-US" altLang="zh-CN" sz="1400" dirty="0">
+              <a:latin typeface="Axure Handwriting" panose="020B0402020200020204" pitchFamily="34" charset="0"/>
+              <a:ea typeface="微软雅黑" panose="020B0503020204020204" charset="-122"/>
+            </a:endParaRPr>
           </a:p>
         </p:txBody>
       </p:sp>
@@ -25527,7 +27047,7 @@
           <p:nvPr/>
         </p:nvPicPr>
         <p:blipFill>
-          <a:blip r:embed="rId2"/>
+          <a:blip r:embed="rId1"/>
           <a:stretch>
             <a:fillRect/>
           </a:stretch>
@@ -25571,6 +27091,10 @@
               </a:rPr>
               <a:t>DCGAN - 2015</a:t>
             </a:r>
+            <a:endParaRPr lang="en-US" altLang="zh-CN" sz="2000" b="1">
+              <a:latin typeface="微软雅黑" panose="020B0503020204020204" charset="-122"/>
+              <a:ea typeface="微软雅黑" panose="020B0503020204020204" charset="-122"/>
+            </a:endParaRPr>
           </a:p>
         </p:txBody>
       </p:sp>
@@ -25629,6 +27153,16 @@
               </a:rPr>
               <a:t>source: https://openai.com/blog/generative-models/</a:t>
             </a:r>
+            <a:endParaRPr lang="en-US" altLang="zh-CN" sz="800" dirty="0">
+              <a:solidFill>
+                <a:schemeClr val="tx1">
+                  <a:lumMod val="50000"/>
+                  <a:lumOff val="50000"/>
+                </a:schemeClr>
+              </a:solidFill>
+              <a:latin typeface="微软雅黑" panose="020B0503020204020204" charset="-122"/>
+              <a:ea typeface="微软雅黑" panose="020B0503020204020204" charset="-122"/>
+            </a:endParaRPr>
           </a:p>
         </p:txBody>
       </p:sp>
@@ -25641,7 +27175,7 @@
           <p:nvPr/>
         </p:nvPicPr>
         <p:blipFill>
-          <a:blip r:embed="rId3"/>
+          <a:blip r:embed="rId2"/>
           <a:stretch>
             <a:fillRect/>
           </a:stretch>
@@ -25788,6 +27322,13 @@
               </a:rPr>
               <a:t>Generator</a:t>
             </a:r>
+            <a:endParaRPr lang="en-US" altLang="zh-CN" sz="1400" b="1" dirty="0">
+              <a:solidFill>
+                <a:srgbClr val="0070C0"/>
+              </a:solidFill>
+              <a:latin typeface="微软雅黑" panose="020B0503020204020204" charset="-122"/>
+              <a:ea typeface="微软雅黑" panose="020B0503020204020204" charset="-122"/>
+            </a:endParaRPr>
           </a:p>
         </p:txBody>
       </p:sp>
@@ -25826,6 +27367,15 @@
               </a:rPr>
               <a:t>Discriminator</a:t>
             </a:r>
+            <a:endParaRPr lang="en-US" altLang="zh-CN" sz="1400" b="1" dirty="0">
+              <a:solidFill>
+                <a:schemeClr val="accent2">
+                  <a:lumMod val="75000"/>
+                </a:schemeClr>
+              </a:solidFill>
+              <a:latin typeface="微软雅黑" panose="020B0503020204020204" charset="-122"/>
+              <a:ea typeface="微软雅黑" panose="020B0503020204020204" charset="-122"/>
+            </a:endParaRPr>
           </a:p>
         </p:txBody>
       </p:sp>
@@ -26074,6 +27624,10 @@
               </a:rPr>
               <a:t>Loss</a:t>
             </a:r>
+            <a:endParaRPr lang="en-US" altLang="zh-CN" sz="1400" b="1" dirty="0">
+              <a:latin typeface="微软雅黑" panose="020B0503020204020204" charset="-122"/>
+              <a:ea typeface="微软雅黑" panose="020B0503020204020204" charset="-122"/>
+            </a:endParaRPr>
           </a:p>
         </p:txBody>
       </p:sp>
@@ -26086,7 +27640,7 @@
           <p:nvPr/>
         </p:nvPicPr>
         <p:blipFill>
-          <a:blip r:embed="rId4">
+          <a:blip r:embed="rId3">
             <a:extLst>
               <a:ext uri="{28A0092B-C50C-407E-A947-70E740481C1C}">
                 <a14:useLocalDpi xmlns:a14="http://schemas.microsoft.com/office/drawing/2010/main" val="0"/>
@@ -26341,7 +27895,7 @@
           <p:nvPr/>
         </p:nvPicPr>
         <p:blipFill>
-          <a:blip r:embed="rId2"/>
+          <a:blip r:embed="rId1"/>
           <a:stretch>
             <a:fillRect/>
           </a:stretch>
@@ -26385,6 +27939,10 @@
               </a:rPr>
               <a:t>DCGAN - 2015</a:t>
             </a:r>
+            <a:endParaRPr lang="en-US" altLang="zh-CN" sz="2000" b="1">
+              <a:latin typeface="微软雅黑" panose="020B0503020204020204" charset="-122"/>
+              <a:ea typeface="微软雅黑" panose="020B0503020204020204" charset="-122"/>
+            </a:endParaRPr>
           </a:p>
         </p:txBody>
       </p:sp>
@@ -26421,6 +27979,13 @@
               </a:rPr>
               <a:t>Generator</a:t>
             </a:r>
+            <a:endParaRPr lang="en-US" altLang="zh-CN" sz="1400" b="1" dirty="0">
+              <a:solidFill>
+                <a:srgbClr val="0070C0"/>
+              </a:solidFill>
+              <a:latin typeface="微软雅黑" panose="020B0503020204020204" charset="-122"/>
+              <a:ea typeface="微软雅黑" panose="020B0503020204020204" charset="-122"/>
+            </a:endParaRPr>
           </a:p>
         </p:txBody>
       </p:sp>
@@ -26512,6 +28077,13 @@
               </a:rPr>
               <a:t>Discriminator</a:t>
             </a:r>
+            <a:endParaRPr lang="en-US" altLang="zh-CN" sz="1400" b="1" dirty="0">
+              <a:solidFill>
+                <a:srgbClr val="0070C0"/>
+              </a:solidFill>
+              <a:latin typeface="微软雅黑" panose="020B0503020204020204" charset="-122"/>
+              <a:ea typeface="微软雅黑" panose="020B0503020204020204" charset="-122"/>
+            </a:endParaRPr>
           </a:p>
         </p:txBody>
       </p:sp>
@@ -26544,29 +28116,31 @@
               </a:rPr>
               <a:t>                             64</a:t>
             </a:r>
-          </a:p>
-          <a:p>
             <a:endParaRPr lang="en-US" altLang="zh-CN" sz="1000" dirty="0">
               <a:latin typeface="Arial" panose="020B0604020202020204" pitchFamily="34" charset="0"/>
               <a:cs typeface="Arial" panose="020B0604020202020204" pitchFamily="34" charset="0"/>
             </a:endParaRPr>
           </a:p>
           <a:p>
-            <a:r>
-              <a:rPr lang="en-US" altLang="zh-CN" sz="1400" dirty="0">
-                <a:latin typeface="Axure Handwriting" panose="020B0402020200020204" pitchFamily="34" charset="0"/>
-                <a:cs typeface="Arial" panose="020B0604020202020204" pitchFamily="34" charset="0"/>
-              </a:rPr>
-              <a:t>  x</a:t>
-            </a:r>
-          </a:p>
-          <a:p>
             <a:endParaRPr lang="en-US" altLang="zh-CN" sz="1000" dirty="0">
               <a:latin typeface="Arial" panose="020B0604020202020204" pitchFamily="34" charset="0"/>
               <a:cs typeface="Arial" panose="020B0604020202020204" pitchFamily="34" charset="0"/>
             </a:endParaRPr>
           </a:p>
           <a:p>
+            <a:r>
+              <a:rPr lang="en-US" altLang="zh-CN" sz="1400" dirty="0">
+                <a:latin typeface="Axure Handwriting" panose="020B0402020200020204" pitchFamily="34" charset="0"/>
+                <a:cs typeface="Arial" panose="020B0604020202020204" pitchFamily="34" charset="0"/>
+              </a:rPr>
+              <a:t>  x</a:t>
+            </a:r>
+            <a:endParaRPr lang="en-US" altLang="zh-CN" sz="1400" dirty="0">
+              <a:latin typeface="Axure Handwriting" panose="020B0402020200020204" pitchFamily="34" charset="0"/>
+              <a:cs typeface="Arial" panose="020B0604020202020204" pitchFamily="34" charset="0"/>
+            </a:endParaRPr>
+          </a:p>
+          <a:p>
             <a:endParaRPr lang="en-US" altLang="zh-CN" sz="1000" dirty="0">
               <a:latin typeface="Arial" panose="020B0604020202020204" pitchFamily="34" charset="0"/>
               <a:cs typeface="Arial" panose="020B0604020202020204" pitchFamily="34" charset="0"/>
@@ -26579,6 +28153,12 @@
             </a:endParaRPr>
           </a:p>
           <a:p>
+            <a:endParaRPr lang="en-US" altLang="zh-CN" sz="1000" dirty="0">
+              <a:latin typeface="Arial" panose="020B0604020202020204" pitchFamily="34" charset="0"/>
+              <a:cs typeface="Arial" panose="020B0604020202020204" pitchFamily="34" charset="0"/>
+            </a:endParaRPr>
+          </a:p>
+          <a:p>
             <a:r>
               <a:rPr lang="en-US" altLang="zh-CN" sz="1000" dirty="0">
                 <a:latin typeface="Arial" panose="020B0604020202020204" pitchFamily="34" charset="0"/>
@@ -26586,6 +28166,10 @@
               </a:rPr>
               <a:t>                    64   </a:t>
             </a:r>
+            <a:endParaRPr lang="en-US" altLang="zh-CN" sz="1000" dirty="0">
+              <a:latin typeface="Arial" panose="020B0604020202020204" pitchFamily="34" charset="0"/>
+              <a:cs typeface="Arial" panose="020B0604020202020204" pitchFamily="34" charset="0"/>
+            </a:endParaRPr>
           </a:p>
           <a:p>
             <a:r>
@@ -26595,6 +28179,10 @@
               </a:rPr>
               <a:t>         </a:t>
             </a:r>
+            <a:endParaRPr lang="en-US" altLang="zh-CN" sz="1000" dirty="0">
+              <a:latin typeface="Arial" panose="020B0604020202020204" pitchFamily="34" charset="0"/>
+              <a:cs typeface="Arial" panose="020B0604020202020204" pitchFamily="34" charset="0"/>
+            </a:endParaRPr>
           </a:p>
           <a:p>
             <a:r>
@@ -26965,6 +28553,10 @@
               </a:rPr>
               <a:t>                             </a:t>
             </a:r>
+            <a:endParaRPr lang="en-US" altLang="zh-CN" sz="1000" dirty="0">
+              <a:latin typeface="Arial" panose="020B0604020202020204" pitchFamily="34" charset="0"/>
+              <a:cs typeface="Arial" panose="020B0604020202020204" pitchFamily="34" charset="0"/>
+            </a:endParaRPr>
           </a:p>
           <a:p>
             <a:r>
@@ -26974,6 +28566,10 @@
               </a:rPr>
               <a:t>                  32   </a:t>
             </a:r>
+            <a:endParaRPr lang="en-US" altLang="zh-CN" sz="1000" dirty="0">
+              <a:latin typeface="Arial" panose="020B0604020202020204" pitchFamily="34" charset="0"/>
+              <a:cs typeface="Arial" panose="020B0604020202020204" pitchFamily="34" charset="0"/>
+            </a:endParaRPr>
           </a:p>
           <a:p>
             <a:r>
@@ -26983,6 +28579,10 @@
               </a:rPr>
               <a:t>         </a:t>
             </a:r>
+            <a:endParaRPr lang="en-US" altLang="zh-CN" sz="1000" dirty="0">
+              <a:latin typeface="Arial" panose="020B0604020202020204" pitchFamily="34" charset="0"/>
+              <a:cs typeface="Arial" panose="020B0604020202020204" pitchFamily="34" charset="0"/>
+            </a:endParaRPr>
           </a:p>
           <a:p>
             <a:r>
@@ -27058,14 +28658,18 @@
               </a:rPr>
               <a:t>                             </a:t>
             </a:r>
-          </a:p>
-          <a:p>
             <a:endParaRPr lang="en-US" altLang="zh-CN" sz="1000" dirty="0">
               <a:latin typeface="Arial" panose="020B0604020202020204" pitchFamily="34" charset="0"/>
               <a:cs typeface="Arial" panose="020B0604020202020204" pitchFamily="34" charset="0"/>
             </a:endParaRPr>
           </a:p>
           <a:p>
+            <a:endParaRPr lang="en-US" altLang="zh-CN" sz="1000" dirty="0">
+              <a:latin typeface="Arial" panose="020B0604020202020204" pitchFamily="34" charset="0"/>
+              <a:cs typeface="Arial" panose="020B0604020202020204" pitchFamily="34" charset="0"/>
+            </a:endParaRPr>
+          </a:p>
+          <a:p>
             <a:r>
               <a:rPr lang="en-US" altLang="zh-CN" sz="1000" dirty="0">
                 <a:latin typeface="Arial" panose="020B0604020202020204" pitchFamily="34" charset="0"/>
@@ -27073,6 +28677,10 @@
               </a:rPr>
               <a:t>                        </a:t>
             </a:r>
+            <a:endParaRPr lang="en-US" altLang="zh-CN" sz="1000" dirty="0">
+              <a:latin typeface="Arial" panose="020B0604020202020204" pitchFamily="34" charset="0"/>
+              <a:cs typeface="Arial" panose="020B0604020202020204" pitchFamily="34" charset="0"/>
+            </a:endParaRPr>
           </a:p>
           <a:p>
             <a:r>
@@ -27082,6 +28690,10 @@
               </a:rPr>
               <a:t>                      16   </a:t>
             </a:r>
+            <a:endParaRPr lang="en-US" altLang="zh-CN" sz="1000" dirty="0">
+              <a:latin typeface="Arial" panose="020B0604020202020204" pitchFamily="34" charset="0"/>
+              <a:cs typeface="Arial" panose="020B0604020202020204" pitchFamily="34" charset="0"/>
+            </a:endParaRPr>
           </a:p>
           <a:p>
             <a:r>
@@ -27157,6 +28769,10 @@
               </a:rPr>
               <a:t>                          </a:t>
             </a:r>
+            <a:endParaRPr lang="en-US" altLang="zh-CN" sz="1000" dirty="0">
+              <a:latin typeface="Arial" panose="020B0604020202020204" pitchFamily="34" charset="0"/>
+              <a:cs typeface="Arial" panose="020B0604020202020204" pitchFamily="34" charset="0"/>
+            </a:endParaRPr>
           </a:p>
           <a:p>
             <a:r>
@@ -27166,6 +28782,10 @@
               </a:rPr>
               <a:t>   </a:t>
             </a:r>
+            <a:endParaRPr lang="en-US" altLang="zh-CN" sz="1000" dirty="0">
+              <a:latin typeface="Arial" panose="020B0604020202020204" pitchFamily="34" charset="0"/>
+              <a:cs typeface="Arial" panose="020B0604020202020204" pitchFamily="34" charset="0"/>
+            </a:endParaRPr>
           </a:p>
           <a:p>
             <a:r>
@@ -27175,6 +28795,10 @@
               </a:rPr>
               <a:t>                          8   </a:t>
             </a:r>
+            <a:endParaRPr lang="en-US" altLang="zh-CN" sz="1000" dirty="0">
+              <a:latin typeface="Arial" panose="020B0604020202020204" pitchFamily="34" charset="0"/>
+              <a:cs typeface="Arial" panose="020B0604020202020204" pitchFamily="34" charset="0"/>
+            </a:endParaRPr>
           </a:p>
           <a:p>
             <a:r>
@@ -27237,14 +28861,18 @@
               </a:rPr>
               <a:t>                                    4</a:t>
             </a:r>
-          </a:p>
-          <a:p>
             <a:endParaRPr lang="en-US" altLang="zh-CN" sz="1000" dirty="0">
               <a:latin typeface="Arial" panose="020B0604020202020204" pitchFamily="34" charset="0"/>
               <a:cs typeface="Arial" panose="020B0604020202020204" pitchFamily="34" charset="0"/>
             </a:endParaRPr>
           </a:p>
           <a:p>
+            <a:endParaRPr lang="en-US" altLang="zh-CN" sz="1000" dirty="0">
+              <a:latin typeface="Arial" panose="020B0604020202020204" pitchFamily="34" charset="0"/>
+              <a:cs typeface="Arial" panose="020B0604020202020204" pitchFamily="34" charset="0"/>
+            </a:endParaRPr>
+          </a:p>
+          <a:p>
             <a:r>
               <a:rPr lang="en-US" altLang="zh-CN" sz="1000" dirty="0">
                 <a:latin typeface="Arial" panose="020B0604020202020204" pitchFamily="34" charset="0"/>
@@ -27252,6 +28880,10 @@
               </a:rPr>
               <a:t>                                  4   </a:t>
             </a:r>
+            <a:endParaRPr lang="en-US" altLang="zh-CN" sz="1000" dirty="0">
+              <a:latin typeface="Arial" panose="020B0604020202020204" pitchFamily="34" charset="0"/>
+              <a:cs typeface="Arial" panose="020B0604020202020204" pitchFamily="34" charset="0"/>
+            </a:endParaRPr>
           </a:p>
           <a:p>
             <a:r>
@@ -28840,13 +30472,13 @@
 </file>
 
 <file path=ppt/tags/tag1.xml><?xml version="1.0" encoding="utf-8"?>
-<p:tagLst xmlns:a="http://schemas.openxmlformats.org/drawingml/2006/main" xmlns:r="http://schemas.openxmlformats.org/officeDocument/2006/relationships" xmlns:p="http://schemas.openxmlformats.org/presentationml/2006/main">
+<p:tagLst xmlns:p="http://schemas.openxmlformats.org/presentationml/2006/main">
   <p:tag name="KSO_WM_SLIDE_MODEL_TYPE" val="cover"/>
 </p:tagLst>
 </file>
 
 <file path=ppt/tags/tag2.xml><?xml version="1.0" encoding="utf-8"?>
-<p:tagLst xmlns:a="http://schemas.openxmlformats.org/drawingml/2006/main" xmlns:r="http://schemas.openxmlformats.org/officeDocument/2006/relationships" xmlns:p="http://schemas.openxmlformats.org/presentationml/2006/main">
+<p:tagLst xmlns:p="http://schemas.openxmlformats.org/presentationml/2006/main">
   <p:tag name="KSO_WM_UNIT_PLACING_PICTURE_USER_VIEWPORT" val="{&quot;height&quot;:3315,&quot;width&quot;:4455}"/>
 </p:tagLst>
 </file>
@@ -29102,8 +30734,6 @@
       </a:bgFillStyleLst>
     </a:fmtScheme>
   </a:themeElements>
-  <a:objectDefaults/>
-  <a:extraClrSchemeLst/>
   <a:extLst>
     <a:ext uri="{05A4C25C-085E-4340-85A3-A5531E510DB2}">
       <thm15:themeFamily xmlns:thm15="http://schemas.microsoft.com/office/thememl/2012/main" name="Office Theme" id="{62F939B6-93AF-4DB8-9C6B-D6C7DFDC589F}" vid="{4A3C46E8-61CC-4603-A589-7422A47A8E4A}"/>
@@ -29363,8 +30993,6 @@
       </a:bgFillStyleLst>
     </a:fmtScheme>
   </a:themeElements>
-  <a:objectDefaults/>
-  <a:extraClrSchemeLst/>
   <a:extLst>
     <a:ext uri="{05A4C25C-085E-4340-85A3-A5531E510DB2}">
       <thm15:themeFamily xmlns:thm15="http://schemas.microsoft.com/office/thememl/2012/main" name="Office Theme" id="{62F939B6-93AF-4DB8-9C6B-D6C7DFDC589F}" vid="{4A3C46E8-61CC-4603-A589-7422A47A8E4A}"/>

--- a/GAN_Understanding/GANunderstanding.pptx
+++ b/GAN_Understanding/GANunderstanding.pptx
@@ -5,36 +5,36 @@
     <p:sldMasterId id="2147483648" r:id="rId1"/>
   </p:sldMasterIdLst>
   <p:notesMasterIdLst>
-    <p:notesMasterId r:id="rId26"/>
+    <p:notesMasterId r:id="rId19"/>
   </p:notesMasterIdLst>
   <p:sldIdLst>
-    <p:sldId id="267" r:id="rId2"/>
-    <p:sldId id="266" r:id="rId3"/>
-    <p:sldId id="323" r:id="rId4"/>
-    <p:sldId id="295" r:id="rId5"/>
-    <p:sldId id="279" r:id="rId6"/>
-    <p:sldId id="261" r:id="rId7"/>
-    <p:sldId id="294" r:id="rId8"/>
-    <p:sldId id="296" r:id="rId9"/>
-    <p:sldId id="257" r:id="rId10"/>
-    <p:sldId id="293" r:id="rId11"/>
-    <p:sldId id="324" r:id="rId12"/>
-    <p:sldId id="280" r:id="rId13"/>
-    <p:sldId id="311" r:id="rId14"/>
-    <p:sldId id="312" r:id="rId15"/>
-    <p:sldId id="313" r:id="rId16"/>
-    <p:sldId id="259" r:id="rId17"/>
-    <p:sldId id="310" r:id="rId18"/>
-    <p:sldId id="258" r:id="rId19"/>
-    <p:sldId id="264" r:id="rId20"/>
-    <p:sldId id="265" r:id="rId21"/>
-    <p:sldId id="288" r:id="rId22"/>
-    <p:sldId id="289" r:id="rId23"/>
-    <p:sldId id="290" r:id="rId24"/>
-    <p:sldId id="322" r:id="rId25"/>
+    <p:sldId id="267" r:id="rId3"/>
+    <p:sldId id="266" r:id="rId4"/>
+    <p:sldId id="323" r:id="rId5"/>
+    <p:sldId id="295" r:id="rId6"/>
+    <p:sldId id="279" r:id="rId7"/>
+    <p:sldId id="261" r:id="rId8"/>
+    <p:sldId id="294" r:id="rId9"/>
+    <p:sldId id="296" r:id="rId10"/>
+    <p:sldId id="257" r:id="rId11"/>
+    <p:sldId id="293" r:id="rId12"/>
+    <p:sldId id="324" r:id="rId13"/>
+    <p:sldId id="280" r:id="rId14"/>
+    <p:sldId id="311" r:id="rId15"/>
+    <p:sldId id="312" r:id="rId16"/>
+    <p:sldId id="313" r:id="rId17"/>
+    <p:sldId id="259" r:id="rId18"/>
+    <p:sldId id="310" r:id="rId20"/>
+    <p:sldId id="258" r:id="rId21"/>
+    <p:sldId id="264" r:id="rId22"/>
+    <p:sldId id="265" r:id="rId23"/>
+    <p:sldId id="288" r:id="rId24"/>
+    <p:sldId id="289" r:id="rId25"/>
+    <p:sldId id="290" r:id="rId26"/>
+    <p:sldId id="322" r:id="rId27"/>
   </p:sldIdLst>
   <p:sldSz cx="12192000" cy="6858000"/>
-  <p:notesSz cx="10234613" cy="7104063"/>
+  <p:notesSz cx="10234295" cy="7103745"/>
   <p:defaultTextStyle>
     <a:defPPr>
       <a:defRPr lang="zh-CN"/>
@@ -130,22 +130,6 @@
       </a:defRPr>
     </a:lvl9pPr>
   </p:defaultTextStyle>
-  <p:extLst>
-    <p:ext uri="{EFAFB233-063F-42B5-8137-9DF3F51BA10A}">
-      <p15:sldGuideLst xmlns:p15="http://schemas.microsoft.com/office/powerpoint/2012/main">
-        <p15:guide id="1" orient="horz" pos="2200">
-          <p15:clr>
-            <a:srgbClr val="A4A3A4"/>
-          </p15:clr>
-        </p15:guide>
-        <p15:guide id="2" pos="3840">
-          <p15:clr>
-            <a:srgbClr val="A4A3A4"/>
-          </p15:clr>
-        </p15:guide>
-      </p15:sldGuideLst>
-    </p:ext>
-  </p:extLst>
 </p:presentation>
 </file>
 
@@ -231,7 +215,6 @@
           <a:p>
             <a:fld id="{D2A48B96-639E-45A3-A0BA-2464DFDB1FAA}" type="datetimeFigureOut">
               <a:rPr lang="zh-CN" altLang="en-US" smtClean="0"/>
-              <a:t>2020-07-09</a:t>
             </a:fld>
             <a:endParaRPr lang="zh-CN" altLang="en-US"/>
           </a:p>
@@ -298,6 +281,7 @@
               <a:rPr lang="zh-CN" altLang="en-US"/>
               <a:t>单击此处编辑母版文本样式</a:t>
             </a:r>
+            <a:endParaRPr lang="zh-CN" altLang="en-US"/>
           </a:p>
           <a:p>
             <a:pPr lvl="1"/>
@@ -305,6 +289,7 @@
               <a:rPr lang="zh-CN" altLang="en-US"/>
               <a:t>第二级</a:t>
             </a:r>
+            <a:endParaRPr lang="zh-CN" altLang="en-US"/>
           </a:p>
           <a:p>
             <a:pPr lvl="2"/>
@@ -312,6 +297,7 @@
               <a:rPr lang="zh-CN" altLang="en-US"/>
               <a:t>第三级</a:t>
             </a:r>
+            <a:endParaRPr lang="zh-CN" altLang="en-US"/>
           </a:p>
           <a:p>
             <a:pPr lvl="3"/>
@@ -319,6 +305,7 @@
               <a:rPr lang="zh-CN" altLang="en-US"/>
               <a:t>第四级</a:t>
             </a:r>
+            <a:endParaRPr lang="zh-CN" altLang="en-US"/>
           </a:p>
           <a:p>
             <a:pPr lvl="4"/>
@@ -326,6 +313,7 @@
               <a:rPr lang="zh-CN" altLang="en-US"/>
               <a:t>第五级</a:t>
             </a:r>
+            <a:endParaRPr lang="zh-CN" altLang="en-US"/>
           </a:p>
         </p:txBody>
       </p:sp>
@@ -389,7 +377,6 @@
           <a:p>
             <a:fld id="{A6837353-30EB-4A48-80EB-173D804AEFBD}" type="slidenum">
               <a:rPr lang="zh-CN" altLang="en-US" smtClean="0"/>
-              <a:t>‹#›</a:t>
             </a:fld>
             <a:endParaRPr lang="zh-CN" altLang="en-US"/>
           </a:p>
@@ -721,6 +708,7 @@
               <a:rPr lang="zh-CN" altLang="en-US"/>
               <a:t>单击此处编辑母版标题样式</a:t>
             </a:r>
+            <a:endParaRPr lang="zh-CN" altLang="en-US"/>
           </a:p>
         </p:txBody>
       </p:sp>
@@ -785,6 +773,7 @@
               <a:rPr lang="zh-CN" altLang="en-US"/>
               <a:t>单击此处编辑母版副标题样式</a:t>
             </a:r>
+            <a:endParaRPr lang="zh-CN" altLang="en-US"/>
           </a:p>
         </p:txBody>
       </p:sp>
@@ -805,7 +794,6 @@
           <a:p>
             <a:fld id="{82F288E0-7875-42C4-84C8-98DBBD3BF4D2}" type="datetimeFigureOut">
               <a:rPr lang="zh-CN" altLang="en-US" smtClean="0"/>
-              <a:t>2020-07-09</a:t>
             </a:fld>
             <a:endParaRPr lang="zh-CN" altLang="en-US"/>
           </a:p>
@@ -847,7 +835,6 @@
           <a:p>
             <a:fld id="{7D9BB5D0-35E4-459D-AEF3-FE4D7C45CC19}" type="slidenum">
               <a:rPr lang="zh-CN" altLang="en-US" smtClean="0"/>
-              <a:t>‹#›</a:t>
             </a:fld>
             <a:endParaRPr lang="zh-CN" altLang="en-US"/>
           </a:p>
@@ -903,6 +890,7 @@
               <a:rPr lang="zh-CN" altLang="en-US"/>
               <a:t>单击此处编辑母版文本样式</a:t>
             </a:r>
+            <a:endParaRPr lang="zh-CN" altLang="en-US"/>
           </a:p>
           <a:p>
             <a:pPr lvl="1"/>
@@ -910,6 +898,7 @@
               <a:rPr lang="zh-CN" altLang="en-US"/>
               <a:t>第二级</a:t>
             </a:r>
+            <a:endParaRPr lang="zh-CN" altLang="en-US"/>
           </a:p>
           <a:p>
             <a:pPr lvl="2"/>
@@ -917,6 +906,7 @@
               <a:rPr lang="zh-CN" altLang="en-US"/>
               <a:t>第三级</a:t>
             </a:r>
+            <a:endParaRPr lang="zh-CN" altLang="en-US"/>
           </a:p>
           <a:p>
             <a:pPr lvl="3"/>
@@ -924,6 +914,7 @@
               <a:rPr lang="zh-CN" altLang="en-US"/>
               <a:t>第四级</a:t>
             </a:r>
+            <a:endParaRPr lang="zh-CN" altLang="en-US"/>
           </a:p>
           <a:p>
             <a:pPr lvl="4"/>
@@ -931,6 +922,7 @@
               <a:rPr lang="zh-CN" altLang="en-US"/>
               <a:t>第五级</a:t>
             </a:r>
+            <a:endParaRPr lang="zh-CN" altLang="en-US"/>
           </a:p>
         </p:txBody>
       </p:sp>
@@ -951,7 +943,6 @@
           <a:p>
             <a:fld id="{82F288E0-7875-42C4-84C8-98DBBD3BF4D2}" type="datetimeFigureOut">
               <a:rPr lang="zh-CN" altLang="en-US" smtClean="0"/>
-              <a:t>2020-07-09</a:t>
             </a:fld>
             <a:endParaRPr lang="zh-CN" altLang="en-US"/>
           </a:p>
@@ -993,7 +984,6 @@
           <a:p>
             <a:fld id="{7D9BB5D0-35E4-459D-AEF3-FE4D7C45CC19}" type="slidenum">
               <a:rPr lang="zh-CN" altLang="en-US" smtClean="0"/>
-              <a:t>‹#›</a:t>
             </a:fld>
             <a:endParaRPr lang="zh-CN" altLang="en-US"/>
           </a:p>
@@ -1043,6 +1033,7 @@
               <a:rPr lang="zh-CN" altLang="en-US"/>
               <a:t>单击此处编辑母版标题样式</a:t>
             </a:r>
+            <a:endParaRPr lang="zh-CN" altLang="en-US"/>
           </a:p>
         </p:txBody>
       </p:sp>
@@ -1066,6 +1057,7 @@
               <a:rPr lang="zh-CN" altLang="en-US"/>
               <a:t>单击此处编辑母版文本样式</a:t>
             </a:r>
+            <a:endParaRPr lang="zh-CN" altLang="en-US"/>
           </a:p>
           <a:p>
             <a:pPr lvl="1"/>
@@ -1073,6 +1065,7 @@
               <a:rPr lang="zh-CN" altLang="en-US"/>
               <a:t>第二级</a:t>
             </a:r>
+            <a:endParaRPr lang="zh-CN" altLang="en-US"/>
           </a:p>
           <a:p>
             <a:pPr lvl="2"/>
@@ -1080,6 +1073,7 @@
               <a:rPr lang="zh-CN" altLang="en-US"/>
               <a:t>第三级</a:t>
             </a:r>
+            <a:endParaRPr lang="zh-CN" altLang="en-US"/>
           </a:p>
           <a:p>
             <a:pPr lvl="3"/>
@@ -1087,6 +1081,7 @@
               <a:rPr lang="zh-CN" altLang="en-US"/>
               <a:t>第四级</a:t>
             </a:r>
+            <a:endParaRPr lang="zh-CN" altLang="en-US"/>
           </a:p>
           <a:p>
             <a:pPr lvl="4"/>
@@ -1094,6 +1089,7 @@
               <a:rPr lang="zh-CN" altLang="en-US"/>
               <a:t>第五级</a:t>
             </a:r>
+            <a:endParaRPr lang="zh-CN" altLang="en-US"/>
           </a:p>
         </p:txBody>
       </p:sp>
@@ -1114,7 +1110,6 @@
           <a:p>
             <a:fld id="{82F288E0-7875-42C4-84C8-98DBBD3BF4D2}" type="datetimeFigureOut">
               <a:rPr lang="zh-CN" altLang="en-US" smtClean="0"/>
-              <a:t>2020-07-09</a:t>
             </a:fld>
             <a:endParaRPr lang="zh-CN" altLang="en-US"/>
           </a:p>
@@ -1156,7 +1151,6 @@
           <a:p>
             <a:fld id="{7D9BB5D0-35E4-459D-AEF3-FE4D7C45CC19}" type="slidenum">
               <a:rPr lang="zh-CN" altLang="en-US" smtClean="0"/>
-              <a:t>‹#›</a:t>
             </a:fld>
             <a:endParaRPr lang="zh-CN" altLang="en-US"/>
           </a:p>
@@ -1215,6 +1209,7 @@
               <a:rPr lang="zh-CN" altLang="en-US"/>
               <a:t>单击此处编辑母版标题样式</a:t>
             </a:r>
+            <a:endParaRPr lang="zh-CN" altLang="en-US"/>
           </a:p>
         </p:txBody>
       </p:sp>
@@ -1334,6 +1329,7 @@
               <a:rPr lang="zh-CN" altLang="en-US"/>
               <a:t>单击此处编辑母版文本样式</a:t>
             </a:r>
+            <a:endParaRPr lang="zh-CN" altLang="en-US"/>
           </a:p>
         </p:txBody>
       </p:sp>
@@ -1354,7 +1350,6 @@
           <a:p>
             <a:fld id="{82F288E0-7875-42C4-84C8-98DBBD3BF4D2}" type="datetimeFigureOut">
               <a:rPr lang="zh-CN" altLang="en-US" smtClean="0"/>
-              <a:t>2020-07-09</a:t>
             </a:fld>
             <a:endParaRPr lang="zh-CN" altLang="en-US"/>
           </a:p>
@@ -1396,7 +1391,6 @@
           <a:p>
             <a:fld id="{7D9BB5D0-35E4-459D-AEF3-FE4D7C45CC19}" type="slidenum">
               <a:rPr lang="zh-CN" altLang="en-US" smtClean="0"/>
-              <a:t>‹#›</a:t>
             </a:fld>
             <a:endParaRPr lang="zh-CN" altLang="en-US"/>
           </a:p>
@@ -1446,6 +1440,7 @@
               <a:rPr lang="zh-CN" altLang="en-US"/>
               <a:t>单击此处编辑母版标题样式</a:t>
             </a:r>
+            <a:endParaRPr lang="zh-CN" altLang="en-US"/>
           </a:p>
         </p:txBody>
       </p:sp>
@@ -1474,6 +1469,7 @@
               <a:rPr lang="zh-CN" altLang="en-US"/>
               <a:t>单击此处编辑母版文本样式</a:t>
             </a:r>
+            <a:endParaRPr lang="zh-CN" altLang="en-US"/>
           </a:p>
           <a:p>
             <a:pPr lvl="1"/>
@@ -1481,6 +1477,7 @@
               <a:rPr lang="zh-CN" altLang="en-US"/>
               <a:t>第二级</a:t>
             </a:r>
+            <a:endParaRPr lang="zh-CN" altLang="en-US"/>
           </a:p>
           <a:p>
             <a:pPr lvl="2"/>
@@ -1488,6 +1485,7 @@
               <a:rPr lang="zh-CN" altLang="en-US"/>
               <a:t>第三级</a:t>
             </a:r>
+            <a:endParaRPr lang="zh-CN" altLang="en-US"/>
           </a:p>
           <a:p>
             <a:pPr lvl="3"/>
@@ -1495,6 +1493,7 @@
               <a:rPr lang="zh-CN" altLang="en-US"/>
               <a:t>第四级</a:t>
             </a:r>
+            <a:endParaRPr lang="zh-CN" altLang="en-US"/>
           </a:p>
           <a:p>
             <a:pPr lvl="4"/>
@@ -1502,6 +1501,7 @@
               <a:rPr lang="zh-CN" altLang="en-US"/>
               <a:t>第五级</a:t>
             </a:r>
+            <a:endParaRPr lang="zh-CN" altLang="en-US"/>
           </a:p>
         </p:txBody>
       </p:sp>
@@ -1530,6 +1530,7 @@
               <a:rPr lang="zh-CN" altLang="en-US"/>
               <a:t>单击此处编辑母版文本样式</a:t>
             </a:r>
+            <a:endParaRPr lang="zh-CN" altLang="en-US"/>
           </a:p>
           <a:p>
             <a:pPr lvl="1"/>
@@ -1537,6 +1538,7 @@
               <a:rPr lang="zh-CN" altLang="en-US"/>
               <a:t>第二级</a:t>
             </a:r>
+            <a:endParaRPr lang="zh-CN" altLang="en-US"/>
           </a:p>
           <a:p>
             <a:pPr lvl="2"/>
@@ -1544,6 +1546,7 @@
               <a:rPr lang="zh-CN" altLang="en-US"/>
               <a:t>第三级</a:t>
             </a:r>
+            <a:endParaRPr lang="zh-CN" altLang="en-US"/>
           </a:p>
           <a:p>
             <a:pPr lvl="3"/>
@@ -1551,6 +1554,7 @@
               <a:rPr lang="zh-CN" altLang="en-US"/>
               <a:t>第四级</a:t>
             </a:r>
+            <a:endParaRPr lang="zh-CN" altLang="en-US"/>
           </a:p>
           <a:p>
             <a:pPr lvl="4"/>
@@ -1558,6 +1562,7 @@
               <a:rPr lang="zh-CN" altLang="en-US"/>
               <a:t>第五级</a:t>
             </a:r>
+            <a:endParaRPr lang="zh-CN" altLang="en-US"/>
           </a:p>
         </p:txBody>
       </p:sp>
@@ -1578,7 +1583,6 @@
           <a:p>
             <a:fld id="{82F288E0-7875-42C4-84C8-98DBBD3BF4D2}" type="datetimeFigureOut">
               <a:rPr lang="zh-CN" altLang="en-US" smtClean="0"/>
-              <a:t>2020-07-09</a:t>
             </a:fld>
             <a:endParaRPr lang="zh-CN" altLang="en-US"/>
           </a:p>
@@ -1620,7 +1624,6 @@
           <a:p>
             <a:fld id="{7D9BB5D0-35E4-459D-AEF3-FE4D7C45CC19}" type="slidenum">
               <a:rPr lang="zh-CN" altLang="en-US" smtClean="0"/>
-              <a:t>‹#›</a:t>
             </a:fld>
             <a:endParaRPr lang="zh-CN" altLang="en-US"/>
           </a:p>
@@ -1675,6 +1678,7 @@
               <a:rPr lang="zh-CN" altLang="en-US"/>
               <a:t>单击此处编辑母版标题样式</a:t>
             </a:r>
+            <a:endParaRPr lang="zh-CN" altLang="en-US"/>
           </a:p>
         </p:txBody>
       </p:sp>
@@ -1740,6 +1744,7 @@
               <a:rPr lang="zh-CN" altLang="en-US"/>
               <a:t>单击此处编辑母版文本样式</a:t>
             </a:r>
+            <a:endParaRPr lang="zh-CN" altLang="en-US"/>
           </a:p>
         </p:txBody>
       </p:sp>
@@ -1768,6 +1773,7 @@
               <a:rPr lang="zh-CN" altLang="en-US"/>
               <a:t>单击此处编辑母版文本样式</a:t>
             </a:r>
+            <a:endParaRPr lang="zh-CN" altLang="en-US"/>
           </a:p>
           <a:p>
             <a:pPr lvl="1"/>
@@ -1775,6 +1781,7 @@
               <a:rPr lang="zh-CN" altLang="en-US"/>
               <a:t>第二级</a:t>
             </a:r>
+            <a:endParaRPr lang="zh-CN" altLang="en-US"/>
           </a:p>
           <a:p>
             <a:pPr lvl="2"/>
@@ -1782,6 +1789,7 @@
               <a:rPr lang="zh-CN" altLang="en-US"/>
               <a:t>第三级</a:t>
             </a:r>
+            <a:endParaRPr lang="zh-CN" altLang="en-US"/>
           </a:p>
           <a:p>
             <a:pPr lvl="3"/>
@@ -1789,6 +1797,7 @@
               <a:rPr lang="zh-CN" altLang="en-US"/>
               <a:t>第四级</a:t>
             </a:r>
+            <a:endParaRPr lang="zh-CN" altLang="en-US"/>
           </a:p>
           <a:p>
             <a:pPr lvl="4"/>
@@ -1796,6 +1805,7 @@
               <a:rPr lang="zh-CN" altLang="en-US"/>
               <a:t>第五级</a:t>
             </a:r>
+            <a:endParaRPr lang="zh-CN" altLang="en-US"/>
           </a:p>
         </p:txBody>
       </p:sp>
@@ -1861,6 +1871,7 @@
               <a:rPr lang="zh-CN" altLang="en-US"/>
               <a:t>单击此处编辑母版文本样式</a:t>
             </a:r>
+            <a:endParaRPr lang="zh-CN" altLang="en-US"/>
           </a:p>
         </p:txBody>
       </p:sp>
@@ -1889,6 +1900,7 @@
               <a:rPr lang="zh-CN" altLang="en-US"/>
               <a:t>单击此处编辑母版文本样式</a:t>
             </a:r>
+            <a:endParaRPr lang="zh-CN" altLang="en-US"/>
           </a:p>
           <a:p>
             <a:pPr lvl="1"/>
@@ -1896,6 +1908,7 @@
               <a:rPr lang="zh-CN" altLang="en-US"/>
               <a:t>第二级</a:t>
             </a:r>
+            <a:endParaRPr lang="zh-CN" altLang="en-US"/>
           </a:p>
           <a:p>
             <a:pPr lvl="2"/>
@@ -1903,6 +1916,7 @@
               <a:rPr lang="zh-CN" altLang="en-US"/>
               <a:t>第三级</a:t>
             </a:r>
+            <a:endParaRPr lang="zh-CN" altLang="en-US"/>
           </a:p>
           <a:p>
             <a:pPr lvl="3"/>
@@ -1910,6 +1924,7 @@
               <a:rPr lang="zh-CN" altLang="en-US"/>
               <a:t>第四级</a:t>
             </a:r>
+            <a:endParaRPr lang="zh-CN" altLang="en-US"/>
           </a:p>
           <a:p>
             <a:pPr lvl="4"/>
@@ -1917,6 +1932,7 @@
               <a:rPr lang="zh-CN" altLang="en-US"/>
               <a:t>第五级</a:t>
             </a:r>
+            <a:endParaRPr lang="zh-CN" altLang="en-US"/>
           </a:p>
         </p:txBody>
       </p:sp>
@@ -1937,7 +1953,6 @@
           <a:p>
             <a:fld id="{82F288E0-7875-42C4-84C8-98DBBD3BF4D2}" type="datetimeFigureOut">
               <a:rPr lang="zh-CN" altLang="en-US" smtClean="0"/>
-              <a:t>2020-07-09</a:t>
             </a:fld>
             <a:endParaRPr lang="zh-CN" altLang="en-US"/>
           </a:p>
@@ -1979,7 +1994,6 @@
           <a:p>
             <a:fld id="{7D9BB5D0-35E4-459D-AEF3-FE4D7C45CC19}" type="slidenum">
               <a:rPr lang="zh-CN" altLang="en-US" smtClean="0"/>
-              <a:t>‹#›</a:t>
             </a:fld>
             <a:endParaRPr lang="zh-CN" altLang="en-US"/>
           </a:p>
@@ -2029,6 +2043,7 @@
               <a:rPr lang="zh-CN" altLang="en-US"/>
               <a:t>单击此处编辑母版标题样式</a:t>
             </a:r>
+            <a:endParaRPr lang="zh-CN" altLang="en-US"/>
           </a:p>
         </p:txBody>
       </p:sp>
@@ -2049,7 +2064,6 @@
           <a:p>
             <a:fld id="{82F288E0-7875-42C4-84C8-98DBBD3BF4D2}" type="datetimeFigureOut">
               <a:rPr lang="zh-CN" altLang="en-US" smtClean="0"/>
-              <a:t>2020-07-09</a:t>
             </a:fld>
             <a:endParaRPr lang="zh-CN" altLang="en-US"/>
           </a:p>
@@ -2091,7 +2105,6 @@
           <a:p>
             <a:fld id="{7D9BB5D0-35E4-459D-AEF3-FE4D7C45CC19}" type="slidenum">
               <a:rPr lang="zh-CN" altLang="en-US" smtClean="0"/>
-              <a:t>‹#›</a:t>
             </a:fld>
             <a:endParaRPr lang="zh-CN" altLang="en-US"/>
           </a:p>
@@ -2139,7 +2152,6 @@
           <a:p>
             <a:fld id="{82F288E0-7875-42C4-84C8-98DBBD3BF4D2}" type="datetimeFigureOut">
               <a:rPr lang="zh-CN" altLang="en-US" smtClean="0"/>
-              <a:t>2020-07-09</a:t>
             </a:fld>
             <a:endParaRPr lang="zh-CN" altLang="en-US"/>
           </a:p>
@@ -2181,7 +2193,6 @@
           <a:p>
             <a:fld id="{7D9BB5D0-35E4-459D-AEF3-FE4D7C45CC19}" type="slidenum">
               <a:rPr lang="zh-CN" altLang="en-US" smtClean="0"/>
-              <a:t>‹#›</a:t>
             </a:fld>
             <a:endParaRPr lang="zh-CN" altLang="en-US"/>
           </a:p>
@@ -2240,6 +2251,7 @@
               <a:rPr lang="zh-CN" altLang="en-US"/>
               <a:t>单击此处编辑母版标题样式</a:t>
             </a:r>
+            <a:endParaRPr lang="zh-CN" altLang="en-US"/>
           </a:p>
         </p:txBody>
       </p:sp>
@@ -2366,6 +2378,7 @@
               <a:rPr lang="zh-CN" altLang="en-US"/>
               <a:t>单击此处编辑母版文本样式</a:t>
             </a:r>
+            <a:endParaRPr lang="zh-CN" altLang="en-US"/>
           </a:p>
         </p:txBody>
       </p:sp>
@@ -2386,7 +2399,6 @@
           <a:p>
             <a:fld id="{82F288E0-7875-42C4-84C8-98DBBD3BF4D2}" type="datetimeFigureOut">
               <a:rPr lang="zh-CN" altLang="en-US" smtClean="0"/>
-              <a:t>2020-07-09</a:t>
             </a:fld>
             <a:endParaRPr lang="zh-CN" altLang="en-US"/>
           </a:p>
@@ -2428,7 +2440,6 @@
           <a:p>
             <a:fld id="{7D9BB5D0-35E4-459D-AEF3-FE4D7C45CC19}" type="slidenum">
               <a:rPr lang="zh-CN" altLang="en-US" smtClean="0"/>
-              <a:t>‹#›</a:t>
             </a:fld>
             <a:endParaRPr lang="zh-CN" altLang="en-US"/>
           </a:p>
@@ -2483,6 +2494,7 @@
               <a:rPr lang="zh-CN" altLang="en-US"/>
               <a:t>单击此处编辑母版标题样式</a:t>
             </a:r>
+            <a:endParaRPr lang="zh-CN" altLang="en-US"/>
           </a:p>
         </p:txBody>
       </p:sp>
@@ -2511,6 +2523,7 @@
               <a:rPr lang="zh-CN" altLang="en-US"/>
               <a:t>单击此处编辑母版文本样式</a:t>
             </a:r>
+            <a:endParaRPr lang="zh-CN" altLang="en-US"/>
           </a:p>
           <a:p>
             <a:pPr lvl="1"/>
@@ -2518,6 +2531,7 @@
               <a:rPr lang="zh-CN" altLang="en-US"/>
               <a:t>第二级</a:t>
             </a:r>
+            <a:endParaRPr lang="zh-CN" altLang="en-US"/>
           </a:p>
           <a:p>
             <a:pPr lvl="2"/>
@@ -2525,6 +2539,7 @@
               <a:rPr lang="zh-CN" altLang="en-US"/>
               <a:t>第三级</a:t>
             </a:r>
+            <a:endParaRPr lang="zh-CN" altLang="en-US"/>
           </a:p>
           <a:p>
             <a:pPr lvl="3"/>
@@ -2532,6 +2547,7 @@
               <a:rPr lang="zh-CN" altLang="en-US"/>
               <a:t>第四级</a:t>
             </a:r>
+            <a:endParaRPr lang="zh-CN" altLang="en-US"/>
           </a:p>
           <a:p>
             <a:pPr lvl="4"/>
@@ -2539,6 +2555,7 @@
               <a:rPr lang="zh-CN" altLang="en-US"/>
               <a:t>第五级</a:t>
             </a:r>
+            <a:endParaRPr lang="zh-CN" altLang="en-US"/>
           </a:p>
         </p:txBody>
       </p:sp>
@@ -2559,7 +2576,6 @@
           <a:p>
             <a:fld id="{82F288E0-7875-42C4-84C8-98DBBD3BF4D2}" type="datetimeFigureOut">
               <a:rPr lang="zh-CN" altLang="en-US" smtClean="0"/>
-              <a:t>2020-07-09</a:t>
             </a:fld>
             <a:endParaRPr lang="zh-CN" altLang="en-US"/>
           </a:p>
@@ -2601,7 +2617,6 @@
           <a:p>
             <a:fld id="{7D9BB5D0-35E4-459D-AEF3-FE4D7C45CC19}" type="slidenum">
               <a:rPr lang="zh-CN" altLang="en-US" smtClean="0"/>
-              <a:t>‹#›</a:t>
             </a:fld>
             <a:endParaRPr lang="zh-CN" altLang="en-US"/>
           </a:p>
@@ -2666,6 +2681,7 @@
               <a:rPr lang="zh-CN" altLang="en-US"/>
               <a:t>单击此处编辑母版标题样式</a:t>
             </a:r>
+            <a:endParaRPr lang="zh-CN" altLang="en-US"/>
           </a:p>
         </p:txBody>
       </p:sp>
@@ -2699,6 +2715,7 @@
               <a:rPr lang="zh-CN" altLang="en-US"/>
               <a:t>单击此处编辑母版文本样式</a:t>
             </a:r>
+            <a:endParaRPr lang="zh-CN" altLang="en-US"/>
           </a:p>
           <a:p>
             <a:pPr lvl="1"/>
@@ -2706,6 +2723,7 @@
               <a:rPr lang="zh-CN" altLang="en-US"/>
               <a:t>第二级</a:t>
             </a:r>
+            <a:endParaRPr lang="zh-CN" altLang="en-US"/>
           </a:p>
           <a:p>
             <a:pPr lvl="2"/>
@@ -2713,6 +2731,7 @@
               <a:rPr lang="zh-CN" altLang="en-US"/>
               <a:t>第三级</a:t>
             </a:r>
+            <a:endParaRPr lang="zh-CN" altLang="en-US"/>
           </a:p>
           <a:p>
             <a:pPr lvl="3"/>
@@ -2720,6 +2739,7 @@
               <a:rPr lang="zh-CN" altLang="en-US"/>
               <a:t>第四级</a:t>
             </a:r>
+            <a:endParaRPr lang="zh-CN" altLang="en-US"/>
           </a:p>
           <a:p>
             <a:pPr lvl="4"/>
@@ -2727,6 +2747,7 @@
               <a:rPr lang="zh-CN" altLang="en-US"/>
               <a:t>第五级</a:t>
             </a:r>
+            <a:endParaRPr lang="zh-CN" altLang="en-US"/>
           </a:p>
         </p:txBody>
       </p:sp>
@@ -2765,7 +2786,6 @@
           <a:p>
             <a:fld id="{82F288E0-7875-42C4-84C8-98DBBD3BF4D2}" type="datetimeFigureOut">
               <a:rPr lang="zh-CN" altLang="en-US" smtClean="0"/>
-              <a:t>2020-07-09</a:t>
             </a:fld>
             <a:endParaRPr lang="zh-CN" altLang="en-US"/>
           </a:p>
@@ -2843,7 +2863,6 @@
           <a:p>
             <a:fld id="{7D9BB5D0-35E4-459D-AEF3-FE4D7C45CC19}" type="slidenum">
               <a:rPr lang="zh-CN" altLang="en-US" smtClean="0"/>
-              <a:t>‹#›</a:t>
             </a:fld>
             <a:endParaRPr lang="zh-CN" altLang="en-US"/>
           </a:p>
@@ -3204,6 +3223,10 @@
               </a:rPr>
               <a:t>Understanding</a:t>
             </a:r>
+            <a:endParaRPr lang="en-US" altLang="zh-CN" sz="4000">
+              <a:latin typeface="微软雅黑" panose="020B0503020204020204" charset="-122"/>
+              <a:ea typeface="微软雅黑" panose="020B0503020204020204" charset="-122"/>
+            </a:endParaRPr>
           </a:p>
         </p:txBody>
       </p:sp>
@@ -3252,6 +3275,10 @@
               </a:rPr>
               <a:t>理解生成对抗网络</a:t>
             </a:r>
+            <a:endParaRPr lang="zh-CN" altLang="en-US" sz="3600">
+              <a:latin typeface="微软雅黑" panose="020B0503020204020204" charset="-122"/>
+              <a:ea typeface="微软雅黑" panose="020B0503020204020204" charset="-122"/>
+            </a:endParaRPr>
           </a:p>
         </p:txBody>
       </p:sp>
@@ -3264,7 +3291,7 @@
           <p:nvPr/>
         </p:nvPicPr>
         <p:blipFill>
-          <a:blip r:embed="rId3"/>
+          <a:blip r:embed="rId1"/>
           <a:stretch>
             <a:fillRect/>
           </a:stretch>
@@ -3424,7 +3451,7 @@
           <p:nvPr/>
         </p:nvPicPr>
         <p:blipFill>
-          <a:blip r:embed="rId3"/>
+          <a:blip r:embed="rId1"/>
           <a:stretch>
             <a:fillRect/>
           </a:stretch>
@@ -3584,7 +3611,7 @@
           <p:nvPr/>
         </p:nvPicPr>
         <p:blipFill>
-          <a:blip r:embed="rId4"/>
+          <a:blip r:embed="rId2"/>
           <a:stretch>
             <a:fillRect/>
           </a:stretch>
@@ -3608,7 +3635,7 @@
           <p:nvPr/>
         </p:nvPicPr>
         <p:blipFill>
-          <a:blip r:embed="rId5"/>
+          <a:blip r:embed="rId3"/>
           <a:stretch>
             <a:fillRect/>
           </a:stretch>
@@ -3625,7 +3652,7 @@
       </p:pic>
     </p:spTree>
     <p:custDataLst>
-      <p:tags r:id="rId1"/>
+      <p:tags r:id="rId4"/>
     </p:custDataLst>
   </p:cSld>
   <p:clrMapOvr>
@@ -3660,7 +3687,7 @@
           <p:nvPr/>
         </p:nvPicPr>
         <p:blipFill>
-          <a:blip r:embed="rId2"/>
+          <a:blip r:embed="rId1"/>
           <a:stretch>
             <a:fillRect/>
           </a:stretch>
@@ -3704,6 +3731,10 @@
               </a:rPr>
               <a:t>DCGAN - 2015</a:t>
             </a:r>
+            <a:endParaRPr lang="en-US" altLang="zh-CN" sz="2000" b="1">
+              <a:latin typeface="微软雅黑" panose="020B0503020204020204" charset="-122"/>
+              <a:ea typeface="微软雅黑" panose="020B0503020204020204" charset="-122"/>
+            </a:endParaRPr>
           </a:p>
         </p:txBody>
       </p:sp>
@@ -3740,6 +3771,13 @@
               </a:rPr>
               <a:t>Generator</a:t>
             </a:r>
+            <a:endParaRPr lang="en-US" altLang="zh-CN" sz="1400" b="1" dirty="0">
+              <a:solidFill>
+                <a:srgbClr val="0070C0"/>
+              </a:solidFill>
+              <a:latin typeface="微软雅黑" panose="020B0503020204020204" charset="-122"/>
+              <a:ea typeface="微软雅黑" panose="020B0503020204020204" charset="-122"/>
+            </a:endParaRPr>
           </a:p>
         </p:txBody>
       </p:sp>
@@ -3831,6 +3869,13 @@
               </a:rPr>
               <a:t>Discriminator</a:t>
             </a:r>
+            <a:endParaRPr lang="en-US" altLang="zh-CN" sz="1400" b="1" dirty="0">
+              <a:solidFill>
+                <a:srgbClr val="0070C0"/>
+              </a:solidFill>
+              <a:latin typeface="微软雅黑" panose="020B0503020204020204" charset="-122"/>
+              <a:ea typeface="微软雅黑" panose="020B0503020204020204" charset="-122"/>
+            </a:endParaRPr>
           </a:p>
         </p:txBody>
       </p:sp>
@@ -3863,14 +3908,18 @@
               </a:rPr>
               <a:t>                             64</a:t>
             </a:r>
-          </a:p>
-          <a:p>
             <a:endParaRPr lang="en-US" altLang="zh-CN" sz="1000" dirty="0">
               <a:latin typeface="Arial" panose="020B0604020202090204" pitchFamily="34" charset="0"/>
               <a:cs typeface="Arial" panose="020B0604020202090204" pitchFamily="34" charset="0"/>
             </a:endParaRPr>
           </a:p>
           <a:p>
+            <a:endParaRPr lang="en-US" altLang="zh-CN" sz="1000" dirty="0">
+              <a:latin typeface="Arial" panose="020B0604020202090204" pitchFamily="34" charset="0"/>
+              <a:cs typeface="Arial" panose="020B0604020202090204" pitchFamily="34" charset="0"/>
+            </a:endParaRPr>
+          </a:p>
+          <a:p>
             <a:r>
               <a:rPr lang="en-US" altLang="zh-CN" sz="1400" dirty="0">
                 <a:latin typeface="Axure Handwriting" panose="020B0402020200020204" pitchFamily="34" charset="0"/>
@@ -3878,6 +3927,10 @@
               </a:rPr>
               <a:t>  x</a:t>
             </a:r>
+            <a:endParaRPr lang="en-US" altLang="zh-CN" sz="1400" dirty="0">
+              <a:latin typeface="Axure Handwriting" panose="020B0402020200020204" pitchFamily="34" charset="0"/>
+              <a:cs typeface="Arial" panose="020B0604020202090204" pitchFamily="34" charset="0"/>
+            </a:endParaRPr>
           </a:p>
           <a:p>
             <a:endParaRPr lang="en-US" altLang="zh-CN" sz="1000" dirty="0">
@@ -3905,6 +3958,10 @@
               </a:rPr>
               <a:t>                    64   </a:t>
             </a:r>
+            <a:endParaRPr lang="en-US" altLang="zh-CN" sz="1000" dirty="0">
+              <a:latin typeface="Arial" panose="020B0604020202090204" pitchFamily="34" charset="0"/>
+              <a:cs typeface="Arial" panose="020B0604020202090204" pitchFamily="34" charset="0"/>
+            </a:endParaRPr>
           </a:p>
           <a:p>
             <a:r>
@@ -3914,6 +3971,10 @@
               </a:rPr>
               <a:t>         </a:t>
             </a:r>
+            <a:endParaRPr lang="en-US" altLang="zh-CN" sz="1000" dirty="0">
+              <a:latin typeface="Arial" panose="020B0604020202090204" pitchFamily="34" charset="0"/>
+              <a:cs typeface="Arial" panose="020B0604020202090204" pitchFamily="34" charset="0"/>
+            </a:endParaRPr>
           </a:p>
           <a:p>
             <a:r>
@@ -4284,6 +4345,10 @@
               </a:rPr>
               <a:t>                             </a:t>
             </a:r>
+            <a:endParaRPr lang="en-US" altLang="zh-CN" sz="1000" dirty="0">
+              <a:latin typeface="Arial" panose="020B0604020202090204" pitchFamily="34" charset="0"/>
+              <a:cs typeface="Arial" panose="020B0604020202090204" pitchFamily="34" charset="0"/>
+            </a:endParaRPr>
           </a:p>
           <a:p>
             <a:r>
@@ -4293,6 +4358,10 @@
               </a:rPr>
               <a:t>                  32   </a:t>
             </a:r>
+            <a:endParaRPr lang="en-US" altLang="zh-CN" sz="1000" dirty="0">
+              <a:latin typeface="Arial" panose="020B0604020202090204" pitchFamily="34" charset="0"/>
+              <a:cs typeface="Arial" panose="020B0604020202090204" pitchFamily="34" charset="0"/>
+            </a:endParaRPr>
           </a:p>
           <a:p>
             <a:r>
@@ -4302,6 +4371,10 @@
               </a:rPr>
               <a:t>         </a:t>
             </a:r>
+            <a:endParaRPr lang="en-US" altLang="zh-CN" sz="1000" dirty="0">
+              <a:latin typeface="Arial" panose="020B0604020202090204" pitchFamily="34" charset="0"/>
+              <a:cs typeface="Arial" panose="020B0604020202090204" pitchFamily="34" charset="0"/>
+            </a:endParaRPr>
           </a:p>
           <a:p>
             <a:r>
@@ -4377,14 +4450,18 @@
               </a:rPr>
               <a:t>                             </a:t>
             </a:r>
-          </a:p>
-          <a:p>
             <a:endParaRPr lang="en-US" altLang="zh-CN" sz="1000" dirty="0">
               <a:latin typeface="Arial" panose="020B0604020202090204" pitchFamily="34" charset="0"/>
               <a:cs typeface="Arial" panose="020B0604020202090204" pitchFamily="34" charset="0"/>
             </a:endParaRPr>
           </a:p>
           <a:p>
+            <a:endParaRPr lang="en-US" altLang="zh-CN" sz="1000" dirty="0">
+              <a:latin typeface="Arial" panose="020B0604020202090204" pitchFamily="34" charset="0"/>
+              <a:cs typeface="Arial" panose="020B0604020202090204" pitchFamily="34" charset="0"/>
+            </a:endParaRPr>
+          </a:p>
+          <a:p>
             <a:r>
               <a:rPr lang="en-US" altLang="zh-CN" sz="1000" dirty="0">
                 <a:latin typeface="Arial" panose="020B0604020202090204" pitchFamily="34" charset="0"/>
@@ -4392,6 +4469,10 @@
               </a:rPr>
               <a:t>                        </a:t>
             </a:r>
+            <a:endParaRPr lang="en-US" altLang="zh-CN" sz="1000" dirty="0">
+              <a:latin typeface="Arial" panose="020B0604020202090204" pitchFamily="34" charset="0"/>
+              <a:cs typeface="Arial" panose="020B0604020202090204" pitchFamily="34" charset="0"/>
+            </a:endParaRPr>
           </a:p>
           <a:p>
             <a:r>
@@ -4401,6 +4482,10 @@
               </a:rPr>
               <a:t>                      16   </a:t>
             </a:r>
+            <a:endParaRPr lang="en-US" altLang="zh-CN" sz="1000" dirty="0">
+              <a:latin typeface="Arial" panose="020B0604020202090204" pitchFamily="34" charset="0"/>
+              <a:cs typeface="Arial" panose="020B0604020202090204" pitchFamily="34" charset="0"/>
+            </a:endParaRPr>
           </a:p>
           <a:p>
             <a:r>
@@ -4476,6 +4561,10 @@
               </a:rPr>
               <a:t>                          </a:t>
             </a:r>
+            <a:endParaRPr lang="en-US" altLang="zh-CN" sz="1000" dirty="0">
+              <a:latin typeface="Arial" panose="020B0604020202090204" pitchFamily="34" charset="0"/>
+              <a:cs typeface="Arial" panose="020B0604020202090204" pitchFamily="34" charset="0"/>
+            </a:endParaRPr>
           </a:p>
           <a:p>
             <a:r>
@@ -4485,6 +4574,10 @@
               </a:rPr>
               <a:t>   </a:t>
             </a:r>
+            <a:endParaRPr lang="en-US" altLang="zh-CN" sz="1000" dirty="0">
+              <a:latin typeface="Arial" panose="020B0604020202090204" pitchFamily="34" charset="0"/>
+              <a:cs typeface="Arial" panose="020B0604020202090204" pitchFamily="34" charset="0"/>
+            </a:endParaRPr>
           </a:p>
           <a:p>
             <a:r>
@@ -4494,6 +4587,10 @@
               </a:rPr>
               <a:t>                          8   </a:t>
             </a:r>
+            <a:endParaRPr lang="en-US" altLang="zh-CN" sz="1000" dirty="0">
+              <a:latin typeface="Arial" panose="020B0604020202090204" pitchFamily="34" charset="0"/>
+              <a:cs typeface="Arial" panose="020B0604020202090204" pitchFamily="34" charset="0"/>
+            </a:endParaRPr>
           </a:p>
           <a:p>
             <a:r>
@@ -4556,14 +4653,18 @@
               </a:rPr>
               <a:t>                                    4</a:t>
             </a:r>
-          </a:p>
-          <a:p>
             <a:endParaRPr lang="en-US" altLang="zh-CN" sz="1000" dirty="0">
               <a:latin typeface="Arial" panose="020B0604020202090204" pitchFamily="34" charset="0"/>
               <a:cs typeface="Arial" panose="020B0604020202090204" pitchFamily="34" charset="0"/>
             </a:endParaRPr>
           </a:p>
           <a:p>
+            <a:endParaRPr lang="en-US" altLang="zh-CN" sz="1000" dirty="0">
+              <a:latin typeface="Arial" panose="020B0604020202090204" pitchFamily="34" charset="0"/>
+              <a:cs typeface="Arial" panose="020B0604020202090204" pitchFamily="34" charset="0"/>
+            </a:endParaRPr>
+          </a:p>
+          <a:p>
             <a:r>
               <a:rPr lang="en-US" altLang="zh-CN" sz="1000" dirty="0">
                 <a:latin typeface="Arial" panose="020B0604020202090204" pitchFamily="34" charset="0"/>
@@ -4571,6 +4672,10 @@
               </a:rPr>
               <a:t>                                  4   </a:t>
             </a:r>
+            <a:endParaRPr lang="en-US" altLang="zh-CN" sz="1000" dirty="0">
+              <a:latin typeface="Arial" panose="020B0604020202090204" pitchFamily="34" charset="0"/>
+              <a:cs typeface="Arial" panose="020B0604020202090204" pitchFamily="34" charset="0"/>
+            </a:endParaRPr>
           </a:p>
           <a:p>
             <a:r>
@@ -6204,6 +6309,10 @@
               </a:rPr>
               <a:t>SGAN – 2016.06</a:t>
             </a:r>
+            <a:endParaRPr lang="en-US" altLang="zh-CN" sz="2000" b="1" dirty="0">
+              <a:latin typeface="微软雅黑" panose="020B0503020204020204" charset="-122"/>
+              <a:ea typeface="微软雅黑" panose="020B0503020204020204" charset="-122"/>
+            </a:endParaRPr>
           </a:p>
         </p:txBody>
       </p:sp>
@@ -6240,6 +6349,13 @@
               </a:rPr>
               <a:t>Generator</a:t>
             </a:r>
+            <a:endParaRPr lang="en-US" altLang="zh-CN" sz="1400" b="1" dirty="0">
+              <a:solidFill>
+                <a:srgbClr val="0070C0"/>
+              </a:solidFill>
+              <a:latin typeface="微软雅黑" panose="020B0503020204020204" charset="-122"/>
+              <a:ea typeface="微软雅黑" panose="020B0503020204020204" charset="-122"/>
+            </a:endParaRPr>
           </a:p>
         </p:txBody>
       </p:sp>
@@ -6331,6 +6447,13 @@
               </a:rPr>
               <a:t>Discriminator</a:t>
             </a:r>
+            <a:endParaRPr lang="en-US" altLang="zh-CN" sz="1400" b="1" dirty="0">
+              <a:solidFill>
+                <a:srgbClr val="0070C0"/>
+              </a:solidFill>
+              <a:latin typeface="微软雅黑" panose="020B0503020204020204" charset="-122"/>
+              <a:ea typeface="微软雅黑" panose="020B0503020204020204" charset="-122"/>
+            </a:endParaRPr>
           </a:p>
         </p:txBody>
       </p:sp>
@@ -6363,14 +6486,18 @@
               </a:rPr>
               <a:t>                             64</a:t>
             </a:r>
-          </a:p>
-          <a:p>
             <a:endParaRPr lang="en-US" altLang="zh-CN" sz="1000" dirty="0">
               <a:latin typeface="Arial" panose="020B0604020202090204" pitchFamily="34" charset="0"/>
               <a:cs typeface="Arial" panose="020B0604020202090204" pitchFamily="34" charset="0"/>
             </a:endParaRPr>
           </a:p>
           <a:p>
+            <a:endParaRPr lang="en-US" altLang="zh-CN" sz="1000" dirty="0">
+              <a:latin typeface="Arial" panose="020B0604020202090204" pitchFamily="34" charset="0"/>
+              <a:cs typeface="Arial" panose="020B0604020202090204" pitchFamily="34" charset="0"/>
+            </a:endParaRPr>
+          </a:p>
+          <a:p>
             <a:r>
               <a:rPr lang="en-US" altLang="zh-CN" sz="1400" dirty="0">
                 <a:latin typeface="Axure Handwriting" panose="020B0402020200020204" pitchFamily="34" charset="0"/>
@@ -6378,6 +6505,10 @@
               </a:rPr>
               <a:t>  x</a:t>
             </a:r>
+            <a:endParaRPr lang="en-US" altLang="zh-CN" sz="1400" dirty="0">
+              <a:latin typeface="Axure Handwriting" panose="020B0402020200020204" pitchFamily="34" charset="0"/>
+              <a:cs typeface="Arial" panose="020B0604020202090204" pitchFamily="34" charset="0"/>
+            </a:endParaRPr>
           </a:p>
           <a:p>
             <a:endParaRPr lang="en-US" altLang="zh-CN" sz="1000" dirty="0">
@@ -6405,6 +6536,10 @@
               </a:rPr>
               <a:t>                    64   </a:t>
             </a:r>
+            <a:endParaRPr lang="en-US" altLang="zh-CN" sz="1000" dirty="0">
+              <a:latin typeface="Arial" panose="020B0604020202090204" pitchFamily="34" charset="0"/>
+              <a:cs typeface="Arial" panose="020B0604020202090204" pitchFamily="34" charset="0"/>
+            </a:endParaRPr>
           </a:p>
           <a:p>
             <a:r>
@@ -6414,6 +6549,10 @@
               </a:rPr>
               <a:t>         </a:t>
             </a:r>
+            <a:endParaRPr lang="en-US" altLang="zh-CN" sz="1000" dirty="0">
+              <a:latin typeface="Arial" panose="020B0604020202090204" pitchFamily="34" charset="0"/>
+              <a:cs typeface="Arial" panose="020B0604020202090204" pitchFamily="34" charset="0"/>
+            </a:endParaRPr>
           </a:p>
           <a:p>
             <a:r>
@@ -6784,6 +6923,10 @@
               </a:rPr>
               <a:t>                             </a:t>
             </a:r>
+            <a:endParaRPr lang="en-US" altLang="zh-CN" sz="1000" dirty="0">
+              <a:latin typeface="Arial" panose="020B0604020202090204" pitchFamily="34" charset="0"/>
+              <a:cs typeface="Arial" panose="020B0604020202090204" pitchFamily="34" charset="0"/>
+            </a:endParaRPr>
           </a:p>
           <a:p>
             <a:r>
@@ -6793,6 +6936,10 @@
               </a:rPr>
               <a:t>                  32   </a:t>
             </a:r>
+            <a:endParaRPr lang="en-US" altLang="zh-CN" sz="1000" dirty="0">
+              <a:latin typeface="Arial" panose="020B0604020202090204" pitchFamily="34" charset="0"/>
+              <a:cs typeface="Arial" panose="020B0604020202090204" pitchFamily="34" charset="0"/>
+            </a:endParaRPr>
           </a:p>
           <a:p>
             <a:r>
@@ -6802,6 +6949,10 @@
               </a:rPr>
               <a:t>         </a:t>
             </a:r>
+            <a:endParaRPr lang="en-US" altLang="zh-CN" sz="1000" dirty="0">
+              <a:latin typeface="Arial" panose="020B0604020202090204" pitchFamily="34" charset="0"/>
+              <a:cs typeface="Arial" panose="020B0604020202090204" pitchFamily="34" charset="0"/>
+            </a:endParaRPr>
           </a:p>
           <a:p>
             <a:r>
@@ -6877,14 +7028,18 @@
               </a:rPr>
               <a:t>                             </a:t>
             </a:r>
-          </a:p>
-          <a:p>
             <a:endParaRPr lang="en-US" altLang="zh-CN" sz="1000" dirty="0">
               <a:latin typeface="Arial" panose="020B0604020202090204" pitchFamily="34" charset="0"/>
               <a:cs typeface="Arial" panose="020B0604020202090204" pitchFamily="34" charset="0"/>
             </a:endParaRPr>
           </a:p>
           <a:p>
+            <a:endParaRPr lang="en-US" altLang="zh-CN" sz="1000" dirty="0">
+              <a:latin typeface="Arial" panose="020B0604020202090204" pitchFamily="34" charset="0"/>
+              <a:cs typeface="Arial" panose="020B0604020202090204" pitchFamily="34" charset="0"/>
+            </a:endParaRPr>
+          </a:p>
+          <a:p>
             <a:r>
               <a:rPr lang="en-US" altLang="zh-CN" sz="1000" dirty="0">
                 <a:latin typeface="Arial" panose="020B0604020202090204" pitchFamily="34" charset="0"/>
@@ -6892,6 +7047,10 @@
               </a:rPr>
               <a:t>                        </a:t>
             </a:r>
+            <a:endParaRPr lang="en-US" altLang="zh-CN" sz="1000" dirty="0">
+              <a:latin typeface="Arial" panose="020B0604020202090204" pitchFamily="34" charset="0"/>
+              <a:cs typeface="Arial" panose="020B0604020202090204" pitchFamily="34" charset="0"/>
+            </a:endParaRPr>
           </a:p>
           <a:p>
             <a:r>
@@ -6901,6 +7060,10 @@
               </a:rPr>
               <a:t>                      16   </a:t>
             </a:r>
+            <a:endParaRPr lang="en-US" altLang="zh-CN" sz="1000" dirty="0">
+              <a:latin typeface="Arial" panose="020B0604020202090204" pitchFamily="34" charset="0"/>
+              <a:cs typeface="Arial" panose="020B0604020202090204" pitchFamily="34" charset="0"/>
+            </a:endParaRPr>
           </a:p>
           <a:p>
             <a:r>
@@ -6976,6 +7139,10 @@
               </a:rPr>
               <a:t>                          </a:t>
             </a:r>
+            <a:endParaRPr lang="en-US" altLang="zh-CN" sz="1000" dirty="0">
+              <a:latin typeface="Arial" panose="020B0604020202090204" pitchFamily="34" charset="0"/>
+              <a:cs typeface="Arial" panose="020B0604020202090204" pitchFamily="34" charset="0"/>
+            </a:endParaRPr>
           </a:p>
           <a:p>
             <a:r>
@@ -6985,6 +7152,10 @@
               </a:rPr>
               <a:t>   </a:t>
             </a:r>
+            <a:endParaRPr lang="en-US" altLang="zh-CN" sz="1000" dirty="0">
+              <a:latin typeface="Arial" panose="020B0604020202090204" pitchFamily="34" charset="0"/>
+              <a:cs typeface="Arial" panose="020B0604020202090204" pitchFamily="34" charset="0"/>
+            </a:endParaRPr>
           </a:p>
           <a:p>
             <a:r>
@@ -6994,6 +7165,10 @@
               </a:rPr>
               <a:t>                          8   </a:t>
             </a:r>
+            <a:endParaRPr lang="en-US" altLang="zh-CN" sz="1000" dirty="0">
+              <a:latin typeface="Arial" panose="020B0604020202090204" pitchFamily="34" charset="0"/>
+              <a:cs typeface="Arial" panose="020B0604020202090204" pitchFamily="34" charset="0"/>
+            </a:endParaRPr>
           </a:p>
           <a:p>
             <a:r>
@@ -7056,14 +7231,18 @@
               </a:rPr>
               <a:t>                                    4</a:t>
             </a:r>
-          </a:p>
-          <a:p>
             <a:endParaRPr lang="en-US" altLang="zh-CN" sz="1000" dirty="0">
               <a:latin typeface="Arial" panose="020B0604020202090204" pitchFamily="34" charset="0"/>
               <a:cs typeface="Arial" panose="020B0604020202090204" pitchFamily="34" charset="0"/>
             </a:endParaRPr>
           </a:p>
           <a:p>
+            <a:endParaRPr lang="en-US" altLang="zh-CN" sz="1000" dirty="0">
+              <a:latin typeface="Arial" panose="020B0604020202090204" pitchFamily="34" charset="0"/>
+              <a:cs typeface="Arial" panose="020B0604020202090204" pitchFamily="34" charset="0"/>
+            </a:endParaRPr>
+          </a:p>
+          <a:p>
             <a:r>
               <a:rPr lang="en-US" altLang="zh-CN" sz="1000" dirty="0">
                 <a:latin typeface="Arial" panose="020B0604020202090204" pitchFamily="34" charset="0"/>
@@ -7071,6 +7250,10 @@
               </a:rPr>
               <a:t>                                  4   </a:t>
             </a:r>
+            <a:endParaRPr lang="en-US" altLang="zh-CN" sz="1000" dirty="0">
+              <a:latin typeface="Arial" panose="020B0604020202090204" pitchFamily="34" charset="0"/>
+              <a:cs typeface="Arial" panose="020B0604020202090204" pitchFamily="34" charset="0"/>
+            </a:endParaRPr>
           </a:p>
           <a:p>
             <a:r>
@@ -8652,13 +8835,7 @@
       </p:grpSp>
       <p:sp>
         <p:nvSpPr>
-          <p:cNvPr id="56" name="文本框 55">
-            <a:extLst>
-              <a:ext uri="{FF2B5EF4-FFF2-40B4-BE49-F238E27FC236}">
-                <a16:creationId xmlns:a16="http://schemas.microsoft.com/office/drawing/2014/main" id="{86D63596-351F-47EB-9883-3DF1DE0399D8}"/>
-              </a:ext>
-            </a:extLst>
-          </p:cNvPr>
+          <p:cNvPr id="56" name="文本框 55"/>
           <p:cNvSpPr txBox="1"/>
           <p:nvPr/>
         </p:nvSpPr>
@@ -8688,15 +8865,17 @@
               </a:rPr>
               <a:t>Semi-Supervised GAN </a:t>
             </a:r>
+            <a:endParaRPr lang="en-US" altLang="zh-CN" sz="1400" b="1" dirty="0">
+              <a:solidFill>
+                <a:srgbClr val="0070C0"/>
+              </a:solidFill>
+              <a:latin typeface="微软雅黑" panose="020B0503020204020204" charset="-122"/>
+              <a:ea typeface="微软雅黑" panose="020B0503020204020204" charset="-122"/>
+            </a:endParaRPr>
           </a:p>
         </p:txBody>
       </p:sp>
     </p:spTree>
-    <p:extLst>
-      <p:ext uri="{BB962C8B-B14F-4D97-AF65-F5344CB8AC3E}">
-        <p14:creationId xmlns:p14="http://schemas.microsoft.com/office/powerpoint/2010/main" val="391227763"/>
-      </p:ext>
-    </p:extLst>
   </p:cSld>
   <p:clrMapOvr>
     <a:masterClrMapping/>
@@ -8765,6 +8944,16 @@
               </a:rPr>
               <a:t>aO+bP+cQ+fU+gV+hW+kX+lY+mZ</a:t>
             </a:r>
+            <a:endParaRPr lang="en-US" sz="800">
+              <a:solidFill>
+                <a:schemeClr val="accent2">
+                  <a:lumMod val="60000"/>
+                  <a:lumOff val="40000"/>
+                </a:schemeClr>
+              </a:solidFill>
+              <a:latin typeface="微软雅黑" panose="020B0503020204020204" charset="-122"/>
+              <a:ea typeface="微软雅黑" panose="020B0503020204020204" charset="-122"/>
+            </a:endParaRPr>
           </a:p>
         </p:txBody>
       </p:sp>
@@ -8812,6 +9001,16 @@
               </a:rPr>
               <a:t>bO+cP+dQ+gU+hV+iW+lX+mY+nZ</a:t>
             </a:r>
+            <a:endParaRPr lang="en-US" sz="800">
+              <a:solidFill>
+                <a:schemeClr val="accent2">
+                  <a:lumMod val="60000"/>
+                  <a:lumOff val="40000"/>
+                </a:schemeClr>
+              </a:solidFill>
+              <a:latin typeface="微软雅黑" panose="020B0503020204020204" charset="-122"/>
+              <a:ea typeface="微软雅黑" panose="020B0503020204020204" charset="-122"/>
+            </a:endParaRPr>
           </a:p>
         </p:txBody>
       </p:sp>
@@ -8859,6 +9058,16 @@
               </a:rPr>
               <a:t>cO+dP+eQ+hU+iV+jW+mX+nY+oZ</a:t>
             </a:r>
+            <a:endParaRPr lang="en-US" sz="800">
+              <a:solidFill>
+                <a:schemeClr val="accent2">
+                  <a:lumMod val="60000"/>
+                  <a:lumOff val="40000"/>
+                </a:schemeClr>
+              </a:solidFill>
+              <a:latin typeface="微软雅黑" panose="020B0503020204020204" charset="-122"/>
+              <a:ea typeface="微软雅黑" panose="020B0503020204020204" charset="-122"/>
+            </a:endParaRPr>
           </a:p>
         </p:txBody>
       </p:sp>
@@ -10420,6 +10629,13 @@
               </a:rPr>
               <a:t>计算量大：</a:t>
             </a:r>
+            <a:endParaRPr lang="zh-CN" altLang="en-US" b="1">
+              <a:solidFill>
+                <a:srgbClr val="C00000"/>
+              </a:solidFill>
+              <a:latin typeface="微软雅黑" panose="020B0503020204020204" charset="-122"/>
+              <a:ea typeface="微软雅黑" panose="020B0503020204020204" charset="-122"/>
+            </a:endParaRPr>
           </a:p>
           <a:p>
             <a:pPr>
@@ -10437,6 +10653,13 @@
               </a:rPr>
               <a:t>逐点卷积</a:t>
             </a:r>
+            <a:endParaRPr lang="zh-CN" altLang="en-US" b="1">
+              <a:solidFill>
+                <a:srgbClr val="C00000"/>
+              </a:solidFill>
+              <a:latin typeface="微软雅黑" panose="020B0503020204020204" charset="-122"/>
+              <a:ea typeface="微软雅黑" panose="020B0503020204020204" charset="-122"/>
+            </a:endParaRPr>
           </a:p>
         </p:txBody>
       </p:sp>
@@ -10515,6 +10738,13 @@
               </a:rPr>
               <a:t>通道分组</a:t>
             </a:r>
+            <a:endParaRPr lang="zh-CN" altLang="en-US" sz="1400">
+              <a:solidFill>
+                <a:srgbClr val="0F80FF"/>
+              </a:solidFill>
+              <a:latin typeface="微软雅黑" panose="020B0503020204020204" charset="-122"/>
+              <a:ea typeface="微软雅黑" panose="020B0503020204020204" charset="-122"/>
+            </a:endParaRPr>
           </a:p>
           <a:p>
             <a:pPr algn="ctr">
@@ -10532,6 +10762,13 @@
               </a:rPr>
               <a:t>降低计算量</a:t>
             </a:r>
+            <a:endParaRPr lang="zh-CN" altLang="en-US" sz="1400">
+              <a:solidFill>
+                <a:srgbClr val="0F80FF"/>
+              </a:solidFill>
+              <a:latin typeface="微软雅黑" panose="020B0503020204020204" charset="-122"/>
+              <a:ea typeface="微软雅黑" panose="020B0503020204020204" charset="-122"/>
+            </a:endParaRPr>
           </a:p>
         </p:txBody>
       </p:sp>
@@ -10572,6 +10809,13 @@
               </a:rPr>
               <a:t>分组降低信息流通</a:t>
             </a:r>
+            <a:endParaRPr lang="zh-CN" altLang="en-US" sz="1400">
+              <a:solidFill>
+                <a:srgbClr val="C00000"/>
+              </a:solidFill>
+              <a:latin typeface="微软雅黑" panose="020B0503020204020204" charset="-122"/>
+              <a:ea typeface="微软雅黑" panose="020B0503020204020204" charset="-122"/>
+            </a:endParaRPr>
           </a:p>
           <a:p>
             <a:pPr algn="ctr">
@@ -10589,6 +10833,13 @@
               </a:rPr>
               <a:t>减弱信息表示</a:t>
             </a:r>
+            <a:endParaRPr lang="zh-CN" altLang="en-US" sz="1400">
+              <a:solidFill>
+                <a:srgbClr val="C00000"/>
+              </a:solidFill>
+              <a:latin typeface="微软雅黑" panose="020B0503020204020204" charset="-122"/>
+              <a:ea typeface="微软雅黑" panose="020B0503020204020204" charset="-122"/>
+            </a:endParaRPr>
           </a:p>
         </p:txBody>
       </p:sp>
@@ -10629,6 +10880,13 @@
               </a:rPr>
               <a:t>混合通道特征</a:t>
             </a:r>
+            <a:endParaRPr lang="zh-CN" altLang="en-US" sz="1400">
+              <a:solidFill>
+                <a:srgbClr val="0F80FF"/>
+              </a:solidFill>
+              <a:latin typeface="微软雅黑" panose="020B0503020204020204" charset="-122"/>
+              <a:ea typeface="微软雅黑" panose="020B0503020204020204" charset="-122"/>
+            </a:endParaRPr>
           </a:p>
         </p:txBody>
       </p:sp>
@@ -10808,6 +11066,16 @@
               </a:rPr>
               <a:t>）</a:t>
             </a:r>
+            <a:endParaRPr lang="zh-CN" altLang="en-US" sz="1000">
+              <a:solidFill>
+                <a:schemeClr val="tx1">
+                  <a:lumMod val="50000"/>
+                  <a:lumOff val="50000"/>
+                </a:schemeClr>
+              </a:solidFill>
+              <a:latin typeface="微软雅黑" panose="020B0503020204020204" charset="-122"/>
+              <a:ea typeface="微软雅黑" panose="020B0503020204020204" charset="-122"/>
+            </a:endParaRPr>
           </a:p>
           <a:p>
             <a:pPr marL="228600" indent="-228600">
@@ -10966,6 +11234,17 @@
               </a:rPr>
               <a:t>）</a:t>
             </a:r>
+            <a:endParaRPr lang="zh-CN" altLang="en-US" sz="1000">
+              <a:solidFill>
+                <a:schemeClr val="tx1">
+                  <a:lumMod val="50000"/>
+                  <a:lumOff val="50000"/>
+                </a:schemeClr>
+              </a:solidFill>
+              <a:latin typeface="微软雅黑" panose="020B0503020204020204" charset="-122"/>
+              <a:ea typeface="微软雅黑" panose="020B0503020204020204" charset="-122"/>
+              <a:sym typeface="+mn-ea"/>
+            </a:endParaRPr>
           </a:p>
           <a:p>
             <a:pPr marL="228600" indent="-228600">
@@ -11176,6 +11455,13 @@
               </a:rPr>
               <a:t>元素相加</a:t>
             </a:r>
+            <a:endParaRPr lang="zh-CN" altLang="en-US" sz="1400" b="1">
+              <a:solidFill>
+                <a:srgbClr val="CC66FF"/>
+              </a:solidFill>
+              <a:latin typeface="微软雅黑" panose="020B0503020204020204" charset="-122"/>
+              <a:ea typeface="微软雅黑" panose="020B0503020204020204" charset="-122"/>
+            </a:endParaRPr>
           </a:p>
         </p:txBody>
       </p:sp>
@@ -11216,6 +11502,13 @@
               </a:rPr>
               <a:t>通道级联</a:t>
             </a:r>
+            <a:endParaRPr lang="zh-CN" altLang="en-US" sz="1400" b="1">
+              <a:solidFill>
+                <a:srgbClr val="CC66FF"/>
+              </a:solidFill>
+              <a:latin typeface="微软雅黑" panose="020B0503020204020204" charset="-122"/>
+              <a:ea typeface="微软雅黑" panose="020B0503020204020204" charset="-122"/>
+            </a:endParaRPr>
           </a:p>
         </p:txBody>
       </p:sp>
@@ -11248,6 +11541,10 @@
               </a:rPr>
               <a:t>LAPGAN - 2016</a:t>
             </a:r>
+            <a:endParaRPr lang="en-US" altLang="zh-CN" sz="2000" b="1" dirty="0">
+              <a:latin typeface="微软雅黑" panose="020B0503020204020204" charset="-122"/>
+              <a:ea typeface="微软雅黑" panose="020B0503020204020204" charset="-122"/>
+            </a:endParaRPr>
           </a:p>
         </p:txBody>
       </p:sp>
@@ -11305,6 +11602,10 @@
               </a:rPr>
               <a:t>Batch Normalization - 2016</a:t>
             </a:r>
+            <a:endParaRPr lang="en-US" altLang="zh-CN" sz="2000" b="1" dirty="0">
+              <a:latin typeface="微软雅黑" panose="020B0503020204020204" charset="-122"/>
+              <a:ea typeface="微软雅黑" panose="020B0503020204020204" charset="-122"/>
+            </a:endParaRPr>
           </a:p>
         </p:txBody>
       </p:sp>
@@ -11363,6 +11664,16 @@
               </a:rPr>
               <a:t>source: https://openai.com/blog/generative-models/</a:t>
             </a:r>
+            <a:endParaRPr lang="en-US" altLang="zh-CN" sz="800" dirty="0">
+              <a:solidFill>
+                <a:schemeClr val="tx1">
+                  <a:lumMod val="50000"/>
+                  <a:lumOff val="50000"/>
+                </a:schemeClr>
+              </a:solidFill>
+              <a:latin typeface="微软雅黑" panose="020B0503020204020204" charset="-122"/>
+              <a:ea typeface="微软雅黑" panose="020B0503020204020204" charset="-122"/>
+            </a:endParaRPr>
           </a:p>
         </p:txBody>
       </p:sp>
@@ -11398,6 +11709,13 @@
               </a:rPr>
               <a:t>Generator</a:t>
             </a:r>
+            <a:endParaRPr lang="en-US" altLang="zh-CN" sz="1400" b="1" dirty="0">
+              <a:solidFill>
+                <a:srgbClr val="0070C0"/>
+              </a:solidFill>
+              <a:latin typeface="微软雅黑" panose="020B0503020204020204" charset="-122"/>
+              <a:ea typeface="微软雅黑" panose="020B0503020204020204" charset="-122"/>
+            </a:endParaRPr>
           </a:p>
         </p:txBody>
       </p:sp>
@@ -11436,6 +11754,15 @@
               </a:rPr>
               <a:t>Discriminator</a:t>
             </a:r>
+            <a:endParaRPr lang="en-US" altLang="zh-CN" sz="1400" b="1" dirty="0">
+              <a:solidFill>
+                <a:schemeClr val="accent2">
+                  <a:lumMod val="75000"/>
+                </a:schemeClr>
+              </a:solidFill>
+              <a:latin typeface="微软雅黑" panose="020B0503020204020204" charset="-122"/>
+              <a:ea typeface="微软雅黑" panose="020B0503020204020204" charset="-122"/>
+            </a:endParaRPr>
           </a:p>
         </p:txBody>
       </p:sp>
@@ -11684,6 +12011,10 @@
               </a:rPr>
               <a:t>Loss</a:t>
             </a:r>
+            <a:endParaRPr lang="en-US" altLang="zh-CN" sz="1400" b="1" dirty="0">
+              <a:latin typeface="微软雅黑" panose="020B0503020204020204" charset="-122"/>
+              <a:ea typeface="微软雅黑" panose="020B0503020204020204" charset="-122"/>
+            </a:endParaRPr>
           </a:p>
         </p:txBody>
       </p:sp>
@@ -11696,7 +12027,7 @@
           <p:nvPr/>
         </p:nvPicPr>
         <p:blipFill>
-          <a:blip r:embed="rId2">
+          <a:blip r:embed="rId1">
             <a:extLst>
               <a:ext uri="{28A0092B-C50C-407E-A947-70E740481C1C}">
                 <a14:useLocalDpi xmlns:a14="http://schemas.microsoft.com/office/drawing/2010/main" val="0"/>
@@ -11971,6 +12302,10 @@
               </a:rPr>
               <a:t>Instance Normalization - 2016</a:t>
             </a:r>
+            <a:endParaRPr lang="en-US" altLang="zh-CN" sz="2000" b="1" dirty="0">
+              <a:latin typeface="微软雅黑" panose="020B0503020204020204" charset="-122"/>
+              <a:ea typeface="微软雅黑" panose="020B0503020204020204" charset="-122"/>
+            </a:endParaRPr>
           </a:p>
         </p:txBody>
       </p:sp>
@@ -12029,6 +12364,16 @@
               </a:rPr>
               <a:t>source: https://openai.com/blog/generative-models/</a:t>
             </a:r>
+            <a:endParaRPr lang="en-US" altLang="zh-CN" sz="800" dirty="0">
+              <a:solidFill>
+                <a:schemeClr val="tx1">
+                  <a:lumMod val="50000"/>
+                  <a:lumOff val="50000"/>
+                </a:schemeClr>
+              </a:solidFill>
+              <a:latin typeface="微软雅黑" panose="020B0503020204020204" charset="-122"/>
+              <a:ea typeface="微软雅黑" panose="020B0503020204020204" charset="-122"/>
+            </a:endParaRPr>
           </a:p>
         </p:txBody>
       </p:sp>
@@ -12064,6 +12409,13 @@
               </a:rPr>
               <a:t>Generator</a:t>
             </a:r>
+            <a:endParaRPr lang="en-US" altLang="zh-CN" sz="1400" b="1" dirty="0">
+              <a:solidFill>
+                <a:srgbClr val="0070C0"/>
+              </a:solidFill>
+              <a:latin typeface="微软雅黑" panose="020B0503020204020204" charset="-122"/>
+              <a:ea typeface="微软雅黑" panose="020B0503020204020204" charset="-122"/>
+            </a:endParaRPr>
           </a:p>
         </p:txBody>
       </p:sp>
@@ -12102,6 +12454,15 @@
               </a:rPr>
               <a:t>Discriminator</a:t>
             </a:r>
+            <a:endParaRPr lang="en-US" altLang="zh-CN" sz="1400" b="1" dirty="0">
+              <a:solidFill>
+                <a:schemeClr val="accent2">
+                  <a:lumMod val="75000"/>
+                </a:schemeClr>
+              </a:solidFill>
+              <a:latin typeface="微软雅黑" panose="020B0503020204020204" charset="-122"/>
+              <a:ea typeface="微软雅黑" panose="020B0503020204020204" charset="-122"/>
+            </a:endParaRPr>
           </a:p>
         </p:txBody>
       </p:sp>
@@ -12350,6 +12711,10 @@
               </a:rPr>
               <a:t>Loss</a:t>
             </a:r>
+            <a:endParaRPr lang="en-US" altLang="zh-CN" sz="1400" b="1" dirty="0">
+              <a:latin typeface="微软雅黑" panose="020B0503020204020204" charset="-122"/>
+              <a:ea typeface="微软雅黑" panose="020B0503020204020204" charset="-122"/>
+            </a:endParaRPr>
           </a:p>
         </p:txBody>
       </p:sp>
@@ -12362,7 +12727,7 @@
           <p:nvPr/>
         </p:nvPicPr>
         <p:blipFill>
-          <a:blip r:embed="rId2">
+          <a:blip r:embed="rId1">
             <a:extLst>
               <a:ext uri="{28A0092B-C50C-407E-A947-70E740481C1C}">
                 <a14:useLocalDpi xmlns:a14="http://schemas.microsoft.com/office/drawing/2010/main" val="0"/>
@@ -12637,6 +13002,10 @@
               </a:rPr>
               <a:t>Layer Normalization - 2016</a:t>
             </a:r>
+            <a:endParaRPr lang="en-US" altLang="zh-CN" sz="2000" b="1" dirty="0">
+              <a:latin typeface="微软雅黑" panose="020B0503020204020204" charset="-122"/>
+              <a:ea typeface="微软雅黑" panose="020B0503020204020204" charset="-122"/>
+            </a:endParaRPr>
           </a:p>
         </p:txBody>
       </p:sp>
@@ -12695,6 +13064,16 @@
               </a:rPr>
               <a:t>source: https://openai.com/blog/generative-models/</a:t>
             </a:r>
+            <a:endParaRPr lang="en-US" altLang="zh-CN" sz="800" dirty="0">
+              <a:solidFill>
+                <a:schemeClr val="tx1">
+                  <a:lumMod val="50000"/>
+                  <a:lumOff val="50000"/>
+                </a:schemeClr>
+              </a:solidFill>
+              <a:latin typeface="微软雅黑" panose="020B0503020204020204" charset="-122"/>
+              <a:ea typeface="微软雅黑" panose="020B0503020204020204" charset="-122"/>
+            </a:endParaRPr>
           </a:p>
         </p:txBody>
       </p:sp>
@@ -12730,6 +13109,13 @@
               </a:rPr>
               <a:t>Generator</a:t>
             </a:r>
+            <a:endParaRPr lang="en-US" altLang="zh-CN" sz="1400" b="1" dirty="0">
+              <a:solidFill>
+                <a:srgbClr val="0070C0"/>
+              </a:solidFill>
+              <a:latin typeface="微软雅黑" panose="020B0503020204020204" charset="-122"/>
+              <a:ea typeface="微软雅黑" panose="020B0503020204020204" charset="-122"/>
+            </a:endParaRPr>
           </a:p>
         </p:txBody>
       </p:sp>
@@ -12768,6 +13154,15 @@
               </a:rPr>
               <a:t>Discriminator</a:t>
             </a:r>
+            <a:endParaRPr lang="en-US" altLang="zh-CN" sz="1400" b="1" dirty="0">
+              <a:solidFill>
+                <a:schemeClr val="accent2">
+                  <a:lumMod val="75000"/>
+                </a:schemeClr>
+              </a:solidFill>
+              <a:latin typeface="微软雅黑" panose="020B0503020204020204" charset="-122"/>
+              <a:ea typeface="微软雅黑" panose="020B0503020204020204" charset="-122"/>
+            </a:endParaRPr>
           </a:p>
         </p:txBody>
       </p:sp>
@@ -13016,6 +13411,10 @@
               </a:rPr>
               <a:t>Loss</a:t>
             </a:r>
+            <a:endParaRPr lang="en-US" altLang="zh-CN" sz="1400" b="1" dirty="0">
+              <a:latin typeface="微软雅黑" panose="020B0503020204020204" charset="-122"/>
+              <a:ea typeface="微软雅黑" panose="020B0503020204020204" charset="-122"/>
+            </a:endParaRPr>
           </a:p>
         </p:txBody>
       </p:sp>
@@ -13028,7 +13427,7 @@
           <p:nvPr/>
         </p:nvPicPr>
         <p:blipFill>
-          <a:blip r:embed="rId2">
+          <a:blip r:embed="rId1">
             <a:extLst>
               <a:ext uri="{28A0092B-C50C-407E-A947-70E740481C1C}">
                 <a14:useLocalDpi xmlns:a14="http://schemas.microsoft.com/office/drawing/2010/main" val="0"/>
@@ -13358,6 +13757,13 @@
               </a:rPr>
               <a:t>特征提取</a:t>
             </a:r>
+            <a:endParaRPr lang="zh-CN" altLang="en-US" sz="1400" b="1">
+              <a:solidFill>
+                <a:srgbClr val="0070C0"/>
+              </a:solidFill>
+              <a:latin typeface="微软雅黑" panose="020B0503020204020204" charset="-122"/>
+              <a:ea typeface="微软雅黑" panose="020B0503020204020204" charset="-122"/>
+            </a:endParaRPr>
           </a:p>
         </p:txBody>
       </p:sp>
@@ -13398,12 +13804,67 @@
               </a:rPr>
               <a:t>Offset Max Pooling</a:t>
             </a:r>
+            <a:endParaRPr lang="en-US" altLang="zh-CN" b="1">
+              <a:solidFill>
+                <a:srgbClr val="C00000"/>
+              </a:solidFill>
+              <a:latin typeface="微软雅黑" panose="020B0503020204020204" charset="-122"/>
+              <a:ea typeface="微软雅黑" panose="020B0503020204020204" charset="-122"/>
+            </a:endParaRPr>
           </a:p>
         </p:txBody>
       </p:sp>
       <p:pic>
         <p:nvPicPr>
           <p:cNvPr id="4" name="图片 3"/>
+          <p:cNvPicPr>
+            <a:picLocks noChangeAspect="1"/>
+          </p:cNvPicPr>
+          <p:nvPr/>
+        </p:nvPicPr>
+        <p:blipFill>
+          <a:blip r:embed="rId1"/>
+          <a:stretch>
+            <a:fillRect/>
+          </a:stretch>
+        </p:blipFill>
+        <p:spPr>
+          <a:xfrm>
+            <a:off x="6064885" y="3369310"/>
+            <a:ext cx="431800" cy="405765"/>
+          </a:xfrm>
+          <a:prstGeom prst="rect">
+            <a:avLst/>
+          </a:prstGeom>
+        </p:spPr>
+      </p:pic>
+      <p:pic>
+        <p:nvPicPr>
+          <p:cNvPr id="6" name="图片 5"/>
+          <p:cNvPicPr>
+            <a:picLocks noChangeAspect="1"/>
+          </p:cNvPicPr>
+          <p:nvPr/>
+        </p:nvPicPr>
+        <p:blipFill>
+          <a:blip r:embed="rId2"/>
+          <a:stretch>
+            <a:fillRect/>
+          </a:stretch>
+        </p:blipFill>
+        <p:spPr>
+          <a:xfrm>
+            <a:off x="6564630" y="3369310"/>
+            <a:ext cx="431800" cy="405765"/>
+          </a:xfrm>
+          <a:prstGeom prst="rect">
+            <a:avLst/>
+          </a:prstGeom>
+        </p:spPr>
+      </p:pic>
+      <p:pic>
+        <p:nvPicPr>
+          <p:cNvPr id="9" name="图片 8"/>
           <p:cNvPicPr>
             <a:picLocks noChangeAspect="1"/>
           </p:cNvPicPr>
@@ -13417,7 +13878,127 @@
         </p:blipFill>
         <p:spPr>
           <a:xfrm>
-            <a:off x="6064885" y="3369310"/>
+            <a:off x="7084060" y="3369310"/>
+            <a:ext cx="433070" cy="403225"/>
+          </a:xfrm>
+          <a:prstGeom prst="rect">
+            <a:avLst/>
+          </a:prstGeom>
+        </p:spPr>
+      </p:pic>
+      <p:sp>
+        <p:nvSpPr>
+          <p:cNvPr id="13" name="文本框 12"/>
+          <p:cNvSpPr txBox="1"/>
+          <p:nvPr/>
+        </p:nvSpPr>
+        <p:spPr>
+          <a:xfrm>
+            <a:off x="8451215" y="2367280"/>
+            <a:ext cx="2226310" cy="368300"/>
+          </a:xfrm>
+          <a:prstGeom prst="rect">
+            <a:avLst/>
+          </a:prstGeom>
+          <a:noFill/>
+        </p:spPr>
+        <p:txBody>
+          <a:bodyPr wrap="square" rtlCol="0">
+            <a:spAutoFit/>
+          </a:bodyPr>
+          <a:lstStyle/>
+          <a:p>
+            <a:pPr algn="ctr"/>
+            <a:r>
+              <a:rPr lang="en-US" altLang="zh-CN" b="1">
+                <a:solidFill>
+                  <a:srgbClr val="0070C0"/>
+                </a:solidFill>
+                <a:latin typeface="微软雅黑" panose="020B0503020204020204" charset="-122"/>
+                <a:ea typeface="微软雅黑" panose="020B0503020204020204" charset="-122"/>
+              </a:rPr>
+              <a:t>Classifier</a:t>
+            </a:r>
+            <a:endParaRPr lang="en-US" altLang="zh-CN" b="1">
+              <a:solidFill>
+                <a:srgbClr val="0070C0"/>
+              </a:solidFill>
+              <a:latin typeface="微软雅黑" panose="020B0503020204020204" charset="-122"/>
+              <a:ea typeface="微软雅黑" panose="020B0503020204020204" charset="-122"/>
+            </a:endParaRPr>
+          </a:p>
+        </p:txBody>
+      </p:sp>
+      <p:sp>
+        <p:nvSpPr>
+          <p:cNvPr id="14" name="文本框 13"/>
+          <p:cNvSpPr txBox="1"/>
+          <p:nvPr/>
+        </p:nvSpPr>
+        <p:spPr>
+          <a:xfrm>
+            <a:off x="8279130" y="3097530"/>
+            <a:ext cx="917575" cy="257175"/>
+          </a:xfrm>
+          <a:prstGeom prst="rect">
+            <a:avLst/>
+          </a:prstGeom>
+          <a:noFill/>
+        </p:spPr>
+        <p:txBody>
+          <a:bodyPr wrap="square" rtlCol="0">
+            <a:spAutoFit/>
+          </a:bodyPr>
+          <a:lstStyle/>
+          <a:p>
+            <a:pPr algn="ctr">
+              <a:lnSpc>
+                <a:spcPct val="90000"/>
+              </a:lnSpc>
+            </a:pPr>
+            <a:r>
+              <a:rPr lang="en-US" altLang="zh-CN" sz="1200" b="1">
+                <a:solidFill>
+                  <a:schemeClr val="tx1">
+                    <a:lumMod val="50000"/>
+                    <a:lumOff val="50000"/>
+                  </a:schemeClr>
+                </a:solidFill>
+                <a:latin typeface="微软雅黑" panose="020B0503020204020204" charset="-122"/>
+                <a:ea typeface="微软雅黑" panose="020B0503020204020204" charset="-122"/>
+              </a:rPr>
+              <a:t>conv 5x5</a:t>
+            </a:r>
+            <a:endParaRPr lang="en-US" altLang="zh-CN" sz="1200" b="1">
+              <a:solidFill>
+                <a:schemeClr val="tx1">
+                  <a:lumMod val="50000"/>
+                  <a:lumOff val="50000"/>
+                </a:schemeClr>
+              </a:solidFill>
+              <a:latin typeface="微软雅黑" panose="020B0503020204020204" charset="-122"/>
+              <a:ea typeface="微软雅黑" panose="020B0503020204020204" charset="-122"/>
+            </a:endParaRPr>
+          </a:p>
+        </p:txBody>
+      </p:sp>
+      <p:pic>
+        <p:nvPicPr>
+          <p:cNvPr id="15" name="图片 14"/>
+          <p:cNvPicPr>
+            <a:picLocks noChangeAspect="1"/>
+          </p:cNvPicPr>
+          <p:nvPr/>
+        </p:nvPicPr>
+        <p:blipFill>
+          <a:blip r:embed="rId1"/>
+          <a:stretch>
+            <a:fillRect/>
+          </a:stretch>
+        </p:blipFill>
+        <p:spPr>
+          <a:xfrm>
+            <a:off x="8021955" y="3366770"/>
             <a:ext cx="431800" cy="405765"/>
           </a:xfrm>
           <a:prstGeom prst="rect">
@@ -13427,7 +14008,104 @@
       </p:pic>
       <p:pic>
         <p:nvPicPr>
-          <p:cNvPr id="6" name="图片 5"/>
+          <p:cNvPr id="16" name="图片 15"/>
+          <p:cNvPicPr>
+            <a:picLocks noChangeAspect="1"/>
+          </p:cNvPicPr>
+          <p:nvPr/>
+        </p:nvPicPr>
+        <p:blipFill>
+          <a:blip r:embed="rId2"/>
+          <a:stretch>
+            <a:fillRect/>
+          </a:stretch>
+        </p:blipFill>
+        <p:spPr>
+          <a:xfrm>
+            <a:off x="8521700" y="3366770"/>
+            <a:ext cx="431800" cy="405765"/>
+          </a:xfrm>
+          <a:prstGeom prst="rect">
+            <a:avLst/>
+          </a:prstGeom>
+        </p:spPr>
+      </p:pic>
+      <p:pic>
+        <p:nvPicPr>
+          <p:cNvPr id="17" name="图片 16"/>
+          <p:cNvPicPr>
+            <a:picLocks noChangeAspect="1"/>
+          </p:cNvPicPr>
+          <p:nvPr/>
+        </p:nvPicPr>
+        <p:blipFill>
+          <a:blip r:embed="rId3"/>
+          <a:stretch>
+            <a:fillRect/>
+          </a:stretch>
+        </p:blipFill>
+        <p:spPr>
+          <a:xfrm>
+            <a:off x="9041130" y="3366770"/>
+            <a:ext cx="433070" cy="403225"/>
+          </a:xfrm>
+          <a:prstGeom prst="rect">
+            <a:avLst/>
+          </a:prstGeom>
+        </p:spPr>
+      </p:pic>
+      <p:sp>
+        <p:nvSpPr>
+          <p:cNvPr id="18" name="文本框 17"/>
+          <p:cNvSpPr txBox="1"/>
+          <p:nvPr/>
+        </p:nvSpPr>
+        <p:spPr>
+          <a:xfrm>
+            <a:off x="8333105" y="2790825"/>
+            <a:ext cx="809625" cy="306705"/>
+          </a:xfrm>
+          <a:prstGeom prst="rect">
+            <a:avLst/>
+          </a:prstGeom>
+          <a:noFill/>
+        </p:spPr>
+        <p:txBody>
+          <a:bodyPr wrap="square" rtlCol="0">
+            <a:spAutoFit/>
+          </a:bodyPr>
+          <a:lstStyle/>
+          <a:p>
+            <a:pPr algn="ctr"/>
+            <a:r>
+              <a:rPr lang="en-US" altLang="zh-CN" sz="1400" b="1">
+                <a:solidFill>
+                  <a:schemeClr val="tx1">
+                    <a:lumMod val="65000"/>
+                    <a:lumOff val="35000"/>
+                  </a:schemeClr>
+                </a:solidFill>
+                <a:latin typeface="微软雅黑" panose="020B0503020204020204" charset="-122"/>
+                <a:ea typeface="微软雅黑" panose="020B0503020204020204" charset="-122"/>
+              </a:rPr>
+              <a:t>fc6</a:t>
+            </a:r>
+            <a:endParaRPr lang="en-US" altLang="zh-CN" sz="1400" b="1">
+              <a:solidFill>
+                <a:schemeClr val="tx1">
+                  <a:lumMod val="65000"/>
+                  <a:lumOff val="35000"/>
+                </a:schemeClr>
+              </a:solidFill>
+              <a:latin typeface="微软雅黑" panose="020B0503020204020204" charset="-122"/>
+              <a:ea typeface="微软雅黑" panose="020B0503020204020204" charset="-122"/>
+            </a:endParaRPr>
+          </a:p>
+        </p:txBody>
+      </p:sp>
+      <p:pic>
+        <p:nvPicPr>
+          <p:cNvPr id="11" name="图片 10"/>
           <p:cNvPicPr>
             <a:picLocks noChangeAspect="1"/>
           </p:cNvPicPr>
@@ -13441,8 +14119,8 @@
         </p:blipFill>
         <p:spPr>
           <a:xfrm>
-            <a:off x="6564630" y="3369310"/>
-            <a:ext cx="431800" cy="405765"/>
+            <a:off x="8021955" y="3366770"/>
+            <a:ext cx="358775" cy="333375"/>
           </a:xfrm>
           <a:prstGeom prst="rect">
             <a:avLst/>
@@ -13451,7 +14129,55 @@
       </p:pic>
       <p:pic>
         <p:nvPicPr>
-          <p:cNvPr id="9" name="图片 8"/>
+          <p:cNvPr id="20" name="图片 19"/>
+          <p:cNvPicPr>
+            <a:picLocks noChangeAspect="1"/>
+          </p:cNvPicPr>
+          <p:nvPr/>
+        </p:nvPicPr>
+        <p:blipFill>
+          <a:blip r:embed="rId4"/>
+          <a:stretch>
+            <a:fillRect/>
+          </a:stretch>
+        </p:blipFill>
+        <p:spPr>
+          <a:xfrm>
+            <a:off x="8528050" y="3369310"/>
+            <a:ext cx="358775" cy="333375"/>
+          </a:xfrm>
+          <a:prstGeom prst="rect">
+            <a:avLst/>
+          </a:prstGeom>
+        </p:spPr>
+      </p:pic>
+      <p:pic>
+        <p:nvPicPr>
+          <p:cNvPr id="22" name="图片 21"/>
+          <p:cNvPicPr>
+            <a:picLocks noChangeAspect="1"/>
+          </p:cNvPicPr>
+          <p:nvPr/>
+        </p:nvPicPr>
+        <p:blipFill>
+          <a:blip r:embed="rId4"/>
+          <a:stretch>
+            <a:fillRect/>
+          </a:stretch>
+        </p:blipFill>
+        <p:spPr>
+          <a:xfrm>
+            <a:off x="9041130" y="3369310"/>
+            <a:ext cx="358775" cy="333375"/>
+          </a:xfrm>
+          <a:prstGeom prst="rect">
+            <a:avLst/>
+          </a:prstGeom>
+        </p:spPr>
+      </p:pic>
+      <p:pic>
+        <p:nvPicPr>
+          <p:cNvPr id="28" name="图片 27"/>
           <p:cNvPicPr>
             <a:picLocks noChangeAspect="1"/>
           </p:cNvPicPr>
@@ -13465,111 +14191,32 @@
         </p:blipFill>
         <p:spPr>
           <a:xfrm>
-            <a:off x="7084060" y="3369310"/>
-            <a:ext cx="433070" cy="403225"/>
+            <a:off x="9770745" y="3369945"/>
+            <a:ext cx="249555" cy="231140"/>
           </a:xfrm>
           <a:prstGeom prst="rect">
             <a:avLst/>
           </a:prstGeom>
         </p:spPr>
       </p:pic>
-      <p:sp>
-        <p:nvSpPr>
-          <p:cNvPr id="13" name="文本框 12"/>
-          <p:cNvSpPr txBox="1"/>
-          <p:nvPr/>
-        </p:nvSpPr>
-        <p:spPr>
-          <a:xfrm>
-            <a:off x="8451215" y="2367280"/>
-            <a:ext cx="2226310" cy="368300"/>
-          </a:xfrm>
-          <a:prstGeom prst="rect">
-            <a:avLst/>
-          </a:prstGeom>
-          <a:noFill/>
-        </p:spPr>
-        <p:txBody>
-          <a:bodyPr wrap="square" rtlCol="0">
-            <a:spAutoFit/>
-          </a:bodyPr>
-          <a:lstStyle/>
-          <a:p>
-            <a:pPr algn="ctr"/>
-            <a:r>
-              <a:rPr lang="en-US" altLang="zh-CN" b="1">
-                <a:solidFill>
-                  <a:srgbClr val="0070C0"/>
-                </a:solidFill>
-                <a:latin typeface="微软雅黑" panose="020B0503020204020204" charset="-122"/>
-                <a:ea typeface="微软雅黑" panose="020B0503020204020204" charset="-122"/>
-              </a:rPr>
-              <a:t>Classifier</a:t>
-            </a:r>
-          </a:p>
-        </p:txBody>
-      </p:sp>
-      <p:sp>
-        <p:nvSpPr>
-          <p:cNvPr id="14" name="文本框 13"/>
-          <p:cNvSpPr txBox="1"/>
-          <p:nvPr/>
-        </p:nvSpPr>
-        <p:spPr>
-          <a:xfrm>
-            <a:off x="8279130" y="3097530"/>
-            <a:ext cx="917575" cy="257175"/>
-          </a:xfrm>
-          <a:prstGeom prst="rect">
-            <a:avLst/>
-          </a:prstGeom>
-          <a:noFill/>
-        </p:spPr>
-        <p:txBody>
-          <a:bodyPr wrap="square" rtlCol="0">
-            <a:spAutoFit/>
-          </a:bodyPr>
-          <a:lstStyle/>
-          <a:p>
-            <a:pPr algn="ctr">
-              <a:lnSpc>
-                <a:spcPct val="90000"/>
-              </a:lnSpc>
-            </a:pPr>
-            <a:r>
-              <a:rPr lang="en-US" altLang="zh-CN" sz="1200" b="1">
-                <a:solidFill>
-                  <a:schemeClr val="tx1">
-                    <a:lumMod val="50000"/>
-                    <a:lumOff val="50000"/>
-                  </a:schemeClr>
-                </a:solidFill>
-                <a:latin typeface="微软雅黑" panose="020B0503020204020204" charset="-122"/>
-                <a:ea typeface="微软雅黑" panose="020B0503020204020204" charset="-122"/>
-              </a:rPr>
-              <a:t>conv 5x5</a:t>
-            </a:r>
-          </a:p>
-        </p:txBody>
-      </p:sp>
       <p:pic>
         <p:nvPicPr>
-          <p:cNvPr id="15" name="图片 14"/>
+          <p:cNvPr id="29" name="图片 28"/>
           <p:cNvPicPr>
             <a:picLocks noChangeAspect="1"/>
           </p:cNvPicPr>
           <p:nvPr/>
         </p:nvPicPr>
         <p:blipFill>
-          <a:blip r:embed="rId3"/>
+          <a:blip r:embed="rId6"/>
           <a:stretch>
             <a:fillRect/>
           </a:stretch>
         </p:blipFill>
         <p:spPr>
           <a:xfrm>
-            <a:off x="8021955" y="3366770"/>
-            <a:ext cx="431800" cy="405765"/>
+            <a:off x="10064750" y="3369310"/>
+            <a:ext cx="247650" cy="231775"/>
           </a:xfrm>
           <a:prstGeom prst="rect">
             <a:avLst/>
@@ -13578,22 +14225,22 @@
       </p:pic>
       <p:pic>
         <p:nvPicPr>
-          <p:cNvPr id="16" name="图片 15"/>
+          <p:cNvPr id="30" name="图片 29"/>
           <p:cNvPicPr>
             <a:picLocks noChangeAspect="1"/>
           </p:cNvPicPr>
           <p:nvPr/>
         </p:nvPicPr>
         <p:blipFill>
-          <a:blip r:embed="rId4"/>
+          <a:blip r:embed="rId7"/>
           <a:stretch>
             <a:fillRect/>
           </a:stretch>
         </p:blipFill>
         <p:spPr>
           <a:xfrm>
-            <a:off x="8521700" y="3366770"/>
-            <a:ext cx="431800" cy="405765"/>
+            <a:off x="10351770" y="3366770"/>
+            <a:ext cx="248920" cy="233680"/>
           </a:xfrm>
           <a:prstGeom prst="rect">
             <a:avLst/>
@@ -13602,7 +14249,79 @@
       </p:pic>
       <p:pic>
         <p:nvPicPr>
-          <p:cNvPr id="17" name="图片 16"/>
+          <p:cNvPr id="31" name="图片 30"/>
+          <p:cNvPicPr>
+            <a:picLocks noChangeAspect="1"/>
+          </p:cNvPicPr>
+          <p:nvPr/>
+        </p:nvPicPr>
+        <p:blipFill>
+          <a:blip r:embed="rId8"/>
+          <a:stretch>
+            <a:fillRect/>
+          </a:stretch>
+        </p:blipFill>
+        <p:spPr>
+          <a:xfrm>
+            <a:off x="9773920" y="3369945"/>
+            <a:ext cx="123825" cy="118745"/>
+          </a:xfrm>
+          <a:prstGeom prst="rect">
+            <a:avLst/>
+          </a:prstGeom>
+        </p:spPr>
+      </p:pic>
+      <p:pic>
+        <p:nvPicPr>
+          <p:cNvPr id="32" name="图片 31"/>
+          <p:cNvPicPr>
+            <a:picLocks noChangeAspect="1"/>
+          </p:cNvPicPr>
+          <p:nvPr/>
+        </p:nvPicPr>
+        <p:blipFill>
+          <a:blip r:embed="rId8"/>
+          <a:stretch>
+            <a:fillRect/>
+          </a:stretch>
+        </p:blipFill>
+        <p:spPr>
+          <a:xfrm>
+            <a:off x="10067925" y="3369945"/>
+            <a:ext cx="123825" cy="118745"/>
+          </a:xfrm>
+          <a:prstGeom prst="rect">
+            <a:avLst/>
+          </a:prstGeom>
+        </p:spPr>
+      </p:pic>
+      <p:pic>
+        <p:nvPicPr>
+          <p:cNvPr id="33" name="图片 32"/>
+          <p:cNvPicPr>
+            <a:picLocks noChangeAspect="1"/>
+          </p:cNvPicPr>
+          <p:nvPr/>
+        </p:nvPicPr>
+        <p:blipFill>
+          <a:blip r:embed="rId8"/>
+          <a:stretch>
+            <a:fillRect/>
+          </a:stretch>
+        </p:blipFill>
+        <p:spPr>
+          <a:xfrm>
+            <a:off x="10354945" y="3366770"/>
+            <a:ext cx="123825" cy="118745"/>
+          </a:xfrm>
+          <a:prstGeom prst="rect">
+            <a:avLst/>
+          </a:prstGeom>
+        </p:spPr>
+      </p:pic>
+      <p:pic>
+        <p:nvPicPr>
+          <p:cNvPr id="34" name="图片 33"/>
           <p:cNvPicPr>
             <a:picLocks noChangeAspect="1"/>
           </p:cNvPicPr>
@@ -13616,56 +14335,17 @@
         </p:blipFill>
         <p:spPr>
           <a:xfrm>
-            <a:off x="9041130" y="3366770"/>
-            <a:ext cx="433070" cy="403225"/>
+            <a:off x="10854690" y="3367405"/>
+            <a:ext cx="249555" cy="231140"/>
           </a:xfrm>
           <a:prstGeom prst="rect">
             <a:avLst/>
           </a:prstGeom>
         </p:spPr>
       </p:pic>
-      <p:sp>
-        <p:nvSpPr>
-          <p:cNvPr id="18" name="文本框 17"/>
-          <p:cNvSpPr txBox="1"/>
-          <p:nvPr/>
-        </p:nvSpPr>
-        <p:spPr>
-          <a:xfrm>
-            <a:off x="8333105" y="2790825"/>
-            <a:ext cx="809625" cy="306705"/>
-          </a:xfrm>
-          <a:prstGeom prst="rect">
-            <a:avLst/>
-          </a:prstGeom>
-          <a:noFill/>
-        </p:spPr>
-        <p:txBody>
-          <a:bodyPr wrap="square" rtlCol="0">
-            <a:spAutoFit/>
-          </a:bodyPr>
-          <a:lstStyle/>
-          <a:p>
-            <a:pPr algn="ctr"/>
-            <a:r>
-              <a:rPr lang="en-US" altLang="zh-CN" sz="1400" b="1">
-                <a:solidFill>
-                  <a:schemeClr val="tx1">
-                    <a:lumMod val="65000"/>
-                    <a:lumOff val="35000"/>
-                  </a:schemeClr>
-                </a:solidFill>
-                <a:latin typeface="微软雅黑" panose="020B0503020204020204" charset="-122"/>
-                <a:ea typeface="微软雅黑" panose="020B0503020204020204" charset="-122"/>
-              </a:rPr>
-              <a:t>fc6</a:t>
-            </a:r>
-          </a:p>
-        </p:txBody>
-      </p:sp>
       <p:pic>
         <p:nvPicPr>
-          <p:cNvPr id="11" name="图片 10"/>
+          <p:cNvPr id="35" name="图片 34"/>
           <p:cNvPicPr>
             <a:picLocks noChangeAspect="1"/>
           </p:cNvPicPr>
@@ -13679,8 +14359,8 @@
         </p:blipFill>
         <p:spPr>
           <a:xfrm>
-            <a:off x="8021955" y="3366770"/>
-            <a:ext cx="358775" cy="333375"/>
+            <a:off x="11148695" y="3366770"/>
+            <a:ext cx="247650" cy="231775"/>
           </a:xfrm>
           <a:prstGeom prst="rect">
             <a:avLst/>
@@ -13689,55 +14369,7 @@
       </p:pic>
       <p:pic>
         <p:nvPicPr>
-          <p:cNvPr id="20" name="图片 19"/>
-          <p:cNvPicPr>
-            <a:picLocks noChangeAspect="1"/>
-          </p:cNvPicPr>
-          <p:nvPr/>
-        </p:nvPicPr>
-        <p:blipFill>
-          <a:blip r:embed="rId6"/>
-          <a:stretch>
-            <a:fillRect/>
-          </a:stretch>
-        </p:blipFill>
-        <p:spPr>
-          <a:xfrm>
-            <a:off x="8528050" y="3369310"/>
-            <a:ext cx="358775" cy="333375"/>
-          </a:xfrm>
-          <a:prstGeom prst="rect">
-            <a:avLst/>
-          </a:prstGeom>
-        </p:spPr>
-      </p:pic>
-      <p:pic>
-        <p:nvPicPr>
-          <p:cNvPr id="22" name="图片 21"/>
-          <p:cNvPicPr>
-            <a:picLocks noChangeAspect="1"/>
-          </p:cNvPicPr>
-          <p:nvPr/>
-        </p:nvPicPr>
-        <p:blipFill>
-          <a:blip r:embed="rId6"/>
-          <a:stretch>
-            <a:fillRect/>
-          </a:stretch>
-        </p:blipFill>
-        <p:spPr>
-          <a:xfrm>
-            <a:off x="9041130" y="3369310"/>
-            <a:ext cx="358775" cy="333375"/>
-          </a:xfrm>
-          <a:prstGeom prst="rect">
-            <a:avLst/>
-          </a:prstGeom>
-        </p:spPr>
-      </p:pic>
-      <p:pic>
-        <p:nvPicPr>
-          <p:cNvPr id="28" name="图片 27"/>
+          <p:cNvPr id="36" name="图片 35"/>
           <p:cNvPicPr>
             <a:picLocks noChangeAspect="1"/>
           </p:cNvPicPr>
@@ -13751,8 +14383,8 @@
         </p:blipFill>
         <p:spPr>
           <a:xfrm>
-            <a:off x="9770745" y="3369945"/>
-            <a:ext cx="249555" cy="231140"/>
+            <a:off x="11435715" y="3364230"/>
+            <a:ext cx="248920" cy="233680"/>
           </a:xfrm>
           <a:prstGeom prst="rect">
             <a:avLst/>
@@ -13761,7 +14393,7 @@
       </p:pic>
       <p:pic>
         <p:nvPicPr>
-          <p:cNvPr id="29" name="图片 28"/>
+          <p:cNvPr id="37" name="图片 36"/>
           <p:cNvPicPr>
             <a:picLocks noChangeAspect="1"/>
           </p:cNvPicPr>
@@ -13775,8 +14407,8 @@
         </p:blipFill>
         <p:spPr>
           <a:xfrm>
-            <a:off x="10064750" y="3369310"/>
-            <a:ext cx="247650" cy="231775"/>
+            <a:off x="10857865" y="3367405"/>
+            <a:ext cx="123825" cy="118745"/>
           </a:xfrm>
           <a:prstGeom prst="rect">
             <a:avLst/>
@@ -13785,127 +14417,7 @@
       </p:pic>
       <p:pic>
         <p:nvPicPr>
-          <p:cNvPr id="30" name="图片 29"/>
-          <p:cNvPicPr>
-            <a:picLocks noChangeAspect="1"/>
-          </p:cNvPicPr>
-          <p:nvPr/>
-        </p:nvPicPr>
-        <p:blipFill>
-          <a:blip r:embed="rId9"/>
-          <a:stretch>
-            <a:fillRect/>
-          </a:stretch>
-        </p:blipFill>
-        <p:spPr>
-          <a:xfrm>
-            <a:off x="10351770" y="3366770"/>
-            <a:ext cx="248920" cy="233680"/>
-          </a:xfrm>
-          <a:prstGeom prst="rect">
-            <a:avLst/>
-          </a:prstGeom>
-        </p:spPr>
-      </p:pic>
-      <p:pic>
-        <p:nvPicPr>
-          <p:cNvPr id="31" name="图片 30"/>
-          <p:cNvPicPr>
-            <a:picLocks noChangeAspect="1"/>
-          </p:cNvPicPr>
-          <p:nvPr/>
-        </p:nvPicPr>
-        <p:blipFill>
-          <a:blip r:embed="rId10"/>
-          <a:stretch>
-            <a:fillRect/>
-          </a:stretch>
-        </p:blipFill>
-        <p:spPr>
-          <a:xfrm>
-            <a:off x="9773920" y="3369945"/>
-            <a:ext cx="123825" cy="118745"/>
-          </a:xfrm>
-          <a:prstGeom prst="rect">
-            <a:avLst/>
-          </a:prstGeom>
-        </p:spPr>
-      </p:pic>
-      <p:pic>
-        <p:nvPicPr>
-          <p:cNvPr id="32" name="图片 31"/>
-          <p:cNvPicPr>
-            <a:picLocks noChangeAspect="1"/>
-          </p:cNvPicPr>
-          <p:nvPr/>
-        </p:nvPicPr>
-        <p:blipFill>
-          <a:blip r:embed="rId10"/>
-          <a:stretch>
-            <a:fillRect/>
-          </a:stretch>
-        </p:blipFill>
-        <p:spPr>
-          <a:xfrm>
-            <a:off x="10067925" y="3369945"/>
-            <a:ext cx="123825" cy="118745"/>
-          </a:xfrm>
-          <a:prstGeom prst="rect">
-            <a:avLst/>
-          </a:prstGeom>
-        </p:spPr>
-      </p:pic>
-      <p:pic>
-        <p:nvPicPr>
-          <p:cNvPr id="33" name="图片 32"/>
-          <p:cNvPicPr>
-            <a:picLocks noChangeAspect="1"/>
-          </p:cNvPicPr>
-          <p:nvPr/>
-        </p:nvPicPr>
-        <p:blipFill>
-          <a:blip r:embed="rId10"/>
-          <a:stretch>
-            <a:fillRect/>
-          </a:stretch>
-        </p:blipFill>
-        <p:spPr>
-          <a:xfrm>
-            <a:off x="10354945" y="3366770"/>
-            <a:ext cx="123825" cy="118745"/>
-          </a:xfrm>
-          <a:prstGeom prst="rect">
-            <a:avLst/>
-          </a:prstGeom>
-        </p:spPr>
-      </p:pic>
-      <p:pic>
-        <p:nvPicPr>
-          <p:cNvPr id="34" name="图片 33"/>
-          <p:cNvPicPr>
-            <a:picLocks noChangeAspect="1"/>
-          </p:cNvPicPr>
-          <p:nvPr/>
-        </p:nvPicPr>
-        <p:blipFill>
-          <a:blip r:embed="rId7"/>
-          <a:stretch>
-            <a:fillRect/>
-          </a:stretch>
-        </p:blipFill>
-        <p:spPr>
-          <a:xfrm>
-            <a:off x="10854690" y="3367405"/>
-            <a:ext cx="249555" cy="231140"/>
-          </a:xfrm>
-          <a:prstGeom prst="rect">
-            <a:avLst/>
-          </a:prstGeom>
-        </p:spPr>
-      </p:pic>
-      <p:pic>
-        <p:nvPicPr>
-          <p:cNvPr id="35" name="图片 34"/>
+          <p:cNvPr id="38" name="图片 37"/>
           <p:cNvPicPr>
             <a:picLocks noChangeAspect="1"/>
           </p:cNvPicPr>
@@ -13919,78 +14431,6 @@
         </p:blipFill>
         <p:spPr>
           <a:xfrm>
-            <a:off x="11148695" y="3366770"/>
-            <a:ext cx="247650" cy="231775"/>
-          </a:xfrm>
-          <a:prstGeom prst="rect">
-            <a:avLst/>
-          </a:prstGeom>
-        </p:spPr>
-      </p:pic>
-      <p:pic>
-        <p:nvPicPr>
-          <p:cNvPr id="36" name="图片 35"/>
-          <p:cNvPicPr>
-            <a:picLocks noChangeAspect="1"/>
-          </p:cNvPicPr>
-          <p:nvPr/>
-        </p:nvPicPr>
-        <p:blipFill>
-          <a:blip r:embed="rId9"/>
-          <a:stretch>
-            <a:fillRect/>
-          </a:stretch>
-        </p:blipFill>
-        <p:spPr>
-          <a:xfrm>
-            <a:off x="11435715" y="3364230"/>
-            <a:ext cx="248920" cy="233680"/>
-          </a:xfrm>
-          <a:prstGeom prst="rect">
-            <a:avLst/>
-          </a:prstGeom>
-        </p:spPr>
-      </p:pic>
-      <p:pic>
-        <p:nvPicPr>
-          <p:cNvPr id="37" name="图片 36"/>
-          <p:cNvPicPr>
-            <a:picLocks noChangeAspect="1"/>
-          </p:cNvPicPr>
-          <p:nvPr/>
-        </p:nvPicPr>
-        <p:blipFill>
-          <a:blip r:embed="rId10"/>
-          <a:stretch>
-            <a:fillRect/>
-          </a:stretch>
-        </p:blipFill>
-        <p:spPr>
-          <a:xfrm>
-            <a:off x="10857865" y="3367405"/>
-            <a:ext cx="123825" cy="118745"/>
-          </a:xfrm>
-          <a:prstGeom prst="rect">
-            <a:avLst/>
-          </a:prstGeom>
-        </p:spPr>
-      </p:pic>
-      <p:pic>
-        <p:nvPicPr>
-          <p:cNvPr id="38" name="图片 37"/>
-          <p:cNvPicPr>
-            <a:picLocks noChangeAspect="1"/>
-          </p:cNvPicPr>
-          <p:nvPr/>
-        </p:nvPicPr>
-        <p:blipFill>
-          <a:blip r:embed="rId10"/>
-          <a:stretch>
-            <a:fillRect/>
-          </a:stretch>
-        </p:blipFill>
-        <p:spPr>
-          <a:xfrm>
             <a:off x="11151870" y="3367405"/>
             <a:ext cx="123825" cy="118745"/>
           </a:xfrm>
@@ -14008,7 +14448,7 @@
           <p:nvPr/>
         </p:nvPicPr>
         <p:blipFill>
-          <a:blip r:embed="rId10"/>
+          <a:blip r:embed="rId8"/>
           <a:stretch>
             <a:fillRect/>
           </a:stretch>
@@ -14063,6 +14503,16 @@
               </a:rPr>
               <a:t>conv 1x1</a:t>
             </a:r>
+            <a:endParaRPr lang="en-US" altLang="zh-CN" sz="1200" b="1">
+              <a:solidFill>
+                <a:schemeClr val="tx1">
+                  <a:lumMod val="50000"/>
+                  <a:lumOff val="50000"/>
+                </a:schemeClr>
+              </a:solidFill>
+              <a:latin typeface="微软雅黑" panose="020B0503020204020204" charset="-122"/>
+              <a:ea typeface="微软雅黑" panose="020B0503020204020204" charset="-122"/>
+            </a:endParaRPr>
           </a:p>
         </p:txBody>
       </p:sp>
@@ -14102,6 +14552,16 @@
               </a:rPr>
               <a:t>fc7</a:t>
             </a:r>
+            <a:endParaRPr lang="en-US" altLang="zh-CN" sz="1400" b="1">
+              <a:solidFill>
+                <a:schemeClr val="tx1">
+                  <a:lumMod val="65000"/>
+                  <a:lumOff val="35000"/>
+                </a:schemeClr>
+              </a:solidFill>
+              <a:latin typeface="微软雅黑" panose="020B0503020204020204" charset="-122"/>
+              <a:ea typeface="微软雅黑" panose="020B0503020204020204" charset="-122"/>
+            </a:endParaRPr>
           </a:p>
         </p:txBody>
       </p:sp>
@@ -14145,6 +14605,16 @@
               </a:rPr>
               <a:t>conv 1x1</a:t>
             </a:r>
+            <a:endParaRPr lang="en-US" altLang="zh-CN" sz="1200" b="1">
+              <a:solidFill>
+                <a:schemeClr val="tx1">
+                  <a:lumMod val="50000"/>
+                  <a:lumOff val="50000"/>
+                </a:schemeClr>
+              </a:solidFill>
+              <a:latin typeface="微软雅黑" panose="020B0503020204020204" charset="-122"/>
+              <a:ea typeface="微软雅黑" panose="020B0503020204020204" charset="-122"/>
+            </a:endParaRPr>
           </a:p>
         </p:txBody>
       </p:sp>
@@ -14184,6 +14654,16 @@
               </a:rPr>
               <a:t>fc8</a:t>
             </a:r>
+            <a:endParaRPr lang="en-US" altLang="zh-CN" sz="1400" b="1">
+              <a:solidFill>
+                <a:schemeClr val="tx1">
+                  <a:lumMod val="65000"/>
+                  <a:lumOff val="35000"/>
+                </a:schemeClr>
+              </a:solidFill>
+              <a:latin typeface="微软雅黑" panose="020B0503020204020204" charset="-122"/>
+              <a:ea typeface="微软雅黑" panose="020B0503020204020204" charset="-122"/>
+            </a:endParaRPr>
           </a:p>
         </p:txBody>
       </p:sp>
@@ -14335,6 +14815,15 @@
               </a:rPr>
               <a:t>221x221x96</a:t>
             </a:r>
+            <a:endParaRPr lang="en-US" altLang="zh-CN" sz="800">
+              <a:solidFill>
+                <a:schemeClr val="tx1">
+                  <a:lumMod val="50000"/>
+                  <a:lumOff val="50000"/>
+                </a:schemeClr>
+              </a:solidFill>
+              <a:latin typeface="Arial" panose="020B0604020202090204" pitchFamily="34" charset="0"/>
+            </a:endParaRPr>
           </a:p>
         </p:txBody>
       </p:sp>
@@ -14392,6 +14881,15 @@
               </a:rPr>
               <a:t>36x36x256</a:t>
             </a:r>
+            <a:endParaRPr lang="en-US" altLang="zh-CN" sz="800">
+              <a:solidFill>
+                <a:schemeClr val="tx1">
+                  <a:lumMod val="50000"/>
+                  <a:lumOff val="50000"/>
+                </a:schemeClr>
+              </a:solidFill>
+              <a:latin typeface="Arial" panose="020B0604020202090204" pitchFamily="34" charset="0"/>
+            </a:endParaRPr>
           </a:p>
         </p:txBody>
       </p:sp>
@@ -14449,6 +14947,15 @@
               </a:rPr>
               <a:t>15x15x512</a:t>
             </a:r>
+            <a:endParaRPr lang="en-US" altLang="zh-CN" sz="800">
+              <a:solidFill>
+                <a:schemeClr val="tx1">
+                  <a:lumMod val="50000"/>
+                  <a:lumOff val="50000"/>
+                </a:schemeClr>
+              </a:solidFill>
+              <a:latin typeface="Arial" panose="020B0604020202090204" pitchFamily="34" charset="0"/>
+            </a:endParaRPr>
           </a:p>
         </p:txBody>
       </p:sp>
@@ -14506,6 +15013,15 @@
               </a:rPr>
               <a:t>15x15x512</a:t>
             </a:r>
+            <a:endParaRPr lang="en-US" altLang="zh-CN" sz="800">
+              <a:solidFill>
+                <a:schemeClr val="tx1">
+                  <a:lumMod val="50000"/>
+                  <a:lumOff val="50000"/>
+                </a:schemeClr>
+              </a:solidFill>
+              <a:latin typeface="Arial" panose="020B0604020202090204" pitchFamily="34" charset="0"/>
+            </a:endParaRPr>
           </a:p>
         </p:txBody>
       </p:sp>
@@ -14563,6 +15079,15 @@
               </a:rPr>
               <a:t>15x15x1024</a:t>
             </a:r>
+            <a:endParaRPr lang="en-US" altLang="zh-CN" sz="800">
+              <a:solidFill>
+                <a:schemeClr val="tx1">
+                  <a:lumMod val="50000"/>
+                  <a:lumOff val="50000"/>
+                </a:schemeClr>
+              </a:solidFill>
+              <a:latin typeface="Arial" panose="020B0604020202090204" pitchFamily="34" charset="0"/>
+            </a:endParaRPr>
           </a:p>
         </p:txBody>
       </p:sp>
@@ -14599,6 +15124,13 @@
               </a:rPr>
               <a:t>Regressor</a:t>
             </a:r>
+            <a:endParaRPr lang="en-US" altLang="zh-CN" b="1">
+              <a:solidFill>
+                <a:srgbClr val="0070C0"/>
+              </a:solidFill>
+              <a:latin typeface="微软雅黑" panose="020B0503020204020204" charset="-122"/>
+              <a:ea typeface="微软雅黑" panose="020B0503020204020204" charset="-122"/>
+            </a:endParaRPr>
           </a:p>
         </p:txBody>
       </p:sp>
@@ -14638,6 +15170,16 @@
               </a:rPr>
               <a:t>fc6</a:t>
             </a:r>
+            <a:endParaRPr lang="en-US" altLang="zh-CN" sz="1400" b="1">
+              <a:solidFill>
+                <a:schemeClr val="tx1">
+                  <a:lumMod val="65000"/>
+                  <a:lumOff val="35000"/>
+                </a:schemeClr>
+              </a:solidFill>
+              <a:latin typeface="微软雅黑" panose="020B0503020204020204" charset="-122"/>
+              <a:ea typeface="微软雅黑" panose="020B0503020204020204" charset="-122"/>
+            </a:endParaRPr>
           </a:p>
           <a:p>
             <a:pPr algn="ctr"/>
@@ -14667,6 +15209,16 @@
               </a:rPr>
               <a:t>通道</a:t>
             </a:r>
+            <a:endParaRPr lang="zh-CN" altLang="en-US" sz="1000" b="1">
+              <a:solidFill>
+                <a:schemeClr val="tx1">
+                  <a:lumMod val="65000"/>
+                  <a:lumOff val="35000"/>
+                </a:schemeClr>
+              </a:solidFill>
+              <a:latin typeface="微软雅黑" panose="020B0503020204020204" charset="-122"/>
+              <a:ea typeface="微软雅黑" panose="020B0503020204020204" charset="-122"/>
+            </a:endParaRPr>
           </a:p>
         </p:txBody>
       </p:sp>
@@ -14706,6 +15258,16 @@
               </a:rPr>
               <a:t>fc7</a:t>
             </a:r>
+            <a:endParaRPr lang="en-US" altLang="zh-CN" sz="1400" b="1">
+              <a:solidFill>
+                <a:schemeClr val="tx1">
+                  <a:lumMod val="65000"/>
+                  <a:lumOff val="35000"/>
+                </a:schemeClr>
+              </a:solidFill>
+              <a:latin typeface="微软雅黑" panose="020B0503020204020204" charset="-122"/>
+              <a:ea typeface="微软雅黑" panose="020B0503020204020204" charset="-122"/>
+            </a:endParaRPr>
           </a:p>
           <a:p>
             <a:pPr algn="ctr"/>
@@ -14799,6 +15361,16 @@
               </a:rPr>
               <a:t>fc8</a:t>
             </a:r>
+            <a:endParaRPr lang="en-US" altLang="zh-CN" sz="1400" b="1">
+              <a:solidFill>
+                <a:schemeClr val="tx1">
+                  <a:lumMod val="65000"/>
+                  <a:lumOff val="35000"/>
+                </a:schemeClr>
+              </a:solidFill>
+              <a:latin typeface="微软雅黑" panose="020B0503020204020204" charset="-122"/>
+              <a:ea typeface="微软雅黑" panose="020B0503020204020204" charset="-122"/>
+            </a:endParaRPr>
           </a:p>
           <a:p>
             <a:pPr algn="ctr"/>
@@ -14828,6 +15400,16 @@
               </a:rPr>
               <a:t>通道</a:t>
             </a:r>
+            <a:endParaRPr lang="zh-CN" altLang="en-US" sz="1000" b="1">
+              <a:solidFill>
+                <a:schemeClr val="tx1">
+                  <a:lumMod val="65000"/>
+                  <a:lumOff val="35000"/>
+                </a:schemeClr>
+              </a:solidFill>
+              <a:latin typeface="微软雅黑" panose="020B0503020204020204" charset="-122"/>
+              <a:ea typeface="微软雅黑" panose="020B0503020204020204" charset="-122"/>
+            </a:endParaRPr>
           </a:p>
         </p:txBody>
       </p:sp>
@@ -14868,6 +15450,13 @@
               </a:rPr>
               <a:t>全卷积网络</a:t>
             </a:r>
+            <a:endParaRPr lang="zh-CN" altLang="en-US" b="1">
+              <a:solidFill>
+                <a:srgbClr val="C00000"/>
+              </a:solidFill>
+              <a:latin typeface="微软雅黑" panose="020B0503020204020204" charset="-122"/>
+              <a:ea typeface="微软雅黑" panose="020B0503020204020204" charset="-122"/>
+            </a:endParaRPr>
           </a:p>
         </p:txBody>
       </p:sp>
@@ -14933,6 +15522,16 @@
               </a:rPr>
               <a:t>通道</a:t>
             </a:r>
+            <a:endParaRPr lang="zh-CN" altLang="en-US" sz="1000" b="1">
+              <a:solidFill>
+                <a:schemeClr val="tx1">
+                  <a:lumMod val="65000"/>
+                  <a:lumOff val="35000"/>
+                </a:schemeClr>
+              </a:solidFill>
+              <a:latin typeface="微软雅黑" panose="020B0503020204020204" charset="-122"/>
+              <a:ea typeface="微软雅黑" panose="020B0503020204020204" charset="-122"/>
+            </a:endParaRPr>
           </a:p>
         </p:txBody>
       </p:sp>
@@ -15051,6 +15650,16 @@
               </a:rPr>
               <a:t>Sliding Windows</a:t>
             </a:r>
+            <a:endParaRPr lang="en-US" altLang="zh-CN" sz="1400" b="1">
+              <a:solidFill>
+                <a:schemeClr val="tx1">
+                  <a:lumMod val="50000"/>
+                  <a:lumOff val="50000"/>
+                </a:schemeClr>
+              </a:solidFill>
+              <a:latin typeface="微软雅黑" panose="020B0503020204020204" charset="-122"/>
+              <a:ea typeface="微软雅黑" panose="020B0503020204020204" charset="-122"/>
+            </a:endParaRPr>
           </a:p>
           <a:p>
             <a:pPr algn="ctr">
@@ -15071,6 +15680,16 @@
               </a:rPr>
               <a:t>产生的多个预测值被</a:t>
             </a:r>
+            <a:endParaRPr lang="zh-CN" altLang="en-US" sz="1400" b="1">
+              <a:solidFill>
+                <a:schemeClr val="tx1">
+                  <a:lumMod val="50000"/>
+                  <a:lumOff val="50000"/>
+                </a:schemeClr>
+              </a:solidFill>
+              <a:latin typeface="微软雅黑" panose="020B0503020204020204" charset="-122"/>
+              <a:ea typeface="微软雅黑" panose="020B0503020204020204" charset="-122"/>
+            </a:endParaRPr>
           </a:p>
           <a:p>
             <a:pPr algn="ctr">
@@ -15117,6 +15736,16 @@
               </a:rPr>
               <a:t>交叉验证丢弃</a:t>
             </a:r>
+            <a:endParaRPr lang="zh-CN" altLang="en-US" sz="1400" b="1">
+              <a:solidFill>
+                <a:schemeClr val="tx1">
+                  <a:lumMod val="50000"/>
+                  <a:lumOff val="50000"/>
+                </a:schemeClr>
+              </a:solidFill>
+              <a:latin typeface="微软雅黑" panose="020B0503020204020204" charset="-122"/>
+              <a:ea typeface="微软雅黑" panose="020B0503020204020204" charset="-122"/>
+            </a:endParaRPr>
           </a:p>
         </p:txBody>
       </p:sp>
@@ -15149,6 +15778,10 @@
               </a:rPr>
               <a:t>WGAN - 2017.01</a:t>
             </a:r>
+            <a:endParaRPr lang="en-US" altLang="zh-CN" sz="2000" b="1" dirty="0">
+              <a:latin typeface="微软雅黑" panose="020B0503020204020204" charset="-122"/>
+              <a:ea typeface="微软雅黑" panose="020B0503020204020204" charset="-122"/>
+            </a:endParaRPr>
           </a:p>
         </p:txBody>
       </p:sp>
@@ -15206,6 +15839,10 @@
               </a:rPr>
               <a:t>WGAN-GP 2017.03</a:t>
             </a:r>
+            <a:endParaRPr lang="en-US" altLang="zh-CN" sz="2000" b="1" dirty="0">
+              <a:latin typeface="微软雅黑" panose="020B0503020204020204" charset="-122"/>
+              <a:ea typeface="微软雅黑" panose="020B0503020204020204" charset="-122"/>
+            </a:endParaRPr>
           </a:p>
         </p:txBody>
       </p:sp>
@@ -15265,6 +15902,10 @@
               </a:rPr>
               <a:t>训练困难、收敛速度慢 改进；</a:t>
             </a:r>
+            <a:endParaRPr lang="zh-CN" altLang="en-US" sz="1200">
+              <a:latin typeface="微软雅黑" panose="020B0503020204020204" charset="-122"/>
+              <a:ea typeface="微软雅黑" panose="020B0503020204020204" charset="-122"/>
+            </a:endParaRPr>
           </a:p>
           <a:p>
             <a:pPr algn="l" fontAlgn="auto">
@@ -15291,6 +15932,10 @@
               </a:rPr>
               <a:t>：</a:t>
             </a:r>
+            <a:endParaRPr lang="zh-CN" altLang="en-US" sz="1200">
+              <a:latin typeface="微软雅黑" panose="020B0503020204020204" charset="-122"/>
+              <a:ea typeface="微软雅黑" panose="020B0503020204020204" charset="-122"/>
+            </a:endParaRPr>
           </a:p>
           <a:p>
             <a:pPr algn="l" fontAlgn="auto">
@@ -15319,6 +15964,10 @@
               </a:rPr>
               <a:t> weight clipping，每更新完一次判别器的参数后，</a:t>
             </a:r>
+            <a:endParaRPr lang="en-US" altLang="zh-CN" sz="1200">
+              <a:latin typeface="微软雅黑" panose="020B0503020204020204" charset="-122"/>
+              <a:ea typeface="微软雅黑" panose="020B0503020204020204" charset="-122"/>
+            </a:endParaRPr>
           </a:p>
           <a:p>
             <a:pPr algn="l" fontAlgn="auto">
@@ -15347,6 +15996,10 @@
               </a:rPr>
               <a:t> [-0.01, 0.01] 范围内。</a:t>
             </a:r>
+            <a:endParaRPr lang="en-US" altLang="zh-CN" sz="1200">
+              <a:latin typeface="微软雅黑" panose="020B0503020204020204" charset="-122"/>
+              <a:ea typeface="微软雅黑" panose="020B0503020204020204" charset="-122"/>
+            </a:endParaRPr>
           </a:p>
           <a:p>
             <a:pPr algn="l" fontAlgn="auto">
@@ -15432,6 +16085,11 @@
               </a:rPr>
               <a:t>          Weight Clipping独立地限制网络参数的取值范围，在这种情况下最优策略就是参数要么取最大值（如0.01）要么取最小值（如-0.01）</a:t>
             </a:r>
+            <a:endParaRPr lang="en-US" altLang="zh-CN" sz="1200">
+              <a:latin typeface="微软雅黑" panose="020B0503020204020204" charset="-122"/>
+              <a:ea typeface="微软雅黑" panose="020B0503020204020204" charset="-122"/>
+              <a:sym typeface="+mn-ea"/>
+            </a:endParaRPr>
           </a:p>
           <a:p>
             <a:pPr algn="l"/>
@@ -15486,6 +16144,10 @@
               </a:rPr>
               <a:t>）</a:t>
             </a:r>
+            <a:endParaRPr lang="zh-CN" altLang="en-US" sz="1200">
+              <a:latin typeface="微软雅黑" panose="020B0503020204020204" charset="-122"/>
+              <a:ea typeface="微软雅黑" panose="020B0503020204020204" charset="-122"/>
+            </a:endParaRPr>
           </a:p>
         </p:txBody>
       </p:sp>
@@ -15502,7 +16164,7 @@
           </p:nvPr>
         </p:nvPicPr>
         <p:blipFill>
-          <a:blip r:embed="rId4"/>
+          <a:blip r:embed="rId2"/>
           <a:stretch>
             <a:fillRect/>
           </a:stretch>
@@ -15560,6 +16222,13 @@
               </a:rPr>
               <a:t>梯度对数级增长或衰减</a:t>
             </a:r>
+            <a:endParaRPr lang="zh-CN" altLang="en-US" sz="800" b="1">
+              <a:solidFill>
+                <a:srgbClr val="0070C0"/>
+              </a:solidFill>
+              <a:latin typeface="微软雅黑" panose="020B0503020204020204" charset="-122"/>
+              <a:ea typeface="微软雅黑" panose="020B0503020204020204" charset="-122"/>
+            </a:endParaRPr>
           </a:p>
         </p:txBody>
       </p:sp>
@@ -15572,7 +16241,7 @@
           <p:nvPr/>
         </p:nvPicPr>
         <p:blipFill>
-          <a:blip r:embed="rId5"/>
+          <a:blip r:embed="rId3"/>
           <a:stretch>
             <a:fillRect/>
           </a:stretch>
@@ -15650,6 +16319,13 @@
               </a:rPr>
               <a:t>的边界</a:t>
             </a:r>
+            <a:endParaRPr lang="zh-CN" altLang="en-US" sz="800" b="1">
+              <a:solidFill>
+                <a:srgbClr val="0070C0"/>
+              </a:solidFill>
+              <a:latin typeface="微软雅黑" panose="020B0503020204020204" charset="-122"/>
+              <a:ea typeface="微软雅黑" panose="020B0503020204020204" charset="-122"/>
+            </a:endParaRPr>
           </a:p>
         </p:txBody>
       </p:sp>
@@ -15690,6 +16366,13 @@
               </a:rPr>
               <a:t>梯度消失</a:t>
             </a:r>
+            <a:endParaRPr lang="zh-CN" altLang="en-US" sz="1200">
+              <a:solidFill>
+                <a:srgbClr val="0F80FF"/>
+              </a:solidFill>
+              <a:latin typeface="微软雅黑" panose="020B0503020204020204" charset="-122"/>
+              <a:ea typeface="微软雅黑" panose="020B0503020204020204" charset="-122"/>
+            </a:endParaRPr>
           </a:p>
           <a:p>
             <a:pPr algn="l">
@@ -15707,6 +16390,13 @@
               </a:rPr>
               <a:t>梯度爆炸</a:t>
             </a:r>
+            <a:endParaRPr lang="zh-CN" altLang="en-US" sz="1200">
+              <a:solidFill>
+                <a:srgbClr val="0F80FF"/>
+              </a:solidFill>
+              <a:latin typeface="微软雅黑" panose="020B0503020204020204" charset="-122"/>
+              <a:ea typeface="微软雅黑" panose="020B0503020204020204" charset="-122"/>
+            </a:endParaRPr>
           </a:p>
         </p:txBody>
       </p:sp>
@@ -15783,6 +16473,13 @@
               </a:rPr>
               <a:t>权重设为边界值</a:t>
             </a:r>
+            <a:endParaRPr lang="zh-CN" altLang="en-US" sz="1200">
+              <a:solidFill>
+                <a:srgbClr val="0F80FF"/>
+              </a:solidFill>
+              <a:latin typeface="微软雅黑" panose="020B0503020204020204" charset="-122"/>
+              <a:ea typeface="微软雅黑" panose="020B0503020204020204" charset="-122"/>
+            </a:endParaRPr>
           </a:p>
           <a:p>
             <a:pPr algn="l">
@@ -15800,6 +16497,13 @@
               </a:rPr>
               <a:t>忽略分布高阶矩</a:t>
             </a:r>
+            <a:endParaRPr lang="zh-CN" altLang="en-US" sz="1200">
+              <a:solidFill>
+                <a:srgbClr val="0F80FF"/>
+              </a:solidFill>
+              <a:latin typeface="微软雅黑" panose="020B0503020204020204" charset="-122"/>
+              <a:ea typeface="微软雅黑" panose="020B0503020204020204" charset="-122"/>
+            </a:endParaRPr>
           </a:p>
         </p:txBody>
       </p:sp>
@@ -15927,6 +16631,13 @@
               </a:rPr>
               <a:t>Gradient Penalty</a:t>
             </a:r>
+            <a:endParaRPr lang="en-US" altLang="zh-CN" sz="1400" b="1">
+              <a:solidFill>
+                <a:srgbClr val="C00000"/>
+              </a:solidFill>
+              <a:latin typeface="微软雅黑" panose="020B0503020204020204" charset="-122"/>
+              <a:ea typeface="微软雅黑" panose="020B0503020204020204" charset="-122"/>
+            </a:endParaRPr>
           </a:p>
         </p:txBody>
       </p:sp>
@@ -15985,6 +16696,10 @@
               </a:rPr>
               <a:t>227x227x3</a:t>
             </a:r>
+            <a:endParaRPr lang="en-US" altLang="zh-CN" sz="1000">
+              <a:latin typeface="微软雅黑" panose="020B0503020204020204" charset="-122"/>
+              <a:ea typeface="微软雅黑" panose="020B0503020204020204" charset="-122"/>
+            </a:endParaRPr>
           </a:p>
         </p:txBody>
       </p:sp>
@@ -16031,6 +16746,13 @@
               </a:rPr>
               <a:t>输入图像</a:t>
             </a:r>
+            <a:endParaRPr lang="zh-CN" altLang="en-US" sz="1400" b="1">
+              <a:solidFill>
+                <a:srgbClr val="0070C0"/>
+              </a:solidFill>
+              <a:latin typeface="微软雅黑" panose="020B0503020204020204" charset="-122"/>
+              <a:ea typeface="微软雅黑" panose="020B0503020204020204" charset="-122"/>
+            </a:endParaRPr>
           </a:p>
         </p:txBody>
       </p:sp>
@@ -16097,6 +16819,13 @@
               </a:rPr>
               <a:t>）</a:t>
             </a:r>
+            <a:endParaRPr lang="zh-CN" altLang="en-US" sz="1400" b="1">
+              <a:solidFill>
+                <a:srgbClr val="0070C0"/>
+              </a:solidFill>
+              <a:latin typeface="微软雅黑" panose="020B0503020204020204" charset="-122"/>
+              <a:ea typeface="微软雅黑" panose="020B0503020204020204" charset="-122"/>
+            </a:endParaRPr>
           </a:p>
         </p:txBody>
       </p:sp>
@@ -16153,6 +16882,13 @@
               </a:rPr>
               <a:t>）</a:t>
             </a:r>
+            <a:endParaRPr lang="zh-CN" altLang="en-US" sz="1400" b="1">
+              <a:solidFill>
+                <a:srgbClr val="0070C0"/>
+              </a:solidFill>
+              <a:latin typeface="微软雅黑" panose="020B0503020204020204" charset="-122"/>
+              <a:ea typeface="微软雅黑" panose="020B0503020204020204" charset="-122"/>
+            </a:endParaRPr>
           </a:p>
         </p:txBody>
       </p:sp>
@@ -16265,6 +17001,13 @@
               </a:rPr>
               <a:t>图像仿射扭曲</a:t>
             </a:r>
+            <a:endParaRPr lang="zh-CN" altLang="en-US" sz="1400" b="1">
+              <a:solidFill>
+                <a:srgbClr val="0070C0"/>
+              </a:solidFill>
+              <a:latin typeface="微软雅黑" panose="020B0503020204020204" charset="-122"/>
+              <a:ea typeface="微软雅黑" panose="020B0503020204020204" charset="-122"/>
+            </a:endParaRPr>
           </a:p>
         </p:txBody>
       </p:sp>
@@ -16336,6 +17079,16 @@
               </a:rPr>
               <a:t>维</a:t>
             </a:r>
+            <a:endParaRPr lang="zh-CN" altLang="en-US" sz="1200">
+              <a:solidFill>
+                <a:schemeClr val="tx1">
+                  <a:lumMod val="50000"/>
+                  <a:lumOff val="50000"/>
+                </a:schemeClr>
+              </a:solidFill>
+              <a:latin typeface="微软雅黑" panose="020B0503020204020204" charset="-122"/>
+              <a:ea typeface="微软雅黑" panose="020B0503020204020204" charset="-122"/>
+            </a:endParaRPr>
           </a:p>
           <a:p>
             <a:pPr indent="0" algn="l">
@@ -16371,6 +17124,16 @@
               </a:rPr>
               <a:t>非零</a:t>
             </a:r>
+            <a:endParaRPr lang="zh-CN" altLang="en-US" sz="1200">
+              <a:solidFill>
+                <a:schemeClr val="tx1">
+                  <a:lumMod val="50000"/>
+                  <a:lumOff val="50000"/>
+                </a:schemeClr>
+              </a:solidFill>
+              <a:latin typeface="微软雅黑" panose="020B0503020204020204" charset="-122"/>
+              <a:ea typeface="微软雅黑" panose="020B0503020204020204" charset="-122"/>
+            </a:endParaRPr>
           </a:p>
           <a:p>
             <a:pPr marL="285750" indent="-285750" algn="l">
@@ -16438,6 +17201,16 @@
               </a:rPr>
               <a:t>维</a:t>
             </a:r>
+            <a:endParaRPr lang="zh-CN" altLang="en-US" sz="1200">
+              <a:solidFill>
+                <a:schemeClr val="tx1">
+                  <a:lumMod val="50000"/>
+                  <a:lumOff val="50000"/>
+                </a:schemeClr>
+              </a:solidFill>
+              <a:latin typeface="微软雅黑" panose="020B0503020204020204" charset="-122"/>
+              <a:ea typeface="微软雅黑" panose="020B0503020204020204" charset="-122"/>
+            </a:endParaRPr>
           </a:p>
           <a:p>
             <a:pPr indent="0" algn="l">
@@ -16473,6 +17246,16 @@
               </a:rPr>
               <a:t>非零</a:t>
             </a:r>
+            <a:endParaRPr lang="zh-CN" altLang="en-US" sz="1200">
+              <a:solidFill>
+                <a:schemeClr val="tx1">
+                  <a:lumMod val="50000"/>
+                  <a:lumOff val="50000"/>
+                </a:schemeClr>
+              </a:solidFill>
+              <a:latin typeface="微软雅黑" panose="020B0503020204020204" charset="-122"/>
+              <a:ea typeface="微软雅黑" panose="020B0503020204020204" charset="-122"/>
+            </a:endParaRPr>
           </a:p>
           <a:p>
             <a:pPr marL="285750" indent="-285750" algn="l">
@@ -16590,6 +17373,17 @@
               </a:rPr>
               <a:t>非零</a:t>
             </a:r>
+            <a:endParaRPr lang="zh-CN" altLang="en-US" sz="1200">
+              <a:solidFill>
+                <a:schemeClr val="tx1">
+                  <a:lumMod val="50000"/>
+                  <a:lumOff val="50000"/>
+                </a:schemeClr>
+              </a:solidFill>
+              <a:latin typeface="微软雅黑" panose="020B0503020204020204" charset="-122"/>
+              <a:ea typeface="微软雅黑" panose="020B0503020204020204" charset="-122"/>
+              <a:sym typeface="+mn-ea"/>
+            </a:endParaRPr>
           </a:p>
         </p:txBody>
       </p:sp>
@@ -16670,6 +17464,13 @@
               </a:rPr>
               <a:t>每一类都训练一个</a:t>
             </a:r>
+            <a:endParaRPr lang="zh-CN" altLang="en-US" sz="1400" b="1">
+              <a:solidFill>
+                <a:srgbClr val="0070C0"/>
+              </a:solidFill>
+              <a:latin typeface="微软雅黑" panose="020B0503020204020204" charset="-122"/>
+              <a:ea typeface="微软雅黑" panose="020B0503020204020204" charset="-122"/>
+            </a:endParaRPr>
           </a:p>
           <a:p>
             <a:pPr algn="ctr">
@@ -16727,6 +17528,13 @@
               </a:rPr>
               <a:t>背景）</a:t>
             </a:r>
+            <a:endParaRPr lang="zh-CN" altLang="en-US" sz="1400" b="1">
+              <a:solidFill>
+                <a:srgbClr val="0070C0"/>
+              </a:solidFill>
+              <a:latin typeface="微软雅黑" panose="020B0503020204020204" charset="-122"/>
+              <a:ea typeface="微软雅黑" panose="020B0503020204020204" charset="-122"/>
+            </a:endParaRPr>
           </a:p>
         </p:txBody>
       </p:sp>
@@ -16847,6 +17655,13 @@
               </a:rPr>
               <a:t>检测</a:t>
             </a:r>
+            <a:endParaRPr lang="zh-CN" altLang="en-US" sz="1600" b="1" u="sng">
+              <a:solidFill>
+                <a:srgbClr val="C00000"/>
+              </a:solidFill>
+              <a:latin typeface="微软雅黑" panose="020B0503020204020204" charset="-122"/>
+              <a:ea typeface="微软雅黑" panose="020B0503020204020204" charset="-122"/>
+            </a:endParaRPr>
           </a:p>
           <a:p>
             <a:pPr algn="ctr">
@@ -16932,6 +17747,16 @@
               </a:rPr>
               <a:t> 多个分类器 </a:t>
             </a:r>
+            <a:endParaRPr lang="zh-CN" altLang="en-US" sz="1200" b="1">
+              <a:solidFill>
+                <a:schemeClr val="tx1">
+                  <a:lumMod val="50000"/>
+                  <a:lumOff val="50000"/>
+                </a:schemeClr>
+              </a:solidFill>
+              <a:latin typeface="微软雅黑" panose="020B0503020204020204" charset="-122"/>
+              <a:ea typeface="微软雅黑" panose="020B0503020204020204" charset="-122"/>
+            </a:endParaRPr>
           </a:p>
         </p:txBody>
       </p:sp>
@@ -16978,6 +17803,13 @@
               </a:rPr>
               <a:t>提取特征向量</a:t>
             </a:r>
+            <a:endParaRPr lang="zh-CN" altLang="en-US" sz="1400" b="1">
+              <a:solidFill>
+                <a:srgbClr val="0070C0"/>
+              </a:solidFill>
+              <a:latin typeface="微软雅黑" panose="020B0503020204020204" charset="-122"/>
+              <a:ea typeface="微软雅黑" panose="020B0503020204020204" charset="-122"/>
+            </a:endParaRPr>
           </a:p>
         </p:txBody>
       </p:sp>
@@ -17034,6 +17866,13 @@
               </a:rPr>
               <a:t>定位问题微调</a:t>
             </a:r>
+            <a:endParaRPr lang="zh-CN" altLang="en-US" sz="1400" b="1">
+              <a:solidFill>
+                <a:srgbClr val="0070C0"/>
+              </a:solidFill>
+              <a:latin typeface="微软雅黑" panose="020B0503020204020204" charset="-122"/>
+              <a:ea typeface="微软雅黑" panose="020B0503020204020204" charset="-122"/>
+            </a:endParaRPr>
           </a:p>
         </p:txBody>
       </p:sp>
@@ -17286,6 +18125,15 @@
               </a:rPr>
               <a:t>, </a:t>
             </a:r>
+            <a:endParaRPr lang="en-US" altLang="zh-CN" sz="1000">
+              <a:solidFill>
+                <a:schemeClr val="bg1">
+                  <a:lumMod val="65000"/>
+                </a:schemeClr>
+              </a:solidFill>
+              <a:latin typeface="微软雅黑" panose="020B0503020204020204" charset="-122"/>
+              <a:ea typeface="微软雅黑" panose="020B0503020204020204" charset="-122"/>
+            </a:endParaRPr>
           </a:p>
           <a:p>
             <a:pPr algn="ctr">
@@ -17329,6 +18177,15 @@
               </a:rPr>
               <a:t>中心点</a:t>
             </a:r>
+            <a:endParaRPr lang="zh-CN" altLang="en-US" sz="1000">
+              <a:solidFill>
+                <a:schemeClr val="bg1">
+                  <a:lumMod val="65000"/>
+                </a:schemeClr>
+              </a:solidFill>
+              <a:latin typeface="微软雅黑" panose="020B0503020204020204" charset="-122"/>
+              <a:ea typeface="微软雅黑" panose="020B0503020204020204" charset="-122"/>
+            </a:endParaRPr>
           </a:p>
         </p:txBody>
       </p:sp>
@@ -17371,6 +18228,15 @@
               </a:rPr>
               <a:t>中心点</a:t>
             </a:r>
+            <a:endParaRPr lang="zh-CN" altLang="en-US" sz="1000">
+              <a:solidFill>
+                <a:schemeClr val="bg1">
+                  <a:lumMod val="65000"/>
+                </a:schemeClr>
+              </a:solidFill>
+              <a:latin typeface="微软雅黑" panose="020B0503020204020204" charset="-122"/>
+              <a:ea typeface="微软雅黑" panose="020B0503020204020204" charset="-122"/>
+            </a:endParaRPr>
           </a:p>
           <a:p>
             <a:pPr algn="ctr">
@@ -17450,6 +18316,13 @@
               </a:rPr>
               <a:t>3x3=9</a:t>
             </a:r>
+            <a:endParaRPr lang="en-US" altLang="zh-CN" sz="1000" b="1">
+              <a:solidFill>
+                <a:schemeClr val="tx1"/>
+              </a:solidFill>
+              <a:latin typeface="微软雅黑" panose="020B0503020204020204" charset="-122"/>
+              <a:ea typeface="微软雅黑" panose="020B0503020204020204" charset="-122"/>
+            </a:endParaRPr>
           </a:p>
         </p:txBody>
       </p:sp>
@@ -17492,6 +18365,15 @@
               </a:rPr>
               <a:t>Anchor Box</a:t>
             </a:r>
+            <a:endParaRPr lang="en-US" sz="1000">
+              <a:solidFill>
+                <a:schemeClr val="bg1">
+                  <a:lumMod val="65000"/>
+                </a:schemeClr>
+              </a:solidFill>
+              <a:latin typeface="微软雅黑" panose="020B0503020204020204" charset="-122"/>
+              <a:ea typeface="微软雅黑" panose="020B0503020204020204" charset="-122"/>
+            </a:endParaRPr>
           </a:p>
           <a:p>
             <a:pPr algn="ctr">
@@ -17511,6 +18393,15 @@
               </a:rPr>
               <a:t>在原图中的显示</a:t>
             </a:r>
+            <a:endParaRPr lang="zh-CN" altLang="en-US" sz="1000">
+              <a:solidFill>
+                <a:schemeClr val="bg1">
+                  <a:lumMod val="65000"/>
+                </a:schemeClr>
+              </a:solidFill>
+              <a:latin typeface="微软雅黑" panose="020B0503020204020204" charset="-122"/>
+              <a:ea typeface="微软雅黑" panose="020B0503020204020204" charset="-122"/>
+            </a:endParaRPr>
           </a:p>
         </p:txBody>
       </p:sp>
@@ -17553,6 +18444,15 @@
               </a:rPr>
               <a:t>原图中所有的</a:t>
             </a:r>
+            <a:endParaRPr lang="zh-CN" altLang="en-US" sz="1000" dirty="0">
+              <a:solidFill>
+                <a:schemeClr val="bg1">
+                  <a:lumMod val="65000"/>
+                </a:schemeClr>
+              </a:solidFill>
+              <a:latin typeface="微软雅黑" panose="020B0503020204020204" charset="-122"/>
+              <a:ea typeface="微软雅黑" panose="020B0503020204020204" charset="-122"/>
+            </a:endParaRPr>
           </a:p>
           <a:p>
             <a:pPr algn="ctr">
@@ -17573,6 +18473,16 @@
               </a:rPr>
               <a:t>Anchor Box</a:t>
             </a:r>
+            <a:endParaRPr lang="en-US" sz="1000" dirty="0">
+              <a:solidFill>
+                <a:schemeClr val="bg1">
+                  <a:lumMod val="65000"/>
+                </a:schemeClr>
+              </a:solidFill>
+              <a:latin typeface="微软雅黑" panose="020B0503020204020204" charset="-122"/>
+              <a:ea typeface="微软雅黑" panose="020B0503020204020204" charset="-122"/>
+              <a:sym typeface="+mn-ea"/>
+            </a:endParaRPr>
           </a:p>
           <a:p>
             <a:pPr algn="ctr">
@@ -17676,6 +18586,15 @@
               </a:rPr>
               <a:t>比例，</a:t>
             </a:r>
+            <a:endParaRPr lang="zh-CN" altLang="en-US" sz="1000">
+              <a:solidFill>
+                <a:schemeClr val="bg1">
+                  <a:lumMod val="65000"/>
+                </a:schemeClr>
+              </a:solidFill>
+              <a:latin typeface="微软雅黑" panose="020B0503020204020204" charset="-122"/>
+              <a:ea typeface="微软雅黑" panose="020B0503020204020204" charset="-122"/>
+            </a:endParaRPr>
           </a:p>
           <a:p>
             <a:pPr algn="ctr">
@@ -17719,6 +18638,15 @@
               </a:rPr>
               <a:t>原图像中</a:t>
             </a:r>
+            <a:endParaRPr lang="zh-CN" altLang="en-US" sz="1000">
+              <a:solidFill>
+                <a:schemeClr val="bg1">
+                  <a:lumMod val="65000"/>
+                </a:schemeClr>
+              </a:solidFill>
+              <a:latin typeface="微软雅黑" panose="020B0503020204020204" charset="-122"/>
+              <a:ea typeface="微软雅黑" panose="020B0503020204020204" charset="-122"/>
+            </a:endParaRPr>
           </a:p>
           <a:p>
             <a:pPr algn="ctr">
@@ -17738,6 +18666,15 @@
               </a:rPr>
               <a:t>几乎所有物体外框</a:t>
             </a:r>
+            <a:endParaRPr lang="zh-CN" altLang="en-US" sz="1000">
+              <a:solidFill>
+                <a:schemeClr val="bg1">
+                  <a:lumMod val="65000"/>
+                </a:schemeClr>
+              </a:solidFill>
+              <a:latin typeface="微软雅黑" panose="020B0503020204020204" charset="-122"/>
+              <a:ea typeface="微软雅黑" panose="020B0503020204020204" charset="-122"/>
+            </a:endParaRPr>
           </a:p>
         </p:txBody>
       </p:sp>
@@ -17830,6 +18767,10 @@
               </a:rPr>
               <a:t> - 2016.06</a:t>
             </a:r>
+            <a:endParaRPr lang="en-US" altLang="zh-CN" sz="2000" b="1" dirty="0">
+              <a:latin typeface="微软雅黑" panose="020B0503020204020204" charset="-122"/>
+              <a:ea typeface="微软雅黑" panose="020B0503020204020204" charset="-122"/>
+            </a:endParaRPr>
           </a:p>
         </p:txBody>
       </p:sp>
@@ -17887,6 +18828,10 @@
               </a:rPr>
               <a:t>GAN - 2014</a:t>
             </a:r>
+            <a:endParaRPr lang="en-US" altLang="zh-CN" sz="2000" b="1" dirty="0">
+              <a:latin typeface="微软雅黑" panose="020B0503020204020204" charset="-122"/>
+              <a:ea typeface="微软雅黑" panose="020B0503020204020204" charset="-122"/>
+            </a:endParaRPr>
           </a:p>
         </p:txBody>
       </p:sp>
@@ -17899,7 +18844,7 @@
           <p:nvPr/>
         </p:nvPicPr>
         <p:blipFill>
-          <a:blip r:embed="rId2"/>
+          <a:blip r:embed="rId1"/>
           <a:stretch>
             <a:fillRect/>
           </a:stretch>
@@ -17961,6 +18906,13 @@
               </a:rPr>
               <a:t>D</a:t>
             </a:r>
+            <a:endParaRPr lang="en-US" altLang="zh-CN" sz="1600" b="1">
+              <a:solidFill>
+                <a:srgbClr val="0000FF"/>
+              </a:solidFill>
+              <a:latin typeface="微软雅黑" panose="020B0503020204020204" charset="-122"/>
+              <a:ea typeface="微软雅黑" panose="020B0503020204020204" charset="-122"/>
+            </a:endParaRPr>
           </a:p>
         </p:txBody>
       </p:sp>
@@ -18032,6 +18984,13 @@
               </a:rPr>
               <a:t> </a:t>
             </a:r>
+            <a:endParaRPr lang="en-US" altLang="zh-CN" sz="1200" b="1">
+              <a:solidFill>
+                <a:schemeClr val="tx1"/>
+              </a:solidFill>
+              <a:latin typeface="微软雅黑" panose="020B0503020204020204" charset="-122"/>
+              <a:ea typeface="微软雅黑" panose="020B0503020204020204" charset="-122"/>
+            </a:endParaRPr>
           </a:p>
         </p:txBody>
       </p:sp>
@@ -18146,6 +19105,16 @@
               </a:rPr>
               <a:t> (G)</a:t>
             </a:r>
+            <a:endParaRPr lang="en-US" altLang="zh-CN" sz="1400" b="1" u="sng">
+              <a:solidFill>
+                <a:schemeClr val="accent6">
+                  <a:lumMod val="75000"/>
+                </a:schemeClr>
+              </a:solidFill>
+              <a:latin typeface="微软雅黑" panose="020B0503020204020204" charset="-122"/>
+              <a:ea typeface="微软雅黑" panose="020B0503020204020204" charset="-122"/>
+              <a:sym typeface="+mn-ea"/>
+            </a:endParaRPr>
           </a:p>
         </p:txBody>
       </p:sp>
@@ -18186,6 +19155,13 @@
               </a:rPr>
               <a:t>高斯分布</a:t>
             </a:r>
+            <a:endParaRPr lang="zh-CN" altLang="en-US" sz="1200" b="1">
+              <a:solidFill>
+                <a:schemeClr val="tx1"/>
+              </a:solidFill>
+              <a:latin typeface="微软雅黑" panose="020B0503020204020204" charset="-122"/>
+              <a:ea typeface="微软雅黑" panose="020B0503020204020204" charset="-122"/>
+            </a:endParaRPr>
           </a:p>
         </p:txBody>
       </p:sp>
@@ -18226,6 +19202,13 @@
               </a:rPr>
               <a:t>mapping: x = G(z) </a:t>
             </a:r>
+            <a:endParaRPr lang="en-US" altLang="zh-CN" sz="1200" b="1">
+              <a:solidFill>
+                <a:schemeClr val="tx1"/>
+              </a:solidFill>
+              <a:latin typeface="微软雅黑" panose="020B0503020204020204" charset="-122"/>
+              <a:ea typeface="微软雅黑" panose="020B0503020204020204" charset="-122"/>
+            </a:endParaRPr>
           </a:p>
         </p:txBody>
       </p:sp>
@@ -18268,6 +19251,13 @@
               </a:rPr>
               <a:t>生成器从高概率区域开始，逐步向低概率区域扩展</a:t>
             </a:r>
+            <a:endParaRPr lang="zh-CN" altLang="en-US" sz="1200">
+              <a:solidFill>
+                <a:schemeClr val="tx1"/>
+              </a:solidFill>
+              <a:latin typeface="微软雅黑" panose="020B0503020204020204" charset="-122"/>
+              <a:ea typeface="微软雅黑" panose="020B0503020204020204" charset="-122"/>
+            </a:endParaRPr>
           </a:p>
         </p:txBody>
       </p:sp>
@@ -18340,6 +19330,13 @@
               </a:rPr>
               <a:t>pdata</a:t>
             </a:r>
+            <a:endParaRPr lang="en-US" altLang="zh-CN" sz="1200">
+              <a:solidFill>
+                <a:schemeClr val="tx1"/>
+              </a:solidFill>
+              <a:latin typeface="微软雅黑" panose="020B0503020204020204" charset="-122"/>
+              <a:ea typeface="微软雅黑" panose="020B0503020204020204" charset="-122"/>
+            </a:endParaRPr>
           </a:p>
           <a:p>
             <a:pPr marL="171450" indent="-171450" algn="l">
@@ -18359,6 +19356,13 @@
               </a:rPr>
               <a:t>判别器部分准确</a:t>
             </a:r>
+            <a:endParaRPr lang="zh-CN" altLang="en-US" sz="1200">
+              <a:solidFill>
+                <a:schemeClr val="tx1"/>
+              </a:solidFill>
+              <a:latin typeface="微软雅黑" panose="020B0503020204020204" charset="-122"/>
+              <a:ea typeface="微软雅黑" panose="020B0503020204020204" charset="-122"/>
+            </a:endParaRPr>
           </a:p>
         </p:txBody>
       </p:sp>
@@ -18421,6 +19425,13 @@
               </a:rPr>
               <a:t>数据</a:t>
             </a:r>
+            <a:endParaRPr lang="zh-CN" altLang="en-US" sz="1200">
+              <a:solidFill>
+                <a:schemeClr val="tx1"/>
+              </a:solidFill>
+              <a:latin typeface="微软雅黑" panose="020B0503020204020204" charset="-122"/>
+              <a:ea typeface="微软雅黑" panose="020B0503020204020204" charset="-122"/>
+            </a:endParaRPr>
           </a:p>
         </p:txBody>
       </p:sp>
@@ -18513,6 +19524,13 @@
               </a:rPr>
               <a:t>data</a:t>
             </a:r>
+            <a:endParaRPr lang="en-US" altLang="zh-CN" sz="1600" baseline="-25000">
+              <a:solidFill>
+                <a:schemeClr val="tx1"/>
+              </a:solidFill>
+              <a:latin typeface="微软雅黑" panose="020B0503020204020204" charset="-122"/>
+              <a:ea typeface="微软雅黑" panose="020B0503020204020204" charset="-122"/>
+            </a:endParaRPr>
           </a:p>
         </p:txBody>
       </p:sp>
@@ -18594,6 +19612,13 @@
               </a:rPr>
               <a:t>ROIs</a:t>
             </a:r>
+            <a:endParaRPr lang="en-US" altLang="zh-CN" sz="1200" b="1">
+              <a:solidFill>
+                <a:srgbClr val="0070C0"/>
+              </a:solidFill>
+              <a:latin typeface="微软雅黑" panose="020B0503020204020204" charset="-122"/>
+              <a:ea typeface="微软雅黑" panose="020B0503020204020204" charset="-122"/>
+            </a:endParaRPr>
           </a:p>
         </p:txBody>
       </p:sp>
@@ -18634,6 +19659,13 @@
               </a:rPr>
               <a:t>元素相加</a:t>
             </a:r>
+            <a:endParaRPr lang="zh-CN" altLang="en-US" sz="1200" b="1">
+              <a:solidFill>
+                <a:srgbClr val="C00000"/>
+              </a:solidFill>
+              <a:latin typeface="微软雅黑" panose="020B0503020204020204" charset="-122"/>
+              <a:ea typeface="微软雅黑" panose="020B0503020204020204" charset="-122"/>
+            </a:endParaRPr>
           </a:p>
         </p:txBody>
       </p:sp>
@@ -18684,6 +19716,13 @@
               </a:rPr>
               <a:t>卷积将两张特征图合并，防止失真</a:t>
             </a:r>
+            <a:endParaRPr lang="zh-CN" altLang="en-US" sz="1200" b="1">
+              <a:solidFill>
+                <a:srgbClr val="FC0280"/>
+              </a:solidFill>
+              <a:latin typeface="微软雅黑" panose="020B0503020204020204" charset="-122"/>
+              <a:ea typeface="微软雅黑" panose="020B0503020204020204" charset="-122"/>
+            </a:endParaRPr>
           </a:p>
         </p:txBody>
       </p:sp>
@@ -18734,6 +19773,13 @@
               </a:rPr>
               <a:t>卷积改变通道大小</a:t>
             </a:r>
+            <a:endParaRPr lang="zh-CN" altLang="en-US" sz="1200" b="1">
+              <a:solidFill>
+                <a:srgbClr val="C00000"/>
+              </a:solidFill>
+              <a:latin typeface="微软雅黑" panose="020B0503020204020204" charset="-122"/>
+              <a:ea typeface="微软雅黑" panose="020B0503020204020204" charset="-122"/>
+            </a:endParaRPr>
           </a:p>
         </p:txBody>
       </p:sp>
@@ -18745,7 +19791,7 @@
         </p:nvSpPr>
         <p:spPr>
           <a:xfrm>
-            <a:off x="7374255" y="4658360"/>
+            <a:off x="437515" y="582295"/>
             <a:ext cx="2280920" cy="275590"/>
           </a:xfrm>
           <a:prstGeom prst="rect">
@@ -18761,35 +19807,22 @@
           <a:p>
             <a:pPr algn="ctr"/>
             <a:r>
-              <a:rPr lang="zh-CN" altLang="en-US" sz="1200" b="1">
+              <a:rPr lang="en-US" sz="1200" b="1">
                 <a:solidFill>
                   <a:srgbClr val="0070C0"/>
                 </a:solidFill>
                 <a:latin typeface="微软雅黑" panose="020B0503020204020204" charset="-122"/>
                 <a:ea typeface="微软雅黑" panose="020B0503020204020204" charset="-122"/>
               </a:rPr>
-              <a:t>根据</a:t>
-            </a:r>
-            <a:r>
-              <a:rPr lang="en-US" altLang="zh-CN" sz="1200" b="1">
-                <a:solidFill>
-                  <a:srgbClr val="0070C0"/>
-                </a:solidFill>
-                <a:latin typeface="微软雅黑" panose="020B0503020204020204" charset="-122"/>
-                <a:ea typeface="微软雅黑" panose="020B0503020204020204" charset="-122"/>
-              </a:rPr>
-              <a:t>ROI</a:t>
-            </a:r>
-            <a:r>
-              <a:rPr lang="zh-CN" altLang="en-US" sz="1200" b="1">
-                <a:solidFill>
-                  <a:srgbClr val="0070C0"/>
-                </a:solidFill>
-                <a:latin typeface="微软雅黑" panose="020B0503020204020204" charset="-122"/>
-                <a:ea typeface="微软雅黑" panose="020B0503020204020204" charset="-122"/>
-              </a:rPr>
-              <a:t>的宽和高选择特征图</a:t>
-            </a:r>
+              <a:t>Least Square GAN</a:t>
+            </a:r>
+            <a:endParaRPr lang="en-US" sz="1200" b="1">
+              <a:solidFill>
+                <a:srgbClr val="0070C0"/>
+              </a:solidFill>
+              <a:latin typeface="微软雅黑" panose="020B0503020204020204" charset="-122"/>
+              <a:ea typeface="微软雅黑" panose="020B0503020204020204" charset="-122"/>
+            </a:endParaRPr>
           </a:p>
         </p:txBody>
       </p:sp>
@@ -18873,15 +19906,19 @@
                 <a:latin typeface="微软雅黑" panose="020B0503020204020204" charset="-122"/>
                 <a:ea typeface="微软雅黑" panose="020B0503020204020204" charset="-122"/>
               </a:rPr>
-              <a:t>InfoGAN</a:t>
+              <a:t>LSGAN</a:t>
             </a:r>
             <a:r>
               <a:rPr lang="en-US" altLang="zh-CN" sz="2000" b="1" dirty="0">
                 <a:latin typeface="微软雅黑" panose="020B0503020204020204" charset="-122"/>
                 <a:ea typeface="微软雅黑" panose="020B0503020204020204" charset="-122"/>
               </a:rPr>
-              <a:t> - 2016</a:t>
-            </a:r>
+              <a:t> - 2016.11</a:t>
+            </a:r>
+            <a:endParaRPr lang="en-US" altLang="zh-CN" sz="2000" b="1" dirty="0">
+              <a:latin typeface="微软雅黑" panose="020B0503020204020204" charset="-122"/>
+              <a:ea typeface="微软雅黑" panose="020B0503020204020204" charset="-122"/>
+            </a:endParaRPr>
           </a:p>
         </p:txBody>
       </p:sp>
@@ -19614,6 +20651,10 @@
               </a:rPr>
               <a:t>：降低计算复杂度，确保一定的精度，能够在移动端或嵌入式设备上运行</a:t>
             </a:r>
+            <a:endParaRPr lang="zh-CN" altLang="en-US" sz="1200">
+              <a:latin typeface="微软雅黑" panose="020B0503020204020204" charset="-122"/>
+              <a:ea typeface="微软雅黑" panose="020B0503020204020204" charset="-122"/>
+            </a:endParaRPr>
           </a:p>
           <a:p>
             <a:pPr algn="l"/>
@@ -19636,6 +20677,10 @@
               </a:rPr>
               <a:t>：聚焦优化网络速度，减小计算量，分解网络参数或加速预训练模型</a:t>
             </a:r>
+            <a:endParaRPr lang="zh-CN" altLang="en-US" sz="1200">
+              <a:latin typeface="微软雅黑" panose="020B0503020204020204" charset="-122"/>
+              <a:ea typeface="微软雅黑" panose="020B0503020204020204" charset="-122"/>
+            </a:endParaRPr>
           </a:p>
           <a:p>
             <a:pPr algn="l"/>
@@ -19690,6 +20735,10 @@
               </a:rPr>
               <a:t>）</a:t>
             </a:r>
+            <a:endParaRPr lang="zh-CN" altLang="en-US" sz="1200">
+              <a:latin typeface="微软雅黑" panose="020B0503020204020204" charset="-122"/>
+              <a:ea typeface="微软雅黑" panose="020B0503020204020204" charset="-122"/>
+            </a:endParaRPr>
           </a:p>
         </p:txBody>
       </p:sp>
@@ -20208,6 +21257,10 @@
               </a:rPr>
               <a:t>Feature Map            Filter / Kernel                                         Feature Map</a:t>
             </a:r>
+            <a:endParaRPr lang="en-US" altLang="zh-CN" sz="1200">
+              <a:latin typeface="微软雅黑" panose="020B0503020204020204" charset="-122"/>
+              <a:ea typeface="微软雅黑" panose="020B0503020204020204" charset="-122"/>
+            </a:endParaRPr>
           </a:p>
         </p:txBody>
       </p:sp>
@@ -20347,6 +21400,10 @@
                 </a:rPr>
                 <a:t>.</a:t>
               </a:r>
+              <a:endParaRPr lang="en-US" altLang="zh-CN" sz="4000" b="1">
+                <a:latin typeface="微软雅黑" panose="020B0503020204020204" charset="-122"/>
+                <a:ea typeface="微软雅黑" panose="020B0503020204020204" charset="-122"/>
+              </a:endParaRPr>
             </a:p>
           </p:txBody>
         </p:sp>
@@ -20548,6 +21605,10 @@
                 </a:rPr>
                 <a:t>.</a:t>
               </a:r>
+              <a:endParaRPr lang="en-US" altLang="zh-CN" sz="4000" b="1">
+                <a:latin typeface="微软雅黑" panose="020B0503020204020204" charset="-122"/>
+                <a:ea typeface="微软雅黑" panose="020B0503020204020204" charset="-122"/>
+              </a:endParaRPr>
             </a:p>
           </p:txBody>
         </p:sp>
@@ -20840,6 +21901,10 @@
                 </a:rPr>
                 <a:t>.</a:t>
               </a:r>
+              <a:endParaRPr lang="en-US" altLang="zh-CN" sz="4000" b="1">
+                <a:latin typeface="微软雅黑" panose="020B0503020204020204" charset="-122"/>
+                <a:ea typeface="微软雅黑" panose="020B0503020204020204" charset="-122"/>
+              </a:endParaRPr>
             </a:p>
           </p:txBody>
         </p:sp>
@@ -21791,6 +22856,10 @@
               </a:rPr>
               <a:t>Filter / Kernel </a:t>
             </a:r>
+            <a:endParaRPr lang="en-US" altLang="zh-CN" sz="1200">
+              <a:latin typeface="微软雅黑" panose="020B0503020204020204" charset="-122"/>
+              <a:ea typeface="微软雅黑" panose="020B0503020204020204" charset="-122"/>
+            </a:endParaRPr>
           </a:p>
           <a:p>
             <a:pPr algn="r"/>
@@ -21801,6 +22870,10 @@
               </a:rPr>
               <a:t>           3x3      		     </a:t>
             </a:r>
+            <a:endParaRPr lang="en-US" altLang="zh-CN" sz="1200">
+              <a:latin typeface="微软雅黑" panose="020B0503020204020204" charset="-122"/>
+              <a:ea typeface="微软雅黑" panose="020B0503020204020204" charset="-122"/>
+            </a:endParaRPr>
           </a:p>
           <a:p>
             <a:pPr algn="r"/>
@@ -21811,6 +22884,10 @@
               </a:rPr>
               <a:t>DWC</a:t>
             </a:r>
+            <a:endParaRPr lang="en-US" altLang="zh-CN" sz="1200">
+              <a:latin typeface="微软雅黑" panose="020B0503020204020204" charset="-122"/>
+              <a:ea typeface="微软雅黑" panose="020B0503020204020204" charset="-122"/>
+            </a:endParaRPr>
           </a:p>
           <a:p>
             <a:pPr algn="r"/>
@@ -21821,6 +22898,10 @@
               </a:rPr>
               <a:t>Feature Map</a:t>
             </a:r>
+            <a:endParaRPr lang="en-US" altLang="zh-CN" sz="1200">
+              <a:latin typeface="微软雅黑" panose="020B0503020204020204" charset="-122"/>
+              <a:ea typeface="微软雅黑" panose="020B0503020204020204" charset="-122"/>
+            </a:endParaRPr>
           </a:p>
           <a:p>
             <a:pPr algn="r"/>
@@ -21845,6 +22926,10 @@
               </a:rPr>
               <a:t>BN</a:t>
             </a:r>
+            <a:endParaRPr lang="en-US" altLang="zh-CN" sz="1200">
+              <a:latin typeface="微软雅黑" panose="020B0503020204020204" charset="-122"/>
+              <a:ea typeface="微软雅黑" panose="020B0503020204020204" charset="-122"/>
+            </a:endParaRPr>
           </a:p>
           <a:p>
             <a:pPr algn="r"/>
@@ -21855,6 +22940,10 @@
               </a:rPr>
               <a:t>ReLU</a:t>
             </a:r>
+            <a:endParaRPr lang="en-US" altLang="zh-CN" sz="1200">
+              <a:latin typeface="微软雅黑" panose="020B0503020204020204" charset="-122"/>
+              <a:ea typeface="微软雅黑" panose="020B0503020204020204" charset="-122"/>
+            </a:endParaRPr>
           </a:p>
           <a:p>
             <a:pPr algn="r"/>
@@ -21901,6 +22990,10 @@
               </a:rPr>
               <a:t>PWC</a:t>
             </a:r>
+            <a:endParaRPr lang="en-US" altLang="zh-CN" sz="1200">
+              <a:latin typeface="微软雅黑" panose="020B0503020204020204" charset="-122"/>
+              <a:ea typeface="微软雅黑" panose="020B0503020204020204" charset="-122"/>
+            </a:endParaRPr>
           </a:p>
           <a:p>
             <a:pPr algn="r"/>
@@ -21911,6 +23004,10 @@
               </a:rPr>
               <a:t>Feature Map</a:t>
             </a:r>
+            <a:endParaRPr lang="en-US" altLang="zh-CN" sz="1200">
+              <a:latin typeface="微软雅黑" panose="020B0503020204020204" charset="-122"/>
+              <a:ea typeface="微软雅黑" panose="020B0503020204020204" charset="-122"/>
+            </a:endParaRPr>
           </a:p>
           <a:p>
             <a:pPr algn="r"/>
@@ -21949,6 +23046,10 @@
               </a:rPr>
               <a:t>BN</a:t>
             </a:r>
+            <a:endParaRPr lang="en-US" altLang="zh-CN" sz="1200">
+              <a:latin typeface="微软雅黑" panose="020B0503020204020204" charset="-122"/>
+              <a:ea typeface="微软雅黑" panose="020B0503020204020204" charset="-122"/>
+            </a:endParaRPr>
           </a:p>
           <a:p>
             <a:pPr algn="r"/>
@@ -21959,6 +23060,10 @@
               </a:rPr>
               <a:t>ReLU</a:t>
             </a:r>
+            <a:endParaRPr lang="en-US" altLang="zh-CN" sz="1200">
+              <a:latin typeface="微软雅黑" panose="020B0503020204020204" charset="-122"/>
+              <a:ea typeface="微软雅黑" panose="020B0503020204020204" charset="-122"/>
+            </a:endParaRPr>
           </a:p>
         </p:txBody>
       </p:sp>
@@ -22913,15 +24018,19 @@
                 <a:latin typeface="微软雅黑" panose="020B0503020204020204" charset="-122"/>
                 <a:ea typeface="微软雅黑" panose="020B0503020204020204" charset="-122"/>
               </a:rPr>
-              <a:t>InfoGAN</a:t>
+              <a:t>SGAN</a:t>
             </a:r>
             <a:r>
               <a:rPr lang="en-US" altLang="zh-CN" sz="2000" b="1" dirty="0">
                 <a:latin typeface="微软雅黑" panose="020B0503020204020204" charset="-122"/>
                 <a:ea typeface="微软雅黑" panose="020B0503020204020204" charset="-122"/>
               </a:rPr>
-              <a:t> - 2016</a:t>
-            </a:r>
+              <a:t> - 2016.06</a:t>
+            </a:r>
+            <a:endParaRPr lang="en-US" altLang="zh-CN" sz="2000" b="1" dirty="0">
+              <a:latin typeface="微软雅黑" panose="020B0503020204020204" charset="-122"/>
+              <a:ea typeface="微软雅黑" panose="020B0503020204020204" charset="-122"/>
+            </a:endParaRPr>
           </a:p>
         </p:txBody>
       </p:sp>
@@ -23013,6 +24122,13 @@
               </a:rPr>
               <a:t>0</a:t>
             </a:r>
+            <a:endParaRPr lang="en-US" altLang="zh-CN" sz="1800">
+              <a:solidFill>
+                <a:schemeClr val="tx1"/>
+              </a:solidFill>
+              <a:latin typeface="微软雅黑" panose="020B0503020204020204" charset="-122"/>
+              <a:ea typeface="微软雅黑" panose="020B0503020204020204" charset="-122"/>
+            </a:endParaRPr>
           </a:p>
           <a:p>
             <a:pPr algn="l"/>
@@ -23027,6 +24143,14 @@
               </a:rPr>
               <a:t>方法：线性瓶颈和逆残差：复用特征，缓解退化</a:t>
             </a:r>
+            <a:endParaRPr lang="zh-CN" altLang="en-US" sz="1800">
+              <a:solidFill>
+                <a:schemeClr val="tx1"/>
+              </a:solidFill>
+              <a:latin typeface="微软雅黑" panose="020B0503020204020204" charset="-122"/>
+              <a:ea typeface="微软雅黑" panose="020B0503020204020204" charset="-122"/>
+              <a:sym typeface="+mn-ea"/>
+            </a:endParaRPr>
           </a:p>
         </p:txBody>
       </p:sp>
@@ -26080,6 +27204,13 @@
               </a:rPr>
               <a:t>通道降维</a:t>
             </a:r>
+            <a:endParaRPr lang="zh-CN" altLang="en-US" sz="1200">
+              <a:solidFill>
+                <a:srgbClr val="0F80FF"/>
+              </a:solidFill>
+              <a:latin typeface="微软雅黑" panose="020B0503020204020204" charset="-122"/>
+              <a:ea typeface="微软雅黑" panose="020B0503020204020204" charset="-122"/>
+            </a:endParaRPr>
           </a:p>
         </p:txBody>
       </p:sp>
@@ -26177,6 +27308,13 @@
               </a:rPr>
               <a:t>输入</a:t>
             </a:r>
+            <a:endParaRPr lang="zh-CN" altLang="en-US">
+              <a:solidFill>
+                <a:schemeClr val="tx1"/>
+              </a:solidFill>
+              <a:latin typeface="微软雅黑" panose="020B0503020204020204" charset="-122"/>
+              <a:ea typeface="微软雅黑" panose="020B0503020204020204" charset="-122"/>
+            </a:endParaRPr>
           </a:p>
         </p:txBody>
       </p:sp>
@@ -26252,6 +27390,13 @@
               </a:rPr>
               <a:t>ReLU6</a:t>
             </a:r>
+            <a:endParaRPr lang="en-US" altLang="zh-CN" sz="1200">
+              <a:solidFill>
+                <a:srgbClr val="C00000"/>
+              </a:solidFill>
+              <a:latin typeface="微软雅黑" panose="020B0503020204020204" charset="-122"/>
+              <a:ea typeface="微软雅黑" panose="020B0503020204020204" charset="-122"/>
+            </a:endParaRPr>
           </a:p>
         </p:txBody>
       </p:sp>
@@ -26288,6 +27433,13 @@
               </a:rPr>
               <a:t>ReLU6</a:t>
             </a:r>
+            <a:endParaRPr lang="en-US" altLang="zh-CN" sz="1200">
+              <a:solidFill>
+                <a:srgbClr val="C00000"/>
+              </a:solidFill>
+              <a:latin typeface="微软雅黑" panose="020B0503020204020204" charset="-122"/>
+              <a:ea typeface="微软雅黑" panose="020B0503020204020204" charset="-122"/>
+            </a:endParaRPr>
           </a:p>
         </p:txBody>
       </p:sp>
@@ -26324,6 +27476,13 @@
               </a:rPr>
               <a:t>ReLU6</a:t>
             </a:r>
+            <a:endParaRPr lang="en-US" altLang="zh-CN" sz="1200">
+              <a:solidFill>
+                <a:srgbClr val="C00000"/>
+              </a:solidFill>
+              <a:latin typeface="微软雅黑" panose="020B0503020204020204" charset="-122"/>
+              <a:ea typeface="微软雅黑" panose="020B0503020204020204" charset="-122"/>
+            </a:endParaRPr>
           </a:p>
         </p:txBody>
       </p:sp>
@@ -26404,6 +27563,15 @@
               </a:rPr>
               <a:t>ReLU6 非线性层</a:t>
             </a:r>
+            <a:endParaRPr lang="zh-CN" altLang="en-US" sz="1200">
+              <a:solidFill>
+                <a:schemeClr val="bg1">
+                  <a:lumMod val="65000"/>
+                </a:schemeClr>
+              </a:solidFill>
+              <a:latin typeface="微软雅黑" panose="020B0503020204020204" charset="-122"/>
+              <a:ea typeface="微软雅黑" panose="020B0503020204020204" charset="-122"/>
+            </a:endParaRPr>
           </a:p>
           <a:p>
             <a:pPr lvl="0" indent="0">
@@ -26422,6 +27590,15 @@
               </a:rPr>
               <a:t>    在低精度计算时能压缩动态范围，    </a:t>
             </a:r>
+            <a:endParaRPr lang="zh-CN" altLang="en-US" sz="1200">
+              <a:solidFill>
+                <a:schemeClr val="bg1">
+                  <a:lumMod val="65000"/>
+                </a:schemeClr>
+              </a:solidFill>
+              <a:latin typeface="微软雅黑" panose="020B0503020204020204" charset="-122"/>
+              <a:ea typeface="微软雅黑" panose="020B0503020204020204" charset="-122"/>
+            </a:endParaRPr>
           </a:p>
           <a:p>
             <a:pPr lvl="0" indent="0">
@@ -26440,6 +27617,15 @@
               </a:rPr>
               <a:t>    算法更稳健。</a:t>
             </a:r>
+            <a:endParaRPr lang="zh-CN" altLang="en-US" sz="1200">
+              <a:solidFill>
+                <a:schemeClr val="bg1">
+                  <a:lumMod val="65000"/>
+                </a:schemeClr>
+              </a:solidFill>
+              <a:latin typeface="微软雅黑" panose="020B0503020204020204" charset="-122"/>
+              <a:ea typeface="微软雅黑" panose="020B0503020204020204" charset="-122"/>
+            </a:endParaRPr>
           </a:p>
           <a:p>
             <a:pPr marL="171450" indent="-171450">
@@ -26473,6 +27659,15 @@
               </a:rPr>
               <a:t>ReLU6 定义为：</a:t>
             </a:r>
+            <a:endParaRPr lang="zh-CN" altLang="en-US" sz="1200">
+              <a:solidFill>
+                <a:schemeClr val="bg1">
+                  <a:lumMod val="65000"/>
+                </a:schemeClr>
+              </a:solidFill>
+              <a:latin typeface="微软雅黑" panose="020B0503020204020204" charset="-122"/>
+              <a:ea typeface="微软雅黑" panose="020B0503020204020204" charset="-122"/>
+            </a:endParaRPr>
           </a:p>
           <a:p>
             <a:pPr indent="0">
@@ -26491,6 +27686,15 @@
               </a:rPr>
               <a:t>    f(x) = min(max(x, 0), 6)</a:t>
             </a:r>
+            <a:endParaRPr lang="zh-CN" altLang="en-US" sz="1200">
+              <a:solidFill>
+                <a:schemeClr val="bg1">
+                  <a:lumMod val="65000"/>
+                </a:schemeClr>
+              </a:solidFill>
+              <a:latin typeface="微软雅黑" panose="020B0503020204020204" charset="-122"/>
+              <a:ea typeface="微软雅黑" panose="020B0503020204020204" charset="-122"/>
+            </a:endParaRPr>
           </a:p>
         </p:txBody>
       </p:sp>
@@ -26668,6 +27872,10 @@
                 </a:rPr>
                 <a:t>.</a:t>
               </a:r>
+              <a:endParaRPr lang="en-US" altLang="zh-CN" sz="4000" b="1">
+                <a:latin typeface="微软雅黑" panose="020B0503020204020204" charset="-122"/>
+                <a:ea typeface="微软雅黑" panose="020B0503020204020204" charset="-122"/>
+              </a:endParaRPr>
             </a:p>
           </p:txBody>
         </p:sp>
@@ -26705,6 +27913,13 @@
               </a:rPr>
               <a:t>Add</a:t>
             </a:r>
+            <a:endParaRPr lang="en-US" altLang="zh-CN" sz="1200">
+              <a:solidFill>
+                <a:srgbClr val="0F80FF"/>
+              </a:solidFill>
+              <a:latin typeface="微软雅黑" panose="020B0503020204020204" charset="-122"/>
+              <a:ea typeface="微软雅黑" panose="020B0503020204020204" charset="-122"/>
+            </a:endParaRPr>
           </a:p>
           <a:p>
             <a:pPr algn="l"/>
@@ -26718,6 +27933,13 @@
               </a:rPr>
               <a:t>按元素相加</a:t>
             </a:r>
+            <a:endParaRPr lang="zh-CN" altLang="en-US" sz="1200">
+              <a:solidFill>
+                <a:schemeClr val="tx1"/>
+              </a:solidFill>
+              <a:latin typeface="微软雅黑" panose="020B0503020204020204" charset="-122"/>
+              <a:ea typeface="微软雅黑" panose="020B0503020204020204" charset="-122"/>
+            </a:endParaRPr>
           </a:p>
         </p:txBody>
       </p:sp>
@@ -26787,6 +28009,10 @@
               </a:rPr>
               <a:t> - 2016</a:t>
             </a:r>
+            <a:endParaRPr lang="en-US" altLang="zh-CN" sz="2000" b="1" dirty="0">
+              <a:latin typeface="微软雅黑" panose="020B0503020204020204" charset="-122"/>
+              <a:ea typeface="微软雅黑" panose="020B0503020204020204" charset="-122"/>
+            </a:endParaRPr>
           </a:p>
         </p:txBody>
       </p:sp>
@@ -26843,6 +28069,10 @@
               </a:rPr>
               <a:t>目标：降低计算复杂度，确保一定的精度，能够在移动端或嵌入式设备上运行</a:t>
             </a:r>
+            <a:endParaRPr lang="zh-CN" altLang="en-US" sz="1800">
+              <a:latin typeface="微软雅黑" panose="020B0503020204020204" charset="-122"/>
+              <a:ea typeface="微软雅黑" panose="020B0503020204020204" charset="-122"/>
+            </a:endParaRPr>
           </a:p>
         </p:txBody>
       </p:sp>
@@ -26875,6 +28105,10 @@
               </a:rPr>
               <a:t>U-GAN-IT_v1 - 2019.07</a:t>
             </a:r>
+            <a:endParaRPr lang="en-US" altLang="zh-CN" sz="2000" b="1" dirty="0">
+              <a:latin typeface="微软雅黑" panose="020B0503020204020204" charset="-122"/>
+              <a:ea typeface="微软雅黑" panose="020B0503020204020204" charset="-122"/>
+            </a:endParaRPr>
           </a:p>
         </p:txBody>
       </p:sp>
@@ -26996,6 +28230,10 @@
               </a:rPr>
               <a:t>）</a:t>
             </a:r>
+            <a:endParaRPr lang="zh-CN" altLang="en-US" sz="1800">
+              <a:latin typeface="微软雅黑" panose="020B0503020204020204" charset="-122"/>
+              <a:ea typeface="微软雅黑" panose="020B0503020204020204" charset="-122"/>
+            </a:endParaRPr>
           </a:p>
           <a:p>
             <a:pPr algn="l"/>
@@ -27034,6 +28272,10 @@
               </a:rPr>
               <a:t>）</a:t>
             </a:r>
+            <a:endParaRPr lang="zh-CN" altLang="en-US" sz="1800">
+              <a:latin typeface="微软雅黑" panose="020B0503020204020204" charset="-122"/>
+              <a:ea typeface="微软雅黑" panose="020B0503020204020204" charset="-122"/>
+            </a:endParaRPr>
           </a:p>
         </p:txBody>
       </p:sp>
@@ -27066,6 +28308,10 @@
               </a:rPr>
               <a:t>Image-to-Image Translation - 2019.07</a:t>
             </a:r>
+            <a:endParaRPr lang="en-US" altLang="zh-CN" sz="2000" b="1" dirty="0">
+              <a:latin typeface="微软雅黑" panose="020B0503020204020204" charset="-122"/>
+              <a:ea typeface="微软雅黑" panose="020B0503020204020204" charset="-122"/>
+            </a:endParaRPr>
           </a:p>
         </p:txBody>
       </p:sp>
@@ -27123,6 +28369,10 @@
               </a:rPr>
               <a:t>GAN - 2014</a:t>
             </a:r>
+            <a:endParaRPr lang="en-US" altLang="zh-CN" sz="2000" b="1" dirty="0">
+              <a:latin typeface="微软雅黑" panose="020B0503020204020204" charset="-122"/>
+              <a:ea typeface="微软雅黑" panose="020B0503020204020204" charset="-122"/>
+            </a:endParaRPr>
           </a:p>
         </p:txBody>
       </p:sp>
@@ -27135,7 +28385,7 @@
           <p:nvPr/>
         </p:nvPicPr>
         <p:blipFill>
-          <a:blip r:embed="rId2"/>
+          <a:blip r:embed="rId1"/>
           <a:stretch>
             <a:fillRect/>
           </a:stretch>
@@ -27204,6 +28454,10 @@
               </a:rPr>
               <a:t>GAN - 2014</a:t>
             </a:r>
+            <a:endParaRPr lang="en-US" altLang="zh-CN" sz="2000" b="1" dirty="0">
+              <a:latin typeface="微软雅黑" panose="020B0503020204020204" charset="-122"/>
+              <a:ea typeface="微软雅黑" panose="020B0503020204020204" charset="-122"/>
+            </a:endParaRPr>
           </a:p>
         </p:txBody>
       </p:sp>
@@ -27300,6 +28554,10 @@
               </a:rPr>
               <a:t>）</a:t>
             </a:r>
+            <a:endParaRPr lang="zh-CN" altLang="en-US" sz="1800">
+              <a:latin typeface="微软雅黑" panose="020B0503020204020204" charset="-122"/>
+              <a:ea typeface="微软雅黑" panose="020B0503020204020204" charset="-122"/>
+            </a:endParaRPr>
           </a:p>
           <a:p>
             <a:pPr algn="l"/>
@@ -27338,6 +28596,10 @@
               </a:rPr>
               <a:t>）</a:t>
             </a:r>
+            <a:endParaRPr lang="zh-CN" altLang="en-US" sz="1800">
+              <a:latin typeface="微软雅黑" panose="020B0503020204020204" charset="-122"/>
+              <a:ea typeface="微软雅黑" panose="020B0503020204020204" charset="-122"/>
+            </a:endParaRPr>
           </a:p>
         </p:txBody>
       </p:sp>
@@ -27402,6 +28664,10 @@
               </a:rPr>
               <a:t> - 2014</a:t>
             </a:r>
+            <a:endParaRPr lang="en-US" altLang="zh-CN" sz="2000" b="1" dirty="0">
+              <a:latin typeface="微软雅黑" panose="020B0503020204020204" charset="-122"/>
+              <a:ea typeface="微软雅黑" panose="020B0503020204020204" charset="-122"/>
+            </a:endParaRPr>
           </a:p>
         </p:txBody>
       </p:sp>
@@ -27414,7 +28680,7 @@
           <p:nvPr/>
         </p:nvPicPr>
         <p:blipFill>
-          <a:blip r:embed="rId2"/>
+          <a:blip r:embed="rId1"/>
           <a:stretch>
             <a:fillRect/>
           </a:stretch>
@@ -27790,6 +29056,16 @@
               </a:rPr>
               <a:t>生成固定长度的特征向量，与输入图片的大小和尺度无关</a:t>
             </a:r>
+            <a:endParaRPr lang="zh-CN" altLang="en-US" sz="1400">
+              <a:solidFill>
+                <a:schemeClr val="tx1">
+                  <a:lumMod val="50000"/>
+                  <a:lumOff val="50000"/>
+                </a:schemeClr>
+              </a:solidFill>
+              <a:latin typeface="微软雅黑" panose="020B0503020204020204" charset="-122"/>
+              <a:ea typeface="微软雅黑" panose="020B0503020204020204" charset="-122"/>
+            </a:endParaRPr>
           </a:p>
         </p:txBody>
       </p:sp>
@@ -28806,6 +30082,10 @@
               </a:rPr>
               <a:t>...</a:t>
             </a:r>
+            <a:endParaRPr lang="en-US" altLang="zh-CN" b="1">
+              <a:latin typeface="微软雅黑" panose="020B0503020204020204" charset="-122"/>
+              <a:ea typeface="微软雅黑" panose="020B0503020204020204" charset="-122"/>
+            </a:endParaRPr>
           </a:p>
         </p:txBody>
       </p:sp>
@@ -29256,6 +30536,10 @@
                 </a:rPr>
                 <a:t>...</a:t>
               </a:r>
+              <a:endParaRPr lang="en-US" altLang="zh-CN" b="1">
+                <a:latin typeface="微软雅黑" panose="020B0503020204020204" charset="-122"/>
+                <a:ea typeface="微软雅黑" panose="020B0503020204020204" charset="-122"/>
+              </a:endParaRPr>
             </a:p>
           </p:txBody>
         </p:sp>
@@ -29632,7 +30916,7 @@
           <p:nvPr/>
         </p:nvPicPr>
         <p:blipFill>
-          <a:blip r:embed="rId2"/>
+          <a:blip r:embed="rId1"/>
           <a:srcRect l="80518"/>
           <a:stretch>
             <a:fillRect/>
@@ -29691,6 +30975,13 @@
               </a:rPr>
               <a:t>空间金字塔池化</a:t>
             </a:r>
+            <a:endParaRPr lang="zh-CN" altLang="en-US" sz="1400" b="1">
+              <a:solidFill>
+                <a:srgbClr val="0070C0"/>
+              </a:solidFill>
+              <a:latin typeface="微软雅黑" panose="020B0503020204020204" charset="-122"/>
+              <a:ea typeface="微软雅黑" panose="020B0503020204020204" charset="-122"/>
+            </a:endParaRPr>
           </a:p>
         </p:txBody>
       </p:sp>
@@ -29724,6 +31015,10 @@
               </a:rPr>
               <a:t>固定</a:t>
             </a:r>
+            <a:endParaRPr lang="zh-CN" altLang="en-US" sz="1400">
+              <a:latin typeface="微软雅黑" panose="020B0503020204020204" charset="-122"/>
+              <a:ea typeface="微软雅黑" panose="020B0503020204020204" charset="-122"/>
+            </a:endParaRPr>
           </a:p>
           <a:p>
             <a:pPr algn="ctr"/>
@@ -29734,6 +31029,10 @@
               </a:rPr>
               <a:t>长度</a:t>
             </a:r>
+            <a:endParaRPr lang="zh-CN" altLang="en-US" sz="1400">
+              <a:latin typeface="微软雅黑" panose="020B0503020204020204" charset="-122"/>
+              <a:ea typeface="微软雅黑" panose="020B0503020204020204" charset="-122"/>
+            </a:endParaRPr>
           </a:p>
         </p:txBody>
       </p:sp>
@@ -29770,6 +31069,13 @@
               </a:rPr>
               <a:t>Max Pooling @ 256 depth </a:t>
             </a:r>
+            <a:endParaRPr lang="en-US" altLang="zh-CN" sz="1400">
+              <a:solidFill>
+                <a:srgbClr val="C00000"/>
+              </a:solidFill>
+              <a:latin typeface="微软雅黑" panose="020B0503020204020204" charset="-122"/>
+              <a:ea typeface="微软雅黑" panose="020B0503020204020204" charset="-122"/>
+            </a:endParaRPr>
           </a:p>
         </p:txBody>
       </p:sp>
@@ -29826,6 +31132,13 @@
               </a:rPr>
               <a:t>4</a:t>
             </a:r>
+            <a:endParaRPr lang="en-US" sz="1200">
+              <a:solidFill>
+                <a:srgbClr val="C00000"/>
+              </a:solidFill>
+              <a:latin typeface="微软雅黑" panose="020B0503020204020204" charset="-122"/>
+              <a:ea typeface="微软雅黑" panose="020B0503020204020204" charset="-122"/>
+            </a:endParaRPr>
           </a:p>
         </p:txBody>
       </p:sp>
@@ -29883,6 +31196,13 @@
               </a:rPr>
               <a:t>6</a:t>
             </a:r>
+            <a:endParaRPr lang="en-US" sz="1200">
+              <a:solidFill>
+                <a:srgbClr val="C00000"/>
+              </a:solidFill>
+              <a:latin typeface="微软雅黑" panose="020B0503020204020204" charset="-122"/>
+              <a:ea typeface="微软雅黑" panose="020B0503020204020204" charset="-122"/>
+            </a:endParaRPr>
           </a:p>
         </p:txBody>
       </p:sp>
@@ -29940,6 +31260,13 @@
               </a:rPr>
               <a:t>13</a:t>
             </a:r>
+            <a:endParaRPr lang="en-US" sz="1200">
+              <a:solidFill>
+                <a:srgbClr val="C00000"/>
+              </a:solidFill>
+              <a:latin typeface="微软雅黑" panose="020B0503020204020204" charset="-122"/>
+              <a:ea typeface="微软雅黑" panose="020B0503020204020204" charset="-122"/>
+            </a:endParaRPr>
           </a:p>
         </p:txBody>
       </p:sp>
@@ -30111,6 +31438,13 @@
               </a:rPr>
               <a:t>将输入图片的区域小图 映射到</a:t>
             </a:r>
+            <a:endParaRPr lang="zh-CN" altLang="en-US" sz="1400">
+              <a:solidFill>
+                <a:srgbClr val="00B0F0"/>
+              </a:solidFill>
+              <a:latin typeface="微软雅黑" panose="020B0503020204020204" charset="-122"/>
+              <a:ea typeface="微软雅黑" panose="020B0503020204020204" charset="-122"/>
+            </a:endParaRPr>
           </a:p>
           <a:p>
             <a:pPr algn="l">
@@ -30138,6 +31472,13 @@
               </a:rPr>
               <a:t>的特征图对应的区域小图上</a:t>
             </a:r>
+            <a:endParaRPr lang="zh-CN" altLang="en-US" sz="1400">
+              <a:solidFill>
+                <a:srgbClr val="00B0F0"/>
+              </a:solidFill>
+              <a:latin typeface="微软雅黑" panose="020B0503020204020204" charset="-122"/>
+              <a:ea typeface="微软雅黑" panose="020B0503020204020204" charset="-122"/>
+            </a:endParaRPr>
           </a:p>
           <a:p>
             <a:pPr algn="l">
@@ -30184,6 +31525,16 @@
               </a:rPr>
               <a:t>右下 对应 特征图窗口的像素点</a:t>
             </a:r>
+            <a:endParaRPr lang="zh-CN" altLang="en-US" sz="1400">
+              <a:solidFill>
+                <a:schemeClr val="tx1">
+                  <a:lumMod val="50000"/>
+                  <a:lumOff val="50000"/>
+                </a:schemeClr>
+              </a:solidFill>
+              <a:latin typeface="微软雅黑" panose="020B0503020204020204" charset="-122"/>
+              <a:ea typeface="微软雅黑" panose="020B0503020204020204" charset="-122"/>
+            </a:endParaRPr>
           </a:p>
           <a:p>
             <a:pPr algn="l">
@@ -30214,6 +31565,13 @@
               </a:rPr>
               <a:t> </a:t>
             </a:r>
+            <a:endParaRPr lang="en-US" altLang="zh-CN" sz="1400">
+              <a:solidFill>
+                <a:srgbClr val="00B0F0"/>
+              </a:solidFill>
+              <a:latin typeface="微软雅黑" panose="020B0503020204020204" charset="-122"/>
+              <a:ea typeface="微软雅黑" panose="020B0503020204020204" charset="-122"/>
+            </a:endParaRPr>
           </a:p>
         </p:txBody>
       </p:sp>
@@ -30250,6 +31608,13 @@
               </a:rPr>
               <a:t>conv_5 </a:t>
             </a:r>
+            <a:endParaRPr lang="en-US" altLang="zh-CN" sz="1400">
+              <a:solidFill>
+                <a:srgbClr val="00B0F0"/>
+              </a:solidFill>
+              <a:latin typeface="微软雅黑" panose="020B0503020204020204" charset="-122"/>
+              <a:ea typeface="微软雅黑" panose="020B0503020204020204" charset="-122"/>
+            </a:endParaRPr>
           </a:p>
           <a:p>
             <a:pPr algn="ctr"/>
@@ -30263,6 +31628,13 @@
               </a:rPr>
               <a:t>特征图</a:t>
             </a:r>
+            <a:endParaRPr lang="zh-CN" altLang="en-US" sz="1400">
+              <a:solidFill>
+                <a:srgbClr val="00B0F0"/>
+              </a:solidFill>
+              <a:latin typeface="微软雅黑" panose="020B0503020204020204" charset="-122"/>
+              <a:ea typeface="微软雅黑" panose="020B0503020204020204" charset="-122"/>
+            </a:endParaRPr>
           </a:p>
           <a:p>
             <a:pPr algn="ctr"/>
@@ -30286,6 +31658,13 @@
               </a:rPr>
               <a:t>SPP </a:t>
             </a:r>
+            <a:endParaRPr lang="en-US" altLang="zh-CN" sz="1400">
+              <a:solidFill>
+                <a:srgbClr val="00B0F0"/>
+              </a:solidFill>
+              <a:latin typeface="微软雅黑" panose="020B0503020204020204" charset="-122"/>
+              <a:ea typeface="微软雅黑" panose="020B0503020204020204" charset="-122"/>
+            </a:endParaRPr>
           </a:p>
         </p:txBody>
       </p:sp>
@@ -30332,6 +31711,10 @@
               </a:rPr>
               <a:t>SVM</a:t>
             </a:r>
+            <a:endParaRPr lang="en-US" altLang="zh-CN" sz="1400" b="1">
+              <a:latin typeface="微软雅黑" panose="020B0503020204020204" charset="-122"/>
+              <a:ea typeface="微软雅黑" panose="020B0503020204020204" charset="-122"/>
+            </a:endParaRPr>
           </a:p>
         </p:txBody>
       </p:sp>
@@ -30371,6 +31754,10 @@
               </a:rPr>
               <a:t> - 2014</a:t>
             </a:r>
+            <a:endParaRPr lang="en-US" altLang="zh-CN" sz="2000" b="1" dirty="0">
+              <a:latin typeface="微软雅黑" panose="020B0503020204020204" charset="-122"/>
+              <a:ea typeface="微软雅黑" panose="020B0503020204020204" charset="-122"/>
+            </a:endParaRPr>
           </a:p>
         </p:txBody>
       </p:sp>
@@ -30428,6 +31815,10 @@
               </a:rPr>
               <a:t>Fréchet Inception Distance - 2017</a:t>
             </a:r>
+            <a:endParaRPr lang="en-US" altLang="zh-CN" sz="2000" b="1" dirty="0">
+              <a:latin typeface="微软雅黑" panose="020B0503020204020204" charset="-122"/>
+              <a:ea typeface="微软雅黑" panose="020B0503020204020204" charset="-122"/>
+            </a:endParaRPr>
           </a:p>
         </p:txBody>
       </p:sp>
@@ -30440,7 +31831,7 @@
           <p:nvPr/>
         </p:nvPicPr>
         <p:blipFill>
-          <a:blip r:embed="rId2">
+          <a:blip r:embed="rId1">
             <a:extLst>
               <a:ext uri="{28A0092B-C50C-407E-A947-70E740481C1C}">
                 <a14:useLocalDpi xmlns:a14="http://schemas.microsoft.com/office/drawing/2010/main" val="0"/>
@@ -30646,6 +32037,13 @@
               </a:rPr>
               <a:t>Inception-v3</a:t>
             </a:r>
+            <a:endParaRPr lang="en-US" altLang="zh-CN" sz="1400" b="1" dirty="0">
+              <a:solidFill>
+                <a:srgbClr val="0070C0"/>
+              </a:solidFill>
+              <a:latin typeface="微软雅黑" panose="020B0503020204020204" charset="-122"/>
+              <a:ea typeface="微软雅黑" panose="020B0503020204020204" charset="-122"/>
+            </a:endParaRPr>
           </a:p>
         </p:txBody>
       </p:sp>
@@ -30703,6 +32101,10 @@
               </a:rPr>
               <a:t>Fréchet Inception Distance - 2017</a:t>
             </a:r>
+            <a:endParaRPr lang="en-US" altLang="zh-CN" sz="2000" b="1" dirty="0">
+              <a:latin typeface="微软雅黑" panose="020B0503020204020204" charset="-122"/>
+              <a:ea typeface="微软雅黑" panose="020B0503020204020204" charset="-122"/>
+            </a:endParaRPr>
           </a:p>
         </p:txBody>
       </p:sp>
@@ -30715,7 +32117,7 @@
           <p:nvPr/>
         </p:nvPicPr>
         <p:blipFill>
-          <a:blip r:embed="rId2"/>
+          <a:blip r:embed="rId1"/>
           <a:stretch>
             <a:fillRect/>
           </a:stretch>
@@ -30988,6 +32390,15 @@
               </a:rPr>
               <a:t>FID Calculation through Inception-v3 Pretrained Model</a:t>
             </a:r>
+            <a:endParaRPr lang="en-US" altLang="zh-CN" sz="1400" b="1" dirty="0">
+              <a:solidFill>
+                <a:schemeClr val="accent6">
+                  <a:lumMod val="75000"/>
+                </a:schemeClr>
+              </a:solidFill>
+              <a:latin typeface="微软雅黑" panose="020B0503020204020204" charset="-122"/>
+              <a:ea typeface="微软雅黑" panose="020B0503020204020204" charset="-122"/>
+            </a:endParaRPr>
           </a:p>
         </p:txBody>
       </p:sp>
@@ -31398,6 +32809,10 @@
               </a:rPr>
               <a:t> mean &amp; Covariance</a:t>
             </a:r>
+            <a:endParaRPr lang="en-US" altLang="zh-CN" sz="1400" dirty="0">
+              <a:latin typeface="Axure Handwriting" panose="020B0402020200020204" pitchFamily="34" charset="0"/>
+              <a:ea typeface="微软雅黑" panose="020B0503020204020204" charset="-122"/>
+            </a:endParaRPr>
           </a:p>
         </p:txBody>
       </p:sp>
@@ -31517,6 +32932,10 @@
               </a:rPr>
               <a:t> FID</a:t>
             </a:r>
+            <a:endParaRPr lang="en-US" altLang="zh-CN" sz="1400" dirty="0">
+              <a:latin typeface="Axure Handwriting" panose="020B0402020200020204" pitchFamily="34" charset="0"/>
+              <a:ea typeface="微软雅黑" panose="020B0503020204020204" charset="-122"/>
+            </a:endParaRPr>
           </a:p>
         </p:txBody>
       </p:sp>
@@ -31593,7 +33012,7 @@
           <p:nvPr/>
         </p:nvPicPr>
         <p:blipFill>
-          <a:blip r:embed="rId2"/>
+          <a:blip r:embed="rId1"/>
           <a:stretch>
             <a:fillRect/>
           </a:stretch>
@@ -31637,6 +33056,10 @@
               </a:rPr>
               <a:t>DCGAN - 2015</a:t>
             </a:r>
+            <a:endParaRPr lang="en-US" altLang="zh-CN" sz="2000" b="1">
+              <a:latin typeface="微软雅黑" panose="020B0503020204020204" charset="-122"/>
+              <a:ea typeface="微软雅黑" panose="020B0503020204020204" charset="-122"/>
+            </a:endParaRPr>
           </a:p>
         </p:txBody>
       </p:sp>
@@ -31695,6 +33118,16 @@
               </a:rPr>
               <a:t>source: https://openai.com/blog/generative-models/</a:t>
             </a:r>
+            <a:endParaRPr lang="en-US" altLang="zh-CN" sz="800" dirty="0">
+              <a:solidFill>
+                <a:schemeClr val="tx1">
+                  <a:lumMod val="50000"/>
+                  <a:lumOff val="50000"/>
+                </a:schemeClr>
+              </a:solidFill>
+              <a:latin typeface="微软雅黑" panose="020B0503020204020204" charset="-122"/>
+              <a:ea typeface="微软雅黑" panose="020B0503020204020204" charset="-122"/>
+            </a:endParaRPr>
           </a:p>
         </p:txBody>
       </p:sp>
@@ -31707,7 +33140,7 @@
           <p:nvPr/>
         </p:nvPicPr>
         <p:blipFill>
-          <a:blip r:embed="rId3"/>
+          <a:blip r:embed="rId2"/>
           <a:stretch>
             <a:fillRect/>
           </a:stretch>
@@ -31854,6 +33287,13 @@
               </a:rPr>
               <a:t>Generator</a:t>
             </a:r>
+            <a:endParaRPr lang="en-US" altLang="zh-CN" sz="1400" b="1" dirty="0">
+              <a:solidFill>
+                <a:srgbClr val="0070C0"/>
+              </a:solidFill>
+              <a:latin typeface="微软雅黑" panose="020B0503020204020204" charset="-122"/>
+              <a:ea typeface="微软雅黑" panose="020B0503020204020204" charset="-122"/>
+            </a:endParaRPr>
           </a:p>
         </p:txBody>
       </p:sp>
@@ -31892,6 +33332,15 @@
               </a:rPr>
               <a:t>Discriminator</a:t>
             </a:r>
+            <a:endParaRPr lang="en-US" altLang="zh-CN" sz="1400" b="1" dirty="0">
+              <a:solidFill>
+                <a:schemeClr val="accent2">
+                  <a:lumMod val="75000"/>
+                </a:schemeClr>
+              </a:solidFill>
+              <a:latin typeface="微软雅黑" panose="020B0503020204020204" charset="-122"/>
+              <a:ea typeface="微软雅黑" panose="020B0503020204020204" charset="-122"/>
+            </a:endParaRPr>
           </a:p>
         </p:txBody>
       </p:sp>
@@ -32140,6 +33589,10 @@
               </a:rPr>
               <a:t>Loss</a:t>
             </a:r>
+            <a:endParaRPr lang="en-US" altLang="zh-CN" sz="1400" b="1" dirty="0">
+              <a:latin typeface="微软雅黑" panose="020B0503020204020204" charset="-122"/>
+              <a:ea typeface="微软雅黑" panose="020B0503020204020204" charset="-122"/>
+            </a:endParaRPr>
           </a:p>
         </p:txBody>
       </p:sp>
@@ -32152,7 +33605,7 @@
           <p:nvPr/>
         </p:nvPicPr>
         <p:blipFill>
-          <a:blip r:embed="rId4">
+          <a:blip r:embed="rId3">
             <a:extLst>
               <a:ext uri="{28A0092B-C50C-407E-A947-70E740481C1C}">
                 <a14:useLocalDpi xmlns:a14="http://schemas.microsoft.com/office/drawing/2010/main" val="0"/>
@@ -32382,13 +33835,13 @@
 </file>
 
 <file path=ppt/tags/tag1.xml><?xml version="1.0" encoding="utf-8"?>
-<p:tagLst xmlns:a="http://schemas.openxmlformats.org/drawingml/2006/main" xmlns:r="http://schemas.openxmlformats.org/officeDocument/2006/relationships" xmlns:p="http://schemas.openxmlformats.org/presentationml/2006/main">
+<p:tagLst xmlns:p="http://schemas.openxmlformats.org/presentationml/2006/main">
   <p:tag name="KSO_WM_SLIDE_MODEL_TYPE" val="cover"/>
 </p:tagLst>
 </file>
 
 <file path=ppt/tags/tag2.xml><?xml version="1.0" encoding="utf-8"?>
-<p:tagLst xmlns:a="http://schemas.openxmlformats.org/drawingml/2006/main" xmlns:r="http://schemas.openxmlformats.org/officeDocument/2006/relationships" xmlns:p="http://schemas.openxmlformats.org/presentationml/2006/main">
+<p:tagLst xmlns:p="http://schemas.openxmlformats.org/presentationml/2006/main">
   <p:tag name="KSO_WM_UNIT_PLACING_PICTURE_USER_VIEWPORT" val="{&quot;height&quot;:3315,&quot;width&quot;:4455}"/>
 </p:tagLst>
 </file>
@@ -32644,8 +34097,6 @@
       </a:bgFillStyleLst>
     </a:fmtScheme>
   </a:themeElements>
-  <a:objectDefaults/>
-  <a:extraClrSchemeLst/>
   <a:extLst>
     <a:ext uri="{05A4C25C-085E-4340-85A3-A5531E510DB2}">
       <thm15:themeFamily xmlns:thm15="http://schemas.microsoft.com/office/thememl/2012/main" name="Office Theme" id="{62F939B6-93AF-4DB8-9C6B-D6C7DFDC589F}" vid="{4A3C46E8-61CC-4603-A589-7422A47A8E4A}"/>
@@ -32905,8 +34356,6 @@
       </a:bgFillStyleLst>
     </a:fmtScheme>
   </a:themeElements>
-  <a:objectDefaults/>
-  <a:extraClrSchemeLst/>
   <a:extLst>
     <a:ext uri="{05A4C25C-085E-4340-85A3-A5531E510DB2}">
       <thm15:themeFamily xmlns:thm15="http://schemas.microsoft.com/office/thememl/2012/main" name="Office Theme" id="{62F939B6-93AF-4DB8-9C6B-D6C7DFDC589F}" vid="{4A3C46E8-61CC-4603-A589-7422A47A8E4A}"/>

--- a/GAN_Understanding/GANunderstanding.pptx
+++ b/GAN_Understanding/GANunderstanding.pptx
@@ -5,36 +5,36 @@
     <p:sldMasterId id="2147483648" r:id="rId1"/>
   </p:sldMasterIdLst>
   <p:notesMasterIdLst>
-    <p:notesMasterId r:id="rId19"/>
+    <p:notesMasterId r:id="rId26"/>
   </p:notesMasterIdLst>
   <p:sldIdLst>
-    <p:sldId id="267" r:id="rId3"/>
-    <p:sldId id="266" r:id="rId4"/>
-    <p:sldId id="323" r:id="rId5"/>
-    <p:sldId id="295" r:id="rId6"/>
-    <p:sldId id="279" r:id="rId7"/>
-    <p:sldId id="261" r:id="rId8"/>
-    <p:sldId id="294" r:id="rId9"/>
-    <p:sldId id="296" r:id="rId10"/>
-    <p:sldId id="257" r:id="rId11"/>
-    <p:sldId id="293" r:id="rId12"/>
-    <p:sldId id="324" r:id="rId13"/>
-    <p:sldId id="280" r:id="rId14"/>
-    <p:sldId id="311" r:id="rId15"/>
-    <p:sldId id="312" r:id="rId16"/>
-    <p:sldId id="313" r:id="rId17"/>
-    <p:sldId id="259" r:id="rId18"/>
-    <p:sldId id="310" r:id="rId20"/>
-    <p:sldId id="258" r:id="rId21"/>
-    <p:sldId id="264" r:id="rId22"/>
-    <p:sldId id="265" r:id="rId23"/>
-    <p:sldId id="288" r:id="rId24"/>
-    <p:sldId id="289" r:id="rId25"/>
-    <p:sldId id="290" r:id="rId26"/>
-    <p:sldId id="322" r:id="rId27"/>
+    <p:sldId id="267" r:id="rId2"/>
+    <p:sldId id="266" r:id="rId3"/>
+    <p:sldId id="323" r:id="rId4"/>
+    <p:sldId id="295" r:id="rId5"/>
+    <p:sldId id="279" r:id="rId6"/>
+    <p:sldId id="261" r:id="rId7"/>
+    <p:sldId id="294" r:id="rId8"/>
+    <p:sldId id="296" r:id="rId9"/>
+    <p:sldId id="257" r:id="rId10"/>
+    <p:sldId id="293" r:id="rId11"/>
+    <p:sldId id="324" r:id="rId12"/>
+    <p:sldId id="280" r:id="rId13"/>
+    <p:sldId id="311" r:id="rId14"/>
+    <p:sldId id="312" r:id="rId15"/>
+    <p:sldId id="313" r:id="rId16"/>
+    <p:sldId id="259" r:id="rId17"/>
+    <p:sldId id="310" r:id="rId18"/>
+    <p:sldId id="258" r:id="rId19"/>
+    <p:sldId id="264" r:id="rId20"/>
+    <p:sldId id="265" r:id="rId21"/>
+    <p:sldId id="288" r:id="rId22"/>
+    <p:sldId id="289" r:id="rId23"/>
+    <p:sldId id="290" r:id="rId24"/>
+    <p:sldId id="322" r:id="rId25"/>
   </p:sldIdLst>
   <p:sldSz cx="12192000" cy="6858000"/>
-  <p:notesSz cx="10234295" cy="7103745"/>
+  <p:notesSz cx="10234613" cy="7104063"/>
   <p:defaultTextStyle>
     <a:defPPr>
       <a:defRPr lang="zh-CN"/>
@@ -130,6 +130,22 @@
       </a:defRPr>
     </a:lvl9pPr>
   </p:defaultTextStyle>
+  <p:extLst>
+    <p:ext uri="{EFAFB233-063F-42B5-8137-9DF3F51BA10A}">
+      <p15:sldGuideLst xmlns:p15="http://schemas.microsoft.com/office/powerpoint/2012/main">
+        <p15:guide id="1" orient="horz" pos="2200">
+          <p15:clr>
+            <a:srgbClr val="A4A3A4"/>
+          </p15:clr>
+        </p15:guide>
+        <p15:guide id="2" pos="3840">
+          <p15:clr>
+            <a:srgbClr val="A4A3A4"/>
+          </p15:clr>
+        </p15:guide>
+      </p15:sldGuideLst>
+    </p:ext>
+  </p:extLst>
 </p:presentation>
 </file>
 
@@ -215,6 +231,7 @@
           <a:p>
             <a:fld id="{D2A48B96-639E-45A3-A0BA-2464DFDB1FAA}" type="datetimeFigureOut">
               <a:rPr lang="zh-CN" altLang="en-US" smtClean="0"/>
+              <a:t>2020-07-13</a:t>
             </a:fld>
             <a:endParaRPr lang="zh-CN" altLang="en-US"/>
           </a:p>
@@ -281,7 +298,6 @@
               <a:rPr lang="zh-CN" altLang="en-US"/>
               <a:t>单击此处编辑母版文本样式</a:t>
             </a:r>
-            <a:endParaRPr lang="zh-CN" altLang="en-US"/>
           </a:p>
           <a:p>
             <a:pPr lvl="1"/>
@@ -289,7 +305,6 @@
               <a:rPr lang="zh-CN" altLang="en-US"/>
               <a:t>第二级</a:t>
             </a:r>
-            <a:endParaRPr lang="zh-CN" altLang="en-US"/>
           </a:p>
           <a:p>
             <a:pPr lvl="2"/>
@@ -297,7 +312,6 @@
               <a:rPr lang="zh-CN" altLang="en-US"/>
               <a:t>第三级</a:t>
             </a:r>
-            <a:endParaRPr lang="zh-CN" altLang="en-US"/>
           </a:p>
           <a:p>
             <a:pPr lvl="3"/>
@@ -305,7 +319,6 @@
               <a:rPr lang="zh-CN" altLang="en-US"/>
               <a:t>第四级</a:t>
             </a:r>
-            <a:endParaRPr lang="zh-CN" altLang="en-US"/>
           </a:p>
           <a:p>
             <a:pPr lvl="4"/>
@@ -313,7 +326,6 @@
               <a:rPr lang="zh-CN" altLang="en-US"/>
               <a:t>第五级</a:t>
             </a:r>
-            <a:endParaRPr lang="zh-CN" altLang="en-US"/>
           </a:p>
         </p:txBody>
       </p:sp>
@@ -377,6 +389,7 @@
           <a:p>
             <a:fld id="{A6837353-30EB-4A48-80EB-173D804AEFBD}" type="slidenum">
               <a:rPr lang="zh-CN" altLang="en-US" smtClean="0"/>
+              <a:t>‹#›</a:t>
             </a:fld>
             <a:endParaRPr lang="zh-CN" altLang="en-US"/>
           </a:p>
@@ -708,7 +721,6 @@
               <a:rPr lang="zh-CN" altLang="en-US"/>
               <a:t>单击此处编辑母版标题样式</a:t>
             </a:r>
-            <a:endParaRPr lang="zh-CN" altLang="en-US"/>
           </a:p>
         </p:txBody>
       </p:sp>
@@ -773,7 +785,6 @@
               <a:rPr lang="zh-CN" altLang="en-US"/>
               <a:t>单击此处编辑母版副标题样式</a:t>
             </a:r>
-            <a:endParaRPr lang="zh-CN" altLang="en-US"/>
           </a:p>
         </p:txBody>
       </p:sp>
@@ -794,6 +805,7 @@
           <a:p>
             <a:fld id="{82F288E0-7875-42C4-84C8-98DBBD3BF4D2}" type="datetimeFigureOut">
               <a:rPr lang="zh-CN" altLang="en-US" smtClean="0"/>
+              <a:t>2020-07-13</a:t>
             </a:fld>
             <a:endParaRPr lang="zh-CN" altLang="en-US"/>
           </a:p>
@@ -835,6 +847,7 @@
           <a:p>
             <a:fld id="{7D9BB5D0-35E4-459D-AEF3-FE4D7C45CC19}" type="slidenum">
               <a:rPr lang="zh-CN" altLang="en-US" smtClean="0"/>
+              <a:t>‹#›</a:t>
             </a:fld>
             <a:endParaRPr lang="zh-CN" altLang="en-US"/>
           </a:p>
@@ -890,7 +903,6 @@
               <a:rPr lang="zh-CN" altLang="en-US"/>
               <a:t>单击此处编辑母版文本样式</a:t>
             </a:r>
-            <a:endParaRPr lang="zh-CN" altLang="en-US"/>
           </a:p>
           <a:p>
             <a:pPr lvl="1"/>
@@ -898,7 +910,6 @@
               <a:rPr lang="zh-CN" altLang="en-US"/>
               <a:t>第二级</a:t>
             </a:r>
-            <a:endParaRPr lang="zh-CN" altLang="en-US"/>
           </a:p>
           <a:p>
             <a:pPr lvl="2"/>
@@ -906,7 +917,6 @@
               <a:rPr lang="zh-CN" altLang="en-US"/>
               <a:t>第三级</a:t>
             </a:r>
-            <a:endParaRPr lang="zh-CN" altLang="en-US"/>
           </a:p>
           <a:p>
             <a:pPr lvl="3"/>
@@ -914,7 +924,6 @@
               <a:rPr lang="zh-CN" altLang="en-US"/>
               <a:t>第四级</a:t>
             </a:r>
-            <a:endParaRPr lang="zh-CN" altLang="en-US"/>
           </a:p>
           <a:p>
             <a:pPr lvl="4"/>
@@ -922,7 +931,6 @@
               <a:rPr lang="zh-CN" altLang="en-US"/>
               <a:t>第五级</a:t>
             </a:r>
-            <a:endParaRPr lang="zh-CN" altLang="en-US"/>
           </a:p>
         </p:txBody>
       </p:sp>
@@ -943,6 +951,7 @@
           <a:p>
             <a:fld id="{82F288E0-7875-42C4-84C8-98DBBD3BF4D2}" type="datetimeFigureOut">
               <a:rPr lang="zh-CN" altLang="en-US" smtClean="0"/>
+              <a:t>2020-07-13</a:t>
             </a:fld>
             <a:endParaRPr lang="zh-CN" altLang="en-US"/>
           </a:p>
@@ -984,6 +993,7 @@
           <a:p>
             <a:fld id="{7D9BB5D0-35E4-459D-AEF3-FE4D7C45CC19}" type="slidenum">
               <a:rPr lang="zh-CN" altLang="en-US" smtClean="0"/>
+              <a:t>‹#›</a:t>
             </a:fld>
             <a:endParaRPr lang="zh-CN" altLang="en-US"/>
           </a:p>
@@ -1033,7 +1043,6 @@
               <a:rPr lang="zh-CN" altLang="en-US"/>
               <a:t>单击此处编辑母版标题样式</a:t>
             </a:r>
-            <a:endParaRPr lang="zh-CN" altLang="en-US"/>
           </a:p>
         </p:txBody>
       </p:sp>
@@ -1057,7 +1066,6 @@
               <a:rPr lang="zh-CN" altLang="en-US"/>
               <a:t>单击此处编辑母版文本样式</a:t>
             </a:r>
-            <a:endParaRPr lang="zh-CN" altLang="en-US"/>
           </a:p>
           <a:p>
             <a:pPr lvl="1"/>
@@ -1065,7 +1073,6 @@
               <a:rPr lang="zh-CN" altLang="en-US"/>
               <a:t>第二级</a:t>
             </a:r>
-            <a:endParaRPr lang="zh-CN" altLang="en-US"/>
           </a:p>
           <a:p>
             <a:pPr lvl="2"/>
@@ -1073,7 +1080,6 @@
               <a:rPr lang="zh-CN" altLang="en-US"/>
               <a:t>第三级</a:t>
             </a:r>
-            <a:endParaRPr lang="zh-CN" altLang="en-US"/>
           </a:p>
           <a:p>
             <a:pPr lvl="3"/>
@@ -1081,7 +1087,6 @@
               <a:rPr lang="zh-CN" altLang="en-US"/>
               <a:t>第四级</a:t>
             </a:r>
-            <a:endParaRPr lang="zh-CN" altLang="en-US"/>
           </a:p>
           <a:p>
             <a:pPr lvl="4"/>
@@ -1089,7 +1094,6 @@
               <a:rPr lang="zh-CN" altLang="en-US"/>
               <a:t>第五级</a:t>
             </a:r>
-            <a:endParaRPr lang="zh-CN" altLang="en-US"/>
           </a:p>
         </p:txBody>
       </p:sp>
@@ -1110,6 +1114,7 @@
           <a:p>
             <a:fld id="{82F288E0-7875-42C4-84C8-98DBBD3BF4D2}" type="datetimeFigureOut">
               <a:rPr lang="zh-CN" altLang="en-US" smtClean="0"/>
+              <a:t>2020-07-13</a:t>
             </a:fld>
             <a:endParaRPr lang="zh-CN" altLang="en-US"/>
           </a:p>
@@ -1151,6 +1156,7 @@
           <a:p>
             <a:fld id="{7D9BB5D0-35E4-459D-AEF3-FE4D7C45CC19}" type="slidenum">
               <a:rPr lang="zh-CN" altLang="en-US" smtClean="0"/>
+              <a:t>‹#›</a:t>
             </a:fld>
             <a:endParaRPr lang="zh-CN" altLang="en-US"/>
           </a:p>
@@ -1209,7 +1215,6 @@
               <a:rPr lang="zh-CN" altLang="en-US"/>
               <a:t>单击此处编辑母版标题样式</a:t>
             </a:r>
-            <a:endParaRPr lang="zh-CN" altLang="en-US"/>
           </a:p>
         </p:txBody>
       </p:sp>
@@ -1329,7 +1334,6 @@
               <a:rPr lang="zh-CN" altLang="en-US"/>
               <a:t>单击此处编辑母版文本样式</a:t>
             </a:r>
-            <a:endParaRPr lang="zh-CN" altLang="en-US"/>
           </a:p>
         </p:txBody>
       </p:sp>
@@ -1350,6 +1354,7 @@
           <a:p>
             <a:fld id="{82F288E0-7875-42C4-84C8-98DBBD3BF4D2}" type="datetimeFigureOut">
               <a:rPr lang="zh-CN" altLang="en-US" smtClean="0"/>
+              <a:t>2020-07-13</a:t>
             </a:fld>
             <a:endParaRPr lang="zh-CN" altLang="en-US"/>
           </a:p>
@@ -1391,6 +1396,7 @@
           <a:p>
             <a:fld id="{7D9BB5D0-35E4-459D-AEF3-FE4D7C45CC19}" type="slidenum">
               <a:rPr lang="zh-CN" altLang="en-US" smtClean="0"/>
+              <a:t>‹#›</a:t>
             </a:fld>
             <a:endParaRPr lang="zh-CN" altLang="en-US"/>
           </a:p>
@@ -1440,7 +1446,6 @@
               <a:rPr lang="zh-CN" altLang="en-US"/>
               <a:t>单击此处编辑母版标题样式</a:t>
             </a:r>
-            <a:endParaRPr lang="zh-CN" altLang="en-US"/>
           </a:p>
         </p:txBody>
       </p:sp>
@@ -1469,7 +1474,6 @@
               <a:rPr lang="zh-CN" altLang="en-US"/>
               <a:t>单击此处编辑母版文本样式</a:t>
             </a:r>
-            <a:endParaRPr lang="zh-CN" altLang="en-US"/>
           </a:p>
           <a:p>
             <a:pPr lvl="1"/>
@@ -1477,7 +1481,6 @@
               <a:rPr lang="zh-CN" altLang="en-US"/>
               <a:t>第二级</a:t>
             </a:r>
-            <a:endParaRPr lang="zh-CN" altLang="en-US"/>
           </a:p>
           <a:p>
             <a:pPr lvl="2"/>
@@ -1485,7 +1488,6 @@
               <a:rPr lang="zh-CN" altLang="en-US"/>
               <a:t>第三级</a:t>
             </a:r>
-            <a:endParaRPr lang="zh-CN" altLang="en-US"/>
           </a:p>
           <a:p>
             <a:pPr lvl="3"/>
@@ -1493,7 +1495,6 @@
               <a:rPr lang="zh-CN" altLang="en-US"/>
               <a:t>第四级</a:t>
             </a:r>
-            <a:endParaRPr lang="zh-CN" altLang="en-US"/>
           </a:p>
           <a:p>
             <a:pPr lvl="4"/>
@@ -1501,7 +1502,6 @@
               <a:rPr lang="zh-CN" altLang="en-US"/>
               <a:t>第五级</a:t>
             </a:r>
-            <a:endParaRPr lang="zh-CN" altLang="en-US"/>
           </a:p>
         </p:txBody>
       </p:sp>
@@ -1530,7 +1530,6 @@
               <a:rPr lang="zh-CN" altLang="en-US"/>
               <a:t>单击此处编辑母版文本样式</a:t>
             </a:r>
-            <a:endParaRPr lang="zh-CN" altLang="en-US"/>
           </a:p>
           <a:p>
             <a:pPr lvl="1"/>
@@ -1538,7 +1537,6 @@
               <a:rPr lang="zh-CN" altLang="en-US"/>
               <a:t>第二级</a:t>
             </a:r>
-            <a:endParaRPr lang="zh-CN" altLang="en-US"/>
           </a:p>
           <a:p>
             <a:pPr lvl="2"/>
@@ -1546,7 +1544,6 @@
               <a:rPr lang="zh-CN" altLang="en-US"/>
               <a:t>第三级</a:t>
             </a:r>
-            <a:endParaRPr lang="zh-CN" altLang="en-US"/>
           </a:p>
           <a:p>
             <a:pPr lvl="3"/>
@@ -1554,7 +1551,6 @@
               <a:rPr lang="zh-CN" altLang="en-US"/>
               <a:t>第四级</a:t>
             </a:r>
-            <a:endParaRPr lang="zh-CN" altLang="en-US"/>
           </a:p>
           <a:p>
             <a:pPr lvl="4"/>
@@ -1562,7 +1558,6 @@
               <a:rPr lang="zh-CN" altLang="en-US"/>
               <a:t>第五级</a:t>
             </a:r>
-            <a:endParaRPr lang="zh-CN" altLang="en-US"/>
           </a:p>
         </p:txBody>
       </p:sp>
@@ -1583,6 +1578,7 @@
           <a:p>
             <a:fld id="{82F288E0-7875-42C4-84C8-98DBBD3BF4D2}" type="datetimeFigureOut">
               <a:rPr lang="zh-CN" altLang="en-US" smtClean="0"/>
+              <a:t>2020-07-13</a:t>
             </a:fld>
             <a:endParaRPr lang="zh-CN" altLang="en-US"/>
           </a:p>
@@ -1624,6 +1620,7 @@
           <a:p>
             <a:fld id="{7D9BB5D0-35E4-459D-AEF3-FE4D7C45CC19}" type="slidenum">
               <a:rPr lang="zh-CN" altLang="en-US" smtClean="0"/>
+              <a:t>‹#›</a:t>
             </a:fld>
             <a:endParaRPr lang="zh-CN" altLang="en-US"/>
           </a:p>
@@ -1678,7 +1675,6 @@
               <a:rPr lang="zh-CN" altLang="en-US"/>
               <a:t>单击此处编辑母版标题样式</a:t>
             </a:r>
-            <a:endParaRPr lang="zh-CN" altLang="en-US"/>
           </a:p>
         </p:txBody>
       </p:sp>
@@ -1744,7 +1740,6 @@
               <a:rPr lang="zh-CN" altLang="en-US"/>
               <a:t>单击此处编辑母版文本样式</a:t>
             </a:r>
-            <a:endParaRPr lang="zh-CN" altLang="en-US"/>
           </a:p>
         </p:txBody>
       </p:sp>
@@ -1773,7 +1768,6 @@
               <a:rPr lang="zh-CN" altLang="en-US"/>
               <a:t>单击此处编辑母版文本样式</a:t>
             </a:r>
-            <a:endParaRPr lang="zh-CN" altLang="en-US"/>
           </a:p>
           <a:p>
             <a:pPr lvl="1"/>
@@ -1781,7 +1775,6 @@
               <a:rPr lang="zh-CN" altLang="en-US"/>
               <a:t>第二级</a:t>
             </a:r>
-            <a:endParaRPr lang="zh-CN" altLang="en-US"/>
           </a:p>
           <a:p>
             <a:pPr lvl="2"/>
@@ -1789,7 +1782,6 @@
               <a:rPr lang="zh-CN" altLang="en-US"/>
               <a:t>第三级</a:t>
             </a:r>
-            <a:endParaRPr lang="zh-CN" altLang="en-US"/>
           </a:p>
           <a:p>
             <a:pPr lvl="3"/>
@@ -1797,7 +1789,6 @@
               <a:rPr lang="zh-CN" altLang="en-US"/>
               <a:t>第四级</a:t>
             </a:r>
-            <a:endParaRPr lang="zh-CN" altLang="en-US"/>
           </a:p>
           <a:p>
             <a:pPr lvl="4"/>
@@ -1805,7 +1796,6 @@
               <a:rPr lang="zh-CN" altLang="en-US"/>
               <a:t>第五级</a:t>
             </a:r>
-            <a:endParaRPr lang="zh-CN" altLang="en-US"/>
           </a:p>
         </p:txBody>
       </p:sp>
@@ -1871,7 +1861,6 @@
               <a:rPr lang="zh-CN" altLang="en-US"/>
               <a:t>单击此处编辑母版文本样式</a:t>
             </a:r>
-            <a:endParaRPr lang="zh-CN" altLang="en-US"/>
           </a:p>
         </p:txBody>
       </p:sp>
@@ -1900,7 +1889,6 @@
               <a:rPr lang="zh-CN" altLang="en-US"/>
               <a:t>单击此处编辑母版文本样式</a:t>
             </a:r>
-            <a:endParaRPr lang="zh-CN" altLang="en-US"/>
           </a:p>
           <a:p>
             <a:pPr lvl="1"/>
@@ -1908,7 +1896,6 @@
               <a:rPr lang="zh-CN" altLang="en-US"/>
               <a:t>第二级</a:t>
             </a:r>
-            <a:endParaRPr lang="zh-CN" altLang="en-US"/>
           </a:p>
           <a:p>
             <a:pPr lvl="2"/>
@@ -1916,7 +1903,6 @@
               <a:rPr lang="zh-CN" altLang="en-US"/>
               <a:t>第三级</a:t>
             </a:r>
-            <a:endParaRPr lang="zh-CN" altLang="en-US"/>
           </a:p>
           <a:p>
             <a:pPr lvl="3"/>
@@ -1924,7 +1910,6 @@
               <a:rPr lang="zh-CN" altLang="en-US"/>
               <a:t>第四级</a:t>
             </a:r>
-            <a:endParaRPr lang="zh-CN" altLang="en-US"/>
           </a:p>
           <a:p>
             <a:pPr lvl="4"/>
@@ -1932,7 +1917,6 @@
               <a:rPr lang="zh-CN" altLang="en-US"/>
               <a:t>第五级</a:t>
             </a:r>
-            <a:endParaRPr lang="zh-CN" altLang="en-US"/>
           </a:p>
         </p:txBody>
       </p:sp>
@@ -1953,6 +1937,7 @@
           <a:p>
             <a:fld id="{82F288E0-7875-42C4-84C8-98DBBD3BF4D2}" type="datetimeFigureOut">
               <a:rPr lang="zh-CN" altLang="en-US" smtClean="0"/>
+              <a:t>2020-07-13</a:t>
             </a:fld>
             <a:endParaRPr lang="zh-CN" altLang="en-US"/>
           </a:p>
@@ -1994,6 +1979,7 @@
           <a:p>
             <a:fld id="{7D9BB5D0-35E4-459D-AEF3-FE4D7C45CC19}" type="slidenum">
               <a:rPr lang="zh-CN" altLang="en-US" smtClean="0"/>
+              <a:t>‹#›</a:t>
             </a:fld>
             <a:endParaRPr lang="zh-CN" altLang="en-US"/>
           </a:p>
@@ -2043,7 +2029,6 @@
               <a:rPr lang="zh-CN" altLang="en-US"/>
               <a:t>单击此处编辑母版标题样式</a:t>
             </a:r>
-            <a:endParaRPr lang="zh-CN" altLang="en-US"/>
           </a:p>
         </p:txBody>
       </p:sp>
@@ -2064,6 +2049,7 @@
           <a:p>
             <a:fld id="{82F288E0-7875-42C4-84C8-98DBBD3BF4D2}" type="datetimeFigureOut">
               <a:rPr lang="zh-CN" altLang="en-US" smtClean="0"/>
+              <a:t>2020-07-13</a:t>
             </a:fld>
             <a:endParaRPr lang="zh-CN" altLang="en-US"/>
           </a:p>
@@ -2105,6 +2091,7 @@
           <a:p>
             <a:fld id="{7D9BB5D0-35E4-459D-AEF3-FE4D7C45CC19}" type="slidenum">
               <a:rPr lang="zh-CN" altLang="en-US" smtClean="0"/>
+              <a:t>‹#›</a:t>
             </a:fld>
             <a:endParaRPr lang="zh-CN" altLang="en-US"/>
           </a:p>
@@ -2152,6 +2139,7 @@
           <a:p>
             <a:fld id="{82F288E0-7875-42C4-84C8-98DBBD3BF4D2}" type="datetimeFigureOut">
               <a:rPr lang="zh-CN" altLang="en-US" smtClean="0"/>
+              <a:t>2020-07-13</a:t>
             </a:fld>
             <a:endParaRPr lang="zh-CN" altLang="en-US"/>
           </a:p>
@@ -2193,6 +2181,7 @@
           <a:p>
             <a:fld id="{7D9BB5D0-35E4-459D-AEF3-FE4D7C45CC19}" type="slidenum">
               <a:rPr lang="zh-CN" altLang="en-US" smtClean="0"/>
+              <a:t>‹#›</a:t>
             </a:fld>
             <a:endParaRPr lang="zh-CN" altLang="en-US"/>
           </a:p>
@@ -2251,7 +2240,6 @@
               <a:rPr lang="zh-CN" altLang="en-US"/>
               <a:t>单击此处编辑母版标题样式</a:t>
             </a:r>
-            <a:endParaRPr lang="zh-CN" altLang="en-US"/>
           </a:p>
         </p:txBody>
       </p:sp>
@@ -2378,7 +2366,6 @@
               <a:rPr lang="zh-CN" altLang="en-US"/>
               <a:t>单击此处编辑母版文本样式</a:t>
             </a:r>
-            <a:endParaRPr lang="zh-CN" altLang="en-US"/>
           </a:p>
         </p:txBody>
       </p:sp>
@@ -2399,6 +2386,7 @@
           <a:p>
             <a:fld id="{82F288E0-7875-42C4-84C8-98DBBD3BF4D2}" type="datetimeFigureOut">
               <a:rPr lang="zh-CN" altLang="en-US" smtClean="0"/>
+              <a:t>2020-07-13</a:t>
             </a:fld>
             <a:endParaRPr lang="zh-CN" altLang="en-US"/>
           </a:p>
@@ -2440,6 +2428,7 @@
           <a:p>
             <a:fld id="{7D9BB5D0-35E4-459D-AEF3-FE4D7C45CC19}" type="slidenum">
               <a:rPr lang="zh-CN" altLang="en-US" smtClean="0"/>
+              <a:t>‹#›</a:t>
             </a:fld>
             <a:endParaRPr lang="zh-CN" altLang="en-US"/>
           </a:p>
@@ -2494,7 +2483,6 @@
               <a:rPr lang="zh-CN" altLang="en-US"/>
               <a:t>单击此处编辑母版标题样式</a:t>
             </a:r>
-            <a:endParaRPr lang="zh-CN" altLang="en-US"/>
           </a:p>
         </p:txBody>
       </p:sp>
@@ -2523,7 +2511,6 @@
               <a:rPr lang="zh-CN" altLang="en-US"/>
               <a:t>单击此处编辑母版文本样式</a:t>
             </a:r>
-            <a:endParaRPr lang="zh-CN" altLang="en-US"/>
           </a:p>
           <a:p>
             <a:pPr lvl="1"/>
@@ -2531,7 +2518,6 @@
               <a:rPr lang="zh-CN" altLang="en-US"/>
               <a:t>第二级</a:t>
             </a:r>
-            <a:endParaRPr lang="zh-CN" altLang="en-US"/>
           </a:p>
           <a:p>
             <a:pPr lvl="2"/>
@@ -2539,7 +2525,6 @@
               <a:rPr lang="zh-CN" altLang="en-US"/>
               <a:t>第三级</a:t>
             </a:r>
-            <a:endParaRPr lang="zh-CN" altLang="en-US"/>
           </a:p>
           <a:p>
             <a:pPr lvl="3"/>
@@ -2547,7 +2532,6 @@
               <a:rPr lang="zh-CN" altLang="en-US"/>
               <a:t>第四级</a:t>
             </a:r>
-            <a:endParaRPr lang="zh-CN" altLang="en-US"/>
           </a:p>
           <a:p>
             <a:pPr lvl="4"/>
@@ -2555,7 +2539,6 @@
               <a:rPr lang="zh-CN" altLang="en-US"/>
               <a:t>第五级</a:t>
             </a:r>
-            <a:endParaRPr lang="zh-CN" altLang="en-US"/>
           </a:p>
         </p:txBody>
       </p:sp>
@@ -2576,6 +2559,7 @@
           <a:p>
             <a:fld id="{82F288E0-7875-42C4-84C8-98DBBD3BF4D2}" type="datetimeFigureOut">
               <a:rPr lang="zh-CN" altLang="en-US" smtClean="0"/>
+              <a:t>2020-07-13</a:t>
             </a:fld>
             <a:endParaRPr lang="zh-CN" altLang="en-US"/>
           </a:p>
@@ -2617,6 +2601,7 @@
           <a:p>
             <a:fld id="{7D9BB5D0-35E4-459D-AEF3-FE4D7C45CC19}" type="slidenum">
               <a:rPr lang="zh-CN" altLang="en-US" smtClean="0"/>
+              <a:t>‹#›</a:t>
             </a:fld>
             <a:endParaRPr lang="zh-CN" altLang="en-US"/>
           </a:p>
@@ -2681,7 +2666,6 @@
               <a:rPr lang="zh-CN" altLang="en-US"/>
               <a:t>单击此处编辑母版标题样式</a:t>
             </a:r>
-            <a:endParaRPr lang="zh-CN" altLang="en-US"/>
           </a:p>
         </p:txBody>
       </p:sp>
@@ -2715,7 +2699,6 @@
               <a:rPr lang="zh-CN" altLang="en-US"/>
               <a:t>单击此处编辑母版文本样式</a:t>
             </a:r>
-            <a:endParaRPr lang="zh-CN" altLang="en-US"/>
           </a:p>
           <a:p>
             <a:pPr lvl="1"/>
@@ -2723,7 +2706,6 @@
               <a:rPr lang="zh-CN" altLang="en-US"/>
               <a:t>第二级</a:t>
             </a:r>
-            <a:endParaRPr lang="zh-CN" altLang="en-US"/>
           </a:p>
           <a:p>
             <a:pPr lvl="2"/>
@@ -2731,7 +2713,6 @@
               <a:rPr lang="zh-CN" altLang="en-US"/>
               <a:t>第三级</a:t>
             </a:r>
-            <a:endParaRPr lang="zh-CN" altLang="en-US"/>
           </a:p>
           <a:p>
             <a:pPr lvl="3"/>
@@ -2739,7 +2720,6 @@
               <a:rPr lang="zh-CN" altLang="en-US"/>
               <a:t>第四级</a:t>
             </a:r>
-            <a:endParaRPr lang="zh-CN" altLang="en-US"/>
           </a:p>
           <a:p>
             <a:pPr lvl="4"/>
@@ -2747,7 +2727,6 @@
               <a:rPr lang="zh-CN" altLang="en-US"/>
               <a:t>第五级</a:t>
             </a:r>
-            <a:endParaRPr lang="zh-CN" altLang="en-US"/>
           </a:p>
         </p:txBody>
       </p:sp>
@@ -2786,6 +2765,7 @@
           <a:p>
             <a:fld id="{82F288E0-7875-42C4-84C8-98DBBD3BF4D2}" type="datetimeFigureOut">
               <a:rPr lang="zh-CN" altLang="en-US" smtClean="0"/>
+              <a:t>2020-07-13</a:t>
             </a:fld>
             <a:endParaRPr lang="zh-CN" altLang="en-US"/>
           </a:p>
@@ -2863,6 +2843,7 @@
           <a:p>
             <a:fld id="{7D9BB5D0-35E4-459D-AEF3-FE4D7C45CC19}" type="slidenum">
               <a:rPr lang="zh-CN" altLang="en-US" smtClean="0"/>
+              <a:t>‹#›</a:t>
             </a:fld>
             <a:endParaRPr lang="zh-CN" altLang="en-US"/>
           </a:p>
@@ -3223,10 +3204,6 @@
               </a:rPr>
               <a:t>Understanding</a:t>
             </a:r>
-            <a:endParaRPr lang="en-US" altLang="zh-CN" sz="4000">
-              <a:latin typeface="微软雅黑" panose="020B0503020204020204" charset="-122"/>
-              <a:ea typeface="微软雅黑" panose="020B0503020204020204" charset="-122"/>
-            </a:endParaRPr>
           </a:p>
         </p:txBody>
       </p:sp>
@@ -3275,10 +3252,6 @@
               </a:rPr>
               <a:t>理解生成对抗网络</a:t>
             </a:r>
-            <a:endParaRPr lang="zh-CN" altLang="en-US" sz="3600">
-              <a:latin typeface="微软雅黑" panose="020B0503020204020204" charset="-122"/>
-              <a:ea typeface="微软雅黑" panose="020B0503020204020204" charset="-122"/>
-            </a:endParaRPr>
           </a:p>
         </p:txBody>
       </p:sp>
@@ -3291,7 +3264,7 @@
           <p:nvPr/>
         </p:nvPicPr>
         <p:blipFill>
-          <a:blip r:embed="rId1"/>
+          <a:blip r:embed="rId3"/>
           <a:stretch>
             <a:fillRect/>
           </a:stretch>
@@ -3451,7 +3424,7 @@
           <p:nvPr/>
         </p:nvPicPr>
         <p:blipFill>
-          <a:blip r:embed="rId1"/>
+          <a:blip r:embed="rId3"/>
           <a:stretch>
             <a:fillRect/>
           </a:stretch>
@@ -3611,7 +3584,7 @@
           <p:nvPr/>
         </p:nvPicPr>
         <p:blipFill>
-          <a:blip r:embed="rId2"/>
+          <a:blip r:embed="rId4"/>
           <a:stretch>
             <a:fillRect/>
           </a:stretch>
@@ -3635,7 +3608,7 @@
           <p:nvPr/>
         </p:nvPicPr>
         <p:blipFill>
-          <a:blip r:embed="rId3"/>
+          <a:blip r:embed="rId5"/>
           <a:stretch>
             <a:fillRect/>
           </a:stretch>
@@ -3652,7 +3625,7 @@
       </p:pic>
     </p:spTree>
     <p:custDataLst>
-      <p:tags r:id="rId4"/>
+      <p:tags r:id="rId1"/>
     </p:custDataLst>
   </p:cSld>
   <p:clrMapOvr>
@@ -3687,7 +3660,7 @@
           <p:nvPr/>
         </p:nvPicPr>
         <p:blipFill>
-          <a:blip r:embed="rId1"/>
+          <a:blip r:embed="rId2"/>
           <a:stretch>
             <a:fillRect/>
           </a:stretch>
@@ -3731,10 +3704,6 @@
               </a:rPr>
               <a:t>DCGAN - 2015</a:t>
             </a:r>
-            <a:endParaRPr lang="en-US" altLang="zh-CN" sz="2000" b="1">
-              <a:latin typeface="微软雅黑" panose="020B0503020204020204" charset="-122"/>
-              <a:ea typeface="微软雅黑" panose="020B0503020204020204" charset="-122"/>
-            </a:endParaRPr>
           </a:p>
         </p:txBody>
       </p:sp>
@@ -3771,13 +3740,6 @@
               </a:rPr>
               <a:t>Generator</a:t>
             </a:r>
-            <a:endParaRPr lang="en-US" altLang="zh-CN" sz="1400" b="1" dirty="0">
-              <a:solidFill>
-                <a:srgbClr val="0070C0"/>
-              </a:solidFill>
-              <a:latin typeface="微软雅黑" panose="020B0503020204020204" charset="-122"/>
-              <a:ea typeface="微软雅黑" panose="020B0503020204020204" charset="-122"/>
-            </a:endParaRPr>
           </a:p>
         </p:txBody>
       </p:sp>
@@ -3869,13 +3831,6 @@
               </a:rPr>
               <a:t>Discriminator</a:t>
             </a:r>
-            <a:endParaRPr lang="en-US" altLang="zh-CN" sz="1400" b="1" dirty="0">
-              <a:solidFill>
-                <a:srgbClr val="0070C0"/>
-              </a:solidFill>
-              <a:latin typeface="微软雅黑" panose="020B0503020204020204" charset="-122"/>
-              <a:ea typeface="微软雅黑" panose="020B0503020204020204" charset="-122"/>
-            </a:endParaRPr>
           </a:p>
         </p:txBody>
       </p:sp>
@@ -3908,31 +3863,29 @@
               </a:rPr>
               <a:t>                             64</a:t>
             </a:r>
+          </a:p>
+          <a:p>
             <a:endParaRPr lang="en-US" altLang="zh-CN" sz="1000" dirty="0">
               <a:latin typeface="Arial" panose="020B0604020202090204" pitchFamily="34" charset="0"/>
               <a:cs typeface="Arial" panose="020B0604020202090204" pitchFamily="34" charset="0"/>
             </a:endParaRPr>
           </a:p>
           <a:p>
+            <a:r>
+              <a:rPr lang="en-US" altLang="zh-CN" sz="1400" dirty="0">
+                <a:latin typeface="Axure Handwriting" panose="020B0402020200020204" pitchFamily="34" charset="0"/>
+                <a:cs typeface="Arial" panose="020B0604020202090204" pitchFamily="34" charset="0"/>
+              </a:rPr>
+              <a:t>  x</a:t>
+            </a:r>
+          </a:p>
+          <a:p>
             <a:endParaRPr lang="en-US" altLang="zh-CN" sz="1000" dirty="0">
               <a:latin typeface="Arial" panose="020B0604020202090204" pitchFamily="34" charset="0"/>
               <a:cs typeface="Arial" panose="020B0604020202090204" pitchFamily="34" charset="0"/>
             </a:endParaRPr>
           </a:p>
           <a:p>
-            <a:r>
-              <a:rPr lang="en-US" altLang="zh-CN" sz="1400" dirty="0">
-                <a:latin typeface="Axure Handwriting" panose="020B0402020200020204" pitchFamily="34" charset="0"/>
-                <a:cs typeface="Arial" panose="020B0604020202090204" pitchFamily="34" charset="0"/>
-              </a:rPr>
-              <a:t>  x</a:t>
-            </a:r>
-            <a:endParaRPr lang="en-US" altLang="zh-CN" sz="1400" dirty="0">
-              <a:latin typeface="Axure Handwriting" panose="020B0402020200020204" pitchFamily="34" charset="0"/>
-              <a:cs typeface="Arial" panose="020B0604020202090204" pitchFamily="34" charset="0"/>
-            </a:endParaRPr>
-          </a:p>
-          <a:p>
             <a:endParaRPr lang="en-US" altLang="zh-CN" sz="1000" dirty="0">
               <a:latin typeface="Arial" panose="020B0604020202090204" pitchFamily="34" charset="0"/>
               <a:cs typeface="Arial" panose="020B0604020202090204" pitchFamily="34" charset="0"/>
@@ -3945,12 +3898,6 @@
             </a:endParaRPr>
           </a:p>
           <a:p>
-            <a:endParaRPr lang="en-US" altLang="zh-CN" sz="1000" dirty="0">
-              <a:latin typeface="Arial" panose="020B0604020202090204" pitchFamily="34" charset="0"/>
-              <a:cs typeface="Arial" panose="020B0604020202090204" pitchFamily="34" charset="0"/>
-            </a:endParaRPr>
-          </a:p>
-          <a:p>
             <a:r>
               <a:rPr lang="en-US" altLang="zh-CN" sz="1000" dirty="0">
                 <a:latin typeface="Arial" panose="020B0604020202090204" pitchFamily="34" charset="0"/>
@@ -3958,10 +3905,6 @@
               </a:rPr>
               <a:t>                    64   </a:t>
             </a:r>
-            <a:endParaRPr lang="en-US" altLang="zh-CN" sz="1000" dirty="0">
-              <a:latin typeface="Arial" panose="020B0604020202090204" pitchFamily="34" charset="0"/>
-              <a:cs typeface="Arial" panose="020B0604020202090204" pitchFamily="34" charset="0"/>
-            </a:endParaRPr>
           </a:p>
           <a:p>
             <a:r>
@@ -3971,10 +3914,6 @@
               </a:rPr>
               <a:t>         </a:t>
             </a:r>
-            <a:endParaRPr lang="en-US" altLang="zh-CN" sz="1000" dirty="0">
-              <a:latin typeface="Arial" panose="020B0604020202090204" pitchFamily="34" charset="0"/>
-              <a:cs typeface="Arial" panose="020B0604020202090204" pitchFamily="34" charset="0"/>
-            </a:endParaRPr>
           </a:p>
           <a:p>
             <a:r>
@@ -4345,10 +4284,6 @@
               </a:rPr>
               <a:t>                             </a:t>
             </a:r>
-            <a:endParaRPr lang="en-US" altLang="zh-CN" sz="1000" dirty="0">
-              <a:latin typeface="Arial" panose="020B0604020202090204" pitchFamily="34" charset="0"/>
-              <a:cs typeface="Arial" panose="020B0604020202090204" pitchFamily="34" charset="0"/>
-            </a:endParaRPr>
           </a:p>
           <a:p>
             <a:r>
@@ -4358,10 +4293,6 @@
               </a:rPr>
               <a:t>                  32   </a:t>
             </a:r>
-            <a:endParaRPr lang="en-US" altLang="zh-CN" sz="1000" dirty="0">
-              <a:latin typeface="Arial" panose="020B0604020202090204" pitchFamily="34" charset="0"/>
-              <a:cs typeface="Arial" panose="020B0604020202090204" pitchFamily="34" charset="0"/>
-            </a:endParaRPr>
           </a:p>
           <a:p>
             <a:r>
@@ -4371,10 +4302,6 @@
               </a:rPr>
               <a:t>         </a:t>
             </a:r>
-            <a:endParaRPr lang="en-US" altLang="zh-CN" sz="1000" dirty="0">
-              <a:latin typeface="Arial" panose="020B0604020202090204" pitchFamily="34" charset="0"/>
-              <a:cs typeface="Arial" panose="020B0604020202090204" pitchFamily="34" charset="0"/>
-            </a:endParaRPr>
           </a:p>
           <a:p>
             <a:r>
@@ -4450,18 +4377,14 @@
               </a:rPr>
               <a:t>                             </a:t>
             </a:r>
+          </a:p>
+          <a:p>
             <a:endParaRPr lang="en-US" altLang="zh-CN" sz="1000" dirty="0">
               <a:latin typeface="Arial" panose="020B0604020202090204" pitchFamily="34" charset="0"/>
               <a:cs typeface="Arial" panose="020B0604020202090204" pitchFamily="34" charset="0"/>
             </a:endParaRPr>
           </a:p>
           <a:p>
-            <a:endParaRPr lang="en-US" altLang="zh-CN" sz="1000" dirty="0">
-              <a:latin typeface="Arial" panose="020B0604020202090204" pitchFamily="34" charset="0"/>
-              <a:cs typeface="Arial" panose="020B0604020202090204" pitchFamily="34" charset="0"/>
-            </a:endParaRPr>
-          </a:p>
-          <a:p>
             <a:r>
               <a:rPr lang="en-US" altLang="zh-CN" sz="1000" dirty="0">
                 <a:latin typeface="Arial" panose="020B0604020202090204" pitchFamily="34" charset="0"/>
@@ -4469,10 +4392,6 @@
               </a:rPr>
               <a:t>                        </a:t>
             </a:r>
-            <a:endParaRPr lang="en-US" altLang="zh-CN" sz="1000" dirty="0">
-              <a:latin typeface="Arial" panose="020B0604020202090204" pitchFamily="34" charset="0"/>
-              <a:cs typeface="Arial" panose="020B0604020202090204" pitchFamily="34" charset="0"/>
-            </a:endParaRPr>
           </a:p>
           <a:p>
             <a:r>
@@ -4482,10 +4401,6 @@
               </a:rPr>
               <a:t>                      16   </a:t>
             </a:r>
-            <a:endParaRPr lang="en-US" altLang="zh-CN" sz="1000" dirty="0">
-              <a:latin typeface="Arial" panose="020B0604020202090204" pitchFamily="34" charset="0"/>
-              <a:cs typeface="Arial" panose="020B0604020202090204" pitchFamily="34" charset="0"/>
-            </a:endParaRPr>
           </a:p>
           <a:p>
             <a:r>
@@ -4561,10 +4476,6 @@
               </a:rPr>
               <a:t>                          </a:t>
             </a:r>
-            <a:endParaRPr lang="en-US" altLang="zh-CN" sz="1000" dirty="0">
-              <a:latin typeface="Arial" panose="020B0604020202090204" pitchFamily="34" charset="0"/>
-              <a:cs typeface="Arial" panose="020B0604020202090204" pitchFamily="34" charset="0"/>
-            </a:endParaRPr>
           </a:p>
           <a:p>
             <a:r>
@@ -4574,10 +4485,6 @@
               </a:rPr>
               <a:t>   </a:t>
             </a:r>
-            <a:endParaRPr lang="en-US" altLang="zh-CN" sz="1000" dirty="0">
-              <a:latin typeface="Arial" panose="020B0604020202090204" pitchFamily="34" charset="0"/>
-              <a:cs typeface="Arial" panose="020B0604020202090204" pitchFamily="34" charset="0"/>
-            </a:endParaRPr>
           </a:p>
           <a:p>
             <a:r>
@@ -4587,10 +4494,6 @@
               </a:rPr>
               <a:t>                          8   </a:t>
             </a:r>
-            <a:endParaRPr lang="en-US" altLang="zh-CN" sz="1000" dirty="0">
-              <a:latin typeface="Arial" panose="020B0604020202090204" pitchFamily="34" charset="0"/>
-              <a:cs typeface="Arial" panose="020B0604020202090204" pitchFamily="34" charset="0"/>
-            </a:endParaRPr>
           </a:p>
           <a:p>
             <a:r>
@@ -4653,18 +4556,14 @@
               </a:rPr>
               <a:t>                                    4</a:t>
             </a:r>
+          </a:p>
+          <a:p>
             <a:endParaRPr lang="en-US" altLang="zh-CN" sz="1000" dirty="0">
               <a:latin typeface="Arial" panose="020B0604020202090204" pitchFamily="34" charset="0"/>
               <a:cs typeface="Arial" panose="020B0604020202090204" pitchFamily="34" charset="0"/>
             </a:endParaRPr>
           </a:p>
           <a:p>
-            <a:endParaRPr lang="en-US" altLang="zh-CN" sz="1000" dirty="0">
-              <a:latin typeface="Arial" panose="020B0604020202090204" pitchFamily="34" charset="0"/>
-              <a:cs typeface="Arial" panose="020B0604020202090204" pitchFamily="34" charset="0"/>
-            </a:endParaRPr>
-          </a:p>
-          <a:p>
             <a:r>
               <a:rPr lang="en-US" altLang="zh-CN" sz="1000" dirty="0">
                 <a:latin typeface="Arial" panose="020B0604020202090204" pitchFamily="34" charset="0"/>
@@ -4672,10 +4571,6 @@
               </a:rPr>
               <a:t>                                  4   </a:t>
             </a:r>
-            <a:endParaRPr lang="en-US" altLang="zh-CN" sz="1000" dirty="0">
-              <a:latin typeface="Arial" panose="020B0604020202090204" pitchFamily="34" charset="0"/>
-              <a:cs typeface="Arial" panose="020B0604020202090204" pitchFamily="34" charset="0"/>
-            </a:endParaRPr>
           </a:p>
           <a:p>
             <a:r>
@@ -6309,10 +6204,6 @@
               </a:rPr>
               <a:t>SGAN – 2016.06</a:t>
             </a:r>
-            <a:endParaRPr lang="en-US" altLang="zh-CN" sz="2000" b="1" dirty="0">
-              <a:latin typeface="微软雅黑" panose="020B0503020204020204" charset="-122"/>
-              <a:ea typeface="微软雅黑" panose="020B0503020204020204" charset="-122"/>
-            </a:endParaRPr>
           </a:p>
         </p:txBody>
       </p:sp>
@@ -6349,13 +6240,6 @@
               </a:rPr>
               <a:t>Generator</a:t>
             </a:r>
-            <a:endParaRPr lang="en-US" altLang="zh-CN" sz="1400" b="1" dirty="0">
-              <a:solidFill>
-                <a:srgbClr val="0070C0"/>
-              </a:solidFill>
-              <a:latin typeface="微软雅黑" panose="020B0503020204020204" charset="-122"/>
-              <a:ea typeface="微软雅黑" panose="020B0503020204020204" charset="-122"/>
-            </a:endParaRPr>
           </a:p>
         </p:txBody>
       </p:sp>
@@ -6447,13 +6331,6 @@
               </a:rPr>
               <a:t>Discriminator</a:t>
             </a:r>
-            <a:endParaRPr lang="en-US" altLang="zh-CN" sz="1400" b="1" dirty="0">
-              <a:solidFill>
-                <a:srgbClr val="0070C0"/>
-              </a:solidFill>
-              <a:latin typeface="微软雅黑" panose="020B0503020204020204" charset="-122"/>
-              <a:ea typeface="微软雅黑" panose="020B0503020204020204" charset="-122"/>
-            </a:endParaRPr>
           </a:p>
         </p:txBody>
       </p:sp>
@@ -6486,31 +6363,29 @@
               </a:rPr>
               <a:t>                             64</a:t>
             </a:r>
+          </a:p>
+          <a:p>
             <a:endParaRPr lang="en-US" altLang="zh-CN" sz="1000" dirty="0">
               <a:latin typeface="Arial" panose="020B0604020202090204" pitchFamily="34" charset="0"/>
               <a:cs typeface="Arial" panose="020B0604020202090204" pitchFamily="34" charset="0"/>
             </a:endParaRPr>
           </a:p>
           <a:p>
+            <a:r>
+              <a:rPr lang="en-US" altLang="zh-CN" sz="1400" dirty="0">
+                <a:latin typeface="Axure Handwriting" panose="020B0402020200020204" pitchFamily="34" charset="0"/>
+                <a:cs typeface="Arial" panose="020B0604020202090204" pitchFamily="34" charset="0"/>
+              </a:rPr>
+              <a:t>  x</a:t>
+            </a:r>
+          </a:p>
+          <a:p>
             <a:endParaRPr lang="en-US" altLang="zh-CN" sz="1000" dirty="0">
               <a:latin typeface="Arial" panose="020B0604020202090204" pitchFamily="34" charset="0"/>
               <a:cs typeface="Arial" panose="020B0604020202090204" pitchFamily="34" charset="0"/>
             </a:endParaRPr>
           </a:p>
           <a:p>
-            <a:r>
-              <a:rPr lang="en-US" altLang="zh-CN" sz="1400" dirty="0">
-                <a:latin typeface="Axure Handwriting" panose="020B0402020200020204" pitchFamily="34" charset="0"/>
-                <a:cs typeface="Arial" panose="020B0604020202090204" pitchFamily="34" charset="0"/>
-              </a:rPr>
-              <a:t>  x</a:t>
-            </a:r>
-            <a:endParaRPr lang="en-US" altLang="zh-CN" sz="1400" dirty="0">
-              <a:latin typeface="Axure Handwriting" panose="020B0402020200020204" pitchFamily="34" charset="0"/>
-              <a:cs typeface="Arial" panose="020B0604020202090204" pitchFamily="34" charset="0"/>
-            </a:endParaRPr>
-          </a:p>
-          <a:p>
             <a:endParaRPr lang="en-US" altLang="zh-CN" sz="1000" dirty="0">
               <a:latin typeface="Arial" panose="020B0604020202090204" pitchFamily="34" charset="0"/>
               <a:cs typeface="Arial" panose="020B0604020202090204" pitchFamily="34" charset="0"/>
@@ -6523,12 +6398,6 @@
             </a:endParaRPr>
           </a:p>
           <a:p>
-            <a:endParaRPr lang="en-US" altLang="zh-CN" sz="1000" dirty="0">
-              <a:latin typeface="Arial" panose="020B0604020202090204" pitchFamily="34" charset="0"/>
-              <a:cs typeface="Arial" panose="020B0604020202090204" pitchFamily="34" charset="0"/>
-            </a:endParaRPr>
-          </a:p>
-          <a:p>
             <a:r>
               <a:rPr lang="en-US" altLang="zh-CN" sz="1000" dirty="0">
                 <a:latin typeface="Arial" panose="020B0604020202090204" pitchFamily="34" charset="0"/>
@@ -6536,10 +6405,6 @@
               </a:rPr>
               <a:t>                    64   </a:t>
             </a:r>
-            <a:endParaRPr lang="en-US" altLang="zh-CN" sz="1000" dirty="0">
-              <a:latin typeface="Arial" panose="020B0604020202090204" pitchFamily="34" charset="0"/>
-              <a:cs typeface="Arial" panose="020B0604020202090204" pitchFamily="34" charset="0"/>
-            </a:endParaRPr>
           </a:p>
           <a:p>
             <a:r>
@@ -6549,10 +6414,6 @@
               </a:rPr>
               <a:t>         </a:t>
             </a:r>
-            <a:endParaRPr lang="en-US" altLang="zh-CN" sz="1000" dirty="0">
-              <a:latin typeface="Arial" panose="020B0604020202090204" pitchFamily="34" charset="0"/>
-              <a:cs typeface="Arial" panose="020B0604020202090204" pitchFamily="34" charset="0"/>
-            </a:endParaRPr>
           </a:p>
           <a:p>
             <a:r>
@@ -6923,10 +6784,6 @@
               </a:rPr>
               <a:t>                             </a:t>
             </a:r>
-            <a:endParaRPr lang="en-US" altLang="zh-CN" sz="1000" dirty="0">
-              <a:latin typeface="Arial" panose="020B0604020202090204" pitchFamily="34" charset="0"/>
-              <a:cs typeface="Arial" panose="020B0604020202090204" pitchFamily="34" charset="0"/>
-            </a:endParaRPr>
           </a:p>
           <a:p>
             <a:r>
@@ -6936,10 +6793,6 @@
               </a:rPr>
               <a:t>                  32   </a:t>
             </a:r>
-            <a:endParaRPr lang="en-US" altLang="zh-CN" sz="1000" dirty="0">
-              <a:latin typeface="Arial" panose="020B0604020202090204" pitchFamily="34" charset="0"/>
-              <a:cs typeface="Arial" panose="020B0604020202090204" pitchFamily="34" charset="0"/>
-            </a:endParaRPr>
           </a:p>
           <a:p>
             <a:r>
@@ -6949,10 +6802,6 @@
               </a:rPr>
               <a:t>         </a:t>
             </a:r>
-            <a:endParaRPr lang="en-US" altLang="zh-CN" sz="1000" dirty="0">
-              <a:latin typeface="Arial" panose="020B0604020202090204" pitchFamily="34" charset="0"/>
-              <a:cs typeface="Arial" panose="020B0604020202090204" pitchFamily="34" charset="0"/>
-            </a:endParaRPr>
           </a:p>
           <a:p>
             <a:r>
@@ -7028,18 +6877,14 @@
               </a:rPr>
               <a:t>                             </a:t>
             </a:r>
+          </a:p>
+          <a:p>
             <a:endParaRPr lang="en-US" altLang="zh-CN" sz="1000" dirty="0">
               <a:latin typeface="Arial" panose="020B0604020202090204" pitchFamily="34" charset="0"/>
               <a:cs typeface="Arial" panose="020B0604020202090204" pitchFamily="34" charset="0"/>
             </a:endParaRPr>
           </a:p>
           <a:p>
-            <a:endParaRPr lang="en-US" altLang="zh-CN" sz="1000" dirty="0">
-              <a:latin typeface="Arial" panose="020B0604020202090204" pitchFamily="34" charset="0"/>
-              <a:cs typeface="Arial" panose="020B0604020202090204" pitchFamily="34" charset="0"/>
-            </a:endParaRPr>
-          </a:p>
-          <a:p>
             <a:r>
               <a:rPr lang="en-US" altLang="zh-CN" sz="1000" dirty="0">
                 <a:latin typeface="Arial" panose="020B0604020202090204" pitchFamily="34" charset="0"/>
@@ -7047,10 +6892,6 @@
               </a:rPr>
               <a:t>                        </a:t>
             </a:r>
-            <a:endParaRPr lang="en-US" altLang="zh-CN" sz="1000" dirty="0">
-              <a:latin typeface="Arial" panose="020B0604020202090204" pitchFamily="34" charset="0"/>
-              <a:cs typeface="Arial" panose="020B0604020202090204" pitchFamily="34" charset="0"/>
-            </a:endParaRPr>
           </a:p>
           <a:p>
             <a:r>
@@ -7060,10 +6901,6 @@
               </a:rPr>
               <a:t>                      16   </a:t>
             </a:r>
-            <a:endParaRPr lang="en-US" altLang="zh-CN" sz="1000" dirty="0">
-              <a:latin typeface="Arial" panose="020B0604020202090204" pitchFamily="34" charset="0"/>
-              <a:cs typeface="Arial" panose="020B0604020202090204" pitchFamily="34" charset="0"/>
-            </a:endParaRPr>
           </a:p>
           <a:p>
             <a:r>
@@ -7139,10 +6976,6 @@
               </a:rPr>
               <a:t>                          </a:t>
             </a:r>
-            <a:endParaRPr lang="en-US" altLang="zh-CN" sz="1000" dirty="0">
-              <a:latin typeface="Arial" panose="020B0604020202090204" pitchFamily="34" charset="0"/>
-              <a:cs typeface="Arial" panose="020B0604020202090204" pitchFamily="34" charset="0"/>
-            </a:endParaRPr>
           </a:p>
           <a:p>
             <a:r>
@@ -7152,10 +6985,6 @@
               </a:rPr>
               <a:t>   </a:t>
             </a:r>
-            <a:endParaRPr lang="en-US" altLang="zh-CN" sz="1000" dirty="0">
-              <a:latin typeface="Arial" panose="020B0604020202090204" pitchFamily="34" charset="0"/>
-              <a:cs typeface="Arial" panose="020B0604020202090204" pitchFamily="34" charset="0"/>
-            </a:endParaRPr>
           </a:p>
           <a:p>
             <a:r>
@@ -7165,10 +6994,6 @@
               </a:rPr>
               <a:t>                          8   </a:t>
             </a:r>
-            <a:endParaRPr lang="en-US" altLang="zh-CN" sz="1000" dirty="0">
-              <a:latin typeface="Arial" panose="020B0604020202090204" pitchFamily="34" charset="0"/>
-              <a:cs typeface="Arial" panose="020B0604020202090204" pitchFamily="34" charset="0"/>
-            </a:endParaRPr>
           </a:p>
           <a:p>
             <a:r>
@@ -7231,18 +7056,14 @@
               </a:rPr>
               <a:t>                                    4</a:t>
             </a:r>
+          </a:p>
+          <a:p>
             <a:endParaRPr lang="en-US" altLang="zh-CN" sz="1000" dirty="0">
               <a:latin typeface="Arial" panose="020B0604020202090204" pitchFamily="34" charset="0"/>
               <a:cs typeface="Arial" panose="020B0604020202090204" pitchFamily="34" charset="0"/>
             </a:endParaRPr>
           </a:p>
           <a:p>
-            <a:endParaRPr lang="en-US" altLang="zh-CN" sz="1000" dirty="0">
-              <a:latin typeface="Arial" panose="020B0604020202090204" pitchFamily="34" charset="0"/>
-              <a:cs typeface="Arial" panose="020B0604020202090204" pitchFamily="34" charset="0"/>
-            </a:endParaRPr>
-          </a:p>
-          <a:p>
             <a:r>
               <a:rPr lang="en-US" altLang="zh-CN" sz="1000" dirty="0">
                 <a:latin typeface="Arial" panose="020B0604020202090204" pitchFamily="34" charset="0"/>
@@ -7250,10 +7071,6 @@
               </a:rPr>
               <a:t>                                  4   </a:t>
             </a:r>
-            <a:endParaRPr lang="en-US" altLang="zh-CN" sz="1000" dirty="0">
-              <a:latin typeface="Arial" panose="020B0604020202090204" pitchFamily="34" charset="0"/>
-              <a:cs typeface="Arial" panose="020B0604020202090204" pitchFamily="34" charset="0"/>
-            </a:endParaRPr>
           </a:p>
           <a:p>
             <a:r>
@@ -8865,13 +8682,6 @@
               </a:rPr>
               <a:t>Semi-Supervised GAN </a:t>
             </a:r>
-            <a:endParaRPr lang="en-US" altLang="zh-CN" sz="1400" b="1" dirty="0">
-              <a:solidFill>
-                <a:srgbClr val="0070C0"/>
-              </a:solidFill>
-              <a:latin typeface="微软雅黑" panose="020B0503020204020204" charset="-122"/>
-              <a:ea typeface="微软雅黑" panose="020B0503020204020204" charset="-122"/>
-            </a:endParaRPr>
           </a:p>
         </p:txBody>
       </p:sp>
@@ -8944,16 +8754,6 @@
               </a:rPr>
               <a:t>aO+bP+cQ+fU+gV+hW+kX+lY+mZ</a:t>
             </a:r>
-            <a:endParaRPr lang="en-US" sz="800">
-              <a:solidFill>
-                <a:schemeClr val="accent2">
-                  <a:lumMod val="60000"/>
-                  <a:lumOff val="40000"/>
-                </a:schemeClr>
-              </a:solidFill>
-              <a:latin typeface="微软雅黑" panose="020B0503020204020204" charset="-122"/>
-              <a:ea typeface="微软雅黑" panose="020B0503020204020204" charset="-122"/>
-            </a:endParaRPr>
           </a:p>
         </p:txBody>
       </p:sp>
@@ -9001,16 +8801,6 @@
               </a:rPr>
               <a:t>bO+cP+dQ+gU+hV+iW+lX+mY+nZ</a:t>
             </a:r>
-            <a:endParaRPr lang="en-US" sz="800">
-              <a:solidFill>
-                <a:schemeClr val="accent2">
-                  <a:lumMod val="60000"/>
-                  <a:lumOff val="40000"/>
-                </a:schemeClr>
-              </a:solidFill>
-              <a:latin typeface="微软雅黑" panose="020B0503020204020204" charset="-122"/>
-              <a:ea typeface="微软雅黑" panose="020B0503020204020204" charset="-122"/>
-            </a:endParaRPr>
           </a:p>
         </p:txBody>
       </p:sp>
@@ -9058,16 +8848,6 @@
               </a:rPr>
               <a:t>cO+dP+eQ+hU+iV+jW+mX+nY+oZ</a:t>
             </a:r>
-            <a:endParaRPr lang="en-US" sz="800">
-              <a:solidFill>
-                <a:schemeClr val="accent2">
-                  <a:lumMod val="60000"/>
-                  <a:lumOff val="40000"/>
-                </a:schemeClr>
-              </a:solidFill>
-              <a:latin typeface="微软雅黑" panose="020B0503020204020204" charset="-122"/>
-              <a:ea typeface="微软雅黑" panose="020B0503020204020204" charset="-122"/>
-            </a:endParaRPr>
           </a:p>
         </p:txBody>
       </p:sp>
@@ -10629,13 +10409,6 @@
               </a:rPr>
               <a:t>计算量大：</a:t>
             </a:r>
-            <a:endParaRPr lang="zh-CN" altLang="en-US" b="1">
-              <a:solidFill>
-                <a:srgbClr val="C00000"/>
-              </a:solidFill>
-              <a:latin typeface="微软雅黑" panose="020B0503020204020204" charset="-122"/>
-              <a:ea typeface="微软雅黑" panose="020B0503020204020204" charset="-122"/>
-            </a:endParaRPr>
           </a:p>
           <a:p>
             <a:pPr>
@@ -10653,13 +10426,6 @@
               </a:rPr>
               <a:t>逐点卷积</a:t>
             </a:r>
-            <a:endParaRPr lang="zh-CN" altLang="en-US" b="1">
-              <a:solidFill>
-                <a:srgbClr val="C00000"/>
-              </a:solidFill>
-              <a:latin typeface="微软雅黑" panose="020B0503020204020204" charset="-122"/>
-              <a:ea typeface="微软雅黑" panose="020B0503020204020204" charset="-122"/>
-            </a:endParaRPr>
           </a:p>
         </p:txBody>
       </p:sp>
@@ -10738,13 +10504,6 @@
               </a:rPr>
               <a:t>通道分组</a:t>
             </a:r>
-            <a:endParaRPr lang="zh-CN" altLang="en-US" sz="1400">
-              <a:solidFill>
-                <a:srgbClr val="0F80FF"/>
-              </a:solidFill>
-              <a:latin typeface="微软雅黑" panose="020B0503020204020204" charset="-122"/>
-              <a:ea typeface="微软雅黑" panose="020B0503020204020204" charset="-122"/>
-            </a:endParaRPr>
           </a:p>
           <a:p>
             <a:pPr algn="ctr">
@@ -10762,13 +10521,6 @@
               </a:rPr>
               <a:t>降低计算量</a:t>
             </a:r>
-            <a:endParaRPr lang="zh-CN" altLang="en-US" sz="1400">
-              <a:solidFill>
-                <a:srgbClr val="0F80FF"/>
-              </a:solidFill>
-              <a:latin typeface="微软雅黑" panose="020B0503020204020204" charset="-122"/>
-              <a:ea typeface="微软雅黑" panose="020B0503020204020204" charset="-122"/>
-            </a:endParaRPr>
           </a:p>
         </p:txBody>
       </p:sp>
@@ -10809,13 +10561,6 @@
               </a:rPr>
               <a:t>分组降低信息流通</a:t>
             </a:r>
-            <a:endParaRPr lang="zh-CN" altLang="en-US" sz="1400">
-              <a:solidFill>
-                <a:srgbClr val="C00000"/>
-              </a:solidFill>
-              <a:latin typeface="微软雅黑" panose="020B0503020204020204" charset="-122"/>
-              <a:ea typeface="微软雅黑" panose="020B0503020204020204" charset="-122"/>
-            </a:endParaRPr>
           </a:p>
           <a:p>
             <a:pPr algn="ctr">
@@ -10833,13 +10578,6 @@
               </a:rPr>
               <a:t>减弱信息表示</a:t>
             </a:r>
-            <a:endParaRPr lang="zh-CN" altLang="en-US" sz="1400">
-              <a:solidFill>
-                <a:srgbClr val="C00000"/>
-              </a:solidFill>
-              <a:latin typeface="微软雅黑" panose="020B0503020204020204" charset="-122"/>
-              <a:ea typeface="微软雅黑" panose="020B0503020204020204" charset="-122"/>
-            </a:endParaRPr>
           </a:p>
         </p:txBody>
       </p:sp>
@@ -10880,13 +10618,6 @@
               </a:rPr>
               <a:t>混合通道特征</a:t>
             </a:r>
-            <a:endParaRPr lang="zh-CN" altLang="en-US" sz="1400">
-              <a:solidFill>
-                <a:srgbClr val="0F80FF"/>
-              </a:solidFill>
-              <a:latin typeface="微软雅黑" panose="020B0503020204020204" charset="-122"/>
-              <a:ea typeface="微软雅黑" panose="020B0503020204020204" charset="-122"/>
-            </a:endParaRPr>
           </a:p>
         </p:txBody>
       </p:sp>
@@ -11066,16 +10797,6 @@
               </a:rPr>
               <a:t>）</a:t>
             </a:r>
-            <a:endParaRPr lang="zh-CN" altLang="en-US" sz="1000">
-              <a:solidFill>
-                <a:schemeClr val="tx1">
-                  <a:lumMod val="50000"/>
-                  <a:lumOff val="50000"/>
-                </a:schemeClr>
-              </a:solidFill>
-              <a:latin typeface="微软雅黑" panose="020B0503020204020204" charset="-122"/>
-              <a:ea typeface="微软雅黑" panose="020B0503020204020204" charset="-122"/>
-            </a:endParaRPr>
           </a:p>
           <a:p>
             <a:pPr marL="228600" indent="-228600">
@@ -11234,17 +10955,6 @@
               </a:rPr>
               <a:t>）</a:t>
             </a:r>
-            <a:endParaRPr lang="zh-CN" altLang="en-US" sz="1000">
-              <a:solidFill>
-                <a:schemeClr val="tx1">
-                  <a:lumMod val="50000"/>
-                  <a:lumOff val="50000"/>
-                </a:schemeClr>
-              </a:solidFill>
-              <a:latin typeface="微软雅黑" panose="020B0503020204020204" charset="-122"/>
-              <a:ea typeface="微软雅黑" panose="020B0503020204020204" charset="-122"/>
-              <a:sym typeface="+mn-ea"/>
-            </a:endParaRPr>
           </a:p>
           <a:p>
             <a:pPr marL="228600" indent="-228600">
@@ -11455,13 +11165,6 @@
               </a:rPr>
               <a:t>元素相加</a:t>
             </a:r>
-            <a:endParaRPr lang="zh-CN" altLang="en-US" sz="1400" b="1">
-              <a:solidFill>
-                <a:srgbClr val="CC66FF"/>
-              </a:solidFill>
-              <a:latin typeface="微软雅黑" panose="020B0503020204020204" charset="-122"/>
-              <a:ea typeface="微软雅黑" panose="020B0503020204020204" charset="-122"/>
-            </a:endParaRPr>
           </a:p>
         </p:txBody>
       </p:sp>
@@ -11502,13 +11205,6 @@
               </a:rPr>
               <a:t>通道级联</a:t>
             </a:r>
-            <a:endParaRPr lang="zh-CN" altLang="en-US" sz="1400" b="1">
-              <a:solidFill>
-                <a:srgbClr val="CC66FF"/>
-              </a:solidFill>
-              <a:latin typeface="微软雅黑" panose="020B0503020204020204" charset="-122"/>
-              <a:ea typeface="微软雅黑" panose="020B0503020204020204" charset="-122"/>
-            </a:endParaRPr>
           </a:p>
         </p:txBody>
       </p:sp>
@@ -11541,10 +11237,6 @@
               </a:rPr>
               <a:t>LAPGAN - 2016</a:t>
             </a:r>
-            <a:endParaRPr lang="en-US" altLang="zh-CN" sz="2000" b="1" dirty="0">
-              <a:latin typeface="微软雅黑" panose="020B0503020204020204" charset="-122"/>
-              <a:ea typeface="微软雅黑" panose="020B0503020204020204" charset="-122"/>
-            </a:endParaRPr>
           </a:p>
         </p:txBody>
       </p:sp>
@@ -11602,10 +11294,6 @@
               </a:rPr>
               <a:t>Batch Normalization - 2016</a:t>
             </a:r>
-            <a:endParaRPr lang="en-US" altLang="zh-CN" sz="2000" b="1" dirty="0">
-              <a:latin typeface="微软雅黑" panose="020B0503020204020204" charset="-122"/>
-              <a:ea typeface="微软雅黑" panose="020B0503020204020204" charset="-122"/>
-            </a:endParaRPr>
           </a:p>
         </p:txBody>
       </p:sp>
@@ -11664,16 +11352,6 @@
               </a:rPr>
               <a:t>source: https://openai.com/blog/generative-models/</a:t>
             </a:r>
-            <a:endParaRPr lang="en-US" altLang="zh-CN" sz="800" dirty="0">
-              <a:solidFill>
-                <a:schemeClr val="tx1">
-                  <a:lumMod val="50000"/>
-                  <a:lumOff val="50000"/>
-                </a:schemeClr>
-              </a:solidFill>
-              <a:latin typeface="微软雅黑" panose="020B0503020204020204" charset="-122"/>
-              <a:ea typeface="微软雅黑" panose="020B0503020204020204" charset="-122"/>
-            </a:endParaRPr>
           </a:p>
         </p:txBody>
       </p:sp>
@@ -11709,13 +11387,6 @@
               </a:rPr>
               <a:t>Generator</a:t>
             </a:r>
-            <a:endParaRPr lang="en-US" altLang="zh-CN" sz="1400" b="1" dirty="0">
-              <a:solidFill>
-                <a:srgbClr val="0070C0"/>
-              </a:solidFill>
-              <a:latin typeface="微软雅黑" panose="020B0503020204020204" charset="-122"/>
-              <a:ea typeface="微软雅黑" panose="020B0503020204020204" charset="-122"/>
-            </a:endParaRPr>
           </a:p>
         </p:txBody>
       </p:sp>
@@ -11754,15 +11425,6 @@
               </a:rPr>
               <a:t>Discriminator</a:t>
             </a:r>
-            <a:endParaRPr lang="en-US" altLang="zh-CN" sz="1400" b="1" dirty="0">
-              <a:solidFill>
-                <a:schemeClr val="accent2">
-                  <a:lumMod val="75000"/>
-                </a:schemeClr>
-              </a:solidFill>
-              <a:latin typeface="微软雅黑" panose="020B0503020204020204" charset="-122"/>
-              <a:ea typeface="微软雅黑" panose="020B0503020204020204" charset="-122"/>
-            </a:endParaRPr>
           </a:p>
         </p:txBody>
       </p:sp>
@@ -12011,10 +11673,6 @@
               </a:rPr>
               <a:t>Loss</a:t>
             </a:r>
-            <a:endParaRPr lang="en-US" altLang="zh-CN" sz="1400" b="1" dirty="0">
-              <a:latin typeface="微软雅黑" panose="020B0503020204020204" charset="-122"/>
-              <a:ea typeface="微软雅黑" panose="020B0503020204020204" charset="-122"/>
-            </a:endParaRPr>
           </a:p>
         </p:txBody>
       </p:sp>
@@ -12027,7 +11685,7 @@
           <p:nvPr/>
         </p:nvPicPr>
         <p:blipFill>
-          <a:blip r:embed="rId1">
+          <a:blip r:embed="rId2">
             <a:extLst>
               <a:ext uri="{28A0092B-C50C-407E-A947-70E740481C1C}">
                 <a14:useLocalDpi xmlns:a14="http://schemas.microsoft.com/office/drawing/2010/main" val="0"/>
@@ -12302,10 +11960,6 @@
               </a:rPr>
               <a:t>Instance Normalization - 2016</a:t>
             </a:r>
-            <a:endParaRPr lang="en-US" altLang="zh-CN" sz="2000" b="1" dirty="0">
-              <a:latin typeface="微软雅黑" panose="020B0503020204020204" charset="-122"/>
-              <a:ea typeface="微软雅黑" panose="020B0503020204020204" charset="-122"/>
-            </a:endParaRPr>
           </a:p>
         </p:txBody>
       </p:sp>
@@ -12364,16 +12018,6 @@
               </a:rPr>
               <a:t>source: https://openai.com/blog/generative-models/</a:t>
             </a:r>
-            <a:endParaRPr lang="en-US" altLang="zh-CN" sz="800" dirty="0">
-              <a:solidFill>
-                <a:schemeClr val="tx1">
-                  <a:lumMod val="50000"/>
-                  <a:lumOff val="50000"/>
-                </a:schemeClr>
-              </a:solidFill>
-              <a:latin typeface="微软雅黑" panose="020B0503020204020204" charset="-122"/>
-              <a:ea typeface="微软雅黑" panose="020B0503020204020204" charset="-122"/>
-            </a:endParaRPr>
           </a:p>
         </p:txBody>
       </p:sp>
@@ -12409,13 +12053,6 @@
               </a:rPr>
               <a:t>Generator</a:t>
             </a:r>
-            <a:endParaRPr lang="en-US" altLang="zh-CN" sz="1400" b="1" dirty="0">
-              <a:solidFill>
-                <a:srgbClr val="0070C0"/>
-              </a:solidFill>
-              <a:latin typeface="微软雅黑" panose="020B0503020204020204" charset="-122"/>
-              <a:ea typeface="微软雅黑" panose="020B0503020204020204" charset="-122"/>
-            </a:endParaRPr>
           </a:p>
         </p:txBody>
       </p:sp>
@@ -12454,15 +12091,6 @@
               </a:rPr>
               <a:t>Discriminator</a:t>
             </a:r>
-            <a:endParaRPr lang="en-US" altLang="zh-CN" sz="1400" b="1" dirty="0">
-              <a:solidFill>
-                <a:schemeClr val="accent2">
-                  <a:lumMod val="75000"/>
-                </a:schemeClr>
-              </a:solidFill>
-              <a:latin typeface="微软雅黑" panose="020B0503020204020204" charset="-122"/>
-              <a:ea typeface="微软雅黑" panose="020B0503020204020204" charset="-122"/>
-            </a:endParaRPr>
           </a:p>
         </p:txBody>
       </p:sp>
@@ -12711,10 +12339,6 @@
               </a:rPr>
               <a:t>Loss</a:t>
             </a:r>
-            <a:endParaRPr lang="en-US" altLang="zh-CN" sz="1400" b="1" dirty="0">
-              <a:latin typeface="微软雅黑" panose="020B0503020204020204" charset="-122"/>
-              <a:ea typeface="微软雅黑" panose="020B0503020204020204" charset="-122"/>
-            </a:endParaRPr>
           </a:p>
         </p:txBody>
       </p:sp>
@@ -12727,7 +12351,7 @@
           <p:nvPr/>
         </p:nvPicPr>
         <p:blipFill>
-          <a:blip r:embed="rId1">
+          <a:blip r:embed="rId2">
             <a:extLst>
               <a:ext uri="{28A0092B-C50C-407E-A947-70E740481C1C}">
                 <a14:useLocalDpi xmlns:a14="http://schemas.microsoft.com/office/drawing/2010/main" val="0"/>
@@ -13002,10 +12626,6 @@
               </a:rPr>
               <a:t>Layer Normalization - 2016</a:t>
             </a:r>
-            <a:endParaRPr lang="en-US" altLang="zh-CN" sz="2000" b="1" dirty="0">
-              <a:latin typeface="微软雅黑" panose="020B0503020204020204" charset="-122"/>
-              <a:ea typeface="微软雅黑" panose="020B0503020204020204" charset="-122"/>
-            </a:endParaRPr>
           </a:p>
         </p:txBody>
       </p:sp>
@@ -13064,16 +12684,6 @@
               </a:rPr>
               <a:t>source: https://openai.com/blog/generative-models/</a:t>
             </a:r>
-            <a:endParaRPr lang="en-US" altLang="zh-CN" sz="800" dirty="0">
-              <a:solidFill>
-                <a:schemeClr val="tx1">
-                  <a:lumMod val="50000"/>
-                  <a:lumOff val="50000"/>
-                </a:schemeClr>
-              </a:solidFill>
-              <a:latin typeface="微软雅黑" panose="020B0503020204020204" charset="-122"/>
-              <a:ea typeface="微软雅黑" panose="020B0503020204020204" charset="-122"/>
-            </a:endParaRPr>
           </a:p>
         </p:txBody>
       </p:sp>
@@ -13109,13 +12719,6 @@
               </a:rPr>
               <a:t>Generator</a:t>
             </a:r>
-            <a:endParaRPr lang="en-US" altLang="zh-CN" sz="1400" b="1" dirty="0">
-              <a:solidFill>
-                <a:srgbClr val="0070C0"/>
-              </a:solidFill>
-              <a:latin typeface="微软雅黑" panose="020B0503020204020204" charset="-122"/>
-              <a:ea typeface="微软雅黑" panose="020B0503020204020204" charset="-122"/>
-            </a:endParaRPr>
           </a:p>
         </p:txBody>
       </p:sp>
@@ -13154,15 +12757,6 @@
               </a:rPr>
               <a:t>Discriminator</a:t>
             </a:r>
-            <a:endParaRPr lang="en-US" altLang="zh-CN" sz="1400" b="1" dirty="0">
-              <a:solidFill>
-                <a:schemeClr val="accent2">
-                  <a:lumMod val="75000"/>
-                </a:schemeClr>
-              </a:solidFill>
-              <a:latin typeface="微软雅黑" panose="020B0503020204020204" charset="-122"/>
-              <a:ea typeface="微软雅黑" panose="020B0503020204020204" charset="-122"/>
-            </a:endParaRPr>
           </a:p>
         </p:txBody>
       </p:sp>
@@ -13411,10 +13005,6 @@
               </a:rPr>
               <a:t>Loss</a:t>
             </a:r>
-            <a:endParaRPr lang="en-US" altLang="zh-CN" sz="1400" b="1" dirty="0">
-              <a:latin typeface="微软雅黑" panose="020B0503020204020204" charset="-122"/>
-              <a:ea typeface="微软雅黑" panose="020B0503020204020204" charset="-122"/>
-            </a:endParaRPr>
           </a:p>
         </p:txBody>
       </p:sp>
@@ -13427,7 +13017,7 @@
           <p:nvPr/>
         </p:nvPicPr>
         <p:blipFill>
-          <a:blip r:embed="rId1">
+          <a:blip r:embed="rId2">
             <a:extLst>
               <a:ext uri="{28A0092B-C50C-407E-A947-70E740481C1C}">
                 <a14:useLocalDpi xmlns:a14="http://schemas.microsoft.com/office/drawing/2010/main" val="0"/>
@@ -13757,13 +13347,6 @@
               </a:rPr>
               <a:t>特征提取</a:t>
             </a:r>
-            <a:endParaRPr lang="zh-CN" altLang="en-US" sz="1400" b="1">
-              <a:solidFill>
-                <a:srgbClr val="0070C0"/>
-              </a:solidFill>
-              <a:latin typeface="微软雅黑" panose="020B0503020204020204" charset="-122"/>
-              <a:ea typeface="微软雅黑" panose="020B0503020204020204" charset="-122"/>
-            </a:endParaRPr>
           </a:p>
         </p:txBody>
       </p:sp>
@@ -13804,13 +13387,6 @@
               </a:rPr>
               <a:t>Offset Max Pooling</a:t>
             </a:r>
-            <a:endParaRPr lang="en-US" altLang="zh-CN" b="1">
-              <a:solidFill>
-                <a:srgbClr val="C00000"/>
-              </a:solidFill>
-              <a:latin typeface="微软雅黑" panose="020B0503020204020204" charset="-122"/>
-              <a:ea typeface="微软雅黑" panose="020B0503020204020204" charset="-122"/>
-            </a:endParaRPr>
           </a:p>
         </p:txBody>
       </p:sp>
@@ -13823,7 +13399,7 @@
           <p:nvPr/>
         </p:nvPicPr>
         <p:blipFill>
-          <a:blip r:embed="rId1"/>
+          <a:blip r:embed="rId3"/>
           <a:stretch>
             <a:fillRect/>
           </a:stretch>
@@ -13847,7 +13423,7 @@
           <p:nvPr/>
         </p:nvPicPr>
         <p:blipFill>
-          <a:blip r:embed="rId2"/>
+          <a:blip r:embed="rId4"/>
           <a:stretch>
             <a:fillRect/>
           </a:stretch>
@@ -13871,7 +13447,7 @@
           <p:nvPr/>
         </p:nvPicPr>
         <p:blipFill>
-          <a:blip r:embed="rId3"/>
+          <a:blip r:embed="rId5"/>
           <a:stretch>
             <a:fillRect/>
           </a:stretch>
@@ -13919,13 +13495,6 @@
               </a:rPr>
               <a:t>Classifier</a:t>
             </a:r>
-            <a:endParaRPr lang="en-US" altLang="zh-CN" b="1">
-              <a:solidFill>
-                <a:srgbClr val="0070C0"/>
-              </a:solidFill>
-              <a:latin typeface="微软雅黑" panose="020B0503020204020204" charset="-122"/>
-              <a:ea typeface="微软雅黑" panose="020B0503020204020204" charset="-122"/>
-            </a:endParaRPr>
           </a:p>
         </p:txBody>
       </p:sp>
@@ -13969,16 +13538,6 @@
               </a:rPr>
               <a:t>conv 5x5</a:t>
             </a:r>
-            <a:endParaRPr lang="en-US" altLang="zh-CN" sz="1200" b="1">
-              <a:solidFill>
-                <a:schemeClr val="tx1">
-                  <a:lumMod val="50000"/>
-                  <a:lumOff val="50000"/>
-                </a:schemeClr>
-              </a:solidFill>
-              <a:latin typeface="微软雅黑" panose="020B0503020204020204" charset="-122"/>
-              <a:ea typeface="微软雅黑" panose="020B0503020204020204" charset="-122"/>
-            </a:endParaRPr>
           </a:p>
         </p:txBody>
       </p:sp>
@@ -13991,7 +13550,7 @@
           <p:nvPr/>
         </p:nvPicPr>
         <p:blipFill>
-          <a:blip r:embed="rId1"/>
+          <a:blip r:embed="rId3"/>
           <a:stretch>
             <a:fillRect/>
           </a:stretch>
@@ -14015,7 +13574,7 @@
           <p:nvPr/>
         </p:nvPicPr>
         <p:blipFill>
-          <a:blip r:embed="rId2"/>
+          <a:blip r:embed="rId4"/>
           <a:stretch>
             <a:fillRect/>
           </a:stretch>
@@ -14039,7 +13598,7 @@
           <p:nvPr/>
         </p:nvPicPr>
         <p:blipFill>
-          <a:blip r:embed="rId3"/>
+          <a:blip r:embed="rId5"/>
           <a:stretch>
             <a:fillRect/>
           </a:stretch>
@@ -14090,16 +13649,6 @@
               </a:rPr>
               <a:t>fc6</a:t>
             </a:r>
-            <a:endParaRPr lang="en-US" altLang="zh-CN" sz="1400" b="1">
-              <a:solidFill>
-                <a:schemeClr val="tx1">
-                  <a:lumMod val="65000"/>
-                  <a:lumOff val="35000"/>
-                </a:schemeClr>
-              </a:solidFill>
-              <a:latin typeface="微软雅黑" panose="020B0503020204020204" charset="-122"/>
-              <a:ea typeface="微软雅黑" panose="020B0503020204020204" charset="-122"/>
-            </a:endParaRPr>
           </a:p>
         </p:txBody>
       </p:sp>
@@ -14112,7 +13661,7 @@
           <p:nvPr/>
         </p:nvPicPr>
         <p:blipFill>
-          <a:blip r:embed="rId4"/>
+          <a:blip r:embed="rId6"/>
           <a:stretch>
             <a:fillRect/>
           </a:stretch>
@@ -14136,7 +13685,7 @@
           <p:nvPr/>
         </p:nvPicPr>
         <p:blipFill>
-          <a:blip r:embed="rId4"/>
+          <a:blip r:embed="rId6"/>
           <a:stretch>
             <a:fillRect/>
           </a:stretch>
@@ -14160,7 +13709,7 @@
           <p:nvPr/>
         </p:nvPicPr>
         <p:blipFill>
-          <a:blip r:embed="rId4"/>
+          <a:blip r:embed="rId6"/>
           <a:stretch>
             <a:fillRect/>
           </a:stretch>
@@ -14184,7 +13733,7 @@
           <p:nvPr/>
         </p:nvPicPr>
         <p:blipFill>
-          <a:blip r:embed="rId5"/>
+          <a:blip r:embed="rId7"/>
           <a:stretch>
             <a:fillRect/>
           </a:stretch>
@@ -14208,7 +13757,7 @@
           <p:nvPr/>
         </p:nvPicPr>
         <p:blipFill>
-          <a:blip r:embed="rId6"/>
+          <a:blip r:embed="rId8"/>
           <a:stretch>
             <a:fillRect/>
           </a:stretch>
@@ -14232,7 +13781,7 @@
           <p:nvPr/>
         </p:nvPicPr>
         <p:blipFill>
-          <a:blip r:embed="rId7"/>
+          <a:blip r:embed="rId9"/>
           <a:stretch>
             <a:fillRect/>
           </a:stretch>
@@ -14256,7 +13805,7 @@
           <p:nvPr/>
         </p:nvPicPr>
         <p:blipFill>
-          <a:blip r:embed="rId8"/>
+          <a:blip r:embed="rId10"/>
           <a:stretch>
             <a:fillRect/>
           </a:stretch>
@@ -14280,7 +13829,7 @@
           <p:nvPr/>
         </p:nvPicPr>
         <p:blipFill>
-          <a:blip r:embed="rId8"/>
+          <a:blip r:embed="rId10"/>
           <a:stretch>
             <a:fillRect/>
           </a:stretch>
@@ -14304,7 +13853,7 @@
           <p:nvPr/>
         </p:nvPicPr>
         <p:blipFill>
-          <a:blip r:embed="rId8"/>
+          <a:blip r:embed="rId10"/>
           <a:stretch>
             <a:fillRect/>
           </a:stretch>
@@ -14328,7 +13877,7 @@
           <p:nvPr/>
         </p:nvPicPr>
         <p:blipFill>
-          <a:blip r:embed="rId5"/>
+          <a:blip r:embed="rId7"/>
           <a:stretch>
             <a:fillRect/>
           </a:stretch>
@@ -14352,7 +13901,7 @@
           <p:nvPr/>
         </p:nvPicPr>
         <p:blipFill>
-          <a:blip r:embed="rId6"/>
+          <a:blip r:embed="rId8"/>
           <a:stretch>
             <a:fillRect/>
           </a:stretch>
@@ -14376,7 +13925,7 @@
           <p:nvPr/>
         </p:nvPicPr>
         <p:blipFill>
-          <a:blip r:embed="rId7"/>
+          <a:blip r:embed="rId9"/>
           <a:stretch>
             <a:fillRect/>
           </a:stretch>
@@ -14400,7 +13949,7 @@
           <p:nvPr/>
         </p:nvPicPr>
         <p:blipFill>
-          <a:blip r:embed="rId8"/>
+          <a:blip r:embed="rId10"/>
           <a:stretch>
             <a:fillRect/>
           </a:stretch>
@@ -14424,7 +13973,7 @@
           <p:nvPr/>
         </p:nvPicPr>
         <p:blipFill>
-          <a:blip r:embed="rId8"/>
+          <a:blip r:embed="rId10"/>
           <a:stretch>
             <a:fillRect/>
           </a:stretch>
@@ -14448,7 +13997,7 @@
           <p:nvPr/>
         </p:nvPicPr>
         <p:blipFill>
-          <a:blip r:embed="rId8"/>
+          <a:blip r:embed="rId10"/>
           <a:stretch>
             <a:fillRect/>
           </a:stretch>
@@ -14503,16 +14052,6 @@
               </a:rPr>
               <a:t>conv 1x1</a:t>
             </a:r>
-            <a:endParaRPr lang="en-US" altLang="zh-CN" sz="1200" b="1">
-              <a:solidFill>
-                <a:schemeClr val="tx1">
-                  <a:lumMod val="50000"/>
-                  <a:lumOff val="50000"/>
-                </a:schemeClr>
-              </a:solidFill>
-              <a:latin typeface="微软雅黑" panose="020B0503020204020204" charset="-122"/>
-              <a:ea typeface="微软雅黑" panose="020B0503020204020204" charset="-122"/>
-            </a:endParaRPr>
           </a:p>
         </p:txBody>
       </p:sp>
@@ -14552,16 +14091,6 @@
               </a:rPr>
               <a:t>fc7</a:t>
             </a:r>
-            <a:endParaRPr lang="en-US" altLang="zh-CN" sz="1400" b="1">
-              <a:solidFill>
-                <a:schemeClr val="tx1">
-                  <a:lumMod val="65000"/>
-                  <a:lumOff val="35000"/>
-                </a:schemeClr>
-              </a:solidFill>
-              <a:latin typeface="微软雅黑" panose="020B0503020204020204" charset="-122"/>
-              <a:ea typeface="微软雅黑" panose="020B0503020204020204" charset="-122"/>
-            </a:endParaRPr>
           </a:p>
         </p:txBody>
       </p:sp>
@@ -14605,16 +14134,6 @@
               </a:rPr>
               <a:t>conv 1x1</a:t>
             </a:r>
-            <a:endParaRPr lang="en-US" altLang="zh-CN" sz="1200" b="1">
-              <a:solidFill>
-                <a:schemeClr val="tx1">
-                  <a:lumMod val="50000"/>
-                  <a:lumOff val="50000"/>
-                </a:schemeClr>
-              </a:solidFill>
-              <a:latin typeface="微软雅黑" panose="020B0503020204020204" charset="-122"/>
-              <a:ea typeface="微软雅黑" panose="020B0503020204020204" charset="-122"/>
-            </a:endParaRPr>
           </a:p>
         </p:txBody>
       </p:sp>
@@ -14654,16 +14173,6 @@
               </a:rPr>
               <a:t>fc8</a:t>
             </a:r>
-            <a:endParaRPr lang="en-US" altLang="zh-CN" sz="1400" b="1">
-              <a:solidFill>
-                <a:schemeClr val="tx1">
-                  <a:lumMod val="65000"/>
-                  <a:lumOff val="35000"/>
-                </a:schemeClr>
-              </a:solidFill>
-              <a:latin typeface="微软雅黑" panose="020B0503020204020204" charset="-122"/>
-              <a:ea typeface="微软雅黑" panose="020B0503020204020204" charset="-122"/>
-            </a:endParaRPr>
           </a:p>
         </p:txBody>
       </p:sp>
@@ -14815,15 +14324,6 @@
               </a:rPr>
               <a:t>221x221x96</a:t>
             </a:r>
-            <a:endParaRPr lang="en-US" altLang="zh-CN" sz="800">
-              <a:solidFill>
-                <a:schemeClr val="tx1">
-                  <a:lumMod val="50000"/>
-                  <a:lumOff val="50000"/>
-                </a:schemeClr>
-              </a:solidFill>
-              <a:latin typeface="Arial" panose="020B0604020202090204" pitchFamily="34" charset="0"/>
-            </a:endParaRPr>
           </a:p>
         </p:txBody>
       </p:sp>
@@ -14881,15 +14381,6 @@
               </a:rPr>
               <a:t>36x36x256</a:t>
             </a:r>
-            <a:endParaRPr lang="en-US" altLang="zh-CN" sz="800">
-              <a:solidFill>
-                <a:schemeClr val="tx1">
-                  <a:lumMod val="50000"/>
-                  <a:lumOff val="50000"/>
-                </a:schemeClr>
-              </a:solidFill>
-              <a:latin typeface="Arial" panose="020B0604020202090204" pitchFamily="34" charset="0"/>
-            </a:endParaRPr>
           </a:p>
         </p:txBody>
       </p:sp>
@@ -14947,15 +14438,6 @@
               </a:rPr>
               <a:t>15x15x512</a:t>
             </a:r>
-            <a:endParaRPr lang="en-US" altLang="zh-CN" sz="800">
-              <a:solidFill>
-                <a:schemeClr val="tx1">
-                  <a:lumMod val="50000"/>
-                  <a:lumOff val="50000"/>
-                </a:schemeClr>
-              </a:solidFill>
-              <a:latin typeface="Arial" panose="020B0604020202090204" pitchFamily="34" charset="0"/>
-            </a:endParaRPr>
           </a:p>
         </p:txBody>
       </p:sp>
@@ -15013,15 +14495,6 @@
               </a:rPr>
               <a:t>15x15x512</a:t>
             </a:r>
-            <a:endParaRPr lang="en-US" altLang="zh-CN" sz="800">
-              <a:solidFill>
-                <a:schemeClr val="tx1">
-                  <a:lumMod val="50000"/>
-                  <a:lumOff val="50000"/>
-                </a:schemeClr>
-              </a:solidFill>
-              <a:latin typeface="Arial" panose="020B0604020202090204" pitchFamily="34" charset="0"/>
-            </a:endParaRPr>
           </a:p>
         </p:txBody>
       </p:sp>
@@ -15079,15 +14552,6 @@
               </a:rPr>
               <a:t>15x15x1024</a:t>
             </a:r>
-            <a:endParaRPr lang="en-US" altLang="zh-CN" sz="800">
-              <a:solidFill>
-                <a:schemeClr val="tx1">
-                  <a:lumMod val="50000"/>
-                  <a:lumOff val="50000"/>
-                </a:schemeClr>
-              </a:solidFill>
-              <a:latin typeface="Arial" panose="020B0604020202090204" pitchFamily="34" charset="0"/>
-            </a:endParaRPr>
           </a:p>
         </p:txBody>
       </p:sp>
@@ -15124,13 +14588,6 @@
               </a:rPr>
               <a:t>Regressor</a:t>
             </a:r>
-            <a:endParaRPr lang="en-US" altLang="zh-CN" b="1">
-              <a:solidFill>
-                <a:srgbClr val="0070C0"/>
-              </a:solidFill>
-              <a:latin typeface="微软雅黑" panose="020B0503020204020204" charset="-122"/>
-              <a:ea typeface="微软雅黑" panose="020B0503020204020204" charset="-122"/>
-            </a:endParaRPr>
           </a:p>
         </p:txBody>
       </p:sp>
@@ -15170,16 +14627,6 @@
               </a:rPr>
               <a:t>fc6</a:t>
             </a:r>
-            <a:endParaRPr lang="en-US" altLang="zh-CN" sz="1400" b="1">
-              <a:solidFill>
-                <a:schemeClr val="tx1">
-                  <a:lumMod val="65000"/>
-                  <a:lumOff val="35000"/>
-                </a:schemeClr>
-              </a:solidFill>
-              <a:latin typeface="微软雅黑" panose="020B0503020204020204" charset="-122"/>
-              <a:ea typeface="微软雅黑" panose="020B0503020204020204" charset="-122"/>
-            </a:endParaRPr>
           </a:p>
           <a:p>
             <a:pPr algn="ctr"/>
@@ -15209,16 +14656,6 @@
               </a:rPr>
               <a:t>通道</a:t>
             </a:r>
-            <a:endParaRPr lang="zh-CN" altLang="en-US" sz="1000" b="1">
-              <a:solidFill>
-                <a:schemeClr val="tx1">
-                  <a:lumMod val="65000"/>
-                  <a:lumOff val="35000"/>
-                </a:schemeClr>
-              </a:solidFill>
-              <a:latin typeface="微软雅黑" panose="020B0503020204020204" charset="-122"/>
-              <a:ea typeface="微软雅黑" panose="020B0503020204020204" charset="-122"/>
-            </a:endParaRPr>
           </a:p>
         </p:txBody>
       </p:sp>
@@ -15258,16 +14695,6 @@
               </a:rPr>
               <a:t>fc7</a:t>
             </a:r>
-            <a:endParaRPr lang="en-US" altLang="zh-CN" sz="1400" b="1">
-              <a:solidFill>
-                <a:schemeClr val="tx1">
-                  <a:lumMod val="65000"/>
-                  <a:lumOff val="35000"/>
-                </a:schemeClr>
-              </a:solidFill>
-              <a:latin typeface="微软雅黑" panose="020B0503020204020204" charset="-122"/>
-              <a:ea typeface="微软雅黑" panose="020B0503020204020204" charset="-122"/>
-            </a:endParaRPr>
           </a:p>
           <a:p>
             <a:pPr algn="ctr"/>
@@ -15361,16 +14788,6 @@
               </a:rPr>
               <a:t>fc8</a:t>
             </a:r>
-            <a:endParaRPr lang="en-US" altLang="zh-CN" sz="1400" b="1">
-              <a:solidFill>
-                <a:schemeClr val="tx1">
-                  <a:lumMod val="65000"/>
-                  <a:lumOff val="35000"/>
-                </a:schemeClr>
-              </a:solidFill>
-              <a:latin typeface="微软雅黑" panose="020B0503020204020204" charset="-122"/>
-              <a:ea typeface="微软雅黑" panose="020B0503020204020204" charset="-122"/>
-            </a:endParaRPr>
           </a:p>
           <a:p>
             <a:pPr algn="ctr"/>
@@ -15400,16 +14817,6 @@
               </a:rPr>
               <a:t>通道</a:t>
             </a:r>
-            <a:endParaRPr lang="zh-CN" altLang="en-US" sz="1000" b="1">
-              <a:solidFill>
-                <a:schemeClr val="tx1">
-                  <a:lumMod val="65000"/>
-                  <a:lumOff val="35000"/>
-                </a:schemeClr>
-              </a:solidFill>
-              <a:latin typeface="微软雅黑" panose="020B0503020204020204" charset="-122"/>
-              <a:ea typeface="微软雅黑" panose="020B0503020204020204" charset="-122"/>
-            </a:endParaRPr>
           </a:p>
         </p:txBody>
       </p:sp>
@@ -15450,13 +14857,6 @@
               </a:rPr>
               <a:t>全卷积网络</a:t>
             </a:r>
-            <a:endParaRPr lang="zh-CN" altLang="en-US" b="1">
-              <a:solidFill>
-                <a:srgbClr val="C00000"/>
-              </a:solidFill>
-              <a:latin typeface="微软雅黑" panose="020B0503020204020204" charset="-122"/>
-              <a:ea typeface="微软雅黑" panose="020B0503020204020204" charset="-122"/>
-            </a:endParaRPr>
           </a:p>
         </p:txBody>
       </p:sp>
@@ -15522,16 +14922,6 @@
               </a:rPr>
               <a:t>通道</a:t>
             </a:r>
-            <a:endParaRPr lang="zh-CN" altLang="en-US" sz="1000" b="1">
-              <a:solidFill>
-                <a:schemeClr val="tx1">
-                  <a:lumMod val="65000"/>
-                  <a:lumOff val="35000"/>
-                </a:schemeClr>
-              </a:solidFill>
-              <a:latin typeface="微软雅黑" panose="020B0503020204020204" charset="-122"/>
-              <a:ea typeface="微软雅黑" panose="020B0503020204020204" charset="-122"/>
-            </a:endParaRPr>
           </a:p>
         </p:txBody>
       </p:sp>
@@ -15650,16 +15040,6 @@
               </a:rPr>
               <a:t>Sliding Windows</a:t>
             </a:r>
-            <a:endParaRPr lang="en-US" altLang="zh-CN" sz="1400" b="1">
-              <a:solidFill>
-                <a:schemeClr val="tx1">
-                  <a:lumMod val="50000"/>
-                  <a:lumOff val="50000"/>
-                </a:schemeClr>
-              </a:solidFill>
-              <a:latin typeface="微软雅黑" panose="020B0503020204020204" charset="-122"/>
-              <a:ea typeface="微软雅黑" panose="020B0503020204020204" charset="-122"/>
-            </a:endParaRPr>
           </a:p>
           <a:p>
             <a:pPr algn="ctr">
@@ -15680,16 +15060,6 @@
               </a:rPr>
               <a:t>产生的多个预测值被</a:t>
             </a:r>
-            <a:endParaRPr lang="zh-CN" altLang="en-US" sz="1400" b="1">
-              <a:solidFill>
-                <a:schemeClr val="tx1">
-                  <a:lumMod val="50000"/>
-                  <a:lumOff val="50000"/>
-                </a:schemeClr>
-              </a:solidFill>
-              <a:latin typeface="微软雅黑" panose="020B0503020204020204" charset="-122"/>
-              <a:ea typeface="微软雅黑" panose="020B0503020204020204" charset="-122"/>
-            </a:endParaRPr>
           </a:p>
           <a:p>
             <a:pPr algn="ctr">
@@ -15736,16 +15106,6 @@
               </a:rPr>
               <a:t>交叉验证丢弃</a:t>
             </a:r>
-            <a:endParaRPr lang="zh-CN" altLang="en-US" sz="1400" b="1">
-              <a:solidFill>
-                <a:schemeClr val="tx1">
-                  <a:lumMod val="50000"/>
-                  <a:lumOff val="50000"/>
-                </a:schemeClr>
-              </a:solidFill>
-              <a:latin typeface="微软雅黑" panose="020B0503020204020204" charset="-122"/>
-              <a:ea typeface="微软雅黑" panose="020B0503020204020204" charset="-122"/>
-            </a:endParaRPr>
           </a:p>
         </p:txBody>
       </p:sp>
@@ -15778,10 +15138,6 @@
               </a:rPr>
               <a:t>WGAN - 2017.01</a:t>
             </a:r>
-            <a:endParaRPr lang="en-US" altLang="zh-CN" sz="2000" b="1" dirty="0">
-              <a:latin typeface="微软雅黑" panose="020B0503020204020204" charset="-122"/>
-              <a:ea typeface="微软雅黑" panose="020B0503020204020204" charset="-122"/>
-            </a:endParaRPr>
           </a:p>
         </p:txBody>
       </p:sp>
@@ -15839,10 +15195,6 @@
               </a:rPr>
               <a:t>WGAN-GP 2017.03</a:t>
             </a:r>
-            <a:endParaRPr lang="en-US" altLang="zh-CN" sz="2000" b="1" dirty="0">
-              <a:latin typeface="微软雅黑" panose="020B0503020204020204" charset="-122"/>
-              <a:ea typeface="微软雅黑" panose="020B0503020204020204" charset="-122"/>
-            </a:endParaRPr>
           </a:p>
         </p:txBody>
       </p:sp>
@@ -15902,10 +15254,6 @@
               </a:rPr>
               <a:t>训练困难、收敛速度慢 改进；</a:t>
             </a:r>
-            <a:endParaRPr lang="zh-CN" altLang="en-US" sz="1200">
-              <a:latin typeface="微软雅黑" panose="020B0503020204020204" charset="-122"/>
-              <a:ea typeface="微软雅黑" panose="020B0503020204020204" charset="-122"/>
-            </a:endParaRPr>
           </a:p>
           <a:p>
             <a:pPr algn="l" fontAlgn="auto">
@@ -15932,10 +15280,6 @@
               </a:rPr>
               <a:t>：</a:t>
             </a:r>
-            <a:endParaRPr lang="zh-CN" altLang="en-US" sz="1200">
-              <a:latin typeface="微软雅黑" panose="020B0503020204020204" charset="-122"/>
-              <a:ea typeface="微软雅黑" panose="020B0503020204020204" charset="-122"/>
-            </a:endParaRPr>
           </a:p>
           <a:p>
             <a:pPr algn="l" fontAlgn="auto">
@@ -15964,10 +15308,6 @@
               </a:rPr>
               <a:t> weight clipping，每更新完一次判别器的参数后，</a:t>
             </a:r>
-            <a:endParaRPr lang="en-US" altLang="zh-CN" sz="1200">
-              <a:latin typeface="微软雅黑" panose="020B0503020204020204" charset="-122"/>
-              <a:ea typeface="微软雅黑" panose="020B0503020204020204" charset="-122"/>
-            </a:endParaRPr>
           </a:p>
           <a:p>
             <a:pPr algn="l" fontAlgn="auto">
@@ -15996,10 +15336,6 @@
               </a:rPr>
               <a:t> [-0.01, 0.01] 范围内。</a:t>
             </a:r>
-            <a:endParaRPr lang="en-US" altLang="zh-CN" sz="1200">
-              <a:latin typeface="微软雅黑" panose="020B0503020204020204" charset="-122"/>
-              <a:ea typeface="微软雅黑" panose="020B0503020204020204" charset="-122"/>
-            </a:endParaRPr>
           </a:p>
           <a:p>
             <a:pPr algn="l" fontAlgn="auto">
@@ -16085,11 +15421,6 @@
               </a:rPr>
               <a:t>          Weight Clipping独立地限制网络参数的取值范围，在这种情况下最优策略就是参数要么取最大值（如0.01）要么取最小值（如-0.01）</a:t>
             </a:r>
-            <a:endParaRPr lang="en-US" altLang="zh-CN" sz="1200">
-              <a:latin typeface="微软雅黑" panose="020B0503020204020204" charset="-122"/>
-              <a:ea typeface="微软雅黑" panose="020B0503020204020204" charset="-122"/>
-              <a:sym typeface="+mn-ea"/>
-            </a:endParaRPr>
           </a:p>
           <a:p>
             <a:pPr algn="l"/>
@@ -16144,10 +15475,6 @@
               </a:rPr>
               <a:t>）</a:t>
             </a:r>
-            <a:endParaRPr lang="zh-CN" altLang="en-US" sz="1200">
-              <a:latin typeface="微软雅黑" panose="020B0503020204020204" charset="-122"/>
-              <a:ea typeface="微软雅黑" panose="020B0503020204020204" charset="-122"/>
-            </a:endParaRPr>
           </a:p>
         </p:txBody>
       </p:sp>
@@ -16164,7 +15491,7 @@
           </p:nvPr>
         </p:nvPicPr>
         <p:blipFill>
-          <a:blip r:embed="rId2"/>
+          <a:blip r:embed="rId4"/>
           <a:stretch>
             <a:fillRect/>
           </a:stretch>
@@ -16222,13 +15549,6 @@
               </a:rPr>
               <a:t>梯度对数级增长或衰减</a:t>
             </a:r>
-            <a:endParaRPr lang="zh-CN" altLang="en-US" sz="800" b="1">
-              <a:solidFill>
-                <a:srgbClr val="0070C0"/>
-              </a:solidFill>
-              <a:latin typeface="微软雅黑" panose="020B0503020204020204" charset="-122"/>
-              <a:ea typeface="微软雅黑" panose="020B0503020204020204" charset="-122"/>
-            </a:endParaRPr>
           </a:p>
         </p:txBody>
       </p:sp>
@@ -16241,7 +15561,7 @@
           <p:nvPr/>
         </p:nvPicPr>
         <p:blipFill>
-          <a:blip r:embed="rId3"/>
+          <a:blip r:embed="rId5"/>
           <a:stretch>
             <a:fillRect/>
           </a:stretch>
@@ -16319,13 +15639,6 @@
               </a:rPr>
               <a:t>的边界</a:t>
             </a:r>
-            <a:endParaRPr lang="zh-CN" altLang="en-US" sz="800" b="1">
-              <a:solidFill>
-                <a:srgbClr val="0070C0"/>
-              </a:solidFill>
-              <a:latin typeface="微软雅黑" panose="020B0503020204020204" charset="-122"/>
-              <a:ea typeface="微软雅黑" panose="020B0503020204020204" charset="-122"/>
-            </a:endParaRPr>
           </a:p>
         </p:txBody>
       </p:sp>
@@ -16366,13 +15679,6 @@
               </a:rPr>
               <a:t>梯度消失</a:t>
             </a:r>
-            <a:endParaRPr lang="zh-CN" altLang="en-US" sz="1200">
-              <a:solidFill>
-                <a:srgbClr val="0F80FF"/>
-              </a:solidFill>
-              <a:latin typeface="微软雅黑" panose="020B0503020204020204" charset="-122"/>
-              <a:ea typeface="微软雅黑" panose="020B0503020204020204" charset="-122"/>
-            </a:endParaRPr>
           </a:p>
           <a:p>
             <a:pPr algn="l">
@@ -16390,13 +15696,6 @@
               </a:rPr>
               <a:t>梯度爆炸</a:t>
             </a:r>
-            <a:endParaRPr lang="zh-CN" altLang="en-US" sz="1200">
-              <a:solidFill>
-                <a:srgbClr val="0F80FF"/>
-              </a:solidFill>
-              <a:latin typeface="微软雅黑" panose="020B0503020204020204" charset="-122"/>
-              <a:ea typeface="微软雅黑" panose="020B0503020204020204" charset="-122"/>
-            </a:endParaRPr>
           </a:p>
         </p:txBody>
       </p:sp>
@@ -16473,13 +15772,6 @@
               </a:rPr>
               <a:t>权重设为边界值</a:t>
             </a:r>
-            <a:endParaRPr lang="zh-CN" altLang="en-US" sz="1200">
-              <a:solidFill>
-                <a:srgbClr val="0F80FF"/>
-              </a:solidFill>
-              <a:latin typeface="微软雅黑" panose="020B0503020204020204" charset="-122"/>
-              <a:ea typeface="微软雅黑" panose="020B0503020204020204" charset="-122"/>
-            </a:endParaRPr>
           </a:p>
           <a:p>
             <a:pPr algn="l">
@@ -16497,13 +15789,6 @@
               </a:rPr>
               <a:t>忽略分布高阶矩</a:t>
             </a:r>
-            <a:endParaRPr lang="zh-CN" altLang="en-US" sz="1200">
-              <a:solidFill>
-                <a:srgbClr val="0F80FF"/>
-              </a:solidFill>
-              <a:latin typeface="微软雅黑" panose="020B0503020204020204" charset="-122"/>
-              <a:ea typeface="微软雅黑" panose="020B0503020204020204" charset="-122"/>
-            </a:endParaRPr>
           </a:p>
         </p:txBody>
       </p:sp>
@@ -16631,13 +15916,6 @@
               </a:rPr>
               <a:t>Gradient Penalty</a:t>
             </a:r>
-            <a:endParaRPr lang="en-US" altLang="zh-CN" sz="1400" b="1">
-              <a:solidFill>
-                <a:srgbClr val="C00000"/>
-              </a:solidFill>
-              <a:latin typeface="微软雅黑" panose="020B0503020204020204" charset="-122"/>
-              <a:ea typeface="微软雅黑" panose="020B0503020204020204" charset="-122"/>
-            </a:endParaRPr>
           </a:p>
         </p:txBody>
       </p:sp>
@@ -16696,10 +15974,6 @@
               </a:rPr>
               <a:t>227x227x3</a:t>
             </a:r>
-            <a:endParaRPr lang="en-US" altLang="zh-CN" sz="1000">
-              <a:latin typeface="微软雅黑" panose="020B0503020204020204" charset="-122"/>
-              <a:ea typeface="微软雅黑" panose="020B0503020204020204" charset="-122"/>
-            </a:endParaRPr>
           </a:p>
         </p:txBody>
       </p:sp>
@@ -16746,13 +16020,6 @@
               </a:rPr>
               <a:t>输入图像</a:t>
             </a:r>
-            <a:endParaRPr lang="zh-CN" altLang="en-US" sz="1400" b="1">
-              <a:solidFill>
-                <a:srgbClr val="0070C0"/>
-              </a:solidFill>
-              <a:latin typeface="微软雅黑" panose="020B0503020204020204" charset="-122"/>
-              <a:ea typeface="微软雅黑" panose="020B0503020204020204" charset="-122"/>
-            </a:endParaRPr>
           </a:p>
         </p:txBody>
       </p:sp>
@@ -16819,13 +16086,6 @@
               </a:rPr>
               <a:t>）</a:t>
             </a:r>
-            <a:endParaRPr lang="zh-CN" altLang="en-US" sz="1400" b="1">
-              <a:solidFill>
-                <a:srgbClr val="0070C0"/>
-              </a:solidFill>
-              <a:latin typeface="微软雅黑" panose="020B0503020204020204" charset="-122"/>
-              <a:ea typeface="微软雅黑" panose="020B0503020204020204" charset="-122"/>
-            </a:endParaRPr>
           </a:p>
         </p:txBody>
       </p:sp>
@@ -16882,13 +16142,6 @@
               </a:rPr>
               <a:t>）</a:t>
             </a:r>
-            <a:endParaRPr lang="zh-CN" altLang="en-US" sz="1400" b="1">
-              <a:solidFill>
-                <a:srgbClr val="0070C0"/>
-              </a:solidFill>
-              <a:latin typeface="微软雅黑" panose="020B0503020204020204" charset="-122"/>
-              <a:ea typeface="微软雅黑" panose="020B0503020204020204" charset="-122"/>
-            </a:endParaRPr>
           </a:p>
         </p:txBody>
       </p:sp>
@@ -17001,13 +16254,6 @@
               </a:rPr>
               <a:t>图像仿射扭曲</a:t>
             </a:r>
-            <a:endParaRPr lang="zh-CN" altLang="en-US" sz="1400" b="1">
-              <a:solidFill>
-                <a:srgbClr val="0070C0"/>
-              </a:solidFill>
-              <a:latin typeface="微软雅黑" panose="020B0503020204020204" charset="-122"/>
-              <a:ea typeface="微软雅黑" panose="020B0503020204020204" charset="-122"/>
-            </a:endParaRPr>
           </a:p>
         </p:txBody>
       </p:sp>
@@ -17079,16 +16325,6 @@
               </a:rPr>
               <a:t>维</a:t>
             </a:r>
-            <a:endParaRPr lang="zh-CN" altLang="en-US" sz="1200">
-              <a:solidFill>
-                <a:schemeClr val="tx1">
-                  <a:lumMod val="50000"/>
-                  <a:lumOff val="50000"/>
-                </a:schemeClr>
-              </a:solidFill>
-              <a:latin typeface="微软雅黑" panose="020B0503020204020204" charset="-122"/>
-              <a:ea typeface="微软雅黑" panose="020B0503020204020204" charset="-122"/>
-            </a:endParaRPr>
           </a:p>
           <a:p>
             <a:pPr indent="0" algn="l">
@@ -17124,16 +16360,6 @@
               </a:rPr>
               <a:t>非零</a:t>
             </a:r>
-            <a:endParaRPr lang="zh-CN" altLang="en-US" sz="1200">
-              <a:solidFill>
-                <a:schemeClr val="tx1">
-                  <a:lumMod val="50000"/>
-                  <a:lumOff val="50000"/>
-                </a:schemeClr>
-              </a:solidFill>
-              <a:latin typeface="微软雅黑" panose="020B0503020204020204" charset="-122"/>
-              <a:ea typeface="微软雅黑" panose="020B0503020204020204" charset="-122"/>
-            </a:endParaRPr>
           </a:p>
           <a:p>
             <a:pPr marL="285750" indent="-285750" algn="l">
@@ -17201,16 +16427,6 @@
               </a:rPr>
               <a:t>维</a:t>
             </a:r>
-            <a:endParaRPr lang="zh-CN" altLang="en-US" sz="1200">
-              <a:solidFill>
-                <a:schemeClr val="tx1">
-                  <a:lumMod val="50000"/>
-                  <a:lumOff val="50000"/>
-                </a:schemeClr>
-              </a:solidFill>
-              <a:latin typeface="微软雅黑" panose="020B0503020204020204" charset="-122"/>
-              <a:ea typeface="微软雅黑" panose="020B0503020204020204" charset="-122"/>
-            </a:endParaRPr>
           </a:p>
           <a:p>
             <a:pPr indent="0" algn="l">
@@ -17246,16 +16462,6 @@
               </a:rPr>
               <a:t>非零</a:t>
             </a:r>
-            <a:endParaRPr lang="zh-CN" altLang="en-US" sz="1200">
-              <a:solidFill>
-                <a:schemeClr val="tx1">
-                  <a:lumMod val="50000"/>
-                  <a:lumOff val="50000"/>
-                </a:schemeClr>
-              </a:solidFill>
-              <a:latin typeface="微软雅黑" panose="020B0503020204020204" charset="-122"/>
-              <a:ea typeface="微软雅黑" panose="020B0503020204020204" charset="-122"/>
-            </a:endParaRPr>
           </a:p>
           <a:p>
             <a:pPr marL="285750" indent="-285750" algn="l">
@@ -17373,17 +16579,6 @@
               </a:rPr>
               <a:t>非零</a:t>
             </a:r>
-            <a:endParaRPr lang="zh-CN" altLang="en-US" sz="1200">
-              <a:solidFill>
-                <a:schemeClr val="tx1">
-                  <a:lumMod val="50000"/>
-                  <a:lumOff val="50000"/>
-                </a:schemeClr>
-              </a:solidFill>
-              <a:latin typeface="微软雅黑" panose="020B0503020204020204" charset="-122"/>
-              <a:ea typeface="微软雅黑" panose="020B0503020204020204" charset="-122"/>
-              <a:sym typeface="+mn-ea"/>
-            </a:endParaRPr>
           </a:p>
         </p:txBody>
       </p:sp>
@@ -17464,13 +16659,6 @@
               </a:rPr>
               <a:t>每一类都训练一个</a:t>
             </a:r>
-            <a:endParaRPr lang="zh-CN" altLang="en-US" sz="1400" b="1">
-              <a:solidFill>
-                <a:srgbClr val="0070C0"/>
-              </a:solidFill>
-              <a:latin typeface="微软雅黑" panose="020B0503020204020204" charset="-122"/>
-              <a:ea typeface="微软雅黑" panose="020B0503020204020204" charset="-122"/>
-            </a:endParaRPr>
           </a:p>
           <a:p>
             <a:pPr algn="ctr">
@@ -17528,13 +16716,6 @@
               </a:rPr>
               <a:t>背景）</a:t>
             </a:r>
-            <a:endParaRPr lang="zh-CN" altLang="en-US" sz="1400" b="1">
-              <a:solidFill>
-                <a:srgbClr val="0070C0"/>
-              </a:solidFill>
-              <a:latin typeface="微软雅黑" panose="020B0503020204020204" charset="-122"/>
-              <a:ea typeface="微软雅黑" panose="020B0503020204020204" charset="-122"/>
-            </a:endParaRPr>
           </a:p>
         </p:txBody>
       </p:sp>
@@ -17655,13 +16836,6 @@
               </a:rPr>
               <a:t>检测</a:t>
             </a:r>
-            <a:endParaRPr lang="zh-CN" altLang="en-US" sz="1600" b="1" u="sng">
-              <a:solidFill>
-                <a:srgbClr val="C00000"/>
-              </a:solidFill>
-              <a:latin typeface="微软雅黑" panose="020B0503020204020204" charset="-122"/>
-              <a:ea typeface="微软雅黑" panose="020B0503020204020204" charset="-122"/>
-            </a:endParaRPr>
           </a:p>
           <a:p>
             <a:pPr algn="ctr">
@@ -17747,16 +16921,6 @@
               </a:rPr>
               <a:t> 多个分类器 </a:t>
             </a:r>
-            <a:endParaRPr lang="zh-CN" altLang="en-US" sz="1200" b="1">
-              <a:solidFill>
-                <a:schemeClr val="tx1">
-                  <a:lumMod val="50000"/>
-                  <a:lumOff val="50000"/>
-                </a:schemeClr>
-              </a:solidFill>
-              <a:latin typeface="微软雅黑" panose="020B0503020204020204" charset="-122"/>
-              <a:ea typeface="微软雅黑" panose="020B0503020204020204" charset="-122"/>
-            </a:endParaRPr>
           </a:p>
         </p:txBody>
       </p:sp>
@@ -17803,13 +16967,6 @@
               </a:rPr>
               <a:t>提取特征向量</a:t>
             </a:r>
-            <a:endParaRPr lang="zh-CN" altLang="en-US" sz="1400" b="1">
-              <a:solidFill>
-                <a:srgbClr val="0070C0"/>
-              </a:solidFill>
-              <a:latin typeface="微软雅黑" panose="020B0503020204020204" charset="-122"/>
-              <a:ea typeface="微软雅黑" panose="020B0503020204020204" charset="-122"/>
-            </a:endParaRPr>
           </a:p>
         </p:txBody>
       </p:sp>
@@ -17866,13 +17023,6 @@
               </a:rPr>
               <a:t>定位问题微调</a:t>
             </a:r>
-            <a:endParaRPr lang="zh-CN" altLang="en-US" sz="1400" b="1">
-              <a:solidFill>
-                <a:srgbClr val="0070C0"/>
-              </a:solidFill>
-              <a:latin typeface="微软雅黑" panose="020B0503020204020204" charset="-122"/>
-              <a:ea typeface="微软雅黑" panose="020B0503020204020204" charset="-122"/>
-            </a:endParaRPr>
           </a:p>
         </p:txBody>
       </p:sp>
@@ -18125,15 +17275,6 @@
               </a:rPr>
               <a:t>, </a:t>
             </a:r>
-            <a:endParaRPr lang="en-US" altLang="zh-CN" sz="1000">
-              <a:solidFill>
-                <a:schemeClr val="bg1">
-                  <a:lumMod val="65000"/>
-                </a:schemeClr>
-              </a:solidFill>
-              <a:latin typeface="微软雅黑" panose="020B0503020204020204" charset="-122"/>
-              <a:ea typeface="微软雅黑" panose="020B0503020204020204" charset="-122"/>
-            </a:endParaRPr>
           </a:p>
           <a:p>
             <a:pPr algn="ctr">
@@ -18177,15 +17318,6 @@
               </a:rPr>
               <a:t>中心点</a:t>
             </a:r>
-            <a:endParaRPr lang="zh-CN" altLang="en-US" sz="1000">
-              <a:solidFill>
-                <a:schemeClr val="bg1">
-                  <a:lumMod val="65000"/>
-                </a:schemeClr>
-              </a:solidFill>
-              <a:latin typeface="微软雅黑" panose="020B0503020204020204" charset="-122"/>
-              <a:ea typeface="微软雅黑" panose="020B0503020204020204" charset="-122"/>
-            </a:endParaRPr>
           </a:p>
         </p:txBody>
       </p:sp>
@@ -18228,15 +17360,6 @@
               </a:rPr>
               <a:t>中心点</a:t>
             </a:r>
-            <a:endParaRPr lang="zh-CN" altLang="en-US" sz="1000">
-              <a:solidFill>
-                <a:schemeClr val="bg1">
-                  <a:lumMod val="65000"/>
-                </a:schemeClr>
-              </a:solidFill>
-              <a:latin typeface="微软雅黑" panose="020B0503020204020204" charset="-122"/>
-              <a:ea typeface="微软雅黑" panose="020B0503020204020204" charset="-122"/>
-            </a:endParaRPr>
           </a:p>
           <a:p>
             <a:pPr algn="ctr">
@@ -18316,13 +17439,6 @@
               </a:rPr>
               <a:t>3x3=9</a:t>
             </a:r>
-            <a:endParaRPr lang="en-US" altLang="zh-CN" sz="1000" b="1">
-              <a:solidFill>
-                <a:schemeClr val="tx1"/>
-              </a:solidFill>
-              <a:latin typeface="微软雅黑" panose="020B0503020204020204" charset="-122"/>
-              <a:ea typeface="微软雅黑" panose="020B0503020204020204" charset="-122"/>
-            </a:endParaRPr>
           </a:p>
         </p:txBody>
       </p:sp>
@@ -18365,15 +17481,6 @@
               </a:rPr>
               <a:t>Anchor Box</a:t>
             </a:r>
-            <a:endParaRPr lang="en-US" sz="1000">
-              <a:solidFill>
-                <a:schemeClr val="bg1">
-                  <a:lumMod val="65000"/>
-                </a:schemeClr>
-              </a:solidFill>
-              <a:latin typeface="微软雅黑" panose="020B0503020204020204" charset="-122"/>
-              <a:ea typeface="微软雅黑" panose="020B0503020204020204" charset="-122"/>
-            </a:endParaRPr>
           </a:p>
           <a:p>
             <a:pPr algn="ctr">
@@ -18393,15 +17500,6 @@
               </a:rPr>
               <a:t>在原图中的显示</a:t>
             </a:r>
-            <a:endParaRPr lang="zh-CN" altLang="en-US" sz="1000">
-              <a:solidFill>
-                <a:schemeClr val="bg1">
-                  <a:lumMod val="65000"/>
-                </a:schemeClr>
-              </a:solidFill>
-              <a:latin typeface="微软雅黑" panose="020B0503020204020204" charset="-122"/>
-              <a:ea typeface="微软雅黑" panose="020B0503020204020204" charset="-122"/>
-            </a:endParaRPr>
           </a:p>
         </p:txBody>
       </p:sp>
@@ -18444,15 +17542,6 @@
               </a:rPr>
               <a:t>原图中所有的</a:t>
             </a:r>
-            <a:endParaRPr lang="zh-CN" altLang="en-US" sz="1000" dirty="0">
-              <a:solidFill>
-                <a:schemeClr val="bg1">
-                  <a:lumMod val="65000"/>
-                </a:schemeClr>
-              </a:solidFill>
-              <a:latin typeface="微软雅黑" panose="020B0503020204020204" charset="-122"/>
-              <a:ea typeface="微软雅黑" panose="020B0503020204020204" charset="-122"/>
-            </a:endParaRPr>
           </a:p>
           <a:p>
             <a:pPr algn="ctr">
@@ -18473,16 +17562,6 @@
               </a:rPr>
               <a:t>Anchor Box</a:t>
             </a:r>
-            <a:endParaRPr lang="en-US" sz="1000" dirty="0">
-              <a:solidFill>
-                <a:schemeClr val="bg1">
-                  <a:lumMod val="65000"/>
-                </a:schemeClr>
-              </a:solidFill>
-              <a:latin typeface="微软雅黑" panose="020B0503020204020204" charset="-122"/>
-              <a:ea typeface="微软雅黑" panose="020B0503020204020204" charset="-122"/>
-              <a:sym typeface="+mn-ea"/>
-            </a:endParaRPr>
           </a:p>
           <a:p>
             <a:pPr algn="ctr">
@@ -18586,15 +17665,6 @@
               </a:rPr>
               <a:t>比例，</a:t>
             </a:r>
-            <a:endParaRPr lang="zh-CN" altLang="en-US" sz="1000">
-              <a:solidFill>
-                <a:schemeClr val="bg1">
-                  <a:lumMod val="65000"/>
-                </a:schemeClr>
-              </a:solidFill>
-              <a:latin typeface="微软雅黑" panose="020B0503020204020204" charset="-122"/>
-              <a:ea typeface="微软雅黑" panose="020B0503020204020204" charset="-122"/>
-            </a:endParaRPr>
           </a:p>
           <a:p>
             <a:pPr algn="ctr">
@@ -18638,15 +17708,6 @@
               </a:rPr>
               <a:t>原图像中</a:t>
             </a:r>
-            <a:endParaRPr lang="zh-CN" altLang="en-US" sz="1000">
-              <a:solidFill>
-                <a:schemeClr val="bg1">
-                  <a:lumMod val="65000"/>
-                </a:schemeClr>
-              </a:solidFill>
-              <a:latin typeface="微软雅黑" panose="020B0503020204020204" charset="-122"/>
-              <a:ea typeface="微软雅黑" panose="020B0503020204020204" charset="-122"/>
-            </a:endParaRPr>
           </a:p>
           <a:p>
             <a:pPr algn="ctr">
@@ -18666,15 +17727,6 @@
               </a:rPr>
               <a:t>几乎所有物体外框</a:t>
             </a:r>
-            <a:endParaRPr lang="zh-CN" altLang="en-US" sz="1000">
-              <a:solidFill>
-                <a:schemeClr val="bg1">
-                  <a:lumMod val="65000"/>
-                </a:schemeClr>
-              </a:solidFill>
-              <a:latin typeface="微软雅黑" panose="020B0503020204020204" charset="-122"/>
-              <a:ea typeface="微软雅黑" panose="020B0503020204020204" charset="-122"/>
-            </a:endParaRPr>
           </a:p>
         </p:txBody>
       </p:sp>
@@ -18767,10 +17819,6 @@
               </a:rPr>
               <a:t> - 2016.06</a:t>
             </a:r>
-            <a:endParaRPr lang="en-US" altLang="zh-CN" sz="2000" b="1" dirty="0">
-              <a:latin typeface="微软雅黑" panose="020B0503020204020204" charset="-122"/>
-              <a:ea typeface="微软雅黑" panose="020B0503020204020204" charset="-122"/>
-            </a:endParaRPr>
           </a:p>
         </p:txBody>
       </p:sp>
@@ -18828,10 +17876,6 @@
               </a:rPr>
               <a:t>GAN - 2014</a:t>
             </a:r>
-            <a:endParaRPr lang="en-US" altLang="zh-CN" sz="2000" b="1" dirty="0">
-              <a:latin typeface="微软雅黑" panose="020B0503020204020204" charset="-122"/>
-              <a:ea typeface="微软雅黑" panose="020B0503020204020204" charset="-122"/>
-            </a:endParaRPr>
           </a:p>
         </p:txBody>
       </p:sp>
@@ -18844,7 +17888,7 @@
           <p:nvPr/>
         </p:nvPicPr>
         <p:blipFill>
-          <a:blip r:embed="rId1"/>
+          <a:blip r:embed="rId2"/>
           <a:stretch>
             <a:fillRect/>
           </a:stretch>
@@ -18906,13 +17950,6 @@
               </a:rPr>
               <a:t>D</a:t>
             </a:r>
-            <a:endParaRPr lang="en-US" altLang="zh-CN" sz="1600" b="1">
-              <a:solidFill>
-                <a:srgbClr val="0000FF"/>
-              </a:solidFill>
-              <a:latin typeface="微软雅黑" panose="020B0503020204020204" charset="-122"/>
-              <a:ea typeface="微软雅黑" panose="020B0503020204020204" charset="-122"/>
-            </a:endParaRPr>
           </a:p>
         </p:txBody>
       </p:sp>
@@ -18984,13 +18021,6 @@
               </a:rPr>
               <a:t> </a:t>
             </a:r>
-            <a:endParaRPr lang="en-US" altLang="zh-CN" sz="1200" b="1">
-              <a:solidFill>
-                <a:schemeClr val="tx1"/>
-              </a:solidFill>
-              <a:latin typeface="微软雅黑" panose="020B0503020204020204" charset="-122"/>
-              <a:ea typeface="微软雅黑" panose="020B0503020204020204" charset="-122"/>
-            </a:endParaRPr>
           </a:p>
         </p:txBody>
       </p:sp>
@@ -19105,16 +18135,6 @@
               </a:rPr>
               <a:t> (G)</a:t>
             </a:r>
-            <a:endParaRPr lang="en-US" altLang="zh-CN" sz="1400" b="1" u="sng">
-              <a:solidFill>
-                <a:schemeClr val="accent6">
-                  <a:lumMod val="75000"/>
-                </a:schemeClr>
-              </a:solidFill>
-              <a:latin typeface="微软雅黑" panose="020B0503020204020204" charset="-122"/>
-              <a:ea typeface="微软雅黑" panose="020B0503020204020204" charset="-122"/>
-              <a:sym typeface="+mn-ea"/>
-            </a:endParaRPr>
           </a:p>
         </p:txBody>
       </p:sp>
@@ -19155,13 +18175,6 @@
               </a:rPr>
               <a:t>高斯分布</a:t>
             </a:r>
-            <a:endParaRPr lang="zh-CN" altLang="en-US" sz="1200" b="1">
-              <a:solidFill>
-                <a:schemeClr val="tx1"/>
-              </a:solidFill>
-              <a:latin typeface="微软雅黑" panose="020B0503020204020204" charset="-122"/>
-              <a:ea typeface="微软雅黑" panose="020B0503020204020204" charset="-122"/>
-            </a:endParaRPr>
           </a:p>
         </p:txBody>
       </p:sp>
@@ -19202,13 +18215,6 @@
               </a:rPr>
               <a:t>mapping: x = G(z) </a:t>
             </a:r>
-            <a:endParaRPr lang="en-US" altLang="zh-CN" sz="1200" b="1">
-              <a:solidFill>
-                <a:schemeClr val="tx1"/>
-              </a:solidFill>
-              <a:latin typeface="微软雅黑" panose="020B0503020204020204" charset="-122"/>
-              <a:ea typeface="微软雅黑" panose="020B0503020204020204" charset="-122"/>
-            </a:endParaRPr>
           </a:p>
         </p:txBody>
       </p:sp>
@@ -19251,13 +18257,6 @@
               </a:rPr>
               <a:t>生成器从高概率区域开始，逐步向低概率区域扩展</a:t>
             </a:r>
-            <a:endParaRPr lang="zh-CN" altLang="en-US" sz="1200">
-              <a:solidFill>
-                <a:schemeClr val="tx1"/>
-              </a:solidFill>
-              <a:latin typeface="微软雅黑" panose="020B0503020204020204" charset="-122"/>
-              <a:ea typeface="微软雅黑" panose="020B0503020204020204" charset="-122"/>
-            </a:endParaRPr>
           </a:p>
         </p:txBody>
       </p:sp>
@@ -19330,13 +18329,6 @@
               </a:rPr>
               <a:t>pdata</a:t>
             </a:r>
-            <a:endParaRPr lang="en-US" altLang="zh-CN" sz="1200">
-              <a:solidFill>
-                <a:schemeClr val="tx1"/>
-              </a:solidFill>
-              <a:latin typeface="微软雅黑" panose="020B0503020204020204" charset="-122"/>
-              <a:ea typeface="微软雅黑" panose="020B0503020204020204" charset="-122"/>
-            </a:endParaRPr>
           </a:p>
           <a:p>
             <a:pPr marL="171450" indent="-171450" algn="l">
@@ -19356,13 +18348,6 @@
               </a:rPr>
               <a:t>判别器部分准确</a:t>
             </a:r>
-            <a:endParaRPr lang="zh-CN" altLang="en-US" sz="1200">
-              <a:solidFill>
-                <a:schemeClr val="tx1"/>
-              </a:solidFill>
-              <a:latin typeface="微软雅黑" panose="020B0503020204020204" charset="-122"/>
-              <a:ea typeface="微软雅黑" panose="020B0503020204020204" charset="-122"/>
-            </a:endParaRPr>
           </a:p>
         </p:txBody>
       </p:sp>
@@ -19425,13 +18410,6 @@
               </a:rPr>
               <a:t>数据</a:t>
             </a:r>
-            <a:endParaRPr lang="zh-CN" altLang="en-US" sz="1200">
-              <a:solidFill>
-                <a:schemeClr val="tx1"/>
-              </a:solidFill>
-              <a:latin typeface="微软雅黑" panose="020B0503020204020204" charset="-122"/>
-              <a:ea typeface="微软雅黑" panose="020B0503020204020204" charset="-122"/>
-            </a:endParaRPr>
           </a:p>
         </p:txBody>
       </p:sp>
@@ -19524,13 +18502,6 @@
               </a:rPr>
               <a:t>data</a:t>
             </a:r>
-            <a:endParaRPr lang="en-US" altLang="zh-CN" sz="1600" baseline="-25000">
-              <a:solidFill>
-                <a:schemeClr val="tx1"/>
-              </a:solidFill>
-              <a:latin typeface="微软雅黑" panose="020B0503020204020204" charset="-122"/>
-              <a:ea typeface="微软雅黑" panose="020B0503020204020204" charset="-122"/>
-            </a:endParaRPr>
           </a:p>
         </p:txBody>
       </p:sp>
@@ -19612,13 +18583,6 @@
               </a:rPr>
               <a:t>ROIs</a:t>
             </a:r>
-            <a:endParaRPr lang="en-US" altLang="zh-CN" sz="1200" b="1">
-              <a:solidFill>
-                <a:srgbClr val="0070C0"/>
-              </a:solidFill>
-              <a:latin typeface="微软雅黑" panose="020B0503020204020204" charset="-122"/>
-              <a:ea typeface="微软雅黑" panose="020B0503020204020204" charset="-122"/>
-            </a:endParaRPr>
           </a:p>
         </p:txBody>
       </p:sp>
@@ -19659,13 +18623,6 @@
               </a:rPr>
               <a:t>元素相加</a:t>
             </a:r>
-            <a:endParaRPr lang="zh-CN" altLang="en-US" sz="1200" b="1">
-              <a:solidFill>
-                <a:srgbClr val="C00000"/>
-              </a:solidFill>
-              <a:latin typeface="微软雅黑" panose="020B0503020204020204" charset="-122"/>
-              <a:ea typeface="微软雅黑" panose="020B0503020204020204" charset="-122"/>
-            </a:endParaRPr>
           </a:p>
         </p:txBody>
       </p:sp>
@@ -19716,13 +18673,6 @@
               </a:rPr>
               <a:t>卷积将两张特征图合并，防止失真</a:t>
             </a:r>
-            <a:endParaRPr lang="zh-CN" altLang="en-US" sz="1200" b="1">
-              <a:solidFill>
-                <a:srgbClr val="FC0280"/>
-              </a:solidFill>
-              <a:latin typeface="微软雅黑" panose="020B0503020204020204" charset="-122"/>
-              <a:ea typeface="微软雅黑" panose="020B0503020204020204" charset="-122"/>
-            </a:endParaRPr>
           </a:p>
         </p:txBody>
       </p:sp>
@@ -19773,13 +18723,6 @@
               </a:rPr>
               <a:t>卷积改变通道大小</a:t>
             </a:r>
-            <a:endParaRPr lang="zh-CN" altLang="en-US" sz="1200" b="1">
-              <a:solidFill>
-                <a:srgbClr val="C00000"/>
-              </a:solidFill>
-              <a:latin typeface="微软雅黑" panose="020B0503020204020204" charset="-122"/>
-              <a:ea typeface="微软雅黑" panose="020B0503020204020204" charset="-122"/>
-            </a:endParaRPr>
           </a:p>
         </p:txBody>
       </p:sp>
@@ -19816,13 +18759,6 @@
               </a:rPr>
               <a:t>Least Square GAN</a:t>
             </a:r>
-            <a:endParaRPr lang="en-US" sz="1200" b="1">
-              <a:solidFill>
-                <a:srgbClr val="0070C0"/>
-              </a:solidFill>
-              <a:latin typeface="微软雅黑" panose="020B0503020204020204" charset="-122"/>
-              <a:ea typeface="微软雅黑" panose="020B0503020204020204" charset="-122"/>
-            </a:endParaRPr>
           </a:p>
         </p:txBody>
       </p:sp>
@@ -19915,10 +18851,6 @@
               </a:rPr>
               <a:t> - 2016.11</a:t>
             </a:r>
-            <a:endParaRPr lang="en-US" altLang="zh-CN" sz="2000" b="1" dirty="0">
-              <a:latin typeface="微软雅黑" panose="020B0503020204020204" charset="-122"/>
-              <a:ea typeface="微软雅黑" panose="020B0503020204020204" charset="-122"/>
-            </a:endParaRPr>
           </a:p>
         </p:txBody>
       </p:sp>
@@ -20651,10 +19583,6 @@
               </a:rPr>
               <a:t>：降低计算复杂度，确保一定的精度，能够在移动端或嵌入式设备上运行</a:t>
             </a:r>
-            <a:endParaRPr lang="zh-CN" altLang="en-US" sz="1200">
-              <a:latin typeface="微软雅黑" panose="020B0503020204020204" charset="-122"/>
-              <a:ea typeface="微软雅黑" panose="020B0503020204020204" charset="-122"/>
-            </a:endParaRPr>
           </a:p>
           <a:p>
             <a:pPr algn="l"/>
@@ -20677,10 +19605,6 @@
               </a:rPr>
               <a:t>：聚焦优化网络速度，减小计算量，分解网络参数或加速预训练模型</a:t>
             </a:r>
-            <a:endParaRPr lang="zh-CN" altLang="en-US" sz="1200">
-              <a:latin typeface="微软雅黑" panose="020B0503020204020204" charset="-122"/>
-              <a:ea typeface="微软雅黑" panose="020B0503020204020204" charset="-122"/>
-            </a:endParaRPr>
           </a:p>
           <a:p>
             <a:pPr algn="l"/>
@@ -20735,10 +19659,6 @@
               </a:rPr>
               <a:t>）</a:t>
             </a:r>
-            <a:endParaRPr lang="zh-CN" altLang="en-US" sz="1200">
-              <a:latin typeface="微软雅黑" panose="020B0503020204020204" charset="-122"/>
-              <a:ea typeface="微软雅黑" panose="020B0503020204020204" charset="-122"/>
-            </a:endParaRPr>
           </a:p>
         </p:txBody>
       </p:sp>
@@ -21257,10 +20177,6 @@
               </a:rPr>
               <a:t>Feature Map            Filter / Kernel                                         Feature Map</a:t>
             </a:r>
-            <a:endParaRPr lang="en-US" altLang="zh-CN" sz="1200">
-              <a:latin typeface="微软雅黑" panose="020B0503020204020204" charset="-122"/>
-              <a:ea typeface="微软雅黑" panose="020B0503020204020204" charset="-122"/>
-            </a:endParaRPr>
           </a:p>
         </p:txBody>
       </p:sp>
@@ -21400,10 +20316,6 @@
                 </a:rPr>
                 <a:t>.</a:t>
               </a:r>
-              <a:endParaRPr lang="en-US" altLang="zh-CN" sz="4000" b="1">
-                <a:latin typeface="微软雅黑" panose="020B0503020204020204" charset="-122"/>
-                <a:ea typeface="微软雅黑" panose="020B0503020204020204" charset="-122"/>
-              </a:endParaRPr>
             </a:p>
           </p:txBody>
         </p:sp>
@@ -21605,10 +20517,6 @@
                 </a:rPr>
                 <a:t>.</a:t>
               </a:r>
-              <a:endParaRPr lang="en-US" altLang="zh-CN" sz="4000" b="1">
-                <a:latin typeface="微软雅黑" panose="020B0503020204020204" charset="-122"/>
-                <a:ea typeface="微软雅黑" panose="020B0503020204020204" charset="-122"/>
-              </a:endParaRPr>
             </a:p>
           </p:txBody>
         </p:sp>
@@ -21901,10 +20809,6 @@
                 </a:rPr>
                 <a:t>.</a:t>
               </a:r>
-              <a:endParaRPr lang="en-US" altLang="zh-CN" sz="4000" b="1">
-                <a:latin typeface="微软雅黑" panose="020B0503020204020204" charset="-122"/>
-                <a:ea typeface="微软雅黑" panose="020B0503020204020204" charset="-122"/>
-              </a:endParaRPr>
             </a:p>
           </p:txBody>
         </p:sp>
@@ -22856,10 +21760,6 @@
               </a:rPr>
               <a:t>Filter / Kernel </a:t>
             </a:r>
-            <a:endParaRPr lang="en-US" altLang="zh-CN" sz="1200">
-              <a:latin typeface="微软雅黑" panose="020B0503020204020204" charset="-122"/>
-              <a:ea typeface="微软雅黑" panose="020B0503020204020204" charset="-122"/>
-            </a:endParaRPr>
           </a:p>
           <a:p>
             <a:pPr algn="r"/>
@@ -22870,10 +21770,6 @@
               </a:rPr>
               <a:t>           3x3      		     </a:t>
             </a:r>
-            <a:endParaRPr lang="en-US" altLang="zh-CN" sz="1200">
-              <a:latin typeface="微软雅黑" panose="020B0503020204020204" charset="-122"/>
-              <a:ea typeface="微软雅黑" panose="020B0503020204020204" charset="-122"/>
-            </a:endParaRPr>
           </a:p>
           <a:p>
             <a:pPr algn="r"/>
@@ -22884,10 +21780,6 @@
               </a:rPr>
               <a:t>DWC</a:t>
             </a:r>
-            <a:endParaRPr lang="en-US" altLang="zh-CN" sz="1200">
-              <a:latin typeface="微软雅黑" panose="020B0503020204020204" charset="-122"/>
-              <a:ea typeface="微软雅黑" panose="020B0503020204020204" charset="-122"/>
-            </a:endParaRPr>
           </a:p>
           <a:p>
             <a:pPr algn="r"/>
@@ -22898,10 +21790,6 @@
               </a:rPr>
               <a:t>Feature Map</a:t>
             </a:r>
-            <a:endParaRPr lang="en-US" altLang="zh-CN" sz="1200">
-              <a:latin typeface="微软雅黑" panose="020B0503020204020204" charset="-122"/>
-              <a:ea typeface="微软雅黑" panose="020B0503020204020204" charset="-122"/>
-            </a:endParaRPr>
           </a:p>
           <a:p>
             <a:pPr algn="r"/>
@@ -22926,10 +21814,6 @@
               </a:rPr>
               <a:t>BN</a:t>
             </a:r>
-            <a:endParaRPr lang="en-US" altLang="zh-CN" sz="1200">
-              <a:latin typeface="微软雅黑" panose="020B0503020204020204" charset="-122"/>
-              <a:ea typeface="微软雅黑" panose="020B0503020204020204" charset="-122"/>
-            </a:endParaRPr>
           </a:p>
           <a:p>
             <a:pPr algn="r"/>
@@ -22940,10 +21824,6 @@
               </a:rPr>
               <a:t>ReLU</a:t>
             </a:r>
-            <a:endParaRPr lang="en-US" altLang="zh-CN" sz="1200">
-              <a:latin typeface="微软雅黑" panose="020B0503020204020204" charset="-122"/>
-              <a:ea typeface="微软雅黑" panose="020B0503020204020204" charset="-122"/>
-            </a:endParaRPr>
           </a:p>
           <a:p>
             <a:pPr algn="r"/>
@@ -22990,10 +21870,6 @@
               </a:rPr>
               <a:t>PWC</a:t>
             </a:r>
-            <a:endParaRPr lang="en-US" altLang="zh-CN" sz="1200">
-              <a:latin typeface="微软雅黑" panose="020B0503020204020204" charset="-122"/>
-              <a:ea typeface="微软雅黑" panose="020B0503020204020204" charset="-122"/>
-            </a:endParaRPr>
           </a:p>
           <a:p>
             <a:pPr algn="r"/>
@@ -23004,10 +21880,6 @@
               </a:rPr>
               <a:t>Feature Map</a:t>
             </a:r>
-            <a:endParaRPr lang="en-US" altLang="zh-CN" sz="1200">
-              <a:latin typeface="微软雅黑" panose="020B0503020204020204" charset="-122"/>
-              <a:ea typeface="微软雅黑" panose="020B0503020204020204" charset="-122"/>
-            </a:endParaRPr>
           </a:p>
           <a:p>
             <a:pPr algn="r"/>
@@ -23046,10 +21918,6 @@
               </a:rPr>
               <a:t>BN</a:t>
             </a:r>
-            <a:endParaRPr lang="en-US" altLang="zh-CN" sz="1200">
-              <a:latin typeface="微软雅黑" panose="020B0503020204020204" charset="-122"/>
-              <a:ea typeface="微软雅黑" panose="020B0503020204020204" charset="-122"/>
-            </a:endParaRPr>
           </a:p>
           <a:p>
             <a:pPr algn="r"/>
@@ -23060,10 +21928,6 @@
               </a:rPr>
               <a:t>ReLU</a:t>
             </a:r>
-            <a:endParaRPr lang="en-US" altLang="zh-CN" sz="1200">
-              <a:latin typeface="微软雅黑" panose="020B0503020204020204" charset="-122"/>
-              <a:ea typeface="微软雅黑" panose="020B0503020204020204" charset="-122"/>
-            </a:endParaRPr>
           </a:p>
         </p:txBody>
       </p:sp>
@@ -24027,10 +22891,6 @@
               </a:rPr>
               <a:t> - 2016.06</a:t>
             </a:r>
-            <a:endParaRPr lang="en-US" altLang="zh-CN" sz="2000" b="1" dirty="0">
-              <a:latin typeface="微软雅黑" panose="020B0503020204020204" charset="-122"/>
-              <a:ea typeface="微软雅黑" panose="020B0503020204020204" charset="-122"/>
-            </a:endParaRPr>
           </a:p>
         </p:txBody>
       </p:sp>
@@ -24122,13 +22982,6 @@
               </a:rPr>
               <a:t>0</a:t>
             </a:r>
-            <a:endParaRPr lang="en-US" altLang="zh-CN" sz="1800">
-              <a:solidFill>
-                <a:schemeClr val="tx1"/>
-              </a:solidFill>
-              <a:latin typeface="微软雅黑" panose="020B0503020204020204" charset="-122"/>
-              <a:ea typeface="微软雅黑" panose="020B0503020204020204" charset="-122"/>
-            </a:endParaRPr>
           </a:p>
           <a:p>
             <a:pPr algn="l"/>
@@ -24143,14 +22996,6 @@
               </a:rPr>
               <a:t>方法：线性瓶颈和逆残差：复用特征，缓解退化</a:t>
             </a:r>
-            <a:endParaRPr lang="zh-CN" altLang="en-US" sz="1800">
-              <a:solidFill>
-                <a:schemeClr val="tx1"/>
-              </a:solidFill>
-              <a:latin typeface="微软雅黑" panose="020B0503020204020204" charset="-122"/>
-              <a:ea typeface="微软雅黑" panose="020B0503020204020204" charset="-122"/>
-              <a:sym typeface="+mn-ea"/>
-            </a:endParaRPr>
           </a:p>
         </p:txBody>
       </p:sp>
@@ -27204,13 +26049,6 @@
               </a:rPr>
               <a:t>通道降维</a:t>
             </a:r>
-            <a:endParaRPr lang="zh-CN" altLang="en-US" sz="1200">
-              <a:solidFill>
-                <a:srgbClr val="0F80FF"/>
-              </a:solidFill>
-              <a:latin typeface="微软雅黑" panose="020B0503020204020204" charset="-122"/>
-              <a:ea typeface="微软雅黑" panose="020B0503020204020204" charset="-122"/>
-            </a:endParaRPr>
           </a:p>
         </p:txBody>
       </p:sp>
@@ -27308,13 +26146,6 @@
               </a:rPr>
               <a:t>输入</a:t>
             </a:r>
-            <a:endParaRPr lang="zh-CN" altLang="en-US">
-              <a:solidFill>
-                <a:schemeClr val="tx1"/>
-              </a:solidFill>
-              <a:latin typeface="微软雅黑" panose="020B0503020204020204" charset="-122"/>
-              <a:ea typeface="微软雅黑" panose="020B0503020204020204" charset="-122"/>
-            </a:endParaRPr>
           </a:p>
         </p:txBody>
       </p:sp>
@@ -27390,13 +26221,6 @@
               </a:rPr>
               <a:t>ReLU6</a:t>
             </a:r>
-            <a:endParaRPr lang="en-US" altLang="zh-CN" sz="1200">
-              <a:solidFill>
-                <a:srgbClr val="C00000"/>
-              </a:solidFill>
-              <a:latin typeface="微软雅黑" panose="020B0503020204020204" charset="-122"/>
-              <a:ea typeface="微软雅黑" panose="020B0503020204020204" charset="-122"/>
-            </a:endParaRPr>
           </a:p>
         </p:txBody>
       </p:sp>
@@ -27433,13 +26257,6 @@
               </a:rPr>
               <a:t>ReLU6</a:t>
             </a:r>
-            <a:endParaRPr lang="en-US" altLang="zh-CN" sz="1200">
-              <a:solidFill>
-                <a:srgbClr val="C00000"/>
-              </a:solidFill>
-              <a:latin typeface="微软雅黑" panose="020B0503020204020204" charset="-122"/>
-              <a:ea typeface="微软雅黑" panose="020B0503020204020204" charset="-122"/>
-            </a:endParaRPr>
           </a:p>
         </p:txBody>
       </p:sp>
@@ -27476,13 +26293,6 @@
               </a:rPr>
               <a:t>ReLU6</a:t>
             </a:r>
-            <a:endParaRPr lang="en-US" altLang="zh-CN" sz="1200">
-              <a:solidFill>
-                <a:srgbClr val="C00000"/>
-              </a:solidFill>
-              <a:latin typeface="微软雅黑" panose="020B0503020204020204" charset="-122"/>
-              <a:ea typeface="微软雅黑" panose="020B0503020204020204" charset="-122"/>
-            </a:endParaRPr>
           </a:p>
         </p:txBody>
       </p:sp>
@@ -27563,15 +26373,6 @@
               </a:rPr>
               <a:t>ReLU6 非线性层</a:t>
             </a:r>
-            <a:endParaRPr lang="zh-CN" altLang="en-US" sz="1200">
-              <a:solidFill>
-                <a:schemeClr val="bg1">
-                  <a:lumMod val="65000"/>
-                </a:schemeClr>
-              </a:solidFill>
-              <a:latin typeface="微软雅黑" panose="020B0503020204020204" charset="-122"/>
-              <a:ea typeface="微软雅黑" panose="020B0503020204020204" charset="-122"/>
-            </a:endParaRPr>
           </a:p>
           <a:p>
             <a:pPr lvl="0" indent="0">
@@ -27590,15 +26391,6 @@
               </a:rPr>
               <a:t>    在低精度计算时能压缩动态范围，    </a:t>
             </a:r>
-            <a:endParaRPr lang="zh-CN" altLang="en-US" sz="1200">
-              <a:solidFill>
-                <a:schemeClr val="bg1">
-                  <a:lumMod val="65000"/>
-                </a:schemeClr>
-              </a:solidFill>
-              <a:latin typeface="微软雅黑" panose="020B0503020204020204" charset="-122"/>
-              <a:ea typeface="微软雅黑" panose="020B0503020204020204" charset="-122"/>
-            </a:endParaRPr>
           </a:p>
           <a:p>
             <a:pPr lvl="0" indent="0">
@@ -27617,15 +26409,6 @@
               </a:rPr>
               <a:t>    算法更稳健。</a:t>
             </a:r>
-            <a:endParaRPr lang="zh-CN" altLang="en-US" sz="1200">
-              <a:solidFill>
-                <a:schemeClr val="bg1">
-                  <a:lumMod val="65000"/>
-                </a:schemeClr>
-              </a:solidFill>
-              <a:latin typeface="微软雅黑" panose="020B0503020204020204" charset="-122"/>
-              <a:ea typeface="微软雅黑" panose="020B0503020204020204" charset="-122"/>
-            </a:endParaRPr>
           </a:p>
           <a:p>
             <a:pPr marL="171450" indent="-171450">
@@ -27659,15 +26442,6 @@
               </a:rPr>
               <a:t>ReLU6 定义为：</a:t>
             </a:r>
-            <a:endParaRPr lang="zh-CN" altLang="en-US" sz="1200">
-              <a:solidFill>
-                <a:schemeClr val="bg1">
-                  <a:lumMod val="65000"/>
-                </a:schemeClr>
-              </a:solidFill>
-              <a:latin typeface="微软雅黑" panose="020B0503020204020204" charset="-122"/>
-              <a:ea typeface="微软雅黑" panose="020B0503020204020204" charset="-122"/>
-            </a:endParaRPr>
           </a:p>
           <a:p>
             <a:pPr indent="0">
@@ -27686,15 +26460,6 @@
               </a:rPr>
               <a:t>    f(x) = min(max(x, 0), 6)</a:t>
             </a:r>
-            <a:endParaRPr lang="zh-CN" altLang="en-US" sz="1200">
-              <a:solidFill>
-                <a:schemeClr val="bg1">
-                  <a:lumMod val="65000"/>
-                </a:schemeClr>
-              </a:solidFill>
-              <a:latin typeface="微软雅黑" panose="020B0503020204020204" charset="-122"/>
-              <a:ea typeface="微软雅黑" panose="020B0503020204020204" charset="-122"/>
-            </a:endParaRPr>
           </a:p>
         </p:txBody>
       </p:sp>
@@ -27872,10 +26637,6 @@
                 </a:rPr>
                 <a:t>.</a:t>
               </a:r>
-              <a:endParaRPr lang="en-US" altLang="zh-CN" sz="4000" b="1">
-                <a:latin typeface="微软雅黑" panose="020B0503020204020204" charset="-122"/>
-                <a:ea typeface="微软雅黑" panose="020B0503020204020204" charset="-122"/>
-              </a:endParaRPr>
             </a:p>
           </p:txBody>
         </p:sp>
@@ -27913,13 +26674,6 @@
               </a:rPr>
               <a:t>Add</a:t>
             </a:r>
-            <a:endParaRPr lang="en-US" altLang="zh-CN" sz="1200">
-              <a:solidFill>
-                <a:srgbClr val="0F80FF"/>
-              </a:solidFill>
-              <a:latin typeface="微软雅黑" panose="020B0503020204020204" charset="-122"/>
-              <a:ea typeface="微软雅黑" panose="020B0503020204020204" charset="-122"/>
-            </a:endParaRPr>
           </a:p>
           <a:p>
             <a:pPr algn="l"/>
@@ -27933,13 +26687,6 @@
               </a:rPr>
               <a:t>按元素相加</a:t>
             </a:r>
-            <a:endParaRPr lang="zh-CN" altLang="en-US" sz="1200">
-              <a:solidFill>
-                <a:schemeClr val="tx1"/>
-              </a:solidFill>
-              <a:latin typeface="微软雅黑" panose="020B0503020204020204" charset="-122"/>
-              <a:ea typeface="微软雅黑" panose="020B0503020204020204" charset="-122"/>
-            </a:endParaRPr>
           </a:p>
         </p:txBody>
       </p:sp>
@@ -28009,10 +26756,6 @@
               </a:rPr>
               <a:t> - 2016</a:t>
             </a:r>
-            <a:endParaRPr lang="en-US" altLang="zh-CN" sz="2000" b="1" dirty="0">
-              <a:latin typeface="微软雅黑" panose="020B0503020204020204" charset="-122"/>
-              <a:ea typeface="微软雅黑" panose="020B0503020204020204" charset="-122"/>
-            </a:endParaRPr>
           </a:p>
         </p:txBody>
       </p:sp>
@@ -28069,10 +26812,6 @@
               </a:rPr>
               <a:t>目标：降低计算复杂度，确保一定的精度，能够在移动端或嵌入式设备上运行</a:t>
             </a:r>
-            <a:endParaRPr lang="zh-CN" altLang="en-US" sz="1800">
-              <a:latin typeface="微软雅黑" panose="020B0503020204020204" charset="-122"/>
-              <a:ea typeface="微软雅黑" panose="020B0503020204020204" charset="-122"/>
-            </a:endParaRPr>
           </a:p>
         </p:txBody>
       </p:sp>
@@ -28105,10 +26844,6 @@
               </a:rPr>
               <a:t>U-GAN-IT_v1 - 2019.07</a:t>
             </a:r>
-            <a:endParaRPr lang="en-US" altLang="zh-CN" sz="2000" b="1" dirty="0">
-              <a:latin typeface="微软雅黑" panose="020B0503020204020204" charset="-122"/>
-              <a:ea typeface="微软雅黑" panose="020B0503020204020204" charset="-122"/>
-            </a:endParaRPr>
           </a:p>
         </p:txBody>
       </p:sp>
@@ -28161,41 +26896,41 @@
           <a:p>
             <a:pPr algn="l"/>
             <a:r>
-              <a:rPr lang="en-US" altLang="zh-CN" sz="1800">
+              <a:rPr lang="en-US" altLang="zh-CN" sz="1800" dirty="0" err="1">
                 <a:latin typeface="微软雅黑" panose="020B0503020204020204" charset="-122"/>
                 <a:ea typeface="微软雅黑" panose="020B0503020204020204" charset="-122"/>
               </a:rPr>
               <a:t>CycleGAN</a:t>
             </a:r>
             <a:r>
-              <a:rPr lang="zh-CN" altLang="en-US" sz="1800">
+              <a:rPr lang="zh-CN" altLang="en-US" sz="1800" dirty="0">
                 <a:latin typeface="微软雅黑" panose="020B0503020204020204" charset="-122"/>
                 <a:ea typeface="微软雅黑" panose="020B0503020204020204" charset="-122"/>
               </a:rPr>
               <a:t>（</a:t>
             </a:r>
             <a:r>
-              <a:rPr lang="en-US" altLang="zh-CN" sz="1800">
+              <a:rPr lang="en-US" altLang="zh-CN" sz="1800" dirty="0">
                 <a:latin typeface="微软雅黑" panose="020B0503020204020204" charset="-122"/>
                 <a:ea typeface="微软雅黑" panose="020B0503020204020204" charset="-122"/>
               </a:rPr>
               <a:t>2017.03</a:t>
             </a:r>
             <a:r>
-              <a:rPr lang="zh-CN" altLang="en-US" sz="1800">
+              <a:rPr lang="zh-CN" altLang="en-US" sz="1800" dirty="0">
                 <a:latin typeface="微软雅黑" panose="020B0503020204020204" charset="-122"/>
                 <a:ea typeface="微软雅黑" panose="020B0503020204020204" charset="-122"/>
               </a:rPr>
               <a:t>）</a:t>
             </a:r>
-            <a:endParaRPr lang="en-US" altLang="zh-CN" sz="1800">
+            <a:endParaRPr lang="en-US" altLang="zh-CN" sz="1800" dirty="0">
               <a:latin typeface="微软雅黑" panose="020B0503020204020204" charset="-122"/>
               <a:ea typeface="微软雅黑" panose="020B0503020204020204" charset="-122"/>
             </a:endParaRPr>
           </a:p>
           <a:p>
             <a:pPr algn="l"/>
-            <a:endParaRPr lang="en-US" altLang="zh-CN" sz="1800">
+            <a:endParaRPr lang="en-US" altLang="zh-CN" sz="1800" dirty="0">
               <a:latin typeface="微软雅黑" panose="020B0503020204020204" charset="-122"/>
               <a:ea typeface="微软雅黑" panose="020B0503020204020204" charset="-122"/>
             </a:endParaRPr>
@@ -28203,41 +26938,72 @@
           <a:p>
             <a:pPr algn="l"/>
             <a:r>
-              <a:rPr lang="en-US" altLang="zh-CN" sz="1800">
+              <a:rPr lang="en-US" altLang="zh-CN" sz="1800" dirty="0" err="1">
                 <a:latin typeface="微软雅黑" panose="020B0503020204020204" charset="-122"/>
                 <a:ea typeface="微软雅黑" panose="020B0503020204020204" charset="-122"/>
               </a:rPr>
               <a:t>PatchGAN</a:t>
             </a:r>
             <a:r>
-              <a:rPr lang="zh-CN" altLang="en-US" sz="1800">
+              <a:rPr lang="zh-CN" altLang="en-US" sz="1800" dirty="0">
                 <a:latin typeface="微软雅黑" panose="020B0503020204020204" charset="-122"/>
                 <a:ea typeface="微软雅黑" panose="020B0503020204020204" charset="-122"/>
               </a:rPr>
               <a:t>（</a:t>
             </a:r>
             <a:r>
-              <a:rPr lang="en-US" altLang="zh-CN" sz="1800">
+              <a:rPr lang="en-US" altLang="zh-CN" sz="1800" dirty="0">
                 <a:latin typeface="微软雅黑" panose="020B0503020204020204" charset="-122"/>
                 <a:ea typeface="微软雅黑" panose="020B0503020204020204" charset="-122"/>
               </a:rPr>
               <a:t>2016.04</a:t>
             </a:r>
             <a:r>
-              <a:rPr lang="zh-CN" altLang="en-US" sz="1800">
+              <a:rPr lang="zh-CN" altLang="en-US" sz="1800" dirty="0">
                 <a:latin typeface="微软雅黑" panose="020B0503020204020204" charset="-122"/>
                 <a:ea typeface="微软雅黑" panose="020B0503020204020204" charset="-122"/>
               </a:rPr>
               <a:t>）</a:t>
             </a:r>
-            <a:endParaRPr lang="zh-CN" altLang="en-US" sz="1800">
+          </a:p>
+          <a:p>
+            <a:pPr algn="l"/>
+            <a:endParaRPr lang="zh-CN" altLang="en-US" sz="1800" dirty="0">
               <a:latin typeface="微软雅黑" panose="020B0503020204020204" charset="-122"/>
               <a:ea typeface="微软雅黑" panose="020B0503020204020204" charset="-122"/>
             </a:endParaRPr>
           </a:p>
           <a:p>
             <a:pPr algn="l"/>
-            <a:endParaRPr lang="zh-CN" altLang="en-US" sz="1800">
+            <a:r>
+              <a:rPr lang="en-US" altLang="zh-CN" sz="1800" dirty="0">
+                <a:latin typeface="微软雅黑" panose="020B0503020204020204" charset="-122"/>
+                <a:ea typeface="微软雅黑" panose="020B0503020204020204" charset="-122"/>
+              </a:rPr>
+              <a:t>Pix2Pix</a:t>
+            </a:r>
+            <a:r>
+              <a:rPr lang="zh-CN" altLang="en-US" sz="1800" dirty="0">
+                <a:latin typeface="微软雅黑" panose="020B0503020204020204" charset="-122"/>
+                <a:ea typeface="微软雅黑" panose="020B0503020204020204" charset="-122"/>
+              </a:rPr>
+              <a:t>（</a:t>
+            </a:r>
+            <a:r>
+              <a:rPr lang="en-US" altLang="zh-CN" sz="1800" dirty="0">
+                <a:latin typeface="微软雅黑" panose="020B0503020204020204" charset="-122"/>
+                <a:ea typeface="微软雅黑" panose="020B0503020204020204" charset="-122"/>
+              </a:rPr>
+              <a:t>2016.11</a:t>
+            </a:r>
+            <a:r>
+              <a:rPr lang="zh-CN" altLang="en-US" sz="1800" dirty="0">
+                <a:latin typeface="微软雅黑" panose="020B0503020204020204" charset="-122"/>
+                <a:ea typeface="微软雅黑" panose="020B0503020204020204" charset="-122"/>
+              </a:rPr>
+              <a:t>）</a:t>
+            </a:r>
+            <a:endParaRPr lang="en-US" altLang="zh-CN" sz="1800" dirty="0">
               <a:latin typeface="微软雅黑" panose="020B0503020204020204" charset="-122"/>
               <a:ea typeface="微软雅黑" panose="020B0503020204020204" charset="-122"/>
             </a:endParaRPr>
@@ -28245,38 +27011,52 @@
           <a:p>
             <a:pPr algn="l"/>
             <a:r>
+              <a:rPr lang="en-US" altLang="zh-CN" sz="1800" dirty="0">
+                <a:latin typeface="微软雅黑" panose="020B0503020204020204" charset="-122"/>
+                <a:ea typeface="微软雅黑" panose="020B0503020204020204" charset="-122"/>
+              </a:rPr>
+              <a:t>Pix2PixHD</a:t>
+            </a:r>
+            <a:r>
+              <a:rPr lang="zh-CN" altLang="en-US" sz="1800" dirty="0">
+                <a:latin typeface="微软雅黑" panose="020B0503020204020204" charset="-122"/>
+                <a:ea typeface="微软雅黑" panose="020B0503020204020204" charset="-122"/>
+              </a:rPr>
+              <a:t>（</a:t>
+            </a:r>
+            <a:r>
               <a:rPr lang="en-US" altLang="zh-CN" sz="1800">
                 <a:latin typeface="微软雅黑" panose="020B0503020204020204" charset="-122"/>
                 <a:ea typeface="微软雅黑" panose="020B0503020204020204" charset="-122"/>
               </a:rPr>
-              <a:t>Pix2Pix</a:t>
-            </a:r>
-            <a:r>
-              <a:rPr lang="zh-CN" altLang="en-US" sz="1800">
-                <a:latin typeface="微软雅黑" panose="020B0503020204020204" charset="-122"/>
-                <a:ea typeface="微软雅黑" panose="020B0503020204020204" charset="-122"/>
-              </a:rPr>
-              <a:t>（</a:t>
-            </a:r>
-            <a:r>
-              <a:rPr lang="en-US" altLang="zh-CN" sz="1800">
-                <a:latin typeface="微软雅黑" panose="020B0503020204020204" charset="-122"/>
-                <a:ea typeface="微软雅黑" panose="020B0503020204020204" charset="-122"/>
-              </a:rPr>
-              <a:t>2016.11</a:t>
-            </a:r>
-            <a:r>
-              <a:rPr lang="zh-CN" altLang="en-US" sz="1800">
+              <a:t>2017.11</a:t>
+            </a:r>
+            <a:r>
+              <a:rPr lang="zh-CN" altLang="en-US" sz="1800" dirty="0">
                 <a:latin typeface="微软雅黑" panose="020B0503020204020204" charset="-122"/>
                 <a:ea typeface="微软雅黑" panose="020B0503020204020204" charset="-122"/>
               </a:rPr>
               <a:t>）</a:t>
             </a:r>
-            <a:endParaRPr lang="zh-CN" altLang="en-US" sz="1800">
+            <a:endParaRPr lang="en-US" altLang="zh-CN" sz="1800" dirty="0">
               <a:latin typeface="微软雅黑" panose="020B0503020204020204" charset="-122"/>
               <a:ea typeface="微软雅黑" panose="020B0503020204020204" charset="-122"/>
             </a:endParaRPr>
           </a:p>
+          <a:p>
+            <a:pPr algn="l"/>
+            <a:endParaRPr lang="en-US" altLang="zh-CN" sz="1800" dirty="0">
+              <a:latin typeface="微软雅黑" panose="020B0503020204020204" charset="-122"/>
+              <a:ea typeface="微软雅黑" panose="020B0503020204020204" charset="-122"/>
+            </a:endParaRPr>
+          </a:p>
+          <a:p>
+            <a:pPr algn="l"/>
+            <a:endParaRPr lang="zh-CN" altLang="en-US" sz="1800" dirty="0">
+              <a:latin typeface="微软雅黑" panose="020B0503020204020204" charset="-122"/>
+              <a:ea typeface="微软雅黑" panose="020B0503020204020204" charset="-122"/>
+            </a:endParaRPr>
+          </a:p>
         </p:txBody>
       </p:sp>
       <p:sp>
@@ -28308,10 +27088,6 @@
               </a:rPr>
               <a:t>Image-to-Image Translation - 2019.07</a:t>
             </a:r>
-            <a:endParaRPr lang="en-US" altLang="zh-CN" sz="2000" b="1" dirty="0">
-              <a:latin typeface="微软雅黑" panose="020B0503020204020204" charset="-122"/>
-              <a:ea typeface="微软雅黑" panose="020B0503020204020204" charset="-122"/>
-            </a:endParaRPr>
           </a:p>
         </p:txBody>
       </p:sp>
@@ -28369,10 +27145,6 @@
               </a:rPr>
               <a:t>GAN - 2014</a:t>
             </a:r>
-            <a:endParaRPr lang="en-US" altLang="zh-CN" sz="2000" b="1" dirty="0">
-              <a:latin typeface="微软雅黑" panose="020B0503020204020204" charset="-122"/>
-              <a:ea typeface="微软雅黑" panose="020B0503020204020204" charset="-122"/>
-            </a:endParaRPr>
           </a:p>
         </p:txBody>
       </p:sp>
@@ -28385,7 +27157,7 @@
           <p:nvPr/>
         </p:nvPicPr>
         <p:blipFill>
-          <a:blip r:embed="rId1"/>
+          <a:blip r:embed="rId2"/>
           <a:stretch>
             <a:fillRect/>
           </a:stretch>
@@ -28454,10 +27226,6 @@
               </a:rPr>
               <a:t>GAN - 2014</a:t>
             </a:r>
-            <a:endParaRPr lang="en-US" altLang="zh-CN" sz="2000" b="1" dirty="0">
-              <a:latin typeface="微软雅黑" panose="020B0503020204020204" charset="-122"/>
-              <a:ea typeface="微软雅黑" panose="020B0503020204020204" charset="-122"/>
-            </a:endParaRPr>
           </a:p>
         </p:txBody>
       </p:sp>
@@ -28554,10 +27322,6 @@
               </a:rPr>
               <a:t>）</a:t>
             </a:r>
-            <a:endParaRPr lang="zh-CN" altLang="en-US" sz="1800">
-              <a:latin typeface="微软雅黑" panose="020B0503020204020204" charset="-122"/>
-              <a:ea typeface="微软雅黑" panose="020B0503020204020204" charset="-122"/>
-            </a:endParaRPr>
           </a:p>
           <a:p>
             <a:pPr algn="l"/>
@@ -28596,10 +27360,6 @@
               </a:rPr>
               <a:t>）</a:t>
             </a:r>
-            <a:endParaRPr lang="zh-CN" altLang="en-US" sz="1800">
-              <a:latin typeface="微软雅黑" panose="020B0503020204020204" charset="-122"/>
-              <a:ea typeface="微软雅黑" panose="020B0503020204020204" charset="-122"/>
-            </a:endParaRPr>
           </a:p>
         </p:txBody>
       </p:sp>
@@ -28664,10 +27424,6 @@
               </a:rPr>
               <a:t> - 2014</a:t>
             </a:r>
-            <a:endParaRPr lang="en-US" altLang="zh-CN" sz="2000" b="1" dirty="0">
-              <a:latin typeface="微软雅黑" panose="020B0503020204020204" charset="-122"/>
-              <a:ea typeface="微软雅黑" panose="020B0503020204020204" charset="-122"/>
-            </a:endParaRPr>
           </a:p>
         </p:txBody>
       </p:sp>
@@ -28680,7 +27436,7 @@
           <p:nvPr/>
         </p:nvPicPr>
         <p:blipFill>
-          <a:blip r:embed="rId1"/>
+          <a:blip r:embed="rId2"/>
           <a:stretch>
             <a:fillRect/>
           </a:stretch>
@@ -29056,16 +27812,6 @@
               </a:rPr>
               <a:t>生成固定长度的特征向量，与输入图片的大小和尺度无关</a:t>
             </a:r>
-            <a:endParaRPr lang="zh-CN" altLang="en-US" sz="1400">
-              <a:solidFill>
-                <a:schemeClr val="tx1">
-                  <a:lumMod val="50000"/>
-                  <a:lumOff val="50000"/>
-                </a:schemeClr>
-              </a:solidFill>
-              <a:latin typeface="微软雅黑" panose="020B0503020204020204" charset="-122"/>
-              <a:ea typeface="微软雅黑" panose="020B0503020204020204" charset="-122"/>
-            </a:endParaRPr>
           </a:p>
         </p:txBody>
       </p:sp>
@@ -30082,10 +28828,6 @@
               </a:rPr>
               <a:t>...</a:t>
             </a:r>
-            <a:endParaRPr lang="en-US" altLang="zh-CN" b="1">
-              <a:latin typeface="微软雅黑" panose="020B0503020204020204" charset="-122"/>
-              <a:ea typeface="微软雅黑" panose="020B0503020204020204" charset="-122"/>
-            </a:endParaRPr>
           </a:p>
         </p:txBody>
       </p:sp>
@@ -30536,10 +29278,6 @@
                 </a:rPr>
                 <a:t>...</a:t>
               </a:r>
-              <a:endParaRPr lang="en-US" altLang="zh-CN" b="1">
-                <a:latin typeface="微软雅黑" panose="020B0503020204020204" charset="-122"/>
-                <a:ea typeface="微软雅黑" panose="020B0503020204020204" charset="-122"/>
-              </a:endParaRPr>
             </a:p>
           </p:txBody>
         </p:sp>
@@ -30916,7 +29654,7 @@
           <p:nvPr/>
         </p:nvPicPr>
         <p:blipFill>
-          <a:blip r:embed="rId1"/>
+          <a:blip r:embed="rId2"/>
           <a:srcRect l="80518"/>
           <a:stretch>
             <a:fillRect/>
@@ -30975,13 +29713,6 @@
               </a:rPr>
               <a:t>空间金字塔池化</a:t>
             </a:r>
-            <a:endParaRPr lang="zh-CN" altLang="en-US" sz="1400" b="1">
-              <a:solidFill>
-                <a:srgbClr val="0070C0"/>
-              </a:solidFill>
-              <a:latin typeface="微软雅黑" panose="020B0503020204020204" charset="-122"/>
-              <a:ea typeface="微软雅黑" panose="020B0503020204020204" charset="-122"/>
-            </a:endParaRPr>
           </a:p>
         </p:txBody>
       </p:sp>
@@ -31015,10 +29746,6 @@
               </a:rPr>
               <a:t>固定</a:t>
             </a:r>
-            <a:endParaRPr lang="zh-CN" altLang="en-US" sz="1400">
-              <a:latin typeface="微软雅黑" panose="020B0503020204020204" charset="-122"/>
-              <a:ea typeface="微软雅黑" panose="020B0503020204020204" charset="-122"/>
-            </a:endParaRPr>
           </a:p>
           <a:p>
             <a:pPr algn="ctr"/>
@@ -31029,10 +29756,6 @@
               </a:rPr>
               <a:t>长度</a:t>
             </a:r>
-            <a:endParaRPr lang="zh-CN" altLang="en-US" sz="1400">
-              <a:latin typeface="微软雅黑" panose="020B0503020204020204" charset="-122"/>
-              <a:ea typeface="微软雅黑" panose="020B0503020204020204" charset="-122"/>
-            </a:endParaRPr>
           </a:p>
         </p:txBody>
       </p:sp>
@@ -31069,13 +29792,6 @@
               </a:rPr>
               <a:t>Max Pooling @ 256 depth </a:t>
             </a:r>
-            <a:endParaRPr lang="en-US" altLang="zh-CN" sz="1400">
-              <a:solidFill>
-                <a:srgbClr val="C00000"/>
-              </a:solidFill>
-              <a:latin typeface="微软雅黑" panose="020B0503020204020204" charset="-122"/>
-              <a:ea typeface="微软雅黑" panose="020B0503020204020204" charset="-122"/>
-            </a:endParaRPr>
           </a:p>
         </p:txBody>
       </p:sp>
@@ -31132,13 +29848,6 @@
               </a:rPr>
               <a:t>4</a:t>
             </a:r>
-            <a:endParaRPr lang="en-US" sz="1200">
-              <a:solidFill>
-                <a:srgbClr val="C00000"/>
-              </a:solidFill>
-              <a:latin typeface="微软雅黑" panose="020B0503020204020204" charset="-122"/>
-              <a:ea typeface="微软雅黑" panose="020B0503020204020204" charset="-122"/>
-            </a:endParaRPr>
           </a:p>
         </p:txBody>
       </p:sp>
@@ -31196,13 +29905,6 @@
               </a:rPr>
               <a:t>6</a:t>
             </a:r>
-            <a:endParaRPr lang="en-US" sz="1200">
-              <a:solidFill>
-                <a:srgbClr val="C00000"/>
-              </a:solidFill>
-              <a:latin typeface="微软雅黑" panose="020B0503020204020204" charset="-122"/>
-              <a:ea typeface="微软雅黑" panose="020B0503020204020204" charset="-122"/>
-            </a:endParaRPr>
           </a:p>
         </p:txBody>
       </p:sp>
@@ -31260,13 +29962,6 @@
               </a:rPr>
               <a:t>13</a:t>
             </a:r>
-            <a:endParaRPr lang="en-US" sz="1200">
-              <a:solidFill>
-                <a:srgbClr val="C00000"/>
-              </a:solidFill>
-              <a:latin typeface="微软雅黑" panose="020B0503020204020204" charset="-122"/>
-              <a:ea typeface="微软雅黑" panose="020B0503020204020204" charset="-122"/>
-            </a:endParaRPr>
           </a:p>
         </p:txBody>
       </p:sp>
@@ -31438,13 +30133,6 @@
               </a:rPr>
               <a:t>将输入图片的区域小图 映射到</a:t>
             </a:r>
-            <a:endParaRPr lang="zh-CN" altLang="en-US" sz="1400">
-              <a:solidFill>
-                <a:srgbClr val="00B0F0"/>
-              </a:solidFill>
-              <a:latin typeface="微软雅黑" panose="020B0503020204020204" charset="-122"/>
-              <a:ea typeface="微软雅黑" panose="020B0503020204020204" charset="-122"/>
-            </a:endParaRPr>
           </a:p>
           <a:p>
             <a:pPr algn="l">
@@ -31472,13 +30160,6 @@
               </a:rPr>
               <a:t>的特征图对应的区域小图上</a:t>
             </a:r>
-            <a:endParaRPr lang="zh-CN" altLang="en-US" sz="1400">
-              <a:solidFill>
-                <a:srgbClr val="00B0F0"/>
-              </a:solidFill>
-              <a:latin typeface="微软雅黑" panose="020B0503020204020204" charset="-122"/>
-              <a:ea typeface="微软雅黑" panose="020B0503020204020204" charset="-122"/>
-            </a:endParaRPr>
           </a:p>
           <a:p>
             <a:pPr algn="l">
@@ -31525,16 +30206,6 @@
               </a:rPr>
               <a:t>右下 对应 特征图窗口的像素点</a:t>
             </a:r>
-            <a:endParaRPr lang="zh-CN" altLang="en-US" sz="1400">
-              <a:solidFill>
-                <a:schemeClr val="tx1">
-                  <a:lumMod val="50000"/>
-                  <a:lumOff val="50000"/>
-                </a:schemeClr>
-              </a:solidFill>
-              <a:latin typeface="微软雅黑" panose="020B0503020204020204" charset="-122"/>
-              <a:ea typeface="微软雅黑" panose="020B0503020204020204" charset="-122"/>
-            </a:endParaRPr>
           </a:p>
           <a:p>
             <a:pPr algn="l">
@@ -31565,13 +30236,6 @@
               </a:rPr>
               <a:t> </a:t>
             </a:r>
-            <a:endParaRPr lang="en-US" altLang="zh-CN" sz="1400">
-              <a:solidFill>
-                <a:srgbClr val="00B0F0"/>
-              </a:solidFill>
-              <a:latin typeface="微软雅黑" panose="020B0503020204020204" charset="-122"/>
-              <a:ea typeface="微软雅黑" panose="020B0503020204020204" charset="-122"/>
-            </a:endParaRPr>
           </a:p>
         </p:txBody>
       </p:sp>
@@ -31608,13 +30272,6 @@
               </a:rPr>
               <a:t>conv_5 </a:t>
             </a:r>
-            <a:endParaRPr lang="en-US" altLang="zh-CN" sz="1400">
-              <a:solidFill>
-                <a:srgbClr val="00B0F0"/>
-              </a:solidFill>
-              <a:latin typeface="微软雅黑" panose="020B0503020204020204" charset="-122"/>
-              <a:ea typeface="微软雅黑" panose="020B0503020204020204" charset="-122"/>
-            </a:endParaRPr>
           </a:p>
           <a:p>
             <a:pPr algn="ctr"/>
@@ -31628,13 +30285,6 @@
               </a:rPr>
               <a:t>特征图</a:t>
             </a:r>
-            <a:endParaRPr lang="zh-CN" altLang="en-US" sz="1400">
-              <a:solidFill>
-                <a:srgbClr val="00B0F0"/>
-              </a:solidFill>
-              <a:latin typeface="微软雅黑" panose="020B0503020204020204" charset="-122"/>
-              <a:ea typeface="微软雅黑" panose="020B0503020204020204" charset="-122"/>
-            </a:endParaRPr>
           </a:p>
           <a:p>
             <a:pPr algn="ctr"/>
@@ -31658,13 +30308,6 @@
               </a:rPr>
               <a:t>SPP </a:t>
             </a:r>
-            <a:endParaRPr lang="en-US" altLang="zh-CN" sz="1400">
-              <a:solidFill>
-                <a:srgbClr val="00B0F0"/>
-              </a:solidFill>
-              <a:latin typeface="微软雅黑" panose="020B0503020204020204" charset="-122"/>
-              <a:ea typeface="微软雅黑" panose="020B0503020204020204" charset="-122"/>
-            </a:endParaRPr>
           </a:p>
         </p:txBody>
       </p:sp>
@@ -31711,10 +30354,6 @@
               </a:rPr>
               <a:t>SVM</a:t>
             </a:r>
-            <a:endParaRPr lang="en-US" altLang="zh-CN" sz="1400" b="1">
-              <a:latin typeface="微软雅黑" panose="020B0503020204020204" charset="-122"/>
-              <a:ea typeface="微软雅黑" panose="020B0503020204020204" charset="-122"/>
-            </a:endParaRPr>
           </a:p>
         </p:txBody>
       </p:sp>
@@ -31754,10 +30393,6 @@
               </a:rPr>
               <a:t> - 2014</a:t>
             </a:r>
-            <a:endParaRPr lang="en-US" altLang="zh-CN" sz="2000" b="1" dirty="0">
-              <a:latin typeface="微软雅黑" panose="020B0503020204020204" charset="-122"/>
-              <a:ea typeface="微软雅黑" panose="020B0503020204020204" charset="-122"/>
-            </a:endParaRPr>
           </a:p>
         </p:txBody>
       </p:sp>
@@ -31815,10 +30450,6 @@
               </a:rPr>
               <a:t>Fréchet Inception Distance - 2017</a:t>
             </a:r>
-            <a:endParaRPr lang="en-US" altLang="zh-CN" sz="2000" b="1" dirty="0">
-              <a:latin typeface="微软雅黑" panose="020B0503020204020204" charset="-122"/>
-              <a:ea typeface="微软雅黑" panose="020B0503020204020204" charset="-122"/>
-            </a:endParaRPr>
           </a:p>
         </p:txBody>
       </p:sp>
@@ -31831,7 +30462,7 @@
           <p:nvPr/>
         </p:nvPicPr>
         <p:blipFill>
-          <a:blip r:embed="rId1">
+          <a:blip r:embed="rId2">
             <a:extLst>
               <a:ext uri="{28A0092B-C50C-407E-A947-70E740481C1C}">
                 <a14:useLocalDpi xmlns:a14="http://schemas.microsoft.com/office/drawing/2010/main" val="0"/>
@@ -32037,13 +30668,6 @@
               </a:rPr>
               <a:t>Inception-v3</a:t>
             </a:r>
-            <a:endParaRPr lang="en-US" altLang="zh-CN" sz="1400" b="1" dirty="0">
-              <a:solidFill>
-                <a:srgbClr val="0070C0"/>
-              </a:solidFill>
-              <a:latin typeface="微软雅黑" panose="020B0503020204020204" charset="-122"/>
-              <a:ea typeface="微软雅黑" panose="020B0503020204020204" charset="-122"/>
-            </a:endParaRPr>
           </a:p>
         </p:txBody>
       </p:sp>
@@ -32101,10 +30725,6 @@
               </a:rPr>
               <a:t>Fréchet Inception Distance - 2017</a:t>
             </a:r>
-            <a:endParaRPr lang="en-US" altLang="zh-CN" sz="2000" b="1" dirty="0">
-              <a:latin typeface="微软雅黑" panose="020B0503020204020204" charset="-122"/>
-              <a:ea typeface="微软雅黑" panose="020B0503020204020204" charset="-122"/>
-            </a:endParaRPr>
           </a:p>
         </p:txBody>
       </p:sp>
@@ -32117,7 +30737,7 @@
           <p:nvPr/>
         </p:nvPicPr>
         <p:blipFill>
-          <a:blip r:embed="rId1"/>
+          <a:blip r:embed="rId2"/>
           <a:stretch>
             <a:fillRect/>
           </a:stretch>
@@ -32390,15 +31010,6 @@
               </a:rPr>
               <a:t>FID Calculation through Inception-v3 Pretrained Model</a:t>
             </a:r>
-            <a:endParaRPr lang="en-US" altLang="zh-CN" sz="1400" b="1" dirty="0">
-              <a:solidFill>
-                <a:schemeClr val="accent6">
-                  <a:lumMod val="75000"/>
-                </a:schemeClr>
-              </a:solidFill>
-              <a:latin typeface="微软雅黑" panose="020B0503020204020204" charset="-122"/>
-              <a:ea typeface="微软雅黑" panose="020B0503020204020204" charset="-122"/>
-            </a:endParaRPr>
           </a:p>
         </p:txBody>
       </p:sp>
@@ -32809,10 +31420,6 @@
               </a:rPr>
               <a:t> mean &amp; Covariance</a:t>
             </a:r>
-            <a:endParaRPr lang="en-US" altLang="zh-CN" sz="1400" dirty="0">
-              <a:latin typeface="Axure Handwriting" panose="020B0402020200020204" pitchFamily="34" charset="0"/>
-              <a:ea typeface="微软雅黑" panose="020B0503020204020204" charset="-122"/>
-            </a:endParaRPr>
           </a:p>
         </p:txBody>
       </p:sp>
@@ -32932,10 +31539,6 @@
               </a:rPr>
               <a:t> FID</a:t>
             </a:r>
-            <a:endParaRPr lang="en-US" altLang="zh-CN" sz="1400" dirty="0">
-              <a:latin typeface="Axure Handwriting" panose="020B0402020200020204" pitchFamily="34" charset="0"/>
-              <a:ea typeface="微软雅黑" panose="020B0503020204020204" charset="-122"/>
-            </a:endParaRPr>
           </a:p>
         </p:txBody>
       </p:sp>
@@ -33012,7 +31615,7 @@
           <p:nvPr/>
         </p:nvPicPr>
         <p:blipFill>
-          <a:blip r:embed="rId1"/>
+          <a:blip r:embed="rId2"/>
           <a:stretch>
             <a:fillRect/>
           </a:stretch>
@@ -33056,10 +31659,6 @@
               </a:rPr>
               <a:t>DCGAN - 2015</a:t>
             </a:r>
-            <a:endParaRPr lang="en-US" altLang="zh-CN" sz="2000" b="1">
-              <a:latin typeface="微软雅黑" panose="020B0503020204020204" charset="-122"/>
-              <a:ea typeface="微软雅黑" panose="020B0503020204020204" charset="-122"/>
-            </a:endParaRPr>
           </a:p>
         </p:txBody>
       </p:sp>
@@ -33118,16 +31717,6 @@
               </a:rPr>
               <a:t>source: https://openai.com/blog/generative-models/</a:t>
             </a:r>
-            <a:endParaRPr lang="en-US" altLang="zh-CN" sz="800" dirty="0">
-              <a:solidFill>
-                <a:schemeClr val="tx1">
-                  <a:lumMod val="50000"/>
-                  <a:lumOff val="50000"/>
-                </a:schemeClr>
-              </a:solidFill>
-              <a:latin typeface="微软雅黑" panose="020B0503020204020204" charset="-122"/>
-              <a:ea typeface="微软雅黑" panose="020B0503020204020204" charset="-122"/>
-            </a:endParaRPr>
           </a:p>
         </p:txBody>
       </p:sp>
@@ -33140,7 +31729,7 @@
           <p:nvPr/>
         </p:nvPicPr>
         <p:blipFill>
-          <a:blip r:embed="rId2"/>
+          <a:blip r:embed="rId3"/>
           <a:stretch>
             <a:fillRect/>
           </a:stretch>
@@ -33287,13 +31876,6 @@
               </a:rPr>
               <a:t>Generator</a:t>
             </a:r>
-            <a:endParaRPr lang="en-US" altLang="zh-CN" sz="1400" b="1" dirty="0">
-              <a:solidFill>
-                <a:srgbClr val="0070C0"/>
-              </a:solidFill>
-              <a:latin typeface="微软雅黑" panose="020B0503020204020204" charset="-122"/>
-              <a:ea typeface="微软雅黑" panose="020B0503020204020204" charset="-122"/>
-            </a:endParaRPr>
           </a:p>
         </p:txBody>
       </p:sp>
@@ -33332,15 +31914,6 @@
               </a:rPr>
               <a:t>Discriminator</a:t>
             </a:r>
-            <a:endParaRPr lang="en-US" altLang="zh-CN" sz="1400" b="1" dirty="0">
-              <a:solidFill>
-                <a:schemeClr val="accent2">
-                  <a:lumMod val="75000"/>
-                </a:schemeClr>
-              </a:solidFill>
-              <a:latin typeface="微软雅黑" panose="020B0503020204020204" charset="-122"/>
-              <a:ea typeface="微软雅黑" panose="020B0503020204020204" charset="-122"/>
-            </a:endParaRPr>
           </a:p>
         </p:txBody>
       </p:sp>
@@ -33589,10 +32162,6 @@
               </a:rPr>
               <a:t>Loss</a:t>
             </a:r>
-            <a:endParaRPr lang="en-US" altLang="zh-CN" sz="1400" b="1" dirty="0">
-              <a:latin typeface="微软雅黑" panose="020B0503020204020204" charset="-122"/>
-              <a:ea typeface="微软雅黑" panose="020B0503020204020204" charset="-122"/>
-            </a:endParaRPr>
           </a:p>
         </p:txBody>
       </p:sp>
@@ -33605,7 +32174,7 @@
           <p:nvPr/>
         </p:nvPicPr>
         <p:blipFill>
-          <a:blip r:embed="rId3">
+          <a:blip r:embed="rId4">
             <a:extLst>
               <a:ext uri="{28A0092B-C50C-407E-A947-70E740481C1C}">
                 <a14:useLocalDpi xmlns:a14="http://schemas.microsoft.com/office/drawing/2010/main" val="0"/>
@@ -33835,13 +32404,13 @@
 </file>
 
 <file path=ppt/tags/tag1.xml><?xml version="1.0" encoding="utf-8"?>
-<p:tagLst xmlns:p="http://schemas.openxmlformats.org/presentationml/2006/main">
+<p:tagLst xmlns:a="http://schemas.openxmlformats.org/drawingml/2006/main" xmlns:r="http://schemas.openxmlformats.org/officeDocument/2006/relationships" xmlns:p="http://schemas.openxmlformats.org/presentationml/2006/main">
   <p:tag name="KSO_WM_SLIDE_MODEL_TYPE" val="cover"/>
 </p:tagLst>
 </file>
 
 <file path=ppt/tags/tag2.xml><?xml version="1.0" encoding="utf-8"?>
-<p:tagLst xmlns:p="http://schemas.openxmlformats.org/presentationml/2006/main">
+<p:tagLst xmlns:a="http://schemas.openxmlformats.org/drawingml/2006/main" xmlns:r="http://schemas.openxmlformats.org/officeDocument/2006/relationships" xmlns:p="http://schemas.openxmlformats.org/presentationml/2006/main">
   <p:tag name="KSO_WM_UNIT_PLACING_PICTURE_USER_VIEWPORT" val="{&quot;height&quot;:3315,&quot;width&quot;:4455}"/>
 </p:tagLst>
 </file>
@@ -34097,6 +32666,8 @@
       </a:bgFillStyleLst>
     </a:fmtScheme>
   </a:themeElements>
+  <a:objectDefaults/>
+  <a:extraClrSchemeLst/>
   <a:extLst>
     <a:ext uri="{05A4C25C-085E-4340-85A3-A5531E510DB2}">
       <thm15:themeFamily xmlns:thm15="http://schemas.microsoft.com/office/thememl/2012/main" name="Office Theme" id="{62F939B6-93AF-4DB8-9C6B-D6C7DFDC589F}" vid="{4A3C46E8-61CC-4603-A589-7422A47A8E4A}"/>
@@ -34356,6 +32927,8 @@
       </a:bgFillStyleLst>
     </a:fmtScheme>
   </a:themeElements>
+  <a:objectDefaults/>
+  <a:extraClrSchemeLst/>
   <a:extLst>
     <a:ext uri="{05A4C25C-085E-4340-85A3-A5531E510DB2}">
       <thm15:themeFamily xmlns:thm15="http://schemas.microsoft.com/office/thememl/2012/main" name="Office Theme" id="{62F939B6-93AF-4DB8-9C6B-D6C7DFDC589F}" vid="{4A3C46E8-61CC-4603-A589-7422A47A8E4A}"/>

--- a/GAN_Understanding/GANunderstanding.pptx
+++ b/GAN_Understanding/GANunderstanding.pptx
@@ -5,37 +5,37 @@
     <p:sldMasterId id="2147483648" r:id="rId1"/>
   </p:sldMasterIdLst>
   <p:notesMasterIdLst>
-    <p:notesMasterId r:id="rId16"/>
+    <p:notesMasterId r:id="rId27"/>
   </p:notesMasterIdLst>
   <p:sldIdLst>
-    <p:sldId id="267" r:id="rId3"/>
-    <p:sldId id="266" r:id="rId4"/>
-    <p:sldId id="323" r:id="rId5"/>
-    <p:sldId id="325" r:id="rId6"/>
-    <p:sldId id="295" r:id="rId7"/>
-    <p:sldId id="279" r:id="rId8"/>
-    <p:sldId id="261" r:id="rId9"/>
-    <p:sldId id="294" r:id="rId10"/>
-    <p:sldId id="296" r:id="rId11"/>
-    <p:sldId id="257" r:id="rId12"/>
-    <p:sldId id="293" r:id="rId13"/>
-    <p:sldId id="324" r:id="rId14"/>
-    <p:sldId id="280" r:id="rId15"/>
-    <p:sldId id="311" r:id="rId17"/>
-    <p:sldId id="312" r:id="rId18"/>
-    <p:sldId id="313" r:id="rId19"/>
-    <p:sldId id="259" r:id="rId20"/>
-    <p:sldId id="310" r:id="rId21"/>
-    <p:sldId id="258" r:id="rId22"/>
-    <p:sldId id="264" r:id="rId23"/>
-    <p:sldId id="265" r:id="rId24"/>
-    <p:sldId id="288" r:id="rId25"/>
-    <p:sldId id="289" r:id="rId26"/>
-    <p:sldId id="290" r:id="rId27"/>
-    <p:sldId id="322" r:id="rId28"/>
+    <p:sldId id="267" r:id="rId2"/>
+    <p:sldId id="266" r:id="rId3"/>
+    <p:sldId id="323" r:id="rId4"/>
+    <p:sldId id="325" r:id="rId5"/>
+    <p:sldId id="295" r:id="rId6"/>
+    <p:sldId id="279" r:id="rId7"/>
+    <p:sldId id="261" r:id="rId8"/>
+    <p:sldId id="294" r:id="rId9"/>
+    <p:sldId id="296" r:id="rId10"/>
+    <p:sldId id="257" r:id="rId11"/>
+    <p:sldId id="293" r:id="rId12"/>
+    <p:sldId id="324" r:id="rId13"/>
+    <p:sldId id="280" r:id="rId14"/>
+    <p:sldId id="311" r:id="rId15"/>
+    <p:sldId id="312" r:id="rId16"/>
+    <p:sldId id="313" r:id="rId17"/>
+    <p:sldId id="259" r:id="rId18"/>
+    <p:sldId id="310" r:id="rId19"/>
+    <p:sldId id="258" r:id="rId20"/>
+    <p:sldId id="264" r:id="rId21"/>
+    <p:sldId id="265" r:id="rId22"/>
+    <p:sldId id="288" r:id="rId23"/>
+    <p:sldId id="289" r:id="rId24"/>
+    <p:sldId id="290" r:id="rId25"/>
+    <p:sldId id="322" r:id="rId26"/>
   </p:sldIdLst>
   <p:sldSz cx="12192000" cy="6858000"/>
-  <p:notesSz cx="10234295" cy="7103745"/>
+  <p:notesSz cx="10234613" cy="7104063"/>
   <p:defaultTextStyle>
     <a:defPPr>
       <a:defRPr lang="zh-CN"/>
@@ -131,6 +131,22 @@
       </a:defRPr>
     </a:lvl9pPr>
   </p:defaultTextStyle>
+  <p:extLst>
+    <p:ext uri="{EFAFB233-063F-42B5-8137-9DF3F51BA10A}">
+      <p15:sldGuideLst xmlns:p15="http://schemas.microsoft.com/office/powerpoint/2012/main">
+        <p15:guide id="1" orient="horz" pos="2157">
+          <p15:clr>
+            <a:srgbClr val="A4A3A4"/>
+          </p15:clr>
+        </p15:guide>
+        <p15:guide id="2" pos="3812">
+          <p15:clr>
+            <a:srgbClr val="A4A3A4"/>
+          </p15:clr>
+        </p15:guide>
+      </p15:sldGuideLst>
+    </p:ext>
+  </p:extLst>
 </p:presentation>
 </file>
 
@@ -216,6 +232,7 @@
           <a:p>
             <a:fld id="{D2A48B96-639E-45A3-A0BA-2464DFDB1FAA}" type="datetimeFigureOut">
               <a:rPr lang="zh-CN" altLang="en-US" smtClean="0"/>
+              <a:t>2020/7/15</a:t>
             </a:fld>
             <a:endParaRPr lang="zh-CN" altLang="en-US"/>
           </a:p>
@@ -282,7 +299,6 @@
               <a:rPr lang="zh-CN" altLang="en-US"/>
               <a:t>单击此处编辑母版文本样式</a:t>
             </a:r>
-            <a:endParaRPr lang="zh-CN" altLang="en-US"/>
           </a:p>
           <a:p>
             <a:pPr lvl="1"/>
@@ -290,7 +306,6 @@
               <a:rPr lang="zh-CN" altLang="en-US"/>
               <a:t>第二级</a:t>
             </a:r>
-            <a:endParaRPr lang="zh-CN" altLang="en-US"/>
           </a:p>
           <a:p>
             <a:pPr lvl="2"/>
@@ -298,7 +313,6 @@
               <a:rPr lang="zh-CN" altLang="en-US"/>
               <a:t>第三级</a:t>
             </a:r>
-            <a:endParaRPr lang="zh-CN" altLang="en-US"/>
           </a:p>
           <a:p>
             <a:pPr lvl="3"/>
@@ -306,7 +320,6 @@
               <a:rPr lang="zh-CN" altLang="en-US"/>
               <a:t>第四级</a:t>
             </a:r>
-            <a:endParaRPr lang="zh-CN" altLang="en-US"/>
           </a:p>
           <a:p>
             <a:pPr lvl="4"/>
@@ -314,7 +327,6 @@
               <a:rPr lang="zh-CN" altLang="en-US"/>
               <a:t>第五级</a:t>
             </a:r>
-            <a:endParaRPr lang="zh-CN" altLang="en-US"/>
           </a:p>
         </p:txBody>
       </p:sp>
@@ -378,6 +390,7 @@
           <a:p>
             <a:fld id="{A6837353-30EB-4A48-80EB-173D804AEFBD}" type="slidenum">
               <a:rPr lang="zh-CN" altLang="en-US" smtClean="0"/>
+              <a:t>‹#›</a:t>
             </a:fld>
             <a:endParaRPr lang="zh-CN" altLang="en-US"/>
           </a:p>
@@ -490,21 +503,37 @@
         <p:cNvGrpSpPr/>
         <p:nvPr/>
       </p:nvGrpSpPr>
-      <p:grpSpPr/>
+      <p:grpSpPr>
+        <a:xfrm>
+          <a:off x="0" y="0"/>
+          <a:ext cx="0" cy="0"/>
+          <a:chOff x="0" y="0"/>
+          <a:chExt cx="0" cy="0"/>
+        </a:xfrm>
+      </p:grpSpPr>
       <p:sp>
         <p:nvSpPr>
           <p:cNvPr id="2" name="幻灯片图像占位符 1"/>
-          <p:cNvSpPr/>
+          <p:cNvSpPr>
+            <a:spLocks noGrp="1" noRot="1" noChangeAspect="1"/>
+          </p:cNvSpPr>
           <p:nvPr>
             <p:ph type="sldImg" idx="2"/>
           </p:nvPr>
         </p:nvSpPr>
-        <p:spPr/>
+        <p:spPr>
+          <a:xfrm>
+            <a:off x="2986088" y="887413"/>
+            <a:ext cx="4262437" cy="2398712"/>
+          </a:xfrm>
+        </p:spPr>
       </p:sp>
       <p:sp>
         <p:nvSpPr>
           <p:cNvPr id="3" name="文本占位符 2"/>
-          <p:cNvSpPr/>
+          <p:cNvSpPr>
+            <a:spLocks noGrp="1"/>
+          </p:cNvSpPr>
           <p:nvPr>
             <p:ph type="body" idx="3"/>
           </p:nvPr>
@@ -512,6 +541,7 @@
         <p:spPr/>
         <p:txBody>
           <a:bodyPr/>
+          <a:lstStyle/>
           <a:p>
             <a:endParaRPr lang="zh-CN" altLang="en-US"/>
           </a:p>
@@ -753,7 +783,6 @@
               <a:rPr lang="zh-CN" altLang="en-US"/>
               <a:t>单击此处编辑母版标题样式</a:t>
             </a:r>
-            <a:endParaRPr lang="zh-CN" altLang="en-US"/>
           </a:p>
         </p:txBody>
       </p:sp>
@@ -818,7 +847,6 @@
               <a:rPr lang="zh-CN" altLang="en-US"/>
               <a:t>单击此处编辑母版副标题样式</a:t>
             </a:r>
-            <a:endParaRPr lang="zh-CN" altLang="en-US"/>
           </a:p>
         </p:txBody>
       </p:sp>
@@ -839,6 +867,7 @@
           <a:p>
             <a:fld id="{82F288E0-7875-42C4-84C8-98DBBD3BF4D2}" type="datetimeFigureOut">
               <a:rPr lang="zh-CN" altLang="en-US" smtClean="0"/>
+              <a:t>2020/7/15</a:t>
             </a:fld>
             <a:endParaRPr lang="zh-CN" altLang="en-US"/>
           </a:p>
@@ -880,6 +909,7 @@
           <a:p>
             <a:fld id="{7D9BB5D0-35E4-459D-AEF3-FE4D7C45CC19}" type="slidenum">
               <a:rPr lang="zh-CN" altLang="en-US" smtClean="0"/>
+              <a:t>‹#›</a:t>
             </a:fld>
             <a:endParaRPr lang="zh-CN" altLang="en-US"/>
           </a:p>
@@ -935,7 +965,6 @@
               <a:rPr lang="zh-CN" altLang="en-US"/>
               <a:t>单击此处编辑母版文本样式</a:t>
             </a:r>
-            <a:endParaRPr lang="zh-CN" altLang="en-US"/>
           </a:p>
           <a:p>
             <a:pPr lvl="1"/>
@@ -943,7 +972,6 @@
               <a:rPr lang="zh-CN" altLang="en-US"/>
               <a:t>第二级</a:t>
             </a:r>
-            <a:endParaRPr lang="zh-CN" altLang="en-US"/>
           </a:p>
           <a:p>
             <a:pPr lvl="2"/>
@@ -951,7 +979,6 @@
               <a:rPr lang="zh-CN" altLang="en-US"/>
               <a:t>第三级</a:t>
             </a:r>
-            <a:endParaRPr lang="zh-CN" altLang="en-US"/>
           </a:p>
           <a:p>
             <a:pPr lvl="3"/>
@@ -959,7 +986,6 @@
               <a:rPr lang="zh-CN" altLang="en-US"/>
               <a:t>第四级</a:t>
             </a:r>
-            <a:endParaRPr lang="zh-CN" altLang="en-US"/>
           </a:p>
           <a:p>
             <a:pPr lvl="4"/>
@@ -967,7 +993,6 @@
               <a:rPr lang="zh-CN" altLang="en-US"/>
               <a:t>第五级</a:t>
             </a:r>
-            <a:endParaRPr lang="zh-CN" altLang="en-US"/>
           </a:p>
         </p:txBody>
       </p:sp>
@@ -988,6 +1013,7 @@
           <a:p>
             <a:fld id="{82F288E0-7875-42C4-84C8-98DBBD3BF4D2}" type="datetimeFigureOut">
               <a:rPr lang="zh-CN" altLang="en-US" smtClean="0"/>
+              <a:t>2020/7/15</a:t>
             </a:fld>
             <a:endParaRPr lang="zh-CN" altLang="en-US"/>
           </a:p>
@@ -1029,6 +1055,7 @@
           <a:p>
             <a:fld id="{7D9BB5D0-35E4-459D-AEF3-FE4D7C45CC19}" type="slidenum">
               <a:rPr lang="zh-CN" altLang="en-US" smtClean="0"/>
+              <a:t>‹#›</a:t>
             </a:fld>
             <a:endParaRPr lang="zh-CN" altLang="en-US"/>
           </a:p>
@@ -1078,7 +1105,6 @@
               <a:rPr lang="zh-CN" altLang="en-US"/>
               <a:t>单击此处编辑母版标题样式</a:t>
             </a:r>
-            <a:endParaRPr lang="zh-CN" altLang="en-US"/>
           </a:p>
         </p:txBody>
       </p:sp>
@@ -1102,7 +1128,6 @@
               <a:rPr lang="zh-CN" altLang="en-US"/>
               <a:t>单击此处编辑母版文本样式</a:t>
             </a:r>
-            <a:endParaRPr lang="zh-CN" altLang="en-US"/>
           </a:p>
           <a:p>
             <a:pPr lvl="1"/>
@@ -1110,7 +1135,6 @@
               <a:rPr lang="zh-CN" altLang="en-US"/>
               <a:t>第二级</a:t>
             </a:r>
-            <a:endParaRPr lang="zh-CN" altLang="en-US"/>
           </a:p>
           <a:p>
             <a:pPr lvl="2"/>
@@ -1118,7 +1142,6 @@
               <a:rPr lang="zh-CN" altLang="en-US"/>
               <a:t>第三级</a:t>
             </a:r>
-            <a:endParaRPr lang="zh-CN" altLang="en-US"/>
           </a:p>
           <a:p>
             <a:pPr lvl="3"/>
@@ -1126,7 +1149,6 @@
               <a:rPr lang="zh-CN" altLang="en-US"/>
               <a:t>第四级</a:t>
             </a:r>
-            <a:endParaRPr lang="zh-CN" altLang="en-US"/>
           </a:p>
           <a:p>
             <a:pPr lvl="4"/>
@@ -1134,7 +1156,6 @@
               <a:rPr lang="zh-CN" altLang="en-US"/>
               <a:t>第五级</a:t>
             </a:r>
-            <a:endParaRPr lang="zh-CN" altLang="en-US"/>
           </a:p>
         </p:txBody>
       </p:sp>
@@ -1155,6 +1176,7 @@
           <a:p>
             <a:fld id="{82F288E0-7875-42C4-84C8-98DBBD3BF4D2}" type="datetimeFigureOut">
               <a:rPr lang="zh-CN" altLang="en-US" smtClean="0"/>
+              <a:t>2020/7/15</a:t>
             </a:fld>
             <a:endParaRPr lang="zh-CN" altLang="en-US"/>
           </a:p>
@@ -1196,6 +1218,7 @@
           <a:p>
             <a:fld id="{7D9BB5D0-35E4-459D-AEF3-FE4D7C45CC19}" type="slidenum">
               <a:rPr lang="zh-CN" altLang="en-US" smtClean="0"/>
+              <a:t>‹#›</a:t>
             </a:fld>
             <a:endParaRPr lang="zh-CN" altLang="en-US"/>
           </a:p>
@@ -1254,7 +1277,6 @@
               <a:rPr lang="zh-CN" altLang="en-US"/>
               <a:t>单击此处编辑母版标题样式</a:t>
             </a:r>
-            <a:endParaRPr lang="zh-CN" altLang="en-US"/>
           </a:p>
         </p:txBody>
       </p:sp>
@@ -1374,7 +1396,6 @@
               <a:rPr lang="zh-CN" altLang="en-US"/>
               <a:t>单击此处编辑母版文本样式</a:t>
             </a:r>
-            <a:endParaRPr lang="zh-CN" altLang="en-US"/>
           </a:p>
         </p:txBody>
       </p:sp>
@@ -1395,6 +1416,7 @@
           <a:p>
             <a:fld id="{82F288E0-7875-42C4-84C8-98DBBD3BF4D2}" type="datetimeFigureOut">
               <a:rPr lang="zh-CN" altLang="en-US" smtClean="0"/>
+              <a:t>2020/7/15</a:t>
             </a:fld>
             <a:endParaRPr lang="zh-CN" altLang="en-US"/>
           </a:p>
@@ -1436,6 +1458,7 @@
           <a:p>
             <a:fld id="{7D9BB5D0-35E4-459D-AEF3-FE4D7C45CC19}" type="slidenum">
               <a:rPr lang="zh-CN" altLang="en-US" smtClean="0"/>
+              <a:t>‹#›</a:t>
             </a:fld>
             <a:endParaRPr lang="zh-CN" altLang="en-US"/>
           </a:p>
@@ -1485,7 +1508,6 @@
               <a:rPr lang="zh-CN" altLang="en-US"/>
               <a:t>单击此处编辑母版标题样式</a:t>
             </a:r>
-            <a:endParaRPr lang="zh-CN" altLang="en-US"/>
           </a:p>
         </p:txBody>
       </p:sp>
@@ -1514,7 +1536,6 @@
               <a:rPr lang="zh-CN" altLang="en-US"/>
               <a:t>单击此处编辑母版文本样式</a:t>
             </a:r>
-            <a:endParaRPr lang="zh-CN" altLang="en-US"/>
           </a:p>
           <a:p>
             <a:pPr lvl="1"/>
@@ -1522,7 +1543,6 @@
               <a:rPr lang="zh-CN" altLang="en-US"/>
               <a:t>第二级</a:t>
             </a:r>
-            <a:endParaRPr lang="zh-CN" altLang="en-US"/>
           </a:p>
           <a:p>
             <a:pPr lvl="2"/>
@@ -1530,7 +1550,6 @@
               <a:rPr lang="zh-CN" altLang="en-US"/>
               <a:t>第三级</a:t>
             </a:r>
-            <a:endParaRPr lang="zh-CN" altLang="en-US"/>
           </a:p>
           <a:p>
             <a:pPr lvl="3"/>
@@ -1538,7 +1557,6 @@
               <a:rPr lang="zh-CN" altLang="en-US"/>
               <a:t>第四级</a:t>
             </a:r>
-            <a:endParaRPr lang="zh-CN" altLang="en-US"/>
           </a:p>
           <a:p>
             <a:pPr lvl="4"/>
@@ -1546,7 +1564,6 @@
               <a:rPr lang="zh-CN" altLang="en-US"/>
               <a:t>第五级</a:t>
             </a:r>
-            <a:endParaRPr lang="zh-CN" altLang="en-US"/>
           </a:p>
         </p:txBody>
       </p:sp>
@@ -1575,7 +1592,6 @@
               <a:rPr lang="zh-CN" altLang="en-US"/>
               <a:t>单击此处编辑母版文本样式</a:t>
             </a:r>
-            <a:endParaRPr lang="zh-CN" altLang="en-US"/>
           </a:p>
           <a:p>
             <a:pPr lvl="1"/>
@@ -1583,7 +1599,6 @@
               <a:rPr lang="zh-CN" altLang="en-US"/>
               <a:t>第二级</a:t>
             </a:r>
-            <a:endParaRPr lang="zh-CN" altLang="en-US"/>
           </a:p>
           <a:p>
             <a:pPr lvl="2"/>
@@ -1591,7 +1606,6 @@
               <a:rPr lang="zh-CN" altLang="en-US"/>
               <a:t>第三级</a:t>
             </a:r>
-            <a:endParaRPr lang="zh-CN" altLang="en-US"/>
           </a:p>
           <a:p>
             <a:pPr lvl="3"/>
@@ -1599,7 +1613,6 @@
               <a:rPr lang="zh-CN" altLang="en-US"/>
               <a:t>第四级</a:t>
             </a:r>
-            <a:endParaRPr lang="zh-CN" altLang="en-US"/>
           </a:p>
           <a:p>
             <a:pPr lvl="4"/>
@@ -1607,7 +1620,6 @@
               <a:rPr lang="zh-CN" altLang="en-US"/>
               <a:t>第五级</a:t>
             </a:r>
-            <a:endParaRPr lang="zh-CN" altLang="en-US"/>
           </a:p>
         </p:txBody>
       </p:sp>
@@ -1628,6 +1640,7 @@
           <a:p>
             <a:fld id="{82F288E0-7875-42C4-84C8-98DBBD3BF4D2}" type="datetimeFigureOut">
               <a:rPr lang="zh-CN" altLang="en-US" smtClean="0"/>
+              <a:t>2020/7/15</a:t>
             </a:fld>
             <a:endParaRPr lang="zh-CN" altLang="en-US"/>
           </a:p>
@@ -1669,6 +1682,7 @@
           <a:p>
             <a:fld id="{7D9BB5D0-35E4-459D-AEF3-FE4D7C45CC19}" type="slidenum">
               <a:rPr lang="zh-CN" altLang="en-US" smtClean="0"/>
+              <a:t>‹#›</a:t>
             </a:fld>
             <a:endParaRPr lang="zh-CN" altLang="en-US"/>
           </a:p>
@@ -1723,7 +1737,6 @@
               <a:rPr lang="zh-CN" altLang="en-US"/>
               <a:t>单击此处编辑母版标题样式</a:t>
             </a:r>
-            <a:endParaRPr lang="zh-CN" altLang="en-US"/>
           </a:p>
         </p:txBody>
       </p:sp>
@@ -1789,7 +1802,6 @@
               <a:rPr lang="zh-CN" altLang="en-US"/>
               <a:t>单击此处编辑母版文本样式</a:t>
             </a:r>
-            <a:endParaRPr lang="zh-CN" altLang="en-US"/>
           </a:p>
         </p:txBody>
       </p:sp>
@@ -1818,7 +1830,6 @@
               <a:rPr lang="zh-CN" altLang="en-US"/>
               <a:t>单击此处编辑母版文本样式</a:t>
             </a:r>
-            <a:endParaRPr lang="zh-CN" altLang="en-US"/>
           </a:p>
           <a:p>
             <a:pPr lvl="1"/>
@@ -1826,7 +1837,6 @@
               <a:rPr lang="zh-CN" altLang="en-US"/>
               <a:t>第二级</a:t>
             </a:r>
-            <a:endParaRPr lang="zh-CN" altLang="en-US"/>
           </a:p>
           <a:p>
             <a:pPr lvl="2"/>
@@ -1834,7 +1844,6 @@
               <a:rPr lang="zh-CN" altLang="en-US"/>
               <a:t>第三级</a:t>
             </a:r>
-            <a:endParaRPr lang="zh-CN" altLang="en-US"/>
           </a:p>
           <a:p>
             <a:pPr lvl="3"/>
@@ -1842,7 +1851,6 @@
               <a:rPr lang="zh-CN" altLang="en-US"/>
               <a:t>第四级</a:t>
             </a:r>
-            <a:endParaRPr lang="zh-CN" altLang="en-US"/>
           </a:p>
           <a:p>
             <a:pPr lvl="4"/>
@@ -1850,7 +1858,6 @@
               <a:rPr lang="zh-CN" altLang="en-US"/>
               <a:t>第五级</a:t>
             </a:r>
-            <a:endParaRPr lang="zh-CN" altLang="en-US"/>
           </a:p>
         </p:txBody>
       </p:sp>
@@ -1916,7 +1923,6 @@
               <a:rPr lang="zh-CN" altLang="en-US"/>
               <a:t>单击此处编辑母版文本样式</a:t>
             </a:r>
-            <a:endParaRPr lang="zh-CN" altLang="en-US"/>
           </a:p>
         </p:txBody>
       </p:sp>
@@ -1945,7 +1951,6 @@
               <a:rPr lang="zh-CN" altLang="en-US"/>
               <a:t>单击此处编辑母版文本样式</a:t>
             </a:r>
-            <a:endParaRPr lang="zh-CN" altLang="en-US"/>
           </a:p>
           <a:p>
             <a:pPr lvl="1"/>
@@ -1953,7 +1958,6 @@
               <a:rPr lang="zh-CN" altLang="en-US"/>
               <a:t>第二级</a:t>
             </a:r>
-            <a:endParaRPr lang="zh-CN" altLang="en-US"/>
           </a:p>
           <a:p>
             <a:pPr lvl="2"/>
@@ -1961,7 +1965,6 @@
               <a:rPr lang="zh-CN" altLang="en-US"/>
               <a:t>第三级</a:t>
             </a:r>
-            <a:endParaRPr lang="zh-CN" altLang="en-US"/>
           </a:p>
           <a:p>
             <a:pPr lvl="3"/>
@@ -1969,7 +1972,6 @@
               <a:rPr lang="zh-CN" altLang="en-US"/>
               <a:t>第四级</a:t>
             </a:r>
-            <a:endParaRPr lang="zh-CN" altLang="en-US"/>
           </a:p>
           <a:p>
             <a:pPr lvl="4"/>
@@ -1977,7 +1979,6 @@
               <a:rPr lang="zh-CN" altLang="en-US"/>
               <a:t>第五级</a:t>
             </a:r>
-            <a:endParaRPr lang="zh-CN" altLang="en-US"/>
           </a:p>
         </p:txBody>
       </p:sp>
@@ -1998,6 +1999,7 @@
           <a:p>
             <a:fld id="{82F288E0-7875-42C4-84C8-98DBBD3BF4D2}" type="datetimeFigureOut">
               <a:rPr lang="zh-CN" altLang="en-US" smtClean="0"/>
+              <a:t>2020/7/15</a:t>
             </a:fld>
             <a:endParaRPr lang="zh-CN" altLang="en-US"/>
           </a:p>
@@ -2039,6 +2041,7 @@
           <a:p>
             <a:fld id="{7D9BB5D0-35E4-459D-AEF3-FE4D7C45CC19}" type="slidenum">
               <a:rPr lang="zh-CN" altLang="en-US" smtClean="0"/>
+              <a:t>‹#›</a:t>
             </a:fld>
             <a:endParaRPr lang="zh-CN" altLang="en-US"/>
           </a:p>
@@ -2088,7 +2091,6 @@
               <a:rPr lang="zh-CN" altLang="en-US"/>
               <a:t>单击此处编辑母版标题样式</a:t>
             </a:r>
-            <a:endParaRPr lang="zh-CN" altLang="en-US"/>
           </a:p>
         </p:txBody>
       </p:sp>
@@ -2109,6 +2111,7 @@
           <a:p>
             <a:fld id="{82F288E0-7875-42C4-84C8-98DBBD3BF4D2}" type="datetimeFigureOut">
               <a:rPr lang="zh-CN" altLang="en-US" smtClean="0"/>
+              <a:t>2020/7/15</a:t>
             </a:fld>
             <a:endParaRPr lang="zh-CN" altLang="en-US"/>
           </a:p>
@@ -2150,6 +2153,7 @@
           <a:p>
             <a:fld id="{7D9BB5D0-35E4-459D-AEF3-FE4D7C45CC19}" type="slidenum">
               <a:rPr lang="zh-CN" altLang="en-US" smtClean="0"/>
+              <a:t>‹#›</a:t>
             </a:fld>
             <a:endParaRPr lang="zh-CN" altLang="en-US"/>
           </a:p>
@@ -2197,6 +2201,7 @@
           <a:p>
             <a:fld id="{82F288E0-7875-42C4-84C8-98DBBD3BF4D2}" type="datetimeFigureOut">
               <a:rPr lang="zh-CN" altLang="en-US" smtClean="0"/>
+              <a:t>2020/7/15</a:t>
             </a:fld>
             <a:endParaRPr lang="zh-CN" altLang="en-US"/>
           </a:p>
@@ -2238,6 +2243,7 @@
           <a:p>
             <a:fld id="{7D9BB5D0-35E4-459D-AEF3-FE4D7C45CC19}" type="slidenum">
               <a:rPr lang="zh-CN" altLang="en-US" smtClean="0"/>
+              <a:t>‹#›</a:t>
             </a:fld>
             <a:endParaRPr lang="zh-CN" altLang="en-US"/>
           </a:p>
@@ -2296,7 +2302,6 @@
               <a:rPr lang="zh-CN" altLang="en-US"/>
               <a:t>单击此处编辑母版标题样式</a:t>
             </a:r>
-            <a:endParaRPr lang="zh-CN" altLang="en-US"/>
           </a:p>
         </p:txBody>
       </p:sp>
@@ -2423,7 +2428,6 @@
               <a:rPr lang="zh-CN" altLang="en-US"/>
               <a:t>单击此处编辑母版文本样式</a:t>
             </a:r>
-            <a:endParaRPr lang="zh-CN" altLang="en-US"/>
           </a:p>
         </p:txBody>
       </p:sp>
@@ -2444,6 +2448,7 @@
           <a:p>
             <a:fld id="{82F288E0-7875-42C4-84C8-98DBBD3BF4D2}" type="datetimeFigureOut">
               <a:rPr lang="zh-CN" altLang="en-US" smtClean="0"/>
+              <a:t>2020/7/15</a:t>
             </a:fld>
             <a:endParaRPr lang="zh-CN" altLang="en-US"/>
           </a:p>
@@ -2485,6 +2490,7 @@
           <a:p>
             <a:fld id="{7D9BB5D0-35E4-459D-AEF3-FE4D7C45CC19}" type="slidenum">
               <a:rPr lang="zh-CN" altLang="en-US" smtClean="0"/>
+              <a:t>‹#›</a:t>
             </a:fld>
             <a:endParaRPr lang="zh-CN" altLang="en-US"/>
           </a:p>
@@ -2539,7 +2545,6 @@
               <a:rPr lang="zh-CN" altLang="en-US"/>
               <a:t>单击此处编辑母版标题样式</a:t>
             </a:r>
-            <a:endParaRPr lang="zh-CN" altLang="en-US"/>
           </a:p>
         </p:txBody>
       </p:sp>
@@ -2568,7 +2573,6 @@
               <a:rPr lang="zh-CN" altLang="en-US"/>
               <a:t>单击此处编辑母版文本样式</a:t>
             </a:r>
-            <a:endParaRPr lang="zh-CN" altLang="en-US"/>
           </a:p>
           <a:p>
             <a:pPr lvl="1"/>
@@ -2576,7 +2580,6 @@
               <a:rPr lang="zh-CN" altLang="en-US"/>
               <a:t>第二级</a:t>
             </a:r>
-            <a:endParaRPr lang="zh-CN" altLang="en-US"/>
           </a:p>
           <a:p>
             <a:pPr lvl="2"/>
@@ -2584,7 +2587,6 @@
               <a:rPr lang="zh-CN" altLang="en-US"/>
               <a:t>第三级</a:t>
             </a:r>
-            <a:endParaRPr lang="zh-CN" altLang="en-US"/>
           </a:p>
           <a:p>
             <a:pPr lvl="3"/>
@@ -2592,7 +2594,6 @@
               <a:rPr lang="zh-CN" altLang="en-US"/>
               <a:t>第四级</a:t>
             </a:r>
-            <a:endParaRPr lang="zh-CN" altLang="en-US"/>
           </a:p>
           <a:p>
             <a:pPr lvl="4"/>
@@ -2600,7 +2601,6 @@
               <a:rPr lang="zh-CN" altLang="en-US"/>
               <a:t>第五级</a:t>
             </a:r>
-            <a:endParaRPr lang="zh-CN" altLang="en-US"/>
           </a:p>
         </p:txBody>
       </p:sp>
@@ -2621,6 +2621,7 @@
           <a:p>
             <a:fld id="{82F288E0-7875-42C4-84C8-98DBBD3BF4D2}" type="datetimeFigureOut">
               <a:rPr lang="zh-CN" altLang="en-US" smtClean="0"/>
+              <a:t>2020/7/15</a:t>
             </a:fld>
             <a:endParaRPr lang="zh-CN" altLang="en-US"/>
           </a:p>
@@ -2662,6 +2663,7 @@
           <a:p>
             <a:fld id="{7D9BB5D0-35E4-459D-AEF3-FE4D7C45CC19}" type="slidenum">
               <a:rPr lang="zh-CN" altLang="en-US" smtClean="0"/>
+              <a:t>‹#›</a:t>
             </a:fld>
             <a:endParaRPr lang="zh-CN" altLang="en-US"/>
           </a:p>
@@ -2726,7 +2728,6 @@
               <a:rPr lang="zh-CN" altLang="en-US"/>
               <a:t>单击此处编辑母版标题样式</a:t>
             </a:r>
-            <a:endParaRPr lang="zh-CN" altLang="en-US"/>
           </a:p>
         </p:txBody>
       </p:sp>
@@ -2760,7 +2761,6 @@
               <a:rPr lang="zh-CN" altLang="en-US"/>
               <a:t>单击此处编辑母版文本样式</a:t>
             </a:r>
-            <a:endParaRPr lang="zh-CN" altLang="en-US"/>
           </a:p>
           <a:p>
             <a:pPr lvl="1"/>
@@ -2768,7 +2768,6 @@
               <a:rPr lang="zh-CN" altLang="en-US"/>
               <a:t>第二级</a:t>
             </a:r>
-            <a:endParaRPr lang="zh-CN" altLang="en-US"/>
           </a:p>
           <a:p>
             <a:pPr lvl="2"/>
@@ -2776,7 +2775,6 @@
               <a:rPr lang="zh-CN" altLang="en-US"/>
               <a:t>第三级</a:t>
             </a:r>
-            <a:endParaRPr lang="zh-CN" altLang="en-US"/>
           </a:p>
           <a:p>
             <a:pPr lvl="3"/>
@@ -2784,7 +2782,6 @@
               <a:rPr lang="zh-CN" altLang="en-US"/>
               <a:t>第四级</a:t>
             </a:r>
-            <a:endParaRPr lang="zh-CN" altLang="en-US"/>
           </a:p>
           <a:p>
             <a:pPr lvl="4"/>
@@ -2792,7 +2789,6 @@
               <a:rPr lang="zh-CN" altLang="en-US"/>
               <a:t>第五级</a:t>
             </a:r>
-            <a:endParaRPr lang="zh-CN" altLang="en-US"/>
           </a:p>
         </p:txBody>
       </p:sp>
@@ -2831,6 +2827,7 @@
           <a:p>
             <a:fld id="{82F288E0-7875-42C4-84C8-98DBBD3BF4D2}" type="datetimeFigureOut">
               <a:rPr lang="zh-CN" altLang="en-US" smtClean="0"/>
+              <a:t>2020/7/15</a:t>
             </a:fld>
             <a:endParaRPr lang="zh-CN" altLang="en-US"/>
           </a:p>
@@ -2908,6 +2905,7 @@
           <a:p>
             <a:fld id="{7D9BB5D0-35E4-459D-AEF3-FE4D7C45CC19}" type="slidenum">
               <a:rPr lang="zh-CN" altLang="en-US" smtClean="0"/>
+              <a:t>‹#›</a:t>
             </a:fld>
             <a:endParaRPr lang="zh-CN" altLang="en-US"/>
           </a:p>
@@ -3268,10 +3266,6 @@
               </a:rPr>
               <a:t>Understanding</a:t>
             </a:r>
-            <a:endParaRPr lang="en-US" altLang="zh-CN" sz="4000">
-              <a:latin typeface="微软雅黑" panose="020B0503020204020204" charset="-122"/>
-              <a:ea typeface="微软雅黑" panose="020B0503020204020204" charset="-122"/>
-            </a:endParaRPr>
           </a:p>
         </p:txBody>
       </p:sp>
@@ -3320,10 +3314,6 @@
               </a:rPr>
               <a:t>理解生成对抗网络</a:t>
             </a:r>
-            <a:endParaRPr lang="zh-CN" altLang="en-US" sz="3600">
-              <a:latin typeface="微软雅黑" panose="020B0503020204020204" charset="-122"/>
-              <a:ea typeface="微软雅黑" panose="020B0503020204020204" charset="-122"/>
-            </a:endParaRPr>
           </a:p>
         </p:txBody>
       </p:sp>
@@ -3336,7 +3326,7 @@
           <p:nvPr/>
         </p:nvPicPr>
         <p:blipFill>
-          <a:blip r:embed="rId1"/>
+          <a:blip r:embed="rId3"/>
           <a:stretch>
             <a:fillRect/>
           </a:stretch>
@@ -3496,7 +3486,7 @@
           <p:nvPr/>
         </p:nvPicPr>
         <p:blipFill>
-          <a:blip r:embed="rId1"/>
+          <a:blip r:embed="rId3"/>
           <a:stretch>
             <a:fillRect/>
           </a:stretch>
@@ -3656,7 +3646,7 @@
           <p:nvPr/>
         </p:nvPicPr>
         <p:blipFill>
-          <a:blip r:embed="rId2"/>
+          <a:blip r:embed="rId4"/>
           <a:stretch>
             <a:fillRect/>
           </a:stretch>
@@ -3680,7 +3670,7 @@
           <p:nvPr/>
         </p:nvPicPr>
         <p:blipFill>
-          <a:blip r:embed="rId3"/>
+          <a:blip r:embed="rId5"/>
           <a:stretch>
             <a:fillRect/>
           </a:stretch>
@@ -3697,7 +3687,7 @@
       </p:pic>
     </p:spTree>
     <p:custDataLst>
-      <p:tags r:id="rId4"/>
+      <p:tags r:id="rId1"/>
     </p:custDataLst>
   </p:cSld>
   <p:clrMapOvr>
@@ -3732,7 +3722,7 @@
           <p:nvPr/>
         </p:nvPicPr>
         <p:blipFill>
-          <a:blip r:embed="rId1"/>
+          <a:blip r:embed="rId2"/>
           <a:stretch>
             <a:fillRect/>
           </a:stretch>
@@ -3776,10 +3766,6 @@
               </a:rPr>
               <a:t>DCGAN - 2015</a:t>
             </a:r>
-            <a:endParaRPr lang="en-US" altLang="zh-CN" sz="2000" b="1">
-              <a:latin typeface="微软雅黑" panose="020B0503020204020204" charset="-122"/>
-              <a:ea typeface="微软雅黑" panose="020B0503020204020204" charset="-122"/>
-            </a:endParaRPr>
           </a:p>
         </p:txBody>
       </p:sp>
@@ -3838,16 +3824,6 @@
               </a:rPr>
               <a:t>source: https://openai.com/blog/generative-models/</a:t>
             </a:r>
-            <a:endParaRPr lang="en-US" altLang="zh-CN" sz="800" dirty="0">
-              <a:solidFill>
-                <a:schemeClr val="tx1">
-                  <a:lumMod val="50000"/>
-                  <a:lumOff val="50000"/>
-                </a:schemeClr>
-              </a:solidFill>
-              <a:latin typeface="微软雅黑" panose="020B0503020204020204" charset="-122"/>
-              <a:ea typeface="微软雅黑" panose="020B0503020204020204" charset="-122"/>
-            </a:endParaRPr>
           </a:p>
         </p:txBody>
       </p:sp>
@@ -3860,7 +3836,7 @@
           <p:nvPr/>
         </p:nvPicPr>
         <p:blipFill>
-          <a:blip r:embed="rId2"/>
+          <a:blip r:embed="rId3"/>
           <a:stretch>
             <a:fillRect/>
           </a:stretch>
@@ -4007,13 +3983,6 @@
               </a:rPr>
               <a:t>Generator</a:t>
             </a:r>
-            <a:endParaRPr lang="en-US" altLang="zh-CN" sz="1400" b="1" dirty="0">
-              <a:solidFill>
-                <a:srgbClr val="0070C0"/>
-              </a:solidFill>
-              <a:latin typeface="微软雅黑" panose="020B0503020204020204" charset="-122"/>
-              <a:ea typeface="微软雅黑" panose="020B0503020204020204" charset="-122"/>
-            </a:endParaRPr>
           </a:p>
         </p:txBody>
       </p:sp>
@@ -4052,15 +4021,6 @@
               </a:rPr>
               <a:t>Discriminator</a:t>
             </a:r>
-            <a:endParaRPr lang="en-US" altLang="zh-CN" sz="1400" b="1" dirty="0">
-              <a:solidFill>
-                <a:schemeClr val="accent2">
-                  <a:lumMod val="75000"/>
-                </a:schemeClr>
-              </a:solidFill>
-              <a:latin typeface="微软雅黑" panose="020B0503020204020204" charset="-122"/>
-              <a:ea typeface="微软雅黑" panose="020B0503020204020204" charset="-122"/>
-            </a:endParaRPr>
           </a:p>
         </p:txBody>
       </p:sp>
@@ -4309,10 +4269,6 @@
               </a:rPr>
               <a:t>Loss</a:t>
             </a:r>
-            <a:endParaRPr lang="en-US" altLang="zh-CN" sz="1400" b="1" dirty="0">
-              <a:latin typeface="微软雅黑" panose="020B0503020204020204" charset="-122"/>
-              <a:ea typeface="微软雅黑" panose="020B0503020204020204" charset="-122"/>
-            </a:endParaRPr>
           </a:p>
         </p:txBody>
       </p:sp>
@@ -4325,7 +4281,7 @@
           <p:nvPr/>
         </p:nvPicPr>
         <p:blipFill>
-          <a:blip r:embed="rId3">
+          <a:blip r:embed="rId4">
             <a:extLst>
               <a:ext uri="{28A0092B-C50C-407E-A947-70E740481C1C}">
                 <a14:useLocalDpi xmlns:a14="http://schemas.microsoft.com/office/drawing/2010/main" val="0"/>
@@ -4580,7 +4536,7 @@
           <p:nvPr/>
         </p:nvPicPr>
         <p:blipFill>
-          <a:blip r:embed="rId1"/>
+          <a:blip r:embed="rId2"/>
           <a:stretch>
             <a:fillRect/>
           </a:stretch>
@@ -4624,10 +4580,6 @@
               </a:rPr>
               <a:t>DCGAN - 2015</a:t>
             </a:r>
-            <a:endParaRPr lang="en-US" altLang="zh-CN" sz="2000" b="1">
-              <a:latin typeface="微软雅黑" panose="020B0503020204020204" charset="-122"/>
-              <a:ea typeface="微软雅黑" panose="020B0503020204020204" charset="-122"/>
-            </a:endParaRPr>
           </a:p>
         </p:txBody>
       </p:sp>
@@ -4664,13 +4616,6 @@
               </a:rPr>
               <a:t>Generator</a:t>
             </a:r>
-            <a:endParaRPr lang="en-US" altLang="zh-CN" sz="1400" b="1" dirty="0">
-              <a:solidFill>
-                <a:srgbClr val="0070C0"/>
-              </a:solidFill>
-              <a:latin typeface="微软雅黑" panose="020B0503020204020204" charset="-122"/>
-              <a:ea typeface="微软雅黑" panose="020B0503020204020204" charset="-122"/>
-            </a:endParaRPr>
           </a:p>
         </p:txBody>
       </p:sp>
@@ -4762,13 +4707,6 @@
               </a:rPr>
               <a:t>Discriminator</a:t>
             </a:r>
-            <a:endParaRPr lang="en-US" altLang="zh-CN" sz="1400" b="1" dirty="0">
-              <a:solidFill>
-                <a:srgbClr val="0070C0"/>
-              </a:solidFill>
-              <a:latin typeface="微软雅黑" panose="020B0503020204020204" charset="-122"/>
-              <a:ea typeface="微软雅黑" panose="020B0503020204020204" charset="-122"/>
-            </a:endParaRPr>
           </a:p>
         </p:txBody>
       </p:sp>
@@ -4801,31 +4739,29 @@
               </a:rPr>
               <a:t>                             64</a:t>
             </a:r>
+          </a:p>
+          <a:p>
             <a:endParaRPr lang="en-US" altLang="zh-CN" sz="1000" dirty="0">
               <a:latin typeface="Arial" panose="020B0604020202090204" pitchFamily="34" charset="0"/>
               <a:cs typeface="Arial" panose="020B0604020202090204" pitchFamily="34" charset="0"/>
             </a:endParaRPr>
           </a:p>
           <a:p>
+            <a:r>
+              <a:rPr lang="en-US" altLang="zh-CN" sz="1400" dirty="0">
+                <a:latin typeface="Axure Handwriting" panose="020B0402020200020204" pitchFamily="34" charset="0"/>
+                <a:cs typeface="Arial" panose="020B0604020202090204" pitchFamily="34" charset="0"/>
+              </a:rPr>
+              <a:t>  x</a:t>
+            </a:r>
+          </a:p>
+          <a:p>
             <a:endParaRPr lang="en-US" altLang="zh-CN" sz="1000" dirty="0">
               <a:latin typeface="Arial" panose="020B0604020202090204" pitchFamily="34" charset="0"/>
               <a:cs typeface="Arial" panose="020B0604020202090204" pitchFamily="34" charset="0"/>
             </a:endParaRPr>
           </a:p>
           <a:p>
-            <a:r>
-              <a:rPr lang="en-US" altLang="zh-CN" sz="1400" dirty="0">
-                <a:latin typeface="Axure Handwriting" panose="020B0402020200020204" pitchFamily="34" charset="0"/>
-                <a:cs typeface="Arial" panose="020B0604020202090204" pitchFamily="34" charset="0"/>
-              </a:rPr>
-              <a:t>  x</a:t>
-            </a:r>
-            <a:endParaRPr lang="en-US" altLang="zh-CN" sz="1400" dirty="0">
-              <a:latin typeface="Axure Handwriting" panose="020B0402020200020204" pitchFamily="34" charset="0"/>
-              <a:cs typeface="Arial" panose="020B0604020202090204" pitchFamily="34" charset="0"/>
-            </a:endParaRPr>
-          </a:p>
-          <a:p>
             <a:endParaRPr lang="en-US" altLang="zh-CN" sz="1000" dirty="0">
               <a:latin typeface="Arial" panose="020B0604020202090204" pitchFamily="34" charset="0"/>
               <a:cs typeface="Arial" panose="020B0604020202090204" pitchFamily="34" charset="0"/>
@@ -4838,12 +4774,6 @@
             </a:endParaRPr>
           </a:p>
           <a:p>
-            <a:endParaRPr lang="en-US" altLang="zh-CN" sz="1000" dirty="0">
-              <a:latin typeface="Arial" panose="020B0604020202090204" pitchFamily="34" charset="0"/>
-              <a:cs typeface="Arial" panose="020B0604020202090204" pitchFamily="34" charset="0"/>
-            </a:endParaRPr>
-          </a:p>
-          <a:p>
             <a:r>
               <a:rPr lang="en-US" altLang="zh-CN" sz="1000" dirty="0">
                 <a:latin typeface="Arial" panose="020B0604020202090204" pitchFamily="34" charset="0"/>
@@ -4851,10 +4781,6 @@
               </a:rPr>
               <a:t>                    64   </a:t>
             </a:r>
-            <a:endParaRPr lang="en-US" altLang="zh-CN" sz="1000" dirty="0">
-              <a:latin typeface="Arial" panose="020B0604020202090204" pitchFamily="34" charset="0"/>
-              <a:cs typeface="Arial" panose="020B0604020202090204" pitchFamily="34" charset="0"/>
-            </a:endParaRPr>
           </a:p>
           <a:p>
             <a:r>
@@ -4864,10 +4790,6 @@
               </a:rPr>
               <a:t>         </a:t>
             </a:r>
-            <a:endParaRPr lang="en-US" altLang="zh-CN" sz="1000" dirty="0">
-              <a:latin typeface="Arial" panose="020B0604020202090204" pitchFamily="34" charset="0"/>
-              <a:cs typeface="Arial" panose="020B0604020202090204" pitchFamily="34" charset="0"/>
-            </a:endParaRPr>
           </a:p>
           <a:p>
             <a:r>
@@ -5238,10 +5160,6 @@
               </a:rPr>
               <a:t>                             </a:t>
             </a:r>
-            <a:endParaRPr lang="en-US" altLang="zh-CN" sz="1000" dirty="0">
-              <a:latin typeface="Arial" panose="020B0604020202090204" pitchFamily="34" charset="0"/>
-              <a:cs typeface="Arial" panose="020B0604020202090204" pitchFamily="34" charset="0"/>
-            </a:endParaRPr>
           </a:p>
           <a:p>
             <a:r>
@@ -5251,10 +5169,6 @@
               </a:rPr>
               <a:t>                  32   </a:t>
             </a:r>
-            <a:endParaRPr lang="en-US" altLang="zh-CN" sz="1000" dirty="0">
-              <a:latin typeface="Arial" panose="020B0604020202090204" pitchFamily="34" charset="0"/>
-              <a:cs typeface="Arial" panose="020B0604020202090204" pitchFamily="34" charset="0"/>
-            </a:endParaRPr>
           </a:p>
           <a:p>
             <a:r>
@@ -5264,10 +5178,6 @@
               </a:rPr>
               <a:t>         </a:t>
             </a:r>
-            <a:endParaRPr lang="en-US" altLang="zh-CN" sz="1000" dirty="0">
-              <a:latin typeface="Arial" panose="020B0604020202090204" pitchFamily="34" charset="0"/>
-              <a:cs typeface="Arial" panose="020B0604020202090204" pitchFamily="34" charset="0"/>
-            </a:endParaRPr>
           </a:p>
           <a:p>
             <a:r>
@@ -5343,18 +5253,14 @@
               </a:rPr>
               <a:t>                             </a:t>
             </a:r>
+          </a:p>
+          <a:p>
             <a:endParaRPr lang="en-US" altLang="zh-CN" sz="1000" dirty="0">
               <a:latin typeface="Arial" panose="020B0604020202090204" pitchFamily="34" charset="0"/>
               <a:cs typeface="Arial" panose="020B0604020202090204" pitchFamily="34" charset="0"/>
             </a:endParaRPr>
           </a:p>
           <a:p>
-            <a:endParaRPr lang="en-US" altLang="zh-CN" sz="1000" dirty="0">
-              <a:latin typeface="Arial" panose="020B0604020202090204" pitchFamily="34" charset="0"/>
-              <a:cs typeface="Arial" panose="020B0604020202090204" pitchFamily="34" charset="0"/>
-            </a:endParaRPr>
-          </a:p>
-          <a:p>
             <a:r>
               <a:rPr lang="en-US" altLang="zh-CN" sz="1000" dirty="0">
                 <a:latin typeface="Arial" panose="020B0604020202090204" pitchFamily="34" charset="0"/>
@@ -5362,10 +5268,6 @@
               </a:rPr>
               <a:t>                        </a:t>
             </a:r>
-            <a:endParaRPr lang="en-US" altLang="zh-CN" sz="1000" dirty="0">
-              <a:latin typeface="Arial" panose="020B0604020202090204" pitchFamily="34" charset="0"/>
-              <a:cs typeface="Arial" panose="020B0604020202090204" pitchFamily="34" charset="0"/>
-            </a:endParaRPr>
           </a:p>
           <a:p>
             <a:r>
@@ -5375,10 +5277,6 @@
               </a:rPr>
               <a:t>                      16   </a:t>
             </a:r>
-            <a:endParaRPr lang="en-US" altLang="zh-CN" sz="1000" dirty="0">
-              <a:latin typeface="Arial" panose="020B0604020202090204" pitchFamily="34" charset="0"/>
-              <a:cs typeface="Arial" panose="020B0604020202090204" pitchFamily="34" charset="0"/>
-            </a:endParaRPr>
           </a:p>
           <a:p>
             <a:r>
@@ -5454,10 +5352,6 @@
               </a:rPr>
               <a:t>                          </a:t>
             </a:r>
-            <a:endParaRPr lang="en-US" altLang="zh-CN" sz="1000" dirty="0">
-              <a:latin typeface="Arial" panose="020B0604020202090204" pitchFamily="34" charset="0"/>
-              <a:cs typeface="Arial" panose="020B0604020202090204" pitchFamily="34" charset="0"/>
-            </a:endParaRPr>
           </a:p>
           <a:p>
             <a:r>
@@ -5467,10 +5361,6 @@
               </a:rPr>
               <a:t>   </a:t>
             </a:r>
-            <a:endParaRPr lang="en-US" altLang="zh-CN" sz="1000" dirty="0">
-              <a:latin typeface="Arial" panose="020B0604020202090204" pitchFamily="34" charset="0"/>
-              <a:cs typeface="Arial" panose="020B0604020202090204" pitchFamily="34" charset="0"/>
-            </a:endParaRPr>
           </a:p>
           <a:p>
             <a:r>
@@ -5480,10 +5370,6 @@
               </a:rPr>
               <a:t>                          8   </a:t>
             </a:r>
-            <a:endParaRPr lang="en-US" altLang="zh-CN" sz="1000" dirty="0">
-              <a:latin typeface="Arial" panose="020B0604020202090204" pitchFamily="34" charset="0"/>
-              <a:cs typeface="Arial" panose="020B0604020202090204" pitchFamily="34" charset="0"/>
-            </a:endParaRPr>
           </a:p>
           <a:p>
             <a:r>
@@ -5546,18 +5432,14 @@
               </a:rPr>
               <a:t>                                    4</a:t>
             </a:r>
+          </a:p>
+          <a:p>
             <a:endParaRPr lang="en-US" altLang="zh-CN" sz="1000" dirty="0">
               <a:latin typeface="Arial" panose="020B0604020202090204" pitchFamily="34" charset="0"/>
               <a:cs typeface="Arial" panose="020B0604020202090204" pitchFamily="34" charset="0"/>
             </a:endParaRPr>
           </a:p>
           <a:p>
-            <a:endParaRPr lang="en-US" altLang="zh-CN" sz="1000" dirty="0">
-              <a:latin typeface="Arial" panose="020B0604020202090204" pitchFamily="34" charset="0"/>
-              <a:cs typeface="Arial" panose="020B0604020202090204" pitchFamily="34" charset="0"/>
-            </a:endParaRPr>
-          </a:p>
-          <a:p>
             <a:r>
               <a:rPr lang="en-US" altLang="zh-CN" sz="1000" dirty="0">
                 <a:latin typeface="Arial" panose="020B0604020202090204" pitchFamily="34" charset="0"/>
@@ -5565,10 +5447,6 @@
               </a:rPr>
               <a:t>                                  4   </a:t>
             </a:r>
-            <a:endParaRPr lang="en-US" altLang="zh-CN" sz="1000" dirty="0">
-              <a:latin typeface="Arial" panose="020B0604020202090204" pitchFamily="34" charset="0"/>
-              <a:cs typeface="Arial" panose="020B0604020202090204" pitchFamily="34" charset="0"/>
-            </a:endParaRPr>
           </a:p>
           <a:p>
             <a:r>
@@ -7202,10 +7080,6 @@
               </a:rPr>
               <a:t>SGAN – 2016.06</a:t>
             </a:r>
-            <a:endParaRPr lang="en-US" altLang="zh-CN" sz="2000" b="1" dirty="0">
-              <a:latin typeface="微软雅黑" panose="020B0503020204020204" charset="-122"/>
-              <a:ea typeface="微软雅黑" panose="020B0503020204020204" charset="-122"/>
-            </a:endParaRPr>
           </a:p>
         </p:txBody>
       </p:sp>
@@ -7242,13 +7116,6 @@
               </a:rPr>
               <a:t>Generator</a:t>
             </a:r>
-            <a:endParaRPr lang="en-US" altLang="zh-CN" sz="1400" b="1" dirty="0">
-              <a:solidFill>
-                <a:srgbClr val="0070C0"/>
-              </a:solidFill>
-              <a:latin typeface="微软雅黑" panose="020B0503020204020204" charset="-122"/>
-              <a:ea typeface="微软雅黑" panose="020B0503020204020204" charset="-122"/>
-            </a:endParaRPr>
           </a:p>
         </p:txBody>
       </p:sp>
@@ -7340,13 +7207,6 @@
               </a:rPr>
               <a:t>Discriminator</a:t>
             </a:r>
-            <a:endParaRPr lang="en-US" altLang="zh-CN" sz="1400" b="1" dirty="0">
-              <a:solidFill>
-                <a:srgbClr val="0070C0"/>
-              </a:solidFill>
-              <a:latin typeface="微软雅黑" panose="020B0503020204020204" charset="-122"/>
-              <a:ea typeface="微软雅黑" panose="020B0503020204020204" charset="-122"/>
-            </a:endParaRPr>
           </a:p>
         </p:txBody>
       </p:sp>
@@ -7379,31 +7239,29 @@
               </a:rPr>
               <a:t>                             64</a:t>
             </a:r>
+          </a:p>
+          <a:p>
             <a:endParaRPr lang="en-US" altLang="zh-CN" sz="1000" dirty="0">
               <a:latin typeface="Arial" panose="020B0604020202090204" pitchFamily="34" charset="0"/>
               <a:cs typeface="Arial" panose="020B0604020202090204" pitchFamily="34" charset="0"/>
             </a:endParaRPr>
           </a:p>
           <a:p>
+            <a:r>
+              <a:rPr lang="en-US" altLang="zh-CN" sz="1400" dirty="0">
+                <a:latin typeface="Axure Handwriting" panose="020B0402020200020204" pitchFamily="34" charset="0"/>
+                <a:cs typeface="Arial" panose="020B0604020202090204" pitchFamily="34" charset="0"/>
+              </a:rPr>
+              <a:t>  x</a:t>
+            </a:r>
+          </a:p>
+          <a:p>
             <a:endParaRPr lang="en-US" altLang="zh-CN" sz="1000" dirty="0">
               <a:latin typeface="Arial" panose="020B0604020202090204" pitchFamily="34" charset="0"/>
               <a:cs typeface="Arial" panose="020B0604020202090204" pitchFamily="34" charset="0"/>
             </a:endParaRPr>
           </a:p>
           <a:p>
-            <a:r>
-              <a:rPr lang="en-US" altLang="zh-CN" sz="1400" dirty="0">
-                <a:latin typeface="Axure Handwriting" panose="020B0402020200020204" pitchFamily="34" charset="0"/>
-                <a:cs typeface="Arial" panose="020B0604020202090204" pitchFamily="34" charset="0"/>
-              </a:rPr>
-              <a:t>  x</a:t>
-            </a:r>
-            <a:endParaRPr lang="en-US" altLang="zh-CN" sz="1400" dirty="0">
-              <a:latin typeface="Axure Handwriting" panose="020B0402020200020204" pitchFamily="34" charset="0"/>
-              <a:cs typeface="Arial" panose="020B0604020202090204" pitchFamily="34" charset="0"/>
-            </a:endParaRPr>
-          </a:p>
-          <a:p>
             <a:endParaRPr lang="en-US" altLang="zh-CN" sz="1000" dirty="0">
               <a:latin typeface="Arial" panose="020B0604020202090204" pitchFamily="34" charset="0"/>
               <a:cs typeface="Arial" panose="020B0604020202090204" pitchFamily="34" charset="0"/>
@@ -7416,12 +7274,6 @@
             </a:endParaRPr>
           </a:p>
           <a:p>
-            <a:endParaRPr lang="en-US" altLang="zh-CN" sz="1000" dirty="0">
-              <a:latin typeface="Arial" panose="020B0604020202090204" pitchFamily="34" charset="0"/>
-              <a:cs typeface="Arial" panose="020B0604020202090204" pitchFamily="34" charset="0"/>
-            </a:endParaRPr>
-          </a:p>
-          <a:p>
             <a:r>
               <a:rPr lang="en-US" altLang="zh-CN" sz="1000" dirty="0">
                 <a:latin typeface="Arial" panose="020B0604020202090204" pitchFamily="34" charset="0"/>
@@ -7429,10 +7281,6 @@
               </a:rPr>
               <a:t>                    64   </a:t>
             </a:r>
-            <a:endParaRPr lang="en-US" altLang="zh-CN" sz="1000" dirty="0">
-              <a:latin typeface="Arial" panose="020B0604020202090204" pitchFamily="34" charset="0"/>
-              <a:cs typeface="Arial" panose="020B0604020202090204" pitchFamily="34" charset="0"/>
-            </a:endParaRPr>
           </a:p>
           <a:p>
             <a:r>
@@ -7442,10 +7290,6 @@
               </a:rPr>
               <a:t>         </a:t>
             </a:r>
-            <a:endParaRPr lang="en-US" altLang="zh-CN" sz="1000" dirty="0">
-              <a:latin typeface="Arial" panose="020B0604020202090204" pitchFamily="34" charset="0"/>
-              <a:cs typeface="Arial" panose="020B0604020202090204" pitchFamily="34" charset="0"/>
-            </a:endParaRPr>
           </a:p>
           <a:p>
             <a:r>
@@ -7816,10 +7660,6 @@
               </a:rPr>
               <a:t>                             </a:t>
             </a:r>
-            <a:endParaRPr lang="en-US" altLang="zh-CN" sz="1000" dirty="0">
-              <a:latin typeface="Arial" panose="020B0604020202090204" pitchFamily="34" charset="0"/>
-              <a:cs typeface="Arial" panose="020B0604020202090204" pitchFamily="34" charset="0"/>
-            </a:endParaRPr>
           </a:p>
           <a:p>
             <a:r>
@@ -7829,10 +7669,6 @@
               </a:rPr>
               <a:t>                  32   </a:t>
             </a:r>
-            <a:endParaRPr lang="en-US" altLang="zh-CN" sz="1000" dirty="0">
-              <a:latin typeface="Arial" panose="020B0604020202090204" pitchFamily="34" charset="0"/>
-              <a:cs typeface="Arial" panose="020B0604020202090204" pitchFamily="34" charset="0"/>
-            </a:endParaRPr>
           </a:p>
           <a:p>
             <a:r>
@@ -7842,10 +7678,6 @@
               </a:rPr>
               <a:t>         </a:t>
             </a:r>
-            <a:endParaRPr lang="en-US" altLang="zh-CN" sz="1000" dirty="0">
-              <a:latin typeface="Arial" panose="020B0604020202090204" pitchFamily="34" charset="0"/>
-              <a:cs typeface="Arial" panose="020B0604020202090204" pitchFamily="34" charset="0"/>
-            </a:endParaRPr>
           </a:p>
           <a:p>
             <a:r>
@@ -7921,18 +7753,14 @@
               </a:rPr>
               <a:t>                             </a:t>
             </a:r>
+          </a:p>
+          <a:p>
             <a:endParaRPr lang="en-US" altLang="zh-CN" sz="1000" dirty="0">
               <a:latin typeface="Arial" panose="020B0604020202090204" pitchFamily="34" charset="0"/>
               <a:cs typeface="Arial" panose="020B0604020202090204" pitchFamily="34" charset="0"/>
             </a:endParaRPr>
           </a:p>
           <a:p>
-            <a:endParaRPr lang="en-US" altLang="zh-CN" sz="1000" dirty="0">
-              <a:latin typeface="Arial" panose="020B0604020202090204" pitchFamily="34" charset="0"/>
-              <a:cs typeface="Arial" panose="020B0604020202090204" pitchFamily="34" charset="0"/>
-            </a:endParaRPr>
-          </a:p>
-          <a:p>
             <a:r>
               <a:rPr lang="en-US" altLang="zh-CN" sz="1000" dirty="0">
                 <a:latin typeface="Arial" panose="020B0604020202090204" pitchFamily="34" charset="0"/>
@@ -7940,10 +7768,6 @@
               </a:rPr>
               <a:t>                        </a:t>
             </a:r>
-            <a:endParaRPr lang="en-US" altLang="zh-CN" sz="1000" dirty="0">
-              <a:latin typeface="Arial" panose="020B0604020202090204" pitchFamily="34" charset="0"/>
-              <a:cs typeface="Arial" panose="020B0604020202090204" pitchFamily="34" charset="0"/>
-            </a:endParaRPr>
           </a:p>
           <a:p>
             <a:r>
@@ -7953,10 +7777,6 @@
               </a:rPr>
               <a:t>                      16   </a:t>
             </a:r>
-            <a:endParaRPr lang="en-US" altLang="zh-CN" sz="1000" dirty="0">
-              <a:latin typeface="Arial" panose="020B0604020202090204" pitchFamily="34" charset="0"/>
-              <a:cs typeface="Arial" panose="020B0604020202090204" pitchFamily="34" charset="0"/>
-            </a:endParaRPr>
           </a:p>
           <a:p>
             <a:r>
@@ -8032,10 +7852,6 @@
               </a:rPr>
               <a:t>                          </a:t>
             </a:r>
-            <a:endParaRPr lang="en-US" altLang="zh-CN" sz="1000" dirty="0">
-              <a:latin typeface="Arial" panose="020B0604020202090204" pitchFamily="34" charset="0"/>
-              <a:cs typeface="Arial" panose="020B0604020202090204" pitchFamily="34" charset="0"/>
-            </a:endParaRPr>
           </a:p>
           <a:p>
             <a:r>
@@ -8045,10 +7861,6 @@
               </a:rPr>
               <a:t>   </a:t>
             </a:r>
-            <a:endParaRPr lang="en-US" altLang="zh-CN" sz="1000" dirty="0">
-              <a:latin typeface="Arial" panose="020B0604020202090204" pitchFamily="34" charset="0"/>
-              <a:cs typeface="Arial" panose="020B0604020202090204" pitchFamily="34" charset="0"/>
-            </a:endParaRPr>
           </a:p>
           <a:p>
             <a:r>
@@ -8058,10 +7870,6 @@
               </a:rPr>
               <a:t>                          8   </a:t>
             </a:r>
-            <a:endParaRPr lang="en-US" altLang="zh-CN" sz="1000" dirty="0">
-              <a:latin typeface="Arial" panose="020B0604020202090204" pitchFamily="34" charset="0"/>
-              <a:cs typeface="Arial" panose="020B0604020202090204" pitchFamily="34" charset="0"/>
-            </a:endParaRPr>
           </a:p>
           <a:p>
             <a:r>
@@ -8124,18 +7932,14 @@
               </a:rPr>
               <a:t>                                    4</a:t>
             </a:r>
+          </a:p>
+          <a:p>
             <a:endParaRPr lang="en-US" altLang="zh-CN" sz="1000" dirty="0">
               <a:latin typeface="Arial" panose="020B0604020202090204" pitchFamily="34" charset="0"/>
               <a:cs typeface="Arial" panose="020B0604020202090204" pitchFamily="34" charset="0"/>
             </a:endParaRPr>
           </a:p>
           <a:p>
-            <a:endParaRPr lang="en-US" altLang="zh-CN" sz="1000" dirty="0">
-              <a:latin typeface="Arial" panose="020B0604020202090204" pitchFamily="34" charset="0"/>
-              <a:cs typeface="Arial" panose="020B0604020202090204" pitchFamily="34" charset="0"/>
-            </a:endParaRPr>
-          </a:p>
-          <a:p>
             <a:r>
               <a:rPr lang="en-US" altLang="zh-CN" sz="1000" dirty="0">
                 <a:latin typeface="Arial" panose="020B0604020202090204" pitchFamily="34" charset="0"/>
@@ -8143,10 +7947,6 @@
               </a:rPr>
               <a:t>                                  4   </a:t>
             </a:r>
-            <a:endParaRPr lang="en-US" altLang="zh-CN" sz="1000" dirty="0">
-              <a:latin typeface="Arial" panose="020B0604020202090204" pitchFamily="34" charset="0"/>
-              <a:cs typeface="Arial" panose="020B0604020202090204" pitchFamily="34" charset="0"/>
-            </a:endParaRPr>
           </a:p>
           <a:p>
             <a:r>
@@ -9758,13 +9558,6 @@
               </a:rPr>
               <a:t>Semi-Supervised GAN </a:t>
             </a:r>
-            <a:endParaRPr lang="en-US" altLang="zh-CN" sz="1400" b="1" dirty="0">
-              <a:solidFill>
-                <a:srgbClr val="0070C0"/>
-              </a:solidFill>
-              <a:latin typeface="微软雅黑" panose="020B0503020204020204" charset="-122"/>
-              <a:ea typeface="微软雅黑" panose="020B0503020204020204" charset="-122"/>
-            </a:endParaRPr>
           </a:p>
         </p:txBody>
       </p:sp>
@@ -9856,15 +9649,6 @@
               </a:rPr>
               <a:t>开始</a:t>
             </a:r>
-            <a:endParaRPr lang="zh-CN" altLang="en-US" sz="1400" b="1">
-              <a:solidFill>
-                <a:schemeClr val="bg1">
-                  <a:lumMod val="50000"/>
-                </a:schemeClr>
-              </a:solidFill>
-              <a:latin typeface="微软雅黑" panose="020B0503020204020204" charset="-122"/>
-              <a:ea typeface="微软雅黑" panose="020B0503020204020204" charset="-122"/>
-            </a:endParaRPr>
           </a:p>
         </p:txBody>
       </p:sp>
@@ -9897,10 +9681,6 @@
               </a:rPr>
               <a:t>LAPGAN - 2016</a:t>
             </a:r>
-            <a:endParaRPr lang="en-US" altLang="zh-CN" sz="2000" b="1" dirty="0">
-              <a:latin typeface="微软雅黑" panose="020B0503020204020204" charset="-122"/>
-              <a:ea typeface="微软雅黑" panose="020B0503020204020204" charset="-122"/>
-            </a:endParaRPr>
           </a:p>
         </p:txBody>
       </p:sp>
@@ -9913,7 +9693,7 @@
           <p:nvPr/>
         </p:nvPicPr>
         <p:blipFill>
-          <a:blip r:embed="rId1"/>
+          <a:blip r:embed="rId3"/>
           <a:stretch>
             <a:fillRect/>
           </a:stretch>
@@ -9948,6 +9728,7 @@
           <a:bodyPr wrap="square" rtlCol="0">
             <a:spAutoFit/>
           </a:bodyPr>
+          <a:lstStyle/>
           <a:p>
             <a:pPr algn="l"/>
             <a:r>
@@ -9960,13 +9741,6 @@
               </a:rPr>
               <a:t>LAPGAN Network</a:t>
             </a:r>
-            <a:endParaRPr lang="en-US" altLang="zh-CN" sz="1400" b="1">
-              <a:solidFill>
-                <a:srgbClr val="0070C0"/>
-              </a:solidFill>
-              <a:latin typeface="微软雅黑" panose="020B0503020204020204" charset="-122"/>
-              <a:ea typeface="微软雅黑" panose="020B0503020204020204" charset="-122"/>
-            </a:endParaRPr>
           </a:p>
         </p:txBody>
       </p:sp>
@@ -10068,6 +9842,7 @@
           <a:bodyPr wrap="square" rtlCol="0">
             <a:spAutoFit/>
           </a:bodyPr>
+          <a:lstStyle/>
           <a:p>
             <a:pPr>
               <a:lnSpc>
@@ -10120,29 +9895,8 @@
                 <a:latin typeface="微软雅黑" panose="020B0503020204020204" charset="-122"/>
                 <a:ea typeface="微软雅黑" panose="020B0503020204020204" charset="-122"/>
               </a:rPr>
-              <a:t>的输入先验</a:t>
-            </a:r>
-            <a:r>
-              <a:rPr lang="zh-CN" altLang="en-US" sz="1400" b="1">
-                <a:solidFill>
-                  <a:schemeClr val="bg1">
-                    <a:lumMod val="50000"/>
-                  </a:schemeClr>
-                </a:solidFill>
-                <a:latin typeface="微软雅黑" panose="020B0503020204020204" charset="-122"/>
-                <a:ea typeface="微软雅黑" panose="020B0503020204020204" charset="-122"/>
-              </a:rPr>
-              <a:t>条件</a:t>
-            </a:r>
-            <a:endParaRPr lang="zh-CN" altLang="en-US" sz="1400" b="1">
-              <a:solidFill>
-                <a:schemeClr val="bg1">
-                  <a:lumMod val="50000"/>
-                </a:schemeClr>
-              </a:solidFill>
-              <a:latin typeface="微软雅黑" panose="020B0503020204020204" charset="-122"/>
-              <a:ea typeface="微软雅黑" panose="020B0503020204020204" charset="-122"/>
-            </a:endParaRPr>
+              <a:t>的输入先验条件</a:t>
+            </a:r>
           </a:p>
         </p:txBody>
       </p:sp>
@@ -10155,7 +9909,7 @@
           <p:nvPr/>
         </p:nvPicPr>
         <p:blipFill>
-          <a:blip r:embed="rId2"/>
+          <a:blip r:embed="rId4"/>
           <a:stretch>
             <a:fillRect/>
           </a:stretch>
@@ -10190,6 +9944,7 @@
           <a:bodyPr wrap="square" rtlCol="0">
             <a:spAutoFit/>
           </a:bodyPr>
+          <a:lstStyle/>
           <a:p>
             <a:pPr algn="l"/>
             <a:r>
@@ -10232,6 +9987,7 @@
           <a:bodyPr wrap="square" rtlCol="0">
             <a:spAutoFit/>
           </a:bodyPr>
+          <a:lstStyle/>
           <a:p>
             <a:pPr>
               <a:lnSpc>
@@ -10262,15 +10018,6 @@
               </a:rPr>
               <a:t>64x64</a:t>
             </a:r>
-            <a:endParaRPr lang="en-US" altLang="zh-CN" sz="1400" b="1">
-              <a:solidFill>
-                <a:schemeClr val="bg1">
-                  <a:lumMod val="50000"/>
-                </a:schemeClr>
-              </a:solidFill>
-              <a:latin typeface="微软雅黑" panose="020B0503020204020204" charset="-122"/>
-              <a:ea typeface="微软雅黑" panose="020B0503020204020204" charset="-122"/>
-            </a:endParaRPr>
           </a:p>
         </p:txBody>
       </p:sp>
@@ -10294,6 +10041,7 @@
           <a:bodyPr wrap="square" rtlCol="0">
             <a:spAutoFit/>
           </a:bodyPr>
+          <a:lstStyle/>
           <a:p>
             <a:pPr>
               <a:lnSpc>
@@ -10312,15 +10060,6 @@
               </a:rPr>
               <a:t>降采样</a:t>
             </a:r>
-            <a:endParaRPr lang="zh-CN" altLang="en-US" sz="1400" b="1">
-              <a:solidFill>
-                <a:schemeClr val="bg1">
-                  <a:lumMod val="50000"/>
-                </a:schemeClr>
-              </a:solidFill>
-              <a:latin typeface="微软雅黑" panose="020B0503020204020204" charset="-122"/>
-              <a:ea typeface="微软雅黑" panose="020B0503020204020204" charset="-122"/>
-            </a:endParaRPr>
           </a:p>
         </p:txBody>
       </p:sp>
@@ -10344,6 +10083,7 @@
           <a:bodyPr wrap="square" rtlCol="0">
             <a:spAutoFit/>
           </a:bodyPr>
+          <a:lstStyle/>
           <a:p>
             <a:pPr>
               <a:lnSpc>
@@ -10362,15 +10102,6 @@
               </a:rPr>
               <a:t>上采样   低通</a:t>
             </a:r>
-            <a:endParaRPr lang="zh-CN" altLang="en-US" sz="1200" b="1">
-              <a:solidFill>
-                <a:schemeClr val="bg1">
-                  <a:lumMod val="50000"/>
-                </a:schemeClr>
-              </a:solidFill>
-              <a:latin typeface="微软雅黑" panose="020B0503020204020204" charset="-122"/>
-              <a:ea typeface="微软雅黑" panose="020B0503020204020204" charset="-122"/>
-            </a:endParaRPr>
           </a:p>
         </p:txBody>
       </p:sp>
@@ -10394,6 +10125,7 @@
           <a:bodyPr wrap="square" rtlCol="0">
             <a:spAutoFit/>
           </a:bodyPr>
+          <a:lstStyle/>
           <a:p>
             <a:pPr algn="ctr">
               <a:lnSpc>
@@ -10475,16 +10207,6 @@
               </a:rPr>
               <a:t>0</a:t>
             </a:r>
-            <a:endParaRPr lang="en-US" altLang="zh-CN" sz="1400" b="1" baseline="-25000">
-              <a:solidFill>
-                <a:schemeClr val="bg1">
-                  <a:lumMod val="50000"/>
-                </a:schemeClr>
-              </a:solidFill>
-              <a:uFillTx/>
-              <a:latin typeface="Menlo" panose="020B0609030804020204" charset="0"/>
-              <a:ea typeface="微软雅黑" panose="020B0503020204020204" charset="-122"/>
-            </a:endParaRPr>
           </a:p>
         </p:txBody>
       </p:sp>
@@ -10508,6 +10230,7 @@
           <a:bodyPr wrap="square" rtlCol="0">
             <a:spAutoFit/>
           </a:bodyPr>
+          <a:lstStyle/>
           <a:p>
             <a:pPr>
               <a:lnSpc>
@@ -10526,15 +10249,6 @@
               </a:rPr>
               <a:t>输入 图像</a:t>
             </a:r>
-            <a:endParaRPr lang="zh-CN" altLang="en-US" sz="1000" b="1">
-              <a:solidFill>
-                <a:schemeClr val="bg1">
-                  <a:lumMod val="50000"/>
-                </a:schemeClr>
-              </a:solidFill>
-              <a:latin typeface="微软雅黑" panose="020B0503020204020204" charset="-122"/>
-              <a:ea typeface="微软雅黑" panose="020B0503020204020204" charset="-122"/>
-            </a:endParaRPr>
           </a:p>
         </p:txBody>
       </p:sp>
@@ -10558,6 +10272,7 @@
           <a:bodyPr wrap="square" rtlCol="0">
             <a:spAutoFit/>
           </a:bodyPr>
+          <a:lstStyle/>
           <a:p>
             <a:pPr>
               <a:lnSpc>
@@ -10574,42 +10289,238 @@
                 <a:latin typeface="微软雅黑" panose="020B0503020204020204" charset="-122"/>
                 <a:ea typeface="微软雅黑" panose="020B0503020204020204" charset="-122"/>
               </a:rPr>
-              <a:t>生成 高通</a:t>
-            </a:r>
-            <a:r>
-              <a:rPr lang="zh-CN" altLang="en-US" sz="1000" b="1">
-                <a:solidFill>
-                  <a:schemeClr val="bg1">
-                    <a:lumMod val="50000"/>
-                  </a:schemeClr>
-                </a:solidFill>
-                <a:latin typeface="微软雅黑" panose="020B0503020204020204" charset="-122"/>
-                <a:ea typeface="微软雅黑" panose="020B0503020204020204" charset="-122"/>
-              </a:rPr>
-              <a:t>图像</a:t>
-            </a:r>
-            <a:endParaRPr lang="zh-CN" altLang="en-US" sz="1000" b="1">
-              <a:solidFill>
-                <a:schemeClr val="bg1">
-                  <a:lumMod val="50000"/>
-                </a:schemeClr>
-              </a:solidFill>
-              <a:latin typeface="微软雅黑" panose="020B0503020204020204" charset="-122"/>
-              <a:ea typeface="微软雅黑" panose="020B0503020204020204" charset="-122"/>
-            </a:endParaRPr>
-          </a:p>
-        </p:txBody>
-      </p:sp>
-      <p:sp>
-        <p:nvSpPr>
-          <p:cNvPr id="15" name="文本框 14"/>
+              <a:t>生成 高通图像</a:t>
+            </a:r>
+          </a:p>
+        </p:txBody>
+      </p:sp>
+      <mc:AlternateContent xmlns:mc="http://schemas.openxmlformats.org/markup-compatibility/2006">
+        <mc:Choice xmlns:a14="http://schemas.microsoft.com/office/drawing/2010/main" Requires="a14">
+          <p:sp>
+            <p:nvSpPr>
+              <p:cNvPr id="15" name="文本框 14"/>
+              <p:cNvSpPr txBox="1"/>
+              <p:nvPr/>
+            </p:nvSpPr>
+            <p:spPr>
+              <a:xfrm>
+                <a:off x="598805" y="6059170"/>
+                <a:ext cx="1918970" cy="293798"/>
+              </a:xfrm>
+              <a:prstGeom prst="rect">
+                <a:avLst/>
+              </a:prstGeom>
+              <a:noFill/>
+            </p:spPr>
+            <p:txBody>
+              <a:bodyPr wrap="square" rtlCol="0">
+                <a:spAutoFit/>
+              </a:bodyPr>
+              <a:lstStyle/>
+              <a:p>
+                <a:pPr>
+                  <a:lnSpc>
+                    <a:spcPct val="140000"/>
+                  </a:lnSpc>
+                </a:pPr>
+                <a:r>
+                  <a:rPr lang="en-US" altLang="zh-CN" sz="1000" b="1" dirty="0">
+                    <a:solidFill>
+                      <a:schemeClr val="accent2">
+                        <a:lumMod val="75000"/>
+                      </a:schemeClr>
+                    </a:solidFill>
+                    <a:latin typeface="Menlo" panose="020B0609030804020204" charset="0"/>
+                    <a:ea typeface="微软雅黑" panose="020B0503020204020204" charset="-122"/>
+                  </a:rPr>
+                  <a:t>l</a:t>
+                </a:r>
+                <a:r>
+                  <a:rPr lang="en-US" altLang="zh-CN" sz="1400" b="1" baseline="-25000" dirty="0">
+                    <a:solidFill>
+                      <a:schemeClr val="accent2">
+                        <a:lumMod val="75000"/>
+                      </a:schemeClr>
+                    </a:solidFill>
+                    <a:latin typeface="Menlo" panose="020B0609030804020204" charset="0"/>
+                    <a:ea typeface="微软雅黑" panose="020B0503020204020204" charset="-122"/>
+                  </a:rPr>
+                  <a:t>0</a:t>
+                </a:r>
+                <a:r>
+                  <a:rPr lang="zh-CN" altLang="en-US" sz="1000" b="1" dirty="0">
+                    <a:solidFill>
+                      <a:schemeClr val="accent2">
+                        <a:lumMod val="75000"/>
+                      </a:schemeClr>
+                    </a:solidFill>
+                    <a:latin typeface="Menlo" panose="020B0609030804020204" charset="0"/>
+                    <a:ea typeface="微软雅黑" panose="020B0503020204020204" charset="-122"/>
+                  </a:rPr>
+                  <a:t>添加到</a:t>
+                </a:r>
+                <a:r>
+                  <a:rPr lang="en-US" altLang="zh-CN" sz="1000" b="1" dirty="0">
+                    <a:solidFill>
+                      <a:schemeClr val="accent2">
+                        <a:lumMod val="75000"/>
+                      </a:schemeClr>
+                    </a:solidFill>
+                    <a:latin typeface="Menlo" panose="020B0609030804020204" charset="0"/>
+                    <a:ea typeface="微软雅黑" panose="020B0503020204020204" charset="-122"/>
+                  </a:rPr>
+                  <a:t>h</a:t>
+                </a:r>
+                <a:r>
+                  <a:rPr lang="en-US" altLang="zh-CN" sz="1400" b="1" baseline="-25000" dirty="0">
+                    <a:solidFill>
+                      <a:schemeClr val="accent2">
+                        <a:lumMod val="75000"/>
+                      </a:schemeClr>
+                    </a:solidFill>
+                    <a:latin typeface="Menlo" panose="020B0609030804020204" charset="0"/>
+                    <a:ea typeface="微软雅黑" panose="020B0503020204020204" charset="-122"/>
+                  </a:rPr>
+                  <a:t>0</a:t>
+                </a:r>
+                <a:r>
+                  <a:rPr lang="zh-CN" altLang="en-US" sz="1000" b="1" dirty="0">
+                    <a:solidFill>
+                      <a:schemeClr val="accent2">
+                        <a:lumMod val="75000"/>
+                      </a:schemeClr>
+                    </a:solidFill>
+                    <a:latin typeface="Menlo" panose="020B0609030804020204" charset="0"/>
+                    <a:ea typeface="微软雅黑" panose="020B0503020204020204" charset="-122"/>
+                  </a:rPr>
+                  <a:t>和</a:t>
+                </a:r>
+                <a14:m>
+                  <m:oMath xmlns:m="http://schemas.openxmlformats.org/officeDocument/2006/math">
+                    <m:sSub>
+                      <m:sSubPr>
+                        <m:ctrlPr>
+                          <a:rPr lang="en-US" altLang="zh-CN" sz="1000" i="1" smtClean="0">
+                            <a:solidFill>
+                              <a:schemeClr val="accent2">
+                                <a:lumMod val="75000"/>
+                              </a:schemeClr>
+                            </a:solidFill>
+                            <a:latin typeface="Cambria Math" panose="02040503050406030204" pitchFamily="18" charset="0"/>
+                          </a:rPr>
+                        </m:ctrlPr>
+                      </m:sSubPr>
+                      <m:e>
+                        <m:acc>
+                          <m:accPr>
+                            <m:chr m:val="̃"/>
+                            <m:ctrlPr>
+                              <a:rPr lang="en-US" altLang="zh-CN" sz="1000" i="1">
+                                <a:solidFill>
+                                  <a:schemeClr val="accent2">
+                                    <a:lumMod val="75000"/>
+                                  </a:schemeClr>
+                                </a:solidFill>
+                                <a:latin typeface="Cambria Math" panose="02040503050406030204" pitchFamily="18" charset="0"/>
+                              </a:rPr>
+                            </m:ctrlPr>
+                          </m:accPr>
+                          <m:e>
+                            <m:r>
+                              <a:rPr lang="en-US" altLang="zh-CN" sz="1000" i="1">
+                                <a:solidFill>
+                                  <a:schemeClr val="accent2">
+                                    <a:lumMod val="75000"/>
+                                  </a:schemeClr>
+                                </a:solidFill>
+                                <a:latin typeface="Cambria Math" panose="02040503050406030204" pitchFamily="18" charset="0"/>
+                              </a:rPr>
+                              <m:t>h</m:t>
+                            </m:r>
+                          </m:e>
+                        </m:acc>
+                      </m:e>
+                      <m:sub>
+                        <m:r>
+                          <a:rPr lang="en-US" altLang="zh-CN" sz="1000" i="1">
+                            <a:solidFill>
+                              <a:schemeClr val="accent2">
+                                <a:lumMod val="75000"/>
+                              </a:schemeClr>
+                            </a:solidFill>
+                            <a:latin typeface="Cambria Math" panose="02040503050406030204" pitchFamily="18" charset="0"/>
+                          </a:rPr>
+                          <m:t>0</m:t>
+                        </m:r>
+                      </m:sub>
+                    </m:sSub>
+                  </m:oMath>
+                </a14:m>
+                <a:r>
+                  <a:rPr lang="zh-CN" altLang="en-US" sz="1000" b="1" dirty="0">
+                    <a:solidFill>
+                      <a:schemeClr val="accent2">
+                        <a:lumMod val="75000"/>
+                      </a:schemeClr>
+                    </a:solidFill>
+                    <a:latin typeface="Menlo" panose="020B0609030804020204" charset="0"/>
+                    <a:ea typeface="微软雅黑" panose="020B0503020204020204" charset="-122"/>
+                  </a:rPr>
+                  <a:t>卷积层之前</a:t>
+                </a:r>
+              </a:p>
+            </p:txBody>
+          </p:sp>
+        </mc:Choice>
+        <mc:Fallback>
+          <p:sp>
+            <p:nvSpPr>
+              <p:cNvPr id="15" name="文本框 14"/>
+              <p:cNvSpPr txBox="1">
+                <a:spLocks noRot="1" noChangeAspect="1" noMove="1" noResize="1" noEditPoints="1" noAdjustHandles="1" noChangeArrowheads="1" noChangeShapeType="1" noTextEdit="1"/>
+              </p:cNvSpPr>
+              <p:nvPr/>
+            </p:nvSpPr>
+            <p:spPr>
+              <a:xfrm>
+                <a:off x="598805" y="6059170"/>
+                <a:ext cx="1918970" cy="293798"/>
+              </a:xfrm>
+              <a:prstGeom prst="rect">
+                <a:avLst/>
+              </a:prstGeom>
+              <a:blipFill>
+                <a:blip r:embed="rId5"/>
+                <a:stretch>
+                  <a:fillRect b="-18750"/>
+                </a:stretch>
+              </a:blipFill>
+            </p:spPr>
+            <p:txBody>
+              <a:bodyPr/>
+              <a:lstStyle/>
+              <a:p>
+                <a:r>
+                  <a:rPr lang="zh-CN" altLang="en-US">
+                    <a:noFill/>
+                  </a:rPr>
+                  <a:t> </a:t>
+                </a:r>
+              </a:p>
+            </p:txBody>
+          </p:sp>
+        </mc:Fallback>
+      </mc:AlternateContent>
+      <p:sp>
+        <p:nvSpPr>
+          <p:cNvPr id="16" name="文本框 15"/>
           <p:cNvSpPr txBox="1"/>
           <p:nvPr/>
         </p:nvSpPr>
         <p:spPr>
           <a:xfrm>
-            <a:off x="598805" y="6059170"/>
-            <a:ext cx="1918970" cy="306705"/>
+            <a:off x="7648575" y="3623945"/>
+            <a:ext cx="560070" cy="392430"/>
           </a:xfrm>
           <a:prstGeom prst="rect">
             <a:avLst/>
@@ -10620,152 +10531,7 @@
           <a:bodyPr wrap="square" rtlCol="0">
             <a:spAutoFit/>
           </a:bodyPr>
-          <a:p>
-            <a:pPr>
-              <a:lnSpc>
-                <a:spcPct val="140000"/>
-              </a:lnSpc>
-            </a:pPr>
-            <a:r>
-              <a:rPr lang="en-US" altLang="zh-CN" sz="1000" b="1">
-                <a:solidFill>
-                  <a:schemeClr val="accent2">
-                    <a:lumMod val="75000"/>
-                  </a:schemeClr>
-                </a:solidFill>
-                <a:latin typeface="Menlo" panose="020B0609030804020204" charset="0"/>
-                <a:ea typeface="微软雅黑" panose="020B0503020204020204" charset="-122"/>
-              </a:rPr>
-              <a:t>l</a:t>
-            </a:r>
-            <a:r>
-              <a:rPr lang="en-US" altLang="zh-CN" sz="1400" b="1" baseline="-25000">
-                <a:solidFill>
-                  <a:schemeClr val="accent2">
-                    <a:lumMod val="75000"/>
-                  </a:schemeClr>
-                </a:solidFill>
-                <a:latin typeface="Menlo" panose="020B0609030804020204" charset="0"/>
-                <a:ea typeface="微软雅黑" panose="020B0503020204020204" charset="-122"/>
-              </a:rPr>
-              <a:t>0</a:t>
-            </a:r>
-            <a:r>
-              <a:rPr lang="zh-CN" altLang="en-US" sz="1000" b="1">
-                <a:solidFill>
-                  <a:schemeClr val="accent2">
-                    <a:lumMod val="75000"/>
-                  </a:schemeClr>
-                </a:solidFill>
-                <a:latin typeface="Menlo" panose="020B0609030804020204" charset="0"/>
-                <a:ea typeface="微软雅黑" panose="020B0503020204020204" charset="-122"/>
-              </a:rPr>
-              <a:t>添加到</a:t>
-            </a:r>
-            <a:r>
-              <a:rPr lang="en-US" altLang="zh-CN" sz="1000" b="1">
-                <a:solidFill>
-                  <a:schemeClr val="accent2">
-                    <a:lumMod val="75000"/>
-                  </a:schemeClr>
-                </a:solidFill>
-                <a:latin typeface="Menlo" panose="020B0609030804020204" charset="0"/>
-                <a:ea typeface="微软雅黑" panose="020B0503020204020204" charset="-122"/>
-              </a:rPr>
-              <a:t>h</a:t>
-            </a:r>
-            <a:r>
-              <a:rPr lang="en-US" altLang="zh-CN" sz="1400" b="1" baseline="-25000">
-                <a:solidFill>
-                  <a:schemeClr val="accent2">
-                    <a:lumMod val="75000"/>
-                  </a:schemeClr>
-                </a:solidFill>
-                <a:latin typeface="Menlo" panose="020B0609030804020204" charset="0"/>
-                <a:ea typeface="微软雅黑" panose="020B0503020204020204" charset="-122"/>
-              </a:rPr>
-              <a:t>0</a:t>
-            </a:r>
-            <a:r>
-              <a:rPr lang="zh-CN" altLang="en-US" sz="1000" b="1">
-                <a:solidFill>
-                  <a:schemeClr val="accent2">
-                    <a:lumMod val="75000"/>
-                  </a:schemeClr>
-                </a:solidFill>
-                <a:latin typeface="Menlo" panose="020B0609030804020204" charset="0"/>
-                <a:ea typeface="微软雅黑" panose="020B0503020204020204" charset="-122"/>
-              </a:rPr>
-              <a:t>和</a:t>
-            </a:r>
-            <a:r>
-              <a:rPr lang="en-US" altLang="zh-CN" sz="1000" b="1">
-                <a:solidFill>
-                  <a:schemeClr val="accent2">
-                    <a:lumMod val="75000"/>
-                  </a:schemeClr>
-                </a:solidFill>
-                <a:latin typeface="Menlo" panose="020B0609030804020204" charset="0"/>
-                <a:ea typeface="微软雅黑" panose="020B0503020204020204" charset="-122"/>
-              </a:rPr>
-              <a:t>~h</a:t>
-            </a:r>
-            <a:r>
-              <a:rPr lang="en-US" altLang="zh-CN" sz="1400" b="1" baseline="-25000">
-                <a:solidFill>
-                  <a:schemeClr val="accent2">
-                    <a:lumMod val="75000"/>
-                  </a:schemeClr>
-                </a:solidFill>
-                <a:latin typeface="Menlo" panose="020B0609030804020204" charset="0"/>
-                <a:ea typeface="微软雅黑" panose="020B0503020204020204" charset="-122"/>
-              </a:rPr>
-              <a:t>0</a:t>
-            </a:r>
-            <a:r>
-              <a:rPr lang="zh-CN" altLang="en-US" sz="1000" b="1">
-                <a:solidFill>
-                  <a:schemeClr val="accent2">
-                    <a:lumMod val="75000"/>
-                  </a:schemeClr>
-                </a:solidFill>
-                <a:latin typeface="Menlo" panose="020B0609030804020204" charset="0"/>
-                <a:ea typeface="微软雅黑" panose="020B0503020204020204" charset="-122"/>
-              </a:rPr>
-              <a:t>卷积层之前</a:t>
-            </a:r>
-            <a:endParaRPr lang="zh-CN" altLang="en-US" sz="1000" b="1">
-              <a:solidFill>
-                <a:schemeClr val="accent2">
-                  <a:lumMod val="75000"/>
-                </a:schemeClr>
-              </a:solidFill>
-              <a:latin typeface="Menlo" panose="020B0609030804020204" charset="0"/>
-              <a:ea typeface="微软雅黑" panose="020B0503020204020204" charset="-122"/>
-            </a:endParaRPr>
-          </a:p>
-        </p:txBody>
-      </p:sp>
-      <p:sp>
-        <p:nvSpPr>
-          <p:cNvPr id="16" name="文本框 15"/>
-          <p:cNvSpPr txBox="1"/>
-          <p:nvPr/>
-        </p:nvSpPr>
-        <p:spPr>
-          <a:xfrm>
-            <a:off x="7648575" y="3623945"/>
-            <a:ext cx="560070" cy="392430"/>
-          </a:xfrm>
-          <a:prstGeom prst="rect">
-            <a:avLst/>
-          </a:prstGeom>
-          <a:noFill/>
-        </p:spPr>
-        <p:txBody>
-          <a:bodyPr wrap="square" rtlCol="0">
-            <a:spAutoFit/>
-          </a:bodyPr>
+          <a:lstStyle/>
           <a:p>
             <a:pPr algn="ctr">
               <a:lnSpc>
@@ -10784,15 +10550,6 @@
               </a:rPr>
               <a:t>8x8</a:t>
             </a:r>
-            <a:endParaRPr lang="en-US" altLang="zh-CN" sz="1400" b="1">
-              <a:solidFill>
-                <a:schemeClr val="bg1">
-                  <a:lumMod val="50000"/>
-                </a:schemeClr>
-              </a:solidFill>
-              <a:latin typeface="微软雅黑" panose="020B0503020204020204" charset="-122"/>
-              <a:ea typeface="微软雅黑" panose="020B0503020204020204" charset="-122"/>
-            </a:endParaRPr>
           </a:p>
         </p:txBody>
       </p:sp>
@@ -10816,6 +10573,7 @@
           <a:bodyPr wrap="square" rtlCol="0">
             <a:spAutoFit/>
           </a:bodyPr>
+          <a:lstStyle/>
           <a:p>
             <a:pPr algn="ctr">
               <a:lnSpc>
@@ -10834,15 +10592,6 @@
               </a:rPr>
               <a:t>16x16</a:t>
             </a:r>
-            <a:endParaRPr lang="en-US" altLang="zh-CN" sz="1400" b="1">
-              <a:solidFill>
-                <a:schemeClr val="bg1">
-                  <a:lumMod val="50000"/>
-                </a:schemeClr>
-              </a:solidFill>
-              <a:latin typeface="微软雅黑" panose="020B0503020204020204" charset="-122"/>
-              <a:ea typeface="微软雅黑" panose="020B0503020204020204" charset="-122"/>
-            </a:endParaRPr>
           </a:p>
         </p:txBody>
       </p:sp>
@@ -10866,6 +10615,7 @@
           <a:bodyPr wrap="square" rtlCol="0">
             <a:spAutoFit/>
           </a:bodyPr>
+          <a:lstStyle/>
           <a:p>
             <a:pPr algn="ctr">
               <a:lnSpc>
@@ -10884,15 +10634,6 @@
               </a:rPr>
               <a:t>32x32</a:t>
             </a:r>
-            <a:endParaRPr lang="en-US" altLang="zh-CN" sz="1400" b="1">
-              <a:solidFill>
-                <a:schemeClr val="bg1">
-                  <a:lumMod val="50000"/>
-                </a:schemeClr>
-              </a:solidFill>
-              <a:latin typeface="微软雅黑" panose="020B0503020204020204" charset="-122"/>
-              <a:ea typeface="微软雅黑" panose="020B0503020204020204" charset="-122"/>
-            </a:endParaRPr>
           </a:p>
         </p:txBody>
       </p:sp>
@@ -10950,10 +10691,6 @@
               </a:rPr>
               <a:t>Batch Normalization - 2016</a:t>
             </a:r>
-            <a:endParaRPr lang="en-US" altLang="zh-CN" sz="2000" b="1" dirty="0">
-              <a:latin typeface="微软雅黑" panose="020B0503020204020204" charset="-122"/>
-              <a:ea typeface="微软雅黑" panose="020B0503020204020204" charset="-122"/>
-            </a:endParaRPr>
           </a:p>
         </p:txBody>
       </p:sp>
@@ -11012,16 +10749,6 @@
               </a:rPr>
               <a:t>source: https://openai.com/blog/generative-models/</a:t>
             </a:r>
-            <a:endParaRPr lang="en-US" altLang="zh-CN" sz="800" dirty="0">
-              <a:solidFill>
-                <a:schemeClr val="tx1">
-                  <a:lumMod val="50000"/>
-                  <a:lumOff val="50000"/>
-                </a:schemeClr>
-              </a:solidFill>
-              <a:latin typeface="微软雅黑" panose="020B0503020204020204" charset="-122"/>
-              <a:ea typeface="微软雅黑" panose="020B0503020204020204" charset="-122"/>
-            </a:endParaRPr>
           </a:p>
         </p:txBody>
       </p:sp>
@@ -11057,13 +10784,6 @@
               </a:rPr>
               <a:t>Generator</a:t>
             </a:r>
-            <a:endParaRPr lang="en-US" altLang="zh-CN" sz="1400" b="1" dirty="0">
-              <a:solidFill>
-                <a:srgbClr val="0070C0"/>
-              </a:solidFill>
-              <a:latin typeface="微软雅黑" panose="020B0503020204020204" charset="-122"/>
-              <a:ea typeface="微软雅黑" panose="020B0503020204020204" charset="-122"/>
-            </a:endParaRPr>
           </a:p>
         </p:txBody>
       </p:sp>
@@ -11102,15 +10822,6 @@
               </a:rPr>
               <a:t>Discriminator</a:t>
             </a:r>
-            <a:endParaRPr lang="en-US" altLang="zh-CN" sz="1400" b="1" dirty="0">
-              <a:solidFill>
-                <a:schemeClr val="accent2">
-                  <a:lumMod val="75000"/>
-                </a:schemeClr>
-              </a:solidFill>
-              <a:latin typeface="微软雅黑" panose="020B0503020204020204" charset="-122"/>
-              <a:ea typeface="微软雅黑" panose="020B0503020204020204" charset="-122"/>
-            </a:endParaRPr>
           </a:p>
         </p:txBody>
       </p:sp>
@@ -11359,10 +11070,6 @@
               </a:rPr>
               <a:t>Loss</a:t>
             </a:r>
-            <a:endParaRPr lang="en-US" altLang="zh-CN" sz="1400" b="1" dirty="0">
-              <a:latin typeface="微软雅黑" panose="020B0503020204020204" charset="-122"/>
-              <a:ea typeface="微软雅黑" panose="020B0503020204020204" charset="-122"/>
-            </a:endParaRPr>
           </a:p>
         </p:txBody>
       </p:sp>
@@ -11375,7 +11082,7 @@
           <p:nvPr/>
         </p:nvPicPr>
         <p:blipFill>
-          <a:blip r:embed="rId1">
+          <a:blip r:embed="rId2">
             <a:extLst>
               <a:ext uri="{28A0092B-C50C-407E-A947-70E740481C1C}">
                 <a14:useLocalDpi xmlns:a14="http://schemas.microsoft.com/office/drawing/2010/main" val="0"/>
@@ -11650,10 +11357,6 @@
               </a:rPr>
               <a:t>Instance Normalization - 2016</a:t>
             </a:r>
-            <a:endParaRPr lang="en-US" altLang="zh-CN" sz="2000" b="1" dirty="0">
-              <a:latin typeface="微软雅黑" panose="020B0503020204020204" charset="-122"/>
-              <a:ea typeface="微软雅黑" panose="020B0503020204020204" charset="-122"/>
-            </a:endParaRPr>
           </a:p>
         </p:txBody>
       </p:sp>
@@ -11712,16 +11415,6 @@
               </a:rPr>
               <a:t>source: https://openai.com/blog/generative-models/</a:t>
             </a:r>
-            <a:endParaRPr lang="en-US" altLang="zh-CN" sz="800" dirty="0">
-              <a:solidFill>
-                <a:schemeClr val="tx1">
-                  <a:lumMod val="50000"/>
-                  <a:lumOff val="50000"/>
-                </a:schemeClr>
-              </a:solidFill>
-              <a:latin typeface="微软雅黑" panose="020B0503020204020204" charset="-122"/>
-              <a:ea typeface="微软雅黑" panose="020B0503020204020204" charset="-122"/>
-            </a:endParaRPr>
           </a:p>
         </p:txBody>
       </p:sp>
@@ -11757,13 +11450,6 @@
               </a:rPr>
               <a:t>Generator</a:t>
             </a:r>
-            <a:endParaRPr lang="en-US" altLang="zh-CN" sz="1400" b="1" dirty="0">
-              <a:solidFill>
-                <a:srgbClr val="0070C0"/>
-              </a:solidFill>
-              <a:latin typeface="微软雅黑" panose="020B0503020204020204" charset="-122"/>
-              <a:ea typeface="微软雅黑" panose="020B0503020204020204" charset="-122"/>
-            </a:endParaRPr>
           </a:p>
         </p:txBody>
       </p:sp>
@@ -11802,15 +11488,6 @@
               </a:rPr>
               <a:t>Discriminator</a:t>
             </a:r>
-            <a:endParaRPr lang="en-US" altLang="zh-CN" sz="1400" b="1" dirty="0">
-              <a:solidFill>
-                <a:schemeClr val="accent2">
-                  <a:lumMod val="75000"/>
-                </a:schemeClr>
-              </a:solidFill>
-              <a:latin typeface="微软雅黑" panose="020B0503020204020204" charset="-122"/>
-              <a:ea typeface="微软雅黑" panose="020B0503020204020204" charset="-122"/>
-            </a:endParaRPr>
           </a:p>
         </p:txBody>
       </p:sp>
@@ -12059,10 +11736,6 @@
               </a:rPr>
               <a:t>Loss</a:t>
             </a:r>
-            <a:endParaRPr lang="en-US" altLang="zh-CN" sz="1400" b="1" dirty="0">
-              <a:latin typeface="微软雅黑" panose="020B0503020204020204" charset="-122"/>
-              <a:ea typeface="微软雅黑" panose="020B0503020204020204" charset="-122"/>
-            </a:endParaRPr>
           </a:p>
         </p:txBody>
       </p:sp>
@@ -12075,7 +11748,7 @@
           <p:nvPr/>
         </p:nvPicPr>
         <p:blipFill>
-          <a:blip r:embed="rId1">
+          <a:blip r:embed="rId2">
             <a:extLst>
               <a:ext uri="{28A0092B-C50C-407E-A947-70E740481C1C}">
                 <a14:useLocalDpi xmlns:a14="http://schemas.microsoft.com/office/drawing/2010/main" val="0"/>
@@ -12350,10 +12023,6 @@
               </a:rPr>
               <a:t>Layer Normalization - 2016</a:t>
             </a:r>
-            <a:endParaRPr lang="en-US" altLang="zh-CN" sz="2000" b="1" dirty="0">
-              <a:latin typeface="微软雅黑" panose="020B0503020204020204" charset="-122"/>
-              <a:ea typeface="微软雅黑" panose="020B0503020204020204" charset="-122"/>
-            </a:endParaRPr>
           </a:p>
         </p:txBody>
       </p:sp>
@@ -12412,16 +12081,6 @@
               </a:rPr>
               <a:t>source: https://openai.com/blog/generative-models/</a:t>
             </a:r>
-            <a:endParaRPr lang="en-US" altLang="zh-CN" sz="800" dirty="0">
-              <a:solidFill>
-                <a:schemeClr val="tx1">
-                  <a:lumMod val="50000"/>
-                  <a:lumOff val="50000"/>
-                </a:schemeClr>
-              </a:solidFill>
-              <a:latin typeface="微软雅黑" panose="020B0503020204020204" charset="-122"/>
-              <a:ea typeface="微软雅黑" panose="020B0503020204020204" charset="-122"/>
-            </a:endParaRPr>
           </a:p>
         </p:txBody>
       </p:sp>
@@ -12457,13 +12116,6 @@
               </a:rPr>
               <a:t>Generator</a:t>
             </a:r>
-            <a:endParaRPr lang="en-US" altLang="zh-CN" sz="1400" b="1" dirty="0">
-              <a:solidFill>
-                <a:srgbClr val="0070C0"/>
-              </a:solidFill>
-              <a:latin typeface="微软雅黑" panose="020B0503020204020204" charset="-122"/>
-              <a:ea typeface="微软雅黑" panose="020B0503020204020204" charset="-122"/>
-            </a:endParaRPr>
           </a:p>
         </p:txBody>
       </p:sp>
@@ -12502,15 +12154,6 @@
               </a:rPr>
               <a:t>Discriminator</a:t>
             </a:r>
-            <a:endParaRPr lang="en-US" altLang="zh-CN" sz="1400" b="1" dirty="0">
-              <a:solidFill>
-                <a:schemeClr val="accent2">
-                  <a:lumMod val="75000"/>
-                </a:schemeClr>
-              </a:solidFill>
-              <a:latin typeface="微软雅黑" panose="020B0503020204020204" charset="-122"/>
-              <a:ea typeface="微软雅黑" panose="020B0503020204020204" charset="-122"/>
-            </a:endParaRPr>
           </a:p>
         </p:txBody>
       </p:sp>
@@ -12759,10 +12402,6 @@
               </a:rPr>
               <a:t>Loss</a:t>
             </a:r>
-            <a:endParaRPr lang="en-US" altLang="zh-CN" sz="1400" b="1" dirty="0">
-              <a:latin typeface="微软雅黑" panose="020B0503020204020204" charset="-122"/>
-              <a:ea typeface="微软雅黑" panose="020B0503020204020204" charset="-122"/>
-            </a:endParaRPr>
           </a:p>
         </p:txBody>
       </p:sp>
@@ -12775,7 +12414,7 @@
           <p:nvPr/>
         </p:nvPicPr>
         <p:blipFill>
-          <a:blip r:embed="rId1">
+          <a:blip r:embed="rId2">
             <a:extLst>
               <a:ext uri="{28A0092B-C50C-407E-A947-70E740481C1C}">
                 <a14:useLocalDpi xmlns:a14="http://schemas.microsoft.com/office/drawing/2010/main" val="0"/>
@@ -13105,13 +12744,6 @@
               </a:rPr>
               <a:t>特征提取</a:t>
             </a:r>
-            <a:endParaRPr lang="zh-CN" altLang="en-US" sz="1400" b="1">
-              <a:solidFill>
-                <a:srgbClr val="0070C0"/>
-              </a:solidFill>
-              <a:latin typeface="微软雅黑" panose="020B0503020204020204" charset="-122"/>
-              <a:ea typeface="微软雅黑" panose="020B0503020204020204" charset="-122"/>
-            </a:endParaRPr>
           </a:p>
         </p:txBody>
       </p:sp>
@@ -13152,13 +12784,6 @@
               </a:rPr>
               <a:t>Offset Max Pooling</a:t>
             </a:r>
-            <a:endParaRPr lang="en-US" altLang="zh-CN" b="1">
-              <a:solidFill>
-                <a:srgbClr val="C00000"/>
-              </a:solidFill>
-              <a:latin typeface="微软雅黑" panose="020B0503020204020204" charset="-122"/>
-              <a:ea typeface="微软雅黑" panose="020B0503020204020204" charset="-122"/>
-            </a:endParaRPr>
           </a:p>
         </p:txBody>
       </p:sp>
@@ -13171,7 +12796,7 @@
           <p:nvPr/>
         </p:nvPicPr>
         <p:blipFill>
-          <a:blip r:embed="rId1"/>
+          <a:blip r:embed="rId3"/>
           <a:stretch>
             <a:fillRect/>
           </a:stretch>
@@ -13195,7 +12820,7 @@
           <p:nvPr/>
         </p:nvPicPr>
         <p:blipFill>
-          <a:blip r:embed="rId2"/>
+          <a:blip r:embed="rId4"/>
           <a:stretch>
             <a:fillRect/>
           </a:stretch>
@@ -13219,7 +12844,7 @@
           <p:nvPr/>
         </p:nvPicPr>
         <p:blipFill>
-          <a:blip r:embed="rId3"/>
+          <a:blip r:embed="rId5"/>
           <a:stretch>
             <a:fillRect/>
           </a:stretch>
@@ -13267,13 +12892,6 @@
               </a:rPr>
               <a:t>Classifier</a:t>
             </a:r>
-            <a:endParaRPr lang="en-US" altLang="zh-CN" b="1">
-              <a:solidFill>
-                <a:srgbClr val="0070C0"/>
-              </a:solidFill>
-              <a:latin typeface="微软雅黑" panose="020B0503020204020204" charset="-122"/>
-              <a:ea typeface="微软雅黑" panose="020B0503020204020204" charset="-122"/>
-            </a:endParaRPr>
           </a:p>
         </p:txBody>
       </p:sp>
@@ -13317,16 +12935,6 @@
               </a:rPr>
               <a:t>conv 5x5</a:t>
             </a:r>
-            <a:endParaRPr lang="en-US" altLang="zh-CN" sz="1200" b="1">
-              <a:solidFill>
-                <a:schemeClr val="tx1">
-                  <a:lumMod val="50000"/>
-                  <a:lumOff val="50000"/>
-                </a:schemeClr>
-              </a:solidFill>
-              <a:latin typeface="微软雅黑" panose="020B0503020204020204" charset="-122"/>
-              <a:ea typeface="微软雅黑" panose="020B0503020204020204" charset="-122"/>
-            </a:endParaRPr>
           </a:p>
         </p:txBody>
       </p:sp>
@@ -13339,7 +12947,7 @@
           <p:nvPr/>
         </p:nvPicPr>
         <p:blipFill>
-          <a:blip r:embed="rId1"/>
+          <a:blip r:embed="rId3"/>
           <a:stretch>
             <a:fillRect/>
           </a:stretch>
@@ -13363,7 +12971,7 @@
           <p:nvPr/>
         </p:nvPicPr>
         <p:blipFill>
-          <a:blip r:embed="rId2"/>
+          <a:blip r:embed="rId4"/>
           <a:stretch>
             <a:fillRect/>
           </a:stretch>
@@ -13387,7 +12995,7 @@
           <p:nvPr/>
         </p:nvPicPr>
         <p:blipFill>
-          <a:blip r:embed="rId3"/>
+          <a:blip r:embed="rId5"/>
           <a:stretch>
             <a:fillRect/>
           </a:stretch>
@@ -13438,16 +13046,6 @@
               </a:rPr>
               <a:t>fc6</a:t>
             </a:r>
-            <a:endParaRPr lang="en-US" altLang="zh-CN" sz="1400" b="1">
-              <a:solidFill>
-                <a:schemeClr val="tx1">
-                  <a:lumMod val="65000"/>
-                  <a:lumOff val="35000"/>
-                </a:schemeClr>
-              </a:solidFill>
-              <a:latin typeface="微软雅黑" panose="020B0503020204020204" charset="-122"/>
-              <a:ea typeface="微软雅黑" panose="020B0503020204020204" charset="-122"/>
-            </a:endParaRPr>
           </a:p>
         </p:txBody>
       </p:sp>
@@ -13460,7 +13058,7 @@
           <p:nvPr/>
         </p:nvPicPr>
         <p:blipFill>
-          <a:blip r:embed="rId4"/>
+          <a:blip r:embed="rId6"/>
           <a:stretch>
             <a:fillRect/>
           </a:stretch>
@@ -13484,7 +13082,7 @@
           <p:nvPr/>
         </p:nvPicPr>
         <p:blipFill>
-          <a:blip r:embed="rId4"/>
+          <a:blip r:embed="rId6"/>
           <a:stretch>
             <a:fillRect/>
           </a:stretch>
@@ -13508,7 +13106,7 @@
           <p:nvPr/>
         </p:nvPicPr>
         <p:blipFill>
-          <a:blip r:embed="rId4"/>
+          <a:blip r:embed="rId6"/>
           <a:stretch>
             <a:fillRect/>
           </a:stretch>
@@ -13532,7 +13130,7 @@
           <p:nvPr/>
         </p:nvPicPr>
         <p:blipFill>
-          <a:blip r:embed="rId5"/>
+          <a:blip r:embed="rId7"/>
           <a:stretch>
             <a:fillRect/>
           </a:stretch>
@@ -13556,7 +13154,7 @@
           <p:nvPr/>
         </p:nvPicPr>
         <p:blipFill>
-          <a:blip r:embed="rId6"/>
+          <a:blip r:embed="rId8"/>
           <a:stretch>
             <a:fillRect/>
           </a:stretch>
@@ -13580,7 +13178,7 @@
           <p:nvPr/>
         </p:nvPicPr>
         <p:blipFill>
-          <a:blip r:embed="rId7"/>
+          <a:blip r:embed="rId9"/>
           <a:stretch>
             <a:fillRect/>
           </a:stretch>
@@ -13604,7 +13202,7 @@
           <p:nvPr/>
         </p:nvPicPr>
         <p:blipFill>
-          <a:blip r:embed="rId8"/>
+          <a:blip r:embed="rId10"/>
           <a:stretch>
             <a:fillRect/>
           </a:stretch>
@@ -13628,7 +13226,7 @@
           <p:nvPr/>
         </p:nvPicPr>
         <p:blipFill>
-          <a:blip r:embed="rId8"/>
+          <a:blip r:embed="rId10"/>
           <a:stretch>
             <a:fillRect/>
           </a:stretch>
@@ -13652,7 +13250,7 @@
           <p:nvPr/>
         </p:nvPicPr>
         <p:blipFill>
-          <a:blip r:embed="rId8"/>
+          <a:blip r:embed="rId10"/>
           <a:stretch>
             <a:fillRect/>
           </a:stretch>
@@ -13676,7 +13274,7 @@
           <p:nvPr/>
         </p:nvPicPr>
         <p:blipFill>
-          <a:blip r:embed="rId5"/>
+          <a:blip r:embed="rId7"/>
           <a:stretch>
             <a:fillRect/>
           </a:stretch>
@@ -13700,7 +13298,7 @@
           <p:nvPr/>
         </p:nvPicPr>
         <p:blipFill>
-          <a:blip r:embed="rId6"/>
+          <a:blip r:embed="rId8"/>
           <a:stretch>
             <a:fillRect/>
           </a:stretch>
@@ -13724,7 +13322,7 @@
           <p:nvPr/>
         </p:nvPicPr>
         <p:blipFill>
-          <a:blip r:embed="rId7"/>
+          <a:blip r:embed="rId9"/>
           <a:stretch>
             <a:fillRect/>
           </a:stretch>
@@ -13748,7 +13346,7 @@
           <p:nvPr/>
         </p:nvPicPr>
         <p:blipFill>
-          <a:blip r:embed="rId8"/>
+          <a:blip r:embed="rId10"/>
           <a:stretch>
             <a:fillRect/>
           </a:stretch>
@@ -13772,7 +13370,7 @@
           <p:nvPr/>
         </p:nvPicPr>
         <p:blipFill>
-          <a:blip r:embed="rId8"/>
+          <a:blip r:embed="rId10"/>
           <a:stretch>
             <a:fillRect/>
           </a:stretch>
@@ -13796,7 +13394,7 @@
           <p:nvPr/>
         </p:nvPicPr>
         <p:blipFill>
-          <a:blip r:embed="rId8"/>
+          <a:blip r:embed="rId10"/>
           <a:stretch>
             <a:fillRect/>
           </a:stretch>
@@ -13851,16 +13449,6 @@
               </a:rPr>
               <a:t>conv 1x1</a:t>
             </a:r>
-            <a:endParaRPr lang="en-US" altLang="zh-CN" sz="1200" b="1">
-              <a:solidFill>
-                <a:schemeClr val="tx1">
-                  <a:lumMod val="50000"/>
-                  <a:lumOff val="50000"/>
-                </a:schemeClr>
-              </a:solidFill>
-              <a:latin typeface="微软雅黑" panose="020B0503020204020204" charset="-122"/>
-              <a:ea typeface="微软雅黑" panose="020B0503020204020204" charset="-122"/>
-            </a:endParaRPr>
           </a:p>
         </p:txBody>
       </p:sp>
@@ -13900,16 +13488,6 @@
               </a:rPr>
               <a:t>fc7</a:t>
             </a:r>
-            <a:endParaRPr lang="en-US" altLang="zh-CN" sz="1400" b="1">
-              <a:solidFill>
-                <a:schemeClr val="tx1">
-                  <a:lumMod val="65000"/>
-                  <a:lumOff val="35000"/>
-                </a:schemeClr>
-              </a:solidFill>
-              <a:latin typeface="微软雅黑" panose="020B0503020204020204" charset="-122"/>
-              <a:ea typeface="微软雅黑" panose="020B0503020204020204" charset="-122"/>
-            </a:endParaRPr>
           </a:p>
         </p:txBody>
       </p:sp>
@@ -13953,16 +13531,6 @@
               </a:rPr>
               <a:t>conv 1x1</a:t>
             </a:r>
-            <a:endParaRPr lang="en-US" altLang="zh-CN" sz="1200" b="1">
-              <a:solidFill>
-                <a:schemeClr val="tx1">
-                  <a:lumMod val="50000"/>
-                  <a:lumOff val="50000"/>
-                </a:schemeClr>
-              </a:solidFill>
-              <a:latin typeface="微软雅黑" panose="020B0503020204020204" charset="-122"/>
-              <a:ea typeface="微软雅黑" panose="020B0503020204020204" charset="-122"/>
-            </a:endParaRPr>
           </a:p>
         </p:txBody>
       </p:sp>
@@ -14002,16 +13570,6 @@
               </a:rPr>
               <a:t>fc8</a:t>
             </a:r>
-            <a:endParaRPr lang="en-US" altLang="zh-CN" sz="1400" b="1">
-              <a:solidFill>
-                <a:schemeClr val="tx1">
-                  <a:lumMod val="65000"/>
-                  <a:lumOff val="35000"/>
-                </a:schemeClr>
-              </a:solidFill>
-              <a:latin typeface="微软雅黑" panose="020B0503020204020204" charset="-122"/>
-              <a:ea typeface="微软雅黑" panose="020B0503020204020204" charset="-122"/>
-            </a:endParaRPr>
           </a:p>
         </p:txBody>
       </p:sp>
@@ -14163,15 +13721,6 @@
               </a:rPr>
               <a:t>221x221x96</a:t>
             </a:r>
-            <a:endParaRPr lang="en-US" altLang="zh-CN" sz="800">
-              <a:solidFill>
-                <a:schemeClr val="tx1">
-                  <a:lumMod val="50000"/>
-                  <a:lumOff val="50000"/>
-                </a:schemeClr>
-              </a:solidFill>
-              <a:latin typeface="Arial" panose="020B0604020202090204" pitchFamily="34" charset="0"/>
-            </a:endParaRPr>
           </a:p>
         </p:txBody>
       </p:sp>
@@ -14229,15 +13778,6 @@
               </a:rPr>
               <a:t>36x36x256</a:t>
             </a:r>
-            <a:endParaRPr lang="en-US" altLang="zh-CN" sz="800">
-              <a:solidFill>
-                <a:schemeClr val="tx1">
-                  <a:lumMod val="50000"/>
-                  <a:lumOff val="50000"/>
-                </a:schemeClr>
-              </a:solidFill>
-              <a:latin typeface="Arial" panose="020B0604020202090204" pitchFamily="34" charset="0"/>
-            </a:endParaRPr>
           </a:p>
         </p:txBody>
       </p:sp>
@@ -14295,15 +13835,6 @@
               </a:rPr>
               <a:t>15x15x512</a:t>
             </a:r>
-            <a:endParaRPr lang="en-US" altLang="zh-CN" sz="800">
-              <a:solidFill>
-                <a:schemeClr val="tx1">
-                  <a:lumMod val="50000"/>
-                  <a:lumOff val="50000"/>
-                </a:schemeClr>
-              </a:solidFill>
-              <a:latin typeface="Arial" panose="020B0604020202090204" pitchFamily="34" charset="0"/>
-            </a:endParaRPr>
           </a:p>
         </p:txBody>
       </p:sp>
@@ -14361,15 +13892,6 @@
               </a:rPr>
               <a:t>15x15x512</a:t>
             </a:r>
-            <a:endParaRPr lang="en-US" altLang="zh-CN" sz="800">
-              <a:solidFill>
-                <a:schemeClr val="tx1">
-                  <a:lumMod val="50000"/>
-                  <a:lumOff val="50000"/>
-                </a:schemeClr>
-              </a:solidFill>
-              <a:latin typeface="Arial" panose="020B0604020202090204" pitchFamily="34" charset="0"/>
-            </a:endParaRPr>
           </a:p>
         </p:txBody>
       </p:sp>
@@ -14427,15 +13949,6 @@
               </a:rPr>
               <a:t>15x15x1024</a:t>
             </a:r>
-            <a:endParaRPr lang="en-US" altLang="zh-CN" sz="800">
-              <a:solidFill>
-                <a:schemeClr val="tx1">
-                  <a:lumMod val="50000"/>
-                  <a:lumOff val="50000"/>
-                </a:schemeClr>
-              </a:solidFill>
-              <a:latin typeface="Arial" panose="020B0604020202090204" pitchFamily="34" charset="0"/>
-            </a:endParaRPr>
           </a:p>
         </p:txBody>
       </p:sp>
@@ -14472,13 +13985,6 @@
               </a:rPr>
               <a:t>Regressor</a:t>
             </a:r>
-            <a:endParaRPr lang="en-US" altLang="zh-CN" b="1">
-              <a:solidFill>
-                <a:srgbClr val="0070C0"/>
-              </a:solidFill>
-              <a:latin typeface="微软雅黑" panose="020B0503020204020204" charset="-122"/>
-              <a:ea typeface="微软雅黑" panose="020B0503020204020204" charset="-122"/>
-            </a:endParaRPr>
           </a:p>
         </p:txBody>
       </p:sp>
@@ -14518,16 +14024,6 @@
               </a:rPr>
               <a:t>fc6</a:t>
             </a:r>
-            <a:endParaRPr lang="en-US" altLang="zh-CN" sz="1400" b="1">
-              <a:solidFill>
-                <a:schemeClr val="tx1">
-                  <a:lumMod val="65000"/>
-                  <a:lumOff val="35000"/>
-                </a:schemeClr>
-              </a:solidFill>
-              <a:latin typeface="微软雅黑" panose="020B0503020204020204" charset="-122"/>
-              <a:ea typeface="微软雅黑" panose="020B0503020204020204" charset="-122"/>
-            </a:endParaRPr>
           </a:p>
           <a:p>
             <a:pPr algn="ctr"/>
@@ -14557,16 +14053,6 @@
               </a:rPr>
               <a:t>通道</a:t>
             </a:r>
-            <a:endParaRPr lang="zh-CN" altLang="en-US" sz="1000" b="1">
-              <a:solidFill>
-                <a:schemeClr val="tx1">
-                  <a:lumMod val="65000"/>
-                  <a:lumOff val="35000"/>
-                </a:schemeClr>
-              </a:solidFill>
-              <a:latin typeface="微软雅黑" panose="020B0503020204020204" charset="-122"/>
-              <a:ea typeface="微软雅黑" panose="020B0503020204020204" charset="-122"/>
-            </a:endParaRPr>
           </a:p>
         </p:txBody>
       </p:sp>
@@ -14606,16 +14092,6 @@
               </a:rPr>
               <a:t>fc7</a:t>
             </a:r>
-            <a:endParaRPr lang="en-US" altLang="zh-CN" sz="1400" b="1">
-              <a:solidFill>
-                <a:schemeClr val="tx1">
-                  <a:lumMod val="65000"/>
-                  <a:lumOff val="35000"/>
-                </a:schemeClr>
-              </a:solidFill>
-              <a:latin typeface="微软雅黑" panose="020B0503020204020204" charset="-122"/>
-              <a:ea typeface="微软雅黑" panose="020B0503020204020204" charset="-122"/>
-            </a:endParaRPr>
           </a:p>
           <a:p>
             <a:pPr algn="ctr"/>
@@ -14709,16 +14185,6 @@
               </a:rPr>
               <a:t>fc8</a:t>
             </a:r>
-            <a:endParaRPr lang="en-US" altLang="zh-CN" sz="1400" b="1">
-              <a:solidFill>
-                <a:schemeClr val="tx1">
-                  <a:lumMod val="65000"/>
-                  <a:lumOff val="35000"/>
-                </a:schemeClr>
-              </a:solidFill>
-              <a:latin typeface="微软雅黑" panose="020B0503020204020204" charset="-122"/>
-              <a:ea typeface="微软雅黑" panose="020B0503020204020204" charset="-122"/>
-            </a:endParaRPr>
           </a:p>
           <a:p>
             <a:pPr algn="ctr"/>
@@ -14748,16 +14214,6 @@
               </a:rPr>
               <a:t>通道</a:t>
             </a:r>
-            <a:endParaRPr lang="zh-CN" altLang="en-US" sz="1000" b="1">
-              <a:solidFill>
-                <a:schemeClr val="tx1">
-                  <a:lumMod val="65000"/>
-                  <a:lumOff val="35000"/>
-                </a:schemeClr>
-              </a:solidFill>
-              <a:latin typeface="微软雅黑" panose="020B0503020204020204" charset="-122"/>
-              <a:ea typeface="微软雅黑" panose="020B0503020204020204" charset="-122"/>
-            </a:endParaRPr>
           </a:p>
         </p:txBody>
       </p:sp>
@@ -14798,13 +14254,6 @@
               </a:rPr>
               <a:t>全卷积网络</a:t>
             </a:r>
-            <a:endParaRPr lang="zh-CN" altLang="en-US" b="1">
-              <a:solidFill>
-                <a:srgbClr val="C00000"/>
-              </a:solidFill>
-              <a:latin typeface="微软雅黑" panose="020B0503020204020204" charset="-122"/>
-              <a:ea typeface="微软雅黑" panose="020B0503020204020204" charset="-122"/>
-            </a:endParaRPr>
           </a:p>
         </p:txBody>
       </p:sp>
@@ -14870,16 +14319,6 @@
               </a:rPr>
               <a:t>通道</a:t>
             </a:r>
-            <a:endParaRPr lang="zh-CN" altLang="en-US" sz="1000" b="1">
-              <a:solidFill>
-                <a:schemeClr val="tx1">
-                  <a:lumMod val="65000"/>
-                  <a:lumOff val="35000"/>
-                </a:schemeClr>
-              </a:solidFill>
-              <a:latin typeface="微软雅黑" panose="020B0503020204020204" charset="-122"/>
-              <a:ea typeface="微软雅黑" panose="020B0503020204020204" charset="-122"/>
-            </a:endParaRPr>
           </a:p>
         </p:txBody>
       </p:sp>
@@ -14998,16 +14437,6 @@
               </a:rPr>
               <a:t>Sliding Windows</a:t>
             </a:r>
-            <a:endParaRPr lang="en-US" altLang="zh-CN" sz="1400" b="1">
-              <a:solidFill>
-                <a:schemeClr val="tx1">
-                  <a:lumMod val="50000"/>
-                  <a:lumOff val="50000"/>
-                </a:schemeClr>
-              </a:solidFill>
-              <a:latin typeface="微软雅黑" panose="020B0503020204020204" charset="-122"/>
-              <a:ea typeface="微软雅黑" panose="020B0503020204020204" charset="-122"/>
-            </a:endParaRPr>
           </a:p>
           <a:p>
             <a:pPr algn="ctr">
@@ -15028,16 +14457,6 @@
               </a:rPr>
               <a:t>产生的多个预测值被</a:t>
             </a:r>
-            <a:endParaRPr lang="zh-CN" altLang="en-US" sz="1400" b="1">
-              <a:solidFill>
-                <a:schemeClr val="tx1">
-                  <a:lumMod val="50000"/>
-                  <a:lumOff val="50000"/>
-                </a:schemeClr>
-              </a:solidFill>
-              <a:latin typeface="微软雅黑" panose="020B0503020204020204" charset="-122"/>
-              <a:ea typeface="微软雅黑" panose="020B0503020204020204" charset="-122"/>
-            </a:endParaRPr>
           </a:p>
           <a:p>
             <a:pPr algn="ctr">
@@ -15084,16 +14503,6 @@
               </a:rPr>
               <a:t>交叉验证丢弃</a:t>
             </a:r>
-            <a:endParaRPr lang="zh-CN" altLang="en-US" sz="1400" b="1">
-              <a:solidFill>
-                <a:schemeClr val="tx1">
-                  <a:lumMod val="50000"/>
-                  <a:lumOff val="50000"/>
-                </a:schemeClr>
-              </a:solidFill>
-              <a:latin typeface="微软雅黑" panose="020B0503020204020204" charset="-122"/>
-              <a:ea typeface="微软雅黑" panose="020B0503020204020204" charset="-122"/>
-            </a:endParaRPr>
           </a:p>
         </p:txBody>
       </p:sp>
@@ -15126,10 +14535,6 @@
               </a:rPr>
               <a:t>WGAN - 2017.01</a:t>
             </a:r>
-            <a:endParaRPr lang="en-US" altLang="zh-CN" sz="2000" b="1" dirty="0">
-              <a:latin typeface="微软雅黑" panose="020B0503020204020204" charset="-122"/>
-              <a:ea typeface="微软雅黑" panose="020B0503020204020204" charset="-122"/>
-            </a:endParaRPr>
           </a:p>
         </p:txBody>
       </p:sp>
@@ -15187,10 +14592,6 @@
               </a:rPr>
               <a:t>WGAN-GP 2017.03</a:t>
             </a:r>
-            <a:endParaRPr lang="en-US" altLang="zh-CN" sz="2000" b="1" dirty="0">
-              <a:latin typeface="微软雅黑" panose="020B0503020204020204" charset="-122"/>
-              <a:ea typeface="微软雅黑" panose="020B0503020204020204" charset="-122"/>
-            </a:endParaRPr>
           </a:p>
         </p:txBody>
       </p:sp>
@@ -15250,10 +14651,6 @@
               </a:rPr>
               <a:t>训练困难、收敛速度慢 改进；</a:t>
             </a:r>
-            <a:endParaRPr lang="zh-CN" altLang="en-US" sz="1200">
-              <a:latin typeface="微软雅黑" panose="020B0503020204020204" charset="-122"/>
-              <a:ea typeface="微软雅黑" panose="020B0503020204020204" charset="-122"/>
-            </a:endParaRPr>
           </a:p>
           <a:p>
             <a:pPr algn="l" fontAlgn="auto">
@@ -15280,10 +14677,6 @@
               </a:rPr>
               <a:t>：</a:t>
             </a:r>
-            <a:endParaRPr lang="zh-CN" altLang="en-US" sz="1200">
-              <a:latin typeface="微软雅黑" panose="020B0503020204020204" charset="-122"/>
-              <a:ea typeface="微软雅黑" panose="020B0503020204020204" charset="-122"/>
-            </a:endParaRPr>
           </a:p>
           <a:p>
             <a:pPr algn="l" fontAlgn="auto">
@@ -15312,10 +14705,6 @@
               </a:rPr>
               <a:t> weight clipping，每更新完一次判别器的参数后，</a:t>
             </a:r>
-            <a:endParaRPr lang="en-US" altLang="zh-CN" sz="1200">
-              <a:latin typeface="微软雅黑" panose="020B0503020204020204" charset="-122"/>
-              <a:ea typeface="微软雅黑" panose="020B0503020204020204" charset="-122"/>
-            </a:endParaRPr>
           </a:p>
           <a:p>
             <a:pPr algn="l" fontAlgn="auto">
@@ -15344,10 +14733,6 @@
               </a:rPr>
               <a:t> [-0.01, 0.01] 范围内。</a:t>
             </a:r>
-            <a:endParaRPr lang="en-US" altLang="zh-CN" sz="1200">
-              <a:latin typeface="微软雅黑" panose="020B0503020204020204" charset="-122"/>
-              <a:ea typeface="微软雅黑" panose="020B0503020204020204" charset="-122"/>
-            </a:endParaRPr>
           </a:p>
           <a:p>
             <a:pPr algn="l" fontAlgn="auto">
@@ -15433,11 +14818,6 @@
               </a:rPr>
               <a:t>          Weight Clipping独立地限制网络参数的取值范围，在这种情况下最优策略就是参数要么取最大值（如0.01）要么取最小值（如-0.01）</a:t>
             </a:r>
-            <a:endParaRPr lang="en-US" altLang="zh-CN" sz="1200">
-              <a:latin typeface="微软雅黑" panose="020B0503020204020204" charset="-122"/>
-              <a:ea typeface="微软雅黑" panose="020B0503020204020204" charset="-122"/>
-              <a:sym typeface="+mn-ea"/>
-            </a:endParaRPr>
           </a:p>
           <a:p>
             <a:pPr algn="l"/>
@@ -15492,10 +14872,6 @@
               </a:rPr>
               <a:t>）</a:t>
             </a:r>
-            <a:endParaRPr lang="zh-CN" altLang="en-US" sz="1200">
-              <a:latin typeface="微软雅黑" panose="020B0503020204020204" charset="-122"/>
-              <a:ea typeface="微软雅黑" panose="020B0503020204020204" charset="-122"/>
-            </a:endParaRPr>
           </a:p>
         </p:txBody>
       </p:sp>
@@ -15512,7 +14888,7 @@
           </p:nvPr>
         </p:nvPicPr>
         <p:blipFill>
-          <a:blip r:embed="rId2"/>
+          <a:blip r:embed="rId4"/>
           <a:stretch>
             <a:fillRect/>
           </a:stretch>
@@ -15570,13 +14946,6 @@
               </a:rPr>
               <a:t>梯度对数级增长或衰减</a:t>
             </a:r>
-            <a:endParaRPr lang="zh-CN" altLang="en-US" sz="800" b="1">
-              <a:solidFill>
-                <a:srgbClr val="0070C0"/>
-              </a:solidFill>
-              <a:latin typeface="微软雅黑" panose="020B0503020204020204" charset="-122"/>
-              <a:ea typeface="微软雅黑" panose="020B0503020204020204" charset="-122"/>
-            </a:endParaRPr>
           </a:p>
         </p:txBody>
       </p:sp>
@@ -15589,7 +14958,7 @@
           <p:nvPr/>
         </p:nvPicPr>
         <p:blipFill>
-          <a:blip r:embed="rId3"/>
+          <a:blip r:embed="rId5"/>
           <a:stretch>
             <a:fillRect/>
           </a:stretch>
@@ -15667,13 +15036,6 @@
               </a:rPr>
               <a:t>的边界</a:t>
             </a:r>
-            <a:endParaRPr lang="zh-CN" altLang="en-US" sz="800" b="1">
-              <a:solidFill>
-                <a:srgbClr val="0070C0"/>
-              </a:solidFill>
-              <a:latin typeface="微软雅黑" panose="020B0503020204020204" charset="-122"/>
-              <a:ea typeface="微软雅黑" panose="020B0503020204020204" charset="-122"/>
-            </a:endParaRPr>
           </a:p>
         </p:txBody>
       </p:sp>
@@ -15714,13 +15076,6 @@
               </a:rPr>
               <a:t>梯度消失</a:t>
             </a:r>
-            <a:endParaRPr lang="zh-CN" altLang="en-US" sz="1200">
-              <a:solidFill>
-                <a:srgbClr val="0F80FF"/>
-              </a:solidFill>
-              <a:latin typeface="微软雅黑" panose="020B0503020204020204" charset="-122"/>
-              <a:ea typeface="微软雅黑" panose="020B0503020204020204" charset="-122"/>
-            </a:endParaRPr>
           </a:p>
           <a:p>
             <a:pPr algn="l">
@@ -15738,13 +15093,6 @@
               </a:rPr>
               <a:t>梯度爆炸</a:t>
             </a:r>
-            <a:endParaRPr lang="zh-CN" altLang="en-US" sz="1200">
-              <a:solidFill>
-                <a:srgbClr val="0F80FF"/>
-              </a:solidFill>
-              <a:latin typeface="微软雅黑" panose="020B0503020204020204" charset="-122"/>
-              <a:ea typeface="微软雅黑" panose="020B0503020204020204" charset="-122"/>
-            </a:endParaRPr>
           </a:p>
         </p:txBody>
       </p:sp>
@@ -15821,13 +15169,6 @@
               </a:rPr>
               <a:t>权重设为边界值</a:t>
             </a:r>
-            <a:endParaRPr lang="zh-CN" altLang="en-US" sz="1200">
-              <a:solidFill>
-                <a:srgbClr val="0F80FF"/>
-              </a:solidFill>
-              <a:latin typeface="微软雅黑" panose="020B0503020204020204" charset="-122"/>
-              <a:ea typeface="微软雅黑" panose="020B0503020204020204" charset="-122"/>
-            </a:endParaRPr>
           </a:p>
           <a:p>
             <a:pPr algn="l">
@@ -15845,13 +15186,6 @@
               </a:rPr>
               <a:t>忽略分布高阶矩</a:t>
             </a:r>
-            <a:endParaRPr lang="zh-CN" altLang="en-US" sz="1200">
-              <a:solidFill>
-                <a:srgbClr val="0F80FF"/>
-              </a:solidFill>
-              <a:latin typeface="微软雅黑" panose="020B0503020204020204" charset="-122"/>
-              <a:ea typeface="微软雅黑" panose="020B0503020204020204" charset="-122"/>
-            </a:endParaRPr>
           </a:p>
         </p:txBody>
       </p:sp>
@@ -15979,13 +15313,6 @@
               </a:rPr>
               <a:t>Gradient Penalty</a:t>
             </a:r>
-            <a:endParaRPr lang="en-US" altLang="zh-CN" sz="1400" b="1">
-              <a:solidFill>
-                <a:srgbClr val="C00000"/>
-              </a:solidFill>
-              <a:latin typeface="微软雅黑" panose="020B0503020204020204" charset="-122"/>
-              <a:ea typeface="微软雅黑" panose="020B0503020204020204" charset="-122"/>
-            </a:endParaRPr>
           </a:p>
         </p:txBody>
       </p:sp>
@@ -16044,10 +15371,6 @@
               </a:rPr>
               <a:t>227x227x3</a:t>
             </a:r>
-            <a:endParaRPr lang="en-US" altLang="zh-CN" sz="1000">
-              <a:latin typeface="微软雅黑" panose="020B0503020204020204" charset="-122"/>
-              <a:ea typeface="微软雅黑" panose="020B0503020204020204" charset="-122"/>
-            </a:endParaRPr>
           </a:p>
         </p:txBody>
       </p:sp>
@@ -16094,13 +15417,6 @@
               </a:rPr>
               <a:t>输入图像</a:t>
             </a:r>
-            <a:endParaRPr lang="zh-CN" altLang="en-US" sz="1400" b="1">
-              <a:solidFill>
-                <a:srgbClr val="0070C0"/>
-              </a:solidFill>
-              <a:latin typeface="微软雅黑" panose="020B0503020204020204" charset="-122"/>
-              <a:ea typeface="微软雅黑" panose="020B0503020204020204" charset="-122"/>
-            </a:endParaRPr>
           </a:p>
         </p:txBody>
       </p:sp>
@@ -16167,13 +15483,6 @@
               </a:rPr>
               <a:t>）</a:t>
             </a:r>
-            <a:endParaRPr lang="zh-CN" altLang="en-US" sz="1400" b="1">
-              <a:solidFill>
-                <a:srgbClr val="0070C0"/>
-              </a:solidFill>
-              <a:latin typeface="微软雅黑" panose="020B0503020204020204" charset="-122"/>
-              <a:ea typeface="微软雅黑" panose="020B0503020204020204" charset="-122"/>
-            </a:endParaRPr>
           </a:p>
         </p:txBody>
       </p:sp>
@@ -16230,13 +15539,6 @@
               </a:rPr>
               <a:t>）</a:t>
             </a:r>
-            <a:endParaRPr lang="zh-CN" altLang="en-US" sz="1400" b="1">
-              <a:solidFill>
-                <a:srgbClr val="0070C0"/>
-              </a:solidFill>
-              <a:latin typeface="微软雅黑" panose="020B0503020204020204" charset="-122"/>
-              <a:ea typeface="微软雅黑" panose="020B0503020204020204" charset="-122"/>
-            </a:endParaRPr>
           </a:p>
         </p:txBody>
       </p:sp>
@@ -16349,13 +15651,6 @@
               </a:rPr>
               <a:t>图像仿射扭曲</a:t>
             </a:r>
-            <a:endParaRPr lang="zh-CN" altLang="en-US" sz="1400" b="1">
-              <a:solidFill>
-                <a:srgbClr val="0070C0"/>
-              </a:solidFill>
-              <a:latin typeface="微软雅黑" panose="020B0503020204020204" charset="-122"/>
-              <a:ea typeface="微软雅黑" panose="020B0503020204020204" charset="-122"/>
-            </a:endParaRPr>
           </a:p>
         </p:txBody>
       </p:sp>
@@ -16427,16 +15722,6 @@
               </a:rPr>
               <a:t>维</a:t>
             </a:r>
-            <a:endParaRPr lang="zh-CN" altLang="en-US" sz="1200">
-              <a:solidFill>
-                <a:schemeClr val="tx1">
-                  <a:lumMod val="50000"/>
-                  <a:lumOff val="50000"/>
-                </a:schemeClr>
-              </a:solidFill>
-              <a:latin typeface="微软雅黑" panose="020B0503020204020204" charset="-122"/>
-              <a:ea typeface="微软雅黑" panose="020B0503020204020204" charset="-122"/>
-            </a:endParaRPr>
           </a:p>
           <a:p>
             <a:pPr indent="0" algn="l">
@@ -16472,16 +15757,6 @@
               </a:rPr>
               <a:t>非零</a:t>
             </a:r>
-            <a:endParaRPr lang="zh-CN" altLang="en-US" sz="1200">
-              <a:solidFill>
-                <a:schemeClr val="tx1">
-                  <a:lumMod val="50000"/>
-                  <a:lumOff val="50000"/>
-                </a:schemeClr>
-              </a:solidFill>
-              <a:latin typeface="微软雅黑" panose="020B0503020204020204" charset="-122"/>
-              <a:ea typeface="微软雅黑" panose="020B0503020204020204" charset="-122"/>
-            </a:endParaRPr>
           </a:p>
           <a:p>
             <a:pPr marL="285750" indent="-285750" algn="l">
@@ -16549,16 +15824,6 @@
               </a:rPr>
               <a:t>维</a:t>
             </a:r>
-            <a:endParaRPr lang="zh-CN" altLang="en-US" sz="1200">
-              <a:solidFill>
-                <a:schemeClr val="tx1">
-                  <a:lumMod val="50000"/>
-                  <a:lumOff val="50000"/>
-                </a:schemeClr>
-              </a:solidFill>
-              <a:latin typeface="微软雅黑" panose="020B0503020204020204" charset="-122"/>
-              <a:ea typeface="微软雅黑" panose="020B0503020204020204" charset="-122"/>
-            </a:endParaRPr>
           </a:p>
           <a:p>
             <a:pPr indent="0" algn="l">
@@ -16594,16 +15859,6 @@
               </a:rPr>
               <a:t>非零</a:t>
             </a:r>
-            <a:endParaRPr lang="zh-CN" altLang="en-US" sz="1200">
-              <a:solidFill>
-                <a:schemeClr val="tx1">
-                  <a:lumMod val="50000"/>
-                  <a:lumOff val="50000"/>
-                </a:schemeClr>
-              </a:solidFill>
-              <a:latin typeface="微软雅黑" panose="020B0503020204020204" charset="-122"/>
-              <a:ea typeface="微软雅黑" panose="020B0503020204020204" charset="-122"/>
-            </a:endParaRPr>
           </a:p>
           <a:p>
             <a:pPr marL="285750" indent="-285750" algn="l">
@@ -16721,17 +15976,6 @@
               </a:rPr>
               <a:t>非零</a:t>
             </a:r>
-            <a:endParaRPr lang="zh-CN" altLang="en-US" sz="1200">
-              <a:solidFill>
-                <a:schemeClr val="tx1">
-                  <a:lumMod val="50000"/>
-                  <a:lumOff val="50000"/>
-                </a:schemeClr>
-              </a:solidFill>
-              <a:latin typeface="微软雅黑" panose="020B0503020204020204" charset="-122"/>
-              <a:ea typeface="微软雅黑" panose="020B0503020204020204" charset="-122"/>
-              <a:sym typeface="+mn-ea"/>
-            </a:endParaRPr>
           </a:p>
         </p:txBody>
       </p:sp>
@@ -16812,13 +16056,6 @@
               </a:rPr>
               <a:t>每一类都训练一个</a:t>
             </a:r>
-            <a:endParaRPr lang="zh-CN" altLang="en-US" sz="1400" b="1">
-              <a:solidFill>
-                <a:srgbClr val="0070C0"/>
-              </a:solidFill>
-              <a:latin typeface="微软雅黑" panose="020B0503020204020204" charset="-122"/>
-              <a:ea typeface="微软雅黑" panose="020B0503020204020204" charset="-122"/>
-            </a:endParaRPr>
           </a:p>
           <a:p>
             <a:pPr algn="ctr">
@@ -16876,13 +16113,6 @@
               </a:rPr>
               <a:t>背景）</a:t>
             </a:r>
-            <a:endParaRPr lang="zh-CN" altLang="en-US" sz="1400" b="1">
-              <a:solidFill>
-                <a:srgbClr val="0070C0"/>
-              </a:solidFill>
-              <a:latin typeface="微软雅黑" panose="020B0503020204020204" charset="-122"/>
-              <a:ea typeface="微软雅黑" panose="020B0503020204020204" charset="-122"/>
-            </a:endParaRPr>
           </a:p>
         </p:txBody>
       </p:sp>
@@ -17003,13 +16233,6 @@
               </a:rPr>
               <a:t>检测</a:t>
             </a:r>
-            <a:endParaRPr lang="zh-CN" altLang="en-US" sz="1600" b="1" u="sng">
-              <a:solidFill>
-                <a:srgbClr val="C00000"/>
-              </a:solidFill>
-              <a:latin typeface="微软雅黑" panose="020B0503020204020204" charset="-122"/>
-              <a:ea typeface="微软雅黑" panose="020B0503020204020204" charset="-122"/>
-            </a:endParaRPr>
           </a:p>
           <a:p>
             <a:pPr algn="ctr">
@@ -17095,16 +16318,6 @@
               </a:rPr>
               <a:t> 多个分类器 </a:t>
             </a:r>
-            <a:endParaRPr lang="zh-CN" altLang="en-US" sz="1200" b="1">
-              <a:solidFill>
-                <a:schemeClr val="tx1">
-                  <a:lumMod val="50000"/>
-                  <a:lumOff val="50000"/>
-                </a:schemeClr>
-              </a:solidFill>
-              <a:latin typeface="微软雅黑" panose="020B0503020204020204" charset="-122"/>
-              <a:ea typeface="微软雅黑" panose="020B0503020204020204" charset="-122"/>
-            </a:endParaRPr>
           </a:p>
         </p:txBody>
       </p:sp>
@@ -17151,13 +16364,6 @@
               </a:rPr>
               <a:t>提取特征向量</a:t>
             </a:r>
-            <a:endParaRPr lang="zh-CN" altLang="en-US" sz="1400" b="1">
-              <a:solidFill>
-                <a:srgbClr val="0070C0"/>
-              </a:solidFill>
-              <a:latin typeface="微软雅黑" panose="020B0503020204020204" charset="-122"/>
-              <a:ea typeface="微软雅黑" panose="020B0503020204020204" charset="-122"/>
-            </a:endParaRPr>
           </a:p>
         </p:txBody>
       </p:sp>
@@ -17214,13 +16420,6 @@
               </a:rPr>
               <a:t>定位问题微调</a:t>
             </a:r>
-            <a:endParaRPr lang="zh-CN" altLang="en-US" sz="1400" b="1">
-              <a:solidFill>
-                <a:srgbClr val="0070C0"/>
-              </a:solidFill>
-              <a:latin typeface="微软雅黑" panose="020B0503020204020204" charset="-122"/>
-              <a:ea typeface="微软雅黑" panose="020B0503020204020204" charset="-122"/>
-            </a:endParaRPr>
           </a:p>
         </p:txBody>
       </p:sp>
@@ -17321,10 +16520,6 @@
               </a:rPr>
               <a:t>GAN - 2014</a:t>
             </a:r>
-            <a:endParaRPr lang="en-US" altLang="zh-CN" sz="2000" b="1" dirty="0">
-              <a:latin typeface="微软雅黑" panose="020B0503020204020204" charset="-122"/>
-              <a:ea typeface="微软雅黑" panose="020B0503020204020204" charset="-122"/>
-            </a:endParaRPr>
           </a:p>
         </p:txBody>
       </p:sp>
@@ -17337,7 +16532,7 @@
           <p:nvPr/>
         </p:nvPicPr>
         <p:blipFill>
-          <a:blip r:embed="rId1"/>
+          <a:blip r:embed="rId2"/>
           <a:stretch>
             <a:fillRect/>
           </a:stretch>
@@ -17399,13 +16594,6 @@
               </a:rPr>
               <a:t>D</a:t>
             </a:r>
-            <a:endParaRPr lang="en-US" altLang="zh-CN" sz="1600" b="1">
-              <a:solidFill>
-                <a:srgbClr val="0000FF"/>
-              </a:solidFill>
-              <a:latin typeface="微软雅黑" panose="020B0503020204020204" charset="-122"/>
-              <a:ea typeface="微软雅黑" panose="020B0503020204020204" charset="-122"/>
-            </a:endParaRPr>
           </a:p>
         </p:txBody>
       </p:sp>
@@ -17477,13 +16665,6 @@
               </a:rPr>
               <a:t> </a:t>
             </a:r>
-            <a:endParaRPr lang="en-US" altLang="zh-CN" sz="1200" b="1">
-              <a:solidFill>
-                <a:schemeClr val="tx1"/>
-              </a:solidFill>
-              <a:latin typeface="微软雅黑" panose="020B0503020204020204" charset="-122"/>
-              <a:ea typeface="微软雅黑" panose="020B0503020204020204" charset="-122"/>
-            </a:endParaRPr>
           </a:p>
         </p:txBody>
       </p:sp>
@@ -17598,16 +16779,6 @@
               </a:rPr>
               <a:t> (G)</a:t>
             </a:r>
-            <a:endParaRPr lang="en-US" altLang="zh-CN" sz="1400" b="1" u="sng">
-              <a:solidFill>
-                <a:schemeClr val="accent6">
-                  <a:lumMod val="75000"/>
-                </a:schemeClr>
-              </a:solidFill>
-              <a:latin typeface="微软雅黑" panose="020B0503020204020204" charset="-122"/>
-              <a:ea typeface="微软雅黑" panose="020B0503020204020204" charset="-122"/>
-              <a:sym typeface="+mn-ea"/>
-            </a:endParaRPr>
           </a:p>
         </p:txBody>
       </p:sp>
@@ -17648,13 +16819,6 @@
               </a:rPr>
               <a:t>高斯分布</a:t>
             </a:r>
-            <a:endParaRPr lang="zh-CN" altLang="en-US" sz="1200" b="1">
-              <a:solidFill>
-                <a:schemeClr val="tx1"/>
-              </a:solidFill>
-              <a:latin typeface="微软雅黑" panose="020B0503020204020204" charset="-122"/>
-              <a:ea typeface="微软雅黑" panose="020B0503020204020204" charset="-122"/>
-            </a:endParaRPr>
           </a:p>
         </p:txBody>
       </p:sp>
@@ -17695,13 +16859,6 @@
               </a:rPr>
               <a:t>mapping: x = G(z) </a:t>
             </a:r>
-            <a:endParaRPr lang="en-US" altLang="zh-CN" sz="1200" b="1">
-              <a:solidFill>
-                <a:schemeClr val="tx1"/>
-              </a:solidFill>
-              <a:latin typeface="微软雅黑" panose="020B0503020204020204" charset="-122"/>
-              <a:ea typeface="微软雅黑" panose="020B0503020204020204" charset="-122"/>
-            </a:endParaRPr>
           </a:p>
         </p:txBody>
       </p:sp>
@@ -17744,13 +16901,6 @@
               </a:rPr>
               <a:t>生成器从高概率区域开始，逐步向低概率区域扩展</a:t>
             </a:r>
-            <a:endParaRPr lang="zh-CN" altLang="en-US" sz="1200">
-              <a:solidFill>
-                <a:schemeClr val="tx1"/>
-              </a:solidFill>
-              <a:latin typeface="微软雅黑" panose="020B0503020204020204" charset="-122"/>
-              <a:ea typeface="微软雅黑" panose="020B0503020204020204" charset="-122"/>
-            </a:endParaRPr>
           </a:p>
         </p:txBody>
       </p:sp>
@@ -17823,13 +16973,6 @@
               </a:rPr>
               <a:t>pdata</a:t>
             </a:r>
-            <a:endParaRPr lang="en-US" altLang="zh-CN" sz="1200">
-              <a:solidFill>
-                <a:schemeClr val="tx1"/>
-              </a:solidFill>
-              <a:latin typeface="微软雅黑" panose="020B0503020204020204" charset="-122"/>
-              <a:ea typeface="微软雅黑" panose="020B0503020204020204" charset="-122"/>
-            </a:endParaRPr>
           </a:p>
           <a:p>
             <a:pPr marL="171450" indent="-171450" algn="l">
@@ -17849,13 +16992,6 @@
               </a:rPr>
               <a:t>判别器部分准确</a:t>
             </a:r>
-            <a:endParaRPr lang="zh-CN" altLang="en-US" sz="1200">
-              <a:solidFill>
-                <a:schemeClr val="tx1"/>
-              </a:solidFill>
-              <a:latin typeface="微软雅黑" panose="020B0503020204020204" charset="-122"/>
-              <a:ea typeface="微软雅黑" panose="020B0503020204020204" charset="-122"/>
-            </a:endParaRPr>
           </a:p>
         </p:txBody>
       </p:sp>
@@ -17918,13 +17054,6 @@
               </a:rPr>
               <a:t>数据</a:t>
             </a:r>
-            <a:endParaRPr lang="zh-CN" altLang="en-US" sz="1200">
-              <a:solidFill>
-                <a:schemeClr val="tx1"/>
-              </a:solidFill>
-              <a:latin typeface="微软雅黑" panose="020B0503020204020204" charset="-122"/>
-              <a:ea typeface="微软雅黑" panose="020B0503020204020204" charset="-122"/>
-            </a:endParaRPr>
           </a:p>
         </p:txBody>
       </p:sp>
@@ -18017,13 +17146,6 @@
               </a:rPr>
               <a:t>data</a:t>
             </a:r>
-            <a:endParaRPr lang="en-US" altLang="zh-CN" sz="1600" baseline="-25000">
-              <a:solidFill>
-                <a:schemeClr val="tx1"/>
-              </a:solidFill>
-              <a:latin typeface="微软雅黑" panose="020B0503020204020204" charset="-122"/>
-              <a:ea typeface="微软雅黑" panose="020B0503020204020204" charset="-122"/>
-            </a:endParaRPr>
           </a:p>
         </p:txBody>
       </p:sp>
@@ -18233,15 +17355,6 @@
               </a:rPr>
               <a:t>, </a:t>
             </a:r>
-            <a:endParaRPr lang="en-US" altLang="zh-CN" sz="1000">
-              <a:solidFill>
-                <a:schemeClr val="bg1">
-                  <a:lumMod val="65000"/>
-                </a:schemeClr>
-              </a:solidFill>
-              <a:latin typeface="微软雅黑" panose="020B0503020204020204" charset="-122"/>
-              <a:ea typeface="微软雅黑" panose="020B0503020204020204" charset="-122"/>
-            </a:endParaRPr>
           </a:p>
           <a:p>
             <a:pPr algn="ctr">
@@ -18285,15 +17398,6 @@
               </a:rPr>
               <a:t>中心点</a:t>
             </a:r>
-            <a:endParaRPr lang="zh-CN" altLang="en-US" sz="1000">
-              <a:solidFill>
-                <a:schemeClr val="bg1">
-                  <a:lumMod val="65000"/>
-                </a:schemeClr>
-              </a:solidFill>
-              <a:latin typeface="微软雅黑" panose="020B0503020204020204" charset="-122"/>
-              <a:ea typeface="微软雅黑" panose="020B0503020204020204" charset="-122"/>
-            </a:endParaRPr>
           </a:p>
         </p:txBody>
       </p:sp>
@@ -18336,15 +17440,6 @@
               </a:rPr>
               <a:t>中心点</a:t>
             </a:r>
-            <a:endParaRPr lang="zh-CN" altLang="en-US" sz="1000">
-              <a:solidFill>
-                <a:schemeClr val="bg1">
-                  <a:lumMod val="65000"/>
-                </a:schemeClr>
-              </a:solidFill>
-              <a:latin typeface="微软雅黑" panose="020B0503020204020204" charset="-122"/>
-              <a:ea typeface="微软雅黑" panose="020B0503020204020204" charset="-122"/>
-            </a:endParaRPr>
           </a:p>
           <a:p>
             <a:pPr algn="ctr">
@@ -18424,13 +17519,6 @@
               </a:rPr>
               <a:t>3x3=9</a:t>
             </a:r>
-            <a:endParaRPr lang="en-US" altLang="zh-CN" sz="1000" b="1">
-              <a:solidFill>
-                <a:schemeClr val="tx1"/>
-              </a:solidFill>
-              <a:latin typeface="微软雅黑" panose="020B0503020204020204" charset="-122"/>
-              <a:ea typeface="微软雅黑" panose="020B0503020204020204" charset="-122"/>
-            </a:endParaRPr>
           </a:p>
         </p:txBody>
       </p:sp>
@@ -18473,15 +17561,6 @@
               </a:rPr>
               <a:t>Anchor Box</a:t>
             </a:r>
-            <a:endParaRPr lang="en-US" sz="1000">
-              <a:solidFill>
-                <a:schemeClr val="bg1">
-                  <a:lumMod val="65000"/>
-                </a:schemeClr>
-              </a:solidFill>
-              <a:latin typeface="微软雅黑" panose="020B0503020204020204" charset="-122"/>
-              <a:ea typeface="微软雅黑" panose="020B0503020204020204" charset="-122"/>
-            </a:endParaRPr>
           </a:p>
           <a:p>
             <a:pPr algn="ctr">
@@ -18501,15 +17580,6 @@
               </a:rPr>
               <a:t>在原图中的显示</a:t>
             </a:r>
-            <a:endParaRPr lang="zh-CN" altLang="en-US" sz="1000">
-              <a:solidFill>
-                <a:schemeClr val="bg1">
-                  <a:lumMod val="65000"/>
-                </a:schemeClr>
-              </a:solidFill>
-              <a:latin typeface="微软雅黑" panose="020B0503020204020204" charset="-122"/>
-              <a:ea typeface="微软雅黑" panose="020B0503020204020204" charset="-122"/>
-            </a:endParaRPr>
           </a:p>
         </p:txBody>
       </p:sp>
@@ -18552,15 +17622,6 @@
               </a:rPr>
               <a:t>原图中所有的</a:t>
             </a:r>
-            <a:endParaRPr lang="zh-CN" altLang="en-US" sz="1000" dirty="0">
-              <a:solidFill>
-                <a:schemeClr val="bg1">
-                  <a:lumMod val="65000"/>
-                </a:schemeClr>
-              </a:solidFill>
-              <a:latin typeface="微软雅黑" panose="020B0503020204020204" charset="-122"/>
-              <a:ea typeface="微软雅黑" panose="020B0503020204020204" charset="-122"/>
-            </a:endParaRPr>
           </a:p>
           <a:p>
             <a:pPr algn="ctr">
@@ -18581,16 +17642,6 @@
               </a:rPr>
               <a:t>Anchor Box</a:t>
             </a:r>
-            <a:endParaRPr lang="en-US" sz="1000" dirty="0">
-              <a:solidFill>
-                <a:schemeClr val="bg1">
-                  <a:lumMod val="65000"/>
-                </a:schemeClr>
-              </a:solidFill>
-              <a:latin typeface="微软雅黑" panose="020B0503020204020204" charset="-122"/>
-              <a:ea typeface="微软雅黑" panose="020B0503020204020204" charset="-122"/>
-              <a:sym typeface="+mn-ea"/>
-            </a:endParaRPr>
           </a:p>
           <a:p>
             <a:pPr algn="ctr">
@@ -18694,15 +17745,6 @@
               </a:rPr>
               <a:t>比例，</a:t>
             </a:r>
-            <a:endParaRPr lang="zh-CN" altLang="en-US" sz="1000">
-              <a:solidFill>
-                <a:schemeClr val="bg1">
-                  <a:lumMod val="65000"/>
-                </a:schemeClr>
-              </a:solidFill>
-              <a:latin typeface="微软雅黑" panose="020B0503020204020204" charset="-122"/>
-              <a:ea typeface="微软雅黑" panose="020B0503020204020204" charset="-122"/>
-            </a:endParaRPr>
           </a:p>
           <a:p>
             <a:pPr algn="ctr">
@@ -18746,15 +17788,6 @@
               </a:rPr>
               <a:t>原图像中</a:t>
             </a:r>
-            <a:endParaRPr lang="zh-CN" altLang="en-US" sz="1000">
-              <a:solidFill>
-                <a:schemeClr val="bg1">
-                  <a:lumMod val="65000"/>
-                </a:schemeClr>
-              </a:solidFill>
-              <a:latin typeface="微软雅黑" panose="020B0503020204020204" charset="-122"/>
-              <a:ea typeface="微软雅黑" panose="020B0503020204020204" charset="-122"/>
-            </a:endParaRPr>
           </a:p>
           <a:p>
             <a:pPr algn="ctr">
@@ -18774,15 +17807,6 @@
               </a:rPr>
               <a:t>几乎所有物体外框</a:t>
             </a:r>
-            <a:endParaRPr lang="zh-CN" altLang="en-US" sz="1000">
-              <a:solidFill>
-                <a:schemeClr val="bg1">
-                  <a:lumMod val="65000"/>
-                </a:schemeClr>
-              </a:solidFill>
-              <a:latin typeface="微软雅黑" panose="020B0503020204020204" charset="-122"/>
-              <a:ea typeface="微软雅黑" panose="020B0503020204020204" charset="-122"/>
-            </a:endParaRPr>
           </a:p>
         </p:txBody>
       </p:sp>
@@ -18875,10 +17899,6 @@
               </a:rPr>
               <a:t> - 2016.06</a:t>
             </a:r>
-            <a:endParaRPr lang="en-US" altLang="zh-CN" sz="2000" b="1" dirty="0">
-              <a:latin typeface="微软雅黑" panose="020B0503020204020204" charset="-122"/>
-              <a:ea typeface="微软雅黑" panose="020B0503020204020204" charset="-122"/>
-            </a:endParaRPr>
           </a:p>
         </p:txBody>
       </p:sp>
@@ -18960,13 +17980,6 @@
               </a:rPr>
               <a:t>ROIs</a:t>
             </a:r>
-            <a:endParaRPr lang="en-US" altLang="zh-CN" sz="1200" b="1">
-              <a:solidFill>
-                <a:srgbClr val="0070C0"/>
-              </a:solidFill>
-              <a:latin typeface="微软雅黑" panose="020B0503020204020204" charset="-122"/>
-              <a:ea typeface="微软雅黑" panose="020B0503020204020204" charset="-122"/>
-            </a:endParaRPr>
           </a:p>
         </p:txBody>
       </p:sp>
@@ -19007,13 +18020,6 @@
               </a:rPr>
               <a:t>元素相加</a:t>
             </a:r>
-            <a:endParaRPr lang="zh-CN" altLang="en-US" sz="1200" b="1">
-              <a:solidFill>
-                <a:srgbClr val="C00000"/>
-              </a:solidFill>
-              <a:latin typeface="微软雅黑" panose="020B0503020204020204" charset="-122"/>
-              <a:ea typeface="微软雅黑" panose="020B0503020204020204" charset="-122"/>
-            </a:endParaRPr>
           </a:p>
         </p:txBody>
       </p:sp>
@@ -19064,13 +18070,6 @@
               </a:rPr>
               <a:t>卷积将两张特征图合并，防止失真</a:t>
             </a:r>
-            <a:endParaRPr lang="zh-CN" altLang="en-US" sz="1200" b="1">
-              <a:solidFill>
-                <a:srgbClr val="FC0280"/>
-              </a:solidFill>
-              <a:latin typeface="微软雅黑" panose="020B0503020204020204" charset="-122"/>
-              <a:ea typeface="微软雅黑" panose="020B0503020204020204" charset="-122"/>
-            </a:endParaRPr>
           </a:p>
         </p:txBody>
       </p:sp>
@@ -19121,13 +18120,6 @@
               </a:rPr>
               <a:t>卷积改变通道大小</a:t>
             </a:r>
-            <a:endParaRPr lang="zh-CN" altLang="en-US" sz="1200" b="1">
-              <a:solidFill>
-                <a:srgbClr val="C00000"/>
-              </a:solidFill>
-              <a:latin typeface="微软雅黑" panose="020B0503020204020204" charset="-122"/>
-              <a:ea typeface="微软雅黑" panose="020B0503020204020204" charset="-122"/>
-            </a:endParaRPr>
           </a:p>
         </p:txBody>
       </p:sp>
@@ -19164,13 +18156,6 @@
               </a:rPr>
               <a:t>Least Square GAN</a:t>
             </a:r>
-            <a:endParaRPr lang="en-US" sz="1200" b="1">
-              <a:solidFill>
-                <a:srgbClr val="0070C0"/>
-              </a:solidFill>
-              <a:latin typeface="微软雅黑" panose="020B0503020204020204" charset="-122"/>
-              <a:ea typeface="微软雅黑" panose="020B0503020204020204" charset="-122"/>
-            </a:endParaRPr>
           </a:p>
         </p:txBody>
       </p:sp>
@@ -19263,10 +18248,6 @@
               </a:rPr>
               <a:t> - 2016.11</a:t>
             </a:r>
-            <a:endParaRPr lang="en-US" altLang="zh-CN" sz="2000" b="1" dirty="0">
-              <a:latin typeface="微软雅黑" panose="020B0503020204020204" charset="-122"/>
-              <a:ea typeface="微软雅黑" panose="020B0503020204020204" charset="-122"/>
-            </a:endParaRPr>
           </a:p>
         </p:txBody>
       </p:sp>
@@ -19999,10 +18980,6 @@
               </a:rPr>
               <a:t>：降低计算复杂度，确保一定的精度，能够在移动端或嵌入式设备上运行</a:t>
             </a:r>
-            <a:endParaRPr lang="zh-CN" altLang="en-US" sz="1200">
-              <a:latin typeface="微软雅黑" panose="020B0503020204020204" charset="-122"/>
-              <a:ea typeface="微软雅黑" panose="020B0503020204020204" charset="-122"/>
-            </a:endParaRPr>
           </a:p>
           <a:p>
             <a:pPr algn="l"/>
@@ -20025,10 +19002,6 @@
               </a:rPr>
               <a:t>：聚焦优化网络速度，减小计算量，分解网络参数或加速预训练模型</a:t>
             </a:r>
-            <a:endParaRPr lang="zh-CN" altLang="en-US" sz="1200">
-              <a:latin typeface="微软雅黑" panose="020B0503020204020204" charset="-122"/>
-              <a:ea typeface="微软雅黑" panose="020B0503020204020204" charset="-122"/>
-            </a:endParaRPr>
           </a:p>
           <a:p>
             <a:pPr algn="l"/>
@@ -20083,10 +19056,6 @@
               </a:rPr>
               <a:t>）</a:t>
             </a:r>
-            <a:endParaRPr lang="zh-CN" altLang="en-US" sz="1200">
-              <a:latin typeface="微软雅黑" panose="020B0503020204020204" charset="-122"/>
-              <a:ea typeface="微软雅黑" panose="020B0503020204020204" charset="-122"/>
-            </a:endParaRPr>
           </a:p>
         </p:txBody>
       </p:sp>
@@ -20605,10 +19574,6 @@
               </a:rPr>
               <a:t>Feature Map            Filter / Kernel                                         Feature Map</a:t>
             </a:r>
-            <a:endParaRPr lang="en-US" altLang="zh-CN" sz="1200">
-              <a:latin typeface="微软雅黑" panose="020B0503020204020204" charset="-122"/>
-              <a:ea typeface="微软雅黑" panose="020B0503020204020204" charset="-122"/>
-            </a:endParaRPr>
           </a:p>
         </p:txBody>
       </p:sp>
@@ -20748,10 +19713,6 @@
                 </a:rPr>
                 <a:t>.</a:t>
               </a:r>
-              <a:endParaRPr lang="en-US" altLang="zh-CN" sz="4000" b="1">
-                <a:latin typeface="微软雅黑" panose="020B0503020204020204" charset="-122"/>
-                <a:ea typeface="微软雅黑" panose="020B0503020204020204" charset="-122"/>
-              </a:endParaRPr>
             </a:p>
           </p:txBody>
         </p:sp>
@@ -20953,10 +19914,6 @@
                 </a:rPr>
                 <a:t>.</a:t>
               </a:r>
-              <a:endParaRPr lang="en-US" altLang="zh-CN" sz="4000" b="1">
-                <a:latin typeface="微软雅黑" panose="020B0503020204020204" charset="-122"/>
-                <a:ea typeface="微软雅黑" panose="020B0503020204020204" charset="-122"/>
-              </a:endParaRPr>
             </a:p>
           </p:txBody>
         </p:sp>
@@ -21249,10 +20206,6 @@
                 </a:rPr>
                 <a:t>.</a:t>
               </a:r>
-              <a:endParaRPr lang="en-US" altLang="zh-CN" sz="4000" b="1">
-                <a:latin typeface="微软雅黑" panose="020B0503020204020204" charset="-122"/>
-                <a:ea typeface="微软雅黑" panose="020B0503020204020204" charset="-122"/>
-              </a:endParaRPr>
             </a:p>
           </p:txBody>
         </p:sp>
@@ -22204,10 +21157,6 @@
               </a:rPr>
               <a:t>Filter / Kernel </a:t>
             </a:r>
-            <a:endParaRPr lang="en-US" altLang="zh-CN" sz="1200">
-              <a:latin typeface="微软雅黑" panose="020B0503020204020204" charset="-122"/>
-              <a:ea typeface="微软雅黑" panose="020B0503020204020204" charset="-122"/>
-            </a:endParaRPr>
           </a:p>
           <a:p>
             <a:pPr algn="r"/>
@@ -22218,10 +21167,6 @@
               </a:rPr>
               <a:t>           3x3      		     </a:t>
             </a:r>
-            <a:endParaRPr lang="en-US" altLang="zh-CN" sz="1200">
-              <a:latin typeface="微软雅黑" panose="020B0503020204020204" charset="-122"/>
-              <a:ea typeface="微软雅黑" panose="020B0503020204020204" charset="-122"/>
-            </a:endParaRPr>
           </a:p>
           <a:p>
             <a:pPr algn="r"/>
@@ -22232,10 +21177,6 @@
               </a:rPr>
               <a:t>DWC</a:t>
             </a:r>
-            <a:endParaRPr lang="en-US" altLang="zh-CN" sz="1200">
-              <a:latin typeface="微软雅黑" panose="020B0503020204020204" charset="-122"/>
-              <a:ea typeface="微软雅黑" panose="020B0503020204020204" charset="-122"/>
-            </a:endParaRPr>
           </a:p>
           <a:p>
             <a:pPr algn="r"/>
@@ -22246,10 +21187,6 @@
               </a:rPr>
               <a:t>Feature Map</a:t>
             </a:r>
-            <a:endParaRPr lang="en-US" altLang="zh-CN" sz="1200">
-              <a:latin typeface="微软雅黑" panose="020B0503020204020204" charset="-122"/>
-              <a:ea typeface="微软雅黑" panose="020B0503020204020204" charset="-122"/>
-            </a:endParaRPr>
           </a:p>
           <a:p>
             <a:pPr algn="r"/>
@@ -22274,10 +21211,6 @@
               </a:rPr>
               <a:t>BN</a:t>
             </a:r>
-            <a:endParaRPr lang="en-US" altLang="zh-CN" sz="1200">
-              <a:latin typeface="微软雅黑" panose="020B0503020204020204" charset="-122"/>
-              <a:ea typeface="微软雅黑" panose="020B0503020204020204" charset="-122"/>
-            </a:endParaRPr>
           </a:p>
           <a:p>
             <a:pPr algn="r"/>
@@ -22288,10 +21221,6 @@
               </a:rPr>
               <a:t>ReLU</a:t>
             </a:r>
-            <a:endParaRPr lang="en-US" altLang="zh-CN" sz="1200">
-              <a:latin typeface="微软雅黑" panose="020B0503020204020204" charset="-122"/>
-              <a:ea typeface="微软雅黑" panose="020B0503020204020204" charset="-122"/>
-            </a:endParaRPr>
           </a:p>
           <a:p>
             <a:pPr algn="r"/>
@@ -22338,10 +21267,6 @@
               </a:rPr>
               <a:t>PWC</a:t>
             </a:r>
-            <a:endParaRPr lang="en-US" altLang="zh-CN" sz="1200">
-              <a:latin typeface="微软雅黑" panose="020B0503020204020204" charset="-122"/>
-              <a:ea typeface="微软雅黑" panose="020B0503020204020204" charset="-122"/>
-            </a:endParaRPr>
           </a:p>
           <a:p>
             <a:pPr algn="r"/>
@@ -22352,10 +21277,6 @@
               </a:rPr>
               <a:t>Feature Map</a:t>
             </a:r>
-            <a:endParaRPr lang="en-US" altLang="zh-CN" sz="1200">
-              <a:latin typeface="微软雅黑" panose="020B0503020204020204" charset="-122"/>
-              <a:ea typeface="微软雅黑" panose="020B0503020204020204" charset="-122"/>
-            </a:endParaRPr>
           </a:p>
           <a:p>
             <a:pPr algn="r"/>
@@ -22394,10 +21315,6 @@
               </a:rPr>
               <a:t>BN</a:t>
             </a:r>
-            <a:endParaRPr lang="en-US" altLang="zh-CN" sz="1200">
-              <a:latin typeface="微软雅黑" panose="020B0503020204020204" charset="-122"/>
-              <a:ea typeface="微软雅黑" panose="020B0503020204020204" charset="-122"/>
-            </a:endParaRPr>
           </a:p>
           <a:p>
             <a:pPr algn="r"/>
@@ -22408,10 +21325,6 @@
               </a:rPr>
               <a:t>ReLU</a:t>
             </a:r>
-            <a:endParaRPr lang="en-US" altLang="zh-CN" sz="1200">
-              <a:latin typeface="微软雅黑" panose="020B0503020204020204" charset="-122"/>
-              <a:ea typeface="微软雅黑" panose="020B0503020204020204" charset="-122"/>
-            </a:endParaRPr>
           </a:p>
         </p:txBody>
       </p:sp>
@@ -23375,10 +22288,6 @@
               </a:rPr>
               <a:t> - 2016.06</a:t>
             </a:r>
-            <a:endParaRPr lang="en-US" altLang="zh-CN" sz="2000" b="1" dirty="0">
-              <a:latin typeface="微软雅黑" panose="020B0503020204020204" charset="-122"/>
-              <a:ea typeface="微软雅黑" panose="020B0503020204020204" charset="-122"/>
-            </a:endParaRPr>
           </a:p>
         </p:txBody>
       </p:sp>
@@ -23470,13 +22379,6 @@
               </a:rPr>
               <a:t>0</a:t>
             </a:r>
-            <a:endParaRPr lang="en-US" altLang="zh-CN" sz="1800">
-              <a:solidFill>
-                <a:schemeClr val="tx1"/>
-              </a:solidFill>
-              <a:latin typeface="微软雅黑" panose="020B0503020204020204" charset="-122"/>
-              <a:ea typeface="微软雅黑" panose="020B0503020204020204" charset="-122"/>
-            </a:endParaRPr>
           </a:p>
           <a:p>
             <a:pPr algn="l"/>
@@ -23491,14 +22393,6 @@
               </a:rPr>
               <a:t>方法：线性瓶颈和逆残差：复用特征，缓解退化</a:t>
             </a:r>
-            <a:endParaRPr lang="zh-CN" altLang="en-US" sz="1800">
-              <a:solidFill>
-                <a:schemeClr val="tx1"/>
-              </a:solidFill>
-              <a:latin typeface="微软雅黑" panose="020B0503020204020204" charset="-122"/>
-              <a:ea typeface="微软雅黑" panose="020B0503020204020204" charset="-122"/>
-              <a:sym typeface="+mn-ea"/>
-            </a:endParaRPr>
           </a:p>
         </p:txBody>
       </p:sp>
@@ -26552,13 +25446,6 @@
               </a:rPr>
               <a:t>通道降维</a:t>
             </a:r>
-            <a:endParaRPr lang="zh-CN" altLang="en-US" sz="1200">
-              <a:solidFill>
-                <a:srgbClr val="0F80FF"/>
-              </a:solidFill>
-              <a:latin typeface="微软雅黑" panose="020B0503020204020204" charset="-122"/>
-              <a:ea typeface="微软雅黑" panose="020B0503020204020204" charset="-122"/>
-            </a:endParaRPr>
           </a:p>
         </p:txBody>
       </p:sp>
@@ -26656,13 +25543,6 @@
               </a:rPr>
               <a:t>输入</a:t>
             </a:r>
-            <a:endParaRPr lang="zh-CN" altLang="en-US">
-              <a:solidFill>
-                <a:schemeClr val="tx1"/>
-              </a:solidFill>
-              <a:latin typeface="微软雅黑" panose="020B0503020204020204" charset="-122"/>
-              <a:ea typeface="微软雅黑" panose="020B0503020204020204" charset="-122"/>
-            </a:endParaRPr>
           </a:p>
         </p:txBody>
       </p:sp>
@@ -26738,13 +25618,6 @@
               </a:rPr>
               <a:t>ReLU6</a:t>
             </a:r>
-            <a:endParaRPr lang="en-US" altLang="zh-CN" sz="1200">
-              <a:solidFill>
-                <a:srgbClr val="C00000"/>
-              </a:solidFill>
-              <a:latin typeface="微软雅黑" panose="020B0503020204020204" charset="-122"/>
-              <a:ea typeface="微软雅黑" panose="020B0503020204020204" charset="-122"/>
-            </a:endParaRPr>
           </a:p>
         </p:txBody>
       </p:sp>
@@ -26781,13 +25654,6 @@
               </a:rPr>
               <a:t>ReLU6</a:t>
             </a:r>
-            <a:endParaRPr lang="en-US" altLang="zh-CN" sz="1200">
-              <a:solidFill>
-                <a:srgbClr val="C00000"/>
-              </a:solidFill>
-              <a:latin typeface="微软雅黑" panose="020B0503020204020204" charset="-122"/>
-              <a:ea typeface="微软雅黑" panose="020B0503020204020204" charset="-122"/>
-            </a:endParaRPr>
           </a:p>
         </p:txBody>
       </p:sp>
@@ -26824,13 +25690,6 @@
               </a:rPr>
               <a:t>ReLU6</a:t>
             </a:r>
-            <a:endParaRPr lang="en-US" altLang="zh-CN" sz="1200">
-              <a:solidFill>
-                <a:srgbClr val="C00000"/>
-              </a:solidFill>
-              <a:latin typeface="微软雅黑" panose="020B0503020204020204" charset="-122"/>
-              <a:ea typeface="微软雅黑" panose="020B0503020204020204" charset="-122"/>
-            </a:endParaRPr>
           </a:p>
         </p:txBody>
       </p:sp>
@@ -26911,15 +25770,6 @@
               </a:rPr>
               <a:t>ReLU6 非线性层</a:t>
             </a:r>
-            <a:endParaRPr lang="zh-CN" altLang="en-US" sz="1200">
-              <a:solidFill>
-                <a:schemeClr val="bg1">
-                  <a:lumMod val="65000"/>
-                </a:schemeClr>
-              </a:solidFill>
-              <a:latin typeface="微软雅黑" panose="020B0503020204020204" charset="-122"/>
-              <a:ea typeface="微软雅黑" panose="020B0503020204020204" charset="-122"/>
-            </a:endParaRPr>
           </a:p>
           <a:p>
             <a:pPr lvl="0" indent="0">
@@ -26938,15 +25788,6 @@
               </a:rPr>
               <a:t>    在低精度计算时能压缩动态范围，    </a:t>
             </a:r>
-            <a:endParaRPr lang="zh-CN" altLang="en-US" sz="1200">
-              <a:solidFill>
-                <a:schemeClr val="bg1">
-                  <a:lumMod val="65000"/>
-                </a:schemeClr>
-              </a:solidFill>
-              <a:latin typeface="微软雅黑" panose="020B0503020204020204" charset="-122"/>
-              <a:ea typeface="微软雅黑" panose="020B0503020204020204" charset="-122"/>
-            </a:endParaRPr>
           </a:p>
           <a:p>
             <a:pPr lvl="0" indent="0">
@@ -26965,15 +25806,6 @@
               </a:rPr>
               <a:t>    算法更稳健。</a:t>
             </a:r>
-            <a:endParaRPr lang="zh-CN" altLang="en-US" sz="1200">
-              <a:solidFill>
-                <a:schemeClr val="bg1">
-                  <a:lumMod val="65000"/>
-                </a:schemeClr>
-              </a:solidFill>
-              <a:latin typeface="微软雅黑" panose="020B0503020204020204" charset="-122"/>
-              <a:ea typeface="微软雅黑" panose="020B0503020204020204" charset="-122"/>
-            </a:endParaRPr>
           </a:p>
           <a:p>
             <a:pPr marL="171450" indent="-171450">
@@ -27007,15 +25839,6 @@
               </a:rPr>
               <a:t>ReLU6 定义为：</a:t>
             </a:r>
-            <a:endParaRPr lang="zh-CN" altLang="en-US" sz="1200">
-              <a:solidFill>
-                <a:schemeClr val="bg1">
-                  <a:lumMod val="65000"/>
-                </a:schemeClr>
-              </a:solidFill>
-              <a:latin typeface="微软雅黑" panose="020B0503020204020204" charset="-122"/>
-              <a:ea typeface="微软雅黑" panose="020B0503020204020204" charset="-122"/>
-            </a:endParaRPr>
           </a:p>
           <a:p>
             <a:pPr indent="0">
@@ -27034,15 +25857,6 @@
               </a:rPr>
               <a:t>    f(x) = min(max(x, 0), 6)</a:t>
             </a:r>
-            <a:endParaRPr lang="zh-CN" altLang="en-US" sz="1200">
-              <a:solidFill>
-                <a:schemeClr val="bg1">
-                  <a:lumMod val="65000"/>
-                </a:schemeClr>
-              </a:solidFill>
-              <a:latin typeface="微软雅黑" panose="020B0503020204020204" charset="-122"/>
-              <a:ea typeface="微软雅黑" panose="020B0503020204020204" charset="-122"/>
-            </a:endParaRPr>
           </a:p>
         </p:txBody>
       </p:sp>
@@ -27220,10 +26034,6 @@
                 </a:rPr>
                 <a:t>.</a:t>
               </a:r>
-              <a:endParaRPr lang="en-US" altLang="zh-CN" sz="4000" b="1">
-                <a:latin typeface="微软雅黑" panose="020B0503020204020204" charset="-122"/>
-                <a:ea typeface="微软雅黑" panose="020B0503020204020204" charset="-122"/>
-              </a:endParaRPr>
             </a:p>
           </p:txBody>
         </p:sp>
@@ -27261,13 +26071,6 @@
               </a:rPr>
               <a:t>Add</a:t>
             </a:r>
-            <a:endParaRPr lang="en-US" altLang="zh-CN" sz="1200">
-              <a:solidFill>
-                <a:srgbClr val="0F80FF"/>
-              </a:solidFill>
-              <a:latin typeface="微软雅黑" panose="020B0503020204020204" charset="-122"/>
-              <a:ea typeface="微软雅黑" panose="020B0503020204020204" charset="-122"/>
-            </a:endParaRPr>
           </a:p>
           <a:p>
             <a:pPr algn="l"/>
@@ -27281,13 +26084,6 @@
               </a:rPr>
               <a:t>按元素相加</a:t>
             </a:r>
-            <a:endParaRPr lang="zh-CN" altLang="en-US" sz="1200">
-              <a:solidFill>
-                <a:schemeClr val="tx1"/>
-              </a:solidFill>
-              <a:latin typeface="微软雅黑" panose="020B0503020204020204" charset="-122"/>
-              <a:ea typeface="微软雅黑" panose="020B0503020204020204" charset="-122"/>
-            </a:endParaRPr>
           </a:p>
         </p:txBody>
       </p:sp>
@@ -27357,10 +26153,6 @@
               </a:rPr>
               <a:t> - 2016</a:t>
             </a:r>
-            <a:endParaRPr lang="en-US" altLang="zh-CN" sz="2000" b="1" dirty="0">
-              <a:latin typeface="微软雅黑" panose="020B0503020204020204" charset="-122"/>
-              <a:ea typeface="微软雅黑" panose="020B0503020204020204" charset="-122"/>
-            </a:endParaRPr>
           </a:p>
         </p:txBody>
       </p:sp>
@@ -27417,10 +26209,6 @@
               </a:rPr>
               <a:t>目标：降低计算复杂度，确保一定的精度，能够在移动端或嵌入式设备上运行</a:t>
             </a:r>
-            <a:endParaRPr lang="zh-CN" altLang="en-US" sz="1800">
-              <a:latin typeface="微软雅黑" panose="020B0503020204020204" charset="-122"/>
-              <a:ea typeface="微软雅黑" panose="020B0503020204020204" charset="-122"/>
-            </a:endParaRPr>
           </a:p>
         </p:txBody>
       </p:sp>
@@ -27453,10 +26241,6 @@
               </a:rPr>
               <a:t>U-GAN-IT_v1 - 2019.07</a:t>
             </a:r>
-            <a:endParaRPr lang="en-US" altLang="zh-CN" sz="2000" b="1" dirty="0">
-              <a:latin typeface="微软雅黑" panose="020B0503020204020204" charset="-122"/>
-              <a:ea typeface="微软雅黑" panose="020B0503020204020204" charset="-122"/>
-            </a:endParaRPr>
           </a:p>
         </p:txBody>
       </p:sp>
@@ -27578,10 +26362,6 @@
               </a:rPr>
               <a:t>）</a:t>
             </a:r>
-            <a:endParaRPr lang="zh-CN" altLang="en-US" sz="1800" dirty="0">
-              <a:latin typeface="微软雅黑" panose="020B0503020204020204" charset="-122"/>
-              <a:ea typeface="微软雅黑" panose="020B0503020204020204" charset="-122"/>
-            </a:endParaRPr>
           </a:p>
           <a:p>
             <a:pPr algn="l"/>
@@ -27705,10 +26485,6 @@
               </a:rPr>
               <a:t>Image-to-Image Translation - 2019.07</a:t>
             </a:r>
-            <a:endParaRPr lang="en-US" altLang="zh-CN" sz="2000" b="1" dirty="0">
-              <a:latin typeface="微软雅黑" panose="020B0503020204020204" charset="-122"/>
-              <a:ea typeface="微软雅黑" panose="020B0503020204020204" charset="-122"/>
-            </a:endParaRPr>
           </a:p>
         </p:txBody>
       </p:sp>
@@ -27766,10 +26542,6 @@
               </a:rPr>
               <a:t>GAN - 2014</a:t>
             </a:r>
-            <a:endParaRPr lang="en-US" altLang="zh-CN" sz="2000" b="1" dirty="0">
-              <a:latin typeface="微软雅黑" panose="020B0503020204020204" charset="-122"/>
-              <a:ea typeface="微软雅黑" panose="020B0503020204020204" charset="-122"/>
-            </a:endParaRPr>
           </a:p>
         </p:txBody>
       </p:sp>
@@ -27782,7 +26554,7 @@
           <p:nvPr/>
         </p:nvPicPr>
         <p:blipFill>
-          <a:blip r:embed="rId1"/>
+          <a:blip r:embed="rId2"/>
           <a:stretch>
             <a:fillRect/>
           </a:stretch>
@@ -27851,10 +26623,6 @@
               </a:rPr>
               <a:t>GAN - 2014</a:t>
             </a:r>
-            <a:endParaRPr lang="en-US" altLang="zh-CN" sz="2000" b="1" dirty="0">
-              <a:latin typeface="微软雅黑" panose="020B0503020204020204" charset="-122"/>
-              <a:ea typeface="微软雅黑" panose="020B0503020204020204" charset="-122"/>
-            </a:endParaRPr>
           </a:p>
         </p:txBody>
       </p:sp>
@@ -27890,13 +26658,6 @@
               </a:rPr>
               <a:t>Generator</a:t>
             </a:r>
-            <a:endParaRPr lang="en-US" altLang="zh-CN" sz="1400" b="1" dirty="0">
-              <a:solidFill>
-                <a:srgbClr val="0000FF"/>
-              </a:solidFill>
-              <a:latin typeface="微软雅黑" panose="020B0503020204020204" charset="-122"/>
-              <a:ea typeface="微软雅黑" panose="020B0503020204020204" charset="-122"/>
-            </a:endParaRPr>
           </a:p>
         </p:txBody>
       </p:sp>
@@ -27935,15 +26696,6 @@
               </a:rPr>
               <a:t>Discriminator</a:t>
             </a:r>
-            <a:endParaRPr lang="en-US" altLang="zh-CN" sz="1400" b="1" dirty="0">
-              <a:solidFill>
-                <a:schemeClr val="accent2">
-                  <a:lumMod val="75000"/>
-                </a:schemeClr>
-              </a:solidFill>
-              <a:latin typeface="微软雅黑" panose="020B0503020204020204" charset="-122"/>
-              <a:ea typeface="微软雅黑" panose="020B0503020204020204" charset="-122"/>
-            </a:endParaRPr>
           </a:p>
         </p:txBody>
       </p:sp>
@@ -28009,7 +26761,7 @@
           <p:nvPr/>
         </p:nvPicPr>
         <p:blipFill>
-          <a:blip r:embed="rId1">
+          <a:blip r:embed="rId2">
             <a:extLst>
               <a:ext uri="{28A0092B-C50C-407E-A947-70E740481C1C}">
                 <a14:useLocalDpi xmlns:a14="http://schemas.microsoft.com/office/drawing/2010/main" val="0"/>
@@ -28187,31 +26939,29 @@
               </a:rPr>
               <a:t>                             28</a:t>
             </a:r>
+          </a:p>
+          <a:p>
             <a:endParaRPr lang="en-US" altLang="zh-CN" sz="1000" dirty="0">
               <a:latin typeface="Arial" panose="020B0604020202090204" pitchFamily="34" charset="0"/>
               <a:cs typeface="Arial" panose="020B0604020202090204" pitchFamily="34" charset="0"/>
             </a:endParaRPr>
           </a:p>
           <a:p>
+            <a:r>
+              <a:rPr lang="en-US" altLang="zh-CN" sz="1400" dirty="0">
+                <a:latin typeface="Axure Handwriting" panose="020B0402020200020204" pitchFamily="34" charset="0"/>
+                <a:cs typeface="Arial" panose="020B0604020202090204" pitchFamily="34" charset="0"/>
+              </a:rPr>
+              <a:t>  x</a:t>
+            </a:r>
+          </a:p>
+          <a:p>
             <a:endParaRPr lang="en-US" altLang="zh-CN" sz="1000" dirty="0">
               <a:latin typeface="Arial" panose="020B0604020202090204" pitchFamily="34" charset="0"/>
               <a:cs typeface="Arial" panose="020B0604020202090204" pitchFamily="34" charset="0"/>
             </a:endParaRPr>
           </a:p>
           <a:p>
-            <a:r>
-              <a:rPr lang="en-US" altLang="zh-CN" sz="1400" dirty="0">
-                <a:latin typeface="Axure Handwriting" panose="020B0402020200020204" pitchFamily="34" charset="0"/>
-                <a:cs typeface="Arial" panose="020B0604020202090204" pitchFamily="34" charset="0"/>
-              </a:rPr>
-              <a:t>  x</a:t>
-            </a:r>
-            <a:endParaRPr lang="en-US" altLang="zh-CN" sz="1400" dirty="0">
-              <a:latin typeface="Axure Handwriting" panose="020B0402020200020204" pitchFamily="34" charset="0"/>
-              <a:cs typeface="Arial" panose="020B0604020202090204" pitchFamily="34" charset="0"/>
-            </a:endParaRPr>
-          </a:p>
-          <a:p>
             <a:endParaRPr lang="en-US" altLang="zh-CN" sz="1000" dirty="0">
               <a:latin typeface="Arial" panose="020B0604020202090204" pitchFamily="34" charset="0"/>
               <a:cs typeface="Arial" panose="020B0604020202090204" pitchFamily="34" charset="0"/>
@@ -28224,12 +26974,6 @@
             </a:endParaRPr>
           </a:p>
           <a:p>
-            <a:endParaRPr lang="en-US" altLang="zh-CN" sz="1000" dirty="0">
-              <a:latin typeface="Arial" panose="020B0604020202090204" pitchFamily="34" charset="0"/>
-              <a:cs typeface="Arial" panose="020B0604020202090204" pitchFamily="34" charset="0"/>
-            </a:endParaRPr>
-          </a:p>
-          <a:p>
             <a:r>
               <a:rPr lang="en-US" altLang="zh-CN" sz="1000" dirty="0">
                 <a:latin typeface="Arial" panose="020B0604020202090204" pitchFamily="34" charset="0"/>
@@ -28237,10 +26981,6 @@
               </a:rPr>
               <a:t>                    28   </a:t>
             </a:r>
-            <a:endParaRPr lang="en-US" altLang="zh-CN" sz="1000" dirty="0">
-              <a:latin typeface="Arial" panose="020B0604020202090204" pitchFamily="34" charset="0"/>
-              <a:cs typeface="Arial" panose="020B0604020202090204" pitchFamily="34" charset="0"/>
-            </a:endParaRPr>
           </a:p>
           <a:p>
             <a:r>
@@ -28250,10 +26990,6 @@
               </a:rPr>
               <a:t>         </a:t>
             </a:r>
-            <a:endParaRPr lang="en-US" altLang="zh-CN" sz="1000" dirty="0">
-              <a:latin typeface="Arial" panose="020B0604020202090204" pitchFamily="34" charset="0"/>
-              <a:cs typeface="Arial" panose="020B0604020202090204" pitchFamily="34" charset="0"/>
-            </a:endParaRPr>
           </a:p>
           <a:p>
             <a:r>
@@ -29422,16 +28158,6 @@
               </a:rPr>
               <a:t>                         14</a:t>
             </a:r>
-            <a:endParaRPr lang="en-US" altLang="zh-CN" sz="1000" dirty="0">
-              <a:solidFill>
-                <a:schemeClr val="tx1">
-                  <a:lumMod val="50000"/>
-                  <a:lumOff val="50000"/>
-                </a:schemeClr>
-              </a:solidFill>
-              <a:latin typeface="Arial" panose="020B0604020202090204" pitchFamily="34" charset="0"/>
-              <a:cs typeface="Arial" panose="020B0604020202090204" pitchFamily="34" charset="0"/>
-            </a:endParaRPr>
           </a:p>
           <a:p>
             <a:r>
@@ -29447,16 +28173,6 @@
               </a:rPr>
               <a:t>                             </a:t>
             </a:r>
-            <a:endParaRPr lang="en-US" altLang="zh-CN" sz="1000" dirty="0">
-              <a:solidFill>
-                <a:schemeClr val="tx1">
-                  <a:lumMod val="50000"/>
-                  <a:lumOff val="50000"/>
-                </a:schemeClr>
-              </a:solidFill>
-              <a:latin typeface="Arial" panose="020B0604020202090204" pitchFamily="34" charset="0"/>
-              <a:cs typeface="Arial" panose="020B0604020202090204" pitchFamily="34" charset="0"/>
-            </a:endParaRPr>
           </a:p>
           <a:p>
             <a:r>
@@ -29472,16 +28188,6 @@
               </a:rPr>
               <a:t>                     14   </a:t>
             </a:r>
-            <a:endParaRPr lang="en-US" altLang="zh-CN" sz="1000" dirty="0">
-              <a:solidFill>
-                <a:schemeClr val="tx1">
-                  <a:lumMod val="50000"/>
-                  <a:lumOff val="50000"/>
-                </a:schemeClr>
-              </a:solidFill>
-              <a:latin typeface="Arial" panose="020B0604020202090204" pitchFamily="34" charset="0"/>
-              <a:cs typeface="Arial" panose="020B0604020202090204" pitchFamily="34" charset="0"/>
-            </a:endParaRPr>
           </a:p>
           <a:p>
             <a:r>
@@ -30718,6 +29424,76 @@
               </a:rPr>
               <a:t>                         7</a:t>
             </a:r>
+          </a:p>
+          <a:p>
+            <a:r>
+              <a:rPr lang="en-US" altLang="zh-CN" sz="1000" dirty="0">
+                <a:solidFill>
+                  <a:schemeClr val="tx1">
+                    <a:lumMod val="50000"/>
+                    <a:lumOff val="50000"/>
+                  </a:schemeClr>
+                </a:solidFill>
+                <a:latin typeface="Arial" panose="020B0604020202090204" pitchFamily="34" charset="0"/>
+                <a:cs typeface="Arial" panose="020B0604020202090204" pitchFamily="34" charset="0"/>
+              </a:rPr>
+              <a:t>                             </a:t>
+            </a:r>
+          </a:p>
+          <a:p>
+            <a:r>
+              <a:rPr lang="en-US" altLang="zh-CN" sz="1000" dirty="0">
+                <a:solidFill>
+                  <a:schemeClr val="tx1">
+                    <a:lumMod val="50000"/>
+                    <a:lumOff val="50000"/>
+                  </a:schemeClr>
+                </a:solidFill>
+                <a:latin typeface="Arial" panose="020B0604020202090204" pitchFamily="34" charset="0"/>
+                <a:cs typeface="Arial" panose="020B0604020202090204" pitchFamily="34" charset="0"/>
+              </a:rPr>
+              <a:t>                     7   </a:t>
+            </a:r>
+          </a:p>
+        </p:txBody>
+      </p:sp>
+      <p:sp>
+        <p:nvSpPr>
+          <p:cNvPr id="126" name="文本框 125"/>
+          <p:cNvSpPr txBox="1"/>
+          <p:nvPr/>
+        </p:nvSpPr>
+        <p:spPr>
+          <a:xfrm>
+            <a:off x="3973456" y="2400417"/>
+            <a:ext cx="1203192" cy="1077218"/>
+          </a:xfrm>
+          <a:prstGeom prst="rect">
+            <a:avLst/>
+          </a:prstGeom>
+          <a:noFill/>
+        </p:spPr>
+        <p:txBody>
+          <a:bodyPr wrap="square" rtlCol="0">
+            <a:spAutoFit/>
+          </a:bodyPr>
+          <a:lstStyle/>
+          <a:p>
+            <a:r>
+              <a:rPr lang="en-US" altLang="zh-CN" sz="1000" dirty="0">
+                <a:solidFill>
+                  <a:schemeClr val="tx1">
+                    <a:lumMod val="50000"/>
+                    <a:lumOff val="50000"/>
+                  </a:schemeClr>
+                </a:solidFill>
+                <a:latin typeface="Arial" panose="020B0604020202090204" pitchFamily="34" charset="0"/>
+                <a:cs typeface="Arial" panose="020B0604020202090204" pitchFamily="34" charset="0"/>
+              </a:rPr>
+              <a:t>                         28</a:t>
+            </a:r>
+          </a:p>
+          <a:p>
             <a:endParaRPr lang="en-US" altLang="zh-CN" sz="1000" dirty="0">
               <a:solidFill>
                 <a:schemeClr val="tx1">
@@ -30741,8 +29517,116 @@
                 <a:latin typeface="Arial" panose="020B0604020202090204" pitchFamily="34" charset="0"/>
                 <a:cs typeface="Arial" panose="020B0604020202090204" pitchFamily="34" charset="0"/>
               </a:rPr>
-              <a:t>                             </a:t>
-            </a:r>
+              <a:t>                            </a:t>
+            </a:r>
+          </a:p>
+          <a:p>
+            <a:r>
+              <a:rPr lang="en-US" altLang="zh-CN" sz="1000" dirty="0">
+                <a:solidFill>
+                  <a:schemeClr val="tx1">
+                    <a:lumMod val="50000"/>
+                    <a:lumOff val="50000"/>
+                  </a:schemeClr>
+                </a:solidFill>
+                <a:latin typeface="Arial" panose="020B0604020202090204" pitchFamily="34" charset="0"/>
+                <a:cs typeface="Arial" panose="020B0604020202090204" pitchFamily="34" charset="0"/>
+              </a:rPr>
+              <a:t>                    28 </a:t>
+            </a:r>
+          </a:p>
+          <a:p>
+            <a:r>
+              <a:rPr lang="en-US" altLang="zh-CN" sz="1000" dirty="0">
+                <a:solidFill>
+                  <a:schemeClr val="tx1">
+                    <a:lumMod val="50000"/>
+                    <a:lumOff val="50000"/>
+                  </a:schemeClr>
+                </a:solidFill>
+                <a:latin typeface="Arial" panose="020B0604020202090204" pitchFamily="34" charset="0"/>
+                <a:cs typeface="Arial" panose="020B0604020202090204" pitchFamily="34" charset="0"/>
+              </a:rPr>
+              <a:t> </a:t>
+            </a:r>
+          </a:p>
+          <a:p>
+            <a:r>
+              <a:rPr lang="en-US" altLang="zh-CN" sz="1000" b="1" dirty="0">
+                <a:solidFill>
+                  <a:schemeClr val="tx1">
+                    <a:lumMod val="50000"/>
+                    <a:lumOff val="50000"/>
+                  </a:schemeClr>
+                </a:solidFill>
+                <a:latin typeface="Arial" panose="020B0604020202090204" pitchFamily="34" charset="0"/>
+                <a:cs typeface="Arial" panose="020B0604020202090204" pitchFamily="34" charset="0"/>
+              </a:rPr>
+              <a:t>        DeConv2</a:t>
+            </a:r>
+            <a:r>
+              <a:rPr lang="en-US" altLang="zh-CN" sz="1400" dirty="0">
+                <a:solidFill>
+                  <a:schemeClr val="tx1">
+                    <a:lumMod val="50000"/>
+                    <a:lumOff val="50000"/>
+                  </a:schemeClr>
+                </a:solidFill>
+                <a:latin typeface="Arial" panose="020B0604020202090204" pitchFamily="34" charset="0"/>
+                <a:cs typeface="Arial" panose="020B0604020202090204" pitchFamily="34" charset="0"/>
+              </a:rPr>
+              <a:t>         </a:t>
+            </a:r>
+            <a:endParaRPr lang="zh-CN" altLang="en-US" sz="1400" dirty="0">
+              <a:solidFill>
+                <a:schemeClr val="tx1">
+                  <a:lumMod val="50000"/>
+                  <a:lumOff val="50000"/>
+                </a:schemeClr>
+              </a:solidFill>
+              <a:latin typeface="Arial" panose="020B0604020202090204" pitchFamily="34" charset="0"/>
+              <a:cs typeface="Arial" panose="020B0604020202090204" pitchFamily="34" charset="0"/>
+            </a:endParaRPr>
+          </a:p>
+        </p:txBody>
+      </p:sp>
+      <p:sp>
+        <p:nvSpPr>
+          <p:cNvPr id="146" name="文本框 145"/>
+          <p:cNvSpPr txBox="1"/>
+          <p:nvPr/>
+        </p:nvSpPr>
+        <p:spPr>
+          <a:xfrm>
+            <a:off x="4641644" y="2284061"/>
+            <a:ext cx="1203192" cy="1077218"/>
+          </a:xfrm>
+          <a:prstGeom prst="rect">
+            <a:avLst/>
+          </a:prstGeom>
+          <a:noFill/>
+        </p:spPr>
+        <p:txBody>
+          <a:bodyPr wrap="square" rtlCol="0">
+            <a:spAutoFit/>
+          </a:bodyPr>
+          <a:lstStyle/>
+          <a:p>
+            <a:r>
+              <a:rPr lang="en-US" altLang="zh-CN" sz="1000" dirty="0">
+                <a:solidFill>
+                  <a:schemeClr val="tx1">
+                    <a:lumMod val="50000"/>
+                    <a:lumOff val="50000"/>
+                  </a:schemeClr>
+                </a:solidFill>
+                <a:latin typeface="Arial" panose="020B0604020202090204" pitchFamily="34" charset="0"/>
+                <a:cs typeface="Arial" panose="020B0604020202090204" pitchFamily="34" charset="0"/>
+              </a:rPr>
+              <a:t>                         28</a:t>
+            </a:r>
+          </a:p>
+          <a:p>
             <a:endParaRPr lang="en-US" altLang="zh-CN" sz="1000" dirty="0">
               <a:solidFill>
                 <a:schemeClr val="tx1">
@@ -30755,19 +29639,6 @@
             </a:endParaRPr>
           </a:p>
           <a:p>
-            <a:r>
-              <a:rPr lang="en-US" altLang="zh-CN" sz="1000" dirty="0">
-                <a:solidFill>
-                  <a:schemeClr val="tx1">
-                    <a:lumMod val="50000"/>
-                    <a:lumOff val="50000"/>
-                  </a:schemeClr>
-                </a:solidFill>
-                <a:latin typeface="Arial" panose="020B0604020202090204" pitchFamily="34" charset="0"/>
-                <a:cs typeface="Arial" panose="020B0604020202090204" pitchFamily="34" charset="0"/>
-              </a:rPr>
-              <a:t>                     7   </a:t>
-            </a:r>
             <a:endParaRPr lang="en-US" altLang="zh-CN" sz="1000" dirty="0">
               <a:solidFill>
                 <a:schemeClr val="tx1">
@@ -30779,29 +29650,6 @@
               <a:cs typeface="Arial" panose="020B0604020202090204" pitchFamily="34" charset="0"/>
             </a:endParaRPr>
           </a:p>
-        </p:txBody>
-      </p:sp>
-      <p:sp>
-        <p:nvSpPr>
-          <p:cNvPr id="126" name="文本框 125"/>
-          <p:cNvSpPr txBox="1"/>
-          <p:nvPr/>
-        </p:nvSpPr>
-        <p:spPr>
-          <a:xfrm>
-            <a:off x="3973456" y="2400417"/>
-            <a:ext cx="1203192" cy="1077218"/>
-          </a:xfrm>
-          <a:prstGeom prst="rect">
-            <a:avLst/>
-          </a:prstGeom>
-          <a:noFill/>
-        </p:spPr>
-        <p:txBody>
-          <a:bodyPr wrap="square" rtlCol="0">
-            <a:spAutoFit/>
-          </a:bodyPr>
-          <a:lstStyle/>
           <a:p>
             <a:r>
               <a:rPr lang="en-US" altLang="zh-CN" sz="1000" dirty="0">
@@ -30814,30 +29662,8 @@
                 <a:latin typeface="Arial" panose="020B0604020202090204" pitchFamily="34" charset="0"/>
                 <a:cs typeface="Arial" panose="020B0604020202090204" pitchFamily="34" charset="0"/>
               </a:rPr>
-              <a:t>                         28</a:t>
-            </a:r>
-            <a:endParaRPr lang="en-US" altLang="zh-CN" sz="1000" dirty="0">
-              <a:solidFill>
-                <a:schemeClr val="tx1">
-                  <a:lumMod val="50000"/>
-                  <a:lumOff val="50000"/>
-                </a:schemeClr>
-              </a:solidFill>
-              <a:latin typeface="Arial" panose="020B0604020202090204" pitchFamily="34" charset="0"/>
-              <a:cs typeface="Arial" panose="020B0604020202090204" pitchFamily="34" charset="0"/>
-            </a:endParaRPr>
-          </a:p>
-          <a:p>
-            <a:endParaRPr lang="en-US" altLang="zh-CN" sz="1000" dirty="0">
-              <a:solidFill>
-                <a:schemeClr val="tx1">
-                  <a:lumMod val="50000"/>
-                  <a:lumOff val="50000"/>
-                </a:schemeClr>
-              </a:solidFill>
-              <a:latin typeface="Arial" panose="020B0604020202090204" pitchFamily="34" charset="0"/>
-              <a:cs typeface="Arial" panose="020B0604020202090204" pitchFamily="34" charset="0"/>
-            </a:endParaRPr>
+              <a:t>                            </a:t>
+            </a:r>
           </a:p>
           <a:p>
             <a:r>
@@ -30851,22 +29677,12 @@
                 <a:latin typeface="Arial" panose="020B0604020202090204" pitchFamily="34" charset="0"/>
                 <a:cs typeface="Arial" panose="020B0604020202090204" pitchFamily="34" charset="0"/>
               </a:rPr>
-              <a:t>                            </a:t>
-            </a:r>
-            <a:endParaRPr lang="en-US" altLang="zh-CN" sz="1000" dirty="0">
-              <a:solidFill>
-                <a:schemeClr val="tx1">
-                  <a:lumMod val="50000"/>
-                  <a:lumOff val="50000"/>
-                </a:schemeClr>
-              </a:solidFill>
-              <a:latin typeface="Arial" panose="020B0604020202090204" pitchFamily="34" charset="0"/>
-              <a:cs typeface="Arial" panose="020B0604020202090204" pitchFamily="34" charset="0"/>
-            </a:endParaRPr>
-          </a:p>
-          <a:p>
-            <a:r>
-              <a:rPr lang="en-US" altLang="zh-CN" sz="1000" dirty="0">
+              <a:t>                    28 </a:t>
+            </a:r>
+          </a:p>
+          <a:p>
+            <a:r>
+              <a:rPr lang="en-US" altLang="zh-CN" sz="1000" b="1" dirty="0">
                 <a:solidFill>
                   <a:schemeClr val="tx1">
                     <a:lumMod val="50000"/>
@@ -30876,57 +29692,7 @@
                 <a:latin typeface="Arial" panose="020B0604020202090204" pitchFamily="34" charset="0"/>
                 <a:cs typeface="Arial" panose="020B0604020202090204" pitchFamily="34" charset="0"/>
               </a:rPr>
-              <a:t>                    28 </a:t>
-            </a:r>
-            <a:endParaRPr lang="en-US" altLang="zh-CN" sz="1000" dirty="0">
-              <a:solidFill>
-                <a:schemeClr val="tx1">
-                  <a:lumMod val="50000"/>
-                  <a:lumOff val="50000"/>
-                </a:schemeClr>
-              </a:solidFill>
-              <a:latin typeface="Arial" panose="020B0604020202090204" pitchFamily="34" charset="0"/>
-              <a:cs typeface="Arial" panose="020B0604020202090204" pitchFamily="34" charset="0"/>
-            </a:endParaRPr>
-          </a:p>
-          <a:p>
-            <a:r>
-              <a:rPr lang="en-US" altLang="zh-CN" sz="1000" dirty="0">
-                <a:solidFill>
-                  <a:schemeClr val="tx1">
-                    <a:lumMod val="50000"/>
-                    <a:lumOff val="50000"/>
-                  </a:schemeClr>
-                </a:solidFill>
-                <a:latin typeface="Arial" panose="020B0604020202090204" pitchFamily="34" charset="0"/>
-                <a:cs typeface="Arial" panose="020B0604020202090204" pitchFamily="34" charset="0"/>
-              </a:rPr>
-              <a:t> </a:t>
-            </a:r>
-            <a:endParaRPr lang="en-US" altLang="zh-CN" sz="1000" dirty="0">
-              <a:solidFill>
-                <a:schemeClr val="tx1">
-                  <a:lumMod val="50000"/>
-                  <a:lumOff val="50000"/>
-                </a:schemeClr>
-              </a:solidFill>
-              <a:latin typeface="Arial" panose="020B0604020202090204" pitchFamily="34" charset="0"/>
-              <a:cs typeface="Arial" panose="020B0604020202090204" pitchFamily="34" charset="0"/>
-            </a:endParaRPr>
-          </a:p>
-          <a:p>
-            <a:r>
-              <a:rPr lang="en-US" altLang="zh-CN" sz="1000" b="1" dirty="0">
-                <a:solidFill>
-                  <a:schemeClr val="tx1">
-                    <a:lumMod val="50000"/>
-                    <a:lumOff val="50000"/>
-                  </a:schemeClr>
-                </a:solidFill>
-                <a:latin typeface="Arial" panose="020B0604020202090204" pitchFamily="34" charset="0"/>
-                <a:cs typeface="Arial" panose="020B0604020202090204" pitchFamily="34" charset="0"/>
-              </a:rPr>
-              <a:t>        DeConv2</a:t>
+              <a:t>        Conv</a:t>
             </a:r>
             <a:r>
               <a:rPr lang="en-US" altLang="zh-CN" sz="1400" dirty="0">
@@ -30956,166 +29722,6 @@
       </p:sp>
       <p:sp>
         <p:nvSpPr>
-          <p:cNvPr id="146" name="文本框 145"/>
-          <p:cNvSpPr txBox="1"/>
-          <p:nvPr/>
-        </p:nvSpPr>
-        <p:spPr>
-          <a:xfrm>
-            <a:off x="4641644" y="2284061"/>
-            <a:ext cx="1203192" cy="1077218"/>
-          </a:xfrm>
-          <a:prstGeom prst="rect">
-            <a:avLst/>
-          </a:prstGeom>
-          <a:noFill/>
-        </p:spPr>
-        <p:txBody>
-          <a:bodyPr wrap="square" rtlCol="0">
-            <a:spAutoFit/>
-          </a:bodyPr>
-          <a:lstStyle/>
-          <a:p>
-            <a:r>
-              <a:rPr lang="en-US" altLang="zh-CN" sz="1000" dirty="0">
-                <a:solidFill>
-                  <a:schemeClr val="tx1">
-                    <a:lumMod val="50000"/>
-                    <a:lumOff val="50000"/>
-                  </a:schemeClr>
-                </a:solidFill>
-                <a:latin typeface="Arial" panose="020B0604020202090204" pitchFamily="34" charset="0"/>
-                <a:cs typeface="Arial" panose="020B0604020202090204" pitchFamily="34" charset="0"/>
-              </a:rPr>
-              <a:t>                         28</a:t>
-            </a:r>
-            <a:endParaRPr lang="en-US" altLang="zh-CN" sz="1000" dirty="0">
-              <a:solidFill>
-                <a:schemeClr val="tx1">
-                  <a:lumMod val="50000"/>
-                  <a:lumOff val="50000"/>
-                </a:schemeClr>
-              </a:solidFill>
-              <a:latin typeface="Arial" panose="020B0604020202090204" pitchFamily="34" charset="0"/>
-              <a:cs typeface="Arial" panose="020B0604020202090204" pitchFamily="34" charset="0"/>
-            </a:endParaRPr>
-          </a:p>
-          <a:p>
-            <a:endParaRPr lang="en-US" altLang="zh-CN" sz="1000" dirty="0">
-              <a:solidFill>
-                <a:schemeClr val="tx1">
-                  <a:lumMod val="50000"/>
-                  <a:lumOff val="50000"/>
-                </a:schemeClr>
-              </a:solidFill>
-              <a:latin typeface="Arial" panose="020B0604020202090204" pitchFamily="34" charset="0"/>
-              <a:cs typeface="Arial" panose="020B0604020202090204" pitchFamily="34" charset="0"/>
-            </a:endParaRPr>
-          </a:p>
-          <a:p>
-            <a:endParaRPr lang="en-US" altLang="zh-CN" sz="1000" dirty="0">
-              <a:solidFill>
-                <a:schemeClr val="tx1">
-                  <a:lumMod val="50000"/>
-                  <a:lumOff val="50000"/>
-                </a:schemeClr>
-              </a:solidFill>
-              <a:latin typeface="Arial" panose="020B0604020202090204" pitchFamily="34" charset="0"/>
-              <a:cs typeface="Arial" panose="020B0604020202090204" pitchFamily="34" charset="0"/>
-            </a:endParaRPr>
-          </a:p>
-          <a:p>
-            <a:r>
-              <a:rPr lang="en-US" altLang="zh-CN" sz="1000" dirty="0">
-                <a:solidFill>
-                  <a:schemeClr val="tx1">
-                    <a:lumMod val="50000"/>
-                    <a:lumOff val="50000"/>
-                  </a:schemeClr>
-                </a:solidFill>
-                <a:latin typeface="Arial" panose="020B0604020202090204" pitchFamily="34" charset="0"/>
-                <a:cs typeface="Arial" panose="020B0604020202090204" pitchFamily="34" charset="0"/>
-              </a:rPr>
-              <a:t>                            </a:t>
-            </a:r>
-            <a:endParaRPr lang="en-US" altLang="zh-CN" sz="1000" dirty="0">
-              <a:solidFill>
-                <a:schemeClr val="tx1">
-                  <a:lumMod val="50000"/>
-                  <a:lumOff val="50000"/>
-                </a:schemeClr>
-              </a:solidFill>
-              <a:latin typeface="Arial" panose="020B0604020202090204" pitchFamily="34" charset="0"/>
-              <a:cs typeface="Arial" panose="020B0604020202090204" pitchFamily="34" charset="0"/>
-            </a:endParaRPr>
-          </a:p>
-          <a:p>
-            <a:r>
-              <a:rPr lang="en-US" altLang="zh-CN" sz="1000" dirty="0">
-                <a:solidFill>
-                  <a:schemeClr val="tx1">
-                    <a:lumMod val="50000"/>
-                    <a:lumOff val="50000"/>
-                  </a:schemeClr>
-                </a:solidFill>
-                <a:latin typeface="Arial" panose="020B0604020202090204" pitchFamily="34" charset="0"/>
-                <a:cs typeface="Arial" panose="020B0604020202090204" pitchFamily="34" charset="0"/>
-              </a:rPr>
-              <a:t>                    28 </a:t>
-            </a:r>
-            <a:endParaRPr lang="en-US" altLang="zh-CN" sz="1000" dirty="0">
-              <a:solidFill>
-                <a:schemeClr val="tx1">
-                  <a:lumMod val="50000"/>
-                  <a:lumOff val="50000"/>
-                </a:schemeClr>
-              </a:solidFill>
-              <a:latin typeface="Arial" panose="020B0604020202090204" pitchFamily="34" charset="0"/>
-              <a:cs typeface="Arial" panose="020B0604020202090204" pitchFamily="34" charset="0"/>
-            </a:endParaRPr>
-          </a:p>
-          <a:p>
-            <a:r>
-              <a:rPr lang="en-US" altLang="zh-CN" sz="1000" b="1" dirty="0">
-                <a:solidFill>
-                  <a:schemeClr val="tx1">
-                    <a:lumMod val="50000"/>
-                    <a:lumOff val="50000"/>
-                  </a:schemeClr>
-                </a:solidFill>
-                <a:latin typeface="Arial" panose="020B0604020202090204" pitchFamily="34" charset="0"/>
-                <a:cs typeface="Arial" panose="020B0604020202090204" pitchFamily="34" charset="0"/>
-              </a:rPr>
-              <a:t>        Conv</a:t>
-            </a:r>
-            <a:r>
-              <a:rPr lang="en-US" altLang="zh-CN" sz="1400" dirty="0">
-                <a:solidFill>
-                  <a:schemeClr val="tx1">
-                    <a:lumMod val="50000"/>
-                    <a:lumOff val="50000"/>
-                  </a:schemeClr>
-                </a:solidFill>
-                <a:latin typeface="Arial" panose="020B0604020202090204" pitchFamily="34" charset="0"/>
-                <a:cs typeface="Arial" panose="020B0604020202090204" pitchFamily="34" charset="0"/>
-              </a:rPr>
-              <a:t>         </a:t>
-            </a:r>
-            <a:endParaRPr lang="zh-CN" altLang="en-US" sz="1400" dirty="0">
-              <a:solidFill>
-                <a:schemeClr val="tx1">
-                  <a:lumMod val="50000"/>
-                  <a:lumOff val="50000"/>
-                </a:schemeClr>
-              </a:solidFill>
-              <a:latin typeface="Arial" panose="020B0604020202090204" pitchFamily="34" charset="0"/>
-              <a:cs typeface="Arial" panose="020B0604020202090204" pitchFamily="34" charset="0"/>
-            </a:endParaRPr>
-          </a:p>
-        </p:txBody>
-      </p:sp>
-      <p:sp>
-        <p:nvSpPr>
           <p:cNvPr id="16" name="矩形 15"/>
           <p:cNvSpPr/>
           <p:nvPr/>
@@ -31165,10 +29771,6 @@
               </a:rPr>
               <a:t>Loss</a:t>
             </a:r>
-            <a:endParaRPr lang="en-US" altLang="zh-CN" sz="1400" b="1" dirty="0">
-              <a:latin typeface="微软雅黑" panose="020B0503020204020204" charset="-122"/>
-              <a:ea typeface="微软雅黑" panose="020B0503020204020204" charset="-122"/>
-            </a:endParaRPr>
           </a:p>
         </p:txBody>
       </p:sp>
@@ -31610,6 +30212,124 @@
               </a:rPr>
               <a:t>                             </a:t>
             </a:r>
+          </a:p>
+          <a:p>
+            <a:r>
+              <a:rPr lang="en-US" altLang="zh-CN" sz="1000" dirty="0">
+                <a:solidFill>
+                  <a:schemeClr val="tx1">
+                    <a:lumMod val="50000"/>
+                    <a:lumOff val="50000"/>
+                  </a:schemeClr>
+                </a:solidFill>
+                <a:latin typeface="Arial" panose="020B0604020202090204" pitchFamily="34" charset="0"/>
+                <a:cs typeface="Arial" panose="020B0604020202090204" pitchFamily="34" charset="0"/>
+              </a:rPr>
+              <a:t>                  14      </a:t>
+            </a:r>
+          </a:p>
+          <a:p>
+            <a:r>
+              <a:rPr lang="en-US" altLang="zh-CN" sz="1200" b="1" dirty="0">
+                <a:solidFill>
+                  <a:schemeClr val="tx1">
+                    <a:lumMod val="50000"/>
+                    <a:lumOff val="50000"/>
+                  </a:schemeClr>
+                </a:solidFill>
+                <a:latin typeface="Arial" panose="020B0604020202090204" pitchFamily="34" charset="0"/>
+                <a:cs typeface="Arial" panose="020B0604020202090204" pitchFamily="34" charset="0"/>
+              </a:rPr>
+              <a:t>  Conv1</a:t>
+            </a:r>
+            <a:r>
+              <a:rPr lang="en-US" altLang="zh-CN" sz="1400" dirty="0">
+                <a:solidFill>
+                  <a:schemeClr val="tx1">
+                    <a:lumMod val="50000"/>
+                    <a:lumOff val="50000"/>
+                  </a:schemeClr>
+                </a:solidFill>
+                <a:latin typeface="Arial" panose="020B0604020202090204" pitchFamily="34" charset="0"/>
+                <a:cs typeface="Arial" panose="020B0604020202090204" pitchFamily="34" charset="0"/>
+              </a:rPr>
+              <a:t>         </a:t>
+            </a:r>
+            <a:endParaRPr lang="zh-CN" altLang="en-US" sz="1400" dirty="0">
+              <a:solidFill>
+                <a:schemeClr val="tx1">
+                  <a:lumMod val="50000"/>
+                  <a:lumOff val="50000"/>
+                </a:schemeClr>
+              </a:solidFill>
+              <a:latin typeface="Arial" panose="020B0604020202090204" pitchFamily="34" charset="0"/>
+              <a:cs typeface="Arial" panose="020B0604020202090204" pitchFamily="34" charset="0"/>
+            </a:endParaRPr>
+          </a:p>
+        </p:txBody>
+      </p:sp>
+      <p:sp>
+        <p:nvSpPr>
+          <p:cNvPr id="73" name="文本框 72"/>
+          <p:cNvSpPr txBox="1"/>
+          <p:nvPr/>
+        </p:nvSpPr>
+        <p:spPr>
+          <a:xfrm>
+            <a:off x="5615854" y="4738481"/>
+            <a:ext cx="1013833" cy="1231106"/>
+          </a:xfrm>
+          <a:prstGeom prst="rect">
+            <a:avLst/>
+          </a:prstGeom>
+          <a:noFill/>
+        </p:spPr>
+        <p:txBody>
+          <a:bodyPr wrap="square" rtlCol="0">
+            <a:spAutoFit/>
+          </a:bodyPr>
+          <a:lstStyle/>
+          <a:p>
+            <a:r>
+              <a:rPr lang="en-US" altLang="zh-CN" sz="1000" dirty="0">
+                <a:solidFill>
+                  <a:schemeClr val="tx1">
+                    <a:lumMod val="50000"/>
+                    <a:lumOff val="50000"/>
+                  </a:schemeClr>
+                </a:solidFill>
+                <a:latin typeface="Arial" panose="020B0604020202090204" pitchFamily="34" charset="0"/>
+                <a:cs typeface="Arial" panose="020B0604020202090204" pitchFamily="34" charset="0"/>
+              </a:rPr>
+              <a:t>                            </a:t>
+            </a:r>
+          </a:p>
+          <a:p>
+            <a:r>
+              <a:rPr lang="en-US" altLang="zh-CN" sz="1000" dirty="0">
+                <a:solidFill>
+                  <a:schemeClr val="tx1">
+                    <a:lumMod val="50000"/>
+                    <a:lumOff val="50000"/>
+                  </a:schemeClr>
+                </a:solidFill>
+                <a:latin typeface="Arial" panose="020B0604020202090204" pitchFamily="34" charset="0"/>
+                <a:cs typeface="Arial" panose="020B0604020202090204" pitchFamily="34" charset="0"/>
+              </a:rPr>
+              <a:t>             7</a:t>
+            </a:r>
+            <a:endParaRPr lang="en-US" altLang="zh-CN" sz="1400" dirty="0">
+              <a:solidFill>
+                <a:schemeClr val="tx1">
+                  <a:lumMod val="50000"/>
+                  <a:lumOff val="50000"/>
+                </a:schemeClr>
+              </a:solidFill>
+              <a:latin typeface="Axure Handwriting" panose="020B0402020200020204" pitchFamily="34" charset="0"/>
+              <a:cs typeface="Arial" panose="020B0604020202090204" pitchFamily="34" charset="0"/>
+            </a:endParaRPr>
+          </a:p>
+          <a:p>
             <a:endParaRPr lang="en-US" altLang="zh-CN" sz="1000" dirty="0">
               <a:solidFill>
                 <a:schemeClr val="tx1">
@@ -31633,22 +30353,12 @@
                 <a:latin typeface="Arial" panose="020B0604020202090204" pitchFamily="34" charset="0"/>
                 <a:cs typeface="Arial" panose="020B0604020202090204" pitchFamily="34" charset="0"/>
               </a:rPr>
-              <a:t>                  14      </a:t>
-            </a:r>
-            <a:endParaRPr lang="en-US" altLang="zh-CN" sz="1000" dirty="0">
-              <a:solidFill>
-                <a:schemeClr val="tx1">
-                  <a:lumMod val="50000"/>
-                  <a:lumOff val="50000"/>
-                </a:schemeClr>
-              </a:solidFill>
-              <a:latin typeface="Arial" panose="020B0604020202090204" pitchFamily="34" charset="0"/>
-              <a:cs typeface="Arial" panose="020B0604020202090204" pitchFamily="34" charset="0"/>
-            </a:endParaRPr>
-          </a:p>
-          <a:p>
-            <a:r>
-              <a:rPr lang="en-US" altLang="zh-CN" sz="1200" b="1" dirty="0">
+              <a:t>                             </a:t>
+            </a:r>
+          </a:p>
+          <a:p>
+            <a:r>
+              <a:rPr lang="en-US" altLang="zh-CN" sz="1000" dirty="0">
                 <a:solidFill>
                   <a:schemeClr val="tx1">
                     <a:lumMod val="50000"/>
@@ -31658,166 +30368,8 @@
                 <a:latin typeface="Arial" panose="020B0604020202090204" pitchFamily="34" charset="0"/>
                 <a:cs typeface="Arial" panose="020B0604020202090204" pitchFamily="34" charset="0"/>
               </a:rPr>
-              <a:t>  Conv1</a:t>
-            </a:r>
-            <a:r>
-              <a:rPr lang="en-US" altLang="zh-CN" sz="1400" dirty="0">
-                <a:solidFill>
-                  <a:schemeClr val="tx1">
-                    <a:lumMod val="50000"/>
-                    <a:lumOff val="50000"/>
-                  </a:schemeClr>
-                </a:solidFill>
-                <a:latin typeface="Arial" panose="020B0604020202090204" pitchFamily="34" charset="0"/>
-                <a:cs typeface="Arial" panose="020B0604020202090204" pitchFamily="34" charset="0"/>
-              </a:rPr>
-              <a:t>         </a:t>
-            </a:r>
-            <a:endParaRPr lang="zh-CN" altLang="en-US" sz="1400" dirty="0">
-              <a:solidFill>
-                <a:schemeClr val="tx1">
-                  <a:lumMod val="50000"/>
-                  <a:lumOff val="50000"/>
-                </a:schemeClr>
-              </a:solidFill>
-              <a:latin typeface="Arial" panose="020B0604020202090204" pitchFamily="34" charset="0"/>
-              <a:cs typeface="Arial" panose="020B0604020202090204" pitchFamily="34" charset="0"/>
-            </a:endParaRPr>
-          </a:p>
-        </p:txBody>
-      </p:sp>
-      <p:sp>
-        <p:nvSpPr>
-          <p:cNvPr id="73" name="文本框 72"/>
-          <p:cNvSpPr txBox="1"/>
-          <p:nvPr/>
-        </p:nvSpPr>
-        <p:spPr>
-          <a:xfrm>
-            <a:off x="5615854" y="4738481"/>
-            <a:ext cx="1013833" cy="1231106"/>
-          </a:xfrm>
-          <a:prstGeom prst="rect">
-            <a:avLst/>
-          </a:prstGeom>
-          <a:noFill/>
-        </p:spPr>
-        <p:txBody>
-          <a:bodyPr wrap="square" rtlCol="0">
-            <a:spAutoFit/>
-          </a:bodyPr>
-          <a:lstStyle/>
-          <a:p>
-            <a:r>
-              <a:rPr lang="en-US" altLang="zh-CN" sz="1000" dirty="0">
-                <a:solidFill>
-                  <a:schemeClr val="tx1">
-                    <a:lumMod val="50000"/>
-                    <a:lumOff val="50000"/>
-                  </a:schemeClr>
-                </a:solidFill>
-                <a:latin typeface="Arial" panose="020B0604020202090204" pitchFamily="34" charset="0"/>
-                <a:cs typeface="Arial" panose="020B0604020202090204" pitchFamily="34" charset="0"/>
-              </a:rPr>
-              <a:t>                            </a:t>
-            </a:r>
-            <a:endParaRPr lang="en-US" altLang="zh-CN" sz="1000" dirty="0">
-              <a:solidFill>
-                <a:schemeClr val="tx1">
-                  <a:lumMod val="50000"/>
-                  <a:lumOff val="50000"/>
-                </a:schemeClr>
-              </a:solidFill>
-              <a:latin typeface="Arial" panose="020B0604020202090204" pitchFamily="34" charset="0"/>
-              <a:cs typeface="Arial" panose="020B0604020202090204" pitchFamily="34" charset="0"/>
-            </a:endParaRPr>
-          </a:p>
-          <a:p>
-            <a:r>
-              <a:rPr lang="en-US" altLang="zh-CN" sz="1000" dirty="0">
-                <a:solidFill>
-                  <a:schemeClr val="tx1">
-                    <a:lumMod val="50000"/>
-                    <a:lumOff val="50000"/>
-                  </a:schemeClr>
-                </a:solidFill>
-                <a:latin typeface="Arial" panose="020B0604020202090204" pitchFamily="34" charset="0"/>
-                <a:cs typeface="Arial" panose="020B0604020202090204" pitchFamily="34" charset="0"/>
-              </a:rPr>
-              <a:t>             7</a:t>
-            </a:r>
-            <a:endParaRPr lang="en-US" altLang="zh-CN" sz="1400" dirty="0">
-              <a:solidFill>
-                <a:schemeClr val="tx1">
-                  <a:lumMod val="50000"/>
-                  <a:lumOff val="50000"/>
-                </a:schemeClr>
-              </a:solidFill>
-              <a:latin typeface="Axure Handwriting" panose="020B0402020200020204" pitchFamily="34" charset="0"/>
-              <a:cs typeface="Arial" panose="020B0604020202090204" pitchFamily="34" charset="0"/>
-            </a:endParaRPr>
-          </a:p>
-          <a:p>
-            <a:endParaRPr lang="en-US" altLang="zh-CN" sz="1000" dirty="0">
-              <a:solidFill>
-                <a:schemeClr val="tx1">
-                  <a:lumMod val="50000"/>
-                  <a:lumOff val="50000"/>
-                </a:schemeClr>
-              </a:solidFill>
-              <a:latin typeface="Arial" panose="020B0604020202090204" pitchFamily="34" charset="0"/>
-              <a:cs typeface="Arial" panose="020B0604020202090204" pitchFamily="34" charset="0"/>
-            </a:endParaRPr>
-          </a:p>
-          <a:p>
-            <a:r>
-              <a:rPr lang="en-US" altLang="zh-CN" sz="1000" dirty="0">
-                <a:solidFill>
-                  <a:schemeClr val="tx1">
-                    <a:lumMod val="50000"/>
-                    <a:lumOff val="50000"/>
-                  </a:schemeClr>
-                </a:solidFill>
-                <a:latin typeface="Arial" panose="020B0604020202090204" pitchFamily="34" charset="0"/>
-                <a:cs typeface="Arial" panose="020B0604020202090204" pitchFamily="34" charset="0"/>
-              </a:rPr>
-              <a:t>                             </a:t>
-            </a:r>
-            <a:endParaRPr lang="en-US" altLang="zh-CN" sz="1000" dirty="0">
-              <a:solidFill>
-                <a:schemeClr val="tx1">
-                  <a:lumMod val="50000"/>
-                  <a:lumOff val="50000"/>
-                </a:schemeClr>
-              </a:solidFill>
-              <a:latin typeface="Arial" panose="020B0604020202090204" pitchFamily="34" charset="0"/>
-              <a:cs typeface="Arial" panose="020B0604020202090204" pitchFamily="34" charset="0"/>
-            </a:endParaRPr>
-          </a:p>
-          <a:p>
-            <a:r>
-              <a:rPr lang="en-US" altLang="zh-CN" sz="1000" dirty="0">
-                <a:solidFill>
-                  <a:schemeClr val="tx1">
-                    <a:lumMod val="50000"/>
-                    <a:lumOff val="50000"/>
-                  </a:schemeClr>
-                </a:solidFill>
-                <a:latin typeface="Arial" panose="020B0604020202090204" pitchFamily="34" charset="0"/>
-                <a:cs typeface="Arial" panose="020B0604020202090204" pitchFamily="34" charset="0"/>
-              </a:rPr>
               <a:t>                           </a:t>
             </a:r>
-            <a:endParaRPr lang="en-US" altLang="zh-CN" sz="1000" dirty="0">
-              <a:solidFill>
-                <a:schemeClr val="tx1">
-                  <a:lumMod val="50000"/>
-                  <a:lumOff val="50000"/>
-                </a:schemeClr>
-              </a:solidFill>
-              <a:latin typeface="Arial" panose="020B0604020202090204" pitchFamily="34" charset="0"/>
-              <a:cs typeface="Arial" panose="020B0604020202090204" pitchFamily="34" charset="0"/>
-            </a:endParaRPr>
           </a:p>
           <a:p>
             <a:r>
@@ -32382,10 +30934,6 @@
               </a:rPr>
               <a:t>GAN - 2014</a:t>
             </a:r>
-            <a:endParaRPr lang="en-US" altLang="zh-CN" sz="2000" b="1" dirty="0">
-              <a:latin typeface="微软雅黑" panose="020B0503020204020204" charset="-122"/>
-              <a:ea typeface="微软雅黑" panose="020B0503020204020204" charset="-122"/>
-            </a:endParaRPr>
           </a:p>
         </p:txBody>
       </p:sp>
@@ -32482,10 +31030,6 @@
               </a:rPr>
               <a:t>）</a:t>
             </a:r>
-            <a:endParaRPr lang="zh-CN" altLang="en-US" sz="1800" dirty="0">
-              <a:latin typeface="微软雅黑" panose="020B0503020204020204" charset="-122"/>
-              <a:ea typeface="微软雅黑" panose="020B0503020204020204" charset="-122"/>
-            </a:endParaRPr>
           </a:p>
           <a:p>
             <a:pPr algn="l"/>
@@ -32524,10 +31068,6 @@
               </a:rPr>
               <a:t>）</a:t>
             </a:r>
-            <a:endParaRPr lang="zh-CN" altLang="en-US" sz="1800" dirty="0">
-              <a:latin typeface="微软雅黑" panose="020B0503020204020204" charset="-122"/>
-              <a:ea typeface="微软雅黑" panose="020B0503020204020204" charset="-122"/>
-            </a:endParaRPr>
           </a:p>
         </p:txBody>
       </p:sp>
@@ -32828,10 +31368,6 @@
               </a:rPr>
               <a:t>）</a:t>
             </a:r>
-            <a:endParaRPr lang="zh-CN" altLang="en-US" sz="1800" dirty="0">
-              <a:latin typeface="微软雅黑" panose="020B0503020204020204" charset="-122"/>
-              <a:ea typeface="微软雅黑" panose="020B0503020204020204" charset="-122"/>
-            </a:endParaRPr>
           </a:p>
           <a:p>
             <a:pPr algn="l"/>
@@ -32870,10 +31406,6 @@
               </a:rPr>
               <a:t>）</a:t>
             </a:r>
-            <a:endParaRPr lang="zh-CN" altLang="en-US" sz="1800" dirty="0">
-              <a:latin typeface="微软雅黑" panose="020B0503020204020204" charset="-122"/>
-              <a:ea typeface="微软雅黑" panose="020B0503020204020204" charset="-122"/>
-            </a:endParaRPr>
           </a:p>
         </p:txBody>
       </p:sp>
@@ -32938,10 +31470,6 @@
               </a:rPr>
               <a:t> - 2014</a:t>
             </a:r>
-            <a:endParaRPr lang="en-US" altLang="zh-CN" sz="2000" b="1" dirty="0">
-              <a:latin typeface="微软雅黑" panose="020B0503020204020204" charset="-122"/>
-              <a:ea typeface="微软雅黑" panose="020B0503020204020204" charset="-122"/>
-            </a:endParaRPr>
           </a:p>
         </p:txBody>
       </p:sp>
@@ -32954,7 +31482,7 @@
           <p:nvPr/>
         </p:nvPicPr>
         <p:blipFill>
-          <a:blip r:embed="rId1"/>
+          <a:blip r:embed="rId2"/>
           <a:stretch>
             <a:fillRect/>
           </a:stretch>
@@ -33330,16 +31858,6 @@
               </a:rPr>
               <a:t>生成固定长度的特征向量，与输入图片的大小和尺度无关</a:t>
             </a:r>
-            <a:endParaRPr lang="zh-CN" altLang="en-US" sz="1400">
-              <a:solidFill>
-                <a:schemeClr val="tx1">
-                  <a:lumMod val="50000"/>
-                  <a:lumOff val="50000"/>
-                </a:schemeClr>
-              </a:solidFill>
-              <a:lati